--- a/testing.pptx
+++ b/testing.pptx
@@ -6,7 +6,7 @@
     <p:sldMasterId id="2147483811" r:id="rId2"/>
   </p:sldMasterIdLst>
   <p:notesMasterIdLst>
-    <p:notesMasterId r:id="rId23"/>
+    <p:notesMasterId r:id="rId24"/>
   </p:notesMasterIdLst>
   <p:sldIdLst>
     <p:sldId id="373" r:id="rId3"/>
@@ -17,18 +17,19 @@
     <p:sldId id="369" r:id="rId8"/>
     <p:sldId id="370" r:id="rId9"/>
     <p:sldId id="371" r:id="rId10"/>
-    <p:sldId id="307" r:id="rId11"/>
-    <p:sldId id="376" r:id="rId12"/>
+    <p:sldId id="376" r:id="rId11"/>
+    <p:sldId id="307" r:id="rId12"/>
     <p:sldId id="374" r:id="rId13"/>
     <p:sldId id="339" r:id="rId14"/>
     <p:sldId id="338" r:id="rId15"/>
     <p:sldId id="383" r:id="rId16"/>
     <p:sldId id="378" r:id="rId17"/>
-    <p:sldId id="377" r:id="rId18"/>
-    <p:sldId id="382" r:id="rId19"/>
-    <p:sldId id="379" r:id="rId20"/>
-    <p:sldId id="380" r:id="rId21"/>
-    <p:sldId id="381" r:id="rId22"/>
+    <p:sldId id="384" r:id="rId18"/>
+    <p:sldId id="377" r:id="rId19"/>
+    <p:sldId id="382" r:id="rId20"/>
+    <p:sldId id="379" r:id="rId21"/>
+    <p:sldId id="380" r:id="rId22"/>
+    <p:sldId id="381" r:id="rId23"/>
   </p:sldIdLst>
   <p:sldSz cx="12192000" cy="6858000"/>
   <p:notesSz cx="6858000" cy="9144000"/>
@@ -144,8 +145,8 @@
             <p14:sldId id="369"/>
             <p14:sldId id="370"/>
             <p14:sldId id="371"/>
+            <p14:sldId id="376"/>
             <p14:sldId id="307"/>
-            <p14:sldId id="376"/>
           </p14:sldIdLst>
         </p14:section>
         <p14:section name="Пишем тесты легко" id="{91725F16-DAA5-49DF-AC15-5F81BAB28E03}">
@@ -155,6 +156,7 @@
             <p14:sldId id="338"/>
             <p14:sldId id="383"/>
             <p14:sldId id="378"/>
+            <p14:sldId id="384"/>
             <p14:sldId id="377"/>
           </p14:sldIdLst>
         </p14:section>
@@ -2498,6 +2500,13 @@
         </dgm:presLayoutVars>
       </dgm:prSet>
       <dgm:spPr/>
+      <dgm:t>
+        <a:bodyPr/>
+        <a:lstStyle/>
+        <a:p>
+          <a:endParaRPr lang="ru-RU"/>
+        </a:p>
+      </dgm:t>
     </dgm:pt>
     <dgm:pt modelId="{CF6D50B3-578A-4EA0-A5A0-492FA729F6ED}" type="pres">
       <dgm:prSet presAssocID="{B75F6A3A-9A51-4DF3-8A57-9AEB0739425C}" presName="composite" presStyleCnt="0"/>
@@ -2510,6 +2519,13 @@
         </dgm:presLayoutVars>
       </dgm:prSet>
       <dgm:spPr/>
+      <dgm:t>
+        <a:bodyPr/>
+        <a:lstStyle/>
+        <a:p>
+          <a:endParaRPr lang="ru-RU"/>
+        </a:p>
+      </dgm:t>
     </dgm:pt>
     <dgm:pt modelId="{61EB78D8-69FF-471D-8FEB-71388C442F55}" type="pres">
       <dgm:prSet presAssocID="{B75F6A3A-9A51-4DF3-8A57-9AEB0739425C}" presName="rect1" presStyleLbl="alignImgPlace1" presStyleIdx="0" presStyleCnt="1" custScaleX="596594" custScaleY="114980" custLinFactX="-64576" custLinFactNeighborX="-100000" custLinFactNeighborY="-13065"/>
@@ -2605,6 +2621,13 @@
         </dgm:presLayoutVars>
       </dgm:prSet>
       <dgm:spPr/>
+      <dgm:t>
+        <a:bodyPr/>
+        <a:lstStyle/>
+        <a:p>
+          <a:endParaRPr lang="ru-RU"/>
+        </a:p>
+      </dgm:t>
     </dgm:pt>
     <dgm:pt modelId="{CF6D50B3-578A-4EA0-A5A0-492FA729F6ED}" type="pres">
       <dgm:prSet presAssocID="{B75F6A3A-9A51-4DF3-8A57-9AEB0739425C}" presName="composite" presStyleCnt="0"/>
@@ -2617,6 +2640,13 @@
         </dgm:presLayoutVars>
       </dgm:prSet>
       <dgm:spPr/>
+      <dgm:t>
+        <a:bodyPr/>
+        <a:lstStyle/>
+        <a:p>
+          <a:endParaRPr lang="ru-RU"/>
+        </a:p>
+      </dgm:t>
     </dgm:pt>
     <dgm:pt modelId="{61EB78D8-69FF-471D-8FEB-71388C442F55}" type="pres">
       <dgm:prSet presAssocID="{B75F6A3A-9A51-4DF3-8A57-9AEB0739425C}" presName="rect1" presStyleLbl="alignImgPlace1" presStyleIdx="0" presStyleCnt="1" custScaleX="596594" custScaleY="114980" custLinFactX="-64576" custLinFactNeighborX="-100000" custLinFactNeighborY="-13065"/>
@@ -2730,6 +2760,13 @@
         </dgm:presLayoutVars>
       </dgm:prSet>
       <dgm:spPr/>
+      <dgm:t>
+        <a:bodyPr/>
+        <a:lstStyle/>
+        <a:p>
+          <a:endParaRPr lang="ru-RU"/>
+        </a:p>
+      </dgm:t>
     </dgm:pt>
     <dgm:pt modelId="{65D73C51-61AB-436D-8191-975603FC9C68}" type="pres">
       <dgm:prSet presAssocID="{9C9C0585-42CE-4F34-A2BB-F1377DA03788}" presName="composite" presStyleCnt="0"/>
@@ -2742,6 +2779,13 @@
         </dgm:presLayoutVars>
       </dgm:prSet>
       <dgm:spPr/>
+      <dgm:t>
+        <a:bodyPr/>
+        <a:lstStyle/>
+        <a:p>
+          <a:endParaRPr lang="ru-RU"/>
+        </a:p>
+      </dgm:t>
     </dgm:pt>
     <dgm:pt modelId="{DFDA3CA3-5C68-4A2F-A4A8-285063A35D87}" type="pres">
       <dgm:prSet presAssocID="{9C9C0585-42CE-4F34-A2BB-F1377DA03788}" presName="rect1" presStyleLbl="alignImgPlace1" presStyleIdx="0" presStyleCnt="1" custScaleX="62421" custScaleY="62421" custLinFactNeighborX="1076" custLinFactNeighborY="-52209"/>
@@ -2828,7 +2872,7 @@
         </a:bodyPr>
         <a:lstStyle/>
         <a:p>
-          <a:pPr marL="0" lvl="0" indent="0" algn="l" defTabSz="222250">
+          <a:pPr lvl="0" algn="l" defTabSz="222250">
             <a:lnSpc>
               <a:spcPct val="90000"/>
             </a:lnSpc>
@@ -2838,7 +2882,6 @@
             <a:spcAft>
               <a:spcPct val="35000"/>
             </a:spcAft>
-            <a:buNone/>
           </a:pPr>
           <a:r>
             <a:rPr lang="ru-RU" sz="500" kern="1200" dirty="0"/>
@@ -2915,118 +2958,6 @@
       <dsp:cNvGrpSpPr/>
     </dsp:nvGrpSpPr>
     <dsp:grpSpPr/>
-    <dsp:sp modelId="{B29ABF60-EC0F-45AD-A90E-9C76D15C2F14}">
-      <dsp:nvSpPr>
-        <dsp:cNvPr id="0" name=""/>
-        <dsp:cNvSpPr/>
-      </dsp:nvSpPr>
-      <dsp:spPr>
-        <a:xfrm>
-          <a:off x="1748174" y="210303"/>
-          <a:ext cx="175586" cy="38914"/>
-        </a:xfrm>
-        <a:prstGeom prst="rect">
-          <a:avLst/>
-        </a:prstGeom>
-        <a:noFill/>
-        <a:ln>
-          <a:noFill/>
-        </a:ln>
-        <a:effectLst/>
-      </dsp:spPr>
-      <dsp:style>
-        <a:lnRef idx="0">
-          <a:scrgbClr r="0" g="0" b="0"/>
-        </a:lnRef>
-        <a:fillRef idx="0">
-          <a:scrgbClr r="0" g="0" b="0"/>
-        </a:fillRef>
-        <a:effectRef idx="0">
-          <a:scrgbClr r="0" g="0" b="0"/>
-        </a:effectRef>
-        <a:fontRef idx="minor"/>
-      </dsp:style>
-      <dsp:txBody>
-        <a:bodyPr spcFirstLastPara="0" vert="horz" wrap="square" lIns="0" tIns="19050" rIns="19050" bIns="0" numCol="1" spcCol="1270" anchor="t" anchorCtr="0">
-          <a:noAutofit/>
-        </a:bodyPr>
-        <a:lstStyle/>
-        <a:p>
-          <a:pPr marL="0" lvl="0" indent="0" algn="l" defTabSz="222250">
-            <a:lnSpc>
-              <a:spcPct val="90000"/>
-            </a:lnSpc>
-            <a:spcBef>
-              <a:spcPct val="0"/>
-            </a:spcBef>
-            <a:spcAft>
-              <a:spcPct val="35000"/>
-            </a:spcAft>
-            <a:buNone/>
-          </a:pPr>
-          <a:r>
-            <a:rPr lang="ru-RU" sz="500" kern="1200" dirty="0"/>
-            <a:t> </a:t>
-          </a:r>
-        </a:p>
-      </dsp:txBody>
-      <dsp:txXfrm>
-        <a:off x="1748174" y="210303"/>
-        <a:ext cx="175586" cy="38914"/>
-      </dsp:txXfrm>
-    </dsp:sp>
-    <dsp:sp modelId="{61EB78D8-69FF-471D-8FEB-71388C442F55}">
-      <dsp:nvSpPr>
-        <dsp:cNvPr id="0" name=""/>
-        <dsp:cNvSpPr/>
-      </dsp:nvSpPr>
-      <dsp:spPr>
-        <a:xfrm>
-          <a:off x="0" y="0"/>
-          <a:ext cx="1980001" cy="381600"/>
-        </a:xfrm>
-        <a:prstGeom prst="rect">
-          <a:avLst/>
-        </a:prstGeom>
-        <a:blipFill>
-          <a:blip xmlns:r="http://schemas.openxmlformats.org/officeDocument/2006/relationships" r:embed="rId1">
-            <a:extLst>
-              <a:ext uri="{28A0092B-C50C-407E-A947-70E740481C1C}">
-                <a14:useLocalDpi xmlns:a14="http://schemas.microsoft.com/office/drawing/2010/main" val="0"/>
-              </a:ext>
-            </a:extLst>
-          </a:blip>
-          <a:srcRect/>
-          <a:stretch>
-            <a:fillRect l="-1000" r="-1000"/>
-          </a:stretch>
-        </a:blipFill>
-        <a:ln w="25400" cap="flat" cmpd="sng" algn="ctr">
-          <a:solidFill>
-            <a:schemeClr val="lt1">
-              <a:hueOff val="0"/>
-              <a:satOff val="0"/>
-              <a:lumOff val="0"/>
-              <a:alphaOff val="0"/>
-            </a:schemeClr>
-          </a:solidFill>
-          <a:prstDash val="solid"/>
-        </a:ln>
-        <a:effectLst/>
-      </dsp:spPr>
-      <dsp:style>
-        <a:lnRef idx="2">
-          <a:scrgbClr r="0" g="0" b="0"/>
-        </a:lnRef>
-        <a:fillRef idx="1">
-          <a:scrgbClr r="0" g="0" b="0"/>
-        </a:fillRef>
-        <a:effectRef idx="0">
-          <a:scrgbClr r="0" g="0" b="0"/>
-        </a:effectRef>
-        <a:fontRef idx="minor"/>
-      </dsp:style>
-    </dsp:sp>
   </dsp:spTree>
 </dsp:drawing>
 </file>
@@ -3039,128 +2970,6 @@
       <dsp:cNvGrpSpPr/>
     </dsp:nvGrpSpPr>
     <dsp:grpSpPr/>
-    <dsp:sp modelId="{A30F2283-C0A4-4A69-BCBE-833D967155A2}">
-      <dsp:nvSpPr>
-        <dsp:cNvPr id="0" name=""/>
-        <dsp:cNvSpPr/>
-      </dsp:nvSpPr>
-      <dsp:spPr>
-        <a:xfrm>
-          <a:off x="469735" y="1146225"/>
-          <a:ext cx="2927097" cy="509149"/>
-        </a:xfrm>
-        <a:prstGeom prst="rect">
-          <a:avLst/>
-        </a:prstGeom>
-        <a:noFill/>
-        <a:ln>
-          <a:noFill/>
-        </a:ln>
-        <a:effectLst/>
-      </dsp:spPr>
-      <dsp:style>
-        <a:lnRef idx="0">
-          <a:scrgbClr r="0" g="0" b="0"/>
-        </a:lnRef>
-        <a:fillRef idx="0">
-          <a:scrgbClr r="0" g="0" b="0"/>
-        </a:fillRef>
-        <a:effectRef idx="0">
-          <a:scrgbClr r="0" g="0" b="0"/>
-        </a:effectRef>
-        <a:fontRef idx="minor"/>
-      </dsp:style>
-      <dsp:txBody>
-        <a:bodyPr spcFirstLastPara="0" vert="horz" wrap="square" lIns="0" tIns="152400" rIns="152400" bIns="0" numCol="1" spcCol="1270" anchor="b" anchorCtr="0">
-          <a:noAutofit/>
-        </a:bodyPr>
-        <a:lstStyle/>
-        <a:p>
-          <a:pPr marL="0" lvl="0" indent="0" algn="ctr" defTabSz="1778000">
-            <a:lnSpc>
-              <a:spcPct val="90000"/>
-            </a:lnSpc>
-            <a:spcBef>
-              <a:spcPct val="0"/>
-            </a:spcBef>
-            <a:spcAft>
-              <a:spcPct val="35000"/>
-            </a:spcAft>
-            <a:buNone/>
-          </a:pPr>
-          <a:r>
-            <a:rPr lang="ru-RU" sz="4000" kern="1200" dirty="0">
-              <a:solidFill>
-                <a:schemeClr val="accent1"/>
-              </a:solidFill>
-            </a:rPr>
-            <a:t>ВОПРОСЫ</a:t>
-          </a:r>
-          <a:r>
-            <a:rPr lang="en-US" sz="4000" kern="1200" dirty="0">
-              <a:solidFill>
-                <a:schemeClr val="accent1"/>
-              </a:solidFill>
-            </a:rPr>
-            <a:t>?</a:t>
-          </a:r>
-          <a:endParaRPr lang="ru-RU" sz="4000" kern="1200" dirty="0">
-            <a:solidFill>
-              <a:schemeClr val="accent1"/>
-            </a:solidFill>
-          </a:endParaRPr>
-        </a:p>
-      </dsp:txBody>
-      <dsp:txXfrm>
-        <a:off x="469735" y="1146225"/>
-        <a:ext cx="2927097" cy="509149"/>
-      </dsp:txXfrm>
-    </dsp:sp>
-    <dsp:sp modelId="{DFDA3CA3-5C68-4A2F-A4A8-285063A35D87}">
-      <dsp:nvSpPr>
-        <dsp:cNvPr id="0" name=""/>
-        <dsp:cNvSpPr/>
-      </dsp:nvSpPr>
-      <dsp:spPr>
-        <a:xfrm>
-          <a:off x="1521700" y="91137"/>
-          <a:ext cx="849599" cy="849599"/>
-        </a:xfrm>
-        <a:prstGeom prst="rect">
-          <a:avLst/>
-        </a:prstGeom>
-        <a:blipFill>
-          <a:blip xmlns:r="http://schemas.openxmlformats.org/officeDocument/2006/relationships" r:embed="rId1">
-            <a:extLst>
-              <a:ext uri="{28A0092B-C50C-407E-A947-70E740481C1C}">
-                <a14:useLocalDpi xmlns:a14="http://schemas.microsoft.com/office/drawing/2010/main" val="0"/>
-              </a:ext>
-            </a:extLst>
-          </a:blip>
-          <a:srcRect/>
-          <a:stretch>
-            <a:fillRect/>
-          </a:stretch>
-        </a:blipFill>
-        <a:ln w="0" cap="flat" cmpd="sng" algn="ctr">
-          <a:noFill/>
-          <a:prstDash val="solid"/>
-        </a:ln>
-        <a:effectLst/>
-      </dsp:spPr>
-      <dsp:style>
-        <a:lnRef idx="2">
-          <a:scrgbClr r="0" g="0" b="0"/>
-        </a:lnRef>
-        <a:fillRef idx="1">
-          <a:scrgbClr r="0" g="0" b="0"/>
-        </a:fillRef>
-        <a:effectRef idx="0">
-          <a:scrgbClr r="0" g="0" b="0"/>
-        </a:effectRef>
-        <a:fontRef idx="minor"/>
-      </dsp:style>
-    </dsp:sp>
   </dsp:spTree>
 </dsp:drawing>
 </file>
@@ -7147,7 +6956,7 @@
           <a:p>
             <a:fld id="{16E5F246-0B7D-44DF-8C1B-EDFCA5DA626A}" type="datetimeFigureOut">
               <a:rPr lang="ru-RU" smtClean="0"/>
-              <a:t>09.10.2016</a:t>
+              <a:t>12.03.2017</a:t>
             </a:fld>
             <a:endParaRPr lang="ru-RU"/>
           </a:p>
@@ -7945,7 +7754,7 @@
           <a:p>
             <a:fld id="{3BAECB10-9972-4830-A584-02C41DAFD45B}" type="slidenum">
               <a:rPr lang="ru-RU" smtClean="0"/>
-              <a:t>9</a:t>
+              <a:t>10</a:t>
             </a:fld>
             <a:endParaRPr lang="ru-RU"/>
           </a:p>
@@ -8037,7 +7846,7 @@
           <a:p>
             <a:fld id="{3BAECB10-9972-4830-A584-02C41DAFD45B}" type="slidenum">
               <a:rPr lang="ru-RU" smtClean="0"/>
-              <a:t>17</a:t>
+              <a:t>18</a:t>
             </a:fld>
             <a:endParaRPr lang="ru-RU"/>
           </a:p>
@@ -8121,7 +7930,7 @@
           <a:p>
             <a:fld id="{3BAECB10-9972-4830-A584-02C41DAFD45B}" type="slidenum">
               <a:rPr lang="ru-RU" smtClean="0"/>
-              <a:t>18</a:t>
+              <a:t>19</a:t>
             </a:fld>
             <a:endParaRPr lang="ru-RU"/>
           </a:p>
@@ -12306,6 +12115,13 @@
   <p:clrMapOvr>
     <a:masterClrMapping/>
   </p:clrMapOvr>
+  <p:timing>
+    <p:tnLst>
+      <p:par>
+        <p:cTn id="1" dur="indefinite" restart="never" nodeType="tmRoot"/>
+      </p:par>
+    </p:tnLst>
+  </p:timing>
 </p:sld>
 </file>
 
@@ -12328,6 +12144,78 @@
       </p:grpSpPr>
       <p:sp>
         <p:nvSpPr>
+          <p:cNvPr id="3" name="Объект 2"/>
+          <p:cNvSpPr>
+            <a:spLocks noGrp="1"/>
+          </p:cNvSpPr>
+          <p:nvPr>
+            <p:ph sz="quarter" idx="13"/>
+          </p:nvPr>
+        </p:nvSpPr>
+        <p:spPr>
+          <a:xfrm>
+            <a:off x="1295400" y="2852019"/>
+            <a:ext cx="9601133" cy="3456711"/>
+          </a:xfrm>
+        </p:spPr>
+        <p:txBody>
+          <a:bodyPr/>
+          <a:lstStyle/>
+          <a:p>
+            <a:r>
+              <a:rPr lang="en-US" dirty="0"/>
+              <a:t>Local Hero</a:t>
+            </a:r>
+            <a:endParaRPr lang="ru-RU" dirty="0"/>
+          </a:p>
+          <a:p>
+            <a:r>
+              <a:rPr lang="en-US" dirty="0"/>
+              <a:t>Loudmouth</a:t>
+            </a:r>
+            <a:endParaRPr lang="ru-RU" dirty="0"/>
+          </a:p>
+          <a:p>
+            <a:r>
+              <a:rPr lang="en-US" dirty="0"/>
+              <a:t>Free Ride</a:t>
+            </a:r>
+            <a:endParaRPr lang="ru-RU" dirty="0"/>
+          </a:p>
+          <a:p>
+            <a:r>
+              <a:rPr lang="en-US" dirty="0"/>
+              <a:t>Over</a:t>
+            </a:r>
+            <a:r>
+              <a:rPr lang="ru-RU" dirty="0"/>
+              <a:t> </a:t>
+            </a:r>
+            <a:r>
+              <a:rPr lang="en-US" dirty="0"/>
+              <a:t>specification</a:t>
+            </a:r>
+          </a:p>
+          <a:p>
+            <a:endParaRPr lang="en-US" dirty="0"/>
+          </a:p>
+          <a:p>
+            <a:r>
+              <a:rPr lang="en-US" sz="2800" dirty="0">
+                <a:hlinkClick r:id="rId3"/>
+              </a:rPr>
+              <a:t>http://blog.james-carr.org/2006/11/03/tdd-anti-patterns/</a:t>
+            </a:r>
+            <a:r>
+              <a:rPr lang="en-US" sz="2800" dirty="0"/>
+              <a:t> </a:t>
+            </a:r>
+            <a:endParaRPr lang="ru-RU" dirty="0"/>
+          </a:p>
+        </p:txBody>
+      </p:sp>
+      <p:sp>
+        <p:nvSpPr>
           <p:cNvPr id="2" name="Заголовок 1"/>
           <p:cNvSpPr>
             <a:spLocks noGrp="1"/>
@@ -12341,48 +12229,399 @@
           <a:bodyPr/>
           <a:lstStyle/>
           <a:p>
-            <a:pPr algn="ctr"/>
-            <a:r>
-              <a:rPr lang="ru-RU" dirty="0"/>
-              <a:t>Пример спецификации тестами</a:t>
-            </a:r>
-            <a:endParaRPr lang="en-US" dirty="0"/>
+            <a:r>
+              <a:rPr lang="ru-RU" dirty="0" err="1"/>
+              <a:t>Антипаттерны</a:t>
+            </a:r>
+            <a:endParaRPr lang="ru-RU" dirty="0"/>
           </a:p>
         </p:txBody>
       </p:sp>
-      <p:pic>
-        <p:nvPicPr>
-          <p:cNvPr id="5" name="Рисунок 4"/>
-          <p:cNvPicPr>
-            <a:picLocks noGrp="1" noChangeAspect="1"/>
-          </p:cNvPicPr>
-          <p:nvPr>
-            <p:ph type="pic" sz="quarter" idx="10"/>
-          </p:nvPr>
-        </p:nvPicPr>
-        <p:blipFill rotWithShape="1">
-          <a:blip r:embed="rId2">
+      <p:grpSp>
+        <p:nvGrpSpPr>
+          <p:cNvPr id="10" name="Группа 9"/>
+          <p:cNvGrpSpPr/>
+          <p:nvPr/>
+        </p:nvGrpSpPr>
+        <p:grpSpPr>
+          <a:xfrm>
+            <a:off x="1295400" y="1628775"/>
+            <a:ext cx="4859089" cy="791842"/>
+            <a:chOff x="6243139" y="2461370"/>
+            <a:chExt cx="4859089" cy="791842"/>
+          </a:xfrm>
+        </p:grpSpPr>
+        <p:sp>
+          <p:nvSpPr>
+            <p:cNvPr id="8" name="TextBox 7"/>
+            <p:cNvSpPr txBox="1"/>
+            <p:nvPr/>
+          </p:nvSpPr>
+          <p:spPr>
+            <a:xfrm>
+              <a:off x="6891139" y="2595681"/>
+              <a:ext cx="4211089" cy="523220"/>
+            </a:xfrm>
+            <a:prstGeom prst="rect">
+              <a:avLst/>
+            </a:prstGeom>
+            <a:noFill/>
+          </p:spPr>
+          <p:txBody>
+            <a:bodyPr wrap="none" rtlCol="0">
+              <a:spAutoFit/>
+            </a:bodyPr>
+            <a:lstStyle/>
+            <a:p>
+              <a:r>
+                <a:rPr lang="en-US" sz="2800" dirty="0">
+                  <a:solidFill>
+                    <a:schemeClr val="accent1"/>
+                  </a:solidFill>
+                  <a:latin typeface="+mj-lt"/>
+                </a:rPr>
+                <a:t>SAMPLES / ANTIPATTERNS</a:t>
+              </a:r>
+            </a:p>
+          </p:txBody>
+        </p:sp>
+        <p:pic>
+          <p:nvPicPr>
+            <p:cNvPr id="9" name="Picture 22" descr="C:\Users\sapogoff\Documents\sapogoff_work\SKB Kontur\01_presentation_templates\03_final\wmf_icons\документ.wmf"/>
+            <p:cNvPicPr>
+              <a:picLocks noChangeAspect="1" noChangeArrowheads="1"/>
+            </p:cNvPicPr>
+            <p:nvPr/>
+          </p:nvPicPr>
+          <p:blipFill>
+            <a:blip r:embed="rId4" cstate="print">
+              <a:duotone>
+                <a:schemeClr val="accent1">
+                  <a:shade val="45000"/>
+                  <a:satMod val="135000"/>
+                </a:schemeClr>
+                <a:prstClr val="white"/>
+              </a:duotone>
+              <a:extLst>
+                <a:ext uri="{28A0092B-C50C-407E-A947-70E740481C1C}">
+                  <a14:useLocalDpi xmlns:a14="http://schemas.microsoft.com/office/drawing/2010/main" val="0"/>
+                </a:ext>
+              </a:extLst>
+            </a:blip>
+            <a:srcRect/>
+            <a:stretch>
+              <a:fillRect/>
+            </a:stretch>
+          </p:blipFill>
+          <p:spPr bwMode="auto">
+            <a:xfrm>
+              <a:off x="6243139" y="2461370"/>
+              <a:ext cx="648000" cy="791842"/>
+            </a:xfrm>
+            <a:prstGeom prst="rect">
+              <a:avLst/>
+            </a:prstGeom>
+            <a:noFill/>
             <a:extLst>
-              <a:ext uri="{28A0092B-C50C-407E-A947-70E740481C1C}">
-                <a14:useLocalDpi xmlns:a14="http://schemas.microsoft.com/office/drawing/2010/main" val="0"/>
+              <a:ext uri="{909E8E84-426E-40DD-AFC4-6F175D3DCCD1}">
+                <a14:hiddenFill xmlns:a14="http://schemas.microsoft.com/office/drawing/2010/main">
+                  <a:solidFill>
+                    <a:srgbClr val="FFFFFF"/>
+                  </a:solidFill>
+                </a14:hiddenFill>
               </a:ext>
             </a:extLst>
-          </a:blip>
-          <a:srcRect l="-19597" r="-19597"/>
-          <a:stretch/>
-        </p:blipFill>
-        <p:spPr/>
-      </p:pic>
+          </p:spPr>
+        </p:pic>
+      </p:grpSp>
     </p:spTree>
     <p:extLst>
       <p:ext uri="{BB962C8B-B14F-4D97-AF65-F5344CB8AC3E}">
-        <p14:creationId xmlns:p14="http://schemas.microsoft.com/office/powerpoint/2010/main" val="768219975"/>
+        <p14:creationId xmlns:p14="http://schemas.microsoft.com/office/powerpoint/2010/main" val="4191729357"/>
       </p:ext>
     </p:extLst>
   </p:cSld>
   <p:clrMapOvr>
     <a:masterClrMapping/>
   </p:clrMapOvr>
+  <p:timing>
+    <p:tnLst>
+      <p:par>
+        <p:cTn id="1" dur="indefinite" restart="never" nodeType="tmRoot">
+          <p:childTnLst>
+            <p:seq concurrent="1" nextAc="seek">
+              <p:cTn id="2" dur="indefinite" nodeType="mainSeq">
+                <p:childTnLst>
+                  <p:par>
+                    <p:cTn id="3" fill="hold">
+                      <p:stCondLst>
+                        <p:cond delay="indefinite"/>
+                      </p:stCondLst>
+                      <p:childTnLst>
+                        <p:par>
+                          <p:cTn id="4" fill="hold">
+                            <p:stCondLst>
+                              <p:cond delay="0"/>
+                            </p:stCondLst>
+                            <p:childTnLst>
+                              <p:par>
+                                <p:cTn id="5" presetID="1" presetClass="entr" presetSubtype="0" fill="hold" grpId="0" nodeType="clickEffect">
+                                  <p:stCondLst>
+                                    <p:cond delay="0"/>
+                                  </p:stCondLst>
+                                  <p:childTnLst>
+                                    <p:set>
+                                      <p:cBhvr>
+                                        <p:cTn id="6" dur="1" fill="hold">
+                                          <p:stCondLst>
+                                            <p:cond delay="0"/>
+                                          </p:stCondLst>
+                                        </p:cTn>
+                                        <p:tgtEl>
+                                          <p:spTgt spid="3">
+                                            <p:txEl>
+                                              <p:pRg st="0" end="0"/>
+                                            </p:txEl>
+                                          </p:spTgt>
+                                        </p:tgtEl>
+                                        <p:attrNameLst>
+                                          <p:attrName>style.visibility</p:attrName>
+                                        </p:attrNameLst>
+                                      </p:cBhvr>
+                                      <p:to>
+                                        <p:strVal val="visible"/>
+                                      </p:to>
+                                    </p:set>
+                                  </p:childTnLst>
+                                </p:cTn>
+                              </p:par>
+                            </p:childTnLst>
+                          </p:cTn>
+                        </p:par>
+                      </p:childTnLst>
+                    </p:cTn>
+                  </p:par>
+                  <p:par>
+                    <p:cTn id="7" fill="hold">
+                      <p:stCondLst>
+                        <p:cond delay="indefinite"/>
+                      </p:stCondLst>
+                      <p:childTnLst>
+                        <p:par>
+                          <p:cTn id="8" fill="hold">
+                            <p:stCondLst>
+                              <p:cond delay="0"/>
+                            </p:stCondLst>
+                            <p:childTnLst>
+                              <p:par>
+                                <p:cTn id="9" presetID="1" presetClass="entr" presetSubtype="0" fill="hold" grpId="0" nodeType="clickEffect">
+                                  <p:stCondLst>
+                                    <p:cond delay="0"/>
+                                  </p:stCondLst>
+                                  <p:childTnLst>
+                                    <p:set>
+                                      <p:cBhvr>
+                                        <p:cTn id="10" dur="1" fill="hold">
+                                          <p:stCondLst>
+                                            <p:cond delay="0"/>
+                                          </p:stCondLst>
+                                        </p:cTn>
+                                        <p:tgtEl>
+                                          <p:spTgt spid="3">
+                                            <p:txEl>
+                                              <p:pRg st="1" end="1"/>
+                                            </p:txEl>
+                                          </p:spTgt>
+                                        </p:tgtEl>
+                                        <p:attrNameLst>
+                                          <p:attrName>style.visibility</p:attrName>
+                                        </p:attrNameLst>
+                                      </p:cBhvr>
+                                      <p:to>
+                                        <p:strVal val="visible"/>
+                                      </p:to>
+                                    </p:set>
+                                  </p:childTnLst>
+                                </p:cTn>
+                              </p:par>
+                            </p:childTnLst>
+                          </p:cTn>
+                        </p:par>
+                      </p:childTnLst>
+                    </p:cTn>
+                  </p:par>
+                  <p:par>
+                    <p:cTn id="11" fill="hold">
+                      <p:stCondLst>
+                        <p:cond delay="indefinite"/>
+                      </p:stCondLst>
+                      <p:childTnLst>
+                        <p:par>
+                          <p:cTn id="12" fill="hold">
+                            <p:stCondLst>
+                              <p:cond delay="0"/>
+                            </p:stCondLst>
+                            <p:childTnLst>
+                              <p:par>
+                                <p:cTn id="13" presetID="1" presetClass="entr" presetSubtype="0" fill="hold" grpId="0" nodeType="clickEffect">
+                                  <p:stCondLst>
+                                    <p:cond delay="0"/>
+                                  </p:stCondLst>
+                                  <p:childTnLst>
+                                    <p:set>
+                                      <p:cBhvr>
+                                        <p:cTn id="14" dur="1" fill="hold">
+                                          <p:stCondLst>
+                                            <p:cond delay="0"/>
+                                          </p:stCondLst>
+                                        </p:cTn>
+                                        <p:tgtEl>
+                                          <p:spTgt spid="3">
+                                            <p:txEl>
+                                              <p:pRg st="2" end="2"/>
+                                            </p:txEl>
+                                          </p:spTgt>
+                                        </p:tgtEl>
+                                        <p:attrNameLst>
+                                          <p:attrName>style.visibility</p:attrName>
+                                        </p:attrNameLst>
+                                      </p:cBhvr>
+                                      <p:to>
+                                        <p:strVal val="visible"/>
+                                      </p:to>
+                                    </p:set>
+                                  </p:childTnLst>
+                                </p:cTn>
+                              </p:par>
+                            </p:childTnLst>
+                          </p:cTn>
+                        </p:par>
+                      </p:childTnLst>
+                    </p:cTn>
+                  </p:par>
+                  <p:par>
+                    <p:cTn id="15" fill="hold">
+                      <p:stCondLst>
+                        <p:cond delay="indefinite"/>
+                      </p:stCondLst>
+                      <p:childTnLst>
+                        <p:par>
+                          <p:cTn id="16" fill="hold">
+                            <p:stCondLst>
+                              <p:cond delay="0"/>
+                            </p:stCondLst>
+                            <p:childTnLst>
+                              <p:par>
+                                <p:cTn id="17" presetID="1" presetClass="entr" presetSubtype="0" fill="hold" grpId="0" nodeType="clickEffect">
+                                  <p:stCondLst>
+                                    <p:cond delay="0"/>
+                                  </p:stCondLst>
+                                  <p:childTnLst>
+                                    <p:set>
+                                      <p:cBhvr>
+                                        <p:cTn id="18" dur="1" fill="hold">
+                                          <p:stCondLst>
+                                            <p:cond delay="0"/>
+                                          </p:stCondLst>
+                                        </p:cTn>
+                                        <p:tgtEl>
+                                          <p:spTgt spid="3">
+                                            <p:txEl>
+                                              <p:pRg st="3" end="3"/>
+                                            </p:txEl>
+                                          </p:spTgt>
+                                        </p:tgtEl>
+                                        <p:attrNameLst>
+                                          <p:attrName>style.visibility</p:attrName>
+                                        </p:attrNameLst>
+                                      </p:cBhvr>
+                                      <p:to>
+                                        <p:strVal val="visible"/>
+                                      </p:to>
+                                    </p:set>
+                                  </p:childTnLst>
+                                </p:cTn>
+                              </p:par>
+                            </p:childTnLst>
+                          </p:cTn>
+                        </p:par>
+                      </p:childTnLst>
+                    </p:cTn>
+                  </p:par>
+                  <p:par>
+                    <p:cTn id="19" fill="hold">
+                      <p:stCondLst>
+                        <p:cond delay="indefinite"/>
+                      </p:stCondLst>
+                      <p:childTnLst>
+                        <p:par>
+                          <p:cTn id="20" fill="hold">
+                            <p:stCondLst>
+                              <p:cond delay="0"/>
+                            </p:stCondLst>
+                            <p:childTnLst>
+                              <p:par>
+                                <p:cTn id="21" presetID="1" presetClass="entr" presetSubtype="0" fill="hold" grpId="0" nodeType="clickEffect">
+                                  <p:stCondLst>
+                                    <p:cond delay="0"/>
+                                  </p:stCondLst>
+                                  <p:childTnLst>
+                                    <p:set>
+                                      <p:cBhvr>
+                                        <p:cTn id="22" dur="1" fill="hold">
+                                          <p:stCondLst>
+                                            <p:cond delay="0"/>
+                                          </p:stCondLst>
+                                        </p:cTn>
+                                        <p:tgtEl>
+                                          <p:spTgt spid="3">
+                                            <p:txEl>
+                                              <p:pRg st="5" end="5"/>
+                                            </p:txEl>
+                                          </p:spTgt>
+                                        </p:tgtEl>
+                                        <p:attrNameLst>
+                                          <p:attrName>style.visibility</p:attrName>
+                                        </p:attrNameLst>
+                                      </p:cBhvr>
+                                      <p:to>
+                                        <p:strVal val="visible"/>
+                                      </p:to>
+                                    </p:set>
+                                  </p:childTnLst>
+                                </p:cTn>
+                              </p:par>
+                            </p:childTnLst>
+                          </p:cTn>
+                        </p:par>
+                      </p:childTnLst>
+                    </p:cTn>
+                  </p:par>
+                </p:childTnLst>
+              </p:cTn>
+              <p:prevCondLst>
+                <p:cond evt="onPrev" delay="0">
+                  <p:tgtEl>
+                    <p:sldTgt/>
+                  </p:tgtEl>
+                </p:cond>
+              </p:prevCondLst>
+              <p:nextCondLst>
+                <p:cond evt="onNext" delay="0">
+                  <p:tgtEl>
+                    <p:sldTgt/>
+                  </p:tgtEl>
+                </p:cond>
+              </p:nextCondLst>
+            </p:seq>
+          </p:childTnLst>
+        </p:cTn>
+      </p:par>
+    </p:tnLst>
+    <p:bldLst>
+      <p:bldP spid="3" grpId="0" build="p"/>
+    </p:bldLst>
+  </p:timing>
 </p:sld>
 </file>
 
@@ -12494,11 +12733,18 @@
   <p:clrMapOvr>
     <a:masterClrMapping/>
   </p:clrMapOvr>
+  <p:timing>
+    <p:tnLst>
+      <p:par>
+        <p:cTn id="1" dur="indefinite" restart="never" nodeType="tmRoot"/>
+      </p:par>
+    </p:tnLst>
+  </p:timing>
 </p:sld>
 </file>
 
 <file path=ppt/slides/slide12.xml><?xml version="1.0" encoding="utf-8"?>
-<p:sld xmlns:a="http://schemas.openxmlformats.org/drawingml/2006/main" xmlns:r="http://schemas.openxmlformats.org/officeDocument/2006/relationships" xmlns:p="http://schemas.openxmlformats.org/presentationml/2006/main">
+<p:sld xmlns:a="http://schemas.openxmlformats.org/drawingml/2006/main" xmlns:r="http://schemas.openxmlformats.org/officeDocument/2006/relationships" xmlns:p="http://schemas.openxmlformats.org/presentationml/2006/main" show="0">
   <p:cSld>
     <p:spTree>
       <p:nvGrpSpPr>
@@ -12553,14 +12799,18 @@
               <a:buChar char="•"/>
             </a:pPr>
             <a:r>
-              <a:rPr lang="en-US" dirty="0"/>
-              <a:t>Comparer, Equal, </a:t>
-            </a:r>
-            <a:r>
-              <a:rPr lang="en-US" dirty="0" err="1"/>
+              <a:rPr lang="en-US" dirty="0" smtClean="0"/>
+              <a:t>Comparer, </a:t>
+            </a:r>
+            <a:r>
+              <a:rPr lang="en-US" i="1" dirty="0" smtClean="0"/>
+              <a:t>Equal, </a:t>
+            </a:r>
+            <a:r>
+              <a:rPr lang="en-US" i="1" dirty="0" err="1" smtClean="0"/>
               <a:t>ToString</a:t>
             </a:r>
-            <a:endParaRPr lang="en-US" dirty="0"/>
+            <a:endParaRPr lang="en-US" i="1" dirty="0" smtClean="0"/>
           </a:p>
           <a:p>
             <a:pPr marL="457200" indent="-457200">
@@ -12568,11 +12818,11 @@
               <a:buChar char="•"/>
             </a:pPr>
             <a:r>
-              <a:rPr lang="ru-RU" dirty="0"/>
+              <a:rPr lang="ru-RU" dirty="0" smtClean="0"/>
               <a:t>Собственные </a:t>
             </a:r>
             <a:r>
-              <a:rPr lang="en-US" dirty="0"/>
+              <a:rPr lang="en-US" dirty="0" smtClean="0"/>
               <a:t>Assert</a:t>
             </a:r>
             <a:r>
@@ -12615,6 +12865,21 @@
   <p:clrMapOvr>
     <a:masterClrMapping/>
   </p:clrMapOvr>
+  <mc:AlternateContent xmlns:mc="http://schemas.openxmlformats.org/markup-compatibility/2006">
+    <mc:Choice xmlns:p14="http://schemas.microsoft.com/office/powerpoint/2010/main" Requires="p14">
+      <p:transition spd="slow" p14:dur="2000"/>
+    </mc:Choice>
+    <mc:Fallback>
+      <p:transition spd="slow"/>
+    </mc:Fallback>
+  </mc:AlternateContent>
+  <p:timing>
+    <p:tnLst>
+      <p:par>
+        <p:cTn id="1" dur="indefinite" restart="never" nodeType="tmRoot"/>
+      </p:par>
+    </p:tnLst>
+  </p:timing>
 </p:sld>
 </file>
 
@@ -13049,6 +13314,13 @@
   <p:clrMapOvr>
     <a:masterClrMapping/>
   </p:clrMapOvr>
+  <p:timing>
+    <p:tnLst>
+      <p:par>
+        <p:cTn id="1" dur="indefinite" restart="never" nodeType="tmRoot"/>
+      </p:par>
+    </p:tnLst>
+  </p:timing>
 </p:sld>
 </file>
 
@@ -13086,7 +13358,9 @@
           </a:xfrm>
         </p:spPr>
         <p:txBody>
-          <a:bodyPr/>
+          <a:bodyPr>
+            <a:normAutofit lnSpcReduction="10000"/>
+          </a:bodyPr>
           <a:lstStyle/>
           <a:p>
             <a:pPr marL="514350" indent="-514350">
@@ -13168,8 +13442,40 @@
             </a:r>
             <a:r>
               <a:rPr lang="ru-RU" dirty="0"/>
-              <a:t>— лучше!</a:t>
-            </a:r>
+              <a:t>— </a:t>
+            </a:r>
+            <a:r>
+              <a:rPr lang="ru-RU" dirty="0" smtClean="0"/>
+              <a:t>лучше</a:t>
+            </a:r>
+            <a:r>
+              <a:rPr lang="en-US" dirty="0" smtClean="0"/>
+              <a:t/>
+            </a:r>
+            <a:br>
+              <a:rPr lang="en-US" dirty="0" smtClean="0"/>
+            </a:br>
+            <a:r>
+              <a:rPr lang="en-US" dirty="0" err="1" smtClean="0"/>
+              <a:t>Assert.That</a:t>
+            </a:r>
+            <a:r>
+              <a:rPr lang="en-US" dirty="0" smtClean="0"/>
+              <a:t>(2+2, </a:t>
+            </a:r>
+            <a:r>
+              <a:rPr lang="en-US" dirty="0" err="1" smtClean="0"/>
+              <a:t>Is.EqualTo</a:t>
+            </a:r>
+            <a:r>
+              <a:rPr lang="en-US" dirty="0" smtClean="0"/>
+              <a:t>(4))</a:t>
+            </a:r>
+            <a:r>
+              <a:rPr lang="ru-RU" dirty="0" smtClean="0"/>
+              <a:t> — длиннее.</a:t>
+            </a:r>
+            <a:endParaRPr lang="en-US" dirty="0" smtClean="0"/>
           </a:p>
           <a:p>
             <a:pPr marL="514350" indent="-514350">
@@ -13177,31 +13483,39 @@
               <a:buAutoNum type="arabicPeriod"/>
             </a:pPr>
             <a:r>
-              <a:rPr lang="ru-RU" dirty="0"/>
-              <a:t>Неинформативные исключения</a:t>
+              <a:rPr lang="ru-RU" dirty="0" smtClean="0"/>
+              <a:t>Неудачная расширяемость:</a:t>
             </a:r>
             <a:br>
-              <a:rPr lang="ru-RU" dirty="0"/>
+              <a:rPr lang="ru-RU" dirty="0" smtClean="0"/>
             </a:br>
             <a:r>
-              <a:rPr lang="ru-RU" dirty="0"/>
-              <a:t>«</a:t>
-            </a:r>
-            <a:r>
-              <a:rPr lang="en-US" dirty="0"/>
-              <a:t>Expected True but was False</a:t>
-            </a:r>
-            <a:r>
-              <a:rPr lang="ru-RU" dirty="0"/>
-              <a:t>»</a:t>
-            </a:r>
-            <a:endParaRPr lang="en-US" dirty="0"/>
-          </a:p>
-          <a:p>
-            <a:pPr marL="514350" indent="-514350">
-              <a:buFont typeface="+mj-lt"/>
-              <a:buAutoNum type="arabicPeriod"/>
-            </a:pPr>
+              <a:rPr lang="en-US" dirty="0" err="1" smtClean="0"/>
+              <a:t>Assert.That</a:t>
+            </a:r>
+            <a:r>
+              <a:rPr lang="en-US" dirty="0" smtClean="0"/>
+              <a:t>(x, </a:t>
+            </a:r>
+            <a:r>
+              <a:rPr lang="en-US" b="1" dirty="0" smtClean="0"/>
+              <a:t>new </a:t>
+            </a:r>
+            <a:r>
+              <a:rPr lang="en-US" b="1" dirty="0" err="1" smtClean="0"/>
+              <a:t>MyConstraint</a:t>
+            </a:r>
+            <a:r>
+              <a:rPr lang="en-US" b="1" dirty="0" smtClean="0"/>
+              <a:t>(...)</a:t>
+            </a:r>
+            <a:r>
+              <a:rPr lang="en-US" dirty="0" smtClean="0"/>
+              <a:t>)</a:t>
+            </a:r>
+            <a:endParaRPr lang="ru-RU" dirty="0"/>
+          </a:p>
+          <a:p>
             <a:endParaRPr lang="en-US" dirty="0"/>
           </a:p>
           <a:p>
@@ -13218,8 +13532,12 @@
               <a:t> – </a:t>
             </a:r>
             <a:r>
+              <a:rPr lang="ru-RU" dirty="0" smtClean="0"/>
+              <a:t>доступна </a:t>
+            </a:r>
+            <a:r>
               <a:rPr lang="ru-RU" dirty="0"/>
-              <a:t>доступны через </a:t>
+              <a:t>через </a:t>
             </a:r>
             <a:r>
               <a:rPr lang="en-US" dirty="0" err="1"/>
@@ -13503,6 +13821,337 @@
 </file>
 
 <file path=ppt/slides/slide16.xml><?xml version="1.0" encoding="utf-8"?>
+<p:sld xmlns:a="http://schemas.openxmlformats.org/drawingml/2006/main" xmlns:r="http://schemas.openxmlformats.org/officeDocument/2006/relationships" xmlns:p="http://schemas.openxmlformats.org/presentationml/2006/main" show="0">
+  <p:cSld>
+    <p:spTree>
+      <p:nvGrpSpPr>
+        <p:cNvPr id="1" name=""/>
+        <p:cNvGrpSpPr/>
+        <p:nvPr/>
+      </p:nvGrpSpPr>
+      <p:grpSpPr>
+        <a:xfrm>
+          <a:off x="0" y="0"/>
+          <a:ext cx="0" cy="0"/>
+          <a:chOff x="0" y="0"/>
+          <a:chExt cx="0" cy="0"/>
+        </a:xfrm>
+      </p:grpSpPr>
+      <p:sp>
+        <p:nvSpPr>
+          <p:cNvPr id="3" name="Объект 2"/>
+          <p:cNvSpPr>
+            <a:spLocks noGrp="1"/>
+          </p:cNvSpPr>
+          <p:nvPr>
+            <p:ph idx="13"/>
+          </p:nvPr>
+        </p:nvSpPr>
+        <p:spPr>
+          <a:xfrm>
+            <a:off x="1295400" y="1628775"/>
+            <a:ext cx="9601200" cy="4679950"/>
+          </a:xfrm>
+        </p:spPr>
+        <p:txBody>
+          <a:bodyPr>
+            <a:normAutofit/>
+          </a:bodyPr>
+          <a:lstStyle/>
+          <a:p>
+            <a:pPr marL="514350" indent="-514350">
+              <a:buFont typeface="+mj-lt"/>
+              <a:buAutoNum type="arabicPeriod"/>
+            </a:pPr>
+            <a:r>
+              <a:rPr lang="en-US" dirty="0"/>
+              <a:t>new[] {1,2,3}</a:t>
+            </a:r>
+            <a:br>
+              <a:rPr lang="en-US" dirty="0"/>
+            </a:br>
+            <a:r>
+              <a:rPr lang="en-US" dirty="0" smtClean="0"/>
+              <a:t>	.</a:t>
+            </a:r>
+            <a:r>
+              <a:rPr lang="en-US" dirty="0" err="1"/>
+              <a:t>ShouldAllBeEquivalentTo</a:t>
+            </a:r>
+            <a:r>
+              <a:rPr lang="en-US" dirty="0"/>
+              <a:t>(new [] </a:t>
+            </a:r>
+            <a:r>
+              <a:rPr lang="en-US" dirty="0" smtClean="0"/>
+              <a:t>{3,2,1});</a:t>
+            </a:r>
+            <a:r>
+              <a:rPr lang="en-US" dirty="0"/>
+              <a:t/>
+            </a:r>
+            <a:br>
+              <a:rPr lang="en-US" dirty="0"/>
+            </a:br>
+            <a:r>
+              <a:rPr lang="ru-RU" dirty="0" smtClean="0"/>
+              <a:t>без учёта порядка!</a:t>
+            </a:r>
+            <a:br>
+              <a:rPr lang="ru-RU" dirty="0" smtClean="0"/>
+            </a:br>
+            <a:endParaRPr lang="ru-RU" dirty="0" smtClean="0"/>
+          </a:p>
+          <a:p>
+            <a:pPr marL="514350" indent="-514350">
+              <a:buFont typeface="+mj-lt"/>
+              <a:buAutoNum type="arabicPeriod"/>
+            </a:pPr>
+            <a:r>
+              <a:rPr lang="en-US" dirty="0" smtClean="0"/>
+              <a:t>new</a:t>
+            </a:r>
+            <a:r>
+              <a:rPr lang="en-US" dirty="0"/>
+              <a:t>[] {1,2,3</a:t>
+            </a:r>
+            <a:r>
+              <a:rPr lang="en-US" dirty="0" smtClean="0"/>
+              <a:t>}</a:t>
+            </a:r>
+            <a:br>
+              <a:rPr lang="en-US" dirty="0" smtClean="0"/>
+            </a:br>
+            <a:r>
+              <a:rPr lang="en-US" dirty="0" smtClean="0"/>
+              <a:t>	.</a:t>
+            </a:r>
+            <a:r>
+              <a:rPr lang="en-US" dirty="0" err="1"/>
+              <a:t>ShouldAllBeEquivalentTo</a:t>
+            </a:r>
+            <a:r>
+              <a:rPr lang="en-US" dirty="0"/>
+              <a:t>(new [] {1,2,3}, </a:t>
+            </a:r>
+            <a:r>
+              <a:rPr lang="en-US" dirty="0" smtClean="0"/>
+              <a:t/>
+            </a:r>
+            <a:br>
+              <a:rPr lang="en-US" dirty="0" smtClean="0"/>
+            </a:br>
+            <a:r>
+              <a:rPr lang="en-US" dirty="0" smtClean="0"/>
+              <a:t>		o </a:t>
+            </a:r>
+            <a:r>
+              <a:rPr lang="en-US" dirty="0"/>
+              <a:t>=&gt; </a:t>
+            </a:r>
+            <a:r>
+              <a:rPr lang="en-US" dirty="0" err="1"/>
+              <a:t>o.WithStrictOrdering</a:t>
+            </a:r>
+            <a:r>
+              <a:rPr lang="en-US" dirty="0" smtClean="0"/>
+              <a:t>());</a:t>
+            </a:r>
+            <a:r>
+              <a:rPr lang="en-US" dirty="0"/>
+              <a:t/>
+            </a:r>
+            <a:br>
+              <a:rPr lang="en-US" dirty="0"/>
+            </a:br>
+            <a:endParaRPr lang="ru-RU" dirty="0"/>
+          </a:p>
+        </p:txBody>
+      </p:sp>
+      <p:sp>
+        <p:nvSpPr>
+          <p:cNvPr id="2" name="Заголовок 1"/>
+          <p:cNvSpPr>
+            <a:spLocks noGrp="1"/>
+          </p:cNvSpPr>
+          <p:nvPr>
+            <p:ph type="title"/>
+          </p:nvPr>
+        </p:nvSpPr>
+        <p:spPr/>
+        <p:txBody>
+          <a:bodyPr/>
+          <a:lstStyle/>
+          <a:p>
+            <a:r>
+              <a:rPr lang="en-US" dirty="0"/>
+              <a:t>Fluent</a:t>
+            </a:r>
+            <a:r>
+              <a:rPr lang="ru-RU" dirty="0"/>
+              <a:t> </a:t>
+            </a:r>
+            <a:r>
+              <a:rPr lang="en-US" dirty="0"/>
+              <a:t>Assertions</a:t>
+            </a:r>
+            <a:endParaRPr lang="ru-RU" dirty="0"/>
+          </a:p>
+        </p:txBody>
+      </p:sp>
+    </p:spTree>
+    <p:extLst>
+      <p:ext uri="{BB962C8B-B14F-4D97-AF65-F5344CB8AC3E}">
+        <p14:creationId xmlns:p14="http://schemas.microsoft.com/office/powerpoint/2010/main" val="1134064929"/>
+      </p:ext>
+    </p:extLst>
+  </p:cSld>
+  <p:clrMapOvr>
+    <a:masterClrMapping/>
+  </p:clrMapOvr>
+  <mc:AlternateContent xmlns:mc="http://schemas.openxmlformats.org/markup-compatibility/2006">
+    <mc:Choice xmlns:p14="http://schemas.microsoft.com/office/powerpoint/2010/main" Requires="p14">
+      <p:transition spd="slow" p14:dur="2000"/>
+    </mc:Choice>
+    <mc:Fallback>
+      <p:transition spd="slow"/>
+    </mc:Fallback>
+  </mc:AlternateContent>
+  <p:timing>
+    <p:tnLst>
+      <p:par>
+        <p:cTn id="1" dur="indefinite" restart="never" nodeType="tmRoot">
+          <p:childTnLst>
+            <p:seq concurrent="1" nextAc="seek">
+              <p:cTn id="2" dur="indefinite" nodeType="mainSeq">
+                <p:childTnLst>
+                  <p:par>
+                    <p:cTn id="3" fill="hold">
+                      <p:stCondLst>
+                        <p:cond delay="indefinite"/>
+                      </p:stCondLst>
+                      <p:childTnLst>
+                        <p:par>
+                          <p:cTn id="4" fill="hold">
+                            <p:stCondLst>
+                              <p:cond delay="0"/>
+                            </p:stCondLst>
+                            <p:childTnLst>
+                              <p:par>
+                                <p:cTn id="5" presetID="1" presetClass="entr" presetSubtype="0" fill="hold" grpId="0" nodeType="clickEffect">
+                                  <p:stCondLst>
+                                    <p:cond delay="0"/>
+                                  </p:stCondLst>
+                                  <p:childTnLst>
+                                    <p:set>
+                                      <p:cBhvr>
+                                        <p:cTn id="6" dur="1" fill="hold">
+                                          <p:stCondLst>
+                                            <p:cond delay="0"/>
+                                          </p:stCondLst>
+                                        </p:cTn>
+                                        <p:tgtEl>
+                                          <p:spTgt spid="3">
+                                            <p:txEl>
+                                              <p:pRg st="0" end="0"/>
+                                            </p:txEl>
+                                          </p:spTgt>
+                                        </p:tgtEl>
+                                        <p:attrNameLst>
+                                          <p:attrName>style.visibility</p:attrName>
+                                        </p:attrNameLst>
+                                      </p:cBhvr>
+                                      <p:to>
+                                        <p:strVal val="visible"/>
+                                      </p:to>
+                                    </p:set>
+                                  </p:childTnLst>
+                                </p:cTn>
+                              </p:par>
+                            </p:childTnLst>
+                          </p:cTn>
+                        </p:par>
+                      </p:childTnLst>
+                    </p:cTn>
+                  </p:par>
+                  <p:par>
+                    <p:cTn id="7" fill="hold">
+                      <p:stCondLst>
+                        <p:cond delay="indefinite"/>
+                      </p:stCondLst>
+                      <p:childTnLst>
+                        <p:par>
+                          <p:cTn id="8" fill="hold">
+                            <p:stCondLst>
+                              <p:cond delay="0"/>
+                            </p:stCondLst>
+                            <p:childTnLst>
+                              <p:par>
+                                <p:cTn id="9" presetID="1" presetClass="entr" presetSubtype="0" fill="hold" grpId="0" nodeType="clickEffect">
+                                  <p:stCondLst>
+                                    <p:cond delay="0"/>
+                                  </p:stCondLst>
+                                  <p:childTnLst>
+                                    <p:set>
+                                      <p:cBhvr>
+                                        <p:cTn id="10" dur="1" fill="hold">
+                                          <p:stCondLst>
+                                            <p:cond delay="0"/>
+                                          </p:stCondLst>
+                                        </p:cTn>
+                                        <p:tgtEl>
+                                          <p:spTgt spid="3">
+                                            <p:txEl>
+                                              <p:pRg st="1" end="1"/>
+                                            </p:txEl>
+                                          </p:spTgt>
+                                        </p:tgtEl>
+                                        <p:attrNameLst>
+                                          <p:attrName>style.visibility</p:attrName>
+                                        </p:attrNameLst>
+                                      </p:cBhvr>
+                                      <p:to>
+                                        <p:strVal val="visible"/>
+                                      </p:to>
+                                    </p:set>
+                                  </p:childTnLst>
+                                </p:cTn>
+                              </p:par>
+                            </p:childTnLst>
+                          </p:cTn>
+                        </p:par>
+                      </p:childTnLst>
+                    </p:cTn>
+                  </p:par>
+                </p:childTnLst>
+              </p:cTn>
+              <p:prevCondLst>
+                <p:cond evt="onPrev" delay="0">
+                  <p:tgtEl>
+                    <p:sldTgt/>
+                  </p:tgtEl>
+                </p:cond>
+              </p:prevCondLst>
+              <p:nextCondLst>
+                <p:cond evt="onNext" delay="0">
+                  <p:tgtEl>
+                    <p:sldTgt/>
+                  </p:tgtEl>
+                </p:cond>
+              </p:nextCondLst>
+            </p:seq>
+          </p:childTnLst>
+        </p:cTn>
+      </p:par>
+    </p:tnLst>
+    <p:bldLst>
+      <p:bldP spid="3" grpId="0" build="p"/>
+    </p:bldLst>
+  </p:timing>
+</p:sld>
+</file>
+
+<file path=ppt/slides/slide17.xml><?xml version="1.0" encoding="utf-8"?>
 <p:sld xmlns:a="http://schemas.openxmlformats.org/drawingml/2006/main" xmlns:r="http://schemas.openxmlformats.org/officeDocument/2006/relationships" xmlns:p="http://schemas.openxmlformats.org/presentationml/2006/main">
   <p:cSld>
     <p:spTree>
@@ -13557,6 +14206,10 @@
               <a:rPr lang="en-US" dirty="0"/>
               <a:t>→</a:t>
             </a:r>
+            <a:r>
+              <a:rPr lang="ru-RU" dirty="0"/>
+              <a:t/>
+            </a:r>
             <a:br>
               <a:rPr lang="ru-RU" dirty="0"/>
             </a:br>
@@ -13664,14 +14317,26 @@
           <a:lstStyle/>
           <a:p>
             <a:r>
-              <a:rPr lang="ru-RU" dirty="0"/>
-              <a:t>Фишки </a:t>
-            </a:r>
-            <a:r>
-              <a:rPr lang="en-US" dirty="0" err="1"/>
+              <a:rPr lang="en-US" sz="4000" dirty="0" smtClean="0"/>
+              <a:t>Live Templates &amp; </a:t>
+            </a:r>
+            <a:r>
+              <a:rPr lang="en-US" sz="4000" dirty="0" err="1" smtClean="0"/>
+              <a:t>HotKeys</a:t>
+            </a:r>
+            <a:r>
+              <a:rPr lang="en-US" sz="4000" dirty="0" smtClean="0"/>
+              <a:t> (</a:t>
+            </a:r>
+            <a:r>
+              <a:rPr lang="en-US" sz="4000" dirty="0" err="1" smtClean="0"/>
               <a:t>Resharper</a:t>
             </a:r>
-            <a:endParaRPr lang="ru-RU" dirty="0"/>
+            <a:r>
+              <a:rPr lang="en-US" sz="4000" dirty="0" smtClean="0"/>
+              <a:t>)</a:t>
+            </a:r>
+            <a:endParaRPr lang="ru-RU" sz="4000" dirty="0"/>
           </a:p>
         </p:txBody>
       </p:sp>
@@ -13685,10 +14350,17 @@
   <p:clrMapOvr>
     <a:masterClrMapping/>
   </p:clrMapOvr>
+  <p:timing>
+    <p:tnLst>
+      <p:par>
+        <p:cTn id="1" dur="indefinite" restart="never" nodeType="tmRoot"/>
+      </p:par>
+    </p:tnLst>
+  </p:timing>
 </p:sld>
 </file>
 
-<file path=ppt/slides/slide17.xml><?xml version="1.0" encoding="utf-8"?>
+<file path=ppt/slides/slide18.xml><?xml version="1.0" encoding="utf-8"?>
 <p:sld xmlns:a="http://schemas.openxmlformats.org/drawingml/2006/main" xmlns:r="http://schemas.openxmlformats.org/officeDocument/2006/relationships" xmlns:p="http://schemas.openxmlformats.org/presentationml/2006/main">
   <p:cSld>
     <p:spTree>
@@ -13773,182 +14445,13 @@
   <p:clrMapOvr>
     <a:masterClrMapping/>
   </p:clrMapOvr>
-</p:sld>
-</file>
-
-<file path=ppt/slides/slide18.xml><?xml version="1.0" encoding="utf-8"?>
-<p:sld xmlns:a="http://schemas.openxmlformats.org/drawingml/2006/main" xmlns:r="http://schemas.openxmlformats.org/officeDocument/2006/relationships" xmlns:p="http://schemas.openxmlformats.org/presentationml/2006/main">
-  <p:cSld>
-    <p:spTree>
-      <p:nvGrpSpPr>
-        <p:cNvPr id="1" name=""/>
-        <p:cNvGrpSpPr/>
-        <p:nvPr/>
-      </p:nvGrpSpPr>
-      <p:grpSpPr>
-        <a:xfrm>
-          <a:off x="0" y="0"/>
-          <a:ext cx="0" cy="0"/>
-          <a:chOff x="0" y="0"/>
-          <a:chExt cx="0" cy="0"/>
-        </a:xfrm>
-      </p:grpSpPr>
-      <p:sp>
-        <p:nvSpPr>
-          <p:cNvPr id="3" name="Объект 2"/>
-          <p:cNvSpPr>
-            <a:spLocks noGrp="1"/>
-          </p:cNvSpPr>
-          <p:nvPr>
-            <p:ph idx="13"/>
-          </p:nvPr>
-        </p:nvSpPr>
-        <p:spPr>
-          <a:xfrm>
-            <a:off x="1295400" y="1628775"/>
-            <a:ext cx="9601200" cy="4679950"/>
-          </a:xfrm>
-        </p:spPr>
-        <p:txBody>
-          <a:bodyPr/>
-          <a:lstStyle/>
-          <a:p>
-            <a:r>
-              <a:rPr lang="ru-RU" dirty="0"/>
-              <a:t>В проекте </a:t>
-            </a:r>
-            <a:r>
-              <a:rPr lang="en-US" dirty="0">
-                <a:solidFill>
-                  <a:schemeClr val="accent1"/>
-                </a:solidFill>
-              </a:rPr>
-              <a:t>Challenge</a:t>
-            </a:r>
-            <a:r>
-              <a:rPr lang="en-US" dirty="0"/>
-              <a:t> </a:t>
-            </a:r>
-            <a:r>
-              <a:rPr lang="ru-RU" dirty="0"/>
-              <a:t>в файле </a:t>
-            </a:r>
-            <a:r>
-              <a:rPr lang="en-US" dirty="0" err="1">
-                <a:solidFill>
-                  <a:schemeClr val="accent1"/>
-                </a:solidFill>
-              </a:rPr>
-              <a:t>WordsStatistics_Tests</a:t>
-            </a:r>
-            <a:r>
-              <a:rPr lang="ru-RU" dirty="0"/>
-              <a:t> напишите тесты:</a:t>
-            </a:r>
-          </a:p>
-          <a:p>
-            <a:pPr marL="971515" lvl="1" indent="-514350">
-              <a:buFont typeface="+mj-lt"/>
-              <a:buAutoNum type="arabicPeriod"/>
-            </a:pPr>
-            <a:r>
-              <a:rPr lang="en-US" dirty="0" err="1"/>
-              <a:t>WordsStatistics</a:t>
-            </a:r>
-            <a:r>
-              <a:rPr lang="ru-RU" dirty="0"/>
-              <a:t> — должен проходить все тесты.</a:t>
-            </a:r>
-          </a:p>
-          <a:p>
-            <a:pPr marL="971515" lvl="1" indent="-514350">
-              <a:buFont typeface="+mj-lt"/>
-              <a:buAutoNum type="arabicPeriod"/>
-            </a:pPr>
-            <a:r>
-              <a:rPr lang="en-US" dirty="0" err="1"/>
-              <a:t>WordStatisticsXXX</a:t>
-            </a:r>
-            <a:r>
-              <a:rPr lang="en-US" dirty="0"/>
-              <a:t> — </a:t>
-            </a:r>
-            <a:r>
-              <a:rPr lang="ru-RU" dirty="0"/>
-              <a:t>некорректные реализации. Должны падать хотя бы на одном тесте.</a:t>
-            </a:r>
-          </a:p>
-          <a:p>
-            <a:r>
-              <a:rPr lang="ru-RU" dirty="0"/>
-              <a:t>Запускайте по </a:t>
-            </a:r>
-            <a:r>
-              <a:rPr lang="en-US" dirty="0">
-                <a:solidFill>
-                  <a:schemeClr val="accent1"/>
-                </a:solidFill>
-              </a:rPr>
-              <a:t>Ctrl+F5</a:t>
-            </a:r>
-            <a:r>
-              <a:rPr lang="ru-RU" dirty="0"/>
-              <a:t>.</a:t>
-            </a:r>
-          </a:p>
-          <a:p>
-            <a:r>
-              <a:rPr lang="ru-RU" dirty="0"/>
-              <a:t>Не открывайте файл </a:t>
-            </a:r>
-            <a:r>
-              <a:rPr lang="en-US" b="1" dirty="0" err="1">
-                <a:solidFill>
-                  <a:schemeClr val="accent1"/>
-                </a:solidFill>
-              </a:rPr>
-              <a:t>DoNotOpen</a:t>
-            </a:r>
-            <a:r>
-              <a:rPr lang="ru-RU" dirty="0"/>
-              <a:t>!</a:t>
-            </a:r>
-          </a:p>
-        </p:txBody>
-      </p:sp>
-      <p:sp>
-        <p:nvSpPr>
-          <p:cNvPr id="2" name="Заголовок 1"/>
-          <p:cNvSpPr>
-            <a:spLocks noGrp="1"/>
-          </p:cNvSpPr>
-          <p:nvPr>
-            <p:ph type="title"/>
-          </p:nvPr>
-        </p:nvSpPr>
-        <p:spPr/>
-        <p:txBody>
-          <a:bodyPr/>
-          <a:lstStyle/>
-          <a:p>
-            <a:r>
-              <a:rPr lang="en-US" dirty="0" err="1"/>
-              <a:t>cHALLENGE</a:t>
-            </a:r>
-            <a:endParaRPr lang="ru-RU" dirty="0"/>
-          </a:p>
-        </p:txBody>
-      </p:sp>
-    </p:spTree>
-    <p:extLst>
-      <p:ext uri="{BB962C8B-B14F-4D97-AF65-F5344CB8AC3E}">
-        <p14:creationId xmlns:p14="http://schemas.microsoft.com/office/powerpoint/2010/main" val="2572830397"/>
-      </p:ext>
-    </p:extLst>
-  </p:cSld>
-  <p:clrMapOvr>
-    <a:masterClrMapping/>
-  </p:clrMapOvr>
+  <p:timing>
+    <p:tnLst>
+      <p:par>
+        <p:cTn id="1" dur="indefinite" restart="never" nodeType="tmRoot"/>
+      </p:par>
+    </p:tnLst>
+  </p:timing>
 </p:sld>
 </file>
 
@@ -13986,18 +14489,99 @@
           </a:xfrm>
         </p:spPr>
         <p:txBody>
-          <a:bodyPr anchor="ctr">
-            <a:normAutofit/>
-          </a:bodyPr>
+          <a:bodyPr/>
           <a:lstStyle/>
           <a:p>
-            <a:pPr algn="ctr"/>
-            <a:r>
-              <a:rPr lang="ru-RU" sz="4000" dirty="0"/>
-              <a:t>Открываем </a:t>
-            </a:r>
-            <a:r>
-              <a:rPr lang="en-US" sz="4000" dirty="0" err="1">
+            <a:r>
+              <a:rPr lang="ru-RU" dirty="0"/>
+              <a:t>В проекте </a:t>
+            </a:r>
+            <a:r>
+              <a:rPr lang="en-US" dirty="0">
+                <a:solidFill>
+                  <a:schemeClr val="accent1"/>
+                </a:solidFill>
+              </a:rPr>
+              <a:t>Challenge</a:t>
+            </a:r>
+            <a:r>
+              <a:rPr lang="en-US" dirty="0"/>
+              <a:t> </a:t>
+            </a:r>
+            <a:r>
+              <a:rPr lang="ru-RU" dirty="0"/>
+              <a:t>в файле </a:t>
+            </a:r>
+            <a:r>
+              <a:rPr lang="en-US" dirty="0" err="1">
+                <a:solidFill>
+                  <a:schemeClr val="accent1"/>
+                </a:solidFill>
+              </a:rPr>
+              <a:t>WordsStatistics_Tests</a:t>
+            </a:r>
+            <a:r>
+              <a:rPr lang="ru-RU" dirty="0"/>
+              <a:t> напишите тесты:</a:t>
+            </a:r>
+          </a:p>
+          <a:p>
+            <a:pPr marL="971515" lvl="1" indent="-514350">
+              <a:buFont typeface="+mj-lt"/>
+              <a:buAutoNum type="arabicPeriod"/>
+            </a:pPr>
+            <a:r>
+              <a:rPr lang="en-US" dirty="0" err="1"/>
+              <a:t>WordsStatistics</a:t>
+            </a:r>
+            <a:r>
+              <a:rPr lang="ru-RU" dirty="0"/>
+              <a:t> — должен проходить все тесты.</a:t>
+            </a:r>
+          </a:p>
+          <a:p>
+            <a:pPr marL="971515" lvl="1" indent="-514350">
+              <a:buFont typeface="+mj-lt"/>
+              <a:buAutoNum type="arabicPeriod"/>
+            </a:pPr>
+            <a:r>
+              <a:rPr lang="en-US" dirty="0" err="1"/>
+              <a:t>WordStatisticsXXX</a:t>
+            </a:r>
+            <a:r>
+              <a:rPr lang="en-US" dirty="0"/>
+              <a:t> — </a:t>
+            </a:r>
+            <a:r>
+              <a:rPr lang="ru-RU" dirty="0"/>
+              <a:t>некорректные реализации. Должны падать хотя бы на одном тесте.</a:t>
+            </a:r>
+          </a:p>
+          <a:p>
+            <a:r>
+              <a:rPr lang="ru-RU" dirty="0"/>
+              <a:t>Запускайте по </a:t>
+            </a:r>
+            <a:r>
+              <a:rPr lang="en-US" dirty="0">
+                <a:solidFill>
+                  <a:schemeClr val="accent1"/>
+                </a:solidFill>
+              </a:rPr>
+              <a:t>Ctrl+F5</a:t>
+            </a:r>
+            <a:r>
+              <a:rPr lang="ru-RU" dirty="0"/>
+              <a:t>.</a:t>
+            </a:r>
+          </a:p>
+          <a:p>
+            <a:r>
+              <a:rPr lang="ru-RU" dirty="0"/>
+              <a:t>Не открывайте файл </a:t>
+            </a:r>
+            <a:r>
+              <a:rPr lang="en-US" b="1" dirty="0" err="1">
                 <a:solidFill>
                   <a:schemeClr val="accent1"/>
                 </a:solidFill>
@@ -14005,10 +14589,9 @@
               <a:t>DoNotOpen</a:t>
             </a:r>
             <a:r>
-              <a:rPr lang="en-US" sz="4000" dirty="0"/>
+              <a:rPr lang="ru-RU" dirty="0"/>
               <a:t>!</a:t>
             </a:r>
-            <a:endParaRPr lang="ru-RU" sz="4000" dirty="0"/>
           </a:p>
         </p:txBody>
       </p:sp>
@@ -14038,18 +14621,25 @@
     </p:spTree>
     <p:extLst>
       <p:ext uri="{BB962C8B-B14F-4D97-AF65-F5344CB8AC3E}">
-        <p14:creationId xmlns:p14="http://schemas.microsoft.com/office/powerpoint/2010/main" val="2295645457"/>
+        <p14:creationId xmlns:p14="http://schemas.microsoft.com/office/powerpoint/2010/main" val="2572830397"/>
       </p:ext>
     </p:extLst>
   </p:cSld>
   <p:clrMapOvr>
     <a:masterClrMapping/>
   </p:clrMapOvr>
+  <p:timing>
+    <p:tnLst>
+      <p:par>
+        <p:cTn id="1" dur="indefinite" restart="never" nodeType="tmRoot"/>
+      </p:par>
+    </p:tnLst>
+  </p:timing>
 </p:sld>
 </file>
 
 <file path=ppt/slides/slide2.xml><?xml version="1.0" encoding="utf-8"?>
-<p:sld xmlns:a="http://schemas.openxmlformats.org/drawingml/2006/main" xmlns:r="http://schemas.openxmlformats.org/officeDocument/2006/relationships" xmlns:p="http://schemas.openxmlformats.org/presentationml/2006/main">
+<p:sld xmlns:a="http://schemas.openxmlformats.org/drawingml/2006/main" xmlns:r="http://schemas.openxmlformats.org/officeDocument/2006/relationships" xmlns:p="http://schemas.openxmlformats.org/presentationml/2006/main" show="0">
   <p:cSld>
     <p:spTree>
       <p:nvGrpSpPr>
@@ -14098,6 +14688,21 @@
   <p:clrMapOvr>
     <a:masterClrMapping/>
   </p:clrMapOvr>
+  <mc:AlternateContent xmlns:mc="http://schemas.openxmlformats.org/markup-compatibility/2006" xmlns:p14="http://schemas.microsoft.com/office/powerpoint/2010/main">
+    <mc:Choice Requires="p14">
+      <p:transition spd="slow" p14:dur="2000"/>
+    </mc:Choice>
+    <mc:Fallback xmlns="">
+      <p:transition spd="slow"/>
+    </mc:Fallback>
+  </mc:AlternateContent>
+  <p:timing>
+    <p:tnLst>
+      <p:par>
+        <p:cTn id="1" dur="indefinite" restart="never" nodeType="tmRoot"/>
+      </p:par>
+    </p:tnLst>
+  </p:timing>
 </p:sld>
 </file>
 
@@ -14135,12 +14740,121 @@
           </a:xfrm>
         </p:spPr>
         <p:txBody>
+          <a:bodyPr anchor="ctr">
+            <a:normAutofit/>
+          </a:bodyPr>
+          <a:lstStyle/>
+          <a:p>
+            <a:pPr algn="ctr"/>
+            <a:r>
+              <a:rPr lang="ru-RU" sz="4000" dirty="0"/>
+              <a:t>Открываем </a:t>
+            </a:r>
+            <a:r>
+              <a:rPr lang="en-US" sz="4000" dirty="0" err="1">
+                <a:solidFill>
+                  <a:schemeClr val="accent1"/>
+                </a:solidFill>
+              </a:rPr>
+              <a:t>DoNotOpen</a:t>
+            </a:r>
+            <a:r>
+              <a:rPr lang="en-US" sz="4000" dirty="0"/>
+              <a:t>!</a:t>
+            </a:r>
+            <a:endParaRPr lang="ru-RU" sz="4000" dirty="0"/>
+          </a:p>
+        </p:txBody>
+      </p:sp>
+      <p:sp>
+        <p:nvSpPr>
+          <p:cNvPr id="2" name="Заголовок 1"/>
+          <p:cNvSpPr>
+            <a:spLocks noGrp="1"/>
+          </p:cNvSpPr>
+          <p:nvPr>
+            <p:ph type="title"/>
+          </p:nvPr>
+        </p:nvSpPr>
+        <p:spPr/>
+        <p:txBody>
           <a:bodyPr/>
           <a:lstStyle/>
           <a:p>
             <a:r>
+              <a:rPr lang="en-US" dirty="0" err="1"/>
+              <a:t>cHALLENGE</a:t>
+            </a:r>
+            <a:endParaRPr lang="ru-RU" dirty="0"/>
+          </a:p>
+        </p:txBody>
+      </p:sp>
+    </p:spTree>
+    <p:extLst>
+      <p:ext uri="{BB962C8B-B14F-4D97-AF65-F5344CB8AC3E}">
+        <p14:creationId xmlns:p14="http://schemas.microsoft.com/office/powerpoint/2010/main" val="2295645457"/>
+      </p:ext>
+    </p:extLst>
+  </p:cSld>
+  <p:clrMapOvr>
+    <a:masterClrMapping/>
+  </p:clrMapOvr>
+  <p:timing>
+    <p:tnLst>
+      <p:par>
+        <p:cTn id="1" dur="indefinite" restart="never" nodeType="tmRoot"/>
+      </p:par>
+    </p:tnLst>
+  </p:timing>
+</p:sld>
+</file>
+
+<file path=ppt/slides/slide21.xml><?xml version="1.0" encoding="utf-8"?>
+<p:sld xmlns:a="http://schemas.openxmlformats.org/drawingml/2006/main" xmlns:r="http://schemas.openxmlformats.org/officeDocument/2006/relationships" xmlns:p="http://schemas.openxmlformats.org/presentationml/2006/main">
+  <p:cSld>
+    <p:spTree>
+      <p:nvGrpSpPr>
+        <p:cNvPr id="1" name=""/>
+        <p:cNvGrpSpPr/>
+        <p:nvPr/>
+      </p:nvGrpSpPr>
+      <p:grpSpPr>
+        <a:xfrm>
+          <a:off x="0" y="0"/>
+          <a:ext cx="0" cy="0"/>
+          <a:chOff x="0" y="0"/>
+          <a:chExt cx="0" cy="0"/>
+        </a:xfrm>
+      </p:grpSpPr>
+      <p:sp>
+        <p:nvSpPr>
+          <p:cNvPr id="3" name="Объект 2"/>
+          <p:cNvSpPr>
+            <a:spLocks noGrp="1"/>
+          </p:cNvSpPr>
+          <p:nvPr>
+            <p:ph idx="13"/>
+          </p:nvPr>
+        </p:nvSpPr>
+        <p:spPr>
+          <a:xfrm>
+            <a:off x="1295400" y="1628775"/>
+            <a:ext cx="9601200" cy="4679950"/>
+          </a:xfrm>
+        </p:spPr>
+        <p:txBody>
+          <a:bodyPr>
+            <a:normAutofit lnSpcReduction="10000"/>
+          </a:bodyPr>
+          <a:lstStyle/>
+          <a:p>
+            <a:r>
+              <a:rPr lang="ru-RU" dirty="0" smtClean="0"/>
+              <a:t>Тесты </a:t>
+            </a:r>
+            <a:r>
               <a:rPr lang="ru-RU" dirty="0"/>
-              <a:t>Тесты по спецификации — это просто</a:t>
+              <a:t>по спецификации — это просто</a:t>
             </a:r>
             <a:endParaRPr lang="en-US" dirty="0"/>
           </a:p>
@@ -14217,7 +14931,34 @@
             </a:r>
             <a:r>
               <a:rPr lang="en-US" dirty="0"/>
-              <a:t> (CR)</a:t>
+              <a:t> (CR</a:t>
+            </a:r>
+            <a:r>
+              <a:rPr lang="en-US" dirty="0" smtClean="0"/>
+              <a:t>)</a:t>
+            </a:r>
+            <a:endParaRPr lang="ru-RU" dirty="0" smtClean="0"/>
+          </a:p>
+          <a:p>
+            <a:r>
+              <a:rPr lang="ru-RU" dirty="0" smtClean="0"/>
+              <a:t>Большие цифры в </a:t>
+            </a:r>
+            <a:r>
+              <a:rPr lang="ru-RU" dirty="0" err="1" smtClean="0"/>
+              <a:t>лидерборде</a:t>
+            </a:r>
+            <a:r>
+              <a:rPr lang="ru-RU" dirty="0" smtClean="0"/>
+              <a:t> — плохо (</a:t>
+            </a:r>
+            <a:r>
+              <a:rPr lang="en-US" dirty="0" err="1" smtClean="0"/>
+              <a:t>Overspecification</a:t>
+            </a:r>
+            <a:r>
+              <a:rPr lang="en-US" smtClean="0"/>
+              <a:t>)</a:t>
             </a:r>
             <a:endParaRPr lang="ru-RU" dirty="0"/>
           </a:p>
@@ -14517,6 +15258,55 @@
                       </p:childTnLst>
                     </p:cTn>
                   </p:par>
+                  <p:par>
+                    <p:cTn id="23" fill="hold">
+                      <p:stCondLst>
+                        <p:cond delay="indefinite"/>
+                      </p:stCondLst>
+                      <p:childTnLst>
+                        <p:par>
+                          <p:cTn id="24" fill="hold">
+                            <p:stCondLst>
+                              <p:cond delay="0"/>
+                            </p:stCondLst>
+                            <p:childTnLst>
+                              <p:par>
+                                <p:cTn id="25" presetID="1" presetClass="entr" presetSubtype="0" fill="hold" grpId="0" nodeType="clickEffect">
+                                  <p:stCondLst>
+                                    <p:cond delay="0"/>
+                                  </p:stCondLst>
+                                  <p:childTnLst>
+                                    <p:set>
+                                      <p:cBhvr>
+                                        <p:cTn id="26" dur="1" fill="hold">
+                                          <p:stCondLst>
+                                            <p:cond delay="0"/>
+                                          </p:stCondLst>
+                                        </p:cTn>
+                                        <p:tgtEl>
+                                          <p:spTgt spid="3">
+                                            <p:txEl>
+                                              <p:pRg st="5" end="5"/>
+                                            </p:txEl>
+                                          </p:spTgt>
+                                        </p:tgtEl>
+                                        <p:attrNameLst>
+                                          <p:attrName>style.visibility</p:attrName>
+                                        </p:attrNameLst>
+                                      </p:cBhvr>
+                                      <p:to>
+                                        <p:strVal val="visible"/>
+                                      </p:to>
+                                    </p:set>
+                                  </p:childTnLst>
+                                </p:cTn>
+                              </p:par>
+                            </p:childTnLst>
+                          </p:cTn>
+                        </p:par>
+                      </p:childTnLst>
+                    </p:cTn>
+                  </p:par>
                 </p:childTnLst>
               </p:cTn>
               <p:prevCondLst>
@@ -14638,6 +15428,13 @@
   <p:clrMapOvr>
     <a:masterClrMapping/>
   </p:clrMapOvr>
+  <p:timing>
+    <p:tnLst>
+      <p:par>
+        <p:cTn id="1" dur="indefinite" restart="never" nodeType="tmRoot"/>
+      </p:par>
+    </p:tnLst>
+  </p:timing>
 </p:sld>
 </file>
 
@@ -15038,6 +15835,13 @@
   <p:clrMapOvr>
     <a:masterClrMapping/>
   </p:clrMapOvr>
+  <p:timing>
+    <p:tnLst>
+      <p:par>
+        <p:cTn id="1" dur="indefinite" restart="never" nodeType="tmRoot"/>
+      </p:par>
+    </p:tnLst>
+  </p:timing>
 </p:sld>
 </file>
 
@@ -17075,78 +17879,6 @@
       </p:grpSpPr>
       <p:sp>
         <p:nvSpPr>
-          <p:cNvPr id="3" name="Объект 2"/>
-          <p:cNvSpPr>
-            <a:spLocks noGrp="1"/>
-          </p:cNvSpPr>
-          <p:nvPr>
-            <p:ph sz="quarter" idx="13"/>
-          </p:nvPr>
-        </p:nvSpPr>
-        <p:spPr>
-          <a:xfrm>
-            <a:off x="1295400" y="2852019"/>
-            <a:ext cx="9601133" cy="3456711"/>
-          </a:xfrm>
-        </p:spPr>
-        <p:txBody>
-          <a:bodyPr/>
-          <a:lstStyle/>
-          <a:p>
-            <a:r>
-              <a:rPr lang="en-US" dirty="0"/>
-              <a:t>Local Hero</a:t>
-            </a:r>
-            <a:endParaRPr lang="ru-RU" dirty="0"/>
-          </a:p>
-          <a:p>
-            <a:r>
-              <a:rPr lang="en-US" dirty="0"/>
-              <a:t>Loudmouth</a:t>
-            </a:r>
-            <a:endParaRPr lang="ru-RU" dirty="0"/>
-          </a:p>
-          <a:p>
-            <a:r>
-              <a:rPr lang="en-US" dirty="0"/>
-              <a:t>Free Ride</a:t>
-            </a:r>
-            <a:endParaRPr lang="ru-RU" dirty="0"/>
-          </a:p>
-          <a:p>
-            <a:r>
-              <a:rPr lang="en-US" dirty="0"/>
-              <a:t>Over</a:t>
-            </a:r>
-            <a:r>
-              <a:rPr lang="ru-RU" dirty="0"/>
-              <a:t> </a:t>
-            </a:r>
-            <a:r>
-              <a:rPr lang="en-US" dirty="0"/>
-              <a:t>specification</a:t>
-            </a:r>
-          </a:p>
-          <a:p>
-            <a:endParaRPr lang="en-US" dirty="0"/>
-          </a:p>
-          <a:p>
-            <a:r>
-              <a:rPr lang="en-US" sz="2800" dirty="0">
-                <a:hlinkClick r:id="rId3"/>
-              </a:rPr>
-              <a:t>http://blog.james-carr.org/2006/11/03/tdd-anti-patterns/</a:t>
-            </a:r>
-            <a:r>
-              <a:rPr lang="en-US" sz="2800" dirty="0"/>
-              <a:t> </a:t>
-            </a:r>
-            <a:endParaRPr lang="ru-RU" dirty="0"/>
-          </a:p>
-        </p:txBody>
-      </p:sp>
-      <p:sp>
-        <p:nvSpPr>
           <p:cNvPr id="2" name="Заголовок 1"/>
           <p:cNvSpPr>
             <a:spLocks noGrp="1"/>
@@ -17160,115 +17892,42 @@
           <a:bodyPr/>
           <a:lstStyle/>
           <a:p>
-            <a:r>
-              <a:rPr lang="ru-RU" dirty="0" err="1"/>
-              <a:t>Антипаттерны</a:t>
-            </a:r>
-            <a:endParaRPr lang="ru-RU" dirty="0"/>
+            <a:pPr algn="ctr"/>
+            <a:r>
+              <a:rPr lang="ru-RU" dirty="0"/>
+              <a:t>Пример спецификации тестами</a:t>
+            </a:r>
+            <a:endParaRPr lang="en-US" dirty="0"/>
           </a:p>
         </p:txBody>
       </p:sp>
-      <p:grpSp>
-        <p:nvGrpSpPr>
-          <p:cNvPr id="10" name="Группа 9"/>
-          <p:cNvGrpSpPr/>
-          <p:nvPr/>
-        </p:nvGrpSpPr>
-        <p:grpSpPr>
-          <a:xfrm>
-            <a:off x="1295400" y="1628775"/>
-            <a:ext cx="4859089" cy="791842"/>
-            <a:chOff x="6243139" y="2461370"/>
-            <a:chExt cx="4859089" cy="791842"/>
-          </a:xfrm>
-        </p:grpSpPr>
-        <p:sp>
-          <p:nvSpPr>
-            <p:cNvPr id="8" name="TextBox 7"/>
-            <p:cNvSpPr txBox="1"/>
-            <p:nvPr/>
-          </p:nvSpPr>
-          <p:spPr>
-            <a:xfrm>
-              <a:off x="6891139" y="2595681"/>
-              <a:ext cx="4211089" cy="523220"/>
-            </a:xfrm>
-            <a:prstGeom prst="rect">
-              <a:avLst/>
-            </a:prstGeom>
-            <a:noFill/>
-          </p:spPr>
-          <p:txBody>
-            <a:bodyPr wrap="none" rtlCol="0">
-              <a:spAutoFit/>
-            </a:bodyPr>
-            <a:lstStyle/>
-            <a:p>
-              <a:r>
-                <a:rPr lang="en-US" sz="2800" dirty="0">
-                  <a:solidFill>
-                    <a:schemeClr val="accent1"/>
-                  </a:solidFill>
-                  <a:latin typeface="+mj-lt"/>
-                </a:rPr>
-                <a:t>SAMPLES / ANTIPATTERNS</a:t>
-              </a:r>
-            </a:p>
-          </p:txBody>
-        </p:sp>
-        <p:pic>
-          <p:nvPicPr>
-            <p:cNvPr id="9" name="Picture 22" descr="C:\Users\sapogoff\Documents\sapogoff_work\SKB Kontur\01_presentation_templates\03_final\wmf_icons\документ.wmf"/>
-            <p:cNvPicPr>
-              <a:picLocks noChangeAspect="1" noChangeArrowheads="1"/>
-            </p:cNvPicPr>
-            <p:nvPr/>
-          </p:nvPicPr>
-          <p:blipFill>
-            <a:blip r:embed="rId4" cstate="print">
-              <a:duotone>
-                <a:schemeClr val="accent1">
-                  <a:shade val="45000"/>
-                  <a:satMod val="135000"/>
-                </a:schemeClr>
-                <a:prstClr val="white"/>
-              </a:duotone>
-              <a:extLst>
-                <a:ext uri="{28A0092B-C50C-407E-A947-70E740481C1C}">
-                  <a14:useLocalDpi xmlns:a14="http://schemas.microsoft.com/office/drawing/2010/main" val="0"/>
-                </a:ext>
-              </a:extLst>
-            </a:blip>
-            <a:srcRect/>
-            <a:stretch>
-              <a:fillRect/>
-            </a:stretch>
-          </p:blipFill>
-          <p:spPr bwMode="auto">
-            <a:xfrm>
-              <a:off x="6243139" y="2461370"/>
-              <a:ext cx="648000" cy="791842"/>
-            </a:xfrm>
-            <a:prstGeom prst="rect">
-              <a:avLst/>
-            </a:prstGeom>
-            <a:noFill/>
+      <p:pic>
+        <p:nvPicPr>
+          <p:cNvPr id="5" name="Рисунок 4"/>
+          <p:cNvPicPr>
+            <a:picLocks noGrp="1" noChangeAspect="1"/>
+          </p:cNvPicPr>
+          <p:nvPr>
+            <p:ph type="pic" sz="quarter" idx="10"/>
+          </p:nvPr>
+        </p:nvPicPr>
+        <p:blipFill rotWithShape="1">
+          <a:blip r:embed="rId2">
             <a:extLst>
-              <a:ext uri="{909E8E84-426E-40DD-AFC4-6F175D3DCCD1}">
-                <a14:hiddenFill xmlns:a14="http://schemas.microsoft.com/office/drawing/2010/main">
-                  <a:solidFill>
-                    <a:srgbClr val="FFFFFF"/>
-                  </a:solidFill>
-                </a14:hiddenFill>
+              <a:ext uri="{28A0092B-C50C-407E-A947-70E740481C1C}">
+                <a14:useLocalDpi xmlns:a14="http://schemas.microsoft.com/office/drawing/2010/main" val="0"/>
               </a:ext>
             </a:extLst>
-          </p:spPr>
-        </p:pic>
-      </p:grpSp>
+          </a:blip>
+          <a:srcRect l="-19597" r="-19597"/>
+          <a:stretch/>
+        </p:blipFill>
+        <p:spPr/>
+      </p:pic>
     </p:spTree>
     <p:extLst>
       <p:ext uri="{BB962C8B-B14F-4D97-AF65-F5344CB8AC3E}">
-        <p14:creationId xmlns:p14="http://schemas.microsoft.com/office/powerpoint/2010/main" val="4191729357"/>
+        <p14:creationId xmlns:p14="http://schemas.microsoft.com/office/powerpoint/2010/main" val="768219975"/>
       </p:ext>
     </p:extLst>
   </p:cSld>
@@ -17278,280 +17937,9 @@
   <p:timing>
     <p:tnLst>
       <p:par>
-        <p:cTn id="1" dur="indefinite" restart="never" nodeType="tmRoot">
-          <p:childTnLst>
-            <p:seq concurrent="1" nextAc="seek">
-              <p:cTn id="2" dur="indefinite" nodeType="mainSeq">
-                <p:childTnLst>
-                  <p:par>
-                    <p:cTn id="3" fill="hold">
-                      <p:stCondLst>
-                        <p:cond delay="indefinite"/>
-                      </p:stCondLst>
-                      <p:childTnLst>
-                        <p:par>
-                          <p:cTn id="4" fill="hold">
-                            <p:stCondLst>
-                              <p:cond delay="0"/>
-                            </p:stCondLst>
-                            <p:childTnLst>
-                              <p:par>
-                                <p:cTn id="5" presetID="1" presetClass="entr" presetSubtype="0" fill="hold" grpId="0" nodeType="clickEffect">
-                                  <p:stCondLst>
-                                    <p:cond delay="0"/>
-                                  </p:stCondLst>
-                                  <p:childTnLst>
-                                    <p:set>
-                                      <p:cBhvr>
-                                        <p:cTn id="6" dur="1" fill="hold">
-                                          <p:stCondLst>
-                                            <p:cond delay="0"/>
-                                          </p:stCondLst>
-                                        </p:cTn>
-                                        <p:tgtEl>
-                                          <p:spTgt spid="3">
-                                            <p:txEl>
-                                              <p:pRg st="0" end="0"/>
-                                            </p:txEl>
-                                          </p:spTgt>
-                                        </p:tgtEl>
-                                        <p:attrNameLst>
-                                          <p:attrName>style.visibility</p:attrName>
-                                        </p:attrNameLst>
-                                      </p:cBhvr>
-                                      <p:to>
-                                        <p:strVal val="visible"/>
-                                      </p:to>
-                                    </p:set>
-                                  </p:childTnLst>
-                                </p:cTn>
-                              </p:par>
-                            </p:childTnLst>
-                          </p:cTn>
-                        </p:par>
-                      </p:childTnLst>
-                    </p:cTn>
-                  </p:par>
-                  <p:par>
-                    <p:cTn id="7" fill="hold">
-                      <p:stCondLst>
-                        <p:cond delay="indefinite"/>
-                      </p:stCondLst>
-                      <p:childTnLst>
-                        <p:par>
-                          <p:cTn id="8" fill="hold">
-                            <p:stCondLst>
-                              <p:cond delay="0"/>
-                            </p:stCondLst>
-                            <p:childTnLst>
-                              <p:par>
-                                <p:cTn id="9" presetID="1" presetClass="entr" presetSubtype="0" fill="hold" grpId="0" nodeType="clickEffect">
-                                  <p:stCondLst>
-                                    <p:cond delay="0"/>
-                                  </p:stCondLst>
-                                  <p:childTnLst>
-                                    <p:set>
-                                      <p:cBhvr>
-                                        <p:cTn id="10" dur="1" fill="hold">
-                                          <p:stCondLst>
-                                            <p:cond delay="0"/>
-                                          </p:stCondLst>
-                                        </p:cTn>
-                                        <p:tgtEl>
-                                          <p:spTgt spid="3">
-                                            <p:txEl>
-                                              <p:pRg st="1" end="1"/>
-                                            </p:txEl>
-                                          </p:spTgt>
-                                        </p:tgtEl>
-                                        <p:attrNameLst>
-                                          <p:attrName>style.visibility</p:attrName>
-                                        </p:attrNameLst>
-                                      </p:cBhvr>
-                                      <p:to>
-                                        <p:strVal val="visible"/>
-                                      </p:to>
-                                    </p:set>
-                                  </p:childTnLst>
-                                </p:cTn>
-                              </p:par>
-                            </p:childTnLst>
-                          </p:cTn>
-                        </p:par>
-                      </p:childTnLst>
-                    </p:cTn>
-                  </p:par>
-                  <p:par>
-                    <p:cTn id="11" fill="hold">
-                      <p:stCondLst>
-                        <p:cond delay="indefinite"/>
-                      </p:stCondLst>
-                      <p:childTnLst>
-                        <p:par>
-                          <p:cTn id="12" fill="hold">
-                            <p:stCondLst>
-                              <p:cond delay="0"/>
-                            </p:stCondLst>
-                            <p:childTnLst>
-                              <p:par>
-                                <p:cTn id="13" presetID="1" presetClass="entr" presetSubtype="0" fill="hold" grpId="0" nodeType="clickEffect">
-                                  <p:stCondLst>
-                                    <p:cond delay="0"/>
-                                  </p:stCondLst>
-                                  <p:childTnLst>
-                                    <p:set>
-                                      <p:cBhvr>
-                                        <p:cTn id="14" dur="1" fill="hold">
-                                          <p:stCondLst>
-                                            <p:cond delay="0"/>
-                                          </p:stCondLst>
-                                        </p:cTn>
-                                        <p:tgtEl>
-                                          <p:spTgt spid="3">
-                                            <p:txEl>
-                                              <p:pRg st="2" end="2"/>
-                                            </p:txEl>
-                                          </p:spTgt>
-                                        </p:tgtEl>
-                                        <p:attrNameLst>
-                                          <p:attrName>style.visibility</p:attrName>
-                                        </p:attrNameLst>
-                                      </p:cBhvr>
-                                      <p:to>
-                                        <p:strVal val="visible"/>
-                                      </p:to>
-                                    </p:set>
-                                  </p:childTnLst>
-                                </p:cTn>
-                              </p:par>
-                            </p:childTnLst>
-                          </p:cTn>
-                        </p:par>
-                      </p:childTnLst>
-                    </p:cTn>
-                  </p:par>
-                  <p:par>
-                    <p:cTn id="15" fill="hold">
-                      <p:stCondLst>
-                        <p:cond delay="indefinite"/>
-                      </p:stCondLst>
-                      <p:childTnLst>
-                        <p:par>
-                          <p:cTn id="16" fill="hold">
-                            <p:stCondLst>
-                              <p:cond delay="0"/>
-                            </p:stCondLst>
-                            <p:childTnLst>
-                              <p:par>
-                                <p:cTn id="17" presetID="1" presetClass="entr" presetSubtype="0" fill="hold" grpId="0" nodeType="clickEffect">
-                                  <p:stCondLst>
-                                    <p:cond delay="0"/>
-                                  </p:stCondLst>
-                                  <p:childTnLst>
-                                    <p:set>
-                                      <p:cBhvr>
-                                        <p:cTn id="18" dur="1" fill="hold">
-                                          <p:stCondLst>
-                                            <p:cond delay="0"/>
-                                          </p:stCondLst>
-                                        </p:cTn>
-                                        <p:tgtEl>
-                                          <p:spTgt spid="3">
-                                            <p:txEl>
-                                              <p:pRg st="3" end="3"/>
-                                            </p:txEl>
-                                          </p:spTgt>
-                                        </p:tgtEl>
-                                        <p:attrNameLst>
-                                          <p:attrName>style.visibility</p:attrName>
-                                        </p:attrNameLst>
-                                      </p:cBhvr>
-                                      <p:to>
-                                        <p:strVal val="visible"/>
-                                      </p:to>
-                                    </p:set>
-                                  </p:childTnLst>
-                                </p:cTn>
-                              </p:par>
-                            </p:childTnLst>
-                          </p:cTn>
-                        </p:par>
-                      </p:childTnLst>
-                    </p:cTn>
-                  </p:par>
-                  <p:par>
-                    <p:cTn id="19" fill="hold">
-                      <p:stCondLst>
-                        <p:cond delay="indefinite"/>
-                      </p:stCondLst>
-                      <p:childTnLst>
-                        <p:par>
-                          <p:cTn id="20" fill="hold">
-                            <p:stCondLst>
-                              <p:cond delay="0"/>
-                            </p:stCondLst>
-                            <p:childTnLst>
-                              <p:par>
-                                <p:cTn id="21" presetID="1" presetClass="entr" presetSubtype="0" fill="hold" grpId="0" nodeType="clickEffect">
-                                  <p:stCondLst>
-                                    <p:cond delay="0"/>
-                                  </p:stCondLst>
-                                  <p:childTnLst>
-                                    <p:set>
-                                      <p:cBhvr>
-                                        <p:cTn id="22" dur="1" fill="hold">
-                                          <p:stCondLst>
-                                            <p:cond delay="0"/>
-                                          </p:stCondLst>
-                                        </p:cTn>
-                                        <p:tgtEl>
-                                          <p:spTgt spid="3">
-                                            <p:txEl>
-                                              <p:pRg st="5" end="5"/>
-                                            </p:txEl>
-                                          </p:spTgt>
-                                        </p:tgtEl>
-                                        <p:attrNameLst>
-                                          <p:attrName>style.visibility</p:attrName>
-                                        </p:attrNameLst>
-                                      </p:cBhvr>
-                                      <p:to>
-                                        <p:strVal val="visible"/>
-                                      </p:to>
-                                    </p:set>
-                                  </p:childTnLst>
-                                </p:cTn>
-                              </p:par>
-                            </p:childTnLst>
-                          </p:cTn>
-                        </p:par>
-                      </p:childTnLst>
-                    </p:cTn>
-                  </p:par>
-                </p:childTnLst>
-              </p:cTn>
-              <p:prevCondLst>
-                <p:cond evt="onPrev" delay="0">
-                  <p:tgtEl>
-                    <p:sldTgt/>
-                  </p:tgtEl>
-                </p:cond>
-              </p:prevCondLst>
-              <p:nextCondLst>
-                <p:cond evt="onNext" delay="0">
-                  <p:tgtEl>
-                    <p:sldTgt/>
-                  </p:tgtEl>
-                </p:cond>
-              </p:nextCondLst>
-            </p:seq>
-          </p:childTnLst>
-        </p:cTn>
+        <p:cTn id="1" dur="indefinite" restart="never" nodeType="tmRoot"/>
       </p:par>
     </p:tnLst>
-    <p:bldLst>
-      <p:bldP spid="3" grpId="0" build="p"/>
-    </p:bldLst>
   </p:timing>
 </p:sld>
 </file>

--- a/testing.pptx
+++ b/testing.pptx
@@ -202,6 +202,10 @@
 </p:presentation>
 </file>
 
+<file path=ppt/revisionInfo.xml><?xml version="1.0" encoding="utf-8"?>
+<p1510:revInfo xmlns:a="http://schemas.openxmlformats.org/drawingml/2006/main" xmlns:r="http://schemas.openxmlformats.org/officeDocument/2006/relationships" xmlns:p1510="http://schemas.microsoft.com/office/powerpoint/2015/10/main"/>
+</file>
+
 <file path=ppt/diagrams/colors1.xml><?xml version="1.0" encoding="utf-8"?>
 <dgm:colorsDef xmlns:dgm="http://schemas.openxmlformats.org/drawingml/2006/diagram" xmlns:a="http://schemas.openxmlformats.org/drawingml/2006/main" uniqueId="urn:microsoft.com/office/officeart/2005/8/colors/accent1_2">
   <dgm:title val=""/>
@@ -2500,13 +2504,6 @@
         </dgm:presLayoutVars>
       </dgm:prSet>
       <dgm:spPr/>
-      <dgm:t>
-        <a:bodyPr/>
-        <a:lstStyle/>
-        <a:p>
-          <a:endParaRPr lang="ru-RU"/>
-        </a:p>
-      </dgm:t>
     </dgm:pt>
     <dgm:pt modelId="{CF6D50B3-578A-4EA0-A5A0-492FA729F6ED}" type="pres">
       <dgm:prSet presAssocID="{B75F6A3A-9A51-4DF3-8A57-9AEB0739425C}" presName="composite" presStyleCnt="0"/>
@@ -2519,13 +2516,6 @@
         </dgm:presLayoutVars>
       </dgm:prSet>
       <dgm:spPr/>
-      <dgm:t>
-        <a:bodyPr/>
-        <a:lstStyle/>
-        <a:p>
-          <a:endParaRPr lang="ru-RU"/>
-        </a:p>
-      </dgm:t>
     </dgm:pt>
     <dgm:pt modelId="{61EB78D8-69FF-471D-8FEB-71388C442F55}" type="pres">
       <dgm:prSet presAssocID="{B75F6A3A-9A51-4DF3-8A57-9AEB0739425C}" presName="rect1" presStyleLbl="alignImgPlace1" presStyleIdx="0" presStyleCnt="1" custScaleX="596594" custScaleY="114980" custLinFactX="-64576" custLinFactNeighborX="-100000" custLinFactNeighborY="-13065"/>
@@ -2547,9 +2537,9 @@
     </dgm:pt>
   </dgm:ptLst>
   <dgm:cxnLst>
-    <dgm:cxn modelId="{017518C9-1619-4B19-AA03-86BA999BA287}" srcId="{EAB81984-5B84-4970-8447-2B456B8C58DF}" destId="{B75F6A3A-9A51-4DF3-8A57-9AEB0739425C}" srcOrd="0" destOrd="0" parTransId="{203596AF-4F49-40BA-B1E1-11BDD34B512E}" sibTransId="{A056157B-3867-49A4-9195-F3A4F3FBBA8E}"/>
     <dgm:cxn modelId="{1CEAA455-5BF4-4666-95B8-390900AB8124}" type="presOf" srcId="{EAB81984-5B84-4970-8447-2B456B8C58DF}" destId="{3A252E36-3D7E-49E5-B812-EE4CACF0D5CF}" srcOrd="0" destOrd="0" presId="urn:microsoft.com/office/officeart/2008/layout/PictureGrid"/>
     <dgm:cxn modelId="{147A14B3-96E8-4139-969B-9DB1BCB4D95E}" type="presOf" srcId="{B75F6A3A-9A51-4DF3-8A57-9AEB0739425C}" destId="{B29ABF60-EC0F-45AD-A90E-9C76D15C2F14}" srcOrd="0" destOrd="0" presId="urn:microsoft.com/office/officeart/2008/layout/PictureGrid"/>
+    <dgm:cxn modelId="{017518C9-1619-4B19-AA03-86BA999BA287}" srcId="{EAB81984-5B84-4970-8447-2B456B8C58DF}" destId="{B75F6A3A-9A51-4DF3-8A57-9AEB0739425C}" srcOrd="0" destOrd="0" parTransId="{203596AF-4F49-40BA-B1E1-11BDD34B512E}" sibTransId="{A056157B-3867-49A4-9195-F3A4F3FBBA8E}"/>
     <dgm:cxn modelId="{D3458AFA-605E-43EE-8C8A-0E0C1E3CD931}" type="presParOf" srcId="{3A252E36-3D7E-49E5-B812-EE4CACF0D5CF}" destId="{CF6D50B3-578A-4EA0-A5A0-492FA729F6ED}" srcOrd="0" destOrd="0" presId="urn:microsoft.com/office/officeart/2008/layout/PictureGrid"/>
     <dgm:cxn modelId="{9835F3F3-3E30-4AC4-AD89-BC095FA9A878}" type="presParOf" srcId="{CF6D50B3-578A-4EA0-A5A0-492FA729F6ED}" destId="{B29ABF60-EC0F-45AD-A90E-9C76D15C2F14}" srcOrd="0" destOrd="0" presId="urn:microsoft.com/office/officeart/2008/layout/PictureGrid"/>
     <dgm:cxn modelId="{70FA379F-7827-49B9-806E-1FD72CAE8F89}" type="presParOf" srcId="{CF6D50B3-578A-4EA0-A5A0-492FA729F6ED}" destId="{61EB78D8-69FF-471D-8FEB-71388C442F55}" srcOrd="1" destOrd="0" presId="urn:microsoft.com/office/officeart/2008/layout/PictureGrid"/>
@@ -2621,13 +2611,6 @@
         </dgm:presLayoutVars>
       </dgm:prSet>
       <dgm:spPr/>
-      <dgm:t>
-        <a:bodyPr/>
-        <a:lstStyle/>
-        <a:p>
-          <a:endParaRPr lang="ru-RU"/>
-        </a:p>
-      </dgm:t>
     </dgm:pt>
     <dgm:pt modelId="{CF6D50B3-578A-4EA0-A5A0-492FA729F6ED}" type="pres">
       <dgm:prSet presAssocID="{B75F6A3A-9A51-4DF3-8A57-9AEB0739425C}" presName="composite" presStyleCnt="0"/>
@@ -2640,13 +2623,6 @@
         </dgm:presLayoutVars>
       </dgm:prSet>
       <dgm:spPr/>
-      <dgm:t>
-        <a:bodyPr/>
-        <a:lstStyle/>
-        <a:p>
-          <a:endParaRPr lang="ru-RU"/>
-        </a:p>
-      </dgm:t>
     </dgm:pt>
     <dgm:pt modelId="{61EB78D8-69FF-471D-8FEB-71388C442F55}" type="pres">
       <dgm:prSet presAssocID="{B75F6A3A-9A51-4DF3-8A57-9AEB0739425C}" presName="rect1" presStyleLbl="alignImgPlace1" presStyleIdx="0" presStyleCnt="1" custScaleX="596594" custScaleY="114980" custLinFactX="-64576" custLinFactNeighborX="-100000" custLinFactNeighborY="-13065"/>
@@ -2668,9 +2644,9 @@
     </dgm:pt>
   </dgm:ptLst>
   <dgm:cxnLst>
-    <dgm:cxn modelId="{017518C9-1619-4B19-AA03-86BA999BA287}" srcId="{EAB81984-5B84-4970-8447-2B456B8C58DF}" destId="{B75F6A3A-9A51-4DF3-8A57-9AEB0739425C}" srcOrd="0" destOrd="0" parTransId="{203596AF-4F49-40BA-B1E1-11BDD34B512E}" sibTransId="{A056157B-3867-49A4-9195-F3A4F3FBBA8E}"/>
     <dgm:cxn modelId="{1CEAA455-5BF4-4666-95B8-390900AB8124}" type="presOf" srcId="{EAB81984-5B84-4970-8447-2B456B8C58DF}" destId="{3A252E36-3D7E-49E5-B812-EE4CACF0D5CF}" srcOrd="0" destOrd="0" presId="urn:microsoft.com/office/officeart/2008/layout/PictureGrid"/>
     <dgm:cxn modelId="{147A14B3-96E8-4139-969B-9DB1BCB4D95E}" type="presOf" srcId="{B75F6A3A-9A51-4DF3-8A57-9AEB0739425C}" destId="{B29ABF60-EC0F-45AD-A90E-9C76D15C2F14}" srcOrd="0" destOrd="0" presId="urn:microsoft.com/office/officeart/2008/layout/PictureGrid"/>
+    <dgm:cxn modelId="{017518C9-1619-4B19-AA03-86BA999BA287}" srcId="{EAB81984-5B84-4970-8447-2B456B8C58DF}" destId="{B75F6A3A-9A51-4DF3-8A57-9AEB0739425C}" srcOrd="0" destOrd="0" parTransId="{203596AF-4F49-40BA-B1E1-11BDD34B512E}" sibTransId="{A056157B-3867-49A4-9195-F3A4F3FBBA8E}"/>
     <dgm:cxn modelId="{D3458AFA-605E-43EE-8C8A-0E0C1E3CD931}" type="presParOf" srcId="{3A252E36-3D7E-49E5-B812-EE4CACF0D5CF}" destId="{CF6D50B3-578A-4EA0-A5A0-492FA729F6ED}" srcOrd="0" destOrd="0" presId="urn:microsoft.com/office/officeart/2008/layout/PictureGrid"/>
     <dgm:cxn modelId="{9835F3F3-3E30-4AC4-AD89-BC095FA9A878}" type="presParOf" srcId="{CF6D50B3-578A-4EA0-A5A0-492FA729F6ED}" destId="{B29ABF60-EC0F-45AD-A90E-9C76D15C2F14}" srcOrd="0" destOrd="0" presId="urn:microsoft.com/office/officeart/2008/layout/PictureGrid"/>
     <dgm:cxn modelId="{70FA379F-7827-49B9-806E-1FD72CAE8F89}" type="presParOf" srcId="{CF6D50B3-578A-4EA0-A5A0-492FA729F6ED}" destId="{61EB78D8-69FF-471D-8FEB-71388C442F55}" srcOrd="1" destOrd="0" presId="urn:microsoft.com/office/officeart/2008/layout/PictureGrid"/>
@@ -2760,13 +2736,6 @@
         </dgm:presLayoutVars>
       </dgm:prSet>
       <dgm:spPr/>
-      <dgm:t>
-        <a:bodyPr/>
-        <a:lstStyle/>
-        <a:p>
-          <a:endParaRPr lang="ru-RU"/>
-        </a:p>
-      </dgm:t>
     </dgm:pt>
     <dgm:pt modelId="{65D73C51-61AB-436D-8191-975603FC9C68}" type="pres">
       <dgm:prSet presAssocID="{9C9C0585-42CE-4F34-A2BB-F1377DA03788}" presName="composite" presStyleCnt="0"/>
@@ -2779,13 +2748,6 @@
         </dgm:presLayoutVars>
       </dgm:prSet>
       <dgm:spPr/>
-      <dgm:t>
-        <a:bodyPr/>
-        <a:lstStyle/>
-        <a:p>
-          <a:endParaRPr lang="ru-RU"/>
-        </a:p>
-      </dgm:t>
     </dgm:pt>
     <dgm:pt modelId="{DFDA3CA3-5C68-4A2F-A4A8-285063A35D87}" type="pres">
       <dgm:prSet presAssocID="{9C9C0585-42CE-4F34-A2BB-F1377DA03788}" presName="rect1" presStyleLbl="alignImgPlace1" presStyleIdx="0" presStyleCnt="1" custScaleX="62421" custScaleY="62421" custLinFactNeighborX="1076" custLinFactNeighborY="-52209"/>
@@ -2810,8 +2772,8 @@
     </dgm:pt>
   </dgm:ptLst>
   <dgm:cxnLst>
+    <dgm:cxn modelId="{A9E27516-E8E4-42A7-A155-024D48E79559}" type="presOf" srcId="{8F66C165-B39F-46D3-B19F-623799541DD3}" destId="{B6F028CB-F170-4FEF-BC3A-25F0E90D434A}" srcOrd="0" destOrd="0" presId="urn:microsoft.com/office/officeart/2008/layout/PictureGrid"/>
     <dgm:cxn modelId="{A177C822-7566-4410-A889-706A6CE15148}" srcId="{8F66C165-B39F-46D3-B19F-623799541DD3}" destId="{9C9C0585-42CE-4F34-A2BB-F1377DA03788}" srcOrd="0" destOrd="0" parTransId="{4E5DCF2B-AAE7-41E2-837F-518128C03597}" sibTransId="{56F70C7F-1925-4DBA-9BD6-AF5E91799A59}"/>
-    <dgm:cxn modelId="{A9E27516-E8E4-42A7-A155-024D48E79559}" type="presOf" srcId="{8F66C165-B39F-46D3-B19F-623799541DD3}" destId="{B6F028CB-F170-4FEF-BC3A-25F0E90D434A}" srcOrd="0" destOrd="0" presId="urn:microsoft.com/office/officeart/2008/layout/PictureGrid"/>
     <dgm:cxn modelId="{ACD53F50-5BA1-48C9-B5DF-09BF6DA4DE65}" type="presOf" srcId="{9C9C0585-42CE-4F34-A2BB-F1377DA03788}" destId="{A30F2283-C0A4-4A69-BCBE-833D967155A2}" srcOrd="0" destOrd="0" presId="urn:microsoft.com/office/officeart/2008/layout/PictureGrid"/>
     <dgm:cxn modelId="{CC189C1C-06A1-4F03-B886-67BF46A53703}" type="presParOf" srcId="{B6F028CB-F170-4FEF-BC3A-25F0E90D434A}" destId="{65D73C51-61AB-436D-8191-975603FC9C68}" srcOrd="0" destOrd="0" presId="urn:microsoft.com/office/officeart/2008/layout/PictureGrid"/>
     <dgm:cxn modelId="{CD7DB92E-B84F-43A0-AC2D-FBBFB40722EE}" type="presParOf" srcId="{65D73C51-61AB-436D-8191-975603FC9C68}" destId="{A30F2283-C0A4-4A69-BCBE-833D967155A2}" srcOrd="0" destOrd="0" presId="urn:microsoft.com/office/officeart/2008/layout/PictureGrid"/>
@@ -2872,7 +2834,7 @@
         </a:bodyPr>
         <a:lstStyle/>
         <a:p>
-          <a:pPr lvl="0" algn="l" defTabSz="222250">
+          <a:pPr marL="0" lvl="0" indent="0" algn="l" defTabSz="222250">
             <a:lnSpc>
               <a:spcPct val="90000"/>
             </a:lnSpc>
@@ -2882,6 +2844,7 @@
             <a:spcAft>
               <a:spcPct val="35000"/>
             </a:spcAft>
+            <a:buNone/>
           </a:pPr>
           <a:r>
             <a:rPr lang="ru-RU" sz="500" kern="1200" dirty="0"/>
@@ -2958,6 +2921,118 @@
       <dsp:cNvGrpSpPr/>
     </dsp:nvGrpSpPr>
     <dsp:grpSpPr/>
+    <dsp:sp modelId="{B29ABF60-EC0F-45AD-A90E-9C76D15C2F14}">
+      <dsp:nvSpPr>
+        <dsp:cNvPr id="0" name=""/>
+        <dsp:cNvSpPr/>
+      </dsp:nvSpPr>
+      <dsp:spPr>
+        <a:xfrm>
+          <a:off x="1748174" y="210303"/>
+          <a:ext cx="175586" cy="38914"/>
+        </a:xfrm>
+        <a:prstGeom prst="rect">
+          <a:avLst/>
+        </a:prstGeom>
+        <a:noFill/>
+        <a:ln>
+          <a:noFill/>
+        </a:ln>
+        <a:effectLst/>
+      </dsp:spPr>
+      <dsp:style>
+        <a:lnRef idx="0">
+          <a:scrgbClr r="0" g="0" b="0"/>
+        </a:lnRef>
+        <a:fillRef idx="0">
+          <a:scrgbClr r="0" g="0" b="0"/>
+        </a:fillRef>
+        <a:effectRef idx="0">
+          <a:scrgbClr r="0" g="0" b="0"/>
+        </a:effectRef>
+        <a:fontRef idx="minor"/>
+      </dsp:style>
+      <dsp:txBody>
+        <a:bodyPr spcFirstLastPara="0" vert="horz" wrap="square" lIns="0" tIns="19050" rIns="19050" bIns="0" numCol="1" spcCol="1270" anchor="t" anchorCtr="0">
+          <a:noAutofit/>
+        </a:bodyPr>
+        <a:lstStyle/>
+        <a:p>
+          <a:pPr marL="0" lvl="0" indent="0" algn="l" defTabSz="222250">
+            <a:lnSpc>
+              <a:spcPct val="90000"/>
+            </a:lnSpc>
+            <a:spcBef>
+              <a:spcPct val="0"/>
+            </a:spcBef>
+            <a:spcAft>
+              <a:spcPct val="35000"/>
+            </a:spcAft>
+            <a:buNone/>
+          </a:pPr>
+          <a:r>
+            <a:rPr lang="ru-RU" sz="500" kern="1200" dirty="0"/>
+            <a:t> </a:t>
+          </a:r>
+        </a:p>
+      </dsp:txBody>
+      <dsp:txXfrm>
+        <a:off x="1748174" y="210303"/>
+        <a:ext cx="175586" cy="38914"/>
+      </dsp:txXfrm>
+    </dsp:sp>
+    <dsp:sp modelId="{61EB78D8-69FF-471D-8FEB-71388C442F55}">
+      <dsp:nvSpPr>
+        <dsp:cNvPr id="0" name=""/>
+        <dsp:cNvSpPr/>
+      </dsp:nvSpPr>
+      <dsp:spPr>
+        <a:xfrm>
+          <a:off x="0" y="0"/>
+          <a:ext cx="1980001" cy="381600"/>
+        </a:xfrm>
+        <a:prstGeom prst="rect">
+          <a:avLst/>
+        </a:prstGeom>
+        <a:blipFill>
+          <a:blip xmlns:r="http://schemas.openxmlformats.org/officeDocument/2006/relationships" r:embed="rId1">
+            <a:extLst>
+              <a:ext uri="{28A0092B-C50C-407E-A947-70E740481C1C}">
+                <a14:useLocalDpi xmlns:a14="http://schemas.microsoft.com/office/drawing/2010/main" val="0"/>
+              </a:ext>
+            </a:extLst>
+          </a:blip>
+          <a:srcRect/>
+          <a:stretch>
+            <a:fillRect l="-1000" r="-1000"/>
+          </a:stretch>
+        </a:blipFill>
+        <a:ln w="25400" cap="flat" cmpd="sng" algn="ctr">
+          <a:solidFill>
+            <a:schemeClr val="lt1">
+              <a:hueOff val="0"/>
+              <a:satOff val="0"/>
+              <a:lumOff val="0"/>
+              <a:alphaOff val="0"/>
+            </a:schemeClr>
+          </a:solidFill>
+          <a:prstDash val="solid"/>
+        </a:ln>
+        <a:effectLst/>
+      </dsp:spPr>
+      <dsp:style>
+        <a:lnRef idx="2">
+          <a:scrgbClr r="0" g="0" b="0"/>
+        </a:lnRef>
+        <a:fillRef idx="1">
+          <a:scrgbClr r="0" g="0" b="0"/>
+        </a:fillRef>
+        <a:effectRef idx="0">
+          <a:scrgbClr r="0" g="0" b="0"/>
+        </a:effectRef>
+        <a:fontRef idx="minor"/>
+      </dsp:style>
+    </dsp:sp>
   </dsp:spTree>
 </dsp:drawing>
 </file>
@@ -2970,6 +3045,128 @@
       <dsp:cNvGrpSpPr/>
     </dsp:nvGrpSpPr>
     <dsp:grpSpPr/>
+    <dsp:sp modelId="{A30F2283-C0A4-4A69-BCBE-833D967155A2}">
+      <dsp:nvSpPr>
+        <dsp:cNvPr id="0" name=""/>
+        <dsp:cNvSpPr/>
+      </dsp:nvSpPr>
+      <dsp:spPr>
+        <a:xfrm>
+          <a:off x="469735" y="1146225"/>
+          <a:ext cx="2927097" cy="509149"/>
+        </a:xfrm>
+        <a:prstGeom prst="rect">
+          <a:avLst/>
+        </a:prstGeom>
+        <a:noFill/>
+        <a:ln>
+          <a:noFill/>
+        </a:ln>
+        <a:effectLst/>
+      </dsp:spPr>
+      <dsp:style>
+        <a:lnRef idx="0">
+          <a:scrgbClr r="0" g="0" b="0"/>
+        </a:lnRef>
+        <a:fillRef idx="0">
+          <a:scrgbClr r="0" g="0" b="0"/>
+        </a:fillRef>
+        <a:effectRef idx="0">
+          <a:scrgbClr r="0" g="0" b="0"/>
+        </a:effectRef>
+        <a:fontRef idx="minor"/>
+      </dsp:style>
+      <dsp:txBody>
+        <a:bodyPr spcFirstLastPara="0" vert="horz" wrap="square" lIns="0" tIns="152400" rIns="152400" bIns="0" numCol="1" spcCol="1270" anchor="b" anchorCtr="0">
+          <a:noAutofit/>
+        </a:bodyPr>
+        <a:lstStyle/>
+        <a:p>
+          <a:pPr marL="0" lvl="0" indent="0" algn="ctr" defTabSz="1778000">
+            <a:lnSpc>
+              <a:spcPct val="90000"/>
+            </a:lnSpc>
+            <a:spcBef>
+              <a:spcPct val="0"/>
+            </a:spcBef>
+            <a:spcAft>
+              <a:spcPct val="35000"/>
+            </a:spcAft>
+            <a:buNone/>
+          </a:pPr>
+          <a:r>
+            <a:rPr lang="ru-RU" sz="4000" kern="1200" dirty="0">
+              <a:solidFill>
+                <a:schemeClr val="accent1"/>
+              </a:solidFill>
+            </a:rPr>
+            <a:t>ВОПРОСЫ</a:t>
+          </a:r>
+          <a:r>
+            <a:rPr lang="en-US" sz="4000" kern="1200" dirty="0">
+              <a:solidFill>
+                <a:schemeClr val="accent1"/>
+              </a:solidFill>
+            </a:rPr>
+            <a:t>?</a:t>
+          </a:r>
+          <a:endParaRPr lang="ru-RU" sz="4000" kern="1200" dirty="0">
+            <a:solidFill>
+              <a:schemeClr val="accent1"/>
+            </a:solidFill>
+          </a:endParaRPr>
+        </a:p>
+      </dsp:txBody>
+      <dsp:txXfrm>
+        <a:off x="469735" y="1146225"/>
+        <a:ext cx="2927097" cy="509149"/>
+      </dsp:txXfrm>
+    </dsp:sp>
+    <dsp:sp modelId="{DFDA3CA3-5C68-4A2F-A4A8-285063A35D87}">
+      <dsp:nvSpPr>
+        <dsp:cNvPr id="0" name=""/>
+        <dsp:cNvSpPr/>
+      </dsp:nvSpPr>
+      <dsp:spPr>
+        <a:xfrm>
+          <a:off x="1521700" y="91137"/>
+          <a:ext cx="849599" cy="849599"/>
+        </a:xfrm>
+        <a:prstGeom prst="rect">
+          <a:avLst/>
+        </a:prstGeom>
+        <a:blipFill>
+          <a:blip xmlns:r="http://schemas.openxmlformats.org/officeDocument/2006/relationships" r:embed="rId1">
+            <a:extLst>
+              <a:ext uri="{28A0092B-C50C-407E-A947-70E740481C1C}">
+                <a14:useLocalDpi xmlns:a14="http://schemas.microsoft.com/office/drawing/2010/main" val="0"/>
+              </a:ext>
+            </a:extLst>
+          </a:blip>
+          <a:srcRect/>
+          <a:stretch>
+            <a:fillRect/>
+          </a:stretch>
+        </a:blipFill>
+        <a:ln w="0" cap="flat" cmpd="sng" algn="ctr">
+          <a:noFill/>
+          <a:prstDash val="solid"/>
+        </a:ln>
+        <a:effectLst/>
+      </dsp:spPr>
+      <dsp:style>
+        <a:lnRef idx="2">
+          <a:scrgbClr r="0" g="0" b="0"/>
+        </a:lnRef>
+        <a:fillRef idx="1">
+          <a:scrgbClr r="0" g="0" b="0"/>
+        </a:fillRef>
+        <a:effectRef idx="0">
+          <a:scrgbClr r="0" g="0" b="0"/>
+        </a:effectRef>
+        <a:fontRef idx="minor"/>
+      </dsp:style>
+    </dsp:sp>
   </dsp:spTree>
 </dsp:drawing>
 </file>
@@ -6956,7 +7153,7 @@
           <a:p>
             <a:fld id="{16E5F246-0B7D-44DF-8C1B-EDFCA5DA626A}" type="datetimeFigureOut">
               <a:rPr lang="ru-RU" smtClean="0"/>
-              <a:t>12.03.2017</a:t>
+              <a:t>05.06.2017</a:t>
             </a:fld>
             <a:endParaRPr lang="ru-RU"/>
           </a:p>
@@ -7718,15 +7915,7 @@
           <a:p>
             <a:r>
               <a:rPr lang="ru-RU" baseline="0" dirty="0"/>
-              <a:t>Только хорошо написанные тесты могут </a:t>
-            </a:r>
-            <a:r>
-              <a:rPr lang="ru-RU" baseline="0" dirty="0" err="1"/>
-              <a:t>служитьспецификацией</a:t>
-            </a:r>
-            <a:r>
-              <a:rPr lang="ru-RU" baseline="0" dirty="0"/>
-              <a:t>.</a:t>
+              <a:t>Только хорошо написанные тесты могут служить спецификацией.</a:t>
             </a:r>
           </a:p>
           <a:p>
@@ -12115,13 +12304,6 @@
   <p:clrMapOvr>
     <a:masterClrMapping/>
   </p:clrMapOvr>
-  <p:timing>
-    <p:tnLst>
-      <p:par>
-        <p:cTn id="1" dur="indefinite" restart="never" nodeType="tmRoot"/>
-      </p:par>
-    </p:tnLst>
-  </p:timing>
 </p:sld>
 </file>
 
@@ -12733,13 +12915,6 @@
   <p:clrMapOvr>
     <a:masterClrMapping/>
   </p:clrMapOvr>
-  <p:timing>
-    <p:tnLst>
-      <p:par>
-        <p:cTn id="1" dur="indefinite" restart="never" nodeType="tmRoot"/>
-      </p:par>
-    </p:tnLst>
-  </p:timing>
 </p:sld>
 </file>
 
@@ -12799,18 +12974,18 @@
               <a:buChar char="•"/>
             </a:pPr>
             <a:r>
-              <a:rPr lang="en-US" dirty="0" smtClean="0"/>
+              <a:rPr lang="en-US" dirty="0"/>
               <a:t>Comparer, </a:t>
             </a:r>
             <a:r>
-              <a:rPr lang="en-US" i="1" dirty="0" smtClean="0"/>
+              <a:rPr lang="en-US" i="1" dirty="0"/>
               <a:t>Equal, </a:t>
             </a:r>
             <a:r>
-              <a:rPr lang="en-US" i="1" dirty="0" err="1" smtClean="0"/>
+              <a:rPr lang="en-US" i="1" dirty="0" err="1"/>
               <a:t>ToString</a:t>
             </a:r>
-            <a:endParaRPr lang="en-US" i="1" dirty="0" smtClean="0"/>
+            <a:endParaRPr lang="en-US" i="1" dirty="0"/>
           </a:p>
           <a:p>
             <a:pPr marL="457200" indent="-457200">
@@ -12818,11 +12993,11 @@
               <a:buChar char="•"/>
             </a:pPr>
             <a:r>
-              <a:rPr lang="ru-RU" dirty="0" smtClean="0"/>
+              <a:rPr lang="ru-RU" dirty="0"/>
               <a:t>Собственные </a:t>
             </a:r>
             <a:r>
-              <a:rPr lang="en-US" dirty="0" smtClean="0"/>
+              <a:rPr lang="en-US" dirty="0"/>
               <a:t>Assert</a:t>
             </a:r>
             <a:r>
@@ -12865,21 +13040,6 @@
   <p:clrMapOvr>
     <a:masterClrMapping/>
   </p:clrMapOvr>
-  <mc:AlternateContent xmlns:mc="http://schemas.openxmlformats.org/markup-compatibility/2006">
-    <mc:Choice xmlns:p14="http://schemas.microsoft.com/office/powerpoint/2010/main" Requires="p14">
-      <p:transition spd="slow" p14:dur="2000"/>
-    </mc:Choice>
-    <mc:Fallback>
-      <p:transition spd="slow"/>
-    </mc:Fallback>
-  </mc:AlternateContent>
-  <p:timing>
-    <p:tnLst>
-      <p:par>
-        <p:cTn id="1" dur="indefinite" restart="never" nodeType="tmRoot"/>
-      </p:par>
-    </p:tnLst>
-  </p:timing>
 </p:sld>
 </file>
 
@@ -13314,13 +13474,6 @@
   <p:clrMapOvr>
     <a:masterClrMapping/>
   </p:clrMapOvr>
-  <p:timing>
-    <p:tnLst>
-      <p:par>
-        <p:cTn id="1" dur="indefinite" restart="never" nodeType="tmRoot"/>
-      </p:par>
-    </p:tnLst>
-  </p:timing>
 </p:sld>
 </file>
 
@@ -13442,40 +13595,32 @@
             </a:r>
             <a:r>
               <a:rPr lang="ru-RU" dirty="0"/>
-              <a:t>— </a:t>
-            </a:r>
-            <a:r>
-              <a:rPr lang="ru-RU" dirty="0" smtClean="0"/>
-              <a:t>лучше</a:t>
-            </a:r>
-            <a:r>
-              <a:rPr lang="en-US" dirty="0" smtClean="0"/>
-              <a:t/>
+              <a:t>— лучше</a:t>
             </a:r>
             <a:br>
-              <a:rPr lang="en-US" dirty="0" smtClean="0"/>
+              <a:rPr lang="en-US" dirty="0"/>
             </a:br>
             <a:r>
-              <a:rPr lang="en-US" dirty="0" err="1" smtClean="0"/>
+              <a:rPr lang="en-US" dirty="0" err="1"/>
               <a:t>Assert.That</a:t>
             </a:r>
             <a:r>
-              <a:rPr lang="en-US" dirty="0" smtClean="0"/>
+              <a:rPr lang="en-US" dirty="0"/>
               <a:t>(2+2, </a:t>
             </a:r>
             <a:r>
-              <a:rPr lang="en-US" dirty="0" err="1" smtClean="0"/>
+              <a:rPr lang="en-US" dirty="0" err="1"/>
               <a:t>Is.EqualTo</a:t>
             </a:r>
             <a:r>
-              <a:rPr lang="en-US" dirty="0" smtClean="0"/>
+              <a:rPr lang="en-US" dirty="0"/>
               <a:t>(4))</a:t>
             </a:r>
             <a:r>
-              <a:rPr lang="ru-RU" dirty="0" smtClean="0"/>
+              <a:rPr lang="ru-RU" dirty="0"/>
               <a:t> — длиннее.</a:t>
             </a:r>
-            <a:endParaRPr lang="en-US" dirty="0" smtClean="0"/>
+            <a:endParaRPr lang="en-US" dirty="0"/>
           </a:p>
           <a:p>
             <a:pPr marL="514350" indent="-514350">
@@ -13483,34 +13628,34 @@
               <a:buAutoNum type="arabicPeriod"/>
             </a:pPr>
             <a:r>
-              <a:rPr lang="ru-RU" dirty="0" smtClean="0"/>
+              <a:rPr lang="ru-RU" dirty="0"/>
               <a:t>Неудачная расширяемость:</a:t>
             </a:r>
             <a:br>
-              <a:rPr lang="ru-RU" dirty="0" smtClean="0"/>
+              <a:rPr lang="ru-RU" dirty="0"/>
             </a:br>
             <a:r>
-              <a:rPr lang="en-US" dirty="0" err="1" smtClean="0"/>
+              <a:rPr lang="en-US" dirty="0" err="1"/>
               <a:t>Assert.That</a:t>
             </a:r>
             <a:r>
-              <a:rPr lang="en-US" dirty="0" smtClean="0"/>
+              <a:rPr lang="en-US" dirty="0"/>
               <a:t>(x, </a:t>
             </a:r>
             <a:r>
-              <a:rPr lang="en-US" b="1" dirty="0" smtClean="0"/>
+              <a:rPr lang="en-US" b="1" dirty="0"/>
               <a:t>new </a:t>
             </a:r>
             <a:r>
-              <a:rPr lang="en-US" b="1" dirty="0" err="1" smtClean="0"/>
+              <a:rPr lang="en-US" b="1" dirty="0" err="1"/>
               <a:t>MyConstraint</a:t>
             </a:r>
             <a:r>
-              <a:rPr lang="en-US" b="1" dirty="0" smtClean="0"/>
+              <a:rPr lang="en-US" b="1" dirty="0"/>
               <a:t>(...)</a:t>
             </a:r>
             <a:r>
-              <a:rPr lang="en-US" dirty="0" smtClean="0"/>
+              <a:rPr lang="en-US" dirty="0"/>
               <a:t>)</a:t>
             </a:r>
             <a:endParaRPr lang="ru-RU" dirty="0"/>
@@ -13532,12 +13677,8 @@
               <a:t> – </a:t>
             </a:r>
             <a:r>
-              <a:rPr lang="ru-RU" dirty="0" smtClean="0"/>
-              <a:t>доступна </a:t>
-            </a:r>
-            <a:r>
               <a:rPr lang="ru-RU" dirty="0"/>
-              <a:t>через </a:t>
+              <a:t>доступна через </a:t>
             </a:r>
             <a:r>
               <a:rPr lang="en-US" dirty="0" err="1"/>
@@ -13871,7 +14012,7 @@
               <a:rPr lang="en-US" dirty="0"/>
             </a:br>
             <a:r>
-              <a:rPr lang="en-US" dirty="0" smtClean="0"/>
+              <a:rPr lang="en-US" dirty="0"/>
               <a:t>	.</a:t>
             </a:r>
             <a:r>
@@ -13880,27 +14021,19 @@
             </a:r>
             <a:r>
               <a:rPr lang="en-US" dirty="0"/>
-              <a:t>(new [] </a:t>
-            </a:r>
-            <a:r>
-              <a:rPr lang="en-US" dirty="0" smtClean="0"/>
-              <a:t>{3,2,1});</a:t>
-            </a:r>
-            <a:r>
-              <a:rPr lang="en-US" dirty="0"/>
-              <a:t/>
+              <a:t>(new [] {3,2,1});</a:t>
             </a:r>
             <a:br>
               <a:rPr lang="en-US" dirty="0"/>
             </a:br>
             <a:r>
-              <a:rPr lang="ru-RU" dirty="0" smtClean="0"/>
+              <a:rPr lang="ru-RU" dirty="0"/>
               <a:t>без учёта порядка!</a:t>
             </a:r>
             <a:br>
-              <a:rPr lang="ru-RU" dirty="0" smtClean="0"/>
+              <a:rPr lang="ru-RU" dirty="0"/>
             </a:br>
-            <a:endParaRPr lang="ru-RU" dirty="0" smtClean="0"/>
+            <a:endParaRPr lang="ru-RU" dirty="0"/>
           </a:p>
           <a:p>
             <a:pPr marL="514350" indent="-514350">
@@ -13908,22 +14041,14 @@
               <a:buAutoNum type="arabicPeriod"/>
             </a:pPr>
             <a:r>
-              <a:rPr lang="en-US" dirty="0" smtClean="0"/>
-              <a:t>new</a:t>
-            </a:r>
-            <a:r>
               <a:rPr lang="en-US" dirty="0"/>
-              <a:t>[] {1,2,3</a:t>
-            </a:r>
-            <a:r>
-              <a:rPr lang="en-US" dirty="0" smtClean="0"/>
-              <a:t>}</a:t>
+              <a:t>new[] {1,2,3}</a:t>
             </a:r>
             <a:br>
-              <a:rPr lang="en-US" dirty="0" smtClean="0"/>
+              <a:rPr lang="en-US" dirty="0"/>
             </a:br>
             <a:r>
-              <a:rPr lang="en-US" dirty="0" smtClean="0"/>
+              <a:rPr lang="en-US" dirty="0"/>
               <a:t>	.</a:t>
             </a:r>
             <a:r>
@@ -13934,32 +14059,20 @@
               <a:rPr lang="en-US" dirty="0"/>
               <a:t>(new [] {1,2,3}, </a:t>
             </a:r>
-            <a:r>
-              <a:rPr lang="en-US" dirty="0" smtClean="0"/>
-              <a:t/>
-            </a:r>
             <a:br>
-              <a:rPr lang="en-US" dirty="0" smtClean="0"/>
+              <a:rPr lang="en-US" dirty="0"/>
             </a:br>
             <a:r>
-              <a:rPr lang="en-US" dirty="0" smtClean="0"/>
-              <a:t>		o </a:t>
-            </a:r>
-            <a:r>
               <a:rPr lang="en-US" dirty="0"/>
-              <a:t>=&gt; </a:t>
+              <a:t>		o =&gt; </a:t>
             </a:r>
             <a:r>
               <a:rPr lang="en-US" dirty="0" err="1"/>
               <a:t>o.WithStrictOrdering</a:t>
             </a:r>
             <a:r>
-              <a:rPr lang="en-US" dirty="0" smtClean="0"/>
+              <a:rPr lang="en-US" dirty="0"/>
               <a:t>());</a:t>
-            </a:r>
-            <a:r>
-              <a:rPr lang="en-US" dirty="0"/>
-              <a:t/>
             </a:r>
             <a:br>
               <a:rPr lang="en-US" dirty="0"/>
@@ -14009,14 +14122,6 @@
   <p:clrMapOvr>
     <a:masterClrMapping/>
   </p:clrMapOvr>
-  <mc:AlternateContent xmlns:mc="http://schemas.openxmlformats.org/markup-compatibility/2006">
-    <mc:Choice xmlns:p14="http://schemas.microsoft.com/office/powerpoint/2010/main" Requires="p14">
-      <p:transition spd="slow" p14:dur="2000"/>
-    </mc:Choice>
-    <mc:Fallback>
-      <p:transition spd="slow"/>
-    </mc:Fallback>
-  </mc:AlternateContent>
   <p:timing>
     <p:tnLst>
       <p:par>
@@ -14206,10 +14311,6 @@
               <a:rPr lang="en-US" dirty="0"/>
               <a:t>→</a:t>
             </a:r>
-            <a:r>
-              <a:rPr lang="ru-RU" dirty="0"/>
-              <a:t/>
-            </a:r>
             <a:br>
               <a:rPr lang="ru-RU" dirty="0"/>
             </a:br>
@@ -14317,23 +14418,23 @@
           <a:lstStyle/>
           <a:p>
             <a:r>
-              <a:rPr lang="en-US" sz="4000" dirty="0" smtClean="0"/>
+              <a:rPr lang="en-US" sz="4000" dirty="0"/>
               <a:t>Live Templates &amp; </a:t>
             </a:r>
             <a:r>
-              <a:rPr lang="en-US" sz="4000" dirty="0" err="1" smtClean="0"/>
+              <a:rPr lang="en-US" sz="4000" dirty="0" err="1"/>
               <a:t>HotKeys</a:t>
             </a:r>
             <a:r>
-              <a:rPr lang="en-US" sz="4000" dirty="0" smtClean="0"/>
+              <a:rPr lang="en-US" sz="4000" dirty="0"/>
               <a:t> (</a:t>
             </a:r>
             <a:r>
-              <a:rPr lang="en-US" sz="4000" dirty="0" err="1" smtClean="0"/>
+              <a:rPr lang="en-US" sz="4000" dirty="0" err="1"/>
               <a:t>Resharper</a:t>
             </a:r>
             <a:r>
-              <a:rPr lang="en-US" sz="4000" dirty="0" smtClean="0"/>
+              <a:rPr lang="en-US" sz="4000" dirty="0"/>
               <a:t>)</a:t>
             </a:r>
             <a:endParaRPr lang="ru-RU" sz="4000" dirty="0"/>
@@ -14350,13 +14451,6 @@
   <p:clrMapOvr>
     <a:masterClrMapping/>
   </p:clrMapOvr>
-  <p:timing>
-    <p:tnLst>
-      <p:par>
-        <p:cTn id="1" dur="indefinite" restart="never" nodeType="tmRoot"/>
-      </p:par>
-    </p:tnLst>
-  </p:timing>
 </p:sld>
 </file>
 
@@ -14445,13 +14539,6 @@
   <p:clrMapOvr>
     <a:masterClrMapping/>
   </p:clrMapOvr>
-  <p:timing>
-    <p:tnLst>
-      <p:par>
-        <p:cTn id="1" dur="indefinite" restart="never" nodeType="tmRoot"/>
-      </p:par>
-    </p:tnLst>
-  </p:timing>
 </p:sld>
 </file>
 
@@ -14628,13 +14715,6 @@
   <p:clrMapOvr>
     <a:masterClrMapping/>
   </p:clrMapOvr>
-  <p:timing>
-    <p:tnLst>
-      <p:par>
-        <p:cTn id="1" dur="indefinite" restart="never" nodeType="tmRoot"/>
-      </p:par>
-    </p:tnLst>
-  </p:timing>
 </p:sld>
 </file>
 
@@ -14688,21 +14768,6 @@
   <p:clrMapOvr>
     <a:masterClrMapping/>
   </p:clrMapOvr>
-  <mc:AlternateContent xmlns:mc="http://schemas.openxmlformats.org/markup-compatibility/2006" xmlns:p14="http://schemas.microsoft.com/office/powerpoint/2010/main">
-    <mc:Choice Requires="p14">
-      <p:transition spd="slow" p14:dur="2000"/>
-    </mc:Choice>
-    <mc:Fallback xmlns="">
-      <p:transition spd="slow"/>
-    </mc:Fallback>
-  </mc:AlternateContent>
-  <p:timing>
-    <p:tnLst>
-      <p:par>
-        <p:cTn id="1" dur="indefinite" restart="never" nodeType="tmRoot"/>
-      </p:par>
-    </p:tnLst>
-  </p:timing>
 </p:sld>
 </file>
 
@@ -14799,13 +14864,6 @@
   <p:clrMapOvr>
     <a:masterClrMapping/>
   </p:clrMapOvr>
-  <p:timing>
-    <p:tnLst>
-      <p:par>
-        <p:cTn id="1" dur="indefinite" restart="never" nodeType="tmRoot"/>
-      </p:par>
-    </p:tnLst>
-  </p:timing>
 </p:sld>
 </file>
 
@@ -14849,12 +14907,8 @@
           <a:lstStyle/>
           <a:p>
             <a:r>
-              <a:rPr lang="ru-RU" dirty="0" smtClean="0"/>
-              <a:t>Тесты </a:t>
-            </a:r>
-            <a:r>
               <a:rPr lang="ru-RU" dirty="0"/>
-              <a:t>по спецификации — это просто</a:t>
+              <a:t>Тесты по спецификации — это просто</a:t>
             </a:r>
             <a:endParaRPr lang="en-US" dirty="0"/>
           </a:p>
@@ -14931,33 +14985,29 @@
             </a:r>
             <a:r>
               <a:rPr lang="en-US" dirty="0"/>
-              <a:t> (CR</a:t>
-            </a:r>
-            <a:r>
-              <a:rPr lang="en-US" dirty="0" smtClean="0"/>
-              <a:t>)</a:t>
-            </a:r>
-            <a:endParaRPr lang="ru-RU" dirty="0" smtClean="0"/>
-          </a:p>
-          <a:p>
-            <a:r>
-              <a:rPr lang="ru-RU" dirty="0" smtClean="0"/>
+              <a:t> (CR)</a:t>
+            </a:r>
+            <a:endParaRPr lang="ru-RU" dirty="0"/>
+          </a:p>
+          <a:p>
+            <a:r>
+              <a:rPr lang="ru-RU" dirty="0"/>
               <a:t>Большие цифры в </a:t>
             </a:r>
             <a:r>
-              <a:rPr lang="ru-RU" dirty="0" err="1" smtClean="0"/>
+              <a:rPr lang="ru-RU" dirty="0" err="1"/>
               <a:t>лидерборде</a:t>
             </a:r>
             <a:r>
-              <a:rPr lang="ru-RU" dirty="0" smtClean="0"/>
+              <a:rPr lang="ru-RU" dirty="0"/>
               <a:t> — плохо (</a:t>
             </a:r>
             <a:r>
-              <a:rPr lang="en-US" dirty="0" err="1" smtClean="0"/>
+              <a:rPr lang="en-US" dirty="0" err="1"/>
               <a:t>Overspecification</a:t>
             </a:r>
             <a:r>
-              <a:rPr lang="en-US" smtClean="0"/>
+              <a:rPr lang="en-US"/>
               <a:t>)</a:t>
             </a:r>
             <a:endParaRPr lang="ru-RU" dirty="0"/>
@@ -15428,13 +15478,6 @@
   <p:clrMapOvr>
     <a:masterClrMapping/>
   </p:clrMapOvr>
-  <p:timing>
-    <p:tnLst>
-      <p:par>
-        <p:cTn id="1" dur="indefinite" restart="never" nodeType="tmRoot"/>
-      </p:par>
-    </p:tnLst>
-  </p:timing>
 </p:sld>
 </file>
 
@@ -15835,13 +15878,6 @@
   <p:clrMapOvr>
     <a:masterClrMapping/>
   </p:clrMapOvr>
-  <p:timing>
-    <p:tnLst>
-      <p:par>
-        <p:cTn id="1" dur="indefinite" restart="never" nodeType="tmRoot"/>
-      </p:par>
-    </p:tnLst>
-  </p:timing>
 </p:sld>
 </file>
 
@@ -17934,13 +17970,6 @@
   <p:clrMapOvr>
     <a:masterClrMapping/>
   </p:clrMapOvr>
-  <p:timing>
-    <p:tnLst>
-      <p:par>
-        <p:cTn id="1" dur="indefinite" restart="never" nodeType="tmRoot"/>
-      </p:par>
-    </p:tnLst>
-  </p:timing>
 </p:sld>
 </file>
 

--- a/testing.pptx
+++ b/testing.pptx
@@ -6,30 +6,29 @@
     <p:sldMasterId id="2147483811" r:id="rId2"/>
   </p:sldMasterIdLst>
   <p:notesMasterIdLst>
-    <p:notesMasterId r:id="rId24"/>
+    <p:notesMasterId r:id="rId23"/>
   </p:notesMasterIdLst>
   <p:sldIdLst>
     <p:sldId id="373" r:id="rId3"/>
-    <p:sldId id="375" r:id="rId4"/>
-    <p:sldId id="366" r:id="rId5"/>
-    <p:sldId id="367" r:id="rId6"/>
-    <p:sldId id="368" r:id="rId7"/>
-    <p:sldId id="369" r:id="rId8"/>
-    <p:sldId id="370" r:id="rId9"/>
-    <p:sldId id="371" r:id="rId10"/>
-    <p:sldId id="376" r:id="rId11"/>
-    <p:sldId id="307" r:id="rId12"/>
-    <p:sldId id="374" r:id="rId13"/>
-    <p:sldId id="339" r:id="rId14"/>
-    <p:sldId id="338" r:id="rId15"/>
-    <p:sldId id="383" r:id="rId16"/>
-    <p:sldId id="378" r:id="rId17"/>
-    <p:sldId id="384" r:id="rId18"/>
-    <p:sldId id="377" r:id="rId19"/>
-    <p:sldId id="382" r:id="rId20"/>
-    <p:sldId id="379" r:id="rId21"/>
-    <p:sldId id="380" r:id="rId22"/>
-    <p:sldId id="381" r:id="rId23"/>
+    <p:sldId id="366" r:id="rId4"/>
+    <p:sldId id="367" r:id="rId5"/>
+    <p:sldId id="368" r:id="rId6"/>
+    <p:sldId id="369" r:id="rId7"/>
+    <p:sldId id="370" r:id="rId8"/>
+    <p:sldId id="371" r:id="rId9"/>
+    <p:sldId id="376" r:id="rId10"/>
+    <p:sldId id="307" r:id="rId11"/>
+    <p:sldId id="374" r:id="rId12"/>
+    <p:sldId id="339" r:id="rId13"/>
+    <p:sldId id="338" r:id="rId14"/>
+    <p:sldId id="383" r:id="rId15"/>
+    <p:sldId id="378" r:id="rId16"/>
+    <p:sldId id="384" r:id="rId17"/>
+    <p:sldId id="377" r:id="rId18"/>
+    <p:sldId id="382" r:id="rId19"/>
+    <p:sldId id="379" r:id="rId20"/>
+    <p:sldId id="380" r:id="rId21"/>
+    <p:sldId id="381" r:id="rId22"/>
   </p:sldIdLst>
   <p:sldSz cx="12192000" cy="6858000"/>
   <p:notesSz cx="6858000" cy="9144000"/>
@@ -138,7 +137,6 @@
         </p14:section>
         <p14:section name="Тесты как спецификация" id="{098AA2A7-86A6-4C3C-8BAC-4427CA36CEDC}">
           <p14:sldIdLst>
-            <p14:sldId id="375"/>
             <p14:sldId id="366"/>
             <p14:sldId id="367"/>
             <p14:sldId id="368"/>
@@ -2504,6 +2502,13 @@
         </dgm:presLayoutVars>
       </dgm:prSet>
       <dgm:spPr/>
+      <dgm:t>
+        <a:bodyPr/>
+        <a:lstStyle/>
+        <a:p>
+          <a:endParaRPr lang="ru-RU"/>
+        </a:p>
+      </dgm:t>
     </dgm:pt>
     <dgm:pt modelId="{CF6D50B3-578A-4EA0-A5A0-492FA729F6ED}" type="pres">
       <dgm:prSet presAssocID="{B75F6A3A-9A51-4DF3-8A57-9AEB0739425C}" presName="composite" presStyleCnt="0"/>
@@ -2516,6 +2521,13 @@
         </dgm:presLayoutVars>
       </dgm:prSet>
       <dgm:spPr/>
+      <dgm:t>
+        <a:bodyPr/>
+        <a:lstStyle/>
+        <a:p>
+          <a:endParaRPr lang="ru-RU"/>
+        </a:p>
+      </dgm:t>
     </dgm:pt>
     <dgm:pt modelId="{61EB78D8-69FF-471D-8FEB-71388C442F55}" type="pres">
       <dgm:prSet presAssocID="{B75F6A3A-9A51-4DF3-8A57-9AEB0739425C}" presName="rect1" presStyleLbl="alignImgPlace1" presStyleIdx="0" presStyleCnt="1" custScaleX="596594" custScaleY="114980" custLinFactX="-64576" custLinFactNeighborX="-100000" custLinFactNeighborY="-13065"/>
@@ -2537,9 +2549,9 @@
     </dgm:pt>
   </dgm:ptLst>
   <dgm:cxnLst>
+    <dgm:cxn modelId="{017518C9-1619-4B19-AA03-86BA999BA287}" srcId="{EAB81984-5B84-4970-8447-2B456B8C58DF}" destId="{B75F6A3A-9A51-4DF3-8A57-9AEB0739425C}" srcOrd="0" destOrd="0" parTransId="{203596AF-4F49-40BA-B1E1-11BDD34B512E}" sibTransId="{A056157B-3867-49A4-9195-F3A4F3FBBA8E}"/>
     <dgm:cxn modelId="{1CEAA455-5BF4-4666-95B8-390900AB8124}" type="presOf" srcId="{EAB81984-5B84-4970-8447-2B456B8C58DF}" destId="{3A252E36-3D7E-49E5-B812-EE4CACF0D5CF}" srcOrd="0" destOrd="0" presId="urn:microsoft.com/office/officeart/2008/layout/PictureGrid"/>
     <dgm:cxn modelId="{147A14B3-96E8-4139-969B-9DB1BCB4D95E}" type="presOf" srcId="{B75F6A3A-9A51-4DF3-8A57-9AEB0739425C}" destId="{B29ABF60-EC0F-45AD-A90E-9C76D15C2F14}" srcOrd="0" destOrd="0" presId="urn:microsoft.com/office/officeart/2008/layout/PictureGrid"/>
-    <dgm:cxn modelId="{017518C9-1619-4B19-AA03-86BA999BA287}" srcId="{EAB81984-5B84-4970-8447-2B456B8C58DF}" destId="{B75F6A3A-9A51-4DF3-8A57-9AEB0739425C}" srcOrd="0" destOrd="0" parTransId="{203596AF-4F49-40BA-B1E1-11BDD34B512E}" sibTransId="{A056157B-3867-49A4-9195-F3A4F3FBBA8E}"/>
     <dgm:cxn modelId="{D3458AFA-605E-43EE-8C8A-0E0C1E3CD931}" type="presParOf" srcId="{3A252E36-3D7E-49E5-B812-EE4CACF0D5CF}" destId="{CF6D50B3-578A-4EA0-A5A0-492FA729F6ED}" srcOrd="0" destOrd="0" presId="urn:microsoft.com/office/officeart/2008/layout/PictureGrid"/>
     <dgm:cxn modelId="{9835F3F3-3E30-4AC4-AD89-BC095FA9A878}" type="presParOf" srcId="{CF6D50B3-578A-4EA0-A5A0-492FA729F6ED}" destId="{B29ABF60-EC0F-45AD-A90E-9C76D15C2F14}" srcOrd="0" destOrd="0" presId="urn:microsoft.com/office/officeart/2008/layout/PictureGrid"/>
     <dgm:cxn modelId="{70FA379F-7827-49B9-806E-1FD72CAE8F89}" type="presParOf" srcId="{CF6D50B3-578A-4EA0-A5A0-492FA729F6ED}" destId="{61EB78D8-69FF-471D-8FEB-71388C442F55}" srcOrd="1" destOrd="0" presId="urn:microsoft.com/office/officeart/2008/layout/PictureGrid"/>
@@ -2611,6 +2623,13 @@
         </dgm:presLayoutVars>
       </dgm:prSet>
       <dgm:spPr/>
+      <dgm:t>
+        <a:bodyPr/>
+        <a:lstStyle/>
+        <a:p>
+          <a:endParaRPr lang="ru-RU"/>
+        </a:p>
+      </dgm:t>
     </dgm:pt>
     <dgm:pt modelId="{CF6D50B3-578A-4EA0-A5A0-492FA729F6ED}" type="pres">
       <dgm:prSet presAssocID="{B75F6A3A-9A51-4DF3-8A57-9AEB0739425C}" presName="composite" presStyleCnt="0"/>
@@ -2623,6 +2642,13 @@
         </dgm:presLayoutVars>
       </dgm:prSet>
       <dgm:spPr/>
+      <dgm:t>
+        <a:bodyPr/>
+        <a:lstStyle/>
+        <a:p>
+          <a:endParaRPr lang="ru-RU"/>
+        </a:p>
+      </dgm:t>
     </dgm:pt>
     <dgm:pt modelId="{61EB78D8-69FF-471D-8FEB-71388C442F55}" type="pres">
       <dgm:prSet presAssocID="{B75F6A3A-9A51-4DF3-8A57-9AEB0739425C}" presName="rect1" presStyleLbl="alignImgPlace1" presStyleIdx="0" presStyleCnt="1" custScaleX="596594" custScaleY="114980" custLinFactX="-64576" custLinFactNeighborX="-100000" custLinFactNeighborY="-13065"/>
@@ -2644,9 +2670,9 @@
     </dgm:pt>
   </dgm:ptLst>
   <dgm:cxnLst>
+    <dgm:cxn modelId="{017518C9-1619-4B19-AA03-86BA999BA287}" srcId="{EAB81984-5B84-4970-8447-2B456B8C58DF}" destId="{B75F6A3A-9A51-4DF3-8A57-9AEB0739425C}" srcOrd="0" destOrd="0" parTransId="{203596AF-4F49-40BA-B1E1-11BDD34B512E}" sibTransId="{A056157B-3867-49A4-9195-F3A4F3FBBA8E}"/>
     <dgm:cxn modelId="{1CEAA455-5BF4-4666-95B8-390900AB8124}" type="presOf" srcId="{EAB81984-5B84-4970-8447-2B456B8C58DF}" destId="{3A252E36-3D7E-49E5-B812-EE4CACF0D5CF}" srcOrd="0" destOrd="0" presId="urn:microsoft.com/office/officeart/2008/layout/PictureGrid"/>
     <dgm:cxn modelId="{147A14B3-96E8-4139-969B-9DB1BCB4D95E}" type="presOf" srcId="{B75F6A3A-9A51-4DF3-8A57-9AEB0739425C}" destId="{B29ABF60-EC0F-45AD-A90E-9C76D15C2F14}" srcOrd="0" destOrd="0" presId="urn:microsoft.com/office/officeart/2008/layout/PictureGrid"/>
-    <dgm:cxn modelId="{017518C9-1619-4B19-AA03-86BA999BA287}" srcId="{EAB81984-5B84-4970-8447-2B456B8C58DF}" destId="{B75F6A3A-9A51-4DF3-8A57-9AEB0739425C}" srcOrd="0" destOrd="0" parTransId="{203596AF-4F49-40BA-B1E1-11BDD34B512E}" sibTransId="{A056157B-3867-49A4-9195-F3A4F3FBBA8E}"/>
     <dgm:cxn modelId="{D3458AFA-605E-43EE-8C8A-0E0C1E3CD931}" type="presParOf" srcId="{3A252E36-3D7E-49E5-B812-EE4CACF0D5CF}" destId="{CF6D50B3-578A-4EA0-A5A0-492FA729F6ED}" srcOrd="0" destOrd="0" presId="urn:microsoft.com/office/officeart/2008/layout/PictureGrid"/>
     <dgm:cxn modelId="{9835F3F3-3E30-4AC4-AD89-BC095FA9A878}" type="presParOf" srcId="{CF6D50B3-578A-4EA0-A5A0-492FA729F6ED}" destId="{B29ABF60-EC0F-45AD-A90E-9C76D15C2F14}" srcOrd="0" destOrd="0" presId="urn:microsoft.com/office/officeart/2008/layout/PictureGrid"/>
     <dgm:cxn modelId="{70FA379F-7827-49B9-806E-1FD72CAE8F89}" type="presParOf" srcId="{CF6D50B3-578A-4EA0-A5A0-492FA729F6ED}" destId="{61EB78D8-69FF-471D-8FEB-71388C442F55}" srcOrd="1" destOrd="0" presId="urn:microsoft.com/office/officeart/2008/layout/PictureGrid"/>
@@ -2736,6 +2762,13 @@
         </dgm:presLayoutVars>
       </dgm:prSet>
       <dgm:spPr/>
+      <dgm:t>
+        <a:bodyPr/>
+        <a:lstStyle/>
+        <a:p>
+          <a:endParaRPr lang="ru-RU"/>
+        </a:p>
+      </dgm:t>
     </dgm:pt>
     <dgm:pt modelId="{65D73C51-61AB-436D-8191-975603FC9C68}" type="pres">
       <dgm:prSet presAssocID="{9C9C0585-42CE-4F34-A2BB-F1377DA03788}" presName="composite" presStyleCnt="0"/>
@@ -2748,6 +2781,13 @@
         </dgm:presLayoutVars>
       </dgm:prSet>
       <dgm:spPr/>
+      <dgm:t>
+        <a:bodyPr/>
+        <a:lstStyle/>
+        <a:p>
+          <a:endParaRPr lang="ru-RU"/>
+        </a:p>
+      </dgm:t>
     </dgm:pt>
     <dgm:pt modelId="{DFDA3CA3-5C68-4A2F-A4A8-285063A35D87}" type="pres">
       <dgm:prSet presAssocID="{9C9C0585-42CE-4F34-A2BB-F1377DA03788}" presName="rect1" presStyleLbl="alignImgPlace1" presStyleIdx="0" presStyleCnt="1" custScaleX="62421" custScaleY="62421" custLinFactNeighborX="1076" custLinFactNeighborY="-52209"/>
@@ -2772,8 +2812,8 @@
     </dgm:pt>
   </dgm:ptLst>
   <dgm:cxnLst>
+    <dgm:cxn modelId="{A177C822-7566-4410-A889-706A6CE15148}" srcId="{8F66C165-B39F-46D3-B19F-623799541DD3}" destId="{9C9C0585-42CE-4F34-A2BB-F1377DA03788}" srcOrd="0" destOrd="0" parTransId="{4E5DCF2B-AAE7-41E2-837F-518128C03597}" sibTransId="{56F70C7F-1925-4DBA-9BD6-AF5E91799A59}"/>
     <dgm:cxn modelId="{A9E27516-E8E4-42A7-A155-024D48E79559}" type="presOf" srcId="{8F66C165-B39F-46D3-B19F-623799541DD3}" destId="{B6F028CB-F170-4FEF-BC3A-25F0E90D434A}" srcOrd="0" destOrd="0" presId="urn:microsoft.com/office/officeart/2008/layout/PictureGrid"/>
-    <dgm:cxn modelId="{A177C822-7566-4410-A889-706A6CE15148}" srcId="{8F66C165-B39F-46D3-B19F-623799541DD3}" destId="{9C9C0585-42CE-4F34-A2BB-F1377DA03788}" srcOrd="0" destOrd="0" parTransId="{4E5DCF2B-AAE7-41E2-837F-518128C03597}" sibTransId="{56F70C7F-1925-4DBA-9BD6-AF5E91799A59}"/>
     <dgm:cxn modelId="{ACD53F50-5BA1-48C9-B5DF-09BF6DA4DE65}" type="presOf" srcId="{9C9C0585-42CE-4F34-A2BB-F1377DA03788}" destId="{A30F2283-C0A4-4A69-BCBE-833D967155A2}" srcOrd="0" destOrd="0" presId="urn:microsoft.com/office/officeart/2008/layout/PictureGrid"/>
     <dgm:cxn modelId="{CC189C1C-06A1-4F03-B886-67BF46A53703}" type="presParOf" srcId="{B6F028CB-F170-4FEF-BC3A-25F0E90D434A}" destId="{65D73C51-61AB-436D-8191-975603FC9C68}" srcOrd="0" destOrd="0" presId="urn:microsoft.com/office/officeart/2008/layout/PictureGrid"/>
     <dgm:cxn modelId="{CD7DB92E-B84F-43A0-AC2D-FBBFB40722EE}" type="presParOf" srcId="{65D73C51-61AB-436D-8191-975603FC9C68}" destId="{A30F2283-C0A4-4A69-BCBE-833D967155A2}" srcOrd="0" destOrd="0" presId="urn:microsoft.com/office/officeart/2008/layout/PictureGrid"/>
@@ -2834,7 +2874,7 @@
         </a:bodyPr>
         <a:lstStyle/>
         <a:p>
-          <a:pPr marL="0" lvl="0" indent="0" algn="l" defTabSz="222250">
+          <a:pPr lvl="0" algn="l" defTabSz="222250">
             <a:lnSpc>
               <a:spcPct val="90000"/>
             </a:lnSpc>
@@ -2844,7 +2884,6 @@
             <a:spcAft>
               <a:spcPct val="35000"/>
             </a:spcAft>
-            <a:buNone/>
           </a:pPr>
           <a:r>
             <a:rPr lang="ru-RU" sz="500" kern="1200" dirty="0"/>
@@ -2921,118 +2960,6 @@
       <dsp:cNvGrpSpPr/>
     </dsp:nvGrpSpPr>
     <dsp:grpSpPr/>
-    <dsp:sp modelId="{B29ABF60-EC0F-45AD-A90E-9C76D15C2F14}">
-      <dsp:nvSpPr>
-        <dsp:cNvPr id="0" name=""/>
-        <dsp:cNvSpPr/>
-      </dsp:nvSpPr>
-      <dsp:spPr>
-        <a:xfrm>
-          <a:off x="1748174" y="210303"/>
-          <a:ext cx="175586" cy="38914"/>
-        </a:xfrm>
-        <a:prstGeom prst="rect">
-          <a:avLst/>
-        </a:prstGeom>
-        <a:noFill/>
-        <a:ln>
-          <a:noFill/>
-        </a:ln>
-        <a:effectLst/>
-      </dsp:spPr>
-      <dsp:style>
-        <a:lnRef idx="0">
-          <a:scrgbClr r="0" g="0" b="0"/>
-        </a:lnRef>
-        <a:fillRef idx="0">
-          <a:scrgbClr r="0" g="0" b="0"/>
-        </a:fillRef>
-        <a:effectRef idx="0">
-          <a:scrgbClr r="0" g="0" b="0"/>
-        </a:effectRef>
-        <a:fontRef idx="minor"/>
-      </dsp:style>
-      <dsp:txBody>
-        <a:bodyPr spcFirstLastPara="0" vert="horz" wrap="square" lIns="0" tIns="19050" rIns="19050" bIns="0" numCol="1" spcCol="1270" anchor="t" anchorCtr="0">
-          <a:noAutofit/>
-        </a:bodyPr>
-        <a:lstStyle/>
-        <a:p>
-          <a:pPr marL="0" lvl="0" indent="0" algn="l" defTabSz="222250">
-            <a:lnSpc>
-              <a:spcPct val="90000"/>
-            </a:lnSpc>
-            <a:spcBef>
-              <a:spcPct val="0"/>
-            </a:spcBef>
-            <a:spcAft>
-              <a:spcPct val="35000"/>
-            </a:spcAft>
-            <a:buNone/>
-          </a:pPr>
-          <a:r>
-            <a:rPr lang="ru-RU" sz="500" kern="1200" dirty="0"/>
-            <a:t> </a:t>
-          </a:r>
-        </a:p>
-      </dsp:txBody>
-      <dsp:txXfrm>
-        <a:off x="1748174" y="210303"/>
-        <a:ext cx="175586" cy="38914"/>
-      </dsp:txXfrm>
-    </dsp:sp>
-    <dsp:sp modelId="{61EB78D8-69FF-471D-8FEB-71388C442F55}">
-      <dsp:nvSpPr>
-        <dsp:cNvPr id="0" name=""/>
-        <dsp:cNvSpPr/>
-      </dsp:nvSpPr>
-      <dsp:spPr>
-        <a:xfrm>
-          <a:off x="0" y="0"/>
-          <a:ext cx="1980001" cy="381600"/>
-        </a:xfrm>
-        <a:prstGeom prst="rect">
-          <a:avLst/>
-        </a:prstGeom>
-        <a:blipFill>
-          <a:blip xmlns:r="http://schemas.openxmlformats.org/officeDocument/2006/relationships" r:embed="rId1">
-            <a:extLst>
-              <a:ext uri="{28A0092B-C50C-407E-A947-70E740481C1C}">
-                <a14:useLocalDpi xmlns:a14="http://schemas.microsoft.com/office/drawing/2010/main" val="0"/>
-              </a:ext>
-            </a:extLst>
-          </a:blip>
-          <a:srcRect/>
-          <a:stretch>
-            <a:fillRect l="-1000" r="-1000"/>
-          </a:stretch>
-        </a:blipFill>
-        <a:ln w="25400" cap="flat" cmpd="sng" algn="ctr">
-          <a:solidFill>
-            <a:schemeClr val="lt1">
-              <a:hueOff val="0"/>
-              <a:satOff val="0"/>
-              <a:lumOff val="0"/>
-              <a:alphaOff val="0"/>
-            </a:schemeClr>
-          </a:solidFill>
-          <a:prstDash val="solid"/>
-        </a:ln>
-        <a:effectLst/>
-      </dsp:spPr>
-      <dsp:style>
-        <a:lnRef idx="2">
-          <a:scrgbClr r="0" g="0" b="0"/>
-        </a:lnRef>
-        <a:fillRef idx="1">
-          <a:scrgbClr r="0" g="0" b="0"/>
-        </a:fillRef>
-        <a:effectRef idx="0">
-          <a:scrgbClr r="0" g="0" b="0"/>
-        </a:effectRef>
-        <a:fontRef idx="minor"/>
-      </dsp:style>
-    </dsp:sp>
   </dsp:spTree>
 </dsp:drawing>
 </file>
@@ -3045,128 +2972,6 @@
       <dsp:cNvGrpSpPr/>
     </dsp:nvGrpSpPr>
     <dsp:grpSpPr/>
-    <dsp:sp modelId="{A30F2283-C0A4-4A69-BCBE-833D967155A2}">
-      <dsp:nvSpPr>
-        <dsp:cNvPr id="0" name=""/>
-        <dsp:cNvSpPr/>
-      </dsp:nvSpPr>
-      <dsp:spPr>
-        <a:xfrm>
-          <a:off x="469735" y="1146225"/>
-          <a:ext cx="2927097" cy="509149"/>
-        </a:xfrm>
-        <a:prstGeom prst="rect">
-          <a:avLst/>
-        </a:prstGeom>
-        <a:noFill/>
-        <a:ln>
-          <a:noFill/>
-        </a:ln>
-        <a:effectLst/>
-      </dsp:spPr>
-      <dsp:style>
-        <a:lnRef idx="0">
-          <a:scrgbClr r="0" g="0" b="0"/>
-        </a:lnRef>
-        <a:fillRef idx="0">
-          <a:scrgbClr r="0" g="0" b="0"/>
-        </a:fillRef>
-        <a:effectRef idx="0">
-          <a:scrgbClr r="0" g="0" b="0"/>
-        </a:effectRef>
-        <a:fontRef idx="minor"/>
-      </dsp:style>
-      <dsp:txBody>
-        <a:bodyPr spcFirstLastPara="0" vert="horz" wrap="square" lIns="0" tIns="152400" rIns="152400" bIns="0" numCol="1" spcCol="1270" anchor="b" anchorCtr="0">
-          <a:noAutofit/>
-        </a:bodyPr>
-        <a:lstStyle/>
-        <a:p>
-          <a:pPr marL="0" lvl="0" indent="0" algn="ctr" defTabSz="1778000">
-            <a:lnSpc>
-              <a:spcPct val="90000"/>
-            </a:lnSpc>
-            <a:spcBef>
-              <a:spcPct val="0"/>
-            </a:spcBef>
-            <a:spcAft>
-              <a:spcPct val="35000"/>
-            </a:spcAft>
-            <a:buNone/>
-          </a:pPr>
-          <a:r>
-            <a:rPr lang="ru-RU" sz="4000" kern="1200" dirty="0">
-              <a:solidFill>
-                <a:schemeClr val="accent1"/>
-              </a:solidFill>
-            </a:rPr>
-            <a:t>ВОПРОСЫ</a:t>
-          </a:r>
-          <a:r>
-            <a:rPr lang="en-US" sz="4000" kern="1200" dirty="0">
-              <a:solidFill>
-                <a:schemeClr val="accent1"/>
-              </a:solidFill>
-            </a:rPr>
-            <a:t>?</a:t>
-          </a:r>
-          <a:endParaRPr lang="ru-RU" sz="4000" kern="1200" dirty="0">
-            <a:solidFill>
-              <a:schemeClr val="accent1"/>
-            </a:solidFill>
-          </a:endParaRPr>
-        </a:p>
-      </dsp:txBody>
-      <dsp:txXfrm>
-        <a:off x="469735" y="1146225"/>
-        <a:ext cx="2927097" cy="509149"/>
-      </dsp:txXfrm>
-    </dsp:sp>
-    <dsp:sp modelId="{DFDA3CA3-5C68-4A2F-A4A8-285063A35D87}">
-      <dsp:nvSpPr>
-        <dsp:cNvPr id="0" name=""/>
-        <dsp:cNvSpPr/>
-      </dsp:nvSpPr>
-      <dsp:spPr>
-        <a:xfrm>
-          <a:off x="1521700" y="91137"/>
-          <a:ext cx="849599" cy="849599"/>
-        </a:xfrm>
-        <a:prstGeom prst="rect">
-          <a:avLst/>
-        </a:prstGeom>
-        <a:blipFill>
-          <a:blip xmlns:r="http://schemas.openxmlformats.org/officeDocument/2006/relationships" r:embed="rId1">
-            <a:extLst>
-              <a:ext uri="{28A0092B-C50C-407E-A947-70E740481C1C}">
-                <a14:useLocalDpi xmlns:a14="http://schemas.microsoft.com/office/drawing/2010/main" val="0"/>
-              </a:ext>
-            </a:extLst>
-          </a:blip>
-          <a:srcRect/>
-          <a:stretch>
-            <a:fillRect/>
-          </a:stretch>
-        </a:blipFill>
-        <a:ln w="0" cap="flat" cmpd="sng" algn="ctr">
-          <a:noFill/>
-          <a:prstDash val="solid"/>
-        </a:ln>
-        <a:effectLst/>
-      </dsp:spPr>
-      <dsp:style>
-        <a:lnRef idx="2">
-          <a:scrgbClr r="0" g="0" b="0"/>
-        </a:lnRef>
-        <a:fillRef idx="1">
-          <a:scrgbClr r="0" g="0" b="0"/>
-        </a:fillRef>
-        <a:effectRef idx="0">
-          <a:scrgbClr r="0" g="0" b="0"/>
-        </a:effectRef>
-        <a:fontRef idx="minor"/>
-      </dsp:style>
-    </dsp:sp>
   </dsp:spTree>
 </dsp:drawing>
 </file>
@@ -7153,7 +6958,7 @@
           <a:p>
             <a:fld id="{16E5F246-0B7D-44DF-8C1B-EDFCA5DA626A}" type="datetimeFigureOut">
               <a:rPr lang="ru-RU" smtClean="0"/>
-              <a:t>05.06.2017</a:t>
+              <a:t>09.08.2017</a:t>
             </a:fld>
             <a:endParaRPr lang="ru-RU"/>
           </a:p>
@@ -7447,12 +7252,7 @@
             <p:ph type="sldImg"/>
           </p:nvPr>
         </p:nvSpPr>
-        <p:spPr>
-          <a:xfrm>
-            <a:off x="381000" y="685800"/>
-            <a:ext cx="6096000" cy="3429000"/>
-          </a:xfrm>
-        </p:spPr>
+        <p:spPr/>
       </p:sp>
       <p:sp>
         <p:nvSpPr>
@@ -7469,43 +7269,7 @@
           <a:bodyPr/>
           <a:lstStyle/>
           <a:p>
-            <a:r>
-              <a:rPr lang="ru-RU" dirty="0"/>
-              <a:t>Правильная структура теста</a:t>
-            </a:r>
-            <a:r>
-              <a:rPr lang="ru-RU" baseline="0" dirty="0"/>
-              <a:t> повышает читаемость.</a:t>
-            </a:r>
             <a:endParaRPr lang="ru-RU" dirty="0"/>
-          </a:p>
-          <a:p>
-            <a:r>
-              <a:rPr lang="ru-RU" dirty="0"/>
-              <a:t>Много</a:t>
-            </a:r>
-            <a:r>
-              <a:rPr lang="ru-RU" baseline="0" dirty="0"/>
-              <a:t> </a:t>
-            </a:r>
-            <a:r>
-              <a:rPr lang="en-US" baseline="0" dirty="0"/>
-              <a:t>Assert-</a:t>
-            </a:r>
-            <a:r>
-              <a:rPr lang="ru-RU" baseline="0" dirty="0" err="1"/>
-              <a:t>ов</a:t>
-            </a:r>
-            <a:r>
-              <a:rPr lang="ru-RU" baseline="0" dirty="0"/>
-              <a:t> — плохо. Непонятно, что проверяет тест.</a:t>
-            </a:r>
-          </a:p>
-          <a:p>
-            <a:r>
-              <a:rPr lang="ru-RU" baseline="0" dirty="0"/>
-              <a:t>Если каждый тест проверяет что-то одно, все множество тестов специфицируют тестируемый модуль.</a:t>
-            </a:r>
           </a:p>
         </p:txBody>
       </p:sp>
@@ -7526,7 +7290,7 @@
           <a:p>
             <a:fld id="{3BAECB10-9972-4830-A584-02C41DAFD45B}" type="slidenum">
               <a:rPr lang="ru-RU" smtClean="0"/>
-              <a:t>5</a:t>
+              <a:t>2</a:t>
             </a:fld>
             <a:endParaRPr lang="ru-RU"/>
           </a:p>
@@ -7535,7 +7299,7 @@
     </p:spTree>
     <p:extLst>
       <p:ext uri="{BB962C8B-B14F-4D97-AF65-F5344CB8AC3E}">
-        <p14:creationId xmlns:p14="http://schemas.microsoft.com/office/powerpoint/2010/main" val="2285049775"/>
+        <p14:creationId xmlns:p14="http://schemas.microsoft.com/office/powerpoint/2010/main" val="1377505549"/>
       </p:ext>
     </p:extLst>
   </p:cSld>
@@ -7572,7 +7336,12 @@
             <p:ph type="sldImg"/>
           </p:nvPr>
         </p:nvSpPr>
-        <p:spPr/>
+        <p:spPr>
+          <a:xfrm>
+            <a:off x="381000" y="685800"/>
+            <a:ext cx="6096000" cy="3429000"/>
+          </a:xfrm>
+        </p:spPr>
       </p:sp>
       <p:sp>
         <p:nvSpPr>
@@ -7589,64 +7358,42 @@
           <a:bodyPr/>
           <a:lstStyle/>
           <a:p>
-            <a:pPr marL="0" indent="0">
-              <a:buFont typeface="Arial" panose="020B0604020202020204" pitchFamily="34" charset="0"/>
-              <a:buNone/>
-            </a:pPr>
-            <a:r>
-              <a:rPr lang="en-US" dirty="0" err="1"/>
-              <a:t>MethodName</a:t>
-            </a:r>
-            <a:endParaRPr lang="en-US" dirty="0"/>
-          </a:p>
-          <a:p>
-            <a:pPr marL="0" indent="0">
-              <a:buFont typeface="Arial" panose="020B0604020202020204" pitchFamily="34" charset="0"/>
-              <a:buNone/>
-            </a:pPr>
-            <a:r>
-              <a:rPr lang="en-US" dirty="0"/>
-              <a:t>Preconditions</a:t>
-            </a:r>
             <a:r>
               <a:rPr lang="ru-RU" dirty="0"/>
-              <a:t> (</a:t>
-            </a:r>
-            <a:r>
-              <a:rPr lang="en-US" dirty="0"/>
-              <a:t>keyword</a:t>
+              <a:t>Правильная структура теста</a:t>
+            </a:r>
+            <a:r>
+              <a:rPr lang="ru-RU" baseline="0" dirty="0"/>
+              <a:t> повышает читаемость.</a:t>
+            </a:r>
+            <a:endParaRPr lang="ru-RU" dirty="0"/>
+          </a:p>
+          <a:p>
+            <a:r>
+              <a:rPr lang="ru-RU" dirty="0"/>
+              <a:t>Много</a:t>
+            </a:r>
+            <a:r>
+              <a:rPr lang="ru-RU" baseline="0" dirty="0"/>
+              <a:t> </a:t>
             </a:r>
             <a:r>
               <a:rPr lang="en-US" baseline="0" dirty="0"/>
-              <a:t> </a:t>
-            </a:r>
-            <a:r>
-              <a:rPr lang="en-US" dirty="0"/>
-              <a:t>Given)</a:t>
-            </a:r>
-          </a:p>
-          <a:p>
-            <a:pPr marL="0" indent="0">
-              <a:buFont typeface="Arial" panose="020B0604020202020204" pitchFamily="34" charset="0"/>
-              <a:buNone/>
-            </a:pPr>
-            <a:r>
-              <a:rPr lang="en-US" dirty="0"/>
-              <a:t>State (keyword When)</a:t>
-            </a:r>
-          </a:p>
-          <a:p>
-            <a:pPr marL="0" indent="0">
-              <a:buFont typeface="Arial" panose="020B0604020202020204" pitchFamily="34" charset="0"/>
-              <a:buNone/>
-            </a:pPr>
-            <a:r>
-              <a:rPr lang="en-US" dirty="0" err="1"/>
-              <a:t>ExpectedBehaviour</a:t>
-            </a:r>
-            <a:r>
-              <a:rPr lang="en-US" dirty="0"/>
-              <a:t> (keyword Should/Expect/Then)</a:t>
+              <a:t>Assert-</a:t>
+            </a:r>
+            <a:r>
+              <a:rPr lang="ru-RU" baseline="0" dirty="0" err="1"/>
+              <a:t>ов</a:t>
+            </a:r>
+            <a:r>
+              <a:rPr lang="ru-RU" baseline="0" dirty="0"/>
+              <a:t> — плохо. Непонятно, что проверяет тест.</a:t>
+            </a:r>
+          </a:p>
+          <a:p>
+            <a:r>
+              <a:rPr lang="ru-RU" baseline="0" dirty="0"/>
+              <a:t>Если каждый тест проверяет что-то одно, все множество тестов специфицируют тестируемый модуль.</a:t>
             </a:r>
           </a:p>
         </p:txBody>
@@ -7668,7 +7415,7 @@
           <a:p>
             <a:fld id="{3BAECB10-9972-4830-A584-02C41DAFD45B}" type="slidenum">
               <a:rPr lang="ru-RU" smtClean="0"/>
-              <a:t>6</a:t>
+              <a:t>4</a:t>
             </a:fld>
             <a:endParaRPr lang="ru-RU"/>
           </a:p>
@@ -7677,7 +7424,7 @@
     </p:spTree>
     <p:extLst>
       <p:ext uri="{BB962C8B-B14F-4D97-AF65-F5344CB8AC3E}">
-        <p14:creationId xmlns:p14="http://schemas.microsoft.com/office/powerpoint/2010/main" val="3838372683"/>
+        <p14:creationId xmlns:p14="http://schemas.microsoft.com/office/powerpoint/2010/main" val="2285049775"/>
       </p:ext>
     </p:extLst>
   </p:cSld>
@@ -7731,15 +7478,65 @@
           <a:bodyPr/>
           <a:lstStyle/>
           <a:p>
+            <a:pPr marL="0" indent="0">
+              <a:buFont typeface="Arial" panose="020B0604020202020204" pitchFamily="34" charset="0"/>
+              <a:buNone/>
+            </a:pPr>
+            <a:r>
+              <a:rPr lang="en-US" dirty="0" err="1"/>
+              <a:t>MethodName</a:t>
+            </a:r>
+            <a:endParaRPr lang="en-US" dirty="0"/>
+          </a:p>
+          <a:p>
+            <a:pPr marL="0" indent="0">
+              <a:buFont typeface="Arial" panose="020B0604020202020204" pitchFamily="34" charset="0"/>
+              <a:buNone/>
+            </a:pPr>
+            <a:r>
+              <a:rPr lang="en-US" dirty="0"/>
+              <a:t>Preconditions</a:t>
+            </a:r>
             <a:r>
               <a:rPr lang="ru-RU" dirty="0"/>
-              <a:t>В</a:t>
-            </a:r>
-            <a:r>
-              <a:rPr lang="ru-RU" baseline="0" dirty="0"/>
-              <a:t> каждом из названий чего-то не хватает.</a:t>
-            </a:r>
-            <a:endParaRPr lang="en-US" dirty="0"/>
+              <a:t> (</a:t>
+            </a:r>
+            <a:r>
+              <a:rPr lang="en-US" dirty="0"/>
+              <a:t>keyword</a:t>
+            </a:r>
+            <a:r>
+              <a:rPr lang="en-US" baseline="0" dirty="0"/>
+              <a:t> </a:t>
+            </a:r>
+            <a:r>
+              <a:rPr lang="en-US" dirty="0"/>
+              <a:t>Given)</a:t>
+            </a:r>
+          </a:p>
+          <a:p>
+            <a:pPr marL="0" indent="0">
+              <a:buFont typeface="Arial" panose="020B0604020202020204" pitchFamily="34" charset="0"/>
+              <a:buNone/>
+            </a:pPr>
+            <a:r>
+              <a:rPr lang="en-US" dirty="0"/>
+              <a:t>State (keyword When)</a:t>
+            </a:r>
+          </a:p>
+          <a:p>
+            <a:pPr marL="0" indent="0">
+              <a:buFont typeface="Arial" panose="020B0604020202020204" pitchFamily="34" charset="0"/>
+              <a:buNone/>
+            </a:pPr>
+            <a:r>
+              <a:rPr lang="en-US" dirty="0" err="1"/>
+              <a:t>ExpectedBehaviour</a:t>
+            </a:r>
+            <a:r>
+              <a:rPr lang="en-US" dirty="0"/>
+              <a:t> (keyword Should/Expect/Then)</a:t>
+            </a:r>
           </a:p>
         </p:txBody>
       </p:sp>
@@ -7760,7 +7557,7 @@
           <a:p>
             <a:fld id="{3BAECB10-9972-4830-A584-02C41DAFD45B}" type="slidenum">
               <a:rPr lang="ru-RU" smtClean="0"/>
-              <a:t>7</a:t>
+              <a:t>5</a:t>
             </a:fld>
             <a:endParaRPr lang="ru-RU"/>
           </a:p>
@@ -7769,7 +7566,7 @@
     </p:spTree>
     <p:extLst>
       <p:ext uri="{BB962C8B-B14F-4D97-AF65-F5344CB8AC3E}">
-        <p14:creationId xmlns:p14="http://schemas.microsoft.com/office/powerpoint/2010/main" val="2813128715"/>
+        <p14:creationId xmlns:p14="http://schemas.microsoft.com/office/powerpoint/2010/main" val="3838372683"/>
       </p:ext>
     </p:extLst>
   </p:cSld>
@@ -7824,105 +7621,25 @@
           <a:lstStyle/>
           <a:p>
             <a:r>
-              <a:rPr lang="en-US" dirty="0"/>
-              <a:t>Local</a:t>
-            </a:r>
-            <a:r>
-              <a:rPr lang="en-US" baseline="0" dirty="0"/>
-              <a:t> Hero – </a:t>
-            </a:r>
-            <a:r>
-              <a:rPr lang="ru-RU" baseline="0" dirty="0"/>
-              <a:t>не будет работать на других машинах</a:t>
-            </a:r>
-            <a:endParaRPr lang="ru-RU" dirty="0"/>
-          </a:p>
-          <a:p>
-            <a:r>
-              <a:rPr lang="en-US" dirty="0"/>
-              <a:t>Loudmouth </a:t>
-            </a:r>
-            <a:r>
               <a:rPr lang="ru-RU" dirty="0"/>
-              <a:t>(крикун) – тест не является автоматическим: что-то выводит, но </a:t>
-            </a:r>
-            <a:r>
-              <a:rPr lang="en-US" dirty="0"/>
-              <a:t>exception</a:t>
-            </a:r>
-            <a:r>
-              <a:rPr lang="ru-RU" dirty="0"/>
-              <a:t> не кидает</a:t>
-            </a:r>
-          </a:p>
-          <a:p>
-            <a:r>
-              <a:rPr lang="en-US" dirty="0"/>
-              <a:t>Free Ride – </a:t>
-            </a:r>
-            <a:r>
-              <a:rPr lang="ru-RU" dirty="0"/>
-              <a:t>тестируется все подряд (много</a:t>
+              <a:t>В</a:t>
             </a:r>
             <a:r>
               <a:rPr lang="ru-RU" baseline="0" dirty="0"/>
               <a:t> </a:t>
             </a:r>
             <a:r>
-              <a:rPr lang="en-US" baseline="0" dirty="0"/>
-              <a:t>act, </a:t>
+              <a:rPr lang="ru-RU" baseline="0" dirty="0" smtClean="0"/>
+              <a:t>каких именах чего </a:t>
             </a:r>
             <a:r>
               <a:rPr lang="ru-RU" baseline="0" dirty="0"/>
-              <a:t>много </a:t>
-            </a:r>
-            <a:r>
-              <a:rPr lang="en-US" baseline="0" dirty="0"/>
-              <a:t>assert)</a:t>
-            </a:r>
-            <a:endParaRPr lang="ru-RU" dirty="0"/>
-          </a:p>
-          <a:p>
-            <a:r>
-              <a:rPr lang="en-US" dirty="0"/>
-              <a:t>Over</a:t>
-            </a:r>
-            <a:r>
-              <a:rPr lang="en-US" baseline="0" dirty="0"/>
-              <a:t> specification – </a:t>
-            </a:r>
-            <a:r>
-              <a:rPr lang="ru-RU" baseline="0" dirty="0"/>
-              <a:t>создается одна ситуация, но в ней тестируется все (один </a:t>
-            </a:r>
-            <a:r>
-              <a:rPr lang="en-US" baseline="0" dirty="0"/>
-              <a:t>act, </a:t>
-            </a:r>
-            <a:r>
-              <a:rPr lang="ru-RU" baseline="0" dirty="0"/>
-              <a:t>много </a:t>
-            </a:r>
-            <a:r>
-              <a:rPr lang="en-US" baseline="0" dirty="0"/>
-              <a:t>assert)</a:t>
-            </a:r>
-            <a:endParaRPr lang="ru-RU" baseline="0" dirty="0"/>
-          </a:p>
-          <a:p>
-            <a:endParaRPr lang="ru-RU" baseline="0" dirty="0"/>
-          </a:p>
-          <a:p>
-            <a:r>
-              <a:rPr lang="ru-RU" baseline="0" dirty="0"/>
-              <a:t>Только хорошо написанные тесты могут служить спецификацией.</a:t>
-            </a:r>
-          </a:p>
-          <a:p>
-            <a:endParaRPr lang="en-US" baseline="0" dirty="0"/>
-          </a:p>
-          <a:p>
-            <a:endParaRPr lang="en-US" dirty="0"/>
+              <a:t>не </a:t>
+            </a:r>
+            <a:r>
+              <a:rPr lang="ru-RU" baseline="0" dirty="0" smtClean="0"/>
+              <a:t>хватает?</a:t>
+            </a:r>
           </a:p>
         </p:txBody>
       </p:sp>
@@ -7943,7 +7660,7 @@
           <a:p>
             <a:fld id="{3BAECB10-9972-4830-A584-02C41DAFD45B}" type="slidenum">
               <a:rPr lang="ru-RU" smtClean="0"/>
-              <a:t>10</a:t>
+              <a:t>6</a:t>
             </a:fld>
             <a:endParaRPr lang="ru-RU"/>
           </a:p>
@@ -7952,7 +7669,7 @@
     </p:spTree>
     <p:extLst>
       <p:ext uri="{BB962C8B-B14F-4D97-AF65-F5344CB8AC3E}">
-        <p14:creationId xmlns:p14="http://schemas.microsoft.com/office/powerpoint/2010/main" val="150544368"/>
+        <p14:creationId xmlns:p14="http://schemas.microsoft.com/office/powerpoint/2010/main" val="2813128715"/>
       </p:ext>
     </p:extLst>
   </p:cSld>
@@ -8007,13 +7724,104 @@
           <a:lstStyle/>
           <a:p>
             <a:r>
+              <a:rPr lang="en-US" dirty="0"/>
+              <a:t>Local</a:t>
+            </a:r>
+            <a:r>
+              <a:rPr lang="en-US" baseline="0" dirty="0"/>
+              <a:t> Hero – </a:t>
+            </a:r>
+            <a:r>
+              <a:rPr lang="ru-RU" baseline="0" dirty="0"/>
+              <a:t>не будет работать на других машинах</a:t>
+            </a:r>
+            <a:endParaRPr lang="ru-RU" dirty="0"/>
+          </a:p>
+          <a:p>
+            <a:r>
+              <a:rPr lang="en-US" dirty="0"/>
+              <a:t>Loudmouth </a:t>
+            </a:r>
+            <a:r>
               <a:rPr lang="ru-RU" dirty="0"/>
-              <a:t>Мартовский</a:t>
+              <a:t>(крикун) – тест не является автоматическим: что-то выводит, но </a:t>
+            </a:r>
+            <a:r>
+              <a:rPr lang="en-US" dirty="0"/>
+              <a:t>exception</a:t>
+            </a:r>
+            <a:r>
+              <a:rPr lang="ru-RU" dirty="0"/>
+              <a:t> не кидает</a:t>
+            </a:r>
+          </a:p>
+          <a:p>
+            <a:r>
+              <a:rPr lang="en-US" dirty="0"/>
+              <a:t>Free Ride – </a:t>
+            </a:r>
+            <a:r>
+              <a:rPr lang="ru-RU" dirty="0"/>
+              <a:t>тестируется все подряд (много</a:t>
             </a:r>
             <a:r>
               <a:rPr lang="ru-RU" baseline="0" dirty="0"/>
-              <a:t> кролик написал кучу реализаций, но не успел написать тесты…</a:t>
-            </a:r>
+              <a:t> </a:t>
+            </a:r>
+            <a:r>
+              <a:rPr lang="en-US" baseline="0" dirty="0"/>
+              <a:t>act, </a:t>
+            </a:r>
+            <a:r>
+              <a:rPr lang="ru-RU" baseline="0" dirty="0"/>
+              <a:t>много </a:t>
+            </a:r>
+            <a:r>
+              <a:rPr lang="en-US" baseline="0" dirty="0"/>
+              <a:t>assert)</a:t>
+            </a:r>
+            <a:endParaRPr lang="ru-RU" dirty="0"/>
+          </a:p>
+          <a:p>
+            <a:r>
+              <a:rPr lang="en-US" dirty="0"/>
+              <a:t>Over</a:t>
+            </a:r>
+            <a:r>
+              <a:rPr lang="en-US" baseline="0" dirty="0"/>
+              <a:t> specification – </a:t>
+            </a:r>
+            <a:r>
+              <a:rPr lang="ru-RU" baseline="0" dirty="0"/>
+              <a:t>создается одна ситуация, но в ней тестируется все (один </a:t>
+            </a:r>
+            <a:r>
+              <a:rPr lang="en-US" baseline="0" dirty="0"/>
+              <a:t>act, </a:t>
+            </a:r>
+            <a:r>
+              <a:rPr lang="ru-RU" baseline="0" dirty="0"/>
+              <a:t>много </a:t>
+            </a:r>
+            <a:r>
+              <a:rPr lang="en-US" baseline="0" dirty="0"/>
+              <a:t>assert)</a:t>
+            </a:r>
+            <a:endParaRPr lang="ru-RU" baseline="0" dirty="0"/>
+          </a:p>
+          <a:p>
+            <a:endParaRPr lang="ru-RU" baseline="0" dirty="0"/>
+          </a:p>
+          <a:p>
+            <a:r>
+              <a:rPr lang="ru-RU" baseline="0" dirty="0"/>
+              <a:t>Только хорошо написанные тесты могут служить спецификацией.</a:t>
+            </a:r>
+          </a:p>
+          <a:p>
+            <a:endParaRPr lang="en-US" baseline="0" dirty="0"/>
+          </a:p>
+          <a:p>
             <a:endParaRPr lang="en-US" dirty="0"/>
           </a:p>
         </p:txBody>
@@ -8035,7 +7843,7 @@
           <a:p>
             <a:fld id="{3BAECB10-9972-4830-A584-02C41DAFD45B}" type="slidenum">
               <a:rPr lang="ru-RU" smtClean="0"/>
-              <a:t>18</a:t>
+              <a:t>9</a:t>
             </a:fld>
             <a:endParaRPr lang="ru-RU"/>
           </a:p>
@@ -8044,7 +7852,7 @@
     </p:spTree>
     <p:extLst>
       <p:ext uri="{BB962C8B-B14F-4D97-AF65-F5344CB8AC3E}">
-        <p14:creationId xmlns:p14="http://schemas.microsoft.com/office/powerpoint/2010/main" val="2782064311"/>
+        <p14:creationId xmlns:p14="http://schemas.microsoft.com/office/powerpoint/2010/main" val="150544368"/>
       </p:ext>
     </p:extLst>
   </p:cSld>
@@ -8098,7 +7906,15 @@
           <a:bodyPr/>
           <a:lstStyle/>
           <a:p>
-            <a:endParaRPr lang="ru-RU" dirty="0"/>
+            <a:r>
+              <a:rPr lang="ru-RU" dirty="0"/>
+              <a:t>Мартовский</a:t>
+            </a:r>
+            <a:r>
+              <a:rPr lang="ru-RU" baseline="0" dirty="0"/>
+              <a:t> кролик написал кучу реализаций, но не успел написать тесты…</a:t>
+            </a:r>
+            <a:endParaRPr lang="en-US" dirty="0"/>
           </a:p>
         </p:txBody>
       </p:sp>
@@ -8119,7 +7935,91 @@
           <a:p>
             <a:fld id="{3BAECB10-9972-4830-A584-02C41DAFD45B}" type="slidenum">
               <a:rPr lang="ru-RU" smtClean="0"/>
-              <a:t>19</a:t>
+              <a:t>17</a:t>
+            </a:fld>
+            <a:endParaRPr lang="ru-RU"/>
+          </a:p>
+        </p:txBody>
+      </p:sp>
+    </p:spTree>
+    <p:extLst>
+      <p:ext uri="{BB962C8B-B14F-4D97-AF65-F5344CB8AC3E}">
+        <p14:creationId xmlns:p14="http://schemas.microsoft.com/office/powerpoint/2010/main" val="2782064311"/>
+      </p:ext>
+    </p:extLst>
+  </p:cSld>
+  <p:clrMapOvr>
+    <a:masterClrMapping/>
+  </p:clrMapOvr>
+</p:notes>
+</file>
+
+<file path=ppt/notesSlides/notesSlide7.xml><?xml version="1.0" encoding="utf-8"?>
+<p:notes xmlns:a="http://schemas.openxmlformats.org/drawingml/2006/main" xmlns:r="http://schemas.openxmlformats.org/officeDocument/2006/relationships" xmlns:p="http://schemas.openxmlformats.org/presentationml/2006/main">
+  <p:cSld>
+    <p:spTree>
+      <p:nvGrpSpPr>
+        <p:cNvPr id="1" name=""/>
+        <p:cNvGrpSpPr/>
+        <p:nvPr/>
+      </p:nvGrpSpPr>
+      <p:grpSpPr>
+        <a:xfrm>
+          <a:off x="0" y="0"/>
+          <a:ext cx="0" cy="0"/>
+          <a:chOff x="0" y="0"/>
+          <a:chExt cx="0" cy="0"/>
+        </a:xfrm>
+      </p:grpSpPr>
+      <p:sp>
+        <p:nvSpPr>
+          <p:cNvPr id="2" name="Образ слайда 1"/>
+          <p:cNvSpPr>
+            <a:spLocks noGrp="1" noRot="1" noChangeAspect="1"/>
+          </p:cNvSpPr>
+          <p:nvPr>
+            <p:ph type="sldImg"/>
+          </p:nvPr>
+        </p:nvSpPr>
+        <p:spPr/>
+      </p:sp>
+      <p:sp>
+        <p:nvSpPr>
+          <p:cNvPr id="3" name="Заметки 2"/>
+          <p:cNvSpPr>
+            <a:spLocks noGrp="1"/>
+          </p:cNvSpPr>
+          <p:nvPr>
+            <p:ph type="body" idx="1"/>
+          </p:nvPr>
+        </p:nvSpPr>
+        <p:spPr/>
+        <p:txBody>
+          <a:bodyPr/>
+          <a:lstStyle/>
+          <a:p>
+            <a:endParaRPr lang="ru-RU" dirty="0"/>
+          </a:p>
+        </p:txBody>
+      </p:sp>
+      <p:sp>
+        <p:nvSpPr>
+          <p:cNvPr id="4" name="Номер слайда 3"/>
+          <p:cNvSpPr>
+            <a:spLocks noGrp="1"/>
+          </p:cNvSpPr>
+          <p:nvPr>
+            <p:ph type="sldNum" sz="quarter" idx="10"/>
+          </p:nvPr>
+        </p:nvSpPr>
+        <p:spPr/>
+        <p:txBody>
+          <a:bodyPr/>
+          <a:lstStyle/>
+          <a:p>
+            <a:fld id="{3BAECB10-9972-4830-A584-02C41DAFD45B}" type="slidenum">
+              <a:rPr lang="ru-RU" smtClean="0"/>
+              <a:t>18</a:t>
             </a:fld>
             <a:endParaRPr lang="ru-RU"/>
           </a:p>
@@ -12304,510 +12204,17 @@
   <p:clrMapOvr>
     <a:masterClrMapping/>
   </p:clrMapOvr>
+  <p:timing>
+    <p:tnLst>
+      <p:par>
+        <p:cTn id="1" dur="indefinite" restart="never" nodeType="tmRoot"/>
+      </p:par>
+    </p:tnLst>
+  </p:timing>
 </p:sld>
 </file>
 
 <file path=ppt/slides/slide10.xml><?xml version="1.0" encoding="utf-8"?>
-<p:sld xmlns:a="http://schemas.openxmlformats.org/drawingml/2006/main" xmlns:r="http://schemas.openxmlformats.org/officeDocument/2006/relationships" xmlns:p="http://schemas.openxmlformats.org/presentationml/2006/main">
-  <p:cSld>
-    <p:spTree>
-      <p:nvGrpSpPr>
-        <p:cNvPr id="1" name=""/>
-        <p:cNvGrpSpPr/>
-        <p:nvPr/>
-      </p:nvGrpSpPr>
-      <p:grpSpPr>
-        <a:xfrm>
-          <a:off x="0" y="0"/>
-          <a:ext cx="0" cy="0"/>
-          <a:chOff x="0" y="0"/>
-          <a:chExt cx="0" cy="0"/>
-        </a:xfrm>
-      </p:grpSpPr>
-      <p:sp>
-        <p:nvSpPr>
-          <p:cNvPr id="3" name="Объект 2"/>
-          <p:cNvSpPr>
-            <a:spLocks noGrp="1"/>
-          </p:cNvSpPr>
-          <p:nvPr>
-            <p:ph sz="quarter" idx="13"/>
-          </p:nvPr>
-        </p:nvSpPr>
-        <p:spPr>
-          <a:xfrm>
-            <a:off x="1295400" y="2852019"/>
-            <a:ext cx="9601133" cy="3456711"/>
-          </a:xfrm>
-        </p:spPr>
-        <p:txBody>
-          <a:bodyPr/>
-          <a:lstStyle/>
-          <a:p>
-            <a:r>
-              <a:rPr lang="en-US" dirty="0"/>
-              <a:t>Local Hero</a:t>
-            </a:r>
-            <a:endParaRPr lang="ru-RU" dirty="0"/>
-          </a:p>
-          <a:p>
-            <a:r>
-              <a:rPr lang="en-US" dirty="0"/>
-              <a:t>Loudmouth</a:t>
-            </a:r>
-            <a:endParaRPr lang="ru-RU" dirty="0"/>
-          </a:p>
-          <a:p>
-            <a:r>
-              <a:rPr lang="en-US" dirty="0"/>
-              <a:t>Free Ride</a:t>
-            </a:r>
-            <a:endParaRPr lang="ru-RU" dirty="0"/>
-          </a:p>
-          <a:p>
-            <a:r>
-              <a:rPr lang="en-US" dirty="0"/>
-              <a:t>Over</a:t>
-            </a:r>
-            <a:r>
-              <a:rPr lang="ru-RU" dirty="0"/>
-              <a:t> </a:t>
-            </a:r>
-            <a:r>
-              <a:rPr lang="en-US" dirty="0"/>
-              <a:t>specification</a:t>
-            </a:r>
-          </a:p>
-          <a:p>
-            <a:endParaRPr lang="en-US" dirty="0"/>
-          </a:p>
-          <a:p>
-            <a:r>
-              <a:rPr lang="en-US" sz="2800" dirty="0">
-                <a:hlinkClick r:id="rId3"/>
-              </a:rPr>
-              <a:t>http://blog.james-carr.org/2006/11/03/tdd-anti-patterns/</a:t>
-            </a:r>
-            <a:r>
-              <a:rPr lang="en-US" sz="2800" dirty="0"/>
-              <a:t> </a:t>
-            </a:r>
-            <a:endParaRPr lang="ru-RU" dirty="0"/>
-          </a:p>
-        </p:txBody>
-      </p:sp>
-      <p:sp>
-        <p:nvSpPr>
-          <p:cNvPr id="2" name="Заголовок 1"/>
-          <p:cNvSpPr>
-            <a:spLocks noGrp="1"/>
-          </p:cNvSpPr>
-          <p:nvPr>
-            <p:ph type="title"/>
-          </p:nvPr>
-        </p:nvSpPr>
-        <p:spPr/>
-        <p:txBody>
-          <a:bodyPr/>
-          <a:lstStyle/>
-          <a:p>
-            <a:r>
-              <a:rPr lang="ru-RU" dirty="0" err="1"/>
-              <a:t>Антипаттерны</a:t>
-            </a:r>
-            <a:endParaRPr lang="ru-RU" dirty="0"/>
-          </a:p>
-        </p:txBody>
-      </p:sp>
-      <p:grpSp>
-        <p:nvGrpSpPr>
-          <p:cNvPr id="10" name="Группа 9"/>
-          <p:cNvGrpSpPr/>
-          <p:nvPr/>
-        </p:nvGrpSpPr>
-        <p:grpSpPr>
-          <a:xfrm>
-            <a:off x="1295400" y="1628775"/>
-            <a:ext cx="4859089" cy="791842"/>
-            <a:chOff x="6243139" y="2461370"/>
-            <a:chExt cx="4859089" cy="791842"/>
-          </a:xfrm>
-        </p:grpSpPr>
-        <p:sp>
-          <p:nvSpPr>
-            <p:cNvPr id="8" name="TextBox 7"/>
-            <p:cNvSpPr txBox="1"/>
-            <p:nvPr/>
-          </p:nvSpPr>
-          <p:spPr>
-            <a:xfrm>
-              <a:off x="6891139" y="2595681"/>
-              <a:ext cx="4211089" cy="523220"/>
-            </a:xfrm>
-            <a:prstGeom prst="rect">
-              <a:avLst/>
-            </a:prstGeom>
-            <a:noFill/>
-          </p:spPr>
-          <p:txBody>
-            <a:bodyPr wrap="none" rtlCol="0">
-              <a:spAutoFit/>
-            </a:bodyPr>
-            <a:lstStyle/>
-            <a:p>
-              <a:r>
-                <a:rPr lang="en-US" sz="2800" dirty="0">
-                  <a:solidFill>
-                    <a:schemeClr val="accent1"/>
-                  </a:solidFill>
-                  <a:latin typeface="+mj-lt"/>
-                </a:rPr>
-                <a:t>SAMPLES / ANTIPATTERNS</a:t>
-              </a:r>
-            </a:p>
-          </p:txBody>
-        </p:sp>
-        <p:pic>
-          <p:nvPicPr>
-            <p:cNvPr id="9" name="Picture 22" descr="C:\Users\sapogoff\Documents\sapogoff_work\SKB Kontur\01_presentation_templates\03_final\wmf_icons\документ.wmf"/>
-            <p:cNvPicPr>
-              <a:picLocks noChangeAspect="1" noChangeArrowheads="1"/>
-            </p:cNvPicPr>
-            <p:nvPr/>
-          </p:nvPicPr>
-          <p:blipFill>
-            <a:blip r:embed="rId4" cstate="print">
-              <a:duotone>
-                <a:schemeClr val="accent1">
-                  <a:shade val="45000"/>
-                  <a:satMod val="135000"/>
-                </a:schemeClr>
-                <a:prstClr val="white"/>
-              </a:duotone>
-              <a:extLst>
-                <a:ext uri="{28A0092B-C50C-407E-A947-70E740481C1C}">
-                  <a14:useLocalDpi xmlns:a14="http://schemas.microsoft.com/office/drawing/2010/main" val="0"/>
-                </a:ext>
-              </a:extLst>
-            </a:blip>
-            <a:srcRect/>
-            <a:stretch>
-              <a:fillRect/>
-            </a:stretch>
-          </p:blipFill>
-          <p:spPr bwMode="auto">
-            <a:xfrm>
-              <a:off x="6243139" y="2461370"/>
-              <a:ext cx="648000" cy="791842"/>
-            </a:xfrm>
-            <a:prstGeom prst="rect">
-              <a:avLst/>
-            </a:prstGeom>
-            <a:noFill/>
-            <a:extLst>
-              <a:ext uri="{909E8E84-426E-40DD-AFC4-6F175D3DCCD1}">
-                <a14:hiddenFill xmlns:a14="http://schemas.microsoft.com/office/drawing/2010/main">
-                  <a:solidFill>
-                    <a:srgbClr val="FFFFFF"/>
-                  </a:solidFill>
-                </a14:hiddenFill>
-              </a:ext>
-            </a:extLst>
-          </p:spPr>
-        </p:pic>
-      </p:grpSp>
-    </p:spTree>
-    <p:extLst>
-      <p:ext uri="{BB962C8B-B14F-4D97-AF65-F5344CB8AC3E}">
-        <p14:creationId xmlns:p14="http://schemas.microsoft.com/office/powerpoint/2010/main" val="4191729357"/>
-      </p:ext>
-    </p:extLst>
-  </p:cSld>
-  <p:clrMapOvr>
-    <a:masterClrMapping/>
-  </p:clrMapOvr>
-  <p:timing>
-    <p:tnLst>
-      <p:par>
-        <p:cTn id="1" dur="indefinite" restart="never" nodeType="tmRoot">
-          <p:childTnLst>
-            <p:seq concurrent="1" nextAc="seek">
-              <p:cTn id="2" dur="indefinite" nodeType="mainSeq">
-                <p:childTnLst>
-                  <p:par>
-                    <p:cTn id="3" fill="hold">
-                      <p:stCondLst>
-                        <p:cond delay="indefinite"/>
-                      </p:stCondLst>
-                      <p:childTnLst>
-                        <p:par>
-                          <p:cTn id="4" fill="hold">
-                            <p:stCondLst>
-                              <p:cond delay="0"/>
-                            </p:stCondLst>
-                            <p:childTnLst>
-                              <p:par>
-                                <p:cTn id="5" presetID="1" presetClass="entr" presetSubtype="0" fill="hold" grpId="0" nodeType="clickEffect">
-                                  <p:stCondLst>
-                                    <p:cond delay="0"/>
-                                  </p:stCondLst>
-                                  <p:childTnLst>
-                                    <p:set>
-                                      <p:cBhvr>
-                                        <p:cTn id="6" dur="1" fill="hold">
-                                          <p:stCondLst>
-                                            <p:cond delay="0"/>
-                                          </p:stCondLst>
-                                        </p:cTn>
-                                        <p:tgtEl>
-                                          <p:spTgt spid="3">
-                                            <p:txEl>
-                                              <p:pRg st="0" end="0"/>
-                                            </p:txEl>
-                                          </p:spTgt>
-                                        </p:tgtEl>
-                                        <p:attrNameLst>
-                                          <p:attrName>style.visibility</p:attrName>
-                                        </p:attrNameLst>
-                                      </p:cBhvr>
-                                      <p:to>
-                                        <p:strVal val="visible"/>
-                                      </p:to>
-                                    </p:set>
-                                  </p:childTnLst>
-                                </p:cTn>
-                              </p:par>
-                            </p:childTnLst>
-                          </p:cTn>
-                        </p:par>
-                      </p:childTnLst>
-                    </p:cTn>
-                  </p:par>
-                  <p:par>
-                    <p:cTn id="7" fill="hold">
-                      <p:stCondLst>
-                        <p:cond delay="indefinite"/>
-                      </p:stCondLst>
-                      <p:childTnLst>
-                        <p:par>
-                          <p:cTn id="8" fill="hold">
-                            <p:stCondLst>
-                              <p:cond delay="0"/>
-                            </p:stCondLst>
-                            <p:childTnLst>
-                              <p:par>
-                                <p:cTn id="9" presetID="1" presetClass="entr" presetSubtype="0" fill="hold" grpId="0" nodeType="clickEffect">
-                                  <p:stCondLst>
-                                    <p:cond delay="0"/>
-                                  </p:stCondLst>
-                                  <p:childTnLst>
-                                    <p:set>
-                                      <p:cBhvr>
-                                        <p:cTn id="10" dur="1" fill="hold">
-                                          <p:stCondLst>
-                                            <p:cond delay="0"/>
-                                          </p:stCondLst>
-                                        </p:cTn>
-                                        <p:tgtEl>
-                                          <p:spTgt spid="3">
-                                            <p:txEl>
-                                              <p:pRg st="1" end="1"/>
-                                            </p:txEl>
-                                          </p:spTgt>
-                                        </p:tgtEl>
-                                        <p:attrNameLst>
-                                          <p:attrName>style.visibility</p:attrName>
-                                        </p:attrNameLst>
-                                      </p:cBhvr>
-                                      <p:to>
-                                        <p:strVal val="visible"/>
-                                      </p:to>
-                                    </p:set>
-                                  </p:childTnLst>
-                                </p:cTn>
-                              </p:par>
-                            </p:childTnLst>
-                          </p:cTn>
-                        </p:par>
-                      </p:childTnLst>
-                    </p:cTn>
-                  </p:par>
-                  <p:par>
-                    <p:cTn id="11" fill="hold">
-                      <p:stCondLst>
-                        <p:cond delay="indefinite"/>
-                      </p:stCondLst>
-                      <p:childTnLst>
-                        <p:par>
-                          <p:cTn id="12" fill="hold">
-                            <p:stCondLst>
-                              <p:cond delay="0"/>
-                            </p:stCondLst>
-                            <p:childTnLst>
-                              <p:par>
-                                <p:cTn id="13" presetID="1" presetClass="entr" presetSubtype="0" fill="hold" grpId="0" nodeType="clickEffect">
-                                  <p:stCondLst>
-                                    <p:cond delay="0"/>
-                                  </p:stCondLst>
-                                  <p:childTnLst>
-                                    <p:set>
-                                      <p:cBhvr>
-                                        <p:cTn id="14" dur="1" fill="hold">
-                                          <p:stCondLst>
-                                            <p:cond delay="0"/>
-                                          </p:stCondLst>
-                                        </p:cTn>
-                                        <p:tgtEl>
-                                          <p:spTgt spid="3">
-                                            <p:txEl>
-                                              <p:pRg st="2" end="2"/>
-                                            </p:txEl>
-                                          </p:spTgt>
-                                        </p:tgtEl>
-                                        <p:attrNameLst>
-                                          <p:attrName>style.visibility</p:attrName>
-                                        </p:attrNameLst>
-                                      </p:cBhvr>
-                                      <p:to>
-                                        <p:strVal val="visible"/>
-                                      </p:to>
-                                    </p:set>
-                                  </p:childTnLst>
-                                </p:cTn>
-                              </p:par>
-                            </p:childTnLst>
-                          </p:cTn>
-                        </p:par>
-                      </p:childTnLst>
-                    </p:cTn>
-                  </p:par>
-                  <p:par>
-                    <p:cTn id="15" fill="hold">
-                      <p:stCondLst>
-                        <p:cond delay="indefinite"/>
-                      </p:stCondLst>
-                      <p:childTnLst>
-                        <p:par>
-                          <p:cTn id="16" fill="hold">
-                            <p:stCondLst>
-                              <p:cond delay="0"/>
-                            </p:stCondLst>
-                            <p:childTnLst>
-                              <p:par>
-                                <p:cTn id="17" presetID="1" presetClass="entr" presetSubtype="0" fill="hold" grpId="0" nodeType="clickEffect">
-                                  <p:stCondLst>
-                                    <p:cond delay="0"/>
-                                  </p:stCondLst>
-                                  <p:childTnLst>
-                                    <p:set>
-                                      <p:cBhvr>
-                                        <p:cTn id="18" dur="1" fill="hold">
-                                          <p:stCondLst>
-                                            <p:cond delay="0"/>
-                                          </p:stCondLst>
-                                        </p:cTn>
-                                        <p:tgtEl>
-                                          <p:spTgt spid="3">
-                                            <p:txEl>
-                                              <p:pRg st="3" end="3"/>
-                                            </p:txEl>
-                                          </p:spTgt>
-                                        </p:tgtEl>
-                                        <p:attrNameLst>
-                                          <p:attrName>style.visibility</p:attrName>
-                                        </p:attrNameLst>
-                                      </p:cBhvr>
-                                      <p:to>
-                                        <p:strVal val="visible"/>
-                                      </p:to>
-                                    </p:set>
-                                  </p:childTnLst>
-                                </p:cTn>
-                              </p:par>
-                            </p:childTnLst>
-                          </p:cTn>
-                        </p:par>
-                      </p:childTnLst>
-                    </p:cTn>
-                  </p:par>
-                  <p:par>
-                    <p:cTn id="19" fill="hold">
-                      <p:stCondLst>
-                        <p:cond delay="indefinite"/>
-                      </p:stCondLst>
-                      <p:childTnLst>
-                        <p:par>
-                          <p:cTn id="20" fill="hold">
-                            <p:stCondLst>
-                              <p:cond delay="0"/>
-                            </p:stCondLst>
-                            <p:childTnLst>
-                              <p:par>
-                                <p:cTn id="21" presetID="1" presetClass="entr" presetSubtype="0" fill="hold" grpId="0" nodeType="clickEffect">
-                                  <p:stCondLst>
-                                    <p:cond delay="0"/>
-                                  </p:stCondLst>
-                                  <p:childTnLst>
-                                    <p:set>
-                                      <p:cBhvr>
-                                        <p:cTn id="22" dur="1" fill="hold">
-                                          <p:stCondLst>
-                                            <p:cond delay="0"/>
-                                          </p:stCondLst>
-                                        </p:cTn>
-                                        <p:tgtEl>
-                                          <p:spTgt spid="3">
-                                            <p:txEl>
-                                              <p:pRg st="5" end="5"/>
-                                            </p:txEl>
-                                          </p:spTgt>
-                                        </p:tgtEl>
-                                        <p:attrNameLst>
-                                          <p:attrName>style.visibility</p:attrName>
-                                        </p:attrNameLst>
-                                      </p:cBhvr>
-                                      <p:to>
-                                        <p:strVal val="visible"/>
-                                      </p:to>
-                                    </p:set>
-                                  </p:childTnLst>
-                                </p:cTn>
-                              </p:par>
-                            </p:childTnLst>
-                          </p:cTn>
-                        </p:par>
-                      </p:childTnLst>
-                    </p:cTn>
-                  </p:par>
-                </p:childTnLst>
-              </p:cTn>
-              <p:prevCondLst>
-                <p:cond evt="onPrev" delay="0">
-                  <p:tgtEl>
-                    <p:sldTgt/>
-                  </p:tgtEl>
-                </p:cond>
-              </p:prevCondLst>
-              <p:nextCondLst>
-                <p:cond evt="onNext" delay="0">
-                  <p:tgtEl>
-                    <p:sldTgt/>
-                  </p:tgtEl>
-                </p:cond>
-              </p:nextCondLst>
-            </p:seq>
-          </p:childTnLst>
-        </p:cTn>
-      </p:par>
-    </p:tnLst>
-    <p:bldLst>
-      <p:bldP spid="3" grpId="0" build="p"/>
-    </p:bldLst>
-  </p:timing>
-</p:sld>
-</file>
-
-<file path=ppt/slides/slide11.xml><?xml version="1.0" encoding="utf-8"?>
 <p:sld xmlns:a="http://schemas.openxmlformats.org/drawingml/2006/main" xmlns:r="http://schemas.openxmlformats.org/officeDocument/2006/relationships" xmlns:p="http://schemas.openxmlformats.org/presentationml/2006/main">
   <p:cSld>
     <p:spTree>
@@ -12915,11 +12322,18 @@
   <p:clrMapOvr>
     <a:masterClrMapping/>
   </p:clrMapOvr>
+  <p:timing>
+    <p:tnLst>
+      <p:par>
+        <p:cTn id="1" dur="indefinite" restart="never" nodeType="tmRoot"/>
+      </p:par>
+    </p:tnLst>
+  </p:timing>
 </p:sld>
 </file>
 
-<file path=ppt/slides/slide12.xml><?xml version="1.0" encoding="utf-8"?>
-<p:sld xmlns:a="http://schemas.openxmlformats.org/drawingml/2006/main" xmlns:r="http://schemas.openxmlformats.org/officeDocument/2006/relationships" xmlns:p="http://schemas.openxmlformats.org/presentationml/2006/main" show="0">
+<file path=ppt/slides/slide11.xml><?xml version="1.0" encoding="utf-8"?>
+<p:sld xmlns:a="http://schemas.openxmlformats.org/drawingml/2006/main" xmlns:r="http://schemas.openxmlformats.org/officeDocument/2006/relationships" xmlns:p="http://schemas.openxmlformats.org/presentationml/2006/main">
   <p:cSld>
     <p:spTree>
       <p:nvGrpSpPr>
@@ -12963,10 +12377,10 @@
               <a:t>, </a:t>
             </a:r>
             <a:r>
-              <a:rPr lang="en-US" dirty="0" err="1"/>
+              <a:rPr lang="en-US" dirty="0" err="1" smtClean="0"/>
               <a:t>TearDown</a:t>
             </a:r>
-            <a:endParaRPr lang="en-US" dirty="0"/>
+            <a:endParaRPr lang="en-US" dirty="0" smtClean="0"/>
           </a:p>
           <a:p>
             <a:pPr marL="457200" indent="-457200">
@@ -12974,18 +12388,18 @@
               <a:buChar char="•"/>
             </a:pPr>
             <a:r>
-              <a:rPr lang="en-US" dirty="0"/>
-              <a:t>Comparer, </a:t>
-            </a:r>
-            <a:r>
-              <a:rPr lang="en-US" i="1" dirty="0"/>
-              <a:t>Equal, </a:t>
-            </a:r>
-            <a:r>
-              <a:rPr lang="en-US" i="1" dirty="0" err="1"/>
-              <a:t>ToString</a:t>
-            </a:r>
-            <a:endParaRPr lang="en-US" i="1" dirty="0"/>
+              <a:rPr lang="en-US" dirty="0" err="1" smtClean="0"/>
+              <a:t>ObjectMother</a:t>
+            </a:r>
+            <a:r>
+              <a:rPr lang="en-US" dirty="0" smtClean="0"/>
+              <a:t>, </a:t>
+            </a:r>
+            <a:r>
+              <a:rPr lang="en-US" dirty="0" err="1" smtClean="0"/>
+              <a:t>TestDataBuilder</a:t>
+            </a:r>
+            <a:endParaRPr lang="en-US" dirty="0"/>
           </a:p>
           <a:p>
             <a:pPr marL="457200" indent="-457200">
@@ -12993,7 +12407,7 @@
               <a:buChar char="•"/>
             </a:pPr>
             <a:r>
-              <a:rPr lang="ru-RU" dirty="0"/>
+              <a:rPr lang="ru-RU" dirty="0" smtClean="0"/>
               <a:t>Собственные </a:t>
             </a:r>
             <a:r>
@@ -13001,9 +12415,16 @@
               <a:t>Assert</a:t>
             </a:r>
             <a:r>
-              <a:rPr lang="ru-RU" dirty="0"/>
+              <a:rPr lang="ru-RU" dirty="0" smtClean="0"/>
               <a:t>-ы</a:t>
             </a:r>
+            <a:endParaRPr lang="en-US" dirty="0" smtClean="0"/>
+          </a:p>
+          <a:p>
+            <a:pPr marL="457200" indent="-457200">
+              <a:buFont typeface="Arial" panose="020B0604020202020204" pitchFamily="34" charset="0"/>
+              <a:buChar char="•"/>
+            </a:pPr>
             <a:endParaRPr lang="en-US" dirty="0"/>
           </a:p>
         </p:txBody>
@@ -13040,10 +12461,25 @@
   <p:clrMapOvr>
     <a:masterClrMapping/>
   </p:clrMapOvr>
+  <mc:AlternateContent xmlns:mc="http://schemas.openxmlformats.org/markup-compatibility/2006">
+    <mc:Choice xmlns:p14="http://schemas.microsoft.com/office/powerpoint/2010/main" Requires="p14">
+      <p:transition spd="slow" p14:dur="2000"/>
+    </mc:Choice>
+    <mc:Fallback>
+      <p:transition spd="slow"/>
+    </mc:Fallback>
+  </mc:AlternateContent>
+  <p:timing>
+    <p:tnLst>
+      <p:par>
+        <p:cTn id="1" dur="indefinite" restart="never" nodeType="tmRoot"/>
+      </p:par>
+    </p:tnLst>
+  </p:timing>
 </p:sld>
 </file>
 
-<file path=ppt/slides/slide13.xml><?xml version="1.0" encoding="utf-8"?>
+<file path=ppt/slides/slide12.xml><?xml version="1.0" encoding="utf-8"?>
 <p:sld xmlns:a="http://schemas.openxmlformats.org/drawingml/2006/main" xmlns:r="http://schemas.openxmlformats.org/officeDocument/2006/relationships" xmlns:p="http://schemas.openxmlformats.org/presentationml/2006/main">
   <p:cSld>
     <p:spTree>
@@ -13300,7 +12736,7 @@
 </p:sld>
 </file>
 
-<file path=ppt/slides/slide14.xml><?xml version="1.0" encoding="utf-8"?>
+<file path=ppt/slides/slide13.xml><?xml version="1.0" encoding="utf-8"?>
 <p:sld xmlns:a="http://schemas.openxmlformats.org/drawingml/2006/main" xmlns:r="http://schemas.openxmlformats.org/officeDocument/2006/relationships" xmlns:p="http://schemas.openxmlformats.org/presentationml/2006/main">
   <p:cSld>
     <p:spTree>
@@ -13474,10 +12910,17 @@
   <p:clrMapOvr>
     <a:masterClrMapping/>
   </p:clrMapOvr>
+  <p:timing>
+    <p:tnLst>
+      <p:par>
+        <p:cTn id="1" dur="indefinite" restart="never" nodeType="tmRoot"/>
+      </p:par>
+    </p:tnLst>
+  </p:timing>
 </p:sld>
 </file>
 
-<file path=ppt/slides/slide15.xml><?xml version="1.0" encoding="utf-8"?>
+<file path=ppt/slides/slide14.xml><?xml version="1.0" encoding="utf-8"?>
 <p:sld xmlns:a="http://schemas.openxmlformats.org/drawingml/2006/main" xmlns:r="http://schemas.openxmlformats.org/officeDocument/2006/relationships" xmlns:p="http://schemas.openxmlformats.org/presentationml/2006/main">
   <p:cSld>
     <p:spTree>
@@ -13597,6 +13040,10 @@
               <a:rPr lang="ru-RU" dirty="0"/>
               <a:t>— лучше</a:t>
             </a:r>
+            <a:r>
+              <a:rPr lang="en-US" dirty="0"/>
+              <a:t/>
+            </a:r>
             <a:br>
               <a:rPr lang="en-US" dirty="0"/>
             </a:br>
@@ -13628,8 +13075,24 @@
               <a:buAutoNum type="arabicPeriod"/>
             </a:pPr>
             <a:r>
+              <a:rPr lang="ru-RU" dirty="0" smtClean="0"/>
+              <a:t>Неудачн</a:t>
+            </a:r>
+            <a:r>
+              <a:rPr lang="ru-RU" dirty="0" smtClean="0"/>
+              <a:t>ое </a:t>
+            </a:r>
+            <a:r>
+              <a:rPr lang="en-US" dirty="0" smtClean="0"/>
+              <a:t>API</a:t>
+            </a:r>
+            <a:r>
+              <a:rPr lang="ru-RU" dirty="0" smtClean="0"/>
+              <a:t>:</a:t>
+            </a:r>
+            <a:r>
               <a:rPr lang="ru-RU" dirty="0"/>
-              <a:t>Неудачная расширяемость:</a:t>
+              <a:t/>
             </a:r>
             <a:br>
               <a:rPr lang="ru-RU" dirty="0"/>
@@ -13643,20 +13106,32 @@
               <a:t>(x, </a:t>
             </a:r>
             <a:r>
-              <a:rPr lang="en-US" b="1" dirty="0"/>
-              <a:t>new </a:t>
-            </a:r>
-            <a:r>
-              <a:rPr lang="en-US" b="1" dirty="0" err="1"/>
-              <a:t>MyConstraint</a:t>
-            </a:r>
-            <a:r>
-              <a:rPr lang="en-US" b="1" dirty="0"/>
-              <a:t>(...)</a:t>
-            </a:r>
-            <a:r>
-              <a:rPr lang="en-US" dirty="0"/>
+              <a:rPr lang="en-US" b="1" dirty="0" err="1" smtClean="0"/>
+              <a:t>IResolveConstraint</a:t>
+            </a:r>
+            <a:r>
+              <a:rPr lang="en-US" b="1" dirty="0" smtClean="0"/>
+              <a:t> </a:t>
+            </a:r>
+            <a:r>
+              <a:rPr lang="ru-RU" b="1" dirty="0" smtClean="0"/>
+              <a:t>?!?</a:t>
+            </a:r>
+            <a:r>
+              <a:rPr lang="en-US" dirty="0" smtClean="0"/>
               <a:t>)</a:t>
+            </a:r>
+            <a:r>
+              <a:rPr lang="ru-RU" dirty="0" smtClean="0"/>
+              <a:t> </a:t>
+            </a:r>
+            <a:r>
+              <a:rPr lang="en-US" dirty="0" smtClean="0"/>
+              <a:t>// </a:t>
+            </a:r>
+            <a:r>
+              <a:rPr lang="en-US" dirty="0" err="1" smtClean="0"/>
+              <a:t>O_o</a:t>
             </a:r>
             <a:endParaRPr lang="ru-RU" dirty="0"/>
           </a:p>
@@ -13961,8 +13436,8 @@
 </p:sld>
 </file>
 
-<file path=ppt/slides/slide16.xml><?xml version="1.0" encoding="utf-8"?>
-<p:sld xmlns:a="http://schemas.openxmlformats.org/drawingml/2006/main" xmlns:r="http://schemas.openxmlformats.org/officeDocument/2006/relationships" xmlns:p="http://schemas.openxmlformats.org/presentationml/2006/main" show="0">
+<file path=ppt/slides/slide15.xml><?xml version="1.0" encoding="utf-8"?>
+<p:sld xmlns:a="http://schemas.openxmlformats.org/drawingml/2006/main" xmlns:r="http://schemas.openxmlformats.org/officeDocument/2006/relationships" xmlns:p="http://schemas.openxmlformats.org/presentationml/2006/main">
   <p:cSld>
     <p:spTree>
       <p:nvGrpSpPr>
@@ -14122,6 +13597,14 @@
   <p:clrMapOvr>
     <a:masterClrMapping/>
   </p:clrMapOvr>
+  <mc:AlternateContent xmlns:mc="http://schemas.openxmlformats.org/markup-compatibility/2006">
+    <mc:Choice xmlns:p14="http://schemas.microsoft.com/office/powerpoint/2010/main" Requires="p14">
+      <p:transition spd="slow" p14:dur="2000"/>
+    </mc:Choice>
+    <mc:Fallback>
+      <p:transition spd="slow"/>
+    </mc:Fallback>
+  </mc:AlternateContent>
   <p:timing>
     <p:tnLst>
       <p:par>
@@ -14256,7 +13739,7 @@
 </p:sld>
 </file>
 
-<file path=ppt/slides/slide17.xml><?xml version="1.0" encoding="utf-8"?>
+<file path=ppt/slides/slide16.xml><?xml version="1.0" encoding="utf-8"?>
 <p:sld xmlns:a="http://schemas.openxmlformats.org/drawingml/2006/main" xmlns:r="http://schemas.openxmlformats.org/officeDocument/2006/relationships" xmlns:p="http://schemas.openxmlformats.org/presentationml/2006/main">
   <p:cSld>
     <p:spTree>
@@ -14311,6 +13794,10 @@
               <a:rPr lang="en-US" dirty="0"/>
               <a:t>→</a:t>
             </a:r>
+            <a:r>
+              <a:rPr lang="ru-RU" dirty="0"/>
+              <a:t/>
+            </a:r>
             <a:br>
               <a:rPr lang="ru-RU" dirty="0"/>
             </a:br>
@@ -14451,10 +13938,17 @@
   <p:clrMapOvr>
     <a:masterClrMapping/>
   </p:clrMapOvr>
+  <p:timing>
+    <p:tnLst>
+      <p:par>
+        <p:cTn id="1" dur="indefinite" restart="never" nodeType="tmRoot"/>
+      </p:par>
+    </p:tnLst>
+  </p:timing>
 </p:sld>
 </file>
 
-<file path=ppt/slides/slide18.xml><?xml version="1.0" encoding="utf-8"?>
+<file path=ppt/slides/slide17.xml><?xml version="1.0" encoding="utf-8"?>
 <p:sld xmlns:a="http://schemas.openxmlformats.org/drawingml/2006/main" xmlns:r="http://schemas.openxmlformats.org/officeDocument/2006/relationships" xmlns:p="http://schemas.openxmlformats.org/presentationml/2006/main">
   <p:cSld>
     <p:spTree>
@@ -14539,6 +14033,196 @@
   <p:clrMapOvr>
     <a:masterClrMapping/>
   </p:clrMapOvr>
+  <p:timing>
+    <p:tnLst>
+      <p:par>
+        <p:cTn id="1" dur="indefinite" restart="never" nodeType="tmRoot"/>
+      </p:par>
+    </p:tnLst>
+  </p:timing>
+</p:sld>
+</file>
+
+<file path=ppt/slides/slide18.xml><?xml version="1.0" encoding="utf-8"?>
+<p:sld xmlns:a="http://schemas.openxmlformats.org/drawingml/2006/main" xmlns:r="http://schemas.openxmlformats.org/officeDocument/2006/relationships" xmlns:p="http://schemas.openxmlformats.org/presentationml/2006/main">
+  <p:cSld>
+    <p:spTree>
+      <p:nvGrpSpPr>
+        <p:cNvPr id="1" name=""/>
+        <p:cNvGrpSpPr/>
+        <p:nvPr/>
+      </p:nvGrpSpPr>
+      <p:grpSpPr>
+        <a:xfrm>
+          <a:off x="0" y="0"/>
+          <a:ext cx="0" cy="0"/>
+          <a:chOff x="0" y="0"/>
+          <a:chExt cx="0" cy="0"/>
+        </a:xfrm>
+      </p:grpSpPr>
+      <p:sp>
+        <p:nvSpPr>
+          <p:cNvPr id="3" name="Объект 2"/>
+          <p:cNvSpPr>
+            <a:spLocks noGrp="1"/>
+          </p:cNvSpPr>
+          <p:nvPr>
+            <p:ph idx="13"/>
+          </p:nvPr>
+        </p:nvSpPr>
+        <p:spPr>
+          <a:xfrm>
+            <a:off x="1295400" y="1628775"/>
+            <a:ext cx="9601200" cy="4679950"/>
+          </a:xfrm>
+        </p:spPr>
+        <p:txBody>
+          <a:bodyPr/>
+          <a:lstStyle/>
+          <a:p>
+            <a:r>
+              <a:rPr lang="ru-RU" dirty="0"/>
+              <a:t>В проекте </a:t>
+            </a:r>
+            <a:r>
+              <a:rPr lang="en-US" dirty="0">
+                <a:solidFill>
+                  <a:schemeClr val="accent1"/>
+                </a:solidFill>
+              </a:rPr>
+              <a:t>Challenge</a:t>
+            </a:r>
+            <a:r>
+              <a:rPr lang="en-US" dirty="0"/>
+              <a:t> </a:t>
+            </a:r>
+            <a:r>
+              <a:rPr lang="ru-RU" dirty="0"/>
+              <a:t>в файле </a:t>
+            </a:r>
+            <a:r>
+              <a:rPr lang="en-US" dirty="0" err="1">
+                <a:solidFill>
+                  <a:schemeClr val="accent1"/>
+                </a:solidFill>
+              </a:rPr>
+              <a:t>WordsStatistics_Tests</a:t>
+            </a:r>
+            <a:r>
+              <a:rPr lang="ru-RU" dirty="0"/>
+              <a:t> напишите тесты:</a:t>
+            </a:r>
+          </a:p>
+          <a:p>
+            <a:pPr marL="971515" lvl="1" indent="-514350">
+              <a:buFont typeface="+mj-lt"/>
+              <a:buAutoNum type="arabicPeriod"/>
+            </a:pPr>
+            <a:r>
+              <a:rPr lang="en-US" dirty="0" err="1"/>
+              <a:t>WordsStatistics</a:t>
+            </a:r>
+            <a:r>
+              <a:rPr lang="ru-RU" dirty="0"/>
+              <a:t> — должен проходить все тесты.</a:t>
+            </a:r>
+          </a:p>
+          <a:p>
+            <a:pPr marL="971515" lvl="1" indent="-514350">
+              <a:buFont typeface="+mj-lt"/>
+              <a:buAutoNum type="arabicPeriod"/>
+            </a:pPr>
+            <a:r>
+              <a:rPr lang="en-US" dirty="0" err="1"/>
+              <a:t>WordStatisticsXXX</a:t>
+            </a:r>
+            <a:r>
+              <a:rPr lang="en-US" dirty="0"/>
+              <a:t> — </a:t>
+            </a:r>
+            <a:r>
+              <a:rPr lang="ru-RU" dirty="0"/>
+              <a:t>некорректные реализации. Должны падать хотя бы на одном тесте.</a:t>
+            </a:r>
+          </a:p>
+          <a:p>
+            <a:r>
+              <a:rPr lang="ru-RU" dirty="0"/>
+              <a:t>Запускайте по </a:t>
+            </a:r>
+            <a:r>
+              <a:rPr lang="en-US" dirty="0">
+                <a:solidFill>
+                  <a:schemeClr val="accent1"/>
+                </a:solidFill>
+              </a:rPr>
+              <a:t>Ctrl+F5</a:t>
+            </a:r>
+            <a:r>
+              <a:rPr lang="ru-RU" dirty="0"/>
+              <a:t>.</a:t>
+            </a:r>
+          </a:p>
+          <a:p>
+            <a:r>
+              <a:rPr lang="ru-RU" dirty="0"/>
+              <a:t>Не открывайте файл </a:t>
+            </a:r>
+            <a:r>
+              <a:rPr lang="en-US" b="1" dirty="0" err="1">
+                <a:solidFill>
+                  <a:schemeClr val="accent1"/>
+                </a:solidFill>
+              </a:rPr>
+              <a:t>DoNotOpen</a:t>
+            </a:r>
+            <a:r>
+              <a:rPr lang="ru-RU" dirty="0"/>
+              <a:t>!</a:t>
+            </a:r>
+          </a:p>
+        </p:txBody>
+      </p:sp>
+      <p:sp>
+        <p:nvSpPr>
+          <p:cNvPr id="2" name="Заголовок 1"/>
+          <p:cNvSpPr>
+            <a:spLocks noGrp="1"/>
+          </p:cNvSpPr>
+          <p:nvPr>
+            <p:ph type="title"/>
+          </p:nvPr>
+        </p:nvSpPr>
+        <p:spPr/>
+        <p:txBody>
+          <a:bodyPr/>
+          <a:lstStyle/>
+          <a:p>
+            <a:r>
+              <a:rPr lang="en-US" dirty="0" err="1"/>
+              <a:t>cHALLENGE</a:t>
+            </a:r>
+            <a:endParaRPr lang="ru-RU" dirty="0"/>
+          </a:p>
+        </p:txBody>
+      </p:sp>
+    </p:spTree>
+    <p:extLst>
+      <p:ext uri="{BB962C8B-B14F-4D97-AF65-F5344CB8AC3E}">
+        <p14:creationId xmlns:p14="http://schemas.microsoft.com/office/powerpoint/2010/main" val="2572830397"/>
+      </p:ext>
+    </p:extLst>
+  </p:cSld>
+  <p:clrMapOvr>
+    <a:masterClrMapping/>
+  </p:clrMapOvr>
+  <p:timing>
+    <p:tnLst>
+      <p:par>
+        <p:cTn id="1" dur="indefinite" restart="never" nodeType="tmRoot"/>
+      </p:par>
+    </p:tnLst>
+  </p:timing>
 </p:sld>
 </file>
 
@@ -14576,99 +14260,18 @@
           </a:xfrm>
         </p:spPr>
         <p:txBody>
-          <a:bodyPr/>
+          <a:bodyPr anchor="ctr">
+            <a:normAutofit/>
+          </a:bodyPr>
           <a:lstStyle/>
           <a:p>
-            <a:r>
-              <a:rPr lang="ru-RU" dirty="0"/>
-              <a:t>В проекте </a:t>
-            </a:r>
-            <a:r>
-              <a:rPr lang="en-US" dirty="0">
-                <a:solidFill>
-                  <a:schemeClr val="accent1"/>
-                </a:solidFill>
-              </a:rPr>
-              <a:t>Challenge</a:t>
-            </a:r>
-            <a:r>
-              <a:rPr lang="en-US" dirty="0"/>
-              <a:t> </a:t>
-            </a:r>
-            <a:r>
-              <a:rPr lang="ru-RU" dirty="0"/>
-              <a:t>в файле </a:t>
-            </a:r>
-            <a:r>
-              <a:rPr lang="en-US" dirty="0" err="1">
-                <a:solidFill>
-                  <a:schemeClr val="accent1"/>
-                </a:solidFill>
-              </a:rPr>
-              <a:t>WordsStatistics_Tests</a:t>
-            </a:r>
-            <a:r>
-              <a:rPr lang="ru-RU" dirty="0"/>
-              <a:t> напишите тесты:</a:t>
-            </a:r>
-          </a:p>
-          <a:p>
-            <a:pPr marL="971515" lvl="1" indent="-514350">
-              <a:buFont typeface="+mj-lt"/>
-              <a:buAutoNum type="arabicPeriod"/>
-            </a:pPr>
-            <a:r>
-              <a:rPr lang="en-US" dirty="0" err="1"/>
-              <a:t>WordsStatistics</a:t>
-            </a:r>
-            <a:r>
-              <a:rPr lang="ru-RU" dirty="0"/>
-              <a:t> — должен проходить все тесты.</a:t>
-            </a:r>
-          </a:p>
-          <a:p>
-            <a:pPr marL="971515" lvl="1" indent="-514350">
-              <a:buFont typeface="+mj-lt"/>
-              <a:buAutoNum type="arabicPeriod"/>
-            </a:pPr>
-            <a:r>
-              <a:rPr lang="en-US" dirty="0" err="1"/>
-              <a:t>WordStatisticsXXX</a:t>
-            </a:r>
-            <a:r>
-              <a:rPr lang="en-US" dirty="0"/>
-              <a:t> — </a:t>
-            </a:r>
-            <a:r>
-              <a:rPr lang="ru-RU" dirty="0"/>
-              <a:t>некорректные реализации. Должны падать хотя бы на одном тесте.</a:t>
-            </a:r>
-          </a:p>
-          <a:p>
-            <a:r>
-              <a:rPr lang="ru-RU" dirty="0"/>
-              <a:t>Запускайте по </a:t>
-            </a:r>
-            <a:r>
-              <a:rPr lang="en-US" dirty="0">
-                <a:solidFill>
-                  <a:schemeClr val="accent1"/>
-                </a:solidFill>
-              </a:rPr>
-              <a:t>Ctrl+F5</a:t>
-            </a:r>
-            <a:r>
-              <a:rPr lang="ru-RU" dirty="0"/>
-              <a:t>.</a:t>
-            </a:r>
-          </a:p>
-          <a:p>
-            <a:r>
-              <a:rPr lang="ru-RU" dirty="0"/>
-              <a:t>Не открывайте файл </a:t>
-            </a:r>
-            <a:r>
-              <a:rPr lang="en-US" b="1" dirty="0" err="1">
+            <a:pPr algn="ctr"/>
+            <a:r>
+              <a:rPr lang="ru-RU" sz="4000" dirty="0"/>
+              <a:t>Открываем </a:t>
+            </a:r>
+            <a:r>
+              <a:rPr lang="en-US" sz="4000" dirty="0" err="1">
                 <a:solidFill>
                   <a:schemeClr val="accent1"/>
                 </a:solidFill>
@@ -14676,9 +14279,10 @@
               <a:t>DoNotOpen</a:t>
             </a:r>
             <a:r>
-              <a:rPr lang="ru-RU" dirty="0"/>
+              <a:rPr lang="en-US" sz="4000" dirty="0"/>
               <a:t>!</a:t>
             </a:r>
+            <a:endParaRPr lang="ru-RU" sz="4000" dirty="0"/>
           </a:p>
         </p:txBody>
       </p:sp>
@@ -14708,70 +14312,24 @@
     </p:spTree>
     <p:extLst>
       <p:ext uri="{BB962C8B-B14F-4D97-AF65-F5344CB8AC3E}">
-        <p14:creationId xmlns:p14="http://schemas.microsoft.com/office/powerpoint/2010/main" val="2572830397"/>
+        <p14:creationId xmlns:p14="http://schemas.microsoft.com/office/powerpoint/2010/main" val="2295645457"/>
       </p:ext>
     </p:extLst>
   </p:cSld>
   <p:clrMapOvr>
     <a:masterClrMapping/>
   </p:clrMapOvr>
+  <p:timing>
+    <p:tnLst>
+      <p:par>
+        <p:cTn id="1" dur="indefinite" restart="never" nodeType="tmRoot"/>
+      </p:par>
+    </p:tnLst>
+  </p:timing>
 </p:sld>
 </file>
 
 <file path=ppt/slides/slide2.xml><?xml version="1.0" encoding="utf-8"?>
-<p:sld xmlns:a="http://schemas.openxmlformats.org/drawingml/2006/main" xmlns:r="http://schemas.openxmlformats.org/officeDocument/2006/relationships" xmlns:p="http://schemas.openxmlformats.org/presentationml/2006/main" show="0">
-  <p:cSld>
-    <p:spTree>
-      <p:nvGrpSpPr>
-        <p:cNvPr id="1" name=""/>
-        <p:cNvGrpSpPr/>
-        <p:nvPr/>
-      </p:nvGrpSpPr>
-      <p:grpSpPr>
-        <a:xfrm>
-          <a:off x="0" y="0"/>
-          <a:ext cx="0" cy="0"/>
-          <a:chOff x="0" y="0"/>
-          <a:chExt cx="0" cy="0"/>
-        </a:xfrm>
-      </p:grpSpPr>
-      <p:sp>
-        <p:nvSpPr>
-          <p:cNvPr id="2" name="Заголовок 1"/>
-          <p:cNvSpPr>
-            <a:spLocks noGrp="1"/>
-          </p:cNvSpPr>
-          <p:nvPr>
-            <p:ph type="title"/>
-          </p:nvPr>
-        </p:nvSpPr>
-        <p:spPr/>
-        <p:txBody>
-          <a:bodyPr/>
-          <a:lstStyle/>
-          <a:p>
-            <a:r>
-              <a:rPr lang="ru-RU" dirty="0"/>
-              <a:t>Тесты как спецификация</a:t>
-            </a:r>
-            <a:endParaRPr lang="en-US" dirty="0"/>
-          </a:p>
-        </p:txBody>
-      </p:sp>
-    </p:spTree>
-    <p:extLst>
-      <p:ext uri="{BB962C8B-B14F-4D97-AF65-F5344CB8AC3E}">
-        <p14:creationId xmlns:p14="http://schemas.microsoft.com/office/powerpoint/2010/main" val="2464158167"/>
-      </p:ext>
-    </p:extLst>
-  </p:cSld>
-  <p:clrMapOvr>
-    <a:masterClrMapping/>
-  </p:clrMapOvr>
-</p:sld>
-</file>
-
-<file path=ppt/slides/slide20.xml><?xml version="1.0" encoding="utf-8"?>
 <p:sld xmlns:a="http://schemas.openxmlformats.org/drawingml/2006/main" xmlns:r="http://schemas.openxmlformats.org/officeDocument/2006/relationships" xmlns:p="http://schemas.openxmlformats.org/presentationml/2006/main">
   <p:cSld>
     <p:spTree>
@@ -14795,39 +14353,40 @@
             <a:spLocks noGrp="1"/>
           </p:cNvSpPr>
           <p:nvPr>
-            <p:ph idx="13"/>
+            <p:ph sz="quarter" idx="13"/>
           </p:nvPr>
         </p:nvSpPr>
-        <p:spPr>
-          <a:xfrm>
-            <a:off x="1295400" y="1628775"/>
-            <a:ext cx="9601200" cy="4679950"/>
-          </a:xfrm>
-        </p:spPr>
+        <p:spPr/>
         <p:txBody>
-          <a:bodyPr anchor="ctr">
-            <a:normAutofit/>
-          </a:bodyPr>
+          <a:bodyPr/>
           <a:lstStyle/>
           <a:p>
-            <a:pPr algn="ctr"/>
-            <a:r>
-              <a:rPr lang="ru-RU" sz="4000" dirty="0"/>
-              <a:t>Открываем </a:t>
-            </a:r>
-            <a:r>
-              <a:rPr lang="en-US" sz="4000" dirty="0" err="1">
-                <a:solidFill>
-                  <a:schemeClr val="accent1"/>
-                </a:solidFill>
-              </a:rPr>
-              <a:t>DoNotOpen</a:t>
-            </a:r>
-            <a:r>
-              <a:rPr lang="en-US" sz="4000" dirty="0"/>
-              <a:t>!</a:t>
-            </a:r>
-            <a:endParaRPr lang="ru-RU" sz="4000" dirty="0"/>
+            <a:r>
+              <a:rPr lang="ru-RU" dirty="0"/>
+              <a:t>Будет ли тест понятен </a:t>
+            </a:r>
+            <a:r>
+              <a:rPr lang="ru-RU" dirty="0" err="1"/>
+              <a:t>ревьюеру</a:t>
+            </a:r>
+            <a:r>
+              <a:rPr lang="ru-RU" dirty="0"/>
+              <a:t>?</a:t>
+            </a:r>
+          </a:p>
+          <a:p>
+            <a:r>
+              <a:rPr lang="ru-RU" dirty="0"/>
+              <a:t>Сможет ли </a:t>
+            </a:r>
+            <a:r>
+              <a:rPr lang="ru-RU" dirty="0" err="1"/>
+              <a:t>ревьюер</a:t>
+            </a:r>
+            <a:r>
+              <a:rPr lang="ru-RU" dirty="0"/>
+              <a:t> быстро убедиться в корректности теста?</a:t>
+            </a:r>
           </a:p>
         </p:txBody>
       </p:sp>
@@ -14847,27 +14406,33 @@
           <a:lstStyle/>
           <a:p>
             <a:r>
-              <a:rPr lang="en-US" dirty="0" err="1"/>
-              <a:t>cHALLENGE</a:t>
-            </a:r>
-            <a:endParaRPr lang="ru-RU" dirty="0"/>
+              <a:rPr lang="ru-RU" dirty="0"/>
+              <a:t>Доверие тестам</a:t>
+            </a:r>
           </a:p>
         </p:txBody>
       </p:sp>
     </p:spTree>
     <p:extLst>
       <p:ext uri="{BB962C8B-B14F-4D97-AF65-F5344CB8AC3E}">
-        <p14:creationId xmlns:p14="http://schemas.microsoft.com/office/powerpoint/2010/main" val="2295645457"/>
+        <p14:creationId xmlns:p14="http://schemas.microsoft.com/office/powerpoint/2010/main" val="3622594535"/>
       </p:ext>
     </p:extLst>
   </p:cSld>
   <p:clrMapOvr>
     <a:masterClrMapping/>
   </p:clrMapOvr>
+  <p:timing>
+    <p:tnLst>
+      <p:par>
+        <p:cTn id="1" dur="indefinite" restart="never" nodeType="tmRoot"/>
+      </p:par>
+    </p:tnLst>
+  </p:timing>
 </p:sld>
 </file>
 
-<file path=ppt/slides/slide21.xml><?xml version="1.0" encoding="utf-8"?>
+<file path=ppt/slides/slide20.xml><?xml version="1.0" encoding="utf-8"?>
 <p:sld xmlns:a="http://schemas.openxmlformats.org/drawingml/2006/main" xmlns:r="http://schemas.openxmlformats.org/officeDocument/2006/relationships" xmlns:p="http://schemas.openxmlformats.org/presentationml/2006/main">
   <p:cSld>
     <p:spTree>
@@ -15414,35 +14979,374 @@
         </p:nvSpPr>
         <p:spPr/>
         <p:txBody>
-          <a:bodyPr/>
+          <a:bodyPr>
+            <a:normAutofit fontScale="70000" lnSpcReduction="20000"/>
+          </a:bodyPr>
           <a:lstStyle/>
           <a:p>
             <a:r>
-              <a:rPr lang="ru-RU" dirty="0"/>
-              <a:t>Будет ли тест понятен </a:t>
-            </a:r>
-            <a:r>
-              <a:rPr lang="ru-RU" dirty="0" err="1"/>
-              <a:t>ревьюеру</a:t>
-            </a:r>
-            <a:r>
-              <a:rPr lang="ru-RU" dirty="0"/>
-              <a:t>?</a:t>
-            </a:r>
-          </a:p>
-          <a:p>
-            <a:r>
-              <a:rPr lang="ru-RU" dirty="0"/>
-              <a:t>Сможет ли </a:t>
-            </a:r>
-            <a:r>
-              <a:rPr lang="ru-RU" dirty="0" err="1"/>
-              <a:t>ревьюер</a:t>
-            </a:r>
-            <a:r>
-              <a:rPr lang="ru-RU" dirty="0"/>
-              <a:t> быстро убедиться в корректности теста?</a:t>
-            </a:r>
+              <a:rPr lang="en-US" dirty="0" smtClean="0">
+                <a:solidFill>
+                  <a:srgbClr val="0000FF"/>
+                </a:solidFill>
+                <a:latin typeface="Consolas" panose="020B0609020204030204" pitchFamily="49" charset="0"/>
+              </a:rPr>
+              <a:t>public class</a:t>
+            </a:r>
+            <a:r>
+              <a:rPr lang="en-US" dirty="0" smtClean="0">
+                <a:latin typeface="Consolas" panose="020B0609020204030204" pitchFamily="49" charset="0"/>
+              </a:rPr>
+              <a:t> </a:t>
+            </a:r>
+            <a:r>
+              <a:rPr lang="en-US" b="1" dirty="0" err="1" smtClean="0">
+                <a:solidFill>
+                  <a:srgbClr val="00007F"/>
+                </a:solidFill>
+                <a:latin typeface="Consolas" panose="020B0609020204030204" pitchFamily="49" charset="0"/>
+              </a:rPr>
+              <a:t>Superman_Should</a:t>
+            </a:r>
+            <a:r>
+              <a:rPr lang="en-US" dirty="0" smtClean="0">
+                <a:latin typeface="Consolas" panose="020B0609020204030204" pitchFamily="49" charset="0"/>
+              </a:rPr>
+              <a:t> </a:t>
+            </a:r>
+            <a:r>
+              <a:rPr lang="en-US" dirty="0">
+                <a:latin typeface="Consolas" panose="020B0609020204030204" pitchFamily="49" charset="0"/>
+              </a:rPr>
+              <a:t>{</a:t>
+            </a:r>
+          </a:p>
+          <a:p>
+            <a:r>
+              <a:rPr lang="en-US" dirty="0">
+                <a:latin typeface="Consolas" panose="020B0609020204030204" pitchFamily="49" charset="0"/>
+              </a:rPr>
+              <a:t>	[</a:t>
+            </a:r>
+            <a:r>
+              <a:rPr lang="en-US" dirty="0">
+                <a:solidFill>
+                  <a:srgbClr val="00007F"/>
+                </a:solidFill>
+                <a:latin typeface="Consolas" panose="020B0609020204030204" pitchFamily="49" charset="0"/>
+              </a:rPr>
+              <a:t>Test</a:t>
+            </a:r>
+            <a:r>
+              <a:rPr lang="en-US" dirty="0">
+                <a:latin typeface="Consolas" panose="020B0609020204030204" pitchFamily="49" charset="0"/>
+              </a:rPr>
+              <a:t>]</a:t>
+            </a:r>
+          </a:p>
+          <a:p>
+            <a:r>
+              <a:rPr lang="en-US" dirty="0">
+                <a:latin typeface="Consolas" panose="020B0609020204030204" pitchFamily="49" charset="0"/>
+              </a:rPr>
+              <a:t>	</a:t>
+            </a:r>
+            <a:r>
+              <a:rPr lang="en-US" dirty="0">
+                <a:solidFill>
+                  <a:srgbClr val="0000FF"/>
+                </a:solidFill>
+                <a:latin typeface="Consolas" panose="020B0609020204030204" pitchFamily="49" charset="0"/>
+              </a:rPr>
+              <a:t>public</a:t>
+            </a:r>
+            <a:r>
+              <a:rPr lang="en-US" dirty="0">
+                <a:latin typeface="Consolas" panose="020B0609020204030204" pitchFamily="49" charset="0"/>
+              </a:rPr>
+              <a:t> </a:t>
+            </a:r>
+            <a:r>
+              <a:rPr lang="en-US" dirty="0">
+                <a:solidFill>
+                  <a:srgbClr val="0000FF"/>
+                </a:solidFill>
+                <a:latin typeface="Consolas" panose="020B0609020204030204" pitchFamily="49" charset="0"/>
+              </a:rPr>
+              <a:t>void</a:t>
+            </a:r>
+            <a:r>
+              <a:rPr lang="en-US" dirty="0">
+                <a:latin typeface="Consolas" panose="020B0609020204030204" pitchFamily="49" charset="0"/>
+              </a:rPr>
+              <a:t> </a:t>
+            </a:r>
+            <a:r>
+              <a:rPr lang="en-US" dirty="0" err="1" smtClean="0">
+                <a:solidFill>
+                  <a:srgbClr val="2B91AF"/>
+                </a:solidFill>
+                <a:latin typeface="Consolas" panose="020B0609020204030204" pitchFamily="49" charset="0"/>
+              </a:rPr>
+              <a:t>SaveKittenFromTree</a:t>
+            </a:r>
+            <a:r>
+              <a:rPr lang="en-US" dirty="0">
+                <a:latin typeface="Consolas" panose="020B0609020204030204" pitchFamily="49" charset="0"/>
+              </a:rPr>
+              <a:t>(){</a:t>
+            </a:r>
+          </a:p>
+          <a:p>
+            <a:r>
+              <a:rPr lang="en-US" dirty="0">
+                <a:latin typeface="Consolas" panose="020B0609020204030204" pitchFamily="49" charset="0"/>
+              </a:rPr>
+              <a:t>		…</a:t>
+            </a:r>
+            <a:br>
+              <a:rPr lang="en-US" dirty="0">
+                <a:latin typeface="Consolas" panose="020B0609020204030204" pitchFamily="49" charset="0"/>
+              </a:rPr>
+            </a:br>
+            <a:r>
+              <a:rPr lang="en-US" dirty="0">
+                <a:latin typeface="Consolas" panose="020B0609020204030204" pitchFamily="49" charset="0"/>
+              </a:rPr>
+              <a:t>		</a:t>
+            </a:r>
+            <a:r>
+              <a:rPr lang="en-US" dirty="0" err="1">
+                <a:latin typeface="Consolas" panose="020B0609020204030204" pitchFamily="49" charset="0"/>
+              </a:rPr>
+              <a:t>superman.</a:t>
+            </a:r>
+            <a:r>
+              <a:rPr lang="en-US" dirty="0" err="1">
+                <a:solidFill>
+                  <a:srgbClr val="2B91AF"/>
+                </a:solidFill>
+                <a:latin typeface="Consolas" panose="020B0609020204030204" pitchFamily="49" charset="0"/>
+              </a:rPr>
+              <a:t>Act</a:t>
+            </a:r>
+            <a:r>
+              <a:rPr lang="en-US" dirty="0">
+                <a:latin typeface="Consolas" panose="020B0609020204030204" pitchFamily="49" charset="0"/>
+              </a:rPr>
+              <a:t>();</a:t>
+            </a:r>
+          </a:p>
+          <a:p>
+            <a:r>
+              <a:rPr lang="en-US" dirty="0">
+                <a:latin typeface="Consolas" panose="020B0609020204030204" pitchFamily="49" charset="0"/>
+              </a:rPr>
+              <a:t>		</a:t>
+            </a:r>
+            <a:r>
+              <a:rPr lang="en-US" dirty="0" err="1">
+                <a:solidFill>
+                  <a:srgbClr val="00007F"/>
+                </a:solidFill>
+                <a:latin typeface="Consolas" panose="020B0609020204030204" pitchFamily="49" charset="0"/>
+              </a:rPr>
+              <a:t>Assert</a:t>
+            </a:r>
+            <a:r>
+              <a:rPr lang="en-US" dirty="0" err="1">
+                <a:latin typeface="Consolas" panose="020B0609020204030204" pitchFamily="49" charset="0"/>
+              </a:rPr>
+              <a:t>.</a:t>
+            </a:r>
+            <a:r>
+              <a:rPr lang="en-US" dirty="0" err="1">
+                <a:solidFill>
+                  <a:srgbClr val="2B91AF"/>
+                </a:solidFill>
+                <a:latin typeface="Consolas" panose="020B0609020204030204" pitchFamily="49" charset="0"/>
+              </a:rPr>
+              <a:t>IsTrue</a:t>
+            </a:r>
+            <a:r>
+              <a:rPr lang="en-US" dirty="0">
+                <a:latin typeface="Consolas" panose="020B0609020204030204" pitchFamily="49" charset="0"/>
+              </a:rPr>
+              <a:t>(</a:t>
+            </a:r>
+            <a:r>
+              <a:rPr lang="en-US" dirty="0" err="1">
+                <a:latin typeface="Consolas" panose="020B0609020204030204" pitchFamily="49" charset="0"/>
+              </a:rPr>
+              <a:t>kitten.</a:t>
+            </a:r>
+            <a:r>
+              <a:rPr lang="en-US" dirty="0" err="1">
+                <a:solidFill>
+                  <a:srgbClr val="2B91AF"/>
+                </a:solidFill>
+                <a:latin typeface="Consolas" panose="020B0609020204030204" pitchFamily="49" charset="0"/>
+              </a:rPr>
+              <a:t>IsSaved</a:t>
+            </a:r>
+            <a:r>
+              <a:rPr lang="en-US" dirty="0">
+                <a:latin typeface="Consolas" panose="020B0609020204030204" pitchFamily="49" charset="0"/>
+              </a:rPr>
+              <a:t>());</a:t>
+            </a:r>
+          </a:p>
+          <a:p>
+            <a:r>
+              <a:rPr lang="en-US" dirty="0">
+                <a:latin typeface="Consolas" panose="020B0609020204030204" pitchFamily="49" charset="0"/>
+              </a:rPr>
+              <a:t>	}</a:t>
+            </a:r>
+          </a:p>
+          <a:p>
+            <a:r>
+              <a:rPr lang="en-US" dirty="0">
+                <a:latin typeface="Consolas" panose="020B0609020204030204" pitchFamily="49" charset="0"/>
+              </a:rPr>
+              <a:t>	[</a:t>
+            </a:r>
+            <a:r>
+              <a:rPr lang="en-US" dirty="0">
+                <a:solidFill>
+                  <a:srgbClr val="00007F"/>
+                </a:solidFill>
+                <a:latin typeface="Consolas" panose="020B0609020204030204" pitchFamily="49" charset="0"/>
+              </a:rPr>
+              <a:t>Test</a:t>
+            </a:r>
+            <a:r>
+              <a:rPr lang="en-US" dirty="0">
+                <a:latin typeface="Consolas" panose="020B0609020204030204" pitchFamily="49" charset="0"/>
+              </a:rPr>
+              <a:t>]</a:t>
+            </a:r>
+          </a:p>
+          <a:p>
+            <a:r>
+              <a:rPr lang="en-US" dirty="0">
+                <a:latin typeface="Consolas" panose="020B0609020204030204" pitchFamily="49" charset="0"/>
+              </a:rPr>
+              <a:t>	</a:t>
+            </a:r>
+            <a:r>
+              <a:rPr lang="en-US" dirty="0">
+                <a:solidFill>
+                  <a:srgbClr val="0000FF"/>
+                </a:solidFill>
+                <a:latin typeface="Consolas" panose="020B0609020204030204" pitchFamily="49" charset="0"/>
+              </a:rPr>
+              <a:t>public</a:t>
+            </a:r>
+            <a:r>
+              <a:rPr lang="en-US" dirty="0">
+                <a:latin typeface="Consolas" panose="020B0609020204030204" pitchFamily="49" charset="0"/>
+              </a:rPr>
+              <a:t> </a:t>
+            </a:r>
+            <a:r>
+              <a:rPr lang="en-US" dirty="0">
+                <a:solidFill>
+                  <a:srgbClr val="0000FF"/>
+                </a:solidFill>
+                <a:latin typeface="Consolas" panose="020B0609020204030204" pitchFamily="49" charset="0"/>
+              </a:rPr>
+              <a:t>void</a:t>
+            </a:r>
+            <a:r>
+              <a:rPr lang="en-US" dirty="0">
+                <a:latin typeface="Consolas" panose="020B0609020204030204" pitchFamily="49" charset="0"/>
+              </a:rPr>
+              <a:t> </a:t>
+            </a:r>
+            <a:r>
+              <a:rPr lang="en-US" dirty="0" err="1" smtClean="0">
+                <a:solidFill>
+                  <a:srgbClr val="2B91AF"/>
+                </a:solidFill>
+                <a:latin typeface="Consolas" panose="020B0609020204030204" pitchFamily="49" charset="0"/>
+              </a:rPr>
+              <a:t>W</a:t>
+            </a:r>
+            <a:r>
+              <a:rPr lang="en-US" dirty="0" err="1" smtClean="0">
+                <a:solidFill>
+                  <a:srgbClr val="2B91AF"/>
+                </a:solidFill>
+                <a:latin typeface="Consolas" panose="020B0609020204030204" pitchFamily="49" charset="0"/>
+              </a:rPr>
+              <a:t>earRedBlueSuit_When</a:t>
+            </a:r>
+            <a:r>
+              <a:rPr lang="en-US" dirty="0" err="1" smtClean="0">
+                <a:solidFill>
+                  <a:srgbClr val="2B91AF"/>
+                </a:solidFill>
+                <a:latin typeface="Consolas" panose="020B0609020204030204" pitchFamily="49" charset="0"/>
+              </a:rPr>
+              <a:t>At</a:t>
+            </a:r>
+            <a:r>
+              <a:rPr lang="en-US" dirty="0" err="1" smtClean="0">
+                <a:solidFill>
+                  <a:srgbClr val="2B91AF"/>
+                </a:solidFill>
+                <a:latin typeface="Consolas" panose="020B0609020204030204" pitchFamily="49" charset="0"/>
+              </a:rPr>
+              <a:t>Work</a:t>
+            </a:r>
+            <a:r>
+              <a:rPr lang="en-US" dirty="0" smtClean="0">
+                <a:latin typeface="Consolas" panose="020B0609020204030204" pitchFamily="49" charset="0"/>
+              </a:rPr>
+              <a:t>(){</a:t>
+            </a:r>
+            <a:endParaRPr lang="en-US" dirty="0">
+              <a:latin typeface="Consolas" panose="020B0609020204030204" pitchFamily="49" charset="0"/>
+            </a:endParaRPr>
+          </a:p>
+          <a:p>
+            <a:r>
+              <a:rPr lang="en-US" dirty="0">
+                <a:latin typeface="Consolas" panose="020B0609020204030204" pitchFamily="49" charset="0"/>
+              </a:rPr>
+              <a:t>		…</a:t>
+            </a:r>
+            <a:br>
+              <a:rPr lang="en-US" dirty="0">
+                <a:latin typeface="Consolas" panose="020B0609020204030204" pitchFamily="49" charset="0"/>
+              </a:rPr>
+            </a:br>
+            <a:r>
+              <a:rPr lang="en-US" dirty="0">
+                <a:latin typeface="Consolas" panose="020B0609020204030204" pitchFamily="49" charset="0"/>
+              </a:rPr>
+              <a:t>	}</a:t>
+            </a:r>
+          </a:p>
+          <a:p>
+            <a:r>
+              <a:rPr lang="en-US" dirty="0">
+                <a:latin typeface="Consolas" panose="020B0609020204030204" pitchFamily="49" charset="0"/>
+              </a:rPr>
+              <a:t>	…</a:t>
+            </a:r>
+          </a:p>
+          <a:p>
+            <a:r>
+              <a:rPr lang="en-US" dirty="0">
+                <a:latin typeface="Consolas" panose="020B0609020204030204" pitchFamily="49" charset="0"/>
+              </a:rPr>
+              <a:t>}</a:t>
+            </a:r>
+            <a:endParaRPr lang="ru-RU" dirty="0">
+              <a:latin typeface="Consolas" panose="020B0609020204030204" pitchFamily="49" charset="0"/>
+            </a:endParaRPr>
           </a:p>
         </p:txBody>
       </p:sp>
@@ -15462,405 +15366,6 @@
           <a:lstStyle/>
           <a:p>
             <a:r>
-              <a:rPr lang="ru-RU" dirty="0"/>
-              <a:t>Доверие тестам</a:t>
-            </a:r>
-          </a:p>
-        </p:txBody>
-      </p:sp>
-    </p:spTree>
-    <p:extLst>
-      <p:ext uri="{BB962C8B-B14F-4D97-AF65-F5344CB8AC3E}">
-        <p14:creationId xmlns:p14="http://schemas.microsoft.com/office/powerpoint/2010/main" val="3622594535"/>
-      </p:ext>
-    </p:extLst>
-  </p:cSld>
-  <p:clrMapOvr>
-    <a:masterClrMapping/>
-  </p:clrMapOvr>
-</p:sld>
-</file>
-
-<file path=ppt/slides/slide4.xml><?xml version="1.0" encoding="utf-8"?>
-<p:sld xmlns:a="http://schemas.openxmlformats.org/drawingml/2006/main" xmlns:r="http://schemas.openxmlformats.org/officeDocument/2006/relationships" xmlns:p="http://schemas.openxmlformats.org/presentationml/2006/main">
-  <p:cSld>
-    <p:spTree>
-      <p:nvGrpSpPr>
-        <p:cNvPr id="1" name=""/>
-        <p:cNvGrpSpPr/>
-        <p:nvPr/>
-      </p:nvGrpSpPr>
-      <p:grpSpPr>
-        <a:xfrm>
-          <a:off x="0" y="0"/>
-          <a:ext cx="0" cy="0"/>
-          <a:chOff x="0" y="0"/>
-          <a:chExt cx="0" cy="0"/>
-        </a:xfrm>
-      </p:grpSpPr>
-      <p:sp>
-        <p:nvSpPr>
-          <p:cNvPr id="3" name="Объект 2"/>
-          <p:cNvSpPr>
-            <a:spLocks noGrp="1"/>
-          </p:cNvSpPr>
-          <p:nvPr>
-            <p:ph sz="quarter" idx="13"/>
-          </p:nvPr>
-        </p:nvSpPr>
-        <p:spPr/>
-        <p:txBody>
-          <a:bodyPr>
-            <a:normAutofit fontScale="70000" lnSpcReduction="20000"/>
-          </a:bodyPr>
-          <a:lstStyle/>
-          <a:p>
-            <a:r>
-              <a:rPr lang="en-US" dirty="0">
-                <a:solidFill>
-                  <a:srgbClr val="0000FF"/>
-                </a:solidFill>
-                <a:latin typeface="Consolas" panose="020B0609020204030204" pitchFamily="49" charset="0"/>
-              </a:rPr>
-              <a:t>class</a:t>
-            </a:r>
-            <a:r>
-              <a:rPr lang="en-US" dirty="0">
-                <a:latin typeface="Consolas" panose="020B0609020204030204" pitchFamily="49" charset="0"/>
-              </a:rPr>
-              <a:t> </a:t>
-            </a:r>
-            <a:r>
-              <a:rPr lang="en-US" b="1" dirty="0" err="1">
-                <a:solidFill>
-                  <a:srgbClr val="00007F"/>
-                </a:solidFill>
-                <a:latin typeface="Consolas" panose="020B0609020204030204" pitchFamily="49" charset="0"/>
-              </a:rPr>
-              <a:t>Superman_should</a:t>
-            </a:r>
-            <a:r>
-              <a:rPr lang="en-US" dirty="0">
-                <a:latin typeface="Consolas" panose="020B0609020204030204" pitchFamily="49" charset="0"/>
-              </a:rPr>
-              <a:t> {</a:t>
-            </a:r>
-          </a:p>
-          <a:p>
-            <a:r>
-              <a:rPr lang="en-US" dirty="0">
-                <a:latin typeface="Consolas" panose="020B0609020204030204" pitchFamily="49" charset="0"/>
-              </a:rPr>
-              <a:t>	[</a:t>
-            </a:r>
-            <a:r>
-              <a:rPr lang="en-US" dirty="0">
-                <a:solidFill>
-                  <a:srgbClr val="00007F"/>
-                </a:solidFill>
-                <a:latin typeface="Consolas" panose="020B0609020204030204" pitchFamily="49" charset="0"/>
-              </a:rPr>
-              <a:t>Test</a:t>
-            </a:r>
-            <a:r>
-              <a:rPr lang="en-US" dirty="0">
-                <a:latin typeface="Consolas" panose="020B0609020204030204" pitchFamily="49" charset="0"/>
-              </a:rPr>
-              <a:t>]</a:t>
-            </a:r>
-          </a:p>
-          <a:p>
-            <a:r>
-              <a:rPr lang="en-US" dirty="0">
-                <a:latin typeface="Consolas" panose="020B0609020204030204" pitchFamily="49" charset="0"/>
-              </a:rPr>
-              <a:t>	</a:t>
-            </a:r>
-            <a:r>
-              <a:rPr lang="en-US" dirty="0">
-                <a:solidFill>
-                  <a:srgbClr val="0000FF"/>
-                </a:solidFill>
-                <a:latin typeface="Consolas" panose="020B0609020204030204" pitchFamily="49" charset="0"/>
-              </a:rPr>
-              <a:t>public</a:t>
-            </a:r>
-            <a:r>
-              <a:rPr lang="en-US" dirty="0">
-                <a:latin typeface="Consolas" panose="020B0609020204030204" pitchFamily="49" charset="0"/>
-              </a:rPr>
-              <a:t> </a:t>
-            </a:r>
-            <a:r>
-              <a:rPr lang="en-US" dirty="0">
-                <a:solidFill>
-                  <a:srgbClr val="0000FF"/>
-                </a:solidFill>
-                <a:latin typeface="Consolas" panose="020B0609020204030204" pitchFamily="49" charset="0"/>
-              </a:rPr>
-              <a:t>void</a:t>
-            </a:r>
-            <a:r>
-              <a:rPr lang="en-US" dirty="0">
-                <a:latin typeface="Consolas" panose="020B0609020204030204" pitchFamily="49" charset="0"/>
-              </a:rPr>
-              <a:t> </a:t>
-            </a:r>
-            <a:r>
-              <a:rPr lang="en-US" dirty="0" err="1">
-                <a:solidFill>
-                  <a:srgbClr val="2B91AF"/>
-                </a:solidFill>
-                <a:latin typeface="Consolas" panose="020B0609020204030204" pitchFamily="49" charset="0"/>
-              </a:rPr>
-              <a:t>save_kitten_from_tree</a:t>
-            </a:r>
-            <a:r>
-              <a:rPr lang="en-US" dirty="0">
-                <a:latin typeface="Consolas" panose="020B0609020204030204" pitchFamily="49" charset="0"/>
-              </a:rPr>
-              <a:t>(){</a:t>
-            </a:r>
-          </a:p>
-          <a:p>
-            <a:r>
-              <a:rPr lang="en-US" dirty="0">
-                <a:latin typeface="Consolas" panose="020B0609020204030204" pitchFamily="49" charset="0"/>
-              </a:rPr>
-              <a:t>		…</a:t>
-            </a:r>
-            <a:br>
-              <a:rPr lang="en-US" dirty="0">
-                <a:latin typeface="Consolas" panose="020B0609020204030204" pitchFamily="49" charset="0"/>
-              </a:rPr>
-            </a:br>
-            <a:r>
-              <a:rPr lang="en-US" dirty="0">
-                <a:latin typeface="Consolas" panose="020B0609020204030204" pitchFamily="49" charset="0"/>
-              </a:rPr>
-              <a:t>		</a:t>
-            </a:r>
-            <a:r>
-              <a:rPr lang="en-US" dirty="0" err="1">
-                <a:latin typeface="Consolas" panose="020B0609020204030204" pitchFamily="49" charset="0"/>
-              </a:rPr>
-              <a:t>superman.</a:t>
-            </a:r>
-            <a:r>
-              <a:rPr lang="en-US" dirty="0" err="1">
-                <a:solidFill>
-                  <a:srgbClr val="2B91AF"/>
-                </a:solidFill>
-                <a:latin typeface="Consolas" panose="020B0609020204030204" pitchFamily="49" charset="0"/>
-              </a:rPr>
-              <a:t>Act</a:t>
-            </a:r>
-            <a:r>
-              <a:rPr lang="en-US" dirty="0">
-                <a:latin typeface="Consolas" panose="020B0609020204030204" pitchFamily="49" charset="0"/>
-              </a:rPr>
-              <a:t>();</a:t>
-            </a:r>
-          </a:p>
-          <a:p>
-            <a:r>
-              <a:rPr lang="en-US" dirty="0">
-                <a:latin typeface="Consolas" panose="020B0609020204030204" pitchFamily="49" charset="0"/>
-              </a:rPr>
-              <a:t>		</a:t>
-            </a:r>
-            <a:r>
-              <a:rPr lang="en-US" dirty="0" err="1">
-                <a:solidFill>
-                  <a:srgbClr val="00007F"/>
-                </a:solidFill>
-                <a:latin typeface="Consolas" panose="020B0609020204030204" pitchFamily="49" charset="0"/>
-              </a:rPr>
-              <a:t>Assert</a:t>
-            </a:r>
-            <a:r>
-              <a:rPr lang="en-US" dirty="0" err="1">
-                <a:latin typeface="Consolas" panose="020B0609020204030204" pitchFamily="49" charset="0"/>
-              </a:rPr>
-              <a:t>.</a:t>
-            </a:r>
-            <a:r>
-              <a:rPr lang="en-US" dirty="0" err="1">
-                <a:solidFill>
-                  <a:srgbClr val="2B91AF"/>
-                </a:solidFill>
-                <a:latin typeface="Consolas" panose="020B0609020204030204" pitchFamily="49" charset="0"/>
-              </a:rPr>
-              <a:t>IsTrue</a:t>
-            </a:r>
-            <a:r>
-              <a:rPr lang="en-US" dirty="0">
-                <a:latin typeface="Consolas" panose="020B0609020204030204" pitchFamily="49" charset="0"/>
-              </a:rPr>
-              <a:t>(</a:t>
-            </a:r>
-            <a:r>
-              <a:rPr lang="en-US" dirty="0" err="1">
-                <a:latin typeface="Consolas" panose="020B0609020204030204" pitchFamily="49" charset="0"/>
-              </a:rPr>
-              <a:t>kitten.</a:t>
-            </a:r>
-            <a:r>
-              <a:rPr lang="en-US" dirty="0" err="1">
-                <a:solidFill>
-                  <a:srgbClr val="2B91AF"/>
-                </a:solidFill>
-                <a:latin typeface="Consolas" panose="020B0609020204030204" pitchFamily="49" charset="0"/>
-              </a:rPr>
-              <a:t>IsSaved</a:t>
-            </a:r>
-            <a:r>
-              <a:rPr lang="en-US" dirty="0">
-                <a:latin typeface="Consolas" panose="020B0609020204030204" pitchFamily="49" charset="0"/>
-              </a:rPr>
-              <a:t>());</a:t>
-            </a:r>
-          </a:p>
-          <a:p>
-            <a:r>
-              <a:rPr lang="en-US" dirty="0">
-                <a:latin typeface="Consolas" panose="020B0609020204030204" pitchFamily="49" charset="0"/>
-              </a:rPr>
-              <a:t>	}</a:t>
-            </a:r>
-          </a:p>
-          <a:p>
-            <a:r>
-              <a:rPr lang="en-US" dirty="0">
-                <a:latin typeface="Consolas" panose="020B0609020204030204" pitchFamily="49" charset="0"/>
-              </a:rPr>
-              <a:t>	[</a:t>
-            </a:r>
-            <a:r>
-              <a:rPr lang="en-US" dirty="0">
-                <a:solidFill>
-                  <a:srgbClr val="00007F"/>
-                </a:solidFill>
-                <a:latin typeface="Consolas" panose="020B0609020204030204" pitchFamily="49" charset="0"/>
-              </a:rPr>
-              <a:t>Test</a:t>
-            </a:r>
-            <a:r>
-              <a:rPr lang="en-US" dirty="0">
-                <a:latin typeface="Consolas" panose="020B0609020204030204" pitchFamily="49" charset="0"/>
-              </a:rPr>
-              <a:t>]</a:t>
-            </a:r>
-          </a:p>
-          <a:p>
-            <a:r>
-              <a:rPr lang="en-US" dirty="0">
-                <a:latin typeface="Consolas" panose="020B0609020204030204" pitchFamily="49" charset="0"/>
-              </a:rPr>
-              <a:t>	</a:t>
-            </a:r>
-            <a:r>
-              <a:rPr lang="en-US" dirty="0">
-                <a:solidFill>
-                  <a:srgbClr val="0000FF"/>
-                </a:solidFill>
-                <a:latin typeface="Consolas" panose="020B0609020204030204" pitchFamily="49" charset="0"/>
-              </a:rPr>
-              <a:t>public</a:t>
-            </a:r>
-            <a:r>
-              <a:rPr lang="en-US" dirty="0">
-                <a:latin typeface="Consolas" panose="020B0609020204030204" pitchFamily="49" charset="0"/>
-              </a:rPr>
-              <a:t> </a:t>
-            </a:r>
-            <a:r>
-              <a:rPr lang="en-US" dirty="0">
-                <a:solidFill>
-                  <a:srgbClr val="0000FF"/>
-                </a:solidFill>
-                <a:latin typeface="Consolas" panose="020B0609020204030204" pitchFamily="49" charset="0"/>
-              </a:rPr>
-              <a:t>void</a:t>
-            </a:r>
-            <a:r>
-              <a:rPr lang="en-US" dirty="0">
-                <a:latin typeface="Consolas" panose="020B0609020204030204" pitchFamily="49" charset="0"/>
-              </a:rPr>
-              <a:t> </a:t>
-            </a:r>
-            <a:r>
-              <a:rPr lang="en-US" b="1" dirty="0" err="1">
-                <a:solidFill>
-                  <a:srgbClr val="2B91AF"/>
-                </a:solidFill>
-                <a:latin typeface="Consolas" panose="020B0609020204030204" pitchFamily="49" charset="0"/>
-              </a:rPr>
-              <a:t>wear_redBlue_suit</a:t>
-            </a:r>
-            <a:r>
-              <a:rPr lang="en-US" dirty="0">
-                <a:latin typeface="Consolas" panose="020B0609020204030204" pitchFamily="49" charset="0"/>
-              </a:rPr>
-              <a:t>(){</a:t>
-            </a:r>
-          </a:p>
-          <a:p>
-            <a:r>
-              <a:rPr lang="en-US" dirty="0">
-                <a:latin typeface="Consolas" panose="020B0609020204030204" pitchFamily="49" charset="0"/>
-              </a:rPr>
-              <a:t>		…</a:t>
-            </a:r>
-            <a:br>
-              <a:rPr lang="en-US" dirty="0">
-                <a:latin typeface="Consolas" panose="020B0609020204030204" pitchFamily="49" charset="0"/>
-              </a:rPr>
-            </a:br>
-            <a:r>
-              <a:rPr lang="en-US" dirty="0">
-                <a:latin typeface="Consolas" panose="020B0609020204030204" pitchFamily="49" charset="0"/>
-              </a:rPr>
-              <a:t>	}</a:t>
-            </a:r>
-          </a:p>
-          <a:p>
-            <a:r>
-              <a:rPr lang="en-US" dirty="0">
-                <a:latin typeface="Consolas" panose="020B0609020204030204" pitchFamily="49" charset="0"/>
-              </a:rPr>
-              <a:t>	…</a:t>
-            </a:r>
-          </a:p>
-          <a:p>
-            <a:r>
-              <a:rPr lang="en-US" dirty="0">
-                <a:latin typeface="Consolas" panose="020B0609020204030204" pitchFamily="49" charset="0"/>
-              </a:rPr>
-              <a:t>}</a:t>
-            </a:r>
-            <a:endParaRPr lang="ru-RU" dirty="0">
-              <a:latin typeface="Consolas" panose="020B0609020204030204" pitchFamily="49" charset="0"/>
-            </a:endParaRPr>
-          </a:p>
-        </p:txBody>
-      </p:sp>
-      <p:sp>
-        <p:nvSpPr>
-          <p:cNvPr id="2" name="Заголовок 1"/>
-          <p:cNvSpPr>
-            <a:spLocks noGrp="1"/>
-          </p:cNvSpPr>
-          <p:nvPr>
-            <p:ph type="title"/>
-          </p:nvPr>
-        </p:nvSpPr>
-        <p:spPr/>
-        <p:txBody>
-          <a:bodyPr/>
-          <a:lstStyle/>
-          <a:p>
-            <a:r>
               <a:rPr lang="ru-RU"/>
               <a:t>Тесты как спецификация</a:t>
             </a:r>
@@ -15878,10 +15383,17 @@
   <p:clrMapOvr>
     <a:masterClrMapping/>
   </p:clrMapOvr>
+  <p:timing>
+    <p:tnLst>
+      <p:par>
+        <p:cTn id="1" dur="indefinite" restart="never" nodeType="tmRoot"/>
+      </p:par>
+    </p:tnLst>
+  </p:timing>
 </p:sld>
 </file>
 
-<file path=ppt/slides/slide5.xml><?xml version="1.0" encoding="utf-8"?>
+<file path=ppt/slides/slide4.xml><?xml version="1.0" encoding="utf-8"?>
 <p:sld xmlns:a="http://schemas.openxmlformats.org/drawingml/2006/main" xmlns:r="http://schemas.openxmlformats.org/officeDocument/2006/relationships" xmlns:p="http://schemas.openxmlformats.org/presentationml/2006/main">
   <p:cSld>
     <p:spTree>
@@ -16572,7 +16084,7 @@
 </p:sld>
 </file>
 
-<file path=ppt/slides/slide6.xml><?xml version="1.0" encoding="utf-8"?>
+<file path=ppt/slides/slide5.xml><?xml version="1.0" encoding="utf-8"?>
 <p:sld xmlns:a="http://schemas.openxmlformats.org/drawingml/2006/main" xmlns:r="http://schemas.openxmlformats.org/officeDocument/2006/relationships" xmlns:p="http://schemas.openxmlformats.org/presentationml/2006/main">
   <p:cSld>
     <p:spTree>
@@ -16984,7 +16496,7 @@
 </p:sld>
 </file>
 
-<file path=ppt/slides/slide7.xml><?xml version="1.0" encoding="utf-8"?>
+<file path=ppt/slides/slide6.xml><?xml version="1.0" encoding="utf-8"?>
 <p:sld xmlns:a="http://schemas.openxmlformats.org/drawingml/2006/main" xmlns:r="http://schemas.openxmlformats.org/officeDocument/2006/relationships" xmlns:p="http://schemas.openxmlformats.org/presentationml/2006/main">
   <p:cSld>
     <p:spTree>
@@ -17408,7 +16920,7 @@
 </p:sld>
 </file>
 
-<file path=ppt/slides/slide8.xml><?xml version="1.0" encoding="utf-8"?>
+<file path=ppt/slides/slide7.xml><?xml version="1.0" encoding="utf-8"?>
 <p:sld xmlns:a="http://schemas.openxmlformats.org/drawingml/2006/main" xmlns:r="http://schemas.openxmlformats.org/officeDocument/2006/relationships" xmlns:p="http://schemas.openxmlformats.org/presentationml/2006/main">
   <p:cSld>
     <p:spTree>
@@ -17444,7 +16956,11 @@
           <a:p>
             <a:r>
               <a:rPr lang="en-US" sz="2400" dirty="0"/>
-              <a:t>isAdult_AgeLessThan18_False</a:t>
+              <a:t>I</a:t>
+            </a:r>
+            <a:r>
+              <a:rPr lang="en-US" sz="2400" dirty="0" smtClean="0"/>
+              <a:t>sAdult_AgeLessThan18_False</a:t>
             </a:r>
             <a:endParaRPr lang="ru-RU" sz="2400" dirty="0"/>
           </a:p>
@@ -17453,8 +16969,8 @@
           </a:p>
           <a:p>
             <a:r>
-              <a:rPr lang="en-US" sz="2400" dirty="0" err="1"/>
-              <a:t>ParseInt_should.Fail_OnNonNumber</a:t>
+              <a:rPr lang="en-US" sz="2400" dirty="0" err="1" smtClean="0"/>
+              <a:t>ParseInt_Should.Fail_OnNonNumber</a:t>
             </a:r>
             <a:endParaRPr lang="ru-RU" sz="2400" dirty="0"/>
           </a:p>
@@ -17463,8 +16979,8 @@
           </a:p>
           <a:p>
             <a:r>
-              <a:rPr lang="en-US" sz="2400" dirty="0" err="1"/>
-              <a:t>Stack_should.BeEmpty_AfterCreation</a:t>
+              <a:rPr lang="en-US" sz="2400" dirty="0" err="1" smtClean="0"/>
+              <a:t>Stack_Should.BeEmpty_AfterCreation</a:t>
             </a:r>
             <a:endParaRPr lang="en-US" sz="2400" dirty="0"/>
           </a:p>
@@ -17896,7 +17412,7 @@
 </p:sld>
 </file>
 
-<file path=ppt/slides/slide9.xml><?xml version="1.0" encoding="utf-8"?>
+<file path=ppt/slides/slide8.xml><?xml version="1.0" encoding="utf-8"?>
 <p:sld xmlns:a="http://schemas.openxmlformats.org/drawingml/2006/main" xmlns:r="http://schemas.openxmlformats.org/officeDocument/2006/relationships" xmlns:p="http://schemas.openxmlformats.org/presentationml/2006/main">
   <p:cSld>
     <p:spTree>
@@ -17970,6 +17486,513 @@
   <p:clrMapOvr>
     <a:masterClrMapping/>
   </p:clrMapOvr>
+  <p:timing>
+    <p:tnLst>
+      <p:par>
+        <p:cTn id="1" dur="indefinite" restart="never" nodeType="tmRoot"/>
+      </p:par>
+    </p:tnLst>
+  </p:timing>
+</p:sld>
+</file>
+
+<file path=ppt/slides/slide9.xml><?xml version="1.0" encoding="utf-8"?>
+<p:sld xmlns:a="http://schemas.openxmlformats.org/drawingml/2006/main" xmlns:r="http://schemas.openxmlformats.org/officeDocument/2006/relationships" xmlns:p="http://schemas.openxmlformats.org/presentationml/2006/main">
+  <p:cSld>
+    <p:spTree>
+      <p:nvGrpSpPr>
+        <p:cNvPr id="1" name=""/>
+        <p:cNvGrpSpPr/>
+        <p:nvPr/>
+      </p:nvGrpSpPr>
+      <p:grpSpPr>
+        <a:xfrm>
+          <a:off x="0" y="0"/>
+          <a:ext cx="0" cy="0"/>
+          <a:chOff x="0" y="0"/>
+          <a:chExt cx="0" cy="0"/>
+        </a:xfrm>
+      </p:grpSpPr>
+      <p:sp>
+        <p:nvSpPr>
+          <p:cNvPr id="3" name="Объект 2"/>
+          <p:cNvSpPr>
+            <a:spLocks noGrp="1"/>
+          </p:cNvSpPr>
+          <p:nvPr>
+            <p:ph sz="quarter" idx="13"/>
+          </p:nvPr>
+        </p:nvSpPr>
+        <p:spPr>
+          <a:xfrm>
+            <a:off x="1295400" y="2852019"/>
+            <a:ext cx="9601133" cy="3456711"/>
+          </a:xfrm>
+        </p:spPr>
+        <p:txBody>
+          <a:bodyPr/>
+          <a:lstStyle/>
+          <a:p>
+            <a:r>
+              <a:rPr lang="en-US" dirty="0"/>
+              <a:t>Local Hero</a:t>
+            </a:r>
+            <a:endParaRPr lang="ru-RU" dirty="0"/>
+          </a:p>
+          <a:p>
+            <a:r>
+              <a:rPr lang="en-US" dirty="0"/>
+              <a:t>Loudmouth</a:t>
+            </a:r>
+            <a:endParaRPr lang="ru-RU" dirty="0"/>
+          </a:p>
+          <a:p>
+            <a:r>
+              <a:rPr lang="en-US" dirty="0"/>
+              <a:t>Free Ride</a:t>
+            </a:r>
+            <a:endParaRPr lang="ru-RU" dirty="0"/>
+          </a:p>
+          <a:p>
+            <a:r>
+              <a:rPr lang="en-US" dirty="0"/>
+              <a:t>Over</a:t>
+            </a:r>
+            <a:r>
+              <a:rPr lang="ru-RU" dirty="0"/>
+              <a:t> </a:t>
+            </a:r>
+            <a:r>
+              <a:rPr lang="en-US" dirty="0"/>
+              <a:t>specification</a:t>
+            </a:r>
+          </a:p>
+          <a:p>
+            <a:endParaRPr lang="en-US" dirty="0"/>
+          </a:p>
+          <a:p>
+            <a:r>
+              <a:rPr lang="en-US" sz="2800" dirty="0">
+                <a:hlinkClick r:id="rId3"/>
+              </a:rPr>
+              <a:t>http://blog.james-carr.org/2006/11/03/tdd-anti-patterns/</a:t>
+            </a:r>
+            <a:r>
+              <a:rPr lang="en-US" sz="2800" dirty="0"/>
+              <a:t> </a:t>
+            </a:r>
+            <a:endParaRPr lang="ru-RU" dirty="0"/>
+          </a:p>
+        </p:txBody>
+      </p:sp>
+      <p:sp>
+        <p:nvSpPr>
+          <p:cNvPr id="2" name="Заголовок 1"/>
+          <p:cNvSpPr>
+            <a:spLocks noGrp="1"/>
+          </p:cNvSpPr>
+          <p:nvPr>
+            <p:ph type="title"/>
+          </p:nvPr>
+        </p:nvSpPr>
+        <p:spPr/>
+        <p:txBody>
+          <a:bodyPr/>
+          <a:lstStyle/>
+          <a:p>
+            <a:r>
+              <a:rPr lang="ru-RU" dirty="0" err="1"/>
+              <a:t>Антипаттерны</a:t>
+            </a:r>
+            <a:endParaRPr lang="ru-RU" dirty="0"/>
+          </a:p>
+        </p:txBody>
+      </p:sp>
+      <p:grpSp>
+        <p:nvGrpSpPr>
+          <p:cNvPr id="10" name="Группа 9"/>
+          <p:cNvGrpSpPr/>
+          <p:nvPr/>
+        </p:nvGrpSpPr>
+        <p:grpSpPr>
+          <a:xfrm>
+            <a:off x="1295400" y="1628775"/>
+            <a:ext cx="4859089" cy="791842"/>
+            <a:chOff x="6243139" y="2461370"/>
+            <a:chExt cx="4859089" cy="791842"/>
+          </a:xfrm>
+        </p:grpSpPr>
+        <p:sp>
+          <p:nvSpPr>
+            <p:cNvPr id="8" name="TextBox 7"/>
+            <p:cNvSpPr txBox="1"/>
+            <p:nvPr/>
+          </p:nvSpPr>
+          <p:spPr>
+            <a:xfrm>
+              <a:off x="6891139" y="2595681"/>
+              <a:ext cx="4211089" cy="523220"/>
+            </a:xfrm>
+            <a:prstGeom prst="rect">
+              <a:avLst/>
+            </a:prstGeom>
+            <a:noFill/>
+          </p:spPr>
+          <p:txBody>
+            <a:bodyPr wrap="none" rtlCol="0">
+              <a:spAutoFit/>
+            </a:bodyPr>
+            <a:lstStyle/>
+            <a:p>
+              <a:r>
+                <a:rPr lang="en-US" sz="2800" dirty="0">
+                  <a:solidFill>
+                    <a:schemeClr val="accent1"/>
+                  </a:solidFill>
+                  <a:latin typeface="+mj-lt"/>
+                </a:rPr>
+                <a:t>SAMPLES / ANTIPATTERNS</a:t>
+              </a:r>
+            </a:p>
+          </p:txBody>
+        </p:sp>
+        <p:pic>
+          <p:nvPicPr>
+            <p:cNvPr id="9" name="Picture 22" descr="C:\Users\sapogoff\Documents\sapogoff_work\SKB Kontur\01_presentation_templates\03_final\wmf_icons\документ.wmf"/>
+            <p:cNvPicPr>
+              <a:picLocks noChangeAspect="1" noChangeArrowheads="1"/>
+            </p:cNvPicPr>
+            <p:nvPr/>
+          </p:nvPicPr>
+          <p:blipFill>
+            <a:blip r:embed="rId4" cstate="print">
+              <a:duotone>
+                <a:schemeClr val="accent1">
+                  <a:shade val="45000"/>
+                  <a:satMod val="135000"/>
+                </a:schemeClr>
+                <a:prstClr val="white"/>
+              </a:duotone>
+              <a:extLst>
+                <a:ext uri="{28A0092B-C50C-407E-A947-70E740481C1C}">
+                  <a14:useLocalDpi xmlns:a14="http://schemas.microsoft.com/office/drawing/2010/main" val="0"/>
+                </a:ext>
+              </a:extLst>
+            </a:blip>
+            <a:srcRect/>
+            <a:stretch>
+              <a:fillRect/>
+            </a:stretch>
+          </p:blipFill>
+          <p:spPr bwMode="auto">
+            <a:xfrm>
+              <a:off x="6243139" y="2461370"/>
+              <a:ext cx="648000" cy="791842"/>
+            </a:xfrm>
+            <a:prstGeom prst="rect">
+              <a:avLst/>
+            </a:prstGeom>
+            <a:noFill/>
+            <a:extLst>
+              <a:ext uri="{909E8E84-426E-40DD-AFC4-6F175D3DCCD1}">
+                <a14:hiddenFill xmlns:a14="http://schemas.microsoft.com/office/drawing/2010/main">
+                  <a:solidFill>
+                    <a:srgbClr val="FFFFFF"/>
+                  </a:solidFill>
+                </a14:hiddenFill>
+              </a:ext>
+            </a:extLst>
+          </p:spPr>
+        </p:pic>
+      </p:grpSp>
+    </p:spTree>
+    <p:extLst>
+      <p:ext uri="{BB962C8B-B14F-4D97-AF65-F5344CB8AC3E}">
+        <p14:creationId xmlns:p14="http://schemas.microsoft.com/office/powerpoint/2010/main" val="4191729357"/>
+      </p:ext>
+    </p:extLst>
+  </p:cSld>
+  <p:clrMapOvr>
+    <a:masterClrMapping/>
+  </p:clrMapOvr>
+  <p:timing>
+    <p:tnLst>
+      <p:par>
+        <p:cTn id="1" dur="indefinite" restart="never" nodeType="tmRoot">
+          <p:childTnLst>
+            <p:seq concurrent="1" nextAc="seek">
+              <p:cTn id="2" dur="indefinite" nodeType="mainSeq">
+                <p:childTnLst>
+                  <p:par>
+                    <p:cTn id="3" fill="hold">
+                      <p:stCondLst>
+                        <p:cond delay="indefinite"/>
+                      </p:stCondLst>
+                      <p:childTnLst>
+                        <p:par>
+                          <p:cTn id="4" fill="hold">
+                            <p:stCondLst>
+                              <p:cond delay="0"/>
+                            </p:stCondLst>
+                            <p:childTnLst>
+                              <p:par>
+                                <p:cTn id="5" presetID="1" presetClass="entr" presetSubtype="0" fill="hold" grpId="0" nodeType="clickEffect">
+                                  <p:stCondLst>
+                                    <p:cond delay="0"/>
+                                  </p:stCondLst>
+                                  <p:childTnLst>
+                                    <p:set>
+                                      <p:cBhvr>
+                                        <p:cTn id="6" dur="1" fill="hold">
+                                          <p:stCondLst>
+                                            <p:cond delay="0"/>
+                                          </p:stCondLst>
+                                        </p:cTn>
+                                        <p:tgtEl>
+                                          <p:spTgt spid="3">
+                                            <p:txEl>
+                                              <p:pRg st="0" end="0"/>
+                                            </p:txEl>
+                                          </p:spTgt>
+                                        </p:tgtEl>
+                                        <p:attrNameLst>
+                                          <p:attrName>style.visibility</p:attrName>
+                                        </p:attrNameLst>
+                                      </p:cBhvr>
+                                      <p:to>
+                                        <p:strVal val="visible"/>
+                                      </p:to>
+                                    </p:set>
+                                  </p:childTnLst>
+                                </p:cTn>
+                              </p:par>
+                            </p:childTnLst>
+                          </p:cTn>
+                        </p:par>
+                      </p:childTnLst>
+                    </p:cTn>
+                  </p:par>
+                  <p:par>
+                    <p:cTn id="7" fill="hold">
+                      <p:stCondLst>
+                        <p:cond delay="indefinite"/>
+                      </p:stCondLst>
+                      <p:childTnLst>
+                        <p:par>
+                          <p:cTn id="8" fill="hold">
+                            <p:stCondLst>
+                              <p:cond delay="0"/>
+                            </p:stCondLst>
+                            <p:childTnLst>
+                              <p:par>
+                                <p:cTn id="9" presetID="1" presetClass="entr" presetSubtype="0" fill="hold" grpId="0" nodeType="clickEffect">
+                                  <p:stCondLst>
+                                    <p:cond delay="0"/>
+                                  </p:stCondLst>
+                                  <p:childTnLst>
+                                    <p:set>
+                                      <p:cBhvr>
+                                        <p:cTn id="10" dur="1" fill="hold">
+                                          <p:stCondLst>
+                                            <p:cond delay="0"/>
+                                          </p:stCondLst>
+                                        </p:cTn>
+                                        <p:tgtEl>
+                                          <p:spTgt spid="3">
+                                            <p:txEl>
+                                              <p:pRg st="1" end="1"/>
+                                            </p:txEl>
+                                          </p:spTgt>
+                                        </p:tgtEl>
+                                        <p:attrNameLst>
+                                          <p:attrName>style.visibility</p:attrName>
+                                        </p:attrNameLst>
+                                      </p:cBhvr>
+                                      <p:to>
+                                        <p:strVal val="visible"/>
+                                      </p:to>
+                                    </p:set>
+                                  </p:childTnLst>
+                                </p:cTn>
+                              </p:par>
+                            </p:childTnLst>
+                          </p:cTn>
+                        </p:par>
+                      </p:childTnLst>
+                    </p:cTn>
+                  </p:par>
+                  <p:par>
+                    <p:cTn id="11" fill="hold">
+                      <p:stCondLst>
+                        <p:cond delay="indefinite"/>
+                      </p:stCondLst>
+                      <p:childTnLst>
+                        <p:par>
+                          <p:cTn id="12" fill="hold">
+                            <p:stCondLst>
+                              <p:cond delay="0"/>
+                            </p:stCondLst>
+                            <p:childTnLst>
+                              <p:par>
+                                <p:cTn id="13" presetID="1" presetClass="entr" presetSubtype="0" fill="hold" grpId="0" nodeType="clickEffect">
+                                  <p:stCondLst>
+                                    <p:cond delay="0"/>
+                                  </p:stCondLst>
+                                  <p:childTnLst>
+                                    <p:set>
+                                      <p:cBhvr>
+                                        <p:cTn id="14" dur="1" fill="hold">
+                                          <p:stCondLst>
+                                            <p:cond delay="0"/>
+                                          </p:stCondLst>
+                                        </p:cTn>
+                                        <p:tgtEl>
+                                          <p:spTgt spid="3">
+                                            <p:txEl>
+                                              <p:pRg st="2" end="2"/>
+                                            </p:txEl>
+                                          </p:spTgt>
+                                        </p:tgtEl>
+                                        <p:attrNameLst>
+                                          <p:attrName>style.visibility</p:attrName>
+                                        </p:attrNameLst>
+                                      </p:cBhvr>
+                                      <p:to>
+                                        <p:strVal val="visible"/>
+                                      </p:to>
+                                    </p:set>
+                                  </p:childTnLst>
+                                </p:cTn>
+                              </p:par>
+                            </p:childTnLst>
+                          </p:cTn>
+                        </p:par>
+                      </p:childTnLst>
+                    </p:cTn>
+                  </p:par>
+                  <p:par>
+                    <p:cTn id="15" fill="hold">
+                      <p:stCondLst>
+                        <p:cond delay="indefinite"/>
+                      </p:stCondLst>
+                      <p:childTnLst>
+                        <p:par>
+                          <p:cTn id="16" fill="hold">
+                            <p:stCondLst>
+                              <p:cond delay="0"/>
+                            </p:stCondLst>
+                            <p:childTnLst>
+                              <p:par>
+                                <p:cTn id="17" presetID="1" presetClass="entr" presetSubtype="0" fill="hold" grpId="0" nodeType="clickEffect">
+                                  <p:stCondLst>
+                                    <p:cond delay="0"/>
+                                  </p:stCondLst>
+                                  <p:childTnLst>
+                                    <p:set>
+                                      <p:cBhvr>
+                                        <p:cTn id="18" dur="1" fill="hold">
+                                          <p:stCondLst>
+                                            <p:cond delay="0"/>
+                                          </p:stCondLst>
+                                        </p:cTn>
+                                        <p:tgtEl>
+                                          <p:spTgt spid="3">
+                                            <p:txEl>
+                                              <p:pRg st="3" end="3"/>
+                                            </p:txEl>
+                                          </p:spTgt>
+                                        </p:tgtEl>
+                                        <p:attrNameLst>
+                                          <p:attrName>style.visibility</p:attrName>
+                                        </p:attrNameLst>
+                                      </p:cBhvr>
+                                      <p:to>
+                                        <p:strVal val="visible"/>
+                                      </p:to>
+                                    </p:set>
+                                  </p:childTnLst>
+                                </p:cTn>
+                              </p:par>
+                            </p:childTnLst>
+                          </p:cTn>
+                        </p:par>
+                      </p:childTnLst>
+                    </p:cTn>
+                  </p:par>
+                  <p:par>
+                    <p:cTn id="19" fill="hold">
+                      <p:stCondLst>
+                        <p:cond delay="indefinite"/>
+                      </p:stCondLst>
+                      <p:childTnLst>
+                        <p:par>
+                          <p:cTn id="20" fill="hold">
+                            <p:stCondLst>
+                              <p:cond delay="0"/>
+                            </p:stCondLst>
+                            <p:childTnLst>
+                              <p:par>
+                                <p:cTn id="21" presetID="1" presetClass="entr" presetSubtype="0" fill="hold" grpId="0" nodeType="clickEffect">
+                                  <p:stCondLst>
+                                    <p:cond delay="0"/>
+                                  </p:stCondLst>
+                                  <p:childTnLst>
+                                    <p:set>
+                                      <p:cBhvr>
+                                        <p:cTn id="22" dur="1" fill="hold">
+                                          <p:stCondLst>
+                                            <p:cond delay="0"/>
+                                          </p:stCondLst>
+                                        </p:cTn>
+                                        <p:tgtEl>
+                                          <p:spTgt spid="3">
+                                            <p:txEl>
+                                              <p:pRg st="5" end="5"/>
+                                            </p:txEl>
+                                          </p:spTgt>
+                                        </p:tgtEl>
+                                        <p:attrNameLst>
+                                          <p:attrName>style.visibility</p:attrName>
+                                        </p:attrNameLst>
+                                      </p:cBhvr>
+                                      <p:to>
+                                        <p:strVal val="visible"/>
+                                      </p:to>
+                                    </p:set>
+                                  </p:childTnLst>
+                                </p:cTn>
+                              </p:par>
+                            </p:childTnLst>
+                          </p:cTn>
+                        </p:par>
+                      </p:childTnLst>
+                    </p:cTn>
+                  </p:par>
+                </p:childTnLst>
+              </p:cTn>
+              <p:prevCondLst>
+                <p:cond evt="onPrev" delay="0">
+                  <p:tgtEl>
+                    <p:sldTgt/>
+                  </p:tgtEl>
+                </p:cond>
+              </p:prevCondLst>
+              <p:nextCondLst>
+                <p:cond evt="onNext" delay="0">
+                  <p:tgtEl>
+                    <p:sldTgt/>
+                  </p:tgtEl>
+                </p:cond>
+              </p:nextCondLst>
+            </p:seq>
+          </p:childTnLst>
+        </p:cTn>
+      </p:par>
+    </p:tnLst>
+    <p:bldLst>
+      <p:bldP spid="3" grpId="0" build="p"/>
+    </p:bldLst>
+  </p:timing>
 </p:sld>
 </file>
 

--- a/testing.pptx
+++ b/testing.pptx
@@ -2960,6 +2960,117 @@
       <dsp:cNvGrpSpPr/>
     </dsp:nvGrpSpPr>
     <dsp:grpSpPr/>
+    <dsp:sp modelId="{B29ABF60-EC0F-45AD-A90E-9C76D15C2F14}">
+      <dsp:nvSpPr>
+        <dsp:cNvPr id="0" name=""/>
+        <dsp:cNvSpPr/>
+      </dsp:nvSpPr>
+      <dsp:spPr>
+        <a:xfrm>
+          <a:off x="1748174" y="210303"/>
+          <a:ext cx="175586" cy="38914"/>
+        </a:xfrm>
+        <a:prstGeom prst="rect">
+          <a:avLst/>
+        </a:prstGeom>
+        <a:noFill/>
+        <a:ln>
+          <a:noFill/>
+        </a:ln>
+        <a:effectLst/>
+      </dsp:spPr>
+      <dsp:style>
+        <a:lnRef idx="0">
+          <a:scrgbClr r="0" g="0" b="0"/>
+        </a:lnRef>
+        <a:fillRef idx="0">
+          <a:scrgbClr r="0" g="0" b="0"/>
+        </a:fillRef>
+        <a:effectRef idx="0">
+          <a:scrgbClr r="0" g="0" b="0"/>
+        </a:effectRef>
+        <a:fontRef idx="minor"/>
+      </dsp:style>
+      <dsp:txBody>
+        <a:bodyPr spcFirstLastPara="0" vert="horz" wrap="square" lIns="0" tIns="19050" rIns="19050" bIns="0" numCol="1" spcCol="1270" anchor="t" anchorCtr="0">
+          <a:noAutofit/>
+        </a:bodyPr>
+        <a:lstStyle/>
+        <a:p>
+          <a:pPr lvl="0" algn="l" defTabSz="222250">
+            <a:lnSpc>
+              <a:spcPct val="90000"/>
+            </a:lnSpc>
+            <a:spcBef>
+              <a:spcPct val="0"/>
+            </a:spcBef>
+            <a:spcAft>
+              <a:spcPct val="35000"/>
+            </a:spcAft>
+          </a:pPr>
+          <a:r>
+            <a:rPr lang="ru-RU" sz="500" kern="1200" dirty="0"/>
+            <a:t> </a:t>
+          </a:r>
+        </a:p>
+      </dsp:txBody>
+      <dsp:txXfrm>
+        <a:off x="1748174" y="210303"/>
+        <a:ext cx="175586" cy="38914"/>
+      </dsp:txXfrm>
+    </dsp:sp>
+    <dsp:sp modelId="{61EB78D8-69FF-471D-8FEB-71388C442F55}">
+      <dsp:nvSpPr>
+        <dsp:cNvPr id="0" name=""/>
+        <dsp:cNvSpPr/>
+      </dsp:nvSpPr>
+      <dsp:spPr>
+        <a:xfrm>
+          <a:off x="0" y="0"/>
+          <a:ext cx="1980001" cy="381600"/>
+        </a:xfrm>
+        <a:prstGeom prst="rect">
+          <a:avLst/>
+        </a:prstGeom>
+        <a:blipFill>
+          <a:blip xmlns:r="http://schemas.openxmlformats.org/officeDocument/2006/relationships" r:embed="rId1">
+            <a:extLst>
+              <a:ext uri="{28A0092B-C50C-407E-A947-70E740481C1C}">
+                <a14:useLocalDpi xmlns:a14="http://schemas.microsoft.com/office/drawing/2010/main" val="0"/>
+              </a:ext>
+            </a:extLst>
+          </a:blip>
+          <a:srcRect/>
+          <a:stretch>
+            <a:fillRect l="-1000" r="-1000"/>
+          </a:stretch>
+        </a:blipFill>
+        <a:ln w="25400" cap="flat" cmpd="sng" algn="ctr">
+          <a:solidFill>
+            <a:schemeClr val="lt1">
+              <a:hueOff val="0"/>
+              <a:satOff val="0"/>
+              <a:lumOff val="0"/>
+              <a:alphaOff val="0"/>
+            </a:schemeClr>
+          </a:solidFill>
+          <a:prstDash val="solid"/>
+        </a:ln>
+        <a:effectLst/>
+      </dsp:spPr>
+      <dsp:style>
+        <a:lnRef idx="2">
+          <a:scrgbClr r="0" g="0" b="0"/>
+        </a:lnRef>
+        <a:fillRef idx="1">
+          <a:scrgbClr r="0" g="0" b="0"/>
+        </a:fillRef>
+        <a:effectRef idx="0">
+          <a:scrgbClr r="0" g="0" b="0"/>
+        </a:effectRef>
+        <a:fontRef idx="minor"/>
+      </dsp:style>
+    </dsp:sp>
   </dsp:spTree>
 </dsp:drawing>
 </file>
@@ -2972,6 +3083,127 @@
       <dsp:cNvGrpSpPr/>
     </dsp:nvGrpSpPr>
     <dsp:grpSpPr/>
+    <dsp:sp modelId="{A30F2283-C0A4-4A69-BCBE-833D967155A2}">
+      <dsp:nvSpPr>
+        <dsp:cNvPr id="0" name=""/>
+        <dsp:cNvSpPr/>
+      </dsp:nvSpPr>
+      <dsp:spPr>
+        <a:xfrm>
+          <a:off x="469735" y="1146225"/>
+          <a:ext cx="2927097" cy="509149"/>
+        </a:xfrm>
+        <a:prstGeom prst="rect">
+          <a:avLst/>
+        </a:prstGeom>
+        <a:noFill/>
+        <a:ln>
+          <a:noFill/>
+        </a:ln>
+        <a:effectLst/>
+      </dsp:spPr>
+      <dsp:style>
+        <a:lnRef idx="0">
+          <a:scrgbClr r="0" g="0" b="0"/>
+        </a:lnRef>
+        <a:fillRef idx="0">
+          <a:scrgbClr r="0" g="0" b="0"/>
+        </a:fillRef>
+        <a:effectRef idx="0">
+          <a:scrgbClr r="0" g="0" b="0"/>
+        </a:effectRef>
+        <a:fontRef idx="minor"/>
+      </dsp:style>
+      <dsp:txBody>
+        <a:bodyPr spcFirstLastPara="0" vert="horz" wrap="square" lIns="0" tIns="152400" rIns="152400" bIns="0" numCol="1" spcCol="1270" anchor="b" anchorCtr="0">
+          <a:noAutofit/>
+        </a:bodyPr>
+        <a:lstStyle/>
+        <a:p>
+          <a:pPr lvl="0" algn="ctr" defTabSz="1778000">
+            <a:lnSpc>
+              <a:spcPct val="90000"/>
+            </a:lnSpc>
+            <a:spcBef>
+              <a:spcPct val="0"/>
+            </a:spcBef>
+            <a:spcAft>
+              <a:spcPct val="35000"/>
+            </a:spcAft>
+          </a:pPr>
+          <a:r>
+            <a:rPr lang="ru-RU" sz="4000" kern="1200" dirty="0">
+              <a:solidFill>
+                <a:schemeClr val="accent1"/>
+              </a:solidFill>
+            </a:rPr>
+            <a:t>ВОПРОСЫ</a:t>
+          </a:r>
+          <a:r>
+            <a:rPr lang="en-US" sz="4000" kern="1200" dirty="0">
+              <a:solidFill>
+                <a:schemeClr val="accent1"/>
+              </a:solidFill>
+            </a:rPr>
+            <a:t>?</a:t>
+          </a:r>
+          <a:endParaRPr lang="ru-RU" sz="4000" kern="1200" dirty="0">
+            <a:solidFill>
+              <a:schemeClr val="accent1"/>
+            </a:solidFill>
+          </a:endParaRPr>
+        </a:p>
+      </dsp:txBody>
+      <dsp:txXfrm>
+        <a:off x="469735" y="1146225"/>
+        <a:ext cx="2927097" cy="509149"/>
+      </dsp:txXfrm>
+    </dsp:sp>
+    <dsp:sp modelId="{DFDA3CA3-5C68-4A2F-A4A8-285063A35D87}">
+      <dsp:nvSpPr>
+        <dsp:cNvPr id="0" name=""/>
+        <dsp:cNvSpPr/>
+      </dsp:nvSpPr>
+      <dsp:spPr>
+        <a:xfrm>
+          <a:off x="1521700" y="91137"/>
+          <a:ext cx="849599" cy="849599"/>
+        </a:xfrm>
+        <a:prstGeom prst="rect">
+          <a:avLst/>
+        </a:prstGeom>
+        <a:blipFill>
+          <a:blip xmlns:r="http://schemas.openxmlformats.org/officeDocument/2006/relationships" r:embed="rId1">
+            <a:extLst>
+              <a:ext uri="{28A0092B-C50C-407E-A947-70E740481C1C}">
+                <a14:useLocalDpi xmlns:a14="http://schemas.microsoft.com/office/drawing/2010/main" val="0"/>
+              </a:ext>
+            </a:extLst>
+          </a:blip>
+          <a:srcRect/>
+          <a:stretch>
+            <a:fillRect/>
+          </a:stretch>
+        </a:blipFill>
+        <a:ln w="0" cap="flat" cmpd="sng" algn="ctr">
+          <a:noFill/>
+          <a:prstDash val="solid"/>
+        </a:ln>
+        <a:effectLst/>
+      </dsp:spPr>
+      <dsp:style>
+        <a:lnRef idx="2">
+          <a:scrgbClr r="0" g="0" b="0"/>
+        </a:lnRef>
+        <a:fillRef idx="1">
+          <a:scrgbClr r="0" g="0" b="0"/>
+        </a:fillRef>
+        <a:effectRef idx="0">
+          <a:scrgbClr r="0" g="0" b="0"/>
+        </a:effectRef>
+        <a:fontRef idx="minor"/>
+      </dsp:style>
+    </dsp:sp>
   </dsp:spTree>
 </dsp:drawing>
 </file>
@@ -6958,7 +7190,7 @@
           <a:p>
             <a:fld id="{16E5F246-0B7D-44DF-8C1B-EDFCA5DA626A}" type="datetimeFigureOut">
               <a:rPr lang="ru-RU" smtClean="0"/>
-              <a:t>09.08.2017</a:t>
+              <a:t>10.08.2017</a:t>
             </a:fld>
             <a:endParaRPr lang="ru-RU"/>
           </a:p>
@@ -7309,7 +7541,1855 @@
 </p:notes>
 </file>
 
+<file path=ppt/notesSlides/notesSlide10.xml><?xml version="1.0" encoding="utf-8"?>
+<p:notes xmlns:a="http://schemas.openxmlformats.org/drawingml/2006/main" xmlns:r="http://schemas.openxmlformats.org/officeDocument/2006/relationships" xmlns:p="http://schemas.openxmlformats.org/presentationml/2006/main">
+  <p:cSld>
+    <p:spTree>
+      <p:nvGrpSpPr>
+        <p:cNvPr id="1" name=""/>
+        <p:cNvGrpSpPr/>
+        <p:nvPr/>
+      </p:nvGrpSpPr>
+      <p:grpSpPr>
+        <a:xfrm>
+          <a:off x="0" y="0"/>
+          <a:ext cx="0" cy="0"/>
+          <a:chOff x="0" y="0"/>
+          <a:chExt cx="0" cy="0"/>
+        </a:xfrm>
+      </p:grpSpPr>
+      <p:sp>
+        <p:nvSpPr>
+          <p:cNvPr id="2" name="Образ слайда 1"/>
+          <p:cNvSpPr>
+            <a:spLocks noGrp="1" noRot="1" noChangeAspect="1"/>
+          </p:cNvSpPr>
+          <p:nvPr>
+            <p:ph type="sldImg"/>
+          </p:nvPr>
+        </p:nvSpPr>
+        <p:spPr/>
+      </p:sp>
+      <p:sp>
+        <p:nvSpPr>
+          <p:cNvPr id="3" name="Заметки 2"/>
+          <p:cNvSpPr>
+            <a:spLocks noGrp="1"/>
+          </p:cNvSpPr>
+          <p:nvPr>
+            <p:ph type="body" idx="1"/>
+          </p:nvPr>
+        </p:nvSpPr>
+        <p:spPr/>
+        <p:txBody>
+          <a:bodyPr/>
+          <a:lstStyle/>
+          <a:p>
+            <a:r>
+              <a:rPr lang="en-US" dirty="0" smtClean="0"/>
+              <a:t>Options</a:t>
+            </a:r>
+            <a:r>
+              <a:rPr lang="en-US" baseline="0" dirty="0" smtClean="0"/>
+              <a:t> </a:t>
+            </a:r>
+            <a:r>
+              <a:rPr lang="ru-RU" baseline="0" dirty="0" smtClean="0"/>
+              <a:t>лучше читается, но можно и просто </a:t>
+            </a:r>
+            <a:r>
+              <a:rPr lang="en-US" baseline="0" dirty="0" smtClean="0"/>
+              <a:t>o =&gt; o….</a:t>
+            </a:r>
+          </a:p>
+          <a:p>
+            <a:endParaRPr lang="en-US" baseline="0" dirty="0" smtClean="0"/>
+          </a:p>
+          <a:p>
+            <a:r>
+              <a:rPr lang="en-US" baseline="0" dirty="0" err="1" smtClean="0"/>
+              <a:t>currentSyntax</a:t>
+            </a:r>
+            <a:r>
+              <a:rPr lang="en-US" baseline="0" dirty="0" smtClean="0"/>
+              <a:t> =&gt; </a:t>
+            </a:r>
+          </a:p>
+          <a:p>
+            <a:endParaRPr lang="en-US" baseline="0" dirty="0" smtClean="0"/>
+          </a:p>
+          <a:p>
+            <a:pPr marL="171450" indent="-171450">
+              <a:buFont typeface="Arial" panose="020B0604020202020204" pitchFamily="34" charset="0"/>
+              <a:buChar char="•"/>
+            </a:pPr>
+            <a:r>
+              <a:rPr lang="en-US" dirty="0" smtClean="0"/>
+              <a:t>new[] {1,2,3}.</a:t>
+            </a:r>
+            <a:r>
+              <a:rPr lang="en-US" dirty="0" err="1" smtClean="0"/>
+              <a:t>ShouldBeEquivalentTo</a:t>
+            </a:r>
+            <a:r>
+              <a:rPr lang="en-US" dirty="0" smtClean="0"/>
+              <a:t>(new [] {3,2,1});</a:t>
+            </a:r>
+          </a:p>
+          <a:p>
+            <a:pPr marL="171450" indent="-171450">
+              <a:buFont typeface="Arial" panose="020B0604020202020204" pitchFamily="34" charset="0"/>
+              <a:buChar char="•"/>
+            </a:pPr>
+            <a:r>
+              <a:rPr lang="en-US" dirty="0" smtClean="0"/>
+              <a:t>new[] {1,2,3}.</a:t>
+            </a:r>
+            <a:r>
+              <a:rPr lang="en-US" dirty="0" err="1" smtClean="0"/>
+              <a:t>ShouldAllBeEquivalentTo</a:t>
+            </a:r>
+            <a:r>
+              <a:rPr lang="en-US" dirty="0" smtClean="0"/>
+              <a:t>(new [] {1,2,3}, options =&gt; options</a:t>
+            </a:r>
+          </a:p>
+          <a:p>
+            <a:pPr marL="457200" lvl="1" indent="0">
+              <a:buFont typeface="Arial" panose="020B0604020202020204" pitchFamily="34" charset="0"/>
+              <a:buNone/>
+            </a:pPr>
+            <a:r>
+              <a:rPr lang="en-US" dirty="0" smtClean="0"/>
+              <a:t>.</a:t>
+            </a:r>
+            <a:r>
+              <a:rPr lang="en-US" dirty="0" err="1" smtClean="0"/>
+              <a:t>WithStrictOrdering</a:t>
+            </a:r>
+            <a:r>
+              <a:rPr lang="en-US" dirty="0" smtClean="0"/>
+              <a:t>());</a:t>
+            </a:r>
+            <a:endParaRPr lang="ru-RU" baseline="0" dirty="0" smtClean="0"/>
+          </a:p>
+        </p:txBody>
+      </p:sp>
+      <p:sp>
+        <p:nvSpPr>
+          <p:cNvPr id="4" name="Номер слайда 3"/>
+          <p:cNvSpPr>
+            <a:spLocks noGrp="1"/>
+          </p:cNvSpPr>
+          <p:nvPr>
+            <p:ph type="sldNum" sz="quarter" idx="10"/>
+          </p:nvPr>
+        </p:nvSpPr>
+        <p:spPr/>
+        <p:txBody>
+          <a:bodyPr/>
+          <a:lstStyle/>
+          <a:p>
+            <a:fld id="{3BAECB10-9972-4830-A584-02C41DAFD45B}" type="slidenum">
+              <a:rPr lang="ru-RU" smtClean="0"/>
+              <a:t>15</a:t>
+            </a:fld>
+            <a:endParaRPr lang="ru-RU"/>
+          </a:p>
+        </p:txBody>
+      </p:sp>
+    </p:spTree>
+    <p:extLst>
+      <p:ext uri="{BB962C8B-B14F-4D97-AF65-F5344CB8AC3E}">
+        <p14:creationId xmlns:p14="http://schemas.microsoft.com/office/powerpoint/2010/main" val="308928937"/>
+      </p:ext>
+    </p:extLst>
+  </p:cSld>
+  <p:clrMapOvr>
+    <a:masterClrMapping/>
+  </p:clrMapOvr>
+</p:notes>
+</file>
+
+<file path=ppt/notesSlides/notesSlide11.xml><?xml version="1.0" encoding="utf-8"?>
+<p:notes xmlns:a="http://schemas.openxmlformats.org/drawingml/2006/main" xmlns:r="http://schemas.openxmlformats.org/officeDocument/2006/relationships" xmlns:p="http://schemas.openxmlformats.org/presentationml/2006/main">
+  <p:cSld>
+    <p:spTree>
+      <p:nvGrpSpPr>
+        <p:cNvPr id="1" name=""/>
+        <p:cNvGrpSpPr/>
+        <p:nvPr/>
+      </p:nvGrpSpPr>
+      <p:grpSpPr>
+        <a:xfrm>
+          <a:off x="0" y="0"/>
+          <a:ext cx="0" cy="0"/>
+          <a:chOff x="0" y="0"/>
+          <a:chExt cx="0" cy="0"/>
+        </a:xfrm>
+      </p:grpSpPr>
+      <p:sp>
+        <p:nvSpPr>
+          <p:cNvPr id="2" name="Образ слайда 1"/>
+          <p:cNvSpPr>
+            <a:spLocks noGrp="1" noRot="1" noChangeAspect="1"/>
+          </p:cNvSpPr>
+          <p:nvPr>
+            <p:ph type="sldImg"/>
+          </p:nvPr>
+        </p:nvSpPr>
+        <p:spPr/>
+      </p:sp>
+      <p:sp>
+        <p:nvSpPr>
+          <p:cNvPr id="3" name="Заметки 2"/>
+          <p:cNvSpPr>
+            <a:spLocks noGrp="1"/>
+          </p:cNvSpPr>
+          <p:nvPr>
+            <p:ph type="body" idx="1"/>
+          </p:nvPr>
+        </p:nvSpPr>
+        <p:spPr/>
+        <p:txBody>
+          <a:bodyPr/>
+          <a:lstStyle/>
+          <a:p>
+            <a:r>
+              <a:rPr lang="en-US" dirty="0" err="1" smtClean="0"/>
+              <a:t>Resharper</a:t>
+            </a:r>
+            <a:r>
+              <a:rPr lang="en-US" baseline="0" dirty="0" smtClean="0"/>
+              <a:t>’</a:t>
+            </a:r>
+            <a:r>
+              <a:rPr lang="ru-RU" baseline="0" dirty="0" smtClean="0"/>
+              <a:t>ом, как и любым инструментом, нужно уметь пользоваться, чтобы работать эффективно.</a:t>
+            </a:r>
+          </a:p>
+        </p:txBody>
+      </p:sp>
+      <p:sp>
+        <p:nvSpPr>
+          <p:cNvPr id="4" name="Номер слайда 3"/>
+          <p:cNvSpPr>
+            <a:spLocks noGrp="1"/>
+          </p:cNvSpPr>
+          <p:nvPr>
+            <p:ph type="sldNum" sz="quarter" idx="10"/>
+          </p:nvPr>
+        </p:nvSpPr>
+        <p:spPr/>
+        <p:txBody>
+          <a:bodyPr/>
+          <a:lstStyle/>
+          <a:p>
+            <a:fld id="{3BAECB10-9972-4830-A584-02C41DAFD45B}" type="slidenum">
+              <a:rPr lang="ru-RU" smtClean="0"/>
+              <a:t>16</a:t>
+            </a:fld>
+            <a:endParaRPr lang="ru-RU"/>
+          </a:p>
+        </p:txBody>
+      </p:sp>
+    </p:spTree>
+    <p:extLst>
+      <p:ext uri="{BB962C8B-B14F-4D97-AF65-F5344CB8AC3E}">
+        <p14:creationId xmlns:p14="http://schemas.microsoft.com/office/powerpoint/2010/main" val="890883594"/>
+      </p:ext>
+    </p:extLst>
+  </p:cSld>
+  <p:clrMapOvr>
+    <a:masterClrMapping/>
+  </p:clrMapOvr>
+</p:notes>
+</file>
+
+<file path=ppt/notesSlides/notesSlide12.xml><?xml version="1.0" encoding="utf-8"?>
+<p:notes xmlns:a="http://schemas.openxmlformats.org/drawingml/2006/main" xmlns:r="http://schemas.openxmlformats.org/officeDocument/2006/relationships" xmlns:p="http://schemas.openxmlformats.org/presentationml/2006/main">
+  <p:cSld>
+    <p:spTree>
+      <p:nvGrpSpPr>
+        <p:cNvPr id="1" name=""/>
+        <p:cNvGrpSpPr/>
+        <p:nvPr/>
+      </p:nvGrpSpPr>
+      <p:grpSpPr>
+        <a:xfrm>
+          <a:off x="0" y="0"/>
+          <a:ext cx="0" cy="0"/>
+          <a:chOff x="0" y="0"/>
+          <a:chExt cx="0" cy="0"/>
+        </a:xfrm>
+      </p:grpSpPr>
+      <p:sp>
+        <p:nvSpPr>
+          <p:cNvPr id="2" name="Образ слайда 1"/>
+          <p:cNvSpPr>
+            <a:spLocks noGrp="1" noRot="1" noChangeAspect="1"/>
+          </p:cNvSpPr>
+          <p:nvPr>
+            <p:ph type="sldImg"/>
+          </p:nvPr>
+        </p:nvSpPr>
+        <p:spPr/>
+      </p:sp>
+      <p:sp>
+        <p:nvSpPr>
+          <p:cNvPr id="3" name="Заметки 2"/>
+          <p:cNvSpPr>
+            <a:spLocks noGrp="1"/>
+          </p:cNvSpPr>
+          <p:nvPr>
+            <p:ph type="body" idx="1"/>
+          </p:nvPr>
+        </p:nvSpPr>
+        <p:spPr/>
+        <p:txBody>
+          <a:bodyPr/>
+          <a:lstStyle/>
+          <a:p>
+            <a:r>
+              <a:rPr lang="ru-RU" dirty="0"/>
+              <a:t>Мартовский</a:t>
+            </a:r>
+            <a:r>
+              <a:rPr lang="ru-RU" baseline="0" dirty="0"/>
+              <a:t> кролик написал кучу реализаций, но не успел написать тесты…</a:t>
+            </a:r>
+            <a:endParaRPr lang="en-US" dirty="0"/>
+          </a:p>
+        </p:txBody>
+      </p:sp>
+      <p:sp>
+        <p:nvSpPr>
+          <p:cNvPr id="4" name="Номер слайда 3"/>
+          <p:cNvSpPr>
+            <a:spLocks noGrp="1"/>
+          </p:cNvSpPr>
+          <p:nvPr>
+            <p:ph type="sldNum" sz="quarter" idx="10"/>
+          </p:nvPr>
+        </p:nvSpPr>
+        <p:spPr/>
+        <p:txBody>
+          <a:bodyPr/>
+          <a:lstStyle/>
+          <a:p>
+            <a:fld id="{3BAECB10-9972-4830-A584-02C41DAFD45B}" type="slidenum">
+              <a:rPr lang="ru-RU" smtClean="0"/>
+              <a:t>17</a:t>
+            </a:fld>
+            <a:endParaRPr lang="ru-RU"/>
+          </a:p>
+        </p:txBody>
+      </p:sp>
+    </p:spTree>
+    <p:extLst>
+      <p:ext uri="{BB962C8B-B14F-4D97-AF65-F5344CB8AC3E}">
+        <p14:creationId xmlns:p14="http://schemas.microsoft.com/office/powerpoint/2010/main" val="2782064311"/>
+      </p:ext>
+    </p:extLst>
+  </p:cSld>
+  <p:clrMapOvr>
+    <a:masterClrMapping/>
+  </p:clrMapOvr>
+</p:notes>
+</file>
+
+<file path=ppt/notesSlides/notesSlide13.xml><?xml version="1.0" encoding="utf-8"?>
+<p:notes xmlns:a="http://schemas.openxmlformats.org/drawingml/2006/main" xmlns:r="http://schemas.openxmlformats.org/officeDocument/2006/relationships" xmlns:p="http://schemas.openxmlformats.org/presentationml/2006/main">
+  <p:cSld>
+    <p:spTree>
+      <p:nvGrpSpPr>
+        <p:cNvPr id="1" name=""/>
+        <p:cNvGrpSpPr/>
+        <p:nvPr/>
+      </p:nvGrpSpPr>
+      <p:grpSpPr>
+        <a:xfrm>
+          <a:off x="0" y="0"/>
+          <a:ext cx="0" cy="0"/>
+          <a:chOff x="0" y="0"/>
+          <a:chExt cx="0" cy="0"/>
+        </a:xfrm>
+      </p:grpSpPr>
+      <p:sp>
+        <p:nvSpPr>
+          <p:cNvPr id="2" name="Образ слайда 1"/>
+          <p:cNvSpPr>
+            <a:spLocks noGrp="1" noRot="1" noChangeAspect="1"/>
+          </p:cNvSpPr>
+          <p:nvPr>
+            <p:ph type="sldImg"/>
+          </p:nvPr>
+        </p:nvSpPr>
+        <p:spPr/>
+      </p:sp>
+      <p:sp>
+        <p:nvSpPr>
+          <p:cNvPr id="3" name="Заметки 2"/>
+          <p:cNvSpPr>
+            <a:spLocks noGrp="1"/>
+          </p:cNvSpPr>
+          <p:nvPr>
+            <p:ph type="body" idx="1"/>
+          </p:nvPr>
+        </p:nvSpPr>
+        <p:spPr/>
+        <p:txBody>
+          <a:bodyPr/>
+          <a:lstStyle/>
+          <a:p>
+            <a:endParaRPr lang="ru-RU" dirty="0"/>
+          </a:p>
+        </p:txBody>
+      </p:sp>
+      <p:sp>
+        <p:nvSpPr>
+          <p:cNvPr id="4" name="Номер слайда 3"/>
+          <p:cNvSpPr>
+            <a:spLocks noGrp="1"/>
+          </p:cNvSpPr>
+          <p:nvPr>
+            <p:ph type="sldNum" sz="quarter" idx="10"/>
+          </p:nvPr>
+        </p:nvSpPr>
+        <p:spPr/>
+        <p:txBody>
+          <a:bodyPr/>
+          <a:lstStyle/>
+          <a:p>
+            <a:fld id="{3BAECB10-9972-4830-A584-02C41DAFD45B}" type="slidenum">
+              <a:rPr lang="ru-RU" smtClean="0"/>
+              <a:t>18</a:t>
+            </a:fld>
+            <a:endParaRPr lang="ru-RU"/>
+          </a:p>
+        </p:txBody>
+      </p:sp>
+    </p:spTree>
+    <p:extLst>
+      <p:ext uri="{BB962C8B-B14F-4D97-AF65-F5344CB8AC3E}">
+        <p14:creationId xmlns:p14="http://schemas.microsoft.com/office/powerpoint/2010/main" val="3454826708"/>
+      </p:ext>
+    </p:extLst>
+  </p:cSld>
+  <p:clrMapOvr>
+    <a:masterClrMapping/>
+  </p:clrMapOvr>
+</p:notes>
+</file>
+
+<file path=ppt/notesSlides/notesSlide14.xml><?xml version="1.0" encoding="utf-8"?>
+<p:notes xmlns:a="http://schemas.openxmlformats.org/drawingml/2006/main" xmlns:r="http://schemas.openxmlformats.org/officeDocument/2006/relationships" xmlns:p="http://schemas.openxmlformats.org/presentationml/2006/main">
+  <p:cSld>
+    <p:spTree>
+      <p:nvGrpSpPr>
+        <p:cNvPr id="1" name=""/>
+        <p:cNvGrpSpPr/>
+        <p:nvPr/>
+      </p:nvGrpSpPr>
+      <p:grpSpPr>
+        <a:xfrm>
+          <a:off x="0" y="0"/>
+          <a:ext cx="0" cy="0"/>
+          <a:chOff x="0" y="0"/>
+          <a:chExt cx="0" cy="0"/>
+        </a:xfrm>
+      </p:grpSpPr>
+      <p:sp>
+        <p:nvSpPr>
+          <p:cNvPr id="2" name="Образ слайда 1"/>
+          <p:cNvSpPr>
+            <a:spLocks noGrp="1" noRot="1" noChangeAspect="1"/>
+          </p:cNvSpPr>
+          <p:nvPr>
+            <p:ph type="sldImg"/>
+          </p:nvPr>
+        </p:nvSpPr>
+        <p:spPr/>
+      </p:sp>
+      <p:sp>
+        <p:nvSpPr>
+          <p:cNvPr id="3" name="Заметки 2"/>
+          <p:cNvSpPr>
+            <a:spLocks noGrp="1"/>
+          </p:cNvSpPr>
+          <p:nvPr>
+            <p:ph type="body" idx="1"/>
+          </p:nvPr>
+        </p:nvSpPr>
+        <p:spPr/>
+        <p:txBody>
+          <a:bodyPr/>
+          <a:lstStyle/>
+          <a:p>
+            <a:r>
+              <a:rPr lang="ru-RU" dirty="0" smtClean="0"/>
+              <a:t>1. По явно</a:t>
+            </a:r>
+            <a:r>
+              <a:rPr lang="ru-RU" baseline="0" dirty="0" smtClean="0"/>
+              <a:t> написанным требованиям легко писать тесты.</a:t>
+            </a:r>
+          </a:p>
+          <a:p>
+            <a:r>
+              <a:rPr lang="ru-RU" baseline="0" dirty="0" smtClean="0"/>
+              <a:t>2. Е3: 10 пробелов и символ. Что должно произойти?</a:t>
+            </a:r>
+          </a:p>
+          <a:p>
+            <a:r>
+              <a:rPr lang="ru-RU" dirty="0" smtClean="0"/>
+              <a:t>3. 998, 999 -</a:t>
+            </a:r>
+            <a:r>
+              <a:rPr lang="en-US" dirty="0" smtClean="0"/>
+              <a:t>&gt;</a:t>
+            </a:r>
+            <a:r>
+              <a:rPr lang="en-US" baseline="0" dirty="0" smtClean="0"/>
+              <a:t> </a:t>
+            </a:r>
+            <a:r>
+              <a:rPr lang="ru-RU" baseline="0" dirty="0" smtClean="0"/>
+              <a:t>Вот где спасёт таймаут. Ну и код </a:t>
+            </a:r>
+            <a:r>
+              <a:rPr lang="ru-RU" baseline="0" dirty="0" err="1" smtClean="0"/>
+              <a:t>ревью</a:t>
+            </a:r>
+            <a:r>
+              <a:rPr lang="ru-RU" baseline="0" dirty="0" smtClean="0"/>
+              <a:t>.</a:t>
+            </a:r>
+          </a:p>
+          <a:p>
+            <a:r>
+              <a:rPr lang="ru-RU" sz="1200" b="0" i="0" kern="1200" dirty="0" smtClean="0">
+                <a:solidFill>
+                  <a:schemeClr val="tx1"/>
+                </a:solidFill>
+                <a:effectLst/>
+                <a:latin typeface="+mn-lt"/>
+                <a:ea typeface="+mn-ea"/>
+                <a:cs typeface="+mn-cs"/>
+              </a:rPr>
+              <a:t>4. </a:t>
+            </a:r>
+            <a:r>
+              <a:rPr lang="en-US" sz="1200" b="0" i="0" kern="1200" dirty="0" err="1" smtClean="0">
+                <a:solidFill>
+                  <a:schemeClr val="tx1"/>
+                </a:solidFill>
+                <a:effectLst/>
+                <a:latin typeface="+mn-lt"/>
+                <a:ea typeface="+mn-ea"/>
+                <a:cs typeface="+mn-cs"/>
+              </a:rPr>
+              <a:t>string.</a:t>
+            </a:r>
+            <a:r>
+              <a:rPr lang="en-US" sz="1200" b="1" i="0" kern="1200" dirty="0" err="1" smtClean="0">
+                <a:solidFill>
+                  <a:schemeClr val="tx1"/>
+                </a:solidFill>
+                <a:effectLst/>
+                <a:latin typeface="+mn-lt"/>
+                <a:ea typeface="+mn-ea"/>
+                <a:cs typeface="+mn-cs"/>
+              </a:rPr>
+              <a:t>IsNullOrEmpty</a:t>
+            </a:r>
+            <a:r>
+              <a:rPr lang="en-US" sz="1200" b="0" i="0" kern="1200" dirty="0" smtClean="0">
+                <a:solidFill>
+                  <a:schemeClr val="tx1"/>
+                </a:solidFill>
+                <a:effectLst/>
+                <a:latin typeface="+mn-lt"/>
+                <a:ea typeface="+mn-ea"/>
+                <a:cs typeface="+mn-cs"/>
+              </a:rPr>
+              <a:t>(word)</a:t>
+            </a:r>
+            <a:r>
+              <a:rPr lang="ru-RU" sz="1200" b="0" i="0" kern="1200" dirty="0" smtClean="0">
+                <a:solidFill>
+                  <a:schemeClr val="tx1"/>
+                </a:solidFill>
+                <a:effectLst/>
+                <a:latin typeface="+mn-lt"/>
+                <a:ea typeface="+mn-ea"/>
+                <a:cs typeface="+mn-cs"/>
+              </a:rPr>
+              <a:t>: при</a:t>
+            </a:r>
+            <a:r>
+              <a:rPr lang="ru-RU" sz="1200" b="0" i="0" kern="1200" baseline="0" dirty="0" smtClean="0">
+                <a:solidFill>
+                  <a:schemeClr val="tx1"/>
+                </a:solidFill>
+                <a:effectLst/>
+                <a:latin typeface="+mn-lt"/>
+                <a:ea typeface="+mn-ea"/>
+                <a:cs typeface="+mn-cs"/>
+              </a:rPr>
+              <a:t> </a:t>
+            </a:r>
+            <a:r>
+              <a:rPr lang="ru-RU" sz="1200" b="0" i="0" kern="1200" baseline="0" dirty="0" err="1" smtClean="0">
+                <a:solidFill>
+                  <a:schemeClr val="tx1"/>
+                </a:solidFill>
+                <a:effectLst/>
+                <a:latin typeface="+mn-lt"/>
+                <a:ea typeface="+mn-ea"/>
+                <a:cs typeface="+mn-cs"/>
+              </a:rPr>
+              <a:t>ревью</a:t>
+            </a:r>
+            <a:r>
+              <a:rPr lang="ru-RU" sz="1200" b="0" i="0" kern="1200" baseline="0" dirty="0" smtClean="0">
+                <a:solidFill>
+                  <a:schemeClr val="tx1"/>
+                </a:solidFill>
+                <a:effectLst/>
+                <a:latin typeface="+mn-lt"/>
+                <a:ea typeface="+mn-ea"/>
+                <a:cs typeface="+mn-cs"/>
+              </a:rPr>
+              <a:t> возможно, что на это не обратят внимания. Потому что «</a:t>
+            </a:r>
+            <a:r>
+              <a:rPr lang="ru-RU" sz="1200" b="1" i="0" kern="1200" dirty="0" smtClean="0">
+                <a:solidFill>
+                  <a:schemeClr val="tx1"/>
+                </a:solidFill>
+                <a:effectLst/>
+                <a:latin typeface="+mn-lt"/>
+                <a:ea typeface="+mn-ea"/>
+                <a:cs typeface="+mn-cs"/>
+              </a:rPr>
+              <a:t>По </a:t>
+            </a:r>
+            <a:r>
+              <a:rPr lang="ru-RU" sz="1200" b="1" i="0" kern="1200" dirty="0" err="1" smtClean="0">
+                <a:solidFill>
+                  <a:schemeClr val="tx1"/>
+                </a:solidFill>
+                <a:effectLst/>
+                <a:latin typeface="+mn-lt"/>
+                <a:ea typeface="+mn-ea"/>
+                <a:cs typeface="+mn-cs"/>
+              </a:rPr>
+              <a:t>рзеузльаттам</a:t>
+            </a:r>
+            <a:r>
+              <a:rPr lang="ru-RU" sz="1200" b="1" i="0" kern="1200" dirty="0" smtClean="0">
+                <a:solidFill>
+                  <a:schemeClr val="tx1"/>
+                </a:solidFill>
+                <a:effectLst/>
+                <a:latin typeface="+mn-lt"/>
+                <a:ea typeface="+mn-ea"/>
+                <a:cs typeface="+mn-cs"/>
+              </a:rPr>
+              <a:t> </a:t>
+            </a:r>
+            <a:r>
+              <a:rPr lang="ru-RU" sz="1200" b="1" i="0" kern="1200" dirty="0" err="1" smtClean="0">
+                <a:solidFill>
+                  <a:schemeClr val="tx1"/>
+                </a:solidFill>
+                <a:effectLst/>
+                <a:latin typeface="+mn-lt"/>
+                <a:ea typeface="+mn-ea"/>
+                <a:cs typeface="+mn-cs"/>
+              </a:rPr>
+              <a:t>илссоевадний</a:t>
+            </a:r>
+            <a:r>
+              <a:rPr lang="ru-RU" sz="1200" b="1" i="0" kern="1200" dirty="0" smtClean="0">
+                <a:solidFill>
+                  <a:schemeClr val="tx1"/>
+                </a:solidFill>
+                <a:effectLst/>
+                <a:latin typeface="+mn-lt"/>
+                <a:ea typeface="+mn-ea"/>
+                <a:cs typeface="+mn-cs"/>
+              </a:rPr>
+              <a:t> </a:t>
+            </a:r>
+            <a:r>
+              <a:rPr lang="ru-RU" sz="1200" b="1" i="0" kern="1200" dirty="0" err="1" smtClean="0">
+                <a:solidFill>
+                  <a:schemeClr val="tx1"/>
+                </a:solidFill>
+                <a:effectLst/>
+                <a:latin typeface="+mn-lt"/>
+                <a:ea typeface="+mn-ea"/>
+                <a:cs typeface="+mn-cs"/>
+              </a:rPr>
+              <a:t>одонго</a:t>
+            </a:r>
+            <a:r>
+              <a:rPr lang="ru-RU" sz="1200" b="1" i="0" kern="1200" dirty="0" smtClean="0">
+                <a:solidFill>
+                  <a:schemeClr val="tx1"/>
+                </a:solidFill>
+                <a:effectLst/>
+                <a:latin typeface="+mn-lt"/>
+                <a:ea typeface="+mn-ea"/>
+                <a:cs typeface="+mn-cs"/>
+              </a:rPr>
+              <a:t> </a:t>
+            </a:r>
+            <a:r>
+              <a:rPr lang="ru-RU" sz="1200" b="1" i="0" kern="1200" dirty="0" err="1" smtClean="0">
+                <a:solidFill>
+                  <a:schemeClr val="tx1"/>
+                </a:solidFill>
+                <a:effectLst/>
+                <a:latin typeface="+mn-lt"/>
+                <a:ea typeface="+mn-ea"/>
+                <a:cs typeface="+mn-cs"/>
+              </a:rPr>
+              <a:t>анлигсйокго</a:t>
+            </a:r>
+            <a:r>
+              <a:rPr lang="ru-RU" sz="1200" b="1" i="0" kern="1200" dirty="0" smtClean="0">
+                <a:solidFill>
+                  <a:schemeClr val="tx1"/>
+                </a:solidFill>
+                <a:effectLst/>
+                <a:latin typeface="+mn-lt"/>
+                <a:ea typeface="+mn-ea"/>
+                <a:cs typeface="+mn-cs"/>
+              </a:rPr>
+              <a:t> </a:t>
+            </a:r>
+            <a:r>
+              <a:rPr lang="ru-RU" sz="1200" b="1" i="0" kern="1200" dirty="0" err="1" smtClean="0">
+                <a:solidFill>
+                  <a:schemeClr val="tx1"/>
+                </a:solidFill>
+                <a:effectLst/>
+                <a:latin typeface="+mn-lt"/>
+                <a:ea typeface="+mn-ea"/>
+                <a:cs typeface="+mn-cs"/>
+              </a:rPr>
+              <a:t>унвиертисета</a:t>
+            </a:r>
+            <a:r>
+              <a:rPr lang="ru-RU" sz="1200" b="1" i="0" kern="1200" dirty="0" smtClean="0">
+                <a:solidFill>
+                  <a:schemeClr val="tx1"/>
+                </a:solidFill>
+                <a:effectLst/>
+                <a:latin typeface="+mn-lt"/>
+                <a:ea typeface="+mn-ea"/>
+                <a:cs typeface="+mn-cs"/>
+              </a:rPr>
+              <a:t>, не </a:t>
+            </a:r>
+            <a:r>
+              <a:rPr lang="ru-RU" sz="1200" b="1" i="0" kern="1200" dirty="0" err="1" smtClean="0">
+                <a:solidFill>
+                  <a:schemeClr val="tx1"/>
+                </a:solidFill>
+                <a:effectLst/>
+                <a:latin typeface="+mn-lt"/>
+                <a:ea typeface="+mn-ea"/>
+                <a:cs typeface="+mn-cs"/>
+              </a:rPr>
+              <a:t>иеемт</a:t>
+            </a:r>
+            <a:r>
+              <a:rPr lang="ru-RU" sz="1200" b="1" i="0" kern="1200" dirty="0" smtClean="0">
+                <a:solidFill>
+                  <a:schemeClr val="tx1"/>
+                </a:solidFill>
+                <a:effectLst/>
+                <a:latin typeface="+mn-lt"/>
+                <a:ea typeface="+mn-ea"/>
+                <a:cs typeface="+mn-cs"/>
+              </a:rPr>
+              <a:t> </a:t>
+            </a:r>
+            <a:r>
+              <a:rPr lang="ru-RU" sz="1200" b="1" i="0" kern="1200" dirty="0" err="1" smtClean="0">
+                <a:solidFill>
+                  <a:schemeClr val="tx1"/>
+                </a:solidFill>
+                <a:effectLst/>
+                <a:latin typeface="+mn-lt"/>
+                <a:ea typeface="+mn-ea"/>
+                <a:cs typeface="+mn-cs"/>
+              </a:rPr>
+              <a:t>занчнеия</a:t>
+            </a:r>
+            <a:r>
+              <a:rPr lang="ru-RU" sz="1200" b="1" i="0" kern="1200" dirty="0" smtClean="0">
+                <a:solidFill>
+                  <a:schemeClr val="tx1"/>
+                </a:solidFill>
+                <a:effectLst/>
+                <a:latin typeface="+mn-lt"/>
+                <a:ea typeface="+mn-ea"/>
+                <a:cs typeface="+mn-cs"/>
+              </a:rPr>
+              <a:t>, в </a:t>
+            </a:r>
+            <a:r>
+              <a:rPr lang="ru-RU" sz="1200" b="1" i="0" kern="1200" dirty="0" err="1" smtClean="0">
+                <a:solidFill>
+                  <a:schemeClr val="tx1"/>
+                </a:solidFill>
+                <a:effectLst/>
+                <a:latin typeface="+mn-lt"/>
+                <a:ea typeface="+mn-ea"/>
+                <a:cs typeface="+mn-cs"/>
+              </a:rPr>
+              <a:t>каокм</a:t>
+            </a:r>
+            <a:r>
+              <a:rPr lang="ru-RU" sz="1200" b="1" i="0" kern="1200" dirty="0" smtClean="0">
+                <a:solidFill>
+                  <a:schemeClr val="tx1"/>
+                </a:solidFill>
+                <a:effectLst/>
+                <a:latin typeface="+mn-lt"/>
+                <a:ea typeface="+mn-ea"/>
+                <a:cs typeface="+mn-cs"/>
+              </a:rPr>
+              <a:t> </a:t>
+            </a:r>
+            <a:r>
+              <a:rPr lang="ru-RU" sz="1200" b="1" i="0" kern="1200" dirty="0" err="1" smtClean="0">
+                <a:solidFill>
+                  <a:schemeClr val="tx1"/>
+                </a:solidFill>
+                <a:effectLst/>
+                <a:latin typeface="+mn-lt"/>
+                <a:ea typeface="+mn-ea"/>
+                <a:cs typeface="+mn-cs"/>
+              </a:rPr>
+              <a:t>проякде</a:t>
+            </a:r>
+            <a:r>
+              <a:rPr lang="ru-RU" sz="1200" b="1" i="0" kern="1200" dirty="0" smtClean="0">
+                <a:solidFill>
+                  <a:schemeClr val="tx1"/>
+                </a:solidFill>
+                <a:effectLst/>
+                <a:latin typeface="+mn-lt"/>
+                <a:ea typeface="+mn-ea"/>
+                <a:cs typeface="+mn-cs"/>
+              </a:rPr>
+              <a:t> </a:t>
+            </a:r>
+            <a:r>
+              <a:rPr lang="ru-RU" sz="1200" b="1" i="0" kern="1200" dirty="0" err="1" smtClean="0">
+                <a:solidFill>
+                  <a:schemeClr val="tx1"/>
+                </a:solidFill>
+                <a:effectLst/>
+                <a:latin typeface="+mn-lt"/>
+                <a:ea typeface="+mn-ea"/>
+                <a:cs typeface="+mn-cs"/>
+              </a:rPr>
+              <a:t>рсапжоолены</a:t>
+            </a:r>
+            <a:r>
+              <a:rPr lang="ru-RU" sz="1200" b="1" i="0" kern="1200" dirty="0" smtClean="0">
+                <a:solidFill>
+                  <a:schemeClr val="tx1"/>
+                </a:solidFill>
+                <a:effectLst/>
+                <a:latin typeface="+mn-lt"/>
+                <a:ea typeface="+mn-ea"/>
+                <a:cs typeface="+mn-cs"/>
+              </a:rPr>
+              <a:t> </a:t>
+            </a:r>
+            <a:r>
+              <a:rPr lang="ru-RU" sz="1200" b="1" i="0" kern="1200" dirty="0" err="1" smtClean="0">
+                <a:solidFill>
+                  <a:schemeClr val="tx1"/>
+                </a:solidFill>
+                <a:effectLst/>
+                <a:latin typeface="+mn-lt"/>
+                <a:ea typeface="+mn-ea"/>
+                <a:cs typeface="+mn-cs"/>
+              </a:rPr>
+              <a:t>бкувы</a:t>
+            </a:r>
+            <a:r>
+              <a:rPr lang="ru-RU" sz="1200" b="1" i="0" kern="1200" dirty="0" smtClean="0">
+                <a:solidFill>
+                  <a:schemeClr val="tx1"/>
+                </a:solidFill>
+                <a:effectLst/>
+                <a:latin typeface="+mn-lt"/>
+                <a:ea typeface="+mn-ea"/>
+                <a:cs typeface="+mn-cs"/>
+              </a:rPr>
+              <a:t> в </a:t>
+            </a:r>
+            <a:r>
+              <a:rPr lang="ru-RU" sz="1200" b="1" i="0" kern="1200" dirty="0" err="1" smtClean="0">
+                <a:solidFill>
+                  <a:schemeClr val="tx1"/>
+                </a:solidFill>
+                <a:effectLst/>
+                <a:latin typeface="+mn-lt"/>
+                <a:ea typeface="+mn-ea"/>
+                <a:cs typeface="+mn-cs"/>
+              </a:rPr>
+              <a:t>солве</a:t>
+            </a:r>
+            <a:r>
+              <a:rPr lang="ru-RU" sz="1200" b="1" i="0" kern="1200" dirty="0" smtClean="0">
+                <a:solidFill>
+                  <a:schemeClr val="tx1"/>
+                </a:solidFill>
+                <a:effectLst/>
+                <a:latin typeface="+mn-lt"/>
+                <a:ea typeface="+mn-ea"/>
+                <a:cs typeface="+mn-cs"/>
+              </a:rPr>
+              <a:t>. </a:t>
+            </a:r>
+            <a:r>
+              <a:rPr lang="ru-RU" sz="1200" b="1" i="0" kern="1200" dirty="0" err="1" smtClean="0">
+                <a:solidFill>
+                  <a:schemeClr val="tx1"/>
+                </a:solidFill>
+                <a:effectLst/>
+                <a:latin typeface="+mn-lt"/>
+                <a:ea typeface="+mn-ea"/>
+                <a:cs typeface="+mn-cs"/>
+              </a:rPr>
+              <a:t>Галовне</a:t>
+            </a:r>
+            <a:r>
+              <a:rPr lang="ru-RU" sz="1200" b="1" i="0" kern="1200" dirty="0" smtClean="0">
+                <a:solidFill>
+                  <a:schemeClr val="tx1"/>
+                </a:solidFill>
+                <a:effectLst/>
+                <a:latin typeface="+mn-lt"/>
+                <a:ea typeface="+mn-ea"/>
+                <a:cs typeface="+mn-cs"/>
+              </a:rPr>
+              <a:t>, </a:t>
+            </a:r>
+            <a:r>
+              <a:rPr lang="ru-RU" sz="1200" b="1" i="0" kern="1200" dirty="0" err="1" smtClean="0">
+                <a:solidFill>
+                  <a:schemeClr val="tx1"/>
+                </a:solidFill>
+                <a:effectLst/>
+                <a:latin typeface="+mn-lt"/>
+                <a:ea typeface="+mn-ea"/>
+                <a:cs typeface="+mn-cs"/>
+              </a:rPr>
+              <a:t>чотбы</a:t>
+            </a:r>
+            <a:r>
+              <a:rPr lang="ru-RU" sz="1200" b="1" i="0" kern="1200" dirty="0" smtClean="0">
+                <a:solidFill>
+                  <a:schemeClr val="tx1"/>
+                </a:solidFill>
+                <a:effectLst/>
+                <a:latin typeface="+mn-lt"/>
+                <a:ea typeface="+mn-ea"/>
+                <a:cs typeface="+mn-cs"/>
+              </a:rPr>
+              <a:t> </a:t>
+            </a:r>
+            <a:r>
+              <a:rPr lang="ru-RU" sz="1200" b="1" i="0" kern="1200" dirty="0" err="1" smtClean="0">
+                <a:solidFill>
+                  <a:schemeClr val="tx1"/>
+                </a:solidFill>
+                <a:effectLst/>
+                <a:latin typeface="+mn-lt"/>
+                <a:ea typeface="+mn-ea"/>
+                <a:cs typeface="+mn-cs"/>
+              </a:rPr>
+              <a:t>преавя</a:t>
+            </a:r>
+            <a:r>
+              <a:rPr lang="ru-RU" sz="1200" b="1" i="0" kern="1200" dirty="0" smtClean="0">
+                <a:solidFill>
+                  <a:schemeClr val="tx1"/>
+                </a:solidFill>
+                <a:effectLst/>
+                <a:latin typeface="+mn-lt"/>
+                <a:ea typeface="+mn-ea"/>
+                <a:cs typeface="+mn-cs"/>
+              </a:rPr>
+              <a:t> и </a:t>
+            </a:r>
+            <a:r>
+              <a:rPr lang="ru-RU" sz="1200" b="1" i="0" kern="1200" dirty="0" err="1" smtClean="0">
+                <a:solidFill>
+                  <a:schemeClr val="tx1"/>
+                </a:solidFill>
+                <a:effectLst/>
+                <a:latin typeface="+mn-lt"/>
+                <a:ea typeface="+mn-ea"/>
+                <a:cs typeface="+mn-cs"/>
+              </a:rPr>
+              <a:t>пслонедяя</a:t>
+            </a:r>
+            <a:r>
+              <a:rPr lang="ru-RU" sz="1200" b="1" i="0" kern="1200" dirty="0" smtClean="0">
+                <a:solidFill>
+                  <a:schemeClr val="tx1"/>
+                </a:solidFill>
+                <a:effectLst/>
+                <a:latin typeface="+mn-lt"/>
+                <a:ea typeface="+mn-ea"/>
+                <a:cs typeface="+mn-cs"/>
+              </a:rPr>
+              <a:t> </a:t>
+            </a:r>
+            <a:r>
+              <a:rPr lang="ru-RU" sz="1200" b="1" i="0" kern="1200" dirty="0" err="1" smtClean="0">
+                <a:solidFill>
+                  <a:schemeClr val="tx1"/>
+                </a:solidFill>
+                <a:effectLst/>
+                <a:latin typeface="+mn-lt"/>
+                <a:ea typeface="+mn-ea"/>
+                <a:cs typeface="+mn-cs"/>
+              </a:rPr>
+              <a:t>бквуы</a:t>
+            </a:r>
+            <a:r>
+              <a:rPr lang="ru-RU" sz="1200" b="1" i="0" kern="1200" dirty="0" smtClean="0">
+                <a:solidFill>
+                  <a:schemeClr val="tx1"/>
+                </a:solidFill>
+                <a:effectLst/>
+                <a:latin typeface="+mn-lt"/>
+                <a:ea typeface="+mn-ea"/>
+                <a:cs typeface="+mn-cs"/>
+              </a:rPr>
+              <a:t> </a:t>
+            </a:r>
+            <a:r>
+              <a:rPr lang="ru-RU" sz="1200" b="1" i="0" kern="1200" dirty="0" err="1" smtClean="0">
+                <a:solidFill>
+                  <a:schemeClr val="tx1"/>
+                </a:solidFill>
+                <a:effectLst/>
+                <a:latin typeface="+mn-lt"/>
+                <a:ea typeface="+mn-ea"/>
+                <a:cs typeface="+mn-cs"/>
+              </a:rPr>
+              <a:t>блыи</a:t>
+            </a:r>
+            <a:r>
+              <a:rPr lang="ru-RU" sz="1200" b="1" i="0" kern="1200" dirty="0" smtClean="0">
+                <a:solidFill>
+                  <a:schemeClr val="tx1"/>
+                </a:solidFill>
+                <a:effectLst/>
+                <a:latin typeface="+mn-lt"/>
+                <a:ea typeface="+mn-ea"/>
+                <a:cs typeface="+mn-cs"/>
+              </a:rPr>
+              <a:t> на </a:t>
+            </a:r>
+            <a:r>
+              <a:rPr lang="ru-RU" sz="1200" b="1" i="0" kern="1200" dirty="0" err="1" smtClean="0">
+                <a:solidFill>
+                  <a:schemeClr val="tx1"/>
+                </a:solidFill>
+                <a:effectLst/>
+                <a:latin typeface="+mn-lt"/>
+                <a:ea typeface="+mn-ea"/>
+                <a:cs typeface="+mn-cs"/>
+              </a:rPr>
+              <a:t>мсете</a:t>
+            </a:r>
+            <a:r>
+              <a:rPr lang="ru-RU" sz="1200" b="1" i="0" kern="1200" dirty="0" smtClean="0">
+                <a:solidFill>
+                  <a:schemeClr val="tx1"/>
+                </a:solidFill>
+                <a:effectLst/>
+                <a:latin typeface="+mn-lt"/>
+                <a:ea typeface="+mn-ea"/>
+                <a:cs typeface="+mn-cs"/>
+              </a:rPr>
+              <a:t>. </a:t>
+            </a:r>
+            <a:r>
+              <a:rPr lang="ru-RU" sz="1200" b="1" i="0" kern="1200" dirty="0" err="1" smtClean="0">
+                <a:solidFill>
+                  <a:schemeClr val="tx1"/>
+                </a:solidFill>
+                <a:effectLst/>
+                <a:latin typeface="+mn-lt"/>
+                <a:ea typeface="+mn-ea"/>
+                <a:cs typeface="+mn-cs"/>
+              </a:rPr>
+              <a:t>осатьлыне</a:t>
+            </a:r>
+            <a:r>
+              <a:rPr lang="ru-RU" sz="1200" b="1" i="0" kern="1200" dirty="0" smtClean="0">
+                <a:solidFill>
+                  <a:schemeClr val="tx1"/>
+                </a:solidFill>
+                <a:effectLst/>
+                <a:latin typeface="+mn-lt"/>
+                <a:ea typeface="+mn-ea"/>
+                <a:cs typeface="+mn-cs"/>
+              </a:rPr>
+              <a:t> </a:t>
+            </a:r>
+            <a:r>
+              <a:rPr lang="ru-RU" sz="1200" b="1" i="0" kern="1200" dirty="0" err="1" smtClean="0">
+                <a:solidFill>
+                  <a:schemeClr val="tx1"/>
+                </a:solidFill>
+                <a:effectLst/>
+                <a:latin typeface="+mn-lt"/>
+                <a:ea typeface="+mn-ea"/>
+                <a:cs typeface="+mn-cs"/>
+              </a:rPr>
+              <a:t>бкувы</a:t>
+            </a:r>
+            <a:r>
+              <a:rPr lang="ru-RU" sz="1200" b="1" i="0" kern="1200" dirty="0" smtClean="0">
+                <a:solidFill>
+                  <a:schemeClr val="tx1"/>
+                </a:solidFill>
+                <a:effectLst/>
+                <a:latin typeface="+mn-lt"/>
+                <a:ea typeface="+mn-ea"/>
+                <a:cs typeface="+mn-cs"/>
+              </a:rPr>
+              <a:t> </a:t>
+            </a:r>
+            <a:r>
+              <a:rPr lang="ru-RU" sz="1200" b="1" i="0" kern="1200" dirty="0" err="1" smtClean="0">
+                <a:solidFill>
+                  <a:schemeClr val="tx1"/>
+                </a:solidFill>
+                <a:effectLst/>
+                <a:latin typeface="+mn-lt"/>
+                <a:ea typeface="+mn-ea"/>
+                <a:cs typeface="+mn-cs"/>
+              </a:rPr>
+              <a:t>мгоут</a:t>
+            </a:r>
+            <a:r>
+              <a:rPr lang="ru-RU" sz="1200" b="1" i="0" kern="1200" dirty="0" smtClean="0">
+                <a:solidFill>
+                  <a:schemeClr val="tx1"/>
+                </a:solidFill>
+                <a:effectLst/>
+                <a:latin typeface="+mn-lt"/>
+                <a:ea typeface="+mn-ea"/>
+                <a:cs typeface="+mn-cs"/>
+              </a:rPr>
+              <a:t> </a:t>
+            </a:r>
+            <a:r>
+              <a:rPr lang="ru-RU" sz="1200" b="1" i="0" kern="1200" dirty="0" err="1" smtClean="0">
+                <a:solidFill>
+                  <a:schemeClr val="tx1"/>
+                </a:solidFill>
+                <a:effectLst/>
+                <a:latin typeface="+mn-lt"/>
+                <a:ea typeface="+mn-ea"/>
+                <a:cs typeface="+mn-cs"/>
+              </a:rPr>
+              <a:t>селдовтаь</a:t>
+            </a:r>
+            <a:r>
+              <a:rPr lang="ru-RU" sz="1200" b="1" i="0" kern="1200" dirty="0" smtClean="0">
+                <a:solidFill>
+                  <a:schemeClr val="tx1"/>
+                </a:solidFill>
+                <a:effectLst/>
+                <a:latin typeface="+mn-lt"/>
+                <a:ea typeface="+mn-ea"/>
+                <a:cs typeface="+mn-cs"/>
+              </a:rPr>
+              <a:t> в </a:t>
+            </a:r>
+            <a:r>
+              <a:rPr lang="ru-RU" sz="1200" b="1" i="0" kern="1200" dirty="0" err="1" smtClean="0">
+                <a:solidFill>
+                  <a:schemeClr val="tx1"/>
+                </a:solidFill>
+                <a:effectLst/>
+                <a:latin typeface="+mn-lt"/>
+                <a:ea typeface="+mn-ea"/>
+                <a:cs typeface="+mn-cs"/>
+              </a:rPr>
+              <a:t>плоонм</a:t>
+            </a:r>
+            <a:r>
+              <a:rPr lang="ru-RU" sz="1200" b="1" i="0" kern="1200" dirty="0" smtClean="0">
+                <a:solidFill>
+                  <a:schemeClr val="tx1"/>
+                </a:solidFill>
+                <a:effectLst/>
+                <a:latin typeface="+mn-lt"/>
+                <a:ea typeface="+mn-ea"/>
+                <a:cs typeface="+mn-cs"/>
+              </a:rPr>
+              <a:t> </a:t>
+            </a:r>
+            <a:r>
+              <a:rPr lang="ru-RU" sz="1200" b="1" i="0" kern="1200" dirty="0" err="1" smtClean="0">
+                <a:solidFill>
+                  <a:schemeClr val="tx1"/>
+                </a:solidFill>
+                <a:effectLst/>
+                <a:latin typeface="+mn-lt"/>
+                <a:ea typeface="+mn-ea"/>
+                <a:cs typeface="+mn-cs"/>
+              </a:rPr>
+              <a:t>бсепордяке</a:t>
+            </a:r>
+            <a:r>
+              <a:rPr lang="ru-RU" sz="1200" b="1" i="0" kern="1200" dirty="0" smtClean="0">
+                <a:solidFill>
+                  <a:schemeClr val="tx1"/>
+                </a:solidFill>
+                <a:effectLst/>
+                <a:latin typeface="+mn-lt"/>
+                <a:ea typeface="+mn-ea"/>
+                <a:cs typeface="+mn-cs"/>
+              </a:rPr>
+              <a:t>, все-рвано </a:t>
+            </a:r>
+            <a:r>
+              <a:rPr lang="ru-RU" sz="1200" b="1" i="0" kern="1200" dirty="0" err="1" smtClean="0">
+                <a:solidFill>
+                  <a:schemeClr val="tx1"/>
+                </a:solidFill>
+                <a:effectLst/>
+                <a:latin typeface="+mn-lt"/>
+                <a:ea typeface="+mn-ea"/>
+                <a:cs typeface="+mn-cs"/>
+              </a:rPr>
+              <a:t>ткест</a:t>
+            </a:r>
+            <a:r>
+              <a:rPr lang="ru-RU" sz="1200" b="1" i="0" kern="1200" dirty="0" smtClean="0">
+                <a:solidFill>
+                  <a:schemeClr val="tx1"/>
+                </a:solidFill>
+                <a:effectLst/>
+                <a:latin typeface="+mn-lt"/>
+                <a:ea typeface="+mn-ea"/>
+                <a:cs typeface="+mn-cs"/>
+              </a:rPr>
+              <a:t> </a:t>
+            </a:r>
+            <a:r>
+              <a:rPr lang="ru-RU" sz="1200" b="1" i="0" kern="1200" dirty="0" err="1" smtClean="0">
+                <a:solidFill>
+                  <a:schemeClr val="tx1"/>
+                </a:solidFill>
+                <a:effectLst/>
+                <a:latin typeface="+mn-lt"/>
+                <a:ea typeface="+mn-ea"/>
+                <a:cs typeface="+mn-cs"/>
+              </a:rPr>
+              <a:t>чтаитсея</a:t>
+            </a:r>
+            <a:r>
+              <a:rPr lang="ru-RU" sz="1200" b="1" i="0" kern="1200" dirty="0" smtClean="0">
+                <a:solidFill>
+                  <a:schemeClr val="tx1"/>
+                </a:solidFill>
+                <a:effectLst/>
+                <a:latin typeface="+mn-lt"/>
+                <a:ea typeface="+mn-ea"/>
+                <a:cs typeface="+mn-cs"/>
+              </a:rPr>
+              <a:t> без </a:t>
+            </a:r>
+            <a:r>
+              <a:rPr lang="ru-RU" sz="1200" b="1" i="0" kern="1200" dirty="0" err="1" smtClean="0">
+                <a:solidFill>
+                  <a:schemeClr val="tx1"/>
+                </a:solidFill>
+                <a:effectLst/>
+                <a:latin typeface="+mn-lt"/>
+                <a:ea typeface="+mn-ea"/>
+                <a:cs typeface="+mn-cs"/>
+              </a:rPr>
+              <a:t>побрелм</a:t>
+            </a:r>
+            <a:r>
+              <a:rPr lang="ru-RU" sz="1200" b="1" i="0" kern="1200" dirty="0" smtClean="0">
+                <a:solidFill>
+                  <a:schemeClr val="tx1"/>
+                </a:solidFill>
+                <a:effectLst/>
+                <a:latin typeface="+mn-lt"/>
+                <a:ea typeface="+mn-ea"/>
+                <a:cs typeface="+mn-cs"/>
+              </a:rPr>
+              <a:t>. </a:t>
+            </a:r>
+            <a:r>
+              <a:rPr lang="ru-RU" sz="1200" b="1" i="0" kern="1200" dirty="0" err="1" smtClean="0">
+                <a:solidFill>
+                  <a:schemeClr val="tx1"/>
+                </a:solidFill>
+                <a:effectLst/>
+                <a:latin typeface="+mn-lt"/>
+                <a:ea typeface="+mn-ea"/>
+                <a:cs typeface="+mn-cs"/>
+              </a:rPr>
+              <a:t>Пичрионй</a:t>
+            </a:r>
+            <a:r>
+              <a:rPr lang="ru-RU" sz="1200" b="1" i="0" kern="1200" dirty="0" smtClean="0">
+                <a:solidFill>
+                  <a:schemeClr val="tx1"/>
+                </a:solidFill>
+                <a:effectLst/>
+                <a:latin typeface="+mn-lt"/>
+                <a:ea typeface="+mn-ea"/>
+                <a:cs typeface="+mn-cs"/>
+              </a:rPr>
+              <a:t> </a:t>
+            </a:r>
+            <a:r>
+              <a:rPr lang="ru-RU" sz="1200" b="1" i="0" kern="1200" dirty="0" err="1" smtClean="0">
+                <a:solidFill>
+                  <a:schemeClr val="tx1"/>
+                </a:solidFill>
+                <a:effectLst/>
+                <a:latin typeface="+mn-lt"/>
+                <a:ea typeface="+mn-ea"/>
+                <a:cs typeface="+mn-cs"/>
+              </a:rPr>
+              <a:t>эгото</a:t>
+            </a:r>
+            <a:r>
+              <a:rPr lang="ru-RU" sz="1200" b="1" i="0" kern="1200" dirty="0" smtClean="0">
+                <a:solidFill>
+                  <a:schemeClr val="tx1"/>
+                </a:solidFill>
+                <a:effectLst/>
+                <a:latin typeface="+mn-lt"/>
+                <a:ea typeface="+mn-ea"/>
+                <a:cs typeface="+mn-cs"/>
+              </a:rPr>
+              <a:t> </a:t>
+            </a:r>
+            <a:r>
+              <a:rPr lang="ru-RU" sz="1200" b="1" i="0" kern="1200" dirty="0" err="1" smtClean="0">
+                <a:solidFill>
+                  <a:schemeClr val="tx1"/>
+                </a:solidFill>
+                <a:effectLst/>
+                <a:latin typeface="+mn-lt"/>
+                <a:ea typeface="+mn-ea"/>
+                <a:cs typeface="+mn-cs"/>
+              </a:rPr>
+              <a:t>ялвятеся</a:t>
+            </a:r>
+            <a:r>
+              <a:rPr lang="ru-RU" sz="1200" b="1" i="0" kern="1200" dirty="0" smtClean="0">
+                <a:solidFill>
+                  <a:schemeClr val="tx1"/>
+                </a:solidFill>
+                <a:effectLst/>
+                <a:latin typeface="+mn-lt"/>
+                <a:ea typeface="+mn-ea"/>
+                <a:cs typeface="+mn-cs"/>
+              </a:rPr>
+              <a:t> то, что мы не </a:t>
+            </a:r>
+            <a:r>
+              <a:rPr lang="ru-RU" sz="1200" b="1" i="0" kern="1200" dirty="0" err="1" smtClean="0">
+                <a:solidFill>
+                  <a:schemeClr val="tx1"/>
+                </a:solidFill>
+                <a:effectLst/>
+                <a:latin typeface="+mn-lt"/>
+                <a:ea typeface="+mn-ea"/>
+                <a:cs typeface="+mn-cs"/>
+              </a:rPr>
+              <a:t>чиаетм</a:t>
+            </a:r>
+            <a:r>
+              <a:rPr lang="ru-RU" sz="1200" b="1" i="0" kern="1200" dirty="0" smtClean="0">
+                <a:solidFill>
+                  <a:schemeClr val="tx1"/>
+                </a:solidFill>
+                <a:effectLst/>
+                <a:latin typeface="+mn-lt"/>
+                <a:ea typeface="+mn-ea"/>
+                <a:cs typeface="+mn-cs"/>
+              </a:rPr>
+              <a:t> </a:t>
+            </a:r>
+            <a:r>
+              <a:rPr lang="ru-RU" sz="1200" b="1" i="0" kern="1200" dirty="0" err="1" smtClean="0">
+                <a:solidFill>
+                  <a:schemeClr val="tx1"/>
+                </a:solidFill>
+                <a:effectLst/>
+                <a:latin typeface="+mn-lt"/>
+                <a:ea typeface="+mn-ea"/>
+                <a:cs typeface="+mn-cs"/>
+              </a:rPr>
+              <a:t>кдаужю</a:t>
+            </a:r>
+            <a:r>
+              <a:rPr lang="ru-RU" sz="1200" b="1" i="0" kern="1200" dirty="0" smtClean="0">
+                <a:solidFill>
+                  <a:schemeClr val="tx1"/>
+                </a:solidFill>
+                <a:effectLst/>
+                <a:latin typeface="+mn-lt"/>
+                <a:ea typeface="+mn-ea"/>
+                <a:cs typeface="+mn-cs"/>
+              </a:rPr>
+              <a:t> </a:t>
+            </a:r>
+            <a:r>
+              <a:rPr lang="ru-RU" sz="1200" b="1" i="0" kern="1200" dirty="0" err="1" smtClean="0">
+                <a:solidFill>
+                  <a:schemeClr val="tx1"/>
+                </a:solidFill>
+                <a:effectLst/>
+                <a:latin typeface="+mn-lt"/>
+                <a:ea typeface="+mn-ea"/>
+                <a:cs typeface="+mn-cs"/>
+              </a:rPr>
+              <a:t>бкуву</a:t>
+            </a:r>
+            <a:r>
+              <a:rPr lang="ru-RU" sz="1200" b="1" i="0" kern="1200" dirty="0" smtClean="0">
+                <a:solidFill>
+                  <a:schemeClr val="tx1"/>
+                </a:solidFill>
+                <a:effectLst/>
+                <a:latin typeface="+mn-lt"/>
+                <a:ea typeface="+mn-ea"/>
+                <a:cs typeface="+mn-cs"/>
+              </a:rPr>
+              <a:t> по </a:t>
+            </a:r>
+            <a:r>
+              <a:rPr lang="ru-RU" sz="1200" b="1" i="0" kern="1200" dirty="0" err="1" smtClean="0">
+                <a:solidFill>
+                  <a:schemeClr val="tx1"/>
+                </a:solidFill>
+                <a:effectLst/>
+                <a:latin typeface="+mn-lt"/>
+                <a:ea typeface="+mn-ea"/>
+                <a:cs typeface="+mn-cs"/>
+              </a:rPr>
+              <a:t>отдльенотси</a:t>
+            </a:r>
+            <a:r>
+              <a:rPr lang="ru-RU" sz="1200" b="1" i="0" kern="1200" dirty="0" smtClean="0">
+                <a:solidFill>
+                  <a:schemeClr val="tx1"/>
+                </a:solidFill>
+                <a:effectLst/>
+                <a:latin typeface="+mn-lt"/>
+                <a:ea typeface="+mn-ea"/>
+                <a:cs typeface="+mn-cs"/>
+              </a:rPr>
+              <a:t>, а все </a:t>
+            </a:r>
+            <a:r>
+              <a:rPr lang="ru-RU" sz="1200" b="1" i="0" kern="1200" dirty="0" err="1" smtClean="0">
+                <a:solidFill>
+                  <a:schemeClr val="tx1"/>
+                </a:solidFill>
+                <a:effectLst/>
+                <a:latin typeface="+mn-lt"/>
+                <a:ea typeface="+mn-ea"/>
+                <a:cs typeface="+mn-cs"/>
+              </a:rPr>
+              <a:t>солво</a:t>
+            </a:r>
+            <a:r>
+              <a:rPr lang="ru-RU" sz="1200" b="1" i="0" kern="1200" dirty="0" smtClean="0">
+                <a:solidFill>
+                  <a:schemeClr val="tx1"/>
+                </a:solidFill>
+                <a:effectLst/>
+                <a:latin typeface="+mn-lt"/>
+                <a:ea typeface="+mn-ea"/>
+                <a:cs typeface="+mn-cs"/>
+              </a:rPr>
+              <a:t> </a:t>
+            </a:r>
+            <a:r>
+              <a:rPr lang="ru-RU" sz="1200" b="1" i="0" kern="1200" dirty="0" err="1" smtClean="0">
+                <a:solidFill>
+                  <a:schemeClr val="tx1"/>
+                </a:solidFill>
+                <a:effectLst/>
+                <a:latin typeface="+mn-lt"/>
+                <a:ea typeface="+mn-ea"/>
+                <a:cs typeface="+mn-cs"/>
+              </a:rPr>
+              <a:t>цлиеком</a:t>
+            </a:r>
+            <a:r>
+              <a:rPr lang="ru-RU" sz="1200" b="1" i="0" kern="1200" dirty="0" smtClean="0">
+                <a:solidFill>
+                  <a:schemeClr val="tx1"/>
+                </a:solidFill>
+                <a:effectLst/>
+                <a:latin typeface="+mn-lt"/>
+                <a:ea typeface="+mn-ea"/>
+                <a:cs typeface="+mn-cs"/>
+              </a:rPr>
+              <a:t>.</a:t>
+            </a:r>
+            <a:r>
+              <a:rPr lang="ru-RU" sz="1200" b="0" i="0" kern="1200" baseline="0" dirty="0" smtClean="0">
+                <a:solidFill>
+                  <a:schemeClr val="tx1"/>
+                </a:solidFill>
+                <a:effectLst/>
+                <a:latin typeface="+mn-lt"/>
+                <a:ea typeface="+mn-ea"/>
+                <a:cs typeface="+mn-cs"/>
+              </a:rPr>
+              <a:t>»</a:t>
+            </a:r>
+            <a:endParaRPr lang="ru-RU" dirty="0" smtClean="0"/>
+          </a:p>
+          <a:p>
+            <a:r>
+              <a:rPr lang="ru-RU" dirty="0" smtClean="0"/>
+              <a:t>5. </a:t>
+            </a:r>
+            <a:r>
+              <a:rPr lang="en-US" sz="1200" b="0" i="0" kern="1200" dirty="0" smtClean="0">
+                <a:solidFill>
+                  <a:schemeClr val="tx1"/>
+                </a:solidFill>
+                <a:effectLst/>
+                <a:latin typeface="+mn-lt"/>
+                <a:ea typeface="+mn-ea"/>
+                <a:cs typeface="+mn-cs"/>
+              </a:rPr>
+              <a:t>private </a:t>
+            </a:r>
+            <a:r>
+              <a:rPr lang="en-US" sz="1200" b="1" i="0" kern="1200" dirty="0" smtClean="0">
+                <a:solidFill>
+                  <a:schemeClr val="tx1"/>
+                </a:solidFill>
+                <a:effectLst/>
+                <a:latin typeface="+mn-lt"/>
+                <a:ea typeface="+mn-ea"/>
+                <a:cs typeface="+mn-cs"/>
+              </a:rPr>
+              <a:t>static</a:t>
+            </a:r>
+            <a:r>
+              <a:rPr lang="en-US" sz="1200" b="0" i="0" kern="1200" dirty="0" smtClean="0">
+                <a:solidFill>
+                  <a:schemeClr val="tx1"/>
+                </a:solidFill>
+                <a:effectLst/>
+                <a:latin typeface="+mn-lt"/>
+                <a:ea typeface="+mn-ea"/>
+                <a:cs typeface="+mn-cs"/>
+              </a:rPr>
+              <a:t> </a:t>
+            </a:r>
+            <a:r>
+              <a:rPr lang="en-US" sz="1200" b="0" i="0" kern="1200" dirty="0" err="1" smtClean="0">
+                <a:solidFill>
+                  <a:schemeClr val="tx1"/>
+                </a:solidFill>
+                <a:effectLst/>
+                <a:latin typeface="+mn-lt"/>
+                <a:ea typeface="+mn-ea"/>
+                <a:cs typeface="+mn-cs"/>
+              </a:rPr>
+              <a:t>readonly</a:t>
+            </a:r>
+            <a:r>
+              <a:rPr lang="en-US" sz="1200" b="0" i="0" kern="1200" dirty="0" smtClean="0">
+                <a:solidFill>
+                  <a:schemeClr val="tx1"/>
+                </a:solidFill>
+                <a:effectLst/>
+                <a:latin typeface="+mn-lt"/>
+                <a:ea typeface="+mn-ea"/>
+                <a:cs typeface="+mn-cs"/>
+              </a:rPr>
+              <a:t> </a:t>
+            </a:r>
+            <a:r>
+              <a:rPr lang="en-US" sz="1200" b="0" i="0" kern="1200" dirty="0" err="1" smtClean="0">
+                <a:solidFill>
+                  <a:schemeClr val="tx1"/>
+                </a:solidFill>
+                <a:effectLst/>
+                <a:latin typeface="+mn-lt"/>
+                <a:ea typeface="+mn-ea"/>
+                <a:cs typeface="+mn-cs"/>
+              </a:rPr>
+              <a:t>IDictionary</a:t>
+            </a:r>
+            <a:r>
+              <a:rPr lang="en-US" sz="1200" b="0" i="0" kern="1200" dirty="0" smtClean="0">
+                <a:solidFill>
+                  <a:schemeClr val="tx1"/>
+                </a:solidFill>
+                <a:effectLst/>
+                <a:latin typeface="+mn-lt"/>
+                <a:ea typeface="+mn-ea"/>
+                <a:cs typeface="+mn-cs"/>
+              </a:rPr>
+              <a:t>&lt;string, </a:t>
+            </a:r>
+            <a:r>
+              <a:rPr lang="en-US" sz="1200" b="0" i="0" kern="1200" dirty="0" err="1" smtClean="0">
+                <a:solidFill>
+                  <a:schemeClr val="tx1"/>
+                </a:solidFill>
+                <a:effectLst/>
+                <a:latin typeface="+mn-lt"/>
+                <a:ea typeface="+mn-ea"/>
+                <a:cs typeface="+mn-cs"/>
+              </a:rPr>
+              <a:t>int</a:t>
+            </a:r>
+            <a:r>
+              <a:rPr lang="en-US" sz="1200" b="0" i="0" kern="1200" dirty="0" smtClean="0">
+                <a:solidFill>
+                  <a:schemeClr val="tx1"/>
+                </a:solidFill>
+                <a:effectLst/>
+                <a:latin typeface="+mn-lt"/>
+                <a:ea typeface="+mn-ea"/>
+                <a:cs typeface="+mn-cs"/>
+              </a:rPr>
+              <a:t>&gt; stats = new Dictionary&lt;string, </a:t>
+            </a:r>
+            <a:r>
+              <a:rPr lang="en-US" sz="1200" b="0" i="0" kern="1200" dirty="0" err="1" smtClean="0">
+                <a:solidFill>
+                  <a:schemeClr val="tx1"/>
+                </a:solidFill>
+                <a:effectLst/>
+                <a:latin typeface="+mn-lt"/>
+                <a:ea typeface="+mn-ea"/>
+                <a:cs typeface="+mn-cs"/>
+              </a:rPr>
+              <a:t>int</a:t>
+            </a:r>
+            <a:r>
+              <a:rPr lang="en-US" sz="1200" b="0" i="0" kern="1200" dirty="0" smtClean="0">
+                <a:solidFill>
+                  <a:schemeClr val="tx1"/>
+                </a:solidFill>
+                <a:effectLst/>
+                <a:latin typeface="+mn-lt"/>
+                <a:ea typeface="+mn-ea"/>
+                <a:cs typeface="+mn-cs"/>
+              </a:rPr>
+              <a:t>&gt;();</a:t>
+            </a:r>
+            <a:r>
+              <a:rPr lang="ru-RU" dirty="0" smtClean="0"/>
+              <a:t/>
+            </a:r>
+            <a:br>
+              <a:rPr lang="ru-RU" dirty="0" smtClean="0"/>
+            </a:br>
+            <a:r>
+              <a:rPr lang="ru-RU" dirty="0" smtClean="0"/>
+              <a:t>6. Много тестов, проверяющих</a:t>
+            </a:r>
+            <a:r>
+              <a:rPr lang="ru-RU" baseline="0" dirty="0" smtClean="0"/>
+              <a:t> одно и то же – плохо.</a:t>
+            </a:r>
+          </a:p>
+          <a:p>
+            <a:r>
+              <a:rPr lang="ru-RU" baseline="0" dirty="0" smtClean="0"/>
+              <a:t>Почему?</a:t>
+            </a:r>
+          </a:p>
+          <a:p>
+            <a:pPr marL="171450" indent="-171450">
+              <a:buFont typeface="Arial" panose="020B0604020202020204" pitchFamily="34" charset="0"/>
+              <a:buChar char="•"/>
+            </a:pPr>
+            <a:r>
+              <a:rPr lang="ru-RU" baseline="0" dirty="0" smtClean="0"/>
+              <a:t>Каждую колонку можно рассматривать как требование из спецификации. Мы живём в изменяющемся мире, условия меняются, требования меняются, соответственно тесты и реализация тоже должны меняться. Но когда у тебя 12 тестов, проверяющих одно и то же требование. То при изменении этого требования, придётся поменять 12 тестов. А если этих тестов 20? 100?..</a:t>
+            </a:r>
+          </a:p>
+        </p:txBody>
+      </p:sp>
+      <p:sp>
+        <p:nvSpPr>
+          <p:cNvPr id="4" name="Номер слайда 3"/>
+          <p:cNvSpPr>
+            <a:spLocks noGrp="1"/>
+          </p:cNvSpPr>
+          <p:nvPr>
+            <p:ph type="sldNum" sz="quarter" idx="10"/>
+          </p:nvPr>
+        </p:nvSpPr>
+        <p:spPr/>
+        <p:txBody>
+          <a:bodyPr/>
+          <a:lstStyle/>
+          <a:p>
+            <a:fld id="{3BAECB10-9972-4830-A584-02C41DAFD45B}" type="slidenum">
+              <a:rPr lang="ru-RU" smtClean="0"/>
+              <a:t>20</a:t>
+            </a:fld>
+            <a:endParaRPr lang="ru-RU"/>
+          </a:p>
+        </p:txBody>
+      </p:sp>
+    </p:spTree>
+    <p:extLst>
+      <p:ext uri="{BB962C8B-B14F-4D97-AF65-F5344CB8AC3E}">
+        <p14:creationId xmlns:p14="http://schemas.microsoft.com/office/powerpoint/2010/main" val="3738593691"/>
+      </p:ext>
+    </p:extLst>
+  </p:cSld>
+  <p:clrMapOvr>
+    <a:masterClrMapping/>
+  </p:clrMapOvr>
+</p:notes>
+</file>
+
 <file path=ppt/notesSlides/notesSlide2.xml><?xml version="1.0" encoding="utf-8"?>
+<p:notes xmlns:a="http://schemas.openxmlformats.org/drawingml/2006/main" xmlns:r="http://schemas.openxmlformats.org/officeDocument/2006/relationships" xmlns:p="http://schemas.openxmlformats.org/presentationml/2006/main">
+  <p:cSld>
+    <p:spTree>
+      <p:nvGrpSpPr>
+        <p:cNvPr id="1" name=""/>
+        <p:cNvGrpSpPr/>
+        <p:nvPr/>
+      </p:nvGrpSpPr>
+      <p:grpSpPr>
+        <a:xfrm>
+          <a:off x="0" y="0"/>
+          <a:ext cx="0" cy="0"/>
+          <a:chOff x="0" y="0"/>
+          <a:chExt cx="0" cy="0"/>
+        </a:xfrm>
+      </p:grpSpPr>
+      <p:sp>
+        <p:nvSpPr>
+          <p:cNvPr id="2" name="Образ слайда 1"/>
+          <p:cNvSpPr>
+            <a:spLocks noGrp="1" noRot="1" noChangeAspect="1"/>
+          </p:cNvSpPr>
+          <p:nvPr>
+            <p:ph type="sldImg"/>
+          </p:nvPr>
+        </p:nvSpPr>
+        <p:spPr/>
+      </p:sp>
+      <p:sp>
+        <p:nvSpPr>
+          <p:cNvPr id="3" name="Заметки 2"/>
+          <p:cNvSpPr>
+            <a:spLocks noGrp="1"/>
+          </p:cNvSpPr>
+          <p:nvPr>
+            <p:ph type="body" idx="1"/>
+          </p:nvPr>
+        </p:nvSpPr>
+        <p:spPr/>
+        <p:txBody>
+          <a:bodyPr/>
+          <a:lstStyle/>
+          <a:p>
+            <a:r>
+              <a:rPr lang="ru-RU" dirty="0" smtClean="0"/>
+              <a:t>Тесты,</a:t>
+            </a:r>
+            <a:r>
+              <a:rPr lang="ru-RU" baseline="0" dirty="0" smtClean="0"/>
+              <a:t> как и хороший код, должны рассказывать историю.</a:t>
+            </a:r>
+          </a:p>
+          <a:p>
+            <a:r>
+              <a:rPr lang="ru-RU" dirty="0" smtClean="0"/>
+              <a:t>Из</a:t>
+            </a:r>
+            <a:r>
+              <a:rPr lang="ru-RU" baseline="0" dirty="0" smtClean="0"/>
+              <a:t> названий тестов можно составить короткое описание функционала.</a:t>
+            </a:r>
+          </a:p>
+          <a:p>
+            <a:endParaRPr lang="ru-RU" dirty="0"/>
+          </a:p>
+        </p:txBody>
+      </p:sp>
+      <p:sp>
+        <p:nvSpPr>
+          <p:cNvPr id="4" name="Номер слайда 3"/>
+          <p:cNvSpPr>
+            <a:spLocks noGrp="1"/>
+          </p:cNvSpPr>
+          <p:nvPr>
+            <p:ph type="sldNum" sz="quarter" idx="10"/>
+          </p:nvPr>
+        </p:nvSpPr>
+        <p:spPr/>
+        <p:txBody>
+          <a:bodyPr/>
+          <a:lstStyle/>
+          <a:p>
+            <a:fld id="{3BAECB10-9972-4830-A584-02C41DAFD45B}" type="slidenum">
+              <a:rPr lang="ru-RU" smtClean="0"/>
+              <a:t>3</a:t>
+            </a:fld>
+            <a:endParaRPr lang="ru-RU"/>
+          </a:p>
+        </p:txBody>
+      </p:sp>
+    </p:spTree>
+    <p:extLst>
+      <p:ext uri="{BB962C8B-B14F-4D97-AF65-F5344CB8AC3E}">
+        <p14:creationId xmlns:p14="http://schemas.microsoft.com/office/powerpoint/2010/main" val="3953898186"/>
+      </p:ext>
+    </p:extLst>
+  </p:cSld>
+  <p:clrMapOvr>
+    <a:masterClrMapping/>
+  </p:clrMapOvr>
+</p:notes>
+</file>
+
+<file path=ppt/notesSlides/notesSlide3.xml><?xml version="1.0" encoding="utf-8"?>
 <p:notes xmlns:a="http://schemas.openxmlformats.org/drawingml/2006/main" xmlns:r="http://schemas.openxmlformats.org/officeDocument/2006/relationships" xmlns:p="http://schemas.openxmlformats.org/presentationml/2006/main">
   <p:cSld>
     <p:spTree>
@@ -7364,7 +9444,23 @@
             </a:r>
             <a:r>
               <a:rPr lang="ru-RU" baseline="0" dirty="0"/>
-              <a:t> повышает читаемость.</a:t>
+              <a:t> повышает </a:t>
+            </a:r>
+            <a:r>
+              <a:rPr lang="ru-RU" baseline="0" dirty="0" smtClean="0"/>
+              <a:t>читаемость, а </a:t>
+            </a:r>
+            <a:r>
+              <a:rPr lang="en-US" baseline="0" dirty="0" smtClean="0"/>
+              <a:t>=&gt;</a:t>
+            </a:r>
+            <a:r>
+              <a:rPr lang="ru-RU" baseline="0" dirty="0" smtClean="0"/>
+              <a:t> </a:t>
+            </a:r>
+            <a:r>
+              <a:rPr lang="ru-RU" baseline="0" dirty="0" err="1" smtClean="0"/>
+              <a:t>поддерживаемость</a:t>
             </a:r>
             <a:endParaRPr lang="ru-RU" dirty="0"/>
           </a:p>
@@ -7425,148 +9521,6 @@
     <p:extLst>
       <p:ext uri="{BB962C8B-B14F-4D97-AF65-F5344CB8AC3E}">
         <p14:creationId xmlns:p14="http://schemas.microsoft.com/office/powerpoint/2010/main" val="2285049775"/>
-      </p:ext>
-    </p:extLst>
-  </p:cSld>
-  <p:clrMapOvr>
-    <a:masterClrMapping/>
-  </p:clrMapOvr>
-</p:notes>
-</file>
-
-<file path=ppt/notesSlides/notesSlide3.xml><?xml version="1.0" encoding="utf-8"?>
-<p:notes xmlns:a="http://schemas.openxmlformats.org/drawingml/2006/main" xmlns:r="http://schemas.openxmlformats.org/officeDocument/2006/relationships" xmlns:p="http://schemas.openxmlformats.org/presentationml/2006/main">
-  <p:cSld>
-    <p:spTree>
-      <p:nvGrpSpPr>
-        <p:cNvPr id="1" name=""/>
-        <p:cNvGrpSpPr/>
-        <p:nvPr/>
-      </p:nvGrpSpPr>
-      <p:grpSpPr>
-        <a:xfrm>
-          <a:off x="0" y="0"/>
-          <a:ext cx="0" cy="0"/>
-          <a:chOff x="0" y="0"/>
-          <a:chExt cx="0" cy="0"/>
-        </a:xfrm>
-      </p:grpSpPr>
-      <p:sp>
-        <p:nvSpPr>
-          <p:cNvPr id="2" name="Образ слайда 1"/>
-          <p:cNvSpPr>
-            <a:spLocks noGrp="1" noRot="1" noChangeAspect="1"/>
-          </p:cNvSpPr>
-          <p:nvPr>
-            <p:ph type="sldImg"/>
-          </p:nvPr>
-        </p:nvSpPr>
-        <p:spPr/>
-      </p:sp>
-      <p:sp>
-        <p:nvSpPr>
-          <p:cNvPr id="3" name="Заметки 2"/>
-          <p:cNvSpPr>
-            <a:spLocks noGrp="1"/>
-          </p:cNvSpPr>
-          <p:nvPr>
-            <p:ph type="body" idx="1"/>
-          </p:nvPr>
-        </p:nvSpPr>
-        <p:spPr/>
-        <p:txBody>
-          <a:bodyPr/>
-          <a:lstStyle/>
-          <a:p>
-            <a:pPr marL="0" indent="0">
-              <a:buFont typeface="Arial" panose="020B0604020202020204" pitchFamily="34" charset="0"/>
-              <a:buNone/>
-            </a:pPr>
-            <a:r>
-              <a:rPr lang="en-US" dirty="0" err="1"/>
-              <a:t>MethodName</a:t>
-            </a:r>
-            <a:endParaRPr lang="en-US" dirty="0"/>
-          </a:p>
-          <a:p>
-            <a:pPr marL="0" indent="0">
-              <a:buFont typeface="Arial" panose="020B0604020202020204" pitchFamily="34" charset="0"/>
-              <a:buNone/>
-            </a:pPr>
-            <a:r>
-              <a:rPr lang="en-US" dirty="0"/>
-              <a:t>Preconditions</a:t>
-            </a:r>
-            <a:r>
-              <a:rPr lang="ru-RU" dirty="0"/>
-              <a:t> (</a:t>
-            </a:r>
-            <a:r>
-              <a:rPr lang="en-US" dirty="0"/>
-              <a:t>keyword</a:t>
-            </a:r>
-            <a:r>
-              <a:rPr lang="en-US" baseline="0" dirty="0"/>
-              <a:t> </a:t>
-            </a:r>
-            <a:r>
-              <a:rPr lang="en-US" dirty="0"/>
-              <a:t>Given)</a:t>
-            </a:r>
-          </a:p>
-          <a:p>
-            <a:pPr marL="0" indent="0">
-              <a:buFont typeface="Arial" panose="020B0604020202020204" pitchFamily="34" charset="0"/>
-              <a:buNone/>
-            </a:pPr>
-            <a:r>
-              <a:rPr lang="en-US" dirty="0"/>
-              <a:t>State (keyword When)</a:t>
-            </a:r>
-          </a:p>
-          <a:p>
-            <a:pPr marL="0" indent="0">
-              <a:buFont typeface="Arial" panose="020B0604020202020204" pitchFamily="34" charset="0"/>
-              <a:buNone/>
-            </a:pPr>
-            <a:r>
-              <a:rPr lang="en-US" dirty="0" err="1"/>
-              <a:t>ExpectedBehaviour</a:t>
-            </a:r>
-            <a:r>
-              <a:rPr lang="en-US" dirty="0"/>
-              <a:t> (keyword Should/Expect/Then)</a:t>
-            </a:r>
-          </a:p>
-        </p:txBody>
-      </p:sp>
-      <p:sp>
-        <p:nvSpPr>
-          <p:cNvPr id="4" name="Номер слайда 3"/>
-          <p:cNvSpPr>
-            <a:spLocks noGrp="1"/>
-          </p:cNvSpPr>
-          <p:nvPr>
-            <p:ph type="sldNum" sz="quarter" idx="10"/>
-          </p:nvPr>
-        </p:nvSpPr>
-        <p:spPr/>
-        <p:txBody>
-          <a:bodyPr/>
-          <a:lstStyle/>
-          <a:p>
-            <a:fld id="{3BAECB10-9972-4830-A584-02C41DAFD45B}" type="slidenum">
-              <a:rPr lang="ru-RU" smtClean="0"/>
-              <a:t>5</a:t>
-            </a:fld>
-            <a:endParaRPr lang="ru-RU"/>
-          </a:p>
-        </p:txBody>
-      </p:sp>
-    </p:spTree>
-    <p:extLst>
-      <p:ext uri="{BB962C8B-B14F-4D97-AF65-F5344CB8AC3E}">
-        <p14:creationId xmlns:p14="http://schemas.microsoft.com/office/powerpoint/2010/main" val="3838372683"/>
       </p:ext>
     </p:extLst>
   </p:cSld>
@@ -7620,25 +9574,64 @@
           <a:bodyPr/>
           <a:lstStyle/>
           <a:p>
+            <a:pPr marL="0" indent="0">
+              <a:buFont typeface="Arial" panose="020B0604020202020204" pitchFamily="34" charset="0"/>
+              <a:buNone/>
+            </a:pPr>
+            <a:r>
+              <a:rPr lang="en-US" dirty="0" err="1"/>
+              <a:t>MethodName</a:t>
+            </a:r>
+            <a:endParaRPr lang="en-US" dirty="0"/>
+          </a:p>
+          <a:p>
+            <a:pPr marL="0" indent="0">
+              <a:buFont typeface="Arial" panose="020B0604020202020204" pitchFamily="34" charset="0"/>
+              <a:buNone/>
+            </a:pPr>
+            <a:r>
+              <a:rPr lang="en-US" dirty="0"/>
+              <a:t>Preconditions</a:t>
+            </a:r>
             <a:r>
               <a:rPr lang="ru-RU" dirty="0"/>
-              <a:t>В</a:t>
-            </a:r>
-            <a:r>
-              <a:rPr lang="ru-RU" baseline="0" dirty="0"/>
+              <a:t> (</a:t>
+            </a:r>
+            <a:r>
+              <a:rPr lang="en-US" dirty="0"/>
+              <a:t>keyword</a:t>
+            </a:r>
+            <a:r>
+              <a:rPr lang="en-US" baseline="0" dirty="0"/>
               <a:t> </a:t>
             </a:r>
             <a:r>
-              <a:rPr lang="ru-RU" baseline="0" dirty="0" smtClean="0"/>
-              <a:t>каких именах чего </a:t>
-            </a:r>
-            <a:r>
-              <a:rPr lang="ru-RU" baseline="0" dirty="0"/>
-              <a:t>не </a:t>
-            </a:r>
-            <a:r>
-              <a:rPr lang="ru-RU" baseline="0" dirty="0" smtClean="0"/>
-              <a:t>хватает?</a:t>
+              <a:rPr lang="en-US" dirty="0"/>
+              <a:t>Given)</a:t>
+            </a:r>
+          </a:p>
+          <a:p>
+            <a:pPr marL="0" indent="0">
+              <a:buFont typeface="Arial" panose="020B0604020202020204" pitchFamily="34" charset="0"/>
+              <a:buNone/>
+            </a:pPr>
+            <a:r>
+              <a:rPr lang="en-US" dirty="0"/>
+              <a:t>State (keyword When)</a:t>
+            </a:r>
+          </a:p>
+          <a:p>
+            <a:pPr marL="0" indent="0">
+              <a:buFont typeface="Arial" panose="020B0604020202020204" pitchFamily="34" charset="0"/>
+              <a:buNone/>
+            </a:pPr>
+            <a:r>
+              <a:rPr lang="en-US" dirty="0" err="1"/>
+              <a:t>ExpectedBehaviour</a:t>
+            </a:r>
+            <a:r>
+              <a:rPr lang="en-US" dirty="0"/>
+              <a:t> (keyword Should/Expect/Then)</a:t>
             </a:r>
           </a:p>
         </p:txBody>
@@ -7660,7 +9653,7 @@
           <a:p>
             <a:fld id="{3BAECB10-9972-4830-A584-02C41DAFD45B}" type="slidenum">
               <a:rPr lang="ru-RU" smtClean="0"/>
-              <a:t>6</a:t>
+              <a:t>5</a:t>
             </a:fld>
             <a:endParaRPr lang="ru-RU"/>
           </a:p>
@@ -7669,7 +9662,7 @@
     </p:spTree>
     <p:extLst>
       <p:ext uri="{BB962C8B-B14F-4D97-AF65-F5344CB8AC3E}">
-        <p14:creationId xmlns:p14="http://schemas.microsoft.com/office/powerpoint/2010/main" val="2813128715"/>
+        <p14:creationId xmlns:p14="http://schemas.microsoft.com/office/powerpoint/2010/main" val="3838372683"/>
       </p:ext>
     </p:extLst>
   </p:cSld>
@@ -7724,105 +9717,25 @@
           <a:lstStyle/>
           <a:p>
             <a:r>
-              <a:rPr lang="en-US" dirty="0"/>
-              <a:t>Local</a:t>
-            </a:r>
-            <a:r>
-              <a:rPr lang="en-US" baseline="0" dirty="0"/>
-              <a:t> Hero – </a:t>
-            </a:r>
-            <a:r>
-              <a:rPr lang="ru-RU" baseline="0" dirty="0"/>
-              <a:t>не будет работать на других машинах</a:t>
-            </a:r>
-            <a:endParaRPr lang="ru-RU" dirty="0"/>
-          </a:p>
-          <a:p>
-            <a:r>
-              <a:rPr lang="en-US" dirty="0"/>
-              <a:t>Loudmouth </a:t>
-            </a:r>
-            <a:r>
               <a:rPr lang="ru-RU" dirty="0"/>
-              <a:t>(крикун) – тест не является автоматическим: что-то выводит, но </a:t>
-            </a:r>
-            <a:r>
-              <a:rPr lang="en-US" dirty="0"/>
-              <a:t>exception</a:t>
-            </a:r>
-            <a:r>
-              <a:rPr lang="ru-RU" dirty="0"/>
-              <a:t> не кидает</a:t>
-            </a:r>
-          </a:p>
-          <a:p>
-            <a:r>
-              <a:rPr lang="en-US" dirty="0"/>
-              <a:t>Free Ride – </a:t>
-            </a:r>
-            <a:r>
-              <a:rPr lang="ru-RU" dirty="0"/>
-              <a:t>тестируется все подряд (много</a:t>
+              <a:t>В</a:t>
             </a:r>
             <a:r>
               <a:rPr lang="ru-RU" baseline="0" dirty="0"/>
               <a:t> </a:t>
             </a:r>
             <a:r>
-              <a:rPr lang="en-US" baseline="0" dirty="0"/>
-              <a:t>act, </a:t>
+              <a:rPr lang="ru-RU" baseline="0" dirty="0" smtClean="0"/>
+              <a:t>каких именах чего </a:t>
             </a:r>
             <a:r>
               <a:rPr lang="ru-RU" baseline="0" dirty="0"/>
-              <a:t>много </a:t>
-            </a:r>
-            <a:r>
-              <a:rPr lang="en-US" baseline="0" dirty="0"/>
-              <a:t>assert)</a:t>
-            </a:r>
-            <a:endParaRPr lang="ru-RU" dirty="0"/>
-          </a:p>
-          <a:p>
-            <a:r>
-              <a:rPr lang="en-US" dirty="0"/>
-              <a:t>Over</a:t>
-            </a:r>
-            <a:r>
-              <a:rPr lang="en-US" baseline="0" dirty="0"/>
-              <a:t> specification – </a:t>
-            </a:r>
-            <a:r>
-              <a:rPr lang="ru-RU" baseline="0" dirty="0"/>
-              <a:t>создается одна ситуация, но в ней тестируется все (один </a:t>
-            </a:r>
-            <a:r>
-              <a:rPr lang="en-US" baseline="0" dirty="0"/>
-              <a:t>act, </a:t>
-            </a:r>
-            <a:r>
-              <a:rPr lang="ru-RU" baseline="0" dirty="0"/>
-              <a:t>много </a:t>
-            </a:r>
-            <a:r>
-              <a:rPr lang="en-US" baseline="0" dirty="0"/>
-              <a:t>assert)</a:t>
-            </a:r>
-            <a:endParaRPr lang="ru-RU" baseline="0" dirty="0"/>
-          </a:p>
-          <a:p>
-            <a:endParaRPr lang="ru-RU" baseline="0" dirty="0"/>
-          </a:p>
-          <a:p>
-            <a:r>
-              <a:rPr lang="ru-RU" baseline="0" dirty="0"/>
-              <a:t>Только хорошо написанные тесты могут служить спецификацией.</a:t>
-            </a:r>
-          </a:p>
-          <a:p>
-            <a:endParaRPr lang="en-US" baseline="0" dirty="0"/>
-          </a:p>
-          <a:p>
-            <a:endParaRPr lang="en-US" dirty="0"/>
+              <a:t>не </a:t>
+            </a:r>
+            <a:r>
+              <a:rPr lang="ru-RU" baseline="0" dirty="0" smtClean="0"/>
+              <a:t>хватает?</a:t>
+            </a:r>
           </a:p>
         </p:txBody>
       </p:sp>
@@ -7843,7 +9756,7 @@
           <a:p>
             <a:fld id="{3BAECB10-9972-4830-A584-02C41DAFD45B}" type="slidenum">
               <a:rPr lang="ru-RU" smtClean="0"/>
-              <a:t>9</a:t>
+              <a:t>6</a:t>
             </a:fld>
             <a:endParaRPr lang="ru-RU"/>
           </a:p>
@@ -7852,7 +9765,7 @@
     </p:spTree>
     <p:extLst>
       <p:ext uri="{BB962C8B-B14F-4D97-AF65-F5344CB8AC3E}">
-        <p14:creationId xmlns:p14="http://schemas.microsoft.com/office/powerpoint/2010/main" val="150544368"/>
+        <p14:creationId xmlns:p14="http://schemas.microsoft.com/office/powerpoint/2010/main" val="2813128715"/>
       </p:ext>
     </p:extLst>
   </p:cSld>
@@ -7907,13 +9820,104 @@
           <a:lstStyle/>
           <a:p>
             <a:r>
+              <a:rPr lang="en-US" dirty="0"/>
+              <a:t>Local</a:t>
+            </a:r>
+            <a:r>
+              <a:rPr lang="en-US" baseline="0" dirty="0"/>
+              <a:t> Hero – </a:t>
+            </a:r>
+            <a:r>
+              <a:rPr lang="ru-RU" baseline="0" dirty="0"/>
+              <a:t>не будет работать на других машинах</a:t>
+            </a:r>
+            <a:endParaRPr lang="ru-RU" dirty="0"/>
+          </a:p>
+          <a:p>
+            <a:r>
+              <a:rPr lang="en-US" dirty="0"/>
+              <a:t>Loudmouth </a:t>
+            </a:r>
+            <a:r>
               <a:rPr lang="ru-RU" dirty="0"/>
-              <a:t>Мартовский</a:t>
+              <a:t>(крикун) – тест не является автоматическим: что-то выводит, но </a:t>
+            </a:r>
+            <a:r>
+              <a:rPr lang="en-US" dirty="0"/>
+              <a:t>exception</a:t>
+            </a:r>
+            <a:r>
+              <a:rPr lang="ru-RU" dirty="0"/>
+              <a:t> не кидает</a:t>
+            </a:r>
+          </a:p>
+          <a:p>
+            <a:r>
+              <a:rPr lang="en-US" dirty="0"/>
+              <a:t>Free Ride – </a:t>
+            </a:r>
+            <a:r>
+              <a:rPr lang="ru-RU" dirty="0"/>
+              <a:t>тестируется все подряд (много</a:t>
             </a:r>
             <a:r>
               <a:rPr lang="ru-RU" baseline="0" dirty="0"/>
-              <a:t> кролик написал кучу реализаций, но не успел написать тесты…</a:t>
-            </a:r>
+              <a:t> </a:t>
+            </a:r>
+            <a:r>
+              <a:rPr lang="en-US" baseline="0" dirty="0"/>
+              <a:t>act, </a:t>
+            </a:r>
+            <a:r>
+              <a:rPr lang="ru-RU" baseline="0" dirty="0"/>
+              <a:t>много </a:t>
+            </a:r>
+            <a:r>
+              <a:rPr lang="en-US" baseline="0" dirty="0"/>
+              <a:t>assert)</a:t>
+            </a:r>
+            <a:endParaRPr lang="ru-RU" dirty="0"/>
+          </a:p>
+          <a:p>
+            <a:r>
+              <a:rPr lang="en-US" dirty="0"/>
+              <a:t>Over</a:t>
+            </a:r>
+            <a:r>
+              <a:rPr lang="en-US" baseline="0" dirty="0"/>
+              <a:t> specification – </a:t>
+            </a:r>
+            <a:r>
+              <a:rPr lang="ru-RU" baseline="0" dirty="0"/>
+              <a:t>создается одна ситуация, но в ней тестируется все (один </a:t>
+            </a:r>
+            <a:r>
+              <a:rPr lang="en-US" baseline="0" dirty="0"/>
+              <a:t>act, </a:t>
+            </a:r>
+            <a:r>
+              <a:rPr lang="ru-RU" baseline="0" dirty="0"/>
+              <a:t>много </a:t>
+            </a:r>
+            <a:r>
+              <a:rPr lang="en-US" baseline="0" dirty="0"/>
+              <a:t>assert)</a:t>
+            </a:r>
+            <a:endParaRPr lang="ru-RU" baseline="0" dirty="0"/>
+          </a:p>
+          <a:p>
+            <a:endParaRPr lang="ru-RU" baseline="0" dirty="0"/>
+          </a:p>
+          <a:p>
+            <a:r>
+              <a:rPr lang="ru-RU" baseline="0" dirty="0"/>
+              <a:t>Только хорошо написанные тесты могут служить спецификацией.</a:t>
+            </a:r>
+          </a:p>
+          <a:p>
+            <a:endParaRPr lang="en-US" baseline="0" dirty="0"/>
+          </a:p>
+          <a:p>
             <a:endParaRPr lang="en-US" dirty="0"/>
           </a:p>
         </p:txBody>
@@ -7935,7 +9939,7 @@
           <a:p>
             <a:fld id="{3BAECB10-9972-4830-A584-02C41DAFD45B}" type="slidenum">
               <a:rPr lang="ru-RU" smtClean="0"/>
-              <a:t>17</a:t>
+              <a:t>9</a:t>
             </a:fld>
             <a:endParaRPr lang="ru-RU"/>
           </a:p>
@@ -7944,7 +9948,7 @@
     </p:spTree>
     <p:extLst>
       <p:ext uri="{BB962C8B-B14F-4D97-AF65-F5344CB8AC3E}">
-        <p14:creationId xmlns:p14="http://schemas.microsoft.com/office/powerpoint/2010/main" val="2782064311"/>
+        <p14:creationId xmlns:p14="http://schemas.microsoft.com/office/powerpoint/2010/main" val="150544368"/>
       </p:ext>
     </p:extLst>
   </p:cSld>
@@ -7998,7 +10002,254 @@
           <a:bodyPr/>
           <a:lstStyle/>
           <a:p>
-            <a:endParaRPr lang="ru-RU" dirty="0"/>
+            <a:pPr marL="0" marR="0" lvl="0" indent="0" algn="l" defTabSz="914400" rtl="0" eaLnBrk="1" fontAlgn="auto" latinLnBrk="0" hangingPunct="1">
+              <a:lnSpc>
+                <a:spcPct val="100000"/>
+              </a:lnSpc>
+              <a:spcBef>
+                <a:spcPts val="0"/>
+              </a:spcBef>
+              <a:spcAft>
+                <a:spcPts val="0"/>
+              </a:spcAft>
+              <a:buClrTx/>
+              <a:buSzTx/>
+              <a:buFontTx/>
+              <a:buNone/>
+              <a:tabLst/>
+              <a:defRPr/>
+            </a:pPr>
+            <a:endParaRPr lang="ru-RU" dirty="0" smtClean="0"/>
+          </a:p>
+          <a:p>
+            <a:pPr marL="0" marR="0" lvl="0" indent="0" algn="l" defTabSz="914400" rtl="0" eaLnBrk="1" fontAlgn="auto" latinLnBrk="0" hangingPunct="1">
+              <a:lnSpc>
+                <a:spcPct val="100000"/>
+              </a:lnSpc>
+              <a:spcBef>
+                <a:spcPts val="0"/>
+              </a:spcBef>
+              <a:spcAft>
+                <a:spcPts val="0"/>
+              </a:spcAft>
+              <a:buClrTx/>
+              <a:buSzTx/>
+              <a:buFontTx/>
+              <a:buNone/>
+              <a:tabLst/>
+              <a:defRPr/>
+            </a:pPr>
+            <a:r>
+              <a:rPr lang="ru-RU" dirty="0" err="1" smtClean="0"/>
+              <a:t>Аттрибуты</a:t>
+            </a:r>
+            <a:r>
+              <a:rPr lang="ru-RU" dirty="0" smtClean="0"/>
+              <a:t> </a:t>
+            </a:r>
+            <a:r>
+              <a:rPr lang="en-US" dirty="0" err="1" smtClean="0"/>
+              <a:t>TestCase</a:t>
+            </a:r>
+            <a:r>
+              <a:rPr lang="ru-RU" dirty="0" smtClean="0"/>
+              <a:t> и</a:t>
+            </a:r>
+            <a:r>
+              <a:rPr lang="en-US" dirty="0" smtClean="0"/>
+              <a:t> </a:t>
+            </a:r>
+            <a:r>
+              <a:rPr lang="en-US" dirty="0" err="1" smtClean="0"/>
+              <a:t>TestCaseSource</a:t>
+            </a:r>
+            <a:r>
+              <a:rPr lang="ru-RU" dirty="0" smtClean="0"/>
+              <a:t> в </a:t>
+            </a:r>
+            <a:r>
+              <a:rPr lang="en-US" dirty="0" err="1" smtClean="0"/>
+              <a:t>nUnit</a:t>
+            </a:r>
+            <a:endParaRPr lang="en-US" dirty="0" smtClean="0"/>
+          </a:p>
+          <a:p>
+            <a:pPr marL="0" marR="0" lvl="0" indent="0" algn="l" defTabSz="914400" rtl="0" eaLnBrk="1" fontAlgn="auto" latinLnBrk="0" hangingPunct="1">
+              <a:lnSpc>
+                <a:spcPct val="100000"/>
+              </a:lnSpc>
+              <a:spcBef>
+                <a:spcPts val="0"/>
+              </a:spcBef>
+              <a:spcAft>
+                <a:spcPts val="0"/>
+              </a:spcAft>
+              <a:buClrTx/>
+              <a:buSzTx/>
+              <a:buFontTx/>
+              <a:buNone/>
+              <a:tabLst/>
+              <a:defRPr/>
+            </a:pPr>
+            <a:endParaRPr lang="en-US" dirty="0" smtClean="0"/>
+          </a:p>
+          <a:p>
+            <a:pPr marL="0" marR="0" lvl="0" indent="0" algn="l" defTabSz="914400" rtl="0" eaLnBrk="1" fontAlgn="auto" latinLnBrk="0" hangingPunct="1">
+              <a:lnSpc>
+                <a:spcPct val="100000"/>
+              </a:lnSpc>
+              <a:spcBef>
+                <a:spcPts val="0"/>
+              </a:spcBef>
+              <a:spcAft>
+                <a:spcPts val="0"/>
+              </a:spcAft>
+              <a:buClrTx/>
+              <a:buSzTx/>
+              <a:buFontTx/>
+              <a:buNone/>
+              <a:tabLst/>
+              <a:defRPr/>
+            </a:pPr>
+            <a:r>
+              <a:rPr lang="ru-RU" dirty="0" smtClean="0"/>
+              <a:t>С</a:t>
+            </a:r>
+            <a:r>
+              <a:rPr lang="ru-RU" baseline="0" dirty="0" smtClean="0"/>
+              <a:t> ними можно:</a:t>
+            </a:r>
+          </a:p>
+          <a:p>
+            <a:pPr marL="171450" marR="0" lvl="0" indent="-171450" algn="l" defTabSz="914400" rtl="0" eaLnBrk="1" fontAlgn="auto" latinLnBrk="0" hangingPunct="1">
+              <a:lnSpc>
+                <a:spcPct val="100000"/>
+              </a:lnSpc>
+              <a:spcBef>
+                <a:spcPts val="0"/>
+              </a:spcBef>
+              <a:spcAft>
+                <a:spcPts val="0"/>
+              </a:spcAft>
+              <a:buClrTx/>
+              <a:buSzTx/>
+              <a:buFont typeface="Arial" panose="020B0604020202020204" pitchFamily="34" charset="0"/>
+              <a:buChar char="•"/>
+              <a:tabLst/>
+              <a:defRPr/>
+            </a:pPr>
+            <a:r>
+              <a:rPr lang="ru-RU" baseline="0" dirty="0" smtClean="0"/>
+              <a:t>Красиво называть тесты</a:t>
+            </a:r>
+          </a:p>
+          <a:p>
+            <a:pPr marL="171450" marR="0" lvl="0" indent="-171450" algn="l" defTabSz="914400" rtl="0" eaLnBrk="1" fontAlgn="auto" latinLnBrk="0" hangingPunct="1">
+              <a:lnSpc>
+                <a:spcPct val="100000"/>
+              </a:lnSpc>
+              <a:spcBef>
+                <a:spcPts val="0"/>
+              </a:spcBef>
+              <a:spcAft>
+                <a:spcPts val="0"/>
+              </a:spcAft>
+              <a:buClrTx/>
+              <a:buSzTx/>
+              <a:buFont typeface="Arial" panose="020B0604020202020204" pitchFamily="34" charset="0"/>
+              <a:buChar char="•"/>
+              <a:tabLst/>
+              <a:defRPr/>
+            </a:pPr>
+            <a:r>
+              <a:rPr lang="ru-RU" baseline="0" dirty="0" smtClean="0"/>
+              <a:t>Указать ожидаемый результат и получать его из теста. (</a:t>
+            </a:r>
+            <a:r>
+              <a:rPr lang="en-US" sz="1200" b="0" i="0" kern="1200" dirty="0" err="1" smtClean="0">
+                <a:solidFill>
+                  <a:schemeClr val="tx1"/>
+                </a:solidFill>
+                <a:effectLst/>
+                <a:latin typeface="+mn-lt"/>
+                <a:ea typeface="+mn-ea"/>
+                <a:cs typeface="+mn-cs"/>
+              </a:rPr>
+              <a:t>withInvariantCulture_parse</a:t>
+            </a:r>
+            <a:r>
+              <a:rPr lang="en-US" sz="1200" b="0" i="0" kern="1200" dirty="0" smtClean="0">
+                <a:solidFill>
+                  <a:schemeClr val="tx1"/>
+                </a:solidFill>
+                <a:effectLst/>
+                <a:latin typeface="+mn-lt"/>
+                <a:ea typeface="+mn-ea"/>
+                <a:cs typeface="+mn-cs"/>
+              </a:rPr>
+              <a:t>(string input)</a:t>
+            </a:r>
+            <a:r>
+              <a:rPr lang="ru-RU" sz="1200" b="0" i="0" kern="1200" dirty="0" smtClean="0">
+                <a:solidFill>
+                  <a:schemeClr val="tx1"/>
+                </a:solidFill>
+                <a:effectLst/>
+                <a:latin typeface="+mn-lt"/>
+                <a:ea typeface="+mn-ea"/>
+                <a:cs typeface="+mn-cs"/>
+              </a:rPr>
+              <a:t> возвращает </a:t>
+            </a:r>
+            <a:r>
+              <a:rPr lang="en-US" sz="1200" b="0" i="0" kern="1200" dirty="0" smtClean="0">
+                <a:solidFill>
+                  <a:schemeClr val="tx1"/>
+                </a:solidFill>
+                <a:effectLst/>
+                <a:latin typeface="+mn-lt"/>
+                <a:ea typeface="+mn-ea"/>
+                <a:cs typeface="+mn-cs"/>
+              </a:rPr>
+              <a:t>double</a:t>
+            </a:r>
+            <a:r>
+              <a:rPr lang="ru-RU" sz="1200" b="0" i="0" kern="1200" dirty="0" smtClean="0">
+                <a:solidFill>
+                  <a:schemeClr val="tx1"/>
+                </a:solidFill>
+                <a:effectLst/>
+                <a:latin typeface="+mn-lt"/>
+                <a:ea typeface="+mn-ea"/>
+                <a:cs typeface="+mn-cs"/>
+              </a:rPr>
+              <a:t>,</a:t>
+            </a:r>
+            <a:r>
+              <a:rPr lang="ru-RU" sz="1200" b="0" i="0" kern="1200" baseline="0" dirty="0" smtClean="0">
+                <a:solidFill>
+                  <a:schemeClr val="tx1"/>
+                </a:solidFill>
+                <a:effectLst/>
+                <a:latin typeface="+mn-lt"/>
+                <a:ea typeface="+mn-ea"/>
+                <a:cs typeface="+mn-cs"/>
+              </a:rPr>
+              <a:t> а не </a:t>
+            </a:r>
+            <a:r>
+              <a:rPr lang="en-US" sz="1200" b="0" i="0" kern="1200" baseline="0" dirty="0" smtClean="0">
+                <a:solidFill>
+                  <a:schemeClr val="tx1"/>
+                </a:solidFill>
+                <a:effectLst/>
+                <a:latin typeface="+mn-lt"/>
+                <a:ea typeface="+mn-ea"/>
+                <a:cs typeface="+mn-cs"/>
+              </a:rPr>
+              <a:t>void)</a:t>
+            </a:r>
+            <a:endParaRPr lang="ru-RU" baseline="0" dirty="0" smtClean="0"/>
           </a:p>
         </p:txBody>
       </p:sp>
@@ -8019,7 +10270,7 @@
           <a:p>
             <a:fld id="{3BAECB10-9972-4830-A584-02C41DAFD45B}" type="slidenum">
               <a:rPr lang="ru-RU" smtClean="0"/>
-              <a:t>18</a:t>
+              <a:t>12</a:t>
             </a:fld>
             <a:endParaRPr lang="ru-RU"/>
           </a:p>
@@ -8028,7 +10279,207 @@
     </p:spTree>
     <p:extLst>
       <p:ext uri="{BB962C8B-B14F-4D97-AF65-F5344CB8AC3E}">
-        <p14:creationId xmlns:p14="http://schemas.microsoft.com/office/powerpoint/2010/main" val="3454826708"/>
+        <p14:creationId xmlns:p14="http://schemas.microsoft.com/office/powerpoint/2010/main" val="3407484980"/>
+      </p:ext>
+    </p:extLst>
+  </p:cSld>
+  <p:clrMapOvr>
+    <a:masterClrMapping/>
+  </p:clrMapOvr>
+</p:notes>
+</file>
+
+<file path=ppt/notesSlides/notesSlide8.xml><?xml version="1.0" encoding="utf-8"?>
+<p:notes xmlns:a="http://schemas.openxmlformats.org/drawingml/2006/main" xmlns:r="http://schemas.openxmlformats.org/officeDocument/2006/relationships" xmlns:p="http://schemas.openxmlformats.org/presentationml/2006/main">
+  <p:cSld>
+    <p:spTree>
+      <p:nvGrpSpPr>
+        <p:cNvPr id="1" name=""/>
+        <p:cNvGrpSpPr/>
+        <p:nvPr/>
+      </p:nvGrpSpPr>
+      <p:grpSpPr>
+        <a:xfrm>
+          <a:off x="0" y="0"/>
+          <a:ext cx="0" cy="0"/>
+          <a:chOff x="0" y="0"/>
+          <a:chExt cx="0" cy="0"/>
+        </a:xfrm>
+      </p:grpSpPr>
+      <p:sp>
+        <p:nvSpPr>
+          <p:cNvPr id="2" name="Образ слайда 1"/>
+          <p:cNvSpPr>
+            <a:spLocks noGrp="1" noRot="1" noChangeAspect="1"/>
+          </p:cNvSpPr>
+          <p:nvPr>
+            <p:ph type="sldImg"/>
+          </p:nvPr>
+        </p:nvSpPr>
+        <p:spPr/>
+      </p:sp>
+      <p:sp>
+        <p:nvSpPr>
+          <p:cNvPr id="3" name="Заметки 2"/>
+          <p:cNvSpPr>
+            <a:spLocks noGrp="1"/>
+          </p:cNvSpPr>
+          <p:nvPr>
+            <p:ph type="body" idx="1"/>
+          </p:nvPr>
+        </p:nvSpPr>
+        <p:spPr/>
+        <p:txBody>
+          <a:bodyPr/>
+          <a:lstStyle/>
+          <a:p>
+            <a:r>
+              <a:rPr lang="ru-RU" dirty="0" smtClean="0"/>
+              <a:t>- : Достаточно</a:t>
+            </a:r>
+            <a:r>
+              <a:rPr lang="ru-RU" baseline="0" dirty="0" smtClean="0"/>
+              <a:t> грубая проверка производительности.</a:t>
+            </a:r>
+          </a:p>
+          <a:p>
+            <a:r>
+              <a:rPr lang="ru-RU" baseline="0" dirty="0" smtClean="0"/>
+              <a:t>+ : Помогает обнаружить изъяны в реализации.</a:t>
+            </a:r>
+          </a:p>
+          <a:p>
+            <a:endParaRPr lang="ru-RU" dirty="0"/>
+          </a:p>
+        </p:txBody>
+      </p:sp>
+      <p:sp>
+        <p:nvSpPr>
+          <p:cNvPr id="4" name="Номер слайда 3"/>
+          <p:cNvSpPr>
+            <a:spLocks noGrp="1"/>
+          </p:cNvSpPr>
+          <p:nvPr>
+            <p:ph type="sldNum" sz="quarter" idx="10"/>
+          </p:nvPr>
+        </p:nvSpPr>
+        <p:spPr/>
+        <p:txBody>
+          <a:bodyPr/>
+          <a:lstStyle/>
+          <a:p>
+            <a:fld id="{3BAECB10-9972-4830-A584-02C41DAFD45B}" type="slidenum">
+              <a:rPr lang="ru-RU" smtClean="0"/>
+              <a:t>13</a:t>
+            </a:fld>
+            <a:endParaRPr lang="ru-RU"/>
+          </a:p>
+        </p:txBody>
+      </p:sp>
+    </p:spTree>
+    <p:extLst>
+      <p:ext uri="{BB962C8B-B14F-4D97-AF65-F5344CB8AC3E}">
+        <p14:creationId xmlns:p14="http://schemas.microsoft.com/office/powerpoint/2010/main" val="2929866659"/>
+      </p:ext>
+    </p:extLst>
+  </p:cSld>
+  <p:clrMapOvr>
+    <a:masterClrMapping/>
+  </p:clrMapOvr>
+</p:notes>
+</file>
+
+<file path=ppt/notesSlides/notesSlide9.xml><?xml version="1.0" encoding="utf-8"?>
+<p:notes xmlns:a="http://schemas.openxmlformats.org/drawingml/2006/main" xmlns:r="http://schemas.openxmlformats.org/officeDocument/2006/relationships" xmlns:p="http://schemas.openxmlformats.org/presentationml/2006/main">
+  <p:cSld>
+    <p:spTree>
+      <p:nvGrpSpPr>
+        <p:cNvPr id="1" name=""/>
+        <p:cNvGrpSpPr/>
+        <p:nvPr/>
+      </p:nvGrpSpPr>
+      <p:grpSpPr>
+        <a:xfrm>
+          <a:off x="0" y="0"/>
+          <a:ext cx="0" cy="0"/>
+          <a:chOff x="0" y="0"/>
+          <a:chExt cx="0" cy="0"/>
+        </a:xfrm>
+      </p:grpSpPr>
+      <p:sp>
+        <p:nvSpPr>
+          <p:cNvPr id="2" name="Образ слайда 1"/>
+          <p:cNvSpPr>
+            <a:spLocks noGrp="1" noRot="1" noChangeAspect="1"/>
+          </p:cNvSpPr>
+          <p:nvPr>
+            <p:ph type="sldImg"/>
+          </p:nvPr>
+        </p:nvSpPr>
+        <p:spPr/>
+      </p:sp>
+      <p:sp>
+        <p:nvSpPr>
+          <p:cNvPr id="3" name="Заметки 2"/>
+          <p:cNvSpPr>
+            <a:spLocks noGrp="1"/>
+          </p:cNvSpPr>
+          <p:nvPr>
+            <p:ph type="body" idx="1"/>
+          </p:nvPr>
+        </p:nvSpPr>
+        <p:spPr/>
+        <p:txBody>
+          <a:bodyPr/>
+          <a:lstStyle/>
+          <a:p>
+            <a:r>
+              <a:rPr lang="ru-RU" dirty="0" smtClean="0"/>
+              <a:t>Неочевидный</a:t>
+            </a:r>
+            <a:r>
+              <a:rPr lang="ru-RU" baseline="0" dirty="0" smtClean="0"/>
+              <a:t> синтаксис у </a:t>
+            </a:r>
+            <a:r>
+              <a:rPr lang="en-US" baseline="0" dirty="0" smtClean="0"/>
+              <a:t>Assert</a:t>
+            </a:r>
+            <a:r>
+              <a:rPr lang="ru-RU" baseline="0" dirty="0" smtClean="0"/>
+              <a:t>.</a:t>
+            </a:r>
+            <a:endParaRPr lang="ru-RU" dirty="0"/>
+          </a:p>
+        </p:txBody>
+      </p:sp>
+      <p:sp>
+        <p:nvSpPr>
+          <p:cNvPr id="4" name="Номер слайда 3"/>
+          <p:cNvSpPr>
+            <a:spLocks noGrp="1"/>
+          </p:cNvSpPr>
+          <p:nvPr>
+            <p:ph type="sldNum" sz="quarter" idx="10"/>
+          </p:nvPr>
+        </p:nvSpPr>
+        <p:spPr/>
+        <p:txBody>
+          <a:bodyPr/>
+          <a:lstStyle/>
+          <a:p>
+            <a:fld id="{3BAECB10-9972-4830-A584-02C41DAFD45B}" type="slidenum">
+              <a:rPr lang="ru-RU" smtClean="0"/>
+              <a:t>14</a:t>
+            </a:fld>
+            <a:endParaRPr lang="ru-RU"/>
+          </a:p>
+        </p:txBody>
+      </p:sp>
+    </p:spTree>
+    <p:extLst>
+      <p:ext uri="{BB962C8B-B14F-4D97-AF65-F5344CB8AC3E}">
+        <p14:creationId xmlns:p14="http://schemas.microsoft.com/office/powerpoint/2010/main" val="2355226439"/>
       </p:ext>
     </p:extLst>
   </p:cSld>
@@ -12418,6 +14869,8 @@
               <a:rPr lang="ru-RU" dirty="0" smtClean="0"/>
               <a:t>-ы</a:t>
             </a:r>
+          </a:p>
+          <a:p>
             <a:endParaRPr lang="en-US" dirty="0" smtClean="0"/>
           </a:p>
           <a:p>
@@ -12461,11 +14914,11 @@
   <p:clrMapOvr>
     <a:masterClrMapping/>
   </p:clrMapOvr>
-  <mc:AlternateContent xmlns:mc="http://schemas.openxmlformats.org/markup-compatibility/2006">
-    <mc:Choice xmlns:p14="http://schemas.microsoft.com/office/powerpoint/2010/main" Requires="p14">
+  <mc:AlternateContent xmlns:mc="http://schemas.openxmlformats.org/markup-compatibility/2006" xmlns:p14="http://schemas.microsoft.com/office/powerpoint/2010/main">
+    <mc:Choice Requires="p14">
       <p:transition spd="slow" p14:dur="2000"/>
     </mc:Choice>
-    <mc:Fallback>
+    <mc:Fallback xmlns="">
       <p:transition spd="slow"/>
     </mc:Fallback>
   </mc:AlternateContent>
@@ -12608,7 +15061,7 @@
             <p:nvPr/>
           </p:nvPicPr>
           <p:blipFill>
-            <a:blip r:embed="rId2" cstate="print">
+            <a:blip r:embed="rId3" cstate="print">
               <a:duotone>
                 <a:schemeClr val="accent1">
                   <a:shade val="45000"/>
@@ -13076,11 +15529,7 @@
             </a:pPr>
             <a:r>
               <a:rPr lang="ru-RU" dirty="0" smtClean="0"/>
-              <a:t>Неудачн</a:t>
-            </a:r>
-            <a:r>
-              <a:rPr lang="ru-RU" dirty="0" smtClean="0"/>
-              <a:t>ое </a:t>
+              <a:t>Неудачное </a:t>
             </a:r>
             <a:r>
               <a:rPr lang="en-US" dirty="0" smtClean="0"/>
@@ -13491,12 +15940,16 @@
               <a:t>	.</a:t>
             </a:r>
             <a:r>
-              <a:rPr lang="en-US" dirty="0" err="1"/>
+              <a:rPr lang="en-US" dirty="0" err="1" smtClean="0"/>
               <a:t>ShouldAllBeEquivalentTo</a:t>
             </a:r>
             <a:r>
+              <a:rPr lang="en-US" dirty="0" smtClean="0"/>
+              <a:t>(new </a:t>
+            </a:r>
+            <a:r>
               <a:rPr lang="en-US" dirty="0"/>
-              <a:t>(new [] {3,2,1});</a:t>
+              <a:t>[] {3,2,1});</a:t>
             </a:r>
             <a:br>
               <a:rPr lang="en-US" dirty="0"/>
@@ -13527,23 +15980,35 @@
               <a:t>	.</a:t>
             </a:r>
             <a:r>
-              <a:rPr lang="en-US" dirty="0" err="1"/>
+              <a:rPr lang="en-US" dirty="0" err="1" smtClean="0"/>
               <a:t>ShouldAllBeEquivalentTo</a:t>
             </a:r>
             <a:r>
+              <a:rPr lang="en-US" dirty="0" smtClean="0"/>
+              <a:t>(new </a:t>
+            </a:r>
+            <a:r>
               <a:rPr lang="en-US" dirty="0"/>
-              <a:t>(new [] {1,2,3}, </a:t>
+              <a:t>[] {1,2,3}, </a:t>
             </a:r>
             <a:br>
               <a:rPr lang="en-US" dirty="0"/>
             </a:br>
             <a:r>
               <a:rPr lang="en-US" dirty="0"/>
-              <a:t>		o =&gt; </a:t>
-            </a:r>
-            <a:r>
-              <a:rPr lang="en-US" dirty="0" err="1"/>
-              <a:t>o.WithStrictOrdering</a:t>
+              <a:t>		</a:t>
+            </a:r>
+            <a:r>
+              <a:rPr lang="en-US" dirty="0" smtClean="0"/>
+              <a:t>options </a:t>
+            </a:r>
+            <a:r>
+              <a:rPr lang="en-US" dirty="0"/>
+              <a:t>=&gt; </a:t>
+            </a:r>
+            <a:r>
+              <a:rPr lang="en-US" dirty="0" err="1" smtClean="0"/>
+              <a:t>options.WithStrictOrdering</a:t>
             </a:r>
             <a:r>
               <a:rPr lang="en-US" dirty="0"/>
@@ -13597,11 +16062,11 @@
   <p:clrMapOvr>
     <a:masterClrMapping/>
   </p:clrMapOvr>
-  <mc:AlternateContent xmlns:mc="http://schemas.openxmlformats.org/markup-compatibility/2006">
-    <mc:Choice xmlns:p14="http://schemas.microsoft.com/office/powerpoint/2010/main" Requires="p14">
+  <mc:AlternateContent xmlns:mc="http://schemas.openxmlformats.org/markup-compatibility/2006" xmlns:p14="http://schemas.microsoft.com/office/powerpoint/2010/main">
+    <mc:Choice Requires="p14">
       <p:transition spd="slow" p14:dur="2000"/>
     </mc:Choice>
-    <mc:Fallback>
+    <mc:Fallback xmlns="">
       <p:transition spd="slow"/>
     </mc:Fallback>
   </mc:AlternateContent>
@@ -14572,7 +17037,7 @@
               <a:t>Overspecification</a:t>
             </a:r>
             <a:r>
-              <a:rPr lang="en-US"/>
+              <a:rPr lang="en-US" dirty="0"/>
               <a:t>)</a:t>
             </a:r>
             <a:endParaRPr lang="ru-RU" dirty="0"/>
@@ -15271,34 +17736,7 @@
                 </a:solidFill>
                 <a:latin typeface="Consolas" panose="020B0609020204030204" pitchFamily="49" charset="0"/>
               </a:rPr>
-              <a:t>W</a:t>
-            </a:r>
-            <a:r>
-              <a:rPr lang="en-US" dirty="0" err="1" smtClean="0">
-                <a:solidFill>
-                  <a:srgbClr val="2B91AF"/>
-                </a:solidFill>
-                <a:latin typeface="Consolas" panose="020B0609020204030204" pitchFamily="49" charset="0"/>
-              </a:rPr>
-              <a:t>earRedBlueSuit_When</a:t>
-            </a:r>
-            <a:r>
-              <a:rPr lang="en-US" dirty="0" err="1" smtClean="0">
-                <a:solidFill>
-                  <a:srgbClr val="2B91AF"/>
-                </a:solidFill>
-                <a:latin typeface="Consolas" panose="020B0609020204030204" pitchFamily="49" charset="0"/>
-              </a:rPr>
-              <a:t>At</a:t>
-            </a:r>
-            <a:r>
-              <a:rPr lang="en-US" dirty="0" err="1" smtClean="0">
-                <a:solidFill>
-                  <a:srgbClr val="2B91AF"/>
-                </a:solidFill>
-                <a:latin typeface="Consolas" panose="020B0609020204030204" pitchFamily="49" charset="0"/>
-              </a:rPr>
-              <a:t>Work</a:t>
+              <a:t>WearRedBlueSuit_WhenAtWork</a:t>
             </a:r>
             <a:r>
               <a:rPr lang="en-US" dirty="0" smtClean="0">

--- a/testing.pptx
+++ b/testing.pptx
@@ -2960,117 +2960,6 @@
       <dsp:cNvGrpSpPr/>
     </dsp:nvGrpSpPr>
     <dsp:grpSpPr/>
-    <dsp:sp modelId="{B29ABF60-EC0F-45AD-A90E-9C76D15C2F14}">
-      <dsp:nvSpPr>
-        <dsp:cNvPr id="0" name=""/>
-        <dsp:cNvSpPr/>
-      </dsp:nvSpPr>
-      <dsp:spPr>
-        <a:xfrm>
-          <a:off x="1748174" y="210303"/>
-          <a:ext cx="175586" cy="38914"/>
-        </a:xfrm>
-        <a:prstGeom prst="rect">
-          <a:avLst/>
-        </a:prstGeom>
-        <a:noFill/>
-        <a:ln>
-          <a:noFill/>
-        </a:ln>
-        <a:effectLst/>
-      </dsp:spPr>
-      <dsp:style>
-        <a:lnRef idx="0">
-          <a:scrgbClr r="0" g="0" b="0"/>
-        </a:lnRef>
-        <a:fillRef idx="0">
-          <a:scrgbClr r="0" g="0" b="0"/>
-        </a:fillRef>
-        <a:effectRef idx="0">
-          <a:scrgbClr r="0" g="0" b="0"/>
-        </a:effectRef>
-        <a:fontRef idx="minor"/>
-      </dsp:style>
-      <dsp:txBody>
-        <a:bodyPr spcFirstLastPara="0" vert="horz" wrap="square" lIns="0" tIns="19050" rIns="19050" bIns="0" numCol="1" spcCol="1270" anchor="t" anchorCtr="0">
-          <a:noAutofit/>
-        </a:bodyPr>
-        <a:lstStyle/>
-        <a:p>
-          <a:pPr lvl="0" algn="l" defTabSz="222250">
-            <a:lnSpc>
-              <a:spcPct val="90000"/>
-            </a:lnSpc>
-            <a:spcBef>
-              <a:spcPct val="0"/>
-            </a:spcBef>
-            <a:spcAft>
-              <a:spcPct val="35000"/>
-            </a:spcAft>
-          </a:pPr>
-          <a:r>
-            <a:rPr lang="ru-RU" sz="500" kern="1200" dirty="0"/>
-            <a:t> </a:t>
-          </a:r>
-        </a:p>
-      </dsp:txBody>
-      <dsp:txXfrm>
-        <a:off x="1748174" y="210303"/>
-        <a:ext cx="175586" cy="38914"/>
-      </dsp:txXfrm>
-    </dsp:sp>
-    <dsp:sp modelId="{61EB78D8-69FF-471D-8FEB-71388C442F55}">
-      <dsp:nvSpPr>
-        <dsp:cNvPr id="0" name=""/>
-        <dsp:cNvSpPr/>
-      </dsp:nvSpPr>
-      <dsp:spPr>
-        <a:xfrm>
-          <a:off x="0" y="0"/>
-          <a:ext cx="1980001" cy="381600"/>
-        </a:xfrm>
-        <a:prstGeom prst="rect">
-          <a:avLst/>
-        </a:prstGeom>
-        <a:blipFill>
-          <a:blip xmlns:r="http://schemas.openxmlformats.org/officeDocument/2006/relationships" r:embed="rId1">
-            <a:extLst>
-              <a:ext uri="{28A0092B-C50C-407E-A947-70E740481C1C}">
-                <a14:useLocalDpi xmlns:a14="http://schemas.microsoft.com/office/drawing/2010/main" val="0"/>
-              </a:ext>
-            </a:extLst>
-          </a:blip>
-          <a:srcRect/>
-          <a:stretch>
-            <a:fillRect l="-1000" r="-1000"/>
-          </a:stretch>
-        </a:blipFill>
-        <a:ln w="25400" cap="flat" cmpd="sng" algn="ctr">
-          <a:solidFill>
-            <a:schemeClr val="lt1">
-              <a:hueOff val="0"/>
-              <a:satOff val="0"/>
-              <a:lumOff val="0"/>
-              <a:alphaOff val="0"/>
-            </a:schemeClr>
-          </a:solidFill>
-          <a:prstDash val="solid"/>
-        </a:ln>
-        <a:effectLst/>
-      </dsp:spPr>
-      <dsp:style>
-        <a:lnRef idx="2">
-          <a:scrgbClr r="0" g="0" b="0"/>
-        </a:lnRef>
-        <a:fillRef idx="1">
-          <a:scrgbClr r="0" g="0" b="0"/>
-        </a:fillRef>
-        <a:effectRef idx="0">
-          <a:scrgbClr r="0" g="0" b="0"/>
-        </a:effectRef>
-        <a:fontRef idx="minor"/>
-      </dsp:style>
-    </dsp:sp>
   </dsp:spTree>
 </dsp:drawing>
 </file>
@@ -3083,127 +2972,6 @@
       <dsp:cNvGrpSpPr/>
     </dsp:nvGrpSpPr>
     <dsp:grpSpPr/>
-    <dsp:sp modelId="{A30F2283-C0A4-4A69-BCBE-833D967155A2}">
-      <dsp:nvSpPr>
-        <dsp:cNvPr id="0" name=""/>
-        <dsp:cNvSpPr/>
-      </dsp:nvSpPr>
-      <dsp:spPr>
-        <a:xfrm>
-          <a:off x="469735" y="1146225"/>
-          <a:ext cx="2927097" cy="509149"/>
-        </a:xfrm>
-        <a:prstGeom prst="rect">
-          <a:avLst/>
-        </a:prstGeom>
-        <a:noFill/>
-        <a:ln>
-          <a:noFill/>
-        </a:ln>
-        <a:effectLst/>
-      </dsp:spPr>
-      <dsp:style>
-        <a:lnRef idx="0">
-          <a:scrgbClr r="0" g="0" b="0"/>
-        </a:lnRef>
-        <a:fillRef idx="0">
-          <a:scrgbClr r="0" g="0" b="0"/>
-        </a:fillRef>
-        <a:effectRef idx="0">
-          <a:scrgbClr r="0" g="0" b="0"/>
-        </a:effectRef>
-        <a:fontRef idx="minor"/>
-      </dsp:style>
-      <dsp:txBody>
-        <a:bodyPr spcFirstLastPara="0" vert="horz" wrap="square" lIns="0" tIns="152400" rIns="152400" bIns="0" numCol="1" spcCol="1270" anchor="b" anchorCtr="0">
-          <a:noAutofit/>
-        </a:bodyPr>
-        <a:lstStyle/>
-        <a:p>
-          <a:pPr lvl="0" algn="ctr" defTabSz="1778000">
-            <a:lnSpc>
-              <a:spcPct val="90000"/>
-            </a:lnSpc>
-            <a:spcBef>
-              <a:spcPct val="0"/>
-            </a:spcBef>
-            <a:spcAft>
-              <a:spcPct val="35000"/>
-            </a:spcAft>
-          </a:pPr>
-          <a:r>
-            <a:rPr lang="ru-RU" sz="4000" kern="1200" dirty="0">
-              <a:solidFill>
-                <a:schemeClr val="accent1"/>
-              </a:solidFill>
-            </a:rPr>
-            <a:t>ВОПРОСЫ</a:t>
-          </a:r>
-          <a:r>
-            <a:rPr lang="en-US" sz="4000" kern="1200" dirty="0">
-              <a:solidFill>
-                <a:schemeClr val="accent1"/>
-              </a:solidFill>
-            </a:rPr>
-            <a:t>?</a:t>
-          </a:r>
-          <a:endParaRPr lang="ru-RU" sz="4000" kern="1200" dirty="0">
-            <a:solidFill>
-              <a:schemeClr val="accent1"/>
-            </a:solidFill>
-          </a:endParaRPr>
-        </a:p>
-      </dsp:txBody>
-      <dsp:txXfrm>
-        <a:off x="469735" y="1146225"/>
-        <a:ext cx="2927097" cy="509149"/>
-      </dsp:txXfrm>
-    </dsp:sp>
-    <dsp:sp modelId="{DFDA3CA3-5C68-4A2F-A4A8-285063A35D87}">
-      <dsp:nvSpPr>
-        <dsp:cNvPr id="0" name=""/>
-        <dsp:cNvSpPr/>
-      </dsp:nvSpPr>
-      <dsp:spPr>
-        <a:xfrm>
-          <a:off x="1521700" y="91137"/>
-          <a:ext cx="849599" cy="849599"/>
-        </a:xfrm>
-        <a:prstGeom prst="rect">
-          <a:avLst/>
-        </a:prstGeom>
-        <a:blipFill>
-          <a:blip xmlns:r="http://schemas.openxmlformats.org/officeDocument/2006/relationships" r:embed="rId1">
-            <a:extLst>
-              <a:ext uri="{28A0092B-C50C-407E-A947-70E740481C1C}">
-                <a14:useLocalDpi xmlns:a14="http://schemas.microsoft.com/office/drawing/2010/main" val="0"/>
-              </a:ext>
-            </a:extLst>
-          </a:blip>
-          <a:srcRect/>
-          <a:stretch>
-            <a:fillRect/>
-          </a:stretch>
-        </a:blipFill>
-        <a:ln w="0" cap="flat" cmpd="sng" algn="ctr">
-          <a:noFill/>
-          <a:prstDash val="solid"/>
-        </a:ln>
-        <a:effectLst/>
-      </dsp:spPr>
-      <dsp:style>
-        <a:lnRef idx="2">
-          <a:scrgbClr r="0" g="0" b="0"/>
-        </a:lnRef>
-        <a:fillRef idx="1">
-          <a:scrgbClr r="0" g="0" b="0"/>
-        </a:fillRef>
-        <a:effectRef idx="0">
-          <a:scrgbClr r="0" g="0" b="0"/>
-        </a:effectRef>
-        <a:fontRef idx="minor"/>
-      </dsp:style>
-    </dsp:sp>
   </dsp:spTree>
 </dsp:drawing>
 </file>
@@ -7190,7 +6958,7 @@
           <a:p>
             <a:fld id="{16E5F246-0B7D-44DF-8C1B-EDFCA5DA626A}" type="datetimeFigureOut">
               <a:rPr lang="ru-RU" smtClean="0"/>
-              <a:t>10.08.2017</a:t>
+              <a:t>26.08.2017</a:t>
             </a:fld>
             <a:endParaRPr lang="ru-RU"/>
           </a:p>
@@ -7501,6 +7269,67 @@
           <a:bodyPr/>
           <a:lstStyle/>
           <a:p>
+            <a:r>
+              <a:rPr lang="ru-RU" dirty="0" smtClean="0"/>
+              <a:t>Кто уже применял</a:t>
+            </a:r>
+            <a:r>
+              <a:rPr lang="ru-RU" baseline="0" dirty="0" smtClean="0"/>
+              <a:t> </a:t>
+            </a:r>
+            <a:r>
+              <a:rPr lang="en-US" baseline="0" dirty="0" err="1" smtClean="0"/>
+              <a:t>NUnit</a:t>
+            </a:r>
+            <a:r>
+              <a:rPr lang="ru-RU" baseline="0" dirty="0" smtClean="0"/>
+              <a:t> или подобные тесты?</a:t>
+            </a:r>
+            <a:br>
+              <a:rPr lang="ru-RU" baseline="0" dirty="0" smtClean="0"/>
+            </a:br>
+            <a:r>
+              <a:rPr lang="ru-RU" dirty="0" smtClean="0"/>
+              <a:t>Зачем нужно тестирование? </a:t>
+            </a:r>
+          </a:p>
+          <a:p>
+            <a:pPr marL="171450" indent="-171450">
+              <a:buFont typeface="Arial" panose="020B0604020202020204" pitchFamily="34" charset="0"/>
+              <a:buChar char="•"/>
+            </a:pPr>
+            <a:r>
+              <a:rPr lang="ru-RU" dirty="0" smtClean="0"/>
+              <a:t>оперативная</a:t>
+            </a:r>
+            <a:r>
+              <a:rPr lang="ru-RU" baseline="0" dirty="0" smtClean="0"/>
+              <a:t> обратная связь</a:t>
+            </a:r>
+            <a:endParaRPr lang="en-US" baseline="0" dirty="0" smtClean="0"/>
+          </a:p>
+          <a:p>
+            <a:pPr marL="171450" indent="-171450">
+              <a:buFont typeface="Arial" panose="020B0604020202020204" pitchFamily="34" charset="0"/>
+              <a:buChar char="•"/>
+            </a:pPr>
+            <a:r>
+              <a:rPr lang="ru-RU" baseline="0" dirty="0" smtClean="0"/>
+              <a:t>качество</a:t>
+            </a:r>
+          </a:p>
+          <a:p>
+            <a:pPr marL="171450" indent="-171450">
+              <a:buFont typeface="Arial" panose="020B0604020202020204" pitchFamily="34" charset="0"/>
+              <a:buChar char="•"/>
+            </a:pPr>
+            <a:r>
+              <a:rPr lang="ru-RU" baseline="0" dirty="0" smtClean="0"/>
+              <a:t>доверие к коду</a:t>
+            </a:r>
+            <a:endParaRPr lang="en-US" baseline="0" dirty="0" smtClean="0"/>
+          </a:p>
+          <a:p>
             <a:endParaRPr lang="ru-RU" dirty="0"/>
           </a:p>
         </p:txBody>
@@ -7522,7 +7351,7 @@
           <a:p>
             <a:fld id="{3BAECB10-9972-4830-A584-02C41DAFD45B}" type="slidenum">
               <a:rPr lang="ru-RU" smtClean="0"/>
-              <a:t>2</a:t>
+              <a:t>1</a:t>
             </a:fld>
             <a:endParaRPr lang="ru-RU"/>
           </a:p>
@@ -7531,7 +7360,7 @@
     </p:spTree>
     <p:extLst>
       <p:ext uri="{BB962C8B-B14F-4D97-AF65-F5344CB8AC3E}">
-        <p14:creationId xmlns:p14="http://schemas.microsoft.com/office/powerpoint/2010/main" val="1377505549"/>
+        <p14:creationId xmlns:p14="http://schemas.microsoft.com/office/powerpoint/2010/main" val="2694741705"/>
       </p:ext>
     </p:extLst>
   </p:cSld>
@@ -7586,92 +7415,22 @@
           <a:lstStyle/>
           <a:p>
             <a:r>
-              <a:rPr lang="en-US" dirty="0" smtClean="0"/>
-              <a:t>Options</a:t>
+              <a:rPr lang="ru-RU" dirty="0" smtClean="0"/>
+              <a:t>Неочевидный</a:t>
+            </a:r>
+            <a:r>
+              <a:rPr lang="ru-RU" baseline="0" dirty="0" smtClean="0"/>
+              <a:t> синтаксис у </a:t>
             </a:r>
             <a:r>
               <a:rPr lang="en-US" baseline="0" dirty="0" smtClean="0"/>
-              <a:t> </a:t>
+              <a:t>Assert</a:t>
             </a:r>
             <a:r>
               <a:rPr lang="ru-RU" baseline="0" dirty="0" smtClean="0"/>
-              <a:t>лучше читается, но можно и просто </a:t>
-            </a:r>
-            <a:r>
-              <a:rPr lang="en-US" baseline="0" dirty="0" smtClean="0"/>
-              <a:t>o =&gt; o….</a:t>
-            </a:r>
-          </a:p>
-          <a:p>
-            <a:endParaRPr lang="en-US" baseline="0" dirty="0" smtClean="0"/>
-          </a:p>
-          <a:p>
-            <a:r>
-              <a:rPr lang="en-US" baseline="0" dirty="0" err="1" smtClean="0"/>
-              <a:t>currentSyntax</a:t>
-            </a:r>
-            <a:r>
-              <a:rPr lang="en-US" baseline="0" dirty="0" smtClean="0"/>
-              <a:t> =&gt; </a:t>
-            </a:r>
-          </a:p>
-          <a:p>
-            <a:endParaRPr lang="en-US" baseline="0" dirty="0" smtClean="0"/>
-          </a:p>
-          <a:p>
-            <a:pPr marL="171450" indent="-171450">
-              <a:buFont typeface="Arial" panose="020B0604020202020204" pitchFamily="34" charset="0"/>
-              <a:buChar char="•"/>
-            </a:pPr>
-            <a:r>
-              <a:rPr lang="en-US" dirty="0" smtClean="0"/>
-              <a:t>new[] {1,2,3}.</a:t>
-            </a:r>
-            <a:r>
-              <a:rPr lang="en-US" dirty="0" err="1" smtClean="0"/>
-              <a:t>ShouldBeEquivalentTo</a:t>
-            </a:r>
-            <a:r>
-              <a:rPr lang="en-US" dirty="0" smtClean="0"/>
-              <a:t>(new [] {3,2,1});</a:t>
-            </a:r>
-          </a:p>
-          <a:p>
-            <a:pPr marL="171450" indent="-171450">
-              <a:buFont typeface="Arial" panose="020B0604020202020204" pitchFamily="34" charset="0"/>
-              <a:buChar char="•"/>
-            </a:pPr>
-            <a:r>
-              <a:rPr lang="en-US" dirty="0" smtClean="0"/>
-              <a:t>new[] {1,2,3}.</a:t>
-            </a:r>
-            <a:r>
-              <a:rPr lang="en-US" dirty="0" err="1" smtClean="0"/>
-              <a:t>ShouldAllBeEquivalentTo</a:t>
-            </a:r>
-            <a:r>
-              <a:rPr lang="en-US" dirty="0" smtClean="0"/>
-              <a:t>(new [] {1,2,3}, options =&gt; options</a:t>
-            </a:r>
-          </a:p>
-          <a:p>
-            <a:pPr marL="457200" lvl="1" indent="0">
-              <a:buFont typeface="Arial" panose="020B0604020202020204" pitchFamily="34" charset="0"/>
-              <a:buNone/>
-            </a:pPr>
-            <a:r>
-              <a:rPr lang="en-US" dirty="0" smtClean="0"/>
               <a:t>.</a:t>
             </a:r>
-            <a:r>
-              <a:rPr lang="en-US" dirty="0" err="1" smtClean="0"/>
-              <a:t>WithStrictOrdering</a:t>
-            </a:r>
-            <a:r>
-              <a:rPr lang="en-US" dirty="0" smtClean="0"/>
-              <a:t>());</a:t>
-            </a:r>
-            <a:endParaRPr lang="ru-RU" baseline="0" dirty="0" smtClean="0"/>
+            <a:endParaRPr lang="ru-RU" dirty="0"/>
           </a:p>
         </p:txBody>
       </p:sp>
@@ -7692,7 +7451,7 @@
           <a:p>
             <a:fld id="{3BAECB10-9972-4830-A584-02C41DAFD45B}" type="slidenum">
               <a:rPr lang="ru-RU" smtClean="0"/>
-              <a:t>15</a:t>
+              <a:t>14</a:t>
             </a:fld>
             <a:endParaRPr lang="ru-RU"/>
           </a:p>
@@ -7701,7 +7460,7 @@
     </p:spTree>
     <p:extLst>
       <p:ext uri="{BB962C8B-B14F-4D97-AF65-F5344CB8AC3E}">
-        <p14:creationId xmlns:p14="http://schemas.microsoft.com/office/powerpoint/2010/main" val="308928937"/>
+        <p14:creationId xmlns:p14="http://schemas.microsoft.com/office/powerpoint/2010/main" val="2355226439"/>
       </p:ext>
     </p:extLst>
   </p:cSld>
@@ -7756,17 +7515,92 @@
           <a:lstStyle/>
           <a:p>
             <a:r>
+              <a:rPr lang="en-US" dirty="0" smtClean="0"/>
+              <a:t>Options</a:t>
+            </a:r>
+            <a:r>
+              <a:rPr lang="en-US" baseline="0" dirty="0" smtClean="0"/>
+              <a:t> </a:t>
+            </a:r>
+            <a:r>
+              <a:rPr lang="ru-RU" baseline="0" dirty="0" smtClean="0"/>
+              <a:t>лучше читается, но можно и просто </a:t>
+            </a:r>
+            <a:r>
+              <a:rPr lang="en-US" baseline="0" dirty="0" smtClean="0"/>
+              <a:t>o =&gt; o….</a:t>
+            </a:r>
+          </a:p>
+          <a:p>
+            <a:endParaRPr lang="en-US" baseline="0" dirty="0" smtClean="0"/>
+          </a:p>
+          <a:p>
+            <a:r>
+              <a:rPr lang="en-US" baseline="0" dirty="0" err="1" smtClean="0"/>
+              <a:t>currentSyntax</a:t>
+            </a:r>
+            <a:r>
+              <a:rPr lang="en-US" baseline="0" dirty="0" smtClean="0"/>
+              <a:t> =&gt; </a:t>
+            </a:r>
+          </a:p>
+          <a:p>
+            <a:endParaRPr lang="en-US" baseline="0" dirty="0" smtClean="0"/>
+          </a:p>
+          <a:p>
+            <a:pPr marL="171450" indent="-171450">
+              <a:buFont typeface="Arial" panose="020B0604020202020204" pitchFamily="34" charset="0"/>
+              <a:buChar char="•"/>
+            </a:pPr>
+            <a:r>
+              <a:rPr lang="en-US" dirty="0" smtClean="0"/>
+              <a:t>new[] {1,2,3}.</a:t>
+            </a:r>
+            <a:r>
               <a:rPr lang="en-US" dirty="0" err="1" smtClean="0"/>
-              <a:t>Resharper</a:t>
-            </a:r>
-            <a:r>
-              <a:rPr lang="en-US" baseline="0" dirty="0" smtClean="0"/>
-              <a:t>’</a:t>
-            </a:r>
-            <a:r>
-              <a:rPr lang="ru-RU" baseline="0" dirty="0" smtClean="0"/>
-              <a:t>ом, как и любым инструментом, нужно уметь пользоваться, чтобы работать эффективно.</a:t>
-            </a:r>
+              <a:t>ShouldBeEquivalentTo</a:t>
+            </a:r>
+            <a:r>
+              <a:rPr lang="en-US" dirty="0" smtClean="0"/>
+              <a:t>(new [] {3,2,1});</a:t>
+            </a:r>
+          </a:p>
+          <a:p>
+            <a:pPr marL="171450" indent="-171450">
+              <a:buFont typeface="Arial" panose="020B0604020202020204" pitchFamily="34" charset="0"/>
+              <a:buChar char="•"/>
+            </a:pPr>
+            <a:r>
+              <a:rPr lang="en-US" dirty="0" smtClean="0"/>
+              <a:t>new[] {1,2,3}.</a:t>
+            </a:r>
+            <a:r>
+              <a:rPr lang="en-US" dirty="0" err="1" smtClean="0"/>
+              <a:t>ShouldAllBeEquivalentTo</a:t>
+            </a:r>
+            <a:r>
+              <a:rPr lang="en-US" dirty="0" smtClean="0"/>
+              <a:t>(new [] {1,2,3}, options =&gt; options</a:t>
+            </a:r>
+          </a:p>
+          <a:p>
+            <a:pPr marL="457200" lvl="1" indent="0">
+              <a:buFont typeface="Arial" panose="020B0604020202020204" pitchFamily="34" charset="0"/>
+              <a:buNone/>
+            </a:pPr>
+            <a:r>
+              <a:rPr lang="en-US" dirty="0" smtClean="0"/>
+              <a:t>.</a:t>
+            </a:r>
+            <a:r>
+              <a:rPr lang="en-US" dirty="0" err="1" smtClean="0"/>
+              <a:t>WithStrictOrdering</a:t>
+            </a:r>
+            <a:r>
+              <a:rPr lang="en-US" dirty="0" smtClean="0"/>
+              <a:t>());</a:t>
+            </a:r>
+            <a:endParaRPr lang="ru-RU" baseline="0" dirty="0" smtClean="0"/>
           </a:p>
         </p:txBody>
       </p:sp>
@@ -7787,7 +7621,7 @@
           <a:p>
             <a:fld id="{3BAECB10-9972-4830-A584-02C41DAFD45B}" type="slidenum">
               <a:rPr lang="ru-RU" smtClean="0"/>
-              <a:t>16</a:t>
+              <a:t>15</a:t>
             </a:fld>
             <a:endParaRPr lang="ru-RU"/>
           </a:p>
@@ -7796,7 +7630,7 @@
     </p:spTree>
     <p:extLst>
       <p:ext uri="{BB962C8B-B14F-4D97-AF65-F5344CB8AC3E}">
-        <p14:creationId xmlns:p14="http://schemas.microsoft.com/office/powerpoint/2010/main" val="890883594"/>
+        <p14:creationId xmlns:p14="http://schemas.microsoft.com/office/powerpoint/2010/main" val="308928937"/>
       </p:ext>
     </p:extLst>
   </p:cSld>
@@ -7851,14 +7685,17 @@
           <a:lstStyle/>
           <a:p>
             <a:r>
-              <a:rPr lang="ru-RU" dirty="0"/>
-              <a:t>Мартовский</a:t>
-            </a:r>
-            <a:r>
-              <a:rPr lang="ru-RU" baseline="0" dirty="0"/>
-              <a:t> кролик написал кучу реализаций, но не успел написать тесты…</a:t>
-            </a:r>
-            <a:endParaRPr lang="en-US" dirty="0"/>
+              <a:rPr lang="en-US" dirty="0" err="1" smtClean="0"/>
+              <a:t>Resharper</a:t>
+            </a:r>
+            <a:r>
+              <a:rPr lang="en-US" baseline="0" dirty="0" smtClean="0"/>
+              <a:t>’</a:t>
+            </a:r>
+            <a:r>
+              <a:rPr lang="ru-RU" baseline="0" dirty="0" smtClean="0"/>
+              <a:t>ом, как и любым инструментом, нужно уметь пользоваться, чтобы работать эффективно.</a:t>
+            </a:r>
           </a:p>
         </p:txBody>
       </p:sp>
@@ -7879,7 +7716,7 @@
           <a:p>
             <a:fld id="{3BAECB10-9972-4830-A584-02C41DAFD45B}" type="slidenum">
               <a:rPr lang="ru-RU" smtClean="0"/>
-              <a:t>17</a:t>
+              <a:t>16</a:t>
             </a:fld>
             <a:endParaRPr lang="ru-RU"/>
           </a:p>
@@ -7888,7 +7725,7 @@
     </p:spTree>
     <p:extLst>
       <p:ext uri="{BB962C8B-B14F-4D97-AF65-F5344CB8AC3E}">
-        <p14:creationId xmlns:p14="http://schemas.microsoft.com/office/powerpoint/2010/main" val="2782064311"/>
+        <p14:creationId xmlns:p14="http://schemas.microsoft.com/office/powerpoint/2010/main" val="890883594"/>
       </p:ext>
     </p:extLst>
   </p:cSld>
@@ -7942,7 +7779,15 @@
           <a:bodyPr/>
           <a:lstStyle/>
           <a:p>
-            <a:endParaRPr lang="ru-RU" dirty="0"/>
+            <a:r>
+              <a:rPr lang="ru-RU" dirty="0"/>
+              <a:t>Мартовский</a:t>
+            </a:r>
+            <a:r>
+              <a:rPr lang="ru-RU" baseline="0" dirty="0"/>
+              <a:t> кролик написал кучу реализаций, но не успел написать тесты…</a:t>
+            </a:r>
+            <a:endParaRPr lang="en-US" dirty="0"/>
           </a:p>
         </p:txBody>
       </p:sp>
@@ -7963,6 +7808,90 @@
           <a:p>
             <a:fld id="{3BAECB10-9972-4830-A584-02C41DAFD45B}" type="slidenum">
               <a:rPr lang="ru-RU" smtClean="0"/>
+              <a:t>17</a:t>
+            </a:fld>
+            <a:endParaRPr lang="ru-RU"/>
+          </a:p>
+        </p:txBody>
+      </p:sp>
+    </p:spTree>
+    <p:extLst>
+      <p:ext uri="{BB962C8B-B14F-4D97-AF65-F5344CB8AC3E}">
+        <p14:creationId xmlns:p14="http://schemas.microsoft.com/office/powerpoint/2010/main" val="2782064311"/>
+      </p:ext>
+    </p:extLst>
+  </p:cSld>
+  <p:clrMapOvr>
+    <a:masterClrMapping/>
+  </p:clrMapOvr>
+</p:notes>
+</file>
+
+<file path=ppt/notesSlides/notesSlide14.xml><?xml version="1.0" encoding="utf-8"?>
+<p:notes xmlns:a="http://schemas.openxmlformats.org/drawingml/2006/main" xmlns:r="http://schemas.openxmlformats.org/officeDocument/2006/relationships" xmlns:p="http://schemas.openxmlformats.org/presentationml/2006/main">
+  <p:cSld>
+    <p:spTree>
+      <p:nvGrpSpPr>
+        <p:cNvPr id="1" name=""/>
+        <p:cNvGrpSpPr/>
+        <p:nvPr/>
+      </p:nvGrpSpPr>
+      <p:grpSpPr>
+        <a:xfrm>
+          <a:off x="0" y="0"/>
+          <a:ext cx="0" cy="0"/>
+          <a:chOff x="0" y="0"/>
+          <a:chExt cx="0" cy="0"/>
+        </a:xfrm>
+      </p:grpSpPr>
+      <p:sp>
+        <p:nvSpPr>
+          <p:cNvPr id="2" name="Образ слайда 1"/>
+          <p:cNvSpPr>
+            <a:spLocks noGrp="1" noRot="1" noChangeAspect="1"/>
+          </p:cNvSpPr>
+          <p:nvPr>
+            <p:ph type="sldImg"/>
+          </p:nvPr>
+        </p:nvSpPr>
+        <p:spPr/>
+      </p:sp>
+      <p:sp>
+        <p:nvSpPr>
+          <p:cNvPr id="3" name="Заметки 2"/>
+          <p:cNvSpPr>
+            <a:spLocks noGrp="1"/>
+          </p:cNvSpPr>
+          <p:nvPr>
+            <p:ph type="body" idx="1"/>
+          </p:nvPr>
+        </p:nvSpPr>
+        <p:spPr/>
+        <p:txBody>
+          <a:bodyPr/>
+          <a:lstStyle/>
+          <a:p>
+            <a:endParaRPr lang="ru-RU" dirty="0"/>
+          </a:p>
+        </p:txBody>
+      </p:sp>
+      <p:sp>
+        <p:nvSpPr>
+          <p:cNvPr id="4" name="Номер слайда 3"/>
+          <p:cNvSpPr>
+            <a:spLocks noGrp="1"/>
+          </p:cNvSpPr>
+          <p:nvPr>
+            <p:ph type="sldNum" sz="quarter" idx="10"/>
+          </p:nvPr>
+        </p:nvSpPr>
+        <p:spPr/>
+        <p:txBody>
+          <a:bodyPr/>
+          <a:lstStyle/>
+          <a:p>
+            <a:fld id="{3BAECB10-9972-4830-A584-02C41DAFD45B}" type="slidenum">
+              <a:rPr lang="ru-RU" smtClean="0"/>
               <a:t>18</a:t>
             </a:fld>
             <a:endParaRPr lang="ru-RU"/>
@@ -7982,7 +7911,7 @@
 </p:notes>
 </file>
 
-<file path=ppt/notesSlides/notesSlide14.xml><?xml version="1.0" encoding="utf-8"?>
+<file path=ppt/notesSlides/notesSlide15.xml><?xml version="1.0" encoding="utf-8"?>
 <p:notes xmlns:a="http://schemas.openxmlformats.org/drawingml/2006/main" xmlns:r="http://schemas.openxmlformats.org/officeDocument/2006/relationships" xmlns:p="http://schemas.openxmlformats.org/presentationml/2006/main">
   <p:cSld>
     <p:spTree>
@@ -9331,22 +9260,29 @@
           <a:p>
             <a:r>
               <a:rPr lang="ru-RU" dirty="0" smtClean="0"/>
-              <a:t>Тесты,</a:t>
+              <a:t>Тесты</a:t>
             </a:r>
             <a:r>
               <a:rPr lang="ru-RU" baseline="0" dirty="0" smtClean="0"/>
-              <a:t> как и хороший код, должны рассказывать историю.</a:t>
+              <a:t> дают доверие к коду, но только если есть доверие к самим тестам</a:t>
+            </a:r>
+          </a:p>
+          <a:p>
+            <a:r>
+              <a:rPr lang="ru-RU" baseline="0" dirty="0" smtClean="0"/>
+              <a:t>Если тест не понятен, то когда он упадёт (выполнит своё предназначение), это проигнорируют, тест закомментируют или и вовсе удалят.</a:t>
             </a:r>
           </a:p>
           <a:p>
             <a:r>
               <a:rPr lang="ru-RU" dirty="0" smtClean="0"/>
-              <a:t>Из</a:t>
+              <a:t>Поэтому</a:t>
             </a:r>
             <a:r>
               <a:rPr lang="ru-RU" baseline="0" dirty="0" smtClean="0"/>
-              <a:t> названий тестов можно составить короткое описание функционала.</a:t>
-            </a:r>
+              <a:t> для тестов критически важно быть читаемыми и понятными.</a:t>
+            </a:r>
+            <a:endParaRPr lang="ru-RU" dirty="0" smtClean="0"/>
           </a:p>
           <a:p>
             <a:endParaRPr lang="ru-RU" dirty="0"/>
@@ -9370,6 +9306,110 @@
           <a:p>
             <a:fld id="{3BAECB10-9972-4830-A584-02C41DAFD45B}" type="slidenum">
               <a:rPr lang="ru-RU" smtClean="0"/>
+              <a:t>2</a:t>
+            </a:fld>
+            <a:endParaRPr lang="ru-RU"/>
+          </a:p>
+        </p:txBody>
+      </p:sp>
+    </p:spTree>
+    <p:extLst>
+      <p:ext uri="{BB962C8B-B14F-4D97-AF65-F5344CB8AC3E}">
+        <p14:creationId xmlns:p14="http://schemas.microsoft.com/office/powerpoint/2010/main" val="1377505549"/>
+      </p:ext>
+    </p:extLst>
+  </p:cSld>
+  <p:clrMapOvr>
+    <a:masterClrMapping/>
+  </p:clrMapOvr>
+</p:notes>
+</file>
+
+<file path=ppt/notesSlides/notesSlide3.xml><?xml version="1.0" encoding="utf-8"?>
+<p:notes xmlns:a="http://schemas.openxmlformats.org/drawingml/2006/main" xmlns:r="http://schemas.openxmlformats.org/officeDocument/2006/relationships" xmlns:p="http://schemas.openxmlformats.org/presentationml/2006/main">
+  <p:cSld>
+    <p:spTree>
+      <p:nvGrpSpPr>
+        <p:cNvPr id="1" name=""/>
+        <p:cNvGrpSpPr/>
+        <p:nvPr/>
+      </p:nvGrpSpPr>
+      <p:grpSpPr>
+        <a:xfrm>
+          <a:off x="0" y="0"/>
+          <a:ext cx="0" cy="0"/>
+          <a:chOff x="0" y="0"/>
+          <a:chExt cx="0" cy="0"/>
+        </a:xfrm>
+      </p:grpSpPr>
+      <p:sp>
+        <p:nvSpPr>
+          <p:cNvPr id="2" name="Образ слайда 1"/>
+          <p:cNvSpPr>
+            <a:spLocks noGrp="1" noRot="1" noChangeAspect="1"/>
+          </p:cNvSpPr>
+          <p:nvPr>
+            <p:ph type="sldImg"/>
+          </p:nvPr>
+        </p:nvSpPr>
+        <p:spPr/>
+      </p:sp>
+      <p:sp>
+        <p:nvSpPr>
+          <p:cNvPr id="3" name="Заметки 2"/>
+          <p:cNvSpPr>
+            <a:spLocks noGrp="1"/>
+          </p:cNvSpPr>
+          <p:nvPr>
+            <p:ph type="body" idx="1"/>
+          </p:nvPr>
+        </p:nvSpPr>
+        <p:spPr/>
+        <p:txBody>
+          <a:bodyPr/>
+          <a:lstStyle/>
+          <a:p>
+            <a:r>
+              <a:rPr lang="ru-RU" dirty="0" smtClean="0"/>
+              <a:t>Тесты,</a:t>
+            </a:r>
+            <a:r>
+              <a:rPr lang="ru-RU" baseline="0" dirty="0" smtClean="0"/>
+              <a:t> как и хороший код, должны рассказывать историю.</a:t>
+            </a:r>
+          </a:p>
+          <a:p>
+            <a:r>
+              <a:rPr lang="ru-RU" dirty="0" smtClean="0"/>
+              <a:t>Из</a:t>
+            </a:r>
+            <a:r>
+              <a:rPr lang="ru-RU" baseline="0" dirty="0" smtClean="0"/>
+              <a:t> названий тестов можно составить короткое описание функционала.</a:t>
+            </a:r>
+          </a:p>
+          <a:p>
+            <a:endParaRPr lang="ru-RU" dirty="0"/>
+          </a:p>
+        </p:txBody>
+      </p:sp>
+      <p:sp>
+        <p:nvSpPr>
+          <p:cNvPr id="4" name="Номер слайда 3"/>
+          <p:cNvSpPr>
+            <a:spLocks noGrp="1"/>
+          </p:cNvSpPr>
+          <p:nvPr>
+            <p:ph type="sldNum" sz="quarter" idx="10"/>
+          </p:nvPr>
+        </p:nvSpPr>
+        <p:spPr/>
+        <p:txBody>
+          <a:bodyPr/>
+          <a:lstStyle/>
+          <a:p>
+            <a:fld id="{3BAECB10-9972-4830-A584-02C41DAFD45B}" type="slidenum">
+              <a:rPr lang="ru-RU" smtClean="0"/>
               <a:t>3</a:t>
             </a:fld>
             <a:endParaRPr lang="ru-RU"/>
@@ -9389,7 +9429,7 @@
 </p:notes>
 </file>
 
-<file path=ppt/notesSlides/notesSlide3.xml><?xml version="1.0" encoding="utf-8"?>
+<file path=ppt/notesSlides/notesSlide4.xml><?xml version="1.0" encoding="utf-8"?>
 <p:notes xmlns:a="http://schemas.openxmlformats.org/drawingml/2006/main" xmlns:r="http://schemas.openxmlformats.org/officeDocument/2006/relationships" xmlns:p="http://schemas.openxmlformats.org/presentationml/2006/main">
   <p:cSld>
     <p:spTree>
@@ -9521,148 +9561,6 @@
     <p:extLst>
       <p:ext uri="{BB962C8B-B14F-4D97-AF65-F5344CB8AC3E}">
         <p14:creationId xmlns:p14="http://schemas.microsoft.com/office/powerpoint/2010/main" val="2285049775"/>
-      </p:ext>
-    </p:extLst>
-  </p:cSld>
-  <p:clrMapOvr>
-    <a:masterClrMapping/>
-  </p:clrMapOvr>
-</p:notes>
-</file>
-
-<file path=ppt/notesSlides/notesSlide4.xml><?xml version="1.0" encoding="utf-8"?>
-<p:notes xmlns:a="http://schemas.openxmlformats.org/drawingml/2006/main" xmlns:r="http://schemas.openxmlformats.org/officeDocument/2006/relationships" xmlns:p="http://schemas.openxmlformats.org/presentationml/2006/main">
-  <p:cSld>
-    <p:spTree>
-      <p:nvGrpSpPr>
-        <p:cNvPr id="1" name=""/>
-        <p:cNvGrpSpPr/>
-        <p:nvPr/>
-      </p:nvGrpSpPr>
-      <p:grpSpPr>
-        <a:xfrm>
-          <a:off x="0" y="0"/>
-          <a:ext cx="0" cy="0"/>
-          <a:chOff x="0" y="0"/>
-          <a:chExt cx="0" cy="0"/>
-        </a:xfrm>
-      </p:grpSpPr>
-      <p:sp>
-        <p:nvSpPr>
-          <p:cNvPr id="2" name="Образ слайда 1"/>
-          <p:cNvSpPr>
-            <a:spLocks noGrp="1" noRot="1" noChangeAspect="1"/>
-          </p:cNvSpPr>
-          <p:nvPr>
-            <p:ph type="sldImg"/>
-          </p:nvPr>
-        </p:nvSpPr>
-        <p:spPr/>
-      </p:sp>
-      <p:sp>
-        <p:nvSpPr>
-          <p:cNvPr id="3" name="Заметки 2"/>
-          <p:cNvSpPr>
-            <a:spLocks noGrp="1"/>
-          </p:cNvSpPr>
-          <p:nvPr>
-            <p:ph type="body" idx="1"/>
-          </p:nvPr>
-        </p:nvSpPr>
-        <p:spPr/>
-        <p:txBody>
-          <a:bodyPr/>
-          <a:lstStyle/>
-          <a:p>
-            <a:pPr marL="0" indent="0">
-              <a:buFont typeface="Arial" panose="020B0604020202020204" pitchFamily="34" charset="0"/>
-              <a:buNone/>
-            </a:pPr>
-            <a:r>
-              <a:rPr lang="en-US" dirty="0" err="1"/>
-              <a:t>MethodName</a:t>
-            </a:r>
-            <a:endParaRPr lang="en-US" dirty="0"/>
-          </a:p>
-          <a:p>
-            <a:pPr marL="0" indent="0">
-              <a:buFont typeface="Arial" panose="020B0604020202020204" pitchFamily="34" charset="0"/>
-              <a:buNone/>
-            </a:pPr>
-            <a:r>
-              <a:rPr lang="en-US" dirty="0"/>
-              <a:t>Preconditions</a:t>
-            </a:r>
-            <a:r>
-              <a:rPr lang="ru-RU" dirty="0"/>
-              <a:t> (</a:t>
-            </a:r>
-            <a:r>
-              <a:rPr lang="en-US" dirty="0"/>
-              <a:t>keyword</a:t>
-            </a:r>
-            <a:r>
-              <a:rPr lang="en-US" baseline="0" dirty="0"/>
-              <a:t> </a:t>
-            </a:r>
-            <a:r>
-              <a:rPr lang="en-US" dirty="0"/>
-              <a:t>Given)</a:t>
-            </a:r>
-          </a:p>
-          <a:p>
-            <a:pPr marL="0" indent="0">
-              <a:buFont typeface="Arial" panose="020B0604020202020204" pitchFamily="34" charset="0"/>
-              <a:buNone/>
-            </a:pPr>
-            <a:r>
-              <a:rPr lang="en-US" dirty="0"/>
-              <a:t>State (keyword When)</a:t>
-            </a:r>
-          </a:p>
-          <a:p>
-            <a:pPr marL="0" indent="0">
-              <a:buFont typeface="Arial" panose="020B0604020202020204" pitchFamily="34" charset="0"/>
-              <a:buNone/>
-            </a:pPr>
-            <a:r>
-              <a:rPr lang="en-US" dirty="0" err="1"/>
-              <a:t>ExpectedBehaviour</a:t>
-            </a:r>
-            <a:r>
-              <a:rPr lang="en-US" dirty="0"/>
-              <a:t> (keyword Should/Expect/Then)</a:t>
-            </a:r>
-          </a:p>
-        </p:txBody>
-      </p:sp>
-      <p:sp>
-        <p:nvSpPr>
-          <p:cNvPr id="4" name="Номер слайда 3"/>
-          <p:cNvSpPr>
-            <a:spLocks noGrp="1"/>
-          </p:cNvSpPr>
-          <p:nvPr>
-            <p:ph type="sldNum" sz="quarter" idx="10"/>
-          </p:nvPr>
-        </p:nvSpPr>
-        <p:spPr/>
-        <p:txBody>
-          <a:bodyPr/>
-          <a:lstStyle/>
-          <a:p>
-            <a:fld id="{3BAECB10-9972-4830-A584-02C41DAFD45B}" type="slidenum">
-              <a:rPr lang="ru-RU" smtClean="0"/>
-              <a:t>5</a:t>
-            </a:fld>
-            <a:endParaRPr lang="ru-RU"/>
-          </a:p>
-        </p:txBody>
-      </p:sp>
-    </p:spTree>
-    <p:extLst>
-      <p:ext uri="{BB962C8B-B14F-4D97-AF65-F5344CB8AC3E}">
-        <p14:creationId xmlns:p14="http://schemas.microsoft.com/office/powerpoint/2010/main" val="3838372683"/>
       </p:ext>
     </p:extLst>
   </p:cSld>
@@ -9716,25 +9614,64 @@
           <a:bodyPr/>
           <a:lstStyle/>
           <a:p>
+            <a:pPr marL="0" indent="0">
+              <a:buFont typeface="Arial" panose="020B0604020202020204" pitchFamily="34" charset="0"/>
+              <a:buNone/>
+            </a:pPr>
+            <a:r>
+              <a:rPr lang="en-US" dirty="0" err="1"/>
+              <a:t>MethodName</a:t>
+            </a:r>
+            <a:endParaRPr lang="en-US" dirty="0"/>
+          </a:p>
+          <a:p>
+            <a:pPr marL="0" indent="0">
+              <a:buFont typeface="Arial" panose="020B0604020202020204" pitchFamily="34" charset="0"/>
+              <a:buNone/>
+            </a:pPr>
+            <a:r>
+              <a:rPr lang="en-US" dirty="0"/>
+              <a:t>Preconditions</a:t>
+            </a:r>
             <a:r>
               <a:rPr lang="ru-RU" dirty="0"/>
-              <a:t>В</a:t>
-            </a:r>
-            <a:r>
-              <a:rPr lang="ru-RU" baseline="0" dirty="0"/>
+              <a:t> (</a:t>
+            </a:r>
+            <a:r>
+              <a:rPr lang="en-US" dirty="0"/>
+              <a:t>keyword</a:t>
+            </a:r>
+            <a:r>
+              <a:rPr lang="en-US" baseline="0" dirty="0"/>
               <a:t> </a:t>
             </a:r>
             <a:r>
-              <a:rPr lang="ru-RU" baseline="0" dirty="0" smtClean="0"/>
-              <a:t>каких именах чего </a:t>
-            </a:r>
-            <a:r>
-              <a:rPr lang="ru-RU" baseline="0" dirty="0"/>
-              <a:t>не </a:t>
-            </a:r>
-            <a:r>
-              <a:rPr lang="ru-RU" baseline="0" dirty="0" smtClean="0"/>
-              <a:t>хватает?</a:t>
+              <a:rPr lang="en-US" dirty="0"/>
+              <a:t>Given)</a:t>
+            </a:r>
+          </a:p>
+          <a:p>
+            <a:pPr marL="0" indent="0">
+              <a:buFont typeface="Arial" panose="020B0604020202020204" pitchFamily="34" charset="0"/>
+              <a:buNone/>
+            </a:pPr>
+            <a:r>
+              <a:rPr lang="en-US" dirty="0"/>
+              <a:t>State (keyword When)</a:t>
+            </a:r>
+          </a:p>
+          <a:p>
+            <a:pPr marL="0" indent="0">
+              <a:buFont typeface="Arial" panose="020B0604020202020204" pitchFamily="34" charset="0"/>
+              <a:buNone/>
+            </a:pPr>
+            <a:r>
+              <a:rPr lang="en-US" dirty="0" err="1"/>
+              <a:t>ExpectedBehaviour</a:t>
+            </a:r>
+            <a:r>
+              <a:rPr lang="en-US" dirty="0"/>
+              <a:t> (keyword Should/Expect/Then)</a:t>
             </a:r>
           </a:p>
         </p:txBody>
@@ -9756,7 +9693,7 @@
           <a:p>
             <a:fld id="{3BAECB10-9972-4830-A584-02C41DAFD45B}" type="slidenum">
               <a:rPr lang="ru-RU" smtClean="0"/>
-              <a:t>6</a:t>
+              <a:t>5</a:t>
             </a:fld>
             <a:endParaRPr lang="ru-RU"/>
           </a:p>
@@ -9765,7 +9702,7 @@
     </p:spTree>
     <p:extLst>
       <p:ext uri="{BB962C8B-B14F-4D97-AF65-F5344CB8AC3E}">
-        <p14:creationId xmlns:p14="http://schemas.microsoft.com/office/powerpoint/2010/main" val="2813128715"/>
+        <p14:creationId xmlns:p14="http://schemas.microsoft.com/office/powerpoint/2010/main" val="3838372683"/>
       </p:ext>
     </p:extLst>
   </p:cSld>
@@ -9820,105 +9757,25 @@
           <a:lstStyle/>
           <a:p>
             <a:r>
-              <a:rPr lang="en-US" dirty="0"/>
-              <a:t>Local</a:t>
-            </a:r>
-            <a:r>
-              <a:rPr lang="en-US" baseline="0" dirty="0"/>
-              <a:t> Hero – </a:t>
-            </a:r>
-            <a:r>
-              <a:rPr lang="ru-RU" baseline="0" dirty="0"/>
-              <a:t>не будет работать на других машинах</a:t>
-            </a:r>
-            <a:endParaRPr lang="ru-RU" dirty="0"/>
-          </a:p>
-          <a:p>
-            <a:r>
-              <a:rPr lang="en-US" dirty="0"/>
-              <a:t>Loudmouth </a:t>
-            </a:r>
-            <a:r>
               <a:rPr lang="ru-RU" dirty="0"/>
-              <a:t>(крикун) – тест не является автоматическим: что-то выводит, но </a:t>
-            </a:r>
-            <a:r>
-              <a:rPr lang="en-US" dirty="0"/>
-              <a:t>exception</a:t>
-            </a:r>
-            <a:r>
-              <a:rPr lang="ru-RU" dirty="0"/>
-              <a:t> не кидает</a:t>
-            </a:r>
-          </a:p>
-          <a:p>
-            <a:r>
-              <a:rPr lang="en-US" dirty="0"/>
-              <a:t>Free Ride – </a:t>
-            </a:r>
-            <a:r>
-              <a:rPr lang="ru-RU" dirty="0"/>
-              <a:t>тестируется все подряд (много</a:t>
+              <a:t>В</a:t>
             </a:r>
             <a:r>
               <a:rPr lang="ru-RU" baseline="0" dirty="0"/>
               <a:t> </a:t>
             </a:r>
             <a:r>
-              <a:rPr lang="en-US" baseline="0" dirty="0"/>
-              <a:t>act, </a:t>
+              <a:rPr lang="ru-RU" baseline="0" dirty="0" smtClean="0"/>
+              <a:t>каких именах чего </a:t>
             </a:r>
             <a:r>
               <a:rPr lang="ru-RU" baseline="0" dirty="0"/>
-              <a:t>много </a:t>
-            </a:r>
-            <a:r>
-              <a:rPr lang="en-US" baseline="0" dirty="0"/>
-              <a:t>assert)</a:t>
-            </a:r>
-            <a:endParaRPr lang="ru-RU" dirty="0"/>
-          </a:p>
-          <a:p>
-            <a:r>
-              <a:rPr lang="en-US" dirty="0"/>
-              <a:t>Over</a:t>
-            </a:r>
-            <a:r>
-              <a:rPr lang="en-US" baseline="0" dirty="0"/>
-              <a:t> specification – </a:t>
-            </a:r>
-            <a:r>
-              <a:rPr lang="ru-RU" baseline="0" dirty="0"/>
-              <a:t>создается одна ситуация, но в ней тестируется все (один </a:t>
-            </a:r>
-            <a:r>
-              <a:rPr lang="en-US" baseline="0" dirty="0"/>
-              <a:t>act, </a:t>
-            </a:r>
-            <a:r>
-              <a:rPr lang="ru-RU" baseline="0" dirty="0"/>
-              <a:t>много </a:t>
-            </a:r>
-            <a:r>
-              <a:rPr lang="en-US" baseline="0" dirty="0"/>
-              <a:t>assert)</a:t>
-            </a:r>
-            <a:endParaRPr lang="ru-RU" baseline="0" dirty="0"/>
-          </a:p>
-          <a:p>
-            <a:endParaRPr lang="ru-RU" baseline="0" dirty="0"/>
-          </a:p>
-          <a:p>
-            <a:r>
-              <a:rPr lang="ru-RU" baseline="0" dirty="0"/>
-              <a:t>Только хорошо написанные тесты могут служить спецификацией.</a:t>
-            </a:r>
-          </a:p>
-          <a:p>
-            <a:endParaRPr lang="en-US" baseline="0" dirty="0"/>
-          </a:p>
-          <a:p>
-            <a:endParaRPr lang="en-US" dirty="0"/>
+              <a:t>не </a:t>
+            </a:r>
+            <a:r>
+              <a:rPr lang="ru-RU" baseline="0" dirty="0" smtClean="0"/>
+              <a:t>хватает?</a:t>
+            </a:r>
           </a:p>
         </p:txBody>
       </p:sp>
@@ -9939,7 +9796,7 @@
           <a:p>
             <a:fld id="{3BAECB10-9972-4830-A584-02C41DAFD45B}" type="slidenum">
               <a:rPr lang="ru-RU" smtClean="0"/>
-              <a:t>9</a:t>
+              <a:t>6</a:t>
             </a:fld>
             <a:endParaRPr lang="ru-RU"/>
           </a:p>
@@ -9948,7 +9805,7 @@
     </p:spTree>
     <p:extLst>
       <p:ext uri="{BB962C8B-B14F-4D97-AF65-F5344CB8AC3E}">
-        <p14:creationId xmlns:p14="http://schemas.microsoft.com/office/powerpoint/2010/main" val="150544368"/>
+        <p14:creationId xmlns:p14="http://schemas.microsoft.com/office/powerpoint/2010/main" val="2813128715"/>
       </p:ext>
     </p:extLst>
   </p:cSld>
@@ -10002,254 +9859,106 @@
           <a:bodyPr/>
           <a:lstStyle/>
           <a:p>
-            <a:pPr marL="0" marR="0" lvl="0" indent="0" algn="l" defTabSz="914400" rtl="0" eaLnBrk="1" fontAlgn="auto" latinLnBrk="0" hangingPunct="1">
-              <a:lnSpc>
-                <a:spcPct val="100000"/>
-              </a:lnSpc>
-              <a:spcBef>
-                <a:spcPts val="0"/>
-              </a:spcBef>
-              <a:spcAft>
-                <a:spcPts val="0"/>
-              </a:spcAft>
-              <a:buClrTx/>
-              <a:buSzTx/>
-              <a:buFontTx/>
-              <a:buNone/>
-              <a:tabLst/>
-              <a:defRPr/>
-            </a:pPr>
-            <a:endParaRPr lang="ru-RU" dirty="0" smtClean="0"/>
-          </a:p>
-          <a:p>
-            <a:pPr marL="0" marR="0" lvl="0" indent="0" algn="l" defTabSz="914400" rtl="0" eaLnBrk="1" fontAlgn="auto" latinLnBrk="0" hangingPunct="1">
-              <a:lnSpc>
-                <a:spcPct val="100000"/>
-              </a:lnSpc>
-              <a:spcBef>
-                <a:spcPts val="0"/>
-              </a:spcBef>
-              <a:spcAft>
-                <a:spcPts val="0"/>
-              </a:spcAft>
-              <a:buClrTx/>
-              <a:buSzTx/>
-              <a:buFontTx/>
-              <a:buNone/>
-              <a:tabLst/>
-              <a:defRPr/>
-            </a:pPr>
-            <a:r>
-              <a:rPr lang="ru-RU" dirty="0" err="1" smtClean="0"/>
-              <a:t>Аттрибуты</a:t>
-            </a:r>
-            <a:r>
-              <a:rPr lang="ru-RU" dirty="0" smtClean="0"/>
+            <a:r>
+              <a:rPr lang="en-US" dirty="0"/>
+              <a:t>Local</a:t>
+            </a:r>
+            <a:r>
+              <a:rPr lang="en-US" baseline="0" dirty="0"/>
+              <a:t> Hero – </a:t>
+            </a:r>
+            <a:r>
+              <a:rPr lang="ru-RU" baseline="0" dirty="0"/>
+              <a:t>не будет работать на других машинах</a:t>
+            </a:r>
+            <a:endParaRPr lang="ru-RU" dirty="0"/>
+          </a:p>
+          <a:p>
+            <a:r>
+              <a:rPr lang="en-US" dirty="0"/>
+              <a:t>Loudmouth </a:t>
+            </a:r>
+            <a:r>
+              <a:rPr lang="ru-RU" dirty="0"/>
+              <a:t>(крикун) – тест не является автоматическим: что-то выводит, но </a:t>
+            </a:r>
+            <a:r>
+              <a:rPr lang="en-US" dirty="0"/>
+              <a:t>exception</a:t>
+            </a:r>
+            <a:r>
+              <a:rPr lang="ru-RU" dirty="0"/>
+              <a:t> не кидает</a:t>
+            </a:r>
+          </a:p>
+          <a:p>
+            <a:r>
+              <a:rPr lang="en-US" dirty="0"/>
+              <a:t>Free Ride – </a:t>
+            </a:r>
+            <a:r>
+              <a:rPr lang="ru-RU" dirty="0"/>
+              <a:t>тестируется все подряд (много</a:t>
+            </a:r>
+            <a:r>
+              <a:rPr lang="ru-RU" baseline="0" dirty="0"/>
               <a:t> </a:t>
             </a:r>
             <a:r>
-              <a:rPr lang="en-US" dirty="0" err="1" smtClean="0"/>
-              <a:t>TestCase</a:t>
-            </a:r>
-            <a:r>
-              <a:rPr lang="ru-RU" dirty="0" smtClean="0"/>
-              <a:t> и</a:t>
-            </a:r>
-            <a:r>
-              <a:rPr lang="en-US" dirty="0" smtClean="0"/>
-              <a:t> </a:t>
-            </a:r>
-            <a:r>
-              <a:rPr lang="en-US" dirty="0" err="1" smtClean="0"/>
-              <a:t>TestCaseSource</a:t>
-            </a:r>
-            <a:r>
-              <a:rPr lang="ru-RU" dirty="0" smtClean="0"/>
-              <a:t> в </a:t>
-            </a:r>
-            <a:r>
-              <a:rPr lang="en-US" dirty="0" err="1" smtClean="0"/>
-              <a:t>nUnit</a:t>
-            </a:r>
-            <a:endParaRPr lang="en-US" dirty="0" smtClean="0"/>
-          </a:p>
-          <a:p>
-            <a:pPr marL="0" marR="0" lvl="0" indent="0" algn="l" defTabSz="914400" rtl="0" eaLnBrk="1" fontAlgn="auto" latinLnBrk="0" hangingPunct="1">
-              <a:lnSpc>
-                <a:spcPct val="100000"/>
-              </a:lnSpc>
-              <a:spcBef>
-                <a:spcPts val="0"/>
-              </a:spcBef>
-              <a:spcAft>
-                <a:spcPts val="0"/>
-              </a:spcAft>
-              <a:buClrTx/>
-              <a:buSzTx/>
-              <a:buFontTx/>
-              <a:buNone/>
-              <a:tabLst/>
-              <a:defRPr/>
-            </a:pPr>
-            <a:endParaRPr lang="en-US" dirty="0" smtClean="0"/>
-          </a:p>
-          <a:p>
-            <a:pPr marL="0" marR="0" lvl="0" indent="0" algn="l" defTabSz="914400" rtl="0" eaLnBrk="1" fontAlgn="auto" latinLnBrk="0" hangingPunct="1">
-              <a:lnSpc>
-                <a:spcPct val="100000"/>
-              </a:lnSpc>
-              <a:spcBef>
-                <a:spcPts val="0"/>
-              </a:spcBef>
-              <a:spcAft>
-                <a:spcPts val="0"/>
-              </a:spcAft>
-              <a:buClrTx/>
-              <a:buSzTx/>
-              <a:buFontTx/>
-              <a:buNone/>
-              <a:tabLst/>
-              <a:defRPr/>
-            </a:pPr>
-            <a:r>
-              <a:rPr lang="ru-RU" dirty="0" smtClean="0"/>
-              <a:t>С</a:t>
-            </a:r>
-            <a:r>
-              <a:rPr lang="ru-RU" baseline="0" dirty="0" smtClean="0"/>
-              <a:t> ними можно:</a:t>
-            </a:r>
-          </a:p>
-          <a:p>
-            <a:pPr marL="171450" marR="0" lvl="0" indent="-171450" algn="l" defTabSz="914400" rtl="0" eaLnBrk="1" fontAlgn="auto" latinLnBrk="0" hangingPunct="1">
-              <a:lnSpc>
-                <a:spcPct val="100000"/>
-              </a:lnSpc>
-              <a:spcBef>
-                <a:spcPts val="0"/>
-              </a:spcBef>
-              <a:spcAft>
-                <a:spcPts val="0"/>
-              </a:spcAft>
-              <a:buClrTx/>
-              <a:buSzTx/>
-              <a:buFont typeface="Arial" panose="020B0604020202020204" pitchFamily="34" charset="0"/>
-              <a:buChar char="•"/>
-              <a:tabLst/>
-              <a:defRPr/>
-            </a:pPr>
-            <a:r>
-              <a:rPr lang="ru-RU" baseline="0" dirty="0" smtClean="0"/>
-              <a:t>Красиво называть тесты</a:t>
-            </a:r>
-          </a:p>
-          <a:p>
-            <a:pPr marL="171450" marR="0" lvl="0" indent="-171450" algn="l" defTabSz="914400" rtl="0" eaLnBrk="1" fontAlgn="auto" latinLnBrk="0" hangingPunct="1">
-              <a:lnSpc>
-                <a:spcPct val="100000"/>
-              </a:lnSpc>
-              <a:spcBef>
-                <a:spcPts val="0"/>
-              </a:spcBef>
-              <a:spcAft>
-                <a:spcPts val="0"/>
-              </a:spcAft>
-              <a:buClrTx/>
-              <a:buSzTx/>
-              <a:buFont typeface="Arial" panose="020B0604020202020204" pitchFamily="34" charset="0"/>
-              <a:buChar char="•"/>
-              <a:tabLst/>
-              <a:defRPr/>
-            </a:pPr>
-            <a:r>
-              <a:rPr lang="ru-RU" baseline="0" dirty="0" smtClean="0"/>
-              <a:t>Указать ожидаемый результат и получать его из теста. (</a:t>
-            </a:r>
-            <a:r>
-              <a:rPr lang="en-US" sz="1200" b="0" i="0" kern="1200" dirty="0" err="1" smtClean="0">
-                <a:solidFill>
-                  <a:schemeClr val="tx1"/>
-                </a:solidFill>
-                <a:effectLst/>
-                <a:latin typeface="+mn-lt"/>
-                <a:ea typeface="+mn-ea"/>
-                <a:cs typeface="+mn-cs"/>
-              </a:rPr>
-              <a:t>withInvariantCulture_parse</a:t>
-            </a:r>
-            <a:r>
-              <a:rPr lang="en-US" sz="1200" b="0" i="0" kern="1200" dirty="0" smtClean="0">
-                <a:solidFill>
-                  <a:schemeClr val="tx1"/>
-                </a:solidFill>
-                <a:effectLst/>
-                <a:latin typeface="+mn-lt"/>
-                <a:ea typeface="+mn-ea"/>
-                <a:cs typeface="+mn-cs"/>
-              </a:rPr>
-              <a:t>(string input)</a:t>
-            </a:r>
-            <a:r>
-              <a:rPr lang="ru-RU" sz="1200" b="0" i="0" kern="1200" dirty="0" smtClean="0">
-                <a:solidFill>
-                  <a:schemeClr val="tx1"/>
-                </a:solidFill>
-                <a:effectLst/>
-                <a:latin typeface="+mn-lt"/>
-                <a:ea typeface="+mn-ea"/>
-                <a:cs typeface="+mn-cs"/>
-              </a:rPr>
-              <a:t> возвращает </a:t>
-            </a:r>
-            <a:r>
-              <a:rPr lang="en-US" sz="1200" b="0" i="0" kern="1200" dirty="0" smtClean="0">
-                <a:solidFill>
-                  <a:schemeClr val="tx1"/>
-                </a:solidFill>
-                <a:effectLst/>
-                <a:latin typeface="+mn-lt"/>
-                <a:ea typeface="+mn-ea"/>
-                <a:cs typeface="+mn-cs"/>
-              </a:rPr>
-              <a:t>double</a:t>
-            </a:r>
-            <a:r>
-              <a:rPr lang="ru-RU" sz="1200" b="0" i="0" kern="1200" dirty="0" smtClean="0">
-                <a:solidFill>
-                  <a:schemeClr val="tx1"/>
-                </a:solidFill>
-                <a:effectLst/>
-                <a:latin typeface="+mn-lt"/>
-                <a:ea typeface="+mn-ea"/>
-                <a:cs typeface="+mn-cs"/>
-              </a:rPr>
-              <a:t>,</a:t>
-            </a:r>
-            <a:r>
-              <a:rPr lang="ru-RU" sz="1200" b="0" i="0" kern="1200" baseline="0" dirty="0" smtClean="0">
-                <a:solidFill>
-                  <a:schemeClr val="tx1"/>
-                </a:solidFill>
-                <a:effectLst/>
-                <a:latin typeface="+mn-lt"/>
-                <a:ea typeface="+mn-ea"/>
-                <a:cs typeface="+mn-cs"/>
-              </a:rPr>
-              <a:t> а не </a:t>
-            </a:r>
-            <a:r>
-              <a:rPr lang="en-US" sz="1200" b="0" i="0" kern="1200" baseline="0" dirty="0" smtClean="0">
-                <a:solidFill>
-                  <a:schemeClr val="tx1"/>
-                </a:solidFill>
-                <a:effectLst/>
-                <a:latin typeface="+mn-lt"/>
-                <a:ea typeface="+mn-ea"/>
-                <a:cs typeface="+mn-cs"/>
-              </a:rPr>
-              <a:t>void)</a:t>
-            </a:r>
-            <a:endParaRPr lang="ru-RU" baseline="0" dirty="0" smtClean="0"/>
+              <a:rPr lang="en-US" baseline="0" dirty="0"/>
+              <a:t>act, </a:t>
+            </a:r>
+            <a:r>
+              <a:rPr lang="ru-RU" baseline="0" dirty="0"/>
+              <a:t>много </a:t>
+            </a:r>
+            <a:r>
+              <a:rPr lang="en-US" baseline="0" dirty="0"/>
+              <a:t>assert)</a:t>
+            </a:r>
+            <a:endParaRPr lang="ru-RU" dirty="0"/>
+          </a:p>
+          <a:p>
+            <a:r>
+              <a:rPr lang="en-US" dirty="0"/>
+              <a:t>Over</a:t>
+            </a:r>
+            <a:r>
+              <a:rPr lang="en-US" baseline="0" dirty="0"/>
+              <a:t> specification – </a:t>
+            </a:r>
+            <a:r>
+              <a:rPr lang="ru-RU" baseline="0" dirty="0"/>
+              <a:t>создается одна ситуация, но в ней тестируется все (один </a:t>
+            </a:r>
+            <a:r>
+              <a:rPr lang="en-US" baseline="0" dirty="0"/>
+              <a:t>act, </a:t>
+            </a:r>
+            <a:r>
+              <a:rPr lang="ru-RU" baseline="0" dirty="0"/>
+              <a:t>много </a:t>
+            </a:r>
+            <a:r>
+              <a:rPr lang="en-US" baseline="0" dirty="0"/>
+              <a:t>assert)</a:t>
+            </a:r>
+            <a:endParaRPr lang="ru-RU" baseline="0" dirty="0"/>
+          </a:p>
+          <a:p>
+            <a:endParaRPr lang="ru-RU" baseline="0" dirty="0"/>
+          </a:p>
+          <a:p>
+            <a:r>
+              <a:rPr lang="ru-RU" baseline="0" dirty="0"/>
+              <a:t>Только хорошо написанные тесты могут служить спецификацией.</a:t>
+            </a:r>
+          </a:p>
+          <a:p>
+            <a:endParaRPr lang="en-US" baseline="0" dirty="0"/>
+          </a:p>
+          <a:p>
+            <a:endParaRPr lang="en-US" dirty="0"/>
           </a:p>
         </p:txBody>
       </p:sp>
@@ -10270,7 +9979,7 @@
           <a:p>
             <a:fld id="{3BAECB10-9972-4830-A584-02C41DAFD45B}" type="slidenum">
               <a:rPr lang="ru-RU" smtClean="0"/>
-              <a:t>12</a:t>
+              <a:t>9</a:t>
             </a:fld>
             <a:endParaRPr lang="ru-RU"/>
           </a:p>
@@ -10279,7 +9988,7 @@
     </p:spTree>
     <p:extLst>
       <p:ext uri="{BB962C8B-B14F-4D97-AF65-F5344CB8AC3E}">
-        <p14:creationId xmlns:p14="http://schemas.microsoft.com/office/powerpoint/2010/main" val="3407484980"/>
+        <p14:creationId xmlns:p14="http://schemas.microsoft.com/office/powerpoint/2010/main" val="150544368"/>
       </p:ext>
     </p:extLst>
   </p:cSld>
@@ -10333,23 +10042,254 @@
           <a:bodyPr/>
           <a:lstStyle/>
           <a:p>
+            <a:pPr marL="0" marR="0" lvl="0" indent="0" algn="l" defTabSz="914400" rtl="0" eaLnBrk="1" fontAlgn="auto" latinLnBrk="0" hangingPunct="1">
+              <a:lnSpc>
+                <a:spcPct val="100000"/>
+              </a:lnSpc>
+              <a:spcBef>
+                <a:spcPts val="0"/>
+              </a:spcBef>
+              <a:spcAft>
+                <a:spcPts val="0"/>
+              </a:spcAft>
+              <a:buClrTx/>
+              <a:buSzTx/>
+              <a:buFontTx/>
+              <a:buNone/>
+              <a:tabLst/>
+              <a:defRPr/>
+            </a:pPr>
+            <a:endParaRPr lang="ru-RU" dirty="0" smtClean="0"/>
+          </a:p>
+          <a:p>
+            <a:pPr marL="0" marR="0" lvl="0" indent="0" algn="l" defTabSz="914400" rtl="0" eaLnBrk="1" fontAlgn="auto" latinLnBrk="0" hangingPunct="1">
+              <a:lnSpc>
+                <a:spcPct val="100000"/>
+              </a:lnSpc>
+              <a:spcBef>
+                <a:spcPts val="0"/>
+              </a:spcBef>
+              <a:spcAft>
+                <a:spcPts val="0"/>
+              </a:spcAft>
+              <a:buClrTx/>
+              <a:buSzTx/>
+              <a:buFontTx/>
+              <a:buNone/>
+              <a:tabLst/>
+              <a:defRPr/>
+            </a:pPr>
+            <a:r>
+              <a:rPr lang="ru-RU" dirty="0" err="1" smtClean="0"/>
+              <a:t>Аттрибуты</a:t>
+            </a:r>
             <a:r>
               <a:rPr lang="ru-RU" dirty="0" smtClean="0"/>
-              <a:t>- : Достаточно</a:t>
+              <a:t> </a:t>
+            </a:r>
+            <a:r>
+              <a:rPr lang="en-US" dirty="0" err="1" smtClean="0"/>
+              <a:t>TestCase</a:t>
+            </a:r>
+            <a:r>
+              <a:rPr lang="ru-RU" dirty="0" smtClean="0"/>
+              <a:t> и</a:t>
+            </a:r>
+            <a:r>
+              <a:rPr lang="en-US" dirty="0" smtClean="0"/>
+              <a:t> </a:t>
+            </a:r>
+            <a:r>
+              <a:rPr lang="en-US" dirty="0" err="1" smtClean="0"/>
+              <a:t>TestCaseSource</a:t>
+            </a:r>
+            <a:r>
+              <a:rPr lang="ru-RU" dirty="0" smtClean="0"/>
+              <a:t> в </a:t>
+            </a:r>
+            <a:r>
+              <a:rPr lang="en-US" dirty="0" err="1" smtClean="0"/>
+              <a:t>nUnit</a:t>
+            </a:r>
+            <a:endParaRPr lang="en-US" dirty="0" smtClean="0"/>
+          </a:p>
+          <a:p>
+            <a:pPr marL="0" marR="0" lvl="0" indent="0" algn="l" defTabSz="914400" rtl="0" eaLnBrk="1" fontAlgn="auto" latinLnBrk="0" hangingPunct="1">
+              <a:lnSpc>
+                <a:spcPct val="100000"/>
+              </a:lnSpc>
+              <a:spcBef>
+                <a:spcPts val="0"/>
+              </a:spcBef>
+              <a:spcAft>
+                <a:spcPts val="0"/>
+              </a:spcAft>
+              <a:buClrTx/>
+              <a:buSzTx/>
+              <a:buFontTx/>
+              <a:buNone/>
+              <a:tabLst/>
+              <a:defRPr/>
+            </a:pPr>
+            <a:endParaRPr lang="en-US" dirty="0" smtClean="0"/>
+          </a:p>
+          <a:p>
+            <a:pPr marL="0" marR="0" lvl="0" indent="0" algn="l" defTabSz="914400" rtl="0" eaLnBrk="1" fontAlgn="auto" latinLnBrk="0" hangingPunct="1">
+              <a:lnSpc>
+                <a:spcPct val="100000"/>
+              </a:lnSpc>
+              <a:spcBef>
+                <a:spcPts val="0"/>
+              </a:spcBef>
+              <a:spcAft>
+                <a:spcPts val="0"/>
+              </a:spcAft>
+              <a:buClrTx/>
+              <a:buSzTx/>
+              <a:buFontTx/>
+              <a:buNone/>
+              <a:tabLst/>
+              <a:defRPr/>
+            </a:pPr>
+            <a:r>
+              <a:rPr lang="ru-RU" dirty="0" smtClean="0"/>
+              <a:t>С</a:t>
             </a:r>
             <a:r>
               <a:rPr lang="ru-RU" baseline="0" dirty="0" smtClean="0"/>
-              <a:t> грубая проверка производительности.</a:t>
-            </a:r>
-          </a:p>
-          <a:p>
+              <a:t> ними можно:</a:t>
+            </a:r>
+          </a:p>
+          <a:p>
+            <a:pPr marL="171450" marR="0" lvl="0" indent="-171450" algn="l" defTabSz="914400" rtl="0" eaLnBrk="1" fontAlgn="auto" latinLnBrk="0" hangingPunct="1">
+              <a:lnSpc>
+                <a:spcPct val="100000"/>
+              </a:lnSpc>
+              <a:spcBef>
+                <a:spcPts val="0"/>
+              </a:spcBef>
+              <a:spcAft>
+                <a:spcPts val="0"/>
+              </a:spcAft>
+              <a:buClrTx/>
+              <a:buSzTx/>
+              <a:buFont typeface="Arial" panose="020B0604020202020204" pitchFamily="34" charset="0"/>
+              <a:buChar char="•"/>
+              <a:tabLst/>
+              <a:defRPr/>
+            </a:pPr>
             <a:r>
               <a:rPr lang="ru-RU" baseline="0" dirty="0" smtClean="0"/>
-              <a:t>+ : Помогает обнаружить изъяны в реализации.</a:t>
-            </a:r>
-          </a:p>
-          <a:p>
-            <a:endParaRPr lang="ru-RU" dirty="0"/>
+              <a:t>Красиво называть тесты</a:t>
+            </a:r>
+          </a:p>
+          <a:p>
+            <a:pPr marL="171450" marR="0" lvl="0" indent="-171450" algn="l" defTabSz="914400" rtl="0" eaLnBrk="1" fontAlgn="auto" latinLnBrk="0" hangingPunct="1">
+              <a:lnSpc>
+                <a:spcPct val="100000"/>
+              </a:lnSpc>
+              <a:spcBef>
+                <a:spcPts val="0"/>
+              </a:spcBef>
+              <a:spcAft>
+                <a:spcPts val="0"/>
+              </a:spcAft>
+              <a:buClrTx/>
+              <a:buSzTx/>
+              <a:buFont typeface="Arial" panose="020B0604020202020204" pitchFamily="34" charset="0"/>
+              <a:buChar char="•"/>
+              <a:tabLst/>
+              <a:defRPr/>
+            </a:pPr>
+            <a:r>
+              <a:rPr lang="ru-RU" baseline="0" dirty="0" smtClean="0"/>
+              <a:t>Указать ожидаемый результат и получать его из теста. (</a:t>
+            </a:r>
+            <a:r>
+              <a:rPr lang="en-US" sz="1200" b="0" i="0" kern="1200" dirty="0" err="1" smtClean="0">
+                <a:solidFill>
+                  <a:schemeClr val="tx1"/>
+                </a:solidFill>
+                <a:effectLst/>
+                <a:latin typeface="+mn-lt"/>
+                <a:ea typeface="+mn-ea"/>
+                <a:cs typeface="+mn-cs"/>
+              </a:rPr>
+              <a:t>withInvariantCulture_parse</a:t>
+            </a:r>
+            <a:r>
+              <a:rPr lang="en-US" sz="1200" b="0" i="0" kern="1200" dirty="0" smtClean="0">
+                <a:solidFill>
+                  <a:schemeClr val="tx1"/>
+                </a:solidFill>
+                <a:effectLst/>
+                <a:latin typeface="+mn-lt"/>
+                <a:ea typeface="+mn-ea"/>
+                <a:cs typeface="+mn-cs"/>
+              </a:rPr>
+              <a:t>(string input)</a:t>
+            </a:r>
+            <a:r>
+              <a:rPr lang="ru-RU" sz="1200" b="0" i="0" kern="1200" dirty="0" smtClean="0">
+                <a:solidFill>
+                  <a:schemeClr val="tx1"/>
+                </a:solidFill>
+                <a:effectLst/>
+                <a:latin typeface="+mn-lt"/>
+                <a:ea typeface="+mn-ea"/>
+                <a:cs typeface="+mn-cs"/>
+              </a:rPr>
+              <a:t> возвращает </a:t>
+            </a:r>
+            <a:r>
+              <a:rPr lang="en-US" sz="1200" b="0" i="0" kern="1200" dirty="0" smtClean="0">
+                <a:solidFill>
+                  <a:schemeClr val="tx1"/>
+                </a:solidFill>
+                <a:effectLst/>
+                <a:latin typeface="+mn-lt"/>
+                <a:ea typeface="+mn-ea"/>
+                <a:cs typeface="+mn-cs"/>
+              </a:rPr>
+              <a:t>double</a:t>
+            </a:r>
+            <a:r>
+              <a:rPr lang="ru-RU" sz="1200" b="0" i="0" kern="1200" dirty="0" smtClean="0">
+                <a:solidFill>
+                  <a:schemeClr val="tx1"/>
+                </a:solidFill>
+                <a:effectLst/>
+                <a:latin typeface="+mn-lt"/>
+                <a:ea typeface="+mn-ea"/>
+                <a:cs typeface="+mn-cs"/>
+              </a:rPr>
+              <a:t>,</a:t>
+            </a:r>
+            <a:r>
+              <a:rPr lang="ru-RU" sz="1200" b="0" i="0" kern="1200" baseline="0" dirty="0" smtClean="0">
+                <a:solidFill>
+                  <a:schemeClr val="tx1"/>
+                </a:solidFill>
+                <a:effectLst/>
+                <a:latin typeface="+mn-lt"/>
+                <a:ea typeface="+mn-ea"/>
+                <a:cs typeface="+mn-cs"/>
+              </a:rPr>
+              <a:t> а не </a:t>
+            </a:r>
+            <a:r>
+              <a:rPr lang="en-US" sz="1200" b="0" i="0" kern="1200" baseline="0" dirty="0" smtClean="0">
+                <a:solidFill>
+                  <a:schemeClr val="tx1"/>
+                </a:solidFill>
+                <a:effectLst/>
+                <a:latin typeface="+mn-lt"/>
+                <a:ea typeface="+mn-ea"/>
+                <a:cs typeface="+mn-cs"/>
+              </a:rPr>
+              <a:t>void)</a:t>
+            </a:r>
+            <a:endParaRPr lang="ru-RU" baseline="0" dirty="0" smtClean="0"/>
           </a:p>
         </p:txBody>
       </p:sp>
@@ -10370,7 +10310,7 @@
           <a:p>
             <a:fld id="{3BAECB10-9972-4830-A584-02C41DAFD45B}" type="slidenum">
               <a:rPr lang="ru-RU" smtClean="0"/>
-              <a:t>13</a:t>
+              <a:t>12</a:t>
             </a:fld>
             <a:endParaRPr lang="ru-RU"/>
           </a:p>
@@ -10379,7 +10319,7 @@
     </p:spTree>
     <p:extLst>
       <p:ext uri="{BB962C8B-B14F-4D97-AF65-F5344CB8AC3E}">
-        <p14:creationId xmlns:p14="http://schemas.microsoft.com/office/powerpoint/2010/main" val="2929866659"/>
+        <p14:creationId xmlns:p14="http://schemas.microsoft.com/office/powerpoint/2010/main" val="3407484980"/>
       </p:ext>
     </p:extLst>
   </p:cSld>
@@ -10433,22 +10373,80 @@
           <a:bodyPr/>
           <a:lstStyle/>
           <a:p>
-            <a:r>
-              <a:rPr lang="ru-RU" dirty="0" smtClean="0"/>
-              <a:t>Неочевидный</a:t>
+            <a:pPr marL="0" marR="0" lvl="0" indent="0" algn="l" defTabSz="914400" rtl="0" eaLnBrk="1" fontAlgn="auto" latinLnBrk="0" hangingPunct="1">
+              <a:lnSpc>
+                <a:spcPct val="100000"/>
+              </a:lnSpc>
+              <a:spcBef>
+                <a:spcPts val="0"/>
+              </a:spcBef>
+              <a:spcAft>
+                <a:spcPts val="0"/>
+              </a:spcAft>
+              <a:buClrTx/>
+              <a:buSzTx/>
+              <a:buFontTx/>
+              <a:buNone/>
+              <a:tabLst/>
+              <a:defRPr/>
+            </a:pPr>
+            <a:r>
+              <a:rPr lang="en-US" dirty="0" err="1" smtClean="0"/>
+              <a:t>NUnit</a:t>
             </a:r>
             <a:r>
               <a:rPr lang="ru-RU" baseline="0" dirty="0" smtClean="0"/>
-              <a:t> синтаксис у </a:t>
+              <a:t> умеет много всего интересного. Просмотрите хотя бы один раз его документацию на </a:t>
             </a:r>
             <a:r>
               <a:rPr lang="en-US" baseline="0" dirty="0" smtClean="0"/>
-              <a:t>Assert</a:t>
+              <a:t>nunit.org</a:t>
             </a:r>
             <a:r>
               <a:rPr lang="ru-RU" baseline="0" dirty="0" smtClean="0"/>
               <a:t>.</a:t>
             </a:r>
+            <a:r>
+              <a:rPr lang="en-US" baseline="0" dirty="0" smtClean="0"/>
+              <a:t> </a:t>
+            </a:r>
+            <a:r>
+              <a:rPr lang="ru-RU" baseline="0" dirty="0" smtClean="0"/>
+              <a:t>Вот пример того, что можно там найти.</a:t>
+            </a:r>
+            <a:endParaRPr lang="ru-RU" dirty="0" smtClean="0"/>
+          </a:p>
+          <a:p>
+            <a:endParaRPr lang="ru-RU" dirty="0" smtClean="0"/>
+          </a:p>
+          <a:p>
+            <a:r>
+              <a:rPr lang="en-US" dirty="0" smtClean="0"/>
+              <a:t>[Timeout]</a:t>
+            </a:r>
+            <a:endParaRPr lang="ru-RU" dirty="0" smtClean="0"/>
+          </a:p>
+          <a:p>
+            <a:r>
+              <a:rPr lang="ru-RU" dirty="0" smtClean="0"/>
+              <a:t>- </a:t>
+            </a:r>
+            <a:r>
+              <a:rPr lang="ru-RU" dirty="0" smtClean="0"/>
+              <a:t>: Достаточно</a:t>
+            </a:r>
+            <a:r>
+              <a:rPr lang="ru-RU" baseline="0" dirty="0" smtClean="0"/>
+              <a:t> грубая проверка производительности.</a:t>
+            </a:r>
+          </a:p>
+          <a:p>
+            <a:r>
+              <a:rPr lang="ru-RU" baseline="0" dirty="0" smtClean="0"/>
+              <a:t>+ : Помогает обнаружить изъяны в реализации.</a:t>
+            </a:r>
+          </a:p>
+          <a:p>
             <a:endParaRPr lang="ru-RU" dirty="0"/>
           </a:p>
         </p:txBody>
@@ -10470,7 +10468,7 @@
           <a:p>
             <a:fld id="{3BAECB10-9972-4830-A584-02C41DAFD45B}" type="slidenum">
               <a:rPr lang="ru-RU" smtClean="0"/>
-              <a:t>14</a:t>
+              <a:t>13</a:t>
             </a:fld>
             <a:endParaRPr lang="ru-RU"/>
           </a:p>
@@ -10479,7 +10477,7 @@
     </p:spTree>
     <p:extLst>
       <p:ext uri="{BB962C8B-B14F-4D97-AF65-F5344CB8AC3E}">
-        <p14:creationId xmlns:p14="http://schemas.microsoft.com/office/powerpoint/2010/main" val="2355226439"/>
+        <p14:creationId xmlns:p14="http://schemas.microsoft.com/office/powerpoint/2010/main" val="2929866659"/>
       </p:ext>
     </p:extLst>
   </p:cSld>
@@ -14571,13 +14569,13 @@
           <a:p>
             <a:r>
               <a:rPr lang="en-US" dirty="0">
-                <a:hlinkClick r:id="rId2"/>
+                <a:hlinkClick r:id="rId3"/>
               </a:rPr>
               <a:t>https://github.com/kontur-csharper/</a:t>
             </a:r>
             <a:r>
               <a:rPr lang="en-US" b="1" dirty="0">
-                <a:hlinkClick r:id="rId2"/>
+                <a:hlinkClick r:id="rId3"/>
               </a:rPr>
               <a:t>testing</a:t>
             </a:r>
@@ -14621,7 +14619,7 @@
           <p:nvPr/>
         </p:nvPicPr>
         <p:blipFill>
-          <a:blip r:embed="rId3" cstate="print">
+          <a:blip r:embed="rId4" cstate="print">
             <a:extLst>
               <a:ext uri="{28A0092B-C50C-407E-A947-70E740481C1C}">
                 <a14:useLocalDpi xmlns:a14="http://schemas.microsoft.com/office/drawing/2010/main" val="0"/>

--- a/testing.pptx
+++ b/testing.pptx
@@ -6,29 +6,36 @@
     <p:sldMasterId id="2147483811" r:id="rId2"/>
   </p:sldMasterIdLst>
   <p:notesMasterIdLst>
-    <p:notesMasterId r:id="rId23"/>
+    <p:notesMasterId r:id="rId30"/>
   </p:notesMasterIdLst>
   <p:sldIdLst>
     <p:sldId id="373" r:id="rId3"/>
-    <p:sldId id="366" r:id="rId4"/>
-    <p:sldId id="367" r:id="rId5"/>
-    <p:sldId id="368" r:id="rId6"/>
-    <p:sldId id="369" r:id="rId7"/>
-    <p:sldId id="370" r:id="rId8"/>
-    <p:sldId id="371" r:id="rId9"/>
-    <p:sldId id="376" r:id="rId10"/>
+    <p:sldId id="385" r:id="rId4"/>
+    <p:sldId id="366" r:id="rId5"/>
+    <p:sldId id="367" r:id="rId6"/>
+    <p:sldId id="368" r:id="rId7"/>
+    <p:sldId id="369" r:id="rId8"/>
+    <p:sldId id="370" r:id="rId9"/>
+    <p:sldId id="371" r:id="rId10"/>
     <p:sldId id="307" r:id="rId11"/>
     <p:sldId id="374" r:id="rId12"/>
     <p:sldId id="339" r:id="rId13"/>
-    <p:sldId id="338" r:id="rId14"/>
-    <p:sldId id="383" r:id="rId15"/>
-    <p:sldId id="378" r:id="rId16"/>
-    <p:sldId id="384" r:id="rId17"/>
-    <p:sldId id="377" r:id="rId18"/>
-    <p:sldId id="382" r:id="rId19"/>
-    <p:sldId id="379" r:id="rId20"/>
-    <p:sldId id="380" r:id="rId21"/>
-    <p:sldId id="381" r:id="rId22"/>
+    <p:sldId id="386" r:id="rId14"/>
+    <p:sldId id="387" r:id="rId15"/>
+    <p:sldId id="388" r:id="rId16"/>
+    <p:sldId id="338" r:id="rId17"/>
+    <p:sldId id="376" r:id="rId18"/>
+    <p:sldId id="389" r:id="rId19"/>
+    <p:sldId id="390" r:id="rId20"/>
+    <p:sldId id="391" r:id="rId21"/>
+    <p:sldId id="383" r:id="rId22"/>
+    <p:sldId id="378" r:id="rId23"/>
+    <p:sldId id="384" r:id="rId24"/>
+    <p:sldId id="377" r:id="rId25"/>
+    <p:sldId id="382" r:id="rId26"/>
+    <p:sldId id="379" r:id="rId27"/>
+    <p:sldId id="380" r:id="rId28"/>
+    <p:sldId id="381" r:id="rId29"/>
   </p:sldIdLst>
   <p:sldSz cx="12192000" cy="6858000"/>
   <p:notesSz cx="6858000" cy="9144000"/>
@@ -133,6 +140,7 @@
         <p14:section name="Вступление" id="{C0B33B54-0327-40A8-BA91-635679EF4343}">
           <p14:sldIdLst>
             <p14:sldId id="373"/>
+            <p14:sldId id="385"/>
           </p14:sldIdLst>
         </p14:section>
         <p14:section name="Тесты как спецификация" id="{098AA2A7-86A6-4C3C-8BAC-4427CA36CEDC}">
@@ -143,7 +151,6 @@
             <p14:sldId id="369"/>
             <p14:sldId id="370"/>
             <p14:sldId id="371"/>
-            <p14:sldId id="376"/>
             <p14:sldId id="307"/>
           </p14:sldIdLst>
         </p14:section>
@@ -151,7 +158,14 @@
           <p14:sldIdLst>
             <p14:sldId id="374"/>
             <p14:sldId id="339"/>
+            <p14:sldId id="386"/>
+            <p14:sldId id="387"/>
+            <p14:sldId id="388"/>
             <p14:sldId id="338"/>
+            <p14:sldId id="376"/>
+            <p14:sldId id="389"/>
+            <p14:sldId id="390"/>
+            <p14:sldId id="391"/>
             <p14:sldId id="383"/>
             <p14:sldId id="378"/>
             <p14:sldId id="384"/>
@@ -7190,7 +7204,7 @@
           <a:p>
             <a:fld id="{16E5F246-0B7D-44DF-8C1B-EDFCA5DA626A}" type="datetimeFigureOut">
               <a:rPr lang="ru-RU" smtClean="0"/>
-              <a:t>10.08.2017</a:t>
+              <a:t>22.09.2017</a:t>
             </a:fld>
             <a:endParaRPr lang="ru-RU"/>
           </a:p>
@@ -7501,6 +7515,67 @@
           <a:bodyPr/>
           <a:lstStyle/>
           <a:p>
+            <a:r>
+              <a:rPr lang="ru-RU" dirty="0" smtClean="0"/>
+              <a:t>Кто уже применял</a:t>
+            </a:r>
+            <a:r>
+              <a:rPr lang="ru-RU" baseline="0" dirty="0" smtClean="0"/>
+              <a:t> </a:t>
+            </a:r>
+            <a:r>
+              <a:rPr lang="en-US" baseline="0" dirty="0" err="1" smtClean="0"/>
+              <a:t>NUnit</a:t>
+            </a:r>
+            <a:r>
+              <a:rPr lang="ru-RU" baseline="0" dirty="0" smtClean="0"/>
+              <a:t> или подобные тесты?</a:t>
+            </a:r>
+            <a:br>
+              <a:rPr lang="ru-RU" baseline="0" dirty="0" smtClean="0"/>
+            </a:br>
+            <a:r>
+              <a:rPr lang="ru-RU" dirty="0" smtClean="0"/>
+              <a:t>Зачем нужно тестирование? </a:t>
+            </a:r>
+          </a:p>
+          <a:p>
+            <a:pPr marL="171450" indent="-171450">
+              <a:buFont typeface="Arial" panose="020B0604020202020204" pitchFamily="34" charset="0"/>
+              <a:buChar char="•"/>
+            </a:pPr>
+            <a:r>
+              <a:rPr lang="ru-RU" dirty="0" smtClean="0"/>
+              <a:t>оперативная</a:t>
+            </a:r>
+            <a:r>
+              <a:rPr lang="ru-RU" baseline="0" dirty="0" smtClean="0"/>
+              <a:t> обратная связь</a:t>
+            </a:r>
+            <a:endParaRPr lang="en-US" baseline="0" dirty="0" smtClean="0"/>
+          </a:p>
+          <a:p>
+            <a:pPr marL="171450" indent="-171450">
+              <a:buFont typeface="Arial" panose="020B0604020202020204" pitchFamily="34" charset="0"/>
+              <a:buChar char="•"/>
+            </a:pPr>
+            <a:r>
+              <a:rPr lang="ru-RU" baseline="0" dirty="0" smtClean="0"/>
+              <a:t>качество</a:t>
+            </a:r>
+          </a:p>
+          <a:p>
+            <a:pPr marL="171450" indent="-171450">
+              <a:buFont typeface="Arial" panose="020B0604020202020204" pitchFamily="34" charset="0"/>
+              <a:buChar char="•"/>
+            </a:pPr>
+            <a:r>
+              <a:rPr lang="ru-RU" baseline="0" dirty="0" smtClean="0"/>
+              <a:t>доверие к коду</a:t>
+            </a:r>
+            <a:endParaRPr lang="en-US" baseline="0" dirty="0" smtClean="0"/>
+          </a:p>
+          <a:p>
             <a:endParaRPr lang="ru-RU" dirty="0"/>
           </a:p>
         </p:txBody>
@@ -7522,7 +7597,7 @@
           <a:p>
             <a:fld id="{3BAECB10-9972-4830-A584-02C41DAFD45B}" type="slidenum">
               <a:rPr lang="ru-RU" smtClean="0"/>
-              <a:t>2</a:t>
+              <a:t>1</a:t>
             </a:fld>
             <a:endParaRPr lang="ru-RU"/>
           </a:p>
@@ -7531,7 +7606,7 @@
     </p:spTree>
     <p:extLst>
       <p:ext uri="{BB962C8B-B14F-4D97-AF65-F5344CB8AC3E}">
-        <p14:creationId xmlns:p14="http://schemas.microsoft.com/office/powerpoint/2010/main" val="1377505549"/>
+        <p14:creationId xmlns:p14="http://schemas.microsoft.com/office/powerpoint/2010/main" val="2694741705"/>
       </p:ext>
     </p:extLst>
   </p:cSld>
@@ -7585,93 +7660,7 @@
           <a:bodyPr/>
           <a:lstStyle/>
           <a:p>
-            <a:r>
-              <a:rPr lang="en-US" dirty="0" smtClean="0"/>
-              <a:t>Options</a:t>
-            </a:r>
-            <a:r>
-              <a:rPr lang="en-US" baseline="0" dirty="0" smtClean="0"/>
-              <a:t> </a:t>
-            </a:r>
-            <a:r>
-              <a:rPr lang="ru-RU" baseline="0" dirty="0" smtClean="0"/>
-              <a:t>лучше читается, но можно и просто </a:t>
-            </a:r>
-            <a:r>
-              <a:rPr lang="en-US" baseline="0" dirty="0" smtClean="0"/>
-              <a:t>o =&gt; o….</a:t>
-            </a:r>
-          </a:p>
-          <a:p>
-            <a:endParaRPr lang="en-US" baseline="0" dirty="0" smtClean="0"/>
-          </a:p>
-          <a:p>
-            <a:r>
-              <a:rPr lang="en-US" baseline="0" dirty="0" err="1" smtClean="0"/>
-              <a:t>currentSyntax</a:t>
-            </a:r>
-            <a:r>
-              <a:rPr lang="en-US" baseline="0" dirty="0" smtClean="0"/>
-              <a:t> =&gt; </a:t>
-            </a:r>
-          </a:p>
-          <a:p>
-            <a:endParaRPr lang="en-US" baseline="0" dirty="0" smtClean="0"/>
-          </a:p>
-          <a:p>
-            <a:pPr marL="171450" indent="-171450">
-              <a:buFont typeface="Arial" panose="020B0604020202020204" pitchFamily="34" charset="0"/>
-              <a:buChar char="•"/>
-            </a:pPr>
-            <a:r>
-              <a:rPr lang="en-US" dirty="0" smtClean="0"/>
-              <a:t>new[] {1,2,3}.</a:t>
-            </a:r>
-            <a:r>
-              <a:rPr lang="en-US" dirty="0" err="1" smtClean="0"/>
-              <a:t>ShouldBeEquivalentTo</a:t>
-            </a:r>
-            <a:r>
-              <a:rPr lang="en-US" dirty="0" smtClean="0"/>
-              <a:t>(new [] {3,2,1});</a:t>
-            </a:r>
-          </a:p>
-          <a:p>
-            <a:pPr marL="171450" indent="-171450">
-              <a:buFont typeface="Arial" panose="020B0604020202020204" pitchFamily="34" charset="0"/>
-              <a:buChar char="•"/>
-            </a:pPr>
-            <a:r>
-              <a:rPr lang="en-US" dirty="0" smtClean="0"/>
-              <a:t>new[] {1,2,3}.</a:t>
-            </a:r>
-            <a:r>
-              <a:rPr lang="en-US" dirty="0" err="1" smtClean="0"/>
-              <a:t>ShouldAllBeEquivalentTo</a:t>
-            </a:r>
-            <a:r>
-              <a:rPr lang="en-US" dirty="0" smtClean="0"/>
-              <a:t>(new [] {1,2,3}, options =&gt; options</a:t>
-            </a:r>
-          </a:p>
-          <a:p>
-            <a:pPr marL="457200" lvl="1" indent="0">
-              <a:buFont typeface="Arial" panose="020B0604020202020204" pitchFamily="34" charset="0"/>
-              <a:buNone/>
-            </a:pPr>
-            <a:r>
-              <a:rPr lang="en-US" dirty="0" smtClean="0"/>
-              <a:t>.</a:t>
-            </a:r>
-            <a:r>
-              <a:rPr lang="en-US" dirty="0" err="1" smtClean="0"/>
-              <a:t>WithStrictOrdering</a:t>
-            </a:r>
-            <a:r>
-              <a:rPr lang="en-US" dirty="0" smtClean="0"/>
-              <a:t>());</a:t>
-            </a:r>
-            <a:endParaRPr lang="ru-RU" baseline="0" dirty="0" smtClean="0"/>
+            <a:endParaRPr lang="ru-RU" dirty="0"/>
           </a:p>
         </p:txBody>
       </p:sp>
@@ -7692,7 +7681,7 @@
           <a:p>
             <a:fld id="{3BAECB10-9972-4830-A584-02C41DAFD45B}" type="slidenum">
               <a:rPr lang="ru-RU" smtClean="0"/>
-              <a:t>15</a:t>
+              <a:t>11</a:t>
             </a:fld>
             <a:endParaRPr lang="ru-RU"/>
           </a:p>
@@ -7701,7 +7690,7 @@
     </p:spTree>
     <p:extLst>
       <p:ext uri="{BB962C8B-B14F-4D97-AF65-F5344CB8AC3E}">
-        <p14:creationId xmlns:p14="http://schemas.microsoft.com/office/powerpoint/2010/main" val="308928937"/>
+        <p14:creationId xmlns:p14="http://schemas.microsoft.com/office/powerpoint/2010/main" val="1538534830"/>
       </p:ext>
     </p:extLst>
   </p:cSld>
@@ -7756,17 +7745,51 @@
           <a:lstStyle/>
           <a:p>
             <a:r>
-              <a:rPr lang="en-US" dirty="0" err="1" smtClean="0"/>
-              <a:t>Resharper</a:t>
+              <a:rPr lang="en-US" dirty="0" smtClean="0"/>
+              <a:t>Spoiler Alert</a:t>
+            </a:r>
+            <a:r>
+              <a:rPr lang="ru-RU" dirty="0" smtClean="0"/>
+              <a:t>!</a:t>
+            </a:r>
+            <a:r>
+              <a:rPr lang="ru-RU" baseline="0" dirty="0" smtClean="0"/>
+              <a:t> Блок «</a:t>
             </a:r>
             <a:r>
               <a:rPr lang="en-US" baseline="0" dirty="0" smtClean="0"/>
-              <a:t>’</a:t>
+              <a:t>Mock and Stub</a:t>
             </a:r>
             <a:r>
               <a:rPr lang="ru-RU" baseline="0" dirty="0" smtClean="0"/>
-              <a:t>ом, как и любым инструментом, нужно уметь пользоваться, чтобы работать эффективно.</a:t>
-            </a:r>
+              <a:t>»</a:t>
+            </a:r>
+          </a:p>
+          <a:p>
+            <a:r>
+              <a:rPr lang="ru-RU" baseline="0" dirty="0" smtClean="0"/>
+              <a:t>На этом слайде мы видим </a:t>
+            </a:r>
+            <a:r>
+              <a:rPr lang="en-US" baseline="0" dirty="0" smtClean="0"/>
+              <a:t>setup</a:t>
+            </a:r>
+            <a:r>
+              <a:rPr lang="ru-RU" baseline="0" dirty="0" smtClean="0"/>
+              <a:t> для функциональных тестов с созданием </a:t>
+            </a:r>
+            <a:r>
+              <a:rPr lang="ru-RU" baseline="0" dirty="0" err="1" smtClean="0"/>
+              <a:t>Моков</a:t>
+            </a:r>
+            <a:r>
+              <a:rPr lang="ru-RU" baseline="0" dirty="0" smtClean="0"/>
+              <a:t> к основным внутренним сервисам.</a:t>
+            </a:r>
+            <a:endParaRPr lang="en-US" baseline="0" dirty="0" smtClean="0"/>
+          </a:p>
+          <a:p>
+            <a:endParaRPr lang="ru-RU" baseline="0" dirty="0" smtClean="0"/>
           </a:p>
         </p:txBody>
       </p:sp>
@@ -7787,7 +7810,7 @@
           <a:p>
             <a:fld id="{3BAECB10-9972-4830-A584-02C41DAFD45B}" type="slidenum">
               <a:rPr lang="ru-RU" smtClean="0"/>
-              <a:t>16</a:t>
+              <a:t>12</a:t>
             </a:fld>
             <a:endParaRPr lang="ru-RU"/>
           </a:p>
@@ -7796,7 +7819,7 @@
     </p:spTree>
     <p:extLst>
       <p:ext uri="{BB962C8B-B14F-4D97-AF65-F5344CB8AC3E}">
-        <p14:creationId xmlns:p14="http://schemas.microsoft.com/office/powerpoint/2010/main" val="890883594"/>
+        <p14:creationId xmlns:p14="http://schemas.microsoft.com/office/powerpoint/2010/main" val="2577220445"/>
       </p:ext>
     </p:extLst>
   </p:cSld>
@@ -7851,14 +7874,18 @@
           <a:lstStyle/>
           <a:p>
             <a:r>
-              <a:rPr lang="ru-RU" dirty="0"/>
-              <a:t>Мартовский</a:t>
-            </a:r>
-            <a:r>
-              <a:rPr lang="ru-RU" baseline="0" dirty="0"/>
-              <a:t> кролик написал кучу реализаций, но не успел написать тесты…</a:t>
-            </a:r>
-            <a:endParaRPr lang="en-US" dirty="0"/>
+              <a:rPr lang="en-US" dirty="0" err="1" smtClean="0"/>
+              <a:t>TearDown</a:t>
+            </a:r>
+            <a:r>
+              <a:rPr lang="en-US" baseline="0" dirty="0" smtClean="0"/>
+              <a:t> </a:t>
+            </a:r>
+            <a:r>
+              <a:rPr lang="ru-RU" baseline="0" dirty="0" smtClean="0"/>
+              <a:t>обычно содержит в себе методы для «зачистки» за собой.</a:t>
+            </a:r>
+            <a:endParaRPr lang="ru-RU" dirty="0"/>
           </a:p>
         </p:txBody>
       </p:sp>
@@ -7879,7 +7906,7 @@
           <a:p>
             <a:fld id="{3BAECB10-9972-4830-A584-02C41DAFD45B}" type="slidenum">
               <a:rPr lang="ru-RU" smtClean="0"/>
-              <a:t>17</a:t>
+              <a:t>13</a:t>
             </a:fld>
             <a:endParaRPr lang="ru-RU"/>
           </a:p>
@@ -7888,7 +7915,7 @@
     </p:spTree>
     <p:extLst>
       <p:ext uri="{BB962C8B-B14F-4D97-AF65-F5344CB8AC3E}">
-        <p14:creationId xmlns:p14="http://schemas.microsoft.com/office/powerpoint/2010/main" val="2782064311"/>
+        <p14:creationId xmlns:p14="http://schemas.microsoft.com/office/powerpoint/2010/main" val="45005637"/>
       </p:ext>
     </p:extLst>
   </p:cSld>
@@ -7942,7 +7969,77 @@
           <a:bodyPr/>
           <a:lstStyle/>
           <a:p>
-            <a:endParaRPr lang="ru-RU" dirty="0"/>
+            <a:r>
+              <a:rPr lang="ru-RU" dirty="0" smtClean="0"/>
+              <a:t>Это</a:t>
+            </a:r>
+            <a:r>
+              <a:rPr lang="ru-RU" baseline="0" dirty="0" smtClean="0"/>
+              <a:t> </a:t>
+            </a:r>
+            <a:r>
+              <a:rPr lang="en-US" baseline="0" dirty="0" err="1" smtClean="0"/>
+              <a:t>ObjectMother</a:t>
+            </a:r>
+            <a:r>
+              <a:rPr lang="ru-RU" baseline="0" dirty="0" smtClean="0"/>
+              <a:t>.</a:t>
+            </a:r>
+          </a:p>
+          <a:p>
+            <a:r>
+              <a:rPr lang="ru-RU" baseline="0" dirty="0" smtClean="0"/>
+              <a:t>Сначала определяется </a:t>
+            </a:r>
+            <a:r>
+              <a:rPr lang="en-US" baseline="0" dirty="0" err="1" smtClean="0"/>
+              <a:t>var</a:t>
+            </a:r>
+            <a:r>
+              <a:rPr lang="en-US" baseline="0" dirty="0" smtClean="0"/>
+              <a:t> a = </a:t>
+            </a:r>
+            <a:r>
+              <a:rPr lang="en-US" baseline="0" dirty="0" err="1" smtClean="0"/>
+              <a:t>GenerateSubmissionMeta</a:t>
+            </a:r>
+            <a:r>
+              <a:rPr lang="en-US" baseline="0" dirty="0" smtClean="0"/>
+              <a:t>()</a:t>
+            </a:r>
+            <a:r>
+              <a:rPr lang="ru-RU" baseline="0" dirty="0" smtClean="0"/>
+              <a:t>, а затем в а дописываются/изменяются поля, которые мы хотим проверить.</a:t>
+            </a:r>
+          </a:p>
+          <a:p>
+            <a:endParaRPr lang="ru-RU" baseline="0" dirty="0" smtClean="0"/>
+          </a:p>
+          <a:p>
+            <a:r>
+              <a:rPr lang="en-US" baseline="0" dirty="0" err="1" smtClean="0"/>
+              <a:t>TestDataBuilder</a:t>
+            </a:r>
+            <a:r>
+              <a:rPr lang="en-US" baseline="0" dirty="0" smtClean="0"/>
+              <a:t> </a:t>
+            </a:r>
+            <a:r>
+              <a:rPr lang="ru-RU" baseline="0" dirty="0" smtClean="0"/>
+              <a:t>-</a:t>
+            </a:r>
+            <a:r>
+              <a:rPr lang="en-US" baseline="0" dirty="0" smtClean="0"/>
+              <a:t>&gt; </a:t>
+            </a:r>
+            <a:r>
+              <a:rPr lang="en-US" baseline="0" dirty="0" err="1" smtClean="0"/>
+              <a:t>TestUserBuilder.cs</a:t>
+            </a:r>
+            <a:endParaRPr lang="en-US" baseline="0" dirty="0" smtClean="0"/>
+          </a:p>
+          <a:p>
+            <a:endParaRPr lang="en-US" baseline="0" dirty="0" smtClean="0"/>
           </a:p>
         </p:txBody>
       </p:sp>
@@ -7963,7 +8060,7 @@
           <a:p>
             <a:fld id="{3BAECB10-9972-4830-A584-02C41DAFD45B}" type="slidenum">
               <a:rPr lang="ru-RU" smtClean="0"/>
-              <a:t>18</a:t>
+              <a:t>14</a:t>
             </a:fld>
             <a:endParaRPr lang="ru-RU"/>
           </a:p>
@@ -7972,7 +8069,7 @@
     </p:spTree>
     <p:extLst>
       <p:ext uri="{BB962C8B-B14F-4D97-AF65-F5344CB8AC3E}">
-        <p14:creationId xmlns:p14="http://schemas.microsoft.com/office/powerpoint/2010/main" val="3454826708"/>
+        <p14:creationId xmlns:p14="http://schemas.microsoft.com/office/powerpoint/2010/main" val="3802465497"/>
       </p:ext>
     </p:extLst>
   </p:cSld>
@@ -8026,29 +8123,126 @@
           <a:bodyPr/>
           <a:lstStyle/>
           <a:p>
+            <a:pPr marL="0" marR="0" lvl="0" indent="0" algn="l" defTabSz="914400" rtl="0" eaLnBrk="1" fontAlgn="auto" latinLnBrk="0" hangingPunct="1">
+              <a:lnSpc>
+                <a:spcPct val="100000"/>
+              </a:lnSpc>
+              <a:spcBef>
+                <a:spcPts val="0"/>
+              </a:spcBef>
+              <a:spcAft>
+                <a:spcPts val="0"/>
+              </a:spcAft>
+              <a:buClrTx/>
+              <a:buSzTx/>
+              <a:buFontTx/>
+              <a:buNone/>
+              <a:tabLst/>
+              <a:defRPr/>
+            </a:pPr>
+            <a:endParaRPr lang="ru-RU" dirty="0" smtClean="0"/>
+          </a:p>
+          <a:p>
+            <a:pPr marL="0" marR="0" lvl="0" indent="0" algn="l" defTabSz="914400" rtl="0" eaLnBrk="1" fontAlgn="auto" latinLnBrk="0" hangingPunct="1">
+              <a:lnSpc>
+                <a:spcPct val="100000"/>
+              </a:lnSpc>
+              <a:spcBef>
+                <a:spcPts val="0"/>
+              </a:spcBef>
+              <a:spcAft>
+                <a:spcPts val="0"/>
+              </a:spcAft>
+              <a:buClrTx/>
+              <a:buSzTx/>
+              <a:buFontTx/>
+              <a:buNone/>
+              <a:tabLst/>
+              <a:defRPr/>
+            </a:pPr>
+            <a:r>
+              <a:rPr lang="ru-RU" dirty="0" err="1" smtClean="0"/>
+              <a:t>Аттрибуты</a:t>
+            </a:r>
             <a:r>
               <a:rPr lang="ru-RU" dirty="0" smtClean="0"/>
-              <a:t>1. По явно</a:t>
+              <a:t> </a:t>
+            </a:r>
+            <a:r>
+              <a:rPr lang="en-US" dirty="0" err="1" smtClean="0"/>
+              <a:t>TestCase</a:t>
+            </a:r>
+            <a:r>
+              <a:rPr lang="ru-RU" dirty="0" smtClean="0"/>
+              <a:t> и</a:t>
+            </a:r>
+            <a:r>
+              <a:rPr lang="en-US" dirty="0" smtClean="0"/>
+              <a:t> </a:t>
+            </a:r>
+            <a:r>
+              <a:rPr lang="en-US" dirty="0" err="1" smtClean="0"/>
+              <a:t>TestCaseSource</a:t>
+            </a:r>
+            <a:r>
+              <a:rPr lang="ru-RU" dirty="0" smtClean="0"/>
+              <a:t> в </a:t>
+            </a:r>
+            <a:r>
+              <a:rPr lang="en-US" dirty="0" err="1" smtClean="0"/>
+              <a:t>nUnit</a:t>
+            </a:r>
+            <a:endParaRPr lang="en-US" dirty="0" smtClean="0"/>
+          </a:p>
+          <a:p>
+            <a:pPr marL="0" marR="0" lvl="0" indent="0" algn="l" defTabSz="914400" rtl="0" eaLnBrk="1" fontAlgn="auto" latinLnBrk="0" hangingPunct="1">
+              <a:lnSpc>
+                <a:spcPct val="100000"/>
+              </a:lnSpc>
+              <a:spcBef>
+                <a:spcPts val="0"/>
+              </a:spcBef>
+              <a:spcAft>
+                <a:spcPts val="0"/>
+              </a:spcAft>
+              <a:buClrTx/>
+              <a:buSzTx/>
+              <a:buFontTx/>
+              <a:buNone/>
+              <a:tabLst/>
+              <a:defRPr/>
+            </a:pPr>
+            <a:endParaRPr lang="ru-RU" dirty="0" smtClean="0"/>
+          </a:p>
+          <a:p>
+            <a:pPr marL="0" marR="0" lvl="0" indent="0" algn="l" defTabSz="914400" rtl="0" eaLnBrk="1" fontAlgn="auto" latinLnBrk="0" hangingPunct="1">
+              <a:lnSpc>
+                <a:spcPct val="100000"/>
+              </a:lnSpc>
+              <a:spcBef>
+                <a:spcPts val="0"/>
+              </a:spcBef>
+              <a:spcAft>
+                <a:spcPts val="0"/>
+              </a:spcAft>
+              <a:buClrTx/>
+              <a:buSzTx/>
+              <a:buFontTx/>
+              <a:buNone/>
+              <a:tabLst/>
+              <a:defRPr/>
+            </a:pPr>
+            <a:r>
+              <a:rPr lang="ru-RU" dirty="0" smtClean="0"/>
+              <a:t>Ещё</a:t>
             </a:r>
             <a:r>
               <a:rPr lang="ru-RU" baseline="0" dirty="0" smtClean="0"/>
-              <a:t> написанным требованиям легко писать тесты.</a:t>
-            </a:r>
-          </a:p>
-          <a:p>
-            <a:r>
-              <a:rPr lang="ru-RU" baseline="0" dirty="0" smtClean="0"/>
-              <a:t>2. Е3: 10 пробелов и символ. Что должно произойти?</a:t>
-            </a:r>
-          </a:p>
-          <a:p>
-            <a:r>
-              <a:rPr lang="ru-RU" dirty="0" smtClean="0"/>
-              <a:t>3. 998, 999 -</a:t>
-            </a:r>
-            <a:r>
-              <a:rPr lang="en-US" dirty="0" smtClean="0"/>
-              <a:t>&gt;</a:t>
+              <a:t> </a:t>
+            </a:r>
+            <a:r>
+              <a:rPr lang="en-US" baseline="0" dirty="0" err="1" smtClean="0"/>
+              <a:t>nUnit</a:t>
             </a:r>
             <a:r>
               <a:rPr lang="en-US" baseline="0" dirty="0" smtClean="0"/>
@@ -8056,11 +8250,35 @@
             </a:r>
             <a:r>
               <a:rPr lang="ru-RU" baseline="0" dirty="0" smtClean="0"/>
-              <a:t>Вот где спасёт таймаут. Ну и код </a:t>
+              <a:t>умеет такие классные штуки, которые не умеют другие </a:t>
             </a:r>
             <a:r>
               <a:rPr lang="ru-RU" baseline="0" dirty="0" err="1" smtClean="0"/>
-              <a:t>ревью</a:t>
+              <a:t>фреймворки</a:t>
+            </a:r>
+            <a:r>
+              <a:rPr lang="ru-RU" baseline="0" dirty="0" smtClean="0"/>
+              <a:t> =</a:t>
+            </a:r>
+            <a:r>
+              <a:rPr lang="en-US" baseline="0" dirty="0" smtClean="0"/>
+              <a:t>&gt; </a:t>
+            </a:r>
+            <a:r>
+              <a:rPr lang="en-US" baseline="0" dirty="0" err="1" smtClean="0"/>
+              <a:t>TestCase</a:t>
+            </a:r>
+            <a:r>
+              <a:rPr lang="en-US" baseline="0" dirty="0" smtClean="0"/>
+              <a:t> </a:t>
+            </a:r>
+            <a:r>
+              <a:rPr lang="ru-RU" baseline="0" dirty="0" smtClean="0"/>
+              <a:t>и </a:t>
+            </a:r>
+            <a:r>
+              <a:rPr lang="en-US" baseline="0" dirty="0" err="1" smtClean="0"/>
+              <a:t>TestCaseSourse</a:t>
             </a:r>
             <a:r>
               <a:rPr lang="ru-RU" baseline="0" dirty="0" smtClean="0"/>
@@ -8068,6 +8286,121 @@
             </a:r>
           </a:p>
           <a:p>
+            <a:pPr marL="0" marR="0" lvl="0" indent="0" algn="l" defTabSz="914400" rtl="0" eaLnBrk="1" fontAlgn="auto" latinLnBrk="0" hangingPunct="1">
+              <a:lnSpc>
+                <a:spcPct val="100000"/>
+              </a:lnSpc>
+              <a:spcBef>
+                <a:spcPts val="0"/>
+              </a:spcBef>
+              <a:spcAft>
+                <a:spcPts val="0"/>
+              </a:spcAft>
+              <a:buClrTx/>
+              <a:buSzTx/>
+              <a:buFontTx/>
+              <a:buNone/>
+              <a:tabLst/>
+              <a:defRPr/>
+            </a:pPr>
+            <a:endParaRPr lang="ru-RU" dirty="0" smtClean="0"/>
+          </a:p>
+          <a:p>
+            <a:pPr marL="0" marR="0" lvl="0" indent="0" algn="l" defTabSz="914400" rtl="0" eaLnBrk="1" fontAlgn="auto" latinLnBrk="0" hangingPunct="1">
+              <a:lnSpc>
+                <a:spcPct val="100000"/>
+              </a:lnSpc>
+              <a:spcBef>
+                <a:spcPts val="0"/>
+              </a:spcBef>
+              <a:spcAft>
+                <a:spcPts val="0"/>
+              </a:spcAft>
+              <a:buClrTx/>
+              <a:buSzTx/>
+              <a:buFontTx/>
+              <a:buNone/>
+              <a:tabLst/>
+              <a:defRPr/>
+            </a:pPr>
+            <a:r>
+              <a:rPr lang="ru-RU" dirty="0" smtClean="0"/>
+              <a:t>С</a:t>
+            </a:r>
+            <a:r>
+              <a:rPr lang="ru-RU" baseline="0" dirty="0" smtClean="0"/>
+              <a:t> ними можно:</a:t>
+            </a:r>
+          </a:p>
+          <a:p>
+            <a:pPr marL="171450" marR="0" lvl="0" indent="-171450" algn="l" defTabSz="914400" rtl="0" eaLnBrk="1" fontAlgn="auto" latinLnBrk="0" hangingPunct="1">
+              <a:lnSpc>
+                <a:spcPct val="100000"/>
+              </a:lnSpc>
+              <a:spcBef>
+                <a:spcPts val="0"/>
+              </a:spcBef>
+              <a:spcAft>
+                <a:spcPts val="0"/>
+              </a:spcAft>
+              <a:buClrTx/>
+              <a:buSzTx/>
+              <a:buFont typeface="Arial" panose="020B0604020202020204" pitchFamily="34" charset="0"/>
+              <a:buChar char="•"/>
+              <a:tabLst/>
+              <a:defRPr/>
+            </a:pPr>
+            <a:r>
+              <a:rPr lang="ru-RU" baseline="0" dirty="0" smtClean="0"/>
+              <a:t>Красиво называть тесты</a:t>
+            </a:r>
+          </a:p>
+          <a:p>
+            <a:pPr marL="171450" marR="0" lvl="0" indent="-171450" algn="l" defTabSz="914400" rtl="0" eaLnBrk="1" fontAlgn="auto" latinLnBrk="0" hangingPunct="1">
+              <a:lnSpc>
+                <a:spcPct val="100000"/>
+              </a:lnSpc>
+              <a:spcBef>
+                <a:spcPts val="0"/>
+              </a:spcBef>
+              <a:spcAft>
+                <a:spcPts val="0"/>
+              </a:spcAft>
+              <a:buClrTx/>
+              <a:buSzTx/>
+              <a:buFont typeface="Arial" panose="020B0604020202020204" pitchFamily="34" charset="0"/>
+              <a:buChar char="•"/>
+              <a:tabLst/>
+              <a:defRPr/>
+            </a:pPr>
+            <a:r>
+              <a:rPr lang="ru-RU" baseline="0" dirty="0" smtClean="0"/>
+              <a:t>Указать ожидаемый результат и получать его из теста. (</a:t>
+            </a:r>
+            <a:r>
+              <a:rPr lang="en-US" sz="1200" b="0" i="0" kern="1200" dirty="0" err="1" smtClean="0">
+                <a:solidFill>
+                  <a:schemeClr val="tx1"/>
+                </a:solidFill>
+                <a:effectLst/>
+                <a:latin typeface="+mn-lt"/>
+                <a:ea typeface="+mn-ea"/>
+                <a:cs typeface="+mn-cs"/>
+              </a:rPr>
+              <a:t>withInvariantCulture_parse</a:t>
+            </a:r>
+            <a:r>
+              <a:rPr lang="en-US" sz="1200" b="0" i="0" kern="1200" dirty="0" smtClean="0">
+                <a:solidFill>
+                  <a:schemeClr val="tx1"/>
+                </a:solidFill>
+                <a:effectLst/>
+                <a:latin typeface="+mn-lt"/>
+                <a:ea typeface="+mn-ea"/>
+                <a:cs typeface="+mn-cs"/>
+              </a:rPr>
+              <a:t>(string input)</a:t>
+            </a:r>
             <a:r>
               <a:rPr lang="ru-RU" sz="1200" b="0" i="0" kern="1200" dirty="0" smtClean="0">
                 <a:solidFill>
@@ -8078,31 +8411,7 @@
                 <a:ea typeface="+mn-ea"/>
                 <a:cs typeface="+mn-cs"/>
               </a:rPr>
-              <a:t>4. </a:t>
-            </a:r>
-            <a:r>
-              <a:rPr lang="en-US" sz="1200" b="0" i="0" kern="1200" dirty="0" err="1" smtClean="0">
-                <a:solidFill>
-                  <a:schemeClr val="tx1"/>
-                </a:solidFill>
-                <a:effectLst/>
-                <a:latin typeface="+mn-lt"/>
-                <a:ea typeface="+mn-ea"/>
-                <a:cs typeface="+mn-cs"/>
-              </a:rPr>
-              <a:t>string.</a:t>
-            </a:r>
-            <a:r>
-              <a:rPr lang="en-US" sz="1200" b="1" i="0" kern="1200" dirty="0" err="1" smtClean="0">
-                <a:solidFill>
-                  <a:schemeClr val="tx1"/>
-                </a:solidFill>
-                <a:effectLst/>
-                <a:latin typeface="+mn-lt"/>
-                <a:ea typeface="+mn-ea"/>
-                <a:cs typeface="+mn-cs"/>
-              </a:rPr>
-              <a:t>IsNullOrEmpty</a:t>
+              <a:t> возвращает </a:t>
             </a:r>
             <a:r>
               <a:rPr lang="en-US" sz="1200" b="0" i="0" kern="1200" dirty="0" smtClean="0">
@@ -8114,7 +8423,7 @@
                 <a:ea typeface="+mn-ea"/>
                 <a:cs typeface="+mn-cs"/>
               </a:rPr>
-              <a:t>(word)</a:t>
+              <a:t>double</a:t>
             </a:r>
             <a:r>
               <a:rPr lang="ru-RU" sz="1200" b="0" i="0" kern="1200" dirty="0" smtClean="0">
@@ -8126,7 +8435,7 @@
                 <a:ea typeface="+mn-ea"/>
                 <a:cs typeface="+mn-cs"/>
               </a:rPr>
-              <a:t>: при</a:t>
+              <a:t>,</a:t>
             </a:r>
             <a:r>
               <a:rPr lang="ru-RU" sz="1200" b="0" i="0" kern="1200" baseline="0" dirty="0" smtClean="0">
@@ -8138,10 +8447,10 @@
                 <a:ea typeface="+mn-ea"/>
                 <a:cs typeface="+mn-cs"/>
               </a:rPr>
-              <a:t> </a:t>
-            </a:r>
-            <a:r>
-              <a:rPr lang="ru-RU" sz="1200" b="0" i="0" kern="1200" baseline="0" dirty="0" err="1" smtClean="0">
+              <a:t> а не </a:t>
+            </a:r>
+            <a:r>
+              <a:rPr lang="en-US" sz="1200" b="0" i="0" kern="1200" baseline="0" dirty="0" smtClean="0">
                 <a:solidFill>
                   <a:schemeClr val="tx1"/>
                 </a:solidFill>
@@ -8150,1102 +8459,186 @@
                 <a:ea typeface="+mn-ea"/>
                 <a:cs typeface="+mn-cs"/>
               </a:rPr>
-              <a:t>ревью</a:t>
-            </a:r>
-            <a:r>
-              <a:rPr lang="ru-RU" sz="1200" b="0" i="0" kern="1200" baseline="0" dirty="0" smtClean="0">
-                <a:solidFill>
-                  <a:schemeClr val="tx1"/>
-                </a:solidFill>
-                <a:effectLst/>
-                <a:latin typeface="+mn-lt"/>
-                <a:ea typeface="+mn-ea"/>
-                <a:cs typeface="+mn-cs"/>
-              </a:rPr>
-              <a:t> возможно, что на это не обратят внимания. Потому что «</a:t>
-            </a:r>
-            <a:r>
-              <a:rPr lang="ru-RU" sz="1200" b="1" i="0" kern="1200" dirty="0" smtClean="0">
-                <a:solidFill>
-                  <a:schemeClr val="tx1"/>
-                </a:solidFill>
-                <a:effectLst/>
-                <a:latin typeface="+mn-lt"/>
-                <a:ea typeface="+mn-ea"/>
-                <a:cs typeface="+mn-cs"/>
-              </a:rPr>
-              <a:t>По </a:t>
-            </a:r>
-            <a:r>
-              <a:rPr lang="ru-RU" sz="1200" b="1" i="0" kern="1200" dirty="0" err="1" smtClean="0">
-                <a:solidFill>
-                  <a:schemeClr val="tx1"/>
-                </a:solidFill>
-                <a:effectLst/>
-                <a:latin typeface="+mn-lt"/>
-                <a:ea typeface="+mn-ea"/>
-                <a:cs typeface="+mn-cs"/>
-              </a:rPr>
-              <a:t>рзеузльаттам</a:t>
-            </a:r>
-            <a:r>
-              <a:rPr lang="ru-RU" sz="1200" b="1" i="0" kern="1200" dirty="0" smtClean="0">
-                <a:solidFill>
-                  <a:schemeClr val="tx1"/>
-                </a:solidFill>
-                <a:effectLst/>
-                <a:latin typeface="+mn-lt"/>
-                <a:ea typeface="+mn-ea"/>
-                <a:cs typeface="+mn-cs"/>
-              </a:rPr>
-              <a:t> </a:t>
-            </a:r>
-            <a:r>
-              <a:rPr lang="ru-RU" sz="1200" b="1" i="0" kern="1200" dirty="0" err="1" smtClean="0">
-                <a:solidFill>
-                  <a:schemeClr val="tx1"/>
-                </a:solidFill>
-                <a:effectLst/>
-                <a:latin typeface="+mn-lt"/>
-                <a:ea typeface="+mn-ea"/>
-                <a:cs typeface="+mn-cs"/>
-              </a:rPr>
-              <a:t>илссоевадний</a:t>
-            </a:r>
-            <a:r>
-              <a:rPr lang="ru-RU" sz="1200" b="1" i="0" kern="1200" dirty="0" smtClean="0">
-                <a:solidFill>
-                  <a:schemeClr val="tx1"/>
-                </a:solidFill>
-                <a:effectLst/>
-                <a:latin typeface="+mn-lt"/>
-                <a:ea typeface="+mn-ea"/>
-                <a:cs typeface="+mn-cs"/>
-              </a:rPr>
-              <a:t> </a:t>
-            </a:r>
-            <a:r>
-              <a:rPr lang="ru-RU" sz="1200" b="1" i="0" kern="1200" dirty="0" err="1" smtClean="0">
-                <a:solidFill>
-                  <a:schemeClr val="tx1"/>
-                </a:solidFill>
-                <a:effectLst/>
-                <a:latin typeface="+mn-lt"/>
-                <a:ea typeface="+mn-ea"/>
-                <a:cs typeface="+mn-cs"/>
-              </a:rPr>
-              <a:t>одонго</a:t>
-            </a:r>
-            <a:r>
-              <a:rPr lang="ru-RU" sz="1200" b="1" i="0" kern="1200" dirty="0" smtClean="0">
-                <a:solidFill>
-                  <a:schemeClr val="tx1"/>
-                </a:solidFill>
-                <a:effectLst/>
-                <a:latin typeface="+mn-lt"/>
-                <a:ea typeface="+mn-ea"/>
-                <a:cs typeface="+mn-cs"/>
-              </a:rPr>
-              <a:t> </a:t>
-            </a:r>
-            <a:r>
-              <a:rPr lang="ru-RU" sz="1200" b="1" i="0" kern="1200" dirty="0" err="1" smtClean="0">
-                <a:solidFill>
-                  <a:schemeClr val="tx1"/>
-                </a:solidFill>
-                <a:effectLst/>
-                <a:latin typeface="+mn-lt"/>
-                <a:ea typeface="+mn-ea"/>
-                <a:cs typeface="+mn-cs"/>
-              </a:rPr>
-              <a:t>анлигсйокго</a:t>
-            </a:r>
-            <a:r>
-              <a:rPr lang="ru-RU" sz="1200" b="1" i="0" kern="1200" dirty="0" smtClean="0">
-                <a:solidFill>
-                  <a:schemeClr val="tx1"/>
-                </a:solidFill>
-                <a:effectLst/>
-                <a:latin typeface="+mn-lt"/>
-                <a:ea typeface="+mn-ea"/>
-                <a:cs typeface="+mn-cs"/>
-              </a:rPr>
-              <a:t> </a:t>
-            </a:r>
-            <a:r>
-              <a:rPr lang="ru-RU" sz="1200" b="1" i="0" kern="1200" dirty="0" err="1" smtClean="0">
-                <a:solidFill>
-                  <a:schemeClr val="tx1"/>
-                </a:solidFill>
-                <a:effectLst/>
-                <a:latin typeface="+mn-lt"/>
-                <a:ea typeface="+mn-ea"/>
-                <a:cs typeface="+mn-cs"/>
-              </a:rPr>
-              <a:t>унвиертисета</a:t>
-            </a:r>
-            <a:r>
-              <a:rPr lang="ru-RU" sz="1200" b="1" i="0" kern="1200" dirty="0" smtClean="0">
-                <a:solidFill>
-                  <a:schemeClr val="tx1"/>
-                </a:solidFill>
-                <a:effectLst/>
-                <a:latin typeface="+mn-lt"/>
-                <a:ea typeface="+mn-ea"/>
-                <a:cs typeface="+mn-cs"/>
-              </a:rPr>
-              <a:t>, не </a:t>
-            </a:r>
-            <a:r>
-              <a:rPr lang="ru-RU" sz="1200" b="1" i="0" kern="1200" dirty="0" err="1" smtClean="0">
-                <a:solidFill>
-                  <a:schemeClr val="tx1"/>
-                </a:solidFill>
-                <a:effectLst/>
-                <a:latin typeface="+mn-lt"/>
-                <a:ea typeface="+mn-ea"/>
-                <a:cs typeface="+mn-cs"/>
-              </a:rPr>
-              <a:t>иеемт</a:t>
-            </a:r>
-            <a:r>
-              <a:rPr lang="ru-RU" sz="1200" b="1" i="0" kern="1200" dirty="0" smtClean="0">
-                <a:solidFill>
-                  <a:schemeClr val="tx1"/>
-                </a:solidFill>
-                <a:effectLst/>
-                <a:latin typeface="+mn-lt"/>
-                <a:ea typeface="+mn-ea"/>
-                <a:cs typeface="+mn-cs"/>
-              </a:rPr>
-              <a:t> </a:t>
-            </a:r>
-            <a:r>
-              <a:rPr lang="ru-RU" sz="1200" b="1" i="0" kern="1200" dirty="0" err="1" smtClean="0">
-                <a:solidFill>
-                  <a:schemeClr val="tx1"/>
-                </a:solidFill>
-                <a:effectLst/>
-                <a:latin typeface="+mn-lt"/>
-                <a:ea typeface="+mn-ea"/>
-                <a:cs typeface="+mn-cs"/>
-              </a:rPr>
-              <a:t>занчнеия</a:t>
-            </a:r>
-            <a:r>
-              <a:rPr lang="ru-RU" sz="1200" b="1" i="0" kern="1200" dirty="0" smtClean="0">
-                <a:solidFill>
-                  <a:schemeClr val="tx1"/>
-                </a:solidFill>
-                <a:effectLst/>
-                <a:latin typeface="+mn-lt"/>
-                <a:ea typeface="+mn-ea"/>
-                <a:cs typeface="+mn-cs"/>
-              </a:rPr>
-              <a:t>, в </a:t>
-            </a:r>
-            <a:r>
-              <a:rPr lang="ru-RU" sz="1200" b="1" i="0" kern="1200" dirty="0" err="1" smtClean="0">
-                <a:solidFill>
-                  <a:schemeClr val="tx1"/>
-                </a:solidFill>
-                <a:effectLst/>
-                <a:latin typeface="+mn-lt"/>
-                <a:ea typeface="+mn-ea"/>
-                <a:cs typeface="+mn-cs"/>
-              </a:rPr>
-              <a:t>каокм</a:t>
-            </a:r>
-            <a:r>
-              <a:rPr lang="ru-RU" sz="1200" b="1" i="0" kern="1200" dirty="0" smtClean="0">
-                <a:solidFill>
-                  <a:schemeClr val="tx1"/>
-                </a:solidFill>
-                <a:effectLst/>
-                <a:latin typeface="+mn-lt"/>
-                <a:ea typeface="+mn-ea"/>
-                <a:cs typeface="+mn-cs"/>
-              </a:rPr>
-              <a:t> </a:t>
-            </a:r>
-            <a:r>
-              <a:rPr lang="ru-RU" sz="1200" b="1" i="0" kern="1200" dirty="0" err="1" smtClean="0">
-                <a:solidFill>
-                  <a:schemeClr val="tx1"/>
-                </a:solidFill>
-                <a:effectLst/>
-                <a:latin typeface="+mn-lt"/>
-                <a:ea typeface="+mn-ea"/>
-                <a:cs typeface="+mn-cs"/>
-              </a:rPr>
-              <a:t>проякде</a:t>
-            </a:r>
-            <a:r>
-              <a:rPr lang="ru-RU" sz="1200" b="1" i="0" kern="1200" dirty="0" smtClean="0">
-                <a:solidFill>
-                  <a:schemeClr val="tx1"/>
-                </a:solidFill>
-                <a:effectLst/>
-                <a:latin typeface="+mn-lt"/>
-                <a:ea typeface="+mn-ea"/>
-                <a:cs typeface="+mn-cs"/>
-              </a:rPr>
-              <a:t> </a:t>
-            </a:r>
-            <a:r>
-              <a:rPr lang="ru-RU" sz="1200" b="1" i="0" kern="1200" dirty="0" err="1" smtClean="0">
-                <a:solidFill>
-                  <a:schemeClr val="tx1"/>
-                </a:solidFill>
-                <a:effectLst/>
-                <a:latin typeface="+mn-lt"/>
-                <a:ea typeface="+mn-ea"/>
-                <a:cs typeface="+mn-cs"/>
-              </a:rPr>
-              <a:t>рсапжоолены</a:t>
-            </a:r>
-            <a:r>
-              <a:rPr lang="ru-RU" sz="1200" b="1" i="0" kern="1200" dirty="0" smtClean="0">
-                <a:solidFill>
-                  <a:schemeClr val="tx1"/>
-                </a:solidFill>
-                <a:effectLst/>
-                <a:latin typeface="+mn-lt"/>
-                <a:ea typeface="+mn-ea"/>
-                <a:cs typeface="+mn-cs"/>
-              </a:rPr>
-              <a:t> </a:t>
-            </a:r>
-            <a:r>
-              <a:rPr lang="ru-RU" sz="1200" b="1" i="0" kern="1200" dirty="0" err="1" smtClean="0">
-                <a:solidFill>
-                  <a:schemeClr val="tx1"/>
-                </a:solidFill>
-                <a:effectLst/>
-                <a:latin typeface="+mn-lt"/>
-                <a:ea typeface="+mn-ea"/>
-                <a:cs typeface="+mn-cs"/>
-              </a:rPr>
-              <a:t>бкувы</a:t>
-            </a:r>
-            <a:r>
-              <a:rPr lang="ru-RU" sz="1200" b="1" i="0" kern="1200" dirty="0" smtClean="0">
-                <a:solidFill>
-                  <a:schemeClr val="tx1"/>
-                </a:solidFill>
-                <a:effectLst/>
-                <a:latin typeface="+mn-lt"/>
-                <a:ea typeface="+mn-ea"/>
-                <a:cs typeface="+mn-cs"/>
-              </a:rPr>
-              <a:t> в </a:t>
-            </a:r>
-            <a:r>
-              <a:rPr lang="ru-RU" sz="1200" b="1" i="0" kern="1200" dirty="0" err="1" smtClean="0">
-                <a:solidFill>
-                  <a:schemeClr val="tx1"/>
-                </a:solidFill>
-                <a:effectLst/>
-                <a:latin typeface="+mn-lt"/>
-                <a:ea typeface="+mn-ea"/>
-                <a:cs typeface="+mn-cs"/>
-              </a:rPr>
-              <a:t>солве</a:t>
-            </a:r>
-            <a:r>
-              <a:rPr lang="ru-RU" sz="1200" b="1" i="0" kern="1200" dirty="0" smtClean="0">
-                <a:solidFill>
-                  <a:schemeClr val="tx1"/>
-                </a:solidFill>
-                <a:effectLst/>
-                <a:latin typeface="+mn-lt"/>
-                <a:ea typeface="+mn-ea"/>
-                <a:cs typeface="+mn-cs"/>
-              </a:rPr>
-              <a:t>. </a:t>
-            </a:r>
-            <a:r>
-              <a:rPr lang="ru-RU" sz="1200" b="1" i="0" kern="1200" dirty="0" err="1" smtClean="0">
-                <a:solidFill>
-                  <a:schemeClr val="tx1"/>
-                </a:solidFill>
-                <a:effectLst/>
-                <a:latin typeface="+mn-lt"/>
-                <a:ea typeface="+mn-ea"/>
-                <a:cs typeface="+mn-cs"/>
-              </a:rPr>
-              <a:t>Галовне</a:t>
-            </a:r>
-            <a:r>
-              <a:rPr lang="ru-RU" sz="1200" b="1" i="0" kern="1200" dirty="0" smtClean="0">
-                <a:solidFill>
-                  <a:schemeClr val="tx1"/>
-                </a:solidFill>
-                <a:effectLst/>
-                <a:latin typeface="+mn-lt"/>
-                <a:ea typeface="+mn-ea"/>
-                <a:cs typeface="+mn-cs"/>
-              </a:rPr>
-              <a:t>, </a:t>
-            </a:r>
-            <a:r>
-              <a:rPr lang="ru-RU" sz="1200" b="1" i="0" kern="1200" dirty="0" err="1" smtClean="0">
-                <a:solidFill>
-                  <a:schemeClr val="tx1"/>
-                </a:solidFill>
-                <a:effectLst/>
-                <a:latin typeface="+mn-lt"/>
-                <a:ea typeface="+mn-ea"/>
-                <a:cs typeface="+mn-cs"/>
-              </a:rPr>
-              <a:t>чотбы</a:t>
-            </a:r>
-            <a:r>
-              <a:rPr lang="ru-RU" sz="1200" b="1" i="0" kern="1200" dirty="0" smtClean="0">
-                <a:solidFill>
-                  <a:schemeClr val="tx1"/>
-                </a:solidFill>
-                <a:effectLst/>
-                <a:latin typeface="+mn-lt"/>
-                <a:ea typeface="+mn-ea"/>
-                <a:cs typeface="+mn-cs"/>
-              </a:rPr>
-              <a:t> </a:t>
-            </a:r>
-            <a:r>
-              <a:rPr lang="ru-RU" sz="1200" b="1" i="0" kern="1200" dirty="0" err="1" smtClean="0">
-                <a:solidFill>
-                  <a:schemeClr val="tx1"/>
-                </a:solidFill>
-                <a:effectLst/>
-                <a:latin typeface="+mn-lt"/>
-                <a:ea typeface="+mn-ea"/>
-                <a:cs typeface="+mn-cs"/>
-              </a:rPr>
-              <a:t>преавя</a:t>
-            </a:r>
-            <a:r>
-              <a:rPr lang="ru-RU" sz="1200" b="1" i="0" kern="1200" dirty="0" smtClean="0">
-                <a:solidFill>
-                  <a:schemeClr val="tx1"/>
-                </a:solidFill>
-                <a:effectLst/>
-                <a:latin typeface="+mn-lt"/>
-                <a:ea typeface="+mn-ea"/>
-                <a:cs typeface="+mn-cs"/>
-              </a:rPr>
-              <a:t> и </a:t>
-            </a:r>
-            <a:r>
-              <a:rPr lang="ru-RU" sz="1200" b="1" i="0" kern="1200" dirty="0" err="1" smtClean="0">
-                <a:solidFill>
-                  <a:schemeClr val="tx1"/>
-                </a:solidFill>
-                <a:effectLst/>
-                <a:latin typeface="+mn-lt"/>
-                <a:ea typeface="+mn-ea"/>
-                <a:cs typeface="+mn-cs"/>
-              </a:rPr>
-              <a:t>пслонедяя</a:t>
-            </a:r>
-            <a:r>
-              <a:rPr lang="ru-RU" sz="1200" b="1" i="0" kern="1200" dirty="0" smtClean="0">
-                <a:solidFill>
-                  <a:schemeClr val="tx1"/>
-                </a:solidFill>
-                <a:effectLst/>
-                <a:latin typeface="+mn-lt"/>
-                <a:ea typeface="+mn-ea"/>
-                <a:cs typeface="+mn-cs"/>
-              </a:rPr>
-              <a:t> </a:t>
-            </a:r>
-            <a:r>
-              <a:rPr lang="ru-RU" sz="1200" b="1" i="0" kern="1200" dirty="0" err="1" smtClean="0">
-                <a:solidFill>
-                  <a:schemeClr val="tx1"/>
-                </a:solidFill>
-                <a:effectLst/>
-                <a:latin typeface="+mn-lt"/>
-                <a:ea typeface="+mn-ea"/>
-                <a:cs typeface="+mn-cs"/>
-              </a:rPr>
-              <a:t>бквуы</a:t>
-            </a:r>
-            <a:r>
-              <a:rPr lang="ru-RU" sz="1200" b="1" i="0" kern="1200" dirty="0" smtClean="0">
-                <a:solidFill>
-                  <a:schemeClr val="tx1"/>
-                </a:solidFill>
-                <a:effectLst/>
-                <a:latin typeface="+mn-lt"/>
-                <a:ea typeface="+mn-ea"/>
-                <a:cs typeface="+mn-cs"/>
-              </a:rPr>
-              <a:t> </a:t>
-            </a:r>
-            <a:r>
-              <a:rPr lang="ru-RU" sz="1200" b="1" i="0" kern="1200" dirty="0" err="1" smtClean="0">
-                <a:solidFill>
-                  <a:schemeClr val="tx1"/>
-                </a:solidFill>
-                <a:effectLst/>
-                <a:latin typeface="+mn-lt"/>
-                <a:ea typeface="+mn-ea"/>
-                <a:cs typeface="+mn-cs"/>
-              </a:rPr>
-              <a:t>блыи</a:t>
-            </a:r>
-            <a:r>
-              <a:rPr lang="ru-RU" sz="1200" b="1" i="0" kern="1200" dirty="0" smtClean="0">
-                <a:solidFill>
-                  <a:schemeClr val="tx1"/>
-                </a:solidFill>
-                <a:effectLst/>
-                <a:latin typeface="+mn-lt"/>
-                <a:ea typeface="+mn-ea"/>
-                <a:cs typeface="+mn-cs"/>
-              </a:rPr>
-              <a:t> на </a:t>
-            </a:r>
-            <a:r>
-              <a:rPr lang="ru-RU" sz="1200" b="1" i="0" kern="1200" dirty="0" err="1" smtClean="0">
-                <a:solidFill>
-                  <a:schemeClr val="tx1"/>
-                </a:solidFill>
-                <a:effectLst/>
-                <a:latin typeface="+mn-lt"/>
-                <a:ea typeface="+mn-ea"/>
-                <a:cs typeface="+mn-cs"/>
-              </a:rPr>
-              <a:t>мсете</a:t>
-            </a:r>
-            <a:r>
-              <a:rPr lang="ru-RU" sz="1200" b="1" i="0" kern="1200" dirty="0" smtClean="0">
-                <a:solidFill>
-                  <a:schemeClr val="tx1"/>
-                </a:solidFill>
-                <a:effectLst/>
-                <a:latin typeface="+mn-lt"/>
-                <a:ea typeface="+mn-ea"/>
-                <a:cs typeface="+mn-cs"/>
-              </a:rPr>
-              <a:t>. </a:t>
-            </a:r>
-            <a:r>
-              <a:rPr lang="ru-RU" sz="1200" b="1" i="0" kern="1200" dirty="0" err="1" smtClean="0">
-                <a:solidFill>
-                  <a:schemeClr val="tx1"/>
-                </a:solidFill>
-                <a:effectLst/>
-                <a:latin typeface="+mn-lt"/>
-                <a:ea typeface="+mn-ea"/>
-                <a:cs typeface="+mn-cs"/>
-              </a:rPr>
-              <a:t>осатьлыне</a:t>
-            </a:r>
-            <a:r>
-              <a:rPr lang="ru-RU" sz="1200" b="1" i="0" kern="1200" dirty="0" smtClean="0">
-                <a:solidFill>
-                  <a:schemeClr val="tx1"/>
-                </a:solidFill>
-                <a:effectLst/>
-                <a:latin typeface="+mn-lt"/>
-                <a:ea typeface="+mn-ea"/>
-                <a:cs typeface="+mn-cs"/>
-              </a:rPr>
-              <a:t> </a:t>
-            </a:r>
-            <a:r>
-              <a:rPr lang="ru-RU" sz="1200" b="1" i="0" kern="1200" dirty="0" err="1" smtClean="0">
-                <a:solidFill>
-                  <a:schemeClr val="tx1"/>
-                </a:solidFill>
-                <a:effectLst/>
-                <a:latin typeface="+mn-lt"/>
-                <a:ea typeface="+mn-ea"/>
-                <a:cs typeface="+mn-cs"/>
-              </a:rPr>
-              <a:t>бкувы</a:t>
-            </a:r>
-            <a:r>
-              <a:rPr lang="ru-RU" sz="1200" b="1" i="0" kern="1200" dirty="0" smtClean="0">
-                <a:solidFill>
-                  <a:schemeClr val="tx1"/>
-                </a:solidFill>
-                <a:effectLst/>
-                <a:latin typeface="+mn-lt"/>
-                <a:ea typeface="+mn-ea"/>
-                <a:cs typeface="+mn-cs"/>
-              </a:rPr>
-              <a:t> </a:t>
-            </a:r>
-            <a:r>
-              <a:rPr lang="ru-RU" sz="1200" b="1" i="0" kern="1200" dirty="0" err="1" smtClean="0">
-                <a:solidFill>
-                  <a:schemeClr val="tx1"/>
-                </a:solidFill>
-                <a:effectLst/>
-                <a:latin typeface="+mn-lt"/>
-                <a:ea typeface="+mn-ea"/>
-                <a:cs typeface="+mn-cs"/>
-              </a:rPr>
-              <a:t>мгоут</a:t>
-            </a:r>
-            <a:r>
-              <a:rPr lang="ru-RU" sz="1200" b="1" i="0" kern="1200" dirty="0" smtClean="0">
-                <a:solidFill>
-                  <a:schemeClr val="tx1"/>
-                </a:solidFill>
-                <a:effectLst/>
-                <a:latin typeface="+mn-lt"/>
-                <a:ea typeface="+mn-ea"/>
-                <a:cs typeface="+mn-cs"/>
-              </a:rPr>
-              <a:t> </a:t>
-            </a:r>
-            <a:r>
-              <a:rPr lang="ru-RU" sz="1200" b="1" i="0" kern="1200" dirty="0" err="1" smtClean="0">
-                <a:solidFill>
-                  <a:schemeClr val="tx1"/>
-                </a:solidFill>
-                <a:effectLst/>
-                <a:latin typeface="+mn-lt"/>
-                <a:ea typeface="+mn-ea"/>
-                <a:cs typeface="+mn-cs"/>
-              </a:rPr>
-              <a:t>селдовтаь</a:t>
-            </a:r>
-            <a:r>
-              <a:rPr lang="ru-RU" sz="1200" b="1" i="0" kern="1200" dirty="0" smtClean="0">
-                <a:solidFill>
-                  <a:schemeClr val="tx1"/>
-                </a:solidFill>
-                <a:effectLst/>
-                <a:latin typeface="+mn-lt"/>
-                <a:ea typeface="+mn-ea"/>
-                <a:cs typeface="+mn-cs"/>
-              </a:rPr>
-              <a:t> в </a:t>
-            </a:r>
-            <a:r>
-              <a:rPr lang="ru-RU" sz="1200" b="1" i="0" kern="1200" dirty="0" err="1" smtClean="0">
-                <a:solidFill>
-                  <a:schemeClr val="tx1"/>
-                </a:solidFill>
-                <a:effectLst/>
-                <a:latin typeface="+mn-lt"/>
-                <a:ea typeface="+mn-ea"/>
-                <a:cs typeface="+mn-cs"/>
-              </a:rPr>
-              <a:t>плоонм</a:t>
-            </a:r>
-            <a:r>
-              <a:rPr lang="ru-RU" sz="1200" b="1" i="0" kern="1200" dirty="0" smtClean="0">
-                <a:solidFill>
-                  <a:schemeClr val="tx1"/>
-                </a:solidFill>
-                <a:effectLst/>
-                <a:latin typeface="+mn-lt"/>
-                <a:ea typeface="+mn-ea"/>
-                <a:cs typeface="+mn-cs"/>
-              </a:rPr>
-              <a:t> </a:t>
-            </a:r>
-            <a:r>
-              <a:rPr lang="ru-RU" sz="1200" b="1" i="0" kern="1200" dirty="0" err="1" smtClean="0">
-                <a:solidFill>
-                  <a:schemeClr val="tx1"/>
-                </a:solidFill>
-                <a:effectLst/>
-                <a:latin typeface="+mn-lt"/>
-                <a:ea typeface="+mn-ea"/>
-                <a:cs typeface="+mn-cs"/>
-              </a:rPr>
-              <a:t>бсепордяке</a:t>
-            </a:r>
-            <a:r>
-              <a:rPr lang="ru-RU" sz="1200" b="1" i="0" kern="1200" dirty="0" smtClean="0">
-                <a:solidFill>
-                  <a:schemeClr val="tx1"/>
-                </a:solidFill>
-                <a:effectLst/>
-                <a:latin typeface="+mn-lt"/>
-                <a:ea typeface="+mn-ea"/>
-                <a:cs typeface="+mn-cs"/>
-              </a:rPr>
-              <a:t>, все-рвано </a:t>
-            </a:r>
-            <a:r>
-              <a:rPr lang="ru-RU" sz="1200" b="1" i="0" kern="1200" dirty="0" err="1" smtClean="0">
-                <a:solidFill>
-                  <a:schemeClr val="tx1"/>
-                </a:solidFill>
-                <a:effectLst/>
-                <a:latin typeface="+mn-lt"/>
-                <a:ea typeface="+mn-ea"/>
-                <a:cs typeface="+mn-cs"/>
-              </a:rPr>
-              <a:t>ткест</a:t>
-            </a:r>
-            <a:r>
-              <a:rPr lang="ru-RU" sz="1200" b="1" i="0" kern="1200" dirty="0" smtClean="0">
-                <a:solidFill>
-                  <a:schemeClr val="tx1"/>
-                </a:solidFill>
-                <a:effectLst/>
-                <a:latin typeface="+mn-lt"/>
-                <a:ea typeface="+mn-ea"/>
-                <a:cs typeface="+mn-cs"/>
-              </a:rPr>
-              <a:t> </a:t>
-            </a:r>
-            <a:r>
-              <a:rPr lang="ru-RU" sz="1200" b="1" i="0" kern="1200" dirty="0" err="1" smtClean="0">
-                <a:solidFill>
-                  <a:schemeClr val="tx1"/>
-                </a:solidFill>
-                <a:effectLst/>
-                <a:latin typeface="+mn-lt"/>
-                <a:ea typeface="+mn-ea"/>
-                <a:cs typeface="+mn-cs"/>
-              </a:rPr>
-              <a:t>чтаитсея</a:t>
-            </a:r>
-            <a:r>
-              <a:rPr lang="ru-RU" sz="1200" b="1" i="0" kern="1200" dirty="0" smtClean="0">
-                <a:solidFill>
-                  <a:schemeClr val="tx1"/>
-                </a:solidFill>
-                <a:effectLst/>
-                <a:latin typeface="+mn-lt"/>
-                <a:ea typeface="+mn-ea"/>
-                <a:cs typeface="+mn-cs"/>
-              </a:rPr>
-              <a:t> без </a:t>
-            </a:r>
-            <a:r>
-              <a:rPr lang="ru-RU" sz="1200" b="1" i="0" kern="1200" dirty="0" err="1" smtClean="0">
-                <a:solidFill>
-                  <a:schemeClr val="tx1"/>
-                </a:solidFill>
-                <a:effectLst/>
-                <a:latin typeface="+mn-lt"/>
-                <a:ea typeface="+mn-ea"/>
-                <a:cs typeface="+mn-cs"/>
-              </a:rPr>
-              <a:t>побрелм</a:t>
-            </a:r>
-            <a:r>
-              <a:rPr lang="ru-RU" sz="1200" b="1" i="0" kern="1200" dirty="0" smtClean="0">
-                <a:solidFill>
-                  <a:schemeClr val="tx1"/>
-                </a:solidFill>
-                <a:effectLst/>
-                <a:latin typeface="+mn-lt"/>
-                <a:ea typeface="+mn-ea"/>
-                <a:cs typeface="+mn-cs"/>
-              </a:rPr>
-              <a:t>. </a:t>
-            </a:r>
-            <a:r>
-              <a:rPr lang="ru-RU" sz="1200" b="1" i="0" kern="1200" dirty="0" err="1" smtClean="0">
-                <a:solidFill>
-                  <a:schemeClr val="tx1"/>
-                </a:solidFill>
-                <a:effectLst/>
-                <a:latin typeface="+mn-lt"/>
-                <a:ea typeface="+mn-ea"/>
-                <a:cs typeface="+mn-cs"/>
-              </a:rPr>
-              <a:t>Пичрионй</a:t>
-            </a:r>
-            <a:r>
-              <a:rPr lang="ru-RU" sz="1200" b="1" i="0" kern="1200" dirty="0" smtClean="0">
-                <a:solidFill>
-                  <a:schemeClr val="tx1"/>
-                </a:solidFill>
-                <a:effectLst/>
-                <a:latin typeface="+mn-lt"/>
-                <a:ea typeface="+mn-ea"/>
-                <a:cs typeface="+mn-cs"/>
-              </a:rPr>
-              <a:t> </a:t>
-            </a:r>
-            <a:r>
-              <a:rPr lang="ru-RU" sz="1200" b="1" i="0" kern="1200" dirty="0" err="1" smtClean="0">
-                <a:solidFill>
-                  <a:schemeClr val="tx1"/>
-                </a:solidFill>
-                <a:effectLst/>
-                <a:latin typeface="+mn-lt"/>
-                <a:ea typeface="+mn-ea"/>
-                <a:cs typeface="+mn-cs"/>
-              </a:rPr>
-              <a:t>эгото</a:t>
-            </a:r>
-            <a:r>
-              <a:rPr lang="ru-RU" sz="1200" b="1" i="0" kern="1200" dirty="0" smtClean="0">
-                <a:solidFill>
-                  <a:schemeClr val="tx1"/>
-                </a:solidFill>
-                <a:effectLst/>
-                <a:latin typeface="+mn-lt"/>
-                <a:ea typeface="+mn-ea"/>
-                <a:cs typeface="+mn-cs"/>
-              </a:rPr>
-              <a:t> </a:t>
-            </a:r>
-            <a:r>
-              <a:rPr lang="ru-RU" sz="1200" b="1" i="0" kern="1200" dirty="0" err="1" smtClean="0">
-                <a:solidFill>
-                  <a:schemeClr val="tx1"/>
-                </a:solidFill>
-                <a:effectLst/>
-                <a:latin typeface="+mn-lt"/>
-                <a:ea typeface="+mn-ea"/>
-                <a:cs typeface="+mn-cs"/>
-              </a:rPr>
-              <a:t>ялвятеся</a:t>
-            </a:r>
-            <a:r>
-              <a:rPr lang="ru-RU" sz="1200" b="1" i="0" kern="1200" dirty="0" smtClean="0">
-                <a:solidFill>
-                  <a:schemeClr val="tx1"/>
-                </a:solidFill>
-                <a:effectLst/>
-                <a:latin typeface="+mn-lt"/>
-                <a:ea typeface="+mn-ea"/>
-                <a:cs typeface="+mn-cs"/>
-              </a:rPr>
-              <a:t> то, что мы не </a:t>
-            </a:r>
-            <a:r>
-              <a:rPr lang="ru-RU" sz="1200" b="1" i="0" kern="1200" dirty="0" err="1" smtClean="0">
-                <a:solidFill>
-                  <a:schemeClr val="tx1"/>
-                </a:solidFill>
-                <a:effectLst/>
-                <a:latin typeface="+mn-lt"/>
-                <a:ea typeface="+mn-ea"/>
-                <a:cs typeface="+mn-cs"/>
-              </a:rPr>
-              <a:t>чиаетм</a:t>
-            </a:r>
-            <a:r>
-              <a:rPr lang="ru-RU" sz="1200" b="1" i="0" kern="1200" dirty="0" smtClean="0">
-                <a:solidFill>
-                  <a:schemeClr val="tx1"/>
-                </a:solidFill>
-                <a:effectLst/>
-                <a:latin typeface="+mn-lt"/>
-                <a:ea typeface="+mn-ea"/>
-                <a:cs typeface="+mn-cs"/>
-              </a:rPr>
-              <a:t> </a:t>
-            </a:r>
-            <a:r>
-              <a:rPr lang="ru-RU" sz="1200" b="1" i="0" kern="1200" dirty="0" err="1" smtClean="0">
-                <a:solidFill>
-                  <a:schemeClr val="tx1"/>
-                </a:solidFill>
-                <a:effectLst/>
-                <a:latin typeface="+mn-lt"/>
-                <a:ea typeface="+mn-ea"/>
-                <a:cs typeface="+mn-cs"/>
-              </a:rPr>
-              <a:t>кдаужю</a:t>
-            </a:r>
-            <a:r>
-              <a:rPr lang="ru-RU" sz="1200" b="1" i="0" kern="1200" dirty="0" smtClean="0">
-                <a:solidFill>
-                  <a:schemeClr val="tx1"/>
-                </a:solidFill>
-                <a:effectLst/>
-                <a:latin typeface="+mn-lt"/>
-                <a:ea typeface="+mn-ea"/>
-                <a:cs typeface="+mn-cs"/>
-              </a:rPr>
-              <a:t> </a:t>
-            </a:r>
-            <a:r>
-              <a:rPr lang="ru-RU" sz="1200" b="1" i="0" kern="1200" dirty="0" err="1" smtClean="0">
-                <a:solidFill>
-                  <a:schemeClr val="tx1"/>
-                </a:solidFill>
-                <a:effectLst/>
-                <a:latin typeface="+mn-lt"/>
-                <a:ea typeface="+mn-ea"/>
-                <a:cs typeface="+mn-cs"/>
-              </a:rPr>
-              <a:t>бкуву</a:t>
-            </a:r>
-            <a:r>
-              <a:rPr lang="ru-RU" sz="1200" b="1" i="0" kern="1200" dirty="0" smtClean="0">
-                <a:solidFill>
-                  <a:schemeClr val="tx1"/>
-                </a:solidFill>
-                <a:effectLst/>
-                <a:latin typeface="+mn-lt"/>
-                <a:ea typeface="+mn-ea"/>
-                <a:cs typeface="+mn-cs"/>
-              </a:rPr>
-              <a:t> по </a:t>
-            </a:r>
-            <a:r>
-              <a:rPr lang="ru-RU" sz="1200" b="1" i="0" kern="1200" dirty="0" err="1" smtClean="0">
-                <a:solidFill>
-                  <a:schemeClr val="tx1"/>
-                </a:solidFill>
-                <a:effectLst/>
-                <a:latin typeface="+mn-lt"/>
-                <a:ea typeface="+mn-ea"/>
-                <a:cs typeface="+mn-cs"/>
-              </a:rPr>
-              <a:t>отдльенотси</a:t>
-            </a:r>
-            <a:r>
-              <a:rPr lang="ru-RU" sz="1200" b="1" i="0" kern="1200" dirty="0" smtClean="0">
-                <a:solidFill>
-                  <a:schemeClr val="tx1"/>
-                </a:solidFill>
-                <a:effectLst/>
-                <a:latin typeface="+mn-lt"/>
-                <a:ea typeface="+mn-ea"/>
-                <a:cs typeface="+mn-cs"/>
-              </a:rPr>
-              <a:t>, а все </a:t>
-            </a:r>
-            <a:r>
-              <a:rPr lang="ru-RU" sz="1200" b="1" i="0" kern="1200" dirty="0" err="1" smtClean="0">
-                <a:solidFill>
-                  <a:schemeClr val="tx1"/>
-                </a:solidFill>
-                <a:effectLst/>
-                <a:latin typeface="+mn-lt"/>
-                <a:ea typeface="+mn-ea"/>
-                <a:cs typeface="+mn-cs"/>
-              </a:rPr>
-              <a:t>солво</a:t>
-            </a:r>
-            <a:r>
-              <a:rPr lang="ru-RU" sz="1200" b="1" i="0" kern="1200" dirty="0" smtClean="0">
-                <a:solidFill>
-                  <a:schemeClr val="tx1"/>
-                </a:solidFill>
-                <a:effectLst/>
-                <a:latin typeface="+mn-lt"/>
-                <a:ea typeface="+mn-ea"/>
-                <a:cs typeface="+mn-cs"/>
-              </a:rPr>
-              <a:t> </a:t>
-            </a:r>
-            <a:r>
-              <a:rPr lang="ru-RU" sz="1200" b="1" i="0" kern="1200" dirty="0" err="1" smtClean="0">
-                <a:solidFill>
-                  <a:schemeClr val="tx1"/>
-                </a:solidFill>
-                <a:effectLst/>
-                <a:latin typeface="+mn-lt"/>
-                <a:ea typeface="+mn-ea"/>
-                <a:cs typeface="+mn-cs"/>
-              </a:rPr>
-              <a:t>цлиеком</a:t>
-            </a:r>
-            <a:r>
-              <a:rPr lang="ru-RU" sz="1200" b="1" i="0" kern="1200" dirty="0" smtClean="0">
-                <a:solidFill>
-                  <a:schemeClr val="tx1"/>
-                </a:solidFill>
-                <a:effectLst/>
-                <a:latin typeface="+mn-lt"/>
-                <a:ea typeface="+mn-ea"/>
-                <a:cs typeface="+mn-cs"/>
-              </a:rPr>
-              <a:t>.</a:t>
-            </a:r>
-            <a:r>
-              <a:rPr lang="ru-RU" sz="1200" b="0" i="0" kern="1200" baseline="0" dirty="0" smtClean="0">
-                <a:solidFill>
-                  <a:schemeClr val="tx1"/>
-                </a:solidFill>
-                <a:effectLst/>
-                <a:latin typeface="+mn-lt"/>
-                <a:ea typeface="+mn-ea"/>
-                <a:cs typeface="+mn-cs"/>
-              </a:rPr>
-              <a:t>»</a:t>
-            </a:r>
-            <a:endParaRPr lang="ru-RU" dirty="0" smtClean="0"/>
-          </a:p>
-          <a:p>
-            <a:r>
-              <a:rPr lang="ru-RU" dirty="0" smtClean="0"/>
-              <a:t>5. </a:t>
-            </a:r>
-            <a:r>
-              <a:rPr lang="en-US" sz="1200" b="0" i="0" kern="1200" dirty="0" smtClean="0">
-                <a:solidFill>
-                  <a:schemeClr val="tx1"/>
-                </a:solidFill>
-                <a:effectLst/>
-                <a:latin typeface="+mn-lt"/>
-                <a:ea typeface="+mn-ea"/>
-                <a:cs typeface="+mn-cs"/>
-              </a:rPr>
-              <a:t>private </a:t>
-            </a:r>
-            <a:r>
-              <a:rPr lang="en-US" sz="1200" b="1" i="0" kern="1200" dirty="0" smtClean="0">
-                <a:solidFill>
-                  <a:schemeClr val="tx1"/>
-                </a:solidFill>
-                <a:effectLst/>
-                <a:latin typeface="+mn-lt"/>
-                <a:ea typeface="+mn-ea"/>
-                <a:cs typeface="+mn-cs"/>
-              </a:rPr>
-              <a:t>static</a:t>
-            </a:r>
-            <a:r>
-              <a:rPr lang="en-US" sz="1200" b="0" i="0" kern="1200" dirty="0" smtClean="0">
-                <a:solidFill>
-                  <a:schemeClr val="tx1"/>
-                </a:solidFill>
-                <a:effectLst/>
-                <a:latin typeface="+mn-lt"/>
-                <a:ea typeface="+mn-ea"/>
-                <a:cs typeface="+mn-cs"/>
-              </a:rPr>
-              <a:t> </a:t>
-            </a:r>
-            <a:r>
-              <a:rPr lang="en-US" sz="1200" b="0" i="0" kern="1200" dirty="0" err="1" smtClean="0">
-                <a:solidFill>
-                  <a:schemeClr val="tx1"/>
-                </a:solidFill>
-                <a:effectLst/>
-                <a:latin typeface="+mn-lt"/>
-                <a:ea typeface="+mn-ea"/>
-                <a:cs typeface="+mn-cs"/>
-              </a:rPr>
-              <a:t>readonly</a:t>
-            </a:r>
-            <a:r>
-              <a:rPr lang="en-US" sz="1200" b="0" i="0" kern="1200" dirty="0" smtClean="0">
-                <a:solidFill>
-                  <a:schemeClr val="tx1"/>
-                </a:solidFill>
-                <a:effectLst/>
-                <a:latin typeface="+mn-lt"/>
-                <a:ea typeface="+mn-ea"/>
-                <a:cs typeface="+mn-cs"/>
-              </a:rPr>
-              <a:t> </a:t>
-            </a:r>
-            <a:r>
-              <a:rPr lang="en-US" sz="1200" b="0" i="0" kern="1200" dirty="0" err="1" smtClean="0">
-                <a:solidFill>
-                  <a:schemeClr val="tx1"/>
-                </a:solidFill>
-                <a:effectLst/>
-                <a:latin typeface="+mn-lt"/>
-                <a:ea typeface="+mn-ea"/>
-                <a:cs typeface="+mn-cs"/>
-              </a:rPr>
-              <a:t>IDictionary</a:t>
-            </a:r>
-            <a:r>
-              <a:rPr lang="en-US" sz="1200" b="0" i="0" kern="1200" dirty="0" smtClean="0">
-                <a:solidFill>
-                  <a:schemeClr val="tx1"/>
-                </a:solidFill>
-                <a:effectLst/>
-                <a:latin typeface="+mn-lt"/>
-                <a:ea typeface="+mn-ea"/>
-                <a:cs typeface="+mn-cs"/>
-              </a:rPr>
-              <a:t>&lt;string, </a:t>
-            </a:r>
-            <a:r>
-              <a:rPr lang="en-US" sz="1200" b="0" i="0" kern="1200" dirty="0" err="1" smtClean="0">
-                <a:solidFill>
-                  <a:schemeClr val="tx1"/>
-                </a:solidFill>
-                <a:effectLst/>
-                <a:latin typeface="+mn-lt"/>
-                <a:ea typeface="+mn-ea"/>
-                <a:cs typeface="+mn-cs"/>
-              </a:rPr>
-              <a:t>int</a:t>
-            </a:r>
-            <a:r>
-              <a:rPr lang="en-US" sz="1200" b="0" i="0" kern="1200" dirty="0" smtClean="0">
-                <a:solidFill>
-                  <a:schemeClr val="tx1"/>
-                </a:solidFill>
-                <a:effectLst/>
-                <a:latin typeface="+mn-lt"/>
-                <a:ea typeface="+mn-ea"/>
-                <a:cs typeface="+mn-cs"/>
-              </a:rPr>
-              <a:t>&gt; stats = new Dictionary&lt;string, </a:t>
-            </a:r>
-            <a:r>
-              <a:rPr lang="en-US" sz="1200" b="0" i="0" kern="1200" dirty="0" err="1" smtClean="0">
-                <a:solidFill>
-                  <a:schemeClr val="tx1"/>
-                </a:solidFill>
-                <a:effectLst/>
-                <a:latin typeface="+mn-lt"/>
-                <a:ea typeface="+mn-ea"/>
-                <a:cs typeface="+mn-cs"/>
-              </a:rPr>
-              <a:t>int</a:t>
-            </a:r>
-            <a:r>
-              <a:rPr lang="en-US" sz="1200" b="0" i="0" kern="1200" dirty="0" smtClean="0">
-                <a:solidFill>
-                  <a:schemeClr val="tx1"/>
-                </a:solidFill>
-                <a:effectLst/>
-                <a:latin typeface="+mn-lt"/>
-                <a:ea typeface="+mn-ea"/>
-                <a:cs typeface="+mn-cs"/>
-              </a:rPr>
-              <a:t>&gt;();</a:t>
-            </a:r>
-            <a:r>
-              <a:rPr lang="ru-RU" dirty="0" smtClean="0"/>
-              <a:t/>
-            </a:r>
-            <a:br>
-              <a:rPr lang="ru-RU" dirty="0" smtClean="0"/>
-            </a:br>
-            <a:r>
-              <a:rPr lang="ru-RU" dirty="0" smtClean="0"/>
-              <a:t>6. Много тестов, проверяющих</a:t>
-            </a:r>
-            <a:r>
-              <a:rPr lang="ru-RU" baseline="0" dirty="0" smtClean="0"/>
-              <a:t> одно и то же – плохо.</a:t>
-            </a:r>
-          </a:p>
-          <a:p>
-            <a:r>
-              <a:rPr lang="ru-RU" baseline="0" dirty="0" smtClean="0"/>
-              <a:t>Почему?</a:t>
-            </a:r>
-          </a:p>
-          <a:p>
-            <a:pPr marL="171450" indent="-171450">
+              <a:t>void)</a:t>
+            </a:r>
+            <a:endParaRPr lang="ru-RU" sz="1200" b="0" i="0" kern="1200" baseline="0" dirty="0" smtClean="0">
+              <a:solidFill>
+                <a:schemeClr val="tx1"/>
+              </a:solidFill>
+              <a:effectLst/>
+              <a:latin typeface="+mn-lt"/>
+              <a:ea typeface="+mn-ea"/>
+              <a:cs typeface="+mn-cs"/>
+            </a:endParaRPr>
+          </a:p>
+          <a:p>
+            <a:pPr marL="171450" marR="0" lvl="0" indent="-171450" algn="l" defTabSz="914400" rtl="0" eaLnBrk="1" fontAlgn="auto" latinLnBrk="0" hangingPunct="1">
+              <a:lnSpc>
+                <a:spcPct val="100000"/>
+              </a:lnSpc>
+              <a:spcBef>
+                <a:spcPts val="0"/>
+              </a:spcBef>
+              <a:spcAft>
+                <a:spcPts val="0"/>
+              </a:spcAft>
+              <a:buClrTx/>
+              <a:buSzTx/>
               <a:buFont typeface="Arial" panose="020B0604020202020204" pitchFamily="34" charset="0"/>
               <a:buChar char="•"/>
+              <a:tabLst/>
+              <a:defRPr/>
             </a:pPr>
+            <a:endParaRPr lang="ru-RU" sz="1200" b="0" i="0" kern="1200" baseline="0" dirty="0" smtClean="0">
+              <a:solidFill>
+                <a:schemeClr val="tx1"/>
+              </a:solidFill>
+              <a:effectLst/>
+              <a:latin typeface="+mn-lt"/>
+              <a:ea typeface="+mn-ea"/>
+              <a:cs typeface="+mn-cs"/>
+            </a:endParaRPr>
+          </a:p>
+          <a:p>
+            <a:pPr marL="0" marR="0" lvl="0" indent="0" algn="l" defTabSz="914400" rtl="0" eaLnBrk="1" fontAlgn="auto" latinLnBrk="0" hangingPunct="1">
+              <a:lnSpc>
+                <a:spcPct val="100000"/>
+              </a:lnSpc>
+              <a:spcBef>
+                <a:spcPts val="0"/>
+              </a:spcBef>
+              <a:spcAft>
+                <a:spcPts val="0"/>
+              </a:spcAft>
+              <a:buClrTx/>
+              <a:buSzTx/>
+              <a:buFont typeface="Arial" panose="020B0604020202020204" pitchFamily="34" charset="0"/>
+              <a:buNone/>
+              <a:tabLst/>
+              <a:defRPr/>
+            </a:pPr>
             <a:r>
               <a:rPr lang="ru-RU" baseline="0" dirty="0" smtClean="0"/>
-              <a:t>Каждую колонку можно рассматривать как требование из спецификации. Мы живём в изменяющемся мире, условия меняются, требования меняются, соответственно тесты и реализация тоже должны меняться. Но когда у тебя 12 тестов, проверяющих одно и то же требование. То при изменении этого требования, придётся поменять 12 тестов. А если этих тестов 20? 100?..</a:t>
-            </a:r>
+              <a:t>В </a:t>
+            </a:r>
+            <a:r>
+              <a:rPr lang="en-US" baseline="0" dirty="0" err="1" smtClean="0"/>
+              <a:t>TestaCase</a:t>
+            </a:r>
+            <a:r>
+              <a:rPr lang="en-US" baseline="0" dirty="0" smtClean="0"/>
+              <a:t> </a:t>
+            </a:r>
+            <a:r>
+              <a:rPr lang="ru-RU" baseline="0" dirty="0" smtClean="0"/>
+              <a:t>в качестве параметров можно указать</a:t>
+            </a:r>
+            <a:r>
+              <a:rPr lang="en-US" baseline="0" dirty="0" smtClean="0"/>
+              <a:t> </a:t>
+            </a:r>
+            <a:r>
+              <a:rPr lang="ru-RU" baseline="0" dirty="0" smtClean="0"/>
+              <a:t>только типы, поддерживаемые </a:t>
+            </a:r>
+            <a:r>
+              <a:rPr lang="en-US" baseline="0" dirty="0" smtClean="0"/>
+              <a:t>CLR:</a:t>
+            </a:r>
+          </a:p>
+          <a:p>
+            <a:pPr marL="171450" marR="0" lvl="0" indent="-171450" algn="l" defTabSz="914400" rtl="0" eaLnBrk="1" fontAlgn="auto" latinLnBrk="0" hangingPunct="1">
+              <a:lnSpc>
+                <a:spcPct val="100000"/>
+              </a:lnSpc>
+              <a:spcBef>
+                <a:spcPts val="0"/>
+              </a:spcBef>
+              <a:spcAft>
+                <a:spcPts val="0"/>
+              </a:spcAft>
+              <a:buClrTx/>
+              <a:buSzTx/>
+              <a:buFontTx/>
+              <a:buChar char="-"/>
+              <a:tabLst/>
+              <a:defRPr/>
+            </a:pPr>
+            <a:r>
+              <a:rPr lang="ru-RU" baseline="0" dirty="0" smtClean="0"/>
+              <a:t>константы,</a:t>
+            </a:r>
+          </a:p>
+          <a:p>
+            <a:pPr marL="171450" marR="0" lvl="0" indent="-171450" algn="l" defTabSz="914400" rtl="0" eaLnBrk="1" fontAlgn="auto" latinLnBrk="0" hangingPunct="1">
+              <a:lnSpc>
+                <a:spcPct val="100000"/>
+              </a:lnSpc>
+              <a:spcBef>
+                <a:spcPts val="0"/>
+              </a:spcBef>
+              <a:spcAft>
+                <a:spcPts val="0"/>
+              </a:spcAft>
+              <a:buClrTx/>
+              <a:buSzTx/>
+              <a:buFontTx/>
+              <a:buChar char="-"/>
+              <a:tabLst/>
+              <a:defRPr/>
+            </a:pPr>
+            <a:r>
+              <a:rPr lang="ru-RU" dirty="0" smtClean="0"/>
+              <a:t>системные</a:t>
+            </a:r>
+            <a:r>
+              <a:rPr lang="ru-RU" baseline="0" dirty="0" smtClean="0"/>
+              <a:t> типы,</a:t>
+            </a:r>
+          </a:p>
+          <a:p>
+            <a:pPr marL="171450" marR="0" lvl="0" indent="-171450" algn="l" defTabSz="914400" rtl="0" eaLnBrk="1" fontAlgn="auto" latinLnBrk="0" hangingPunct="1">
+              <a:lnSpc>
+                <a:spcPct val="100000"/>
+              </a:lnSpc>
+              <a:spcBef>
+                <a:spcPts val="0"/>
+              </a:spcBef>
+              <a:spcAft>
+                <a:spcPts val="0"/>
+              </a:spcAft>
+              <a:buClrTx/>
+              <a:buSzTx/>
+              <a:buFontTx/>
+              <a:buChar char="-"/>
+              <a:tabLst/>
+              <a:defRPr/>
+            </a:pPr>
+            <a:r>
+              <a:rPr lang="ru-RU" baseline="0" dirty="0" smtClean="0"/>
+              <a:t>одноразмерный массив, содержащий константы и системные типы</a:t>
+            </a:r>
+            <a:endParaRPr lang="en-US" dirty="0" smtClean="0"/>
+          </a:p>
+          <a:p>
+            <a:pPr marL="0" marR="0" lvl="0" indent="0" algn="l" defTabSz="914400" rtl="0" eaLnBrk="1" fontAlgn="auto" latinLnBrk="0" hangingPunct="1">
+              <a:lnSpc>
+                <a:spcPct val="100000"/>
+              </a:lnSpc>
+              <a:spcBef>
+                <a:spcPts val="0"/>
+              </a:spcBef>
+              <a:spcAft>
+                <a:spcPts val="0"/>
+              </a:spcAft>
+              <a:buClrTx/>
+              <a:buSzTx/>
+              <a:buFont typeface="Arial" panose="020B0604020202020204" pitchFamily="34" charset="0"/>
+              <a:buNone/>
+              <a:tabLst/>
+              <a:defRPr/>
+            </a:pPr>
+            <a:endParaRPr lang="ru-RU" baseline="0" dirty="0" smtClean="0"/>
           </a:p>
         </p:txBody>
       </p:sp>
@@ -9266,7 +8659,7 @@
           <a:p>
             <a:fld id="{3BAECB10-9972-4830-A584-02C41DAFD45B}" type="slidenum">
               <a:rPr lang="ru-RU" smtClean="0"/>
-              <a:t>20</a:t>
+              <a:t>15</a:t>
             </a:fld>
             <a:endParaRPr lang="ru-RU"/>
           </a:p>
@@ -9275,7 +8668,665 @@
     </p:spTree>
     <p:extLst>
       <p:ext uri="{BB962C8B-B14F-4D97-AF65-F5344CB8AC3E}">
-        <p14:creationId xmlns:p14="http://schemas.microsoft.com/office/powerpoint/2010/main" val="3738593691"/>
+        <p14:creationId xmlns:p14="http://schemas.microsoft.com/office/powerpoint/2010/main" val="3407484980"/>
+      </p:ext>
+    </p:extLst>
+  </p:cSld>
+  <p:clrMapOvr>
+    <a:masterClrMapping/>
+  </p:clrMapOvr>
+</p:notes>
+</file>
+
+<file path=ppt/notesSlides/notesSlide15.xml><?xml version="1.0" encoding="utf-8"?>
+<p:notes xmlns:a="http://schemas.openxmlformats.org/drawingml/2006/main" xmlns:r="http://schemas.openxmlformats.org/officeDocument/2006/relationships" xmlns:p="http://schemas.openxmlformats.org/presentationml/2006/main">
+  <p:cSld>
+    <p:spTree>
+      <p:nvGrpSpPr>
+        <p:cNvPr id="1" name=""/>
+        <p:cNvGrpSpPr/>
+        <p:nvPr/>
+      </p:nvGrpSpPr>
+      <p:grpSpPr>
+        <a:xfrm>
+          <a:off x="0" y="0"/>
+          <a:ext cx="0" cy="0"/>
+          <a:chOff x="0" y="0"/>
+          <a:chExt cx="0" cy="0"/>
+        </a:xfrm>
+      </p:grpSpPr>
+      <p:sp>
+        <p:nvSpPr>
+          <p:cNvPr id="2" name="Образ слайда 1"/>
+          <p:cNvSpPr>
+            <a:spLocks noGrp="1" noRot="1" noChangeAspect="1"/>
+          </p:cNvSpPr>
+          <p:nvPr>
+            <p:ph type="sldImg"/>
+          </p:nvPr>
+        </p:nvSpPr>
+        <p:spPr/>
+      </p:sp>
+      <p:sp>
+        <p:nvSpPr>
+          <p:cNvPr id="3" name="Заметки 2"/>
+          <p:cNvSpPr>
+            <a:spLocks noGrp="1"/>
+          </p:cNvSpPr>
+          <p:nvPr>
+            <p:ph type="body" idx="1"/>
+          </p:nvPr>
+        </p:nvSpPr>
+        <p:spPr/>
+        <p:txBody>
+          <a:bodyPr/>
+          <a:lstStyle/>
+          <a:p>
+            <a:r>
+              <a:rPr lang="ru-RU" dirty="0" smtClean="0"/>
+              <a:t>Вот вы</a:t>
+            </a:r>
+            <a:r>
+              <a:rPr lang="ru-RU" baseline="0" dirty="0" smtClean="0"/>
+              <a:t> видите такой тест.</a:t>
+            </a:r>
+          </a:p>
+          <a:p>
+            <a:r>
+              <a:rPr lang="ru-RU" baseline="0" dirty="0" smtClean="0"/>
+              <a:t>Как его можно улучшить?</a:t>
+            </a:r>
+          </a:p>
+          <a:p>
+            <a:endParaRPr lang="ru-RU" baseline="0" dirty="0" smtClean="0"/>
+          </a:p>
+        </p:txBody>
+      </p:sp>
+      <p:sp>
+        <p:nvSpPr>
+          <p:cNvPr id="4" name="Номер слайда 3"/>
+          <p:cNvSpPr>
+            <a:spLocks noGrp="1"/>
+          </p:cNvSpPr>
+          <p:nvPr>
+            <p:ph type="sldNum" sz="quarter" idx="10"/>
+          </p:nvPr>
+        </p:nvSpPr>
+        <p:spPr/>
+        <p:txBody>
+          <a:bodyPr/>
+          <a:lstStyle/>
+          <a:p>
+            <a:fld id="{3BAECB10-9972-4830-A584-02C41DAFD45B}" type="slidenum">
+              <a:rPr lang="ru-RU" smtClean="0"/>
+              <a:t>17</a:t>
+            </a:fld>
+            <a:endParaRPr lang="ru-RU"/>
+          </a:p>
+        </p:txBody>
+      </p:sp>
+    </p:spTree>
+    <p:extLst>
+      <p:ext uri="{BB962C8B-B14F-4D97-AF65-F5344CB8AC3E}">
+        <p14:creationId xmlns:p14="http://schemas.microsoft.com/office/powerpoint/2010/main" val="3869741923"/>
+      </p:ext>
+    </p:extLst>
+  </p:cSld>
+  <p:clrMapOvr>
+    <a:masterClrMapping/>
+  </p:clrMapOvr>
+</p:notes>
+</file>
+
+<file path=ppt/notesSlides/notesSlide16.xml><?xml version="1.0" encoding="utf-8"?>
+<p:notes xmlns:a="http://schemas.openxmlformats.org/drawingml/2006/main" xmlns:r="http://schemas.openxmlformats.org/officeDocument/2006/relationships" xmlns:p="http://schemas.openxmlformats.org/presentationml/2006/main">
+  <p:cSld>
+    <p:spTree>
+      <p:nvGrpSpPr>
+        <p:cNvPr id="1" name=""/>
+        <p:cNvGrpSpPr/>
+        <p:nvPr/>
+      </p:nvGrpSpPr>
+      <p:grpSpPr>
+        <a:xfrm>
+          <a:off x="0" y="0"/>
+          <a:ext cx="0" cy="0"/>
+          <a:chOff x="0" y="0"/>
+          <a:chExt cx="0" cy="0"/>
+        </a:xfrm>
+      </p:grpSpPr>
+      <p:sp>
+        <p:nvSpPr>
+          <p:cNvPr id="2" name="Образ слайда 1"/>
+          <p:cNvSpPr>
+            <a:spLocks noGrp="1" noRot="1" noChangeAspect="1"/>
+          </p:cNvSpPr>
+          <p:nvPr>
+            <p:ph type="sldImg"/>
+          </p:nvPr>
+        </p:nvSpPr>
+        <p:spPr/>
+      </p:sp>
+      <p:sp>
+        <p:nvSpPr>
+          <p:cNvPr id="3" name="Заметки 2"/>
+          <p:cNvSpPr>
+            <a:spLocks noGrp="1"/>
+          </p:cNvSpPr>
+          <p:nvPr>
+            <p:ph type="body" idx="1"/>
+          </p:nvPr>
+        </p:nvSpPr>
+        <p:spPr/>
+        <p:txBody>
+          <a:bodyPr/>
+          <a:lstStyle/>
+          <a:p>
+            <a:r>
+              <a:rPr lang="ru-RU" dirty="0" smtClean="0"/>
+              <a:t>Обратите внимание,</a:t>
+            </a:r>
+            <a:r>
+              <a:rPr lang="ru-RU" baseline="0" dirty="0" smtClean="0"/>
+              <a:t> что в тесте можно вернуть не только </a:t>
+            </a:r>
+            <a:r>
+              <a:rPr lang="en-US" baseline="0" dirty="0" smtClean="0"/>
+              <a:t>void</a:t>
+            </a:r>
+            <a:r>
+              <a:rPr lang="ru-RU" baseline="0" dirty="0" smtClean="0"/>
+              <a:t>.</a:t>
+            </a:r>
+          </a:p>
+          <a:p>
+            <a:endParaRPr lang="ru-RU" dirty="0"/>
+          </a:p>
+        </p:txBody>
+      </p:sp>
+      <p:sp>
+        <p:nvSpPr>
+          <p:cNvPr id="4" name="Номер слайда 3"/>
+          <p:cNvSpPr>
+            <a:spLocks noGrp="1"/>
+          </p:cNvSpPr>
+          <p:nvPr>
+            <p:ph type="sldNum" sz="quarter" idx="10"/>
+          </p:nvPr>
+        </p:nvSpPr>
+        <p:spPr/>
+        <p:txBody>
+          <a:bodyPr/>
+          <a:lstStyle/>
+          <a:p>
+            <a:fld id="{3BAECB10-9972-4830-A584-02C41DAFD45B}" type="slidenum">
+              <a:rPr lang="ru-RU" smtClean="0"/>
+              <a:t>18</a:t>
+            </a:fld>
+            <a:endParaRPr lang="ru-RU"/>
+          </a:p>
+        </p:txBody>
+      </p:sp>
+    </p:spTree>
+    <p:extLst>
+      <p:ext uri="{BB962C8B-B14F-4D97-AF65-F5344CB8AC3E}">
+        <p14:creationId xmlns:p14="http://schemas.microsoft.com/office/powerpoint/2010/main" val="1233168358"/>
+      </p:ext>
+    </p:extLst>
+  </p:cSld>
+  <p:clrMapOvr>
+    <a:masterClrMapping/>
+  </p:clrMapOvr>
+</p:notes>
+</file>
+
+<file path=ppt/notesSlides/notesSlide17.xml><?xml version="1.0" encoding="utf-8"?>
+<p:notes xmlns:a="http://schemas.openxmlformats.org/drawingml/2006/main" xmlns:r="http://schemas.openxmlformats.org/officeDocument/2006/relationships" xmlns:p="http://schemas.openxmlformats.org/presentationml/2006/main">
+  <p:cSld>
+    <p:spTree>
+      <p:nvGrpSpPr>
+        <p:cNvPr id="1" name=""/>
+        <p:cNvGrpSpPr/>
+        <p:nvPr/>
+      </p:nvGrpSpPr>
+      <p:grpSpPr>
+        <a:xfrm>
+          <a:off x="0" y="0"/>
+          <a:ext cx="0" cy="0"/>
+          <a:chOff x="0" y="0"/>
+          <a:chExt cx="0" cy="0"/>
+        </a:xfrm>
+      </p:grpSpPr>
+      <p:sp>
+        <p:nvSpPr>
+          <p:cNvPr id="2" name="Образ слайда 1"/>
+          <p:cNvSpPr>
+            <a:spLocks noGrp="1" noRot="1" noChangeAspect="1"/>
+          </p:cNvSpPr>
+          <p:nvPr>
+            <p:ph type="sldImg"/>
+          </p:nvPr>
+        </p:nvSpPr>
+        <p:spPr/>
+      </p:sp>
+      <p:sp>
+        <p:nvSpPr>
+          <p:cNvPr id="3" name="Заметки 2"/>
+          <p:cNvSpPr>
+            <a:spLocks noGrp="1"/>
+          </p:cNvSpPr>
+          <p:nvPr>
+            <p:ph type="body" idx="1"/>
+          </p:nvPr>
+        </p:nvSpPr>
+        <p:spPr/>
+        <p:txBody>
+          <a:bodyPr/>
+          <a:lstStyle/>
+          <a:p>
+            <a:r>
+              <a:rPr lang="ru-RU" dirty="0" smtClean="0"/>
+              <a:t>Также</a:t>
+            </a:r>
+            <a:r>
+              <a:rPr lang="ru-RU" baseline="0" dirty="0" smtClean="0"/>
+              <a:t> можно ожидать </a:t>
+            </a:r>
+            <a:r>
+              <a:rPr lang="en-US" baseline="0" dirty="0" smtClean="0"/>
+              <a:t>Exception’</a:t>
+            </a:r>
+            <a:r>
+              <a:rPr lang="ru-RU" baseline="0" dirty="0" smtClean="0"/>
+              <a:t>ы. Да ещё и сообщение проверить.</a:t>
+            </a:r>
+          </a:p>
+        </p:txBody>
+      </p:sp>
+      <p:sp>
+        <p:nvSpPr>
+          <p:cNvPr id="4" name="Номер слайда 3"/>
+          <p:cNvSpPr>
+            <a:spLocks noGrp="1"/>
+          </p:cNvSpPr>
+          <p:nvPr>
+            <p:ph type="sldNum" sz="quarter" idx="10"/>
+          </p:nvPr>
+        </p:nvSpPr>
+        <p:spPr/>
+        <p:txBody>
+          <a:bodyPr/>
+          <a:lstStyle/>
+          <a:p>
+            <a:fld id="{3BAECB10-9972-4830-A584-02C41DAFD45B}" type="slidenum">
+              <a:rPr lang="ru-RU" smtClean="0"/>
+              <a:t>19</a:t>
+            </a:fld>
+            <a:endParaRPr lang="ru-RU"/>
+          </a:p>
+        </p:txBody>
+      </p:sp>
+    </p:spTree>
+    <p:extLst>
+      <p:ext uri="{BB962C8B-B14F-4D97-AF65-F5344CB8AC3E}">
+        <p14:creationId xmlns:p14="http://schemas.microsoft.com/office/powerpoint/2010/main" val="1389233277"/>
+      </p:ext>
+    </p:extLst>
+  </p:cSld>
+  <p:clrMapOvr>
+    <a:masterClrMapping/>
+  </p:clrMapOvr>
+</p:notes>
+</file>
+
+<file path=ppt/notesSlides/notesSlide18.xml><?xml version="1.0" encoding="utf-8"?>
+<p:notes xmlns:a="http://schemas.openxmlformats.org/drawingml/2006/main" xmlns:r="http://schemas.openxmlformats.org/officeDocument/2006/relationships" xmlns:p="http://schemas.openxmlformats.org/presentationml/2006/main">
+  <p:cSld>
+    <p:spTree>
+      <p:nvGrpSpPr>
+        <p:cNvPr id="1" name=""/>
+        <p:cNvGrpSpPr/>
+        <p:nvPr/>
+      </p:nvGrpSpPr>
+      <p:grpSpPr>
+        <a:xfrm>
+          <a:off x="0" y="0"/>
+          <a:ext cx="0" cy="0"/>
+          <a:chOff x="0" y="0"/>
+          <a:chExt cx="0" cy="0"/>
+        </a:xfrm>
+      </p:grpSpPr>
+      <p:sp>
+        <p:nvSpPr>
+          <p:cNvPr id="2" name="Образ слайда 1"/>
+          <p:cNvSpPr>
+            <a:spLocks noGrp="1" noRot="1" noChangeAspect="1"/>
+          </p:cNvSpPr>
+          <p:nvPr>
+            <p:ph type="sldImg"/>
+          </p:nvPr>
+        </p:nvSpPr>
+        <p:spPr/>
+      </p:sp>
+      <p:sp>
+        <p:nvSpPr>
+          <p:cNvPr id="3" name="Заметки 2"/>
+          <p:cNvSpPr>
+            <a:spLocks noGrp="1"/>
+          </p:cNvSpPr>
+          <p:nvPr>
+            <p:ph type="body" idx="1"/>
+          </p:nvPr>
+        </p:nvSpPr>
+        <p:spPr/>
+        <p:txBody>
+          <a:bodyPr/>
+          <a:lstStyle/>
+          <a:p>
+            <a:pPr marL="0" marR="0" lvl="0" indent="0" algn="l" defTabSz="914400" rtl="0" eaLnBrk="1" fontAlgn="auto" latinLnBrk="0" hangingPunct="1">
+              <a:lnSpc>
+                <a:spcPct val="100000"/>
+              </a:lnSpc>
+              <a:spcBef>
+                <a:spcPts val="0"/>
+              </a:spcBef>
+              <a:spcAft>
+                <a:spcPts val="0"/>
+              </a:spcAft>
+              <a:buClrTx/>
+              <a:buSzTx/>
+              <a:buFontTx/>
+              <a:buNone/>
+              <a:tabLst/>
+              <a:defRPr/>
+            </a:pPr>
+            <a:r>
+              <a:rPr lang="en-US" dirty="0" err="1" smtClean="0"/>
+              <a:t>NUnit</a:t>
+            </a:r>
+            <a:r>
+              <a:rPr lang="ru-RU" baseline="0" dirty="0" smtClean="0"/>
+              <a:t> умеет много всего интересного. Просмотрите хотя бы один раз его документацию на </a:t>
+            </a:r>
+            <a:r>
+              <a:rPr lang="en-US" baseline="0" dirty="0" smtClean="0"/>
+              <a:t>nunit.org</a:t>
+            </a:r>
+            <a:r>
+              <a:rPr lang="ru-RU" baseline="0" dirty="0" smtClean="0"/>
+              <a:t>.</a:t>
+            </a:r>
+            <a:r>
+              <a:rPr lang="en-US" baseline="0" dirty="0" smtClean="0"/>
+              <a:t> </a:t>
+            </a:r>
+            <a:r>
+              <a:rPr lang="ru-RU" baseline="0" dirty="0" smtClean="0"/>
+              <a:t>Вот пример того, что можно там найти.</a:t>
+            </a:r>
+            <a:endParaRPr lang="ru-RU" dirty="0" smtClean="0"/>
+          </a:p>
+          <a:p>
+            <a:endParaRPr lang="ru-RU" dirty="0" smtClean="0"/>
+          </a:p>
+          <a:p>
+            <a:r>
+              <a:rPr lang="en-US" dirty="0" smtClean="0"/>
+              <a:t>[Timeout]</a:t>
+            </a:r>
+            <a:endParaRPr lang="ru-RU" dirty="0" smtClean="0"/>
+          </a:p>
+          <a:p>
+            <a:r>
+              <a:rPr lang="ru-RU" dirty="0" smtClean="0"/>
+              <a:t>- : Достаточно</a:t>
+            </a:r>
+            <a:r>
+              <a:rPr lang="ru-RU" baseline="0" dirty="0" smtClean="0"/>
+              <a:t> грубая проверка производительности. Полноценная проверка производительности – это большая отдельная тема.</a:t>
+            </a:r>
+          </a:p>
+          <a:p>
+            <a:r>
+              <a:rPr lang="ru-RU" baseline="0" dirty="0" smtClean="0"/>
+              <a:t>+ : Помогает обнаружить изъяны в реализации.</a:t>
+            </a:r>
+          </a:p>
+          <a:p>
+            <a:endParaRPr lang="ru-RU" baseline="0" dirty="0" smtClean="0"/>
+          </a:p>
+          <a:p>
+            <a:r>
+              <a:rPr lang="ru-RU" baseline="0" dirty="0" smtClean="0"/>
+              <a:t>Как пользоваться </a:t>
+            </a:r>
+            <a:r>
+              <a:rPr lang="en-US" baseline="0" dirty="0" smtClean="0"/>
+              <a:t>Timeout’</a:t>
+            </a:r>
+            <a:r>
+              <a:rPr lang="ru-RU" baseline="0" dirty="0" smtClean="0"/>
+              <a:t>ом? Какое значение в </a:t>
+            </a:r>
+            <a:r>
+              <a:rPr lang="ru-RU" baseline="0" dirty="0" err="1" smtClean="0"/>
+              <a:t>мс</a:t>
+            </a:r>
+            <a:r>
+              <a:rPr lang="ru-RU" baseline="0" dirty="0" smtClean="0"/>
+              <a:t> адекватное?</a:t>
+            </a:r>
+          </a:p>
+          <a:p>
+            <a:r>
+              <a:rPr lang="ru-RU" baseline="0" dirty="0" smtClean="0"/>
+              <a:t>Что он должен ловить?</a:t>
+            </a:r>
+          </a:p>
+          <a:p>
+            <a:r>
+              <a:rPr lang="en-US" baseline="0" dirty="0" smtClean="0"/>
+              <a:t>O(n)</a:t>
+            </a:r>
+          </a:p>
+          <a:p>
+            <a:r>
+              <a:rPr lang="en-US" baseline="0" dirty="0" smtClean="0"/>
+              <a:t>O(n^2)</a:t>
+            </a:r>
+            <a:r>
+              <a:rPr lang="ru-RU" baseline="0" dirty="0" smtClean="0"/>
+              <a:t> и прочее.</a:t>
+            </a:r>
+            <a:endParaRPr lang="en-US" baseline="0" dirty="0" smtClean="0"/>
+          </a:p>
+          <a:p>
+            <a:endParaRPr lang="ru-RU" baseline="0" dirty="0" smtClean="0"/>
+          </a:p>
+          <a:p>
+            <a:endParaRPr lang="ru-RU" dirty="0"/>
+          </a:p>
+        </p:txBody>
+      </p:sp>
+      <p:sp>
+        <p:nvSpPr>
+          <p:cNvPr id="4" name="Номер слайда 3"/>
+          <p:cNvSpPr>
+            <a:spLocks noGrp="1"/>
+          </p:cNvSpPr>
+          <p:nvPr>
+            <p:ph type="sldNum" sz="quarter" idx="10"/>
+          </p:nvPr>
+        </p:nvSpPr>
+        <p:spPr/>
+        <p:txBody>
+          <a:bodyPr/>
+          <a:lstStyle/>
+          <a:p>
+            <a:fld id="{3BAECB10-9972-4830-A584-02C41DAFD45B}" type="slidenum">
+              <a:rPr lang="ru-RU" smtClean="0"/>
+              <a:t>20</a:t>
+            </a:fld>
+            <a:endParaRPr lang="ru-RU"/>
+          </a:p>
+        </p:txBody>
+      </p:sp>
+    </p:spTree>
+    <p:extLst>
+      <p:ext uri="{BB962C8B-B14F-4D97-AF65-F5344CB8AC3E}">
+        <p14:creationId xmlns:p14="http://schemas.microsoft.com/office/powerpoint/2010/main" val="2929866659"/>
+      </p:ext>
+    </p:extLst>
+  </p:cSld>
+  <p:clrMapOvr>
+    <a:masterClrMapping/>
+  </p:clrMapOvr>
+</p:notes>
+</file>
+
+<file path=ppt/notesSlides/notesSlide19.xml><?xml version="1.0" encoding="utf-8"?>
+<p:notes xmlns:a="http://schemas.openxmlformats.org/drawingml/2006/main" xmlns:r="http://schemas.openxmlformats.org/officeDocument/2006/relationships" xmlns:p="http://schemas.openxmlformats.org/presentationml/2006/main">
+  <p:cSld>
+    <p:spTree>
+      <p:nvGrpSpPr>
+        <p:cNvPr id="1" name=""/>
+        <p:cNvGrpSpPr/>
+        <p:nvPr/>
+      </p:nvGrpSpPr>
+      <p:grpSpPr>
+        <a:xfrm>
+          <a:off x="0" y="0"/>
+          <a:ext cx="0" cy="0"/>
+          <a:chOff x="0" y="0"/>
+          <a:chExt cx="0" cy="0"/>
+        </a:xfrm>
+      </p:grpSpPr>
+      <p:sp>
+        <p:nvSpPr>
+          <p:cNvPr id="2" name="Образ слайда 1"/>
+          <p:cNvSpPr>
+            <a:spLocks noGrp="1" noRot="1" noChangeAspect="1"/>
+          </p:cNvSpPr>
+          <p:nvPr>
+            <p:ph type="sldImg"/>
+          </p:nvPr>
+        </p:nvSpPr>
+        <p:spPr/>
+      </p:sp>
+      <p:sp>
+        <p:nvSpPr>
+          <p:cNvPr id="3" name="Заметки 2"/>
+          <p:cNvSpPr>
+            <a:spLocks noGrp="1"/>
+          </p:cNvSpPr>
+          <p:nvPr>
+            <p:ph type="body" idx="1"/>
+          </p:nvPr>
+        </p:nvSpPr>
+        <p:spPr/>
+        <p:txBody>
+          <a:bodyPr/>
+          <a:lstStyle/>
+          <a:p>
+            <a:r>
+              <a:rPr lang="ru-RU" dirty="0" smtClean="0"/>
+              <a:t>Неочевидный</a:t>
+            </a:r>
+            <a:r>
+              <a:rPr lang="ru-RU" baseline="0" dirty="0" smtClean="0"/>
+              <a:t> синтаксис у </a:t>
+            </a:r>
+            <a:r>
+              <a:rPr lang="en-US" baseline="0" dirty="0" smtClean="0"/>
+              <a:t>Assert</a:t>
+            </a:r>
+            <a:r>
+              <a:rPr lang="ru-RU" baseline="0" dirty="0" smtClean="0"/>
+              <a:t>.</a:t>
+            </a:r>
+          </a:p>
+          <a:p>
+            <a:r>
+              <a:rPr lang="ru-RU" baseline="0" dirty="0" smtClean="0"/>
+              <a:t>Что должно быть сначала, а что в конце?</a:t>
+            </a:r>
+          </a:p>
+          <a:p>
+            <a:endParaRPr lang="ru-RU" baseline="0" dirty="0" smtClean="0"/>
+          </a:p>
+          <a:p>
+            <a:r>
+              <a:rPr lang="ru-RU" baseline="0" dirty="0" smtClean="0"/>
+              <a:t>Если перепутать местами </a:t>
+            </a:r>
+            <a:r>
+              <a:rPr lang="en-US" baseline="0" dirty="0" smtClean="0"/>
+              <a:t>actual </a:t>
+            </a:r>
+            <a:r>
+              <a:rPr lang="ru-RU" baseline="0" dirty="0" smtClean="0"/>
+              <a:t>и </a:t>
+            </a:r>
+            <a:r>
+              <a:rPr lang="en-US" baseline="0" dirty="0" smtClean="0"/>
+              <a:t>expected, </a:t>
+            </a:r>
+            <a:r>
+              <a:rPr lang="ru-RU" baseline="0" dirty="0" smtClean="0"/>
+              <a:t>то при срабатывании теста </a:t>
+            </a:r>
+            <a:r>
+              <a:rPr lang="en-US" baseline="0" dirty="0" smtClean="0"/>
+              <a:t>output </a:t>
+            </a:r>
+            <a:r>
+              <a:rPr lang="ru-RU" baseline="0" dirty="0" smtClean="0"/>
+              <a:t>будет не ясен.</a:t>
+            </a:r>
+          </a:p>
+          <a:p>
+            <a:r>
+              <a:rPr lang="ru-RU" baseline="0" dirty="0" smtClean="0"/>
+              <a:t>«</a:t>
+            </a:r>
+            <a:r>
+              <a:rPr lang="ru-RU" baseline="0" dirty="0" err="1" smtClean="0"/>
+              <a:t>эээээ</a:t>
+            </a:r>
+            <a:r>
+              <a:rPr lang="ru-RU" baseline="0" dirty="0" smtClean="0"/>
+              <a:t>…Я же так и написал, чего он ругается?»</a:t>
+            </a:r>
+          </a:p>
+        </p:txBody>
+      </p:sp>
+      <p:sp>
+        <p:nvSpPr>
+          <p:cNvPr id="4" name="Номер слайда 3"/>
+          <p:cNvSpPr>
+            <a:spLocks noGrp="1"/>
+          </p:cNvSpPr>
+          <p:nvPr>
+            <p:ph type="sldNum" sz="quarter" idx="10"/>
+          </p:nvPr>
+        </p:nvSpPr>
+        <p:spPr/>
+        <p:txBody>
+          <a:bodyPr/>
+          <a:lstStyle/>
+          <a:p>
+            <a:fld id="{3BAECB10-9972-4830-A584-02C41DAFD45B}" type="slidenum">
+              <a:rPr lang="ru-RU" smtClean="0"/>
+              <a:t>21</a:t>
+            </a:fld>
+            <a:endParaRPr lang="ru-RU"/>
+          </a:p>
+        </p:txBody>
+      </p:sp>
+    </p:spTree>
+    <p:extLst>
+      <p:ext uri="{BB962C8B-B14F-4D97-AF65-F5344CB8AC3E}">
+        <p14:creationId xmlns:p14="http://schemas.microsoft.com/office/powerpoint/2010/main" val="2355226439"/>
       </p:ext>
     </p:extLst>
   </p:cSld>
@@ -9331,22 +9382,29 @@
           <a:p>
             <a:r>
               <a:rPr lang="ru-RU" dirty="0" smtClean="0"/>
-              <a:t>Тесты,</a:t>
+              <a:t>Тесты</a:t>
             </a:r>
             <a:r>
               <a:rPr lang="ru-RU" baseline="0" dirty="0" smtClean="0"/>
-              <a:t> как и хороший код, должны рассказывать историю.</a:t>
+              <a:t> дают доверие к коду, но только если есть доверие к самим тестам</a:t>
+            </a:r>
+          </a:p>
+          <a:p>
+            <a:r>
+              <a:rPr lang="ru-RU" baseline="0" dirty="0" smtClean="0"/>
+              <a:t>Если тест не понятен, то когда он упадёт (выполнит своё предназначение), это проигнорируют, тест закомментируют или и вовсе удалят.</a:t>
             </a:r>
           </a:p>
           <a:p>
             <a:r>
               <a:rPr lang="ru-RU" dirty="0" smtClean="0"/>
-              <a:t>Из</a:t>
+              <a:t>Поэтому</a:t>
             </a:r>
             <a:r>
               <a:rPr lang="ru-RU" baseline="0" dirty="0" smtClean="0"/>
-              <a:t> названий тестов можно составить короткое описание функционала.</a:t>
-            </a:r>
+              <a:t> для тестов критически важно быть читаемыми и понятными.</a:t>
+            </a:r>
+            <a:endParaRPr lang="ru-RU" dirty="0" smtClean="0"/>
           </a:p>
           <a:p>
             <a:endParaRPr lang="ru-RU" dirty="0"/>
@@ -9379,6 +9437,2055 @@
     </p:spTree>
     <p:extLst>
       <p:ext uri="{BB962C8B-B14F-4D97-AF65-F5344CB8AC3E}">
+        <p14:creationId xmlns:p14="http://schemas.microsoft.com/office/powerpoint/2010/main" val="1377505549"/>
+      </p:ext>
+    </p:extLst>
+  </p:cSld>
+  <p:clrMapOvr>
+    <a:masterClrMapping/>
+  </p:clrMapOvr>
+</p:notes>
+</file>
+
+<file path=ppt/notesSlides/notesSlide20.xml><?xml version="1.0" encoding="utf-8"?>
+<p:notes xmlns:a="http://schemas.openxmlformats.org/drawingml/2006/main" xmlns:r="http://schemas.openxmlformats.org/officeDocument/2006/relationships" xmlns:p="http://schemas.openxmlformats.org/presentationml/2006/main">
+  <p:cSld>
+    <p:spTree>
+      <p:nvGrpSpPr>
+        <p:cNvPr id="1" name=""/>
+        <p:cNvGrpSpPr/>
+        <p:nvPr/>
+      </p:nvGrpSpPr>
+      <p:grpSpPr>
+        <a:xfrm>
+          <a:off x="0" y="0"/>
+          <a:ext cx="0" cy="0"/>
+          <a:chOff x="0" y="0"/>
+          <a:chExt cx="0" cy="0"/>
+        </a:xfrm>
+      </p:grpSpPr>
+      <p:sp>
+        <p:nvSpPr>
+          <p:cNvPr id="2" name="Образ слайда 1"/>
+          <p:cNvSpPr>
+            <a:spLocks noGrp="1" noRot="1" noChangeAspect="1"/>
+          </p:cNvSpPr>
+          <p:nvPr>
+            <p:ph type="sldImg"/>
+          </p:nvPr>
+        </p:nvSpPr>
+        <p:spPr/>
+      </p:sp>
+      <p:sp>
+        <p:nvSpPr>
+          <p:cNvPr id="3" name="Заметки 2"/>
+          <p:cNvSpPr>
+            <a:spLocks noGrp="1"/>
+          </p:cNvSpPr>
+          <p:nvPr>
+            <p:ph type="body" idx="1"/>
+          </p:nvPr>
+        </p:nvSpPr>
+        <p:spPr/>
+        <p:txBody>
+          <a:bodyPr/>
+          <a:lstStyle/>
+          <a:p>
+            <a:r>
+              <a:rPr lang="en-US" dirty="0" smtClean="0"/>
+              <a:t>Options</a:t>
+            </a:r>
+            <a:r>
+              <a:rPr lang="en-US" baseline="0" dirty="0" smtClean="0"/>
+              <a:t> </a:t>
+            </a:r>
+            <a:r>
+              <a:rPr lang="ru-RU" baseline="0" dirty="0" smtClean="0"/>
+              <a:t>лучше читается, но можно и просто </a:t>
+            </a:r>
+            <a:r>
+              <a:rPr lang="en-US" baseline="0" dirty="0" smtClean="0"/>
+              <a:t>o =&gt; o….</a:t>
+            </a:r>
+          </a:p>
+          <a:p>
+            <a:endParaRPr lang="en-US" baseline="0" dirty="0" smtClean="0"/>
+          </a:p>
+          <a:p>
+            <a:r>
+              <a:rPr lang="en-US" baseline="0" dirty="0" err="1" smtClean="0"/>
+              <a:t>currentSyntax</a:t>
+            </a:r>
+            <a:r>
+              <a:rPr lang="en-US" baseline="0" dirty="0" smtClean="0"/>
+              <a:t> =&gt; </a:t>
+            </a:r>
+          </a:p>
+          <a:p>
+            <a:endParaRPr lang="en-US" baseline="0" dirty="0" smtClean="0"/>
+          </a:p>
+          <a:p>
+            <a:pPr marL="171450" indent="-171450">
+              <a:buFont typeface="Arial" panose="020B0604020202020204" pitchFamily="34" charset="0"/>
+              <a:buChar char="•"/>
+            </a:pPr>
+            <a:r>
+              <a:rPr lang="en-US" dirty="0" smtClean="0"/>
+              <a:t>new[] {1,2,3}.</a:t>
+            </a:r>
+            <a:r>
+              <a:rPr lang="en-US" dirty="0" err="1" smtClean="0"/>
+              <a:t>ShouldBeEquivalentTo</a:t>
+            </a:r>
+            <a:r>
+              <a:rPr lang="en-US" dirty="0" smtClean="0"/>
+              <a:t>(new [] {3,2,1});</a:t>
+            </a:r>
+          </a:p>
+          <a:p>
+            <a:pPr marL="171450" indent="-171450">
+              <a:buFont typeface="Arial" panose="020B0604020202020204" pitchFamily="34" charset="0"/>
+              <a:buChar char="•"/>
+            </a:pPr>
+            <a:r>
+              <a:rPr lang="en-US" dirty="0" smtClean="0"/>
+              <a:t>new[] {1,2,3}.</a:t>
+            </a:r>
+            <a:r>
+              <a:rPr lang="en-US" dirty="0" err="1" smtClean="0"/>
+              <a:t>ShouldAllBeEquivalentTo</a:t>
+            </a:r>
+            <a:r>
+              <a:rPr lang="en-US" dirty="0" smtClean="0"/>
+              <a:t>(new [] {1,2,3}, options =&gt; options</a:t>
+            </a:r>
+          </a:p>
+          <a:p>
+            <a:pPr marL="457200" lvl="1" indent="0">
+              <a:buFont typeface="Arial" panose="020B0604020202020204" pitchFamily="34" charset="0"/>
+              <a:buNone/>
+            </a:pPr>
+            <a:r>
+              <a:rPr lang="en-US" dirty="0" smtClean="0"/>
+              <a:t>.</a:t>
+            </a:r>
+            <a:r>
+              <a:rPr lang="en-US" dirty="0" err="1" smtClean="0"/>
+              <a:t>WithStrictOrdering</a:t>
+            </a:r>
+            <a:r>
+              <a:rPr lang="en-US" dirty="0" smtClean="0"/>
+              <a:t>());</a:t>
+            </a:r>
+            <a:endParaRPr lang="ru-RU" baseline="0" dirty="0" smtClean="0"/>
+          </a:p>
+        </p:txBody>
+      </p:sp>
+      <p:sp>
+        <p:nvSpPr>
+          <p:cNvPr id="4" name="Номер слайда 3"/>
+          <p:cNvSpPr>
+            <a:spLocks noGrp="1"/>
+          </p:cNvSpPr>
+          <p:nvPr>
+            <p:ph type="sldNum" sz="quarter" idx="10"/>
+          </p:nvPr>
+        </p:nvSpPr>
+        <p:spPr/>
+        <p:txBody>
+          <a:bodyPr/>
+          <a:lstStyle/>
+          <a:p>
+            <a:fld id="{3BAECB10-9972-4830-A584-02C41DAFD45B}" type="slidenum">
+              <a:rPr lang="ru-RU" smtClean="0"/>
+              <a:t>22</a:t>
+            </a:fld>
+            <a:endParaRPr lang="ru-RU"/>
+          </a:p>
+        </p:txBody>
+      </p:sp>
+    </p:spTree>
+    <p:extLst>
+      <p:ext uri="{BB962C8B-B14F-4D97-AF65-F5344CB8AC3E}">
+        <p14:creationId xmlns:p14="http://schemas.microsoft.com/office/powerpoint/2010/main" val="308928937"/>
+      </p:ext>
+    </p:extLst>
+  </p:cSld>
+  <p:clrMapOvr>
+    <a:masterClrMapping/>
+  </p:clrMapOvr>
+</p:notes>
+</file>
+
+<file path=ppt/notesSlides/notesSlide21.xml><?xml version="1.0" encoding="utf-8"?>
+<p:notes xmlns:a="http://schemas.openxmlformats.org/drawingml/2006/main" xmlns:r="http://schemas.openxmlformats.org/officeDocument/2006/relationships" xmlns:p="http://schemas.openxmlformats.org/presentationml/2006/main">
+  <p:cSld>
+    <p:spTree>
+      <p:nvGrpSpPr>
+        <p:cNvPr id="1" name=""/>
+        <p:cNvGrpSpPr/>
+        <p:nvPr/>
+      </p:nvGrpSpPr>
+      <p:grpSpPr>
+        <a:xfrm>
+          <a:off x="0" y="0"/>
+          <a:ext cx="0" cy="0"/>
+          <a:chOff x="0" y="0"/>
+          <a:chExt cx="0" cy="0"/>
+        </a:xfrm>
+      </p:grpSpPr>
+      <p:sp>
+        <p:nvSpPr>
+          <p:cNvPr id="2" name="Образ слайда 1"/>
+          <p:cNvSpPr>
+            <a:spLocks noGrp="1" noRot="1" noChangeAspect="1"/>
+          </p:cNvSpPr>
+          <p:nvPr>
+            <p:ph type="sldImg"/>
+          </p:nvPr>
+        </p:nvSpPr>
+        <p:spPr/>
+      </p:sp>
+      <p:sp>
+        <p:nvSpPr>
+          <p:cNvPr id="3" name="Заметки 2"/>
+          <p:cNvSpPr>
+            <a:spLocks noGrp="1"/>
+          </p:cNvSpPr>
+          <p:nvPr>
+            <p:ph type="body" idx="1"/>
+          </p:nvPr>
+        </p:nvSpPr>
+        <p:spPr/>
+        <p:txBody>
+          <a:bodyPr/>
+          <a:lstStyle/>
+          <a:p>
+            <a:r>
+              <a:rPr lang="en-US" dirty="0" err="1" smtClean="0"/>
+              <a:t>Resharper</a:t>
+            </a:r>
+            <a:r>
+              <a:rPr lang="en-US" baseline="0" dirty="0" smtClean="0"/>
+              <a:t>’</a:t>
+            </a:r>
+            <a:r>
+              <a:rPr lang="ru-RU" baseline="0" dirty="0" smtClean="0"/>
+              <a:t>ом, как и любым инструментом, нужно уметь пользоваться, чтобы работать эффективно.</a:t>
+            </a:r>
+          </a:p>
+          <a:p>
+            <a:endParaRPr lang="ru-RU" baseline="0" dirty="0" smtClean="0"/>
+          </a:p>
+          <a:p>
+            <a:r>
+              <a:rPr lang="ru-RU" baseline="0" dirty="0" smtClean="0"/>
+              <a:t>Открывает, показываем.</a:t>
+            </a:r>
+          </a:p>
+        </p:txBody>
+      </p:sp>
+      <p:sp>
+        <p:nvSpPr>
+          <p:cNvPr id="4" name="Номер слайда 3"/>
+          <p:cNvSpPr>
+            <a:spLocks noGrp="1"/>
+          </p:cNvSpPr>
+          <p:nvPr>
+            <p:ph type="sldNum" sz="quarter" idx="10"/>
+          </p:nvPr>
+        </p:nvSpPr>
+        <p:spPr/>
+        <p:txBody>
+          <a:bodyPr/>
+          <a:lstStyle/>
+          <a:p>
+            <a:fld id="{3BAECB10-9972-4830-A584-02C41DAFD45B}" type="slidenum">
+              <a:rPr lang="ru-RU" smtClean="0"/>
+              <a:t>23</a:t>
+            </a:fld>
+            <a:endParaRPr lang="ru-RU"/>
+          </a:p>
+        </p:txBody>
+      </p:sp>
+    </p:spTree>
+    <p:extLst>
+      <p:ext uri="{BB962C8B-B14F-4D97-AF65-F5344CB8AC3E}">
+        <p14:creationId xmlns:p14="http://schemas.microsoft.com/office/powerpoint/2010/main" val="890883594"/>
+      </p:ext>
+    </p:extLst>
+  </p:cSld>
+  <p:clrMapOvr>
+    <a:masterClrMapping/>
+  </p:clrMapOvr>
+</p:notes>
+</file>
+
+<file path=ppt/notesSlides/notesSlide22.xml><?xml version="1.0" encoding="utf-8"?>
+<p:notes xmlns:a="http://schemas.openxmlformats.org/drawingml/2006/main" xmlns:r="http://schemas.openxmlformats.org/officeDocument/2006/relationships" xmlns:p="http://schemas.openxmlformats.org/presentationml/2006/main">
+  <p:cSld>
+    <p:spTree>
+      <p:nvGrpSpPr>
+        <p:cNvPr id="1" name=""/>
+        <p:cNvGrpSpPr/>
+        <p:nvPr/>
+      </p:nvGrpSpPr>
+      <p:grpSpPr>
+        <a:xfrm>
+          <a:off x="0" y="0"/>
+          <a:ext cx="0" cy="0"/>
+          <a:chOff x="0" y="0"/>
+          <a:chExt cx="0" cy="0"/>
+        </a:xfrm>
+      </p:grpSpPr>
+      <p:sp>
+        <p:nvSpPr>
+          <p:cNvPr id="2" name="Образ слайда 1"/>
+          <p:cNvSpPr>
+            <a:spLocks noGrp="1" noRot="1" noChangeAspect="1"/>
+          </p:cNvSpPr>
+          <p:nvPr>
+            <p:ph type="sldImg"/>
+          </p:nvPr>
+        </p:nvSpPr>
+        <p:spPr/>
+      </p:sp>
+      <p:sp>
+        <p:nvSpPr>
+          <p:cNvPr id="3" name="Заметки 2"/>
+          <p:cNvSpPr>
+            <a:spLocks noGrp="1"/>
+          </p:cNvSpPr>
+          <p:nvPr>
+            <p:ph type="body" idx="1"/>
+          </p:nvPr>
+        </p:nvSpPr>
+        <p:spPr/>
+        <p:txBody>
+          <a:bodyPr/>
+          <a:lstStyle/>
+          <a:p>
+            <a:r>
+              <a:rPr lang="ru-RU" dirty="0"/>
+              <a:t>Мартовский</a:t>
+            </a:r>
+            <a:r>
+              <a:rPr lang="ru-RU" baseline="0" dirty="0"/>
+              <a:t> кролик написал кучу </a:t>
+            </a:r>
+            <a:r>
+              <a:rPr lang="ru-RU" baseline="0" dirty="0" smtClean="0"/>
+              <a:t>реализаций</a:t>
+            </a:r>
+            <a:r>
+              <a:rPr lang="ru-RU" baseline="0" dirty="0"/>
+              <a:t>, но не успел написать тесты</a:t>
+            </a:r>
+            <a:r>
+              <a:rPr lang="ru-RU" baseline="0" dirty="0" smtClean="0"/>
+              <a:t>…</a:t>
+            </a:r>
+          </a:p>
+          <a:p>
+            <a:r>
+              <a:rPr lang="ru-RU" baseline="0" dirty="0" smtClean="0"/>
+              <a:t>Итак, на первую часть даётся час, потому полчаса на </a:t>
+            </a:r>
+            <a:r>
+              <a:rPr lang="en-US" baseline="0" dirty="0" smtClean="0"/>
+              <a:t>do not open</a:t>
+            </a:r>
+            <a:r>
+              <a:rPr lang="ru-RU" baseline="0" dirty="0" smtClean="0"/>
+              <a:t>.</a:t>
+            </a:r>
+          </a:p>
+          <a:p>
+            <a:r>
+              <a:rPr lang="ru-RU" baseline="0" dirty="0" smtClean="0"/>
+              <a:t>И ещё полчаса на разбор и решение.</a:t>
+            </a:r>
+          </a:p>
+        </p:txBody>
+      </p:sp>
+      <p:sp>
+        <p:nvSpPr>
+          <p:cNvPr id="4" name="Номер слайда 3"/>
+          <p:cNvSpPr>
+            <a:spLocks noGrp="1"/>
+          </p:cNvSpPr>
+          <p:nvPr>
+            <p:ph type="sldNum" sz="quarter" idx="10"/>
+          </p:nvPr>
+        </p:nvSpPr>
+        <p:spPr/>
+        <p:txBody>
+          <a:bodyPr/>
+          <a:lstStyle/>
+          <a:p>
+            <a:fld id="{3BAECB10-9972-4830-A584-02C41DAFD45B}" type="slidenum">
+              <a:rPr lang="ru-RU" smtClean="0"/>
+              <a:t>24</a:t>
+            </a:fld>
+            <a:endParaRPr lang="ru-RU"/>
+          </a:p>
+        </p:txBody>
+      </p:sp>
+    </p:spTree>
+    <p:extLst>
+      <p:ext uri="{BB962C8B-B14F-4D97-AF65-F5344CB8AC3E}">
+        <p14:creationId xmlns:p14="http://schemas.microsoft.com/office/powerpoint/2010/main" val="2782064311"/>
+      </p:ext>
+    </p:extLst>
+  </p:cSld>
+  <p:clrMapOvr>
+    <a:masterClrMapping/>
+  </p:clrMapOvr>
+</p:notes>
+</file>
+
+<file path=ppt/notesSlides/notesSlide23.xml><?xml version="1.0" encoding="utf-8"?>
+<p:notes xmlns:a="http://schemas.openxmlformats.org/drawingml/2006/main" xmlns:r="http://schemas.openxmlformats.org/officeDocument/2006/relationships" xmlns:p="http://schemas.openxmlformats.org/presentationml/2006/main">
+  <p:cSld>
+    <p:spTree>
+      <p:nvGrpSpPr>
+        <p:cNvPr id="1" name=""/>
+        <p:cNvGrpSpPr/>
+        <p:nvPr/>
+      </p:nvGrpSpPr>
+      <p:grpSpPr>
+        <a:xfrm>
+          <a:off x="0" y="0"/>
+          <a:ext cx="0" cy="0"/>
+          <a:chOff x="0" y="0"/>
+          <a:chExt cx="0" cy="0"/>
+        </a:xfrm>
+      </p:grpSpPr>
+      <p:sp>
+        <p:nvSpPr>
+          <p:cNvPr id="2" name="Образ слайда 1"/>
+          <p:cNvSpPr>
+            <a:spLocks noGrp="1" noRot="1" noChangeAspect="1"/>
+          </p:cNvSpPr>
+          <p:nvPr>
+            <p:ph type="sldImg"/>
+          </p:nvPr>
+        </p:nvSpPr>
+        <p:spPr/>
+      </p:sp>
+      <p:sp>
+        <p:nvSpPr>
+          <p:cNvPr id="3" name="Заметки 2"/>
+          <p:cNvSpPr>
+            <a:spLocks noGrp="1"/>
+          </p:cNvSpPr>
+          <p:nvPr>
+            <p:ph type="body" idx="1"/>
+          </p:nvPr>
+        </p:nvSpPr>
+        <p:spPr/>
+        <p:txBody>
+          <a:bodyPr/>
+          <a:lstStyle/>
+          <a:p>
+            <a:endParaRPr lang="ru-RU" dirty="0"/>
+          </a:p>
+        </p:txBody>
+      </p:sp>
+      <p:sp>
+        <p:nvSpPr>
+          <p:cNvPr id="4" name="Номер слайда 3"/>
+          <p:cNvSpPr>
+            <a:spLocks noGrp="1"/>
+          </p:cNvSpPr>
+          <p:nvPr>
+            <p:ph type="sldNum" sz="quarter" idx="10"/>
+          </p:nvPr>
+        </p:nvSpPr>
+        <p:spPr/>
+        <p:txBody>
+          <a:bodyPr/>
+          <a:lstStyle/>
+          <a:p>
+            <a:fld id="{3BAECB10-9972-4830-A584-02C41DAFD45B}" type="slidenum">
+              <a:rPr lang="ru-RU" smtClean="0"/>
+              <a:t>25</a:t>
+            </a:fld>
+            <a:endParaRPr lang="ru-RU"/>
+          </a:p>
+        </p:txBody>
+      </p:sp>
+    </p:spTree>
+    <p:extLst>
+      <p:ext uri="{BB962C8B-B14F-4D97-AF65-F5344CB8AC3E}">
+        <p14:creationId xmlns:p14="http://schemas.microsoft.com/office/powerpoint/2010/main" val="3454826708"/>
+      </p:ext>
+    </p:extLst>
+  </p:cSld>
+  <p:clrMapOvr>
+    <a:masterClrMapping/>
+  </p:clrMapOvr>
+</p:notes>
+</file>
+
+<file path=ppt/notesSlides/notesSlide24.xml><?xml version="1.0" encoding="utf-8"?>
+<p:notes xmlns:a="http://schemas.openxmlformats.org/drawingml/2006/main" xmlns:r="http://schemas.openxmlformats.org/officeDocument/2006/relationships" xmlns:p="http://schemas.openxmlformats.org/presentationml/2006/main">
+  <p:cSld>
+    <p:spTree>
+      <p:nvGrpSpPr>
+        <p:cNvPr id="1" name=""/>
+        <p:cNvGrpSpPr/>
+        <p:nvPr/>
+      </p:nvGrpSpPr>
+      <p:grpSpPr>
+        <a:xfrm>
+          <a:off x="0" y="0"/>
+          <a:ext cx="0" cy="0"/>
+          <a:chOff x="0" y="0"/>
+          <a:chExt cx="0" cy="0"/>
+        </a:xfrm>
+      </p:grpSpPr>
+      <p:sp>
+        <p:nvSpPr>
+          <p:cNvPr id="2" name="Образ слайда 1"/>
+          <p:cNvSpPr>
+            <a:spLocks noGrp="1" noRot="1" noChangeAspect="1"/>
+          </p:cNvSpPr>
+          <p:nvPr>
+            <p:ph type="sldImg"/>
+          </p:nvPr>
+        </p:nvSpPr>
+        <p:spPr/>
+      </p:sp>
+      <p:sp>
+        <p:nvSpPr>
+          <p:cNvPr id="3" name="Заметки 2"/>
+          <p:cNvSpPr>
+            <a:spLocks noGrp="1"/>
+          </p:cNvSpPr>
+          <p:nvPr>
+            <p:ph type="body" idx="1"/>
+          </p:nvPr>
+        </p:nvSpPr>
+        <p:spPr/>
+        <p:txBody>
+          <a:bodyPr/>
+          <a:lstStyle/>
+          <a:p>
+            <a:r>
+              <a:rPr lang="ru-RU" dirty="0" smtClean="0"/>
+              <a:t>1. По явно</a:t>
+            </a:r>
+            <a:r>
+              <a:rPr lang="ru-RU" baseline="0" dirty="0" smtClean="0"/>
+              <a:t> написанным требованиям легко писать тесты. Другими словами, что самое простое – это взять спеку и по ней написать тесты, либо взять проверенный рабочий код и по нему написать тесты.</a:t>
+            </a:r>
+          </a:p>
+          <a:p>
+            <a:r>
+              <a:rPr lang="ru-RU" baseline="0" dirty="0" smtClean="0"/>
+              <a:t>2. Е3: 10 пробелов и символ. Что должно произойти? Не всегда очевидно, как взаимодействуют отдельные требования.</a:t>
+            </a:r>
+          </a:p>
+          <a:p>
+            <a:r>
+              <a:rPr lang="ru-RU" dirty="0" smtClean="0"/>
+              <a:t>3. 998, 999 -</a:t>
+            </a:r>
+            <a:r>
+              <a:rPr lang="en-US" dirty="0" smtClean="0"/>
+              <a:t>&gt;</a:t>
+            </a:r>
+            <a:r>
+              <a:rPr lang="en-US" baseline="0" dirty="0" smtClean="0"/>
+              <a:t> </a:t>
+            </a:r>
+            <a:r>
+              <a:rPr lang="ru-RU" baseline="0" dirty="0" smtClean="0"/>
+              <a:t>Вот где спасёт таймаут. Ну и код </a:t>
+            </a:r>
+            <a:r>
+              <a:rPr lang="ru-RU" baseline="0" dirty="0" err="1" smtClean="0"/>
+              <a:t>ревью</a:t>
+            </a:r>
+            <a:r>
+              <a:rPr lang="ru-RU" baseline="0" dirty="0" smtClean="0"/>
+              <a:t>. Опытный инженер сразу увидит дорогие операции для </a:t>
+            </a:r>
+            <a:r>
+              <a:rPr lang="en-US" baseline="0" dirty="0" smtClean="0"/>
+              <a:t>List’</a:t>
+            </a:r>
+            <a:r>
+              <a:rPr lang="ru-RU" baseline="0" dirty="0" smtClean="0"/>
+              <a:t>а.</a:t>
+            </a:r>
+          </a:p>
+          <a:p>
+            <a:r>
+              <a:rPr lang="ru-RU" baseline="0" dirty="0" smtClean="0"/>
+              <a:t>Нужно создать цикл 10_000 повторений.</a:t>
+            </a:r>
+          </a:p>
+          <a:p>
+            <a:r>
+              <a:rPr lang="ru-RU" sz="1200" b="0" i="0" kern="1200" dirty="0" smtClean="0">
+                <a:solidFill>
+                  <a:schemeClr val="tx1"/>
+                </a:solidFill>
+                <a:effectLst/>
+                <a:latin typeface="+mn-lt"/>
+                <a:ea typeface="+mn-ea"/>
+                <a:cs typeface="+mn-cs"/>
+              </a:rPr>
+              <a:t>4. </a:t>
+            </a:r>
+            <a:r>
+              <a:rPr lang="en-US" sz="1200" b="0" i="0" kern="1200" dirty="0" err="1" smtClean="0">
+                <a:solidFill>
+                  <a:schemeClr val="tx1"/>
+                </a:solidFill>
+                <a:effectLst/>
+                <a:latin typeface="+mn-lt"/>
+                <a:ea typeface="+mn-ea"/>
+                <a:cs typeface="+mn-cs"/>
+              </a:rPr>
+              <a:t>string.</a:t>
+            </a:r>
+            <a:r>
+              <a:rPr lang="en-US" sz="1200" b="1" i="0" kern="1200" dirty="0" err="1" smtClean="0">
+                <a:solidFill>
+                  <a:schemeClr val="tx1"/>
+                </a:solidFill>
+                <a:effectLst/>
+                <a:latin typeface="+mn-lt"/>
+                <a:ea typeface="+mn-ea"/>
+                <a:cs typeface="+mn-cs"/>
+              </a:rPr>
+              <a:t>IsNullOrEmpty</a:t>
+            </a:r>
+            <a:r>
+              <a:rPr lang="en-US" sz="1200" b="0" i="0" kern="1200" dirty="0" smtClean="0">
+                <a:solidFill>
+                  <a:schemeClr val="tx1"/>
+                </a:solidFill>
+                <a:effectLst/>
+                <a:latin typeface="+mn-lt"/>
+                <a:ea typeface="+mn-ea"/>
+                <a:cs typeface="+mn-cs"/>
+              </a:rPr>
+              <a:t>(word)</a:t>
+            </a:r>
+            <a:r>
+              <a:rPr lang="ru-RU" sz="1200" b="0" i="0" kern="1200" dirty="0" smtClean="0">
+                <a:solidFill>
+                  <a:schemeClr val="tx1"/>
+                </a:solidFill>
+                <a:effectLst/>
+                <a:latin typeface="+mn-lt"/>
+                <a:ea typeface="+mn-ea"/>
+                <a:cs typeface="+mn-cs"/>
+              </a:rPr>
+              <a:t>: при</a:t>
+            </a:r>
+            <a:r>
+              <a:rPr lang="ru-RU" sz="1200" b="0" i="0" kern="1200" baseline="0" dirty="0" smtClean="0">
+                <a:solidFill>
+                  <a:schemeClr val="tx1"/>
+                </a:solidFill>
+                <a:effectLst/>
+                <a:latin typeface="+mn-lt"/>
+                <a:ea typeface="+mn-ea"/>
+                <a:cs typeface="+mn-cs"/>
+              </a:rPr>
+              <a:t> </a:t>
+            </a:r>
+            <a:r>
+              <a:rPr lang="ru-RU" sz="1200" b="0" i="0" kern="1200" baseline="0" dirty="0" err="1" smtClean="0">
+                <a:solidFill>
+                  <a:schemeClr val="tx1"/>
+                </a:solidFill>
+                <a:effectLst/>
+                <a:latin typeface="+mn-lt"/>
+                <a:ea typeface="+mn-ea"/>
+                <a:cs typeface="+mn-cs"/>
+              </a:rPr>
+              <a:t>ревью</a:t>
+            </a:r>
+            <a:r>
+              <a:rPr lang="ru-RU" sz="1200" b="0" i="0" kern="1200" baseline="0" dirty="0" smtClean="0">
+                <a:solidFill>
+                  <a:schemeClr val="tx1"/>
+                </a:solidFill>
+                <a:effectLst/>
+                <a:latin typeface="+mn-lt"/>
+                <a:ea typeface="+mn-ea"/>
+                <a:cs typeface="+mn-cs"/>
+              </a:rPr>
+              <a:t> возможно, что на это не обратят внимания. Потому что «</a:t>
+            </a:r>
+            <a:r>
+              <a:rPr lang="ru-RU" sz="1200" b="1" i="0" kern="1200" dirty="0" smtClean="0">
+                <a:solidFill>
+                  <a:schemeClr val="tx1"/>
+                </a:solidFill>
+                <a:effectLst/>
+                <a:latin typeface="+mn-lt"/>
+                <a:ea typeface="+mn-ea"/>
+                <a:cs typeface="+mn-cs"/>
+              </a:rPr>
+              <a:t>По </a:t>
+            </a:r>
+            <a:r>
+              <a:rPr lang="ru-RU" sz="1200" b="1" i="0" kern="1200" dirty="0" err="1" smtClean="0">
+                <a:solidFill>
+                  <a:schemeClr val="tx1"/>
+                </a:solidFill>
+                <a:effectLst/>
+                <a:latin typeface="+mn-lt"/>
+                <a:ea typeface="+mn-ea"/>
+                <a:cs typeface="+mn-cs"/>
+              </a:rPr>
+              <a:t>рзеузльаттам</a:t>
+            </a:r>
+            <a:r>
+              <a:rPr lang="ru-RU" sz="1200" b="1" i="0" kern="1200" dirty="0" smtClean="0">
+                <a:solidFill>
+                  <a:schemeClr val="tx1"/>
+                </a:solidFill>
+                <a:effectLst/>
+                <a:latin typeface="+mn-lt"/>
+                <a:ea typeface="+mn-ea"/>
+                <a:cs typeface="+mn-cs"/>
+              </a:rPr>
+              <a:t> </a:t>
+            </a:r>
+            <a:r>
+              <a:rPr lang="ru-RU" sz="1200" b="1" i="0" kern="1200" dirty="0" err="1" smtClean="0">
+                <a:solidFill>
+                  <a:schemeClr val="tx1"/>
+                </a:solidFill>
+                <a:effectLst/>
+                <a:latin typeface="+mn-lt"/>
+                <a:ea typeface="+mn-ea"/>
+                <a:cs typeface="+mn-cs"/>
+              </a:rPr>
+              <a:t>илссоевадний</a:t>
+            </a:r>
+            <a:r>
+              <a:rPr lang="ru-RU" sz="1200" b="1" i="0" kern="1200" dirty="0" smtClean="0">
+                <a:solidFill>
+                  <a:schemeClr val="tx1"/>
+                </a:solidFill>
+                <a:effectLst/>
+                <a:latin typeface="+mn-lt"/>
+                <a:ea typeface="+mn-ea"/>
+                <a:cs typeface="+mn-cs"/>
+              </a:rPr>
+              <a:t> </a:t>
+            </a:r>
+            <a:r>
+              <a:rPr lang="ru-RU" sz="1200" b="1" i="0" kern="1200" dirty="0" err="1" smtClean="0">
+                <a:solidFill>
+                  <a:schemeClr val="tx1"/>
+                </a:solidFill>
+                <a:effectLst/>
+                <a:latin typeface="+mn-lt"/>
+                <a:ea typeface="+mn-ea"/>
+                <a:cs typeface="+mn-cs"/>
+              </a:rPr>
+              <a:t>одонго</a:t>
+            </a:r>
+            <a:r>
+              <a:rPr lang="ru-RU" sz="1200" b="1" i="0" kern="1200" dirty="0" smtClean="0">
+                <a:solidFill>
+                  <a:schemeClr val="tx1"/>
+                </a:solidFill>
+                <a:effectLst/>
+                <a:latin typeface="+mn-lt"/>
+                <a:ea typeface="+mn-ea"/>
+                <a:cs typeface="+mn-cs"/>
+              </a:rPr>
+              <a:t> </a:t>
+            </a:r>
+            <a:r>
+              <a:rPr lang="ru-RU" sz="1200" b="1" i="0" kern="1200" dirty="0" err="1" smtClean="0">
+                <a:solidFill>
+                  <a:schemeClr val="tx1"/>
+                </a:solidFill>
+                <a:effectLst/>
+                <a:latin typeface="+mn-lt"/>
+                <a:ea typeface="+mn-ea"/>
+                <a:cs typeface="+mn-cs"/>
+              </a:rPr>
+              <a:t>анлигсйокго</a:t>
+            </a:r>
+            <a:r>
+              <a:rPr lang="ru-RU" sz="1200" b="1" i="0" kern="1200" dirty="0" smtClean="0">
+                <a:solidFill>
+                  <a:schemeClr val="tx1"/>
+                </a:solidFill>
+                <a:effectLst/>
+                <a:latin typeface="+mn-lt"/>
+                <a:ea typeface="+mn-ea"/>
+                <a:cs typeface="+mn-cs"/>
+              </a:rPr>
+              <a:t> </a:t>
+            </a:r>
+            <a:r>
+              <a:rPr lang="ru-RU" sz="1200" b="1" i="0" kern="1200" dirty="0" err="1" smtClean="0">
+                <a:solidFill>
+                  <a:schemeClr val="tx1"/>
+                </a:solidFill>
+                <a:effectLst/>
+                <a:latin typeface="+mn-lt"/>
+                <a:ea typeface="+mn-ea"/>
+                <a:cs typeface="+mn-cs"/>
+              </a:rPr>
+              <a:t>унвиертисета</a:t>
+            </a:r>
+            <a:r>
+              <a:rPr lang="ru-RU" sz="1200" b="1" i="0" kern="1200" dirty="0" smtClean="0">
+                <a:solidFill>
+                  <a:schemeClr val="tx1"/>
+                </a:solidFill>
+                <a:effectLst/>
+                <a:latin typeface="+mn-lt"/>
+                <a:ea typeface="+mn-ea"/>
+                <a:cs typeface="+mn-cs"/>
+              </a:rPr>
+              <a:t>, не </a:t>
+            </a:r>
+            <a:r>
+              <a:rPr lang="ru-RU" sz="1200" b="1" i="0" kern="1200" dirty="0" err="1" smtClean="0">
+                <a:solidFill>
+                  <a:schemeClr val="tx1"/>
+                </a:solidFill>
+                <a:effectLst/>
+                <a:latin typeface="+mn-lt"/>
+                <a:ea typeface="+mn-ea"/>
+                <a:cs typeface="+mn-cs"/>
+              </a:rPr>
+              <a:t>иеемт</a:t>
+            </a:r>
+            <a:r>
+              <a:rPr lang="ru-RU" sz="1200" b="1" i="0" kern="1200" dirty="0" smtClean="0">
+                <a:solidFill>
+                  <a:schemeClr val="tx1"/>
+                </a:solidFill>
+                <a:effectLst/>
+                <a:latin typeface="+mn-lt"/>
+                <a:ea typeface="+mn-ea"/>
+                <a:cs typeface="+mn-cs"/>
+              </a:rPr>
+              <a:t> </a:t>
+            </a:r>
+            <a:r>
+              <a:rPr lang="ru-RU" sz="1200" b="1" i="0" kern="1200" dirty="0" err="1" smtClean="0">
+                <a:solidFill>
+                  <a:schemeClr val="tx1"/>
+                </a:solidFill>
+                <a:effectLst/>
+                <a:latin typeface="+mn-lt"/>
+                <a:ea typeface="+mn-ea"/>
+                <a:cs typeface="+mn-cs"/>
+              </a:rPr>
+              <a:t>занчнеия</a:t>
+            </a:r>
+            <a:r>
+              <a:rPr lang="ru-RU" sz="1200" b="1" i="0" kern="1200" dirty="0" smtClean="0">
+                <a:solidFill>
+                  <a:schemeClr val="tx1"/>
+                </a:solidFill>
+                <a:effectLst/>
+                <a:latin typeface="+mn-lt"/>
+                <a:ea typeface="+mn-ea"/>
+                <a:cs typeface="+mn-cs"/>
+              </a:rPr>
+              <a:t>, в </a:t>
+            </a:r>
+            <a:r>
+              <a:rPr lang="ru-RU" sz="1200" b="1" i="0" kern="1200" dirty="0" err="1" smtClean="0">
+                <a:solidFill>
+                  <a:schemeClr val="tx1"/>
+                </a:solidFill>
+                <a:effectLst/>
+                <a:latin typeface="+mn-lt"/>
+                <a:ea typeface="+mn-ea"/>
+                <a:cs typeface="+mn-cs"/>
+              </a:rPr>
+              <a:t>каокм</a:t>
+            </a:r>
+            <a:r>
+              <a:rPr lang="ru-RU" sz="1200" b="1" i="0" kern="1200" dirty="0" smtClean="0">
+                <a:solidFill>
+                  <a:schemeClr val="tx1"/>
+                </a:solidFill>
+                <a:effectLst/>
+                <a:latin typeface="+mn-lt"/>
+                <a:ea typeface="+mn-ea"/>
+                <a:cs typeface="+mn-cs"/>
+              </a:rPr>
+              <a:t> </a:t>
+            </a:r>
+            <a:r>
+              <a:rPr lang="ru-RU" sz="1200" b="1" i="0" kern="1200" dirty="0" err="1" smtClean="0">
+                <a:solidFill>
+                  <a:schemeClr val="tx1"/>
+                </a:solidFill>
+                <a:effectLst/>
+                <a:latin typeface="+mn-lt"/>
+                <a:ea typeface="+mn-ea"/>
+                <a:cs typeface="+mn-cs"/>
+              </a:rPr>
+              <a:t>проякде</a:t>
+            </a:r>
+            <a:r>
+              <a:rPr lang="ru-RU" sz="1200" b="1" i="0" kern="1200" dirty="0" smtClean="0">
+                <a:solidFill>
+                  <a:schemeClr val="tx1"/>
+                </a:solidFill>
+                <a:effectLst/>
+                <a:latin typeface="+mn-lt"/>
+                <a:ea typeface="+mn-ea"/>
+                <a:cs typeface="+mn-cs"/>
+              </a:rPr>
+              <a:t> </a:t>
+            </a:r>
+            <a:r>
+              <a:rPr lang="ru-RU" sz="1200" b="1" i="0" kern="1200" dirty="0" err="1" smtClean="0">
+                <a:solidFill>
+                  <a:schemeClr val="tx1"/>
+                </a:solidFill>
+                <a:effectLst/>
+                <a:latin typeface="+mn-lt"/>
+                <a:ea typeface="+mn-ea"/>
+                <a:cs typeface="+mn-cs"/>
+              </a:rPr>
+              <a:t>рсапжоолены</a:t>
+            </a:r>
+            <a:r>
+              <a:rPr lang="ru-RU" sz="1200" b="1" i="0" kern="1200" dirty="0" smtClean="0">
+                <a:solidFill>
+                  <a:schemeClr val="tx1"/>
+                </a:solidFill>
+                <a:effectLst/>
+                <a:latin typeface="+mn-lt"/>
+                <a:ea typeface="+mn-ea"/>
+                <a:cs typeface="+mn-cs"/>
+              </a:rPr>
+              <a:t> </a:t>
+            </a:r>
+            <a:r>
+              <a:rPr lang="ru-RU" sz="1200" b="1" i="0" kern="1200" dirty="0" err="1" smtClean="0">
+                <a:solidFill>
+                  <a:schemeClr val="tx1"/>
+                </a:solidFill>
+                <a:effectLst/>
+                <a:latin typeface="+mn-lt"/>
+                <a:ea typeface="+mn-ea"/>
+                <a:cs typeface="+mn-cs"/>
+              </a:rPr>
+              <a:t>бкувы</a:t>
+            </a:r>
+            <a:r>
+              <a:rPr lang="ru-RU" sz="1200" b="1" i="0" kern="1200" dirty="0" smtClean="0">
+                <a:solidFill>
+                  <a:schemeClr val="tx1"/>
+                </a:solidFill>
+                <a:effectLst/>
+                <a:latin typeface="+mn-lt"/>
+                <a:ea typeface="+mn-ea"/>
+                <a:cs typeface="+mn-cs"/>
+              </a:rPr>
+              <a:t> в </a:t>
+            </a:r>
+            <a:r>
+              <a:rPr lang="ru-RU" sz="1200" b="1" i="0" kern="1200" dirty="0" err="1" smtClean="0">
+                <a:solidFill>
+                  <a:schemeClr val="tx1"/>
+                </a:solidFill>
+                <a:effectLst/>
+                <a:latin typeface="+mn-lt"/>
+                <a:ea typeface="+mn-ea"/>
+                <a:cs typeface="+mn-cs"/>
+              </a:rPr>
+              <a:t>солве</a:t>
+            </a:r>
+            <a:r>
+              <a:rPr lang="ru-RU" sz="1200" b="1" i="0" kern="1200" dirty="0" smtClean="0">
+                <a:solidFill>
+                  <a:schemeClr val="tx1"/>
+                </a:solidFill>
+                <a:effectLst/>
+                <a:latin typeface="+mn-lt"/>
+                <a:ea typeface="+mn-ea"/>
+                <a:cs typeface="+mn-cs"/>
+              </a:rPr>
+              <a:t>. </a:t>
+            </a:r>
+            <a:r>
+              <a:rPr lang="ru-RU" sz="1200" b="1" i="0" kern="1200" dirty="0" err="1" smtClean="0">
+                <a:solidFill>
+                  <a:schemeClr val="tx1"/>
+                </a:solidFill>
+                <a:effectLst/>
+                <a:latin typeface="+mn-lt"/>
+                <a:ea typeface="+mn-ea"/>
+                <a:cs typeface="+mn-cs"/>
+              </a:rPr>
+              <a:t>Галовне</a:t>
+            </a:r>
+            <a:r>
+              <a:rPr lang="ru-RU" sz="1200" b="1" i="0" kern="1200" dirty="0" smtClean="0">
+                <a:solidFill>
+                  <a:schemeClr val="tx1"/>
+                </a:solidFill>
+                <a:effectLst/>
+                <a:latin typeface="+mn-lt"/>
+                <a:ea typeface="+mn-ea"/>
+                <a:cs typeface="+mn-cs"/>
+              </a:rPr>
+              <a:t>, </a:t>
+            </a:r>
+            <a:r>
+              <a:rPr lang="ru-RU" sz="1200" b="1" i="0" kern="1200" dirty="0" err="1" smtClean="0">
+                <a:solidFill>
+                  <a:schemeClr val="tx1"/>
+                </a:solidFill>
+                <a:effectLst/>
+                <a:latin typeface="+mn-lt"/>
+                <a:ea typeface="+mn-ea"/>
+                <a:cs typeface="+mn-cs"/>
+              </a:rPr>
+              <a:t>чотбы</a:t>
+            </a:r>
+            <a:r>
+              <a:rPr lang="ru-RU" sz="1200" b="1" i="0" kern="1200" dirty="0" smtClean="0">
+                <a:solidFill>
+                  <a:schemeClr val="tx1"/>
+                </a:solidFill>
+                <a:effectLst/>
+                <a:latin typeface="+mn-lt"/>
+                <a:ea typeface="+mn-ea"/>
+                <a:cs typeface="+mn-cs"/>
+              </a:rPr>
+              <a:t> </a:t>
+            </a:r>
+            <a:r>
+              <a:rPr lang="ru-RU" sz="1200" b="1" i="0" kern="1200" dirty="0" err="1" smtClean="0">
+                <a:solidFill>
+                  <a:schemeClr val="tx1"/>
+                </a:solidFill>
+                <a:effectLst/>
+                <a:latin typeface="+mn-lt"/>
+                <a:ea typeface="+mn-ea"/>
+                <a:cs typeface="+mn-cs"/>
+              </a:rPr>
+              <a:t>преавя</a:t>
+            </a:r>
+            <a:r>
+              <a:rPr lang="ru-RU" sz="1200" b="1" i="0" kern="1200" dirty="0" smtClean="0">
+                <a:solidFill>
+                  <a:schemeClr val="tx1"/>
+                </a:solidFill>
+                <a:effectLst/>
+                <a:latin typeface="+mn-lt"/>
+                <a:ea typeface="+mn-ea"/>
+                <a:cs typeface="+mn-cs"/>
+              </a:rPr>
+              <a:t> и </a:t>
+            </a:r>
+            <a:r>
+              <a:rPr lang="ru-RU" sz="1200" b="1" i="0" kern="1200" dirty="0" err="1" smtClean="0">
+                <a:solidFill>
+                  <a:schemeClr val="tx1"/>
+                </a:solidFill>
+                <a:effectLst/>
+                <a:latin typeface="+mn-lt"/>
+                <a:ea typeface="+mn-ea"/>
+                <a:cs typeface="+mn-cs"/>
+              </a:rPr>
+              <a:t>пслонедяя</a:t>
+            </a:r>
+            <a:r>
+              <a:rPr lang="ru-RU" sz="1200" b="1" i="0" kern="1200" dirty="0" smtClean="0">
+                <a:solidFill>
+                  <a:schemeClr val="tx1"/>
+                </a:solidFill>
+                <a:effectLst/>
+                <a:latin typeface="+mn-lt"/>
+                <a:ea typeface="+mn-ea"/>
+                <a:cs typeface="+mn-cs"/>
+              </a:rPr>
+              <a:t> </a:t>
+            </a:r>
+            <a:r>
+              <a:rPr lang="ru-RU" sz="1200" b="1" i="0" kern="1200" dirty="0" err="1" smtClean="0">
+                <a:solidFill>
+                  <a:schemeClr val="tx1"/>
+                </a:solidFill>
+                <a:effectLst/>
+                <a:latin typeface="+mn-lt"/>
+                <a:ea typeface="+mn-ea"/>
+                <a:cs typeface="+mn-cs"/>
+              </a:rPr>
+              <a:t>бквуы</a:t>
+            </a:r>
+            <a:r>
+              <a:rPr lang="ru-RU" sz="1200" b="1" i="0" kern="1200" dirty="0" smtClean="0">
+                <a:solidFill>
+                  <a:schemeClr val="tx1"/>
+                </a:solidFill>
+                <a:effectLst/>
+                <a:latin typeface="+mn-lt"/>
+                <a:ea typeface="+mn-ea"/>
+                <a:cs typeface="+mn-cs"/>
+              </a:rPr>
+              <a:t> </a:t>
+            </a:r>
+            <a:r>
+              <a:rPr lang="ru-RU" sz="1200" b="1" i="0" kern="1200" dirty="0" err="1" smtClean="0">
+                <a:solidFill>
+                  <a:schemeClr val="tx1"/>
+                </a:solidFill>
+                <a:effectLst/>
+                <a:latin typeface="+mn-lt"/>
+                <a:ea typeface="+mn-ea"/>
+                <a:cs typeface="+mn-cs"/>
+              </a:rPr>
+              <a:t>блыи</a:t>
+            </a:r>
+            <a:r>
+              <a:rPr lang="ru-RU" sz="1200" b="1" i="0" kern="1200" dirty="0" smtClean="0">
+                <a:solidFill>
+                  <a:schemeClr val="tx1"/>
+                </a:solidFill>
+                <a:effectLst/>
+                <a:latin typeface="+mn-lt"/>
+                <a:ea typeface="+mn-ea"/>
+                <a:cs typeface="+mn-cs"/>
+              </a:rPr>
+              <a:t> на </a:t>
+            </a:r>
+            <a:r>
+              <a:rPr lang="ru-RU" sz="1200" b="1" i="0" kern="1200" dirty="0" err="1" smtClean="0">
+                <a:solidFill>
+                  <a:schemeClr val="tx1"/>
+                </a:solidFill>
+                <a:effectLst/>
+                <a:latin typeface="+mn-lt"/>
+                <a:ea typeface="+mn-ea"/>
+                <a:cs typeface="+mn-cs"/>
+              </a:rPr>
+              <a:t>мсете</a:t>
+            </a:r>
+            <a:r>
+              <a:rPr lang="ru-RU" sz="1200" b="1" i="0" kern="1200" dirty="0" smtClean="0">
+                <a:solidFill>
+                  <a:schemeClr val="tx1"/>
+                </a:solidFill>
+                <a:effectLst/>
+                <a:latin typeface="+mn-lt"/>
+                <a:ea typeface="+mn-ea"/>
+                <a:cs typeface="+mn-cs"/>
+              </a:rPr>
+              <a:t>. </a:t>
+            </a:r>
+            <a:r>
+              <a:rPr lang="ru-RU" sz="1200" b="1" i="0" kern="1200" dirty="0" err="1" smtClean="0">
+                <a:solidFill>
+                  <a:schemeClr val="tx1"/>
+                </a:solidFill>
+                <a:effectLst/>
+                <a:latin typeface="+mn-lt"/>
+                <a:ea typeface="+mn-ea"/>
+                <a:cs typeface="+mn-cs"/>
+              </a:rPr>
+              <a:t>осатьлыне</a:t>
+            </a:r>
+            <a:r>
+              <a:rPr lang="ru-RU" sz="1200" b="1" i="0" kern="1200" dirty="0" smtClean="0">
+                <a:solidFill>
+                  <a:schemeClr val="tx1"/>
+                </a:solidFill>
+                <a:effectLst/>
+                <a:latin typeface="+mn-lt"/>
+                <a:ea typeface="+mn-ea"/>
+                <a:cs typeface="+mn-cs"/>
+              </a:rPr>
+              <a:t> </a:t>
+            </a:r>
+            <a:r>
+              <a:rPr lang="ru-RU" sz="1200" b="1" i="0" kern="1200" dirty="0" err="1" smtClean="0">
+                <a:solidFill>
+                  <a:schemeClr val="tx1"/>
+                </a:solidFill>
+                <a:effectLst/>
+                <a:latin typeface="+mn-lt"/>
+                <a:ea typeface="+mn-ea"/>
+                <a:cs typeface="+mn-cs"/>
+              </a:rPr>
+              <a:t>бкувы</a:t>
+            </a:r>
+            <a:r>
+              <a:rPr lang="ru-RU" sz="1200" b="1" i="0" kern="1200" dirty="0" smtClean="0">
+                <a:solidFill>
+                  <a:schemeClr val="tx1"/>
+                </a:solidFill>
+                <a:effectLst/>
+                <a:latin typeface="+mn-lt"/>
+                <a:ea typeface="+mn-ea"/>
+                <a:cs typeface="+mn-cs"/>
+              </a:rPr>
+              <a:t> </a:t>
+            </a:r>
+            <a:r>
+              <a:rPr lang="ru-RU" sz="1200" b="1" i="0" kern="1200" dirty="0" err="1" smtClean="0">
+                <a:solidFill>
+                  <a:schemeClr val="tx1"/>
+                </a:solidFill>
+                <a:effectLst/>
+                <a:latin typeface="+mn-lt"/>
+                <a:ea typeface="+mn-ea"/>
+                <a:cs typeface="+mn-cs"/>
+              </a:rPr>
+              <a:t>мгоут</a:t>
+            </a:r>
+            <a:r>
+              <a:rPr lang="ru-RU" sz="1200" b="1" i="0" kern="1200" dirty="0" smtClean="0">
+                <a:solidFill>
+                  <a:schemeClr val="tx1"/>
+                </a:solidFill>
+                <a:effectLst/>
+                <a:latin typeface="+mn-lt"/>
+                <a:ea typeface="+mn-ea"/>
+                <a:cs typeface="+mn-cs"/>
+              </a:rPr>
+              <a:t> </a:t>
+            </a:r>
+            <a:r>
+              <a:rPr lang="ru-RU" sz="1200" b="1" i="0" kern="1200" dirty="0" err="1" smtClean="0">
+                <a:solidFill>
+                  <a:schemeClr val="tx1"/>
+                </a:solidFill>
+                <a:effectLst/>
+                <a:latin typeface="+mn-lt"/>
+                <a:ea typeface="+mn-ea"/>
+                <a:cs typeface="+mn-cs"/>
+              </a:rPr>
+              <a:t>селдовтаь</a:t>
+            </a:r>
+            <a:r>
+              <a:rPr lang="ru-RU" sz="1200" b="1" i="0" kern="1200" dirty="0" smtClean="0">
+                <a:solidFill>
+                  <a:schemeClr val="tx1"/>
+                </a:solidFill>
+                <a:effectLst/>
+                <a:latin typeface="+mn-lt"/>
+                <a:ea typeface="+mn-ea"/>
+                <a:cs typeface="+mn-cs"/>
+              </a:rPr>
+              <a:t> в </a:t>
+            </a:r>
+            <a:r>
+              <a:rPr lang="ru-RU" sz="1200" b="1" i="0" kern="1200" dirty="0" err="1" smtClean="0">
+                <a:solidFill>
+                  <a:schemeClr val="tx1"/>
+                </a:solidFill>
+                <a:effectLst/>
+                <a:latin typeface="+mn-lt"/>
+                <a:ea typeface="+mn-ea"/>
+                <a:cs typeface="+mn-cs"/>
+              </a:rPr>
+              <a:t>плоонм</a:t>
+            </a:r>
+            <a:r>
+              <a:rPr lang="ru-RU" sz="1200" b="1" i="0" kern="1200" dirty="0" smtClean="0">
+                <a:solidFill>
+                  <a:schemeClr val="tx1"/>
+                </a:solidFill>
+                <a:effectLst/>
+                <a:latin typeface="+mn-lt"/>
+                <a:ea typeface="+mn-ea"/>
+                <a:cs typeface="+mn-cs"/>
+              </a:rPr>
+              <a:t> </a:t>
+            </a:r>
+            <a:r>
+              <a:rPr lang="ru-RU" sz="1200" b="1" i="0" kern="1200" dirty="0" err="1" smtClean="0">
+                <a:solidFill>
+                  <a:schemeClr val="tx1"/>
+                </a:solidFill>
+                <a:effectLst/>
+                <a:latin typeface="+mn-lt"/>
+                <a:ea typeface="+mn-ea"/>
+                <a:cs typeface="+mn-cs"/>
+              </a:rPr>
+              <a:t>бсепордяке</a:t>
+            </a:r>
+            <a:r>
+              <a:rPr lang="ru-RU" sz="1200" b="1" i="0" kern="1200" dirty="0" smtClean="0">
+                <a:solidFill>
+                  <a:schemeClr val="tx1"/>
+                </a:solidFill>
+                <a:effectLst/>
+                <a:latin typeface="+mn-lt"/>
+                <a:ea typeface="+mn-ea"/>
+                <a:cs typeface="+mn-cs"/>
+              </a:rPr>
+              <a:t>, все-рвано </a:t>
+            </a:r>
+            <a:r>
+              <a:rPr lang="ru-RU" sz="1200" b="1" i="0" kern="1200" dirty="0" err="1" smtClean="0">
+                <a:solidFill>
+                  <a:schemeClr val="tx1"/>
+                </a:solidFill>
+                <a:effectLst/>
+                <a:latin typeface="+mn-lt"/>
+                <a:ea typeface="+mn-ea"/>
+                <a:cs typeface="+mn-cs"/>
+              </a:rPr>
+              <a:t>ткест</a:t>
+            </a:r>
+            <a:r>
+              <a:rPr lang="ru-RU" sz="1200" b="1" i="0" kern="1200" dirty="0" smtClean="0">
+                <a:solidFill>
+                  <a:schemeClr val="tx1"/>
+                </a:solidFill>
+                <a:effectLst/>
+                <a:latin typeface="+mn-lt"/>
+                <a:ea typeface="+mn-ea"/>
+                <a:cs typeface="+mn-cs"/>
+              </a:rPr>
+              <a:t> </a:t>
+            </a:r>
+            <a:r>
+              <a:rPr lang="ru-RU" sz="1200" b="1" i="0" kern="1200" dirty="0" err="1" smtClean="0">
+                <a:solidFill>
+                  <a:schemeClr val="tx1"/>
+                </a:solidFill>
+                <a:effectLst/>
+                <a:latin typeface="+mn-lt"/>
+                <a:ea typeface="+mn-ea"/>
+                <a:cs typeface="+mn-cs"/>
+              </a:rPr>
+              <a:t>чтаитсея</a:t>
+            </a:r>
+            <a:r>
+              <a:rPr lang="ru-RU" sz="1200" b="1" i="0" kern="1200" dirty="0" smtClean="0">
+                <a:solidFill>
+                  <a:schemeClr val="tx1"/>
+                </a:solidFill>
+                <a:effectLst/>
+                <a:latin typeface="+mn-lt"/>
+                <a:ea typeface="+mn-ea"/>
+                <a:cs typeface="+mn-cs"/>
+              </a:rPr>
+              <a:t> без </a:t>
+            </a:r>
+            <a:r>
+              <a:rPr lang="ru-RU" sz="1200" b="1" i="0" kern="1200" dirty="0" err="1" smtClean="0">
+                <a:solidFill>
+                  <a:schemeClr val="tx1"/>
+                </a:solidFill>
+                <a:effectLst/>
+                <a:latin typeface="+mn-lt"/>
+                <a:ea typeface="+mn-ea"/>
+                <a:cs typeface="+mn-cs"/>
+              </a:rPr>
+              <a:t>побрелм</a:t>
+            </a:r>
+            <a:r>
+              <a:rPr lang="ru-RU" sz="1200" b="1" i="0" kern="1200" dirty="0" smtClean="0">
+                <a:solidFill>
+                  <a:schemeClr val="tx1"/>
+                </a:solidFill>
+                <a:effectLst/>
+                <a:latin typeface="+mn-lt"/>
+                <a:ea typeface="+mn-ea"/>
+                <a:cs typeface="+mn-cs"/>
+              </a:rPr>
+              <a:t>. </a:t>
+            </a:r>
+            <a:r>
+              <a:rPr lang="ru-RU" sz="1200" b="1" i="0" kern="1200" dirty="0" err="1" smtClean="0">
+                <a:solidFill>
+                  <a:schemeClr val="tx1"/>
+                </a:solidFill>
+                <a:effectLst/>
+                <a:latin typeface="+mn-lt"/>
+                <a:ea typeface="+mn-ea"/>
+                <a:cs typeface="+mn-cs"/>
+              </a:rPr>
+              <a:t>Пичрионй</a:t>
+            </a:r>
+            <a:r>
+              <a:rPr lang="ru-RU" sz="1200" b="1" i="0" kern="1200" dirty="0" smtClean="0">
+                <a:solidFill>
+                  <a:schemeClr val="tx1"/>
+                </a:solidFill>
+                <a:effectLst/>
+                <a:latin typeface="+mn-lt"/>
+                <a:ea typeface="+mn-ea"/>
+                <a:cs typeface="+mn-cs"/>
+              </a:rPr>
+              <a:t> </a:t>
+            </a:r>
+            <a:r>
+              <a:rPr lang="ru-RU" sz="1200" b="1" i="0" kern="1200" dirty="0" err="1" smtClean="0">
+                <a:solidFill>
+                  <a:schemeClr val="tx1"/>
+                </a:solidFill>
+                <a:effectLst/>
+                <a:latin typeface="+mn-lt"/>
+                <a:ea typeface="+mn-ea"/>
+                <a:cs typeface="+mn-cs"/>
+              </a:rPr>
+              <a:t>эгото</a:t>
+            </a:r>
+            <a:r>
+              <a:rPr lang="ru-RU" sz="1200" b="1" i="0" kern="1200" dirty="0" smtClean="0">
+                <a:solidFill>
+                  <a:schemeClr val="tx1"/>
+                </a:solidFill>
+                <a:effectLst/>
+                <a:latin typeface="+mn-lt"/>
+                <a:ea typeface="+mn-ea"/>
+                <a:cs typeface="+mn-cs"/>
+              </a:rPr>
+              <a:t> </a:t>
+            </a:r>
+            <a:r>
+              <a:rPr lang="ru-RU" sz="1200" b="1" i="0" kern="1200" dirty="0" err="1" smtClean="0">
+                <a:solidFill>
+                  <a:schemeClr val="tx1"/>
+                </a:solidFill>
+                <a:effectLst/>
+                <a:latin typeface="+mn-lt"/>
+                <a:ea typeface="+mn-ea"/>
+                <a:cs typeface="+mn-cs"/>
+              </a:rPr>
+              <a:t>ялвятеся</a:t>
+            </a:r>
+            <a:r>
+              <a:rPr lang="ru-RU" sz="1200" b="1" i="0" kern="1200" dirty="0" smtClean="0">
+                <a:solidFill>
+                  <a:schemeClr val="tx1"/>
+                </a:solidFill>
+                <a:effectLst/>
+                <a:latin typeface="+mn-lt"/>
+                <a:ea typeface="+mn-ea"/>
+                <a:cs typeface="+mn-cs"/>
+              </a:rPr>
+              <a:t> то, что мы не </a:t>
+            </a:r>
+            <a:r>
+              <a:rPr lang="ru-RU" sz="1200" b="1" i="0" kern="1200" dirty="0" err="1" smtClean="0">
+                <a:solidFill>
+                  <a:schemeClr val="tx1"/>
+                </a:solidFill>
+                <a:effectLst/>
+                <a:latin typeface="+mn-lt"/>
+                <a:ea typeface="+mn-ea"/>
+                <a:cs typeface="+mn-cs"/>
+              </a:rPr>
+              <a:t>чиаетм</a:t>
+            </a:r>
+            <a:r>
+              <a:rPr lang="ru-RU" sz="1200" b="1" i="0" kern="1200" dirty="0" smtClean="0">
+                <a:solidFill>
+                  <a:schemeClr val="tx1"/>
+                </a:solidFill>
+                <a:effectLst/>
+                <a:latin typeface="+mn-lt"/>
+                <a:ea typeface="+mn-ea"/>
+                <a:cs typeface="+mn-cs"/>
+              </a:rPr>
+              <a:t> </a:t>
+            </a:r>
+            <a:r>
+              <a:rPr lang="ru-RU" sz="1200" b="1" i="0" kern="1200" dirty="0" err="1" smtClean="0">
+                <a:solidFill>
+                  <a:schemeClr val="tx1"/>
+                </a:solidFill>
+                <a:effectLst/>
+                <a:latin typeface="+mn-lt"/>
+                <a:ea typeface="+mn-ea"/>
+                <a:cs typeface="+mn-cs"/>
+              </a:rPr>
+              <a:t>кдаужю</a:t>
+            </a:r>
+            <a:r>
+              <a:rPr lang="ru-RU" sz="1200" b="1" i="0" kern="1200" dirty="0" smtClean="0">
+                <a:solidFill>
+                  <a:schemeClr val="tx1"/>
+                </a:solidFill>
+                <a:effectLst/>
+                <a:latin typeface="+mn-lt"/>
+                <a:ea typeface="+mn-ea"/>
+                <a:cs typeface="+mn-cs"/>
+              </a:rPr>
+              <a:t> </a:t>
+            </a:r>
+            <a:r>
+              <a:rPr lang="ru-RU" sz="1200" b="1" i="0" kern="1200" dirty="0" err="1" smtClean="0">
+                <a:solidFill>
+                  <a:schemeClr val="tx1"/>
+                </a:solidFill>
+                <a:effectLst/>
+                <a:latin typeface="+mn-lt"/>
+                <a:ea typeface="+mn-ea"/>
+                <a:cs typeface="+mn-cs"/>
+              </a:rPr>
+              <a:t>бкуву</a:t>
+            </a:r>
+            <a:r>
+              <a:rPr lang="ru-RU" sz="1200" b="1" i="0" kern="1200" dirty="0" smtClean="0">
+                <a:solidFill>
+                  <a:schemeClr val="tx1"/>
+                </a:solidFill>
+                <a:effectLst/>
+                <a:latin typeface="+mn-lt"/>
+                <a:ea typeface="+mn-ea"/>
+                <a:cs typeface="+mn-cs"/>
+              </a:rPr>
+              <a:t> по </a:t>
+            </a:r>
+            <a:r>
+              <a:rPr lang="ru-RU" sz="1200" b="1" i="0" kern="1200" dirty="0" err="1" smtClean="0">
+                <a:solidFill>
+                  <a:schemeClr val="tx1"/>
+                </a:solidFill>
+                <a:effectLst/>
+                <a:latin typeface="+mn-lt"/>
+                <a:ea typeface="+mn-ea"/>
+                <a:cs typeface="+mn-cs"/>
+              </a:rPr>
+              <a:t>отдльенотси</a:t>
+            </a:r>
+            <a:r>
+              <a:rPr lang="ru-RU" sz="1200" b="1" i="0" kern="1200" dirty="0" smtClean="0">
+                <a:solidFill>
+                  <a:schemeClr val="tx1"/>
+                </a:solidFill>
+                <a:effectLst/>
+                <a:latin typeface="+mn-lt"/>
+                <a:ea typeface="+mn-ea"/>
+                <a:cs typeface="+mn-cs"/>
+              </a:rPr>
+              <a:t>, а все </a:t>
+            </a:r>
+            <a:r>
+              <a:rPr lang="ru-RU" sz="1200" b="1" i="0" kern="1200" dirty="0" err="1" smtClean="0">
+                <a:solidFill>
+                  <a:schemeClr val="tx1"/>
+                </a:solidFill>
+                <a:effectLst/>
+                <a:latin typeface="+mn-lt"/>
+                <a:ea typeface="+mn-ea"/>
+                <a:cs typeface="+mn-cs"/>
+              </a:rPr>
+              <a:t>солво</a:t>
+            </a:r>
+            <a:r>
+              <a:rPr lang="ru-RU" sz="1200" b="1" i="0" kern="1200" dirty="0" smtClean="0">
+                <a:solidFill>
+                  <a:schemeClr val="tx1"/>
+                </a:solidFill>
+                <a:effectLst/>
+                <a:latin typeface="+mn-lt"/>
+                <a:ea typeface="+mn-ea"/>
+                <a:cs typeface="+mn-cs"/>
+              </a:rPr>
+              <a:t> </a:t>
+            </a:r>
+            <a:r>
+              <a:rPr lang="ru-RU" sz="1200" b="1" i="0" kern="1200" dirty="0" err="1" smtClean="0">
+                <a:solidFill>
+                  <a:schemeClr val="tx1"/>
+                </a:solidFill>
+                <a:effectLst/>
+                <a:latin typeface="+mn-lt"/>
+                <a:ea typeface="+mn-ea"/>
+                <a:cs typeface="+mn-cs"/>
+              </a:rPr>
+              <a:t>цлиеком</a:t>
+            </a:r>
+            <a:r>
+              <a:rPr lang="ru-RU" sz="1200" b="1" i="0" kern="1200" dirty="0" smtClean="0">
+                <a:solidFill>
+                  <a:schemeClr val="tx1"/>
+                </a:solidFill>
+                <a:effectLst/>
+                <a:latin typeface="+mn-lt"/>
+                <a:ea typeface="+mn-ea"/>
+                <a:cs typeface="+mn-cs"/>
+              </a:rPr>
+              <a:t>.</a:t>
+            </a:r>
+            <a:r>
+              <a:rPr lang="ru-RU" sz="1200" b="0" i="0" kern="1200" baseline="0" dirty="0" smtClean="0">
+                <a:solidFill>
+                  <a:schemeClr val="tx1"/>
+                </a:solidFill>
+                <a:effectLst/>
+                <a:latin typeface="+mn-lt"/>
+                <a:ea typeface="+mn-ea"/>
+                <a:cs typeface="+mn-cs"/>
+              </a:rPr>
+              <a:t>»</a:t>
+            </a:r>
+            <a:endParaRPr lang="ru-RU" dirty="0" smtClean="0"/>
+          </a:p>
+          <a:p>
+            <a:r>
+              <a:rPr lang="ru-RU" dirty="0" smtClean="0"/>
+              <a:t>5. </a:t>
+            </a:r>
+            <a:r>
+              <a:rPr lang="en-US" sz="1200" b="0" i="0" kern="1200" dirty="0" smtClean="0">
+                <a:solidFill>
+                  <a:schemeClr val="tx1"/>
+                </a:solidFill>
+                <a:effectLst/>
+                <a:latin typeface="+mn-lt"/>
+                <a:ea typeface="+mn-ea"/>
+                <a:cs typeface="+mn-cs"/>
+              </a:rPr>
+              <a:t>private </a:t>
+            </a:r>
+            <a:r>
+              <a:rPr lang="en-US" sz="1200" b="1" i="0" kern="1200" dirty="0" smtClean="0">
+                <a:solidFill>
+                  <a:schemeClr val="tx1"/>
+                </a:solidFill>
+                <a:effectLst/>
+                <a:latin typeface="+mn-lt"/>
+                <a:ea typeface="+mn-ea"/>
+                <a:cs typeface="+mn-cs"/>
+              </a:rPr>
+              <a:t>static</a:t>
+            </a:r>
+            <a:r>
+              <a:rPr lang="en-US" sz="1200" b="0" i="0" kern="1200" dirty="0" smtClean="0">
+                <a:solidFill>
+                  <a:schemeClr val="tx1"/>
+                </a:solidFill>
+                <a:effectLst/>
+                <a:latin typeface="+mn-lt"/>
+                <a:ea typeface="+mn-ea"/>
+                <a:cs typeface="+mn-cs"/>
+              </a:rPr>
+              <a:t> </a:t>
+            </a:r>
+            <a:r>
+              <a:rPr lang="en-US" sz="1200" b="0" i="0" kern="1200" dirty="0" err="1" smtClean="0">
+                <a:solidFill>
+                  <a:schemeClr val="tx1"/>
+                </a:solidFill>
+                <a:effectLst/>
+                <a:latin typeface="+mn-lt"/>
+                <a:ea typeface="+mn-ea"/>
+                <a:cs typeface="+mn-cs"/>
+              </a:rPr>
+              <a:t>readonly</a:t>
+            </a:r>
+            <a:r>
+              <a:rPr lang="en-US" sz="1200" b="0" i="0" kern="1200" dirty="0" smtClean="0">
+                <a:solidFill>
+                  <a:schemeClr val="tx1"/>
+                </a:solidFill>
+                <a:effectLst/>
+                <a:latin typeface="+mn-lt"/>
+                <a:ea typeface="+mn-ea"/>
+                <a:cs typeface="+mn-cs"/>
+              </a:rPr>
+              <a:t> </a:t>
+            </a:r>
+            <a:r>
+              <a:rPr lang="en-US" sz="1200" b="0" i="0" kern="1200" dirty="0" err="1" smtClean="0">
+                <a:solidFill>
+                  <a:schemeClr val="tx1"/>
+                </a:solidFill>
+                <a:effectLst/>
+                <a:latin typeface="+mn-lt"/>
+                <a:ea typeface="+mn-ea"/>
+                <a:cs typeface="+mn-cs"/>
+              </a:rPr>
+              <a:t>IDictionary</a:t>
+            </a:r>
+            <a:r>
+              <a:rPr lang="en-US" sz="1200" b="0" i="0" kern="1200" dirty="0" smtClean="0">
+                <a:solidFill>
+                  <a:schemeClr val="tx1"/>
+                </a:solidFill>
+                <a:effectLst/>
+                <a:latin typeface="+mn-lt"/>
+                <a:ea typeface="+mn-ea"/>
+                <a:cs typeface="+mn-cs"/>
+              </a:rPr>
+              <a:t>&lt;string, </a:t>
+            </a:r>
+            <a:r>
+              <a:rPr lang="en-US" sz="1200" b="0" i="0" kern="1200" dirty="0" err="1" smtClean="0">
+                <a:solidFill>
+                  <a:schemeClr val="tx1"/>
+                </a:solidFill>
+                <a:effectLst/>
+                <a:latin typeface="+mn-lt"/>
+                <a:ea typeface="+mn-ea"/>
+                <a:cs typeface="+mn-cs"/>
+              </a:rPr>
+              <a:t>int</a:t>
+            </a:r>
+            <a:r>
+              <a:rPr lang="en-US" sz="1200" b="0" i="0" kern="1200" dirty="0" smtClean="0">
+                <a:solidFill>
+                  <a:schemeClr val="tx1"/>
+                </a:solidFill>
+                <a:effectLst/>
+                <a:latin typeface="+mn-lt"/>
+                <a:ea typeface="+mn-ea"/>
+                <a:cs typeface="+mn-cs"/>
+              </a:rPr>
+              <a:t>&gt; stats = new Dictionary&lt;string, </a:t>
+            </a:r>
+            <a:r>
+              <a:rPr lang="en-US" sz="1200" b="0" i="0" kern="1200" dirty="0" err="1" smtClean="0">
+                <a:solidFill>
+                  <a:schemeClr val="tx1"/>
+                </a:solidFill>
+                <a:effectLst/>
+                <a:latin typeface="+mn-lt"/>
+                <a:ea typeface="+mn-ea"/>
+                <a:cs typeface="+mn-cs"/>
+              </a:rPr>
+              <a:t>int</a:t>
+            </a:r>
+            <a:r>
+              <a:rPr lang="en-US" sz="1200" b="0" i="0" kern="1200" dirty="0" smtClean="0">
+                <a:solidFill>
+                  <a:schemeClr val="tx1"/>
+                </a:solidFill>
+                <a:effectLst/>
+                <a:latin typeface="+mn-lt"/>
+                <a:ea typeface="+mn-ea"/>
+                <a:cs typeface="+mn-cs"/>
+              </a:rPr>
+              <a:t>&gt;();</a:t>
+            </a:r>
+            <a:endParaRPr lang="ru-RU" sz="1200" b="0" i="0" kern="1200" dirty="0" smtClean="0">
+              <a:solidFill>
+                <a:schemeClr val="tx1"/>
+              </a:solidFill>
+              <a:effectLst/>
+              <a:latin typeface="+mn-lt"/>
+              <a:ea typeface="+mn-ea"/>
+              <a:cs typeface="+mn-cs"/>
+            </a:endParaRPr>
+          </a:p>
+          <a:p>
+            <a:r>
+              <a:rPr lang="ru-RU" sz="1200" b="0" i="0" kern="1200" dirty="0" smtClean="0">
+                <a:solidFill>
+                  <a:schemeClr val="tx1"/>
+                </a:solidFill>
+                <a:effectLst/>
+                <a:latin typeface="+mn-lt"/>
+                <a:ea typeface="+mn-ea"/>
+                <a:cs typeface="+mn-cs"/>
+              </a:rPr>
+              <a:t>Как это отловить?</a:t>
+            </a:r>
+          </a:p>
+          <a:p>
+            <a:r>
+              <a:rPr lang="ru-RU" dirty="0" smtClean="0"/>
+              <a:t/>
+            </a:r>
+            <a:br>
+              <a:rPr lang="ru-RU" dirty="0" smtClean="0"/>
+            </a:br>
+            <a:r>
+              <a:rPr lang="ru-RU" dirty="0" smtClean="0"/>
+              <a:t>6. Много тестов, проверяющих</a:t>
+            </a:r>
+            <a:r>
+              <a:rPr lang="ru-RU" baseline="0" dirty="0" smtClean="0"/>
+              <a:t> одно и то же – это признак </a:t>
+            </a:r>
+            <a:r>
+              <a:rPr lang="en-US" baseline="0" dirty="0" err="1" smtClean="0"/>
+              <a:t>Overspecification</a:t>
+            </a:r>
+            <a:r>
+              <a:rPr lang="en-US" baseline="0" dirty="0" smtClean="0"/>
+              <a:t> </a:t>
+            </a:r>
+            <a:r>
+              <a:rPr lang="ru-RU" baseline="0" dirty="0" smtClean="0"/>
+              <a:t>из </a:t>
+            </a:r>
+            <a:r>
+              <a:rPr lang="ru-RU" baseline="0" dirty="0" err="1" smtClean="0"/>
+              <a:t>Антипаттернов</a:t>
+            </a:r>
+            <a:r>
+              <a:rPr lang="ru-RU" baseline="0" dirty="0" smtClean="0"/>
+              <a:t>, что не есть хорошо.</a:t>
+            </a:r>
+          </a:p>
+          <a:p>
+            <a:r>
+              <a:rPr lang="ru-RU" baseline="0" dirty="0" smtClean="0"/>
+              <a:t>Почему?</a:t>
+            </a:r>
+          </a:p>
+          <a:p>
+            <a:pPr marL="171450" indent="-171450">
+              <a:buFont typeface="Arial" panose="020B0604020202020204" pitchFamily="34" charset="0"/>
+              <a:buChar char="•"/>
+            </a:pPr>
+            <a:r>
+              <a:rPr lang="ru-RU" baseline="0" dirty="0" smtClean="0"/>
+              <a:t>Каждую колонку можно рассматривать как требование из спецификации. Мы живём в изменяющемся мире, условия меняются, требования меняются, соответственно тесты и реализация тоже должны меняться. Но когда у тебя 12 тестов, проверяющих одно и то же требование. То при изменении этого требования, придётся поменять 12 тестов. А если этих тестов 20? 100?..</a:t>
+            </a:r>
+          </a:p>
+          <a:p>
+            <a:pPr marL="171450" indent="-171450">
+              <a:buFont typeface="Arial" panose="020B0604020202020204" pitchFamily="34" charset="0"/>
+              <a:buChar char="•"/>
+            </a:pPr>
+            <a:endParaRPr lang="ru-RU" baseline="0" dirty="0" smtClean="0"/>
+          </a:p>
+          <a:p>
+            <a:pPr marL="0" indent="0">
+              <a:buFont typeface="Arial" panose="020B0604020202020204" pitchFamily="34" charset="0"/>
+              <a:buNone/>
+            </a:pPr>
+            <a:r>
+              <a:rPr lang="ru-RU" baseline="0" dirty="0" smtClean="0"/>
+              <a:t>Подытожим:</a:t>
+            </a:r>
+          </a:p>
+          <a:p>
+            <a:pPr marL="171450" indent="-171450">
+              <a:buFont typeface="Arial" panose="020B0604020202020204" pitchFamily="34" charset="0"/>
+              <a:buChar char="•"/>
+            </a:pPr>
+            <a:r>
+              <a:rPr lang="ru-RU" baseline="0" dirty="0" smtClean="0"/>
+              <a:t>Легко писать тесты по существующему проверенному коду и/или </a:t>
+            </a:r>
+            <a:r>
+              <a:rPr lang="ru-RU" baseline="0" dirty="0" smtClean="0"/>
+              <a:t>спецификации</a:t>
+            </a:r>
+            <a:endParaRPr lang="en-US" baseline="0" dirty="0" smtClean="0"/>
+          </a:p>
+          <a:p>
+            <a:pPr marL="171450" indent="-171450">
+              <a:buFont typeface="Arial" panose="020B0604020202020204" pitchFamily="34" charset="0"/>
+              <a:buChar char="•"/>
+            </a:pPr>
+            <a:r>
+              <a:rPr lang="ru-RU" baseline="0" dirty="0" smtClean="0"/>
+              <a:t>Не всегда очевидно взаимодействие требований.</a:t>
+            </a:r>
+            <a:endParaRPr lang="ru-RU" baseline="0" dirty="0" smtClean="0"/>
+          </a:p>
+          <a:p>
+            <a:pPr marL="171450" indent="-171450">
+              <a:buFont typeface="Arial" panose="020B0604020202020204" pitchFamily="34" charset="0"/>
+              <a:buChar char="•"/>
+            </a:pPr>
+            <a:r>
+              <a:rPr lang="ru-RU" baseline="0" dirty="0" smtClean="0"/>
+              <a:t>Тесты не заменяют </a:t>
+            </a:r>
+            <a:r>
+              <a:rPr lang="en-US" baseline="0" dirty="0" smtClean="0"/>
+              <a:t>CR</a:t>
+            </a:r>
+            <a:endParaRPr lang="ru-RU" baseline="0" dirty="0" smtClean="0"/>
+          </a:p>
+          <a:p>
+            <a:pPr marL="171450" indent="-171450">
+              <a:buFont typeface="Arial" panose="020B0604020202020204" pitchFamily="34" charset="0"/>
+              <a:buChar char="•"/>
+            </a:pPr>
+            <a:r>
+              <a:rPr lang="en-US" baseline="0" dirty="0" smtClean="0"/>
+              <a:t>CR </a:t>
+            </a:r>
+            <a:r>
+              <a:rPr lang="ru-RU" baseline="0" dirty="0" smtClean="0"/>
+              <a:t>не заменяет тестов. И то, и другое – инструменты, которыми можно предотвратить </a:t>
+            </a:r>
+            <a:r>
+              <a:rPr lang="ru-RU" b="1" baseline="0" dirty="0" smtClean="0"/>
+              <a:t>почти</a:t>
+            </a:r>
+            <a:r>
+              <a:rPr lang="ru-RU" baseline="0" dirty="0" smtClean="0"/>
+              <a:t> все проблемы при использовании их вместе.</a:t>
+            </a:r>
+          </a:p>
+          <a:p>
+            <a:pPr marL="171450" indent="-171450">
+              <a:buFont typeface="Arial" panose="020B0604020202020204" pitchFamily="34" charset="0"/>
+              <a:buChar char="•"/>
+            </a:pPr>
+            <a:endParaRPr lang="ru-RU" baseline="0" dirty="0" smtClean="0"/>
+          </a:p>
+        </p:txBody>
+      </p:sp>
+      <p:sp>
+        <p:nvSpPr>
+          <p:cNvPr id="4" name="Номер слайда 3"/>
+          <p:cNvSpPr>
+            <a:spLocks noGrp="1"/>
+          </p:cNvSpPr>
+          <p:nvPr>
+            <p:ph type="sldNum" sz="quarter" idx="10"/>
+          </p:nvPr>
+        </p:nvSpPr>
+        <p:spPr/>
+        <p:txBody>
+          <a:bodyPr/>
+          <a:lstStyle/>
+          <a:p>
+            <a:fld id="{3BAECB10-9972-4830-A584-02C41DAFD45B}" type="slidenum">
+              <a:rPr lang="ru-RU" smtClean="0"/>
+              <a:t>27</a:t>
+            </a:fld>
+            <a:endParaRPr lang="ru-RU"/>
+          </a:p>
+        </p:txBody>
+      </p:sp>
+    </p:spTree>
+    <p:extLst>
+      <p:ext uri="{BB962C8B-B14F-4D97-AF65-F5344CB8AC3E}">
+        <p14:creationId xmlns:p14="http://schemas.microsoft.com/office/powerpoint/2010/main" val="3738593691"/>
+      </p:ext>
+    </p:extLst>
+  </p:cSld>
+  <p:clrMapOvr>
+    <a:masterClrMapping/>
+  </p:clrMapOvr>
+</p:notes>
+</file>
+
+<file path=ppt/notesSlides/notesSlide3.xml><?xml version="1.0" encoding="utf-8"?>
+<p:notes xmlns:a="http://schemas.openxmlformats.org/drawingml/2006/main" xmlns:r="http://schemas.openxmlformats.org/officeDocument/2006/relationships" xmlns:p="http://schemas.openxmlformats.org/presentationml/2006/main">
+  <p:cSld>
+    <p:spTree>
+      <p:nvGrpSpPr>
+        <p:cNvPr id="1" name=""/>
+        <p:cNvGrpSpPr/>
+        <p:nvPr/>
+      </p:nvGrpSpPr>
+      <p:grpSpPr>
+        <a:xfrm>
+          <a:off x="0" y="0"/>
+          <a:ext cx="0" cy="0"/>
+          <a:chOff x="0" y="0"/>
+          <a:chExt cx="0" cy="0"/>
+        </a:xfrm>
+      </p:grpSpPr>
+      <p:sp>
+        <p:nvSpPr>
+          <p:cNvPr id="2" name="Образ слайда 1"/>
+          <p:cNvSpPr>
+            <a:spLocks noGrp="1" noRot="1" noChangeAspect="1"/>
+          </p:cNvSpPr>
+          <p:nvPr>
+            <p:ph type="sldImg"/>
+          </p:nvPr>
+        </p:nvSpPr>
+        <p:spPr/>
+      </p:sp>
+      <p:sp>
+        <p:nvSpPr>
+          <p:cNvPr id="3" name="Заметки 2"/>
+          <p:cNvSpPr>
+            <a:spLocks noGrp="1"/>
+          </p:cNvSpPr>
+          <p:nvPr>
+            <p:ph type="body" idx="1"/>
+          </p:nvPr>
+        </p:nvSpPr>
+        <p:spPr/>
+        <p:txBody>
+          <a:bodyPr/>
+          <a:lstStyle/>
+          <a:p>
+            <a:r>
+              <a:rPr lang="ru-RU" dirty="0" smtClean="0"/>
+              <a:t>Тесты,</a:t>
+            </a:r>
+            <a:r>
+              <a:rPr lang="ru-RU" baseline="0" dirty="0" smtClean="0"/>
+              <a:t> как и хороший код, должны рассказывать историю.</a:t>
+            </a:r>
+          </a:p>
+          <a:p>
+            <a:r>
+              <a:rPr lang="ru-RU" dirty="0" smtClean="0"/>
+              <a:t>Из</a:t>
+            </a:r>
+            <a:r>
+              <a:rPr lang="ru-RU" baseline="0" dirty="0" smtClean="0"/>
+              <a:t> названий тестов можно составить короткое описание функционала.</a:t>
+            </a:r>
+          </a:p>
+          <a:p>
+            <a:endParaRPr lang="en-US" dirty="0" smtClean="0"/>
+          </a:p>
+          <a:p>
+            <a:r>
+              <a:rPr lang="ru-RU" dirty="0" smtClean="0"/>
+              <a:t>Что</a:t>
+            </a:r>
+            <a:r>
+              <a:rPr lang="ru-RU" baseline="0" dirty="0" smtClean="0"/>
+              <a:t> здесь происходит? Что делает класс </a:t>
+            </a:r>
+            <a:r>
+              <a:rPr lang="en-US" baseline="0" dirty="0" smtClean="0"/>
+              <a:t>Superman?</a:t>
+            </a:r>
+            <a:endParaRPr lang="ru-RU" dirty="0"/>
+          </a:p>
+        </p:txBody>
+      </p:sp>
+      <p:sp>
+        <p:nvSpPr>
+          <p:cNvPr id="4" name="Номер слайда 3"/>
+          <p:cNvSpPr>
+            <a:spLocks noGrp="1"/>
+          </p:cNvSpPr>
+          <p:nvPr>
+            <p:ph type="sldNum" sz="quarter" idx="10"/>
+          </p:nvPr>
+        </p:nvSpPr>
+        <p:spPr/>
+        <p:txBody>
+          <a:bodyPr/>
+          <a:lstStyle/>
+          <a:p>
+            <a:fld id="{3BAECB10-9972-4830-A584-02C41DAFD45B}" type="slidenum">
+              <a:rPr lang="ru-RU" smtClean="0"/>
+              <a:t>4</a:t>
+            </a:fld>
+            <a:endParaRPr lang="ru-RU"/>
+          </a:p>
+        </p:txBody>
+      </p:sp>
+    </p:spTree>
+    <p:extLst>
+      <p:ext uri="{BB962C8B-B14F-4D97-AF65-F5344CB8AC3E}">
         <p14:creationId xmlns:p14="http://schemas.microsoft.com/office/powerpoint/2010/main" val="3953898186"/>
       </p:ext>
     </p:extLst>
@@ -9389,7 +11496,7 @@
 </p:notes>
 </file>
 
-<file path=ppt/notesSlides/notesSlide3.xml><?xml version="1.0" encoding="utf-8"?>
+<file path=ppt/notesSlides/notesSlide4.xml><?xml version="1.0" encoding="utf-8"?>
 <p:notes xmlns:a="http://schemas.openxmlformats.org/drawingml/2006/main" xmlns:r="http://schemas.openxmlformats.org/officeDocument/2006/relationships" xmlns:p="http://schemas.openxmlformats.org/presentationml/2006/main">
   <p:cSld>
     <p:spTree>
@@ -9511,7 +11618,7 @@
           <a:p>
             <a:fld id="{3BAECB10-9972-4830-A584-02C41DAFD45B}" type="slidenum">
               <a:rPr lang="ru-RU" smtClean="0"/>
-              <a:t>4</a:t>
+              <a:t>5</a:t>
             </a:fld>
             <a:endParaRPr lang="ru-RU"/>
           </a:p>
@@ -9521,148 +11628,6 @@
     <p:extLst>
       <p:ext uri="{BB962C8B-B14F-4D97-AF65-F5344CB8AC3E}">
         <p14:creationId xmlns:p14="http://schemas.microsoft.com/office/powerpoint/2010/main" val="2285049775"/>
-      </p:ext>
-    </p:extLst>
-  </p:cSld>
-  <p:clrMapOvr>
-    <a:masterClrMapping/>
-  </p:clrMapOvr>
-</p:notes>
-</file>
-
-<file path=ppt/notesSlides/notesSlide4.xml><?xml version="1.0" encoding="utf-8"?>
-<p:notes xmlns:a="http://schemas.openxmlformats.org/drawingml/2006/main" xmlns:r="http://schemas.openxmlformats.org/officeDocument/2006/relationships" xmlns:p="http://schemas.openxmlformats.org/presentationml/2006/main">
-  <p:cSld>
-    <p:spTree>
-      <p:nvGrpSpPr>
-        <p:cNvPr id="1" name=""/>
-        <p:cNvGrpSpPr/>
-        <p:nvPr/>
-      </p:nvGrpSpPr>
-      <p:grpSpPr>
-        <a:xfrm>
-          <a:off x="0" y="0"/>
-          <a:ext cx="0" cy="0"/>
-          <a:chOff x="0" y="0"/>
-          <a:chExt cx="0" cy="0"/>
-        </a:xfrm>
-      </p:grpSpPr>
-      <p:sp>
-        <p:nvSpPr>
-          <p:cNvPr id="2" name="Образ слайда 1"/>
-          <p:cNvSpPr>
-            <a:spLocks noGrp="1" noRot="1" noChangeAspect="1"/>
-          </p:cNvSpPr>
-          <p:nvPr>
-            <p:ph type="sldImg"/>
-          </p:nvPr>
-        </p:nvSpPr>
-        <p:spPr/>
-      </p:sp>
-      <p:sp>
-        <p:nvSpPr>
-          <p:cNvPr id="3" name="Заметки 2"/>
-          <p:cNvSpPr>
-            <a:spLocks noGrp="1"/>
-          </p:cNvSpPr>
-          <p:nvPr>
-            <p:ph type="body" idx="1"/>
-          </p:nvPr>
-        </p:nvSpPr>
-        <p:spPr/>
-        <p:txBody>
-          <a:bodyPr/>
-          <a:lstStyle/>
-          <a:p>
-            <a:pPr marL="0" indent="0">
-              <a:buFont typeface="Arial" panose="020B0604020202020204" pitchFamily="34" charset="0"/>
-              <a:buNone/>
-            </a:pPr>
-            <a:r>
-              <a:rPr lang="en-US" dirty="0" err="1"/>
-              <a:t>MethodName</a:t>
-            </a:r>
-            <a:endParaRPr lang="en-US" dirty="0"/>
-          </a:p>
-          <a:p>
-            <a:pPr marL="0" indent="0">
-              <a:buFont typeface="Arial" panose="020B0604020202020204" pitchFamily="34" charset="0"/>
-              <a:buNone/>
-            </a:pPr>
-            <a:r>
-              <a:rPr lang="en-US" dirty="0"/>
-              <a:t>Preconditions</a:t>
-            </a:r>
-            <a:r>
-              <a:rPr lang="ru-RU" dirty="0"/>
-              <a:t> (</a:t>
-            </a:r>
-            <a:r>
-              <a:rPr lang="en-US" dirty="0"/>
-              <a:t>keyword</a:t>
-            </a:r>
-            <a:r>
-              <a:rPr lang="en-US" baseline="0" dirty="0"/>
-              <a:t> </a:t>
-            </a:r>
-            <a:r>
-              <a:rPr lang="en-US" dirty="0"/>
-              <a:t>Given)</a:t>
-            </a:r>
-          </a:p>
-          <a:p>
-            <a:pPr marL="0" indent="0">
-              <a:buFont typeface="Arial" panose="020B0604020202020204" pitchFamily="34" charset="0"/>
-              <a:buNone/>
-            </a:pPr>
-            <a:r>
-              <a:rPr lang="en-US" dirty="0"/>
-              <a:t>State (keyword When)</a:t>
-            </a:r>
-          </a:p>
-          <a:p>
-            <a:pPr marL="0" indent="0">
-              <a:buFont typeface="Arial" panose="020B0604020202020204" pitchFamily="34" charset="0"/>
-              <a:buNone/>
-            </a:pPr>
-            <a:r>
-              <a:rPr lang="en-US" dirty="0" err="1"/>
-              <a:t>ExpectedBehaviour</a:t>
-            </a:r>
-            <a:r>
-              <a:rPr lang="en-US" dirty="0"/>
-              <a:t> (keyword Should/Expect/Then)</a:t>
-            </a:r>
-          </a:p>
-        </p:txBody>
-      </p:sp>
-      <p:sp>
-        <p:nvSpPr>
-          <p:cNvPr id="4" name="Номер слайда 3"/>
-          <p:cNvSpPr>
-            <a:spLocks noGrp="1"/>
-          </p:cNvSpPr>
-          <p:nvPr>
-            <p:ph type="sldNum" sz="quarter" idx="10"/>
-          </p:nvPr>
-        </p:nvSpPr>
-        <p:spPr/>
-        <p:txBody>
-          <a:bodyPr/>
-          <a:lstStyle/>
-          <a:p>
-            <a:fld id="{3BAECB10-9972-4830-A584-02C41DAFD45B}" type="slidenum">
-              <a:rPr lang="ru-RU" smtClean="0"/>
-              <a:t>5</a:t>
-            </a:fld>
-            <a:endParaRPr lang="ru-RU"/>
-          </a:p>
-        </p:txBody>
-      </p:sp>
-    </p:spTree>
-    <p:extLst>
-      <p:ext uri="{BB962C8B-B14F-4D97-AF65-F5344CB8AC3E}">
-        <p14:creationId xmlns:p14="http://schemas.microsoft.com/office/powerpoint/2010/main" val="3838372683"/>
       </p:ext>
     </p:extLst>
   </p:cSld>
@@ -9716,25 +11681,64 @@
           <a:bodyPr/>
           <a:lstStyle/>
           <a:p>
+            <a:pPr marL="0" indent="0">
+              <a:buFont typeface="Arial" panose="020B0604020202020204" pitchFamily="34" charset="0"/>
+              <a:buNone/>
+            </a:pPr>
+            <a:r>
+              <a:rPr lang="en-US" dirty="0" err="1"/>
+              <a:t>MethodName</a:t>
+            </a:r>
+            <a:endParaRPr lang="en-US" dirty="0"/>
+          </a:p>
+          <a:p>
+            <a:pPr marL="0" indent="0">
+              <a:buFont typeface="Arial" panose="020B0604020202020204" pitchFamily="34" charset="0"/>
+              <a:buNone/>
+            </a:pPr>
+            <a:r>
+              <a:rPr lang="en-US" dirty="0"/>
+              <a:t>Preconditions</a:t>
+            </a:r>
             <a:r>
               <a:rPr lang="ru-RU" dirty="0"/>
-              <a:t>В</a:t>
-            </a:r>
-            <a:r>
-              <a:rPr lang="ru-RU" baseline="0" dirty="0"/>
+              <a:t> (</a:t>
+            </a:r>
+            <a:r>
+              <a:rPr lang="en-US" dirty="0"/>
+              <a:t>keyword</a:t>
+            </a:r>
+            <a:r>
+              <a:rPr lang="en-US" baseline="0" dirty="0"/>
               <a:t> </a:t>
             </a:r>
             <a:r>
-              <a:rPr lang="ru-RU" baseline="0" dirty="0" smtClean="0"/>
-              <a:t>каких именах чего </a:t>
-            </a:r>
-            <a:r>
-              <a:rPr lang="ru-RU" baseline="0" dirty="0"/>
-              <a:t>не </a:t>
-            </a:r>
-            <a:r>
-              <a:rPr lang="ru-RU" baseline="0" dirty="0" smtClean="0"/>
-              <a:t>хватает?</a:t>
+              <a:rPr lang="en-US" dirty="0"/>
+              <a:t>Given)</a:t>
+            </a:r>
+          </a:p>
+          <a:p>
+            <a:pPr marL="0" indent="0">
+              <a:buFont typeface="Arial" panose="020B0604020202020204" pitchFamily="34" charset="0"/>
+              <a:buNone/>
+            </a:pPr>
+            <a:r>
+              <a:rPr lang="en-US" dirty="0"/>
+              <a:t>State (keyword When)</a:t>
+            </a:r>
+          </a:p>
+          <a:p>
+            <a:pPr marL="0" indent="0">
+              <a:buFont typeface="Arial" panose="020B0604020202020204" pitchFamily="34" charset="0"/>
+              <a:buNone/>
+            </a:pPr>
+            <a:r>
+              <a:rPr lang="en-US" dirty="0" err="1"/>
+              <a:t>ExpectedBehaviour</a:t>
+            </a:r>
+            <a:r>
+              <a:rPr lang="en-US" dirty="0"/>
+              <a:t> (keyword Should/Expect/Then)</a:t>
             </a:r>
           </a:p>
         </p:txBody>
@@ -9765,7 +11769,7 @@
     </p:spTree>
     <p:extLst>
       <p:ext uri="{BB962C8B-B14F-4D97-AF65-F5344CB8AC3E}">
-        <p14:creationId xmlns:p14="http://schemas.microsoft.com/office/powerpoint/2010/main" val="2813128715"/>
+        <p14:creationId xmlns:p14="http://schemas.microsoft.com/office/powerpoint/2010/main" val="3838372683"/>
       </p:ext>
     </p:extLst>
   </p:cSld>
@@ -9820,105 +11824,30 @@
           <a:lstStyle/>
           <a:p>
             <a:r>
-              <a:rPr lang="en-US" dirty="0"/>
-              <a:t>Local</a:t>
-            </a:r>
-            <a:r>
-              <a:rPr lang="en-US" baseline="0" dirty="0"/>
-              <a:t> Hero – </a:t>
-            </a:r>
-            <a:r>
-              <a:rPr lang="ru-RU" baseline="0" dirty="0"/>
-              <a:t>не будет работать на других машинах</a:t>
-            </a:r>
-            <a:endParaRPr lang="ru-RU" dirty="0"/>
-          </a:p>
-          <a:p>
-            <a:r>
-              <a:rPr lang="en-US" dirty="0"/>
-              <a:t>Loudmouth </a:t>
-            </a:r>
-            <a:r>
               <a:rPr lang="ru-RU" dirty="0"/>
-              <a:t>(крикун) – тест не является автоматическим: что-то выводит, но </a:t>
-            </a:r>
-            <a:r>
-              <a:rPr lang="en-US" dirty="0"/>
-              <a:t>exception</a:t>
-            </a:r>
-            <a:r>
-              <a:rPr lang="ru-RU" dirty="0"/>
-              <a:t> не кидает</a:t>
-            </a:r>
-          </a:p>
-          <a:p>
-            <a:r>
-              <a:rPr lang="en-US" dirty="0"/>
-              <a:t>Free Ride – </a:t>
-            </a:r>
-            <a:r>
-              <a:rPr lang="ru-RU" dirty="0"/>
-              <a:t>тестируется все подряд (много</a:t>
+              <a:t>В</a:t>
             </a:r>
             <a:r>
               <a:rPr lang="ru-RU" baseline="0" dirty="0"/>
               <a:t> </a:t>
             </a:r>
             <a:r>
-              <a:rPr lang="en-US" baseline="0" dirty="0"/>
-              <a:t>act, </a:t>
+              <a:rPr lang="ru-RU" baseline="0" dirty="0" smtClean="0"/>
+              <a:t>каких именах чего </a:t>
             </a:r>
             <a:r>
               <a:rPr lang="ru-RU" baseline="0" dirty="0"/>
-              <a:t>много </a:t>
-            </a:r>
-            <a:r>
-              <a:rPr lang="en-US" baseline="0" dirty="0"/>
-              <a:t>assert)</a:t>
-            </a:r>
-            <a:endParaRPr lang="ru-RU" dirty="0"/>
-          </a:p>
-          <a:p>
-            <a:r>
-              <a:rPr lang="en-US" dirty="0"/>
-              <a:t>Over</a:t>
-            </a:r>
-            <a:r>
-              <a:rPr lang="en-US" baseline="0" dirty="0"/>
-              <a:t> specification – </a:t>
-            </a:r>
-            <a:r>
-              <a:rPr lang="ru-RU" baseline="0" dirty="0"/>
-              <a:t>создается одна ситуация, но в ней тестируется все (один </a:t>
-            </a:r>
-            <a:r>
-              <a:rPr lang="en-US" baseline="0" dirty="0"/>
-              <a:t>act, </a:t>
-            </a:r>
-            <a:r>
-              <a:rPr lang="ru-RU" baseline="0" dirty="0"/>
-              <a:t>много </a:t>
-            </a:r>
-            <a:r>
-              <a:rPr lang="en-US" baseline="0" dirty="0"/>
-              <a:t>assert)</a:t>
-            </a:r>
-            <a:endParaRPr lang="ru-RU" baseline="0" dirty="0"/>
-          </a:p>
-          <a:p>
-            <a:endParaRPr lang="ru-RU" baseline="0" dirty="0"/>
-          </a:p>
-          <a:p>
-            <a:r>
-              <a:rPr lang="ru-RU" baseline="0" dirty="0"/>
-              <a:t>Только хорошо написанные тесты могут служить спецификацией.</a:t>
-            </a:r>
-          </a:p>
-          <a:p>
-            <a:endParaRPr lang="en-US" baseline="0" dirty="0"/>
-          </a:p>
-          <a:p>
-            <a:endParaRPr lang="en-US" dirty="0"/>
+              <a:t>не </a:t>
+            </a:r>
+            <a:r>
+              <a:rPr lang="ru-RU" baseline="0" dirty="0" smtClean="0"/>
+              <a:t>хватает? А что лишнее</a:t>
+            </a:r>
+            <a:r>
+              <a:rPr lang="en-US" baseline="0" dirty="0" smtClean="0"/>
+              <a:t>?</a:t>
+            </a:r>
+            <a:endParaRPr lang="ru-RU" baseline="0" dirty="0" smtClean="0"/>
           </a:p>
         </p:txBody>
       </p:sp>
@@ -9939,7 +11868,7 @@
           <a:p>
             <a:fld id="{3BAECB10-9972-4830-A584-02C41DAFD45B}" type="slidenum">
               <a:rPr lang="ru-RU" smtClean="0"/>
-              <a:t>9</a:t>
+              <a:t>7</a:t>
             </a:fld>
             <a:endParaRPr lang="ru-RU"/>
           </a:p>
@@ -9948,7 +11877,7 @@
     </p:spTree>
     <p:extLst>
       <p:ext uri="{BB962C8B-B14F-4D97-AF65-F5344CB8AC3E}">
-        <p14:creationId xmlns:p14="http://schemas.microsoft.com/office/powerpoint/2010/main" val="150544368"/>
+        <p14:creationId xmlns:p14="http://schemas.microsoft.com/office/powerpoint/2010/main" val="2813128715"/>
       </p:ext>
     </p:extLst>
   </p:cSld>
@@ -10002,254 +11931,57 @@
           <a:bodyPr/>
           <a:lstStyle/>
           <a:p>
-            <a:pPr marL="0" marR="0" lvl="0" indent="0" algn="l" defTabSz="914400" rtl="0" eaLnBrk="1" fontAlgn="auto" latinLnBrk="0" hangingPunct="1">
-              <a:lnSpc>
-                <a:spcPct val="100000"/>
-              </a:lnSpc>
-              <a:spcBef>
-                <a:spcPts val="0"/>
-              </a:spcBef>
-              <a:spcAft>
-                <a:spcPts val="0"/>
-              </a:spcAft>
-              <a:buClrTx/>
-              <a:buSzTx/>
-              <a:buFontTx/>
-              <a:buNone/>
-              <a:tabLst/>
-              <a:defRPr/>
-            </a:pPr>
+            <a:r>
+              <a:rPr lang="en-US" dirty="0" err="1" smtClean="0"/>
+              <a:t>ParseInt</a:t>
+            </a:r>
+            <a:r>
+              <a:rPr lang="en-US" baseline="0" dirty="0" smtClean="0"/>
+              <a:t> – </a:t>
+            </a:r>
+            <a:r>
+              <a:rPr lang="ru-RU" baseline="0" dirty="0" smtClean="0"/>
+              <a:t>это метод какого-то класса. По умолчанию взят случай </a:t>
+            </a:r>
+            <a:r>
+              <a:rPr lang="en-US" baseline="0" dirty="0" smtClean="0"/>
+              <a:t>Success</a:t>
+            </a:r>
+            <a:r>
+              <a:rPr lang="ru-RU" baseline="0" dirty="0" smtClean="0"/>
+              <a:t> (поэтому это норм), но не понятно к какому классу относится данный метод, какой класс проверяет.</a:t>
+            </a:r>
+          </a:p>
+          <a:p>
             <a:endParaRPr lang="ru-RU" dirty="0" smtClean="0"/>
           </a:p>
           <a:p>
-            <a:pPr marL="0" marR="0" lvl="0" indent="0" algn="l" defTabSz="914400" rtl="0" eaLnBrk="1" fontAlgn="auto" latinLnBrk="0" hangingPunct="1">
-              <a:lnSpc>
-                <a:spcPct val="100000"/>
-              </a:lnSpc>
-              <a:spcBef>
-                <a:spcPts val="0"/>
-              </a:spcBef>
-              <a:spcAft>
-                <a:spcPts val="0"/>
-              </a:spcAft>
-              <a:buClrTx/>
-              <a:buSzTx/>
-              <a:buFontTx/>
-              <a:buNone/>
-              <a:tabLst/>
-              <a:defRPr/>
-            </a:pPr>
-            <a:r>
-              <a:rPr lang="ru-RU" dirty="0" err="1" smtClean="0"/>
-              <a:t>Аттрибуты</a:t>
-            </a:r>
             <a:r>
               <a:rPr lang="ru-RU" dirty="0" smtClean="0"/>
-              <a:t> </a:t>
-            </a:r>
-            <a:r>
-              <a:rPr lang="en-US" dirty="0" err="1" smtClean="0"/>
-              <a:t>TestCase</a:t>
-            </a:r>
-            <a:r>
-              <a:rPr lang="ru-RU" dirty="0" smtClean="0"/>
-              <a:t> и</a:t>
-            </a:r>
-            <a:r>
-              <a:rPr lang="en-US" dirty="0" smtClean="0"/>
-              <a:t> </a:t>
-            </a:r>
-            <a:r>
-              <a:rPr lang="en-US" dirty="0" err="1" smtClean="0"/>
-              <a:t>TestCaseSource</a:t>
-            </a:r>
-            <a:r>
-              <a:rPr lang="ru-RU" dirty="0" smtClean="0"/>
-              <a:t> в </a:t>
-            </a:r>
-            <a:r>
-              <a:rPr lang="en-US" dirty="0" err="1" smtClean="0"/>
-              <a:t>nUnit</a:t>
-            </a:r>
-            <a:endParaRPr lang="en-US" dirty="0" smtClean="0"/>
-          </a:p>
-          <a:p>
-            <a:pPr marL="0" marR="0" lvl="0" indent="0" algn="l" defTabSz="914400" rtl="0" eaLnBrk="1" fontAlgn="auto" latinLnBrk="0" hangingPunct="1">
-              <a:lnSpc>
-                <a:spcPct val="100000"/>
-              </a:lnSpc>
-              <a:spcBef>
-                <a:spcPts val="0"/>
-              </a:spcBef>
-              <a:spcAft>
-                <a:spcPts val="0"/>
-              </a:spcAft>
-              <a:buClrTx/>
-              <a:buSzTx/>
-              <a:buFontTx/>
-              <a:buNone/>
-              <a:tabLst/>
-              <a:defRPr/>
-            </a:pPr>
-            <a:endParaRPr lang="en-US" dirty="0" smtClean="0"/>
-          </a:p>
-          <a:p>
-            <a:pPr marL="0" marR="0" lvl="0" indent="0" algn="l" defTabSz="914400" rtl="0" eaLnBrk="1" fontAlgn="auto" latinLnBrk="0" hangingPunct="1">
-              <a:lnSpc>
-                <a:spcPct val="100000"/>
-              </a:lnSpc>
-              <a:spcBef>
-                <a:spcPts val="0"/>
-              </a:spcBef>
-              <a:spcAft>
-                <a:spcPts val="0"/>
-              </a:spcAft>
-              <a:buClrTx/>
-              <a:buSzTx/>
-              <a:buFontTx/>
-              <a:buNone/>
-              <a:tabLst/>
-              <a:defRPr/>
-            </a:pPr>
-            <a:r>
-              <a:rPr lang="ru-RU" dirty="0" smtClean="0"/>
-              <a:t>С</a:t>
+              <a:t>Резюме</a:t>
             </a:r>
             <a:r>
               <a:rPr lang="ru-RU" baseline="0" dirty="0" smtClean="0"/>
-              <a:t> ними можно:</a:t>
-            </a:r>
-          </a:p>
-          <a:p>
-            <a:pPr marL="171450" marR="0" lvl="0" indent="-171450" algn="l" defTabSz="914400" rtl="0" eaLnBrk="1" fontAlgn="auto" latinLnBrk="0" hangingPunct="1">
-              <a:lnSpc>
-                <a:spcPct val="100000"/>
-              </a:lnSpc>
-              <a:spcBef>
-                <a:spcPts val="0"/>
-              </a:spcBef>
-              <a:spcAft>
-                <a:spcPts val="0"/>
-              </a:spcAft>
-              <a:buClrTx/>
-              <a:buSzTx/>
-              <a:buFont typeface="Arial" panose="020B0604020202020204" pitchFamily="34" charset="0"/>
-              <a:buChar char="•"/>
-              <a:tabLst/>
-              <a:defRPr/>
-            </a:pPr>
+              <a:t>: </a:t>
+            </a:r>
+            <a:r>
+              <a:rPr lang="ru-RU" baseline="0" dirty="0" err="1" smtClean="0"/>
+              <a:t>нейминг</a:t>
+            </a:r>
             <a:r>
               <a:rPr lang="ru-RU" baseline="0" dirty="0" smtClean="0"/>
-              <a:t>Красиво называть тесты</a:t>
-            </a:r>
-          </a:p>
-          <a:p>
-            <a:pPr marL="171450" marR="0" lvl="0" indent="-171450" algn="l" defTabSz="914400" rtl="0" eaLnBrk="1" fontAlgn="auto" latinLnBrk="0" hangingPunct="1">
-              <a:lnSpc>
-                <a:spcPct val="100000"/>
-              </a:lnSpc>
-              <a:spcBef>
-                <a:spcPts val="0"/>
-              </a:spcBef>
-              <a:spcAft>
-                <a:spcPts val="0"/>
-              </a:spcAft>
-              <a:buClrTx/>
-              <a:buSzTx/>
-              <a:buFont typeface="Arial" panose="020B0604020202020204" pitchFamily="34" charset="0"/>
-              <a:buChar char="•"/>
-              <a:tabLst/>
-              <a:defRPr/>
-            </a:pPr>
+              <a:t> – наше всё и не только для основного кода, но и для тестов.</a:t>
+            </a:r>
+          </a:p>
+          <a:p>
+            <a:endParaRPr lang="ru-RU" baseline="0" dirty="0" smtClean="0"/>
+          </a:p>
+          <a:p>
             <a:r>
               <a:rPr lang="ru-RU" baseline="0" dirty="0" smtClean="0"/>
-              <a:t>Указать ожидаемый результат и получать его из теста. (</a:t>
-            </a:r>
-            <a:r>
-              <a:rPr lang="en-US" sz="1200" b="0" i="0" kern="1200" dirty="0" err="1" smtClean="0">
-                <a:solidFill>
-                  <a:schemeClr val="tx1"/>
-                </a:solidFill>
-                <a:effectLst/>
-                <a:latin typeface="+mn-lt"/>
-                <a:ea typeface="+mn-ea"/>
-                <a:cs typeface="+mn-cs"/>
-              </a:rPr>
-              <a:t>withInvariantCulture_parse</a:t>
-            </a:r>
-            <a:r>
-              <a:rPr lang="en-US" sz="1200" b="0" i="0" kern="1200" dirty="0" smtClean="0">
-                <a:solidFill>
-                  <a:schemeClr val="tx1"/>
-                </a:solidFill>
-                <a:effectLst/>
-                <a:latin typeface="+mn-lt"/>
-                <a:ea typeface="+mn-ea"/>
-                <a:cs typeface="+mn-cs"/>
-              </a:rPr>
-              <a:t>(string input)</a:t>
-            </a:r>
-            <a:r>
-              <a:rPr lang="ru-RU" sz="1200" b="0" i="0" kern="1200" dirty="0" smtClean="0">
-                <a:solidFill>
-                  <a:schemeClr val="tx1"/>
-                </a:solidFill>
-                <a:effectLst/>
-                <a:latin typeface="+mn-lt"/>
-                <a:ea typeface="+mn-ea"/>
-                <a:cs typeface="+mn-cs"/>
-              </a:rPr>
-              <a:t> возвращает </a:t>
-            </a:r>
-            <a:r>
-              <a:rPr lang="en-US" sz="1200" b="0" i="0" kern="1200" dirty="0" smtClean="0">
-                <a:solidFill>
-                  <a:schemeClr val="tx1"/>
-                </a:solidFill>
-                <a:effectLst/>
-                <a:latin typeface="+mn-lt"/>
-                <a:ea typeface="+mn-ea"/>
-                <a:cs typeface="+mn-cs"/>
-              </a:rPr>
-              <a:t>double</a:t>
-            </a:r>
-            <a:r>
-              <a:rPr lang="ru-RU" sz="1200" b="0" i="0" kern="1200" dirty="0" smtClean="0">
-                <a:solidFill>
-                  <a:schemeClr val="tx1"/>
-                </a:solidFill>
-                <a:effectLst/>
-                <a:latin typeface="+mn-lt"/>
-                <a:ea typeface="+mn-ea"/>
-                <a:cs typeface="+mn-cs"/>
-              </a:rPr>
-              <a:t>,</a:t>
-            </a:r>
-            <a:r>
-              <a:rPr lang="ru-RU" sz="1200" b="0" i="0" kern="1200" baseline="0" dirty="0" smtClean="0">
-                <a:solidFill>
-                  <a:schemeClr val="tx1"/>
-                </a:solidFill>
-                <a:effectLst/>
-                <a:latin typeface="+mn-lt"/>
-                <a:ea typeface="+mn-ea"/>
-                <a:cs typeface="+mn-cs"/>
-              </a:rPr>
-              <a:t> а не </a:t>
-            </a:r>
-            <a:r>
-              <a:rPr lang="en-US" sz="1200" b="0" i="0" kern="1200" baseline="0" dirty="0" smtClean="0">
-                <a:solidFill>
-                  <a:schemeClr val="tx1"/>
-                </a:solidFill>
-                <a:effectLst/>
-                <a:latin typeface="+mn-lt"/>
-                <a:ea typeface="+mn-ea"/>
-                <a:cs typeface="+mn-cs"/>
-              </a:rPr>
-              <a:t>void)</a:t>
-            </a:r>
-            <a:endParaRPr lang="ru-RU" baseline="0" dirty="0" smtClean="0"/>
+              <a:t>Читаемые тесты ускоряют адаптацию нового члена команды в проект.</a:t>
+            </a:r>
+            <a:endParaRPr lang="ru-RU" dirty="0"/>
           </a:p>
         </p:txBody>
       </p:sp>
@@ -10270,7 +12002,7 @@
           <a:p>
             <a:fld id="{3BAECB10-9972-4830-A584-02C41DAFD45B}" type="slidenum">
               <a:rPr lang="ru-RU" smtClean="0"/>
-              <a:t>12</a:t>
+              <a:t>8</a:t>
             </a:fld>
             <a:endParaRPr lang="ru-RU"/>
           </a:p>
@@ -10279,7 +12011,7 @@
     </p:spTree>
     <p:extLst>
       <p:ext uri="{BB962C8B-B14F-4D97-AF65-F5344CB8AC3E}">
-        <p14:creationId xmlns:p14="http://schemas.microsoft.com/office/powerpoint/2010/main" val="3407484980"/>
+        <p14:creationId xmlns:p14="http://schemas.microsoft.com/office/powerpoint/2010/main" val="1336160950"/>
       </p:ext>
     </p:extLst>
   </p:cSld>
@@ -10335,21 +12067,191 @@
           <a:p>
             <a:r>
               <a:rPr lang="ru-RU" dirty="0" smtClean="0"/>
-              <a:t>- : Достаточно</a:t>
+              <a:t>Существует большое</a:t>
             </a:r>
             <a:r>
               <a:rPr lang="ru-RU" baseline="0" dirty="0" smtClean="0"/>
-              <a:t> грубая проверка производительности.</a:t>
-            </a:r>
-          </a:p>
-          <a:p>
+              <a:t> количество </a:t>
+            </a:r>
+            <a:r>
+              <a:rPr lang="ru-RU" baseline="0" dirty="0" err="1" smtClean="0"/>
+              <a:t>антипаттернов</a:t>
+            </a:r>
             <a:r>
               <a:rPr lang="ru-RU" baseline="0" dirty="0" smtClean="0"/>
-              <a:t>+ : Помогает обнаружить изъяны в реализации.</a:t>
+              <a:t> (см. по ссылке), здесь приведены лишь 4 из самых злостных и часто встречающихся.</a:t>
+            </a:r>
+          </a:p>
+          <a:p>
+            <a:endParaRPr lang="ru-RU" dirty="0" smtClean="0"/>
+          </a:p>
+          <a:p>
+            <a:r>
+              <a:rPr lang="ru-RU" b="1" dirty="0" smtClean="0"/>
+              <a:t>Открой</a:t>
+            </a:r>
+            <a:r>
+              <a:rPr lang="ru-RU" b="1" baseline="0" dirty="0" smtClean="0"/>
+              <a:t> файл с примерами</a:t>
+            </a:r>
+            <a:r>
+              <a:rPr lang="en-US" b="1" baseline="0" dirty="0" smtClean="0"/>
+              <a:t>.</a:t>
+            </a:r>
+            <a:endParaRPr lang="ru-RU" b="1" dirty="0" smtClean="0"/>
+          </a:p>
+          <a:p>
+            <a:r>
+              <a:rPr lang="ru-RU" dirty="0" smtClean="0"/>
+              <a:t>Сначала спроси,</a:t>
+            </a:r>
+            <a:r>
+              <a:rPr lang="ru-RU" baseline="0" dirty="0" smtClean="0"/>
+              <a:t> что лишнего видят слушатели, потом объясни, если не сказали всего.</a:t>
+            </a:r>
+          </a:p>
+          <a:p>
+            <a:endParaRPr lang="ru-RU" dirty="0" smtClean="0"/>
+          </a:p>
+          <a:p>
+            <a:r>
+              <a:rPr lang="en-US" dirty="0" smtClean="0"/>
+              <a:t>Local</a:t>
+            </a:r>
+            <a:r>
+              <a:rPr lang="en-US" baseline="0" dirty="0" smtClean="0"/>
+              <a:t> </a:t>
+            </a:r>
+            <a:r>
+              <a:rPr lang="en-US" baseline="0" dirty="0"/>
+              <a:t>Hero – </a:t>
+            </a:r>
+            <a:r>
+              <a:rPr lang="ru-RU" baseline="0" dirty="0"/>
+              <a:t>не будет работать на других </a:t>
+            </a:r>
+            <a:r>
+              <a:rPr lang="ru-RU" baseline="0" dirty="0" smtClean="0"/>
+              <a:t>машинах.</a:t>
             </a:r>
           </a:p>
           <a:p>
             <a:endParaRPr lang="ru-RU" dirty="0"/>
+          </a:p>
+          <a:p>
+            <a:r>
+              <a:rPr lang="en-US" dirty="0"/>
+              <a:t>Loudmouth </a:t>
+            </a:r>
+            <a:r>
+              <a:rPr lang="ru-RU" dirty="0"/>
+              <a:t>(крикун) – тест не является автоматическим: что-то выводит, но </a:t>
+            </a:r>
+            <a:r>
+              <a:rPr lang="en-US" dirty="0"/>
+              <a:t>exception</a:t>
+            </a:r>
+            <a:r>
+              <a:rPr lang="ru-RU" dirty="0"/>
+              <a:t> не </a:t>
+            </a:r>
+            <a:r>
+              <a:rPr lang="ru-RU" dirty="0" smtClean="0"/>
+              <a:t>кидает.</a:t>
+            </a:r>
+            <a:endParaRPr lang="ru-RU" dirty="0"/>
+          </a:p>
+          <a:p>
+            <a:r>
+              <a:rPr lang="ru-RU" dirty="0" smtClean="0"/>
+              <a:t>	История:</a:t>
+            </a:r>
+            <a:r>
+              <a:rPr lang="ru-RU" baseline="0" dirty="0" smtClean="0"/>
+              <a:t> Вы решили ознакомиться с работой какой-то библиотеки, накидали тестов, которые что-то выводят в консоль, что-то пишут на диск или ещё что-то в этом роде, провели эксперименты, освоились с библиотекой и забыли про них. Это мусорные тесты, которые по своей сути ничего не проверяют, а значит, что хранить их не нужно.</a:t>
+            </a:r>
+            <a:endParaRPr lang="ru-RU" dirty="0" smtClean="0"/>
+          </a:p>
+          <a:p>
+            <a:endParaRPr lang="ru-RU" dirty="0" smtClean="0"/>
+          </a:p>
+          <a:p>
+            <a:r>
+              <a:rPr lang="en-US" dirty="0" smtClean="0"/>
+              <a:t>Free </a:t>
+            </a:r>
+            <a:r>
+              <a:rPr lang="en-US" dirty="0"/>
+              <a:t>Ride – </a:t>
+            </a:r>
+            <a:r>
+              <a:rPr lang="ru-RU" dirty="0"/>
+              <a:t>тестируется все подряд (много</a:t>
+            </a:r>
+            <a:r>
+              <a:rPr lang="ru-RU" baseline="0" dirty="0"/>
+              <a:t> </a:t>
+            </a:r>
+            <a:r>
+              <a:rPr lang="en-US" baseline="0" dirty="0"/>
+              <a:t>act, </a:t>
+            </a:r>
+            <a:r>
+              <a:rPr lang="ru-RU" baseline="0" dirty="0"/>
+              <a:t>много </a:t>
+            </a:r>
+            <a:r>
+              <a:rPr lang="en-US" baseline="0" dirty="0"/>
+              <a:t>assert)</a:t>
+            </a:r>
+            <a:endParaRPr lang="ru-RU" dirty="0"/>
+          </a:p>
+          <a:p>
+            <a:r>
+              <a:rPr lang="en-US" dirty="0"/>
+              <a:t>Over</a:t>
+            </a:r>
+            <a:r>
+              <a:rPr lang="en-US" baseline="0" dirty="0"/>
+              <a:t> specification – </a:t>
+            </a:r>
+            <a:r>
+              <a:rPr lang="ru-RU" baseline="0" dirty="0"/>
+              <a:t>создается одна ситуация, но в ней тестируется все (один </a:t>
+            </a:r>
+            <a:r>
+              <a:rPr lang="en-US" baseline="0" dirty="0"/>
+              <a:t>act, </a:t>
+            </a:r>
+            <a:r>
+              <a:rPr lang="ru-RU" baseline="0" dirty="0"/>
+              <a:t>много </a:t>
+            </a:r>
+            <a:r>
+              <a:rPr lang="en-US" baseline="0" dirty="0"/>
+              <a:t>assert)</a:t>
+            </a:r>
+            <a:endParaRPr lang="ru-RU" baseline="0" dirty="0"/>
+          </a:p>
+          <a:p>
+            <a:endParaRPr lang="ru-RU" baseline="0" dirty="0"/>
+          </a:p>
+          <a:p>
+            <a:r>
+              <a:rPr lang="ru-RU" baseline="0" dirty="0"/>
+              <a:t>Только хорошо написанные тесты могут служить спецификацией</a:t>
+            </a:r>
+            <a:r>
+              <a:rPr lang="ru-RU" baseline="0" dirty="0" smtClean="0"/>
+              <a:t>.</a:t>
+            </a:r>
+            <a:endParaRPr lang="ru-RU" baseline="0" dirty="0"/>
+          </a:p>
+          <a:p>
+            <a:endParaRPr lang="en-US" baseline="0" dirty="0"/>
+          </a:p>
+          <a:p>
+            <a:endParaRPr lang="en-US" dirty="0"/>
           </a:p>
         </p:txBody>
       </p:sp>
@@ -10370,7 +12272,7 @@
           <a:p>
             <a:fld id="{3BAECB10-9972-4830-A584-02C41DAFD45B}" type="slidenum">
               <a:rPr lang="ru-RU" smtClean="0"/>
-              <a:t>13</a:t>
+              <a:t>9</a:t>
             </a:fld>
             <a:endParaRPr lang="ru-RU"/>
           </a:p>
@@ -10379,7 +12281,7 @@
     </p:spTree>
     <p:extLst>
       <p:ext uri="{BB962C8B-B14F-4D97-AF65-F5344CB8AC3E}">
-        <p14:creationId xmlns:p14="http://schemas.microsoft.com/office/powerpoint/2010/main" val="2929866659"/>
+        <p14:creationId xmlns:p14="http://schemas.microsoft.com/office/powerpoint/2010/main" val="150544368"/>
       </p:ext>
     </p:extLst>
   </p:cSld>
@@ -10435,21 +12337,89 @@
           <a:p>
             <a:r>
               <a:rPr lang="ru-RU" dirty="0" smtClean="0"/>
-              <a:t>Неочевидный</a:t>
+              <a:t>Почему не пишем тесты сразу?</a:t>
+            </a:r>
+          </a:p>
+          <a:p>
+            <a:r>
+              <a:rPr lang="ru-RU" dirty="0" err="1" smtClean="0"/>
+              <a:t>Спойлер</a:t>
             </a:r>
             <a:r>
               <a:rPr lang="ru-RU" baseline="0" dirty="0" smtClean="0"/>
-              <a:t> синтаксис у </a:t>
+              <a:t> для </a:t>
             </a:r>
             <a:r>
               <a:rPr lang="en-US" baseline="0" dirty="0" smtClean="0"/>
-              <a:t>Assert</a:t>
-            </a:r>
+              <a:t>TDD</a:t>
+            </a:r>
+            <a:endParaRPr lang="ru-RU" dirty="0" smtClean="0"/>
+          </a:p>
+          <a:p>
             <a:r>
               <a:rPr lang="ru-RU" baseline="0" dirty="0" smtClean="0"/>
-              <a:t>.</a:t>
-            </a:r>
-            <a:endParaRPr lang="ru-RU" dirty="0"/>
+              <a:t>Первое, что в голову приходит:</a:t>
+            </a:r>
+          </a:p>
+          <a:p>
+            <a:pPr marL="171450" indent="-171450">
+              <a:buFontTx/>
+              <a:buChar char="-"/>
+            </a:pPr>
+            <a:r>
+              <a:rPr lang="ru-RU" baseline="0" dirty="0" smtClean="0"/>
+              <a:t>Дольше разработка: писать ведь больше, больше кнопок нажимать</a:t>
+            </a:r>
+          </a:p>
+          <a:p>
+            <a:pPr marL="171450" indent="-171450">
+              <a:buFontTx/>
+              <a:buChar char="-"/>
+            </a:pPr>
+            <a:r>
+              <a:rPr lang="ru-RU" baseline="0" dirty="0" smtClean="0"/>
+              <a:t>Есть повторяющиеся сценарии, разные параметры и соответственно очень похожие тесты</a:t>
+            </a:r>
+          </a:p>
+          <a:p>
+            <a:pPr marL="171450" indent="-171450">
+              <a:buFontTx/>
+              <a:buChar char="-"/>
+            </a:pPr>
+            <a:r>
+              <a:rPr lang="ru-RU" baseline="0" dirty="0" smtClean="0"/>
+              <a:t>Непонятное </a:t>
+            </a:r>
+            <a:r>
+              <a:rPr lang="en-US" baseline="0" dirty="0" smtClean="0"/>
+              <a:t>API </a:t>
+            </a:r>
+            <a:r>
+              <a:rPr lang="ru-RU" baseline="0" dirty="0" smtClean="0"/>
+              <a:t>у тестового </a:t>
+            </a:r>
+            <a:r>
+              <a:rPr lang="ru-RU" baseline="0" dirty="0" err="1" smtClean="0"/>
+              <a:t>фреймворка</a:t>
+            </a:r>
+            <a:endParaRPr lang="ru-RU" baseline="0" dirty="0" smtClean="0"/>
+          </a:p>
+          <a:p>
+            <a:pPr marL="0" indent="0">
+              <a:buFontTx/>
+              <a:buNone/>
+            </a:pPr>
+            <a:endParaRPr lang="ru-RU" baseline="0" dirty="0" smtClean="0"/>
+          </a:p>
+          <a:p>
+            <a:pPr marL="0" indent="0">
+              <a:buFontTx/>
+              <a:buNone/>
+            </a:pPr>
+            <a:r>
+              <a:rPr lang="ru-RU" baseline="0" dirty="0" smtClean="0"/>
+              <a:t>Нужно настроить окружение таким образом, чтобы тесты писались как можно легче.</a:t>
+            </a:r>
           </a:p>
         </p:txBody>
       </p:sp>
@@ -10470,7 +12440,7 @@
           <a:p>
             <a:fld id="{3BAECB10-9972-4830-A584-02C41DAFD45B}" type="slidenum">
               <a:rPr lang="ru-RU" smtClean="0"/>
-              <a:t>14</a:t>
+              <a:t>10</a:t>
             </a:fld>
             <a:endParaRPr lang="ru-RU"/>
           </a:p>
@@ -10479,7 +12449,7 @@
     </p:spTree>
     <p:extLst>
       <p:ext uri="{BB962C8B-B14F-4D97-AF65-F5344CB8AC3E}">
-        <p14:creationId xmlns:p14="http://schemas.microsoft.com/office/powerpoint/2010/main" val="2355226439"/>
+        <p14:creationId xmlns:p14="http://schemas.microsoft.com/office/powerpoint/2010/main" val="196875330"/>
       </p:ext>
     </p:extLst>
   </p:cSld>
@@ -14571,13 +16541,13 @@
           <a:p>
             <a:r>
               <a:rPr lang="en-US" dirty="0">
-                <a:hlinkClick r:id="rId2"/>
+                <a:hlinkClick r:id="rId3"/>
               </a:rPr>
               <a:t>https://github.com/kontur-csharper/</a:t>
             </a:r>
             <a:r>
               <a:rPr lang="en-US" b="1" dirty="0">
-                <a:hlinkClick r:id="rId2"/>
+                <a:hlinkClick r:id="rId3"/>
               </a:rPr>
               <a:t>testing</a:t>
             </a:r>
@@ -14621,7 +16591,7 @@
           <p:nvPr/>
         </p:nvPicPr>
         <p:blipFill>
-          <a:blip r:embed="rId3" cstate="print">
+          <a:blip r:embed="rId4" cstate="print">
             <a:extLst>
               <a:ext uri="{28A0092B-C50C-407E-A947-70E740481C1C}">
                 <a14:useLocalDpi xmlns:a14="http://schemas.microsoft.com/office/drawing/2010/main" val="0"/>
@@ -14737,7 +16707,7 @@
           <p:nvPr/>
         </p:nvPicPr>
         <p:blipFill rotWithShape="1">
-          <a:blip r:embed="rId2" cstate="print">
+          <a:blip r:embed="rId3" cstate="print">
             <a:extLst>
               <a:ext uri="{28A0092B-C50C-407E-A947-70E740481C1C}">
                 <a14:useLocalDpi xmlns:a14="http://schemas.microsoft.com/office/drawing/2010/main" val="0"/>
@@ -14933,6 +16903,192 @@
 </file>
 
 <file path=ppt/slides/slide12.xml><?xml version="1.0" encoding="utf-8"?>
+<p:sld xmlns:a="http://schemas.openxmlformats.org/drawingml/2006/main" xmlns:r="http://schemas.openxmlformats.org/officeDocument/2006/relationships" xmlns:p="http://schemas.openxmlformats.org/presentationml/2006/main">
+  <p:cSld>
+    <p:spTree>
+      <p:nvGrpSpPr>
+        <p:cNvPr id="1" name=""/>
+        <p:cNvGrpSpPr/>
+        <p:nvPr/>
+      </p:nvGrpSpPr>
+      <p:grpSpPr>
+        <a:xfrm>
+          <a:off x="0" y="0"/>
+          <a:ext cx="0" cy="0"/>
+          <a:chOff x="0" y="0"/>
+          <a:chExt cx="0" cy="0"/>
+        </a:xfrm>
+      </p:grpSpPr>
+      <p:pic>
+        <p:nvPicPr>
+          <p:cNvPr id="4" name="Объект 3"/>
+          <p:cNvPicPr>
+            <a:picLocks noGrp="1" noChangeAspect="1"/>
+          </p:cNvPicPr>
+          <p:nvPr>
+            <p:ph sz="quarter" idx="13"/>
+          </p:nvPr>
+        </p:nvPicPr>
+        <p:blipFill rotWithShape="1">
+          <a:blip r:embed="rId3"/>
+          <a:srcRect r="26963"/>
+          <a:stretch/>
+        </p:blipFill>
+        <p:spPr>
+          <a:xfrm>
+            <a:off x="1260941" y="1556792"/>
+            <a:ext cx="9659595" cy="4824536"/>
+          </a:xfrm>
+          <a:prstGeom prst="rect">
+            <a:avLst/>
+          </a:prstGeom>
+        </p:spPr>
+      </p:pic>
+    </p:spTree>
+    <p:extLst>
+      <p:ext uri="{BB962C8B-B14F-4D97-AF65-F5344CB8AC3E}">
+        <p14:creationId xmlns:p14="http://schemas.microsoft.com/office/powerpoint/2010/main" val="2231416265"/>
+      </p:ext>
+    </p:extLst>
+  </p:cSld>
+  <p:clrMapOvr>
+    <a:masterClrMapping/>
+  </p:clrMapOvr>
+</p:sld>
+</file>
+
+<file path=ppt/slides/slide13.xml><?xml version="1.0" encoding="utf-8"?>
+<p:sld xmlns:a="http://schemas.openxmlformats.org/drawingml/2006/main" xmlns:r="http://schemas.openxmlformats.org/officeDocument/2006/relationships" xmlns:p="http://schemas.openxmlformats.org/presentationml/2006/main">
+  <p:cSld>
+    <p:spTree>
+      <p:nvGrpSpPr>
+        <p:cNvPr id="1" name=""/>
+        <p:cNvGrpSpPr/>
+        <p:nvPr/>
+      </p:nvGrpSpPr>
+      <p:grpSpPr>
+        <a:xfrm>
+          <a:off x="0" y="0"/>
+          <a:ext cx="0" cy="0"/>
+          <a:chOff x="0" y="0"/>
+          <a:chExt cx="0" cy="0"/>
+        </a:xfrm>
+      </p:grpSpPr>
+      <p:pic>
+        <p:nvPicPr>
+          <p:cNvPr id="4" name="Объект 3"/>
+          <p:cNvPicPr>
+            <a:picLocks noGrp="1" noChangeAspect="1"/>
+          </p:cNvPicPr>
+          <p:nvPr>
+            <p:ph sz="quarter" idx="13"/>
+          </p:nvPr>
+        </p:nvPicPr>
+        <p:blipFill>
+          <a:blip r:embed="rId3"/>
+          <a:stretch>
+            <a:fillRect/>
+          </a:stretch>
+        </p:blipFill>
+        <p:spPr>
+          <a:xfrm>
+            <a:off x="2783632" y="1916832"/>
+            <a:ext cx="7344816" cy="3498635"/>
+          </a:xfrm>
+          <a:prstGeom prst="rect">
+            <a:avLst/>
+          </a:prstGeom>
+        </p:spPr>
+      </p:pic>
+      <p:sp>
+        <p:nvSpPr>
+          <p:cNvPr id="3" name="Заголовок 2"/>
+          <p:cNvSpPr>
+            <a:spLocks noGrp="1"/>
+          </p:cNvSpPr>
+          <p:nvPr>
+            <p:ph type="title"/>
+          </p:nvPr>
+        </p:nvSpPr>
+        <p:spPr/>
+        <p:txBody>
+          <a:bodyPr/>
+          <a:lstStyle/>
+          <a:p>
+            <a:endParaRPr lang="ru-RU" dirty="0"/>
+          </a:p>
+        </p:txBody>
+      </p:sp>
+    </p:spTree>
+    <p:extLst>
+      <p:ext uri="{BB962C8B-B14F-4D97-AF65-F5344CB8AC3E}">
+        <p14:creationId xmlns:p14="http://schemas.microsoft.com/office/powerpoint/2010/main" val="3576118230"/>
+      </p:ext>
+    </p:extLst>
+  </p:cSld>
+  <p:clrMapOvr>
+    <a:masterClrMapping/>
+  </p:clrMapOvr>
+</p:sld>
+</file>
+
+<file path=ppt/slides/slide14.xml><?xml version="1.0" encoding="utf-8"?>
+<p:sld xmlns:a="http://schemas.openxmlformats.org/drawingml/2006/main" xmlns:r="http://schemas.openxmlformats.org/officeDocument/2006/relationships" xmlns:p="http://schemas.openxmlformats.org/presentationml/2006/main">
+  <p:cSld>
+    <p:spTree>
+      <p:nvGrpSpPr>
+        <p:cNvPr id="1" name=""/>
+        <p:cNvGrpSpPr/>
+        <p:nvPr/>
+      </p:nvGrpSpPr>
+      <p:grpSpPr>
+        <a:xfrm>
+          <a:off x="0" y="0"/>
+          <a:ext cx="0" cy="0"/>
+          <a:chOff x="0" y="0"/>
+          <a:chExt cx="0" cy="0"/>
+        </a:xfrm>
+      </p:grpSpPr>
+      <p:pic>
+        <p:nvPicPr>
+          <p:cNvPr id="4" name="Объект 3"/>
+          <p:cNvPicPr>
+            <a:picLocks noGrp="1" noChangeAspect="1"/>
+          </p:cNvPicPr>
+          <p:nvPr>
+            <p:ph sz="quarter" idx="13"/>
+          </p:nvPr>
+        </p:nvPicPr>
+        <p:blipFill>
+          <a:blip r:embed="rId3"/>
+          <a:stretch>
+            <a:fillRect/>
+          </a:stretch>
+        </p:blipFill>
+        <p:spPr>
+          <a:xfrm>
+            <a:off x="2063554" y="260648"/>
+            <a:ext cx="8064896" cy="6268679"/>
+          </a:xfrm>
+          <a:prstGeom prst="rect">
+            <a:avLst/>
+          </a:prstGeom>
+        </p:spPr>
+      </p:pic>
+    </p:spTree>
+    <p:extLst>
+      <p:ext uri="{BB962C8B-B14F-4D97-AF65-F5344CB8AC3E}">
+        <p14:creationId xmlns:p14="http://schemas.microsoft.com/office/powerpoint/2010/main" val="1457149006"/>
+      </p:ext>
+    </p:extLst>
+  </p:cSld>
+  <p:clrMapOvr>
+    <a:masterClrMapping/>
+  </p:clrMapOvr>
+</p:sld>
+</file>
+
+<file path=ppt/slides/slide15.xml><?xml version="1.0" encoding="utf-8"?>
 <p:sld xmlns:a="http://schemas.openxmlformats.org/drawingml/2006/main" xmlns:r="http://schemas.openxmlformats.org/officeDocument/2006/relationships" xmlns:p="http://schemas.openxmlformats.org/presentationml/2006/main">
   <p:cSld>
     <p:spTree>
@@ -15189,7 +17345,386 @@
 </p:sld>
 </file>
 
-<file path=ppt/slides/slide13.xml><?xml version="1.0" encoding="utf-8"?>
+<file path=ppt/slides/slide16.xml><?xml version="1.0" encoding="utf-8"?>
+<p:sld xmlns:a="http://schemas.openxmlformats.org/drawingml/2006/main" xmlns:r="http://schemas.openxmlformats.org/officeDocument/2006/relationships" xmlns:p="http://schemas.openxmlformats.org/presentationml/2006/main">
+  <p:cSld>
+    <p:spTree>
+      <p:nvGrpSpPr>
+        <p:cNvPr id="1" name=""/>
+        <p:cNvGrpSpPr/>
+        <p:nvPr/>
+      </p:nvGrpSpPr>
+      <p:grpSpPr>
+        <a:xfrm>
+          <a:off x="0" y="0"/>
+          <a:ext cx="0" cy="0"/>
+          <a:chOff x="0" y="0"/>
+          <a:chExt cx="0" cy="0"/>
+        </a:xfrm>
+      </p:grpSpPr>
+      <p:sp>
+        <p:nvSpPr>
+          <p:cNvPr id="2" name="Заголовок 1"/>
+          <p:cNvSpPr>
+            <a:spLocks noGrp="1"/>
+          </p:cNvSpPr>
+          <p:nvPr>
+            <p:ph type="title"/>
+          </p:nvPr>
+        </p:nvSpPr>
+        <p:spPr/>
+        <p:txBody>
+          <a:bodyPr/>
+          <a:lstStyle/>
+          <a:p>
+            <a:pPr algn="ctr"/>
+            <a:r>
+              <a:rPr lang="ru-RU" dirty="0"/>
+              <a:t>Пример спецификации тестами</a:t>
+            </a:r>
+            <a:endParaRPr lang="en-US" dirty="0"/>
+          </a:p>
+        </p:txBody>
+      </p:sp>
+      <p:pic>
+        <p:nvPicPr>
+          <p:cNvPr id="5" name="Рисунок 4"/>
+          <p:cNvPicPr>
+            <a:picLocks noGrp="1" noChangeAspect="1"/>
+          </p:cNvPicPr>
+          <p:nvPr>
+            <p:ph type="pic" sz="quarter" idx="10"/>
+          </p:nvPr>
+        </p:nvPicPr>
+        <p:blipFill rotWithShape="1">
+          <a:blip r:embed="rId2">
+            <a:extLst>
+              <a:ext uri="{28A0092B-C50C-407E-A947-70E740481C1C}">
+                <a14:useLocalDpi xmlns:a14="http://schemas.microsoft.com/office/drawing/2010/main" val="0"/>
+              </a:ext>
+            </a:extLst>
+          </a:blip>
+          <a:srcRect l="-19597" r="-19597"/>
+          <a:stretch/>
+        </p:blipFill>
+        <p:spPr/>
+      </p:pic>
+    </p:spTree>
+    <p:extLst>
+      <p:ext uri="{BB962C8B-B14F-4D97-AF65-F5344CB8AC3E}">
+        <p14:creationId xmlns:p14="http://schemas.microsoft.com/office/powerpoint/2010/main" val="768219975"/>
+      </p:ext>
+    </p:extLst>
+  </p:cSld>
+  <p:clrMapOvr>
+    <a:masterClrMapping/>
+  </p:clrMapOvr>
+  <p:timing>
+    <p:tnLst>
+      <p:par>
+        <p:cTn id="1" dur="indefinite" restart="never" nodeType="tmRoot"/>
+      </p:par>
+    </p:tnLst>
+  </p:timing>
+</p:sld>
+</file>
+
+<file path=ppt/slides/slide17.xml><?xml version="1.0" encoding="utf-8"?>
+<p:sld xmlns:a="http://schemas.openxmlformats.org/drawingml/2006/main" xmlns:r="http://schemas.openxmlformats.org/officeDocument/2006/relationships" xmlns:p="http://schemas.openxmlformats.org/presentationml/2006/main">
+  <p:cSld>
+    <p:spTree>
+      <p:nvGrpSpPr>
+        <p:cNvPr id="1" name=""/>
+        <p:cNvGrpSpPr/>
+        <p:nvPr/>
+      </p:nvGrpSpPr>
+      <p:grpSpPr>
+        <a:xfrm>
+          <a:off x="0" y="0"/>
+          <a:ext cx="0" cy="0"/>
+          <a:chOff x="0" y="0"/>
+          <a:chExt cx="0" cy="0"/>
+        </a:xfrm>
+      </p:grpSpPr>
+      <p:pic>
+        <p:nvPicPr>
+          <p:cNvPr id="4" name="Объект 3"/>
+          <p:cNvPicPr>
+            <a:picLocks noGrp="1" noChangeAspect="1"/>
+          </p:cNvPicPr>
+          <p:nvPr>
+            <p:ph sz="quarter" idx="13"/>
+          </p:nvPr>
+        </p:nvPicPr>
+        <p:blipFill>
+          <a:blip r:embed="rId3"/>
+          <a:stretch>
+            <a:fillRect/>
+          </a:stretch>
+        </p:blipFill>
+        <p:spPr>
+          <a:xfrm>
+            <a:off x="1286258" y="1341439"/>
+            <a:ext cx="9610278" cy="5266960"/>
+          </a:xfrm>
+          <a:prstGeom prst="rect">
+            <a:avLst/>
+          </a:prstGeom>
+        </p:spPr>
+      </p:pic>
+      <p:sp>
+        <p:nvSpPr>
+          <p:cNvPr id="3" name="Заголовок 2"/>
+          <p:cNvSpPr>
+            <a:spLocks noGrp="1"/>
+          </p:cNvSpPr>
+          <p:nvPr>
+            <p:ph type="title"/>
+          </p:nvPr>
+        </p:nvSpPr>
+        <p:spPr/>
+        <p:txBody>
+          <a:bodyPr/>
+          <a:lstStyle/>
+          <a:p>
+            <a:r>
+              <a:rPr lang="ru-RU" dirty="0" err="1" smtClean="0"/>
+              <a:t>Порефакторим</a:t>
+            </a:r>
+            <a:r>
+              <a:rPr lang="ru-RU" dirty="0" smtClean="0"/>
+              <a:t>?</a:t>
+            </a:r>
+            <a:endParaRPr lang="ru-RU" dirty="0"/>
+          </a:p>
+        </p:txBody>
+      </p:sp>
+    </p:spTree>
+    <p:extLst>
+      <p:ext uri="{BB962C8B-B14F-4D97-AF65-F5344CB8AC3E}">
+        <p14:creationId xmlns:p14="http://schemas.microsoft.com/office/powerpoint/2010/main" val="4165205784"/>
+      </p:ext>
+    </p:extLst>
+  </p:cSld>
+  <p:clrMapOvr>
+    <a:masterClrMapping/>
+  </p:clrMapOvr>
+</p:sld>
+</file>
+
+<file path=ppt/slides/slide18.xml><?xml version="1.0" encoding="utf-8"?>
+<p:sld xmlns:a="http://schemas.openxmlformats.org/drawingml/2006/main" xmlns:r="http://schemas.openxmlformats.org/officeDocument/2006/relationships" xmlns:p="http://schemas.openxmlformats.org/presentationml/2006/main">
+  <p:cSld>
+    <p:spTree>
+      <p:nvGrpSpPr>
+        <p:cNvPr id="1" name=""/>
+        <p:cNvGrpSpPr/>
+        <p:nvPr/>
+      </p:nvGrpSpPr>
+      <p:grpSpPr>
+        <a:xfrm>
+          <a:off x="0" y="0"/>
+          <a:ext cx="0" cy="0"/>
+          <a:chOff x="0" y="0"/>
+          <a:chExt cx="0" cy="0"/>
+        </a:xfrm>
+      </p:grpSpPr>
+      <p:pic>
+        <p:nvPicPr>
+          <p:cNvPr id="6" name="Рисунок 5"/>
+          <p:cNvPicPr>
+            <a:picLocks noChangeAspect="1"/>
+          </p:cNvPicPr>
+          <p:nvPr/>
+        </p:nvPicPr>
+        <p:blipFill>
+          <a:blip r:embed="rId3"/>
+          <a:stretch>
+            <a:fillRect/>
+          </a:stretch>
+        </p:blipFill>
+        <p:spPr>
+          <a:xfrm>
+            <a:off x="-1" y="0"/>
+            <a:ext cx="12017829" cy="6858000"/>
+          </a:xfrm>
+          <a:prstGeom prst="rect">
+            <a:avLst/>
+          </a:prstGeom>
+        </p:spPr>
+      </p:pic>
+    </p:spTree>
+    <p:extLst>
+      <p:ext uri="{BB962C8B-B14F-4D97-AF65-F5344CB8AC3E}">
+        <p14:creationId xmlns:p14="http://schemas.microsoft.com/office/powerpoint/2010/main" val="2296161812"/>
+      </p:ext>
+    </p:extLst>
+  </p:cSld>
+  <p:clrMapOvr>
+    <a:masterClrMapping/>
+  </p:clrMapOvr>
+</p:sld>
+</file>
+
+<file path=ppt/slides/slide19.xml><?xml version="1.0" encoding="utf-8"?>
+<p:sld xmlns:a="http://schemas.openxmlformats.org/drawingml/2006/main" xmlns:r="http://schemas.openxmlformats.org/officeDocument/2006/relationships" xmlns:p="http://schemas.openxmlformats.org/presentationml/2006/main">
+  <p:cSld>
+    <p:spTree>
+      <p:nvGrpSpPr>
+        <p:cNvPr id="1" name=""/>
+        <p:cNvGrpSpPr/>
+        <p:nvPr/>
+      </p:nvGrpSpPr>
+      <p:grpSpPr>
+        <a:xfrm>
+          <a:off x="0" y="0"/>
+          <a:ext cx="0" cy="0"/>
+          <a:chOff x="0" y="0"/>
+          <a:chExt cx="0" cy="0"/>
+        </a:xfrm>
+      </p:grpSpPr>
+      <p:pic>
+        <p:nvPicPr>
+          <p:cNvPr id="4" name="Объект 3"/>
+          <p:cNvPicPr>
+            <a:picLocks noGrp="1" noChangeAspect="1"/>
+          </p:cNvPicPr>
+          <p:nvPr>
+            <p:ph sz="quarter" idx="13"/>
+          </p:nvPr>
+        </p:nvPicPr>
+        <p:blipFill>
+          <a:blip r:embed="rId3"/>
+          <a:stretch>
+            <a:fillRect/>
+          </a:stretch>
+        </p:blipFill>
+        <p:spPr>
+          <a:xfrm>
+            <a:off x="0" y="908720"/>
+            <a:ext cx="12150232" cy="5157192"/>
+          </a:xfrm>
+          <a:prstGeom prst="rect">
+            <a:avLst/>
+          </a:prstGeom>
+        </p:spPr>
+      </p:pic>
+    </p:spTree>
+    <p:extLst>
+      <p:ext uri="{BB962C8B-B14F-4D97-AF65-F5344CB8AC3E}">
+        <p14:creationId xmlns:p14="http://schemas.microsoft.com/office/powerpoint/2010/main" val="1268449661"/>
+      </p:ext>
+    </p:extLst>
+  </p:cSld>
+  <p:clrMapOvr>
+    <a:masterClrMapping/>
+  </p:clrMapOvr>
+</p:sld>
+</file>
+
+<file path=ppt/slides/slide2.xml><?xml version="1.0" encoding="utf-8"?>
+<p:sld xmlns:a="http://schemas.openxmlformats.org/drawingml/2006/main" xmlns:r="http://schemas.openxmlformats.org/officeDocument/2006/relationships" xmlns:p="http://schemas.openxmlformats.org/presentationml/2006/main">
+  <p:cSld>
+    <p:spTree>
+      <p:nvGrpSpPr>
+        <p:cNvPr id="1" name=""/>
+        <p:cNvGrpSpPr/>
+        <p:nvPr/>
+      </p:nvGrpSpPr>
+      <p:grpSpPr>
+        <a:xfrm>
+          <a:off x="0" y="0"/>
+          <a:ext cx="0" cy="0"/>
+          <a:chOff x="0" y="0"/>
+          <a:chExt cx="0" cy="0"/>
+        </a:xfrm>
+      </p:grpSpPr>
+      <p:pic>
+        <p:nvPicPr>
+          <p:cNvPr id="4" name="Рисунок 3"/>
+          <p:cNvPicPr>
+            <a:picLocks noChangeAspect="1"/>
+          </p:cNvPicPr>
+          <p:nvPr/>
+        </p:nvPicPr>
+        <p:blipFill>
+          <a:blip r:embed="rId2"/>
+          <a:stretch>
+            <a:fillRect/>
+          </a:stretch>
+        </p:blipFill>
+        <p:spPr>
+          <a:xfrm>
+            <a:off x="1919536" y="620688"/>
+            <a:ext cx="8286750" cy="1847850"/>
+          </a:xfrm>
+          <a:prstGeom prst="rect">
+            <a:avLst/>
+          </a:prstGeom>
+        </p:spPr>
+      </p:pic>
+      <p:pic>
+        <p:nvPicPr>
+          <p:cNvPr id="5" name="Рисунок 4"/>
+          <p:cNvPicPr>
+            <a:picLocks noChangeAspect="1"/>
+          </p:cNvPicPr>
+          <p:nvPr/>
+        </p:nvPicPr>
+        <p:blipFill>
+          <a:blip r:embed="rId3"/>
+          <a:stretch>
+            <a:fillRect/>
+          </a:stretch>
+        </p:blipFill>
+        <p:spPr>
+          <a:xfrm>
+            <a:off x="1919536" y="2468538"/>
+            <a:ext cx="8267700" cy="1876425"/>
+          </a:xfrm>
+          <a:prstGeom prst="rect">
+            <a:avLst/>
+          </a:prstGeom>
+        </p:spPr>
+      </p:pic>
+      <p:pic>
+        <p:nvPicPr>
+          <p:cNvPr id="6" name="Рисунок 5"/>
+          <p:cNvPicPr>
+            <a:picLocks noChangeAspect="1"/>
+          </p:cNvPicPr>
+          <p:nvPr/>
+        </p:nvPicPr>
+        <p:blipFill>
+          <a:blip r:embed="rId4"/>
+          <a:stretch>
+            <a:fillRect/>
+          </a:stretch>
+        </p:blipFill>
+        <p:spPr>
+          <a:xfrm>
+            <a:off x="1919536" y="4316388"/>
+            <a:ext cx="8296275" cy="1866900"/>
+          </a:xfrm>
+          <a:prstGeom prst="rect">
+            <a:avLst/>
+          </a:prstGeom>
+        </p:spPr>
+      </p:pic>
+    </p:spTree>
+    <p:extLst>
+      <p:ext uri="{BB962C8B-B14F-4D97-AF65-F5344CB8AC3E}">
+        <p14:creationId xmlns:p14="http://schemas.microsoft.com/office/powerpoint/2010/main" val="3730291395"/>
+      </p:ext>
+    </p:extLst>
+  </p:cSld>
+  <p:clrMapOvr>
+    <a:masterClrMapping/>
+  </p:clrMapOvr>
+</p:sld>
+</file>
+
+<file path=ppt/slides/slide20.xml><?xml version="1.0" encoding="utf-8"?>
 <p:sld xmlns:a="http://schemas.openxmlformats.org/drawingml/2006/main" xmlns:r="http://schemas.openxmlformats.org/officeDocument/2006/relationships" xmlns:p="http://schemas.openxmlformats.org/presentationml/2006/main">
   <p:cSld>
     <p:spTree>
@@ -15373,7 +17908,7 @@
 </p:sld>
 </file>
 
-<file path=ppt/slides/slide14.xml><?xml version="1.0" encoding="utf-8"?>
+<file path=ppt/slides/slide21.xml><?xml version="1.0" encoding="utf-8"?>
 <p:sld xmlns:a="http://schemas.openxmlformats.org/drawingml/2006/main" xmlns:r="http://schemas.openxmlformats.org/officeDocument/2006/relationships" xmlns:p="http://schemas.openxmlformats.org/presentationml/2006/main">
   <p:cSld>
     <p:spTree>
@@ -15885,7 +18420,7 @@
 </p:sld>
 </file>
 
-<file path=ppt/slides/slide15.xml><?xml version="1.0" encoding="utf-8"?>
+<file path=ppt/slides/slide22.xml><?xml version="1.0" encoding="utf-8"?>
 <p:sld xmlns:a="http://schemas.openxmlformats.org/drawingml/2006/main" xmlns:r="http://schemas.openxmlformats.org/officeDocument/2006/relationships" xmlns:p="http://schemas.openxmlformats.org/presentationml/2006/main">
   <p:cSld>
     <p:spTree>
@@ -16204,7 +18739,7 @@
 </p:sld>
 </file>
 
-<file path=ppt/slides/slide16.xml><?xml version="1.0" encoding="utf-8"?>
+<file path=ppt/slides/slide23.xml><?xml version="1.0" encoding="utf-8"?>
 <p:sld xmlns:a="http://schemas.openxmlformats.org/drawingml/2006/main" xmlns:r="http://schemas.openxmlformats.org/officeDocument/2006/relationships" xmlns:p="http://schemas.openxmlformats.org/presentationml/2006/main">
   <p:cSld>
     <p:spTree>
@@ -16413,7 +18948,7 @@
 </p:sld>
 </file>
 
-<file path=ppt/slides/slide17.xml><?xml version="1.0" encoding="utf-8"?>
+<file path=ppt/slides/slide24.xml><?xml version="1.0" encoding="utf-8"?>
 <p:sld xmlns:a="http://schemas.openxmlformats.org/drawingml/2006/main" xmlns:r="http://schemas.openxmlformats.org/officeDocument/2006/relationships" xmlns:p="http://schemas.openxmlformats.org/presentationml/2006/main">
   <p:cSld>
     <p:spTree>
@@ -16508,7 +19043,7 @@
 </p:sld>
 </file>
 
-<file path=ppt/slides/slide18.xml><?xml version="1.0" encoding="utf-8"?>
+<file path=ppt/slides/slide25.xml><?xml version="1.0" encoding="utf-8"?>
 <p:sld xmlns:a="http://schemas.openxmlformats.org/drawingml/2006/main" xmlns:r="http://schemas.openxmlformats.org/officeDocument/2006/relationships" xmlns:p="http://schemas.openxmlformats.org/presentationml/2006/main">
   <p:cSld>
     <p:spTree>
@@ -16691,7 +19226,7 @@
 </p:sld>
 </file>
 
-<file path=ppt/slides/slide19.xml><?xml version="1.0" encoding="utf-8"?>
+<file path=ppt/slides/slide26.xml><?xml version="1.0" encoding="utf-8"?>
 <p:sld xmlns:a="http://schemas.openxmlformats.org/drawingml/2006/main" xmlns:r="http://schemas.openxmlformats.org/officeDocument/2006/relationships" xmlns:p="http://schemas.openxmlformats.org/presentationml/2006/main">
   <p:cSld>
     <p:spTree>
@@ -16794,110 +19329,7 @@
 </p:sld>
 </file>
 
-<file path=ppt/slides/slide2.xml><?xml version="1.0" encoding="utf-8"?>
-<p:sld xmlns:a="http://schemas.openxmlformats.org/drawingml/2006/main" xmlns:r="http://schemas.openxmlformats.org/officeDocument/2006/relationships" xmlns:p="http://schemas.openxmlformats.org/presentationml/2006/main">
-  <p:cSld>
-    <p:spTree>
-      <p:nvGrpSpPr>
-        <p:cNvPr id="1" name=""/>
-        <p:cNvGrpSpPr/>
-        <p:nvPr/>
-      </p:nvGrpSpPr>
-      <p:grpSpPr>
-        <a:xfrm>
-          <a:off x="0" y="0"/>
-          <a:ext cx="0" cy="0"/>
-          <a:chOff x="0" y="0"/>
-          <a:chExt cx="0" cy="0"/>
-        </a:xfrm>
-      </p:grpSpPr>
-      <p:sp>
-        <p:nvSpPr>
-          <p:cNvPr id="3" name="Объект 2"/>
-          <p:cNvSpPr>
-            <a:spLocks noGrp="1"/>
-          </p:cNvSpPr>
-          <p:nvPr>
-            <p:ph sz="quarter" idx="13"/>
-          </p:nvPr>
-        </p:nvSpPr>
-        <p:spPr/>
-        <p:txBody>
-          <a:bodyPr/>
-          <a:lstStyle/>
-          <a:p>
-            <a:r>
-              <a:rPr lang="ru-RU" dirty="0"/>
-              <a:t>Будет ли тест понятен </a:t>
-            </a:r>
-            <a:r>
-              <a:rPr lang="ru-RU" dirty="0" err="1"/>
-              <a:t>ревьюеру</a:t>
-            </a:r>
-            <a:r>
-              <a:rPr lang="ru-RU" dirty="0"/>
-              <a:t>?</a:t>
-            </a:r>
-          </a:p>
-          <a:p>
-            <a:r>
-              <a:rPr lang="ru-RU" dirty="0"/>
-              <a:t>Сможет ли </a:t>
-            </a:r>
-            <a:r>
-              <a:rPr lang="ru-RU" dirty="0" err="1"/>
-              <a:t>ревьюер</a:t>
-            </a:r>
-            <a:r>
-              <a:rPr lang="ru-RU" dirty="0"/>
-              <a:t> быстро убедиться в корректности теста?</a:t>
-            </a:r>
-          </a:p>
-        </p:txBody>
-      </p:sp>
-      <p:sp>
-        <p:nvSpPr>
-          <p:cNvPr id="2" name="Заголовок 1"/>
-          <p:cNvSpPr>
-            <a:spLocks noGrp="1"/>
-          </p:cNvSpPr>
-          <p:nvPr>
-            <p:ph type="title"/>
-          </p:nvPr>
-        </p:nvSpPr>
-        <p:spPr/>
-        <p:txBody>
-          <a:bodyPr/>
-          <a:lstStyle/>
-          <a:p>
-            <a:r>
-              <a:rPr lang="ru-RU" dirty="0"/>
-              <a:t>Доверие тестам</a:t>
-            </a:r>
-          </a:p>
-        </p:txBody>
-      </p:sp>
-    </p:spTree>
-    <p:extLst>
-      <p:ext uri="{BB962C8B-B14F-4D97-AF65-F5344CB8AC3E}">
-        <p14:creationId xmlns:p14="http://schemas.microsoft.com/office/powerpoint/2010/main" val="3622594535"/>
-      </p:ext>
-    </p:extLst>
-  </p:cSld>
-  <p:clrMapOvr>
-    <a:masterClrMapping/>
-  </p:clrMapOvr>
-  <p:timing>
-    <p:tnLst>
-      <p:par>
-        <p:cTn id="1" dur="indefinite" restart="never" nodeType="tmRoot"/>
-      </p:par>
-    </p:tnLst>
-  </p:timing>
-</p:sld>
-</file>
-
-<file path=ppt/slides/slide20.xml><?xml version="1.0" encoding="utf-8"?>
+<file path=ppt/slides/slide27.xml><?xml version="1.0" encoding="utf-8"?>
 <p:sld xmlns:a="http://schemas.openxmlformats.org/drawingml/2006/main" xmlns:r="http://schemas.openxmlformats.org/officeDocument/2006/relationships" xmlns:p="http://schemas.openxmlformats.org/presentationml/2006/main">
   <p:cSld>
     <p:spTree>
@@ -17444,6 +19876,109 @@
         </p:nvSpPr>
         <p:spPr/>
         <p:txBody>
+          <a:bodyPr/>
+          <a:lstStyle/>
+          <a:p>
+            <a:r>
+              <a:rPr lang="ru-RU" dirty="0"/>
+              <a:t>Будет ли тест понятен </a:t>
+            </a:r>
+            <a:r>
+              <a:rPr lang="ru-RU" dirty="0" err="1"/>
+              <a:t>ревьюеру</a:t>
+            </a:r>
+            <a:r>
+              <a:rPr lang="ru-RU" dirty="0"/>
+              <a:t>?</a:t>
+            </a:r>
+          </a:p>
+          <a:p>
+            <a:r>
+              <a:rPr lang="ru-RU" dirty="0"/>
+              <a:t>Сможет ли </a:t>
+            </a:r>
+            <a:r>
+              <a:rPr lang="ru-RU" dirty="0" err="1"/>
+              <a:t>ревьюер</a:t>
+            </a:r>
+            <a:r>
+              <a:rPr lang="ru-RU" dirty="0"/>
+              <a:t> быстро убедиться в корректности теста?</a:t>
+            </a:r>
+          </a:p>
+        </p:txBody>
+      </p:sp>
+      <p:sp>
+        <p:nvSpPr>
+          <p:cNvPr id="2" name="Заголовок 1"/>
+          <p:cNvSpPr>
+            <a:spLocks noGrp="1"/>
+          </p:cNvSpPr>
+          <p:nvPr>
+            <p:ph type="title"/>
+          </p:nvPr>
+        </p:nvSpPr>
+        <p:spPr/>
+        <p:txBody>
+          <a:bodyPr/>
+          <a:lstStyle/>
+          <a:p>
+            <a:r>
+              <a:rPr lang="ru-RU" dirty="0"/>
+              <a:t>Доверие тестам</a:t>
+            </a:r>
+          </a:p>
+        </p:txBody>
+      </p:sp>
+    </p:spTree>
+    <p:extLst>
+      <p:ext uri="{BB962C8B-B14F-4D97-AF65-F5344CB8AC3E}">
+        <p14:creationId xmlns:p14="http://schemas.microsoft.com/office/powerpoint/2010/main" val="3622594535"/>
+      </p:ext>
+    </p:extLst>
+  </p:cSld>
+  <p:clrMapOvr>
+    <a:masterClrMapping/>
+  </p:clrMapOvr>
+  <p:timing>
+    <p:tnLst>
+      <p:par>
+        <p:cTn id="1" dur="indefinite" restart="never" nodeType="tmRoot"/>
+      </p:par>
+    </p:tnLst>
+  </p:timing>
+</p:sld>
+</file>
+
+<file path=ppt/slides/slide4.xml><?xml version="1.0" encoding="utf-8"?>
+<p:sld xmlns:a="http://schemas.openxmlformats.org/drawingml/2006/main" xmlns:r="http://schemas.openxmlformats.org/officeDocument/2006/relationships" xmlns:p="http://schemas.openxmlformats.org/presentationml/2006/main">
+  <p:cSld>
+    <p:spTree>
+      <p:nvGrpSpPr>
+        <p:cNvPr id="1" name=""/>
+        <p:cNvGrpSpPr/>
+        <p:nvPr/>
+      </p:nvGrpSpPr>
+      <p:grpSpPr>
+        <a:xfrm>
+          <a:off x="0" y="0"/>
+          <a:ext cx="0" cy="0"/>
+          <a:chOff x="0" y="0"/>
+          <a:chExt cx="0" cy="0"/>
+        </a:xfrm>
+      </p:grpSpPr>
+      <p:sp>
+        <p:nvSpPr>
+          <p:cNvPr id="3" name="Объект 2"/>
+          <p:cNvSpPr>
+            <a:spLocks noGrp="1"/>
+          </p:cNvSpPr>
+          <p:nvPr>
+            <p:ph sz="quarter" idx="13"/>
+          </p:nvPr>
+        </p:nvSpPr>
+        <p:spPr/>
+        <p:txBody>
           <a:bodyPr>
             <a:normAutofit fontScale="70000" lnSpcReduction="20000"/>
           </a:bodyPr>
@@ -17831,7 +20366,7 @@
 </p:sld>
 </file>
 
-<file path=ppt/slides/slide4.xml><?xml version="1.0" encoding="utf-8"?>
+<file path=ppt/slides/slide5.xml><?xml version="1.0" encoding="utf-8"?>
 <p:sld xmlns:a="http://schemas.openxmlformats.org/drawingml/2006/main" xmlns:r="http://schemas.openxmlformats.org/officeDocument/2006/relationships" xmlns:p="http://schemas.openxmlformats.org/presentationml/2006/main">
   <p:cSld>
     <p:spTree>
@@ -18522,7 +21057,7 @@
 </p:sld>
 </file>
 
-<file path=ppt/slides/slide5.xml><?xml version="1.0" encoding="utf-8"?>
+<file path=ppt/slides/slide6.xml><?xml version="1.0" encoding="utf-8"?>
 <p:sld xmlns:a="http://schemas.openxmlformats.org/drawingml/2006/main" xmlns:r="http://schemas.openxmlformats.org/officeDocument/2006/relationships" xmlns:p="http://schemas.openxmlformats.org/presentationml/2006/main">
   <p:cSld>
     <p:spTree>
@@ -18934,7 +21469,7 @@
 </p:sld>
 </file>
 
-<file path=ppt/slides/slide6.xml><?xml version="1.0" encoding="utf-8"?>
+<file path=ppt/slides/slide7.xml><?xml version="1.0" encoding="utf-8"?>
 <p:sld xmlns:a="http://schemas.openxmlformats.org/drawingml/2006/main" xmlns:r="http://schemas.openxmlformats.org/officeDocument/2006/relationships" xmlns:p="http://schemas.openxmlformats.org/presentationml/2006/main">
   <p:cSld>
     <p:spTree>
@@ -19358,7 +21893,7 @@
 </p:sld>
 </file>
 
-<file path=ppt/slides/slide7.xml><?xml version="1.0" encoding="utf-8"?>
+<file path=ppt/slides/slide8.xml><?xml version="1.0" encoding="utf-8"?>
 <p:sld xmlns:a="http://schemas.openxmlformats.org/drawingml/2006/main" xmlns:r="http://schemas.openxmlformats.org/officeDocument/2006/relationships" xmlns:p="http://schemas.openxmlformats.org/presentationml/2006/main">
   <p:cSld>
     <p:spTree>
@@ -19523,7 +22058,7 @@
             <p:nvPr/>
           </p:nvPicPr>
           <p:blipFill>
-            <a:blip r:embed="rId2" cstate="print">
+            <a:blip r:embed="rId3" cstate="print">
               <a:duotone>
                 <a:schemeClr val="accent1">
                   <a:shade val="45000"/>
@@ -19846,90 +22381,6 @@
     <p:bldLst>
       <p:bldP spid="3" grpId="0" build="p"/>
     </p:bldLst>
-  </p:timing>
-</p:sld>
-</file>
-
-<file path=ppt/slides/slide8.xml><?xml version="1.0" encoding="utf-8"?>
-<p:sld xmlns:a="http://schemas.openxmlformats.org/drawingml/2006/main" xmlns:r="http://schemas.openxmlformats.org/officeDocument/2006/relationships" xmlns:p="http://schemas.openxmlformats.org/presentationml/2006/main">
-  <p:cSld>
-    <p:spTree>
-      <p:nvGrpSpPr>
-        <p:cNvPr id="1" name=""/>
-        <p:cNvGrpSpPr/>
-        <p:nvPr/>
-      </p:nvGrpSpPr>
-      <p:grpSpPr>
-        <a:xfrm>
-          <a:off x="0" y="0"/>
-          <a:ext cx="0" cy="0"/>
-          <a:chOff x="0" y="0"/>
-          <a:chExt cx="0" cy="0"/>
-        </a:xfrm>
-      </p:grpSpPr>
-      <p:sp>
-        <p:nvSpPr>
-          <p:cNvPr id="2" name="Заголовок 1"/>
-          <p:cNvSpPr>
-            <a:spLocks noGrp="1"/>
-          </p:cNvSpPr>
-          <p:nvPr>
-            <p:ph type="title"/>
-          </p:nvPr>
-        </p:nvSpPr>
-        <p:spPr/>
-        <p:txBody>
-          <a:bodyPr/>
-          <a:lstStyle/>
-          <a:p>
-            <a:pPr algn="ctr"/>
-            <a:r>
-              <a:rPr lang="ru-RU" dirty="0"/>
-              <a:t>Пример спецификации тестами</a:t>
-            </a:r>
-            <a:endParaRPr lang="en-US" dirty="0"/>
-          </a:p>
-        </p:txBody>
-      </p:sp>
-      <p:pic>
-        <p:nvPicPr>
-          <p:cNvPr id="5" name="Рисунок 4"/>
-          <p:cNvPicPr>
-            <a:picLocks noGrp="1" noChangeAspect="1"/>
-          </p:cNvPicPr>
-          <p:nvPr>
-            <p:ph type="pic" sz="quarter" idx="10"/>
-          </p:nvPr>
-        </p:nvPicPr>
-        <p:blipFill rotWithShape="1">
-          <a:blip r:embed="rId2">
-            <a:extLst>
-              <a:ext uri="{28A0092B-C50C-407E-A947-70E740481C1C}">
-                <a14:useLocalDpi xmlns:a14="http://schemas.microsoft.com/office/drawing/2010/main" val="0"/>
-              </a:ext>
-            </a:extLst>
-          </a:blip>
-          <a:srcRect l="-19597" r="-19597"/>
-          <a:stretch/>
-        </p:blipFill>
-        <p:spPr/>
-      </p:pic>
-    </p:spTree>
-    <p:extLst>
-      <p:ext uri="{BB962C8B-B14F-4D97-AF65-F5344CB8AC3E}">
-        <p14:creationId xmlns:p14="http://schemas.microsoft.com/office/powerpoint/2010/main" val="768219975"/>
-      </p:ext>
-    </p:extLst>
-  </p:cSld>
-  <p:clrMapOvr>
-    <a:masterClrMapping/>
-  </p:clrMapOvr>
-  <p:timing>
-    <p:tnLst>
-      <p:par>
-        <p:cTn id="1" dur="indefinite" restart="never" nodeType="tmRoot"/>
-      </p:par>
-    </p:tnLst>
   </p:timing>
 </p:sld>
 </file>

--- a/testing.pptx
+++ b/testing.pptx
@@ -6,29 +6,36 @@
     <p:sldMasterId id="2147483811" r:id="rId2"/>
   </p:sldMasterIdLst>
   <p:notesMasterIdLst>
-    <p:notesMasterId r:id="rId23"/>
+    <p:notesMasterId r:id="rId30"/>
   </p:notesMasterIdLst>
   <p:sldIdLst>
     <p:sldId id="373" r:id="rId3"/>
-    <p:sldId id="366" r:id="rId4"/>
-    <p:sldId id="367" r:id="rId5"/>
-    <p:sldId id="368" r:id="rId6"/>
-    <p:sldId id="369" r:id="rId7"/>
-    <p:sldId id="370" r:id="rId8"/>
-    <p:sldId id="371" r:id="rId9"/>
-    <p:sldId id="376" r:id="rId10"/>
+    <p:sldId id="385" r:id="rId4"/>
+    <p:sldId id="366" r:id="rId5"/>
+    <p:sldId id="367" r:id="rId6"/>
+    <p:sldId id="368" r:id="rId7"/>
+    <p:sldId id="369" r:id="rId8"/>
+    <p:sldId id="370" r:id="rId9"/>
+    <p:sldId id="371" r:id="rId10"/>
     <p:sldId id="307" r:id="rId11"/>
     <p:sldId id="374" r:id="rId12"/>
     <p:sldId id="339" r:id="rId13"/>
-    <p:sldId id="338" r:id="rId14"/>
-    <p:sldId id="383" r:id="rId15"/>
-    <p:sldId id="378" r:id="rId16"/>
-    <p:sldId id="384" r:id="rId17"/>
-    <p:sldId id="377" r:id="rId18"/>
-    <p:sldId id="382" r:id="rId19"/>
-    <p:sldId id="379" r:id="rId20"/>
-    <p:sldId id="380" r:id="rId21"/>
-    <p:sldId id="381" r:id="rId22"/>
+    <p:sldId id="386" r:id="rId14"/>
+    <p:sldId id="387" r:id="rId15"/>
+    <p:sldId id="388" r:id="rId16"/>
+    <p:sldId id="338" r:id="rId17"/>
+    <p:sldId id="376" r:id="rId18"/>
+    <p:sldId id="389" r:id="rId19"/>
+    <p:sldId id="390" r:id="rId20"/>
+    <p:sldId id="391" r:id="rId21"/>
+    <p:sldId id="383" r:id="rId22"/>
+    <p:sldId id="378" r:id="rId23"/>
+    <p:sldId id="384" r:id="rId24"/>
+    <p:sldId id="377" r:id="rId25"/>
+    <p:sldId id="382" r:id="rId26"/>
+    <p:sldId id="379" r:id="rId27"/>
+    <p:sldId id="380" r:id="rId28"/>
+    <p:sldId id="381" r:id="rId29"/>
   </p:sldIdLst>
   <p:sldSz cx="12192000" cy="6858000"/>
   <p:notesSz cx="6858000" cy="9144000"/>
@@ -133,6 +140,7 @@
         <p14:section name="Вступление" id="{C0B33B54-0327-40A8-BA91-635679EF4343}">
           <p14:sldIdLst>
             <p14:sldId id="373"/>
+            <p14:sldId id="385"/>
           </p14:sldIdLst>
         </p14:section>
         <p14:section name="Тесты как спецификация" id="{098AA2A7-86A6-4C3C-8BAC-4427CA36CEDC}">
@@ -143,7 +151,6 @@
             <p14:sldId id="369"/>
             <p14:sldId id="370"/>
             <p14:sldId id="371"/>
-            <p14:sldId id="376"/>
             <p14:sldId id="307"/>
           </p14:sldIdLst>
         </p14:section>
@@ -151,7 +158,14 @@
           <p14:sldIdLst>
             <p14:sldId id="374"/>
             <p14:sldId id="339"/>
+            <p14:sldId id="386"/>
+            <p14:sldId id="387"/>
+            <p14:sldId id="388"/>
             <p14:sldId id="338"/>
+            <p14:sldId id="376"/>
+            <p14:sldId id="389"/>
+            <p14:sldId id="390"/>
+            <p14:sldId id="391"/>
             <p14:sldId id="383"/>
             <p14:sldId id="378"/>
             <p14:sldId id="384"/>
@@ -2960,6 +2974,117 @@
       <dsp:cNvGrpSpPr/>
     </dsp:nvGrpSpPr>
     <dsp:grpSpPr/>
+    <dsp:sp modelId="{B29ABF60-EC0F-45AD-A90E-9C76D15C2F14}">
+      <dsp:nvSpPr>
+        <dsp:cNvPr id="0" name=""/>
+        <dsp:cNvSpPr/>
+      </dsp:nvSpPr>
+      <dsp:spPr>
+        <a:xfrm>
+          <a:off x="1748174" y="210303"/>
+          <a:ext cx="175586" cy="38914"/>
+        </a:xfrm>
+        <a:prstGeom prst="rect">
+          <a:avLst/>
+        </a:prstGeom>
+        <a:noFill/>
+        <a:ln>
+          <a:noFill/>
+        </a:ln>
+        <a:effectLst/>
+      </dsp:spPr>
+      <dsp:style>
+        <a:lnRef idx="0">
+          <a:scrgbClr r="0" g="0" b="0"/>
+        </a:lnRef>
+        <a:fillRef idx="0">
+          <a:scrgbClr r="0" g="0" b="0"/>
+        </a:fillRef>
+        <a:effectRef idx="0">
+          <a:scrgbClr r="0" g="0" b="0"/>
+        </a:effectRef>
+        <a:fontRef idx="minor"/>
+      </dsp:style>
+      <dsp:txBody>
+        <a:bodyPr spcFirstLastPara="0" vert="horz" wrap="square" lIns="0" tIns="19050" rIns="19050" bIns="0" numCol="1" spcCol="1270" anchor="t" anchorCtr="0">
+          <a:noAutofit/>
+        </a:bodyPr>
+        <a:lstStyle/>
+        <a:p>
+          <a:pPr lvl="0" algn="l" defTabSz="222250">
+            <a:lnSpc>
+              <a:spcPct val="90000"/>
+            </a:lnSpc>
+            <a:spcBef>
+              <a:spcPct val="0"/>
+            </a:spcBef>
+            <a:spcAft>
+              <a:spcPct val="35000"/>
+            </a:spcAft>
+          </a:pPr>
+          <a:r>
+            <a:rPr lang="ru-RU" sz="500" kern="1200" dirty="0"/>
+            <a:t> </a:t>
+          </a:r>
+        </a:p>
+      </dsp:txBody>
+      <dsp:txXfrm>
+        <a:off x="1748174" y="210303"/>
+        <a:ext cx="175586" cy="38914"/>
+      </dsp:txXfrm>
+    </dsp:sp>
+    <dsp:sp modelId="{61EB78D8-69FF-471D-8FEB-71388C442F55}">
+      <dsp:nvSpPr>
+        <dsp:cNvPr id="0" name=""/>
+        <dsp:cNvSpPr/>
+      </dsp:nvSpPr>
+      <dsp:spPr>
+        <a:xfrm>
+          <a:off x="0" y="0"/>
+          <a:ext cx="1980001" cy="381600"/>
+        </a:xfrm>
+        <a:prstGeom prst="rect">
+          <a:avLst/>
+        </a:prstGeom>
+        <a:blipFill>
+          <a:blip xmlns:r="http://schemas.openxmlformats.org/officeDocument/2006/relationships" r:embed="rId1">
+            <a:extLst>
+              <a:ext uri="{28A0092B-C50C-407E-A947-70E740481C1C}">
+                <a14:useLocalDpi xmlns:a14="http://schemas.microsoft.com/office/drawing/2010/main" val="0"/>
+              </a:ext>
+            </a:extLst>
+          </a:blip>
+          <a:srcRect/>
+          <a:stretch>
+            <a:fillRect l="-1000" r="-1000"/>
+          </a:stretch>
+        </a:blipFill>
+        <a:ln w="25400" cap="flat" cmpd="sng" algn="ctr">
+          <a:solidFill>
+            <a:schemeClr val="lt1">
+              <a:hueOff val="0"/>
+              <a:satOff val="0"/>
+              <a:lumOff val="0"/>
+              <a:alphaOff val="0"/>
+            </a:schemeClr>
+          </a:solidFill>
+          <a:prstDash val="solid"/>
+        </a:ln>
+        <a:effectLst/>
+      </dsp:spPr>
+      <dsp:style>
+        <a:lnRef idx="2">
+          <a:scrgbClr r="0" g="0" b="0"/>
+        </a:lnRef>
+        <a:fillRef idx="1">
+          <a:scrgbClr r="0" g="0" b="0"/>
+        </a:fillRef>
+        <a:effectRef idx="0">
+          <a:scrgbClr r="0" g="0" b="0"/>
+        </a:effectRef>
+        <a:fontRef idx="minor"/>
+      </dsp:style>
+    </dsp:sp>
   </dsp:spTree>
 </dsp:drawing>
 </file>
@@ -2972,6 +3097,127 @@
       <dsp:cNvGrpSpPr/>
     </dsp:nvGrpSpPr>
     <dsp:grpSpPr/>
+    <dsp:sp modelId="{A30F2283-C0A4-4A69-BCBE-833D967155A2}">
+      <dsp:nvSpPr>
+        <dsp:cNvPr id="0" name=""/>
+        <dsp:cNvSpPr/>
+      </dsp:nvSpPr>
+      <dsp:spPr>
+        <a:xfrm>
+          <a:off x="469735" y="1146225"/>
+          <a:ext cx="2927097" cy="509149"/>
+        </a:xfrm>
+        <a:prstGeom prst="rect">
+          <a:avLst/>
+        </a:prstGeom>
+        <a:noFill/>
+        <a:ln>
+          <a:noFill/>
+        </a:ln>
+        <a:effectLst/>
+      </dsp:spPr>
+      <dsp:style>
+        <a:lnRef idx="0">
+          <a:scrgbClr r="0" g="0" b="0"/>
+        </a:lnRef>
+        <a:fillRef idx="0">
+          <a:scrgbClr r="0" g="0" b="0"/>
+        </a:fillRef>
+        <a:effectRef idx="0">
+          <a:scrgbClr r="0" g="0" b="0"/>
+        </a:effectRef>
+        <a:fontRef idx="minor"/>
+      </dsp:style>
+      <dsp:txBody>
+        <a:bodyPr spcFirstLastPara="0" vert="horz" wrap="square" lIns="0" tIns="152400" rIns="152400" bIns="0" numCol="1" spcCol="1270" anchor="b" anchorCtr="0">
+          <a:noAutofit/>
+        </a:bodyPr>
+        <a:lstStyle/>
+        <a:p>
+          <a:pPr lvl="0" algn="ctr" defTabSz="1778000">
+            <a:lnSpc>
+              <a:spcPct val="90000"/>
+            </a:lnSpc>
+            <a:spcBef>
+              <a:spcPct val="0"/>
+            </a:spcBef>
+            <a:spcAft>
+              <a:spcPct val="35000"/>
+            </a:spcAft>
+          </a:pPr>
+          <a:r>
+            <a:rPr lang="ru-RU" sz="4000" kern="1200" dirty="0">
+              <a:solidFill>
+                <a:schemeClr val="accent1"/>
+              </a:solidFill>
+            </a:rPr>
+            <a:t>ВОПРОСЫ</a:t>
+          </a:r>
+          <a:r>
+            <a:rPr lang="en-US" sz="4000" kern="1200" dirty="0">
+              <a:solidFill>
+                <a:schemeClr val="accent1"/>
+              </a:solidFill>
+            </a:rPr>
+            <a:t>?</a:t>
+          </a:r>
+          <a:endParaRPr lang="ru-RU" sz="4000" kern="1200" dirty="0">
+            <a:solidFill>
+              <a:schemeClr val="accent1"/>
+            </a:solidFill>
+          </a:endParaRPr>
+        </a:p>
+      </dsp:txBody>
+      <dsp:txXfrm>
+        <a:off x="469735" y="1146225"/>
+        <a:ext cx="2927097" cy="509149"/>
+      </dsp:txXfrm>
+    </dsp:sp>
+    <dsp:sp modelId="{DFDA3CA3-5C68-4A2F-A4A8-285063A35D87}">
+      <dsp:nvSpPr>
+        <dsp:cNvPr id="0" name=""/>
+        <dsp:cNvSpPr/>
+      </dsp:nvSpPr>
+      <dsp:spPr>
+        <a:xfrm>
+          <a:off x="1521700" y="91137"/>
+          <a:ext cx="849599" cy="849599"/>
+        </a:xfrm>
+        <a:prstGeom prst="rect">
+          <a:avLst/>
+        </a:prstGeom>
+        <a:blipFill>
+          <a:blip xmlns:r="http://schemas.openxmlformats.org/officeDocument/2006/relationships" r:embed="rId1">
+            <a:extLst>
+              <a:ext uri="{28A0092B-C50C-407E-A947-70E740481C1C}">
+                <a14:useLocalDpi xmlns:a14="http://schemas.microsoft.com/office/drawing/2010/main" val="0"/>
+              </a:ext>
+            </a:extLst>
+          </a:blip>
+          <a:srcRect/>
+          <a:stretch>
+            <a:fillRect/>
+          </a:stretch>
+        </a:blipFill>
+        <a:ln w="0" cap="flat" cmpd="sng" algn="ctr">
+          <a:noFill/>
+          <a:prstDash val="solid"/>
+        </a:ln>
+        <a:effectLst/>
+      </dsp:spPr>
+      <dsp:style>
+        <a:lnRef idx="2">
+          <a:scrgbClr r="0" g="0" b="0"/>
+        </a:lnRef>
+        <a:fillRef idx="1">
+          <a:scrgbClr r="0" g="0" b="0"/>
+        </a:fillRef>
+        <a:effectRef idx="0">
+          <a:scrgbClr r="0" g="0" b="0"/>
+        </a:effectRef>
+        <a:fontRef idx="minor"/>
+      </dsp:style>
+    </dsp:sp>
   </dsp:spTree>
 </dsp:drawing>
 </file>
@@ -6958,7 +7204,7 @@
           <a:p>
             <a:fld id="{16E5F246-0B7D-44DF-8C1B-EDFCA5DA626A}" type="datetimeFigureOut">
               <a:rPr lang="ru-RU" smtClean="0"/>
-              <a:t>26.08.2017</a:t>
+              <a:t>04.10.2017</a:t>
             </a:fld>
             <a:endParaRPr lang="ru-RU"/>
           </a:p>
@@ -7414,22 +7660,6 @@
           <a:bodyPr/>
           <a:lstStyle/>
           <a:p>
-            <a:r>
-              <a:rPr lang="ru-RU" dirty="0" smtClean="0"/>
-              <a:t>Неочевидный</a:t>
-            </a:r>
-            <a:r>
-              <a:rPr lang="ru-RU" baseline="0" dirty="0" smtClean="0"/>
-              <a:t> синтаксис у </a:t>
-            </a:r>
-            <a:r>
-              <a:rPr lang="en-US" baseline="0" dirty="0" smtClean="0"/>
-              <a:t>Assert</a:t>
-            </a:r>
-            <a:r>
-              <a:rPr lang="ru-RU" baseline="0" dirty="0" smtClean="0"/>
-              <a:t>.</a:t>
-            </a:r>
             <a:endParaRPr lang="ru-RU" dirty="0"/>
           </a:p>
         </p:txBody>
@@ -7451,7 +7681,7 @@
           <a:p>
             <a:fld id="{3BAECB10-9972-4830-A584-02C41DAFD45B}" type="slidenum">
               <a:rPr lang="ru-RU" smtClean="0"/>
-              <a:t>14</a:t>
+              <a:t>11</a:t>
             </a:fld>
             <a:endParaRPr lang="ru-RU"/>
           </a:p>
@@ -7460,7 +7690,7 @@
     </p:spTree>
     <p:extLst>
       <p:ext uri="{BB962C8B-B14F-4D97-AF65-F5344CB8AC3E}">
-        <p14:creationId xmlns:p14="http://schemas.microsoft.com/office/powerpoint/2010/main" val="2355226439"/>
+        <p14:creationId xmlns:p14="http://schemas.microsoft.com/office/powerpoint/2010/main" val="1538534830"/>
       </p:ext>
     </p:extLst>
   </p:cSld>
@@ -7516,90 +7746,49 @@
           <a:p>
             <a:r>
               <a:rPr lang="en-US" dirty="0" smtClean="0"/>
-              <a:t>Options</a:t>
+              <a:t>Spoiler Alert</a:t>
+            </a:r>
+            <a:r>
+              <a:rPr lang="ru-RU" dirty="0" smtClean="0"/>
+              <a:t>!</a:t>
+            </a:r>
+            <a:r>
+              <a:rPr lang="ru-RU" baseline="0" dirty="0" smtClean="0"/>
+              <a:t> Блок «</a:t>
             </a:r>
             <a:r>
               <a:rPr lang="en-US" baseline="0" dirty="0" smtClean="0"/>
-              <a:t> </a:t>
+              <a:t>Mock and Stub</a:t>
             </a:r>
             <a:r>
               <a:rPr lang="ru-RU" baseline="0" dirty="0" smtClean="0"/>
-              <a:t>лучше читается, но можно и просто </a:t>
+              <a:t>»</a:t>
+            </a:r>
+          </a:p>
+          <a:p>
+            <a:r>
+              <a:rPr lang="ru-RU" baseline="0" dirty="0" smtClean="0"/>
+              <a:t>На этом слайде мы видим </a:t>
             </a:r>
             <a:r>
               <a:rPr lang="en-US" baseline="0" dirty="0" smtClean="0"/>
-              <a:t>o =&gt; o….</a:t>
-            </a:r>
-          </a:p>
-          <a:p>
+              <a:t>setup</a:t>
+            </a:r>
+            <a:r>
+              <a:rPr lang="ru-RU" baseline="0" dirty="0" smtClean="0"/>
+              <a:t> для функциональных тестов с созданием </a:t>
+            </a:r>
+            <a:r>
+              <a:rPr lang="ru-RU" baseline="0" dirty="0" err="1" smtClean="0"/>
+              <a:t>Моков</a:t>
+            </a:r>
+            <a:r>
+              <a:rPr lang="ru-RU" baseline="0" dirty="0" smtClean="0"/>
+              <a:t> к основным внутренним сервисам.</a:t>
+            </a:r>
             <a:endParaRPr lang="en-US" baseline="0" dirty="0" smtClean="0"/>
           </a:p>
           <a:p>
-            <a:r>
-              <a:rPr lang="en-US" baseline="0" dirty="0" err="1" smtClean="0"/>
-              <a:t>currentSyntax</a:t>
-            </a:r>
-            <a:r>
-              <a:rPr lang="en-US" baseline="0" dirty="0" smtClean="0"/>
-              <a:t> =&gt; </a:t>
-            </a:r>
-          </a:p>
-          <a:p>
-            <a:endParaRPr lang="en-US" baseline="0" dirty="0" smtClean="0"/>
-          </a:p>
-          <a:p>
-            <a:pPr marL="171450" indent="-171450">
-              <a:buFont typeface="Arial" panose="020B0604020202020204" pitchFamily="34" charset="0"/>
-              <a:buChar char="•"/>
-            </a:pPr>
-            <a:r>
-              <a:rPr lang="en-US" dirty="0" smtClean="0"/>
-              <a:t>new[] {1,2,3}.</a:t>
-            </a:r>
-            <a:r>
-              <a:rPr lang="en-US" dirty="0" err="1" smtClean="0"/>
-              <a:t>ShouldBeEquivalentTo</a:t>
-            </a:r>
-            <a:r>
-              <a:rPr lang="en-US" dirty="0" smtClean="0"/>
-              <a:t>(new [] {3,2,1});</a:t>
-            </a:r>
-          </a:p>
-          <a:p>
-            <a:pPr marL="171450" indent="-171450">
-              <a:buFont typeface="Arial" panose="020B0604020202020204" pitchFamily="34" charset="0"/>
-              <a:buChar char="•"/>
-            </a:pPr>
-            <a:r>
-              <a:rPr lang="en-US" dirty="0" smtClean="0"/>
-              <a:t>new[] {1,2,3}.</a:t>
-            </a:r>
-            <a:r>
-              <a:rPr lang="en-US" dirty="0" err="1" smtClean="0"/>
-              <a:t>ShouldAllBeEquivalentTo</a:t>
-            </a:r>
-            <a:r>
-              <a:rPr lang="en-US" dirty="0" smtClean="0"/>
-              <a:t>(new [] {1,2,3}, options =&gt; options</a:t>
-            </a:r>
-          </a:p>
-          <a:p>
-            <a:pPr marL="457200" lvl="1" indent="0">
-              <a:buFont typeface="Arial" panose="020B0604020202020204" pitchFamily="34" charset="0"/>
-              <a:buNone/>
-            </a:pPr>
-            <a:r>
-              <a:rPr lang="en-US" dirty="0" smtClean="0"/>
-              <a:t>.</a:t>
-            </a:r>
-            <a:r>
-              <a:rPr lang="en-US" dirty="0" err="1" smtClean="0"/>
-              <a:t>WithStrictOrdering</a:t>
-            </a:r>
-            <a:r>
-              <a:rPr lang="en-US" dirty="0" smtClean="0"/>
-              <a:t>());</a:t>
-            </a:r>
             <a:endParaRPr lang="ru-RU" baseline="0" dirty="0" smtClean="0"/>
           </a:p>
         </p:txBody>
@@ -7621,7 +7810,7 @@
           <a:p>
             <a:fld id="{3BAECB10-9972-4830-A584-02C41DAFD45B}" type="slidenum">
               <a:rPr lang="ru-RU" smtClean="0"/>
-              <a:t>15</a:t>
+              <a:t>12</a:t>
             </a:fld>
             <a:endParaRPr lang="ru-RU"/>
           </a:p>
@@ -7630,7 +7819,7 @@
     </p:spTree>
     <p:extLst>
       <p:ext uri="{BB962C8B-B14F-4D97-AF65-F5344CB8AC3E}">
-        <p14:creationId xmlns:p14="http://schemas.microsoft.com/office/powerpoint/2010/main" val="308928937"/>
+        <p14:creationId xmlns:p14="http://schemas.microsoft.com/office/powerpoint/2010/main" val="2577220445"/>
       </p:ext>
     </p:extLst>
   </p:cSld>
@@ -7686,16 +7875,17 @@
           <a:p>
             <a:r>
               <a:rPr lang="en-US" dirty="0" err="1" smtClean="0"/>
-              <a:t>Resharper</a:t>
+              <a:t>TearDown</a:t>
             </a:r>
             <a:r>
               <a:rPr lang="en-US" baseline="0" dirty="0" smtClean="0"/>
-              <a:t>’</a:t>
+              <a:t> </a:t>
             </a:r>
             <a:r>
               <a:rPr lang="ru-RU" baseline="0" dirty="0" smtClean="0"/>
-              <a:t>ом, как и любым инструментом, нужно уметь пользоваться, чтобы работать эффективно.</a:t>
-            </a:r>
+              <a:t>обычно содержит в себе методы для «зачистки» за собой.</a:t>
+            </a:r>
+            <a:endParaRPr lang="ru-RU" dirty="0"/>
           </a:p>
         </p:txBody>
       </p:sp>
@@ -7716,7 +7906,7 @@
           <a:p>
             <a:fld id="{3BAECB10-9972-4830-A584-02C41DAFD45B}" type="slidenum">
               <a:rPr lang="ru-RU" smtClean="0"/>
-              <a:t>16</a:t>
+              <a:t>13</a:t>
             </a:fld>
             <a:endParaRPr lang="ru-RU"/>
           </a:p>
@@ -7725,7 +7915,7 @@
     </p:spTree>
     <p:extLst>
       <p:ext uri="{BB962C8B-B14F-4D97-AF65-F5344CB8AC3E}">
-        <p14:creationId xmlns:p14="http://schemas.microsoft.com/office/powerpoint/2010/main" val="890883594"/>
+        <p14:creationId xmlns:p14="http://schemas.microsoft.com/office/powerpoint/2010/main" val="45005637"/>
       </p:ext>
     </p:extLst>
   </p:cSld>
@@ -7780,14 +7970,76 @@
           <a:lstStyle/>
           <a:p>
             <a:r>
-              <a:rPr lang="ru-RU" dirty="0"/>
-              <a:t>Мартовский</a:t>
-            </a:r>
-            <a:r>
-              <a:rPr lang="ru-RU" baseline="0" dirty="0"/>
-              <a:t> кролик написал кучу реализаций, но не успел написать тесты…</a:t>
-            </a:r>
-            <a:endParaRPr lang="en-US" dirty="0"/>
+              <a:rPr lang="ru-RU" dirty="0" smtClean="0"/>
+              <a:t>Это</a:t>
+            </a:r>
+            <a:r>
+              <a:rPr lang="ru-RU" baseline="0" dirty="0" smtClean="0"/>
+              <a:t> </a:t>
+            </a:r>
+            <a:r>
+              <a:rPr lang="en-US" baseline="0" dirty="0" err="1" smtClean="0"/>
+              <a:t>ObjectMother</a:t>
+            </a:r>
+            <a:r>
+              <a:rPr lang="ru-RU" baseline="0" dirty="0" smtClean="0"/>
+              <a:t>.</a:t>
+            </a:r>
+          </a:p>
+          <a:p>
+            <a:r>
+              <a:rPr lang="ru-RU" baseline="0" dirty="0" smtClean="0"/>
+              <a:t>Сначала определяется </a:t>
+            </a:r>
+            <a:r>
+              <a:rPr lang="en-US" baseline="0" dirty="0" err="1" smtClean="0"/>
+              <a:t>var</a:t>
+            </a:r>
+            <a:r>
+              <a:rPr lang="en-US" baseline="0" dirty="0" smtClean="0"/>
+              <a:t> a = </a:t>
+            </a:r>
+            <a:r>
+              <a:rPr lang="en-US" baseline="0" dirty="0" err="1" smtClean="0"/>
+              <a:t>GenerateSubmissionMeta</a:t>
+            </a:r>
+            <a:r>
+              <a:rPr lang="en-US" baseline="0" dirty="0" smtClean="0"/>
+              <a:t>()</a:t>
+            </a:r>
+            <a:r>
+              <a:rPr lang="ru-RU" baseline="0" dirty="0" smtClean="0"/>
+              <a:t>, а затем в а дописываются/изменяются поля, которые мы хотим проверить.</a:t>
+            </a:r>
+          </a:p>
+          <a:p>
+            <a:endParaRPr lang="ru-RU" baseline="0" dirty="0" smtClean="0"/>
+          </a:p>
+          <a:p>
+            <a:r>
+              <a:rPr lang="en-US" baseline="0" dirty="0" err="1" smtClean="0"/>
+              <a:t>TestDataBuilder</a:t>
+            </a:r>
+            <a:r>
+              <a:rPr lang="en-US" baseline="0" dirty="0" smtClean="0"/>
+              <a:t> </a:t>
+            </a:r>
+            <a:r>
+              <a:rPr lang="ru-RU" baseline="0" dirty="0" smtClean="0"/>
+              <a:t>-</a:t>
+            </a:r>
+            <a:r>
+              <a:rPr lang="en-US" baseline="0" dirty="0" smtClean="0"/>
+              <a:t>&gt; </a:t>
+            </a:r>
+            <a:r>
+              <a:rPr lang="en-US" baseline="0" dirty="0" err="1" smtClean="0"/>
+              <a:t>TestUserBuilder.cs</a:t>
+            </a:r>
+            <a:endParaRPr lang="en-US" baseline="0" dirty="0" smtClean="0"/>
+          </a:p>
+          <a:p>
+            <a:endParaRPr lang="en-US" baseline="0" dirty="0" smtClean="0"/>
           </a:p>
         </p:txBody>
       </p:sp>
@@ -7808,7 +8060,7 @@
           <a:p>
             <a:fld id="{3BAECB10-9972-4830-A584-02C41DAFD45B}" type="slidenum">
               <a:rPr lang="ru-RU" smtClean="0"/>
-              <a:t>17</a:t>
+              <a:t>14</a:t>
             </a:fld>
             <a:endParaRPr lang="ru-RU"/>
           </a:p>
@@ -7817,7 +8069,7 @@
     </p:spTree>
     <p:extLst>
       <p:ext uri="{BB962C8B-B14F-4D97-AF65-F5344CB8AC3E}">
-        <p14:creationId xmlns:p14="http://schemas.microsoft.com/office/powerpoint/2010/main" val="2782064311"/>
+        <p14:creationId xmlns:p14="http://schemas.microsoft.com/office/powerpoint/2010/main" val="3802465497"/>
       </p:ext>
     </p:extLst>
   </p:cSld>
@@ -7871,7 +8123,522 @@
           <a:bodyPr/>
           <a:lstStyle/>
           <a:p>
-            <a:endParaRPr lang="ru-RU" dirty="0"/>
+            <a:pPr marL="0" marR="0" lvl="0" indent="0" algn="l" defTabSz="914400" rtl="0" eaLnBrk="1" fontAlgn="auto" latinLnBrk="0" hangingPunct="1">
+              <a:lnSpc>
+                <a:spcPct val="100000"/>
+              </a:lnSpc>
+              <a:spcBef>
+                <a:spcPts val="0"/>
+              </a:spcBef>
+              <a:spcAft>
+                <a:spcPts val="0"/>
+              </a:spcAft>
+              <a:buClrTx/>
+              <a:buSzTx/>
+              <a:buFontTx/>
+              <a:buNone/>
+              <a:tabLst/>
+              <a:defRPr/>
+            </a:pPr>
+            <a:endParaRPr lang="ru-RU" dirty="0" smtClean="0"/>
+          </a:p>
+          <a:p>
+            <a:pPr marL="0" marR="0" lvl="0" indent="0" algn="l" defTabSz="914400" rtl="0" eaLnBrk="1" fontAlgn="auto" latinLnBrk="0" hangingPunct="1">
+              <a:lnSpc>
+                <a:spcPct val="100000"/>
+              </a:lnSpc>
+              <a:spcBef>
+                <a:spcPts val="0"/>
+              </a:spcBef>
+              <a:spcAft>
+                <a:spcPts val="0"/>
+              </a:spcAft>
+              <a:buClrTx/>
+              <a:buSzTx/>
+              <a:buFontTx/>
+              <a:buNone/>
+              <a:tabLst/>
+              <a:defRPr/>
+            </a:pPr>
+            <a:r>
+              <a:rPr lang="ru-RU" dirty="0" err="1" smtClean="0"/>
+              <a:t>Аттрибуты</a:t>
+            </a:r>
+            <a:r>
+              <a:rPr lang="ru-RU" dirty="0" smtClean="0"/>
+              <a:t> </a:t>
+            </a:r>
+            <a:r>
+              <a:rPr lang="en-US" dirty="0" err="1" smtClean="0"/>
+              <a:t>TestCase</a:t>
+            </a:r>
+            <a:r>
+              <a:rPr lang="ru-RU" dirty="0" smtClean="0"/>
+              <a:t> и</a:t>
+            </a:r>
+            <a:r>
+              <a:rPr lang="en-US" dirty="0" smtClean="0"/>
+              <a:t> </a:t>
+            </a:r>
+            <a:r>
+              <a:rPr lang="en-US" dirty="0" err="1" smtClean="0"/>
+              <a:t>TestCaseSource</a:t>
+            </a:r>
+            <a:r>
+              <a:rPr lang="ru-RU" dirty="0" smtClean="0"/>
+              <a:t> в </a:t>
+            </a:r>
+            <a:r>
+              <a:rPr lang="en-US" dirty="0" err="1" smtClean="0"/>
+              <a:t>nUnit</a:t>
+            </a:r>
+            <a:endParaRPr lang="en-US" dirty="0" smtClean="0"/>
+          </a:p>
+          <a:p>
+            <a:pPr marL="0" marR="0" lvl="0" indent="0" algn="l" defTabSz="914400" rtl="0" eaLnBrk="1" fontAlgn="auto" latinLnBrk="0" hangingPunct="1">
+              <a:lnSpc>
+                <a:spcPct val="100000"/>
+              </a:lnSpc>
+              <a:spcBef>
+                <a:spcPts val="0"/>
+              </a:spcBef>
+              <a:spcAft>
+                <a:spcPts val="0"/>
+              </a:spcAft>
+              <a:buClrTx/>
+              <a:buSzTx/>
+              <a:buFontTx/>
+              <a:buNone/>
+              <a:tabLst/>
+              <a:defRPr/>
+            </a:pPr>
+            <a:endParaRPr lang="ru-RU" dirty="0" smtClean="0"/>
+          </a:p>
+          <a:p>
+            <a:pPr marL="0" marR="0" lvl="0" indent="0" algn="l" defTabSz="914400" rtl="0" eaLnBrk="1" fontAlgn="auto" latinLnBrk="0" hangingPunct="1">
+              <a:lnSpc>
+                <a:spcPct val="100000"/>
+              </a:lnSpc>
+              <a:spcBef>
+                <a:spcPts val="0"/>
+              </a:spcBef>
+              <a:spcAft>
+                <a:spcPts val="0"/>
+              </a:spcAft>
+              <a:buClrTx/>
+              <a:buSzTx/>
+              <a:buFontTx/>
+              <a:buNone/>
+              <a:tabLst/>
+              <a:defRPr/>
+            </a:pPr>
+            <a:r>
+              <a:rPr lang="ru-RU" dirty="0" smtClean="0"/>
+              <a:t>Ещё</a:t>
+            </a:r>
+            <a:r>
+              <a:rPr lang="ru-RU" baseline="0" dirty="0" smtClean="0"/>
+              <a:t> </a:t>
+            </a:r>
+            <a:r>
+              <a:rPr lang="en-US" baseline="0" dirty="0" err="1" smtClean="0"/>
+              <a:t>nUnit</a:t>
+            </a:r>
+            <a:r>
+              <a:rPr lang="en-US" baseline="0" dirty="0" smtClean="0"/>
+              <a:t> </a:t>
+            </a:r>
+            <a:r>
+              <a:rPr lang="ru-RU" baseline="0" dirty="0" smtClean="0"/>
+              <a:t>умеет такие классные штуки, которые не умеют другие </a:t>
+            </a:r>
+            <a:r>
+              <a:rPr lang="ru-RU" baseline="0" dirty="0" err="1" smtClean="0"/>
+              <a:t>фреймворки</a:t>
+            </a:r>
+            <a:r>
+              <a:rPr lang="ru-RU" baseline="0" dirty="0" smtClean="0"/>
+              <a:t> =</a:t>
+            </a:r>
+            <a:r>
+              <a:rPr lang="en-US" baseline="0" dirty="0" smtClean="0"/>
+              <a:t>&gt; </a:t>
+            </a:r>
+            <a:r>
+              <a:rPr lang="en-US" baseline="0" dirty="0" err="1" smtClean="0"/>
+              <a:t>TestCase</a:t>
+            </a:r>
+            <a:r>
+              <a:rPr lang="en-US" baseline="0" dirty="0" smtClean="0"/>
+              <a:t> </a:t>
+            </a:r>
+            <a:r>
+              <a:rPr lang="ru-RU" baseline="0" dirty="0" smtClean="0"/>
+              <a:t>и </a:t>
+            </a:r>
+            <a:r>
+              <a:rPr lang="en-US" baseline="0" dirty="0" err="1" smtClean="0"/>
+              <a:t>TestCaseSourse</a:t>
+            </a:r>
+            <a:r>
+              <a:rPr lang="ru-RU" baseline="0" dirty="0" smtClean="0"/>
+              <a:t>.</a:t>
+            </a:r>
+          </a:p>
+          <a:p>
+            <a:pPr marL="0" marR="0" lvl="0" indent="0" algn="l" defTabSz="914400" rtl="0" eaLnBrk="1" fontAlgn="auto" latinLnBrk="0" hangingPunct="1">
+              <a:lnSpc>
+                <a:spcPct val="100000"/>
+              </a:lnSpc>
+              <a:spcBef>
+                <a:spcPts val="0"/>
+              </a:spcBef>
+              <a:spcAft>
+                <a:spcPts val="0"/>
+              </a:spcAft>
+              <a:buClrTx/>
+              <a:buSzTx/>
+              <a:buFontTx/>
+              <a:buNone/>
+              <a:tabLst/>
+              <a:defRPr/>
+            </a:pPr>
+            <a:endParaRPr lang="ru-RU" dirty="0" smtClean="0"/>
+          </a:p>
+          <a:p>
+            <a:pPr marL="0" marR="0" lvl="0" indent="0" algn="l" defTabSz="914400" rtl="0" eaLnBrk="1" fontAlgn="auto" latinLnBrk="0" hangingPunct="1">
+              <a:lnSpc>
+                <a:spcPct val="100000"/>
+              </a:lnSpc>
+              <a:spcBef>
+                <a:spcPts val="0"/>
+              </a:spcBef>
+              <a:spcAft>
+                <a:spcPts val="0"/>
+              </a:spcAft>
+              <a:buClrTx/>
+              <a:buSzTx/>
+              <a:buFontTx/>
+              <a:buNone/>
+              <a:tabLst/>
+              <a:defRPr/>
+            </a:pPr>
+            <a:r>
+              <a:rPr lang="ru-RU" dirty="0" smtClean="0"/>
+              <a:t>С</a:t>
+            </a:r>
+            <a:r>
+              <a:rPr lang="ru-RU" baseline="0" dirty="0" smtClean="0"/>
+              <a:t> ними можно:</a:t>
+            </a:r>
+          </a:p>
+          <a:p>
+            <a:pPr marL="171450" marR="0" lvl="0" indent="-171450" algn="l" defTabSz="914400" rtl="0" eaLnBrk="1" fontAlgn="auto" latinLnBrk="0" hangingPunct="1">
+              <a:lnSpc>
+                <a:spcPct val="100000"/>
+              </a:lnSpc>
+              <a:spcBef>
+                <a:spcPts val="0"/>
+              </a:spcBef>
+              <a:spcAft>
+                <a:spcPts val="0"/>
+              </a:spcAft>
+              <a:buClrTx/>
+              <a:buSzTx/>
+              <a:buFont typeface="Arial" panose="020B0604020202020204" pitchFamily="34" charset="0"/>
+              <a:buChar char="•"/>
+              <a:tabLst/>
+              <a:defRPr/>
+            </a:pPr>
+            <a:r>
+              <a:rPr lang="ru-RU" baseline="0" dirty="0" smtClean="0"/>
+              <a:t>Красиво называть тесты</a:t>
+            </a:r>
+          </a:p>
+          <a:p>
+            <a:pPr marL="171450" marR="0" lvl="0" indent="-171450" algn="l" defTabSz="914400" rtl="0" eaLnBrk="1" fontAlgn="auto" latinLnBrk="0" hangingPunct="1">
+              <a:lnSpc>
+                <a:spcPct val="100000"/>
+              </a:lnSpc>
+              <a:spcBef>
+                <a:spcPts val="0"/>
+              </a:spcBef>
+              <a:spcAft>
+                <a:spcPts val="0"/>
+              </a:spcAft>
+              <a:buClrTx/>
+              <a:buSzTx/>
+              <a:buFont typeface="Arial" panose="020B0604020202020204" pitchFamily="34" charset="0"/>
+              <a:buChar char="•"/>
+              <a:tabLst/>
+              <a:defRPr/>
+            </a:pPr>
+            <a:r>
+              <a:rPr lang="ru-RU" baseline="0" dirty="0" smtClean="0"/>
+              <a:t>Указать ожидаемый результат и получать его из теста. (</a:t>
+            </a:r>
+            <a:r>
+              <a:rPr lang="en-US" sz="1200" b="0" i="0" kern="1200" dirty="0" err="1" smtClean="0">
+                <a:solidFill>
+                  <a:schemeClr val="tx1"/>
+                </a:solidFill>
+                <a:effectLst/>
+                <a:latin typeface="+mn-lt"/>
+                <a:ea typeface="+mn-ea"/>
+                <a:cs typeface="+mn-cs"/>
+              </a:rPr>
+              <a:t>withInvariantCulture_parse</a:t>
+            </a:r>
+            <a:r>
+              <a:rPr lang="en-US" sz="1200" b="0" i="0" kern="1200" dirty="0" smtClean="0">
+                <a:solidFill>
+                  <a:schemeClr val="tx1"/>
+                </a:solidFill>
+                <a:effectLst/>
+                <a:latin typeface="+mn-lt"/>
+                <a:ea typeface="+mn-ea"/>
+                <a:cs typeface="+mn-cs"/>
+              </a:rPr>
+              <a:t>(string input)</a:t>
+            </a:r>
+            <a:r>
+              <a:rPr lang="ru-RU" sz="1200" b="0" i="0" kern="1200" dirty="0" smtClean="0">
+                <a:solidFill>
+                  <a:schemeClr val="tx1"/>
+                </a:solidFill>
+                <a:effectLst/>
+                <a:latin typeface="+mn-lt"/>
+                <a:ea typeface="+mn-ea"/>
+                <a:cs typeface="+mn-cs"/>
+              </a:rPr>
+              <a:t> возвращает </a:t>
+            </a:r>
+            <a:r>
+              <a:rPr lang="en-US" sz="1200" b="0" i="0" kern="1200" dirty="0" smtClean="0">
+                <a:solidFill>
+                  <a:schemeClr val="tx1"/>
+                </a:solidFill>
+                <a:effectLst/>
+                <a:latin typeface="+mn-lt"/>
+                <a:ea typeface="+mn-ea"/>
+                <a:cs typeface="+mn-cs"/>
+              </a:rPr>
+              <a:t>double</a:t>
+            </a:r>
+            <a:r>
+              <a:rPr lang="ru-RU" sz="1200" b="0" i="0" kern="1200" dirty="0" smtClean="0">
+                <a:solidFill>
+                  <a:schemeClr val="tx1"/>
+                </a:solidFill>
+                <a:effectLst/>
+                <a:latin typeface="+mn-lt"/>
+                <a:ea typeface="+mn-ea"/>
+                <a:cs typeface="+mn-cs"/>
+              </a:rPr>
+              <a:t>,</a:t>
+            </a:r>
+            <a:r>
+              <a:rPr lang="ru-RU" sz="1200" b="0" i="0" kern="1200" baseline="0" dirty="0" smtClean="0">
+                <a:solidFill>
+                  <a:schemeClr val="tx1"/>
+                </a:solidFill>
+                <a:effectLst/>
+                <a:latin typeface="+mn-lt"/>
+                <a:ea typeface="+mn-ea"/>
+                <a:cs typeface="+mn-cs"/>
+              </a:rPr>
+              <a:t> а не </a:t>
+            </a:r>
+            <a:r>
+              <a:rPr lang="en-US" sz="1200" b="0" i="0" kern="1200" baseline="0" dirty="0" smtClean="0">
+                <a:solidFill>
+                  <a:schemeClr val="tx1"/>
+                </a:solidFill>
+                <a:effectLst/>
+                <a:latin typeface="+mn-lt"/>
+                <a:ea typeface="+mn-ea"/>
+                <a:cs typeface="+mn-cs"/>
+              </a:rPr>
+              <a:t>void)</a:t>
+            </a:r>
+            <a:endParaRPr lang="ru-RU" sz="1200" b="0" i="0" kern="1200" baseline="0" dirty="0" smtClean="0">
+              <a:solidFill>
+                <a:schemeClr val="tx1"/>
+              </a:solidFill>
+              <a:effectLst/>
+              <a:latin typeface="+mn-lt"/>
+              <a:ea typeface="+mn-ea"/>
+              <a:cs typeface="+mn-cs"/>
+            </a:endParaRPr>
+          </a:p>
+          <a:p>
+            <a:pPr marL="171450" marR="0" lvl="0" indent="-171450" algn="l" defTabSz="914400" rtl="0" eaLnBrk="1" fontAlgn="auto" latinLnBrk="0" hangingPunct="1">
+              <a:lnSpc>
+                <a:spcPct val="100000"/>
+              </a:lnSpc>
+              <a:spcBef>
+                <a:spcPts val="0"/>
+              </a:spcBef>
+              <a:spcAft>
+                <a:spcPts val="0"/>
+              </a:spcAft>
+              <a:buClrTx/>
+              <a:buSzTx/>
+              <a:buFont typeface="Arial" panose="020B0604020202020204" pitchFamily="34" charset="0"/>
+              <a:buChar char="•"/>
+              <a:tabLst/>
+              <a:defRPr/>
+            </a:pPr>
+            <a:endParaRPr lang="ru-RU" sz="1200" b="0" i="0" kern="1200" baseline="0" dirty="0" smtClean="0">
+              <a:solidFill>
+                <a:schemeClr val="tx1"/>
+              </a:solidFill>
+              <a:effectLst/>
+              <a:latin typeface="+mn-lt"/>
+              <a:ea typeface="+mn-ea"/>
+              <a:cs typeface="+mn-cs"/>
+            </a:endParaRPr>
+          </a:p>
+          <a:p>
+            <a:pPr marL="0" marR="0" lvl="0" indent="0" algn="l" defTabSz="914400" rtl="0" eaLnBrk="1" fontAlgn="auto" latinLnBrk="0" hangingPunct="1">
+              <a:lnSpc>
+                <a:spcPct val="100000"/>
+              </a:lnSpc>
+              <a:spcBef>
+                <a:spcPts val="0"/>
+              </a:spcBef>
+              <a:spcAft>
+                <a:spcPts val="0"/>
+              </a:spcAft>
+              <a:buClrTx/>
+              <a:buSzTx/>
+              <a:buFont typeface="Arial" panose="020B0604020202020204" pitchFamily="34" charset="0"/>
+              <a:buNone/>
+              <a:tabLst/>
+              <a:defRPr/>
+            </a:pPr>
+            <a:r>
+              <a:rPr lang="ru-RU" baseline="0" dirty="0" smtClean="0"/>
+              <a:t>В </a:t>
+            </a:r>
+            <a:r>
+              <a:rPr lang="en-US" baseline="0" dirty="0" err="1" smtClean="0"/>
+              <a:t>TestaCase</a:t>
+            </a:r>
+            <a:r>
+              <a:rPr lang="en-US" baseline="0" dirty="0" smtClean="0"/>
+              <a:t> </a:t>
+            </a:r>
+            <a:r>
+              <a:rPr lang="ru-RU" baseline="0" dirty="0" smtClean="0"/>
+              <a:t>в качестве параметров можно указать</a:t>
+            </a:r>
+            <a:r>
+              <a:rPr lang="en-US" baseline="0" dirty="0" smtClean="0"/>
+              <a:t> </a:t>
+            </a:r>
+            <a:r>
+              <a:rPr lang="ru-RU" baseline="0" dirty="0" smtClean="0"/>
+              <a:t>только типы, поддерживаемые </a:t>
+            </a:r>
+            <a:r>
+              <a:rPr lang="en-US" baseline="0" dirty="0" smtClean="0"/>
+              <a:t>CLR:</a:t>
+            </a:r>
+          </a:p>
+          <a:p>
+            <a:pPr marL="171450" marR="0" lvl="0" indent="-171450" algn="l" defTabSz="914400" rtl="0" eaLnBrk="1" fontAlgn="auto" latinLnBrk="0" hangingPunct="1">
+              <a:lnSpc>
+                <a:spcPct val="100000"/>
+              </a:lnSpc>
+              <a:spcBef>
+                <a:spcPts val="0"/>
+              </a:spcBef>
+              <a:spcAft>
+                <a:spcPts val="0"/>
+              </a:spcAft>
+              <a:buClrTx/>
+              <a:buSzTx/>
+              <a:buFontTx/>
+              <a:buChar char="-"/>
+              <a:tabLst/>
+              <a:defRPr/>
+            </a:pPr>
+            <a:r>
+              <a:rPr lang="ru-RU" baseline="0" dirty="0" smtClean="0"/>
+              <a:t>константы,</a:t>
+            </a:r>
+          </a:p>
+          <a:p>
+            <a:pPr marL="171450" marR="0" lvl="0" indent="-171450" algn="l" defTabSz="914400" rtl="0" eaLnBrk="1" fontAlgn="auto" latinLnBrk="0" hangingPunct="1">
+              <a:lnSpc>
+                <a:spcPct val="100000"/>
+              </a:lnSpc>
+              <a:spcBef>
+                <a:spcPts val="0"/>
+              </a:spcBef>
+              <a:spcAft>
+                <a:spcPts val="0"/>
+              </a:spcAft>
+              <a:buClrTx/>
+              <a:buSzTx/>
+              <a:buFontTx/>
+              <a:buChar char="-"/>
+              <a:tabLst/>
+              <a:defRPr/>
+            </a:pPr>
+            <a:r>
+              <a:rPr lang="ru-RU" dirty="0" smtClean="0"/>
+              <a:t>системные</a:t>
+            </a:r>
+            <a:r>
+              <a:rPr lang="ru-RU" baseline="0" dirty="0" smtClean="0"/>
+              <a:t> типы,</a:t>
+            </a:r>
+          </a:p>
+          <a:p>
+            <a:pPr marL="171450" marR="0" lvl="0" indent="-171450" algn="l" defTabSz="914400" rtl="0" eaLnBrk="1" fontAlgn="auto" latinLnBrk="0" hangingPunct="1">
+              <a:lnSpc>
+                <a:spcPct val="100000"/>
+              </a:lnSpc>
+              <a:spcBef>
+                <a:spcPts val="0"/>
+              </a:spcBef>
+              <a:spcAft>
+                <a:spcPts val="0"/>
+              </a:spcAft>
+              <a:buClrTx/>
+              <a:buSzTx/>
+              <a:buFontTx/>
+              <a:buChar char="-"/>
+              <a:tabLst/>
+              <a:defRPr/>
+            </a:pPr>
+            <a:r>
+              <a:rPr lang="ru-RU" baseline="0" dirty="0" smtClean="0"/>
+              <a:t>одноразмерный массив, содержащий константы и системные типы</a:t>
+            </a:r>
+            <a:endParaRPr lang="en-US" dirty="0" smtClean="0"/>
+          </a:p>
+          <a:p>
+            <a:pPr marL="0" marR="0" lvl="0" indent="0" algn="l" defTabSz="914400" rtl="0" eaLnBrk="1" fontAlgn="auto" latinLnBrk="0" hangingPunct="1">
+              <a:lnSpc>
+                <a:spcPct val="100000"/>
+              </a:lnSpc>
+              <a:spcBef>
+                <a:spcPts val="0"/>
+              </a:spcBef>
+              <a:spcAft>
+                <a:spcPts val="0"/>
+              </a:spcAft>
+              <a:buClrTx/>
+              <a:buSzTx/>
+              <a:buFont typeface="Arial" panose="020B0604020202020204" pitchFamily="34" charset="0"/>
+              <a:buNone/>
+              <a:tabLst/>
+              <a:defRPr/>
+            </a:pPr>
+            <a:endParaRPr lang="ru-RU" baseline="0" dirty="0" smtClean="0"/>
           </a:p>
         </p:txBody>
       </p:sp>
@@ -7892,7 +8659,7 @@
           <a:p>
             <a:fld id="{3BAECB10-9972-4830-A584-02C41DAFD45B}" type="slidenum">
               <a:rPr lang="ru-RU" smtClean="0"/>
-              <a:t>18</a:t>
+              <a:t>15</a:t>
             </a:fld>
             <a:endParaRPr lang="ru-RU"/>
           </a:p>
@@ -7901,7 +8668,7 @@
     </p:spTree>
     <p:extLst>
       <p:ext uri="{BB962C8B-B14F-4D97-AF65-F5344CB8AC3E}">
-        <p14:creationId xmlns:p14="http://schemas.microsoft.com/office/powerpoint/2010/main" val="3454826708"/>
+        <p14:creationId xmlns:p14="http://schemas.microsoft.com/office/powerpoint/2010/main" val="3407484980"/>
       </p:ext>
     </p:extLst>
   </p:cSld>
@@ -7957,1224 +8724,21 @@
           <a:p>
             <a:r>
               <a:rPr lang="ru-RU" dirty="0" smtClean="0"/>
-              <a:t>1. По явно</a:t>
+              <a:t>Вот вы</a:t>
             </a:r>
             <a:r>
               <a:rPr lang="ru-RU" baseline="0" dirty="0" smtClean="0"/>
-              <a:t> написанным требованиям легко писать тесты.</a:t>
+              <a:t> видите такой тест.</a:t>
             </a:r>
           </a:p>
           <a:p>
             <a:r>
               <a:rPr lang="ru-RU" baseline="0" dirty="0" smtClean="0"/>
-              <a:t>2. Е3: 10 пробелов и символ. Что должно произойти?</a:t>
-            </a:r>
-          </a:p>
-          <a:p>
-            <a:r>
-              <a:rPr lang="ru-RU" dirty="0" smtClean="0"/>
-              <a:t>3. 998, 999 -</a:t>
-            </a:r>
-            <a:r>
-              <a:rPr lang="en-US" dirty="0" smtClean="0"/>
-              <a:t>&gt;</a:t>
-            </a:r>
-            <a:r>
-              <a:rPr lang="en-US" baseline="0" dirty="0" smtClean="0"/>
-              <a:t> </a:t>
-            </a:r>
-            <a:r>
-              <a:rPr lang="ru-RU" baseline="0" dirty="0" smtClean="0"/>
-              <a:t>Вот где спасёт таймаут. Ну и код </a:t>
-            </a:r>
-            <a:r>
-              <a:rPr lang="ru-RU" baseline="0" dirty="0" err="1" smtClean="0"/>
-              <a:t>ревью</a:t>
-            </a:r>
-            <a:r>
-              <a:rPr lang="ru-RU" baseline="0" dirty="0" smtClean="0"/>
-              <a:t>.</a:t>
-            </a:r>
-          </a:p>
-          <a:p>
-            <a:r>
-              <a:rPr lang="ru-RU" sz="1200" b="0" i="0" kern="1200" dirty="0" smtClean="0">
-                <a:solidFill>
-                  <a:schemeClr val="tx1"/>
-                </a:solidFill>
-                <a:effectLst/>
-                <a:latin typeface="+mn-lt"/>
-                <a:ea typeface="+mn-ea"/>
-                <a:cs typeface="+mn-cs"/>
-              </a:rPr>
-              <a:t>4. </a:t>
-            </a:r>
-            <a:r>
-              <a:rPr lang="en-US" sz="1200" b="0" i="0" kern="1200" dirty="0" err="1" smtClean="0">
-                <a:solidFill>
-                  <a:schemeClr val="tx1"/>
-                </a:solidFill>
-                <a:effectLst/>
-                <a:latin typeface="+mn-lt"/>
-                <a:ea typeface="+mn-ea"/>
-                <a:cs typeface="+mn-cs"/>
-              </a:rPr>
-              <a:t>string.</a:t>
-            </a:r>
-            <a:r>
-              <a:rPr lang="en-US" sz="1200" b="1" i="0" kern="1200" dirty="0" err="1" smtClean="0">
-                <a:solidFill>
-                  <a:schemeClr val="tx1"/>
-                </a:solidFill>
-                <a:effectLst/>
-                <a:latin typeface="+mn-lt"/>
-                <a:ea typeface="+mn-ea"/>
-                <a:cs typeface="+mn-cs"/>
-              </a:rPr>
-              <a:t>IsNullOrEmpty</a:t>
-            </a:r>
-            <a:r>
-              <a:rPr lang="en-US" sz="1200" b="0" i="0" kern="1200" dirty="0" smtClean="0">
-                <a:solidFill>
-                  <a:schemeClr val="tx1"/>
-                </a:solidFill>
-                <a:effectLst/>
-                <a:latin typeface="+mn-lt"/>
-                <a:ea typeface="+mn-ea"/>
-                <a:cs typeface="+mn-cs"/>
-              </a:rPr>
-              <a:t>(word)</a:t>
-            </a:r>
-            <a:r>
-              <a:rPr lang="ru-RU" sz="1200" b="0" i="0" kern="1200" dirty="0" smtClean="0">
-                <a:solidFill>
-                  <a:schemeClr val="tx1"/>
-                </a:solidFill>
-                <a:effectLst/>
-                <a:latin typeface="+mn-lt"/>
-                <a:ea typeface="+mn-ea"/>
-                <a:cs typeface="+mn-cs"/>
-              </a:rPr>
-              <a:t>: при</a:t>
-            </a:r>
-            <a:r>
-              <a:rPr lang="ru-RU" sz="1200" b="0" i="0" kern="1200" baseline="0" dirty="0" smtClean="0">
-                <a:solidFill>
-                  <a:schemeClr val="tx1"/>
-                </a:solidFill>
-                <a:effectLst/>
-                <a:latin typeface="+mn-lt"/>
-                <a:ea typeface="+mn-ea"/>
-                <a:cs typeface="+mn-cs"/>
-              </a:rPr>
-              <a:t> </a:t>
-            </a:r>
-            <a:r>
-              <a:rPr lang="ru-RU" sz="1200" b="0" i="0" kern="1200" baseline="0" dirty="0" err="1" smtClean="0">
-                <a:solidFill>
-                  <a:schemeClr val="tx1"/>
-                </a:solidFill>
-                <a:effectLst/>
-                <a:latin typeface="+mn-lt"/>
-                <a:ea typeface="+mn-ea"/>
-                <a:cs typeface="+mn-cs"/>
-              </a:rPr>
-              <a:t>ревью</a:t>
-            </a:r>
-            <a:r>
-              <a:rPr lang="ru-RU" sz="1200" b="0" i="0" kern="1200" baseline="0" dirty="0" smtClean="0">
-                <a:solidFill>
-                  <a:schemeClr val="tx1"/>
-                </a:solidFill>
-                <a:effectLst/>
-                <a:latin typeface="+mn-lt"/>
-                <a:ea typeface="+mn-ea"/>
-                <a:cs typeface="+mn-cs"/>
-              </a:rPr>
-              <a:t> возможно, что на это не обратят внимания. Потому что «</a:t>
-            </a:r>
-            <a:r>
-              <a:rPr lang="ru-RU" sz="1200" b="1" i="0" kern="1200" dirty="0" smtClean="0">
-                <a:solidFill>
-                  <a:schemeClr val="tx1"/>
-                </a:solidFill>
-                <a:effectLst/>
-                <a:latin typeface="+mn-lt"/>
-                <a:ea typeface="+mn-ea"/>
-                <a:cs typeface="+mn-cs"/>
-              </a:rPr>
-              <a:t>По </a:t>
-            </a:r>
-            <a:r>
-              <a:rPr lang="ru-RU" sz="1200" b="1" i="0" kern="1200" dirty="0" err="1" smtClean="0">
-                <a:solidFill>
-                  <a:schemeClr val="tx1"/>
-                </a:solidFill>
-                <a:effectLst/>
-                <a:latin typeface="+mn-lt"/>
-                <a:ea typeface="+mn-ea"/>
-                <a:cs typeface="+mn-cs"/>
-              </a:rPr>
-              <a:t>рзеузльаттам</a:t>
-            </a:r>
-            <a:r>
-              <a:rPr lang="ru-RU" sz="1200" b="1" i="0" kern="1200" dirty="0" smtClean="0">
-                <a:solidFill>
-                  <a:schemeClr val="tx1"/>
-                </a:solidFill>
-                <a:effectLst/>
-                <a:latin typeface="+mn-lt"/>
-                <a:ea typeface="+mn-ea"/>
-                <a:cs typeface="+mn-cs"/>
-              </a:rPr>
-              <a:t> </a:t>
-            </a:r>
-            <a:r>
-              <a:rPr lang="ru-RU" sz="1200" b="1" i="0" kern="1200" dirty="0" err="1" smtClean="0">
-                <a:solidFill>
-                  <a:schemeClr val="tx1"/>
-                </a:solidFill>
-                <a:effectLst/>
-                <a:latin typeface="+mn-lt"/>
-                <a:ea typeface="+mn-ea"/>
-                <a:cs typeface="+mn-cs"/>
-              </a:rPr>
-              <a:t>илссоевадний</a:t>
-            </a:r>
-            <a:r>
-              <a:rPr lang="ru-RU" sz="1200" b="1" i="0" kern="1200" dirty="0" smtClean="0">
-                <a:solidFill>
-                  <a:schemeClr val="tx1"/>
-                </a:solidFill>
-                <a:effectLst/>
-                <a:latin typeface="+mn-lt"/>
-                <a:ea typeface="+mn-ea"/>
-                <a:cs typeface="+mn-cs"/>
-              </a:rPr>
-              <a:t> </a:t>
-            </a:r>
-            <a:r>
-              <a:rPr lang="ru-RU" sz="1200" b="1" i="0" kern="1200" dirty="0" err="1" smtClean="0">
-                <a:solidFill>
-                  <a:schemeClr val="tx1"/>
-                </a:solidFill>
-                <a:effectLst/>
-                <a:latin typeface="+mn-lt"/>
-                <a:ea typeface="+mn-ea"/>
-                <a:cs typeface="+mn-cs"/>
-              </a:rPr>
-              <a:t>одонго</a:t>
-            </a:r>
-            <a:r>
-              <a:rPr lang="ru-RU" sz="1200" b="1" i="0" kern="1200" dirty="0" smtClean="0">
-                <a:solidFill>
-                  <a:schemeClr val="tx1"/>
-                </a:solidFill>
-                <a:effectLst/>
-                <a:latin typeface="+mn-lt"/>
-                <a:ea typeface="+mn-ea"/>
-                <a:cs typeface="+mn-cs"/>
-              </a:rPr>
-              <a:t> </a:t>
-            </a:r>
-            <a:r>
-              <a:rPr lang="ru-RU" sz="1200" b="1" i="0" kern="1200" dirty="0" err="1" smtClean="0">
-                <a:solidFill>
-                  <a:schemeClr val="tx1"/>
-                </a:solidFill>
-                <a:effectLst/>
-                <a:latin typeface="+mn-lt"/>
-                <a:ea typeface="+mn-ea"/>
-                <a:cs typeface="+mn-cs"/>
-              </a:rPr>
-              <a:t>анлигсйокго</a:t>
-            </a:r>
-            <a:r>
-              <a:rPr lang="ru-RU" sz="1200" b="1" i="0" kern="1200" dirty="0" smtClean="0">
-                <a:solidFill>
-                  <a:schemeClr val="tx1"/>
-                </a:solidFill>
-                <a:effectLst/>
-                <a:latin typeface="+mn-lt"/>
-                <a:ea typeface="+mn-ea"/>
-                <a:cs typeface="+mn-cs"/>
-              </a:rPr>
-              <a:t> </a:t>
-            </a:r>
-            <a:r>
-              <a:rPr lang="ru-RU" sz="1200" b="1" i="0" kern="1200" dirty="0" err="1" smtClean="0">
-                <a:solidFill>
-                  <a:schemeClr val="tx1"/>
-                </a:solidFill>
-                <a:effectLst/>
-                <a:latin typeface="+mn-lt"/>
-                <a:ea typeface="+mn-ea"/>
-                <a:cs typeface="+mn-cs"/>
-              </a:rPr>
-              <a:t>унвиертисета</a:t>
-            </a:r>
-            <a:r>
-              <a:rPr lang="ru-RU" sz="1200" b="1" i="0" kern="1200" dirty="0" smtClean="0">
-                <a:solidFill>
-                  <a:schemeClr val="tx1"/>
-                </a:solidFill>
-                <a:effectLst/>
-                <a:latin typeface="+mn-lt"/>
-                <a:ea typeface="+mn-ea"/>
-                <a:cs typeface="+mn-cs"/>
-              </a:rPr>
-              <a:t>, не </a:t>
-            </a:r>
-            <a:r>
-              <a:rPr lang="ru-RU" sz="1200" b="1" i="0" kern="1200" dirty="0" err="1" smtClean="0">
-                <a:solidFill>
-                  <a:schemeClr val="tx1"/>
-                </a:solidFill>
-                <a:effectLst/>
-                <a:latin typeface="+mn-lt"/>
-                <a:ea typeface="+mn-ea"/>
-                <a:cs typeface="+mn-cs"/>
-              </a:rPr>
-              <a:t>иеемт</a:t>
-            </a:r>
-            <a:r>
-              <a:rPr lang="ru-RU" sz="1200" b="1" i="0" kern="1200" dirty="0" smtClean="0">
-                <a:solidFill>
-                  <a:schemeClr val="tx1"/>
-                </a:solidFill>
-                <a:effectLst/>
-                <a:latin typeface="+mn-lt"/>
-                <a:ea typeface="+mn-ea"/>
-                <a:cs typeface="+mn-cs"/>
-              </a:rPr>
-              <a:t> </a:t>
-            </a:r>
-            <a:r>
-              <a:rPr lang="ru-RU" sz="1200" b="1" i="0" kern="1200" dirty="0" err="1" smtClean="0">
-                <a:solidFill>
-                  <a:schemeClr val="tx1"/>
-                </a:solidFill>
-                <a:effectLst/>
-                <a:latin typeface="+mn-lt"/>
-                <a:ea typeface="+mn-ea"/>
-                <a:cs typeface="+mn-cs"/>
-              </a:rPr>
-              <a:t>занчнеия</a:t>
-            </a:r>
-            <a:r>
-              <a:rPr lang="ru-RU" sz="1200" b="1" i="0" kern="1200" dirty="0" smtClean="0">
-                <a:solidFill>
-                  <a:schemeClr val="tx1"/>
-                </a:solidFill>
-                <a:effectLst/>
-                <a:latin typeface="+mn-lt"/>
-                <a:ea typeface="+mn-ea"/>
-                <a:cs typeface="+mn-cs"/>
-              </a:rPr>
-              <a:t>, в </a:t>
-            </a:r>
-            <a:r>
-              <a:rPr lang="ru-RU" sz="1200" b="1" i="0" kern="1200" dirty="0" err="1" smtClean="0">
-                <a:solidFill>
-                  <a:schemeClr val="tx1"/>
-                </a:solidFill>
-                <a:effectLst/>
-                <a:latin typeface="+mn-lt"/>
-                <a:ea typeface="+mn-ea"/>
-                <a:cs typeface="+mn-cs"/>
-              </a:rPr>
-              <a:t>каокм</a:t>
-            </a:r>
-            <a:r>
-              <a:rPr lang="ru-RU" sz="1200" b="1" i="0" kern="1200" dirty="0" smtClean="0">
-                <a:solidFill>
-                  <a:schemeClr val="tx1"/>
-                </a:solidFill>
-                <a:effectLst/>
-                <a:latin typeface="+mn-lt"/>
-                <a:ea typeface="+mn-ea"/>
-                <a:cs typeface="+mn-cs"/>
-              </a:rPr>
-              <a:t> </a:t>
-            </a:r>
-            <a:r>
-              <a:rPr lang="ru-RU" sz="1200" b="1" i="0" kern="1200" dirty="0" err="1" smtClean="0">
-                <a:solidFill>
-                  <a:schemeClr val="tx1"/>
-                </a:solidFill>
-                <a:effectLst/>
-                <a:latin typeface="+mn-lt"/>
-                <a:ea typeface="+mn-ea"/>
-                <a:cs typeface="+mn-cs"/>
-              </a:rPr>
-              <a:t>проякде</a:t>
-            </a:r>
-            <a:r>
-              <a:rPr lang="ru-RU" sz="1200" b="1" i="0" kern="1200" dirty="0" smtClean="0">
-                <a:solidFill>
-                  <a:schemeClr val="tx1"/>
-                </a:solidFill>
-                <a:effectLst/>
-                <a:latin typeface="+mn-lt"/>
-                <a:ea typeface="+mn-ea"/>
-                <a:cs typeface="+mn-cs"/>
-              </a:rPr>
-              <a:t> </a:t>
-            </a:r>
-            <a:r>
-              <a:rPr lang="ru-RU" sz="1200" b="1" i="0" kern="1200" dirty="0" err="1" smtClean="0">
-                <a:solidFill>
-                  <a:schemeClr val="tx1"/>
-                </a:solidFill>
-                <a:effectLst/>
-                <a:latin typeface="+mn-lt"/>
-                <a:ea typeface="+mn-ea"/>
-                <a:cs typeface="+mn-cs"/>
-              </a:rPr>
-              <a:t>рсапжоолены</a:t>
-            </a:r>
-            <a:r>
-              <a:rPr lang="ru-RU" sz="1200" b="1" i="0" kern="1200" dirty="0" smtClean="0">
-                <a:solidFill>
-                  <a:schemeClr val="tx1"/>
-                </a:solidFill>
-                <a:effectLst/>
-                <a:latin typeface="+mn-lt"/>
-                <a:ea typeface="+mn-ea"/>
-                <a:cs typeface="+mn-cs"/>
-              </a:rPr>
-              <a:t> </a:t>
-            </a:r>
-            <a:r>
-              <a:rPr lang="ru-RU" sz="1200" b="1" i="0" kern="1200" dirty="0" err="1" smtClean="0">
-                <a:solidFill>
-                  <a:schemeClr val="tx1"/>
-                </a:solidFill>
-                <a:effectLst/>
-                <a:latin typeface="+mn-lt"/>
-                <a:ea typeface="+mn-ea"/>
-                <a:cs typeface="+mn-cs"/>
-              </a:rPr>
-              <a:t>бкувы</a:t>
-            </a:r>
-            <a:r>
-              <a:rPr lang="ru-RU" sz="1200" b="1" i="0" kern="1200" dirty="0" smtClean="0">
-                <a:solidFill>
-                  <a:schemeClr val="tx1"/>
-                </a:solidFill>
-                <a:effectLst/>
-                <a:latin typeface="+mn-lt"/>
-                <a:ea typeface="+mn-ea"/>
-                <a:cs typeface="+mn-cs"/>
-              </a:rPr>
-              <a:t> в </a:t>
-            </a:r>
-            <a:r>
-              <a:rPr lang="ru-RU" sz="1200" b="1" i="0" kern="1200" dirty="0" err="1" smtClean="0">
-                <a:solidFill>
-                  <a:schemeClr val="tx1"/>
-                </a:solidFill>
-                <a:effectLst/>
-                <a:latin typeface="+mn-lt"/>
-                <a:ea typeface="+mn-ea"/>
-                <a:cs typeface="+mn-cs"/>
-              </a:rPr>
-              <a:t>солве</a:t>
-            </a:r>
-            <a:r>
-              <a:rPr lang="ru-RU" sz="1200" b="1" i="0" kern="1200" dirty="0" smtClean="0">
-                <a:solidFill>
-                  <a:schemeClr val="tx1"/>
-                </a:solidFill>
-                <a:effectLst/>
-                <a:latin typeface="+mn-lt"/>
-                <a:ea typeface="+mn-ea"/>
-                <a:cs typeface="+mn-cs"/>
-              </a:rPr>
-              <a:t>. </a:t>
-            </a:r>
-            <a:r>
-              <a:rPr lang="ru-RU" sz="1200" b="1" i="0" kern="1200" dirty="0" err="1" smtClean="0">
-                <a:solidFill>
-                  <a:schemeClr val="tx1"/>
-                </a:solidFill>
-                <a:effectLst/>
-                <a:latin typeface="+mn-lt"/>
-                <a:ea typeface="+mn-ea"/>
-                <a:cs typeface="+mn-cs"/>
-              </a:rPr>
-              <a:t>Галовне</a:t>
-            </a:r>
-            <a:r>
-              <a:rPr lang="ru-RU" sz="1200" b="1" i="0" kern="1200" dirty="0" smtClean="0">
-                <a:solidFill>
-                  <a:schemeClr val="tx1"/>
-                </a:solidFill>
-                <a:effectLst/>
-                <a:latin typeface="+mn-lt"/>
-                <a:ea typeface="+mn-ea"/>
-                <a:cs typeface="+mn-cs"/>
-              </a:rPr>
-              <a:t>, </a:t>
-            </a:r>
-            <a:r>
-              <a:rPr lang="ru-RU" sz="1200" b="1" i="0" kern="1200" dirty="0" err="1" smtClean="0">
-                <a:solidFill>
-                  <a:schemeClr val="tx1"/>
-                </a:solidFill>
-                <a:effectLst/>
-                <a:latin typeface="+mn-lt"/>
-                <a:ea typeface="+mn-ea"/>
-                <a:cs typeface="+mn-cs"/>
-              </a:rPr>
-              <a:t>чотбы</a:t>
-            </a:r>
-            <a:r>
-              <a:rPr lang="ru-RU" sz="1200" b="1" i="0" kern="1200" dirty="0" smtClean="0">
-                <a:solidFill>
-                  <a:schemeClr val="tx1"/>
-                </a:solidFill>
-                <a:effectLst/>
-                <a:latin typeface="+mn-lt"/>
-                <a:ea typeface="+mn-ea"/>
-                <a:cs typeface="+mn-cs"/>
-              </a:rPr>
-              <a:t> </a:t>
-            </a:r>
-            <a:r>
-              <a:rPr lang="ru-RU" sz="1200" b="1" i="0" kern="1200" dirty="0" err="1" smtClean="0">
-                <a:solidFill>
-                  <a:schemeClr val="tx1"/>
-                </a:solidFill>
-                <a:effectLst/>
-                <a:latin typeface="+mn-lt"/>
-                <a:ea typeface="+mn-ea"/>
-                <a:cs typeface="+mn-cs"/>
-              </a:rPr>
-              <a:t>преавя</a:t>
-            </a:r>
-            <a:r>
-              <a:rPr lang="ru-RU" sz="1200" b="1" i="0" kern="1200" dirty="0" smtClean="0">
-                <a:solidFill>
-                  <a:schemeClr val="tx1"/>
-                </a:solidFill>
-                <a:effectLst/>
-                <a:latin typeface="+mn-lt"/>
-                <a:ea typeface="+mn-ea"/>
-                <a:cs typeface="+mn-cs"/>
-              </a:rPr>
-              <a:t> и </a:t>
-            </a:r>
-            <a:r>
-              <a:rPr lang="ru-RU" sz="1200" b="1" i="0" kern="1200" dirty="0" err="1" smtClean="0">
-                <a:solidFill>
-                  <a:schemeClr val="tx1"/>
-                </a:solidFill>
-                <a:effectLst/>
-                <a:latin typeface="+mn-lt"/>
-                <a:ea typeface="+mn-ea"/>
-                <a:cs typeface="+mn-cs"/>
-              </a:rPr>
-              <a:t>пслонедяя</a:t>
-            </a:r>
-            <a:r>
-              <a:rPr lang="ru-RU" sz="1200" b="1" i="0" kern="1200" dirty="0" smtClean="0">
-                <a:solidFill>
-                  <a:schemeClr val="tx1"/>
-                </a:solidFill>
-                <a:effectLst/>
-                <a:latin typeface="+mn-lt"/>
-                <a:ea typeface="+mn-ea"/>
-                <a:cs typeface="+mn-cs"/>
-              </a:rPr>
-              <a:t> </a:t>
-            </a:r>
-            <a:r>
-              <a:rPr lang="ru-RU" sz="1200" b="1" i="0" kern="1200" dirty="0" err="1" smtClean="0">
-                <a:solidFill>
-                  <a:schemeClr val="tx1"/>
-                </a:solidFill>
-                <a:effectLst/>
-                <a:latin typeface="+mn-lt"/>
-                <a:ea typeface="+mn-ea"/>
-                <a:cs typeface="+mn-cs"/>
-              </a:rPr>
-              <a:t>бквуы</a:t>
-            </a:r>
-            <a:r>
-              <a:rPr lang="ru-RU" sz="1200" b="1" i="0" kern="1200" dirty="0" smtClean="0">
-                <a:solidFill>
-                  <a:schemeClr val="tx1"/>
-                </a:solidFill>
-                <a:effectLst/>
-                <a:latin typeface="+mn-lt"/>
-                <a:ea typeface="+mn-ea"/>
-                <a:cs typeface="+mn-cs"/>
-              </a:rPr>
-              <a:t> </a:t>
-            </a:r>
-            <a:r>
-              <a:rPr lang="ru-RU" sz="1200" b="1" i="0" kern="1200" dirty="0" err="1" smtClean="0">
-                <a:solidFill>
-                  <a:schemeClr val="tx1"/>
-                </a:solidFill>
-                <a:effectLst/>
-                <a:latin typeface="+mn-lt"/>
-                <a:ea typeface="+mn-ea"/>
-                <a:cs typeface="+mn-cs"/>
-              </a:rPr>
-              <a:t>блыи</a:t>
-            </a:r>
-            <a:r>
-              <a:rPr lang="ru-RU" sz="1200" b="1" i="0" kern="1200" dirty="0" smtClean="0">
-                <a:solidFill>
-                  <a:schemeClr val="tx1"/>
-                </a:solidFill>
-                <a:effectLst/>
-                <a:latin typeface="+mn-lt"/>
-                <a:ea typeface="+mn-ea"/>
-                <a:cs typeface="+mn-cs"/>
-              </a:rPr>
-              <a:t> на </a:t>
-            </a:r>
-            <a:r>
-              <a:rPr lang="ru-RU" sz="1200" b="1" i="0" kern="1200" dirty="0" err="1" smtClean="0">
-                <a:solidFill>
-                  <a:schemeClr val="tx1"/>
-                </a:solidFill>
-                <a:effectLst/>
-                <a:latin typeface="+mn-lt"/>
-                <a:ea typeface="+mn-ea"/>
-                <a:cs typeface="+mn-cs"/>
-              </a:rPr>
-              <a:t>мсете</a:t>
-            </a:r>
-            <a:r>
-              <a:rPr lang="ru-RU" sz="1200" b="1" i="0" kern="1200" dirty="0" smtClean="0">
-                <a:solidFill>
-                  <a:schemeClr val="tx1"/>
-                </a:solidFill>
-                <a:effectLst/>
-                <a:latin typeface="+mn-lt"/>
-                <a:ea typeface="+mn-ea"/>
-                <a:cs typeface="+mn-cs"/>
-              </a:rPr>
-              <a:t>. </a:t>
-            </a:r>
-            <a:r>
-              <a:rPr lang="ru-RU" sz="1200" b="1" i="0" kern="1200" dirty="0" err="1" smtClean="0">
-                <a:solidFill>
-                  <a:schemeClr val="tx1"/>
-                </a:solidFill>
-                <a:effectLst/>
-                <a:latin typeface="+mn-lt"/>
-                <a:ea typeface="+mn-ea"/>
-                <a:cs typeface="+mn-cs"/>
-              </a:rPr>
-              <a:t>осатьлыне</a:t>
-            </a:r>
-            <a:r>
-              <a:rPr lang="ru-RU" sz="1200" b="1" i="0" kern="1200" dirty="0" smtClean="0">
-                <a:solidFill>
-                  <a:schemeClr val="tx1"/>
-                </a:solidFill>
-                <a:effectLst/>
-                <a:latin typeface="+mn-lt"/>
-                <a:ea typeface="+mn-ea"/>
-                <a:cs typeface="+mn-cs"/>
-              </a:rPr>
-              <a:t> </a:t>
-            </a:r>
-            <a:r>
-              <a:rPr lang="ru-RU" sz="1200" b="1" i="0" kern="1200" dirty="0" err="1" smtClean="0">
-                <a:solidFill>
-                  <a:schemeClr val="tx1"/>
-                </a:solidFill>
-                <a:effectLst/>
-                <a:latin typeface="+mn-lt"/>
-                <a:ea typeface="+mn-ea"/>
-                <a:cs typeface="+mn-cs"/>
-              </a:rPr>
-              <a:t>бкувы</a:t>
-            </a:r>
-            <a:r>
-              <a:rPr lang="ru-RU" sz="1200" b="1" i="0" kern="1200" dirty="0" smtClean="0">
-                <a:solidFill>
-                  <a:schemeClr val="tx1"/>
-                </a:solidFill>
-                <a:effectLst/>
-                <a:latin typeface="+mn-lt"/>
-                <a:ea typeface="+mn-ea"/>
-                <a:cs typeface="+mn-cs"/>
-              </a:rPr>
-              <a:t> </a:t>
-            </a:r>
-            <a:r>
-              <a:rPr lang="ru-RU" sz="1200" b="1" i="0" kern="1200" dirty="0" err="1" smtClean="0">
-                <a:solidFill>
-                  <a:schemeClr val="tx1"/>
-                </a:solidFill>
-                <a:effectLst/>
-                <a:latin typeface="+mn-lt"/>
-                <a:ea typeface="+mn-ea"/>
-                <a:cs typeface="+mn-cs"/>
-              </a:rPr>
-              <a:t>мгоут</a:t>
-            </a:r>
-            <a:r>
-              <a:rPr lang="ru-RU" sz="1200" b="1" i="0" kern="1200" dirty="0" smtClean="0">
-                <a:solidFill>
-                  <a:schemeClr val="tx1"/>
-                </a:solidFill>
-                <a:effectLst/>
-                <a:latin typeface="+mn-lt"/>
-                <a:ea typeface="+mn-ea"/>
-                <a:cs typeface="+mn-cs"/>
-              </a:rPr>
-              <a:t> </a:t>
-            </a:r>
-            <a:r>
-              <a:rPr lang="ru-RU" sz="1200" b="1" i="0" kern="1200" dirty="0" err="1" smtClean="0">
-                <a:solidFill>
-                  <a:schemeClr val="tx1"/>
-                </a:solidFill>
-                <a:effectLst/>
-                <a:latin typeface="+mn-lt"/>
-                <a:ea typeface="+mn-ea"/>
-                <a:cs typeface="+mn-cs"/>
-              </a:rPr>
-              <a:t>селдовтаь</a:t>
-            </a:r>
-            <a:r>
-              <a:rPr lang="ru-RU" sz="1200" b="1" i="0" kern="1200" dirty="0" smtClean="0">
-                <a:solidFill>
-                  <a:schemeClr val="tx1"/>
-                </a:solidFill>
-                <a:effectLst/>
-                <a:latin typeface="+mn-lt"/>
-                <a:ea typeface="+mn-ea"/>
-                <a:cs typeface="+mn-cs"/>
-              </a:rPr>
-              <a:t> в </a:t>
-            </a:r>
-            <a:r>
-              <a:rPr lang="ru-RU" sz="1200" b="1" i="0" kern="1200" dirty="0" err="1" smtClean="0">
-                <a:solidFill>
-                  <a:schemeClr val="tx1"/>
-                </a:solidFill>
-                <a:effectLst/>
-                <a:latin typeface="+mn-lt"/>
-                <a:ea typeface="+mn-ea"/>
-                <a:cs typeface="+mn-cs"/>
-              </a:rPr>
-              <a:t>плоонм</a:t>
-            </a:r>
-            <a:r>
-              <a:rPr lang="ru-RU" sz="1200" b="1" i="0" kern="1200" dirty="0" smtClean="0">
-                <a:solidFill>
-                  <a:schemeClr val="tx1"/>
-                </a:solidFill>
-                <a:effectLst/>
-                <a:latin typeface="+mn-lt"/>
-                <a:ea typeface="+mn-ea"/>
-                <a:cs typeface="+mn-cs"/>
-              </a:rPr>
-              <a:t> </a:t>
-            </a:r>
-            <a:r>
-              <a:rPr lang="ru-RU" sz="1200" b="1" i="0" kern="1200" dirty="0" err="1" smtClean="0">
-                <a:solidFill>
-                  <a:schemeClr val="tx1"/>
-                </a:solidFill>
-                <a:effectLst/>
-                <a:latin typeface="+mn-lt"/>
-                <a:ea typeface="+mn-ea"/>
-                <a:cs typeface="+mn-cs"/>
-              </a:rPr>
-              <a:t>бсепордяке</a:t>
-            </a:r>
-            <a:r>
-              <a:rPr lang="ru-RU" sz="1200" b="1" i="0" kern="1200" dirty="0" smtClean="0">
-                <a:solidFill>
-                  <a:schemeClr val="tx1"/>
-                </a:solidFill>
-                <a:effectLst/>
-                <a:latin typeface="+mn-lt"/>
-                <a:ea typeface="+mn-ea"/>
-                <a:cs typeface="+mn-cs"/>
-              </a:rPr>
-              <a:t>, все-рвано </a:t>
-            </a:r>
-            <a:r>
-              <a:rPr lang="ru-RU" sz="1200" b="1" i="0" kern="1200" dirty="0" err="1" smtClean="0">
-                <a:solidFill>
-                  <a:schemeClr val="tx1"/>
-                </a:solidFill>
-                <a:effectLst/>
-                <a:latin typeface="+mn-lt"/>
-                <a:ea typeface="+mn-ea"/>
-                <a:cs typeface="+mn-cs"/>
-              </a:rPr>
-              <a:t>ткест</a:t>
-            </a:r>
-            <a:r>
-              <a:rPr lang="ru-RU" sz="1200" b="1" i="0" kern="1200" dirty="0" smtClean="0">
-                <a:solidFill>
-                  <a:schemeClr val="tx1"/>
-                </a:solidFill>
-                <a:effectLst/>
-                <a:latin typeface="+mn-lt"/>
-                <a:ea typeface="+mn-ea"/>
-                <a:cs typeface="+mn-cs"/>
-              </a:rPr>
-              <a:t> </a:t>
-            </a:r>
-            <a:r>
-              <a:rPr lang="ru-RU" sz="1200" b="1" i="0" kern="1200" dirty="0" err="1" smtClean="0">
-                <a:solidFill>
-                  <a:schemeClr val="tx1"/>
-                </a:solidFill>
-                <a:effectLst/>
-                <a:latin typeface="+mn-lt"/>
-                <a:ea typeface="+mn-ea"/>
-                <a:cs typeface="+mn-cs"/>
-              </a:rPr>
-              <a:t>чтаитсея</a:t>
-            </a:r>
-            <a:r>
-              <a:rPr lang="ru-RU" sz="1200" b="1" i="0" kern="1200" dirty="0" smtClean="0">
-                <a:solidFill>
-                  <a:schemeClr val="tx1"/>
-                </a:solidFill>
-                <a:effectLst/>
-                <a:latin typeface="+mn-lt"/>
-                <a:ea typeface="+mn-ea"/>
-                <a:cs typeface="+mn-cs"/>
-              </a:rPr>
-              <a:t> без </a:t>
-            </a:r>
-            <a:r>
-              <a:rPr lang="ru-RU" sz="1200" b="1" i="0" kern="1200" dirty="0" err="1" smtClean="0">
-                <a:solidFill>
-                  <a:schemeClr val="tx1"/>
-                </a:solidFill>
-                <a:effectLst/>
-                <a:latin typeface="+mn-lt"/>
-                <a:ea typeface="+mn-ea"/>
-                <a:cs typeface="+mn-cs"/>
-              </a:rPr>
-              <a:t>побрелм</a:t>
-            </a:r>
-            <a:r>
-              <a:rPr lang="ru-RU" sz="1200" b="1" i="0" kern="1200" dirty="0" smtClean="0">
-                <a:solidFill>
-                  <a:schemeClr val="tx1"/>
-                </a:solidFill>
-                <a:effectLst/>
-                <a:latin typeface="+mn-lt"/>
-                <a:ea typeface="+mn-ea"/>
-                <a:cs typeface="+mn-cs"/>
-              </a:rPr>
-              <a:t>. </a:t>
-            </a:r>
-            <a:r>
-              <a:rPr lang="ru-RU" sz="1200" b="1" i="0" kern="1200" dirty="0" err="1" smtClean="0">
-                <a:solidFill>
-                  <a:schemeClr val="tx1"/>
-                </a:solidFill>
-                <a:effectLst/>
-                <a:latin typeface="+mn-lt"/>
-                <a:ea typeface="+mn-ea"/>
-                <a:cs typeface="+mn-cs"/>
-              </a:rPr>
-              <a:t>Пичрионй</a:t>
-            </a:r>
-            <a:r>
-              <a:rPr lang="ru-RU" sz="1200" b="1" i="0" kern="1200" dirty="0" smtClean="0">
-                <a:solidFill>
-                  <a:schemeClr val="tx1"/>
-                </a:solidFill>
-                <a:effectLst/>
-                <a:latin typeface="+mn-lt"/>
-                <a:ea typeface="+mn-ea"/>
-                <a:cs typeface="+mn-cs"/>
-              </a:rPr>
-              <a:t> </a:t>
-            </a:r>
-            <a:r>
-              <a:rPr lang="ru-RU" sz="1200" b="1" i="0" kern="1200" dirty="0" err="1" smtClean="0">
-                <a:solidFill>
-                  <a:schemeClr val="tx1"/>
-                </a:solidFill>
-                <a:effectLst/>
-                <a:latin typeface="+mn-lt"/>
-                <a:ea typeface="+mn-ea"/>
-                <a:cs typeface="+mn-cs"/>
-              </a:rPr>
-              <a:t>эгото</a:t>
-            </a:r>
-            <a:r>
-              <a:rPr lang="ru-RU" sz="1200" b="1" i="0" kern="1200" dirty="0" smtClean="0">
-                <a:solidFill>
-                  <a:schemeClr val="tx1"/>
-                </a:solidFill>
-                <a:effectLst/>
-                <a:latin typeface="+mn-lt"/>
-                <a:ea typeface="+mn-ea"/>
-                <a:cs typeface="+mn-cs"/>
-              </a:rPr>
-              <a:t> </a:t>
-            </a:r>
-            <a:r>
-              <a:rPr lang="ru-RU" sz="1200" b="1" i="0" kern="1200" dirty="0" err="1" smtClean="0">
-                <a:solidFill>
-                  <a:schemeClr val="tx1"/>
-                </a:solidFill>
-                <a:effectLst/>
-                <a:latin typeface="+mn-lt"/>
-                <a:ea typeface="+mn-ea"/>
-                <a:cs typeface="+mn-cs"/>
-              </a:rPr>
-              <a:t>ялвятеся</a:t>
-            </a:r>
-            <a:r>
-              <a:rPr lang="ru-RU" sz="1200" b="1" i="0" kern="1200" dirty="0" smtClean="0">
-                <a:solidFill>
-                  <a:schemeClr val="tx1"/>
-                </a:solidFill>
-                <a:effectLst/>
-                <a:latin typeface="+mn-lt"/>
-                <a:ea typeface="+mn-ea"/>
-                <a:cs typeface="+mn-cs"/>
-              </a:rPr>
-              <a:t> то, что мы не </a:t>
-            </a:r>
-            <a:r>
-              <a:rPr lang="ru-RU" sz="1200" b="1" i="0" kern="1200" dirty="0" err="1" smtClean="0">
-                <a:solidFill>
-                  <a:schemeClr val="tx1"/>
-                </a:solidFill>
-                <a:effectLst/>
-                <a:latin typeface="+mn-lt"/>
-                <a:ea typeface="+mn-ea"/>
-                <a:cs typeface="+mn-cs"/>
-              </a:rPr>
-              <a:t>чиаетм</a:t>
-            </a:r>
-            <a:r>
-              <a:rPr lang="ru-RU" sz="1200" b="1" i="0" kern="1200" dirty="0" smtClean="0">
-                <a:solidFill>
-                  <a:schemeClr val="tx1"/>
-                </a:solidFill>
-                <a:effectLst/>
-                <a:latin typeface="+mn-lt"/>
-                <a:ea typeface="+mn-ea"/>
-                <a:cs typeface="+mn-cs"/>
-              </a:rPr>
-              <a:t> </a:t>
-            </a:r>
-            <a:r>
-              <a:rPr lang="ru-RU" sz="1200" b="1" i="0" kern="1200" dirty="0" err="1" smtClean="0">
-                <a:solidFill>
-                  <a:schemeClr val="tx1"/>
-                </a:solidFill>
-                <a:effectLst/>
-                <a:latin typeface="+mn-lt"/>
-                <a:ea typeface="+mn-ea"/>
-                <a:cs typeface="+mn-cs"/>
-              </a:rPr>
-              <a:t>кдаужю</a:t>
-            </a:r>
-            <a:r>
-              <a:rPr lang="ru-RU" sz="1200" b="1" i="0" kern="1200" dirty="0" smtClean="0">
-                <a:solidFill>
-                  <a:schemeClr val="tx1"/>
-                </a:solidFill>
-                <a:effectLst/>
-                <a:latin typeface="+mn-lt"/>
-                <a:ea typeface="+mn-ea"/>
-                <a:cs typeface="+mn-cs"/>
-              </a:rPr>
-              <a:t> </a:t>
-            </a:r>
-            <a:r>
-              <a:rPr lang="ru-RU" sz="1200" b="1" i="0" kern="1200" dirty="0" err="1" smtClean="0">
-                <a:solidFill>
-                  <a:schemeClr val="tx1"/>
-                </a:solidFill>
-                <a:effectLst/>
-                <a:latin typeface="+mn-lt"/>
-                <a:ea typeface="+mn-ea"/>
-                <a:cs typeface="+mn-cs"/>
-              </a:rPr>
-              <a:t>бкуву</a:t>
-            </a:r>
-            <a:r>
-              <a:rPr lang="ru-RU" sz="1200" b="1" i="0" kern="1200" dirty="0" smtClean="0">
-                <a:solidFill>
-                  <a:schemeClr val="tx1"/>
-                </a:solidFill>
-                <a:effectLst/>
-                <a:latin typeface="+mn-lt"/>
-                <a:ea typeface="+mn-ea"/>
-                <a:cs typeface="+mn-cs"/>
-              </a:rPr>
-              <a:t> по </a:t>
-            </a:r>
-            <a:r>
-              <a:rPr lang="ru-RU" sz="1200" b="1" i="0" kern="1200" dirty="0" err="1" smtClean="0">
-                <a:solidFill>
-                  <a:schemeClr val="tx1"/>
-                </a:solidFill>
-                <a:effectLst/>
-                <a:latin typeface="+mn-lt"/>
-                <a:ea typeface="+mn-ea"/>
-                <a:cs typeface="+mn-cs"/>
-              </a:rPr>
-              <a:t>отдльенотси</a:t>
-            </a:r>
-            <a:r>
-              <a:rPr lang="ru-RU" sz="1200" b="1" i="0" kern="1200" dirty="0" smtClean="0">
-                <a:solidFill>
-                  <a:schemeClr val="tx1"/>
-                </a:solidFill>
-                <a:effectLst/>
-                <a:latin typeface="+mn-lt"/>
-                <a:ea typeface="+mn-ea"/>
-                <a:cs typeface="+mn-cs"/>
-              </a:rPr>
-              <a:t>, а все </a:t>
-            </a:r>
-            <a:r>
-              <a:rPr lang="ru-RU" sz="1200" b="1" i="0" kern="1200" dirty="0" err="1" smtClean="0">
-                <a:solidFill>
-                  <a:schemeClr val="tx1"/>
-                </a:solidFill>
-                <a:effectLst/>
-                <a:latin typeface="+mn-lt"/>
-                <a:ea typeface="+mn-ea"/>
-                <a:cs typeface="+mn-cs"/>
-              </a:rPr>
-              <a:t>солво</a:t>
-            </a:r>
-            <a:r>
-              <a:rPr lang="ru-RU" sz="1200" b="1" i="0" kern="1200" dirty="0" smtClean="0">
-                <a:solidFill>
-                  <a:schemeClr val="tx1"/>
-                </a:solidFill>
-                <a:effectLst/>
-                <a:latin typeface="+mn-lt"/>
-                <a:ea typeface="+mn-ea"/>
-                <a:cs typeface="+mn-cs"/>
-              </a:rPr>
-              <a:t> </a:t>
-            </a:r>
-            <a:r>
-              <a:rPr lang="ru-RU" sz="1200" b="1" i="0" kern="1200" dirty="0" err="1" smtClean="0">
-                <a:solidFill>
-                  <a:schemeClr val="tx1"/>
-                </a:solidFill>
-                <a:effectLst/>
-                <a:latin typeface="+mn-lt"/>
-                <a:ea typeface="+mn-ea"/>
-                <a:cs typeface="+mn-cs"/>
-              </a:rPr>
-              <a:t>цлиеком</a:t>
-            </a:r>
-            <a:r>
-              <a:rPr lang="ru-RU" sz="1200" b="1" i="0" kern="1200" dirty="0" smtClean="0">
-                <a:solidFill>
-                  <a:schemeClr val="tx1"/>
-                </a:solidFill>
-                <a:effectLst/>
-                <a:latin typeface="+mn-lt"/>
-                <a:ea typeface="+mn-ea"/>
-                <a:cs typeface="+mn-cs"/>
-              </a:rPr>
-              <a:t>.</a:t>
-            </a:r>
-            <a:r>
-              <a:rPr lang="ru-RU" sz="1200" b="0" i="0" kern="1200" baseline="0" dirty="0" smtClean="0">
-                <a:solidFill>
-                  <a:schemeClr val="tx1"/>
-                </a:solidFill>
-                <a:effectLst/>
-                <a:latin typeface="+mn-lt"/>
-                <a:ea typeface="+mn-ea"/>
-                <a:cs typeface="+mn-cs"/>
-              </a:rPr>
-              <a:t>»</a:t>
-            </a:r>
-            <a:endParaRPr lang="ru-RU" dirty="0" smtClean="0"/>
-          </a:p>
-          <a:p>
-            <a:r>
-              <a:rPr lang="ru-RU" dirty="0" smtClean="0"/>
-              <a:t>5. </a:t>
-            </a:r>
-            <a:r>
-              <a:rPr lang="en-US" sz="1200" b="0" i="0" kern="1200" dirty="0" smtClean="0">
-                <a:solidFill>
-                  <a:schemeClr val="tx1"/>
-                </a:solidFill>
-                <a:effectLst/>
-                <a:latin typeface="+mn-lt"/>
-                <a:ea typeface="+mn-ea"/>
-                <a:cs typeface="+mn-cs"/>
-              </a:rPr>
-              <a:t>private </a:t>
-            </a:r>
-            <a:r>
-              <a:rPr lang="en-US" sz="1200" b="1" i="0" kern="1200" dirty="0" smtClean="0">
-                <a:solidFill>
-                  <a:schemeClr val="tx1"/>
-                </a:solidFill>
-                <a:effectLst/>
-                <a:latin typeface="+mn-lt"/>
-                <a:ea typeface="+mn-ea"/>
-                <a:cs typeface="+mn-cs"/>
-              </a:rPr>
-              <a:t>static</a:t>
-            </a:r>
-            <a:r>
-              <a:rPr lang="en-US" sz="1200" b="0" i="0" kern="1200" dirty="0" smtClean="0">
-                <a:solidFill>
-                  <a:schemeClr val="tx1"/>
-                </a:solidFill>
-                <a:effectLst/>
-                <a:latin typeface="+mn-lt"/>
-                <a:ea typeface="+mn-ea"/>
-                <a:cs typeface="+mn-cs"/>
-              </a:rPr>
-              <a:t> </a:t>
-            </a:r>
-            <a:r>
-              <a:rPr lang="en-US" sz="1200" b="0" i="0" kern="1200" dirty="0" err="1" smtClean="0">
-                <a:solidFill>
-                  <a:schemeClr val="tx1"/>
-                </a:solidFill>
-                <a:effectLst/>
-                <a:latin typeface="+mn-lt"/>
-                <a:ea typeface="+mn-ea"/>
-                <a:cs typeface="+mn-cs"/>
-              </a:rPr>
-              <a:t>readonly</a:t>
-            </a:r>
-            <a:r>
-              <a:rPr lang="en-US" sz="1200" b="0" i="0" kern="1200" dirty="0" smtClean="0">
-                <a:solidFill>
-                  <a:schemeClr val="tx1"/>
-                </a:solidFill>
-                <a:effectLst/>
-                <a:latin typeface="+mn-lt"/>
-                <a:ea typeface="+mn-ea"/>
-                <a:cs typeface="+mn-cs"/>
-              </a:rPr>
-              <a:t> </a:t>
-            </a:r>
-            <a:r>
-              <a:rPr lang="en-US" sz="1200" b="0" i="0" kern="1200" dirty="0" err="1" smtClean="0">
-                <a:solidFill>
-                  <a:schemeClr val="tx1"/>
-                </a:solidFill>
-                <a:effectLst/>
-                <a:latin typeface="+mn-lt"/>
-                <a:ea typeface="+mn-ea"/>
-                <a:cs typeface="+mn-cs"/>
-              </a:rPr>
-              <a:t>IDictionary</a:t>
-            </a:r>
-            <a:r>
-              <a:rPr lang="en-US" sz="1200" b="0" i="0" kern="1200" dirty="0" smtClean="0">
-                <a:solidFill>
-                  <a:schemeClr val="tx1"/>
-                </a:solidFill>
-                <a:effectLst/>
-                <a:latin typeface="+mn-lt"/>
-                <a:ea typeface="+mn-ea"/>
-                <a:cs typeface="+mn-cs"/>
-              </a:rPr>
-              <a:t>&lt;string, </a:t>
-            </a:r>
-            <a:r>
-              <a:rPr lang="en-US" sz="1200" b="0" i="0" kern="1200" dirty="0" err="1" smtClean="0">
-                <a:solidFill>
-                  <a:schemeClr val="tx1"/>
-                </a:solidFill>
-                <a:effectLst/>
-                <a:latin typeface="+mn-lt"/>
-                <a:ea typeface="+mn-ea"/>
-                <a:cs typeface="+mn-cs"/>
-              </a:rPr>
-              <a:t>int</a:t>
-            </a:r>
-            <a:r>
-              <a:rPr lang="en-US" sz="1200" b="0" i="0" kern="1200" dirty="0" smtClean="0">
-                <a:solidFill>
-                  <a:schemeClr val="tx1"/>
-                </a:solidFill>
-                <a:effectLst/>
-                <a:latin typeface="+mn-lt"/>
-                <a:ea typeface="+mn-ea"/>
-                <a:cs typeface="+mn-cs"/>
-              </a:rPr>
-              <a:t>&gt; stats = new Dictionary&lt;string, </a:t>
-            </a:r>
-            <a:r>
-              <a:rPr lang="en-US" sz="1200" b="0" i="0" kern="1200" dirty="0" err="1" smtClean="0">
-                <a:solidFill>
-                  <a:schemeClr val="tx1"/>
-                </a:solidFill>
-                <a:effectLst/>
-                <a:latin typeface="+mn-lt"/>
-                <a:ea typeface="+mn-ea"/>
-                <a:cs typeface="+mn-cs"/>
-              </a:rPr>
-              <a:t>int</a:t>
-            </a:r>
-            <a:r>
-              <a:rPr lang="en-US" sz="1200" b="0" i="0" kern="1200" dirty="0" smtClean="0">
-                <a:solidFill>
-                  <a:schemeClr val="tx1"/>
-                </a:solidFill>
-                <a:effectLst/>
-                <a:latin typeface="+mn-lt"/>
-                <a:ea typeface="+mn-ea"/>
-                <a:cs typeface="+mn-cs"/>
-              </a:rPr>
-              <a:t>&gt;();</a:t>
-            </a:r>
-            <a:r>
-              <a:rPr lang="ru-RU" dirty="0" smtClean="0"/>
-              <a:t/>
-            </a:r>
-            <a:br>
-              <a:rPr lang="ru-RU" dirty="0" smtClean="0"/>
-            </a:br>
-            <a:r>
-              <a:rPr lang="ru-RU" dirty="0" smtClean="0"/>
-              <a:t>6. Много тестов, проверяющих</a:t>
-            </a:r>
-            <a:r>
-              <a:rPr lang="ru-RU" baseline="0" dirty="0" smtClean="0"/>
-              <a:t> одно и то же – плохо.</a:t>
-            </a:r>
-          </a:p>
-          <a:p>
-            <a:r>
-              <a:rPr lang="ru-RU" baseline="0" dirty="0" smtClean="0"/>
-              <a:t>Почему?</a:t>
-            </a:r>
-          </a:p>
-          <a:p>
-            <a:pPr marL="171450" indent="-171450">
-              <a:buFont typeface="Arial" panose="020B0604020202020204" pitchFamily="34" charset="0"/>
-              <a:buChar char="•"/>
-            </a:pPr>
-            <a:r>
-              <a:rPr lang="ru-RU" baseline="0" dirty="0" smtClean="0"/>
-              <a:t>Каждую колонку можно рассматривать как требование из спецификации. Мы живём в изменяющемся мире, условия меняются, требования меняются, соответственно тесты и реализация тоже должны меняться. Но когда у тебя 12 тестов, проверяющих одно и то же требование. То при изменении этого требования, придётся поменять 12 тестов. А если этих тестов 20? 100?..</a:t>
-            </a:r>
+              <a:t>Как его можно улучшить?</a:t>
+            </a:r>
+          </a:p>
+          <a:p>
+            <a:endParaRPr lang="ru-RU" baseline="0" dirty="0" smtClean="0"/>
           </a:p>
         </p:txBody>
       </p:sp>
@@ -9195,7 +8759,7 @@
           <a:p>
             <a:fld id="{3BAECB10-9972-4830-A584-02C41DAFD45B}" type="slidenum">
               <a:rPr lang="ru-RU" smtClean="0"/>
-              <a:t>20</a:t>
+              <a:t>17</a:t>
             </a:fld>
             <a:endParaRPr lang="ru-RU"/>
           </a:p>
@@ -9204,7 +8768,597 @@
     </p:spTree>
     <p:extLst>
       <p:ext uri="{BB962C8B-B14F-4D97-AF65-F5344CB8AC3E}">
-        <p14:creationId xmlns:p14="http://schemas.microsoft.com/office/powerpoint/2010/main" val="3738593691"/>
+        <p14:creationId xmlns:p14="http://schemas.microsoft.com/office/powerpoint/2010/main" val="3869741923"/>
+      </p:ext>
+    </p:extLst>
+  </p:cSld>
+  <p:clrMapOvr>
+    <a:masterClrMapping/>
+  </p:clrMapOvr>
+</p:notes>
+</file>
+
+<file path=ppt/notesSlides/notesSlide16.xml><?xml version="1.0" encoding="utf-8"?>
+<p:notes xmlns:a="http://schemas.openxmlformats.org/drawingml/2006/main" xmlns:r="http://schemas.openxmlformats.org/officeDocument/2006/relationships" xmlns:p="http://schemas.openxmlformats.org/presentationml/2006/main">
+  <p:cSld>
+    <p:spTree>
+      <p:nvGrpSpPr>
+        <p:cNvPr id="1" name=""/>
+        <p:cNvGrpSpPr/>
+        <p:nvPr/>
+      </p:nvGrpSpPr>
+      <p:grpSpPr>
+        <a:xfrm>
+          <a:off x="0" y="0"/>
+          <a:ext cx="0" cy="0"/>
+          <a:chOff x="0" y="0"/>
+          <a:chExt cx="0" cy="0"/>
+        </a:xfrm>
+      </p:grpSpPr>
+      <p:sp>
+        <p:nvSpPr>
+          <p:cNvPr id="2" name="Образ слайда 1"/>
+          <p:cNvSpPr>
+            <a:spLocks noGrp="1" noRot="1" noChangeAspect="1"/>
+          </p:cNvSpPr>
+          <p:nvPr>
+            <p:ph type="sldImg"/>
+          </p:nvPr>
+        </p:nvSpPr>
+        <p:spPr/>
+      </p:sp>
+      <p:sp>
+        <p:nvSpPr>
+          <p:cNvPr id="3" name="Заметки 2"/>
+          <p:cNvSpPr>
+            <a:spLocks noGrp="1"/>
+          </p:cNvSpPr>
+          <p:nvPr>
+            <p:ph type="body" idx="1"/>
+          </p:nvPr>
+        </p:nvSpPr>
+        <p:spPr/>
+        <p:txBody>
+          <a:bodyPr/>
+          <a:lstStyle/>
+          <a:p>
+            <a:r>
+              <a:rPr lang="ru-RU" dirty="0" smtClean="0"/>
+              <a:t>Обратите внимание,</a:t>
+            </a:r>
+            <a:r>
+              <a:rPr lang="ru-RU" baseline="0" dirty="0" smtClean="0"/>
+              <a:t> что в тесте можно вернуть не только </a:t>
+            </a:r>
+            <a:r>
+              <a:rPr lang="en-US" baseline="0" dirty="0" smtClean="0"/>
+              <a:t>void</a:t>
+            </a:r>
+            <a:r>
+              <a:rPr lang="ru-RU" baseline="0" dirty="0" smtClean="0"/>
+              <a:t>.</a:t>
+            </a:r>
+          </a:p>
+          <a:p>
+            <a:endParaRPr lang="ru-RU" dirty="0"/>
+          </a:p>
+        </p:txBody>
+      </p:sp>
+      <p:sp>
+        <p:nvSpPr>
+          <p:cNvPr id="4" name="Номер слайда 3"/>
+          <p:cNvSpPr>
+            <a:spLocks noGrp="1"/>
+          </p:cNvSpPr>
+          <p:nvPr>
+            <p:ph type="sldNum" sz="quarter" idx="10"/>
+          </p:nvPr>
+        </p:nvSpPr>
+        <p:spPr/>
+        <p:txBody>
+          <a:bodyPr/>
+          <a:lstStyle/>
+          <a:p>
+            <a:fld id="{3BAECB10-9972-4830-A584-02C41DAFD45B}" type="slidenum">
+              <a:rPr lang="ru-RU" smtClean="0"/>
+              <a:t>18</a:t>
+            </a:fld>
+            <a:endParaRPr lang="ru-RU"/>
+          </a:p>
+        </p:txBody>
+      </p:sp>
+    </p:spTree>
+    <p:extLst>
+      <p:ext uri="{BB962C8B-B14F-4D97-AF65-F5344CB8AC3E}">
+        <p14:creationId xmlns:p14="http://schemas.microsoft.com/office/powerpoint/2010/main" val="1233168358"/>
+      </p:ext>
+    </p:extLst>
+  </p:cSld>
+  <p:clrMapOvr>
+    <a:masterClrMapping/>
+  </p:clrMapOvr>
+</p:notes>
+</file>
+
+<file path=ppt/notesSlides/notesSlide17.xml><?xml version="1.0" encoding="utf-8"?>
+<p:notes xmlns:a="http://schemas.openxmlformats.org/drawingml/2006/main" xmlns:r="http://schemas.openxmlformats.org/officeDocument/2006/relationships" xmlns:p="http://schemas.openxmlformats.org/presentationml/2006/main">
+  <p:cSld>
+    <p:spTree>
+      <p:nvGrpSpPr>
+        <p:cNvPr id="1" name=""/>
+        <p:cNvGrpSpPr/>
+        <p:nvPr/>
+      </p:nvGrpSpPr>
+      <p:grpSpPr>
+        <a:xfrm>
+          <a:off x="0" y="0"/>
+          <a:ext cx="0" cy="0"/>
+          <a:chOff x="0" y="0"/>
+          <a:chExt cx="0" cy="0"/>
+        </a:xfrm>
+      </p:grpSpPr>
+      <p:sp>
+        <p:nvSpPr>
+          <p:cNvPr id="2" name="Образ слайда 1"/>
+          <p:cNvSpPr>
+            <a:spLocks noGrp="1" noRot="1" noChangeAspect="1"/>
+          </p:cNvSpPr>
+          <p:nvPr>
+            <p:ph type="sldImg"/>
+          </p:nvPr>
+        </p:nvSpPr>
+        <p:spPr/>
+      </p:sp>
+      <p:sp>
+        <p:nvSpPr>
+          <p:cNvPr id="3" name="Заметки 2"/>
+          <p:cNvSpPr>
+            <a:spLocks noGrp="1"/>
+          </p:cNvSpPr>
+          <p:nvPr>
+            <p:ph type="body" idx="1"/>
+          </p:nvPr>
+        </p:nvSpPr>
+        <p:spPr/>
+        <p:txBody>
+          <a:bodyPr/>
+          <a:lstStyle/>
+          <a:p>
+            <a:r>
+              <a:rPr lang="ru-RU" dirty="0" smtClean="0"/>
+              <a:t>Также</a:t>
+            </a:r>
+            <a:r>
+              <a:rPr lang="ru-RU" baseline="0" dirty="0" smtClean="0"/>
+              <a:t> можно ожидать </a:t>
+            </a:r>
+            <a:r>
+              <a:rPr lang="en-US" baseline="0" dirty="0" smtClean="0"/>
+              <a:t>Exception’</a:t>
+            </a:r>
+            <a:r>
+              <a:rPr lang="ru-RU" baseline="0" dirty="0" smtClean="0"/>
+              <a:t>ы. Да ещё и сообщение проверить</a:t>
+            </a:r>
+            <a:r>
+              <a:rPr lang="ru-RU" baseline="0" dirty="0" smtClean="0"/>
+              <a:t>.</a:t>
+            </a:r>
+            <a:r>
+              <a:rPr lang="en-US" baseline="0" dirty="0" smtClean="0"/>
+              <a:t> </a:t>
+            </a:r>
+            <a:r>
+              <a:rPr lang="ru-RU" baseline="0" dirty="0" smtClean="0"/>
+              <a:t>Это </a:t>
+            </a:r>
+            <a:r>
+              <a:rPr lang="en-US" baseline="0" dirty="0" err="1" smtClean="0"/>
+              <a:t>nUnit</a:t>
+            </a:r>
+            <a:r>
+              <a:rPr lang="en-US" baseline="0" dirty="0" smtClean="0"/>
+              <a:t> 2.x</a:t>
+            </a:r>
+            <a:r>
+              <a:rPr lang="ru-RU" baseline="0" dirty="0" smtClean="0"/>
+              <a:t>. В </a:t>
+            </a:r>
+            <a:r>
+              <a:rPr lang="en-US" baseline="0" dirty="0" smtClean="0"/>
+              <a:t>nUnit3 </a:t>
+            </a:r>
+            <a:r>
+              <a:rPr lang="ru-RU" baseline="0" dirty="0" smtClean="0"/>
+              <a:t>немного другой синтаксис.</a:t>
+            </a:r>
+          </a:p>
+        </p:txBody>
+      </p:sp>
+      <p:sp>
+        <p:nvSpPr>
+          <p:cNvPr id="4" name="Номер слайда 3"/>
+          <p:cNvSpPr>
+            <a:spLocks noGrp="1"/>
+          </p:cNvSpPr>
+          <p:nvPr>
+            <p:ph type="sldNum" sz="quarter" idx="10"/>
+          </p:nvPr>
+        </p:nvSpPr>
+        <p:spPr/>
+        <p:txBody>
+          <a:bodyPr/>
+          <a:lstStyle/>
+          <a:p>
+            <a:fld id="{3BAECB10-9972-4830-A584-02C41DAFD45B}" type="slidenum">
+              <a:rPr lang="ru-RU" smtClean="0"/>
+              <a:t>19</a:t>
+            </a:fld>
+            <a:endParaRPr lang="ru-RU"/>
+          </a:p>
+        </p:txBody>
+      </p:sp>
+    </p:spTree>
+    <p:extLst>
+      <p:ext uri="{BB962C8B-B14F-4D97-AF65-F5344CB8AC3E}">
+        <p14:creationId xmlns:p14="http://schemas.microsoft.com/office/powerpoint/2010/main" val="1389233277"/>
+      </p:ext>
+    </p:extLst>
+  </p:cSld>
+  <p:clrMapOvr>
+    <a:masterClrMapping/>
+  </p:clrMapOvr>
+</p:notes>
+</file>
+
+<file path=ppt/notesSlides/notesSlide18.xml><?xml version="1.0" encoding="utf-8"?>
+<p:notes xmlns:a="http://schemas.openxmlformats.org/drawingml/2006/main" xmlns:r="http://schemas.openxmlformats.org/officeDocument/2006/relationships" xmlns:p="http://schemas.openxmlformats.org/presentationml/2006/main">
+  <p:cSld>
+    <p:spTree>
+      <p:nvGrpSpPr>
+        <p:cNvPr id="1" name=""/>
+        <p:cNvGrpSpPr/>
+        <p:nvPr/>
+      </p:nvGrpSpPr>
+      <p:grpSpPr>
+        <a:xfrm>
+          <a:off x="0" y="0"/>
+          <a:ext cx="0" cy="0"/>
+          <a:chOff x="0" y="0"/>
+          <a:chExt cx="0" cy="0"/>
+        </a:xfrm>
+      </p:grpSpPr>
+      <p:sp>
+        <p:nvSpPr>
+          <p:cNvPr id="2" name="Образ слайда 1"/>
+          <p:cNvSpPr>
+            <a:spLocks noGrp="1" noRot="1" noChangeAspect="1"/>
+          </p:cNvSpPr>
+          <p:nvPr>
+            <p:ph type="sldImg"/>
+          </p:nvPr>
+        </p:nvSpPr>
+        <p:spPr/>
+      </p:sp>
+      <p:sp>
+        <p:nvSpPr>
+          <p:cNvPr id="3" name="Заметки 2"/>
+          <p:cNvSpPr>
+            <a:spLocks noGrp="1"/>
+          </p:cNvSpPr>
+          <p:nvPr>
+            <p:ph type="body" idx="1"/>
+          </p:nvPr>
+        </p:nvSpPr>
+        <p:spPr/>
+        <p:txBody>
+          <a:bodyPr/>
+          <a:lstStyle/>
+          <a:p>
+            <a:pPr marL="0" marR="0" lvl="0" indent="0" algn="l" defTabSz="914400" rtl="0" eaLnBrk="1" fontAlgn="auto" latinLnBrk="0" hangingPunct="1">
+              <a:lnSpc>
+                <a:spcPct val="100000"/>
+              </a:lnSpc>
+              <a:spcBef>
+                <a:spcPts val="0"/>
+              </a:spcBef>
+              <a:spcAft>
+                <a:spcPts val="0"/>
+              </a:spcAft>
+              <a:buClrTx/>
+              <a:buSzTx/>
+              <a:buFontTx/>
+              <a:buNone/>
+              <a:tabLst/>
+              <a:defRPr/>
+            </a:pPr>
+            <a:r>
+              <a:rPr lang="en-US" dirty="0" err="1" smtClean="0"/>
+              <a:t>NUnit</a:t>
+            </a:r>
+            <a:r>
+              <a:rPr lang="ru-RU" baseline="0" dirty="0" smtClean="0"/>
+              <a:t> умеет много всего интересного. Просмотрите хотя бы один раз его документацию на </a:t>
+            </a:r>
+            <a:r>
+              <a:rPr lang="en-US" baseline="0" dirty="0" smtClean="0"/>
+              <a:t>nunit.org</a:t>
+            </a:r>
+            <a:r>
+              <a:rPr lang="ru-RU" baseline="0" dirty="0" smtClean="0"/>
+              <a:t>.</a:t>
+            </a:r>
+            <a:r>
+              <a:rPr lang="en-US" baseline="0" dirty="0" smtClean="0"/>
+              <a:t> </a:t>
+            </a:r>
+            <a:r>
+              <a:rPr lang="ru-RU" baseline="0" dirty="0" smtClean="0"/>
+              <a:t>Вот пример того, что можно там найти.</a:t>
+            </a:r>
+            <a:endParaRPr lang="ru-RU" dirty="0" smtClean="0"/>
+          </a:p>
+          <a:p>
+            <a:endParaRPr lang="ru-RU" dirty="0" smtClean="0"/>
+          </a:p>
+          <a:p>
+            <a:r>
+              <a:rPr lang="en-US" dirty="0" smtClean="0"/>
+              <a:t>[Timeout]</a:t>
+            </a:r>
+            <a:endParaRPr lang="ru-RU" dirty="0" smtClean="0"/>
+          </a:p>
+          <a:p>
+            <a:r>
+              <a:rPr lang="ru-RU" dirty="0" smtClean="0"/>
+              <a:t>- : Достаточно</a:t>
+            </a:r>
+            <a:r>
+              <a:rPr lang="ru-RU" baseline="0" dirty="0" smtClean="0"/>
+              <a:t> грубая проверка производительности. Полноценная проверка производительности – это большая отдельная тема.</a:t>
+            </a:r>
+          </a:p>
+          <a:p>
+            <a:r>
+              <a:rPr lang="ru-RU" baseline="0" dirty="0" smtClean="0"/>
+              <a:t>+ : Помогает обнаружить изъяны в реализации.</a:t>
+            </a:r>
+          </a:p>
+          <a:p>
+            <a:endParaRPr lang="ru-RU" baseline="0" dirty="0" smtClean="0"/>
+          </a:p>
+          <a:p>
+            <a:r>
+              <a:rPr lang="ru-RU" baseline="0" dirty="0" smtClean="0"/>
+              <a:t>Как пользоваться </a:t>
+            </a:r>
+            <a:r>
+              <a:rPr lang="en-US" baseline="0" dirty="0" smtClean="0"/>
+              <a:t>Timeout’</a:t>
+            </a:r>
+            <a:r>
+              <a:rPr lang="ru-RU" baseline="0" dirty="0" smtClean="0"/>
+              <a:t>ом? Какое значение в </a:t>
+            </a:r>
+            <a:r>
+              <a:rPr lang="ru-RU" baseline="0" dirty="0" err="1" smtClean="0"/>
+              <a:t>мс</a:t>
+            </a:r>
+            <a:r>
+              <a:rPr lang="ru-RU" baseline="0" dirty="0" smtClean="0"/>
+              <a:t> адекватное?</a:t>
+            </a:r>
+          </a:p>
+          <a:p>
+            <a:r>
+              <a:rPr lang="ru-RU" baseline="0" dirty="0" smtClean="0"/>
+              <a:t>Что он должен ловить?</a:t>
+            </a:r>
+          </a:p>
+          <a:p>
+            <a:r>
+              <a:rPr lang="en-US" baseline="0" dirty="0" smtClean="0"/>
+              <a:t>O(n)</a:t>
+            </a:r>
+          </a:p>
+          <a:p>
+            <a:r>
+              <a:rPr lang="en-US" baseline="0" dirty="0" smtClean="0"/>
+              <a:t>O(n^2)</a:t>
+            </a:r>
+            <a:r>
+              <a:rPr lang="ru-RU" baseline="0" dirty="0" smtClean="0"/>
+              <a:t> и прочее.</a:t>
+            </a:r>
+            <a:endParaRPr lang="en-US" baseline="0" dirty="0" smtClean="0"/>
+          </a:p>
+          <a:p>
+            <a:endParaRPr lang="ru-RU" baseline="0" dirty="0" smtClean="0"/>
+          </a:p>
+          <a:p>
+            <a:endParaRPr lang="ru-RU" dirty="0"/>
+          </a:p>
+        </p:txBody>
+      </p:sp>
+      <p:sp>
+        <p:nvSpPr>
+          <p:cNvPr id="4" name="Номер слайда 3"/>
+          <p:cNvSpPr>
+            <a:spLocks noGrp="1"/>
+          </p:cNvSpPr>
+          <p:nvPr>
+            <p:ph type="sldNum" sz="quarter" idx="10"/>
+          </p:nvPr>
+        </p:nvSpPr>
+        <p:spPr/>
+        <p:txBody>
+          <a:bodyPr/>
+          <a:lstStyle/>
+          <a:p>
+            <a:fld id="{3BAECB10-9972-4830-A584-02C41DAFD45B}" type="slidenum">
+              <a:rPr lang="ru-RU" smtClean="0"/>
+              <a:t>20</a:t>
+            </a:fld>
+            <a:endParaRPr lang="ru-RU"/>
+          </a:p>
+        </p:txBody>
+      </p:sp>
+    </p:spTree>
+    <p:extLst>
+      <p:ext uri="{BB962C8B-B14F-4D97-AF65-F5344CB8AC3E}">
+        <p14:creationId xmlns:p14="http://schemas.microsoft.com/office/powerpoint/2010/main" val="2929866659"/>
+      </p:ext>
+    </p:extLst>
+  </p:cSld>
+  <p:clrMapOvr>
+    <a:masterClrMapping/>
+  </p:clrMapOvr>
+</p:notes>
+</file>
+
+<file path=ppt/notesSlides/notesSlide19.xml><?xml version="1.0" encoding="utf-8"?>
+<p:notes xmlns:a="http://schemas.openxmlformats.org/drawingml/2006/main" xmlns:r="http://schemas.openxmlformats.org/officeDocument/2006/relationships" xmlns:p="http://schemas.openxmlformats.org/presentationml/2006/main">
+  <p:cSld>
+    <p:spTree>
+      <p:nvGrpSpPr>
+        <p:cNvPr id="1" name=""/>
+        <p:cNvGrpSpPr/>
+        <p:nvPr/>
+      </p:nvGrpSpPr>
+      <p:grpSpPr>
+        <a:xfrm>
+          <a:off x="0" y="0"/>
+          <a:ext cx="0" cy="0"/>
+          <a:chOff x="0" y="0"/>
+          <a:chExt cx="0" cy="0"/>
+        </a:xfrm>
+      </p:grpSpPr>
+      <p:sp>
+        <p:nvSpPr>
+          <p:cNvPr id="2" name="Образ слайда 1"/>
+          <p:cNvSpPr>
+            <a:spLocks noGrp="1" noRot="1" noChangeAspect="1"/>
+          </p:cNvSpPr>
+          <p:nvPr>
+            <p:ph type="sldImg"/>
+          </p:nvPr>
+        </p:nvSpPr>
+        <p:spPr/>
+      </p:sp>
+      <p:sp>
+        <p:nvSpPr>
+          <p:cNvPr id="3" name="Заметки 2"/>
+          <p:cNvSpPr>
+            <a:spLocks noGrp="1"/>
+          </p:cNvSpPr>
+          <p:nvPr>
+            <p:ph type="body" idx="1"/>
+          </p:nvPr>
+        </p:nvSpPr>
+        <p:spPr/>
+        <p:txBody>
+          <a:bodyPr/>
+          <a:lstStyle/>
+          <a:p>
+            <a:r>
+              <a:rPr lang="ru-RU" dirty="0" smtClean="0"/>
+              <a:t>Неочевидный</a:t>
+            </a:r>
+            <a:r>
+              <a:rPr lang="ru-RU" baseline="0" dirty="0" smtClean="0"/>
+              <a:t> синтаксис у </a:t>
+            </a:r>
+            <a:r>
+              <a:rPr lang="en-US" baseline="0" dirty="0" smtClean="0"/>
+              <a:t>Assert</a:t>
+            </a:r>
+            <a:r>
+              <a:rPr lang="ru-RU" baseline="0" dirty="0" smtClean="0"/>
+              <a:t>.</a:t>
+            </a:r>
+          </a:p>
+          <a:p>
+            <a:r>
+              <a:rPr lang="ru-RU" baseline="0" dirty="0" smtClean="0"/>
+              <a:t>Что должно быть сначала, а что в конце?</a:t>
+            </a:r>
+          </a:p>
+          <a:p>
+            <a:endParaRPr lang="ru-RU" baseline="0" dirty="0" smtClean="0"/>
+          </a:p>
+          <a:p>
+            <a:r>
+              <a:rPr lang="ru-RU" baseline="0" dirty="0" smtClean="0"/>
+              <a:t>Если перепутать местами </a:t>
+            </a:r>
+            <a:r>
+              <a:rPr lang="en-US" baseline="0" dirty="0" smtClean="0"/>
+              <a:t>actual </a:t>
+            </a:r>
+            <a:r>
+              <a:rPr lang="ru-RU" baseline="0" dirty="0" smtClean="0"/>
+              <a:t>и </a:t>
+            </a:r>
+            <a:r>
+              <a:rPr lang="en-US" baseline="0" dirty="0" smtClean="0"/>
+              <a:t>expected, </a:t>
+            </a:r>
+            <a:r>
+              <a:rPr lang="ru-RU" baseline="0" dirty="0" smtClean="0"/>
+              <a:t>то при срабатывании теста </a:t>
+            </a:r>
+            <a:r>
+              <a:rPr lang="en-US" baseline="0" dirty="0" smtClean="0"/>
+              <a:t>output </a:t>
+            </a:r>
+            <a:r>
+              <a:rPr lang="ru-RU" baseline="0" dirty="0" smtClean="0"/>
+              <a:t>будет не ясен.</a:t>
+            </a:r>
+          </a:p>
+          <a:p>
+            <a:r>
+              <a:rPr lang="ru-RU" baseline="0" dirty="0" smtClean="0"/>
+              <a:t>«</a:t>
+            </a:r>
+            <a:r>
+              <a:rPr lang="ru-RU" baseline="0" dirty="0" err="1" smtClean="0"/>
+              <a:t>эээээ</a:t>
+            </a:r>
+            <a:r>
+              <a:rPr lang="ru-RU" baseline="0" dirty="0" smtClean="0"/>
+              <a:t>…Я же так и написал, чего он ругается?»</a:t>
+            </a:r>
+          </a:p>
+        </p:txBody>
+      </p:sp>
+      <p:sp>
+        <p:nvSpPr>
+          <p:cNvPr id="4" name="Номер слайда 3"/>
+          <p:cNvSpPr>
+            <a:spLocks noGrp="1"/>
+          </p:cNvSpPr>
+          <p:nvPr>
+            <p:ph type="sldNum" sz="quarter" idx="10"/>
+          </p:nvPr>
+        </p:nvSpPr>
+        <p:spPr/>
+        <p:txBody>
+          <a:bodyPr/>
+          <a:lstStyle/>
+          <a:p>
+            <a:fld id="{3BAECB10-9972-4830-A584-02C41DAFD45B}" type="slidenum">
+              <a:rPr lang="ru-RU" smtClean="0"/>
+              <a:t>21</a:t>
+            </a:fld>
+            <a:endParaRPr lang="ru-RU"/>
+          </a:p>
+        </p:txBody>
+      </p:sp>
+    </p:spTree>
+    <p:extLst>
+      <p:ext uri="{BB962C8B-B14F-4D97-AF65-F5344CB8AC3E}">
+        <p14:creationId xmlns:p14="http://schemas.microsoft.com/office/powerpoint/2010/main" val="2355226439"/>
       </p:ext>
     </p:extLst>
   </p:cSld>
@@ -9306,7 +9460,7 @@
           <a:p>
             <a:fld id="{3BAECB10-9972-4830-A584-02C41DAFD45B}" type="slidenum">
               <a:rPr lang="ru-RU" smtClean="0"/>
-              <a:t>2</a:t>
+              <a:t>3</a:t>
             </a:fld>
             <a:endParaRPr lang="ru-RU"/>
           </a:p>
@@ -9316,6 +9470,1931 @@
     <p:extLst>
       <p:ext uri="{BB962C8B-B14F-4D97-AF65-F5344CB8AC3E}">
         <p14:creationId xmlns:p14="http://schemas.microsoft.com/office/powerpoint/2010/main" val="1377505549"/>
+      </p:ext>
+    </p:extLst>
+  </p:cSld>
+  <p:clrMapOvr>
+    <a:masterClrMapping/>
+  </p:clrMapOvr>
+</p:notes>
+</file>
+
+<file path=ppt/notesSlides/notesSlide20.xml><?xml version="1.0" encoding="utf-8"?>
+<p:notes xmlns:a="http://schemas.openxmlformats.org/drawingml/2006/main" xmlns:r="http://schemas.openxmlformats.org/officeDocument/2006/relationships" xmlns:p="http://schemas.openxmlformats.org/presentationml/2006/main">
+  <p:cSld>
+    <p:spTree>
+      <p:nvGrpSpPr>
+        <p:cNvPr id="1" name=""/>
+        <p:cNvGrpSpPr/>
+        <p:nvPr/>
+      </p:nvGrpSpPr>
+      <p:grpSpPr>
+        <a:xfrm>
+          <a:off x="0" y="0"/>
+          <a:ext cx="0" cy="0"/>
+          <a:chOff x="0" y="0"/>
+          <a:chExt cx="0" cy="0"/>
+        </a:xfrm>
+      </p:grpSpPr>
+      <p:sp>
+        <p:nvSpPr>
+          <p:cNvPr id="2" name="Образ слайда 1"/>
+          <p:cNvSpPr>
+            <a:spLocks noGrp="1" noRot="1" noChangeAspect="1"/>
+          </p:cNvSpPr>
+          <p:nvPr>
+            <p:ph type="sldImg"/>
+          </p:nvPr>
+        </p:nvSpPr>
+        <p:spPr/>
+      </p:sp>
+      <p:sp>
+        <p:nvSpPr>
+          <p:cNvPr id="3" name="Заметки 2"/>
+          <p:cNvSpPr>
+            <a:spLocks noGrp="1"/>
+          </p:cNvSpPr>
+          <p:nvPr>
+            <p:ph type="body" idx="1"/>
+          </p:nvPr>
+        </p:nvSpPr>
+        <p:spPr/>
+        <p:txBody>
+          <a:bodyPr/>
+          <a:lstStyle/>
+          <a:p>
+            <a:r>
+              <a:rPr lang="en-US" dirty="0" smtClean="0"/>
+              <a:t>Options</a:t>
+            </a:r>
+            <a:r>
+              <a:rPr lang="en-US" baseline="0" dirty="0" smtClean="0"/>
+              <a:t> </a:t>
+            </a:r>
+            <a:r>
+              <a:rPr lang="ru-RU" baseline="0" dirty="0" smtClean="0"/>
+              <a:t>лучше читается, но можно и просто </a:t>
+            </a:r>
+            <a:r>
+              <a:rPr lang="en-US" baseline="0" dirty="0" smtClean="0"/>
+              <a:t>o =&gt; o….</a:t>
+            </a:r>
+          </a:p>
+          <a:p>
+            <a:endParaRPr lang="en-US" baseline="0" dirty="0" smtClean="0"/>
+          </a:p>
+          <a:p>
+            <a:r>
+              <a:rPr lang="en-US" baseline="0" dirty="0" err="1" smtClean="0"/>
+              <a:t>currentSyntax</a:t>
+            </a:r>
+            <a:r>
+              <a:rPr lang="en-US" baseline="0" dirty="0" smtClean="0"/>
+              <a:t> =&gt; </a:t>
+            </a:r>
+          </a:p>
+          <a:p>
+            <a:endParaRPr lang="en-US" baseline="0" dirty="0" smtClean="0"/>
+          </a:p>
+          <a:p>
+            <a:pPr marL="171450" indent="-171450">
+              <a:buFont typeface="Arial" panose="020B0604020202020204" pitchFamily="34" charset="0"/>
+              <a:buChar char="•"/>
+            </a:pPr>
+            <a:r>
+              <a:rPr lang="en-US" dirty="0" smtClean="0"/>
+              <a:t>new[] {1,2,3}.</a:t>
+            </a:r>
+            <a:r>
+              <a:rPr lang="en-US" dirty="0" err="1" smtClean="0"/>
+              <a:t>ShouldBeEquivalentTo</a:t>
+            </a:r>
+            <a:r>
+              <a:rPr lang="en-US" dirty="0" smtClean="0"/>
+              <a:t>(new [] {3,2,1});</a:t>
+            </a:r>
+          </a:p>
+          <a:p>
+            <a:pPr marL="171450" indent="-171450">
+              <a:buFont typeface="Arial" panose="020B0604020202020204" pitchFamily="34" charset="0"/>
+              <a:buChar char="•"/>
+            </a:pPr>
+            <a:r>
+              <a:rPr lang="en-US" dirty="0" smtClean="0"/>
+              <a:t>new[] {1,2,3}.</a:t>
+            </a:r>
+            <a:r>
+              <a:rPr lang="en-US" dirty="0" err="1" smtClean="0"/>
+              <a:t>ShouldAllBeEquivalentTo</a:t>
+            </a:r>
+            <a:r>
+              <a:rPr lang="en-US" dirty="0" smtClean="0"/>
+              <a:t>(new [] {1,2,3}, options =&gt; options</a:t>
+            </a:r>
+          </a:p>
+          <a:p>
+            <a:pPr marL="457200" lvl="1" indent="0">
+              <a:buFont typeface="Arial" panose="020B0604020202020204" pitchFamily="34" charset="0"/>
+              <a:buNone/>
+            </a:pPr>
+            <a:r>
+              <a:rPr lang="en-US" dirty="0" smtClean="0"/>
+              <a:t>.</a:t>
+            </a:r>
+            <a:r>
+              <a:rPr lang="en-US" dirty="0" err="1" smtClean="0"/>
+              <a:t>WithStrictOrdering</a:t>
+            </a:r>
+            <a:r>
+              <a:rPr lang="en-US" dirty="0" smtClean="0"/>
+              <a:t>());</a:t>
+            </a:r>
+            <a:endParaRPr lang="ru-RU" baseline="0" dirty="0" smtClean="0"/>
+          </a:p>
+        </p:txBody>
+      </p:sp>
+      <p:sp>
+        <p:nvSpPr>
+          <p:cNvPr id="4" name="Номер слайда 3"/>
+          <p:cNvSpPr>
+            <a:spLocks noGrp="1"/>
+          </p:cNvSpPr>
+          <p:nvPr>
+            <p:ph type="sldNum" sz="quarter" idx="10"/>
+          </p:nvPr>
+        </p:nvSpPr>
+        <p:spPr/>
+        <p:txBody>
+          <a:bodyPr/>
+          <a:lstStyle/>
+          <a:p>
+            <a:fld id="{3BAECB10-9972-4830-A584-02C41DAFD45B}" type="slidenum">
+              <a:rPr lang="ru-RU" smtClean="0"/>
+              <a:t>22</a:t>
+            </a:fld>
+            <a:endParaRPr lang="ru-RU"/>
+          </a:p>
+        </p:txBody>
+      </p:sp>
+    </p:spTree>
+    <p:extLst>
+      <p:ext uri="{BB962C8B-B14F-4D97-AF65-F5344CB8AC3E}">
+        <p14:creationId xmlns:p14="http://schemas.microsoft.com/office/powerpoint/2010/main" val="308928937"/>
+      </p:ext>
+    </p:extLst>
+  </p:cSld>
+  <p:clrMapOvr>
+    <a:masterClrMapping/>
+  </p:clrMapOvr>
+</p:notes>
+</file>
+
+<file path=ppt/notesSlides/notesSlide21.xml><?xml version="1.0" encoding="utf-8"?>
+<p:notes xmlns:a="http://schemas.openxmlformats.org/drawingml/2006/main" xmlns:r="http://schemas.openxmlformats.org/officeDocument/2006/relationships" xmlns:p="http://schemas.openxmlformats.org/presentationml/2006/main">
+  <p:cSld>
+    <p:spTree>
+      <p:nvGrpSpPr>
+        <p:cNvPr id="1" name=""/>
+        <p:cNvGrpSpPr/>
+        <p:nvPr/>
+      </p:nvGrpSpPr>
+      <p:grpSpPr>
+        <a:xfrm>
+          <a:off x="0" y="0"/>
+          <a:ext cx="0" cy="0"/>
+          <a:chOff x="0" y="0"/>
+          <a:chExt cx="0" cy="0"/>
+        </a:xfrm>
+      </p:grpSpPr>
+      <p:sp>
+        <p:nvSpPr>
+          <p:cNvPr id="2" name="Образ слайда 1"/>
+          <p:cNvSpPr>
+            <a:spLocks noGrp="1" noRot="1" noChangeAspect="1"/>
+          </p:cNvSpPr>
+          <p:nvPr>
+            <p:ph type="sldImg"/>
+          </p:nvPr>
+        </p:nvSpPr>
+        <p:spPr/>
+      </p:sp>
+      <p:sp>
+        <p:nvSpPr>
+          <p:cNvPr id="3" name="Заметки 2"/>
+          <p:cNvSpPr>
+            <a:spLocks noGrp="1"/>
+          </p:cNvSpPr>
+          <p:nvPr>
+            <p:ph type="body" idx="1"/>
+          </p:nvPr>
+        </p:nvSpPr>
+        <p:spPr/>
+        <p:txBody>
+          <a:bodyPr/>
+          <a:lstStyle/>
+          <a:p>
+            <a:r>
+              <a:rPr lang="en-US" dirty="0" err="1" smtClean="0"/>
+              <a:t>Resharper</a:t>
+            </a:r>
+            <a:r>
+              <a:rPr lang="en-US" baseline="0" dirty="0" smtClean="0"/>
+              <a:t>’</a:t>
+            </a:r>
+            <a:r>
+              <a:rPr lang="ru-RU" baseline="0" dirty="0" smtClean="0"/>
+              <a:t>ом, как и любым инструментом, нужно уметь пользоваться, чтобы работать эффективно.</a:t>
+            </a:r>
+          </a:p>
+          <a:p>
+            <a:endParaRPr lang="ru-RU" baseline="0" dirty="0" smtClean="0"/>
+          </a:p>
+          <a:p>
+            <a:r>
+              <a:rPr lang="ru-RU" baseline="0" dirty="0" smtClean="0"/>
+              <a:t>Открывает, показываем.</a:t>
+            </a:r>
+          </a:p>
+        </p:txBody>
+      </p:sp>
+      <p:sp>
+        <p:nvSpPr>
+          <p:cNvPr id="4" name="Номер слайда 3"/>
+          <p:cNvSpPr>
+            <a:spLocks noGrp="1"/>
+          </p:cNvSpPr>
+          <p:nvPr>
+            <p:ph type="sldNum" sz="quarter" idx="10"/>
+          </p:nvPr>
+        </p:nvSpPr>
+        <p:spPr/>
+        <p:txBody>
+          <a:bodyPr/>
+          <a:lstStyle/>
+          <a:p>
+            <a:fld id="{3BAECB10-9972-4830-A584-02C41DAFD45B}" type="slidenum">
+              <a:rPr lang="ru-RU" smtClean="0"/>
+              <a:t>23</a:t>
+            </a:fld>
+            <a:endParaRPr lang="ru-RU"/>
+          </a:p>
+        </p:txBody>
+      </p:sp>
+    </p:spTree>
+    <p:extLst>
+      <p:ext uri="{BB962C8B-B14F-4D97-AF65-F5344CB8AC3E}">
+        <p14:creationId xmlns:p14="http://schemas.microsoft.com/office/powerpoint/2010/main" val="890883594"/>
+      </p:ext>
+    </p:extLst>
+  </p:cSld>
+  <p:clrMapOvr>
+    <a:masterClrMapping/>
+  </p:clrMapOvr>
+</p:notes>
+</file>
+
+<file path=ppt/notesSlides/notesSlide22.xml><?xml version="1.0" encoding="utf-8"?>
+<p:notes xmlns:a="http://schemas.openxmlformats.org/drawingml/2006/main" xmlns:r="http://schemas.openxmlformats.org/officeDocument/2006/relationships" xmlns:p="http://schemas.openxmlformats.org/presentationml/2006/main">
+  <p:cSld>
+    <p:spTree>
+      <p:nvGrpSpPr>
+        <p:cNvPr id="1" name=""/>
+        <p:cNvGrpSpPr/>
+        <p:nvPr/>
+      </p:nvGrpSpPr>
+      <p:grpSpPr>
+        <a:xfrm>
+          <a:off x="0" y="0"/>
+          <a:ext cx="0" cy="0"/>
+          <a:chOff x="0" y="0"/>
+          <a:chExt cx="0" cy="0"/>
+        </a:xfrm>
+      </p:grpSpPr>
+      <p:sp>
+        <p:nvSpPr>
+          <p:cNvPr id="2" name="Образ слайда 1"/>
+          <p:cNvSpPr>
+            <a:spLocks noGrp="1" noRot="1" noChangeAspect="1"/>
+          </p:cNvSpPr>
+          <p:nvPr>
+            <p:ph type="sldImg"/>
+          </p:nvPr>
+        </p:nvSpPr>
+        <p:spPr/>
+      </p:sp>
+      <p:sp>
+        <p:nvSpPr>
+          <p:cNvPr id="3" name="Заметки 2"/>
+          <p:cNvSpPr>
+            <a:spLocks noGrp="1"/>
+          </p:cNvSpPr>
+          <p:nvPr>
+            <p:ph type="body" idx="1"/>
+          </p:nvPr>
+        </p:nvSpPr>
+        <p:spPr/>
+        <p:txBody>
+          <a:bodyPr/>
+          <a:lstStyle/>
+          <a:p>
+            <a:r>
+              <a:rPr lang="ru-RU" dirty="0"/>
+              <a:t>Мартовский</a:t>
+            </a:r>
+            <a:r>
+              <a:rPr lang="ru-RU" baseline="0" dirty="0"/>
+              <a:t> кролик написал кучу </a:t>
+            </a:r>
+            <a:r>
+              <a:rPr lang="ru-RU" baseline="0" dirty="0" smtClean="0"/>
+              <a:t>реализаций</a:t>
+            </a:r>
+            <a:r>
+              <a:rPr lang="ru-RU" baseline="0" dirty="0"/>
+              <a:t>, но не успел написать тесты</a:t>
+            </a:r>
+            <a:r>
+              <a:rPr lang="ru-RU" baseline="0" dirty="0" smtClean="0"/>
+              <a:t>…</a:t>
+            </a:r>
+          </a:p>
+          <a:p>
+            <a:r>
+              <a:rPr lang="ru-RU" baseline="0" dirty="0" smtClean="0"/>
+              <a:t>Итак, на первую часть даётся час, потому полчаса на </a:t>
+            </a:r>
+            <a:r>
+              <a:rPr lang="en-US" baseline="0" dirty="0" smtClean="0"/>
+              <a:t>do not open</a:t>
+            </a:r>
+            <a:r>
+              <a:rPr lang="ru-RU" baseline="0" dirty="0" smtClean="0"/>
+              <a:t>.</a:t>
+            </a:r>
+          </a:p>
+          <a:p>
+            <a:r>
+              <a:rPr lang="ru-RU" baseline="0" dirty="0" smtClean="0"/>
+              <a:t>И ещё полчаса на разбор и решение.</a:t>
+            </a:r>
+          </a:p>
+        </p:txBody>
+      </p:sp>
+      <p:sp>
+        <p:nvSpPr>
+          <p:cNvPr id="4" name="Номер слайда 3"/>
+          <p:cNvSpPr>
+            <a:spLocks noGrp="1"/>
+          </p:cNvSpPr>
+          <p:nvPr>
+            <p:ph type="sldNum" sz="quarter" idx="10"/>
+          </p:nvPr>
+        </p:nvSpPr>
+        <p:spPr/>
+        <p:txBody>
+          <a:bodyPr/>
+          <a:lstStyle/>
+          <a:p>
+            <a:fld id="{3BAECB10-9972-4830-A584-02C41DAFD45B}" type="slidenum">
+              <a:rPr lang="ru-RU" smtClean="0"/>
+              <a:t>24</a:t>
+            </a:fld>
+            <a:endParaRPr lang="ru-RU"/>
+          </a:p>
+        </p:txBody>
+      </p:sp>
+    </p:spTree>
+    <p:extLst>
+      <p:ext uri="{BB962C8B-B14F-4D97-AF65-F5344CB8AC3E}">
+        <p14:creationId xmlns:p14="http://schemas.microsoft.com/office/powerpoint/2010/main" val="2782064311"/>
+      </p:ext>
+    </p:extLst>
+  </p:cSld>
+  <p:clrMapOvr>
+    <a:masterClrMapping/>
+  </p:clrMapOvr>
+</p:notes>
+</file>
+
+<file path=ppt/notesSlides/notesSlide23.xml><?xml version="1.0" encoding="utf-8"?>
+<p:notes xmlns:a="http://schemas.openxmlformats.org/drawingml/2006/main" xmlns:r="http://schemas.openxmlformats.org/officeDocument/2006/relationships" xmlns:p="http://schemas.openxmlformats.org/presentationml/2006/main">
+  <p:cSld>
+    <p:spTree>
+      <p:nvGrpSpPr>
+        <p:cNvPr id="1" name=""/>
+        <p:cNvGrpSpPr/>
+        <p:nvPr/>
+      </p:nvGrpSpPr>
+      <p:grpSpPr>
+        <a:xfrm>
+          <a:off x="0" y="0"/>
+          <a:ext cx="0" cy="0"/>
+          <a:chOff x="0" y="0"/>
+          <a:chExt cx="0" cy="0"/>
+        </a:xfrm>
+      </p:grpSpPr>
+      <p:sp>
+        <p:nvSpPr>
+          <p:cNvPr id="2" name="Образ слайда 1"/>
+          <p:cNvSpPr>
+            <a:spLocks noGrp="1" noRot="1" noChangeAspect="1"/>
+          </p:cNvSpPr>
+          <p:nvPr>
+            <p:ph type="sldImg"/>
+          </p:nvPr>
+        </p:nvSpPr>
+        <p:spPr/>
+      </p:sp>
+      <p:sp>
+        <p:nvSpPr>
+          <p:cNvPr id="3" name="Заметки 2"/>
+          <p:cNvSpPr>
+            <a:spLocks noGrp="1"/>
+          </p:cNvSpPr>
+          <p:nvPr>
+            <p:ph type="body" idx="1"/>
+          </p:nvPr>
+        </p:nvSpPr>
+        <p:spPr/>
+        <p:txBody>
+          <a:bodyPr/>
+          <a:lstStyle/>
+          <a:p>
+            <a:endParaRPr lang="ru-RU" dirty="0"/>
+          </a:p>
+        </p:txBody>
+      </p:sp>
+      <p:sp>
+        <p:nvSpPr>
+          <p:cNvPr id="4" name="Номер слайда 3"/>
+          <p:cNvSpPr>
+            <a:spLocks noGrp="1"/>
+          </p:cNvSpPr>
+          <p:nvPr>
+            <p:ph type="sldNum" sz="quarter" idx="10"/>
+          </p:nvPr>
+        </p:nvSpPr>
+        <p:spPr/>
+        <p:txBody>
+          <a:bodyPr/>
+          <a:lstStyle/>
+          <a:p>
+            <a:fld id="{3BAECB10-9972-4830-A584-02C41DAFD45B}" type="slidenum">
+              <a:rPr lang="ru-RU" smtClean="0"/>
+              <a:t>25</a:t>
+            </a:fld>
+            <a:endParaRPr lang="ru-RU"/>
+          </a:p>
+        </p:txBody>
+      </p:sp>
+    </p:spTree>
+    <p:extLst>
+      <p:ext uri="{BB962C8B-B14F-4D97-AF65-F5344CB8AC3E}">
+        <p14:creationId xmlns:p14="http://schemas.microsoft.com/office/powerpoint/2010/main" val="3454826708"/>
+      </p:ext>
+    </p:extLst>
+  </p:cSld>
+  <p:clrMapOvr>
+    <a:masterClrMapping/>
+  </p:clrMapOvr>
+</p:notes>
+</file>
+
+<file path=ppt/notesSlides/notesSlide24.xml><?xml version="1.0" encoding="utf-8"?>
+<p:notes xmlns:a="http://schemas.openxmlformats.org/drawingml/2006/main" xmlns:r="http://schemas.openxmlformats.org/officeDocument/2006/relationships" xmlns:p="http://schemas.openxmlformats.org/presentationml/2006/main">
+  <p:cSld>
+    <p:spTree>
+      <p:nvGrpSpPr>
+        <p:cNvPr id="1" name=""/>
+        <p:cNvGrpSpPr/>
+        <p:nvPr/>
+      </p:nvGrpSpPr>
+      <p:grpSpPr>
+        <a:xfrm>
+          <a:off x="0" y="0"/>
+          <a:ext cx="0" cy="0"/>
+          <a:chOff x="0" y="0"/>
+          <a:chExt cx="0" cy="0"/>
+        </a:xfrm>
+      </p:grpSpPr>
+      <p:sp>
+        <p:nvSpPr>
+          <p:cNvPr id="2" name="Образ слайда 1"/>
+          <p:cNvSpPr>
+            <a:spLocks noGrp="1" noRot="1" noChangeAspect="1"/>
+          </p:cNvSpPr>
+          <p:nvPr>
+            <p:ph type="sldImg"/>
+          </p:nvPr>
+        </p:nvSpPr>
+        <p:spPr/>
+      </p:sp>
+      <p:sp>
+        <p:nvSpPr>
+          <p:cNvPr id="3" name="Заметки 2"/>
+          <p:cNvSpPr>
+            <a:spLocks noGrp="1"/>
+          </p:cNvSpPr>
+          <p:nvPr>
+            <p:ph type="body" idx="1"/>
+          </p:nvPr>
+        </p:nvSpPr>
+        <p:spPr/>
+        <p:txBody>
+          <a:bodyPr/>
+          <a:lstStyle/>
+          <a:p>
+            <a:r>
+              <a:rPr lang="ru-RU" dirty="0" smtClean="0"/>
+              <a:t>1. По явно</a:t>
+            </a:r>
+            <a:r>
+              <a:rPr lang="ru-RU" baseline="0" dirty="0" smtClean="0"/>
+              <a:t> написанным требованиям легко писать тесты. Другими словами, что самое простое – это взять спеку и по ней написать тесты, либо взять проверенный рабочий код и по нему написать тесты.</a:t>
+            </a:r>
+          </a:p>
+          <a:p>
+            <a:r>
+              <a:rPr lang="ru-RU" baseline="0" dirty="0" smtClean="0"/>
+              <a:t>2. Е3: 10 пробелов и символ. Что должно произойти? Не всегда очевидно, как взаимодействуют отдельные требования.</a:t>
+            </a:r>
+          </a:p>
+          <a:p>
+            <a:r>
+              <a:rPr lang="ru-RU" dirty="0" smtClean="0"/>
+              <a:t>3. 998, 999 -</a:t>
+            </a:r>
+            <a:r>
+              <a:rPr lang="en-US" dirty="0" smtClean="0"/>
+              <a:t>&gt;</a:t>
+            </a:r>
+            <a:r>
+              <a:rPr lang="en-US" baseline="0" dirty="0" smtClean="0"/>
+              <a:t> </a:t>
+            </a:r>
+            <a:r>
+              <a:rPr lang="ru-RU" baseline="0" dirty="0" smtClean="0"/>
+              <a:t>Вот где спасёт таймаут. Ну и код </a:t>
+            </a:r>
+            <a:r>
+              <a:rPr lang="ru-RU" baseline="0" dirty="0" err="1" smtClean="0"/>
+              <a:t>ревью</a:t>
+            </a:r>
+            <a:r>
+              <a:rPr lang="ru-RU" baseline="0" dirty="0" smtClean="0"/>
+              <a:t>. Опытный инженер сразу увидит дорогие операции для </a:t>
+            </a:r>
+            <a:r>
+              <a:rPr lang="en-US" baseline="0" dirty="0" smtClean="0"/>
+              <a:t>List’</a:t>
+            </a:r>
+            <a:r>
+              <a:rPr lang="ru-RU" baseline="0" dirty="0" smtClean="0"/>
+              <a:t>а.</a:t>
+            </a:r>
+          </a:p>
+          <a:p>
+            <a:r>
+              <a:rPr lang="ru-RU" baseline="0" dirty="0" smtClean="0"/>
+              <a:t>Нужно создать цикл 10_000 повторений.</a:t>
+            </a:r>
+          </a:p>
+          <a:p>
+            <a:r>
+              <a:rPr lang="ru-RU" sz="1200" b="0" i="0" kern="1200" dirty="0" smtClean="0">
+                <a:solidFill>
+                  <a:schemeClr val="tx1"/>
+                </a:solidFill>
+                <a:effectLst/>
+                <a:latin typeface="+mn-lt"/>
+                <a:ea typeface="+mn-ea"/>
+                <a:cs typeface="+mn-cs"/>
+              </a:rPr>
+              <a:t>4. </a:t>
+            </a:r>
+            <a:r>
+              <a:rPr lang="en-US" sz="1200" b="0" i="0" kern="1200" dirty="0" err="1" smtClean="0">
+                <a:solidFill>
+                  <a:schemeClr val="tx1"/>
+                </a:solidFill>
+                <a:effectLst/>
+                <a:latin typeface="+mn-lt"/>
+                <a:ea typeface="+mn-ea"/>
+                <a:cs typeface="+mn-cs"/>
+              </a:rPr>
+              <a:t>string.</a:t>
+            </a:r>
+            <a:r>
+              <a:rPr lang="en-US" sz="1200" b="1" i="0" kern="1200" dirty="0" err="1" smtClean="0">
+                <a:solidFill>
+                  <a:schemeClr val="tx1"/>
+                </a:solidFill>
+                <a:effectLst/>
+                <a:latin typeface="+mn-lt"/>
+                <a:ea typeface="+mn-ea"/>
+                <a:cs typeface="+mn-cs"/>
+              </a:rPr>
+              <a:t>IsNullOrEmpty</a:t>
+            </a:r>
+            <a:r>
+              <a:rPr lang="en-US" sz="1200" b="0" i="0" kern="1200" dirty="0" smtClean="0">
+                <a:solidFill>
+                  <a:schemeClr val="tx1"/>
+                </a:solidFill>
+                <a:effectLst/>
+                <a:latin typeface="+mn-lt"/>
+                <a:ea typeface="+mn-ea"/>
+                <a:cs typeface="+mn-cs"/>
+              </a:rPr>
+              <a:t>(word)</a:t>
+            </a:r>
+            <a:r>
+              <a:rPr lang="ru-RU" sz="1200" b="0" i="0" kern="1200" dirty="0" smtClean="0">
+                <a:solidFill>
+                  <a:schemeClr val="tx1"/>
+                </a:solidFill>
+                <a:effectLst/>
+                <a:latin typeface="+mn-lt"/>
+                <a:ea typeface="+mn-ea"/>
+                <a:cs typeface="+mn-cs"/>
+              </a:rPr>
+              <a:t>: при</a:t>
+            </a:r>
+            <a:r>
+              <a:rPr lang="ru-RU" sz="1200" b="0" i="0" kern="1200" baseline="0" dirty="0" smtClean="0">
+                <a:solidFill>
+                  <a:schemeClr val="tx1"/>
+                </a:solidFill>
+                <a:effectLst/>
+                <a:latin typeface="+mn-lt"/>
+                <a:ea typeface="+mn-ea"/>
+                <a:cs typeface="+mn-cs"/>
+              </a:rPr>
+              <a:t> </a:t>
+            </a:r>
+            <a:r>
+              <a:rPr lang="ru-RU" sz="1200" b="0" i="0" kern="1200" baseline="0" dirty="0" err="1" smtClean="0">
+                <a:solidFill>
+                  <a:schemeClr val="tx1"/>
+                </a:solidFill>
+                <a:effectLst/>
+                <a:latin typeface="+mn-lt"/>
+                <a:ea typeface="+mn-ea"/>
+                <a:cs typeface="+mn-cs"/>
+              </a:rPr>
+              <a:t>ревью</a:t>
+            </a:r>
+            <a:r>
+              <a:rPr lang="ru-RU" sz="1200" b="0" i="0" kern="1200" baseline="0" dirty="0" smtClean="0">
+                <a:solidFill>
+                  <a:schemeClr val="tx1"/>
+                </a:solidFill>
+                <a:effectLst/>
+                <a:latin typeface="+mn-lt"/>
+                <a:ea typeface="+mn-ea"/>
+                <a:cs typeface="+mn-cs"/>
+              </a:rPr>
+              <a:t> возможно, что на это не обратят внимания. Потому что «</a:t>
+            </a:r>
+            <a:r>
+              <a:rPr lang="ru-RU" sz="1200" b="1" i="0" kern="1200" dirty="0" smtClean="0">
+                <a:solidFill>
+                  <a:schemeClr val="tx1"/>
+                </a:solidFill>
+                <a:effectLst/>
+                <a:latin typeface="+mn-lt"/>
+                <a:ea typeface="+mn-ea"/>
+                <a:cs typeface="+mn-cs"/>
+              </a:rPr>
+              <a:t>По </a:t>
+            </a:r>
+            <a:r>
+              <a:rPr lang="ru-RU" sz="1200" b="1" i="0" kern="1200" dirty="0" err="1" smtClean="0">
+                <a:solidFill>
+                  <a:schemeClr val="tx1"/>
+                </a:solidFill>
+                <a:effectLst/>
+                <a:latin typeface="+mn-lt"/>
+                <a:ea typeface="+mn-ea"/>
+                <a:cs typeface="+mn-cs"/>
+              </a:rPr>
+              <a:t>рзеузльаттам</a:t>
+            </a:r>
+            <a:r>
+              <a:rPr lang="ru-RU" sz="1200" b="1" i="0" kern="1200" dirty="0" smtClean="0">
+                <a:solidFill>
+                  <a:schemeClr val="tx1"/>
+                </a:solidFill>
+                <a:effectLst/>
+                <a:latin typeface="+mn-lt"/>
+                <a:ea typeface="+mn-ea"/>
+                <a:cs typeface="+mn-cs"/>
+              </a:rPr>
+              <a:t> </a:t>
+            </a:r>
+            <a:r>
+              <a:rPr lang="ru-RU" sz="1200" b="1" i="0" kern="1200" dirty="0" err="1" smtClean="0">
+                <a:solidFill>
+                  <a:schemeClr val="tx1"/>
+                </a:solidFill>
+                <a:effectLst/>
+                <a:latin typeface="+mn-lt"/>
+                <a:ea typeface="+mn-ea"/>
+                <a:cs typeface="+mn-cs"/>
+              </a:rPr>
+              <a:t>илссоевадний</a:t>
+            </a:r>
+            <a:r>
+              <a:rPr lang="ru-RU" sz="1200" b="1" i="0" kern="1200" dirty="0" smtClean="0">
+                <a:solidFill>
+                  <a:schemeClr val="tx1"/>
+                </a:solidFill>
+                <a:effectLst/>
+                <a:latin typeface="+mn-lt"/>
+                <a:ea typeface="+mn-ea"/>
+                <a:cs typeface="+mn-cs"/>
+              </a:rPr>
+              <a:t> </a:t>
+            </a:r>
+            <a:r>
+              <a:rPr lang="ru-RU" sz="1200" b="1" i="0" kern="1200" dirty="0" err="1" smtClean="0">
+                <a:solidFill>
+                  <a:schemeClr val="tx1"/>
+                </a:solidFill>
+                <a:effectLst/>
+                <a:latin typeface="+mn-lt"/>
+                <a:ea typeface="+mn-ea"/>
+                <a:cs typeface="+mn-cs"/>
+              </a:rPr>
+              <a:t>одонго</a:t>
+            </a:r>
+            <a:r>
+              <a:rPr lang="ru-RU" sz="1200" b="1" i="0" kern="1200" dirty="0" smtClean="0">
+                <a:solidFill>
+                  <a:schemeClr val="tx1"/>
+                </a:solidFill>
+                <a:effectLst/>
+                <a:latin typeface="+mn-lt"/>
+                <a:ea typeface="+mn-ea"/>
+                <a:cs typeface="+mn-cs"/>
+              </a:rPr>
+              <a:t> </a:t>
+            </a:r>
+            <a:r>
+              <a:rPr lang="ru-RU" sz="1200" b="1" i="0" kern="1200" dirty="0" err="1" smtClean="0">
+                <a:solidFill>
+                  <a:schemeClr val="tx1"/>
+                </a:solidFill>
+                <a:effectLst/>
+                <a:latin typeface="+mn-lt"/>
+                <a:ea typeface="+mn-ea"/>
+                <a:cs typeface="+mn-cs"/>
+              </a:rPr>
+              <a:t>анлигсйокго</a:t>
+            </a:r>
+            <a:r>
+              <a:rPr lang="ru-RU" sz="1200" b="1" i="0" kern="1200" dirty="0" smtClean="0">
+                <a:solidFill>
+                  <a:schemeClr val="tx1"/>
+                </a:solidFill>
+                <a:effectLst/>
+                <a:latin typeface="+mn-lt"/>
+                <a:ea typeface="+mn-ea"/>
+                <a:cs typeface="+mn-cs"/>
+              </a:rPr>
+              <a:t> </a:t>
+            </a:r>
+            <a:r>
+              <a:rPr lang="ru-RU" sz="1200" b="1" i="0" kern="1200" dirty="0" err="1" smtClean="0">
+                <a:solidFill>
+                  <a:schemeClr val="tx1"/>
+                </a:solidFill>
+                <a:effectLst/>
+                <a:latin typeface="+mn-lt"/>
+                <a:ea typeface="+mn-ea"/>
+                <a:cs typeface="+mn-cs"/>
+              </a:rPr>
+              <a:t>унвиертисета</a:t>
+            </a:r>
+            <a:r>
+              <a:rPr lang="ru-RU" sz="1200" b="1" i="0" kern="1200" dirty="0" smtClean="0">
+                <a:solidFill>
+                  <a:schemeClr val="tx1"/>
+                </a:solidFill>
+                <a:effectLst/>
+                <a:latin typeface="+mn-lt"/>
+                <a:ea typeface="+mn-ea"/>
+                <a:cs typeface="+mn-cs"/>
+              </a:rPr>
+              <a:t>, не </a:t>
+            </a:r>
+            <a:r>
+              <a:rPr lang="ru-RU" sz="1200" b="1" i="0" kern="1200" dirty="0" err="1" smtClean="0">
+                <a:solidFill>
+                  <a:schemeClr val="tx1"/>
+                </a:solidFill>
+                <a:effectLst/>
+                <a:latin typeface="+mn-lt"/>
+                <a:ea typeface="+mn-ea"/>
+                <a:cs typeface="+mn-cs"/>
+              </a:rPr>
+              <a:t>иеемт</a:t>
+            </a:r>
+            <a:r>
+              <a:rPr lang="ru-RU" sz="1200" b="1" i="0" kern="1200" dirty="0" smtClean="0">
+                <a:solidFill>
+                  <a:schemeClr val="tx1"/>
+                </a:solidFill>
+                <a:effectLst/>
+                <a:latin typeface="+mn-lt"/>
+                <a:ea typeface="+mn-ea"/>
+                <a:cs typeface="+mn-cs"/>
+              </a:rPr>
+              <a:t> </a:t>
+            </a:r>
+            <a:r>
+              <a:rPr lang="ru-RU" sz="1200" b="1" i="0" kern="1200" dirty="0" err="1" smtClean="0">
+                <a:solidFill>
+                  <a:schemeClr val="tx1"/>
+                </a:solidFill>
+                <a:effectLst/>
+                <a:latin typeface="+mn-lt"/>
+                <a:ea typeface="+mn-ea"/>
+                <a:cs typeface="+mn-cs"/>
+              </a:rPr>
+              <a:t>занчнеия</a:t>
+            </a:r>
+            <a:r>
+              <a:rPr lang="ru-RU" sz="1200" b="1" i="0" kern="1200" dirty="0" smtClean="0">
+                <a:solidFill>
+                  <a:schemeClr val="tx1"/>
+                </a:solidFill>
+                <a:effectLst/>
+                <a:latin typeface="+mn-lt"/>
+                <a:ea typeface="+mn-ea"/>
+                <a:cs typeface="+mn-cs"/>
+              </a:rPr>
+              <a:t>, в </a:t>
+            </a:r>
+            <a:r>
+              <a:rPr lang="ru-RU" sz="1200" b="1" i="0" kern="1200" dirty="0" err="1" smtClean="0">
+                <a:solidFill>
+                  <a:schemeClr val="tx1"/>
+                </a:solidFill>
+                <a:effectLst/>
+                <a:latin typeface="+mn-lt"/>
+                <a:ea typeface="+mn-ea"/>
+                <a:cs typeface="+mn-cs"/>
+              </a:rPr>
+              <a:t>каокм</a:t>
+            </a:r>
+            <a:r>
+              <a:rPr lang="ru-RU" sz="1200" b="1" i="0" kern="1200" dirty="0" smtClean="0">
+                <a:solidFill>
+                  <a:schemeClr val="tx1"/>
+                </a:solidFill>
+                <a:effectLst/>
+                <a:latin typeface="+mn-lt"/>
+                <a:ea typeface="+mn-ea"/>
+                <a:cs typeface="+mn-cs"/>
+              </a:rPr>
+              <a:t> </a:t>
+            </a:r>
+            <a:r>
+              <a:rPr lang="ru-RU" sz="1200" b="1" i="0" kern="1200" dirty="0" err="1" smtClean="0">
+                <a:solidFill>
+                  <a:schemeClr val="tx1"/>
+                </a:solidFill>
+                <a:effectLst/>
+                <a:latin typeface="+mn-lt"/>
+                <a:ea typeface="+mn-ea"/>
+                <a:cs typeface="+mn-cs"/>
+              </a:rPr>
+              <a:t>проякде</a:t>
+            </a:r>
+            <a:r>
+              <a:rPr lang="ru-RU" sz="1200" b="1" i="0" kern="1200" dirty="0" smtClean="0">
+                <a:solidFill>
+                  <a:schemeClr val="tx1"/>
+                </a:solidFill>
+                <a:effectLst/>
+                <a:latin typeface="+mn-lt"/>
+                <a:ea typeface="+mn-ea"/>
+                <a:cs typeface="+mn-cs"/>
+              </a:rPr>
+              <a:t> </a:t>
+            </a:r>
+            <a:r>
+              <a:rPr lang="ru-RU" sz="1200" b="1" i="0" kern="1200" dirty="0" err="1" smtClean="0">
+                <a:solidFill>
+                  <a:schemeClr val="tx1"/>
+                </a:solidFill>
+                <a:effectLst/>
+                <a:latin typeface="+mn-lt"/>
+                <a:ea typeface="+mn-ea"/>
+                <a:cs typeface="+mn-cs"/>
+              </a:rPr>
+              <a:t>рсапжоолены</a:t>
+            </a:r>
+            <a:r>
+              <a:rPr lang="ru-RU" sz="1200" b="1" i="0" kern="1200" dirty="0" smtClean="0">
+                <a:solidFill>
+                  <a:schemeClr val="tx1"/>
+                </a:solidFill>
+                <a:effectLst/>
+                <a:latin typeface="+mn-lt"/>
+                <a:ea typeface="+mn-ea"/>
+                <a:cs typeface="+mn-cs"/>
+              </a:rPr>
+              <a:t> </a:t>
+            </a:r>
+            <a:r>
+              <a:rPr lang="ru-RU" sz="1200" b="1" i="0" kern="1200" dirty="0" err="1" smtClean="0">
+                <a:solidFill>
+                  <a:schemeClr val="tx1"/>
+                </a:solidFill>
+                <a:effectLst/>
+                <a:latin typeface="+mn-lt"/>
+                <a:ea typeface="+mn-ea"/>
+                <a:cs typeface="+mn-cs"/>
+              </a:rPr>
+              <a:t>бкувы</a:t>
+            </a:r>
+            <a:r>
+              <a:rPr lang="ru-RU" sz="1200" b="1" i="0" kern="1200" dirty="0" smtClean="0">
+                <a:solidFill>
+                  <a:schemeClr val="tx1"/>
+                </a:solidFill>
+                <a:effectLst/>
+                <a:latin typeface="+mn-lt"/>
+                <a:ea typeface="+mn-ea"/>
+                <a:cs typeface="+mn-cs"/>
+              </a:rPr>
+              <a:t> в </a:t>
+            </a:r>
+            <a:r>
+              <a:rPr lang="ru-RU" sz="1200" b="1" i="0" kern="1200" dirty="0" err="1" smtClean="0">
+                <a:solidFill>
+                  <a:schemeClr val="tx1"/>
+                </a:solidFill>
+                <a:effectLst/>
+                <a:latin typeface="+mn-lt"/>
+                <a:ea typeface="+mn-ea"/>
+                <a:cs typeface="+mn-cs"/>
+              </a:rPr>
+              <a:t>солве</a:t>
+            </a:r>
+            <a:r>
+              <a:rPr lang="ru-RU" sz="1200" b="1" i="0" kern="1200" dirty="0" smtClean="0">
+                <a:solidFill>
+                  <a:schemeClr val="tx1"/>
+                </a:solidFill>
+                <a:effectLst/>
+                <a:latin typeface="+mn-lt"/>
+                <a:ea typeface="+mn-ea"/>
+                <a:cs typeface="+mn-cs"/>
+              </a:rPr>
+              <a:t>. </a:t>
+            </a:r>
+            <a:r>
+              <a:rPr lang="ru-RU" sz="1200" b="1" i="0" kern="1200" dirty="0" err="1" smtClean="0">
+                <a:solidFill>
+                  <a:schemeClr val="tx1"/>
+                </a:solidFill>
+                <a:effectLst/>
+                <a:latin typeface="+mn-lt"/>
+                <a:ea typeface="+mn-ea"/>
+                <a:cs typeface="+mn-cs"/>
+              </a:rPr>
+              <a:t>Галовне</a:t>
+            </a:r>
+            <a:r>
+              <a:rPr lang="ru-RU" sz="1200" b="1" i="0" kern="1200" dirty="0" smtClean="0">
+                <a:solidFill>
+                  <a:schemeClr val="tx1"/>
+                </a:solidFill>
+                <a:effectLst/>
+                <a:latin typeface="+mn-lt"/>
+                <a:ea typeface="+mn-ea"/>
+                <a:cs typeface="+mn-cs"/>
+              </a:rPr>
+              <a:t>, </a:t>
+            </a:r>
+            <a:r>
+              <a:rPr lang="ru-RU" sz="1200" b="1" i="0" kern="1200" dirty="0" err="1" smtClean="0">
+                <a:solidFill>
+                  <a:schemeClr val="tx1"/>
+                </a:solidFill>
+                <a:effectLst/>
+                <a:latin typeface="+mn-lt"/>
+                <a:ea typeface="+mn-ea"/>
+                <a:cs typeface="+mn-cs"/>
+              </a:rPr>
+              <a:t>чотбы</a:t>
+            </a:r>
+            <a:r>
+              <a:rPr lang="ru-RU" sz="1200" b="1" i="0" kern="1200" dirty="0" smtClean="0">
+                <a:solidFill>
+                  <a:schemeClr val="tx1"/>
+                </a:solidFill>
+                <a:effectLst/>
+                <a:latin typeface="+mn-lt"/>
+                <a:ea typeface="+mn-ea"/>
+                <a:cs typeface="+mn-cs"/>
+              </a:rPr>
+              <a:t> </a:t>
+            </a:r>
+            <a:r>
+              <a:rPr lang="ru-RU" sz="1200" b="1" i="0" kern="1200" dirty="0" err="1" smtClean="0">
+                <a:solidFill>
+                  <a:schemeClr val="tx1"/>
+                </a:solidFill>
+                <a:effectLst/>
+                <a:latin typeface="+mn-lt"/>
+                <a:ea typeface="+mn-ea"/>
+                <a:cs typeface="+mn-cs"/>
+              </a:rPr>
+              <a:t>преавя</a:t>
+            </a:r>
+            <a:r>
+              <a:rPr lang="ru-RU" sz="1200" b="1" i="0" kern="1200" dirty="0" smtClean="0">
+                <a:solidFill>
+                  <a:schemeClr val="tx1"/>
+                </a:solidFill>
+                <a:effectLst/>
+                <a:latin typeface="+mn-lt"/>
+                <a:ea typeface="+mn-ea"/>
+                <a:cs typeface="+mn-cs"/>
+              </a:rPr>
+              <a:t> и </a:t>
+            </a:r>
+            <a:r>
+              <a:rPr lang="ru-RU" sz="1200" b="1" i="0" kern="1200" dirty="0" err="1" smtClean="0">
+                <a:solidFill>
+                  <a:schemeClr val="tx1"/>
+                </a:solidFill>
+                <a:effectLst/>
+                <a:latin typeface="+mn-lt"/>
+                <a:ea typeface="+mn-ea"/>
+                <a:cs typeface="+mn-cs"/>
+              </a:rPr>
+              <a:t>пслонедяя</a:t>
+            </a:r>
+            <a:r>
+              <a:rPr lang="ru-RU" sz="1200" b="1" i="0" kern="1200" dirty="0" smtClean="0">
+                <a:solidFill>
+                  <a:schemeClr val="tx1"/>
+                </a:solidFill>
+                <a:effectLst/>
+                <a:latin typeface="+mn-lt"/>
+                <a:ea typeface="+mn-ea"/>
+                <a:cs typeface="+mn-cs"/>
+              </a:rPr>
+              <a:t> </a:t>
+            </a:r>
+            <a:r>
+              <a:rPr lang="ru-RU" sz="1200" b="1" i="0" kern="1200" dirty="0" err="1" smtClean="0">
+                <a:solidFill>
+                  <a:schemeClr val="tx1"/>
+                </a:solidFill>
+                <a:effectLst/>
+                <a:latin typeface="+mn-lt"/>
+                <a:ea typeface="+mn-ea"/>
+                <a:cs typeface="+mn-cs"/>
+              </a:rPr>
+              <a:t>бквуы</a:t>
+            </a:r>
+            <a:r>
+              <a:rPr lang="ru-RU" sz="1200" b="1" i="0" kern="1200" dirty="0" smtClean="0">
+                <a:solidFill>
+                  <a:schemeClr val="tx1"/>
+                </a:solidFill>
+                <a:effectLst/>
+                <a:latin typeface="+mn-lt"/>
+                <a:ea typeface="+mn-ea"/>
+                <a:cs typeface="+mn-cs"/>
+              </a:rPr>
+              <a:t> </a:t>
+            </a:r>
+            <a:r>
+              <a:rPr lang="ru-RU" sz="1200" b="1" i="0" kern="1200" dirty="0" err="1" smtClean="0">
+                <a:solidFill>
+                  <a:schemeClr val="tx1"/>
+                </a:solidFill>
+                <a:effectLst/>
+                <a:latin typeface="+mn-lt"/>
+                <a:ea typeface="+mn-ea"/>
+                <a:cs typeface="+mn-cs"/>
+              </a:rPr>
+              <a:t>блыи</a:t>
+            </a:r>
+            <a:r>
+              <a:rPr lang="ru-RU" sz="1200" b="1" i="0" kern="1200" dirty="0" smtClean="0">
+                <a:solidFill>
+                  <a:schemeClr val="tx1"/>
+                </a:solidFill>
+                <a:effectLst/>
+                <a:latin typeface="+mn-lt"/>
+                <a:ea typeface="+mn-ea"/>
+                <a:cs typeface="+mn-cs"/>
+              </a:rPr>
+              <a:t> на </a:t>
+            </a:r>
+            <a:r>
+              <a:rPr lang="ru-RU" sz="1200" b="1" i="0" kern="1200" dirty="0" err="1" smtClean="0">
+                <a:solidFill>
+                  <a:schemeClr val="tx1"/>
+                </a:solidFill>
+                <a:effectLst/>
+                <a:latin typeface="+mn-lt"/>
+                <a:ea typeface="+mn-ea"/>
+                <a:cs typeface="+mn-cs"/>
+              </a:rPr>
+              <a:t>мсете</a:t>
+            </a:r>
+            <a:r>
+              <a:rPr lang="ru-RU" sz="1200" b="1" i="0" kern="1200" dirty="0" smtClean="0">
+                <a:solidFill>
+                  <a:schemeClr val="tx1"/>
+                </a:solidFill>
+                <a:effectLst/>
+                <a:latin typeface="+mn-lt"/>
+                <a:ea typeface="+mn-ea"/>
+                <a:cs typeface="+mn-cs"/>
+              </a:rPr>
+              <a:t>. </a:t>
+            </a:r>
+            <a:r>
+              <a:rPr lang="ru-RU" sz="1200" b="1" i="0" kern="1200" dirty="0" err="1" smtClean="0">
+                <a:solidFill>
+                  <a:schemeClr val="tx1"/>
+                </a:solidFill>
+                <a:effectLst/>
+                <a:latin typeface="+mn-lt"/>
+                <a:ea typeface="+mn-ea"/>
+                <a:cs typeface="+mn-cs"/>
+              </a:rPr>
+              <a:t>осатьлыне</a:t>
+            </a:r>
+            <a:r>
+              <a:rPr lang="ru-RU" sz="1200" b="1" i="0" kern="1200" dirty="0" smtClean="0">
+                <a:solidFill>
+                  <a:schemeClr val="tx1"/>
+                </a:solidFill>
+                <a:effectLst/>
+                <a:latin typeface="+mn-lt"/>
+                <a:ea typeface="+mn-ea"/>
+                <a:cs typeface="+mn-cs"/>
+              </a:rPr>
+              <a:t> </a:t>
+            </a:r>
+            <a:r>
+              <a:rPr lang="ru-RU" sz="1200" b="1" i="0" kern="1200" dirty="0" err="1" smtClean="0">
+                <a:solidFill>
+                  <a:schemeClr val="tx1"/>
+                </a:solidFill>
+                <a:effectLst/>
+                <a:latin typeface="+mn-lt"/>
+                <a:ea typeface="+mn-ea"/>
+                <a:cs typeface="+mn-cs"/>
+              </a:rPr>
+              <a:t>бкувы</a:t>
+            </a:r>
+            <a:r>
+              <a:rPr lang="ru-RU" sz="1200" b="1" i="0" kern="1200" dirty="0" smtClean="0">
+                <a:solidFill>
+                  <a:schemeClr val="tx1"/>
+                </a:solidFill>
+                <a:effectLst/>
+                <a:latin typeface="+mn-lt"/>
+                <a:ea typeface="+mn-ea"/>
+                <a:cs typeface="+mn-cs"/>
+              </a:rPr>
+              <a:t> </a:t>
+            </a:r>
+            <a:r>
+              <a:rPr lang="ru-RU" sz="1200" b="1" i="0" kern="1200" dirty="0" err="1" smtClean="0">
+                <a:solidFill>
+                  <a:schemeClr val="tx1"/>
+                </a:solidFill>
+                <a:effectLst/>
+                <a:latin typeface="+mn-lt"/>
+                <a:ea typeface="+mn-ea"/>
+                <a:cs typeface="+mn-cs"/>
+              </a:rPr>
+              <a:t>мгоут</a:t>
+            </a:r>
+            <a:r>
+              <a:rPr lang="ru-RU" sz="1200" b="1" i="0" kern="1200" dirty="0" smtClean="0">
+                <a:solidFill>
+                  <a:schemeClr val="tx1"/>
+                </a:solidFill>
+                <a:effectLst/>
+                <a:latin typeface="+mn-lt"/>
+                <a:ea typeface="+mn-ea"/>
+                <a:cs typeface="+mn-cs"/>
+              </a:rPr>
+              <a:t> </a:t>
+            </a:r>
+            <a:r>
+              <a:rPr lang="ru-RU" sz="1200" b="1" i="0" kern="1200" dirty="0" err="1" smtClean="0">
+                <a:solidFill>
+                  <a:schemeClr val="tx1"/>
+                </a:solidFill>
+                <a:effectLst/>
+                <a:latin typeface="+mn-lt"/>
+                <a:ea typeface="+mn-ea"/>
+                <a:cs typeface="+mn-cs"/>
+              </a:rPr>
+              <a:t>селдовтаь</a:t>
+            </a:r>
+            <a:r>
+              <a:rPr lang="ru-RU" sz="1200" b="1" i="0" kern="1200" dirty="0" smtClean="0">
+                <a:solidFill>
+                  <a:schemeClr val="tx1"/>
+                </a:solidFill>
+                <a:effectLst/>
+                <a:latin typeface="+mn-lt"/>
+                <a:ea typeface="+mn-ea"/>
+                <a:cs typeface="+mn-cs"/>
+              </a:rPr>
+              <a:t> в </a:t>
+            </a:r>
+            <a:r>
+              <a:rPr lang="ru-RU" sz="1200" b="1" i="0" kern="1200" dirty="0" err="1" smtClean="0">
+                <a:solidFill>
+                  <a:schemeClr val="tx1"/>
+                </a:solidFill>
+                <a:effectLst/>
+                <a:latin typeface="+mn-lt"/>
+                <a:ea typeface="+mn-ea"/>
+                <a:cs typeface="+mn-cs"/>
+              </a:rPr>
+              <a:t>плоонм</a:t>
+            </a:r>
+            <a:r>
+              <a:rPr lang="ru-RU" sz="1200" b="1" i="0" kern="1200" dirty="0" smtClean="0">
+                <a:solidFill>
+                  <a:schemeClr val="tx1"/>
+                </a:solidFill>
+                <a:effectLst/>
+                <a:latin typeface="+mn-lt"/>
+                <a:ea typeface="+mn-ea"/>
+                <a:cs typeface="+mn-cs"/>
+              </a:rPr>
+              <a:t> </a:t>
+            </a:r>
+            <a:r>
+              <a:rPr lang="ru-RU" sz="1200" b="1" i="0" kern="1200" dirty="0" err="1" smtClean="0">
+                <a:solidFill>
+                  <a:schemeClr val="tx1"/>
+                </a:solidFill>
+                <a:effectLst/>
+                <a:latin typeface="+mn-lt"/>
+                <a:ea typeface="+mn-ea"/>
+                <a:cs typeface="+mn-cs"/>
+              </a:rPr>
+              <a:t>бсепордяке</a:t>
+            </a:r>
+            <a:r>
+              <a:rPr lang="ru-RU" sz="1200" b="1" i="0" kern="1200" dirty="0" smtClean="0">
+                <a:solidFill>
+                  <a:schemeClr val="tx1"/>
+                </a:solidFill>
+                <a:effectLst/>
+                <a:latin typeface="+mn-lt"/>
+                <a:ea typeface="+mn-ea"/>
+                <a:cs typeface="+mn-cs"/>
+              </a:rPr>
+              <a:t>, все-рвано </a:t>
+            </a:r>
+            <a:r>
+              <a:rPr lang="ru-RU" sz="1200" b="1" i="0" kern="1200" dirty="0" err="1" smtClean="0">
+                <a:solidFill>
+                  <a:schemeClr val="tx1"/>
+                </a:solidFill>
+                <a:effectLst/>
+                <a:latin typeface="+mn-lt"/>
+                <a:ea typeface="+mn-ea"/>
+                <a:cs typeface="+mn-cs"/>
+              </a:rPr>
+              <a:t>ткест</a:t>
+            </a:r>
+            <a:r>
+              <a:rPr lang="ru-RU" sz="1200" b="1" i="0" kern="1200" dirty="0" smtClean="0">
+                <a:solidFill>
+                  <a:schemeClr val="tx1"/>
+                </a:solidFill>
+                <a:effectLst/>
+                <a:latin typeface="+mn-lt"/>
+                <a:ea typeface="+mn-ea"/>
+                <a:cs typeface="+mn-cs"/>
+              </a:rPr>
+              <a:t> </a:t>
+            </a:r>
+            <a:r>
+              <a:rPr lang="ru-RU" sz="1200" b="1" i="0" kern="1200" dirty="0" err="1" smtClean="0">
+                <a:solidFill>
+                  <a:schemeClr val="tx1"/>
+                </a:solidFill>
+                <a:effectLst/>
+                <a:latin typeface="+mn-lt"/>
+                <a:ea typeface="+mn-ea"/>
+                <a:cs typeface="+mn-cs"/>
+              </a:rPr>
+              <a:t>чтаитсея</a:t>
+            </a:r>
+            <a:r>
+              <a:rPr lang="ru-RU" sz="1200" b="1" i="0" kern="1200" dirty="0" smtClean="0">
+                <a:solidFill>
+                  <a:schemeClr val="tx1"/>
+                </a:solidFill>
+                <a:effectLst/>
+                <a:latin typeface="+mn-lt"/>
+                <a:ea typeface="+mn-ea"/>
+                <a:cs typeface="+mn-cs"/>
+              </a:rPr>
+              <a:t> без </a:t>
+            </a:r>
+            <a:r>
+              <a:rPr lang="ru-RU" sz="1200" b="1" i="0" kern="1200" dirty="0" err="1" smtClean="0">
+                <a:solidFill>
+                  <a:schemeClr val="tx1"/>
+                </a:solidFill>
+                <a:effectLst/>
+                <a:latin typeface="+mn-lt"/>
+                <a:ea typeface="+mn-ea"/>
+                <a:cs typeface="+mn-cs"/>
+              </a:rPr>
+              <a:t>побрелм</a:t>
+            </a:r>
+            <a:r>
+              <a:rPr lang="ru-RU" sz="1200" b="1" i="0" kern="1200" dirty="0" smtClean="0">
+                <a:solidFill>
+                  <a:schemeClr val="tx1"/>
+                </a:solidFill>
+                <a:effectLst/>
+                <a:latin typeface="+mn-lt"/>
+                <a:ea typeface="+mn-ea"/>
+                <a:cs typeface="+mn-cs"/>
+              </a:rPr>
+              <a:t>. </a:t>
+            </a:r>
+            <a:r>
+              <a:rPr lang="ru-RU" sz="1200" b="1" i="0" kern="1200" dirty="0" err="1" smtClean="0">
+                <a:solidFill>
+                  <a:schemeClr val="tx1"/>
+                </a:solidFill>
+                <a:effectLst/>
+                <a:latin typeface="+mn-lt"/>
+                <a:ea typeface="+mn-ea"/>
+                <a:cs typeface="+mn-cs"/>
+              </a:rPr>
+              <a:t>Пичрионй</a:t>
+            </a:r>
+            <a:r>
+              <a:rPr lang="ru-RU" sz="1200" b="1" i="0" kern="1200" dirty="0" smtClean="0">
+                <a:solidFill>
+                  <a:schemeClr val="tx1"/>
+                </a:solidFill>
+                <a:effectLst/>
+                <a:latin typeface="+mn-lt"/>
+                <a:ea typeface="+mn-ea"/>
+                <a:cs typeface="+mn-cs"/>
+              </a:rPr>
+              <a:t> </a:t>
+            </a:r>
+            <a:r>
+              <a:rPr lang="ru-RU" sz="1200" b="1" i="0" kern="1200" dirty="0" err="1" smtClean="0">
+                <a:solidFill>
+                  <a:schemeClr val="tx1"/>
+                </a:solidFill>
+                <a:effectLst/>
+                <a:latin typeface="+mn-lt"/>
+                <a:ea typeface="+mn-ea"/>
+                <a:cs typeface="+mn-cs"/>
+              </a:rPr>
+              <a:t>эгото</a:t>
+            </a:r>
+            <a:r>
+              <a:rPr lang="ru-RU" sz="1200" b="1" i="0" kern="1200" dirty="0" smtClean="0">
+                <a:solidFill>
+                  <a:schemeClr val="tx1"/>
+                </a:solidFill>
+                <a:effectLst/>
+                <a:latin typeface="+mn-lt"/>
+                <a:ea typeface="+mn-ea"/>
+                <a:cs typeface="+mn-cs"/>
+              </a:rPr>
+              <a:t> </a:t>
+            </a:r>
+            <a:r>
+              <a:rPr lang="ru-RU" sz="1200" b="1" i="0" kern="1200" dirty="0" err="1" smtClean="0">
+                <a:solidFill>
+                  <a:schemeClr val="tx1"/>
+                </a:solidFill>
+                <a:effectLst/>
+                <a:latin typeface="+mn-lt"/>
+                <a:ea typeface="+mn-ea"/>
+                <a:cs typeface="+mn-cs"/>
+              </a:rPr>
+              <a:t>ялвятеся</a:t>
+            </a:r>
+            <a:r>
+              <a:rPr lang="ru-RU" sz="1200" b="1" i="0" kern="1200" dirty="0" smtClean="0">
+                <a:solidFill>
+                  <a:schemeClr val="tx1"/>
+                </a:solidFill>
+                <a:effectLst/>
+                <a:latin typeface="+mn-lt"/>
+                <a:ea typeface="+mn-ea"/>
+                <a:cs typeface="+mn-cs"/>
+              </a:rPr>
+              <a:t> то, что мы не </a:t>
+            </a:r>
+            <a:r>
+              <a:rPr lang="ru-RU" sz="1200" b="1" i="0" kern="1200" dirty="0" err="1" smtClean="0">
+                <a:solidFill>
+                  <a:schemeClr val="tx1"/>
+                </a:solidFill>
+                <a:effectLst/>
+                <a:latin typeface="+mn-lt"/>
+                <a:ea typeface="+mn-ea"/>
+                <a:cs typeface="+mn-cs"/>
+              </a:rPr>
+              <a:t>чиаетм</a:t>
+            </a:r>
+            <a:r>
+              <a:rPr lang="ru-RU" sz="1200" b="1" i="0" kern="1200" dirty="0" smtClean="0">
+                <a:solidFill>
+                  <a:schemeClr val="tx1"/>
+                </a:solidFill>
+                <a:effectLst/>
+                <a:latin typeface="+mn-lt"/>
+                <a:ea typeface="+mn-ea"/>
+                <a:cs typeface="+mn-cs"/>
+              </a:rPr>
+              <a:t> </a:t>
+            </a:r>
+            <a:r>
+              <a:rPr lang="ru-RU" sz="1200" b="1" i="0" kern="1200" dirty="0" err="1" smtClean="0">
+                <a:solidFill>
+                  <a:schemeClr val="tx1"/>
+                </a:solidFill>
+                <a:effectLst/>
+                <a:latin typeface="+mn-lt"/>
+                <a:ea typeface="+mn-ea"/>
+                <a:cs typeface="+mn-cs"/>
+              </a:rPr>
+              <a:t>кдаужю</a:t>
+            </a:r>
+            <a:r>
+              <a:rPr lang="ru-RU" sz="1200" b="1" i="0" kern="1200" dirty="0" smtClean="0">
+                <a:solidFill>
+                  <a:schemeClr val="tx1"/>
+                </a:solidFill>
+                <a:effectLst/>
+                <a:latin typeface="+mn-lt"/>
+                <a:ea typeface="+mn-ea"/>
+                <a:cs typeface="+mn-cs"/>
+              </a:rPr>
+              <a:t> </a:t>
+            </a:r>
+            <a:r>
+              <a:rPr lang="ru-RU" sz="1200" b="1" i="0" kern="1200" dirty="0" err="1" smtClean="0">
+                <a:solidFill>
+                  <a:schemeClr val="tx1"/>
+                </a:solidFill>
+                <a:effectLst/>
+                <a:latin typeface="+mn-lt"/>
+                <a:ea typeface="+mn-ea"/>
+                <a:cs typeface="+mn-cs"/>
+              </a:rPr>
+              <a:t>бкуву</a:t>
+            </a:r>
+            <a:r>
+              <a:rPr lang="ru-RU" sz="1200" b="1" i="0" kern="1200" dirty="0" smtClean="0">
+                <a:solidFill>
+                  <a:schemeClr val="tx1"/>
+                </a:solidFill>
+                <a:effectLst/>
+                <a:latin typeface="+mn-lt"/>
+                <a:ea typeface="+mn-ea"/>
+                <a:cs typeface="+mn-cs"/>
+              </a:rPr>
+              <a:t> по </a:t>
+            </a:r>
+            <a:r>
+              <a:rPr lang="ru-RU" sz="1200" b="1" i="0" kern="1200" dirty="0" err="1" smtClean="0">
+                <a:solidFill>
+                  <a:schemeClr val="tx1"/>
+                </a:solidFill>
+                <a:effectLst/>
+                <a:latin typeface="+mn-lt"/>
+                <a:ea typeface="+mn-ea"/>
+                <a:cs typeface="+mn-cs"/>
+              </a:rPr>
+              <a:t>отдльенотси</a:t>
+            </a:r>
+            <a:r>
+              <a:rPr lang="ru-RU" sz="1200" b="1" i="0" kern="1200" dirty="0" smtClean="0">
+                <a:solidFill>
+                  <a:schemeClr val="tx1"/>
+                </a:solidFill>
+                <a:effectLst/>
+                <a:latin typeface="+mn-lt"/>
+                <a:ea typeface="+mn-ea"/>
+                <a:cs typeface="+mn-cs"/>
+              </a:rPr>
+              <a:t>, а все </a:t>
+            </a:r>
+            <a:r>
+              <a:rPr lang="ru-RU" sz="1200" b="1" i="0" kern="1200" dirty="0" err="1" smtClean="0">
+                <a:solidFill>
+                  <a:schemeClr val="tx1"/>
+                </a:solidFill>
+                <a:effectLst/>
+                <a:latin typeface="+mn-lt"/>
+                <a:ea typeface="+mn-ea"/>
+                <a:cs typeface="+mn-cs"/>
+              </a:rPr>
+              <a:t>солво</a:t>
+            </a:r>
+            <a:r>
+              <a:rPr lang="ru-RU" sz="1200" b="1" i="0" kern="1200" dirty="0" smtClean="0">
+                <a:solidFill>
+                  <a:schemeClr val="tx1"/>
+                </a:solidFill>
+                <a:effectLst/>
+                <a:latin typeface="+mn-lt"/>
+                <a:ea typeface="+mn-ea"/>
+                <a:cs typeface="+mn-cs"/>
+              </a:rPr>
+              <a:t> </a:t>
+            </a:r>
+            <a:r>
+              <a:rPr lang="ru-RU" sz="1200" b="1" i="0" kern="1200" dirty="0" err="1" smtClean="0">
+                <a:solidFill>
+                  <a:schemeClr val="tx1"/>
+                </a:solidFill>
+                <a:effectLst/>
+                <a:latin typeface="+mn-lt"/>
+                <a:ea typeface="+mn-ea"/>
+                <a:cs typeface="+mn-cs"/>
+              </a:rPr>
+              <a:t>цлиеком</a:t>
+            </a:r>
+            <a:r>
+              <a:rPr lang="ru-RU" sz="1200" b="1" i="0" kern="1200" dirty="0" smtClean="0">
+                <a:solidFill>
+                  <a:schemeClr val="tx1"/>
+                </a:solidFill>
+                <a:effectLst/>
+                <a:latin typeface="+mn-lt"/>
+                <a:ea typeface="+mn-ea"/>
+                <a:cs typeface="+mn-cs"/>
+              </a:rPr>
+              <a:t>.</a:t>
+            </a:r>
+            <a:r>
+              <a:rPr lang="ru-RU" sz="1200" b="0" i="0" kern="1200" baseline="0" dirty="0" smtClean="0">
+                <a:solidFill>
+                  <a:schemeClr val="tx1"/>
+                </a:solidFill>
+                <a:effectLst/>
+                <a:latin typeface="+mn-lt"/>
+                <a:ea typeface="+mn-ea"/>
+                <a:cs typeface="+mn-cs"/>
+              </a:rPr>
+              <a:t>»</a:t>
+            </a:r>
+            <a:endParaRPr lang="ru-RU" dirty="0" smtClean="0"/>
+          </a:p>
+          <a:p>
+            <a:r>
+              <a:rPr lang="ru-RU" dirty="0" smtClean="0"/>
+              <a:t>5. </a:t>
+            </a:r>
+            <a:r>
+              <a:rPr lang="en-US" sz="1200" b="0" i="0" kern="1200" dirty="0" smtClean="0">
+                <a:solidFill>
+                  <a:schemeClr val="tx1"/>
+                </a:solidFill>
+                <a:effectLst/>
+                <a:latin typeface="+mn-lt"/>
+                <a:ea typeface="+mn-ea"/>
+                <a:cs typeface="+mn-cs"/>
+              </a:rPr>
+              <a:t>private </a:t>
+            </a:r>
+            <a:r>
+              <a:rPr lang="en-US" sz="1200" b="1" i="0" kern="1200" dirty="0" smtClean="0">
+                <a:solidFill>
+                  <a:schemeClr val="tx1"/>
+                </a:solidFill>
+                <a:effectLst/>
+                <a:latin typeface="+mn-lt"/>
+                <a:ea typeface="+mn-ea"/>
+                <a:cs typeface="+mn-cs"/>
+              </a:rPr>
+              <a:t>static</a:t>
+            </a:r>
+            <a:r>
+              <a:rPr lang="en-US" sz="1200" b="0" i="0" kern="1200" dirty="0" smtClean="0">
+                <a:solidFill>
+                  <a:schemeClr val="tx1"/>
+                </a:solidFill>
+                <a:effectLst/>
+                <a:latin typeface="+mn-lt"/>
+                <a:ea typeface="+mn-ea"/>
+                <a:cs typeface="+mn-cs"/>
+              </a:rPr>
+              <a:t> </a:t>
+            </a:r>
+            <a:r>
+              <a:rPr lang="en-US" sz="1200" b="0" i="0" kern="1200" dirty="0" err="1" smtClean="0">
+                <a:solidFill>
+                  <a:schemeClr val="tx1"/>
+                </a:solidFill>
+                <a:effectLst/>
+                <a:latin typeface="+mn-lt"/>
+                <a:ea typeface="+mn-ea"/>
+                <a:cs typeface="+mn-cs"/>
+              </a:rPr>
+              <a:t>readonly</a:t>
+            </a:r>
+            <a:r>
+              <a:rPr lang="en-US" sz="1200" b="0" i="0" kern="1200" dirty="0" smtClean="0">
+                <a:solidFill>
+                  <a:schemeClr val="tx1"/>
+                </a:solidFill>
+                <a:effectLst/>
+                <a:latin typeface="+mn-lt"/>
+                <a:ea typeface="+mn-ea"/>
+                <a:cs typeface="+mn-cs"/>
+              </a:rPr>
+              <a:t> </a:t>
+            </a:r>
+            <a:r>
+              <a:rPr lang="en-US" sz="1200" b="0" i="0" kern="1200" dirty="0" err="1" smtClean="0">
+                <a:solidFill>
+                  <a:schemeClr val="tx1"/>
+                </a:solidFill>
+                <a:effectLst/>
+                <a:latin typeface="+mn-lt"/>
+                <a:ea typeface="+mn-ea"/>
+                <a:cs typeface="+mn-cs"/>
+              </a:rPr>
+              <a:t>IDictionary</a:t>
+            </a:r>
+            <a:r>
+              <a:rPr lang="en-US" sz="1200" b="0" i="0" kern="1200" dirty="0" smtClean="0">
+                <a:solidFill>
+                  <a:schemeClr val="tx1"/>
+                </a:solidFill>
+                <a:effectLst/>
+                <a:latin typeface="+mn-lt"/>
+                <a:ea typeface="+mn-ea"/>
+                <a:cs typeface="+mn-cs"/>
+              </a:rPr>
+              <a:t>&lt;string, </a:t>
+            </a:r>
+            <a:r>
+              <a:rPr lang="en-US" sz="1200" b="0" i="0" kern="1200" dirty="0" err="1" smtClean="0">
+                <a:solidFill>
+                  <a:schemeClr val="tx1"/>
+                </a:solidFill>
+                <a:effectLst/>
+                <a:latin typeface="+mn-lt"/>
+                <a:ea typeface="+mn-ea"/>
+                <a:cs typeface="+mn-cs"/>
+              </a:rPr>
+              <a:t>int</a:t>
+            </a:r>
+            <a:r>
+              <a:rPr lang="en-US" sz="1200" b="0" i="0" kern="1200" dirty="0" smtClean="0">
+                <a:solidFill>
+                  <a:schemeClr val="tx1"/>
+                </a:solidFill>
+                <a:effectLst/>
+                <a:latin typeface="+mn-lt"/>
+                <a:ea typeface="+mn-ea"/>
+                <a:cs typeface="+mn-cs"/>
+              </a:rPr>
+              <a:t>&gt; stats = new Dictionary&lt;string, </a:t>
+            </a:r>
+            <a:r>
+              <a:rPr lang="en-US" sz="1200" b="0" i="0" kern="1200" dirty="0" err="1" smtClean="0">
+                <a:solidFill>
+                  <a:schemeClr val="tx1"/>
+                </a:solidFill>
+                <a:effectLst/>
+                <a:latin typeface="+mn-lt"/>
+                <a:ea typeface="+mn-ea"/>
+                <a:cs typeface="+mn-cs"/>
+              </a:rPr>
+              <a:t>int</a:t>
+            </a:r>
+            <a:r>
+              <a:rPr lang="en-US" sz="1200" b="0" i="0" kern="1200" dirty="0" smtClean="0">
+                <a:solidFill>
+                  <a:schemeClr val="tx1"/>
+                </a:solidFill>
+                <a:effectLst/>
+                <a:latin typeface="+mn-lt"/>
+                <a:ea typeface="+mn-ea"/>
+                <a:cs typeface="+mn-cs"/>
+              </a:rPr>
+              <a:t>&gt;();</a:t>
+            </a:r>
+            <a:endParaRPr lang="ru-RU" sz="1200" b="0" i="0" kern="1200" dirty="0" smtClean="0">
+              <a:solidFill>
+                <a:schemeClr val="tx1"/>
+              </a:solidFill>
+              <a:effectLst/>
+              <a:latin typeface="+mn-lt"/>
+              <a:ea typeface="+mn-ea"/>
+              <a:cs typeface="+mn-cs"/>
+            </a:endParaRPr>
+          </a:p>
+          <a:p>
+            <a:r>
+              <a:rPr lang="ru-RU" sz="1200" b="0" i="0" kern="1200" dirty="0" smtClean="0">
+                <a:solidFill>
+                  <a:schemeClr val="tx1"/>
+                </a:solidFill>
+                <a:effectLst/>
+                <a:latin typeface="+mn-lt"/>
+                <a:ea typeface="+mn-ea"/>
+                <a:cs typeface="+mn-cs"/>
+              </a:rPr>
+              <a:t>Как это отловить?</a:t>
+            </a:r>
+          </a:p>
+          <a:p>
+            <a:r>
+              <a:rPr lang="ru-RU" dirty="0" smtClean="0"/>
+              <a:t/>
+            </a:r>
+            <a:br>
+              <a:rPr lang="ru-RU" dirty="0" smtClean="0"/>
+            </a:br>
+            <a:r>
+              <a:rPr lang="ru-RU" dirty="0" smtClean="0"/>
+              <a:t>6. Много тестов, проверяющих</a:t>
+            </a:r>
+            <a:r>
+              <a:rPr lang="ru-RU" baseline="0" dirty="0" smtClean="0"/>
+              <a:t> одно и то же – это признак </a:t>
+            </a:r>
+            <a:r>
+              <a:rPr lang="en-US" baseline="0" dirty="0" err="1" smtClean="0"/>
+              <a:t>Overspecification</a:t>
+            </a:r>
+            <a:r>
+              <a:rPr lang="en-US" baseline="0" dirty="0" smtClean="0"/>
+              <a:t> </a:t>
+            </a:r>
+            <a:r>
+              <a:rPr lang="ru-RU" baseline="0" dirty="0" smtClean="0"/>
+              <a:t>из </a:t>
+            </a:r>
+            <a:r>
+              <a:rPr lang="ru-RU" baseline="0" dirty="0" err="1" smtClean="0"/>
+              <a:t>Антипаттернов</a:t>
+            </a:r>
+            <a:r>
+              <a:rPr lang="ru-RU" baseline="0" dirty="0" smtClean="0"/>
+              <a:t>, что не есть хорошо.</a:t>
+            </a:r>
+          </a:p>
+          <a:p>
+            <a:r>
+              <a:rPr lang="ru-RU" baseline="0" dirty="0" smtClean="0"/>
+              <a:t>Почему?</a:t>
+            </a:r>
+          </a:p>
+          <a:p>
+            <a:pPr marL="171450" indent="-171450">
+              <a:buFont typeface="Arial" panose="020B0604020202020204" pitchFamily="34" charset="0"/>
+              <a:buChar char="•"/>
+            </a:pPr>
+            <a:r>
+              <a:rPr lang="ru-RU" baseline="0" dirty="0" smtClean="0"/>
+              <a:t>Каждую колонку можно рассматривать как требование из спецификации. Мы живём в изменяющемся мире, условия меняются, требования меняются, соответственно тесты и реализация тоже должны меняться. Но когда у тебя 12 тестов, проверяющих одно и то же требование. То при изменении этого требования, придётся поменять 12 тестов. А если этих тестов 20? 100?..</a:t>
+            </a:r>
+          </a:p>
+          <a:p>
+            <a:pPr marL="171450" indent="-171450">
+              <a:buFont typeface="Arial" panose="020B0604020202020204" pitchFamily="34" charset="0"/>
+              <a:buChar char="•"/>
+            </a:pPr>
+            <a:endParaRPr lang="ru-RU" baseline="0" dirty="0" smtClean="0"/>
+          </a:p>
+          <a:p>
+            <a:pPr marL="0" indent="0">
+              <a:buFont typeface="Arial" panose="020B0604020202020204" pitchFamily="34" charset="0"/>
+              <a:buNone/>
+            </a:pPr>
+            <a:r>
+              <a:rPr lang="ru-RU" baseline="0" dirty="0" smtClean="0"/>
+              <a:t>Подытожим:</a:t>
+            </a:r>
+          </a:p>
+          <a:p>
+            <a:pPr marL="171450" indent="-171450">
+              <a:buFont typeface="Arial" panose="020B0604020202020204" pitchFamily="34" charset="0"/>
+              <a:buChar char="•"/>
+            </a:pPr>
+            <a:r>
+              <a:rPr lang="ru-RU" baseline="0" dirty="0" smtClean="0"/>
+              <a:t>Легко писать тесты по существующему проверенному коду и/или спецификации</a:t>
+            </a:r>
+            <a:endParaRPr lang="en-US" baseline="0" dirty="0" smtClean="0"/>
+          </a:p>
+          <a:p>
+            <a:pPr marL="171450" indent="-171450">
+              <a:buFont typeface="Arial" panose="020B0604020202020204" pitchFamily="34" charset="0"/>
+              <a:buChar char="•"/>
+            </a:pPr>
+            <a:r>
+              <a:rPr lang="ru-RU" baseline="0" dirty="0" smtClean="0"/>
+              <a:t>Не всегда очевидно взаимодействие требований.</a:t>
+            </a:r>
+          </a:p>
+          <a:p>
+            <a:pPr marL="171450" indent="-171450">
+              <a:buFont typeface="Arial" panose="020B0604020202020204" pitchFamily="34" charset="0"/>
+              <a:buChar char="•"/>
+            </a:pPr>
+            <a:r>
+              <a:rPr lang="ru-RU" baseline="0" dirty="0" smtClean="0"/>
+              <a:t>Тесты не заменяют </a:t>
+            </a:r>
+            <a:r>
+              <a:rPr lang="en-US" baseline="0" dirty="0" smtClean="0"/>
+              <a:t>CR</a:t>
+            </a:r>
+            <a:endParaRPr lang="ru-RU" baseline="0" dirty="0" smtClean="0"/>
+          </a:p>
+          <a:p>
+            <a:pPr marL="171450" indent="-171450">
+              <a:buFont typeface="Arial" panose="020B0604020202020204" pitchFamily="34" charset="0"/>
+              <a:buChar char="•"/>
+            </a:pPr>
+            <a:r>
+              <a:rPr lang="en-US" baseline="0" dirty="0" smtClean="0"/>
+              <a:t>CR </a:t>
+            </a:r>
+            <a:r>
+              <a:rPr lang="ru-RU" baseline="0" dirty="0" smtClean="0"/>
+              <a:t>не заменяет тестов. И то, и другое – инструменты, которыми можно предотвратить </a:t>
+            </a:r>
+            <a:r>
+              <a:rPr lang="ru-RU" b="1" baseline="0" dirty="0" smtClean="0"/>
+              <a:t>почти</a:t>
+            </a:r>
+            <a:r>
+              <a:rPr lang="ru-RU" baseline="0" dirty="0" smtClean="0"/>
+              <a:t> все проблемы при использовании их вместе.</a:t>
+            </a:r>
+          </a:p>
+          <a:p>
+            <a:pPr marL="171450" indent="-171450">
+              <a:buFont typeface="Arial" panose="020B0604020202020204" pitchFamily="34" charset="0"/>
+              <a:buChar char="•"/>
+            </a:pPr>
+            <a:endParaRPr lang="ru-RU" baseline="0" dirty="0" smtClean="0"/>
+          </a:p>
+        </p:txBody>
+      </p:sp>
+      <p:sp>
+        <p:nvSpPr>
+          <p:cNvPr id="4" name="Номер слайда 3"/>
+          <p:cNvSpPr>
+            <a:spLocks noGrp="1"/>
+          </p:cNvSpPr>
+          <p:nvPr>
+            <p:ph type="sldNum" sz="quarter" idx="10"/>
+          </p:nvPr>
+        </p:nvSpPr>
+        <p:spPr/>
+        <p:txBody>
+          <a:bodyPr/>
+          <a:lstStyle/>
+          <a:p>
+            <a:fld id="{3BAECB10-9972-4830-A584-02C41DAFD45B}" type="slidenum">
+              <a:rPr lang="ru-RU" smtClean="0"/>
+              <a:t>27</a:t>
+            </a:fld>
+            <a:endParaRPr lang="ru-RU"/>
+          </a:p>
+        </p:txBody>
+      </p:sp>
+    </p:spTree>
+    <p:extLst>
+      <p:ext uri="{BB962C8B-B14F-4D97-AF65-F5344CB8AC3E}">
+        <p14:creationId xmlns:p14="http://schemas.microsoft.com/office/powerpoint/2010/main" val="3738593691"/>
       </p:ext>
     </p:extLst>
   </p:cSld>
@@ -9389,6 +11468,21 @@
             </a:r>
           </a:p>
           <a:p>
+            <a:endParaRPr lang="en-US" dirty="0" smtClean="0"/>
+          </a:p>
+          <a:p>
+            <a:r>
+              <a:rPr lang="ru-RU" dirty="0" smtClean="0"/>
+              <a:t>Что</a:t>
+            </a:r>
+            <a:r>
+              <a:rPr lang="ru-RU" baseline="0" dirty="0" smtClean="0"/>
+              <a:t> здесь происходит? Что делает класс </a:t>
+            </a:r>
+            <a:r>
+              <a:rPr lang="en-US" baseline="0" dirty="0" smtClean="0"/>
+              <a:t>Superman?</a:t>
+            </a:r>
             <a:endParaRPr lang="ru-RU" dirty="0"/>
           </a:p>
         </p:txBody>
@@ -9410,7 +11504,7 @@
           <a:p>
             <a:fld id="{3BAECB10-9972-4830-A584-02C41DAFD45B}" type="slidenum">
               <a:rPr lang="ru-RU" smtClean="0"/>
-              <a:t>3</a:t>
+              <a:t>4</a:t>
             </a:fld>
             <a:endParaRPr lang="ru-RU"/>
           </a:p>
@@ -9551,7 +11645,7 @@
           <a:p>
             <a:fld id="{3BAECB10-9972-4830-A584-02C41DAFD45B}" type="slidenum">
               <a:rPr lang="ru-RU" smtClean="0"/>
-              <a:t>4</a:t>
+              <a:t>5</a:t>
             </a:fld>
             <a:endParaRPr lang="ru-RU"/>
           </a:p>
@@ -9693,7 +11787,7 @@
           <a:p>
             <a:fld id="{3BAECB10-9972-4830-A584-02C41DAFD45B}" type="slidenum">
               <a:rPr lang="ru-RU" smtClean="0"/>
-              <a:t>5</a:t>
+              <a:t>6</a:t>
             </a:fld>
             <a:endParaRPr lang="ru-RU"/>
           </a:p>
@@ -9774,8 +11868,13 @@
             </a:r>
             <a:r>
               <a:rPr lang="ru-RU" baseline="0" dirty="0" smtClean="0"/>
-              <a:t>хватает?</a:t>
-            </a:r>
+              <a:t>хватает? А что лишнее</a:t>
+            </a:r>
+            <a:r>
+              <a:rPr lang="en-US" baseline="0" dirty="0" smtClean="0"/>
+              <a:t>?</a:t>
+            </a:r>
+            <a:endParaRPr lang="ru-RU" baseline="0" dirty="0" smtClean="0"/>
           </a:p>
         </p:txBody>
       </p:sp>
@@ -9796,7 +11895,7 @@
           <a:p>
             <a:fld id="{3BAECB10-9972-4830-A584-02C41DAFD45B}" type="slidenum">
               <a:rPr lang="ru-RU" smtClean="0"/>
-              <a:t>6</a:t>
+              <a:t>7</a:t>
             </a:fld>
             <a:endParaRPr lang="ru-RU"/>
           </a:p>
@@ -9860,105 +11959,56 @@
           <a:lstStyle/>
           <a:p>
             <a:r>
-              <a:rPr lang="en-US" dirty="0"/>
-              <a:t>Local</a:t>
-            </a:r>
-            <a:r>
-              <a:rPr lang="en-US" baseline="0" dirty="0"/>
-              <a:t> Hero – </a:t>
-            </a:r>
-            <a:r>
-              <a:rPr lang="ru-RU" baseline="0" dirty="0"/>
-              <a:t>не будет работать на других машинах</a:t>
+              <a:rPr lang="en-US" dirty="0" err="1" smtClean="0"/>
+              <a:t>ParseInt</a:t>
+            </a:r>
+            <a:r>
+              <a:rPr lang="en-US" baseline="0" dirty="0" smtClean="0"/>
+              <a:t> – </a:t>
+            </a:r>
+            <a:r>
+              <a:rPr lang="ru-RU" baseline="0" dirty="0" smtClean="0"/>
+              <a:t>это метод какого-то класса. По умолчанию взят случай </a:t>
+            </a:r>
+            <a:r>
+              <a:rPr lang="en-US" baseline="0" dirty="0" smtClean="0"/>
+              <a:t>Success</a:t>
+            </a:r>
+            <a:r>
+              <a:rPr lang="ru-RU" baseline="0" dirty="0" smtClean="0"/>
+              <a:t> (поэтому это норм), но не понятно к какому классу относится данный метод, какой класс проверяет.</a:t>
+            </a:r>
+          </a:p>
+          <a:p>
+            <a:endParaRPr lang="ru-RU" dirty="0" smtClean="0"/>
+          </a:p>
+          <a:p>
+            <a:r>
+              <a:rPr lang="ru-RU" dirty="0" smtClean="0"/>
+              <a:t>Резюме</a:t>
+            </a:r>
+            <a:r>
+              <a:rPr lang="ru-RU" baseline="0" dirty="0" smtClean="0"/>
+              <a:t>: </a:t>
+            </a:r>
+            <a:r>
+              <a:rPr lang="ru-RU" baseline="0" dirty="0" err="1" smtClean="0"/>
+              <a:t>нейминг</a:t>
+            </a:r>
+            <a:r>
+              <a:rPr lang="ru-RU" baseline="0" dirty="0" smtClean="0"/>
+              <a:t> – наше всё и не только для основного кода, но и для тестов.</a:t>
+            </a:r>
+          </a:p>
+          <a:p>
+            <a:endParaRPr lang="ru-RU" baseline="0" dirty="0" smtClean="0"/>
+          </a:p>
+          <a:p>
+            <a:r>
+              <a:rPr lang="ru-RU" baseline="0" dirty="0" smtClean="0"/>
+              <a:t>Читаемые тесты ускоряют адаптацию нового члена команды в проект.</a:t>
             </a:r>
             <a:endParaRPr lang="ru-RU" dirty="0"/>
-          </a:p>
-          <a:p>
-            <a:r>
-              <a:rPr lang="en-US" dirty="0"/>
-              <a:t>Loudmouth </a:t>
-            </a:r>
-            <a:r>
-              <a:rPr lang="ru-RU" dirty="0"/>
-              <a:t>(крикун) – тест не является автоматическим: что-то выводит, но </a:t>
-            </a:r>
-            <a:r>
-              <a:rPr lang="en-US" dirty="0"/>
-              <a:t>exception</a:t>
-            </a:r>
-            <a:r>
-              <a:rPr lang="ru-RU" dirty="0"/>
-              <a:t> не кидает</a:t>
-            </a:r>
-          </a:p>
-          <a:p>
-            <a:r>
-              <a:rPr lang="en-US" dirty="0"/>
-              <a:t>Free Ride – </a:t>
-            </a:r>
-            <a:r>
-              <a:rPr lang="ru-RU" dirty="0"/>
-              <a:t>тестируется все подряд (много</a:t>
-            </a:r>
-            <a:r>
-              <a:rPr lang="ru-RU" baseline="0" dirty="0"/>
-              <a:t> </a:t>
-            </a:r>
-            <a:r>
-              <a:rPr lang="en-US" baseline="0" dirty="0"/>
-              <a:t>act, </a:t>
-            </a:r>
-            <a:r>
-              <a:rPr lang="ru-RU" baseline="0" dirty="0"/>
-              <a:t>много </a:t>
-            </a:r>
-            <a:r>
-              <a:rPr lang="en-US" baseline="0" dirty="0"/>
-              <a:t>assert)</a:t>
-            </a:r>
-            <a:endParaRPr lang="ru-RU" dirty="0"/>
-          </a:p>
-          <a:p>
-            <a:r>
-              <a:rPr lang="en-US" dirty="0"/>
-              <a:t>Over</a:t>
-            </a:r>
-            <a:r>
-              <a:rPr lang="en-US" baseline="0" dirty="0"/>
-              <a:t> specification – </a:t>
-            </a:r>
-            <a:r>
-              <a:rPr lang="ru-RU" baseline="0" dirty="0"/>
-              <a:t>создается одна ситуация, но в ней тестируется все (один </a:t>
-            </a:r>
-            <a:r>
-              <a:rPr lang="en-US" baseline="0" dirty="0"/>
-              <a:t>act, </a:t>
-            </a:r>
-            <a:r>
-              <a:rPr lang="ru-RU" baseline="0" dirty="0"/>
-              <a:t>много </a:t>
-            </a:r>
-            <a:r>
-              <a:rPr lang="en-US" baseline="0" dirty="0"/>
-              <a:t>assert)</a:t>
-            </a:r>
-            <a:endParaRPr lang="ru-RU" baseline="0" dirty="0"/>
-          </a:p>
-          <a:p>
-            <a:endParaRPr lang="ru-RU" baseline="0" dirty="0"/>
-          </a:p>
-          <a:p>
-            <a:r>
-              <a:rPr lang="ru-RU" baseline="0" dirty="0"/>
-              <a:t>Только хорошо написанные тесты могут служить спецификацией.</a:t>
-            </a:r>
-          </a:p>
-          <a:p>
-            <a:endParaRPr lang="en-US" baseline="0" dirty="0"/>
-          </a:p>
-          <a:p>
-            <a:endParaRPr lang="en-US" dirty="0"/>
           </a:p>
         </p:txBody>
       </p:sp>
@@ -9979,7 +12029,7 @@
           <a:p>
             <a:fld id="{3BAECB10-9972-4830-A584-02C41DAFD45B}" type="slidenum">
               <a:rPr lang="ru-RU" smtClean="0"/>
-              <a:t>9</a:t>
+              <a:t>8</a:t>
             </a:fld>
             <a:endParaRPr lang="ru-RU"/>
           </a:p>
@@ -9988,7 +12038,7 @@
     </p:spTree>
     <p:extLst>
       <p:ext uri="{BB962C8B-B14F-4D97-AF65-F5344CB8AC3E}">
-        <p14:creationId xmlns:p14="http://schemas.microsoft.com/office/powerpoint/2010/main" val="150544368"/>
+        <p14:creationId xmlns:p14="http://schemas.microsoft.com/office/powerpoint/2010/main" val="1336160950"/>
       </p:ext>
     </p:extLst>
   </p:cSld>
@@ -10042,254 +12092,193 @@
           <a:bodyPr/>
           <a:lstStyle/>
           <a:p>
-            <a:pPr marL="0" marR="0" lvl="0" indent="0" algn="l" defTabSz="914400" rtl="0" eaLnBrk="1" fontAlgn="auto" latinLnBrk="0" hangingPunct="1">
-              <a:lnSpc>
-                <a:spcPct val="100000"/>
-              </a:lnSpc>
-              <a:spcBef>
-                <a:spcPts val="0"/>
-              </a:spcBef>
-              <a:spcAft>
-                <a:spcPts val="0"/>
-              </a:spcAft>
-              <a:buClrTx/>
-              <a:buSzTx/>
-              <a:buFontTx/>
-              <a:buNone/>
-              <a:tabLst/>
-              <a:defRPr/>
-            </a:pPr>
+            <a:r>
+              <a:rPr lang="ru-RU" dirty="0" smtClean="0"/>
+              <a:t>Существует большое</a:t>
+            </a:r>
+            <a:r>
+              <a:rPr lang="ru-RU" baseline="0" dirty="0" smtClean="0"/>
+              <a:t> количество </a:t>
+            </a:r>
+            <a:r>
+              <a:rPr lang="ru-RU" baseline="0" dirty="0" err="1" smtClean="0"/>
+              <a:t>антипаттернов</a:t>
+            </a:r>
+            <a:r>
+              <a:rPr lang="ru-RU" baseline="0" dirty="0" smtClean="0"/>
+              <a:t> (см. по ссылке), здесь приведены лишь 4 из самых злостных и часто встречающихся.</a:t>
+            </a:r>
+          </a:p>
+          <a:p>
             <a:endParaRPr lang="ru-RU" dirty="0" smtClean="0"/>
           </a:p>
           <a:p>
-            <a:pPr marL="0" marR="0" lvl="0" indent="0" algn="l" defTabSz="914400" rtl="0" eaLnBrk="1" fontAlgn="auto" latinLnBrk="0" hangingPunct="1">
-              <a:lnSpc>
-                <a:spcPct val="100000"/>
-              </a:lnSpc>
-              <a:spcBef>
-                <a:spcPts val="0"/>
-              </a:spcBef>
-              <a:spcAft>
-                <a:spcPts val="0"/>
-              </a:spcAft>
-              <a:buClrTx/>
-              <a:buSzTx/>
-              <a:buFontTx/>
-              <a:buNone/>
-              <a:tabLst/>
-              <a:defRPr/>
-            </a:pPr>
-            <a:r>
-              <a:rPr lang="ru-RU" dirty="0" err="1" smtClean="0"/>
-              <a:t>Аттрибуты</a:t>
-            </a:r>
+            <a:r>
+              <a:rPr lang="ru-RU" b="1" dirty="0" smtClean="0"/>
+              <a:t>Открой</a:t>
+            </a:r>
+            <a:r>
+              <a:rPr lang="ru-RU" b="1" baseline="0" dirty="0" smtClean="0"/>
+              <a:t> файл с примерами</a:t>
+            </a:r>
+            <a:r>
+              <a:rPr lang="en-US" b="1" baseline="0" dirty="0" smtClean="0"/>
+              <a:t>.</a:t>
+            </a:r>
+            <a:endParaRPr lang="ru-RU" b="1" dirty="0" smtClean="0"/>
+          </a:p>
+          <a:p>
             <a:r>
               <a:rPr lang="ru-RU" dirty="0" smtClean="0"/>
+              <a:t>Сначала спроси,</a:t>
+            </a:r>
+            <a:r>
+              <a:rPr lang="ru-RU" baseline="0" dirty="0" smtClean="0"/>
+              <a:t> что лишнего видят слушатели, потом объясни, если не сказали всего.</a:t>
+            </a:r>
+          </a:p>
+          <a:p>
+            <a:endParaRPr lang="ru-RU" dirty="0" smtClean="0"/>
+          </a:p>
+          <a:p>
+            <a:r>
+              <a:rPr lang="en-US" dirty="0" smtClean="0"/>
+              <a:t>Local</a:t>
+            </a:r>
+            <a:r>
+              <a:rPr lang="en-US" baseline="0" dirty="0" smtClean="0"/>
               <a:t> </a:t>
             </a:r>
             <a:r>
-              <a:rPr lang="en-US" dirty="0" err="1" smtClean="0"/>
-              <a:t>TestCase</a:t>
+              <a:rPr lang="en-US" baseline="0" dirty="0"/>
+              <a:t>Hero – </a:t>
+            </a:r>
+            <a:r>
+              <a:rPr lang="ru-RU" baseline="0" dirty="0"/>
+              <a:t>не будет работать на других </a:t>
+            </a:r>
+            <a:r>
+              <a:rPr lang="ru-RU" baseline="0" dirty="0" smtClean="0"/>
+              <a:t>машинах.</a:t>
+            </a:r>
+          </a:p>
+          <a:p>
+            <a:endParaRPr lang="ru-RU" dirty="0"/>
+          </a:p>
+          <a:p>
+            <a:r>
+              <a:rPr lang="en-US" dirty="0"/>
+              <a:t>Loudmouth </a:t>
+            </a:r>
+            <a:r>
+              <a:rPr lang="ru-RU" dirty="0"/>
+              <a:t>(крикун) – тест не является автоматическим: что-то выводит, но </a:t>
+            </a:r>
+            <a:r>
+              <a:rPr lang="en-US" dirty="0"/>
+              <a:t>exception</a:t>
+            </a:r>
+            <a:r>
+              <a:rPr lang="ru-RU" dirty="0"/>
+              <a:t> не </a:t>
             </a:r>
             <a:r>
               <a:rPr lang="ru-RU" dirty="0" smtClean="0"/>
-              <a:t> и</a:t>
-            </a:r>
+              <a:t>кидает.</a:t>
+            </a:r>
+            <a:endParaRPr lang="ru-RU" dirty="0"/>
+          </a:p>
+          <a:p>
+            <a:r>
+              <a:rPr lang="ru-RU" dirty="0" smtClean="0"/>
+              <a:t>	История:</a:t>
+            </a:r>
+            <a:r>
+              <a:rPr lang="ru-RU" baseline="0" dirty="0" smtClean="0"/>
+              <a:t> Вы решили ознакомиться с работой какой-то библиотеки, накидали тестов, которые что-то выводят в консоль, что-то пишут на диск или ещё что-то в этом роде, провели эксперименты, освоились с библиотекой и забыли про них. Это мусорные тесты, которые по своей сути ничего не проверяют, а значит, что хранить их не нужно.</a:t>
+            </a:r>
+            <a:endParaRPr lang="ru-RU" dirty="0" smtClean="0"/>
+          </a:p>
+          <a:p>
+            <a:endParaRPr lang="ru-RU" dirty="0" smtClean="0"/>
+          </a:p>
+          <a:p>
             <a:r>
               <a:rPr lang="en-US" dirty="0" smtClean="0"/>
+              <a:t>Free </a:t>
+            </a:r>
+            <a:r>
+              <a:rPr lang="en-US" dirty="0"/>
+              <a:t>Ride – </a:t>
+            </a:r>
+            <a:r>
+              <a:rPr lang="ru-RU" dirty="0"/>
+              <a:t>тестируется все подряд (много</a:t>
+            </a:r>
+            <a:r>
+              <a:rPr lang="ru-RU" baseline="0" dirty="0"/>
               <a:t> </a:t>
             </a:r>
             <a:r>
-              <a:rPr lang="en-US" dirty="0" err="1" smtClean="0"/>
-              <a:t>TestCaseSource</a:t>
-            </a:r>
-            <a:r>
-              <a:rPr lang="ru-RU" dirty="0" smtClean="0"/>
-              <a:t> в </a:t>
-            </a:r>
-            <a:r>
-              <a:rPr lang="en-US" dirty="0" err="1" smtClean="0"/>
-              <a:t>nUnit</a:t>
-            </a:r>
-            <a:endParaRPr lang="en-US" dirty="0" smtClean="0"/>
-          </a:p>
-          <a:p>
-            <a:pPr marL="0" marR="0" lvl="0" indent="0" algn="l" defTabSz="914400" rtl="0" eaLnBrk="1" fontAlgn="auto" latinLnBrk="0" hangingPunct="1">
-              <a:lnSpc>
-                <a:spcPct val="100000"/>
-              </a:lnSpc>
-              <a:spcBef>
-                <a:spcPts val="0"/>
-              </a:spcBef>
-              <a:spcAft>
-                <a:spcPts val="0"/>
-              </a:spcAft>
-              <a:buClrTx/>
-              <a:buSzTx/>
-              <a:buFontTx/>
-              <a:buNone/>
-              <a:tabLst/>
-              <a:defRPr/>
-            </a:pPr>
-            <a:endParaRPr lang="en-US" dirty="0" smtClean="0"/>
-          </a:p>
-          <a:p>
-            <a:pPr marL="0" marR="0" lvl="0" indent="0" algn="l" defTabSz="914400" rtl="0" eaLnBrk="1" fontAlgn="auto" latinLnBrk="0" hangingPunct="1">
-              <a:lnSpc>
-                <a:spcPct val="100000"/>
-              </a:lnSpc>
-              <a:spcBef>
-                <a:spcPts val="0"/>
-              </a:spcBef>
-              <a:spcAft>
-                <a:spcPts val="0"/>
-              </a:spcAft>
-              <a:buClrTx/>
-              <a:buSzTx/>
-              <a:buFontTx/>
-              <a:buNone/>
-              <a:tabLst/>
-              <a:defRPr/>
-            </a:pPr>
-            <a:r>
-              <a:rPr lang="ru-RU" dirty="0" smtClean="0"/>
-              <a:t>С</a:t>
+              <a:rPr lang="en-US" baseline="0" dirty="0"/>
+              <a:t>act, </a:t>
+            </a:r>
+            <a:r>
+              <a:rPr lang="ru-RU" baseline="0" dirty="0"/>
+              <a:t>много </a:t>
+            </a:r>
+            <a:r>
+              <a:rPr lang="en-US" baseline="0" dirty="0"/>
+              <a:t>assert)</a:t>
+            </a:r>
+            <a:endParaRPr lang="ru-RU" dirty="0"/>
+          </a:p>
+          <a:p>
+            <a:r>
+              <a:rPr lang="en-US" dirty="0"/>
+              <a:t>Over</a:t>
+            </a:r>
+            <a:r>
+              <a:rPr lang="en-US" baseline="0" dirty="0"/>
+              <a:t> specification – </a:t>
+            </a:r>
+            <a:r>
+              <a:rPr lang="ru-RU" baseline="0" dirty="0"/>
+              <a:t>создается одна ситуация, но в ней тестируется все (один </a:t>
+            </a:r>
+            <a:r>
+              <a:rPr lang="en-US" baseline="0" dirty="0"/>
+              <a:t>act, </a:t>
+            </a:r>
+            <a:r>
+              <a:rPr lang="ru-RU" baseline="0" dirty="0"/>
+              <a:t>много </a:t>
+            </a:r>
+            <a:r>
+              <a:rPr lang="en-US" baseline="0" dirty="0"/>
+              <a:t>assert)</a:t>
+            </a:r>
+            <a:endParaRPr lang="ru-RU" baseline="0" dirty="0"/>
+          </a:p>
+          <a:p>
+            <a:endParaRPr lang="ru-RU" baseline="0" dirty="0"/>
+          </a:p>
+          <a:p>
+            <a:r>
+              <a:rPr lang="ru-RU" baseline="0" dirty="0"/>
+              <a:t>Только хорошо написанные тесты могут служить спецификацией</a:t>
             </a:r>
             <a:r>
               <a:rPr lang="ru-RU" baseline="0" dirty="0" smtClean="0"/>
-              <a:t> ними можно:</a:t>
-            </a:r>
-          </a:p>
-          <a:p>
-            <a:pPr marL="171450" marR="0" lvl="0" indent="-171450" algn="l" defTabSz="914400" rtl="0" eaLnBrk="1" fontAlgn="auto" latinLnBrk="0" hangingPunct="1">
-              <a:lnSpc>
-                <a:spcPct val="100000"/>
-              </a:lnSpc>
-              <a:spcBef>
-                <a:spcPts val="0"/>
-              </a:spcBef>
-              <a:spcAft>
-                <a:spcPts val="0"/>
-              </a:spcAft>
-              <a:buClrTx/>
-              <a:buSzTx/>
-              <a:buFont typeface="Arial" panose="020B0604020202020204" pitchFamily="34" charset="0"/>
-              <a:buChar char="•"/>
-              <a:tabLst/>
-              <a:defRPr/>
-            </a:pPr>
-            <a:r>
-              <a:rPr lang="ru-RU" baseline="0" dirty="0" smtClean="0"/>
-              <a:t>Красиво называть тесты</a:t>
-            </a:r>
-          </a:p>
-          <a:p>
-            <a:pPr marL="171450" marR="0" lvl="0" indent="-171450" algn="l" defTabSz="914400" rtl="0" eaLnBrk="1" fontAlgn="auto" latinLnBrk="0" hangingPunct="1">
-              <a:lnSpc>
-                <a:spcPct val="100000"/>
-              </a:lnSpc>
-              <a:spcBef>
-                <a:spcPts val="0"/>
-              </a:spcBef>
-              <a:spcAft>
-                <a:spcPts val="0"/>
-              </a:spcAft>
-              <a:buClrTx/>
-              <a:buSzTx/>
-              <a:buFont typeface="Arial" panose="020B0604020202020204" pitchFamily="34" charset="0"/>
-              <a:buChar char="•"/>
-              <a:tabLst/>
-              <a:defRPr/>
-            </a:pPr>
-            <a:r>
-              <a:rPr lang="ru-RU" baseline="0" dirty="0" smtClean="0"/>
-              <a:t>Указать ожидаемый результат и получать его из теста. (</a:t>
-            </a:r>
-            <a:r>
-              <a:rPr lang="en-US" sz="1200" b="0" i="0" kern="1200" dirty="0" err="1" smtClean="0">
-                <a:solidFill>
-                  <a:schemeClr val="tx1"/>
-                </a:solidFill>
-                <a:effectLst/>
-                <a:latin typeface="+mn-lt"/>
-                <a:ea typeface="+mn-ea"/>
-                <a:cs typeface="+mn-cs"/>
-              </a:rPr>
-              <a:t>withInvariantCulture_parse</a:t>
-            </a:r>
-            <a:r>
-              <a:rPr lang="en-US" sz="1200" b="0" i="0" kern="1200" dirty="0" smtClean="0">
-                <a:solidFill>
-                  <a:schemeClr val="tx1"/>
-                </a:solidFill>
-                <a:effectLst/>
-                <a:latin typeface="+mn-lt"/>
-                <a:ea typeface="+mn-ea"/>
-                <a:cs typeface="+mn-cs"/>
-              </a:rPr>
-              <a:t>(string input)</a:t>
-            </a:r>
-            <a:r>
-              <a:rPr lang="ru-RU" sz="1200" b="0" i="0" kern="1200" dirty="0" smtClean="0">
-                <a:solidFill>
-                  <a:schemeClr val="tx1"/>
-                </a:solidFill>
-                <a:effectLst/>
-                <a:latin typeface="+mn-lt"/>
-                <a:ea typeface="+mn-ea"/>
-                <a:cs typeface="+mn-cs"/>
-              </a:rPr>
-              <a:t> возвращает </a:t>
-            </a:r>
-            <a:r>
-              <a:rPr lang="en-US" sz="1200" b="0" i="0" kern="1200" dirty="0" smtClean="0">
-                <a:solidFill>
-                  <a:schemeClr val="tx1"/>
-                </a:solidFill>
-                <a:effectLst/>
-                <a:latin typeface="+mn-lt"/>
-                <a:ea typeface="+mn-ea"/>
-                <a:cs typeface="+mn-cs"/>
-              </a:rPr>
-              <a:t>double</a:t>
-            </a:r>
-            <a:r>
-              <a:rPr lang="ru-RU" sz="1200" b="0" i="0" kern="1200" dirty="0" smtClean="0">
-                <a:solidFill>
-                  <a:schemeClr val="tx1"/>
-                </a:solidFill>
-                <a:effectLst/>
-                <a:latin typeface="+mn-lt"/>
-                <a:ea typeface="+mn-ea"/>
-                <a:cs typeface="+mn-cs"/>
-              </a:rPr>
-              <a:t>,</a:t>
-            </a:r>
-            <a:r>
-              <a:rPr lang="ru-RU" sz="1200" b="0" i="0" kern="1200" baseline="0" dirty="0" smtClean="0">
-                <a:solidFill>
-                  <a:schemeClr val="tx1"/>
-                </a:solidFill>
-                <a:effectLst/>
-                <a:latin typeface="+mn-lt"/>
-                <a:ea typeface="+mn-ea"/>
-                <a:cs typeface="+mn-cs"/>
-              </a:rPr>
-              <a:t> а не </a:t>
-            </a:r>
-            <a:r>
-              <a:rPr lang="en-US" sz="1200" b="0" i="0" kern="1200" baseline="0" dirty="0" smtClean="0">
-                <a:solidFill>
-                  <a:schemeClr val="tx1"/>
-                </a:solidFill>
-                <a:effectLst/>
-                <a:latin typeface="+mn-lt"/>
-                <a:ea typeface="+mn-ea"/>
-                <a:cs typeface="+mn-cs"/>
-              </a:rPr>
-              <a:t>void)</a:t>
-            </a:r>
-            <a:endParaRPr lang="ru-RU" baseline="0" dirty="0" smtClean="0"/>
+              <a:t>.</a:t>
+            </a:r>
+            <a:endParaRPr lang="ru-RU" baseline="0" dirty="0"/>
+          </a:p>
+          <a:p>
+            <a:endParaRPr lang="en-US" baseline="0" dirty="0"/>
+          </a:p>
+          <a:p>
+            <a:endParaRPr lang="en-US" dirty="0"/>
           </a:p>
         </p:txBody>
       </p:sp>
@@ -10310,7 +12299,7 @@
           <a:p>
             <a:fld id="{3BAECB10-9972-4830-A584-02C41DAFD45B}" type="slidenum">
               <a:rPr lang="ru-RU" smtClean="0"/>
-              <a:t>12</a:t>
+              <a:t>9</a:t>
             </a:fld>
             <a:endParaRPr lang="ru-RU"/>
           </a:p>
@@ -10319,7 +12308,7 @@
     </p:spTree>
     <p:extLst>
       <p:ext uri="{BB962C8B-B14F-4D97-AF65-F5344CB8AC3E}">
-        <p14:creationId xmlns:p14="http://schemas.microsoft.com/office/powerpoint/2010/main" val="3407484980"/>
+        <p14:creationId xmlns:p14="http://schemas.microsoft.com/office/powerpoint/2010/main" val="150544368"/>
       </p:ext>
     </p:extLst>
   </p:cSld>
@@ -10373,81 +12362,91 @@
           <a:bodyPr/>
           <a:lstStyle/>
           <a:p>
-            <a:pPr marL="0" marR="0" lvl="0" indent="0" algn="l" defTabSz="914400" rtl="0" eaLnBrk="1" fontAlgn="auto" latinLnBrk="0" hangingPunct="1">
-              <a:lnSpc>
-                <a:spcPct val="100000"/>
-              </a:lnSpc>
-              <a:spcBef>
-                <a:spcPts val="0"/>
-              </a:spcBef>
-              <a:spcAft>
-                <a:spcPts val="0"/>
-              </a:spcAft>
-              <a:buClrTx/>
-              <a:buSzTx/>
+            <a:r>
+              <a:rPr lang="ru-RU" dirty="0" smtClean="0"/>
+              <a:t>Почему не пишем тесты сразу?</a:t>
+            </a:r>
+          </a:p>
+          <a:p>
+            <a:r>
+              <a:rPr lang="ru-RU" dirty="0" err="1" smtClean="0"/>
+              <a:t>Спойлер</a:t>
+            </a:r>
+            <a:r>
+              <a:rPr lang="ru-RU" baseline="0" dirty="0" smtClean="0"/>
+              <a:t> для </a:t>
+            </a:r>
+            <a:r>
+              <a:rPr lang="en-US" baseline="0" dirty="0" smtClean="0"/>
+              <a:t>TDD</a:t>
+            </a:r>
+            <a:endParaRPr lang="ru-RU" dirty="0" smtClean="0"/>
+          </a:p>
+          <a:p>
+            <a:r>
+              <a:rPr lang="ru-RU" baseline="0" dirty="0" smtClean="0"/>
+              <a:t>Первое, что в голову приходит:</a:t>
+            </a:r>
+          </a:p>
+          <a:p>
+            <a:pPr marL="171450" indent="-171450">
+              <a:buFontTx/>
+              <a:buChar char="-"/>
+            </a:pPr>
+            <a:r>
+              <a:rPr lang="ru-RU" baseline="0" dirty="0" smtClean="0"/>
+              <a:t>Дольше разработка: писать ведь больше, больше кнопок нажимать</a:t>
+            </a:r>
+          </a:p>
+          <a:p>
+            <a:pPr marL="171450" indent="-171450">
+              <a:buFontTx/>
+              <a:buChar char="-"/>
+            </a:pPr>
+            <a:r>
+              <a:rPr lang="ru-RU" baseline="0" dirty="0" smtClean="0"/>
+              <a:t>Есть повторяющиеся сценарии, разные параметры и соответственно очень похожие тесты</a:t>
+            </a:r>
+          </a:p>
+          <a:p>
+            <a:pPr marL="171450" indent="-171450">
+              <a:buFontTx/>
+              <a:buChar char="-"/>
+            </a:pPr>
+            <a:r>
+              <a:rPr lang="ru-RU" baseline="0" dirty="0" smtClean="0"/>
+              <a:t>Непонятное </a:t>
+            </a:r>
+            <a:r>
+              <a:rPr lang="en-US" baseline="0" dirty="0" smtClean="0"/>
+              <a:t>API </a:t>
+            </a:r>
+            <a:r>
+              <a:rPr lang="ru-RU" baseline="0" dirty="0" smtClean="0"/>
+              <a:t>у тестового </a:t>
+            </a:r>
+            <a:r>
+              <a:rPr lang="ru-RU" baseline="0" dirty="0" err="1" smtClean="0"/>
+              <a:t>фреймворка</a:t>
+            </a:r>
+            <a:endParaRPr lang="ru-RU" baseline="0" dirty="0" smtClean="0"/>
+          </a:p>
+          <a:p>
+            <a:pPr marL="0" indent="0">
               <a:buFontTx/>
               <a:buNone/>
-              <a:tabLst/>
-              <a:defRPr/>
             </a:pPr>
-            <a:r>
-              <a:rPr lang="en-US" dirty="0" err="1" smtClean="0"/>
-              <a:t>NUnit</a:t>
-            </a:r>
+            <a:endParaRPr lang="ru-RU" baseline="0" dirty="0" smtClean="0"/>
+          </a:p>
+          <a:p>
+            <a:pPr marL="0" indent="0">
+              <a:buFontTx/>
+              <a:buNone/>
+            </a:pPr>
             <a:r>
               <a:rPr lang="ru-RU" baseline="0" dirty="0" smtClean="0"/>
-              <a:t> умеет много всего интересного. Просмотрите хотя бы один раз его документацию на </a:t>
-            </a:r>
-            <a:r>
-              <a:rPr lang="en-US" baseline="0" dirty="0" smtClean="0"/>
-              <a:t>nunit.org</a:t>
-            </a:r>
-            <a:r>
-              <a:rPr lang="ru-RU" baseline="0" dirty="0" smtClean="0"/>
-              <a:t>.</a:t>
-            </a:r>
-            <a:r>
-              <a:rPr lang="en-US" baseline="0" dirty="0" smtClean="0"/>
-              <a:t> </a:t>
-            </a:r>
-            <a:r>
-              <a:rPr lang="ru-RU" baseline="0" dirty="0" smtClean="0"/>
-              <a:t>Вот пример того, что можно там найти.</a:t>
-            </a:r>
-            <a:endParaRPr lang="ru-RU" dirty="0" smtClean="0"/>
-          </a:p>
-          <a:p>
-            <a:endParaRPr lang="ru-RU" dirty="0" smtClean="0"/>
-          </a:p>
-          <a:p>
-            <a:r>
-              <a:rPr lang="en-US" dirty="0" smtClean="0"/>
-              <a:t>[Timeout]</a:t>
-            </a:r>
-            <a:endParaRPr lang="ru-RU" dirty="0" smtClean="0"/>
-          </a:p>
-          <a:p>
-            <a:r>
-              <a:rPr lang="ru-RU" dirty="0" smtClean="0"/>
-              <a:t>- </a:t>
-            </a:r>
-            <a:r>
-              <a:rPr lang="ru-RU" dirty="0" smtClean="0"/>
-              <a:t>: Достаточно</a:t>
-            </a:r>
-            <a:r>
-              <a:rPr lang="ru-RU" baseline="0" dirty="0" smtClean="0"/>
-              <a:t> грубая проверка производительности.</a:t>
-            </a:r>
-          </a:p>
-          <a:p>
-            <a:r>
-              <a:rPr lang="ru-RU" baseline="0" dirty="0" smtClean="0"/>
-              <a:t>+ : Помогает обнаружить изъяны в реализации.</a:t>
-            </a:r>
-          </a:p>
-          <a:p>
-            <a:endParaRPr lang="ru-RU" dirty="0"/>
+              <a:t>Нужно настроить окружение таким образом, чтобы тесты писались как можно легче.</a:t>
+            </a:r>
           </a:p>
         </p:txBody>
       </p:sp>
@@ -10468,7 +12467,7 @@
           <a:p>
             <a:fld id="{3BAECB10-9972-4830-A584-02C41DAFD45B}" type="slidenum">
               <a:rPr lang="ru-RU" smtClean="0"/>
-              <a:t>13</a:t>
+              <a:t>10</a:t>
             </a:fld>
             <a:endParaRPr lang="ru-RU"/>
           </a:p>
@@ -10477,7 +12476,7 @@
     </p:spTree>
     <p:extLst>
       <p:ext uri="{BB962C8B-B14F-4D97-AF65-F5344CB8AC3E}">
-        <p14:creationId xmlns:p14="http://schemas.microsoft.com/office/powerpoint/2010/main" val="2929866659"/>
+        <p14:creationId xmlns:p14="http://schemas.microsoft.com/office/powerpoint/2010/main" val="196875330"/>
       </p:ext>
     </p:extLst>
   </p:cSld>
@@ -14735,7 +16734,7 @@
           <p:nvPr/>
         </p:nvPicPr>
         <p:blipFill rotWithShape="1">
-          <a:blip r:embed="rId2" cstate="print">
+          <a:blip r:embed="rId3" cstate="print">
             <a:extLst>
               <a:ext uri="{28A0092B-C50C-407E-A947-70E740481C1C}">
                 <a14:useLocalDpi xmlns:a14="http://schemas.microsoft.com/office/drawing/2010/main" val="0"/>
@@ -14931,6 +16930,192 @@
 </file>
 
 <file path=ppt/slides/slide12.xml><?xml version="1.0" encoding="utf-8"?>
+<p:sld xmlns:a="http://schemas.openxmlformats.org/drawingml/2006/main" xmlns:r="http://schemas.openxmlformats.org/officeDocument/2006/relationships" xmlns:p="http://schemas.openxmlformats.org/presentationml/2006/main">
+  <p:cSld>
+    <p:spTree>
+      <p:nvGrpSpPr>
+        <p:cNvPr id="1" name=""/>
+        <p:cNvGrpSpPr/>
+        <p:nvPr/>
+      </p:nvGrpSpPr>
+      <p:grpSpPr>
+        <a:xfrm>
+          <a:off x="0" y="0"/>
+          <a:ext cx="0" cy="0"/>
+          <a:chOff x="0" y="0"/>
+          <a:chExt cx="0" cy="0"/>
+        </a:xfrm>
+      </p:grpSpPr>
+      <p:pic>
+        <p:nvPicPr>
+          <p:cNvPr id="4" name="Объект 3"/>
+          <p:cNvPicPr>
+            <a:picLocks noGrp="1" noChangeAspect="1"/>
+          </p:cNvPicPr>
+          <p:nvPr>
+            <p:ph sz="quarter" idx="13"/>
+          </p:nvPr>
+        </p:nvPicPr>
+        <p:blipFill rotWithShape="1">
+          <a:blip r:embed="rId3"/>
+          <a:srcRect r="26963"/>
+          <a:stretch/>
+        </p:blipFill>
+        <p:spPr>
+          <a:xfrm>
+            <a:off x="1260941" y="1556792"/>
+            <a:ext cx="9659595" cy="4824536"/>
+          </a:xfrm>
+          <a:prstGeom prst="rect">
+            <a:avLst/>
+          </a:prstGeom>
+        </p:spPr>
+      </p:pic>
+    </p:spTree>
+    <p:extLst>
+      <p:ext uri="{BB962C8B-B14F-4D97-AF65-F5344CB8AC3E}">
+        <p14:creationId xmlns:p14="http://schemas.microsoft.com/office/powerpoint/2010/main" val="2231416265"/>
+      </p:ext>
+    </p:extLst>
+  </p:cSld>
+  <p:clrMapOvr>
+    <a:masterClrMapping/>
+  </p:clrMapOvr>
+</p:sld>
+</file>
+
+<file path=ppt/slides/slide13.xml><?xml version="1.0" encoding="utf-8"?>
+<p:sld xmlns:a="http://schemas.openxmlformats.org/drawingml/2006/main" xmlns:r="http://schemas.openxmlformats.org/officeDocument/2006/relationships" xmlns:p="http://schemas.openxmlformats.org/presentationml/2006/main">
+  <p:cSld>
+    <p:spTree>
+      <p:nvGrpSpPr>
+        <p:cNvPr id="1" name=""/>
+        <p:cNvGrpSpPr/>
+        <p:nvPr/>
+      </p:nvGrpSpPr>
+      <p:grpSpPr>
+        <a:xfrm>
+          <a:off x="0" y="0"/>
+          <a:ext cx="0" cy="0"/>
+          <a:chOff x="0" y="0"/>
+          <a:chExt cx="0" cy="0"/>
+        </a:xfrm>
+      </p:grpSpPr>
+      <p:pic>
+        <p:nvPicPr>
+          <p:cNvPr id="4" name="Объект 3"/>
+          <p:cNvPicPr>
+            <a:picLocks noGrp="1" noChangeAspect="1"/>
+          </p:cNvPicPr>
+          <p:nvPr>
+            <p:ph sz="quarter" idx="13"/>
+          </p:nvPr>
+        </p:nvPicPr>
+        <p:blipFill>
+          <a:blip r:embed="rId3"/>
+          <a:stretch>
+            <a:fillRect/>
+          </a:stretch>
+        </p:blipFill>
+        <p:spPr>
+          <a:xfrm>
+            <a:off x="2783632" y="1916832"/>
+            <a:ext cx="7344816" cy="3498635"/>
+          </a:xfrm>
+          <a:prstGeom prst="rect">
+            <a:avLst/>
+          </a:prstGeom>
+        </p:spPr>
+      </p:pic>
+      <p:sp>
+        <p:nvSpPr>
+          <p:cNvPr id="3" name="Заголовок 2"/>
+          <p:cNvSpPr>
+            <a:spLocks noGrp="1"/>
+          </p:cNvSpPr>
+          <p:nvPr>
+            <p:ph type="title"/>
+          </p:nvPr>
+        </p:nvSpPr>
+        <p:spPr/>
+        <p:txBody>
+          <a:bodyPr/>
+          <a:lstStyle/>
+          <a:p>
+            <a:endParaRPr lang="ru-RU" dirty="0"/>
+          </a:p>
+        </p:txBody>
+      </p:sp>
+    </p:spTree>
+    <p:extLst>
+      <p:ext uri="{BB962C8B-B14F-4D97-AF65-F5344CB8AC3E}">
+        <p14:creationId xmlns:p14="http://schemas.microsoft.com/office/powerpoint/2010/main" val="3576118230"/>
+      </p:ext>
+    </p:extLst>
+  </p:cSld>
+  <p:clrMapOvr>
+    <a:masterClrMapping/>
+  </p:clrMapOvr>
+</p:sld>
+</file>
+
+<file path=ppt/slides/slide14.xml><?xml version="1.0" encoding="utf-8"?>
+<p:sld xmlns:a="http://schemas.openxmlformats.org/drawingml/2006/main" xmlns:r="http://schemas.openxmlformats.org/officeDocument/2006/relationships" xmlns:p="http://schemas.openxmlformats.org/presentationml/2006/main">
+  <p:cSld>
+    <p:spTree>
+      <p:nvGrpSpPr>
+        <p:cNvPr id="1" name=""/>
+        <p:cNvGrpSpPr/>
+        <p:nvPr/>
+      </p:nvGrpSpPr>
+      <p:grpSpPr>
+        <a:xfrm>
+          <a:off x="0" y="0"/>
+          <a:ext cx="0" cy="0"/>
+          <a:chOff x="0" y="0"/>
+          <a:chExt cx="0" cy="0"/>
+        </a:xfrm>
+      </p:grpSpPr>
+      <p:pic>
+        <p:nvPicPr>
+          <p:cNvPr id="4" name="Объект 3"/>
+          <p:cNvPicPr>
+            <a:picLocks noGrp="1" noChangeAspect="1"/>
+          </p:cNvPicPr>
+          <p:nvPr>
+            <p:ph sz="quarter" idx="13"/>
+          </p:nvPr>
+        </p:nvPicPr>
+        <p:blipFill>
+          <a:blip r:embed="rId3"/>
+          <a:stretch>
+            <a:fillRect/>
+          </a:stretch>
+        </p:blipFill>
+        <p:spPr>
+          <a:xfrm>
+            <a:off x="2063554" y="260648"/>
+            <a:ext cx="8064896" cy="6268679"/>
+          </a:xfrm>
+          <a:prstGeom prst="rect">
+            <a:avLst/>
+          </a:prstGeom>
+        </p:spPr>
+      </p:pic>
+    </p:spTree>
+    <p:extLst>
+      <p:ext uri="{BB962C8B-B14F-4D97-AF65-F5344CB8AC3E}">
+        <p14:creationId xmlns:p14="http://schemas.microsoft.com/office/powerpoint/2010/main" val="1457149006"/>
+      </p:ext>
+    </p:extLst>
+  </p:cSld>
+  <p:clrMapOvr>
+    <a:masterClrMapping/>
+  </p:clrMapOvr>
+</p:sld>
+</file>
+
+<file path=ppt/slides/slide15.xml><?xml version="1.0" encoding="utf-8"?>
 <p:sld xmlns:a="http://schemas.openxmlformats.org/drawingml/2006/main" xmlns:r="http://schemas.openxmlformats.org/officeDocument/2006/relationships" xmlns:p="http://schemas.openxmlformats.org/presentationml/2006/main">
   <p:cSld>
     <p:spTree>
@@ -15187,7 +17372,386 @@
 </p:sld>
 </file>
 
-<file path=ppt/slides/slide13.xml><?xml version="1.0" encoding="utf-8"?>
+<file path=ppt/slides/slide16.xml><?xml version="1.0" encoding="utf-8"?>
+<p:sld xmlns:a="http://schemas.openxmlformats.org/drawingml/2006/main" xmlns:r="http://schemas.openxmlformats.org/officeDocument/2006/relationships" xmlns:p="http://schemas.openxmlformats.org/presentationml/2006/main">
+  <p:cSld>
+    <p:spTree>
+      <p:nvGrpSpPr>
+        <p:cNvPr id="1" name=""/>
+        <p:cNvGrpSpPr/>
+        <p:nvPr/>
+      </p:nvGrpSpPr>
+      <p:grpSpPr>
+        <a:xfrm>
+          <a:off x="0" y="0"/>
+          <a:ext cx="0" cy="0"/>
+          <a:chOff x="0" y="0"/>
+          <a:chExt cx="0" cy="0"/>
+        </a:xfrm>
+      </p:grpSpPr>
+      <p:sp>
+        <p:nvSpPr>
+          <p:cNvPr id="2" name="Заголовок 1"/>
+          <p:cNvSpPr>
+            <a:spLocks noGrp="1"/>
+          </p:cNvSpPr>
+          <p:nvPr>
+            <p:ph type="title"/>
+          </p:nvPr>
+        </p:nvSpPr>
+        <p:spPr/>
+        <p:txBody>
+          <a:bodyPr/>
+          <a:lstStyle/>
+          <a:p>
+            <a:pPr algn="ctr"/>
+            <a:r>
+              <a:rPr lang="ru-RU" dirty="0"/>
+              <a:t>Пример спецификации тестами</a:t>
+            </a:r>
+            <a:endParaRPr lang="en-US" dirty="0"/>
+          </a:p>
+        </p:txBody>
+      </p:sp>
+      <p:pic>
+        <p:nvPicPr>
+          <p:cNvPr id="5" name="Рисунок 4"/>
+          <p:cNvPicPr>
+            <a:picLocks noGrp="1" noChangeAspect="1"/>
+          </p:cNvPicPr>
+          <p:nvPr>
+            <p:ph type="pic" sz="quarter" idx="10"/>
+          </p:nvPr>
+        </p:nvPicPr>
+        <p:blipFill rotWithShape="1">
+          <a:blip r:embed="rId2">
+            <a:extLst>
+              <a:ext uri="{28A0092B-C50C-407E-A947-70E740481C1C}">
+                <a14:useLocalDpi xmlns:a14="http://schemas.microsoft.com/office/drawing/2010/main" val="0"/>
+              </a:ext>
+            </a:extLst>
+          </a:blip>
+          <a:srcRect l="-19597" r="-19597"/>
+          <a:stretch/>
+        </p:blipFill>
+        <p:spPr/>
+      </p:pic>
+    </p:spTree>
+    <p:extLst>
+      <p:ext uri="{BB962C8B-B14F-4D97-AF65-F5344CB8AC3E}">
+        <p14:creationId xmlns:p14="http://schemas.microsoft.com/office/powerpoint/2010/main" val="768219975"/>
+      </p:ext>
+    </p:extLst>
+  </p:cSld>
+  <p:clrMapOvr>
+    <a:masterClrMapping/>
+  </p:clrMapOvr>
+  <p:timing>
+    <p:tnLst>
+      <p:par>
+        <p:cTn id="1" dur="indefinite" restart="never" nodeType="tmRoot"/>
+      </p:par>
+    </p:tnLst>
+  </p:timing>
+</p:sld>
+</file>
+
+<file path=ppt/slides/slide17.xml><?xml version="1.0" encoding="utf-8"?>
+<p:sld xmlns:a="http://schemas.openxmlformats.org/drawingml/2006/main" xmlns:r="http://schemas.openxmlformats.org/officeDocument/2006/relationships" xmlns:p="http://schemas.openxmlformats.org/presentationml/2006/main">
+  <p:cSld>
+    <p:spTree>
+      <p:nvGrpSpPr>
+        <p:cNvPr id="1" name=""/>
+        <p:cNvGrpSpPr/>
+        <p:nvPr/>
+      </p:nvGrpSpPr>
+      <p:grpSpPr>
+        <a:xfrm>
+          <a:off x="0" y="0"/>
+          <a:ext cx="0" cy="0"/>
+          <a:chOff x="0" y="0"/>
+          <a:chExt cx="0" cy="0"/>
+        </a:xfrm>
+      </p:grpSpPr>
+      <p:pic>
+        <p:nvPicPr>
+          <p:cNvPr id="4" name="Объект 3"/>
+          <p:cNvPicPr>
+            <a:picLocks noGrp="1" noChangeAspect="1"/>
+          </p:cNvPicPr>
+          <p:nvPr>
+            <p:ph sz="quarter" idx="13"/>
+          </p:nvPr>
+        </p:nvPicPr>
+        <p:blipFill>
+          <a:blip r:embed="rId3"/>
+          <a:stretch>
+            <a:fillRect/>
+          </a:stretch>
+        </p:blipFill>
+        <p:spPr>
+          <a:xfrm>
+            <a:off x="1286258" y="1341439"/>
+            <a:ext cx="9610278" cy="5266960"/>
+          </a:xfrm>
+          <a:prstGeom prst="rect">
+            <a:avLst/>
+          </a:prstGeom>
+        </p:spPr>
+      </p:pic>
+      <p:sp>
+        <p:nvSpPr>
+          <p:cNvPr id="3" name="Заголовок 2"/>
+          <p:cNvSpPr>
+            <a:spLocks noGrp="1"/>
+          </p:cNvSpPr>
+          <p:nvPr>
+            <p:ph type="title"/>
+          </p:nvPr>
+        </p:nvSpPr>
+        <p:spPr/>
+        <p:txBody>
+          <a:bodyPr/>
+          <a:lstStyle/>
+          <a:p>
+            <a:r>
+              <a:rPr lang="ru-RU" dirty="0" err="1" smtClean="0"/>
+              <a:t>Порефакторим</a:t>
+            </a:r>
+            <a:r>
+              <a:rPr lang="ru-RU" dirty="0" smtClean="0"/>
+              <a:t>?</a:t>
+            </a:r>
+            <a:endParaRPr lang="ru-RU" dirty="0"/>
+          </a:p>
+        </p:txBody>
+      </p:sp>
+    </p:spTree>
+    <p:extLst>
+      <p:ext uri="{BB962C8B-B14F-4D97-AF65-F5344CB8AC3E}">
+        <p14:creationId xmlns:p14="http://schemas.microsoft.com/office/powerpoint/2010/main" val="4165205784"/>
+      </p:ext>
+    </p:extLst>
+  </p:cSld>
+  <p:clrMapOvr>
+    <a:masterClrMapping/>
+  </p:clrMapOvr>
+</p:sld>
+</file>
+
+<file path=ppt/slides/slide18.xml><?xml version="1.0" encoding="utf-8"?>
+<p:sld xmlns:a="http://schemas.openxmlformats.org/drawingml/2006/main" xmlns:r="http://schemas.openxmlformats.org/officeDocument/2006/relationships" xmlns:p="http://schemas.openxmlformats.org/presentationml/2006/main">
+  <p:cSld>
+    <p:spTree>
+      <p:nvGrpSpPr>
+        <p:cNvPr id="1" name=""/>
+        <p:cNvGrpSpPr/>
+        <p:nvPr/>
+      </p:nvGrpSpPr>
+      <p:grpSpPr>
+        <a:xfrm>
+          <a:off x="0" y="0"/>
+          <a:ext cx="0" cy="0"/>
+          <a:chOff x="0" y="0"/>
+          <a:chExt cx="0" cy="0"/>
+        </a:xfrm>
+      </p:grpSpPr>
+      <p:pic>
+        <p:nvPicPr>
+          <p:cNvPr id="6" name="Рисунок 5"/>
+          <p:cNvPicPr>
+            <a:picLocks noChangeAspect="1"/>
+          </p:cNvPicPr>
+          <p:nvPr/>
+        </p:nvPicPr>
+        <p:blipFill>
+          <a:blip r:embed="rId3"/>
+          <a:stretch>
+            <a:fillRect/>
+          </a:stretch>
+        </p:blipFill>
+        <p:spPr>
+          <a:xfrm>
+            <a:off x="-1" y="0"/>
+            <a:ext cx="12017829" cy="6858000"/>
+          </a:xfrm>
+          <a:prstGeom prst="rect">
+            <a:avLst/>
+          </a:prstGeom>
+        </p:spPr>
+      </p:pic>
+    </p:spTree>
+    <p:extLst>
+      <p:ext uri="{BB962C8B-B14F-4D97-AF65-F5344CB8AC3E}">
+        <p14:creationId xmlns:p14="http://schemas.microsoft.com/office/powerpoint/2010/main" val="2296161812"/>
+      </p:ext>
+    </p:extLst>
+  </p:cSld>
+  <p:clrMapOvr>
+    <a:masterClrMapping/>
+  </p:clrMapOvr>
+</p:sld>
+</file>
+
+<file path=ppt/slides/slide19.xml><?xml version="1.0" encoding="utf-8"?>
+<p:sld xmlns:a="http://schemas.openxmlformats.org/drawingml/2006/main" xmlns:r="http://schemas.openxmlformats.org/officeDocument/2006/relationships" xmlns:p="http://schemas.openxmlformats.org/presentationml/2006/main">
+  <p:cSld>
+    <p:spTree>
+      <p:nvGrpSpPr>
+        <p:cNvPr id="1" name=""/>
+        <p:cNvGrpSpPr/>
+        <p:nvPr/>
+      </p:nvGrpSpPr>
+      <p:grpSpPr>
+        <a:xfrm>
+          <a:off x="0" y="0"/>
+          <a:ext cx="0" cy="0"/>
+          <a:chOff x="0" y="0"/>
+          <a:chExt cx="0" cy="0"/>
+        </a:xfrm>
+      </p:grpSpPr>
+      <p:pic>
+        <p:nvPicPr>
+          <p:cNvPr id="4" name="Объект 3"/>
+          <p:cNvPicPr>
+            <a:picLocks noGrp="1" noChangeAspect="1"/>
+          </p:cNvPicPr>
+          <p:nvPr>
+            <p:ph sz="quarter" idx="13"/>
+          </p:nvPr>
+        </p:nvPicPr>
+        <p:blipFill>
+          <a:blip r:embed="rId3"/>
+          <a:stretch>
+            <a:fillRect/>
+          </a:stretch>
+        </p:blipFill>
+        <p:spPr>
+          <a:xfrm>
+            <a:off x="0" y="908720"/>
+            <a:ext cx="12150232" cy="5157192"/>
+          </a:xfrm>
+          <a:prstGeom prst="rect">
+            <a:avLst/>
+          </a:prstGeom>
+        </p:spPr>
+      </p:pic>
+    </p:spTree>
+    <p:extLst>
+      <p:ext uri="{BB962C8B-B14F-4D97-AF65-F5344CB8AC3E}">
+        <p14:creationId xmlns:p14="http://schemas.microsoft.com/office/powerpoint/2010/main" val="1268449661"/>
+      </p:ext>
+    </p:extLst>
+  </p:cSld>
+  <p:clrMapOvr>
+    <a:masterClrMapping/>
+  </p:clrMapOvr>
+</p:sld>
+</file>
+
+<file path=ppt/slides/slide2.xml><?xml version="1.0" encoding="utf-8"?>
+<p:sld xmlns:a="http://schemas.openxmlformats.org/drawingml/2006/main" xmlns:r="http://schemas.openxmlformats.org/officeDocument/2006/relationships" xmlns:p="http://schemas.openxmlformats.org/presentationml/2006/main">
+  <p:cSld>
+    <p:spTree>
+      <p:nvGrpSpPr>
+        <p:cNvPr id="1" name=""/>
+        <p:cNvGrpSpPr/>
+        <p:nvPr/>
+      </p:nvGrpSpPr>
+      <p:grpSpPr>
+        <a:xfrm>
+          <a:off x="0" y="0"/>
+          <a:ext cx="0" cy="0"/>
+          <a:chOff x="0" y="0"/>
+          <a:chExt cx="0" cy="0"/>
+        </a:xfrm>
+      </p:grpSpPr>
+      <p:pic>
+        <p:nvPicPr>
+          <p:cNvPr id="4" name="Рисунок 3"/>
+          <p:cNvPicPr>
+            <a:picLocks noChangeAspect="1"/>
+          </p:cNvPicPr>
+          <p:nvPr/>
+        </p:nvPicPr>
+        <p:blipFill>
+          <a:blip r:embed="rId2"/>
+          <a:stretch>
+            <a:fillRect/>
+          </a:stretch>
+        </p:blipFill>
+        <p:spPr>
+          <a:xfrm>
+            <a:off x="1919536" y="620688"/>
+            <a:ext cx="8286750" cy="1847850"/>
+          </a:xfrm>
+          <a:prstGeom prst="rect">
+            <a:avLst/>
+          </a:prstGeom>
+        </p:spPr>
+      </p:pic>
+      <p:pic>
+        <p:nvPicPr>
+          <p:cNvPr id="5" name="Рисунок 4"/>
+          <p:cNvPicPr>
+            <a:picLocks noChangeAspect="1"/>
+          </p:cNvPicPr>
+          <p:nvPr/>
+        </p:nvPicPr>
+        <p:blipFill>
+          <a:blip r:embed="rId3"/>
+          <a:stretch>
+            <a:fillRect/>
+          </a:stretch>
+        </p:blipFill>
+        <p:spPr>
+          <a:xfrm>
+            <a:off x="1919536" y="2468538"/>
+            <a:ext cx="8267700" cy="1876425"/>
+          </a:xfrm>
+          <a:prstGeom prst="rect">
+            <a:avLst/>
+          </a:prstGeom>
+        </p:spPr>
+      </p:pic>
+      <p:pic>
+        <p:nvPicPr>
+          <p:cNvPr id="6" name="Рисунок 5"/>
+          <p:cNvPicPr>
+            <a:picLocks noChangeAspect="1"/>
+          </p:cNvPicPr>
+          <p:nvPr/>
+        </p:nvPicPr>
+        <p:blipFill>
+          <a:blip r:embed="rId4"/>
+          <a:stretch>
+            <a:fillRect/>
+          </a:stretch>
+        </p:blipFill>
+        <p:spPr>
+          <a:xfrm>
+            <a:off x="1919536" y="4316388"/>
+            <a:ext cx="8296275" cy="1866900"/>
+          </a:xfrm>
+          <a:prstGeom prst="rect">
+            <a:avLst/>
+          </a:prstGeom>
+        </p:spPr>
+      </p:pic>
+    </p:spTree>
+    <p:extLst>
+      <p:ext uri="{BB962C8B-B14F-4D97-AF65-F5344CB8AC3E}">
+        <p14:creationId xmlns:p14="http://schemas.microsoft.com/office/powerpoint/2010/main" val="3730291395"/>
+      </p:ext>
+    </p:extLst>
+  </p:cSld>
+  <p:clrMapOvr>
+    <a:masterClrMapping/>
+  </p:clrMapOvr>
+</p:sld>
+</file>
+
+<file path=ppt/slides/slide20.xml><?xml version="1.0" encoding="utf-8"?>
 <p:sld xmlns:a="http://schemas.openxmlformats.org/drawingml/2006/main" xmlns:r="http://schemas.openxmlformats.org/officeDocument/2006/relationships" xmlns:p="http://schemas.openxmlformats.org/presentationml/2006/main">
   <p:cSld>
     <p:spTree>
@@ -15371,7 +17935,7 @@
 </p:sld>
 </file>
 
-<file path=ppt/slides/slide14.xml><?xml version="1.0" encoding="utf-8"?>
+<file path=ppt/slides/slide21.xml><?xml version="1.0" encoding="utf-8"?>
 <p:sld xmlns:a="http://schemas.openxmlformats.org/drawingml/2006/main" xmlns:r="http://schemas.openxmlformats.org/officeDocument/2006/relationships" xmlns:p="http://schemas.openxmlformats.org/presentationml/2006/main">
   <p:cSld>
     <p:spTree>
@@ -15883,7 +18447,7 @@
 </p:sld>
 </file>
 
-<file path=ppt/slides/slide15.xml><?xml version="1.0" encoding="utf-8"?>
+<file path=ppt/slides/slide22.xml><?xml version="1.0" encoding="utf-8"?>
 <p:sld xmlns:a="http://schemas.openxmlformats.org/drawingml/2006/main" xmlns:r="http://schemas.openxmlformats.org/officeDocument/2006/relationships" xmlns:p="http://schemas.openxmlformats.org/presentationml/2006/main">
   <p:cSld>
     <p:spTree>
@@ -16202,7 +18766,7 @@
 </p:sld>
 </file>
 
-<file path=ppt/slides/slide16.xml><?xml version="1.0" encoding="utf-8"?>
+<file path=ppt/slides/slide23.xml><?xml version="1.0" encoding="utf-8"?>
 <p:sld xmlns:a="http://schemas.openxmlformats.org/drawingml/2006/main" xmlns:r="http://schemas.openxmlformats.org/officeDocument/2006/relationships" xmlns:p="http://schemas.openxmlformats.org/presentationml/2006/main">
   <p:cSld>
     <p:spTree>
@@ -16411,7 +18975,7 @@
 </p:sld>
 </file>
 
-<file path=ppt/slides/slide17.xml><?xml version="1.0" encoding="utf-8"?>
+<file path=ppt/slides/slide24.xml><?xml version="1.0" encoding="utf-8"?>
 <p:sld xmlns:a="http://schemas.openxmlformats.org/drawingml/2006/main" xmlns:r="http://schemas.openxmlformats.org/officeDocument/2006/relationships" xmlns:p="http://schemas.openxmlformats.org/presentationml/2006/main">
   <p:cSld>
     <p:spTree>
@@ -16506,7 +19070,7 @@
 </p:sld>
 </file>
 
-<file path=ppt/slides/slide18.xml><?xml version="1.0" encoding="utf-8"?>
+<file path=ppt/slides/slide25.xml><?xml version="1.0" encoding="utf-8"?>
 <p:sld xmlns:a="http://schemas.openxmlformats.org/drawingml/2006/main" xmlns:r="http://schemas.openxmlformats.org/officeDocument/2006/relationships" xmlns:p="http://schemas.openxmlformats.org/presentationml/2006/main">
   <p:cSld>
     <p:spTree>
@@ -16689,7 +19253,7 @@
 </p:sld>
 </file>
 
-<file path=ppt/slides/slide19.xml><?xml version="1.0" encoding="utf-8"?>
+<file path=ppt/slides/slide26.xml><?xml version="1.0" encoding="utf-8"?>
 <p:sld xmlns:a="http://schemas.openxmlformats.org/drawingml/2006/main" xmlns:r="http://schemas.openxmlformats.org/officeDocument/2006/relationships" xmlns:p="http://schemas.openxmlformats.org/presentationml/2006/main">
   <p:cSld>
     <p:spTree>
@@ -16792,110 +19356,7 @@
 </p:sld>
 </file>
 
-<file path=ppt/slides/slide2.xml><?xml version="1.0" encoding="utf-8"?>
-<p:sld xmlns:a="http://schemas.openxmlformats.org/drawingml/2006/main" xmlns:r="http://schemas.openxmlformats.org/officeDocument/2006/relationships" xmlns:p="http://schemas.openxmlformats.org/presentationml/2006/main">
-  <p:cSld>
-    <p:spTree>
-      <p:nvGrpSpPr>
-        <p:cNvPr id="1" name=""/>
-        <p:cNvGrpSpPr/>
-        <p:nvPr/>
-      </p:nvGrpSpPr>
-      <p:grpSpPr>
-        <a:xfrm>
-          <a:off x="0" y="0"/>
-          <a:ext cx="0" cy="0"/>
-          <a:chOff x="0" y="0"/>
-          <a:chExt cx="0" cy="0"/>
-        </a:xfrm>
-      </p:grpSpPr>
-      <p:sp>
-        <p:nvSpPr>
-          <p:cNvPr id="3" name="Объект 2"/>
-          <p:cNvSpPr>
-            <a:spLocks noGrp="1"/>
-          </p:cNvSpPr>
-          <p:nvPr>
-            <p:ph sz="quarter" idx="13"/>
-          </p:nvPr>
-        </p:nvSpPr>
-        <p:spPr/>
-        <p:txBody>
-          <a:bodyPr/>
-          <a:lstStyle/>
-          <a:p>
-            <a:r>
-              <a:rPr lang="ru-RU" dirty="0"/>
-              <a:t>Будет ли тест понятен </a:t>
-            </a:r>
-            <a:r>
-              <a:rPr lang="ru-RU" dirty="0" err="1"/>
-              <a:t>ревьюеру</a:t>
-            </a:r>
-            <a:r>
-              <a:rPr lang="ru-RU" dirty="0"/>
-              <a:t>?</a:t>
-            </a:r>
-          </a:p>
-          <a:p>
-            <a:r>
-              <a:rPr lang="ru-RU" dirty="0"/>
-              <a:t>Сможет ли </a:t>
-            </a:r>
-            <a:r>
-              <a:rPr lang="ru-RU" dirty="0" err="1"/>
-              <a:t>ревьюер</a:t>
-            </a:r>
-            <a:r>
-              <a:rPr lang="ru-RU" dirty="0"/>
-              <a:t> быстро убедиться в корректности теста?</a:t>
-            </a:r>
-          </a:p>
-        </p:txBody>
-      </p:sp>
-      <p:sp>
-        <p:nvSpPr>
-          <p:cNvPr id="2" name="Заголовок 1"/>
-          <p:cNvSpPr>
-            <a:spLocks noGrp="1"/>
-          </p:cNvSpPr>
-          <p:nvPr>
-            <p:ph type="title"/>
-          </p:nvPr>
-        </p:nvSpPr>
-        <p:spPr/>
-        <p:txBody>
-          <a:bodyPr/>
-          <a:lstStyle/>
-          <a:p>
-            <a:r>
-              <a:rPr lang="ru-RU" dirty="0"/>
-              <a:t>Доверие тестам</a:t>
-            </a:r>
-          </a:p>
-        </p:txBody>
-      </p:sp>
-    </p:spTree>
-    <p:extLst>
-      <p:ext uri="{BB962C8B-B14F-4D97-AF65-F5344CB8AC3E}">
-        <p14:creationId xmlns:p14="http://schemas.microsoft.com/office/powerpoint/2010/main" val="3622594535"/>
-      </p:ext>
-    </p:extLst>
-  </p:cSld>
-  <p:clrMapOvr>
-    <a:masterClrMapping/>
-  </p:clrMapOvr>
-  <p:timing>
-    <p:tnLst>
-      <p:par>
-        <p:cTn id="1" dur="indefinite" restart="never" nodeType="tmRoot"/>
-      </p:par>
-    </p:tnLst>
-  </p:timing>
-</p:sld>
-</file>
-
-<file path=ppt/slides/slide20.xml><?xml version="1.0" encoding="utf-8"?>
+<file path=ppt/slides/slide27.xml><?xml version="1.0" encoding="utf-8"?>
 <p:sld xmlns:a="http://schemas.openxmlformats.org/drawingml/2006/main" xmlns:r="http://schemas.openxmlformats.org/officeDocument/2006/relationships" xmlns:p="http://schemas.openxmlformats.org/presentationml/2006/main">
   <p:cSld>
     <p:spTree>
@@ -17442,6 +19903,109 @@
         </p:nvSpPr>
         <p:spPr/>
         <p:txBody>
+          <a:bodyPr/>
+          <a:lstStyle/>
+          <a:p>
+            <a:r>
+              <a:rPr lang="ru-RU" dirty="0"/>
+              <a:t>Будет ли тест понятен </a:t>
+            </a:r>
+            <a:r>
+              <a:rPr lang="ru-RU" dirty="0" err="1"/>
+              <a:t>ревьюеру</a:t>
+            </a:r>
+            <a:r>
+              <a:rPr lang="ru-RU" dirty="0"/>
+              <a:t>?</a:t>
+            </a:r>
+          </a:p>
+          <a:p>
+            <a:r>
+              <a:rPr lang="ru-RU" dirty="0"/>
+              <a:t>Сможет ли </a:t>
+            </a:r>
+            <a:r>
+              <a:rPr lang="ru-RU" dirty="0" err="1"/>
+              <a:t>ревьюер</a:t>
+            </a:r>
+            <a:r>
+              <a:rPr lang="ru-RU" dirty="0"/>
+              <a:t> быстро убедиться в корректности теста?</a:t>
+            </a:r>
+          </a:p>
+        </p:txBody>
+      </p:sp>
+      <p:sp>
+        <p:nvSpPr>
+          <p:cNvPr id="2" name="Заголовок 1"/>
+          <p:cNvSpPr>
+            <a:spLocks noGrp="1"/>
+          </p:cNvSpPr>
+          <p:nvPr>
+            <p:ph type="title"/>
+          </p:nvPr>
+        </p:nvSpPr>
+        <p:spPr/>
+        <p:txBody>
+          <a:bodyPr/>
+          <a:lstStyle/>
+          <a:p>
+            <a:r>
+              <a:rPr lang="ru-RU" dirty="0"/>
+              <a:t>Доверие тестам</a:t>
+            </a:r>
+          </a:p>
+        </p:txBody>
+      </p:sp>
+    </p:spTree>
+    <p:extLst>
+      <p:ext uri="{BB962C8B-B14F-4D97-AF65-F5344CB8AC3E}">
+        <p14:creationId xmlns:p14="http://schemas.microsoft.com/office/powerpoint/2010/main" val="3622594535"/>
+      </p:ext>
+    </p:extLst>
+  </p:cSld>
+  <p:clrMapOvr>
+    <a:masterClrMapping/>
+  </p:clrMapOvr>
+  <p:timing>
+    <p:tnLst>
+      <p:par>
+        <p:cTn id="1" dur="indefinite" restart="never" nodeType="tmRoot"/>
+      </p:par>
+    </p:tnLst>
+  </p:timing>
+</p:sld>
+</file>
+
+<file path=ppt/slides/slide4.xml><?xml version="1.0" encoding="utf-8"?>
+<p:sld xmlns:a="http://schemas.openxmlformats.org/drawingml/2006/main" xmlns:r="http://schemas.openxmlformats.org/officeDocument/2006/relationships" xmlns:p="http://schemas.openxmlformats.org/presentationml/2006/main">
+  <p:cSld>
+    <p:spTree>
+      <p:nvGrpSpPr>
+        <p:cNvPr id="1" name=""/>
+        <p:cNvGrpSpPr/>
+        <p:nvPr/>
+      </p:nvGrpSpPr>
+      <p:grpSpPr>
+        <a:xfrm>
+          <a:off x="0" y="0"/>
+          <a:ext cx="0" cy="0"/>
+          <a:chOff x="0" y="0"/>
+          <a:chExt cx="0" cy="0"/>
+        </a:xfrm>
+      </p:grpSpPr>
+      <p:sp>
+        <p:nvSpPr>
+          <p:cNvPr id="3" name="Объект 2"/>
+          <p:cNvSpPr>
+            <a:spLocks noGrp="1"/>
+          </p:cNvSpPr>
+          <p:nvPr>
+            <p:ph sz="quarter" idx="13"/>
+          </p:nvPr>
+        </p:nvSpPr>
+        <p:spPr/>
+        <p:txBody>
           <a:bodyPr>
             <a:normAutofit fontScale="70000" lnSpcReduction="20000"/>
           </a:bodyPr>
@@ -17829,7 +20393,7 @@
 </p:sld>
 </file>
 
-<file path=ppt/slides/slide4.xml><?xml version="1.0" encoding="utf-8"?>
+<file path=ppt/slides/slide5.xml><?xml version="1.0" encoding="utf-8"?>
 <p:sld xmlns:a="http://schemas.openxmlformats.org/drawingml/2006/main" xmlns:r="http://schemas.openxmlformats.org/officeDocument/2006/relationships" xmlns:p="http://schemas.openxmlformats.org/presentationml/2006/main">
   <p:cSld>
     <p:spTree>
@@ -18520,7 +21084,7 @@
 </p:sld>
 </file>
 
-<file path=ppt/slides/slide5.xml><?xml version="1.0" encoding="utf-8"?>
+<file path=ppt/slides/slide6.xml><?xml version="1.0" encoding="utf-8"?>
 <p:sld xmlns:a="http://schemas.openxmlformats.org/drawingml/2006/main" xmlns:r="http://schemas.openxmlformats.org/officeDocument/2006/relationships" xmlns:p="http://schemas.openxmlformats.org/presentationml/2006/main">
   <p:cSld>
     <p:spTree>
@@ -18932,7 +21496,7 @@
 </p:sld>
 </file>
 
-<file path=ppt/slides/slide6.xml><?xml version="1.0" encoding="utf-8"?>
+<file path=ppt/slides/slide7.xml><?xml version="1.0" encoding="utf-8"?>
 <p:sld xmlns:a="http://schemas.openxmlformats.org/drawingml/2006/main" xmlns:r="http://schemas.openxmlformats.org/officeDocument/2006/relationships" xmlns:p="http://schemas.openxmlformats.org/presentationml/2006/main">
   <p:cSld>
     <p:spTree>
@@ -19356,7 +21920,7 @@
 </p:sld>
 </file>
 
-<file path=ppt/slides/slide7.xml><?xml version="1.0" encoding="utf-8"?>
+<file path=ppt/slides/slide8.xml><?xml version="1.0" encoding="utf-8"?>
 <p:sld xmlns:a="http://schemas.openxmlformats.org/drawingml/2006/main" xmlns:r="http://schemas.openxmlformats.org/officeDocument/2006/relationships" xmlns:p="http://schemas.openxmlformats.org/presentationml/2006/main">
   <p:cSld>
     <p:spTree>
@@ -19521,7 +22085,7 @@
             <p:nvPr/>
           </p:nvPicPr>
           <p:blipFill>
-            <a:blip r:embed="rId2" cstate="print">
+            <a:blip r:embed="rId3" cstate="print">
               <a:duotone>
                 <a:schemeClr val="accent1">
                   <a:shade val="45000"/>
@@ -19844,90 +22408,6 @@
     <p:bldLst>
       <p:bldP spid="3" grpId="0" build="p"/>
     </p:bldLst>
-  </p:timing>
-</p:sld>
-</file>
-
-<file path=ppt/slides/slide8.xml><?xml version="1.0" encoding="utf-8"?>
-<p:sld xmlns:a="http://schemas.openxmlformats.org/drawingml/2006/main" xmlns:r="http://schemas.openxmlformats.org/officeDocument/2006/relationships" xmlns:p="http://schemas.openxmlformats.org/presentationml/2006/main">
-  <p:cSld>
-    <p:spTree>
-      <p:nvGrpSpPr>
-        <p:cNvPr id="1" name=""/>
-        <p:cNvGrpSpPr/>
-        <p:nvPr/>
-      </p:nvGrpSpPr>
-      <p:grpSpPr>
-        <a:xfrm>
-          <a:off x="0" y="0"/>
-          <a:ext cx="0" cy="0"/>
-          <a:chOff x="0" y="0"/>
-          <a:chExt cx="0" cy="0"/>
-        </a:xfrm>
-      </p:grpSpPr>
-      <p:sp>
-        <p:nvSpPr>
-          <p:cNvPr id="2" name="Заголовок 1"/>
-          <p:cNvSpPr>
-            <a:spLocks noGrp="1"/>
-          </p:cNvSpPr>
-          <p:nvPr>
-            <p:ph type="title"/>
-          </p:nvPr>
-        </p:nvSpPr>
-        <p:spPr/>
-        <p:txBody>
-          <a:bodyPr/>
-          <a:lstStyle/>
-          <a:p>
-            <a:pPr algn="ctr"/>
-            <a:r>
-              <a:rPr lang="ru-RU" dirty="0"/>
-              <a:t>Пример спецификации тестами</a:t>
-            </a:r>
-            <a:endParaRPr lang="en-US" dirty="0"/>
-          </a:p>
-        </p:txBody>
-      </p:sp>
-      <p:pic>
-        <p:nvPicPr>
-          <p:cNvPr id="5" name="Рисунок 4"/>
-          <p:cNvPicPr>
-            <a:picLocks noGrp="1" noChangeAspect="1"/>
-          </p:cNvPicPr>
-          <p:nvPr>
-            <p:ph type="pic" sz="quarter" idx="10"/>
-          </p:nvPr>
-        </p:nvPicPr>
-        <p:blipFill rotWithShape="1">
-          <a:blip r:embed="rId2">
-            <a:extLst>
-              <a:ext uri="{28A0092B-C50C-407E-A947-70E740481C1C}">
-                <a14:useLocalDpi xmlns:a14="http://schemas.microsoft.com/office/drawing/2010/main" val="0"/>
-              </a:ext>
-            </a:extLst>
-          </a:blip>
-          <a:srcRect l="-19597" r="-19597"/>
-          <a:stretch/>
-        </p:blipFill>
-        <p:spPr/>
-      </p:pic>
-    </p:spTree>
-    <p:extLst>
-      <p:ext uri="{BB962C8B-B14F-4D97-AF65-F5344CB8AC3E}">
-        <p14:creationId xmlns:p14="http://schemas.microsoft.com/office/powerpoint/2010/main" val="768219975"/>
-      </p:ext>
-    </p:extLst>
-  </p:cSld>
-  <p:clrMapOvr>
-    <a:masterClrMapping/>
-  </p:clrMapOvr>
-  <p:timing>
-    <p:tnLst>
-      <p:par>
-        <p:cTn id="1" dur="indefinite" restart="never" nodeType="tmRoot"/>
-      </p:par>
-    </p:tnLst>
   </p:timing>
 </p:sld>
 </file>

--- a/testing.pptx
+++ b/testing.pptx
@@ -7660,7 +7660,91 @@
           <a:bodyPr/>
           <a:lstStyle/>
           <a:p>
-            <a:endParaRPr lang="ru-RU" dirty="0"/>
+            <a:r>
+              <a:rPr lang="ru-RU" dirty="0" smtClean="0"/>
+              <a:t>Почему не пишем тесты сразу?</a:t>
+            </a:r>
+          </a:p>
+          <a:p>
+            <a:r>
+              <a:rPr lang="ru-RU" dirty="0" err="1" smtClean="0"/>
+              <a:t>Спойлер</a:t>
+            </a:r>
+            <a:r>
+              <a:rPr lang="ru-RU" baseline="0" dirty="0" smtClean="0"/>
+              <a:t> для </a:t>
+            </a:r>
+            <a:r>
+              <a:rPr lang="en-US" baseline="0" dirty="0" smtClean="0"/>
+              <a:t>TDD</a:t>
+            </a:r>
+            <a:endParaRPr lang="ru-RU" dirty="0" smtClean="0"/>
+          </a:p>
+          <a:p>
+            <a:r>
+              <a:rPr lang="ru-RU" baseline="0" dirty="0" smtClean="0"/>
+              <a:t>Первое, что в голову приходит:</a:t>
+            </a:r>
+          </a:p>
+          <a:p>
+            <a:pPr marL="171450" indent="-171450">
+              <a:buFontTx/>
+              <a:buChar char="-"/>
+            </a:pPr>
+            <a:r>
+              <a:rPr lang="ru-RU" baseline="0" dirty="0" smtClean="0"/>
+              <a:t>Дольше разработка: писать ведь больше, больше кнопок нажимать</a:t>
+            </a:r>
+          </a:p>
+          <a:p>
+            <a:pPr marL="171450" indent="-171450">
+              <a:buFontTx/>
+              <a:buChar char="-"/>
+            </a:pPr>
+            <a:r>
+              <a:rPr lang="ru-RU" baseline="0" dirty="0" smtClean="0"/>
+              <a:t>Есть повторяющиеся сценарии, разные параметры и соответственно очень похожие тесты</a:t>
+            </a:r>
+          </a:p>
+          <a:p>
+            <a:pPr marL="171450" indent="-171450">
+              <a:buFontTx/>
+              <a:buChar char="-"/>
+            </a:pPr>
+            <a:r>
+              <a:rPr lang="ru-RU" baseline="0" dirty="0" smtClean="0"/>
+              <a:t>Непонятное </a:t>
+            </a:r>
+            <a:r>
+              <a:rPr lang="en-US" baseline="0" dirty="0" smtClean="0"/>
+              <a:t>API </a:t>
+            </a:r>
+            <a:r>
+              <a:rPr lang="ru-RU" baseline="0" dirty="0" smtClean="0"/>
+              <a:t>у тестового </a:t>
+            </a:r>
+            <a:r>
+              <a:rPr lang="ru-RU" baseline="0" dirty="0" err="1" smtClean="0"/>
+              <a:t>фреймворка</a:t>
+            </a:r>
+            <a:endParaRPr lang="ru-RU" baseline="0" dirty="0" smtClean="0"/>
+          </a:p>
+          <a:p>
+            <a:pPr marL="0" indent="0">
+              <a:buFontTx/>
+              <a:buNone/>
+            </a:pPr>
+            <a:endParaRPr lang="ru-RU" baseline="0" dirty="0" smtClean="0"/>
+          </a:p>
+          <a:p>
+            <a:pPr marL="0" indent="0">
+              <a:buFontTx/>
+              <a:buNone/>
+            </a:pPr>
+            <a:r>
+              <a:rPr lang="ru-RU" baseline="0" dirty="0" smtClean="0"/>
+              <a:t>Нужно настроить окружение таким образом, чтобы тесты писались как можно легче.</a:t>
+            </a:r>
           </a:p>
         </p:txBody>
       </p:sp>
@@ -7681,7 +7765,7 @@
           <a:p>
             <a:fld id="{3BAECB10-9972-4830-A584-02C41DAFD45B}" type="slidenum">
               <a:rPr lang="ru-RU" smtClean="0"/>
-              <a:t>11</a:t>
+              <a:t>10</a:t>
             </a:fld>
             <a:endParaRPr lang="ru-RU"/>
           </a:p>
@@ -7690,7 +7774,7 @@
     </p:spTree>
     <p:extLst>
       <p:ext uri="{BB962C8B-B14F-4D97-AF65-F5344CB8AC3E}">
-        <p14:creationId xmlns:p14="http://schemas.microsoft.com/office/powerpoint/2010/main" val="1538534830"/>
+        <p14:creationId xmlns:p14="http://schemas.microsoft.com/office/powerpoint/2010/main" val="196875330"/>
       </p:ext>
     </p:extLst>
   </p:cSld>
@@ -7744,52 +7828,7 @@
           <a:bodyPr/>
           <a:lstStyle/>
           <a:p>
-            <a:r>
-              <a:rPr lang="en-US" dirty="0" smtClean="0"/>
-              <a:t>Spoiler Alert</a:t>
-            </a:r>
-            <a:r>
-              <a:rPr lang="ru-RU" dirty="0" smtClean="0"/>
-              <a:t>!</a:t>
-            </a:r>
-            <a:r>
-              <a:rPr lang="ru-RU" baseline="0" dirty="0" smtClean="0"/>
-              <a:t> Блок «</a:t>
-            </a:r>
-            <a:r>
-              <a:rPr lang="en-US" baseline="0" dirty="0" smtClean="0"/>
-              <a:t>Mock and Stub</a:t>
-            </a:r>
-            <a:r>
-              <a:rPr lang="ru-RU" baseline="0" dirty="0" smtClean="0"/>
-              <a:t>»</a:t>
-            </a:r>
-          </a:p>
-          <a:p>
-            <a:r>
-              <a:rPr lang="ru-RU" baseline="0" dirty="0" smtClean="0"/>
-              <a:t>На этом слайде мы видим </a:t>
-            </a:r>
-            <a:r>
-              <a:rPr lang="en-US" baseline="0" dirty="0" smtClean="0"/>
-              <a:t>setup</a:t>
-            </a:r>
-            <a:r>
-              <a:rPr lang="ru-RU" baseline="0" dirty="0" smtClean="0"/>
-              <a:t> для функциональных тестов с созданием </a:t>
-            </a:r>
-            <a:r>
-              <a:rPr lang="ru-RU" baseline="0" dirty="0" err="1" smtClean="0"/>
-              <a:t>Моков</a:t>
-            </a:r>
-            <a:r>
-              <a:rPr lang="ru-RU" baseline="0" dirty="0" smtClean="0"/>
-              <a:t> к основным внутренним сервисам.</a:t>
-            </a:r>
-            <a:endParaRPr lang="en-US" baseline="0" dirty="0" smtClean="0"/>
-          </a:p>
-          <a:p>
-            <a:endParaRPr lang="ru-RU" baseline="0" dirty="0" smtClean="0"/>
+            <a:endParaRPr lang="ru-RU" dirty="0"/>
           </a:p>
         </p:txBody>
       </p:sp>
@@ -7810,7 +7849,7 @@
           <a:p>
             <a:fld id="{3BAECB10-9972-4830-A584-02C41DAFD45B}" type="slidenum">
               <a:rPr lang="ru-RU" smtClean="0"/>
-              <a:t>12</a:t>
+              <a:t>11</a:t>
             </a:fld>
             <a:endParaRPr lang="ru-RU"/>
           </a:p>
@@ -7819,7 +7858,7 @@
     </p:spTree>
     <p:extLst>
       <p:ext uri="{BB962C8B-B14F-4D97-AF65-F5344CB8AC3E}">
-        <p14:creationId xmlns:p14="http://schemas.microsoft.com/office/powerpoint/2010/main" val="2577220445"/>
+        <p14:creationId xmlns:p14="http://schemas.microsoft.com/office/powerpoint/2010/main" val="1538534830"/>
       </p:ext>
     </p:extLst>
   </p:cSld>
@@ -7874,18 +7913,51 @@
           <a:lstStyle/>
           <a:p>
             <a:r>
-              <a:rPr lang="en-US" dirty="0" err="1" smtClean="0"/>
-              <a:t>TearDown</a:t>
+              <a:rPr lang="en-US" dirty="0" smtClean="0"/>
+              <a:t>Spoiler Alert</a:t>
+            </a:r>
+            <a:r>
+              <a:rPr lang="ru-RU" dirty="0" smtClean="0"/>
+              <a:t>!</a:t>
+            </a:r>
+            <a:r>
+              <a:rPr lang="ru-RU" baseline="0" dirty="0" smtClean="0"/>
+              <a:t> Блок «</a:t>
             </a:r>
             <a:r>
               <a:rPr lang="en-US" baseline="0" dirty="0" smtClean="0"/>
-              <a:t> </a:t>
+              <a:t>Mock and Stub</a:t>
             </a:r>
             <a:r>
               <a:rPr lang="ru-RU" baseline="0" dirty="0" smtClean="0"/>
-              <a:t>обычно содержит в себе методы для «зачистки» за собой.</a:t>
-            </a:r>
-            <a:endParaRPr lang="ru-RU" dirty="0"/>
+              <a:t>»</a:t>
+            </a:r>
+          </a:p>
+          <a:p>
+            <a:r>
+              <a:rPr lang="ru-RU" baseline="0" dirty="0" smtClean="0"/>
+              <a:t>На этом слайде мы видим </a:t>
+            </a:r>
+            <a:r>
+              <a:rPr lang="en-US" baseline="0" dirty="0" smtClean="0"/>
+              <a:t>setup</a:t>
+            </a:r>
+            <a:r>
+              <a:rPr lang="ru-RU" baseline="0" dirty="0" smtClean="0"/>
+              <a:t> для функциональных тестов с созданием </a:t>
+            </a:r>
+            <a:r>
+              <a:rPr lang="ru-RU" baseline="0" dirty="0" err="1" smtClean="0"/>
+              <a:t>Моков</a:t>
+            </a:r>
+            <a:r>
+              <a:rPr lang="ru-RU" baseline="0" dirty="0" smtClean="0"/>
+              <a:t> к основным внутренним сервисам.</a:t>
+            </a:r>
+            <a:endParaRPr lang="en-US" baseline="0" dirty="0" smtClean="0"/>
+          </a:p>
+          <a:p>
+            <a:endParaRPr lang="ru-RU" baseline="0" dirty="0" smtClean="0"/>
           </a:p>
         </p:txBody>
       </p:sp>
@@ -7906,7 +7978,7 @@
           <a:p>
             <a:fld id="{3BAECB10-9972-4830-A584-02C41DAFD45B}" type="slidenum">
               <a:rPr lang="ru-RU" smtClean="0"/>
-              <a:t>13</a:t>
+              <a:t>12</a:t>
             </a:fld>
             <a:endParaRPr lang="ru-RU"/>
           </a:p>
@@ -7915,7 +7987,7 @@
     </p:spTree>
     <p:extLst>
       <p:ext uri="{BB962C8B-B14F-4D97-AF65-F5344CB8AC3E}">
-        <p14:creationId xmlns:p14="http://schemas.microsoft.com/office/powerpoint/2010/main" val="45005637"/>
+        <p14:creationId xmlns:p14="http://schemas.microsoft.com/office/powerpoint/2010/main" val="2577220445"/>
       </p:ext>
     </p:extLst>
   </p:cSld>
@@ -7970,55 +8042,8 @@
           <a:lstStyle/>
           <a:p>
             <a:r>
-              <a:rPr lang="ru-RU" dirty="0" smtClean="0"/>
-              <a:t>Это</a:t>
-            </a:r>
-            <a:r>
-              <a:rPr lang="ru-RU" baseline="0" dirty="0" smtClean="0"/>
-              <a:t> </a:t>
-            </a:r>
-            <a:r>
-              <a:rPr lang="en-US" baseline="0" dirty="0" err="1" smtClean="0"/>
-              <a:t>ObjectMother</a:t>
-            </a:r>
-            <a:r>
-              <a:rPr lang="ru-RU" baseline="0" dirty="0" smtClean="0"/>
-              <a:t>.</a:t>
-            </a:r>
-          </a:p>
-          <a:p>
-            <a:r>
-              <a:rPr lang="ru-RU" baseline="0" dirty="0" smtClean="0"/>
-              <a:t>Сначала определяется </a:t>
-            </a:r>
-            <a:r>
-              <a:rPr lang="en-US" baseline="0" dirty="0" err="1" smtClean="0"/>
-              <a:t>var</a:t>
-            </a:r>
-            <a:r>
-              <a:rPr lang="en-US" baseline="0" dirty="0" smtClean="0"/>
-              <a:t> a = </a:t>
-            </a:r>
-            <a:r>
-              <a:rPr lang="en-US" baseline="0" dirty="0" err="1" smtClean="0"/>
-              <a:t>GenerateSubmissionMeta</a:t>
-            </a:r>
-            <a:r>
-              <a:rPr lang="en-US" baseline="0" dirty="0" smtClean="0"/>
-              <a:t>()</a:t>
-            </a:r>
-            <a:r>
-              <a:rPr lang="ru-RU" baseline="0" dirty="0" smtClean="0"/>
-              <a:t>, а затем в а дописываются/изменяются поля, которые мы хотим проверить.</a:t>
-            </a:r>
-          </a:p>
-          <a:p>
-            <a:endParaRPr lang="ru-RU" baseline="0" dirty="0" smtClean="0"/>
-          </a:p>
-          <a:p>
-            <a:r>
-              <a:rPr lang="en-US" baseline="0" dirty="0" err="1" smtClean="0"/>
-              <a:t>TestDataBuilder</a:t>
+              <a:rPr lang="en-US" dirty="0" err="1" smtClean="0"/>
+              <a:t>TearDown</a:t>
             </a:r>
             <a:r>
               <a:rPr lang="en-US" baseline="0" dirty="0" smtClean="0"/>
@@ -8026,20 +8051,9 @@
             </a:r>
             <a:r>
               <a:rPr lang="ru-RU" baseline="0" dirty="0" smtClean="0"/>
-              <a:t>-</a:t>
-            </a:r>
-            <a:r>
-              <a:rPr lang="en-US" baseline="0" dirty="0" smtClean="0"/>
-              <a:t>&gt; </a:t>
-            </a:r>
-            <a:r>
-              <a:rPr lang="en-US" baseline="0" dirty="0" err="1" smtClean="0"/>
-              <a:t>TestUserBuilder.cs</a:t>
-            </a:r>
-            <a:endParaRPr lang="en-US" baseline="0" dirty="0" smtClean="0"/>
-          </a:p>
-          <a:p>
-            <a:endParaRPr lang="en-US" baseline="0" dirty="0" smtClean="0"/>
+              <a:t>обычно содержит в себе методы для «зачистки» за собой.</a:t>
+            </a:r>
+            <a:endParaRPr lang="ru-RU" dirty="0"/>
           </a:p>
         </p:txBody>
       </p:sp>
@@ -8060,7 +8074,7 @@
           <a:p>
             <a:fld id="{3BAECB10-9972-4830-A584-02C41DAFD45B}" type="slidenum">
               <a:rPr lang="ru-RU" smtClean="0"/>
-              <a:t>14</a:t>
+              <a:t>13</a:t>
             </a:fld>
             <a:endParaRPr lang="ru-RU"/>
           </a:p>
@@ -8069,7 +8083,7 @@
     </p:spTree>
     <p:extLst>
       <p:ext uri="{BB962C8B-B14F-4D97-AF65-F5344CB8AC3E}">
-        <p14:creationId xmlns:p14="http://schemas.microsoft.com/office/powerpoint/2010/main" val="3802465497"/>
+        <p14:creationId xmlns:p14="http://schemas.microsoft.com/office/powerpoint/2010/main" val="45005637"/>
       </p:ext>
     </p:extLst>
   </p:cSld>
@@ -8123,118 +8137,9 @@
           <a:bodyPr/>
           <a:lstStyle/>
           <a:p>
-            <a:pPr marL="0" marR="0" lvl="0" indent="0" algn="l" defTabSz="914400" rtl="0" eaLnBrk="1" fontAlgn="auto" latinLnBrk="0" hangingPunct="1">
-              <a:lnSpc>
-                <a:spcPct val="100000"/>
-              </a:lnSpc>
-              <a:spcBef>
-                <a:spcPts val="0"/>
-              </a:spcBef>
-              <a:spcAft>
-                <a:spcPts val="0"/>
-              </a:spcAft>
-              <a:buClrTx/>
-              <a:buSzTx/>
-              <a:buFontTx/>
-              <a:buNone/>
-              <a:tabLst/>
-              <a:defRPr/>
-            </a:pPr>
-            <a:endParaRPr lang="ru-RU" dirty="0" smtClean="0"/>
-          </a:p>
-          <a:p>
-            <a:pPr marL="0" marR="0" lvl="0" indent="0" algn="l" defTabSz="914400" rtl="0" eaLnBrk="1" fontAlgn="auto" latinLnBrk="0" hangingPunct="1">
-              <a:lnSpc>
-                <a:spcPct val="100000"/>
-              </a:lnSpc>
-              <a:spcBef>
-                <a:spcPts val="0"/>
-              </a:spcBef>
-              <a:spcAft>
-                <a:spcPts val="0"/>
-              </a:spcAft>
-              <a:buClrTx/>
-              <a:buSzTx/>
-              <a:buFontTx/>
-              <a:buNone/>
-              <a:tabLst/>
-              <a:defRPr/>
-            </a:pPr>
-            <a:r>
-              <a:rPr lang="ru-RU" dirty="0" err="1" smtClean="0"/>
-              <a:t>Аттрибуты</a:t>
-            </a:r>
             <a:r>
               <a:rPr lang="ru-RU" dirty="0" smtClean="0"/>
-              <a:t> </a:t>
-            </a:r>
-            <a:r>
-              <a:rPr lang="en-US" dirty="0" err="1" smtClean="0"/>
-              <a:t>TestCase</a:t>
-            </a:r>
-            <a:r>
-              <a:rPr lang="ru-RU" dirty="0" smtClean="0"/>
-              <a:t> и</a:t>
-            </a:r>
-            <a:r>
-              <a:rPr lang="en-US" dirty="0" smtClean="0"/>
-              <a:t> </a:t>
-            </a:r>
-            <a:r>
-              <a:rPr lang="en-US" dirty="0" err="1" smtClean="0"/>
-              <a:t>TestCaseSource</a:t>
-            </a:r>
-            <a:r>
-              <a:rPr lang="ru-RU" dirty="0" smtClean="0"/>
-              <a:t> в </a:t>
-            </a:r>
-            <a:r>
-              <a:rPr lang="en-US" dirty="0" err="1" smtClean="0"/>
-              <a:t>nUnit</a:t>
-            </a:r>
-            <a:endParaRPr lang="en-US" dirty="0" smtClean="0"/>
-          </a:p>
-          <a:p>
-            <a:pPr marL="0" marR="0" lvl="0" indent="0" algn="l" defTabSz="914400" rtl="0" eaLnBrk="1" fontAlgn="auto" latinLnBrk="0" hangingPunct="1">
-              <a:lnSpc>
-                <a:spcPct val="100000"/>
-              </a:lnSpc>
-              <a:spcBef>
-                <a:spcPts val="0"/>
-              </a:spcBef>
-              <a:spcAft>
-                <a:spcPts val="0"/>
-              </a:spcAft>
-              <a:buClrTx/>
-              <a:buSzTx/>
-              <a:buFontTx/>
-              <a:buNone/>
-              <a:tabLst/>
-              <a:defRPr/>
-            </a:pPr>
-            <a:endParaRPr lang="ru-RU" dirty="0" smtClean="0"/>
-          </a:p>
-          <a:p>
-            <a:pPr marL="0" marR="0" lvl="0" indent="0" algn="l" defTabSz="914400" rtl="0" eaLnBrk="1" fontAlgn="auto" latinLnBrk="0" hangingPunct="1">
-              <a:lnSpc>
-                <a:spcPct val="100000"/>
-              </a:lnSpc>
-              <a:spcBef>
-                <a:spcPts val="0"/>
-              </a:spcBef>
-              <a:spcAft>
-                <a:spcPts val="0"/>
-              </a:spcAft>
-              <a:buClrTx/>
-              <a:buSzTx/>
-              <a:buFontTx/>
-              <a:buNone/>
-              <a:tabLst/>
-              <a:defRPr/>
-            </a:pPr>
-            <a:r>
-              <a:rPr lang="ru-RU" dirty="0" smtClean="0"/>
-              <a:t>Ещё</a:t>
+              <a:t>Это</a:t>
             </a:r>
             <a:r>
               <a:rPr lang="ru-RU" baseline="0" dirty="0" smtClean="0"/>
@@ -8242,7 +8147,46 @@
             </a:r>
             <a:r>
               <a:rPr lang="en-US" baseline="0" dirty="0" err="1" smtClean="0"/>
-              <a:t>nUnit</a:t>
+              <a:t>ObjectMother</a:t>
+            </a:r>
+            <a:r>
+              <a:rPr lang="ru-RU" baseline="0" dirty="0" smtClean="0"/>
+              <a:t>.</a:t>
+            </a:r>
+          </a:p>
+          <a:p>
+            <a:r>
+              <a:rPr lang="ru-RU" baseline="0" dirty="0" smtClean="0"/>
+              <a:t>Сначала определяется </a:t>
+            </a:r>
+            <a:r>
+              <a:rPr lang="en-US" baseline="0" dirty="0" err="1" smtClean="0"/>
+              <a:t>var</a:t>
+            </a:r>
+            <a:r>
+              <a:rPr lang="en-US" baseline="0" dirty="0" smtClean="0"/>
+              <a:t> a = </a:t>
+            </a:r>
+            <a:r>
+              <a:rPr lang="en-US" baseline="0" dirty="0" err="1" smtClean="0"/>
+              <a:t>GenerateSubmissionMeta</a:t>
+            </a:r>
+            <a:r>
+              <a:rPr lang="en-US" baseline="0" dirty="0" smtClean="0"/>
+              <a:t>()</a:t>
+            </a:r>
+            <a:r>
+              <a:rPr lang="ru-RU" baseline="0" dirty="0" smtClean="0"/>
+              <a:t>, а затем в а дописываются/изменяются поля, которые мы хотим проверить.</a:t>
+            </a:r>
+          </a:p>
+          <a:p>
+            <a:endParaRPr lang="ru-RU" baseline="0" dirty="0" smtClean="0"/>
+          </a:p>
+          <a:p>
+            <a:r>
+              <a:rPr lang="en-US" baseline="0" dirty="0" err="1" smtClean="0"/>
+              <a:t>TestDataBuilder</a:t>
             </a:r>
             <a:r>
               <a:rPr lang="en-US" baseline="0" dirty="0" smtClean="0"/>
@@ -8250,15 +8194,7 @@
             </a:r>
             <a:r>
               <a:rPr lang="ru-RU" baseline="0" dirty="0" smtClean="0"/>
-              <a:t>умеет такие классные штуки, которые не умеют другие </a:t>
-            </a:r>
-            <a:r>
-              <a:rPr lang="ru-RU" baseline="0" dirty="0" err="1" smtClean="0"/>
-              <a:t>фреймворки</a:t>
-            </a:r>
-            <a:r>
-              <a:rPr lang="ru-RU" baseline="0" dirty="0" smtClean="0"/>
-              <a:t> =</a:t>
+              <a:t>-</a:t>
             </a:r>
             <a:r>
               <a:rPr lang="en-US" baseline="0" dirty="0" smtClean="0"/>
@@ -8266,379 +8202,12 @@
             </a:r>
             <a:r>
               <a:rPr lang="en-US" baseline="0" dirty="0" err="1" smtClean="0"/>
-              <a:t>TestCase</a:t>
-            </a:r>
-            <a:r>
-              <a:rPr lang="en-US" baseline="0" dirty="0" smtClean="0"/>
-              <a:t> </a:t>
-            </a:r>
-            <a:r>
-              <a:rPr lang="ru-RU" baseline="0" dirty="0" smtClean="0"/>
-              <a:t>и </a:t>
-            </a:r>
-            <a:r>
-              <a:rPr lang="en-US" baseline="0" dirty="0" err="1" smtClean="0"/>
-              <a:t>TestCaseSourse</a:t>
-            </a:r>
-            <a:r>
-              <a:rPr lang="ru-RU" baseline="0" dirty="0" smtClean="0"/>
-              <a:t>.</a:t>
-            </a:r>
-          </a:p>
-          <a:p>
-            <a:pPr marL="0" marR="0" lvl="0" indent="0" algn="l" defTabSz="914400" rtl="0" eaLnBrk="1" fontAlgn="auto" latinLnBrk="0" hangingPunct="1">
-              <a:lnSpc>
-                <a:spcPct val="100000"/>
-              </a:lnSpc>
-              <a:spcBef>
-                <a:spcPts val="0"/>
-              </a:spcBef>
-              <a:spcAft>
-                <a:spcPts val="0"/>
-              </a:spcAft>
-              <a:buClrTx/>
-              <a:buSzTx/>
-              <a:buFontTx/>
-              <a:buNone/>
-              <a:tabLst/>
-              <a:defRPr/>
-            </a:pPr>
-            <a:endParaRPr lang="ru-RU" dirty="0" smtClean="0"/>
-          </a:p>
-          <a:p>
-            <a:pPr marL="0" marR="0" lvl="0" indent="0" algn="l" defTabSz="914400" rtl="0" eaLnBrk="1" fontAlgn="auto" latinLnBrk="0" hangingPunct="1">
-              <a:lnSpc>
-                <a:spcPct val="100000"/>
-              </a:lnSpc>
-              <a:spcBef>
-                <a:spcPts val="0"/>
-              </a:spcBef>
-              <a:spcAft>
-                <a:spcPts val="0"/>
-              </a:spcAft>
-              <a:buClrTx/>
-              <a:buSzTx/>
-              <a:buFontTx/>
-              <a:buNone/>
-              <a:tabLst/>
-              <a:defRPr/>
-            </a:pPr>
-            <a:r>
-              <a:rPr lang="ru-RU" dirty="0" smtClean="0"/>
-              <a:t>С</a:t>
-            </a:r>
-            <a:r>
-              <a:rPr lang="ru-RU" baseline="0" dirty="0" smtClean="0"/>
-              <a:t> ними можно:</a:t>
-            </a:r>
-          </a:p>
-          <a:p>
-            <a:pPr marL="171450" marR="0" lvl="0" indent="-171450" algn="l" defTabSz="914400" rtl="0" eaLnBrk="1" fontAlgn="auto" latinLnBrk="0" hangingPunct="1">
-              <a:lnSpc>
-                <a:spcPct val="100000"/>
-              </a:lnSpc>
-              <a:spcBef>
-                <a:spcPts val="0"/>
-              </a:spcBef>
-              <a:spcAft>
-                <a:spcPts val="0"/>
-              </a:spcAft>
-              <a:buClrTx/>
-              <a:buSzTx/>
-              <a:buFont typeface="Arial" panose="020B0604020202020204" pitchFamily="34" charset="0"/>
-              <a:buChar char="•"/>
-              <a:tabLst/>
-              <a:defRPr/>
-            </a:pPr>
-            <a:r>
-              <a:rPr lang="ru-RU" baseline="0" dirty="0" smtClean="0"/>
-              <a:t>Красиво называть тесты</a:t>
-            </a:r>
-          </a:p>
-          <a:p>
-            <a:pPr marL="171450" marR="0" lvl="0" indent="-171450" algn="l" defTabSz="914400" rtl="0" eaLnBrk="1" fontAlgn="auto" latinLnBrk="0" hangingPunct="1">
-              <a:lnSpc>
-                <a:spcPct val="100000"/>
-              </a:lnSpc>
-              <a:spcBef>
-                <a:spcPts val="0"/>
-              </a:spcBef>
-              <a:spcAft>
-                <a:spcPts val="0"/>
-              </a:spcAft>
-              <a:buClrTx/>
-              <a:buSzTx/>
-              <a:buFont typeface="Arial" panose="020B0604020202020204" pitchFamily="34" charset="0"/>
-              <a:buChar char="•"/>
-              <a:tabLst/>
-              <a:defRPr/>
-            </a:pPr>
-            <a:r>
-              <a:rPr lang="ru-RU" baseline="0" dirty="0" smtClean="0"/>
-              <a:t>Указать ожидаемый результат и получать его из теста. (</a:t>
-            </a:r>
-            <a:r>
-              <a:rPr lang="en-US" sz="1200" b="0" i="0" kern="1200" dirty="0" err="1" smtClean="0">
-                <a:solidFill>
-                  <a:schemeClr val="tx1"/>
-                </a:solidFill>
-                <a:effectLst/>
-                <a:latin typeface="+mn-lt"/>
-                <a:ea typeface="+mn-ea"/>
-                <a:cs typeface="+mn-cs"/>
-              </a:rPr>
-              <a:t>withInvariantCulture_parse</a:t>
-            </a:r>
-            <a:r>
-              <a:rPr lang="en-US" sz="1200" b="0" i="0" kern="1200" dirty="0" smtClean="0">
-                <a:solidFill>
-                  <a:schemeClr val="tx1"/>
-                </a:solidFill>
-                <a:effectLst/>
-                <a:latin typeface="+mn-lt"/>
-                <a:ea typeface="+mn-ea"/>
-                <a:cs typeface="+mn-cs"/>
-              </a:rPr>
-              <a:t>(string input)</a:t>
-            </a:r>
-            <a:r>
-              <a:rPr lang="ru-RU" sz="1200" b="0" i="0" kern="1200" dirty="0" smtClean="0">
-                <a:solidFill>
-                  <a:schemeClr val="tx1"/>
-                </a:solidFill>
-                <a:effectLst/>
-                <a:latin typeface="+mn-lt"/>
-                <a:ea typeface="+mn-ea"/>
-                <a:cs typeface="+mn-cs"/>
-              </a:rPr>
-              <a:t> возвращает </a:t>
-            </a:r>
-            <a:r>
-              <a:rPr lang="en-US" sz="1200" b="0" i="0" kern="1200" dirty="0" smtClean="0">
-                <a:solidFill>
-                  <a:schemeClr val="tx1"/>
-                </a:solidFill>
-                <a:effectLst/>
-                <a:latin typeface="+mn-lt"/>
-                <a:ea typeface="+mn-ea"/>
-                <a:cs typeface="+mn-cs"/>
-              </a:rPr>
-              <a:t>double</a:t>
-            </a:r>
-            <a:r>
-              <a:rPr lang="ru-RU" sz="1200" b="0" i="0" kern="1200" dirty="0" smtClean="0">
-                <a:solidFill>
-                  <a:schemeClr val="tx1"/>
-                </a:solidFill>
-                <a:effectLst/>
-                <a:latin typeface="+mn-lt"/>
-                <a:ea typeface="+mn-ea"/>
-                <a:cs typeface="+mn-cs"/>
-              </a:rPr>
-              <a:t>,</a:t>
-            </a:r>
-            <a:r>
-              <a:rPr lang="ru-RU" sz="1200" b="0" i="0" kern="1200" baseline="0" dirty="0" smtClean="0">
-                <a:solidFill>
-                  <a:schemeClr val="tx1"/>
-                </a:solidFill>
-                <a:effectLst/>
-                <a:latin typeface="+mn-lt"/>
-                <a:ea typeface="+mn-ea"/>
-                <a:cs typeface="+mn-cs"/>
-              </a:rPr>
-              <a:t> а не </a:t>
-            </a:r>
-            <a:r>
-              <a:rPr lang="en-US" sz="1200" b="0" i="0" kern="1200" baseline="0" dirty="0" smtClean="0">
-                <a:solidFill>
-                  <a:schemeClr val="tx1"/>
-                </a:solidFill>
-                <a:effectLst/>
-                <a:latin typeface="+mn-lt"/>
-                <a:ea typeface="+mn-ea"/>
-                <a:cs typeface="+mn-cs"/>
-              </a:rPr>
-              <a:t>void)</a:t>
-            </a:r>
-            <a:endParaRPr lang="ru-RU" sz="1200" b="0" i="0" kern="1200" baseline="0" dirty="0" smtClean="0">
-              <a:solidFill>
-                <a:schemeClr val="tx1"/>
-              </a:solidFill>
-              <a:effectLst/>
-              <a:latin typeface="+mn-lt"/>
-              <a:ea typeface="+mn-ea"/>
-              <a:cs typeface="+mn-cs"/>
-            </a:endParaRPr>
-          </a:p>
-          <a:p>
-            <a:pPr marL="171450" marR="0" lvl="0" indent="-171450" algn="l" defTabSz="914400" rtl="0" eaLnBrk="1" fontAlgn="auto" latinLnBrk="0" hangingPunct="1">
-              <a:lnSpc>
-                <a:spcPct val="100000"/>
-              </a:lnSpc>
-              <a:spcBef>
-                <a:spcPts val="0"/>
-              </a:spcBef>
-              <a:spcAft>
-                <a:spcPts val="0"/>
-              </a:spcAft>
-              <a:buClrTx/>
-              <a:buSzTx/>
-              <a:buFont typeface="Arial" panose="020B0604020202020204" pitchFamily="34" charset="0"/>
-              <a:buChar char="•"/>
-              <a:tabLst/>
-              <a:defRPr/>
-            </a:pPr>
-            <a:endParaRPr lang="ru-RU" sz="1200" b="0" i="0" kern="1200" baseline="0" dirty="0" smtClean="0">
-              <a:solidFill>
-                <a:schemeClr val="tx1"/>
-              </a:solidFill>
-              <a:effectLst/>
-              <a:latin typeface="+mn-lt"/>
-              <a:ea typeface="+mn-ea"/>
-              <a:cs typeface="+mn-cs"/>
-            </a:endParaRPr>
-          </a:p>
-          <a:p>
-            <a:pPr marL="0" marR="0" lvl="0" indent="0" algn="l" defTabSz="914400" rtl="0" eaLnBrk="1" fontAlgn="auto" latinLnBrk="0" hangingPunct="1">
-              <a:lnSpc>
-                <a:spcPct val="100000"/>
-              </a:lnSpc>
-              <a:spcBef>
-                <a:spcPts val="0"/>
-              </a:spcBef>
-              <a:spcAft>
-                <a:spcPts val="0"/>
-              </a:spcAft>
-              <a:buClrTx/>
-              <a:buSzTx/>
-              <a:buFont typeface="Arial" panose="020B0604020202020204" pitchFamily="34" charset="0"/>
-              <a:buNone/>
-              <a:tabLst/>
-              <a:defRPr/>
-            </a:pPr>
-            <a:r>
-              <a:rPr lang="ru-RU" baseline="0" dirty="0" smtClean="0"/>
-              <a:t>В </a:t>
-            </a:r>
-            <a:r>
-              <a:rPr lang="en-US" baseline="0" dirty="0" err="1" smtClean="0"/>
-              <a:t>TestaCase</a:t>
-            </a:r>
-            <a:r>
-              <a:rPr lang="en-US" baseline="0" dirty="0" smtClean="0"/>
-              <a:t> </a:t>
-            </a:r>
-            <a:r>
-              <a:rPr lang="ru-RU" baseline="0" dirty="0" smtClean="0"/>
-              <a:t>в качестве параметров можно указать</a:t>
-            </a:r>
-            <a:r>
-              <a:rPr lang="en-US" baseline="0" dirty="0" smtClean="0"/>
-              <a:t> </a:t>
-            </a:r>
-            <a:r>
-              <a:rPr lang="ru-RU" baseline="0" dirty="0" smtClean="0"/>
-              <a:t>только типы, поддерживаемые </a:t>
-            </a:r>
-            <a:r>
-              <a:rPr lang="en-US" baseline="0" dirty="0" smtClean="0"/>
-              <a:t>CLR:</a:t>
-            </a:r>
-          </a:p>
-          <a:p>
-            <a:pPr marL="171450" marR="0" lvl="0" indent="-171450" algn="l" defTabSz="914400" rtl="0" eaLnBrk="1" fontAlgn="auto" latinLnBrk="0" hangingPunct="1">
-              <a:lnSpc>
-                <a:spcPct val="100000"/>
-              </a:lnSpc>
-              <a:spcBef>
-                <a:spcPts val="0"/>
-              </a:spcBef>
-              <a:spcAft>
-                <a:spcPts val="0"/>
-              </a:spcAft>
-              <a:buClrTx/>
-              <a:buSzTx/>
-              <a:buFontTx/>
-              <a:buChar char="-"/>
-              <a:tabLst/>
-              <a:defRPr/>
-            </a:pPr>
-            <a:r>
-              <a:rPr lang="ru-RU" baseline="0" dirty="0" smtClean="0"/>
-              <a:t>константы,</a:t>
-            </a:r>
-          </a:p>
-          <a:p>
-            <a:pPr marL="171450" marR="0" lvl="0" indent="-171450" algn="l" defTabSz="914400" rtl="0" eaLnBrk="1" fontAlgn="auto" latinLnBrk="0" hangingPunct="1">
-              <a:lnSpc>
-                <a:spcPct val="100000"/>
-              </a:lnSpc>
-              <a:spcBef>
-                <a:spcPts val="0"/>
-              </a:spcBef>
-              <a:spcAft>
-                <a:spcPts val="0"/>
-              </a:spcAft>
-              <a:buClrTx/>
-              <a:buSzTx/>
-              <a:buFontTx/>
-              <a:buChar char="-"/>
-              <a:tabLst/>
-              <a:defRPr/>
-            </a:pPr>
-            <a:r>
-              <a:rPr lang="ru-RU" dirty="0" smtClean="0"/>
-              <a:t>системные</a:t>
-            </a:r>
-            <a:r>
-              <a:rPr lang="ru-RU" baseline="0" dirty="0" smtClean="0"/>
-              <a:t> типы,</a:t>
-            </a:r>
-          </a:p>
-          <a:p>
-            <a:pPr marL="171450" marR="0" lvl="0" indent="-171450" algn="l" defTabSz="914400" rtl="0" eaLnBrk="1" fontAlgn="auto" latinLnBrk="0" hangingPunct="1">
-              <a:lnSpc>
-                <a:spcPct val="100000"/>
-              </a:lnSpc>
-              <a:spcBef>
-                <a:spcPts val="0"/>
-              </a:spcBef>
-              <a:spcAft>
-                <a:spcPts val="0"/>
-              </a:spcAft>
-              <a:buClrTx/>
-              <a:buSzTx/>
-              <a:buFontTx/>
-              <a:buChar char="-"/>
-              <a:tabLst/>
-              <a:defRPr/>
-            </a:pPr>
-            <a:r>
-              <a:rPr lang="ru-RU" baseline="0" dirty="0" smtClean="0"/>
-              <a:t>одноразмерный массив, содержащий константы и системные типы</a:t>
-            </a:r>
-            <a:endParaRPr lang="en-US" dirty="0" smtClean="0"/>
-          </a:p>
-          <a:p>
-            <a:pPr marL="0" marR="0" lvl="0" indent="0" algn="l" defTabSz="914400" rtl="0" eaLnBrk="1" fontAlgn="auto" latinLnBrk="0" hangingPunct="1">
-              <a:lnSpc>
-                <a:spcPct val="100000"/>
-              </a:lnSpc>
-              <a:spcBef>
-                <a:spcPts val="0"/>
-              </a:spcBef>
-              <a:spcAft>
-                <a:spcPts val="0"/>
-              </a:spcAft>
-              <a:buClrTx/>
-              <a:buSzTx/>
-              <a:buFont typeface="Arial" panose="020B0604020202020204" pitchFamily="34" charset="0"/>
-              <a:buNone/>
-              <a:tabLst/>
-              <a:defRPr/>
-            </a:pPr>
-            <a:endParaRPr lang="ru-RU" baseline="0" dirty="0" smtClean="0"/>
+              <a:t>TestUserBuilder.cs</a:t>
+            </a:r>
+            <a:endParaRPr lang="en-US" baseline="0" dirty="0" smtClean="0"/>
+          </a:p>
+          <a:p>
+            <a:endParaRPr lang="en-US" baseline="0" dirty="0" smtClean="0"/>
           </a:p>
         </p:txBody>
       </p:sp>
@@ -8659,7 +8228,7 @@
           <a:p>
             <a:fld id="{3BAECB10-9972-4830-A584-02C41DAFD45B}" type="slidenum">
               <a:rPr lang="ru-RU" smtClean="0"/>
-              <a:t>15</a:t>
+              <a:t>14</a:t>
             </a:fld>
             <a:endParaRPr lang="ru-RU"/>
           </a:p>
@@ -8668,7 +8237,7 @@
     </p:spTree>
     <p:extLst>
       <p:ext uri="{BB962C8B-B14F-4D97-AF65-F5344CB8AC3E}">
-        <p14:creationId xmlns:p14="http://schemas.microsoft.com/office/powerpoint/2010/main" val="3407484980"/>
+        <p14:creationId xmlns:p14="http://schemas.microsoft.com/office/powerpoint/2010/main" val="3802465497"/>
       </p:ext>
     </p:extLst>
   </p:cSld>
@@ -8722,22 +8291,521 @@
           <a:bodyPr/>
           <a:lstStyle/>
           <a:p>
+            <a:pPr marL="0" marR="0" lvl="0" indent="0" algn="l" defTabSz="914400" rtl="0" eaLnBrk="1" fontAlgn="auto" latinLnBrk="0" hangingPunct="1">
+              <a:lnSpc>
+                <a:spcPct val="100000"/>
+              </a:lnSpc>
+              <a:spcBef>
+                <a:spcPts val="0"/>
+              </a:spcBef>
+              <a:spcAft>
+                <a:spcPts val="0"/>
+              </a:spcAft>
+              <a:buClrTx/>
+              <a:buSzTx/>
+              <a:buFontTx/>
+              <a:buNone/>
+              <a:tabLst/>
+              <a:defRPr/>
+            </a:pPr>
+            <a:endParaRPr lang="ru-RU" dirty="0" smtClean="0"/>
+          </a:p>
+          <a:p>
+            <a:pPr marL="0" marR="0" lvl="0" indent="0" algn="l" defTabSz="914400" rtl="0" eaLnBrk="1" fontAlgn="auto" latinLnBrk="0" hangingPunct="1">
+              <a:lnSpc>
+                <a:spcPct val="100000"/>
+              </a:lnSpc>
+              <a:spcBef>
+                <a:spcPts val="0"/>
+              </a:spcBef>
+              <a:spcAft>
+                <a:spcPts val="0"/>
+              </a:spcAft>
+              <a:buClrTx/>
+              <a:buSzTx/>
+              <a:buFontTx/>
+              <a:buNone/>
+              <a:tabLst/>
+              <a:defRPr/>
+            </a:pPr>
+            <a:r>
+              <a:rPr lang="ru-RU" dirty="0" err="1" smtClean="0"/>
+              <a:t>Аттрибуты</a:t>
+            </a:r>
             <a:r>
               <a:rPr lang="ru-RU" dirty="0" smtClean="0"/>
-              <a:t>Вот вы</a:t>
+              <a:t> </a:t>
+            </a:r>
+            <a:r>
+              <a:rPr lang="en-US" dirty="0" err="1" smtClean="0"/>
+              <a:t>TestCase</a:t>
+            </a:r>
+            <a:r>
+              <a:rPr lang="ru-RU" dirty="0" smtClean="0"/>
+              <a:t> и</a:t>
+            </a:r>
+            <a:r>
+              <a:rPr lang="en-US" dirty="0" smtClean="0"/>
+              <a:t> </a:t>
+            </a:r>
+            <a:r>
+              <a:rPr lang="en-US" dirty="0" err="1" smtClean="0"/>
+              <a:t>TestCaseSource</a:t>
+            </a:r>
+            <a:r>
+              <a:rPr lang="ru-RU" dirty="0" smtClean="0"/>
+              <a:t> в </a:t>
+            </a:r>
+            <a:r>
+              <a:rPr lang="en-US" dirty="0" err="1" smtClean="0"/>
+              <a:t>nUnit</a:t>
+            </a:r>
+            <a:endParaRPr lang="en-US" dirty="0" smtClean="0"/>
+          </a:p>
+          <a:p>
+            <a:pPr marL="0" marR="0" lvl="0" indent="0" algn="l" defTabSz="914400" rtl="0" eaLnBrk="1" fontAlgn="auto" latinLnBrk="0" hangingPunct="1">
+              <a:lnSpc>
+                <a:spcPct val="100000"/>
+              </a:lnSpc>
+              <a:spcBef>
+                <a:spcPts val="0"/>
+              </a:spcBef>
+              <a:spcAft>
+                <a:spcPts val="0"/>
+              </a:spcAft>
+              <a:buClrTx/>
+              <a:buSzTx/>
+              <a:buFontTx/>
+              <a:buNone/>
+              <a:tabLst/>
+              <a:defRPr/>
+            </a:pPr>
+            <a:endParaRPr lang="ru-RU" dirty="0" smtClean="0"/>
+          </a:p>
+          <a:p>
+            <a:pPr marL="0" marR="0" lvl="0" indent="0" algn="l" defTabSz="914400" rtl="0" eaLnBrk="1" fontAlgn="auto" latinLnBrk="0" hangingPunct="1">
+              <a:lnSpc>
+                <a:spcPct val="100000"/>
+              </a:lnSpc>
+              <a:spcBef>
+                <a:spcPts val="0"/>
+              </a:spcBef>
+              <a:spcAft>
+                <a:spcPts val="0"/>
+              </a:spcAft>
+              <a:buClrTx/>
+              <a:buSzTx/>
+              <a:buFontTx/>
+              <a:buNone/>
+              <a:tabLst/>
+              <a:defRPr/>
+            </a:pPr>
+            <a:r>
+              <a:rPr lang="ru-RU" dirty="0" smtClean="0"/>
+              <a:t>Ещё</a:t>
             </a:r>
             <a:r>
               <a:rPr lang="ru-RU" baseline="0" dirty="0" smtClean="0"/>
-              <a:t> видите такой тест.</a:t>
-            </a:r>
-          </a:p>
-          <a:p>
+              <a:t> </a:t>
+            </a:r>
+            <a:r>
+              <a:rPr lang="en-US" baseline="0" dirty="0" err="1" smtClean="0"/>
+              <a:t>nUnit</a:t>
+            </a:r>
+            <a:r>
+              <a:rPr lang="en-US" baseline="0" dirty="0" smtClean="0"/>
+              <a:t> </a:t>
+            </a:r>
             <a:r>
               <a:rPr lang="ru-RU" baseline="0" dirty="0" smtClean="0"/>
-              <a:t>Как его можно улучшить?</a:t>
-            </a:r>
-          </a:p>
-          <a:p>
+              <a:t>умеет такие классные штуки, которые не умеют другие </a:t>
+            </a:r>
+            <a:r>
+              <a:rPr lang="ru-RU" baseline="0" dirty="0" err="1" smtClean="0"/>
+              <a:t>фреймворки</a:t>
+            </a:r>
+            <a:r>
+              <a:rPr lang="ru-RU" baseline="0" dirty="0" smtClean="0"/>
+              <a:t> =</a:t>
+            </a:r>
+            <a:r>
+              <a:rPr lang="en-US" baseline="0" dirty="0" smtClean="0"/>
+              <a:t>&gt; </a:t>
+            </a:r>
+            <a:r>
+              <a:rPr lang="en-US" baseline="0" dirty="0" err="1" smtClean="0"/>
+              <a:t>TestCase</a:t>
+            </a:r>
+            <a:r>
+              <a:rPr lang="en-US" baseline="0" dirty="0" smtClean="0"/>
+              <a:t> </a:t>
+            </a:r>
+            <a:r>
+              <a:rPr lang="ru-RU" baseline="0" dirty="0" smtClean="0"/>
+              <a:t>и </a:t>
+            </a:r>
+            <a:r>
+              <a:rPr lang="en-US" baseline="0" dirty="0" err="1" smtClean="0"/>
+              <a:t>TestCaseSourse</a:t>
+            </a:r>
+            <a:r>
+              <a:rPr lang="ru-RU" baseline="0" dirty="0" smtClean="0"/>
+              <a:t>.</a:t>
+            </a:r>
+          </a:p>
+          <a:p>
+            <a:pPr marL="0" marR="0" lvl="0" indent="0" algn="l" defTabSz="914400" rtl="0" eaLnBrk="1" fontAlgn="auto" latinLnBrk="0" hangingPunct="1">
+              <a:lnSpc>
+                <a:spcPct val="100000"/>
+              </a:lnSpc>
+              <a:spcBef>
+                <a:spcPts val="0"/>
+              </a:spcBef>
+              <a:spcAft>
+                <a:spcPts val="0"/>
+              </a:spcAft>
+              <a:buClrTx/>
+              <a:buSzTx/>
+              <a:buFontTx/>
+              <a:buNone/>
+              <a:tabLst/>
+              <a:defRPr/>
+            </a:pPr>
+            <a:endParaRPr lang="ru-RU" dirty="0" smtClean="0"/>
+          </a:p>
+          <a:p>
+            <a:pPr marL="0" marR="0" lvl="0" indent="0" algn="l" defTabSz="914400" rtl="0" eaLnBrk="1" fontAlgn="auto" latinLnBrk="0" hangingPunct="1">
+              <a:lnSpc>
+                <a:spcPct val="100000"/>
+              </a:lnSpc>
+              <a:spcBef>
+                <a:spcPts val="0"/>
+              </a:spcBef>
+              <a:spcAft>
+                <a:spcPts val="0"/>
+              </a:spcAft>
+              <a:buClrTx/>
+              <a:buSzTx/>
+              <a:buFontTx/>
+              <a:buNone/>
+              <a:tabLst/>
+              <a:defRPr/>
+            </a:pPr>
+            <a:r>
+              <a:rPr lang="ru-RU" dirty="0" smtClean="0"/>
+              <a:t>С</a:t>
+            </a:r>
+            <a:r>
+              <a:rPr lang="ru-RU" baseline="0" dirty="0" smtClean="0"/>
+              <a:t> ними можно:</a:t>
+            </a:r>
+          </a:p>
+          <a:p>
+            <a:pPr marL="171450" marR="0" lvl="0" indent="-171450" algn="l" defTabSz="914400" rtl="0" eaLnBrk="1" fontAlgn="auto" latinLnBrk="0" hangingPunct="1">
+              <a:lnSpc>
+                <a:spcPct val="100000"/>
+              </a:lnSpc>
+              <a:spcBef>
+                <a:spcPts val="0"/>
+              </a:spcBef>
+              <a:spcAft>
+                <a:spcPts val="0"/>
+              </a:spcAft>
+              <a:buClrTx/>
+              <a:buSzTx/>
+              <a:buFont typeface="Arial" panose="020B0604020202020204" pitchFamily="34" charset="0"/>
+              <a:buChar char="•"/>
+              <a:tabLst/>
+              <a:defRPr/>
+            </a:pPr>
+            <a:r>
+              <a:rPr lang="ru-RU" baseline="0" dirty="0" smtClean="0"/>
+              <a:t>Красиво называть тесты</a:t>
+            </a:r>
+          </a:p>
+          <a:p>
+            <a:pPr marL="171450" marR="0" lvl="0" indent="-171450" algn="l" defTabSz="914400" rtl="0" eaLnBrk="1" fontAlgn="auto" latinLnBrk="0" hangingPunct="1">
+              <a:lnSpc>
+                <a:spcPct val="100000"/>
+              </a:lnSpc>
+              <a:spcBef>
+                <a:spcPts val="0"/>
+              </a:spcBef>
+              <a:spcAft>
+                <a:spcPts val="0"/>
+              </a:spcAft>
+              <a:buClrTx/>
+              <a:buSzTx/>
+              <a:buFont typeface="Arial" panose="020B0604020202020204" pitchFamily="34" charset="0"/>
+              <a:buChar char="•"/>
+              <a:tabLst/>
+              <a:defRPr/>
+            </a:pPr>
+            <a:r>
+              <a:rPr lang="ru-RU" baseline="0" dirty="0" smtClean="0"/>
+              <a:t>Указать ожидаемый результат и получать его из теста. (</a:t>
+            </a:r>
+            <a:r>
+              <a:rPr lang="en-US" sz="1200" b="0" i="0" kern="1200" dirty="0" err="1" smtClean="0">
+                <a:solidFill>
+                  <a:schemeClr val="tx1"/>
+                </a:solidFill>
+                <a:effectLst/>
+                <a:latin typeface="+mn-lt"/>
+                <a:ea typeface="+mn-ea"/>
+                <a:cs typeface="+mn-cs"/>
+              </a:rPr>
+              <a:t>withInvariantCulture_parse</a:t>
+            </a:r>
+            <a:r>
+              <a:rPr lang="en-US" sz="1200" b="0" i="0" kern="1200" dirty="0" smtClean="0">
+                <a:solidFill>
+                  <a:schemeClr val="tx1"/>
+                </a:solidFill>
+                <a:effectLst/>
+                <a:latin typeface="+mn-lt"/>
+                <a:ea typeface="+mn-ea"/>
+                <a:cs typeface="+mn-cs"/>
+              </a:rPr>
+              <a:t>(string input)</a:t>
+            </a:r>
+            <a:r>
+              <a:rPr lang="ru-RU" sz="1200" b="0" i="0" kern="1200" dirty="0" smtClean="0">
+                <a:solidFill>
+                  <a:schemeClr val="tx1"/>
+                </a:solidFill>
+                <a:effectLst/>
+                <a:latin typeface="+mn-lt"/>
+                <a:ea typeface="+mn-ea"/>
+                <a:cs typeface="+mn-cs"/>
+              </a:rPr>
+              <a:t> возвращает </a:t>
+            </a:r>
+            <a:r>
+              <a:rPr lang="en-US" sz="1200" b="0" i="0" kern="1200" dirty="0" smtClean="0">
+                <a:solidFill>
+                  <a:schemeClr val="tx1"/>
+                </a:solidFill>
+                <a:effectLst/>
+                <a:latin typeface="+mn-lt"/>
+                <a:ea typeface="+mn-ea"/>
+                <a:cs typeface="+mn-cs"/>
+              </a:rPr>
+              <a:t>double</a:t>
+            </a:r>
+            <a:r>
+              <a:rPr lang="ru-RU" sz="1200" b="0" i="0" kern="1200" dirty="0" smtClean="0">
+                <a:solidFill>
+                  <a:schemeClr val="tx1"/>
+                </a:solidFill>
+                <a:effectLst/>
+                <a:latin typeface="+mn-lt"/>
+                <a:ea typeface="+mn-ea"/>
+                <a:cs typeface="+mn-cs"/>
+              </a:rPr>
+              <a:t>,</a:t>
+            </a:r>
+            <a:r>
+              <a:rPr lang="ru-RU" sz="1200" b="0" i="0" kern="1200" baseline="0" dirty="0" smtClean="0">
+                <a:solidFill>
+                  <a:schemeClr val="tx1"/>
+                </a:solidFill>
+                <a:effectLst/>
+                <a:latin typeface="+mn-lt"/>
+                <a:ea typeface="+mn-ea"/>
+                <a:cs typeface="+mn-cs"/>
+              </a:rPr>
+              <a:t> а не </a:t>
+            </a:r>
+            <a:r>
+              <a:rPr lang="en-US" sz="1200" b="0" i="0" kern="1200" baseline="0" dirty="0" smtClean="0">
+                <a:solidFill>
+                  <a:schemeClr val="tx1"/>
+                </a:solidFill>
+                <a:effectLst/>
+                <a:latin typeface="+mn-lt"/>
+                <a:ea typeface="+mn-ea"/>
+                <a:cs typeface="+mn-cs"/>
+              </a:rPr>
+              <a:t>void)</a:t>
+            </a:r>
+            <a:endParaRPr lang="ru-RU" sz="1200" b="0" i="0" kern="1200" baseline="0" dirty="0" smtClean="0">
+              <a:solidFill>
+                <a:schemeClr val="tx1"/>
+              </a:solidFill>
+              <a:effectLst/>
+              <a:latin typeface="+mn-lt"/>
+              <a:ea typeface="+mn-ea"/>
+              <a:cs typeface="+mn-cs"/>
+            </a:endParaRPr>
+          </a:p>
+          <a:p>
+            <a:pPr marL="171450" marR="0" lvl="0" indent="-171450" algn="l" defTabSz="914400" rtl="0" eaLnBrk="1" fontAlgn="auto" latinLnBrk="0" hangingPunct="1">
+              <a:lnSpc>
+                <a:spcPct val="100000"/>
+              </a:lnSpc>
+              <a:spcBef>
+                <a:spcPts val="0"/>
+              </a:spcBef>
+              <a:spcAft>
+                <a:spcPts val="0"/>
+              </a:spcAft>
+              <a:buClrTx/>
+              <a:buSzTx/>
+              <a:buFont typeface="Arial" panose="020B0604020202020204" pitchFamily="34" charset="0"/>
+              <a:buChar char="•"/>
+              <a:tabLst/>
+              <a:defRPr/>
+            </a:pPr>
+            <a:endParaRPr lang="ru-RU" sz="1200" b="0" i="0" kern="1200" baseline="0" dirty="0" smtClean="0">
+              <a:solidFill>
+                <a:schemeClr val="tx1"/>
+              </a:solidFill>
+              <a:effectLst/>
+              <a:latin typeface="+mn-lt"/>
+              <a:ea typeface="+mn-ea"/>
+              <a:cs typeface="+mn-cs"/>
+            </a:endParaRPr>
+          </a:p>
+          <a:p>
+            <a:pPr marL="0" marR="0" lvl="0" indent="0" algn="l" defTabSz="914400" rtl="0" eaLnBrk="1" fontAlgn="auto" latinLnBrk="0" hangingPunct="1">
+              <a:lnSpc>
+                <a:spcPct val="100000"/>
+              </a:lnSpc>
+              <a:spcBef>
+                <a:spcPts val="0"/>
+              </a:spcBef>
+              <a:spcAft>
+                <a:spcPts val="0"/>
+              </a:spcAft>
+              <a:buClrTx/>
+              <a:buSzTx/>
+              <a:buFont typeface="Arial" panose="020B0604020202020204" pitchFamily="34" charset="0"/>
+              <a:buNone/>
+              <a:tabLst/>
+              <a:defRPr/>
+            </a:pPr>
+            <a:r>
+              <a:rPr lang="ru-RU" baseline="0" dirty="0" smtClean="0"/>
+              <a:t>В </a:t>
+            </a:r>
+            <a:r>
+              <a:rPr lang="en-US" baseline="0" dirty="0" err="1" smtClean="0"/>
+              <a:t>TestaCase</a:t>
+            </a:r>
+            <a:r>
+              <a:rPr lang="en-US" baseline="0" dirty="0" smtClean="0"/>
+              <a:t> </a:t>
+            </a:r>
+            <a:r>
+              <a:rPr lang="ru-RU" baseline="0" dirty="0" smtClean="0"/>
+              <a:t>в качестве параметров можно указать</a:t>
+            </a:r>
+            <a:r>
+              <a:rPr lang="en-US" baseline="0" dirty="0" smtClean="0"/>
+              <a:t> </a:t>
+            </a:r>
+            <a:r>
+              <a:rPr lang="ru-RU" baseline="0" dirty="0" smtClean="0"/>
+              <a:t>только типы, поддерживаемые </a:t>
+            </a:r>
+            <a:r>
+              <a:rPr lang="en-US" baseline="0" dirty="0" smtClean="0"/>
+              <a:t>CLR:</a:t>
+            </a:r>
+          </a:p>
+          <a:p>
+            <a:pPr marL="171450" marR="0" lvl="0" indent="-171450" algn="l" defTabSz="914400" rtl="0" eaLnBrk="1" fontAlgn="auto" latinLnBrk="0" hangingPunct="1">
+              <a:lnSpc>
+                <a:spcPct val="100000"/>
+              </a:lnSpc>
+              <a:spcBef>
+                <a:spcPts val="0"/>
+              </a:spcBef>
+              <a:spcAft>
+                <a:spcPts val="0"/>
+              </a:spcAft>
+              <a:buClrTx/>
+              <a:buSzTx/>
+              <a:buFontTx/>
+              <a:buChar char="-"/>
+              <a:tabLst/>
+              <a:defRPr/>
+            </a:pPr>
+            <a:r>
+              <a:rPr lang="ru-RU" baseline="0" dirty="0" smtClean="0"/>
+              <a:t>константы,</a:t>
+            </a:r>
+          </a:p>
+          <a:p>
+            <a:pPr marL="171450" marR="0" lvl="0" indent="-171450" algn="l" defTabSz="914400" rtl="0" eaLnBrk="1" fontAlgn="auto" latinLnBrk="0" hangingPunct="1">
+              <a:lnSpc>
+                <a:spcPct val="100000"/>
+              </a:lnSpc>
+              <a:spcBef>
+                <a:spcPts val="0"/>
+              </a:spcBef>
+              <a:spcAft>
+                <a:spcPts val="0"/>
+              </a:spcAft>
+              <a:buClrTx/>
+              <a:buSzTx/>
+              <a:buFontTx/>
+              <a:buChar char="-"/>
+              <a:tabLst/>
+              <a:defRPr/>
+            </a:pPr>
+            <a:r>
+              <a:rPr lang="ru-RU" dirty="0" smtClean="0"/>
+              <a:t>системные</a:t>
+            </a:r>
+            <a:r>
+              <a:rPr lang="ru-RU" baseline="0" dirty="0" smtClean="0"/>
+              <a:t> типы,</a:t>
+            </a:r>
+          </a:p>
+          <a:p>
+            <a:pPr marL="171450" marR="0" lvl="0" indent="-171450" algn="l" defTabSz="914400" rtl="0" eaLnBrk="1" fontAlgn="auto" latinLnBrk="0" hangingPunct="1">
+              <a:lnSpc>
+                <a:spcPct val="100000"/>
+              </a:lnSpc>
+              <a:spcBef>
+                <a:spcPts val="0"/>
+              </a:spcBef>
+              <a:spcAft>
+                <a:spcPts val="0"/>
+              </a:spcAft>
+              <a:buClrTx/>
+              <a:buSzTx/>
+              <a:buFontTx/>
+              <a:buChar char="-"/>
+              <a:tabLst/>
+              <a:defRPr/>
+            </a:pPr>
+            <a:r>
+              <a:rPr lang="ru-RU" baseline="0" dirty="0" smtClean="0"/>
+              <a:t>одноразмерный массив, содержащий константы и системные типы</a:t>
+            </a:r>
+            <a:endParaRPr lang="en-US" dirty="0" smtClean="0"/>
+          </a:p>
+          <a:p>
+            <a:pPr marL="0" marR="0" lvl="0" indent="0" algn="l" defTabSz="914400" rtl="0" eaLnBrk="1" fontAlgn="auto" latinLnBrk="0" hangingPunct="1">
+              <a:lnSpc>
+                <a:spcPct val="100000"/>
+              </a:lnSpc>
+              <a:spcBef>
+                <a:spcPts val="0"/>
+              </a:spcBef>
+              <a:spcAft>
+                <a:spcPts val="0"/>
+              </a:spcAft>
+              <a:buClrTx/>
+              <a:buSzTx/>
+              <a:buFont typeface="Arial" panose="020B0604020202020204" pitchFamily="34" charset="0"/>
+              <a:buNone/>
+              <a:tabLst/>
+              <a:defRPr/>
+            </a:pPr>
             <a:endParaRPr lang="ru-RU" baseline="0" dirty="0" smtClean="0"/>
           </a:p>
         </p:txBody>
@@ -8759,7 +8827,7 @@
           <a:p>
             <a:fld id="{3BAECB10-9972-4830-A584-02C41DAFD45B}" type="slidenum">
               <a:rPr lang="ru-RU" smtClean="0"/>
-              <a:t>17</a:t>
+              <a:t>15</a:t>
             </a:fld>
             <a:endParaRPr lang="ru-RU"/>
           </a:p>
@@ -8768,7 +8836,7 @@
     </p:spTree>
     <p:extLst>
       <p:ext uri="{BB962C8B-B14F-4D97-AF65-F5344CB8AC3E}">
-        <p14:creationId xmlns:p14="http://schemas.microsoft.com/office/powerpoint/2010/main" val="3869741923"/>
+        <p14:creationId xmlns:p14="http://schemas.microsoft.com/office/powerpoint/2010/main" val="3407484980"/>
       </p:ext>
     </p:extLst>
   </p:cSld>
@@ -8824,23 +8892,21 @@
           <a:p>
             <a:r>
               <a:rPr lang="ru-RU" dirty="0" smtClean="0"/>
-              <a:t>Обратите внимание,</a:t>
+              <a:t>Вот вы</a:t>
             </a:r>
             <a:r>
               <a:rPr lang="ru-RU" baseline="0" dirty="0" smtClean="0"/>
-              <a:t> что в тесте можно вернуть не только </a:t>
-            </a:r>
-            <a:r>
-              <a:rPr lang="en-US" baseline="0" dirty="0" smtClean="0"/>
-              <a:t>void</a:t>
-            </a:r>
+              <a:t> видите такой тест.</a:t>
+            </a:r>
+          </a:p>
+          <a:p>
             <a:r>
               <a:rPr lang="ru-RU" baseline="0" dirty="0" smtClean="0"/>
-              <a:t>.</a:t>
-            </a:r>
-          </a:p>
-          <a:p>
-            <a:endParaRPr lang="ru-RU" dirty="0"/>
+              <a:t>Как его можно улучшить?</a:t>
+            </a:r>
+          </a:p>
+          <a:p>
+            <a:endParaRPr lang="ru-RU" baseline="0" dirty="0" smtClean="0"/>
           </a:p>
         </p:txBody>
       </p:sp>
@@ -8861,7 +8927,7 @@
           <a:p>
             <a:fld id="{3BAECB10-9972-4830-A584-02C41DAFD45B}" type="slidenum">
               <a:rPr lang="ru-RU" smtClean="0"/>
-              <a:t>18</a:t>
+              <a:t>17</a:t>
             </a:fld>
             <a:endParaRPr lang="ru-RU"/>
           </a:p>
@@ -8870,7 +8936,7 @@
     </p:spTree>
     <p:extLst>
       <p:ext uri="{BB962C8B-B14F-4D97-AF65-F5344CB8AC3E}">
-        <p14:creationId xmlns:p14="http://schemas.microsoft.com/office/powerpoint/2010/main" val="1233168358"/>
+        <p14:creationId xmlns:p14="http://schemas.microsoft.com/office/powerpoint/2010/main" val="3869741923"/>
       </p:ext>
     </p:extLst>
   </p:cSld>
@@ -8926,52 +8992,23 @@
           <a:p>
             <a:r>
               <a:rPr lang="ru-RU" dirty="0" smtClean="0"/>
-              <a:t>Также</a:t>
+              <a:t>Обратите внимание,</a:t>
             </a:r>
             <a:r>
               <a:rPr lang="ru-RU" baseline="0" dirty="0" smtClean="0"/>
-              <a:t> можно ожидать </a:t>
+              <a:t> что в тесте можно вернуть не только </a:t>
             </a:r>
             <a:r>
               <a:rPr lang="en-US" baseline="0" dirty="0" smtClean="0"/>
-              <a:t>Exception’</a:t>
-            </a:r>
-            <a:r>
-              <a:rPr lang="ru-RU" baseline="0" dirty="0" smtClean="0"/>
-              <a:t>ы. Да ещё и сообщение проверить</a:t>
+              <a:t>void</a:t>
             </a:r>
             <a:r>
               <a:rPr lang="ru-RU" baseline="0" dirty="0" smtClean="0"/>
               <a:t>.</a:t>
             </a:r>
-            <a:r>
-              <a:rPr lang="en-US" baseline="0" dirty="0" smtClean="0"/>
-              <a:t> </a:t>
-            </a:r>
-            <a:r>
-              <a:rPr lang="ru-RU" baseline="0" dirty="0" smtClean="0"/>
-              <a:t>Это </a:t>
-            </a:r>
-            <a:r>
-              <a:rPr lang="en-US" baseline="0" dirty="0" err="1" smtClean="0"/>
-              <a:t>nUnit</a:t>
-            </a:r>
-            <a:r>
-              <a:rPr lang="en-US" baseline="0" dirty="0" smtClean="0"/>
-              <a:t> 2.x</a:t>
-            </a:r>
-            <a:r>
-              <a:rPr lang="ru-RU" baseline="0" dirty="0" smtClean="0"/>
-              <a:t>. В </a:t>
-            </a:r>
-            <a:r>
-              <a:rPr lang="en-US" baseline="0" dirty="0" smtClean="0"/>
-              <a:t>nUnit3 </a:t>
-            </a:r>
-            <a:r>
-              <a:rPr lang="ru-RU" baseline="0" dirty="0" smtClean="0"/>
-              <a:t>немного другой синтаксис.</a:t>
-            </a:r>
+          </a:p>
+          <a:p>
+            <a:endParaRPr lang="ru-RU" dirty="0"/>
           </a:p>
         </p:txBody>
       </p:sp>
@@ -8992,7 +9029,7 @@
           <a:p>
             <a:fld id="{3BAECB10-9972-4830-A584-02C41DAFD45B}" type="slidenum">
               <a:rPr lang="ru-RU" smtClean="0"/>
-              <a:t>19</a:t>
+              <a:t>18</a:t>
             </a:fld>
             <a:endParaRPr lang="ru-RU"/>
           </a:p>
@@ -9001,7 +9038,7 @@
     </p:spTree>
     <p:extLst>
       <p:ext uri="{BB962C8B-B14F-4D97-AF65-F5344CB8AC3E}">
-        <p14:creationId xmlns:p14="http://schemas.microsoft.com/office/powerpoint/2010/main" val="1389233277"/>
+        <p14:creationId xmlns:p14="http://schemas.microsoft.com/office/powerpoint/2010/main" val="1233168358"/>
       </p:ext>
     </p:extLst>
   </p:cSld>
@@ -9055,38 +9092,21 @@
           <a:bodyPr/>
           <a:lstStyle/>
           <a:p>
-            <a:pPr marL="0" marR="0" lvl="0" indent="0" algn="l" defTabSz="914400" rtl="0" eaLnBrk="1" fontAlgn="auto" latinLnBrk="0" hangingPunct="1">
-              <a:lnSpc>
-                <a:spcPct val="100000"/>
-              </a:lnSpc>
-              <a:spcBef>
-                <a:spcPts val="0"/>
-              </a:spcBef>
-              <a:spcAft>
-                <a:spcPts val="0"/>
-              </a:spcAft>
-              <a:buClrTx/>
-              <a:buSzTx/>
-              <a:buFontTx/>
-              <a:buNone/>
-              <a:tabLst/>
-              <a:defRPr/>
-            </a:pPr>
-            <a:r>
-              <a:rPr lang="en-US" dirty="0" err="1" smtClean="0"/>
-              <a:t>NUnit</a:t>
+            <a:r>
+              <a:rPr lang="ru-RU" dirty="0" smtClean="0"/>
+              <a:t>Также</a:t>
             </a:r>
             <a:r>
               <a:rPr lang="ru-RU" baseline="0" dirty="0" smtClean="0"/>
-              <a:t> умеет много всего интересного. Просмотрите хотя бы один раз его документацию на </a:t>
+              <a:t> можно ожидать </a:t>
             </a:r>
             <a:r>
               <a:rPr lang="en-US" baseline="0" dirty="0" smtClean="0"/>
-              <a:t>nunit.org</a:t>
+              <a:t>Exception’</a:t>
             </a:r>
             <a:r>
               <a:rPr lang="ru-RU" baseline="0" dirty="0" smtClean="0"/>
-              <a:t>.</a:t>
+              <a:t>ы. Да ещё и сообщение проверить.</a:t>
             </a:r>
             <a:r>
               <a:rPr lang="en-US" baseline="0" dirty="0" smtClean="0"/>
@@ -9094,89 +9114,28 @@
             </a:r>
             <a:r>
               <a:rPr lang="ru-RU" baseline="0" dirty="0" smtClean="0"/>
-              <a:t>Вот пример того, что можно там найти.</a:t>
-            </a:r>
-            <a:endParaRPr lang="ru-RU" dirty="0" smtClean="0"/>
-          </a:p>
-          <a:p>
-            <a:endParaRPr lang="ru-RU" dirty="0" smtClean="0"/>
-          </a:p>
-          <a:p>
-            <a:r>
-              <a:rPr lang="en-US" dirty="0" smtClean="0"/>
-              <a:t>[Timeout]</a:t>
-            </a:r>
-            <a:endParaRPr lang="ru-RU" dirty="0" smtClean="0"/>
-          </a:p>
-          <a:p>
-            <a:r>
-              <a:rPr lang="ru-RU" dirty="0" smtClean="0"/>
-              <a:t>- : Достаточно</a:t>
+              <a:t>Это </a:t>
+            </a:r>
+            <a:r>
+              <a:rPr lang="en-US" baseline="0" dirty="0" err="1" smtClean="0"/>
+              <a:t>nUnit</a:t>
+            </a:r>
+            <a:r>
+              <a:rPr lang="en-US" baseline="0" dirty="0" smtClean="0"/>
+              <a:t> 2.x</a:t>
             </a:r>
             <a:r>
               <a:rPr lang="ru-RU" baseline="0" dirty="0" smtClean="0"/>
-              <a:t> грубая проверка производительности. Полноценная проверка производительности – это большая отдельная тема.</a:t>
-            </a:r>
-          </a:p>
-          <a:p>
+              <a:t>. В </a:t>
+            </a:r>
+            <a:r>
+              <a:rPr lang="en-US" baseline="0" dirty="0" smtClean="0"/>
+              <a:t>nUnit3 </a:t>
+            </a:r>
             <a:r>
               <a:rPr lang="ru-RU" baseline="0" dirty="0" smtClean="0"/>
-              <a:t>+ : Помогает обнаружить изъяны в реализации.</a:t>
-            </a:r>
-          </a:p>
-          <a:p>
-            <a:endParaRPr lang="ru-RU" baseline="0" dirty="0" smtClean="0"/>
-          </a:p>
-          <a:p>
-            <a:r>
-              <a:rPr lang="ru-RU" baseline="0" dirty="0" smtClean="0"/>
-              <a:t>Как пользоваться </a:t>
-            </a:r>
-            <a:r>
-              <a:rPr lang="en-US" baseline="0" dirty="0" smtClean="0"/>
-              <a:t>Timeout’</a:t>
-            </a:r>
-            <a:r>
-              <a:rPr lang="ru-RU" baseline="0" dirty="0" smtClean="0"/>
-              <a:t>ом? Какое значение в </a:t>
-            </a:r>
-            <a:r>
-              <a:rPr lang="ru-RU" baseline="0" dirty="0" err="1" smtClean="0"/>
-              <a:t>мс</a:t>
-            </a:r>
-            <a:r>
-              <a:rPr lang="ru-RU" baseline="0" dirty="0" smtClean="0"/>
-              <a:t> адекватное?</a:t>
-            </a:r>
-          </a:p>
-          <a:p>
-            <a:r>
-              <a:rPr lang="ru-RU" baseline="0" dirty="0" smtClean="0"/>
-              <a:t>Что он должен ловить?</a:t>
-            </a:r>
-          </a:p>
-          <a:p>
-            <a:r>
-              <a:rPr lang="en-US" baseline="0" dirty="0" smtClean="0"/>
-              <a:t>O(n)</a:t>
-            </a:r>
-          </a:p>
-          <a:p>
-            <a:r>
-              <a:rPr lang="en-US" baseline="0" dirty="0" smtClean="0"/>
-              <a:t>O(n^2)</a:t>
-            </a:r>
-            <a:r>
-              <a:rPr lang="ru-RU" baseline="0" dirty="0" smtClean="0"/>
-              <a:t> и прочее.</a:t>
-            </a:r>
-            <a:endParaRPr lang="en-US" baseline="0" dirty="0" smtClean="0"/>
-          </a:p>
-          <a:p>
-            <a:endParaRPr lang="ru-RU" baseline="0" dirty="0" smtClean="0"/>
-          </a:p>
-          <a:p>
-            <a:endParaRPr lang="ru-RU" dirty="0"/>
+              <a:t>немного другой синтаксис.</a:t>
+            </a:r>
           </a:p>
         </p:txBody>
       </p:sp>
@@ -9197,7 +9156,7 @@
           <a:p>
             <a:fld id="{3BAECB10-9972-4830-A584-02C41DAFD45B}" type="slidenum">
               <a:rPr lang="ru-RU" smtClean="0"/>
-              <a:t>20</a:t>
+              <a:t>19</a:t>
             </a:fld>
             <a:endParaRPr lang="ru-RU"/>
           </a:p>
@@ -9206,7 +9165,7 @@
     </p:spTree>
     <p:extLst>
       <p:ext uri="{BB962C8B-B14F-4D97-AF65-F5344CB8AC3E}">
-        <p14:creationId xmlns:p14="http://schemas.microsoft.com/office/powerpoint/2010/main" val="2929866659"/>
+        <p14:creationId xmlns:p14="http://schemas.microsoft.com/office/powerpoint/2010/main" val="1389233277"/>
       </p:ext>
     </p:extLst>
   </p:cSld>
@@ -9260,27 +9219,73 @@
           <a:bodyPr/>
           <a:lstStyle/>
           <a:p>
-            <a:r>
-              <a:rPr lang="ru-RU" dirty="0" smtClean="0"/>
-              <a:t>Неочевидный</a:t>
+            <a:pPr marL="0" marR="0" lvl="0" indent="0" algn="l" defTabSz="914400" rtl="0" eaLnBrk="1" fontAlgn="auto" latinLnBrk="0" hangingPunct="1">
+              <a:lnSpc>
+                <a:spcPct val="100000"/>
+              </a:lnSpc>
+              <a:spcBef>
+                <a:spcPts val="0"/>
+              </a:spcBef>
+              <a:spcAft>
+                <a:spcPts val="0"/>
+              </a:spcAft>
+              <a:buClrTx/>
+              <a:buSzTx/>
+              <a:buFontTx/>
+              <a:buNone/>
+              <a:tabLst/>
+              <a:defRPr/>
+            </a:pPr>
+            <a:r>
+              <a:rPr lang="en-US" dirty="0" err="1" smtClean="0"/>
+              <a:t>NUnit</a:t>
             </a:r>
             <a:r>
               <a:rPr lang="ru-RU" baseline="0" dirty="0" smtClean="0"/>
-              <a:t> синтаксис у </a:t>
+              <a:t> умеет много всего интересного. Просмотрите хотя бы один раз его документацию на </a:t>
             </a:r>
             <a:r>
               <a:rPr lang="en-US" baseline="0" dirty="0" smtClean="0"/>
-              <a:t>Assert</a:t>
+              <a:t>nunit.org</a:t>
             </a:r>
             <a:r>
               <a:rPr lang="ru-RU" baseline="0" dirty="0" smtClean="0"/>
               <a:t>.</a:t>
             </a:r>
-          </a:p>
-          <a:p>
+            <a:r>
+              <a:rPr lang="en-US" baseline="0" dirty="0" smtClean="0"/>
+              <a:t> </a:t>
+            </a:r>
             <a:r>
               <a:rPr lang="ru-RU" baseline="0" dirty="0" smtClean="0"/>
-              <a:t>Что должно быть сначала, а что в конце?</a:t>
+              <a:t>Вот пример того, что можно там найти.</a:t>
+            </a:r>
+            <a:endParaRPr lang="ru-RU" dirty="0" smtClean="0"/>
+          </a:p>
+          <a:p>
+            <a:endParaRPr lang="ru-RU" dirty="0" smtClean="0"/>
+          </a:p>
+          <a:p>
+            <a:r>
+              <a:rPr lang="en-US" dirty="0" smtClean="0"/>
+              <a:t>[Timeout]</a:t>
+            </a:r>
+            <a:endParaRPr lang="ru-RU" dirty="0" smtClean="0"/>
+          </a:p>
+          <a:p>
+            <a:r>
+              <a:rPr lang="ru-RU" dirty="0" smtClean="0"/>
+              <a:t>- : Достаточно</a:t>
+            </a:r>
+            <a:r>
+              <a:rPr lang="ru-RU" baseline="0" dirty="0" smtClean="0"/>
+              <a:t> грубая проверка производительности. Полноценная проверка производительности – это большая отдельная тема.</a:t>
+            </a:r>
+          </a:p>
+          <a:p>
+            <a:r>
+              <a:rPr lang="ru-RU" baseline="0" dirty="0" smtClean="0"/>
+              <a:t>+ : Помогает обнаружить изъяны в реализации.</a:t>
             </a:r>
           </a:p>
           <a:p>
@@ -9289,46 +9294,53 @@
           <a:p>
             <a:r>
               <a:rPr lang="ru-RU" baseline="0" dirty="0" smtClean="0"/>
-              <a:t>Если перепутать местами </a:t>
+              <a:t>Как пользоваться </a:t>
             </a:r>
             <a:r>
               <a:rPr lang="en-US" baseline="0" dirty="0" smtClean="0"/>
-              <a:t>actual </a:t>
+              <a:t>Timeout’</a:t>
             </a:r>
             <a:r>
               <a:rPr lang="ru-RU" baseline="0" dirty="0" smtClean="0"/>
-              <a:t>и </a:t>
-            </a:r>
+              <a:t>ом? Какое значение в </a:t>
+            </a:r>
+            <a:r>
+              <a:rPr lang="ru-RU" baseline="0" dirty="0" err="1" smtClean="0"/>
+              <a:t>мс</a:t>
+            </a:r>
+            <a:r>
+              <a:rPr lang="ru-RU" baseline="0" dirty="0" smtClean="0"/>
+              <a:t> адекватное?</a:t>
+            </a:r>
+          </a:p>
+          <a:p>
+            <a:r>
+              <a:rPr lang="ru-RU" baseline="0" dirty="0" smtClean="0"/>
+              <a:t>Что он должен ловить?</a:t>
+            </a:r>
+          </a:p>
+          <a:p>
             <a:r>
               <a:rPr lang="en-US" baseline="0" dirty="0" smtClean="0"/>
-              <a:t>expected, </a:t>
+              <a:t>O(n)</a:t>
+            </a:r>
+          </a:p>
+          <a:p>
+            <a:r>
+              <a:rPr lang="en-US" baseline="0" dirty="0" smtClean="0"/>
+              <a:t>O(n^2)</a:t>
             </a:r>
             <a:r>
               <a:rPr lang="ru-RU" baseline="0" dirty="0" smtClean="0"/>
-              <a:t>то при срабатывании теста </a:t>
-            </a:r>
-            <a:r>
-              <a:rPr lang="en-US" baseline="0" dirty="0" smtClean="0"/>
-              <a:t>output </a:t>
-            </a:r>
-            <a:r>
-              <a:rPr lang="ru-RU" baseline="0" dirty="0" smtClean="0"/>
-              <a:t>будет не ясен.</a:t>
-            </a:r>
-          </a:p>
-          <a:p>
-            <a:r>
-              <a:rPr lang="ru-RU" baseline="0" dirty="0" smtClean="0"/>
-              <a:t>«</a:t>
-            </a:r>
-            <a:r>
-              <a:rPr lang="ru-RU" baseline="0" dirty="0" err="1" smtClean="0"/>
-              <a:t>эээээ</a:t>
-            </a:r>
-            <a:r>
-              <a:rPr lang="ru-RU" baseline="0" dirty="0" smtClean="0"/>
-              <a:t>…Я же так и написал, чего он ругается?»</a:t>
-            </a:r>
+              <a:t> и прочее.</a:t>
+            </a:r>
+            <a:endParaRPr lang="en-US" baseline="0" dirty="0" smtClean="0"/>
+          </a:p>
+          <a:p>
+            <a:endParaRPr lang="ru-RU" baseline="0" dirty="0" smtClean="0"/>
+          </a:p>
+          <a:p>
+            <a:endParaRPr lang="ru-RU" dirty="0"/>
           </a:p>
         </p:txBody>
       </p:sp>
@@ -9349,7 +9361,7 @@
           <a:p>
             <a:fld id="{3BAECB10-9972-4830-A584-02C41DAFD45B}" type="slidenum">
               <a:rPr lang="ru-RU" smtClean="0"/>
-              <a:t>21</a:t>
+              <a:t>20</a:t>
             </a:fld>
             <a:endParaRPr lang="ru-RU"/>
           </a:p>
@@ -9358,7 +9370,7 @@
     </p:spTree>
     <p:extLst>
       <p:ext uri="{BB962C8B-B14F-4D97-AF65-F5344CB8AC3E}">
-        <p14:creationId xmlns:p14="http://schemas.microsoft.com/office/powerpoint/2010/main" val="2355226439"/>
+        <p14:creationId xmlns:p14="http://schemas.microsoft.com/office/powerpoint/2010/main" val="2929866659"/>
       </p:ext>
     </p:extLst>
   </p:cSld>
@@ -9414,31 +9426,8 @@
           <a:p>
             <a:r>
               <a:rPr lang="ru-RU" dirty="0" smtClean="0"/>
-              <a:t>Тесты</a:t>
-            </a:r>
-            <a:r>
-              <a:rPr lang="ru-RU" baseline="0" dirty="0" smtClean="0"/>
-              <a:t> дают доверие к коду, но только если есть доверие к самим тестам</a:t>
-            </a:r>
-          </a:p>
-          <a:p>
-            <a:r>
-              <a:rPr lang="ru-RU" baseline="0" dirty="0" smtClean="0"/>
-              <a:t>Если тест не понятен, то когда он упадёт (выполнит своё предназначение), это проигнорируют, тест закомментируют или и вовсе удалят.</a:t>
-            </a:r>
-          </a:p>
-          <a:p>
-            <a:r>
-              <a:rPr lang="ru-RU" dirty="0" smtClean="0"/>
-              <a:t>Поэтому</a:t>
-            </a:r>
-            <a:r>
-              <a:rPr lang="ru-RU" baseline="0" dirty="0" smtClean="0"/>
-              <a:t> для тестов критически важно быть читаемыми и понятными.</a:t>
-            </a:r>
-            <a:endParaRPr lang="ru-RU" dirty="0" smtClean="0"/>
-          </a:p>
-          <a:p>
+              <a:t>Кто ты?</a:t>
+            </a:r>
             <a:endParaRPr lang="ru-RU" dirty="0"/>
           </a:p>
         </p:txBody>
@@ -9460,7 +9449,7 @@
           <a:p>
             <a:fld id="{3BAECB10-9972-4830-A584-02C41DAFD45B}" type="slidenum">
               <a:rPr lang="ru-RU" smtClean="0"/>
-              <a:t>3</a:t>
+              <a:t>2</a:t>
             </a:fld>
             <a:endParaRPr lang="ru-RU"/>
           </a:p>
@@ -9469,7 +9458,7 @@
     </p:spTree>
     <p:extLst>
       <p:ext uri="{BB962C8B-B14F-4D97-AF65-F5344CB8AC3E}">
-        <p14:creationId xmlns:p14="http://schemas.microsoft.com/office/powerpoint/2010/main" val="1377505549"/>
+        <p14:creationId xmlns:p14="http://schemas.microsoft.com/office/powerpoint/2010/main" val="277702242"/>
       </p:ext>
     </p:extLst>
   </p:cSld>
@@ -9524,92 +9513,74 @@
           <a:lstStyle/>
           <a:p>
             <a:r>
-              <a:rPr lang="en-US" dirty="0" smtClean="0"/>
-              <a:t>Options</a:t>
+              <a:rPr lang="ru-RU" dirty="0" smtClean="0"/>
+              <a:t>Неочевидный</a:t>
+            </a:r>
+            <a:r>
+              <a:rPr lang="ru-RU" baseline="0" dirty="0" smtClean="0"/>
+              <a:t> синтаксис у </a:t>
             </a:r>
             <a:r>
               <a:rPr lang="en-US" baseline="0" dirty="0" smtClean="0"/>
-              <a:t> </a:t>
+              <a:t>Assert</a:t>
             </a:r>
             <a:r>
               <a:rPr lang="ru-RU" baseline="0" dirty="0" smtClean="0"/>
-              <a:t>лучше читается, но можно и просто </a:t>
+              <a:t>.</a:t>
+            </a:r>
+          </a:p>
+          <a:p>
+            <a:r>
+              <a:rPr lang="ru-RU" baseline="0" dirty="0" smtClean="0"/>
+              <a:t>Что должно быть сначала, а что в конце?</a:t>
+            </a:r>
+          </a:p>
+          <a:p>
+            <a:endParaRPr lang="ru-RU" baseline="0" dirty="0" smtClean="0"/>
+          </a:p>
+          <a:p>
+            <a:r>
+              <a:rPr lang="ru-RU" baseline="0" dirty="0" smtClean="0"/>
+              <a:t>Если перепутать местами </a:t>
             </a:r>
             <a:r>
               <a:rPr lang="en-US" baseline="0" dirty="0" smtClean="0"/>
-              <a:t>o =&gt; o….</a:t>
-            </a:r>
-          </a:p>
-          <a:p>
-            <a:endParaRPr lang="en-US" baseline="0" dirty="0" smtClean="0"/>
-          </a:p>
-          <a:p>
-            <a:r>
-              <a:rPr lang="en-US" baseline="0" dirty="0" err="1" smtClean="0"/>
-              <a:t>currentSyntax</a:t>
+              <a:t>actual </a:t>
+            </a:r>
+            <a:r>
+              <a:rPr lang="ru-RU" baseline="0" dirty="0" smtClean="0"/>
+              <a:t>и </a:t>
             </a:r>
             <a:r>
               <a:rPr lang="en-US" baseline="0" dirty="0" smtClean="0"/>
-              <a:t> =&gt; </a:t>
-            </a:r>
-          </a:p>
-          <a:p>
-            <a:endParaRPr lang="en-US" baseline="0" dirty="0" smtClean="0"/>
-          </a:p>
-          <a:p>
-            <a:pPr marL="171450" indent="-171450">
-              <a:buFont typeface="Arial" panose="020B0604020202020204" pitchFamily="34" charset="0"/>
-              <a:buChar char="•"/>
-            </a:pPr>
-            <a:r>
-              <a:rPr lang="en-US" dirty="0" smtClean="0"/>
-              <a:t>new[] {1,2,3}.</a:t>
-            </a:r>
-            <a:r>
-              <a:rPr lang="en-US" dirty="0" err="1" smtClean="0"/>
-              <a:t>ShouldBeEquivalentTo</a:t>
-            </a:r>
-            <a:r>
-              <a:rPr lang="en-US" dirty="0" smtClean="0"/>
-              <a:t>(new [] {3,2,1});</a:t>
-            </a:r>
-          </a:p>
-          <a:p>
-            <a:pPr marL="171450" indent="-171450">
-              <a:buFont typeface="Arial" panose="020B0604020202020204" pitchFamily="34" charset="0"/>
-              <a:buChar char="•"/>
-            </a:pPr>
-            <a:r>
-              <a:rPr lang="en-US" dirty="0" smtClean="0"/>
-              <a:t>new[] {1,2,3}.</a:t>
-            </a:r>
-            <a:r>
-              <a:rPr lang="en-US" dirty="0" err="1" smtClean="0"/>
-              <a:t>ShouldAllBeEquivalentTo</a:t>
-            </a:r>
-            <a:r>
-              <a:rPr lang="en-US" dirty="0" smtClean="0"/>
-              <a:t>(new [] {1,2,3}, options =&gt; options</a:t>
-            </a:r>
-          </a:p>
-          <a:p>
-            <a:pPr marL="457200" lvl="1" indent="0">
-              <a:buFont typeface="Arial" panose="020B0604020202020204" pitchFamily="34" charset="0"/>
-              <a:buNone/>
-            </a:pPr>
-            <a:r>
-              <a:rPr lang="en-US" dirty="0" smtClean="0"/>
-              <a:t>.</a:t>
-            </a:r>
-            <a:r>
-              <a:rPr lang="en-US" dirty="0" err="1" smtClean="0"/>
-              <a:t>WithStrictOrdering</a:t>
-            </a:r>
-            <a:r>
-              <a:rPr lang="en-US" dirty="0" smtClean="0"/>
-              <a:t>());</a:t>
-            </a:r>
-            <a:endParaRPr lang="ru-RU" baseline="0" dirty="0" smtClean="0"/>
+              <a:t>expected, </a:t>
+            </a:r>
+            <a:r>
+              <a:rPr lang="ru-RU" baseline="0" dirty="0" smtClean="0"/>
+              <a:t>то при срабатывании теста </a:t>
+            </a:r>
+            <a:r>
+              <a:rPr lang="en-US" baseline="0" dirty="0" smtClean="0"/>
+              <a:t>output </a:t>
+            </a:r>
+            <a:r>
+              <a:rPr lang="ru-RU" baseline="0" dirty="0" smtClean="0"/>
+              <a:t>будет не ясен.</a:t>
+            </a:r>
+          </a:p>
+          <a:p>
+            <a:r>
+              <a:rPr lang="ru-RU" baseline="0" dirty="0" smtClean="0"/>
+              <a:t>«</a:t>
+            </a:r>
+            <a:r>
+              <a:rPr lang="ru-RU" baseline="0" dirty="0" err="1" smtClean="0"/>
+              <a:t>эээээ</a:t>
+            </a:r>
+            <a:r>
+              <a:rPr lang="ru-RU" baseline="0" dirty="0" smtClean="0"/>
+              <a:t>…Я же так и написал, чего он ругается?»</a:t>
+            </a:r>
           </a:p>
         </p:txBody>
       </p:sp>
@@ -9630,7 +9601,7 @@
           <a:p>
             <a:fld id="{3BAECB10-9972-4830-A584-02C41DAFD45B}" type="slidenum">
               <a:rPr lang="ru-RU" smtClean="0"/>
-              <a:t>22</a:t>
+              <a:t>21</a:t>
             </a:fld>
             <a:endParaRPr lang="ru-RU"/>
           </a:p>
@@ -9639,7 +9610,7 @@
     </p:spTree>
     <p:extLst>
       <p:ext uri="{BB962C8B-B14F-4D97-AF65-F5344CB8AC3E}">
-        <p14:creationId xmlns:p14="http://schemas.microsoft.com/office/powerpoint/2010/main" val="308928937"/>
+        <p14:creationId xmlns:p14="http://schemas.microsoft.com/office/powerpoint/2010/main" val="2355226439"/>
       </p:ext>
     </p:extLst>
   </p:cSld>
@@ -9694,26 +9665,92 @@
           <a:lstStyle/>
           <a:p>
             <a:r>
+              <a:rPr lang="en-US" dirty="0" smtClean="0"/>
+              <a:t>Options</a:t>
+            </a:r>
+            <a:r>
+              <a:rPr lang="en-US" baseline="0" dirty="0" smtClean="0"/>
+              <a:t> </a:t>
+            </a:r>
+            <a:r>
+              <a:rPr lang="ru-RU" baseline="0" dirty="0" smtClean="0"/>
+              <a:t>лучше читается, но можно и просто </a:t>
+            </a:r>
+            <a:r>
+              <a:rPr lang="en-US" baseline="0" dirty="0" smtClean="0"/>
+              <a:t>o =&gt; o….</a:t>
+            </a:r>
+          </a:p>
+          <a:p>
+            <a:endParaRPr lang="en-US" baseline="0" dirty="0" smtClean="0"/>
+          </a:p>
+          <a:p>
+            <a:r>
+              <a:rPr lang="en-US" baseline="0" dirty="0" err="1" smtClean="0"/>
+              <a:t>currentSyntax</a:t>
+            </a:r>
+            <a:r>
+              <a:rPr lang="en-US" baseline="0" dirty="0" smtClean="0"/>
+              <a:t> =&gt; </a:t>
+            </a:r>
+          </a:p>
+          <a:p>
+            <a:endParaRPr lang="en-US" baseline="0" dirty="0" smtClean="0"/>
+          </a:p>
+          <a:p>
+            <a:pPr marL="171450" indent="-171450">
+              <a:buFont typeface="Arial" panose="020B0604020202020204" pitchFamily="34" charset="0"/>
+              <a:buChar char="•"/>
+            </a:pPr>
+            <a:r>
+              <a:rPr lang="en-US" dirty="0" smtClean="0"/>
+              <a:t>new[] {1,2,3}.</a:t>
+            </a:r>
+            <a:r>
               <a:rPr lang="en-US" dirty="0" err="1" smtClean="0"/>
-              <a:t>Resharper</a:t>
-            </a:r>
-            <a:r>
-              <a:rPr lang="en-US" baseline="0" dirty="0" smtClean="0"/>
-              <a:t>’</a:t>
-            </a:r>
-            <a:r>
-              <a:rPr lang="ru-RU" baseline="0" dirty="0" smtClean="0"/>
-              <a:t>ом, как и любым инструментом, нужно уметь пользоваться, чтобы работать эффективно.</a:t>
-            </a:r>
-          </a:p>
-          <a:p>
+              <a:t>ShouldBeEquivalentTo</a:t>
+            </a:r>
+            <a:r>
+              <a:rPr lang="en-US" dirty="0" smtClean="0"/>
+              <a:t>(new [] {3,2,1});</a:t>
+            </a:r>
+          </a:p>
+          <a:p>
+            <a:pPr marL="171450" indent="-171450">
+              <a:buFont typeface="Arial" panose="020B0604020202020204" pitchFamily="34" charset="0"/>
+              <a:buChar char="•"/>
+            </a:pPr>
+            <a:r>
+              <a:rPr lang="en-US" dirty="0" smtClean="0"/>
+              <a:t>new[] {1,2,3}.</a:t>
+            </a:r>
+            <a:r>
+              <a:rPr lang="en-US" dirty="0" err="1" smtClean="0"/>
+              <a:t>ShouldAllBeEquivalentTo</a:t>
+            </a:r>
+            <a:r>
+              <a:rPr lang="en-US" dirty="0" smtClean="0"/>
+              <a:t>(new [] {1,2,3}, options =&gt; options</a:t>
+            </a:r>
+          </a:p>
+          <a:p>
+            <a:pPr marL="457200" lvl="1" indent="0">
+              <a:buFont typeface="Arial" panose="020B0604020202020204" pitchFamily="34" charset="0"/>
+              <a:buNone/>
+            </a:pPr>
+            <a:r>
+              <a:rPr lang="en-US" dirty="0" smtClean="0"/>
+              <a:t>.</a:t>
+            </a:r>
+            <a:r>
+              <a:rPr lang="en-US" dirty="0" err="1" smtClean="0"/>
+              <a:t>WithStrictOrdering</a:t>
+            </a:r>
+            <a:r>
+              <a:rPr lang="en-US" dirty="0" smtClean="0"/>
+              <a:t>());</a:t>
+            </a:r>
             <a:endParaRPr lang="ru-RU" baseline="0" dirty="0" smtClean="0"/>
-          </a:p>
-          <a:p>
-            <a:r>
-              <a:rPr lang="ru-RU" baseline="0" dirty="0" smtClean="0"/>
-              <a:t>Открывает, показываем.</a:t>
-            </a:r>
           </a:p>
         </p:txBody>
       </p:sp>
@@ -9734,7 +9771,7 @@
           <a:p>
             <a:fld id="{3BAECB10-9972-4830-A584-02C41DAFD45B}" type="slidenum">
               <a:rPr lang="ru-RU" smtClean="0"/>
-              <a:t>23</a:t>
+              <a:t>22</a:t>
             </a:fld>
             <a:endParaRPr lang="ru-RU"/>
           </a:p>
@@ -9743,7 +9780,7 @@
     </p:spTree>
     <p:extLst>
       <p:ext uri="{BB962C8B-B14F-4D97-AF65-F5344CB8AC3E}">
-        <p14:creationId xmlns:p14="http://schemas.microsoft.com/office/powerpoint/2010/main" val="890883594"/>
+        <p14:creationId xmlns:p14="http://schemas.microsoft.com/office/powerpoint/2010/main" val="308928937"/>
       </p:ext>
     </p:extLst>
   </p:cSld>
@@ -9798,44 +9835,25 @@
           <a:lstStyle/>
           <a:p>
             <a:r>
-              <a:rPr lang="ru-RU" dirty="0"/>
-              <a:t>Мартовский</a:t>
-            </a:r>
-            <a:r>
-              <a:rPr lang="ru-RU" baseline="0" dirty="0"/>
-              <a:t> кролик написал кучу </a:t>
+              <a:rPr lang="en-US" dirty="0" err="1" smtClean="0"/>
+              <a:t>Resharper</a:t>
+            </a:r>
+            <a:r>
+              <a:rPr lang="en-US" baseline="0" dirty="0" smtClean="0"/>
+              <a:t>’</a:t>
             </a:r>
             <a:r>
               <a:rPr lang="ru-RU" baseline="0" dirty="0" smtClean="0"/>
-              <a:t>реализаций</a:t>
-            </a:r>
-            <a:r>
-              <a:rPr lang="ru-RU" baseline="0" dirty="0"/>
-              <a:t>, но не успел написать тесты</a:t>
-            </a:r>
+              <a:t>ом, как и любым инструментом, нужно уметь пользоваться, чтобы работать эффективно.</a:t>
+            </a:r>
+          </a:p>
+          <a:p>
+            <a:endParaRPr lang="ru-RU" baseline="0" dirty="0" smtClean="0"/>
+          </a:p>
+          <a:p>
             <a:r>
               <a:rPr lang="ru-RU" baseline="0" dirty="0" smtClean="0"/>
-              <a:t>…</a:t>
-            </a:r>
-          </a:p>
-          <a:p>
-            <a:r>
-              <a:rPr lang="ru-RU" baseline="0" dirty="0" smtClean="0"/>
-              <a:t>Итак, на первую часть даётся час, потому полчаса на </a:t>
-            </a:r>
-            <a:r>
-              <a:rPr lang="en-US" baseline="0" dirty="0" smtClean="0"/>
-              <a:t>do not open</a:t>
-            </a:r>
-            <a:r>
-              <a:rPr lang="ru-RU" baseline="0" dirty="0" smtClean="0"/>
-              <a:t>.</a:t>
-            </a:r>
-          </a:p>
-          <a:p>
-            <a:r>
-              <a:rPr lang="ru-RU" baseline="0" dirty="0" smtClean="0"/>
-              <a:t>И ещё полчаса на разбор и решение.</a:t>
+              <a:t>Открывает, показываем.</a:t>
             </a:r>
           </a:p>
         </p:txBody>
@@ -9857,7 +9875,7 @@
           <a:p>
             <a:fld id="{3BAECB10-9972-4830-A584-02C41DAFD45B}" type="slidenum">
               <a:rPr lang="ru-RU" smtClean="0"/>
-              <a:t>24</a:t>
+              <a:t>23</a:t>
             </a:fld>
             <a:endParaRPr lang="ru-RU"/>
           </a:p>
@@ -9866,7 +9884,7 @@
     </p:spTree>
     <p:extLst>
       <p:ext uri="{BB962C8B-B14F-4D97-AF65-F5344CB8AC3E}">
-        <p14:creationId xmlns:p14="http://schemas.microsoft.com/office/powerpoint/2010/main" val="2782064311"/>
+        <p14:creationId xmlns:p14="http://schemas.microsoft.com/office/powerpoint/2010/main" val="890883594"/>
       </p:ext>
     </p:extLst>
   </p:cSld>
@@ -9920,7 +9938,46 @@
           <a:bodyPr/>
           <a:lstStyle/>
           <a:p>
-            <a:endParaRPr lang="ru-RU" dirty="0"/>
+            <a:r>
+              <a:rPr lang="ru-RU" dirty="0"/>
+              <a:t>Мартовский</a:t>
+            </a:r>
+            <a:r>
+              <a:rPr lang="ru-RU" baseline="0" dirty="0"/>
+              <a:t> кролик написал кучу </a:t>
+            </a:r>
+            <a:r>
+              <a:rPr lang="ru-RU" baseline="0" dirty="0" smtClean="0"/>
+              <a:t>реализаций</a:t>
+            </a:r>
+            <a:r>
+              <a:rPr lang="ru-RU" baseline="0" dirty="0"/>
+              <a:t>, но не успел написать тесты</a:t>
+            </a:r>
+            <a:r>
+              <a:rPr lang="ru-RU" baseline="0" dirty="0" smtClean="0"/>
+              <a:t>…</a:t>
+            </a:r>
+          </a:p>
+          <a:p>
+            <a:r>
+              <a:rPr lang="ru-RU" baseline="0" dirty="0" smtClean="0"/>
+              <a:t>Итак, на первую часть даётся час, потому полчаса на </a:t>
+            </a:r>
+            <a:r>
+              <a:rPr lang="en-US" baseline="0" dirty="0" smtClean="0"/>
+              <a:t>do not open</a:t>
+            </a:r>
+            <a:r>
+              <a:rPr lang="ru-RU" baseline="0" dirty="0" smtClean="0"/>
+              <a:t>.</a:t>
+            </a:r>
+          </a:p>
+          <a:p>
+            <a:r>
+              <a:rPr lang="ru-RU" baseline="0" dirty="0" smtClean="0"/>
+              <a:t>И ещё полчаса на разбор и решение.</a:t>
+            </a:r>
           </a:p>
         </p:txBody>
       </p:sp>
@@ -9941,6 +9998,90 @@
           <a:p>
             <a:fld id="{3BAECB10-9972-4830-A584-02C41DAFD45B}" type="slidenum">
               <a:rPr lang="ru-RU" smtClean="0"/>
+              <a:t>24</a:t>
+            </a:fld>
+            <a:endParaRPr lang="ru-RU"/>
+          </a:p>
+        </p:txBody>
+      </p:sp>
+    </p:spTree>
+    <p:extLst>
+      <p:ext uri="{BB962C8B-B14F-4D97-AF65-F5344CB8AC3E}">
+        <p14:creationId xmlns:p14="http://schemas.microsoft.com/office/powerpoint/2010/main" val="2782064311"/>
+      </p:ext>
+    </p:extLst>
+  </p:cSld>
+  <p:clrMapOvr>
+    <a:masterClrMapping/>
+  </p:clrMapOvr>
+</p:notes>
+</file>
+
+<file path=ppt/notesSlides/notesSlide24.xml><?xml version="1.0" encoding="utf-8"?>
+<p:notes xmlns:a="http://schemas.openxmlformats.org/drawingml/2006/main" xmlns:r="http://schemas.openxmlformats.org/officeDocument/2006/relationships" xmlns:p="http://schemas.openxmlformats.org/presentationml/2006/main">
+  <p:cSld>
+    <p:spTree>
+      <p:nvGrpSpPr>
+        <p:cNvPr id="1" name=""/>
+        <p:cNvGrpSpPr/>
+        <p:nvPr/>
+      </p:nvGrpSpPr>
+      <p:grpSpPr>
+        <a:xfrm>
+          <a:off x="0" y="0"/>
+          <a:ext cx="0" cy="0"/>
+          <a:chOff x="0" y="0"/>
+          <a:chExt cx="0" cy="0"/>
+        </a:xfrm>
+      </p:grpSpPr>
+      <p:sp>
+        <p:nvSpPr>
+          <p:cNvPr id="2" name="Образ слайда 1"/>
+          <p:cNvSpPr>
+            <a:spLocks noGrp="1" noRot="1" noChangeAspect="1"/>
+          </p:cNvSpPr>
+          <p:nvPr>
+            <p:ph type="sldImg"/>
+          </p:nvPr>
+        </p:nvSpPr>
+        <p:spPr/>
+      </p:sp>
+      <p:sp>
+        <p:nvSpPr>
+          <p:cNvPr id="3" name="Заметки 2"/>
+          <p:cNvSpPr>
+            <a:spLocks noGrp="1"/>
+          </p:cNvSpPr>
+          <p:nvPr>
+            <p:ph type="body" idx="1"/>
+          </p:nvPr>
+        </p:nvSpPr>
+        <p:spPr/>
+        <p:txBody>
+          <a:bodyPr/>
+          <a:lstStyle/>
+          <a:p>
+            <a:endParaRPr lang="ru-RU" dirty="0"/>
+          </a:p>
+        </p:txBody>
+      </p:sp>
+      <p:sp>
+        <p:nvSpPr>
+          <p:cNvPr id="4" name="Номер слайда 3"/>
+          <p:cNvSpPr>
+            <a:spLocks noGrp="1"/>
+          </p:cNvSpPr>
+          <p:nvPr>
+            <p:ph type="sldNum" sz="quarter" idx="10"/>
+          </p:nvPr>
+        </p:nvSpPr>
+        <p:spPr/>
+        <p:txBody>
+          <a:bodyPr/>
+          <a:lstStyle/>
+          <a:p>
+            <a:fld id="{3BAECB10-9972-4830-A584-02C41DAFD45B}" type="slidenum">
+              <a:rPr lang="ru-RU" smtClean="0"/>
               <a:t>25</a:t>
             </a:fld>
             <a:endParaRPr lang="ru-RU"/>
@@ -9960,7 +10101,7 @@
 </p:notes>
 </file>
 
-<file path=ppt/notesSlides/notesSlide24.xml><?xml version="1.0" encoding="utf-8"?>
+<file path=ppt/notesSlides/notesSlide25.xml><?xml version="1.0" encoding="utf-8"?>
 <p:notes xmlns:a="http://schemas.openxmlformats.org/drawingml/2006/main" xmlns:r="http://schemas.openxmlformats.org/officeDocument/2006/relationships" xmlns:p="http://schemas.openxmlformats.org/presentationml/2006/main">
   <p:cSld>
     <p:spTree>
@@ -11450,39 +11591,31 @@
           <a:p>
             <a:r>
               <a:rPr lang="ru-RU" dirty="0" smtClean="0"/>
-              <a:t>Тесты,</a:t>
+              <a:t>Тесты</a:t>
             </a:r>
             <a:r>
               <a:rPr lang="ru-RU" baseline="0" dirty="0" smtClean="0"/>
-              <a:t> как и хороший код, должны рассказывать историю.</a:t>
+              <a:t> дают доверие к коду, но только если есть доверие к самим тестам</a:t>
+            </a:r>
+          </a:p>
+          <a:p>
+            <a:r>
+              <a:rPr lang="ru-RU" baseline="0" dirty="0" smtClean="0"/>
+              <a:t>Если тест не понятен, то когда он упадёт (выполнит своё предназначение), это проигнорируют, тест закомментируют или и вовсе удалят.</a:t>
             </a:r>
           </a:p>
           <a:p>
             <a:r>
               <a:rPr lang="ru-RU" dirty="0" smtClean="0"/>
-              <a:t>Из</a:t>
+              <a:t>Поэтому</a:t>
             </a:r>
             <a:r>
               <a:rPr lang="ru-RU" baseline="0" dirty="0" smtClean="0"/>
-              <a:t> названий тестов можно составить короткое описание функционала.</a:t>
-            </a:r>
-          </a:p>
-          <a:p>
-            <a:endParaRPr lang="en-US" dirty="0" smtClean="0"/>
-          </a:p>
-          <a:p>
-            <a:r>
-              <a:rPr lang="ru-RU" dirty="0" smtClean="0"/>
-              <a:t>Что</a:t>
-            </a:r>
-            <a:r>
-              <a:rPr lang="ru-RU" baseline="0" dirty="0" smtClean="0"/>
-              <a:t> здесь происходит? Что делает класс </a:t>
-            </a:r>
-            <a:r>
-              <a:rPr lang="en-US" baseline="0" dirty="0" smtClean="0"/>
-              <a:t>Superman?</a:t>
-            </a:r>
+              <a:t> для тестов критически важно быть читаемыми и понятными.</a:t>
+            </a:r>
+            <a:endParaRPr lang="ru-RU" dirty="0" smtClean="0"/>
+          </a:p>
+          <a:p>
             <a:endParaRPr lang="ru-RU" dirty="0"/>
           </a:p>
         </p:txBody>
@@ -11504,6 +11637,125 @@
           <a:p>
             <a:fld id="{3BAECB10-9972-4830-A584-02C41DAFD45B}" type="slidenum">
               <a:rPr lang="ru-RU" smtClean="0"/>
+              <a:t>3</a:t>
+            </a:fld>
+            <a:endParaRPr lang="ru-RU"/>
+          </a:p>
+        </p:txBody>
+      </p:sp>
+    </p:spTree>
+    <p:extLst>
+      <p:ext uri="{BB962C8B-B14F-4D97-AF65-F5344CB8AC3E}">
+        <p14:creationId xmlns:p14="http://schemas.microsoft.com/office/powerpoint/2010/main" val="1377505549"/>
+      </p:ext>
+    </p:extLst>
+  </p:cSld>
+  <p:clrMapOvr>
+    <a:masterClrMapping/>
+  </p:clrMapOvr>
+</p:notes>
+</file>
+
+<file path=ppt/notesSlides/notesSlide4.xml><?xml version="1.0" encoding="utf-8"?>
+<p:notes xmlns:a="http://schemas.openxmlformats.org/drawingml/2006/main" xmlns:r="http://schemas.openxmlformats.org/officeDocument/2006/relationships" xmlns:p="http://schemas.openxmlformats.org/presentationml/2006/main">
+  <p:cSld>
+    <p:spTree>
+      <p:nvGrpSpPr>
+        <p:cNvPr id="1" name=""/>
+        <p:cNvGrpSpPr/>
+        <p:nvPr/>
+      </p:nvGrpSpPr>
+      <p:grpSpPr>
+        <a:xfrm>
+          <a:off x="0" y="0"/>
+          <a:ext cx="0" cy="0"/>
+          <a:chOff x="0" y="0"/>
+          <a:chExt cx="0" cy="0"/>
+        </a:xfrm>
+      </p:grpSpPr>
+      <p:sp>
+        <p:nvSpPr>
+          <p:cNvPr id="2" name="Образ слайда 1"/>
+          <p:cNvSpPr>
+            <a:spLocks noGrp="1" noRot="1" noChangeAspect="1"/>
+          </p:cNvSpPr>
+          <p:nvPr>
+            <p:ph type="sldImg"/>
+          </p:nvPr>
+        </p:nvSpPr>
+        <p:spPr/>
+      </p:sp>
+      <p:sp>
+        <p:nvSpPr>
+          <p:cNvPr id="3" name="Заметки 2"/>
+          <p:cNvSpPr>
+            <a:spLocks noGrp="1"/>
+          </p:cNvSpPr>
+          <p:nvPr>
+            <p:ph type="body" idx="1"/>
+          </p:nvPr>
+        </p:nvSpPr>
+        <p:spPr/>
+        <p:txBody>
+          <a:bodyPr/>
+          <a:lstStyle/>
+          <a:p>
+            <a:r>
+              <a:rPr lang="ru-RU" dirty="0" smtClean="0"/>
+              <a:t>Тесты,</a:t>
+            </a:r>
+            <a:r>
+              <a:rPr lang="ru-RU" baseline="0" dirty="0" smtClean="0"/>
+              <a:t> как и хороший код, должны рассказывать историю.</a:t>
+            </a:r>
+          </a:p>
+          <a:p>
+            <a:r>
+              <a:rPr lang="ru-RU" dirty="0" smtClean="0"/>
+              <a:t>Из</a:t>
+            </a:r>
+            <a:r>
+              <a:rPr lang="ru-RU" baseline="0" dirty="0" smtClean="0"/>
+              <a:t> названий тестов можно составить короткое описание функционала.</a:t>
+            </a:r>
+          </a:p>
+          <a:p>
+            <a:endParaRPr lang="en-US" dirty="0" smtClean="0"/>
+          </a:p>
+          <a:p>
+            <a:r>
+              <a:rPr lang="ru-RU" dirty="0" smtClean="0"/>
+              <a:t>Что</a:t>
+            </a:r>
+            <a:r>
+              <a:rPr lang="ru-RU" baseline="0" dirty="0" smtClean="0"/>
+              <a:t> здесь происходит? Что делает класс </a:t>
+            </a:r>
+            <a:r>
+              <a:rPr lang="en-US" baseline="0" dirty="0" smtClean="0"/>
+              <a:t>Superman?</a:t>
+            </a:r>
+            <a:endParaRPr lang="ru-RU" dirty="0"/>
+          </a:p>
+        </p:txBody>
+      </p:sp>
+      <p:sp>
+        <p:nvSpPr>
+          <p:cNvPr id="4" name="Номер слайда 3"/>
+          <p:cNvSpPr>
+            <a:spLocks noGrp="1"/>
+          </p:cNvSpPr>
+          <p:nvPr>
+            <p:ph type="sldNum" sz="quarter" idx="10"/>
+          </p:nvPr>
+        </p:nvSpPr>
+        <p:spPr/>
+        <p:txBody>
+          <a:bodyPr/>
+          <a:lstStyle/>
+          <a:p>
+            <a:fld id="{3BAECB10-9972-4830-A584-02C41DAFD45B}" type="slidenum">
+              <a:rPr lang="ru-RU" smtClean="0"/>
               <a:t>4</a:t>
             </a:fld>
             <a:endParaRPr lang="ru-RU"/>
@@ -11523,7 +11775,7 @@
 </p:notes>
 </file>
 
-<file path=ppt/notesSlides/notesSlide4.xml><?xml version="1.0" encoding="utf-8"?>
+<file path=ppt/notesSlides/notesSlide5.xml><?xml version="1.0" encoding="utf-8"?>
 <p:notes xmlns:a="http://schemas.openxmlformats.org/drawingml/2006/main" xmlns:r="http://schemas.openxmlformats.org/officeDocument/2006/relationships" xmlns:p="http://schemas.openxmlformats.org/presentationml/2006/main">
   <p:cSld>
     <p:spTree>
@@ -11655,148 +11907,6 @@
     <p:extLst>
       <p:ext uri="{BB962C8B-B14F-4D97-AF65-F5344CB8AC3E}">
         <p14:creationId xmlns:p14="http://schemas.microsoft.com/office/powerpoint/2010/main" val="2285049775"/>
-      </p:ext>
-    </p:extLst>
-  </p:cSld>
-  <p:clrMapOvr>
-    <a:masterClrMapping/>
-  </p:clrMapOvr>
-</p:notes>
-</file>
-
-<file path=ppt/notesSlides/notesSlide5.xml><?xml version="1.0" encoding="utf-8"?>
-<p:notes xmlns:a="http://schemas.openxmlformats.org/drawingml/2006/main" xmlns:r="http://schemas.openxmlformats.org/officeDocument/2006/relationships" xmlns:p="http://schemas.openxmlformats.org/presentationml/2006/main">
-  <p:cSld>
-    <p:spTree>
-      <p:nvGrpSpPr>
-        <p:cNvPr id="1" name=""/>
-        <p:cNvGrpSpPr/>
-        <p:nvPr/>
-      </p:nvGrpSpPr>
-      <p:grpSpPr>
-        <a:xfrm>
-          <a:off x="0" y="0"/>
-          <a:ext cx="0" cy="0"/>
-          <a:chOff x="0" y="0"/>
-          <a:chExt cx="0" cy="0"/>
-        </a:xfrm>
-      </p:grpSpPr>
-      <p:sp>
-        <p:nvSpPr>
-          <p:cNvPr id="2" name="Образ слайда 1"/>
-          <p:cNvSpPr>
-            <a:spLocks noGrp="1" noRot="1" noChangeAspect="1"/>
-          </p:cNvSpPr>
-          <p:nvPr>
-            <p:ph type="sldImg"/>
-          </p:nvPr>
-        </p:nvSpPr>
-        <p:spPr/>
-      </p:sp>
-      <p:sp>
-        <p:nvSpPr>
-          <p:cNvPr id="3" name="Заметки 2"/>
-          <p:cNvSpPr>
-            <a:spLocks noGrp="1"/>
-          </p:cNvSpPr>
-          <p:nvPr>
-            <p:ph type="body" idx="1"/>
-          </p:nvPr>
-        </p:nvSpPr>
-        <p:spPr/>
-        <p:txBody>
-          <a:bodyPr/>
-          <a:lstStyle/>
-          <a:p>
-            <a:pPr marL="0" indent="0">
-              <a:buFont typeface="Arial" panose="020B0604020202020204" pitchFamily="34" charset="0"/>
-              <a:buNone/>
-            </a:pPr>
-            <a:r>
-              <a:rPr lang="en-US" dirty="0" err="1"/>
-              <a:t>MethodName</a:t>
-            </a:r>
-            <a:endParaRPr lang="en-US" dirty="0"/>
-          </a:p>
-          <a:p>
-            <a:pPr marL="0" indent="0">
-              <a:buFont typeface="Arial" panose="020B0604020202020204" pitchFamily="34" charset="0"/>
-              <a:buNone/>
-            </a:pPr>
-            <a:r>
-              <a:rPr lang="en-US" dirty="0"/>
-              <a:t>Preconditions</a:t>
-            </a:r>
-            <a:r>
-              <a:rPr lang="ru-RU" dirty="0"/>
-              <a:t> (</a:t>
-            </a:r>
-            <a:r>
-              <a:rPr lang="en-US" dirty="0"/>
-              <a:t>keyword</a:t>
-            </a:r>
-            <a:r>
-              <a:rPr lang="en-US" baseline="0" dirty="0"/>
-              <a:t> </a:t>
-            </a:r>
-            <a:r>
-              <a:rPr lang="en-US" dirty="0"/>
-              <a:t>Given)</a:t>
-            </a:r>
-          </a:p>
-          <a:p>
-            <a:pPr marL="0" indent="0">
-              <a:buFont typeface="Arial" panose="020B0604020202020204" pitchFamily="34" charset="0"/>
-              <a:buNone/>
-            </a:pPr>
-            <a:r>
-              <a:rPr lang="en-US" dirty="0"/>
-              <a:t>State (keyword When)</a:t>
-            </a:r>
-          </a:p>
-          <a:p>
-            <a:pPr marL="0" indent="0">
-              <a:buFont typeface="Arial" panose="020B0604020202020204" pitchFamily="34" charset="0"/>
-              <a:buNone/>
-            </a:pPr>
-            <a:r>
-              <a:rPr lang="en-US" dirty="0" err="1"/>
-              <a:t>ExpectedBehaviour</a:t>
-            </a:r>
-            <a:r>
-              <a:rPr lang="en-US" dirty="0"/>
-              <a:t> (keyword Should/Expect/Then)</a:t>
-            </a:r>
-          </a:p>
-        </p:txBody>
-      </p:sp>
-      <p:sp>
-        <p:nvSpPr>
-          <p:cNvPr id="4" name="Номер слайда 3"/>
-          <p:cNvSpPr>
-            <a:spLocks noGrp="1"/>
-          </p:cNvSpPr>
-          <p:nvPr>
-            <p:ph type="sldNum" sz="quarter" idx="10"/>
-          </p:nvPr>
-        </p:nvSpPr>
-        <p:spPr/>
-        <p:txBody>
-          <a:bodyPr/>
-          <a:lstStyle/>
-          <a:p>
-            <a:fld id="{3BAECB10-9972-4830-A584-02C41DAFD45B}" type="slidenum">
-              <a:rPr lang="ru-RU" smtClean="0"/>
-              <a:t>6</a:t>
-            </a:fld>
-            <a:endParaRPr lang="ru-RU"/>
-          </a:p>
-        </p:txBody>
-      </p:sp>
-    </p:spTree>
-    <p:extLst>
-      <p:ext uri="{BB962C8B-B14F-4D97-AF65-F5344CB8AC3E}">
-        <p14:creationId xmlns:p14="http://schemas.microsoft.com/office/powerpoint/2010/main" val="3838372683"/>
       </p:ext>
     </p:extLst>
   </p:cSld>
@@ -11850,31 +11960,65 @@
           <a:bodyPr/>
           <a:lstStyle/>
           <a:p>
+            <a:pPr marL="0" indent="0">
+              <a:buFont typeface="Arial" panose="020B0604020202020204" pitchFamily="34" charset="0"/>
+              <a:buNone/>
+            </a:pPr>
+            <a:r>
+              <a:rPr lang="en-US" dirty="0" err="1"/>
+              <a:t>MethodName</a:t>
+            </a:r>
+            <a:endParaRPr lang="en-US" dirty="0"/>
+          </a:p>
+          <a:p>
+            <a:pPr marL="0" indent="0">
+              <a:buFont typeface="Arial" panose="020B0604020202020204" pitchFamily="34" charset="0"/>
+              <a:buNone/>
+            </a:pPr>
+            <a:r>
+              <a:rPr lang="en-US" dirty="0"/>
+              <a:t>Preconditions</a:t>
+            </a:r>
             <a:r>
               <a:rPr lang="ru-RU" dirty="0"/>
-              <a:t>В</a:t>
-            </a:r>
-            <a:r>
-              <a:rPr lang="ru-RU" baseline="0" dirty="0"/>
+              <a:t> (</a:t>
+            </a:r>
+            <a:r>
+              <a:rPr lang="en-US" dirty="0"/>
+              <a:t>keyword</a:t>
+            </a:r>
+            <a:r>
+              <a:rPr lang="en-US" baseline="0" dirty="0"/>
               <a:t> </a:t>
             </a:r>
             <a:r>
-              <a:rPr lang="ru-RU" baseline="0" dirty="0" smtClean="0"/>
-              <a:t>каких именах чего </a:t>
-            </a:r>
-            <a:r>
-              <a:rPr lang="ru-RU" baseline="0" dirty="0"/>
-              <a:t>не </a:t>
-            </a:r>
-            <a:r>
-              <a:rPr lang="ru-RU" baseline="0" dirty="0" smtClean="0"/>
-              <a:t>хватает? А что лишнее</a:t>
-            </a:r>
-            <a:r>
-              <a:rPr lang="en-US" baseline="0" dirty="0" smtClean="0"/>
-              <a:t>?</a:t>
-            </a:r>
-            <a:endParaRPr lang="ru-RU" baseline="0" dirty="0" smtClean="0"/>
+              <a:rPr lang="en-US" dirty="0"/>
+              <a:t>Given)</a:t>
+            </a:r>
+          </a:p>
+          <a:p>
+            <a:pPr marL="0" indent="0">
+              <a:buFont typeface="Arial" panose="020B0604020202020204" pitchFamily="34" charset="0"/>
+              <a:buNone/>
+            </a:pPr>
+            <a:r>
+              <a:rPr lang="en-US" dirty="0"/>
+              <a:t>State (keyword When)</a:t>
+            </a:r>
+          </a:p>
+          <a:p>
+            <a:pPr marL="0" indent="0">
+              <a:buFont typeface="Arial" panose="020B0604020202020204" pitchFamily="34" charset="0"/>
+              <a:buNone/>
+            </a:pPr>
+            <a:r>
+              <a:rPr lang="en-US" dirty="0" err="1"/>
+              <a:t>ExpectedBehaviour</a:t>
+            </a:r>
+            <a:r>
+              <a:rPr lang="en-US" dirty="0"/>
+              <a:t> (keyword Should/Expect/Then)</a:t>
+            </a:r>
           </a:p>
         </p:txBody>
       </p:sp>
@@ -11895,7 +12039,7 @@
           <a:p>
             <a:fld id="{3BAECB10-9972-4830-A584-02C41DAFD45B}" type="slidenum">
               <a:rPr lang="ru-RU" smtClean="0"/>
-              <a:t>7</a:t>
+              <a:t>6</a:t>
             </a:fld>
             <a:endParaRPr lang="ru-RU"/>
           </a:p>
@@ -11904,7 +12048,7 @@
     </p:spTree>
     <p:extLst>
       <p:ext uri="{BB962C8B-B14F-4D97-AF65-F5344CB8AC3E}">
-        <p14:creationId xmlns:p14="http://schemas.microsoft.com/office/powerpoint/2010/main" val="2813128715"/>
+        <p14:creationId xmlns:p14="http://schemas.microsoft.com/office/powerpoint/2010/main" val="3838372683"/>
       </p:ext>
     </p:extLst>
   </p:cSld>
@@ -11959,56 +12103,30 @@
           <a:lstStyle/>
           <a:p>
             <a:r>
-              <a:rPr lang="en-US" dirty="0" err="1" smtClean="0"/>
-              <a:t>ParseInt</a:t>
+              <a:rPr lang="ru-RU" dirty="0"/>
+              <a:t>В</a:t>
+            </a:r>
+            <a:r>
+              <a:rPr lang="ru-RU" baseline="0" dirty="0"/>
+              <a:t> </a:t>
+            </a:r>
+            <a:r>
+              <a:rPr lang="ru-RU" baseline="0" dirty="0" smtClean="0"/>
+              <a:t>каких именах чего </a:t>
+            </a:r>
+            <a:r>
+              <a:rPr lang="ru-RU" baseline="0" dirty="0"/>
+              <a:t>не </a:t>
+            </a:r>
+            <a:r>
+              <a:rPr lang="ru-RU" baseline="0" dirty="0" smtClean="0"/>
+              <a:t>хватает? А что лишнее</a:t>
             </a:r>
             <a:r>
               <a:rPr lang="en-US" baseline="0" dirty="0" smtClean="0"/>
-              <a:t> – </a:t>
-            </a:r>
-            <a:r>
-              <a:rPr lang="ru-RU" baseline="0" dirty="0" smtClean="0"/>
-              <a:t>это метод какого-то класса. По умолчанию взят случай </a:t>
-            </a:r>
-            <a:r>
-              <a:rPr lang="en-US" baseline="0" dirty="0" smtClean="0"/>
-              <a:t>Success</a:t>
-            </a:r>
-            <a:r>
-              <a:rPr lang="ru-RU" baseline="0" dirty="0" smtClean="0"/>
-              <a:t> (поэтому это норм), но не понятно к какому классу относится данный метод, какой класс проверяет.</a:t>
-            </a:r>
-          </a:p>
-          <a:p>
-            <a:endParaRPr lang="ru-RU" dirty="0" smtClean="0"/>
-          </a:p>
-          <a:p>
-            <a:r>
-              <a:rPr lang="ru-RU" dirty="0" smtClean="0"/>
-              <a:t>Резюме</a:t>
-            </a:r>
-            <a:r>
-              <a:rPr lang="ru-RU" baseline="0" dirty="0" smtClean="0"/>
-              <a:t>: </a:t>
-            </a:r>
-            <a:r>
-              <a:rPr lang="ru-RU" baseline="0" dirty="0" err="1" smtClean="0"/>
-              <a:t>нейминг</a:t>
-            </a:r>
-            <a:r>
-              <a:rPr lang="ru-RU" baseline="0" dirty="0" smtClean="0"/>
-              <a:t> – наше всё и не только для основного кода, но и для тестов.</a:t>
-            </a:r>
-          </a:p>
-          <a:p>
+              <a:t>?</a:t>
+            </a:r>
             <a:endParaRPr lang="ru-RU" baseline="0" dirty="0" smtClean="0"/>
-          </a:p>
-          <a:p>
-            <a:r>
-              <a:rPr lang="ru-RU" baseline="0" dirty="0" smtClean="0"/>
-              <a:t>Читаемые тесты ускоряют адаптацию нового члена команды в проект.</a:t>
-            </a:r>
-            <a:endParaRPr lang="ru-RU" dirty="0"/>
           </a:p>
         </p:txBody>
       </p:sp>
@@ -12029,7 +12147,7 @@
           <a:p>
             <a:fld id="{3BAECB10-9972-4830-A584-02C41DAFD45B}" type="slidenum">
               <a:rPr lang="ru-RU" smtClean="0"/>
-              <a:t>8</a:t>
+              <a:t>7</a:t>
             </a:fld>
             <a:endParaRPr lang="ru-RU"/>
           </a:p>
@@ -12038,7 +12156,7 @@
     </p:spTree>
     <p:extLst>
       <p:ext uri="{BB962C8B-B14F-4D97-AF65-F5344CB8AC3E}">
-        <p14:creationId xmlns:p14="http://schemas.microsoft.com/office/powerpoint/2010/main" val="1336160950"/>
+        <p14:creationId xmlns:p14="http://schemas.microsoft.com/office/powerpoint/2010/main" val="2813128715"/>
       </p:ext>
     </p:extLst>
   </p:cSld>
@@ -12093,192 +12211,56 @@
           <a:lstStyle/>
           <a:p>
             <a:r>
+              <a:rPr lang="en-US" dirty="0" err="1" smtClean="0"/>
+              <a:t>ParseInt</a:t>
+            </a:r>
+            <a:r>
+              <a:rPr lang="en-US" baseline="0" dirty="0" smtClean="0"/>
+              <a:t> – </a:t>
+            </a:r>
+            <a:r>
+              <a:rPr lang="ru-RU" baseline="0" dirty="0" smtClean="0"/>
+              <a:t>это метод какого-то класса. По умолчанию взят случай </a:t>
+            </a:r>
+            <a:r>
+              <a:rPr lang="en-US" baseline="0" dirty="0" smtClean="0"/>
+              <a:t>Success</a:t>
+            </a:r>
+            <a:r>
+              <a:rPr lang="ru-RU" baseline="0" dirty="0" smtClean="0"/>
+              <a:t> (поэтому это норм), но не понятно к какому классу относится данный метод, какой класс проверяет.</a:t>
+            </a:r>
+          </a:p>
+          <a:p>
+            <a:endParaRPr lang="ru-RU" dirty="0" smtClean="0"/>
+          </a:p>
+          <a:p>
+            <a:r>
               <a:rPr lang="ru-RU" dirty="0" smtClean="0"/>
-              <a:t>Существует большое</a:t>
+              <a:t>Резюме</a:t>
             </a:r>
             <a:r>
               <a:rPr lang="ru-RU" baseline="0" dirty="0" smtClean="0"/>
-              <a:t> количество </a:t>
+              <a:t>: </a:t>
             </a:r>
             <a:r>
               <a:rPr lang="ru-RU" baseline="0" dirty="0" err="1" smtClean="0"/>
-              <a:t>антипаттернов</a:t>
+              <a:t>нейминг</a:t>
             </a:r>
             <a:r>
               <a:rPr lang="ru-RU" baseline="0" dirty="0" smtClean="0"/>
-              <a:t> (см. по ссылке), здесь приведены лишь 4 из самых злостных и часто встречающихся.</a:t>
-            </a:r>
-          </a:p>
-          <a:p>
-            <a:endParaRPr lang="ru-RU" dirty="0" smtClean="0"/>
-          </a:p>
-          <a:p>
-            <a:r>
-              <a:rPr lang="ru-RU" b="1" dirty="0" smtClean="0"/>
-              <a:t>Открой</a:t>
-            </a:r>
-            <a:r>
-              <a:rPr lang="ru-RU" b="1" baseline="0" dirty="0" smtClean="0"/>
-              <a:t> файл с примерами</a:t>
-            </a:r>
-            <a:r>
-              <a:rPr lang="en-US" b="1" baseline="0" dirty="0" smtClean="0"/>
-              <a:t>.</a:t>
-            </a:r>
-            <a:endParaRPr lang="ru-RU" b="1" dirty="0" smtClean="0"/>
-          </a:p>
-          <a:p>
-            <a:r>
-              <a:rPr lang="ru-RU" dirty="0" smtClean="0"/>
-              <a:t>Сначала спроси,</a:t>
-            </a:r>
+              <a:t> – наше всё и не только для основного кода, но и для тестов.</a:t>
+            </a:r>
+          </a:p>
+          <a:p>
+            <a:endParaRPr lang="ru-RU" baseline="0" dirty="0" smtClean="0"/>
+          </a:p>
+          <a:p>
             <a:r>
               <a:rPr lang="ru-RU" baseline="0" dirty="0" smtClean="0"/>
-              <a:t> что лишнего видят слушатели, потом объясни, если не сказали всего.</a:t>
-            </a:r>
-          </a:p>
-          <a:p>
-            <a:endParaRPr lang="ru-RU" dirty="0" smtClean="0"/>
-          </a:p>
-          <a:p>
-            <a:r>
-              <a:rPr lang="en-US" dirty="0" smtClean="0"/>
-              <a:t>Local</a:t>
-            </a:r>
-            <a:r>
-              <a:rPr lang="en-US" baseline="0" dirty="0" smtClean="0"/>
-              <a:t> </a:t>
-            </a:r>
-            <a:r>
-              <a:rPr lang="en-US" baseline="0" dirty="0"/>
-              <a:t>Hero – </a:t>
-            </a:r>
-            <a:r>
-              <a:rPr lang="ru-RU" baseline="0" dirty="0"/>
-              <a:t>не будет работать на других </a:t>
-            </a:r>
-            <a:r>
-              <a:rPr lang="ru-RU" baseline="0" dirty="0" smtClean="0"/>
-              <a:t>машинах.</a:t>
-            </a:r>
-          </a:p>
-          <a:p>
+              <a:t>Читаемые тесты ускоряют адаптацию нового члена команды в проект.</a:t>
+            </a:r>
             <a:endParaRPr lang="ru-RU" dirty="0"/>
-          </a:p>
-          <a:p>
-            <a:r>
-              <a:rPr lang="en-US" dirty="0"/>
-              <a:t>Loudmouth </a:t>
-            </a:r>
-            <a:r>
-              <a:rPr lang="ru-RU" dirty="0"/>
-              <a:t>(крикун) – тест не является автоматическим: что-то выводит, но </a:t>
-            </a:r>
-            <a:r>
-              <a:rPr lang="en-US" dirty="0"/>
-              <a:t>exception</a:t>
-            </a:r>
-            <a:r>
-              <a:rPr lang="ru-RU" dirty="0"/>
-              <a:t> не </a:t>
-            </a:r>
-            <a:r>
-              <a:rPr lang="ru-RU" dirty="0" smtClean="0"/>
-              <a:t>кидает.</a:t>
-            </a:r>
-            <a:endParaRPr lang="ru-RU" dirty="0"/>
-          </a:p>
-          <a:p>
-            <a:r>
-              <a:rPr lang="ru-RU" dirty="0" smtClean="0"/>
-              <a:t>	История:</a:t>
-            </a:r>
-            <a:r>
-              <a:rPr lang="ru-RU" baseline="0" dirty="0" smtClean="0"/>
-              <a:t> Вы решили ознакомиться с работой какой-то библиотеки, накидали тестов, которые что-то выводят в консоль, что-то пишут на диск или ещё что-то в этом роде, провели эксперименты, освоились с библиотекой и забыли про них. Это мусорные тесты, которые по своей сути ничего не проверяют, а значит, что хранить их не нужно.</a:t>
-            </a:r>
-            <a:endParaRPr lang="ru-RU" dirty="0" smtClean="0"/>
-          </a:p>
-          <a:p>
-            <a:endParaRPr lang="ru-RU" dirty="0" smtClean="0"/>
-          </a:p>
-          <a:p>
-            <a:r>
-              <a:rPr lang="en-US" dirty="0" smtClean="0"/>
-              <a:t>Free </a:t>
-            </a:r>
-            <a:r>
-              <a:rPr lang="en-US" dirty="0"/>
-              <a:t>Ride – </a:t>
-            </a:r>
-            <a:r>
-              <a:rPr lang="ru-RU" dirty="0"/>
-              <a:t>тестируется все подряд (много</a:t>
-            </a:r>
-            <a:r>
-              <a:rPr lang="ru-RU" baseline="0" dirty="0"/>
-              <a:t> </a:t>
-            </a:r>
-            <a:r>
-              <a:rPr lang="en-US" baseline="0" dirty="0"/>
-              <a:t>act, </a:t>
-            </a:r>
-            <a:r>
-              <a:rPr lang="ru-RU" baseline="0" dirty="0"/>
-              <a:t>много </a:t>
-            </a:r>
-            <a:r>
-              <a:rPr lang="en-US" baseline="0" dirty="0"/>
-              <a:t>assert)</a:t>
-            </a:r>
-            <a:endParaRPr lang="ru-RU" dirty="0"/>
-          </a:p>
-          <a:p>
-            <a:r>
-              <a:rPr lang="en-US" dirty="0"/>
-              <a:t>Over</a:t>
-            </a:r>
-            <a:r>
-              <a:rPr lang="en-US" baseline="0" dirty="0"/>
-              <a:t> specification – </a:t>
-            </a:r>
-            <a:r>
-              <a:rPr lang="ru-RU" baseline="0" dirty="0"/>
-              <a:t>создается одна ситуация, но в ней тестируется все (один </a:t>
-            </a:r>
-            <a:r>
-              <a:rPr lang="en-US" baseline="0" dirty="0"/>
-              <a:t>act, </a:t>
-            </a:r>
-            <a:r>
-              <a:rPr lang="ru-RU" baseline="0" dirty="0"/>
-              <a:t>много </a:t>
-            </a:r>
-            <a:r>
-              <a:rPr lang="en-US" baseline="0" dirty="0"/>
-              <a:t>assert)</a:t>
-            </a:r>
-            <a:endParaRPr lang="ru-RU" baseline="0" dirty="0"/>
-          </a:p>
-          <a:p>
-            <a:endParaRPr lang="ru-RU" baseline="0" dirty="0"/>
-          </a:p>
-          <a:p>
-            <a:r>
-              <a:rPr lang="ru-RU" baseline="0" dirty="0"/>
-              <a:t>Только хорошо написанные тесты могут служить спецификацией</a:t>
-            </a:r>
-            <a:r>
-              <a:rPr lang="ru-RU" baseline="0" dirty="0" smtClean="0"/>
-              <a:t>.</a:t>
-            </a:r>
-            <a:endParaRPr lang="ru-RU" baseline="0" dirty="0"/>
-          </a:p>
-          <a:p>
-            <a:endParaRPr lang="en-US" baseline="0" dirty="0"/>
-          </a:p>
-          <a:p>
-            <a:endParaRPr lang="en-US" dirty="0"/>
           </a:p>
         </p:txBody>
       </p:sp>
@@ -12299,7 +12281,7 @@
           <a:p>
             <a:fld id="{3BAECB10-9972-4830-A584-02C41DAFD45B}" type="slidenum">
               <a:rPr lang="ru-RU" smtClean="0"/>
-              <a:t>9</a:t>
+              <a:t>8</a:t>
             </a:fld>
             <a:endParaRPr lang="ru-RU"/>
           </a:p>
@@ -12308,7 +12290,7 @@
     </p:spTree>
     <p:extLst>
       <p:ext uri="{BB962C8B-B14F-4D97-AF65-F5344CB8AC3E}">
-        <p14:creationId xmlns:p14="http://schemas.microsoft.com/office/powerpoint/2010/main" val="150544368"/>
+        <p14:creationId xmlns:p14="http://schemas.microsoft.com/office/powerpoint/2010/main" val="1336160950"/>
       </p:ext>
     </p:extLst>
   </p:cSld>
@@ -12364,89 +12346,191 @@
           <a:p>
             <a:r>
               <a:rPr lang="ru-RU" dirty="0" smtClean="0"/>
-              <a:t>Почему не пишем тесты сразу?</a:t>
-            </a:r>
-          </a:p>
-          <a:p>
-            <a:r>
-              <a:rPr lang="ru-RU" dirty="0" err="1" smtClean="0"/>
-              <a:t>Спойлер</a:t>
+              <a:t>Существует большое</a:t>
             </a:r>
             <a:r>
               <a:rPr lang="ru-RU" baseline="0" dirty="0" smtClean="0"/>
-              <a:t> для </a:t>
+              <a:t> количество </a:t>
+            </a:r>
+            <a:r>
+              <a:rPr lang="ru-RU" baseline="0" dirty="0" err="1" smtClean="0"/>
+              <a:t>антипаттернов</a:t>
+            </a:r>
+            <a:r>
+              <a:rPr lang="ru-RU" baseline="0" dirty="0" smtClean="0"/>
+              <a:t> (см. по ссылке), здесь приведены лишь 4 из самых злостных и часто встречающихся.</a:t>
+            </a:r>
+          </a:p>
+          <a:p>
+            <a:endParaRPr lang="ru-RU" dirty="0" smtClean="0"/>
+          </a:p>
+          <a:p>
+            <a:r>
+              <a:rPr lang="ru-RU" b="1" dirty="0" smtClean="0"/>
+              <a:t>Открой</a:t>
+            </a:r>
+            <a:r>
+              <a:rPr lang="ru-RU" b="1" baseline="0" dirty="0" smtClean="0"/>
+              <a:t> файл с примерами</a:t>
+            </a:r>
+            <a:r>
+              <a:rPr lang="en-US" b="1" baseline="0" dirty="0" smtClean="0"/>
+              <a:t>.</a:t>
+            </a:r>
+            <a:endParaRPr lang="ru-RU" b="1" dirty="0" smtClean="0"/>
+          </a:p>
+          <a:p>
+            <a:r>
+              <a:rPr lang="ru-RU" dirty="0" smtClean="0"/>
+              <a:t>Сначала спроси,</a:t>
+            </a:r>
+            <a:r>
+              <a:rPr lang="ru-RU" baseline="0" dirty="0" smtClean="0"/>
+              <a:t> что лишнего видят слушатели, потом объясни, если не сказали всего.</a:t>
+            </a:r>
+          </a:p>
+          <a:p>
+            <a:endParaRPr lang="ru-RU" dirty="0" smtClean="0"/>
+          </a:p>
+          <a:p>
+            <a:r>
+              <a:rPr lang="en-US" dirty="0" smtClean="0"/>
+              <a:t>Local</a:t>
             </a:r>
             <a:r>
               <a:rPr lang="en-US" baseline="0" dirty="0" smtClean="0"/>
-              <a:t>TDD</a:t>
+              <a:t> </a:t>
+            </a:r>
+            <a:r>
+              <a:rPr lang="en-US" baseline="0" dirty="0"/>
+              <a:t>Hero – </a:t>
+            </a:r>
+            <a:r>
+              <a:rPr lang="ru-RU" baseline="0" dirty="0"/>
+              <a:t>не будет работать на других </a:t>
+            </a:r>
+            <a:r>
+              <a:rPr lang="ru-RU" baseline="0" dirty="0" smtClean="0"/>
+              <a:t>машинах.</a:t>
+            </a:r>
+          </a:p>
+          <a:p>
+            <a:endParaRPr lang="ru-RU" dirty="0"/>
+          </a:p>
+          <a:p>
+            <a:r>
+              <a:rPr lang="en-US" dirty="0"/>
+              <a:t>Loudmouth </a:t>
+            </a:r>
+            <a:r>
+              <a:rPr lang="ru-RU" dirty="0"/>
+              <a:t>(крикун) – тест не является автоматическим: что-то выводит, но </a:t>
+            </a:r>
+            <a:r>
+              <a:rPr lang="en-US" dirty="0"/>
+              <a:t>exception</a:t>
+            </a:r>
+            <a:r>
+              <a:rPr lang="ru-RU" dirty="0"/>
+              <a:t> не </a:t>
+            </a:r>
+            <a:r>
+              <a:rPr lang="ru-RU" dirty="0" smtClean="0"/>
+              <a:t>кидает.</a:t>
+            </a:r>
+            <a:endParaRPr lang="ru-RU" dirty="0"/>
+          </a:p>
+          <a:p>
+            <a:r>
+              <a:rPr lang="ru-RU" dirty="0" smtClean="0"/>
+              <a:t>	История:</a:t>
+            </a:r>
+            <a:r>
+              <a:rPr lang="ru-RU" baseline="0" dirty="0" smtClean="0"/>
+              <a:t> Вы решили ознакомиться с работой какой-то библиотеки, накидали тестов, которые что-то выводят в консоль, что-то пишут на диск или ещё что-то в этом роде, провели эксперименты, освоились с библиотекой и забыли про них. Это мусорные тесты, которые по своей сути ничего не проверяют, а значит, что хранить их не нужно.</a:t>
             </a:r>
             <a:endParaRPr lang="ru-RU" dirty="0" smtClean="0"/>
           </a:p>
           <a:p>
+            <a:endParaRPr lang="ru-RU" dirty="0" smtClean="0"/>
+          </a:p>
+          <a:p>
+            <a:r>
+              <a:rPr lang="en-US" dirty="0" smtClean="0"/>
+              <a:t>Free </a:t>
+            </a:r>
+            <a:r>
+              <a:rPr lang="en-US" dirty="0"/>
+              <a:t>Ride – </a:t>
+            </a:r>
+            <a:r>
+              <a:rPr lang="ru-RU" dirty="0"/>
+              <a:t>тестируется все подряд (много</a:t>
+            </a:r>
+            <a:r>
+              <a:rPr lang="ru-RU" baseline="0" dirty="0"/>
+              <a:t> </a:t>
+            </a:r>
+            <a:r>
+              <a:rPr lang="en-US" baseline="0" dirty="0"/>
+              <a:t>act, </a:t>
+            </a:r>
+            <a:r>
+              <a:rPr lang="ru-RU" baseline="0" dirty="0"/>
+              <a:t>много </a:t>
+            </a:r>
+            <a:r>
+              <a:rPr lang="en-US" baseline="0" dirty="0"/>
+              <a:t>assert)</a:t>
+            </a:r>
+            <a:endParaRPr lang="ru-RU" dirty="0"/>
+          </a:p>
+          <a:p>
+            <a:r>
+              <a:rPr lang="en-US" dirty="0"/>
+              <a:t>Over</a:t>
+            </a:r>
+            <a:r>
+              <a:rPr lang="en-US" baseline="0" dirty="0"/>
+              <a:t> specification – </a:t>
+            </a:r>
+            <a:r>
+              <a:rPr lang="ru-RU" baseline="0" dirty="0"/>
+              <a:t>создается одна ситуация, но в ней тестируется все (один </a:t>
+            </a:r>
+            <a:r>
+              <a:rPr lang="en-US" baseline="0" dirty="0"/>
+              <a:t>act, </a:t>
+            </a:r>
+            <a:r>
+              <a:rPr lang="ru-RU" baseline="0" dirty="0"/>
+              <a:t>много </a:t>
+            </a:r>
+            <a:r>
+              <a:rPr lang="en-US" baseline="0" dirty="0"/>
+              <a:t>assert)</a:t>
+            </a:r>
+            <a:endParaRPr lang="ru-RU" baseline="0" dirty="0"/>
+          </a:p>
+          <a:p>
+            <a:endParaRPr lang="ru-RU" baseline="0" dirty="0"/>
+          </a:p>
+          <a:p>
+            <a:r>
+              <a:rPr lang="ru-RU" baseline="0" dirty="0"/>
+              <a:t>Только хорошо написанные тесты могут служить спецификацией</a:t>
+            </a:r>
             <a:r>
               <a:rPr lang="ru-RU" baseline="0" dirty="0" smtClean="0"/>
-              <a:t>Первое, что в голову приходит:</a:t>
-            </a:r>
-          </a:p>
-          <a:p>
-            <a:pPr marL="171450" indent="-171450">
-              <a:buFontTx/>
-              <a:buChar char="-"/>
-            </a:pPr>
-            <a:r>
-              <a:rPr lang="ru-RU" baseline="0" dirty="0" smtClean="0"/>
-              <a:t>Дольше разработка: писать ведь больше, больше кнопок нажимать</a:t>
-            </a:r>
-          </a:p>
-          <a:p>
-            <a:pPr marL="171450" indent="-171450">
-              <a:buFontTx/>
-              <a:buChar char="-"/>
-            </a:pPr>
-            <a:r>
-              <a:rPr lang="ru-RU" baseline="0" dirty="0" smtClean="0"/>
-              <a:t>Есть повторяющиеся сценарии, разные параметры и соответственно очень похожие тесты</a:t>
-            </a:r>
-          </a:p>
-          <a:p>
-            <a:pPr marL="171450" indent="-171450">
-              <a:buFontTx/>
-              <a:buChar char="-"/>
-            </a:pPr>
-            <a:r>
-              <a:rPr lang="ru-RU" baseline="0" dirty="0" smtClean="0"/>
-              <a:t>Непонятное </a:t>
-            </a:r>
-            <a:r>
-              <a:rPr lang="en-US" baseline="0" dirty="0" smtClean="0"/>
-              <a:t>API </a:t>
-            </a:r>
-            <a:r>
-              <a:rPr lang="ru-RU" baseline="0" dirty="0" smtClean="0"/>
-              <a:t>у тестового </a:t>
-            </a:r>
-            <a:r>
-              <a:rPr lang="ru-RU" baseline="0" dirty="0" err="1" smtClean="0"/>
-              <a:t>фреймворка</a:t>
-            </a:r>
-            <a:endParaRPr lang="ru-RU" baseline="0" dirty="0" smtClean="0"/>
-          </a:p>
-          <a:p>
-            <a:pPr marL="0" indent="0">
-              <a:buFontTx/>
-              <a:buNone/>
-            </a:pPr>
-            <a:endParaRPr lang="ru-RU" baseline="0" dirty="0" smtClean="0"/>
-          </a:p>
-          <a:p>
-            <a:pPr marL="0" indent="0">
-              <a:buFontTx/>
-              <a:buNone/>
-            </a:pPr>
-            <a:r>
-              <a:rPr lang="ru-RU" baseline="0" dirty="0" smtClean="0"/>
-              <a:t>Нужно настроить окружение таким образом, чтобы тесты писались как можно легче.</a:t>
-            </a:r>
+              <a:t>.</a:t>
+            </a:r>
+            <a:endParaRPr lang="ru-RU" baseline="0" dirty="0"/>
+          </a:p>
+          <a:p>
+            <a:endParaRPr lang="en-US" baseline="0" dirty="0"/>
+          </a:p>
+          <a:p>
+            <a:endParaRPr lang="en-US" dirty="0"/>
           </a:p>
         </p:txBody>
       </p:sp>
@@ -12467,7 +12551,7 @@
           <a:p>
             <a:fld id="{3BAECB10-9972-4830-A584-02C41DAFD45B}" type="slidenum">
               <a:rPr lang="ru-RU" smtClean="0"/>
-              <a:t>10</a:t>
+              <a:t>9</a:t>
             </a:fld>
             <a:endParaRPr lang="ru-RU"/>
           </a:p>
@@ -12476,7 +12560,7 @@
     </p:spTree>
     <p:extLst>
       <p:ext uri="{BB962C8B-B14F-4D97-AF65-F5344CB8AC3E}">
-        <p14:creationId xmlns:p14="http://schemas.microsoft.com/office/powerpoint/2010/main" val="196875330"/>
+        <p14:creationId xmlns:p14="http://schemas.microsoft.com/office/powerpoint/2010/main" val="150544368"/>
       </p:ext>
     </p:extLst>
   </p:cSld>
@@ -16946,25 +17030,46 @@
           <a:chExt cx="0" cy="0"/>
         </a:xfrm>
       </p:grpSpPr>
+      <p:sp>
+        <p:nvSpPr>
+          <p:cNvPr id="2" name="Заголовок 1"/>
+          <p:cNvSpPr>
+            <a:spLocks noGrp="1"/>
+          </p:cNvSpPr>
+          <p:nvPr>
+            <p:ph type="title"/>
+          </p:nvPr>
+        </p:nvSpPr>
+        <p:spPr/>
+        <p:txBody>
+          <a:bodyPr/>
+          <a:lstStyle/>
+          <a:p>
+            <a:r>
+              <a:rPr lang="en-US" dirty="0" smtClean="0"/>
+              <a:t>Setup</a:t>
+            </a:r>
+            <a:endParaRPr lang="ru-RU" dirty="0"/>
+          </a:p>
+        </p:txBody>
+      </p:sp>
       <p:pic>
         <p:nvPicPr>
-          <p:cNvPr id="4" name="Объект 3"/>
+          <p:cNvPr id="5" name="Рисунок 4"/>
           <p:cNvPicPr>
-            <a:picLocks noGrp="1" noChangeAspect="1"/>
+            <a:picLocks noChangeAspect="1"/>
           </p:cNvPicPr>
-          <p:nvPr>
-            <p:ph sz="quarter" idx="13"/>
-          </p:nvPr>
+          <p:nvPr/>
         </p:nvPicPr>
         <p:blipFill rotWithShape="1">
           <a:blip r:embed="rId3"/>
-          <a:srcRect r="26963"/>
+          <a:srcRect b="21983"/>
           <a:stretch/>
         </p:blipFill>
         <p:spPr>
           <a:xfrm>
-            <a:off x="1260941" y="1556792"/>
-            <a:ext cx="9659595" cy="4824536"/>
+            <a:off x="2405064" y="1628800"/>
+            <a:ext cx="7381875" cy="5112568"/>
           </a:xfrm>
           <a:prstGeom prst="rect">
             <a:avLst/>
@@ -17042,6 +17147,10 @@
           <a:bodyPr/>
           <a:lstStyle/>
           <a:p>
+            <a:r>
+              <a:rPr lang="en-US" dirty="0" err="1"/>
+              <a:t>TearDown</a:t>
+            </a:r>
             <a:endParaRPr lang="ru-RU" dirty="0"/>
           </a:p>
         </p:txBody>
@@ -17086,22 +17195,43 @@
             <p:ph sz="quarter" idx="13"/>
           </p:nvPr>
         </p:nvPicPr>
-        <p:blipFill>
+        <p:blipFill rotWithShape="1">
           <a:blip r:embed="rId3"/>
-          <a:stretch>
-            <a:fillRect/>
-          </a:stretch>
+          <a:stretch/>
         </p:blipFill>
         <p:spPr>
           <a:xfrm>
-            <a:off x="2063554" y="260648"/>
-            <a:ext cx="8064896" cy="6268679"/>
+            <a:off x="3085532" y="1628775"/>
+            <a:ext cx="6020935" cy="4679950"/>
           </a:xfrm>
           <a:prstGeom prst="rect">
             <a:avLst/>
           </a:prstGeom>
         </p:spPr>
       </p:pic>
+      <p:sp>
+        <p:nvSpPr>
+          <p:cNvPr id="2" name="Заголовок 1"/>
+          <p:cNvSpPr>
+            <a:spLocks noGrp="1"/>
+          </p:cNvSpPr>
+          <p:nvPr>
+            <p:ph type="title"/>
+          </p:nvPr>
+        </p:nvSpPr>
+        <p:spPr/>
+        <p:txBody>
+          <a:bodyPr/>
+          <a:lstStyle/>
+          <a:p>
+            <a:r>
+              <a:rPr lang="en-US" dirty="0" smtClean="0"/>
+              <a:t>Object Mother</a:t>
+            </a:r>
+            <a:endParaRPr lang="ru-RU" dirty="0"/>
+          </a:p>
+        </p:txBody>
+      </p:sp>
     </p:spTree>
     <p:extLst>
       <p:ext uri="{BB962C8B-B14F-4D97-AF65-F5344CB8AC3E}">
@@ -17668,74 +17798,43 @@
       </p:grpSpPr>
       <p:pic>
         <p:nvPicPr>
-          <p:cNvPr id="4" name="Рисунок 3"/>
+          <p:cNvPr id="1032" name="Picture 8" descr="http://brauzergid.ru/wp-content/uploads/2016/10/rezhim-inkognito-v-opera5.jpg"/>
           <p:cNvPicPr>
-            <a:picLocks noChangeAspect="1"/>
+            <a:picLocks noChangeAspect="1" noChangeArrowheads="1"/>
           </p:cNvPicPr>
           <p:nvPr/>
         </p:nvPicPr>
         <p:blipFill>
-          <a:blip r:embed="rId2"/>
+          <a:blip r:embed="rId3">
+            <a:extLst>
+              <a:ext uri="{28A0092B-C50C-407E-A947-70E740481C1C}">
+                <a14:useLocalDpi xmlns:a14="http://schemas.microsoft.com/office/drawing/2010/main" val="0"/>
+              </a:ext>
+            </a:extLst>
+          </a:blip>
+          <a:srcRect/>
           <a:stretch>
             <a:fillRect/>
           </a:stretch>
         </p:blipFill>
-        <p:spPr>
+        <p:spPr bwMode="auto">
           <a:xfrm>
-            <a:off x="1919536" y="620688"/>
-            <a:ext cx="8286750" cy="1847850"/>
+            <a:off x="3647728" y="620688"/>
+            <a:ext cx="5143500" cy="5905501"/>
           </a:xfrm>
           <a:prstGeom prst="rect">
             <a:avLst/>
           </a:prstGeom>
-        </p:spPr>
-      </p:pic>
-      <p:pic>
-        <p:nvPicPr>
-          <p:cNvPr id="5" name="Рисунок 4"/>
-          <p:cNvPicPr>
-            <a:picLocks noChangeAspect="1"/>
-          </p:cNvPicPr>
-          <p:nvPr/>
-        </p:nvPicPr>
-        <p:blipFill>
-          <a:blip r:embed="rId3"/>
-          <a:stretch>
-            <a:fillRect/>
-          </a:stretch>
-        </p:blipFill>
-        <p:spPr>
-          <a:xfrm>
-            <a:off x="1919536" y="2468538"/>
-            <a:ext cx="8267700" cy="1876425"/>
-          </a:xfrm>
-          <a:prstGeom prst="rect">
-            <a:avLst/>
-          </a:prstGeom>
-        </p:spPr>
-      </p:pic>
-      <p:pic>
-        <p:nvPicPr>
-          <p:cNvPr id="6" name="Рисунок 5"/>
-          <p:cNvPicPr>
-            <a:picLocks noChangeAspect="1"/>
-          </p:cNvPicPr>
-          <p:nvPr/>
-        </p:nvPicPr>
-        <p:blipFill>
-          <a:blip r:embed="rId4"/>
-          <a:stretch>
-            <a:fillRect/>
-          </a:stretch>
-        </p:blipFill>
-        <p:spPr>
-          <a:xfrm>
-            <a:off x="1919536" y="4316388"/>
-            <a:ext cx="8296275" cy="1866900"/>
-          </a:xfrm>
-          <a:prstGeom prst="rect">
-            <a:avLst/>
-          </a:prstGeom>
+          <a:noFill/>
+          <a:extLst>
+            <a:ext uri="{909E8E84-426E-40DD-AFC4-6F175D3DCCD1}">
+              <a14:hiddenFill xmlns:a14="http://schemas.microsoft.com/office/drawing/2010/main">
+                <a:solidFill>
+                  <a:srgbClr val="FFFFFF"/>
+                </a:solidFill>
+              </a14:hiddenFill>
+            </a:ext>
+          </a:extLst>
         </p:spPr>
       </p:pic>
     </p:spTree>

--- a/testing.pptx
+++ b/testing.pptx
@@ -8207,7 +8207,117 @@
             <a:endParaRPr lang="en-US" baseline="0" dirty="0" smtClean="0"/>
           </a:p>
           <a:p>
-            <a:endParaRPr lang="en-US" baseline="0" dirty="0" smtClean="0"/>
+            <a:endParaRPr lang="ru-RU" baseline="0" dirty="0" smtClean="0"/>
+          </a:p>
+          <a:p>
+            <a:r>
+              <a:rPr lang="ru-RU" baseline="0" dirty="0" smtClean="0"/>
+              <a:t>На слайде приведён кусок реального кода из проекта </a:t>
+            </a:r>
+            <a:r>
+              <a:rPr lang="en-US" baseline="0" dirty="0" err="1" smtClean="0"/>
+              <a:t>Kontur.Recognition</a:t>
+            </a:r>
+            <a:r>
+              <a:rPr lang="ru-RU" baseline="0" dirty="0" smtClean="0"/>
+              <a:t> (Истребования), </a:t>
+            </a:r>
+          </a:p>
+          <a:p>
+            <a:r>
+              <a:rPr lang="ru-RU" baseline="0" dirty="0" smtClean="0"/>
+              <a:t>одна из возможностей проекта – формирование ответов (пачка документов + опись) на требования из ФНС.</a:t>
+            </a:r>
+          </a:p>
+          <a:p>
+            <a:endParaRPr lang="ru-RU" baseline="0" dirty="0" smtClean="0"/>
+          </a:p>
+          <a:p>
+            <a:r>
+              <a:rPr lang="ru-RU" baseline="0" dirty="0" smtClean="0"/>
+              <a:t>Данный метод возвращает мета-информацию о документе в описи:</a:t>
+            </a:r>
+          </a:p>
+          <a:p>
+            <a:pPr marL="228600" indent="-228600">
+              <a:buAutoNum type="arabicPeriod"/>
+            </a:pPr>
+            <a:r>
+              <a:rPr lang="ru-RU" baseline="0" dirty="0" smtClean="0"/>
+              <a:t>Предназначен ли документ для налоговой декларации (</a:t>
+            </a:r>
+            <a:r>
+              <a:rPr lang="en-US" baseline="0" dirty="0" smtClean="0"/>
+              <a:t>bool)</a:t>
+            </a:r>
+          </a:p>
+          <a:p>
+            <a:pPr marL="228600" indent="-228600">
+              <a:buAutoNum type="arabicPeriod"/>
+            </a:pPr>
+            <a:r>
+              <a:rPr lang="ru-RU" baseline="0" dirty="0" smtClean="0"/>
+              <a:t>Дата и время формирования описи</a:t>
+            </a:r>
+          </a:p>
+          <a:p>
+            <a:pPr marL="228600" indent="-228600">
+              <a:buAutoNum type="arabicPeriod"/>
+            </a:pPr>
+            <a:r>
+              <a:rPr lang="ru-RU" baseline="0" dirty="0" smtClean="0"/>
+              <a:t>Код транзитной инспекции</a:t>
+            </a:r>
+          </a:p>
+          <a:p>
+            <a:pPr marL="228600" indent="-228600">
+              <a:buAutoNum type="arabicPeriod"/>
+            </a:pPr>
+            <a:r>
+              <a:rPr lang="ru-RU" baseline="0" dirty="0" smtClean="0"/>
+              <a:t>Код конечной инспекции</a:t>
+            </a:r>
+          </a:p>
+          <a:p>
+            <a:pPr marL="228600" indent="-228600">
+              <a:buAutoNum type="arabicPeriod"/>
+            </a:pPr>
+            <a:r>
+              <a:rPr lang="ru-RU" baseline="0" dirty="0" smtClean="0"/>
+              <a:t>Подписант</a:t>
+            </a:r>
+          </a:p>
+          <a:p>
+            <a:pPr marL="228600" indent="-228600">
+              <a:buAutoNum type="arabicPeriod"/>
+            </a:pPr>
+            <a:r>
+              <a:rPr lang="ru-RU" baseline="0" dirty="0" smtClean="0"/>
+              <a:t>Имя конечной </a:t>
+            </a:r>
+            <a:r>
+              <a:rPr lang="ru-RU" baseline="0" dirty="0" err="1" smtClean="0"/>
+              <a:t>инспеции</a:t>
+            </a:r>
+            <a:endParaRPr lang="ru-RU" baseline="0" dirty="0" smtClean="0"/>
+          </a:p>
+          <a:p>
+            <a:pPr marL="228600" indent="-228600">
+              <a:buAutoNum type="arabicPeriod"/>
+            </a:pPr>
+            <a:r>
+              <a:rPr lang="ru-RU" baseline="0" dirty="0" smtClean="0"/>
+              <a:t>Представитель (ФИО)</a:t>
+            </a:r>
+          </a:p>
+          <a:p>
+            <a:pPr marL="228600" indent="-228600">
+              <a:buAutoNum type="arabicPeriod"/>
+            </a:pPr>
+            <a:r>
+              <a:rPr lang="ru-RU" baseline="0" dirty="0" smtClean="0"/>
+              <a:t>И т.д.</a:t>
+            </a:r>
           </a:p>
         </p:txBody>
       </p:sp>

--- a/testing.pptx
+++ b/testing.pptx
@@ -7204,7 +7204,7 @@
           <a:p>
             <a:fld id="{16E5F246-0B7D-44DF-8C1B-EDFCA5DA626A}" type="datetimeFigureOut">
               <a:rPr lang="ru-RU" smtClean="0"/>
-              <a:t>04.10.2017</a:t>
+              <a:t>29.10.2017</a:t>
             </a:fld>
             <a:endParaRPr lang="ru-RU"/>
           </a:p>
@@ -17890,7 +17890,7 @@
 </file>
 
 <file path=ppt/slides/slide2.xml><?xml version="1.0" encoding="utf-8"?>
-<p:sld xmlns:a="http://schemas.openxmlformats.org/drawingml/2006/main" xmlns:r="http://schemas.openxmlformats.org/officeDocument/2006/relationships" xmlns:p="http://schemas.openxmlformats.org/presentationml/2006/main">
+<p:sld xmlns:a="http://schemas.openxmlformats.org/drawingml/2006/main" xmlns:r="http://schemas.openxmlformats.org/officeDocument/2006/relationships" xmlns:p="http://schemas.openxmlformats.org/presentationml/2006/main" show="0">
   <p:cSld>
     <p:spTree>
       <p:nvGrpSpPr>
@@ -17957,6 +17957,14 @@
   <p:clrMapOvr>
     <a:masterClrMapping/>
   </p:clrMapOvr>
+  <mc:AlternateContent xmlns:mc="http://schemas.openxmlformats.org/markup-compatibility/2006">
+    <mc:Choice xmlns:p14="http://schemas.microsoft.com/office/powerpoint/2010/main" Requires="p14">
+      <p:transition spd="slow" p14:dur="2000"/>
+    </mc:Choice>
+    <mc:Fallback>
+      <p:transition spd="slow"/>
+    </mc:Fallback>
+  </mc:AlternateContent>
 </p:sld>
 </file>
 
@@ -20715,9 +20723,9 @@
         <p:grpSpPr>
           <a:xfrm>
             <a:off x="1295400" y="5516883"/>
-            <a:ext cx="5603203" cy="791842"/>
+            <a:ext cx="5999850" cy="791842"/>
             <a:chOff x="6243139" y="2461370"/>
-            <a:chExt cx="5603203" cy="791842"/>
+            <a:chExt cx="5999850" cy="791842"/>
           </a:xfrm>
         </p:grpSpPr>
         <p:sp>
@@ -20729,7 +20737,7 @@
           <p:spPr>
             <a:xfrm>
               <a:off x="6891139" y="2595681"/>
-              <a:ext cx="4955203" cy="523220"/>
+              <a:ext cx="5351850" cy="523220"/>
             </a:xfrm>
             <a:prstGeom prst="rect">
               <a:avLst/>
@@ -20749,8 +20757,23 @@
                   </a:solidFill>
                   <a:latin typeface="+mj-lt"/>
                 </a:rPr>
-                <a:t>SAMPLES / AAA / ZIP_TESTS.CS</a:t>
+                <a:t>SAMPLES / AAA / </a:t>
               </a:r>
+              <a:r>
+                <a:rPr lang="en-US" sz="2800" dirty="0" smtClean="0">
+                  <a:solidFill>
+                    <a:schemeClr val="accent1"/>
+                  </a:solidFill>
+                  <a:latin typeface="+mj-lt"/>
+                </a:rPr>
+                <a:t>ZIP_SHOULD.CS</a:t>
+              </a:r>
+              <a:endParaRPr lang="en-US" sz="2800" dirty="0">
+                <a:solidFill>
+                  <a:schemeClr val="accent1"/>
+                </a:solidFill>
+                <a:latin typeface="+mj-lt"/>
+              </a:endParaRPr>
             </a:p>
           </p:txBody>
         </p:sp>
@@ -22697,13 +22720,13 @@
           </a:p>
           <a:p>
             <a:r>
-              <a:rPr lang="en-US" sz="2800" dirty="0">
+              <a:rPr lang="en-US" sz="2800" dirty="0" smtClean="0">
                 <a:hlinkClick r:id="rId3"/>
               </a:rPr>
               <a:t>http://blog.james-carr.org/2006/11/03/tdd-anti-patterns/</a:t>
             </a:r>
             <a:r>
-              <a:rPr lang="en-US" sz="2800" dirty="0"/>
+              <a:rPr lang="en-US" sz="2800" dirty="0" smtClean="0"/>
               <a:t> </a:t>
             </a:r>
             <a:endParaRPr lang="ru-RU" dirty="0"/>

--- a/testing.pptx
+++ b/testing.pptx
@@ -6,7 +6,7 @@
     <p:sldMasterId id="2147483811" r:id="rId2"/>
   </p:sldMasterIdLst>
   <p:notesMasterIdLst>
-    <p:notesMasterId r:id="rId30"/>
+    <p:notesMasterId r:id="rId33"/>
   </p:notesMasterIdLst>
   <p:sldIdLst>
     <p:sldId id="373" r:id="rId3"/>
@@ -17,25 +17,28 @@
     <p:sldId id="369" r:id="rId8"/>
     <p:sldId id="370" r:id="rId9"/>
     <p:sldId id="371" r:id="rId10"/>
-    <p:sldId id="307" r:id="rId11"/>
-    <p:sldId id="374" r:id="rId12"/>
-    <p:sldId id="339" r:id="rId13"/>
-    <p:sldId id="386" r:id="rId14"/>
-    <p:sldId id="387" r:id="rId15"/>
-    <p:sldId id="388" r:id="rId16"/>
-    <p:sldId id="338" r:id="rId17"/>
-    <p:sldId id="376" r:id="rId18"/>
-    <p:sldId id="389" r:id="rId19"/>
-    <p:sldId id="390" r:id="rId20"/>
-    <p:sldId id="391" r:id="rId21"/>
-    <p:sldId id="383" r:id="rId22"/>
-    <p:sldId id="378" r:id="rId23"/>
-    <p:sldId id="384" r:id="rId24"/>
-    <p:sldId id="377" r:id="rId25"/>
-    <p:sldId id="382" r:id="rId26"/>
-    <p:sldId id="379" r:id="rId27"/>
-    <p:sldId id="380" r:id="rId28"/>
-    <p:sldId id="381" r:id="rId29"/>
+    <p:sldId id="376" r:id="rId11"/>
+    <p:sldId id="307" r:id="rId12"/>
+    <p:sldId id="374" r:id="rId13"/>
+    <p:sldId id="339" r:id="rId14"/>
+    <p:sldId id="394" r:id="rId15"/>
+    <p:sldId id="386" r:id="rId16"/>
+    <p:sldId id="387" r:id="rId17"/>
+    <p:sldId id="388" r:id="rId18"/>
+    <p:sldId id="395" r:id="rId19"/>
+    <p:sldId id="338" r:id="rId20"/>
+    <p:sldId id="389" r:id="rId21"/>
+    <p:sldId id="390" r:id="rId22"/>
+    <p:sldId id="391" r:id="rId23"/>
+    <p:sldId id="393" r:id="rId24"/>
+    <p:sldId id="378" r:id="rId25"/>
+    <p:sldId id="384" r:id="rId26"/>
+    <p:sldId id="383" r:id="rId27"/>
+    <p:sldId id="377" r:id="rId28"/>
+    <p:sldId id="382" r:id="rId29"/>
+    <p:sldId id="379" r:id="rId30"/>
+    <p:sldId id="380" r:id="rId31"/>
+    <p:sldId id="381" r:id="rId32"/>
   </p:sldIdLst>
   <p:sldSz cx="12192000" cy="6858000"/>
   <p:notesSz cx="6858000" cy="9144000"/>
@@ -151,6 +154,7 @@
             <p14:sldId id="369"/>
             <p14:sldId id="370"/>
             <p14:sldId id="371"/>
+            <p14:sldId id="376"/>
             <p14:sldId id="307"/>
           </p14:sldIdLst>
         </p14:section>
@@ -158,17 +162,19 @@
           <p14:sldIdLst>
             <p14:sldId id="374"/>
             <p14:sldId id="339"/>
+            <p14:sldId id="394"/>
             <p14:sldId id="386"/>
             <p14:sldId id="387"/>
             <p14:sldId id="388"/>
+            <p14:sldId id="395"/>
             <p14:sldId id="338"/>
-            <p14:sldId id="376"/>
             <p14:sldId id="389"/>
             <p14:sldId id="390"/>
             <p14:sldId id="391"/>
-            <p14:sldId id="383"/>
+            <p14:sldId id="393"/>
             <p14:sldId id="378"/>
             <p14:sldId id="384"/>
+            <p14:sldId id="383"/>
             <p14:sldId id="377"/>
           </p14:sldIdLst>
         </p14:section>
@@ -2516,13 +2522,6 @@
         </dgm:presLayoutVars>
       </dgm:prSet>
       <dgm:spPr/>
-      <dgm:t>
-        <a:bodyPr/>
-        <a:lstStyle/>
-        <a:p>
-          <a:endParaRPr lang="ru-RU"/>
-        </a:p>
-      </dgm:t>
     </dgm:pt>
     <dgm:pt modelId="{CF6D50B3-578A-4EA0-A5A0-492FA729F6ED}" type="pres">
       <dgm:prSet presAssocID="{B75F6A3A-9A51-4DF3-8A57-9AEB0739425C}" presName="composite" presStyleCnt="0"/>
@@ -2535,13 +2534,6 @@
         </dgm:presLayoutVars>
       </dgm:prSet>
       <dgm:spPr/>
-      <dgm:t>
-        <a:bodyPr/>
-        <a:lstStyle/>
-        <a:p>
-          <a:endParaRPr lang="ru-RU"/>
-        </a:p>
-      </dgm:t>
     </dgm:pt>
     <dgm:pt modelId="{61EB78D8-69FF-471D-8FEB-71388C442F55}" type="pres">
       <dgm:prSet presAssocID="{B75F6A3A-9A51-4DF3-8A57-9AEB0739425C}" presName="rect1" presStyleLbl="alignImgPlace1" presStyleIdx="0" presStyleCnt="1" custScaleX="596594" custScaleY="114980" custLinFactX="-64576" custLinFactNeighborX="-100000" custLinFactNeighborY="-13065"/>
@@ -2563,9 +2555,9 @@
     </dgm:pt>
   </dgm:ptLst>
   <dgm:cxnLst>
-    <dgm:cxn modelId="{017518C9-1619-4B19-AA03-86BA999BA287}" srcId="{EAB81984-5B84-4970-8447-2B456B8C58DF}" destId="{B75F6A3A-9A51-4DF3-8A57-9AEB0739425C}" srcOrd="0" destOrd="0" parTransId="{203596AF-4F49-40BA-B1E1-11BDD34B512E}" sibTransId="{A056157B-3867-49A4-9195-F3A4F3FBBA8E}"/>
     <dgm:cxn modelId="{1CEAA455-5BF4-4666-95B8-390900AB8124}" type="presOf" srcId="{EAB81984-5B84-4970-8447-2B456B8C58DF}" destId="{3A252E36-3D7E-49E5-B812-EE4CACF0D5CF}" srcOrd="0" destOrd="0" presId="urn:microsoft.com/office/officeart/2008/layout/PictureGrid"/>
     <dgm:cxn modelId="{147A14B3-96E8-4139-969B-9DB1BCB4D95E}" type="presOf" srcId="{B75F6A3A-9A51-4DF3-8A57-9AEB0739425C}" destId="{B29ABF60-EC0F-45AD-A90E-9C76D15C2F14}" srcOrd="0" destOrd="0" presId="urn:microsoft.com/office/officeart/2008/layout/PictureGrid"/>
+    <dgm:cxn modelId="{017518C9-1619-4B19-AA03-86BA999BA287}" srcId="{EAB81984-5B84-4970-8447-2B456B8C58DF}" destId="{B75F6A3A-9A51-4DF3-8A57-9AEB0739425C}" srcOrd="0" destOrd="0" parTransId="{203596AF-4F49-40BA-B1E1-11BDD34B512E}" sibTransId="{A056157B-3867-49A4-9195-F3A4F3FBBA8E}"/>
     <dgm:cxn modelId="{D3458AFA-605E-43EE-8C8A-0E0C1E3CD931}" type="presParOf" srcId="{3A252E36-3D7E-49E5-B812-EE4CACF0D5CF}" destId="{CF6D50B3-578A-4EA0-A5A0-492FA729F6ED}" srcOrd="0" destOrd="0" presId="urn:microsoft.com/office/officeart/2008/layout/PictureGrid"/>
     <dgm:cxn modelId="{9835F3F3-3E30-4AC4-AD89-BC095FA9A878}" type="presParOf" srcId="{CF6D50B3-578A-4EA0-A5A0-492FA729F6ED}" destId="{B29ABF60-EC0F-45AD-A90E-9C76D15C2F14}" srcOrd="0" destOrd="0" presId="urn:microsoft.com/office/officeart/2008/layout/PictureGrid"/>
     <dgm:cxn modelId="{70FA379F-7827-49B9-806E-1FD72CAE8F89}" type="presParOf" srcId="{CF6D50B3-578A-4EA0-A5A0-492FA729F6ED}" destId="{61EB78D8-69FF-471D-8FEB-71388C442F55}" srcOrd="1" destOrd="0" presId="urn:microsoft.com/office/officeart/2008/layout/PictureGrid"/>
@@ -2637,13 +2629,6 @@
         </dgm:presLayoutVars>
       </dgm:prSet>
       <dgm:spPr/>
-      <dgm:t>
-        <a:bodyPr/>
-        <a:lstStyle/>
-        <a:p>
-          <a:endParaRPr lang="ru-RU"/>
-        </a:p>
-      </dgm:t>
     </dgm:pt>
     <dgm:pt modelId="{CF6D50B3-578A-4EA0-A5A0-492FA729F6ED}" type="pres">
       <dgm:prSet presAssocID="{B75F6A3A-9A51-4DF3-8A57-9AEB0739425C}" presName="composite" presStyleCnt="0"/>
@@ -2656,13 +2641,6 @@
         </dgm:presLayoutVars>
       </dgm:prSet>
       <dgm:spPr/>
-      <dgm:t>
-        <a:bodyPr/>
-        <a:lstStyle/>
-        <a:p>
-          <a:endParaRPr lang="ru-RU"/>
-        </a:p>
-      </dgm:t>
     </dgm:pt>
     <dgm:pt modelId="{61EB78D8-69FF-471D-8FEB-71388C442F55}" type="pres">
       <dgm:prSet presAssocID="{B75F6A3A-9A51-4DF3-8A57-9AEB0739425C}" presName="rect1" presStyleLbl="alignImgPlace1" presStyleIdx="0" presStyleCnt="1" custScaleX="596594" custScaleY="114980" custLinFactX="-64576" custLinFactNeighborX="-100000" custLinFactNeighborY="-13065"/>
@@ -2684,9 +2662,9 @@
     </dgm:pt>
   </dgm:ptLst>
   <dgm:cxnLst>
-    <dgm:cxn modelId="{017518C9-1619-4B19-AA03-86BA999BA287}" srcId="{EAB81984-5B84-4970-8447-2B456B8C58DF}" destId="{B75F6A3A-9A51-4DF3-8A57-9AEB0739425C}" srcOrd="0" destOrd="0" parTransId="{203596AF-4F49-40BA-B1E1-11BDD34B512E}" sibTransId="{A056157B-3867-49A4-9195-F3A4F3FBBA8E}"/>
     <dgm:cxn modelId="{1CEAA455-5BF4-4666-95B8-390900AB8124}" type="presOf" srcId="{EAB81984-5B84-4970-8447-2B456B8C58DF}" destId="{3A252E36-3D7E-49E5-B812-EE4CACF0D5CF}" srcOrd="0" destOrd="0" presId="urn:microsoft.com/office/officeart/2008/layout/PictureGrid"/>
     <dgm:cxn modelId="{147A14B3-96E8-4139-969B-9DB1BCB4D95E}" type="presOf" srcId="{B75F6A3A-9A51-4DF3-8A57-9AEB0739425C}" destId="{B29ABF60-EC0F-45AD-A90E-9C76D15C2F14}" srcOrd="0" destOrd="0" presId="urn:microsoft.com/office/officeart/2008/layout/PictureGrid"/>
+    <dgm:cxn modelId="{017518C9-1619-4B19-AA03-86BA999BA287}" srcId="{EAB81984-5B84-4970-8447-2B456B8C58DF}" destId="{B75F6A3A-9A51-4DF3-8A57-9AEB0739425C}" srcOrd="0" destOrd="0" parTransId="{203596AF-4F49-40BA-B1E1-11BDD34B512E}" sibTransId="{A056157B-3867-49A4-9195-F3A4F3FBBA8E}"/>
     <dgm:cxn modelId="{D3458AFA-605E-43EE-8C8A-0E0C1E3CD931}" type="presParOf" srcId="{3A252E36-3D7E-49E5-B812-EE4CACF0D5CF}" destId="{CF6D50B3-578A-4EA0-A5A0-492FA729F6ED}" srcOrd="0" destOrd="0" presId="urn:microsoft.com/office/officeart/2008/layout/PictureGrid"/>
     <dgm:cxn modelId="{9835F3F3-3E30-4AC4-AD89-BC095FA9A878}" type="presParOf" srcId="{CF6D50B3-578A-4EA0-A5A0-492FA729F6ED}" destId="{B29ABF60-EC0F-45AD-A90E-9C76D15C2F14}" srcOrd="0" destOrd="0" presId="urn:microsoft.com/office/officeart/2008/layout/PictureGrid"/>
     <dgm:cxn modelId="{70FA379F-7827-49B9-806E-1FD72CAE8F89}" type="presParOf" srcId="{CF6D50B3-578A-4EA0-A5A0-492FA729F6ED}" destId="{61EB78D8-69FF-471D-8FEB-71388C442F55}" srcOrd="1" destOrd="0" presId="urn:microsoft.com/office/officeart/2008/layout/PictureGrid"/>
@@ -2776,13 +2754,6 @@
         </dgm:presLayoutVars>
       </dgm:prSet>
       <dgm:spPr/>
-      <dgm:t>
-        <a:bodyPr/>
-        <a:lstStyle/>
-        <a:p>
-          <a:endParaRPr lang="ru-RU"/>
-        </a:p>
-      </dgm:t>
     </dgm:pt>
     <dgm:pt modelId="{65D73C51-61AB-436D-8191-975603FC9C68}" type="pres">
       <dgm:prSet presAssocID="{9C9C0585-42CE-4F34-A2BB-F1377DA03788}" presName="composite" presStyleCnt="0"/>
@@ -2795,13 +2766,6 @@
         </dgm:presLayoutVars>
       </dgm:prSet>
       <dgm:spPr/>
-      <dgm:t>
-        <a:bodyPr/>
-        <a:lstStyle/>
-        <a:p>
-          <a:endParaRPr lang="ru-RU"/>
-        </a:p>
-      </dgm:t>
     </dgm:pt>
     <dgm:pt modelId="{DFDA3CA3-5C68-4A2F-A4A8-285063A35D87}" type="pres">
       <dgm:prSet presAssocID="{9C9C0585-42CE-4F34-A2BB-F1377DA03788}" presName="rect1" presStyleLbl="alignImgPlace1" presStyleIdx="0" presStyleCnt="1" custScaleX="62421" custScaleY="62421" custLinFactNeighborX="1076" custLinFactNeighborY="-52209"/>
@@ -2826,8 +2790,8 @@
     </dgm:pt>
   </dgm:ptLst>
   <dgm:cxnLst>
+    <dgm:cxn modelId="{A9E27516-E8E4-42A7-A155-024D48E79559}" type="presOf" srcId="{8F66C165-B39F-46D3-B19F-623799541DD3}" destId="{B6F028CB-F170-4FEF-BC3A-25F0E90D434A}" srcOrd="0" destOrd="0" presId="urn:microsoft.com/office/officeart/2008/layout/PictureGrid"/>
     <dgm:cxn modelId="{A177C822-7566-4410-A889-706A6CE15148}" srcId="{8F66C165-B39F-46D3-B19F-623799541DD3}" destId="{9C9C0585-42CE-4F34-A2BB-F1377DA03788}" srcOrd="0" destOrd="0" parTransId="{4E5DCF2B-AAE7-41E2-837F-518128C03597}" sibTransId="{56F70C7F-1925-4DBA-9BD6-AF5E91799A59}"/>
-    <dgm:cxn modelId="{A9E27516-E8E4-42A7-A155-024D48E79559}" type="presOf" srcId="{8F66C165-B39F-46D3-B19F-623799541DD3}" destId="{B6F028CB-F170-4FEF-BC3A-25F0E90D434A}" srcOrd="0" destOrd="0" presId="urn:microsoft.com/office/officeart/2008/layout/PictureGrid"/>
     <dgm:cxn modelId="{ACD53F50-5BA1-48C9-B5DF-09BF6DA4DE65}" type="presOf" srcId="{9C9C0585-42CE-4F34-A2BB-F1377DA03788}" destId="{A30F2283-C0A4-4A69-BCBE-833D967155A2}" srcOrd="0" destOrd="0" presId="urn:microsoft.com/office/officeart/2008/layout/PictureGrid"/>
     <dgm:cxn modelId="{CC189C1C-06A1-4F03-B886-67BF46A53703}" type="presParOf" srcId="{B6F028CB-F170-4FEF-BC3A-25F0E90D434A}" destId="{65D73C51-61AB-436D-8191-975603FC9C68}" srcOrd="0" destOrd="0" presId="urn:microsoft.com/office/officeart/2008/layout/PictureGrid"/>
     <dgm:cxn modelId="{CD7DB92E-B84F-43A0-AC2D-FBBFB40722EE}" type="presParOf" srcId="{65D73C51-61AB-436D-8191-975603FC9C68}" destId="{A30F2283-C0A4-4A69-BCBE-833D967155A2}" srcOrd="0" destOrd="0" presId="urn:microsoft.com/office/officeart/2008/layout/PictureGrid"/>
@@ -2888,7 +2852,7 @@
         </a:bodyPr>
         <a:lstStyle/>
         <a:p>
-          <a:pPr lvl="0" algn="l" defTabSz="222250">
+          <a:pPr marL="0" lvl="0" indent="0" algn="l" defTabSz="222250">
             <a:lnSpc>
               <a:spcPct val="90000"/>
             </a:lnSpc>
@@ -2898,6 +2862,7 @@
             <a:spcAft>
               <a:spcPct val="35000"/>
             </a:spcAft>
+            <a:buNone/>
           </a:pPr>
           <a:r>
             <a:rPr lang="ru-RU" sz="500" kern="1200" dirty="0"/>
@@ -3011,7 +2976,7 @@
         </a:bodyPr>
         <a:lstStyle/>
         <a:p>
-          <a:pPr lvl="0" algn="l" defTabSz="222250">
+          <a:pPr marL="0" lvl="0" indent="0" algn="l" defTabSz="222250">
             <a:lnSpc>
               <a:spcPct val="90000"/>
             </a:lnSpc>
@@ -3021,6 +2986,7 @@
             <a:spcAft>
               <a:spcPct val="35000"/>
             </a:spcAft>
+            <a:buNone/>
           </a:pPr>
           <a:r>
             <a:rPr lang="ru-RU" sz="500" kern="1200" dirty="0"/>
@@ -3134,7 +3100,7 @@
         </a:bodyPr>
         <a:lstStyle/>
         <a:p>
-          <a:pPr lvl="0" algn="ctr" defTabSz="1778000">
+          <a:pPr marL="0" lvl="0" indent="0" algn="ctr" defTabSz="1778000">
             <a:lnSpc>
               <a:spcPct val="90000"/>
             </a:lnSpc>
@@ -3144,6 +3110,7 @@
             <a:spcAft>
               <a:spcPct val="35000"/>
             </a:spcAft>
+            <a:buNone/>
           </a:pPr>
           <a:r>
             <a:rPr lang="ru-RU" sz="4000" kern="1200" dirty="0">
@@ -7204,7 +7171,7 @@
           <a:p>
             <a:fld id="{16E5F246-0B7D-44DF-8C1B-EDFCA5DA626A}" type="datetimeFigureOut">
               <a:rPr lang="ru-RU" smtClean="0"/>
-              <a:t>29.10.2017</a:t>
+              <a:t>06.11.2017</a:t>
             </a:fld>
             <a:endParaRPr lang="ru-RU"/>
           </a:p>
@@ -7516,26 +7483,26 @@
           <a:lstStyle/>
           <a:p>
             <a:r>
-              <a:rPr lang="ru-RU" dirty="0" smtClean="0"/>
+              <a:rPr lang="ru-RU" dirty="0"/>
               <a:t>Кто уже применял</a:t>
             </a:r>
             <a:r>
-              <a:rPr lang="ru-RU" baseline="0" dirty="0" smtClean="0"/>
+              <a:rPr lang="ru-RU" baseline="0" dirty="0"/>
               <a:t> </a:t>
             </a:r>
             <a:r>
-              <a:rPr lang="en-US" baseline="0" dirty="0" err="1" smtClean="0"/>
+              <a:rPr lang="en-US" baseline="0" dirty="0" err="1"/>
               <a:t>NUnit</a:t>
             </a:r>
             <a:r>
-              <a:rPr lang="ru-RU" baseline="0" dirty="0" smtClean="0"/>
+              <a:rPr lang="ru-RU" baseline="0" dirty="0"/>
               <a:t> или подобные тесты?</a:t>
             </a:r>
             <a:br>
-              <a:rPr lang="ru-RU" baseline="0" dirty="0" smtClean="0"/>
+              <a:rPr lang="ru-RU" baseline="0" dirty="0"/>
             </a:br>
             <a:r>
-              <a:rPr lang="ru-RU" dirty="0" smtClean="0"/>
+              <a:rPr lang="ru-RU" dirty="0"/>
               <a:t>Зачем нужно тестирование? </a:t>
             </a:r>
           </a:p>
@@ -7545,14 +7512,14 @@
               <a:buChar char="•"/>
             </a:pPr>
             <a:r>
-              <a:rPr lang="ru-RU" dirty="0" smtClean="0"/>
+              <a:rPr lang="ru-RU" dirty="0"/>
               <a:t>оперативная</a:t>
             </a:r>
             <a:r>
-              <a:rPr lang="ru-RU" baseline="0" dirty="0" smtClean="0"/>
+              <a:rPr lang="ru-RU" baseline="0" dirty="0"/>
               <a:t> обратная связь</a:t>
             </a:r>
-            <a:endParaRPr lang="en-US" baseline="0" dirty="0" smtClean="0"/>
+            <a:endParaRPr lang="en-US" baseline="0" dirty="0"/>
           </a:p>
           <a:p>
             <a:pPr marL="171450" indent="-171450">
@@ -7560,7 +7527,7 @@
               <a:buChar char="•"/>
             </a:pPr>
             <a:r>
-              <a:rPr lang="ru-RU" baseline="0" dirty="0" smtClean="0"/>
+              <a:rPr lang="ru-RU" baseline="0" dirty="0"/>
               <a:t>качество</a:t>
             </a:r>
           </a:p>
@@ -7570,10 +7537,10 @@
               <a:buChar char="•"/>
             </a:pPr>
             <a:r>
-              <a:rPr lang="ru-RU" baseline="0" dirty="0" smtClean="0"/>
+              <a:rPr lang="ru-RU" baseline="0" dirty="0"/>
               <a:t>доверие к коду</a:t>
             </a:r>
-            <a:endParaRPr lang="en-US" baseline="0" dirty="0" smtClean="0"/>
+            <a:endParaRPr lang="en-US" baseline="0" dirty="0"/>
           </a:p>
           <a:p>
             <a:endParaRPr lang="ru-RU" dirty="0"/>
@@ -7661,28 +7628,28 @@
           <a:lstStyle/>
           <a:p>
             <a:r>
-              <a:rPr lang="ru-RU" dirty="0" smtClean="0"/>
+              <a:rPr lang="ru-RU" dirty="0"/>
               <a:t>Почему не пишем тесты сразу?</a:t>
             </a:r>
           </a:p>
           <a:p>
             <a:r>
-              <a:rPr lang="ru-RU" dirty="0" err="1" smtClean="0"/>
+              <a:rPr lang="ru-RU" dirty="0" err="1"/>
               <a:t>Спойлер</a:t>
             </a:r>
             <a:r>
-              <a:rPr lang="ru-RU" baseline="0" dirty="0" smtClean="0"/>
+              <a:rPr lang="ru-RU" baseline="0" dirty="0"/>
               <a:t> для </a:t>
             </a:r>
             <a:r>
-              <a:rPr lang="en-US" baseline="0" dirty="0" smtClean="0"/>
+              <a:rPr lang="en-US" baseline="0" dirty="0"/>
               <a:t>TDD</a:t>
             </a:r>
-            <a:endParaRPr lang="ru-RU" dirty="0" smtClean="0"/>
-          </a:p>
-          <a:p>
-            <a:r>
-              <a:rPr lang="ru-RU" baseline="0" dirty="0" smtClean="0"/>
+            <a:endParaRPr lang="ru-RU" dirty="0"/>
+          </a:p>
+          <a:p>
+            <a:r>
+              <a:rPr lang="ru-RU" baseline="0" dirty="0"/>
               <a:t>Первое, что в голову приходит:</a:t>
             </a:r>
           </a:p>
@@ -7692,7 +7659,7 @@
               <a:buChar char="-"/>
             </a:pPr>
             <a:r>
-              <a:rPr lang="ru-RU" baseline="0" dirty="0" smtClean="0"/>
+              <a:rPr lang="ru-RU" baseline="0" dirty="0"/>
               <a:t>Дольше разработка: писать ведь больше, больше кнопок нажимать</a:t>
             </a:r>
           </a:p>
@@ -7702,7 +7669,7 @@
               <a:buChar char="-"/>
             </a:pPr>
             <a:r>
-              <a:rPr lang="ru-RU" baseline="0" dirty="0" smtClean="0"/>
+              <a:rPr lang="ru-RU" baseline="0" dirty="0"/>
               <a:t>Есть повторяющиеся сценарии, разные параметры и соответственно очень похожие тесты</a:t>
             </a:r>
           </a:p>
@@ -7712,29 +7679,29 @@
               <a:buChar char="-"/>
             </a:pPr>
             <a:r>
-              <a:rPr lang="ru-RU" baseline="0" dirty="0" smtClean="0"/>
+              <a:rPr lang="ru-RU" baseline="0" dirty="0"/>
               <a:t>Непонятное </a:t>
             </a:r>
             <a:r>
-              <a:rPr lang="en-US" baseline="0" dirty="0" smtClean="0"/>
+              <a:rPr lang="en-US" baseline="0" dirty="0"/>
               <a:t>API </a:t>
             </a:r>
             <a:r>
-              <a:rPr lang="ru-RU" baseline="0" dirty="0" smtClean="0"/>
+              <a:rPr lang="ru-RU" baseline="0" dirty="0"/>
               <a:t>у тестового </a:t>
             </a:r>
             <a:r>
-              <a:rPr lang="ru-RU" baseline="0" dirty="0" err="1" smtClean="0"/>
+              <a:rPr lang="ru-RU" baseline="0" dirty="0" err="1"/>
               <a:t>фреймворка</a:t>
             </a:r>
-            <a:endParaRPr lang="ru-RU" baseline="0" dirty="0" smtClean="0"/>
+            <a:endParaRPr lang="ru-RU" baseline="0" dirty="0"/>
           </a:p>
           <a:p>
             <a:pPr marL="0" indent="0">
               <a:buFontTx/>
               <a:buNone/>
             </a:pPr>
-            <a:endParaRPr lang="ru-RU" baseline="0" dirty="0" smtClean="0"/>
+            <a:endParaRPr lang="ru-RU" baseline="0" dirty="0"/>
           </a:p>
           <a:p>
             <a:pPr marL="0" indent="0">
@@ -7742,7 +7709,7 @@
               <a:buNone/>
             </a:pPr>
             <a:r>
-              <a:rPr lang="ru-RU" baseline="0" dirty="0" smtClean="0"/>
+              <a:rPr lang="ru-RU" baseline="0" dirty="0"/>
               <a:t>Нужно настроить окружение таким образом, чтобы тесты писались как можно легче.</a:t>
             </a:r>
           </a:p>
@@ -7765,7 +7732,7 @@
           <a:p>
             <a:fld id="{3BAECB10-9972-4830-A584-02C41DAFD45B}" type="slidenum">
               <a:rPr lang="ru-RU" smtClean="0"/>
-              <a:t>10</a:t>
+              <a:t>11</a:t>
             </a:fld>
             <a:endParaRPr lang="ru-RU"/>
           </a:p>
@@ -7849,7 +7816,7 @@
           <a:p>
             <a:fld id="{3BAECB10-9972-4830-A584-02C41DAFD45B}" type="slidenum">
               <a:rPr lang="ru-RU" smtClean="0"/>
-              <a:t>11</a:t>
+              <a:t>12</a:t>
             </a:fld>
             <a:endParaRPr lang="ru-RU"/>
           </a:p>
@@ -7912,52 +7879,7 @@
           <a:bodyPr/>
           <a:lstStyle/>
           <a:p>
-            <a:r>
-              <a:rPr lang="en-US" dirty="0" smtClean="0"/>
-              <a:t>Spoiler Alert</a:t>
-            </a:r>
-            <a:r>
-              <a:rPr lang="ru-RU" dirty="0" smtClean="0"/>
-              <a:t>!</a:t>
-            </a:r>
-            <a:r>
-              <a:rPr lang="ru-RU" baseline="0" dirty="0" smtClean="0"/>
-              <a:t> Блок «</a:t>
-            </a:r>
-            <a:r>
-              <a:rPr lang="en-US" baseline="0" dirty="0" smtClean="0"/>
-              <a:t>Mock and Stub</a:t>
-            </a:r>
-            <a:r>
-              <a:rPr lang="ru-RU" baseline="0" dirty="0" smtClean="0"/>
-              <a:t>»</a:t>
-            </a:r>
-          </a:p>
-          <a:p>
-            <a:r>
-              <a:rPr lang="ru-RU" baseline="0" dirty="0" smtClean="0"/>
-              <a:t>На этом слайде мы видим </a:t>
-            </a:r>
-            <a:r>
-              <a:rPr lang="en-US" baseline="0" dirty="0" smtClean="0"/>
-              <a:t>setup</a:t>
-            </a:r>
-            <a:r>
-              <a:rPr lang="ru-RU" baseline="0" dirty="0" smtClean="0"/>
-              <a:t> для функциональных тестов с созданием </a:t>
-            </a:r>
-            <a:r>
-              <a:rPr lang="ru-RU" baseline="0" dirty="0" err="1" smtClean="0"/>
-              <a:t>Моков</a:t>
-            </a:r>
-            <a:r>
-              <a:rPr lang="ru-RU" baseline="0" dirty="0" smtClean="0"/>
-              <a:t> к основным внутренним сервисам.</a:t>
-            </a:r>
-            <a:endParaRPr lang="en-US" baseline="0" dirty="0" smtClean="0"/>
-          </a:p>
-          <a:p>
-            <a:endParaRPr lang="ru-RU" baseline="0" dirty="0" smtClean="0"/>
+            <a:endParaRPr lang="ru-RU" baseline="0" dirty="0"/>
           </a:p>
         </p:txBody>
       </p:sp>
@@ -7978,7 +7900,7 @@
           <a:p>
             <a:fld id="{3BAECB10-9972-4830-A584-02C41DAFD45B}" type="slidenum">
               <a:rPr lang="ru-RU" smtClean="0"/>
-              <a:t>12</a:t>
+              <a:t>14</a:t>
             </a:fld>
             <a:endParaRPr lang="ru-RU"/>
           </a:p>
@@ -8042,15 +7964,15 @@
           <a:lstStyle/>
           <a:p>
             <a:r>
-              <a:rPr lang="en-US" dirty="0" err="1" smtClean="0"/>
+              <a:rPr lang="en-US" dirty="0" err="1"/>
               <a:t>TearDown</a:t>
             </a:r>
             <a:r>
-              <a:rPr lang="en-US" baseline="0" dirty="0" smtClean="0"/>
+              <a:rPr lang="en-US" baseline="0" dirty="0"/>
               <a:t> </a:t>
             </a:r>
             <a:r>
-              <a:rPr lang="ru-RU" baseline="0" dirty="0" smtClean="0"/>
+              <a:rPr lang="ru-RU" baseline="0" dirty="0"/>
               <a:t>обычно содержит в себе методы для «зачистки» за собой.</a:t>
             </a:r>
             <a:endParaRPr lang="ru-RU" dirty="0"/>
@@ -8074,7 +7996,7 @@
           <a:p>
             <a:fld id="{3BAECB10-9972-4830-A584-02C41DAFD45B}" type="slidenum">
               <a:rPr lang="ru-RU" smtClean="0"/>
-              <a:t>13</a:t>
+              <a:t>15</a:t>
             </a:fld>
             <a:endParaRPr lang="ru-RU"/>
           </a:p>
@@ -8138,103 +8060,103 @@
           <a:lstStyle/>
           <a:p>
             <a:r>
-              <a:rPr lang="ru-RU" dirty="0" smtClean="0"/>
+              <a:rPr lang="ru-RU" dirty="0"/>
               <a:t>Это</a:t>
             </a:r>
             <a:r>
-              <a:rPr lang="ru-RU" baseline="0" dirty="0" smtClean="0"/>
+              <a:rPr lang="ru-RU" baseline="0" dirty="0"/>
               <a:t> </a:t>
             </a:r>
             <a:r>
-              <a:rPr lang="en-US" baseline="0" dirty="0" err="1" smtClean="0"/>
+              <a:rPr lang="en-US" baseline="0" dirty="0" err="1"/>
               <a:t>ObjectMother</a:t>
             </a:r>
             <a:r>
-              <a:rPr lang="ru-RU" baseline="0" dirty="0" smtClean="0"/>
+              <a:rPr lang="ru-RU" baseline="0" dirty="0"/>
               <a:t>.</a:t>
             </a:r>
           </a:p>
           <a:p>
             <a:r>
-              <a:rPr lang="ru-RU" baseline="0" dirty="0" smtClean="0"/>
+              <a:rPr lang="ru-RU" baseline="0" dirty="0"/>
               <a:t>Сначала определяется </a:t>
             </a:r>
             <a:r>
-              <a:rPr lang="en-US" baseline="0" dirty="0" err="1" smtClean="0"/>
+              <a:rPr lang="en-US" baseline="0" dirty="0" err="1"/>
               <a:t>var</a:t>
             </a:r>
             <a:r>
-              <a:rPr lang="en-US" baseline="0" dirty="0" smtClean="0"/>
+              <a:rPr lang="en-US" baseline="0" dirty="0"/>
               <a:t> a = </a:t>
             </a:r>
             <a:r>
-              <a:rPr lang="en-US" baseline="0" dirty="0" err="1" smtClean="0"/>
+              <a:rPr lang="en-US" baseline="0" dirty="0" err="1"/>
               <a:t>GenerateSubmissionMeta</a:t>
             </a:r>
             <a:r>
-              <a:rPr lang="en-US" baseline="0" dirty="0" smtClean="0"/>
+              <a:rPr lang="en-US" baseline="0" dirty="0"/>
               <a:t>()</a:t>
             </a:r>
             <a:r>
-              <a:rPr lang="ru-RU" baseline="0" dirty="0" smtClean="0"/>
+              <a:rPr lang="ru-RU" baseline="0" dirty="0"/>
               <a:t>, а затем в а дописываются/изменяются поля, которые мы хотим проверить.</a:t>
             </a:r>
           </a:p>
           <a:p>
-            <a:endParaRPr lang="ru-RU" baseline="0" dirty="0" smtClean="0"/>
-          </a:p>
-          <a:p>
-            <a:r>
-              <a:rPr lang="en-US" baseline="0" dirty="0" err="1" smtClean="0"/>
+            <a:endParaRPr lang="ru-RU" baseline="0" dirty="0"/>
+          </a:p>
+          <a:p>
+            <a:r>
+              <a:rPr lang="en-US" baseline="0" dirty="0" err="1"/>
               <a:t>TestDataBuilder</a:t>
             </a:r>
             <a:r>
-              <a:rPr lang="en-US" baseline="0" dirty="0" smtClean="0"/>
+              <a:rPr lang="en-US" baseline="0" dirty="0"/>
               <a:t> </a:t>
             </a:r>
             <a:r>
-              <a:rPr lang="ru-RU" baseline="0" dirty="0" smtClean="0"/>
+              <a:rPr lang="ru-RU" baseline="0" dirty="0"/>
               <a:t>-</a:t>
             </a:r>
             <a:r>
-              <a:rPr lang="en-US" baseline="0" dirty="0" smtClean="0"/>
+              <a:rPr lang="en-US" baseline="0" dirty="0"/>
               <a:t>&gt; </a:t>
             </a:r>
             <a:r>
-              <a:rPr lang="en-US" baseline="0" dirty="0" err="1" smtClean="0"/>
+              <a:rPr lang="en-US" baseline="0" dirty="0" err="1"/>
               <a:t>TestUserBuilder.cs</a:t>
             </a:r>
-            <a:endParaRPr lang="en-US" baseline="0" dirty="0" smtClean="0"/>
-          </a:p>
-          <a:p>
-            <a:endParaRPr lang="ru-RU" baseline="0" dirty="0" smtClean="0"/>
-          </a:p>
-          <a:p>
-            <a:r>
-              <a:rPr lang="ru-RU" baseline="0" dirty="0" smtClean="0"/>
+            <a:endParaRPr lang="en-US" baseline="0" dirty="0"/>
+          </a:p>
+          <a:p>
+            <a:endParaRPr lang="ru-RU" baseline="0" dirty="0"/>
+          </a:p>
+          <a:p>
+            <a:r>
+              <a:rPr lang="ru-RU" baseline="0" dirty="0"/>
               <a:t>На слайде приведён кусок реального кода из проекта </a:t>
             </a:r>
             <a:r>
-              <a:rPr lang="en-US" baseline="0" dirty="0" err="1" smtClean="0"/>
+              <a:rPr lang="en-US" baseline="0" dirty="0" err="1"/>
               <a:t>Kontur.Recognition</a:t>
             </a:r>
             <a:r>
-              <a:rPr lang="ru-RU" baseline="0" dirty="0" smtClean="0"/>
+              <a:rPr lang="ru-RU" baseline="0" dirty="0"/>
               <a:t> (Истребования), </a:t>
             </a:r>
           </a:p>
           <a:p>
             <a:r>
-              <a:rPr lang="ru-RU" baseline="0" dirty="0" smtClean="0"/>
+              <a:rPr lang="ru-RU" baseline="0" dirty="0"/>
               <a:t>одна из возможностей проекта – формирование ответов (пачка документов + опись) на требования из ФНС.</a:t>
             </a:r>
           </a:p>
           <a:p>
-            <a:endParaRPr lang="ru-RU" baseline="0" dirty="0" smtClean="0"/>
-          </a:p>
-          <a:p>
-            <a:r>
-              <a:rPr lang="ru-RU" baseline="0" dirty="0" smtClean="0"/>
+            <a:endParaRPr lang="ru-RU" baseline="0" dirty="0"/>
+          </a:p>
+          <a:p>
+            <a:r>
+              <a:rPr lang="ru-RU" baseline="0" dirty="0"/>
               <a:t>Данный метод возвращает мета-информацию о документе в описи:</a:t>
             </a:r>
           </a:p>
@@ -8243,11 +8165,11 @@
               <a:buAutoNum type="arabicPeriod"/>
             </a:pPr>
             <a:r>
-              <a:rPr lang="ru-RU" baseline="0" dirty="0" smtClean="0"/>
+              <a:rPr lang="ru-RU" baseline="0" dirty="0"/>
               <a:t>Предназначен ли документ для налоговой декларации (</a:t>
             </a:r>
             <a:r>
-              <a:rPr lang="en-US" baseline="0" dirty="0" smtClean="0"/>
+              <a:rPr lang="en-US" baseline="0" dirty="0"/>
               <a:t>bool)</a:t>
             </a:r>
           </a:p>
@@ -8256,7 +8178,7 @@
               <a:buAutoNum type="arabicPeriod"/>
             </a:pPr>
             <a:r>
-              <a:rPr lang="ru-RU" baseline="0" dirty="0" smtClean="0"/>
+              <a:rPr lang="ru-RU" baseline="0" dirty="0"/>
               <a:t>Дата и время формирования описи</a:t>
             </a:r>
           </a:p>
@@ -8265,7 +8187,7 @@
               <a:buAutoNum type="arabicPeriod"/>
             </a:pPr>
             <a:r>
-              <a:rPr lang="ru-RU" baseline="0" dirty="0" smtClean="0"/>
+              <a:rPr lang="ru-RU" baseline="0" dirty="0"/>
               <a:t>Код транзитной инспекции</a:t>
             </a:r>
           </a:p>
@@ -8274,7 +8196,7 @@
               <a:buAutoNum type="arabicPeriod"/>
             </a:pPr>
             <a:r>
-              <a:rPr lang="ru-RU" baseline="0" dirty="0" smtClean="0"/>
+              <a:rPr lang="ru-RU" baseline="0" dirty="0"/>
               <a:t>Код конечной инспекции</a:t>
             </a:r>
           </a:p>
@@ -8283,7 +8205,7 @@
               <a:buAutoNum type="arabicPeriod"/>
             </a:pPr>
             <a:r>
-              <a:rPr lang="ru-RU" baseline="0" dirty="0" smtClean="0"/>
+              <a:rPr lang="ru-RU" baseline="0" dirty="0"/>
               <a:t>Подписант</a:t>
             </a:r>
           </a:p>
@@ -8292,21 +8214,21 @@
               <a:buAutoNum type="arabicPeriod"/>
             </a:pPr>
             <a:r>
-              <a:rPr lang="ru-RU" baseline="0" dirty="0" smtClean="0"/>
+              <a:rPr lang="ru-RU" baseline="0" dirty="0"/>
               <a:t>Имя конечной </a:t>
             </a:r>
             <a:r>
-              <a:rPr lang="ru-RU" baseline="0" dirty="0" err="1" smtClean="0"/>
+              <a:rPr lang="ru-RU" baseline="0" dirty="0" err="1"/>
               <a:t>инспеции</a:t>
             </a:r>
-            <a:endParaRPr lang="ru-RU" baseline="0" dirty="0" smtClean="0"/>
+            <a:endParaRPr lang="ru-RU" baseline="0" dirty="0"/>
           </a:p>
           <a:p>
             <a:pPr marL="228600" indent="-228600">
               <a:buAutoNum type="arabicPeriod"/>
             </a:pPr>
             <a:r>
-              <a:rPr lang="ru-RU" baseline="0" dirty="0" smtClean="0"/>
+              <a:rPr lang="ru-RU" baseline="0" dirty="0"/>
               <a:t>Представитель (ФИО)</a:t>
             </a:r>
           </a:p>
@@ -8315,7 +8237,7 @@
               <a:buAutoNum type="arabicPeriod"/>
             </a:pPr>
             <a:r>
-              <a:rPr lang="ru-RU" baseline="0" dirty="0" smtClean="0"/>
+              <a:rPr lang="ru-RU" baseline="0" dirty="0"/>
               <a:t>И т.д.</a:t>
             </a:r>
           </a:p>
@@ -8338,7 +8260,7 @@
           <a:p>
             <a:fld id="{3BAECB10-9972-4830-A584-02C41DAFD45B}" type="slidenum">
               <a:rPr lang="ru-RU" smtClean="0"/>
-              <a:t>14</a:t>
+              <a:t>16</a:t>
             </a:fld>
             <a:endParaRPr lang="ru-RU"/>
           </a:p>
@@ -8418,7 +8340,7 @@
               <a:tabLst/>
               <a:defRPr/>
             </a:pPr>
-            <a:endParaRPr lang="ru-RU" dirty="0" smtClean="0"/>
+            <a:endParaRPr lang="ru-RU" dirty="0"/>
           </a:p>
           <a:p>
             <a:pPr marL="0" marR="0" lvl="0" indent="0" algn="l" defTabSz="914400" rtl="0" eaLnBrk="1" fontAlgn="auto" latinLnBrk="0" hangingPunct="1">
@@ -8439,38 +8361,38 @@
               <a:defRPr/>
             </a:pPr>
             <a:r>
-              <a:rPr lang="ru-RU" dirty="0" err="1" smtClean="0"/>
+              <a:rPr lang="ru-RU" dirty="0" err="1"/>
               <a:t>Аттрибуты</a:t>
             </a:r>
             <a:r>
-              <a:rPr lang="ru-RU" dirty="0" smtClean="0"/>
+              <a:rPr lang="ru-RU" dirty="0"/>
               <a:t> </a:t>
             </a:r>
             <a:r>
-              <a:rPr lang="en-US" dirty="0" err="1" smtClean="0"/>
+              <a:rPr lang="en-US" dirty="0" err="1"/>
               <a:t>TestCase</a:t>
             </a:r>
             <a:r>
-              <a:rPr lang="ru-RU" dirty="0" smtClean="0"/>
+              <a:rPr lang="ru-RU" dirty="0"/>
               <a:t> и</a:t>
             </a:r>
             <a:r>
-              <a:rPr lang="en-US" dirty="0" smtClean="0"/>
+              <a:rPr lang="en-US" dirty="0"/>
               <a:t> </a:t>
             </a:r>
             <a:r>
-              <a:rPr lang="en-US" dirty="0" err="1" smtClean="0"/>
+              <a:rPr lang="en-US" dirty="0" err="1"/>
               <a:t>TestCaseSource</a:t>
             </a:r>
             <a:r>
-              <a:rPr lang="ru-RU" dirty="0" smtClean="0"/>
+              <a:rPr lang="ru-RU" dirty="0"/>
               <a:t> в </a:t>
             </a:r>
             <a:r>
-              <a:rPr lang="en-US" dirty="0" err="1" smtClean="0"/>
+              <a:rPr lang="en-US" dirty="0" err="1"/>
               <a:t>nUnit</a:t>
             </a:r>
-            <a:endParaRPr lang="en-US" dirty="0" smtClean="0"/>
+            <a:endParaRPr lang="en-US" dirty="0"/>
           </a:p>
           <a:p>
             <a:pPr marL="0" marR="0" lvl="0" indent="0" algn="l" defTabSz="914400" rtl="0" eaLnBrk="1" fontAlgn="auto" latinLnBrk="0" hangingPunct="1">
@@ -8490,7 +8412,7 @@
               <a:tabLst/>
               <a:defRPr/>
             </a:pPr>
-            <a:endParaRPr lang="ru-RU" dirty="0" smtClean="0"/>
+            <a:endParaRPr lang="ru-RU" dirty="0"/>
           </a:p>
           <a:p>
             <a:pPr marL="0" marR="0" lvl="0" indent="0" algn="l" defTabSz="914400" rtl="0" eaLnBrk="1" fontAlgn="auto" latinLnBrk="0" hangingPunct="1">
@@ -8511,55 +8433,55 @@
               <a:defRPr/>
             </a:pPr>
             <a:r>
-              <a:rPr lang="ru-RU" dirty="0" smtClean="0"/>
+              <a:rPr lang="ru-RU" dirty="0"/>
               <a:t>Ещё</a:t>
             </a:r>
             <a:r>
-              <a:rPr lang="ru-RU" baseline="0" dirty="0" smtClean="0"/>
+              <a:rPr lang="ru-RU" baseline="0" dirty="0"/>
               <a:t> </a:t>
             </a:r>
             <a:r>
-              <a:rPr lang="en-US" baseline="0" dirty="0" err="1" smtClean="0"/>
+              <a:rPr lang="en-US" baseline="0" dirty="0" err="1"/>
               <a:t>nUnit</a:t>
             </a:r>
             <a:r>
-              <a:rPr lang="en-US" baseline="0" dirty="0" smtClean="0"/>
+              <a:rPr lang="en-US" baseline="0" dirty="0"/>
               <a:t> </a:t>
             </a:r>
             <a:r>
-              <a:rPr lang="ru-RU" baseline="0" dirty="0" smtClean="0"/>
+              <a:rPr lang="ru-RU" baseline="0" dirty="0"/>
               <a:t>умеет такие классные штуки, которые не умеют другие </a:t>
             </a:r>
             <a:r>
-              <a:rPr lang="ru-RU" baseline="0" dirty="0" err="1" smtClean="0"/>
+              <a:rPr lang="ru-RU" baseline="0" dirty="0" err="1"/>
               <a:t>фреймворки</a:t>
             </a:r>
             <a:r>
-              <a:rPr lang="ru-RU" baseline="0" dirty="0" smtClean="0"/>
+              <a:rPr lang="ru-RU" baseline="0" dirty="0"/>
               <a:t> =</a:t>
             </a:r>
             <a:r>
-              <a:rPr lang="en-US" baseline="0" dirty="0" smtClean="0"/>
+              <a:rPr lang="en-US" baseline="0" dirty="0"/>
               <a:t>&gt; </a:t>
             </a:r>
             <a:r>
-              <a:rPr lang="en-US" baseline="0" dirty="0" err="1" smtClean="0"/>
+              <a:rPr lang="en-US" baseline="0" dirty="0" err="1"/>
               <a:t>TestCase</a:t>
             </a:r>
             <a:r>
-              <a:rPr lang="en-US" baseline="0" dirty="0" smtClean="0"/>
+              <a:rPr lang="en-US" baseline="0" dirty="0"/>
               <a:t> </a:t>
             </a:r>
             <a:r>
-              <a:rPr lang="ru-RU" baseline="0" dirty="0" smtClean="0"/>
+              <a:rPr lang="ru-RU" baseline="0" dirty="0"/>
               <a:t>и </a:t>
             </a:r>
             <a:r>
-              <a:rPr lang="en-US" baseline="0" dirty="0" err="1" smtClean="0"/>
+              <a:rPr lang="en-US" baseline="0" dirty="0" err="1"/>
               <a:t>TestCaseSourse</a:t>
             </a:r>
             <a:r>
-              <a:rPr lang="ru-RU" baseline="0" dirty="0" smtClean="0"/>
+              <a:rPr lang="ru-RU" baseline="0" dirty="0"/>
               <a:t>.</a:t>
             </a:r>
           </a:p>
@@ -8581,7 +8503,7 @@
               <a:tabLst/>
               <a:defRPr/>
             </a:pPr>
-            <a:endParaRPr lang="ru-RU" dirty="0" smtClean="0"/>
+            <a:endParaRPr lang="ru-RU" dirty="0"/>
           </a:p>
           <a:p>
             <a:pPr marL="0" marR="0" lvl="0" indent="0" algn="l" defTabSz="914400" rtl="0" eaLnBrk="1" fontAlgn="auto" latinLnBrk="0" hangingPunct="1">
@@ -8602,11 +8524,11 @@
               <a:defRPr/>
             </a:pPr>
             <a:r>
-              <a:rPr lang="ru-RU" dirty="0" smtClean="0"/>
+              <a:rPr lang="ru-RU" dirty="0"/>
               <a:t>С</a:t>
             </a:r>
             <a:r>
-              <a:rPr lang="ru-RU" baseline="0" dirty="0" smtClean="0"/>
+              <a:rPr lang="ru-RU" baseline="0" dirty="0"/>
               <a:t> ними можно:</a:t>
             </a:r>
           </a:p>
@@ -8629,7 +8551,7 @@
               <a:defRPr/>
             </a:pPr>
             <a:r>
-              <a:rPr lang="ru-RU" baseline="0" dirty="0" smtClean="0"/>
+              <a:rPr lang="ru-RU" baseline="0" dirty="0"/>
               <a:t>Красиво называть тесты</a:t>
             </a:r>
           </a:p>
@@ -8652,11 +8574,11 @@
               <a:defRPr/>
             </a:pPr>
             <a:r>
-              <a:rPr lang="ru-RU" baseline="0" dirty="0" smtClean="0"/>
+              <a:rPr lang="ru-RU" baseline="0" dirty="0"/>
               <a:t>Указать ожидаемый результат и получать его из теста. (</a:t>
             </a:r>
             <a:r>
-              <a:rPr lang="en-US" sz="1200" b="0" i="0" kern="1200" dirty="0" err="1" smtClean="0">
+              <a:rPr lang="en-US" sz="1200" b="0" i="0" kern="1200" dirty="0" err="1">
                 <a:solidFill>
                   <a:schemeClr val="tx1"/>
                 </a:solidFill>
@@ -8668,7 +8590,7 @@
               <a:t>withInvariantCulture_parse</a:t>
             </a:r>
             <a:r>
-              <a:rPr lang="en-US" sz="1200" b="0" i="0" kern="1200" dirty="0" smtClean="0">
+              <a:rPr lang="en-US" sz="1200" b="0" i="0" kern="1200" dirty="0">
                 <a:solidFill>
                   <a:schemeClr val="tx1"/>
                 </a:solidFill>
@@ -8680,7 +8602,7 @@
               <a:t>(string input)</a:t>
             </a:r>
             <a:r>
-              <a:rPr lang="ru-RU" sz="1200" b="0" i="0" kern="1200" dirty="0" smtClean="0">
+              <a:rPr lang="ru-RU" sz="1200" b="0" i="0" kern="1200" dirty="0">
                 <a:solidFill>
                   <a:schemeClr val="tx1"/>
                 </a:solidFill>
@@ -8692,7 +8614,7 @@
               <a:t> возвращает </a:t>
             </a:r>
             <a:r>
-              <a:rPr lang="en-US" sz="1200" b="0" i="0" kern="1200" dirty="0" smtClean="0">
+              <a:rPr lang="en-US" sz="1200" b="0" i="0" kern="1200" dirty="0">
                 <a:solidFill>
                   <a:schemeClr val="tx1"/>
                 </a:solidFill>
@@ -8704,7 +8626,7 @@
               <a:t>double</a:t>
             </a:r>
             <a:r>
-              <a:rPr lang="ru-RU" sz="1200" b="0" i="0" kern="1200" dirty="0" smtClean="0">
+              <a:rPr lang="ru-RU" sz="1200" b="0" i="0" kern="1200" dirty="0">
                 <a:solidFill>
                   <a:schemeClr val="tx1"/>
                 </a:solidFill>
@@ -8716,7 +8638,7 @@
               <a:t>,</a:t>
             </a:r>
             <a:r>
-              <a:rPr lang="ru-RU" sz="1200" b="0" i="0" kern="1200" baseline="0" dirty="0" smtClean="0">
+              <a:rPr lang="ru-RU" sz="1200" b="0" i="0" kern="1200" baseline="0" dirty="0">
                 <a:solidFill>
                   <a:schemeClr val="tx1"/>
                 </a:solidFill>
@@ -8728,7 +8650,7 @@
               <a:t> а не </a:t>
             </a:r>
             <a:r>
-              <a:rPr lang="en-US" sz="1200" b="0" i="0" kern="1200" baseline="0" dirty="0" smtClean="0">
+              <a:rPr lang="en-US" sz="1200" b="0" i="0" kern="1200" baseline="0" dirty="0">
                 <a:solidFill>
                   <a:schemeClr val="tx1"/>
                 </a:solidFill>
@@ -8739,7 +8661,7 @@
               </a:rPr>
               <a:t>void)</a:t>
             </a:r>
-            <a:endParaRPr lang="ru-RU" sz="1200" b="0" i="0" kern="1200" baseline="0" dirty="0" smtClean="0">
+            <a:endParaRPr lang="ru-RU" sz="1200" b="0" i="0" kern="1200" baseline="0" dirty="0">
               <a:solidFill>
                 <a:schemeClr val="tx1"/>
               </a:solidFill>
@@ -8767,7 +8689,7 @@
               <a:tabLst/>
               <a:defRPr/>
             </a:pPr>
-            <a:endParaRPr lang="ru-RU" sz="1200" b="0" i="0" kern="1200" baseline="0" dirty="0" smtClean="0">
+            <a:endParaRPr lang="ru-RU" sz="1200" b="0" i="0" kern="1200" baseline="0" dirty="0">
               <a:solidFill>
                 <a:schemeClr val="tx1"/>
               </a:solidFill>
@@ -8796,31 +8718,31 @@
               <a:defRPr/>
             </a:pPr>
             <a:r>
-              <a:rPr lang="ru-RU" baseline="0" dirty="0" smtClean="0"/>
+              <a:rPr lang="ru-RU" baseline="0" dirty="0"/>
               <a:t>В </a:t>
             </a:r>
             <a:r>
-              <a:rPr lang="en-US" baseline="0" dirty="0" err="1" smtClean="0"/>
+              <a:rPr lang="en-US" baseline="0" dirty="0" err="1"/>
               <a:t>TestaCase</a:t>
             </a:r>
             <a:r>
-              <a:rPr lang="en-US" baseline="0" dirty="0" smtClean="0"/>
+              <a:rPr lang="en-US" baseline="0" dirty="0"/>
               <a:t> </a:t>
             </a:r>
             <a:r>
-              <a:rPr lang="ru-RU" baseline="0" dirty="0" smtClean="0"/>
+              <a:rPr lang="ru-RU" baseline="0" dirty="0"/>
               <a:t>в качестве параметров можно указать</a:t>
             </a:r>
             <a:r>
-              <a:rPr lang="en-US" baseline="0" dirty="0" smtClean="0"/>
+              <a:rPr lang="en-US" baseline="0" dirty="0"/>
               <a:t> </a:t>
             </a:r>
             <a:r>
-              <a:rPr lang="ru-RU" baseline="0" dirty="0" smtClean="0"/>
+              <a:rPr lang="ru-RU" baseline="0" dirty="0"/>
               <a:t>только типы, поддерживаемые </a:t>
             </a:r>
             <a:r>
-              <a:rPr lang="en-US" baseline="0" dirty="0" smtClean="0"/>
+              <a:rPr lang="en-US" baseline="0" dirty="0"/>
               <a:t>CLR:</a:t>
             </a:r>
           </a:p>
@@ -8843,7 +8765,7 @@
               <a:defRPr/>
             </a:pPr>
             <a:r>
-              <a:rPr lang="ru-RU" baseline="0" dirty="0" smtClean="0"/>
+              <a:rPr lang="ru-RU" baseline="0" dirty="0"/>
               <a:t>константы,</a:t>
             </a:r>
           </a:p>
@@ -8866,11 +8788,11 @@
               <a:defRPr/>
             </a:pPr>
             <a:r>
-              <a:rPr lang="ru-RU" dirty="0" smtClean="0"/>
+              <a:rPr lang="ru-RU" dirty="0"/>
               <a:t>системные</a:t>
             </a:r>
             <a:r>
-              <a:rPr lang="ru-RU" baseline="0" dirty="0" smtClean="0"/>
+              <a:rPr lang="ru-RU" baseline="0" dirty="0"/>
               <a:t> типы,</a:t>
             </a:r>
           </a:p>
@@ -8893,10 +8815,10 @@
               <a:defRPr/>
             </a:pPr>
             <a:r>
-              <a:rPr lang="ru-RU" baseline="0" dirty="0" smtClean="0"/>
+              <a:rPr lang="ru-RU" baseline="0" dirty="0"/>
               <a:t>одноразмерный массив, содержащий константы и системные типы</a:t>
             </a:r>
-            <a:endParaRPr lang="en-US" dirty="0" smtClean="0"/>
+            <a:endParaRPr lang="en-US" dirty="0"/>
           </a:p>
           <a:p>
             <a:pPr marL="0" marR="0" lvl="0" indent="0" algn="l" defTabSz="914400" rtl="0" eaLnBrk="1" fontAlgn="auto" latinLnBrk="0" hangingPunct="1">
@@ -8916,7 +8838,7 @@
               <a:tabLst/>
               <a:defRPr/>
             </a:pPr>
-            <a:endParaRPr lang="ru-RU" baseline="0" dirty="0" smtClean="0"/>
+            <a:endParaRPr lang="ru-RU" baseline="0" dirty="0"/>
           </a:p>
         </p:txBody>
       </p:sp>
@@ -8937,7 +8859,7 @@
           <a:p>
             <a:fld id="{3BAECB10-9972-4830-A584-02C41DAFD45B}" type="slidenum">
               <a:rPr lang="ru-RU" smtClean="0"/>
-              <a:t>15</a:t>
+              <a:t>18</a:t>
             </a:fld>
             <a:endParaRPr lang="ru-RU"/>
           </a:p>
@@ -9001,22 +8923,22 @@
           <a:lstStyle/>
           <a:p>
             <a:r>
-              <a:rPr lang="ru-RU" dirty="0" smtClean="0"/>
+              <a:rPr lang="ru-RU" dirty="0"/>
               <a:t>Вот вы</a:t>
             </a:r>
             <a:r>
-              <a:rPr lang="ru-RU" baseline="0" dirty="0" smtClean="0"/>
+              <a:rPr lang="ru-RU" baseline="0" dirty="0"/>
               <a:t> видите такой тест.</a:t>
             </a:r>
           </a:p>
           <a:p>
             <a:r>
-              <a:rPr lang="ru-RU" baseline="0" dirty="0" smtClean="0"/>
+              <a:rPr lang="ru-RU" baseline="0" dirty="0"/>
               <a:t>Как его можно улучшить?</a:t>
             </a:r>
           </a:p>
           <a:p>
-            <a:endParaRPr lang="ru-RU" baseline="0" dirty="0" smtClean="0"/>
+            <a:endParaRPr lang="ru-RU" baseline="0" dirty="0"/>
           </a:p>
         </p:txBody>
       </p:sp>
@@ -9037,7 +8959,7 @@
           <a:p>
             <a:fld id="{3BAECB10-9972-4830-A584-02C41DAFD45B}" type="slidenum">
               <a:rPr lang="ru-RU" smtClean="0"/>
-              <a:t>17</a:t>
+              <a:t>19</a:t>
             </a:fld>
             <a:endParaRPr lang="ru-RU"/>
           </a:p>
@@ -9101,19 +9023,19 @@
           <a:lstStyle/>
           <a:p>
             <a:r>
-              <a:rPr lang="ru-RU" dirty="0" smtClean="0"/>
+              <a:rPr lang="ru-RU" dirty="0"/>
               <a:t>Обратите внимание,</a:t>
             </a:r>
             <a:r>
-              <a:rPr lang="ru-RU" baseline="0" dirty="0" smtClean="0"/>
+              <a:rPr lang="ru-RU" baseline="0" dirty="0"/>
               <a:t> что в тесте можно вернуть не только </a:t>
             </a:r>
             <a:r>
-              <a:rPr lang="en-US" baseline="0" dirty="0" smtClean="0"/>
+              <a:rPr lang="en-US" baseline="0" dirty="0"/>
               <a:t>void</a:t>
             </a:r>
             <a:r>
-              <a:rPr lang="ru-RU" baseline="0" dirty="0" smtClean="0"/>
+              <a:rPr lang="ru-RU" baseline="0" dirty="0"/>
               <a:t>.</a:t>
             </a:r>
           </a:p>
@@ -9139,7 +9061,7 @@
           <a:p>
             <a:fld id="{3BAECB10-9972-4830-A584-02C41DAFD45B}" type="slidenum">
               <a:rPr lang="ru-RU" smtClean="0"/>
-              <a:t>18</a:t>
+              <a:t>20</a:t>
             </a:fld>
             <a:endParaRPr lang="ru-RU"/>
           </a:p>
@@ -9203,47 +9125,47 @@
           <a:lstStyle/>
           <a:p>
             <a:r>
-              <a:rPr lang="ru-RU" dirty="0" smtClean="0"/>
+              <a:rPr lang="ru-RU" dirty="0"/>
               <a:t>Также</a:t>
             </a:r>
             <a:r>
-              <a:rPr lang="ru-RU" baseline="0" dirty="0" smtClean="0"/>
+              <a:rPr lang="ru-RU" baseline="0" dirty="0"/>
               <a:t> можно ожидать </a:t>
             </a:r>
             <a:r>
-              <a:rPr lang="en-US" baseline="0" dirty="0" smtClean="0"/>
+              <a:rPr lang="en-US" baseline="0" dirty="0"/>
               <a:t>Exception’</a:t>
             </a:r>
             <a:r>
-              <a:rPr lang="ru-RU" baseline="0" dirty="0" smtClean="0"/>
+              <a:rPr lang="ru-RU" baseline="0" dirty="0"/>
               <a:t>ы. Да ещё и сообщение проверить.</a:t>
             </a:r>
             <a:r>
-              <a:rPr lang="en-US" baseline="0" dirty="0" smtClean="0"/>
+              <a:rPr lang="en-US" baseline="0" dirty="0"/>
               <a:t> </a:t>
             </a:r>
             <a:r>
-              <a:rPr lang="ru-RU" baseline="0" dirty="0" smtClean="0"/>
+              <a:rPr lang="ru-RU" baseline="0" dirty="0"/>
               <a:t>Это </a:t>
             </a:r>
             <a:r>
-              <a:rPr lang="en-US" baseline="0" dirty="0" err="1" smtClean="0"/>
+              <a:rPr lang="en-US" baseline="0" dirty="0" err="1"/>
               <a:t>nUnit</a:t>
             </a:r>
             <a:r>
-              <a:rPr lang="en-US" baseline="0" dirty="0" smtClean="0"/>
+              <a:rPr lang="en-US" baseline="0" dirty="0"/>
               <a:t> 2.x</a:t>
             </a:r>
             <a:r>
-              <a:rPr lang="ru-RU" baseline="0" dirty="0" smtClean="0"/>
+              <a:rPr lang="ru-RU" baseline="0" dirty="0"/>
               <a:t>. В </a:t>
             </a:r>
             <a:r>
-              <a:rPr lang="en-US" baseline="0" dirty="0" smtClean="0"/>
+              <a:rPr lang="en-US" baseline="0" dirty="0"/>
               <a:t>nUnit3 </a:t>
             </a:r>
             <a:r>
-              <a:rPr lang="ru-RU" baseline="0" dirty="0" smtClean="0"/>
+              <a:rPr lang="ru-RU" baseline="0" dirty="0"/>
               <a:t>немного другой синтаксис.</a:t>
             </a:r>
           </a:p>
@@ -9266,7 +9188,7 @@
           <a:p>
             <a:fld id="{3BAECB10-9972-4830-A584-02C41DAFD45B}" type="slidenum">
               <a:rPr lang="ru-RU" smtClean="0"/>
-              <a:t>19</a:t>
+              <a:t>21</a:t>
             </a:fld>
             <a:endParaRPr lang="ru-RU"/>
           </a:p>
@@ -9329,128 +9251,75 @@
           <a:bodyPr/>
           <a:lstStyle/>
           <a:p>
-            <a:pPr marL="0" marR="0" lvl="0" indent="0" algn="l" defTabSz="914400" rtl="0" eaLnBrk="1" fontAlgn="auto" latinLnBrk="0" hangingPunct="1">
-              <a:lnSpc>
-                <a:spcPct val="100000"/>
-              </a:lnSpc>
-              <a:spcBef>
-                <a:spcPts val="0"/>
-              </a:spcBef>
-              <a:spcAft>
-                <a:spcPts val="0"/>
-              </a:spcAft>
-              <a:buClrTx/>
-              <a:buSzTx/>
-              <a:buFontTx/>
-              <a:buNone/>
-              <a:tabLst/>
-              <a:defRPr/>
-            </a:pPr>
-            <a:r>
-              <a:rPr lang="en-US" dirty="0" err="1" smtClean="0"/>
-              <a:t>NUnit</a:t>
-            </a:r>
-            <a:r>
-              <a:rPr lang="ru-RU" baseline="0" dirty="0" smtClean="0"/>
-              <a:t> умеет много всего интересного. Просмотрите хотя бы один раз его документацию на </a:t>
-            </a:r>
-            <a:r>
-              <a:rPr lang="en-US" baseline="0" dirty="0" smtClean="0"/>
-              <a:t>nunit.org</a:t>
-            </a:r>
-            <a:r>
-              <a:rPr lang="ru-RU" baseline="0" dirty="0" smtClean="0"/>
+            <a:r>
+              <a:rPr lang="ru-RU" dirty="0"/>
+              <a:t>Неочевидный</a:t>
+            </a:r>
+            <a:r>
+              <a:rPr lang="ru-RU" baseline="0" dirty="0"/>
+              <a:t> синтаксис у </a:t>
+            </a:r>
+            <a:r>
+              <a:rPr lang="en-US" baseline="0" dirty="0"/>
+              <a:t>Assert</a:t>
+            </a:r>
+            <a:r>
+              <a:rPr lang="ru-RU" baseline="0" dirty="0"/>
               <a:t>.</a:t>
             </a:r>
-            <a:r>
-              <a:rPr lang="en-US" baseline="0" dirty="0" smtClean="0"/>
-              <a:t> </a:t>
-            </a:r>
-            <a:r>
-              <a:rPr lang="ru-RU" baseline="0" dirty="0" smtClean="0"/>
-              <a:t>Вот пример того, что можно там найти.</a:t>
-            </a:r>
-            <a:endParaRPr lang="ru-RU" dirty="0" smtClean="0"/>
-          </a:p>
-          <a:p>
-            <a:endParaRPr lang="ru-RU" dirty="0" smtClean="0"/>
-          </a:p>
-          <a:p>
-            <a:r>
-              <a:rPr lang="en-US" dirty="0" smtClean="0"/>
-              <a:t>[Timeout]</a:t>
-            </a:r>
-            <a:endParaRPr lang="ru-RU" dirty="0" smtClean="0"/>
-          </a:p>
-          <a:p>
-            <a:r>
-              <a:rPr lang="ru-RU" dirty="0" smtClean="0"/>
-              <a:t>- : Достаточно</a:t>
-            </a:r>
-            <a:r>
-              <a:rPr lang="ru-RU" baseline="0" dirty="0" smtClean="0"/>
-              <a:t> грубая проверка производительности. Полноценная проверка производительности – это большая отдельная тема.</a:t>
-            </a:r>
-          </a:p>
-          <a:p>
-            <a:r>
-              <a:rPr lang="ru-RU" baseline="0" dirty="0" smtClean="0"/>
-              <a:t>+ : Помогает обнаружить изъяны в реализации.</a:t>
-            </a:r>
-          </a:p>
-          <a:p>
-            <a:endParaRPr lang="ru-RU" baseline="0" dirty="0" smtClean="0"/>
-          </a:p>
-          <a:p>
-            <a:r>
-              <a:rPr lang="ru-RU" baseline="0" dirty="0" smtClean="0"/>
-              <a:t>Как пользоваться </a:t>
-            </a:r>
-            <a:r>
-              <a:rPr lang="en-US" baseline="0" dirty="0" smtClean="0"/>
-              <a:t>Timeout’</a:t>
-            </a:r>
-            <a:r>
-              <a:rPr lang="ru-RU" baseline="0" dirty="0" smtClean="0"/>
-              <a:t>ом? Какое значение в </a:t>
-            </a:r>
-            <a:r>
-              <a:rPr lang="ru-RU" baseline="0" dirty="0" err="1" smtClean="0"/>
-              <a:t>мс</a:t>
-            </a:r>
-            <a:r>
-              <a:rPr lang="ru-RU" baseline="0" dirty="0" smtClean="0"/>
-              <a:t> адекватное?</a:t>
-            </a:r>
-          </a:p>
-          <a:p>
-            <a:r>
-              <a:rPr lang="ru-RU" baseline="0" dirty="0" smtClean="0"/>
-              <a:t>Что он должен ловить?</a:t>
-            </a:r>
-          </a:p>
-          <a:p>
-            <a:r>
-              <a:rPr lang="en-US" baseline="0" dirty="0" smtClean="0"/>
-              <a:t>O(n)</a:t>
-            </a:r>
-          </a:p>
-          <a:p>
-            <a:r>
-              <a:rPr lang="en-US" baseline="0" dirty="0" smtClean="0"/>
-              <a:t>O(n^2)</a:t>
-            </a:r>
-            <a:r>
-              <a:rPr lang="ru-RU" baseline="0" dirty="0" smtClean="0"/>
-              <a:t> и прочее.</a:t>
-            </a:r>
-            <a:endParaRPr lang="en-US" baseline="0" dirty="0" smtClean="0"/>
-          </a:p>
-          <a:p>
-            <a:endParaRPr lang="ru-RU" baseline="0" dirty="0" smtClean="0"/>
-          </a:p>
-          <a:p>
-            <a:endParaRPr lang="ru-RU" dirty="0"/>
+          </a:p>
+          <a:p>
+            <a:r>
+              <a:rPr lang="ru-RU" baseline="0" dirty="0"/>
+              <a:t>Что должно быть сначала, а что в конце?</a:t>
+            </a:r>
+          </a:p>
+          <a:p>
+            <a:endParaRPr lang="ru-RU" baseline="0" dirty="0"/>
+          </a:p>
+          <a:p>
+            <a:r>
+              <a:rPr lang="ru-RU" baseline="0" dirty="0"/>
+              <a:t>Если перепутать местами </a:t>
+            </a:r>
+            <a:r>
+              <a:rPr lang="en-US" baseline="0" dirty="0"/>
+              <a:t>actual </a:t>
+            </a:r>
+            <a:r>
+              <a:rPr lang="ru-RU" baseline="0" dirty="0"/>
+              <a:t>и </a:t>
+            </a:r>
+            <a:r>
+              <a:rPr lang="en-US" baseline="0" dirty="0"/>
+              <a:t>expected, </a:t>
+            </a:r>
+            <a:r>
+              <a:rPr lang="ru-RU" baseline="0" dirty="0"/>
+              <a:t>то при срабатывании теста </a:t>
+            </a:r>
+            <a:r>
+              <a:rPr lang="en-US" baseline="0" dirty="0"/>
+              <a:t>output </a:t>
+            </a:r>
+            <a:r>
+              <a:rPr lang="ru-RU" baseline="0" dirty="0"/>
+              <a:t>будет не ясен.</a:t>
+            </a:r>
+          </a:p>
+          <a:p>
+            <a:r>
+              <a:rPr lang="ru-RU" baseline="0" dirty="0"/>
+              <a:t>«</a:t>
+            </a:r>
+            <a:r>
+              <a:rPr lang="ru-RU" baseline="0" dirty="0" err="1"/>
+              <a:t>эээээ</a:t>
+            </a:r>
+            <a:r>
+              <a:rPr lang="ru-RU" baseline="0" dirty="0"/>
+              <a:t>…Я же так и написал, чего он ругается?»</a:t>
+            </a:r>
           </a:p>
         </p:txBody>
       </p:sp>
@@ -9471,7 +9340,7 @@
           <a:p>
             <a:fld id="{3BAECB10-9972-4830-A584-02C41DAFD45B}" type="slidenum">
               <a:rPr lang="ru-RU" smtClean="0"/>
-              <a:t>20</a:t>
+              <a:t>23</a:t>
             </a:fld>
             <a:endParaRPr lang="ru-RU"/>
           </a:p>
@@ -9480,7 +9349,7 @@
     </p:spTree>
     <p:extLst>
       <p:ext uri="{BB962C8B-B14F-4D97-AF65-F5344CB8AC3E}">
-        <p14:creationId xmlns:p14="http://schemas.microsoft.com/office/powerpoint/2010/main" val="2929866659"/>
+        <p14:creationId xmlns:p14="http://schemas.microsoft.com/office/powerpoint/2010/main" val="2355226439"/>
       </p:ext>
     </p:extLst>
   </p:cSld>
@@ -9535,10 +9404,9 @@
           <a:lstStyle/>
           <a:p>
             <a:r>
-              <a:rPr lang="ru-RU" dirty="0" smtClean="0"/>
+              <a:rPr lang="ru-RU" dirty="0"/>
               <a:t>Кто ты?</a:t>
             </a:r>
-            <a:endParaRPr lang="ru-RU" dirty="0"/>
           </a:p>
         </p:txBody>
       </p:sp>
@@ -9623,74 +9491,92 @@
           <a:lstStyle/>
           <a:p>
             <a:r>
-              <a:rPr lang="ru-RU" dirty="0" smtClean="0"/>
-              <a:t>Неочевидный</a:t>
-            </a:r>
-            <a:r>
-              <a:rPr lang="ru-RU" baseline="0" dirty="0" smtClean="0"/>
-              <a:t> синтаксис у </a:t>
-            </a:r>
-            <a:r>
-              <a:rPr lang="en-US" baseline="0" dirty="0" smtClean="0"/>
-              <a:t>Assert</a:t>
-            </a:r>
-            <a:r>
-              <a:rPr lang="ru-RU" baseline="0" dirty="0" smtClean="0"/>
+              <a:rPr lang="en-US" dirty="0"/>
+              <a:t>Options</a:t>
+            </a:r>
+            <a:r>
+              <a:rPr lang="en-US" baseline="0" dirty="0"/>
+              <a:t> </a:t>
+            </a:r>
+            <a:r>
+              <a:rPr lang="ru-RU" baseline="0" dirty="0"/>
+              <a:t>лучше читается, но можно и просто </a:t>
+            </a:r>
+            <a:r>
+              <a:rPr lang="en-US" baseline="0" dirty="0"/>
+              <a:t>o =&gt; o….</a:t>
+            </a:r>
+          </a:p>
+          <a:p>
+            <a:endParaRPr lang="en-US" baseline="0" dirty="0"/>
+          </a:p>
+          <a:p>
+            <a:r>
+              <a:rPr lang="en-US" baseline="0" dirty="0" err="1"/>
+              <a:t>currentSyntax</a:t>
+            </a:r>
+            <a:r>
+              <a:rPr lang="en-US" baseline="0" dirty="0"/>
+              <a:t> =&gt; </a:t>
+            </a:r>
+          </a:p>
+          <a:p>
+            <a:endParaRPr lang="en-US" baseline="0" dirty="0"/>
+          </a:p>
+          <a:p>
+            <a:pPr marL="171450" indent="-171450">
+              <a:buFont typeface="Arial" panose="020B0604020202020204" pitchFamily="34" charset="0"/>
+              <a:buChar char="•"/>
+            </a:pPr>
+            <a:r>
+              <a:rPr lang="en-US" dirty="0"/>
+              <a:t>new[] {1,2,3}.</a:t>
+            </a:r>
+            <a:r>
+              <a:rPr lang="en-US" dirty="0" err="1"/>
+              <a:t>ShouldBeEquivalentTo</a:t>
+            </a:r>
+            <a:r>
+              <a:rPr lang="en-US" dirty="0"/>
+              <a:t>(new [] {3,2,1});</a:t>
+            </a:r>
+          </a:p>
+          <a:p>
+            <a:pPr marL="171450" indent="-171450">
+              <a:buFont typeface="Arial" panose="020B0604020202020204" pitchFamily="34" charset="0"/>
+              <a:buChar char="•"/>
+            </a:pPr>
+            <a:r>
+              <a:rPr lang="en-US" dirty="0"/>
+              <a:t>new[] {1,2,3}.</a:t>
+            </a:r>
+            <a:r>
+              <a:rPr lang="en-US" dirty="0" err="1"/>
+              <a:t>ShouldAllBeEquivalentTo</a:t>
+            </a:r>
+            <a:r>
+              <a:rPr lang="en-US" dirty="0"/>
+              <a:t>(new [] {1,2,3}, options =&gt; options</a:t>
+            </a:r>
+          </a:p>
+          <a:p>
+            <a:pPr marL="457200" lvl="1" indent="0">
+              <a:buFont typeface="Arial" panose="020B0604020202020204" pitchFamily="34" charset="0"/>
+              <a:buNone/>
+            </a:pPr>
+            <a:r>
+              <a:rPr lang="en-US" dirty="0"/>
               <a:t>.</a:t>
             </a:r>
-          </a:p>
-          <a:p>
-            <a:r>
-              <a:rPr lang="ru-RU" baseline="0" dirty="0" smtClean="0"/>
-              <a:t>Что должно быть сначала, а что в конце?</a:t>
-            </a:r>
-          </a:p>
-          <a:p>
-            <a:endParaRPr lang="ru-RU" baseline="0" dirty="0" smtClean="0"/>
-          </a:p>
-          <a:p>
-            <a:r>
-              <a:rPr lang="ru-RU" baseline="0" dirty="0" smtClean="0"/>
-              <a:t>Если перепутать местами </a:t>
-            </a:r>
-            <a:r>
-              <a:rPr lang="en-US" baseline="0" dirty="0" smtClean="0"/>
-              <a:t>actual </a:t>
-            </a:r>
-            <a:r>
-              <a:rPr lang="ru-RU" baseline="0" dirty="0" smtClean="0"/>
-              <a:t>и </a:t>
-            </a:r>
-            <a:r>
-              <a:rPr lang="en-US" baseline="0" dirty="0" smtClean="0"/>
-              <a:t>expected, </a:t>
-            </a:r>
-            <a:r>
-              <a:rPr lang="ru-RU" baseline="0" dirty="0" smtClean="0"/>
-              <a:t>то при срабатывании теста </a:t>
-            </a:r>
-            <a:r>
-              <a:rPr lang="en-US" baseline="0" dirty="0" smtClean="0"/>
-              <a:t>output </a:t>
-            </a:r>
-            <a:r>
-              <a:rPr lang="ru-RU" baseline="0" dirty="0" smtClean="0"/>
-              <a:t>будет не ясен.</a:t>
-            </a:r>
-          </a:p>
-          <a:p>
-            <a:r>
-              <a:rPr lang="ru-RU" baseline="0" dirty="0" smtClean="0"/>
-              <a:t>«</a:t>
-            </a:r>
-            <a:r>
-              <a:rPr lang="ru-RU" baseline="0" dirty="0" err="1" smtClean="0"/>
-              <a:t>эээээ</a:t>
-            </a:r>
-            <a:r>
-              <a:rPr lang="ru-RU" baseline="0" dirty="0" smtClean="0"/>
-              <a:t>…Я же так и написал, чего он ругается?»</a:t>
-            </a:r>
+            <a:r>
+              <a:rPr lang="en-US" dirty="0" err="1"/>
+              <a:t>WithStrictOrdering</a:t>
+            </a:r>
+            <a:r>
+              <a:rPr lang="en-US" dirty="0"/>
+              <a:t>());</a:t>
+            </a:r>
+            <a:endParaRPr lang="ru-RU" baseline="0" dirty="0"/>
           </a:p>
         </p:txBody>
       </p:sp>
@@ -9711,7 +9597,7 @@
           <a:p>
             <a:fld id="{3BAECB10-9972-4830-A584-02C41DAFD45B}" type="slidenum">
               <a:rPr lang="ru-RU" smtClean="0"/>
-              <a:t>21</a:t>
+              <a:t>24</a:t>
             </a:fld>
             <a:endParaRPr lang="ru-RU"/>
           </a:p>
@@ -9720,7 +9606,7 @@
     </p:spTree>
     <p:extLst>
       <p:ext uri="{BB962C8B-B14F-4D97-AF65-F5344CB8AC3E}">
-        <p14:creationId xmlns:p14="http://schemas.microsoft.com/office/powerpoint/2010/main" val="2355226439"/>
+        <p14:creationId xmlns:p14="http://schemas.microsoft.com/office/powerpoint/2010/main" val="308928937"/>
       </p:ext>
     </p:extLst>
   </p:cSld>
@@ -9774,93 +9660,128 @@
           <a:bodyPr/>
           <a:lstStyle/>
           <a:p>
-            <a:r>
-              <a:rPr lang="en-US" dirty="0" smtClean="0"/>
-              <a:t>Options</a:t>
-            </a:r>
-            <a:r>
-              <a:rPr lang="en-US" baseline="0" dirty="0" smtClean="0"/>
+            <a:pPr marL="0" marR="0" lvl="0" indent="0" algn="l" defTabSz="914400" rtl="0" eaLnBrk="1" fontAlgn="auto" latinLnBrk="0" hangingPunct="1">
+              <a:lnSpc>
+                <a:spcPct val="100000"/>
+              </a:lnSpc>
+              <a:spcBef>
+                <a:spcPts val="0"/>
+              </a:spcBef>
+              <a:spcAft>
+                <a:spcPts val="0"/>
+              </a:spcAft>
+              <a:buClrTx/>
+              <a:buSzTx/>
+              <a:buFontTx/>
+              <a:buNone/>
+              <a:tabLst/>
+              <a:defRPr/>
+            </a:pPr>
+            <a:r>
+              <a:rPr lang="en-US" dirty="0" err="1"/>
+              <a:t>NUnit</a:t>
+            </a:r>
+            <a:r>
+              <a:rPr lang="ru-RU" baseline="0" dirty="0"/>
+              <a:t> умеет много всего интересного. Просмотрите хотя бы один раз его документацию на </a:t>
+            </a:r>
+            <a:r>
+              <a:rPr lang="en-US" baseline="0" dirty="0"/>
+              <a:t>nunit.org</a:t>
+            </a:r>
+            <a:r>
+              <a:rPr lang="ru-RU" baseline="0" dirty="0"/>
+              <a:t>.</a:t>
+            </a:r>
+            <a:r>
+              <a:rPr lang="en-US" baseline="0" dirty="0"/>
               <a:t> </a:t>
             </a:r>
             <a:r>
-              <a:rPr lang="ru-RU" baseline="0" dirty="0" smtClean="0"/>
-              <a:t>лучше читается, но можно и просто </a:t>
-            </a:r>
-            <a:r>
-              <a:rPr lang="en-US" baseline="0" dirty="0" smtClean="0"/>
-              <a:t>o =&gt; o….</a:t>
-            </a:r>
-          </a:p>
-          <a:p>
-            <a:endParaRPr lang="en-US" baseline="0" dirty="0" smtClean="0"/>
-          </a:p>
-          <a:p>
-            <a:r>
-              <a:rPr lang="en-US" baseline="0" dirty="0" err="1" smtClean="0"/>
-              <a:t>currentSyntax</a:t>
-            </a:r>
-            <a:r>
-              <a:rPr lang="en-US" baseline="0" dirty="0" smtClean="0"/>
-              <a:t> =&gt; </a:t>
-            </a:r>
-          </a:p>
-          <a:p>
-            <a:endParaRPr lang="en-US" baseline="0" dirty="0" smtClean="0"/>
-          </a:p>
-          <a:p>
-            <a:pPr marL="171450" indent="-171450">
-              <a:buFont typeface="Arial" panose="020B0604020202020204" pitchFamily="34" charset="0"/>
-              <a:buChar char="•"/>
-            </a:pPr>
-            <a:r>
-              <a:rPr lang="en-US" dirty="0" smtClean="0"/>
-              <a:t>new[] {1,2,3}.</a:t>
-            </a:r>
-            <a:r>
-              <a:rPr lang="en-US" dirty="0" err="1" smtClean="0"/>
-              <a:t>ShouldBeEquivalentTo</a:t>
-            </a:r>
-            <a:r>
-              <a:rPr lang="en-US" dirty="0" smtClean="0"/>
-              <a:t>(new [] {3,2,1});</a:t>
-            </a:r>
-          </a:p>
-          <a:p>
-            <a:pPr marL="171450" indent="-171450">
-              <a:buFont typeface="Arial" panose="020B0604020202020204" pitchFamily="34" charset="0"/>
-              <a:buChar char="•"/>
-            </a:pPr>
-            <a:r>
-              <a:rPr lang="en-US" dirty="0" smtClean="0"/>
-              <a:t>new[] {1,2,3}.</a:t>
-            </a:r>
-            <a:r>
-              <a:rPr lang="en-US" dirty="0" err="1" smtClean="0"/>
-              <a:t>ShouldAllBeEquivalentTo</a:t>
-            </a:r>
-            <a:r>
-              <a:rPr lang="en-US" dirty="0" smtClean="0"/>
-              <a:t>(new [] {1,2,3}, options =&gt; options</a:t>
-            </a:r>
-          </a:p>
-          <a:p>
-            <a:pPr marL="457200" lvl="1" indent="0">
-              <a:buFont typeface="Arial" panose="020B0604020202020204" pitchFamily="34" charset="0"/>
-              <a:buNone/>
-            </a:pPr>
-            <a:r>
-              <a:rPr lang="en-US" dirty="0" smtClean="0"/>
-              <a:t>.</a:t>
-            </a:r>
-            <a:r>
-              <a:rPr lang="en-US" dirty="0" err="1" smtClean="0"/>
-              <a:t>WithStrictOrdering</a:t>
-            </a:r>
-            <a:r>
-              <a:rPr lang="en-US" dirty="0" smtClean="0"/>
-              <a:t>());</a:t>
-            </a:r>
-            <a:endParaRPr lang="ru-RU" baseline="0" dirty="0" smtClean="0"/>
+              <a:rPr lang="ru-RU" baseline="0" dirty="0"/>
+              <a:t>Вот пример того, что можно там найти.</a:t>
+            </a:r>
+            <a:endParaRPr lang="ru-RU" dirty="0"/>
+          </a:p>
+          <a:p>
+            <a:endParaRPr lang="ru-RU" dirty="0"/>
+          </a:p>
+          <a:p>
+            <a:r>
+              <a:rPr lang="en-US" dirty="0"/>
+              <a:t>[Timeout]</a:t>
+            </a:r>
+            <a:endParaRPr lang="ru-RU" dirty="0"/>
+          </a:p>
+          <a:p>
+            <a:r>
+              <a:rPr lang="ru-RU" dirty="0"/>
+              <a:t>- : Достаточно</a:t>
+            </a:r>
+            <a:r>
+              <a:rPr lang="ru-RU" baseline="0" dirty="0"/>
+              <a:t> грубая проверка производительности. Полноценная проверка производительности – это большая отдельная тема.</a:t>
+            </a:r>
+          </a:p>
+          <a:p>
+            <a:r>
+              <a:rPr lang="ru-RU" baseline="0" dirty="0"/>
+              <a:t>+ : Помогает обнаружить изъяны в реализации.</a:t>
+            </a:r>
+          </a:p>
+          <a:p>
+            <a:endParaRPr lang="ru-RU" baseline="0" dirty="0"/>
+          </a:p>
+          <a:p>
+            <a:r>
+              <a:rPr lang="ru-RU" baseline="0" dirty="0"/>
+              <a:t>Как пользоваться </a:t>
+            </a:r>
+            <a:r>
+              <a:rPr lang="en-US" baseline="0" dirty="0"/>
+              <a:t>Timeout’</a:t>
+            </a:r>
+            <a:r>
+              <a:rPr lang="ru-RU" baseline="0" dirty="0"/>
+              <a:t>ом? Какое значение в </a:t>
+            </a:r>
+            <a:r>
+              <a:rPr lang="ru-RU" baseline="0" dirty="0" err="1"/>
+              <a:t>мс</a:t>
+            </a:r>
+            <a:r>
+              <a:rPr lang="ru-RU" baseline="0" dirty="0"/>
+              <a:t> адекватное?</a:t>
+            </a:r>
+          </a:p>
+          <a:p>
+            <a:r>
+              <a:rPr lang="ru-RU" baseline="0" dirty="0"/>
+              <a:t>Что он должен ловить?</a:t>
+            </a:r>
+          </a:p>
+          <a:p>
+            <a:r>
+              <a:rPr lang="en-US" baseline="0" dirty="0"/>
+              <a:t>O(n)</a:t>
+            </a:r>
+          </a:p>
+          <a:p>
+            <a:r>
+              <a:rPr lang="en-US" baseline="0" dirty="0"/>
+              <a:t>O(n^2)</a:t>
+            </a:r>
+            <a:r>
+              <a:rPr lang="ru-RU" baseline="0" dirty="0"/>
+              <a:t> и прочее.</a:t>
+            </a:r>
+            <a:endParaRPr lang="en-US" baseline="0" dirty="0"/>
+          </a:p>
+          <a:p>
+            <a:endParaRPr lang="ru-RU" baseline="0" dirty="0"/>
+          </a:p>
+          <a:p>
+            <a:endParaRPr lang="ru-RU" dirty="0"/>
           </a:p>
         </p:txBody>
       </p:sp>
@@ -9881,7 +9802,7 @@
           <a:p>
             <a:fld id="{3BAECB10-9972-4830-A584-02C41DAFD45B}" type="slidenum">
               <a:rPr lang="ru-RU" smtClean="0"/>
-              <a:t>22</a:t>
+              <a:t>25</a:t>
             </a:fld>
             <a:endParaRPr lang="ru-RU"/>
           </a:p>
@@ -9890,7 +9811,7 @@
     </p:spTree>
     <p:extLst>
       <p:ext uri="{BB962C8B-B14F-4D97-AF65-F5344CB8AC3E}">
-        <p14:creationId xmlns:p14="http://schemas.microsoft.com/office/powerpoint/2010/main" val="308928937"/>
+        <p14:creationId xmlns:p14="http://schemas.microsoft.com/office/powerpoint/2010/main" val="2929866659"/>
       </p:ext>
     </p:extLst>
   </p:cSld>
@@ -9945,24 +9866,24 @@
           <a:lstStyle/>
           <a:p>
             <a:r>
-              <a:rPr lang="en-US" dirty="0" err="1" smtClean="0"/>
+              <a:rPr lang="en-US" dirty="0" err="1"/>
               <a:t>Resharper</a:t>
             </a:r>
             <a:r>
-              <a:rPr lang="en-US" baseline="0" dirty="0" smtClean="0"/>
+              <a:rPr lang="en-US" baseline="0" dirty="0"/>
               <a:t>’</a:t>
             </a:r>
             <a:r>
-              <a:rPr lang="ru-RU" baseline="0" dirty="0" smtClean="0"/>
+              <a:rPr lang="ru-RU" baseline="0" dirty="0"/>
               <a:t>ом, как и любым инструментом, нужно уметь пользоваться, чтобы работать эффективно.</a:t>
             </a:r>
           </a:p>
           <a:p>
-            <a:endParaRPr lang="ru-RU" baseline="0" dirty="0" smtClean="0"/>
-          </a:p>
-          <a:p>
-            <a:r>
-              <a:rPr lang="ru-RU" baseline="0" dirty="0" smtClean="0"/>
+            <a:endParaRPr lang="ru-RU" baseline="0" dirty="0"/>
+          </a:p>
+          <a:p>
+            <a:r>
+              <a:rPr lang="ru-RU" baseline="0" dirty="0"/>
               <a:t>Открывает, показываем.</a:t>
             </a:r>
           </a:p>
@@ -9985,7 +9906,7 @@
           <a:p>
             <a:fld id="{3BAECB10-9972-4830-A584-02C41DAFD45B}" type="slidenum">
               <a:rPr lang="ru-RU" smtClean="0"/>
-              <a:t>23</a:t>
+              <a:t>26</a:t>
             </a:fld>
             <a:endParaRPr lang="ru-RU"/>
           </a:p>
@@ -10054,38 +9975,26 @@
             </a:r>
             <a:r>
               <a:rPr lang="ru-RU" baseline="0" dirty="0"/>
-              <a:t> кролик написал кучу </a:t>
-            </a:r>
-            <a:r>
-              <a:rPr lang="ru-RU" baseline="0" dirty="0" smtClean="0"/>
-              <a:t>реализаций</a:t>
-            </a:r>
+              <a:t> кролик написал кучу реализаций, но не успел написать тесты…</a:t>
+            </a:r>
+          </a:p>
+          <a:p>
             <a:r>
               <a:rPr lang="ru-RU" baseline="0" dirty="0"/>
-              <a:t>, но не успел написать тесты</a:t>
-            </a:r>
-            <a:r>
-              <a:rPr lang="ru-RU" baseline="0" dirty="0" smtClean="0"/>
-              <a:t>…</a:t>
-            </a:r>
-          </a:p>
-          <a:p>
-            <a:r>
-              <a:rPr lang="ru-RU" baseline="0" dirty="0" smtClean="0"/>
               <a:t>Итак, на первую часть даётся час, потому полчаса на </a:t>
             </a:r>
             <a:r>
-              <a:rPr lang="en-US" baseline="0" dirty="0" smtClean="0"/>
+              <a:rPr lang="en-US" baseline="0" dirty="0"/>
               <a:t>do not open</a:t>
             </a:r>
             <a:r>
-              <a:rPr lang="ru-RU" baseline="0" dirty="0" smtClean="0"/>
+              <a:rPr lang="ru-RU" baseline="0" dirty="0"/>
               <a:t>.</a:t>
             </a:r>
           </a:p>
           <a:p>
             <a:r>
-              <a:rPr lang="ru-RU" baseline="0" dirty="0" smtClean="0"/>
+              <a:rPr lang="ru-RU" baseline="0" dirty="0"/>
               <a:t>И ещё полчаса на разбор и решение.</a:t>
             </a:r>
           </a:p>
@@ -10108,7 +10017,7 @@
           <a:p>
             <a:fld id="{3BAECB10-9972-4830-A584-02C41DAFD45B}" type="slidenum">
               <a:rPr lang="ru-RU" smtClean="0"/>
-              <a:t>24</a:t>
+              <a:t>27</a:t>
             </a:fld>
             <a:endParaRPr lang="ru-RU"/>
           </a:p>
@@ -10192,7 +10101,7 @@
           <a:p>
             <a:fld id="{3BAECB10-9972-4830-A584-02C41DAFD45B}" type="slidenum">
               <a:rPr lang="ru-RU" smtClean="0"/>
-              <a:t>25</a:t>
+              <a:t>28</a:t>
             </a:fld>
             <a:endParaRPr lang="ru-RU"/>
           </a:p>
@@ -10256,63 +10165,63 @@
           <a:lstStyle/>
           <a:p>
             <a:r>
-              <a:rPr lang="ru-RU" dirty="0" smtClean="0"/>
+              <a:rPr lang="ru-RU" dirty="0"/>
               <a:t>1. По явно</a:t>
             </a:r>
             <a:r>
-              <a:rPr lang="ru-RU" baseline="0" dirty="0" smtClean="0"/>
+              <a:rPr lang="ru-RU" baseline="0" dirty="0"/>
               <a:t> написанным требованиям легко писать тесты. Другими словами, что самое простое – это взять спеку и по ней написать тесты, либо взять проверенный рабочий код и по нему написать тесты.</a:t>
             </a:r>
           </a:p>
           <a:p>
             <a:r>
-              <a:rPr lang="ru-RU" baseline="0" dirty="0" smtClean="0"/>
+              <a:rPr lang="ru-RU" baseline="0" dirty="0"/>
               <a:t>2. Е3: 10 пробелов и символ. Что должно произойти? Не всегда очевидно, как взаимодействуют отдельные требования.</a:t>
             </a:r>
           </a:p>
           <a:p>
             <a:r>
-              <a:rPr lang="ru-RU" dirty="0" smtClean="0"/>
+              <a:rPr lang="ru-RU" dirty="0"/>
               <a:t>3. 998, 999 -</a:t>
             </a:r>
             <a:r>
-              <a:rPr lang="en-US" dirty="0" smtClean="0"/>
+              <a:rPr lang="en-US" dirty="0"/>
               <a:t>&gt;</a:t>
             </a:r>
             <a:r>
-              <a:rPr lang="en-US" baseline="0" dirty="0" smtClean="0"/>
+              <a:rPr lang="en-US" baseline="0" dirty="0"/>
               <a:t> </a:t>
             </a:r>
             <a:r>
-              <a:rPr lang="ru-RU" baseline="0" dirty="0" smtClean="0"/>
+              <a:rPr lang="ru-RU" baseline="0" dirty="0"/>
               <a:t>Вот где спасёт таймаут. Ну и код </a:t>
             </a:r>
             <a:r>
-              <a:rPr lang="ru-RU" baseline="0" dirty="0" err="1" smtClean="0"/>
+              <a:rPr lang="ru-RU" baseline="0" dirty="0" err="1"/>
               <a:t>ревью</a:t>
             </a:r>
             <a:r>
-              <a:rPr lang="ru-RU" baseline="0" dirty="0" smtClean="0"/>
+              <a:rPr lang="ru-RU" baseline="0" dirty="0"/>
               <a:t>. Опытный инженер сразу увидит дорогие операции для </a:t>
             </a:r>
             <a:r>
-              <a:rPr lang="en-US" baseline="0" dirty="0" smtClean="0"/>
+              <a:rPr lang="en-US" baseline="0" dirty="0"/>
               <a:t>List’</a:t>
             </a:r>
             <a:r>
-              <a:rPr lang="ru-RU" baseline="0" dirty="0" smtClean="0"/>
+              <a:rPr lang="ru-RU" baseline="0" dirty="0"/>
               <a:t>а.</a:t>
             </a:r>
           </a:p>
           <a:p>
             <a:r>
-              <a:rPr lang="ru-RU" baseline="0" dirty="0" smtClean="0"/>
+              <a:rPr lang="ru-RU" baseline="0" dirty="0"/>
               <a:t>Нужно создать цикл 10_000 повторений.</a:t>
             </a:r>
           </a:p>
           <a:p>
             <a:r>
-              <a:rPr lang="ru-RU" sz="1200" b="0" i="0" kern="1200" dirty="0" smtClean="0">
+              <a:rPr lang="ru-RU" sz="1200" b="0" i="0" kern="1200" dirty="0">
                 <a:solidFill>
                   <a:schemeClr val="tx1"/>
                 </a:solidFill>
@@ -10324,7 +10233,7 @@
               <a:t>4. </a:t>
             </a:r>
             <a:r>
-              <a:rPr lang="en-US" sz="1200" b="0" i="0" kern="1200" dirty="0" err="1" smtClean="0">
+              <a:rPr lang="en-US" sz="1200" b="0" i="0" kern="1200" dirty="0" err="1">
                 <a:solidFill>
                   <a:schemeClr val="tx1"/>
                 </a:solidFill>
@@ -10336,7 +10245,7 @@
               <a:t>string.</a:t>
             </a:r>
             <a:r>
-              <a:rPr lang="en-US" sz="1200" b="1" i="0" kern="1200" dirty="0" err="1" smtClean="0">
+              <a:rPr lang="en-US" sz="1200" b="1" i="0" kern="1200" dirty="0" err="1">
                 <a:solidFill>
                   <a:schemeClr val="tx1"/>
                 </a:solidFill>
@@ -10348,7 +10257,7 @@
               <a:t>IsNullOrEmpty</a:t>
             </a:r>
             <a:r>
-              <a:rPr lang="en-US" sz="1200" b="0" i="0" kern="1200" dirty="0" smtClean="0">
+              <a:rPr lang="en-US" sz="1200" b="0" i="0" kern="1200" dirty="0">
                 <a:solidFill>
                   <a:schemeClr val="tx1"/>
                 </a:solidFill>
@@ -10360,7 +10269,7 @@
               <a:t>(word)</a:t>
             </a:r>
             <a:r>
-              <a:rPr lang="ru-RU" sz="1200" b="0" i="0" kern="1200" dirty="0" smtClean="0">
+              <a:rPr lang="ru-RU" sz="1200" b="0" i="0" kern="1200" dirty="0">
                 <a:solidFill>
                   <a:schemeClr val="tx1"/>
                 </a:solidFill>
@@ -10372,7 +10281,7 @@
               <a:t>: при</a:t>
             </a:r>
             <a:r>
-              <a:rPr lang="ru-RU" sz="1200" b="0" i="0" kern="1200" baseline="0" dirty="0" smtClean="0">
+              <a:rPr lang="ru-RU" sz="1200" b="0" i="0" kern="1200" baseline="0" dirty="0">
                 <a:solidFill>
                   <a:schemeClr val="tx1"/>
                 </a:solidFill>
@@ -10384,7 +10293,7 @@
               <a:t> </a:t>
             </a:r>
             <a:r>
-              <a:rPr lang="ru-RU" sz="1200" b="0" i="0" kern="1200" baseline="0" dirty="0" err="1" smtClean="0">
+              <a:rPr lang="ru-RU" sz="1200" b="0" i="0" kern="1200" baseline="0" dirty="0" err="1">
                 <a:solidFill>
                   <a:schemeClr val="tx1"/>
                 </a:solidFill>
@@ -10396,7 +10305,7 @@
               <a:t>ревью</a:t>
             </a:r>
             <a:r>
-              <a:rPr lang="ru-RU" sz="1200" b="0" i="0" kern="1200" baseline="0" dirty="0" smtClean="0">
+              <a:rPr lang="ru-RU" sz="1200" b="0" i="0" kern="1200" baseline="0" dirty="0">
                 <a:solidFill>
                   <a:schemeClr val="tx1"/>
                 </a:solidFill>
@@ -10408,7 +10317,7 @@
               <a:t> возможно, что на это не обратят внимания. Потому что «</a:t>
             </a:r>
             <a:r>
-              <a:rPr lang="ru-RU" sz="1200" b="1" i="0" kern="1200" dirty="0" smtClean="0">
+              <a:rPr lang="ru-RU" sz="1200" b="1" i="0" kern="1200" dirty="0">
                 <a:solidFill>
                   <a:schemeClr val="tx1"/>
                 </a:solidFill>
@@ -10420,7 +10329,7 @@
               <a:t>По </a:t>
             </a:r>
             <a:r>
-              <a:rPr lang="ru-RU" sz="1200" b="1" i="0" kern="1200" dirty="0" err="1" smtClean="0">
+              <a:rPr lang="ru-RU" sz="1200" b="1" i="0" kern="1200" dirty="0" err="1">
                 <a:solidFill>
                   <a:schemeClr val="tx1"/>
                 </a:solidFill>
@@ -10432,7 +10341,7 @@
               <a:t>рзеузльаттам</a:t>
             </a:r>
             <a:r>
-              <a:rPr lang="ru-RU" sz="1200" b="1" i="0" kern="1200" dirty="0" smtClean="0">
+              <a:rPr lang="ru-RU" sz="1200" b="1" i="0" kern="1200" dirty="0">
                 <a:solidFill>
                   <a:schemeClr val="tx1"/>
                 </a:solidFill>
@@ -10444,7 +10353,7 @@
               <a:t> </a:t>
             </a:r>
             <a:r>
-              <a:rPr lang="ru-RU" sz="1200" b="1" i="0" kern="1200" dirty="0" err="1" smtClean="0">
+              <a:rPr lang="ru-RU" sz="1200" b="1" i="0" kern="1200" dirty="0" err="1">
                 <a:solidFill>
                   <a:schemeClr val="tx1"/>
                 </a:solidFill>
@@ -10456,7 +10365,7 @@
               <a:t>илссоевадний</a:t>
             </a:r>
             <a:r>
-              <a:rPr lang="ru-RU" sz="1200" b="1" i="0" kern="1200" dirty="0" smtClean="0">
+              <a:rPr lang="ru-RU" sz="1200" b="1" i="0" kern="1200" dirty="0">
                 <a:solidFill>
                   <a:schemeClr val="tx1"/>
                 </a:solidFill>
@@ -10468,7 +10377,7 @@
               <a:t> </a:t>
             </a:r>
             <a:r>
-              <a:rPr lang="ru-RU" sz="1200" b="1" i="0" kern="1200" dirty="0" err="1" smtClean="0">
+              <a:rPr lang="ru-RU" sz="1200" b="1" i="0" kern="1200" dirty="0" err="1">
                 <a:solidFill>
                   <a:schemeClr val="tx1"/>
                 </a:solidFill>
@@ -10480,7 +10389,7 @@
               <a:t>одонго</a:t>
             </a:r>
             <a:r>
-              <a:rPr lang="ru-RU" sz="1200" b="1" i="0" kern="1200" dirty="0" smtClean="0">
+              <a:rPr lang="ru-RU" sz="1200" b="1" i="0" kern="1200" dirty="0">
                 <a:solidFill>
                   <a:schemeClr val="tx1"/>
                 </a:solidFill>
@@ -10492,7 +10401,7 @@
               <a:t> </a:t>
             </a:r>
             <a:r>
-              <a:rPr lang="ru-RU" sz="1200" b="1" i="0" kern="1200" dirty="0" err="1" smtClean="0">
+              <a:rPr lang="ru-RU" sz="1200" b="1" i="0" kern="1200" dirty="0" err="1">
                 <a:solidFill>
                   <a:schemeClr val="tx1"/>
                 </a:solidFill>
@@ -10504,7 +10413,7 @@
               <a:t>анлигсйокго</a:t>
             </a:r>
             <a:r>
-              <a:rPr lang="ru-RU" sz="1200" b="1" i="0" kern="1200" dirty="0" smtClean="0">
+              <a:rPr lang="ru-RU" sz="1200" b="1" i="0" kern="1200" dirty="0">
                 <a:solidFill>
                   <a:schemeClr val="tx1"/>
                 </a:solidFill>
@@ -10516,7 +10425,7 @@
               <a:t> </a:t>
             </a:r>
             <a:r>
-              <a:rPr lang="ru-RU" sz="1200" b="1" i="0" kern="1200" dirty="0" err="1" smtClean="0">
+              <a:rPr lang="ru-RU" sz="1200" b="1" i="0" kern="1200" dirty="0" err="1">
                 <a:solidFill>
                   <a:schemeClr val="tx1"/>
                 </a:solidFill>
@@ -10528,7 +10437,7 @@
               <a:t>унвиертисета</a:t>
             </a:r>
             <a:r>
-              <a:rPr lang="ru-RU" sz="1200" b="1" i="0" kern="1200" dirty="0" smtClean="0">
+              <a:rPr lang="ru-RU" sz="1200" b="1" i="0" kern="1200" dirty="0">
                 <a:solidFill>
                   <a:schemeClr val="tx1"/>
                 </a:solidFill>
@@ -10540,7 +10449,7 @@
               <a:t>, не </a:t>
             </a:r>
             <a:r>
-              <a:rPr lang="ru-RU" sz="1200" b="1" i="0" kern="1200" dirty="0" err="1" smtClean="0">
+              <a:rPr lang="ru-RU" sz="1200" b="1" i="0" kern="1200" dirty="0" err="1">
                 <a:solidFill>
                   <a:schemeClr val="tx1"/>
                 </a:solidFill>
@@ -10552,7 +10461,7 @@
               <a:t>иеемт</a:t>
             </a:r>
             <a:r>
-              <a:rPr lang="ru-RU" sz="1200" b="1" i="0" kern="1200" dirty="0" smtClean="0">
+              <a:rPr lang="ru-RU" sz="1200" b="1" i="0" kern="1200" dirty="0">
                 <a:solidFill>
                   <a:schemeClr val="tx1"/>
                 </a:solidFill>
@@ -10564,7 +10473,7 @@
               <a:t> </a:t>
             </a:r>
             <a:r>
-              <a:rPr lang="ru-RU" sz="1200" b="1" i="0" kern="1200" dirty="0" err="1" smtClean="0">
+              <a:rPr lang="ru-RU" sz="1200" b="1" i="0" kern="1200" dirty="0" err="1">
                 <a:solidFill>
                   <a:schemeClr val="tx1"/>
                 </a:solidFill>
@@ -10576,7 +10485,7 @@
               <a:t>занчнеия</a:t>
             </a:r>
             <a:r>
-              <a:rPr lang="ru-RU" sz="1200" b="1" i="0" kern="1200" dirty="0" smtClean="0">
+              <a:rPr lang="ru-RU" sz="1200" b="1" i="0" kern="1200" dirty="0">
                 <a:solidFill>
                   <a:schemeClr val="tx1"/>
                 </a:solidFill>
@@ -10588,7 +10497,7 @@
               <a:t>, в </a:t>
             </a:r>
             <a:r>
-              <a:rPr lang="ru-RU" sz="1200" b="1" i="0" kern="1200" dirty="0" err="1" smtClean="0">
+              <a:rPr lang="ru-RU" sz="1200" b="1" i="0" kern="1200" dirty="0" err="1">
                 <a:solidFill>
                   <a:schemeClr val="tx1"/>
                 </a:solidFill>
@@ -10600,7 +10509,7 @@
               <a:t>каокм</a:t>
             </a:r>
             <a:r>
-              <a:rPr lang="ru-RU" sz="1200" b="1" i="0" kern="1200" dirty="0" smtClean="0">
+              <a:rPr lang="ru-RU" sz="1200" b="1" i="0" kern="1200" dirty="0">
                 <a:solidFill>
                   <a:schemeClr val="tx1"/>
                 </a:solidFill>
@@ -10612,7 +10521,7 @@
               <a:t> </a:t>
             </a:r>
             <a:r>
-              <a:rPr lang="ru-RU" sz="1200" b="1" i="0" kern="1200" dirty="0" err="1" smtClean="0">
+              <a:rPr lang="ru-RU" sz="1200" b="1" i="0" kern="1200" dirty="0" err="1">
                 <a:solidFill>
                   <a:schemeClr val="tx1"/>
                 </a:solidFill>
@@ -10624,7 +10533,7 @@
               <a:t>проякде</a:t>
             </a:r>
             <a:r>
-              <a:rPr lang="ru-RU" sz="1200" b="1" i="0" kern="1200" dirty="0" smtClean="0">
+              <a:rPr lang="ru-RU" sz="1200" b="1" i="0" kern="1200" dirty="0">
                 <a:solidFill>
                   <a:schemeClr val="tx1"/>
                 </a:solidFill>
@@ -10636,7 +10545,7 @@
               <a:t> </a:t>
             </a:r>
             <a:r>
-              <a:rPr lang="ru-RU" sz="1200" b="1" i="0" kern="1200" dirty="0" err="1" smtClean="0">
+              <a:rPr lang="ru-RU" sz="1200" b="1" i="0" kern="1200" dirty="0" err="1">
                 <a:solidFill>
                   <a:schemeClr val="tx1"/>
                 </a:solidFill>
@@ -10648,7 +10557,7 @@
               <a:t>рсапжоолены</a:t>
             </a:r>
             <a:r>
-              <a:rPr lang="ru-RU" sz="1200" b="1" i="0" kern="1200" dirty="0" smtClean="0">
+              <a:rPr lang="ru-RU" sz="1200" b="1" i="0" kern="1200" dirty="0">
                 <a:solidFill>
                   <a:schemeClr val="tx1"/>
                 </a:solidFill>
@@ -10660,7 +10569,7 @@
               <a:t> </a:t>
             </a:r>
             <a:r>
-              <a:rPr lang="ru-RU" sz="1200" b="1" i="0" kern="1200" dirty="0" err="1" smtClean="0">
+              <a:rPr lang="ru-RU" sz="1200" b="1" i="0" kern="1200" dirty="0" err="1">
                 <a:solidFill>
                   <a:schemeClr val="tx1"/>
                 </a:solidFill>
@@ -10672,7 +10581,7 @@
               <a:t>бкувы</a:t>
             </a:r>
             <a:r>
-              <a:rPr lang="ru-RU" sz="1200" b="1" i="0" kern="1200" dirty="0" smtClean="0">
+              <a:rPr lang="ru-RU" sz="1200" b="1" i="0" kern="1200" dirty="0">
                 <a:solidFill>
                   <a:schemeClr val="tx1"/>
                 </a:solidFill>
@@ -10684,7 +10593,7 @@
               <a:t> в </a:t>
             </a:r>
             <a:r>
-              <a:rPr lang="ru-RU" sz="1200" b="1" i="0" kern="1200" dirty="0" err="1" smtClean="0">
+              <a:rPr lang="ru-RU" sz="1200" b="1" i="0" kern="1200" dirty="0" err="1">
                 <a:solidFill>
                   <a:schemeClr val="tx1"/>
                 </a:solidFill>
@@ -10696,7 +10605,7 @@
               <a:t>солве</a:t>
             </a:r>
             <a:r>
-              <a:rPr lang="ru-RU" sz="1200" b="1" i="0" kern="1200" dirty="0" smtClean="0">
+              <a:rPr lang="ru-RU" sz="1200" b="1" i="0" kern="1200" dirty="0">
                 <a:solidFill>
                   <a:schemeClr val="tx1"/>
                 </a:solidFill>
@@ -10708,7 +10617,7 @@
               <a:t>. </a:t>
             </a:r>
             <a:r>
-              <a:rPr lang="ru-RU" sz="1200" b="1" i="0" kern="1200" dirty="0" err="1" smtClean="0">
+              <a:rPr lang="ru-RU" sz="1200" b="1" i="0" kern="1200" dirty="0" err="1">
                 <a:solidFill>
                   <a:schemeClr val="tx1"/>
                 </a:solidFill>
@@ -10720,7 +10629,7 @@
               <a:t>Галовне</a:t>
             </a:r>
             <a:r>
-              <a:rPr lang="ru-RU" sz="1200" b="1" i="0" kern="1200" dirty="0" smtClean="0">
+              <a:rPr lang="ru-RU" sz="1200" b="1" i="0" kern="1200" dirty="0">
                 <a:solidFill>
                   <a:schemeClr val="tx1"/>
                 </a:solidFill>
@@ -10732,7 +10641,7 @@
               <a:t>, </a:t>
             </a:r>
             <a:r>
-              <a:rPr lang="ru-RU" sz="1200" b="1" i="0" kern="1200" dirty="0" err="1" smtClean="0">
+              <a:rPr lang="ru-RU" sz="1200" b="1" i="0" kern="1200" dirty="0" err="1">
                 <a:solidFill>
                   <a:schemeClr val="tx1"/>
                 </a:solidFill>
@@ -10744,7 +10653,7 @@
               <a:t>чотбы</a:t>
             </a:r>
             <a:r>
-              <a:rPr lang="ru-RU" sz="1200" b="1" i="0" kern="1200" dirty="0" smtClean="0">
+              <a:rPr lang="ru-RU" sz="1200" b="1" i="0" kern="1200" dirty="0">
                 <a:solidFill>
                   <a:schemeClr val="tx1"/>
                 </a:solidFill>
@@ -10756,7 +10665,7 @@
               <a:t> </a:t>
             </a:r>
             <a:r>
-              <a:rPr lang="ru-RU" sz="1200" b="1" i="0" kern="1200" dirty="0" err="1" smtClean="0">
+              <a:rPr lang="ru-RU" sz="1200" b="1" i="0" kern="1200" dirty="0" err="1">
                 <a:solidFill>
                   <a:schemeClr val="tx1"/>
                 </a:solidFill>
@@ -10768,7 +10677,7 @@
               <a:t>преавя</a:t>
             </a:r>
             <a:r>
-              <a:rPr lang="ru-RU" sz="1200" b="1" i="0" kern="1200" dirty="0" smtClean="0">
+              <a:rPr lang="ru-RU" sz="1200" b="1" i="0" kern="1200" dirty="0">
                 <a:solidFill>
                   <a:schemeClr val="tx1"/>
                 </a:solidFill>
@@ -10780,7 +10689,7 @@
               <a:t> и </a:t>
             </a:r>
             <a:r>
-              <a:rPr lang="ru-RU" sz="1200" b="1" i="0" kern="1200" dirty="0" err="1" smtClean="0">
+              <a:rPr lang="ru-RU" sz="1200" b="1" i="0" kern="1200" dirty="0" err="1">
                 <a:solidFill>
                   <a:schemeClr val="tx1"/>
                 </a:solidFill>
@@ -10792,7 +10701,7 @@
               <a:t>пслонедяя</a:t>
             </a:r>
             <a:r>
-              <a:rPr lang="ru-RU" sz="1200" b="1" i="0" kern="1200" dirty="0" smtClean="0">
+              <a:rPr lang="ru-RU" sz="1200" b="1" i="0" kern="1200" dirty="0">
                 <a:solidFill>
                   <a:schemeClr val="tx1"/>
                 </a:solidFill>
@@ -10804,7 +10713,7 @@
               <a:t> </a:t>
             </a:r>
             <a:r>
-              <a:rPr lang="ru-RU" sz="1200" b="1" i="0" kern="1200" dirty="0" err="1" smtClean="0">
+              <a:rPr lang="ru-RU" sz="1200" b="1" i="0" kern="1200" dirty="0" err="1">
                 <a:solidFill>
                   <a:schemeClr val="tx1"/>
                 </a:solidFill>
@@ -10816,7 +10725,7 @@
               <a:t>бквуы</a:t>
             </a:r>
             <a:r>
-              <a:rPr lang="ru-RU" sz="1200" b="1" i="0" kern="1200" dirty="0" smtClean="0">
+              <a:rPr lang="ru-RU" sz="1200" b="1" i="0" kern="1200" dirty="0">
                 <a:solidFill>
                   <a:schemeClr val="tx1"/>
                 </a:solidFill>
@@ -10828,7 +10737,7 @@
               <a:t> </a:t>
             </a:r>
             <a:r>
-              <a:rPr lang="ru-RU" sz="1200" b="1" i="0" kern="1200" dirty="0" err="1" smtClean="0">
+              <a:rPr lang="ru-RU" sz="1200" b="1" i="0" kern="1200" dirty="0" err="1">
                 <a:solidFill>
                   <a:schemeClr val="tx1"/>
                 </a:solidFill>
@@ -10840,7 +10749,7 @@
               <a:t>блыи</a:t>
             </a:r>
             <a:r>
-              <a:rPr lang="ru-RU" sz="1200" b="1" i="0" kern="1200" dirty="0" smtClean="0">
+              <a:rPr lang="ru-RU" sz="1200" b="1" i="0" kern="1200" dirty="0">
                 <a:solidFill>
                   <a:schemeClr val="tx1"/>
                 </a:solidFill>
@@ -10852,7 +10761,7 @@
               <a:t> на </a:t>
             </a:r>
             <a:r>
-              <a:rPr lang="ru-RU" sz="1200" b="1" i="0" kern="1200" dirty="0" err="1" smtClean="0">
+              <a:rPr lang="ru-RU" sz="1200" b="1" i="0" kern="1200" dirty="0" err="1">
                 <a:solidFill>
                   <a:schemeClr val="tx1"/>
                 </a:solidFill>
@@ -10864,7 +10773,7 @@
               <a:t>мсете</a:t>
             </a:r>
             <a:r>
-              <a:rPr lang="ru-RU" sz="1200" b="1" i="0" kern="1200" dirty="0" smtClean="0">
+              <a:rPr lang="ru-RU" sz="1200" b="1" i="0" kern="1200" dirty="0">
                 <a:solidFill>
                   <a:schemeClr val="tx1"/>
                 </a:solidFill>
@@ -10876,7 +10785,7 @@
               <a:t>. </a:t>
             </a:r>
             <a:r>
-              <a:rPr lang="ru-RU" sz="1200" b="1" i="0" kern="1200" dirty="0" err="1" smtClean="0">
+              <a:rPr lang="ru-RU" sz="1200" b="1" i="0" kern="1200" dirty="0" err="1">
                 <a:solidFill>
                   <a:schemeClr val="tx1"/>
                 </a:solidFill>
@@ -10888,7 +10797,7 @@
               <a:t>осатьлыне</a:t>
             </a:r>
             <a:r>
-              <a:rPr lang="ru-RU" sz="1200" b="1" i="0" kern="1200" dirty="0" smtClean="0">
+              <a:rPr lang="ru-RU" sz="1200" b="1" i="0" kern="1200" dirty="0">
                 <a:solidFill>
                   <a:schemeClr val="tx1"/>
                 </a:solidFill>
@@ -10900,7 +10809,7 @@
               <a:t> </a:t>
             </a:r>
             <a:r>
-              <a:rPr lang="ru-RU" sz="1200" b="1" i="0" kern="1200" dirty="0" err="1" smtClean="0">
+              <a:rPr lang="ru-RU" sz="1200" b="1" i="0" kern="1200" dirty="0" err="1">
                 <a:solidFill>
                   <a:schemeClr val="tx1"/>
                 </a:solidFill>
@@ -10912,7 +10821,7 @@
               <a:t>бкувы</a:t>
             </a:r>
             <a:r>
-              <a:rPr lang="ru-RU" sz="1200" b="1" i="0" kern="1200" dirty="0" smtClean="0">
+              <a:rPr lang="ru-RU" sz="1200" b="1" i="0" kern="1200" dirty="0">
                 <a:solidFill>
                   <a:schemeClr val="tx1"/>
                 </a:solidFill>
@@ -10924,7 +10833,7 @@
               <a:t> </a:t>
             </a:r>
             <a:r>
-              <a:rPr lang="ru-RU" sz="1200" b="1" i="0" kern="1200" dirty="0" err="1" smtClean="0">
+              <a:rPr lang="ru-RU" sz="1200" b="1" i="0" kern="1200" dirty="0" err="1">
                 <a:solidFill>
                   <a:schemeClr val="tx1"/>
                 </a:solidFill>
@@ -10936,7 +10845,7 @@
               <a:t>мгоут</a:t>
             </a:r>
             <a:r>
-              <a:rPr lang="ru-RU" sz="1200" b="1" i="0" kern="1200" dirty="0" smtClean="0">
+              <a:rPr lang="ru-RU" sz="1200" b="1" i="0" kern="1200" dirty="0">
                 <a:solidFill>
                   <a:schemeClr val="tx1"/>
                 </a:solidFill>
@@ -10948,7 +10857,7 @@
               <a:t> </a:t>
             </a:r>
             <a:r>
-              <a:rPr lang="ru-RU" sz="1200" b="1" i="0" kern="1200" dirty="0" err="1" smtClean="0">
+              <a:rPr lang="ru-RU" sz="1200" b="1" i="0" kern="1200" dirty="0" err="1">
                 <a:solidFill>
                   <a:schemeClr val="tx1"/>
                 </a:solidFill>
@@ -10960,7 +10869,7 @@
               <a:t>селдовтаь</a:t>
             </a:r>
             <a:r>
-              <a:rPr lang="ru-RU" sz="1200" b="1" i="0" kern="1200" dirty="0" smtClean="0">
+              <a:rPr lang="ru-RU" sz="1200" b="1" i="0" kern="1200" dirty="0">
                 <a:solidFill>
                   <a:schemeClr val="tx1"/>
                 </a:solidFill>
@@ -10972,7 +10881,7 @@
               <a:t> в </a:t>
             </a:r>
             <a:r>
-              <a:rPr lang="ru-RU" sz="1200" b="1" i="0" kern="1200" dirty="0" err="1" smtClean="0">
+              <a:rPr lang="ru-RU" sz="1200" b="1" i="0" kern="1200" dirty="0" err="1">
                 <a:solidFill>
                   <a:schemeClr val="tx1"/>
                 </a:solidFill>
@@ -10984,7 +10893,7 @@
               <a:t>плоонм</a:t>
             </a:r>
             <a:r>
-              <a:rPr lang="ru-RU" sz="1200" b="1" i="0" kern="1200" dirty="0" smtClean="0">
+              <a:rPr lang="ru-RU" sz="1200" b="1" i="0" kern="1200" dirty="0">
                 <a:solidFill>
                   <a:schemeClr val="tx1"/>
                 </a:solidFill>
@@ -10996,7 +10905,7 @@
               <a:t> </a:t>
             </a:r>
             <a:r>
-              <a:rPr lang="ru-RU" sz="1200" b="1" i="0" kern="1200" dirty="0" err="1" smtClean="0">
+              <a:rPr lang="ru-RU" sz="1200" b="1" i="0" kern="1200" dirty="0" err="1">
                 <a:solidFill>
                   <a:schemeClr val="tx1"/>
                 </a:solidFill>
@@ -11008,7 +10917,7 @@
               <a:t>бсепордяке</a:t>
             </a:r>
             <a:r>
-              <a:rPr lang="ru-RU" sz="1200" b="1" i="0" kern="1200" dirty="0" smtClean="0">
+              <a:rPr lang="ru-RU" sz="1200" b="1" i="0" kern="1200" dirty="0">
                 <a:solidFill>
                   <a:schemeClr val="tx1"/>
                 </a:solidFill>
@@ -11020,7 +10929,7 @@
               <a:t>, все-рвано </a:t>
             </a:r>
             <a:r>
-              <a:rPr lang="ru-RU" sz="1200" b="1" i="0" kern="1200" dirty="0" err="1" smtClean="0">
+              <a:rPr lang="ru-RU" sz="1200" b="1" i="0" kern="1200" dirty="0" err="1">
                 <a:solidFill>
                   <a:schemeClr val="tx1"/>
                 </a:solidFill>
@@ -11032,7 +10941,7 @@
               <a:t>ткест</a:t>
             </a:r>
             <a:r>
-              <a:rPr lang="ru-RU" sz="1200" b="1" i="0" kern="1200" dirty="0" smtClean="0">
+              <a:rPr lang="ru-RU" sz="1200" b="1" i="0" kern="1200" dirty="0">
                 <a:solidFill>
                   <a:schemeClr val="tx1"/>
                 </a:solidFill>
@@ -11044,7 +10953,7 @@
               <a:t> </a:t>
             </a:r>
             <a:r>
-              <a:rPr lang="ru-RU" sz="1200" b="1" i="0" kern="1200" dirty="0" err="1" smtClean="0">
+              <a:rPr lang="ru-RU" sz="1200" b="1" i="0" kern="1200" dirty="0" err="1">
                 <a:solidFill>
                   <a:schemeClr val="tx1"/>
                 </a:solidFill>
@@ -11056,7 +10965,7 @@
               <a:t>чтаитсея</a:t>
             </a:r>
             <a:r>
-              <a:rPr lang="ru-RU" sz="1200" b="1" i="0" kern="1200" dirty="0" smtClean="0">
+              <a:rPr lang="ru-RU" sz="1200" b="1" i="0" kern="1200" dirty="0">
                 <a:solidFill>
                   <a:schemeClr val="tx1"/>
                 </a:solidFill>
@@ -11068,7 +10977,7 @@
               <a:t> без </a:t>
             </a:r>
             <a:r>
-              <a:rPr lang="ru-RU" sz="1200" b="1" i="0" kern="1200" dirty="0" err="1" smtClean="0">
+              <a:rPr lang="ru-RU" sz="1200" b="1" i="0" kern="1200" dirty="0" err="1">
                 <a:solidFill>
                   <a:schemeClr val="tx1"/>
                 </a:solidFill>
@@ -11080,7 +10989,7 @@
               <a:t>побрелм</a:t>
             </a:r>
             <a:r>
-              <a:rPr lang="ru-RU" sz="1200" b="1" i="0" kern="1200" dirty="0" smtClean="0">
+              <a:rPr lang="ru-RU" sz="1200" b="1" i="0" kern="1200" dirty="0">
                 <a:solidFill>
                   <a:schemeClr val="tx1"/>
                 </a:solidFill>
@@ -11092,7 +11001,7 @@
               <a:t>. </a:t>
             </a:r>
             <a:r>
-              <a:rPr lang="ru-RU" sz="1200" b="1" i="0" kern="1200" dirty="0" err="1" smtClean="0">
+              <a:rPr lang="ru-RU" sz="1200" b="1" i="0" kern="1200" dirty="0" err="1">
                 <a:solidFill>
                   <a:schemeClr val="tx1"/>
                 </a:solidFill>
@@ -11104,7 +11013,7 @@
               <a:t>Пичрионй</a:t>
             </a:r>
             <a:r>
-              <a:rPr lang="ru-RU" sz="1200" b="1" i="0" kern="1200" dirty="0" smtClean="0">
+              <a:rPr lang="ru-RU" sz="1200" b="1" i="0" kern="1200" dirty="0">
                 <a:solidFill>
                   <a:schemeClr val="tx1"/>
                 </a:solidFill>
@@ -11116,7 +11025,7 @@
               <a:t> </a:t>
             </a:r>
             <a:r>
-              <a:rPr lang="ru-RU" sz="1200" b="1" i="0" kern="1200" dirty="0" err="1" smtClean="0">
+              <a:rPr lang="ru-RU" sz="1200" b="1" i="0" kern="1200" dirty="0" err="1">
                 <a:solidFill>
                   <a:schemeClr val="tx1"/>
                 </a:solidFill>
@@ -11128,7 +11037,7 @@
               <a:t>эгото</a:t>
             </a:r>
             <a:r>
-              <a:rPr lang="ru-RU" sz="1200" b="1" i="0" kern="1200" dirty="0" smtClean="0">
+              <a:rPr lang="ru-RU" sz="1200" b="1" i="0" kern="1200" dirty="0">
                 <a:solidFill>
                   <a:schemeClr val="tx1"/>
                 </a:solidFill>
@@ -11140,7 +11049,7 @@
               <a:t> </a:t>
             </a:r>
             <a:r>
-              <a:rPr lang="ru-RU" sz="1200" b="1" i="0" kern="1200" dirty="0" err="1" smtClean="0">
+              <a:rPr lang="ru-RU" sz="1200" b="1" i="0" kern="1200" dirty="0" err="1">
                 <a:solidFill>
                   <a:schemeClr val="tx1"/>
                 </a:solidFill>
@@ -11152,7 +11061,7 @@
               <a:t>ялвятеся</a:t>
             </a:r>
             <a:r>
-              <a:rPr lang="ru-RU" sz="1200" b="1" i="0" kern="1200" dirty="0" smtClean="0">
+              <a:rPr lang="ru-RU" sz="1200" b="1" i="0" kern="1200" dirty="0">
                 <a:solidFill>
                   <a:schemeClr val="tx1"/>
                 </a:solidFill>
@@ -11164,7 +11073,7 @@
               <a:t> то, что мы не </a:t>
             </a:r>
             <a:r>
-              <a:rPr lang="ru-RU" sz="1200" b="1" i="0" kern="1200" dirty="0" err="1" smtClean="0">
+              <a:rPr lang="ru-RU" sz="1200" b="1" i="0" kern="1200" dirty="0" err="1">
                 <a:solidFill>
                   <a:schemeClr val="tx1"/>
                 </a:solidFill>
@@ -11176,7 +11085,7 @@
               <a:t>чиаетм</a:t>
             </a:r>
             <a:r>
-              <a:rPr lang="ru-RU" sz="1200" b="1" i="0" kern="1200" dirty="0" smtClean="0">
+              <a:rPr lang="ru-RU" sz="1200" b="1" i="0" kern="1200" dirty="0">
                 <a:solidFill>
                   <a:schemeClr val="tx1"/>
                 </a:solidFill>
@@ -11188,7 +11097,7 @@
               <a:t> </a:t>
             </a:r>
             <a:r>
-              <a:rPr lang="ru-RU" sz="1200" b="1" i="0" kern="1200" dirty="0" err="1" smtClean="0">
+              <a:rPr lang="ru-RU" sz="1200" b="1" i="0" kern="1200" dirty="0" err="1">
                 <a:solidFill>
                   <a:schemeClr val="tx1"/>
                 </a:solidFill>
@@ -11200,7 +11109,7 @@
               <a:t>кдаужю</a:t>
             </a:r>
             <a:r>
-              <a:rPr lang="ru-RU" sz="1200" b="1" i="0" kern="1200" dirty="0" smtClean="0">
+              <a:rPr lang="ru-RU" sz="1200" b="1" i="0" kern="1200" dirty="0">
                 <a:solidFill>
                   <a:schemeClr val="tx1"/>
                 </a:solidFill>
@@ -11212,7 +11121,7 @@
               <a:t> </a:t>
             </a:r>
             <a:r>
-              <a:rPr lang="ru-RU" sz="1200" b="1" i="0" kern="1200" dirty="0" err="1" smtClean="0">
+              <a:rPr lang="ru-RU" sz="1200" b="1" i="0" kern="1200" dirty="0" err="1">
                 <a:solidFill>
                   <a:schemeClr val="tx1"/>
                 </a:solidFill>
@@ -11224,7 +11133,7 @@
               <a:t>бкуву</a:t>
             </a:r>
             <a:r>
-              <a:rPr lang="ru-RU" sz="1200" b="1" i="0" kern="1200" dirty="0" smtClean="0">
+              <a:rPr lang="ru-RU" sz="1200" b="1" i="0" kern="1200" dirty="0">
                 <a:solidFill>
                   <a:schemeClr val="tx1"/>
                 </a:solidFill>
@@ -11236,7 +11145,7 @@
               <a:t> по </a:t>
             </a:r>
             <a:r>
-              <a:rPr lang="ru-RU" sz="1200" b="1" i="0" kern="1200" dirty="0" err="1" smtClean="0">
+              <a:rPr lang="ru-RU" sz="1200" b="1" i="0" kern="1200" dirty="0" err="1">
                 <a:solidFill>
                   <a:schemeClr val="tx1"/>
                 </a:solidFill>
@@ -11248,7 +11157,7 @@
               <a:t>отдльенотси</a:t>
             </a:r>
             <a:r>
-              <a:rPr lang="ru-RU" sz="1200" b="1" i="0" kern="1200" dirty="0" smtClean="0">
+              <a:rPr lang="ru-RU" sz="1200" b="1" i="0" kern="1200" dirty="0">
                 <a:solidFill>
                   <a:schemeClr val="tx1"/>
                 </a:solidFill>
@@ -11260,7 +11169,7 @@
               <a:t>, а все </a:t>
             </a:r>
             <a:r>
-              <a:rPr lang="ru-RU" sz="1200" b="1" i="0" kern="1200" dirty="0" err="1" smtClean="0">
+              <a:rPr lang="ru-RU" sz="1200" b="1" i="0" kern="1200" dirty="0" err="1">
                 <a:solidFill>
                   <a:schemeClr val="tx1"/>
                 </a:solidFill>
@@ -11272,7 +11181,7 @@
               <a:t>солво</a:t>
             </a:r>
             <a:r>
-              <a:rPr lang="ru-RU" sz="1200" b="1" i="0" kern="1200" dirty="0" smtClean="0">
+              <a:rPr lang="ru-RU" sz="1200" b="1" i="0" kern="1200" dirty="0">
                 <a:solidFill>
                   <a:schemeClr val="tx1"/>
                 </a:solidFill>
@@ -11284,7 +11193,7 @@
               <a:t> </a:t>
             </a:r>
             <a:r>
-              <a:rPr lang="ru-RU" sz="1200" b="1" i="0" kern="1200" dirty="0" err="1" smtClean="0">
+              <a:rPr lang="ru-RU" sz="1200" b="1" i="0" kern="1200" dirty="0" err="1">
                 <a:solidFill>
                   <a:schemeClr val="tx1"/>
                 </a:solidFill>
@@ -11296,7 +11205,7 @@
               <a:t>цлиеком</a:t>
             </a:r>
             <a:r>
-              <a:rPr lang="ru-RU" sz="1200" b="1" i="0" kern="1200" dirty="0" smtClean="0">
+              <a:rPr lang="ru-RU" sz="1200" b="1" i="0" kern="1200" dirty="0">
                 <a:solidFill>
                   <a:schemeClr val="tx1"/>
                 </a:solidFill>
@@ -11308,7 +11217,7 @@
               <a:t>.</a:t>
             </a:r>
             <a:r>
-              <a:rPr lang="ru-RU" sz="1200" b="0" i="0" kern="1200" baseline="0" dirty="0" smtClean="0">
+              <a:rPr lang="ru-RU" sz="1200" b="0" i="0" kern="1200" baseline="0" dirty="0">
                 <a:solidFill>
                   <a:schemeClr val="tx1"/>
                 </a:solidFill>
@@ -11319,15 +11228,15 @@
               </a:rPr>
               <a:t>»</a:t>
             </a:r>
-            <a:endParaRPr lang="ru-RU" dirty="0" smtClean="0"/>
-          </a:p>
-          <a:p>
-            <a:r>
-              <a:rPr lang="ru-RU" dirty="0" smtClean="0"/>
+            <a:endParaRPr lang="ru-RU" dirty="0"/>
+          </a:p>
+          <a:p>
+            <a:r>
+              <a:rPr lang="ru-RU" dirty="0"/>
               <a:t>5. </a:t>
             </a:r>
             <a:r>
-              <a:rPr lang="en-US" sz="1200" b="0" i="0" kern="1200" dirty="0" smtClean="0">
+              <a:rPr lang="en-US" sz="1200" b="0" i="0" kern="1200" dirty="0">
                 <a:solidFill>
                   <a:schemeClr val="tx1"/>
                 </a:solidFill>
@@ -11339,7 +11248,7 @@
               <a:t>private </a:t>
             </a:r>
             <a:r>
-              <a:rPr lang="en-US" sz="1200" b="1" i="0" kern="1200" dirty="0" smtClean="0">
+              <a:rPr lang="en-US" sz="1200" b="1" i="0" kern="1200" dirty="0">
                 <a:solidFill>
                   <a:schemeClr val="tx1"/>
                 </a:solidFill>
@@ -11351,7 +11260,7 @@
               <a:t>static</a:t>
             </a:r>
             <a:r>
-              <a:rPr lang="en-US" sz="1200" b="0" i="0" kern="1200" dirty="0" smtClean="0">
+              <a:rPr lang="en-US" sz="1200" b="0" i="0" kern="1200" dirty="0">
                 <a:solidFill>
                   <a:schemeClr val="tx1"/>
                 </a:solidFill>
@@ -11363,7 +11272,7 @@
               <a:t> </a:t>
             </a:r>
             <a:r>
-              <a:rPr lang="en-US" sz="1200" b="0" i="0" kern="1200" dirty="0" err="1" smtClean="0">
+              <a:rPr lang="en-US" sz="1200" b="0" i="0" kern="1200" dirty="0" err="1">
                 <a:solidFill>
                   <a:schemeClr val="tx1"/>
                 </a:solidFill>
@@ -11375,7 +11284,7 @@
               <a:t>readonly</a:t>
             </a:r>
             <a:r>
-              <a:rPr lang="en-US" sz="1200" b="0" i="0" kern="1200" dirty="0" smtClean="0">
+              <a:rPr lang="en-US" sz="1200" b="0" i="0" kern="1200" dirty="0">
                 <a:solidFill>
                   <a:schemeClr val="tx1"/>
                 </a:solidFill>
@@ -11387,7 +11296,7 @@
               <a:t> </a:t>
             </a:r>
             <a:r>
-              <a:rPr lang="en-US" sz="1200" b="0" i="0" kern="1200" dirty="0" err="1" smtClean="0">
+              <a:rPr lang="en-US" sz="1200" b="0" i="0" kern="1200" dirty="0" err="1">
                 <a:solidFill>
                   <a:schemeClr val="tx1"/>
                 </a:solidFill>
@@ -11399,7 +11308,7 @@
               <a:t>IDictionary</a:t>
             </a:r>
             <a:r>
-              <a:rPr lang="en-US" sz="1200" b="0" i="0" kern="1200" dirty="0" smtClean="0">
+              <a:rPr lang="en-US" sz="1200" b="0" i="0" kern="1200" dirty="0">
                 <a:solidFill>
                   <a:schemeClr val="tx1"/>
                 </a:solidFill>
@@ -11411,7 +11320,7 @@
               <a:t>&lt;string, </a:t>
             </a:r>
             <a:r>
-              <a:rPr lang="en-US" sz="1200" b="0" i="0" kern="1200" dirty="0" err="1" smtClean="0">
+              <a:rPr lang="en-US" sz="1200" b="0" i="0" kern="1200" dirty="0" err="1">
                 <a:solidFill>
                   <a:schemeClr val="tx1"/>
                 </a:solidFill>
@@ -11423,7 +11332,7 @@
               <a:t>int</a:t>
             </a:r>
             <a:r>
-              <a:rPr lang="en-US" sz="1200" b="0" i="0" kern="1200" dirty="0" smtClean="0">
+              <a:rPr lang="en-US" sz="1200" b="0" i="0" kern="1200" dirty="0">
                 <a:solidFill>
                   <a:schemeClr val="tx1"/>
                 </a:solidFill>
@@ -11435,7 +11344,7 @@
               <a:t>&gt; stats = new Dictionary&lt;string, </a:t>
             </a:r>
             <a:r>
-              <a:rPr lang="en-US" sz="1200" b="0" i="0" kern="1200" dirty="0" err="1" smtClean="0">
+              <a:rPr lang="en-US" sz="1200" b="0" i="0" kern="1200" dirty="0" err="1">
                 <a:solidFill>
                   <a:schemeClr val="tx1"/>
                 </a:solidFill>
@@ -11447,7 +11356,7 @@
               <a:t>int</a:t>
             </a:r>
             <a:r>
-              <a:rPr lang="en-US" sz="1200" b="0" i="0" kern="1200" dirty="0" smtClean="0">
+              <a:rPr lang="en-US" sz="1200" b="0" i="0" kern="1200" dirty="0">
                 <a:solidFill>
                   <a:schemeClr val="tx1"/>
                 </a:solidFill>
@@ -11458,7 +11367,7 @@
               </a:rPr>
               <a:t>&gt;();</a:t>
             </a:r>
-            <a:endParaRPr lang="ru-RU" sz="1200" b="0" i="0" kern="1200" dirty="0" smtClean="0">
+            <a:endParaRPr lang="ru-RU" sz="1200" b="0" i="0" kern="1200" dirty="0">
               <a:solidFill>
                 <a:schemeClr val="tx1"/>
               </a:solidFill>
@@ -11470,7 +11379,7 @@
           </a:p>
           <a:p>
             <a:r>
-              <a:rPr lang="ru-RU" sz="1200" b="0" i="0" kern="1200" dirty="0" smtClean="0">
+              <a:rPr lang="ru-RU" sz="1200" b="0" i="0" kern="1200" dirty="0">
                 <a:solidFill>
                   <a:schemeClr val="tx1"/>
                 </a:solidFill>
@@ -11483,45 +11392,41 @@
             </a:r>
           </a:p>
           <a:p>
-            <a:r>
-              <a:rPr lang="ru-RU" dirty="0" smtClean="0"/>
-              <a:t/>
-            </a:r>
             <a:br>
-              <a:rPr lang="ru-RU" dirty="0" smtClean="0"/>
+              <a:rPr lang="ru-RU" dirty="0"/>
             </a:br>
             <a:r>
-              <a:rPr lang="ru-RU" dirty="0" smtClean="0"/>
+              <a:rPr lang="ru-RU" dirty="0"/>
               <a:t>6. Много тестов, проверяющих</a:t>
             </a:r>
             <a:r>
-              <a:rPr lang="ru-RU" baseline="0" dirty="0" smtClean="0"/>
+              <a:rPr lang="ru-RU" baseline="0" dirty="0"/>
               <a:t> одно и то же – это признак </a:t>
             </a:r>
             <a:r>
-              <a:rPr lang="en-US" baseline="0" dirty="0" err="1" smtClean="0"/>
+              <a:rPr lang="en-US" baseline="0" dirty="0" err="1"/>
               <a:t>Overspecification</a:t>
             </a:r>
             <a:r>
-              <a:rPr lang="en-US" baseline="0" dirty="0" smtClean="0"/>
+              <a:rPr lang="en-US" baseline="0" dirty="0"/>
               <a:t> </a:t>
             </a:r>
             <a:r>
-              <a:rPr lang="ru-RU" baseline="0" dirty="0" smtClean="0"/>
+              <a:rPr lang="ru-RU" baseline="0" dirty="0"/>
               <a:t>из </a:t>
             </a:r>
             <a:r>
-              <a:rPr lang="ru-RU" baseline="0" dirty="0" err="1" smtClean="0"/>
+              <a:rPr lang="ru-RU" baseline="0" dirty="0" err="1"/>
               <a:t>Антипаттернов</a:t>
             </a:r>
             <a:r>
-              <a:rPr lang="ru-RU" baseline="0" dirty="0" smtClean="0"/>
+              <a:rPr lang="ru-RU" baseline="0" dirty="0"/>
               <a:t>, что не есть хорошо.</a:t>
             </a:r>
           </a:p>
           <a:p>
             <a:r>
-              <a:rPr lang="ru-RU" baseline="0" dirty="0" smtClean="0"/>
+              <a:rPr lang="ru-RU" baseline="0" dirty="0"/>
               <a:t>Почему?</a:t>
             </a:r>
           </a:p>
@@ -11531,7 +11436,7 @@
               <a:buChar char="•"/>
             </a:pPr>
             <a:r>
-              <a:rPr lang="ru-RU" baseline="0" dirty="0" smtClean="0"/>
+              <a:rPr lang="ru-RU" baseline="0" dirty="0"/>
               <a:t>Каждую колонку можно рассматривать как требование из спецификации. Мы живём в изменяющемся мире, условия меняются, требования меняются, соответственно тесты и реализация тоже должны меняться. Но когда у тебя 12 тестов, проверяющих одно и то же требование. То при изменении этого требования, придётся поменять 12 тестов. А если этих тестов 20? 100?..</a:t>
             </a:r>
           </a:p>
@@ -11540,7 +11445,7 @@
               <a:buFont typeface="Arial" panose="020B0604020202020204" pitchFamily="34" charset="0"/>
               <a:buChar char="•"/>
             </a:pPr>
-            <a:endParaRPr lang="ru-RU" baseline="0" dirty="0" smtClean="0"/>
+            <a:endParaRPr lang="ru-RU" baseline="0" dirty="0"/>
           </a:p>
           <a:p>
             <a:pPr marL="0" indent="0">
@@ -11548,7 +11453,7 @@
               <a:buNone/>
             </a:pPr>
             <a:r>
-              <a:rPr lang="ru-RU" baseline="0" dirty="0" smtClean="0"/>
+              <a:rPr lang="ru-RU" baseline="0" dirty="0"/>
               <a:t>Подытожим:</a:t>
             </a:r>
           </a:p>
@@ -11558,10 +11463,10 @@
               <a:buChar char="•"/>
             </a:pPr>
             <a:r>
-              <a:rPr lang="ru-RU" baseline="0" dirty="0" smtClean="0"/>
+              <a:rPr lang="ru-RU" baseline="0" dirty="0"/>
               <a:t>Легко писать тесты по существующему проверенному коду и/или спецификации</a:t>
             </a:r>
-            <a:endParaRPr lang="en-US" baseline="0" dirty="0" smtClean="0"/>
+            <a:endParaRPr lang="en-US" baseline="0" dirty="0"/>
           </a:p>
           <a:p>
             <a:pPr marL="171450" indent="-171450">
@@ -11569,7 +11474,7 @@
               <a:buChar char="•"/>
             </a:pPr>
             <a:r>
-              <a:rPr lang="ru-RU" baseline="0" dirty="0" smtClean="0"/>
+              <a:rPr lang="ru-RU" baseline="0" dirty="0"/>
               <a:t>Не всегда очевидно взаимодействие требований.</a:t>
             </a:r>
           </a:p>
@@ -11579,14 +11484,14 @@
               <a:buChar char="•"/>
             </a:pPr>
             <a:r>
-              <a:rPr lang="ru-RU" baseline="0" dirty="0" smtClean="0"/>
+              <a:rPr lang="ru-RU" baseline="0" dirty="0"/>
               <a:t>Тесты не заменяют </a:t>
             </a:r>
             <a:r>
-              <a:rPr lang="en-US" baseline="0" dirty="0" smtClean="0"/>
+              <a:rPr lang="en-US" baseline="0" dirty="0"/>
               <a:t>CR</a:t>
             </a:r>
-            <a:endParaRPr lang="ru-RU" baseline="0" dirty="0" smtClean="0"/>
+            <a:endParaRPr lang="ru-RU" baseline="0" dirty="0"/>
           </a:p>
           <a:p>
             <a:pPr marL="171450" indent="-171450">
@@ -11594,19 +11499,19 @@
               <a:buChar char="•"/>
             </a:pPr>
             <a:r>
-              <a:rPr lang="en-US" baseline="0" dirty="0" smtClean="0"/>
+              <a:rPr lang="en-US" baseline="0" dirty="0"/>
               <a:t>CR </a:t>
             </a:r>
             <a:r>
-              <a:rPr lang="ru-RU" baseline="0" dirty="0" smtClean="0"/>
+              <a:rPr lang="ru-RU" baseline="0" dirty="0"/>
               <a:t>не заменяет тестов. И то, и другое – инструменты, которыми можно предотвратить </a:t>
             </a:r>
             <a:r>
-              <a:rPr lang="ru-RU" b="1" baseline="0" dirty="0" smtClean="0"/>
+              <a:rPr lang="ru-RU" b="1" baseline="0" dirty="0"/>
               <a:t>почти</a:t>
             </a:r>
             <a:r>
-              <a:rPr lang="ru-RU" baseline="0" dirty="0" smtClean="0"/>
+              <a:rPr lang="ru-RU" baseline="0" dirty="0"/>
               <a:t> все проблемы при использовании их вместе.</a:t>
             </a:r>
           </a:p>
@@ -11615,7 +11520,7 @@
               <a:buFont typeface="Arial" panose="020B0604020202020204" pitchFamily="34" charset="0"/>
               <a:buChar char="•"/>
             </a:pPr>
-            <a:endParaRPr lang="ru-RU" baseline="0" dirty="0" smtClean="0"/>
+            <a:endParaRPr lang="ru-RU" baseline="0" dirty="0"/>
           </a:p>
         </p:txBody>
       </p:sp>
@@ -11636,7 +11541,7 @@
           <a:p>
             <a:fld id="{3BAECB10-9972-4830-A584-02C41DAFD45B}" type="slidenum">
               <a:rPr lang="ru-RU" smtClean="0"/>
-              <a:t>27</a:t>
+              <a:t>30</a:t>
             </a:fld>
             <a:endParaRPr lang="ru-RU"/>
           </a:p>
@@ -11700,30 +11605,30 @@
           <a:lstStyle/>
           <a:p>
             <a:r>
-              <a:rPr lang="ru-RU" dirty="0" smtClean="0"/>
+              <a:rPr lang="ru-RU" dirty="0"/>
               <a:t>Тесты</a:t>
             </a:r>
             <a:r>
-              <a:rPr lang="ru-RU" baseline="0" dirty="0" smtClean="0"/>
+              <a:rPr lang="ru-RU" baseline="0" dirty="0"/>
               <a:t> дают доверие к коду, но только если есть доверие к самим тестам</a:t>
             </a:r>
           </a:p>
           <a:p>
             <a:r>
-              <a:rPr lang="ru-RU" baseline="0" dirty="0" smtClean="0"/>
+              <a:rPr lang="ru-RU" baseline="0" dirty="0"/>
               <a:t>Если тест не понятен, то когда он упадёт (выполнит своё предназначение), это проигнорируют, тест закомментируют или и вовсе удалят.</a:t>
             </a:r>
           </a:p>
           <a:p>
             <a:r>
-              <a:rPr lang="ru-RU" dirty="0" smtClean="0"/>
+              <a:rPr lang="ru-RU" dirty="0"/>
               <a:t>Поэтому</a:t>
             </a:r>
             <a:r>
-              <a:rPr lang="ru-RU" baseline="0" dirty="0" smtClean="0"/>
+              <a:rPr lang="ru-RU" baseline="0" dirty="0"/>
               <a:t> для тестов критически важно быть читаемыми и понятными.</a:t>
             </a:r>
-            <a:endParaRPr lang="ru-RU" dirty="0" smtClean="0"/>
+            <a:endParaRPr lang="ru-RU" dirty="0"/>
           </a:p>
           <a:p>
             <a:endParaRPr lang="ru-RU" dirty="0"/>
@@ -11811,38 +11716,38 @@
           <a:lstStyle/>
           <a:p>
             <a:r>
-              <a:rPr lang="ru-RU" dirty="0" smtClean="0"/>
+              <a:rPr lang="ru-RU" dirty="0"/>
               <a:t>Тесты,</a:t>
             </a:r>
             <a:r>
-              <a:rPr lang="ru-RU" baseline="0" dirty="0" smtClean="0"/>
+              <a:rPr lang="ru-RU" baseline="0" dirty="0"/>
               <a:t> как и хороший код, должны рассказывать историю.</a:t>
             </a:r>
           </a:p>
           <a:p>
             <a:r>
-              <a:rPr lang="ru-RU" dirty="0" smtClean="0"/>
+              <a:rPr lang="ru-RU" dirty="0"/>
               <a:t>Из</a:t>
             </a:r>
             <a:r>
-              <a:rPr lang="ru-RU" baseline="0" dirty="0" smtClean="0"/>
+              <a:rPr lang="ru-RU" baseline="0" dirty="0"/>
               <a:t> названий тестов можно составить короткое описание функционала.</a:t>
             </a:r>
           </a:p>
           <a:p>
-            <a:endParaRPr lang="en-US" dirty="0" smtClean="0"/>
-          </a:p>
-          <a:p>
-            <a:r>
-              <a:rPr lang="ru-RU" dirty="0" smtClean="0"/>
+            <a:endParaRPr lang="en-US" dirty="0"/>
+          </a:p>
+          <a:p>
+            <a:r>
+              <a:rPr lang="ru-RU" dirty="0"/>
               <a:t>Что</a:t>
             </a:r>
             <a:r>
-              <a:rPr lang="ru-RU" baseline="0" dirty="0" smtClean="0"/>
+              <a:rPr lang="ru-RU" baseline="0" dirty="0"/>
               <a:t> здесь происходит? Что делает класс </a:t>
             </a:r>
             <a:r>
-              <a:rPr lang="en-US" baseline="0" dirty="0" smtClean="0"/>
+              <a:rPr lang="en-US" baseline="0" dirty="0"/>
               <a:t>Superman?</a:t>
             </a:r>
             <a:endParaRPr lang="ru-RU" dirty="0"/>
@@ -11940,22 +11845,18 @@
             </a:r>
             <a:r>
               <a:rPr lang="ru-RU" baseline="0" dirty="0"/>
-              <a:t> повышает </a:t>
-            </a:r>
-            <a:r>
-              <a:rPr lang="ru-RU" baseline="0" dirty="0" smtClean="0"/>
-              <a:t>читаемость, а </a:t>
-            </a:r>
-            <a:r>
-              <a:rPr lang="en-US" baseline="0" dirty="0" smtClean="0"/>
+              <a:t> повышает читаемость, а </a:t>
+            </a:r>
+            <a:r>
+              <a:rPr lang="en-US" baseline="0" dirty="0"/>
               <a:t>=&gt;</a:t>
             </a:r>
             <a:r>
-              <a:rPr lang="ru-RU" baseline="0" dirty="0" smtClean="0"/>
+              <a:rPr lang="ru-RU" baseline="0" dirty="0"/>
               <a:t> </a:t>
             </a:r>
             <a:r>
-              <a:rPr lang="ru-RU" baseline="0" dirty="0" err="1" smtClean="0"/>
+              <a:rPr lang="ru-RU" baseline="0" dirty="0" err="1"/>
               <a:t>поддерживаемость</a:t>
             </a:r>
             <a:endParaRPr lang="ru-RU" dirty="0"/>
@@ -12218,25 +12119,13 @@
             </a:r>
             <a:r>
               <a:rPr lang="ru-RU" baseline="0" dirty="0"/>
-              <a:t> </a:t>
-            </a:r>
-            <a:r>
-              <a:rPr lang="ru-RU" baseline="0" dirty="0" smtClean="0"/>
-              <a:t>каких именах чего </a:t>
-            </a:r>
-            <a:r>
-              <a:rPr lang="ru-RU" baseline="0" dirty="0"/>
-              <a:t>не </a:t>
-            </a:r>
-            <a:r>
-              <a:rPr lang="ru-RU" baseline="0" dirty="0" smtClean="0"/>
-              <a:t>хватает? А что лишнее</a:t>
-            </a:r>
-            <a:r>
-              <a:rPr lang="en-US" baseline="0" dirty="0" smtClean="0"/>
+              <a:t> каких именах чего не хватает? А что лишнее</a:t>
+            </a:r>
+            <a:r>
+              <a:rPr lang="en-US" baseline="0" dirty="0"/>
               <a:t>?</a:t>
             </a:r>
-            <a:endParaRPr lang="ru-RU" baseline="0" dirty="0" smtClean="0"/>
+            <a:endParaRPr lang="ru-RU" baseline="0" dirty="0"/>
           </a:p>
         </p:txBody>
       </p:sp>
@@ -12321,53 +12210,53 @@
           <a:lstStyle/>
           <a:p>
             <a:r>
-              <a:rPr lang="en-US" dirty="0" err="1" smtClean="0"/>
+              <a:rPr lang="en-US" dirty="0" err="1"/>
               <a:t>ParseInt</a:t>
             </a:r>
             <a:r>
-              <a:rPr lang="en-US" baseline="0" dirty="0" smtClean="0"/>
+              <a:rPr lang="en-US" baseline="0" dirty="0"/>
               <a:t> – </a:t>
             </a:r>
             <a:r>
-              <a:rPr lang="ru-RU" baseline="0" dirty="0" smtClean="0"/>
+              <a:rPr lang="ru-RU" baseline="0" dirty="0"/>
               <a:t>это метод какого-то класса. По умолчанию взят случай </a:t>
             </a:r>
             <a:r>
-              <a:rPr lang="en-US" baseline="0" dirty="0" smtClean="0"/>
+              <a:rPr lang="en-US" baseline="0" dirty="0"/>
               <a:t>Success</a:t>
             </a:r>
             <a:r>
-              <a:rPr lang="ru-RU" baseline="0" dirty="0" smtClean="0"/>
+              <a:rPr lang="ru-RU" baseline="0" dirty="0"/>
               <a:t> (поэтому это норм), но не понятно к какому классу относится данный метод, какой класс проверяет.</a:t>
             </a:r>
           </a:p>
           <a:p>
-            <a:endParaRPr lang="ru-RU" dirty="0" smtClean="0"/>
-          </a:p>
-          <a:p>
-            <a:r>
-              <a:rPr lang="ru-RU" dirty="0" smtClean="0"/>
+            <a:endParaRPr lang="ru-RU" dirty="0"/>
+          </a:p>
+          <a:p>
+            <a:r>
+              <a:rPr lang="ru-RU" dirty="0"/>
               <a:t>Резюме</a:t>
             </a:r>
             <a:r>
-              <a:rPr lang="ru-RU" baseline="0" dirty="0" smtClean="0"/>
+              <a:rPr lang="ru-RU" baseline="0" dirty="0"/>
               <a:t>: </a:t>
             </a:r>
             <a:r>
-              <a:rPr lang="ru-RU" baseline="0" dirty="0" err="1" smtClean="0"/>
+              <a:rPr lang="ru-RU" baseline="0" dirty="0" err="1"/>
               <a:t>нейминг</a:t>
             </a:r>
             <a:r>
-              <a:rPr lang="ru-RU" baseline="0" dirty="0" smtClean="0"/>
+              <a:rPr lang="ru-RU" baseline="0" dirty="0"/>
               <a:t> – наше всё и не только для основного кода, но и для тестов.</a:t>
             </a:r>
           </a:p>
           <a:p>
-            <a:endParaRPr lang="ru-RU" baseline="0" dirty="0" smtClean="0"/>
-          </a:p>
-          <a:p>
-            <a:r>
-              <a:rPr lang="ru-RU" baseline="0" dirty="0" smtClean="0"/>
+            <a:endParaRPr lang="ru-RU" baseline="0" dirty="0"/>
+          </a:p>
+          <a:p>
+            <a:r>
+              <a:rPr lang="ru-RU" baseline="0" dirty="0"/>
               <a:t>Читаемые тесты ускоряют адаптацию нового члена команды в проект.</a:t>
             </a:r>
             <a:endParaRPr lang="ru-RU" dirty="0"/>
@@ -12455,73 +12344,65 @@
           <a:lstStyle/>
           <a:p>
             <a:r>
-              <a:rPr lang="ru-RU" dirty="0" smtClean="0"/>
+              <a:rPr lang="ru-RU" dirty="0"/>
               <a:t>Существует большое</a:t>
             </a:r>
             <a:r>
-              <a:rPr lang="ru-RU" baseline="0" dirty="0" smtClean="0"/>
+              <a:rPr lang="ru-RU" baseline="0" dirty="0"/>
               <a:t> количество </a:t>
             </a:r>
             <a:r>
-              <a:rPr lang="ru-RU" baseline="0" dirty="0" err="1" smtClean="0"/>
+              <a:rPr lang="ru-RU" baseline="0" dirty="0" err="1"/>
               <a:t>антипаттернов</a:t>
             </a:r>
             <a:r>
-              <a:rPr lang="ru-RU" baseline="0" dirty="0" smtClean="0"/>
+              <a:rPr lang="ru-RU" baseline="0" dirty="0"/>
               <a:t> (см. по ссылке), здесь приведены лишь 4 из самых злостных и часто встречающихся.</a:t>
             </a:r>
           </a:p>
           <a:p>
-            <a:endParaRPr lang="ru-RU" dirty="0" smtClean="0"/>
-          </a:p>
-          <a:p>
-            <a:r>
-              <a:rPr lang="ru-RU" b="1" dirty="0" smtClean="0"/>
+            <a:endParaRPr lang="ru-RU" dirty="0"/>
+          </a:p>
+          <a:p>
+            <a:r>
+              <a:rPr lang="ru-RU" b="1" dirty="0"/>
               <a:t>Открой</a:t>
             </a:r>
             <a:r>
-              <a:rPr lang="ru-RU" b="1" baseline="0" dirty="0" smtClean="0"/>
+              <a:rPr lang="ru-RU" b="1" baseline="0" dirty="0"/>
               <a:t> файл с примерами</a:t>
             </a:r>
             <a:r>
-              <a:rPr lang="en-US" b="1" baseline="0" dirty="0" smtClean="0"/>
+              <a:rPr lang="en-US" b="1" baseline="0" dirty="0"/>
               <a:t>.</a:t>
             </a:r>
-            <a:endParaRPr lang="ru-RU" b="1" dirty="0" smtClean="0"/>
-          </a:p>
-          <a:p>
-            <a:r>
-              <a:rPr lang="ru-RU" dirty="0" smtClean="0"/>
+            <a:endParaRPr lang="ru-RU" b="1" dirty="0"/>
+          </a:p>
+          <a:p>
+            <a:r>
+              <a:rPr lang="ru-RU" dirty="0"/>
               <a:t>Сначала спроси,</a:t>
             </a:r>
             <a:r>
-              <a:rPr lang="ru-RU" baseline="0" dirty="0" smtClean="0"/>
+              <a:rPr lang="ru-RU" baseline="0" dirty="0"/>
               <a:t> что лишнего видят слушатели, потом объясни, если не сказали всего.</a:t>
             </a:r>
           </a:p>
           <a:p>
-            <a:endParaRPr lang="ru-RU" dirty="0" smtClean="0"/>
-          </a:p>
-          <a:p>
-            <a:r>
-              <a:rPr lang="en-US" dirty="0" smtClean="0"/>
+            <a:endParaRPr lang="ru-RU" dirty="0"/>
+          </a:p>
+          <a:p>
+            <a:r>
+              <a:rPr lang="en-US" dirty="0"/>
               <a:t>Local</a:t>
             </a:r>
             <a:r>
-              <a:rPr lang="en-US" baseline="0" dirty="0" smtClean="0"/>
-              <a:t> </a:t>
-            </a:r>
-            <a:r>
               <a:rPr lang="en-US" baseline="0" dirty="0"/>
-              <a:t>Hero – </a:t>
+              <a:t> Hero – </a:t>
             </a:r>
             <a:r>
               <a:rPr lang="ru-RU" baseline="0" dirty="0"/>
-              <a:t>не будет работать на других </a:t>
-            </a:r>
-            <a:r>
-              <a:rPr lang="ru-RU" baseline="0" dirty="0" smtClean="0"/>
-              <a:t>машинах.</a:t>
+              <a:t>не будет работать на других машинах.</a:t>
             </a:r>
           </a:p>
           <a:p>
@@ -12542,36 +12423,27 @@
             </a:r>
             <a:r>
               <a:rPr lang="ru-RU" dirty="0"/>
-              <a:t> не </a:t>
-            </a:r>
-            <a:r>
-              <a:rPr lang="ru-RU" dirty="0" smtClean="0"/>
-              <a:t>кидает.</a:t>
+              <a:t> не кидает.</a:t>
+            </a:r>
+          </a:p>
+          <a:p>
+            <a:r>
+              <a:rPr lang="ru-RU" dirty="0"/>
+              <a:t>	История:</a:t>
+            </a:r>
+            <a:r>
+              <a:rPr lang="ru-RU" baseline="0" dirty="0"/>
+              <a:t> Вы решили ознакомиться с работой какой-то библиотеки, накидали тестов, которые что-то выводят в консоль, что-то пишут на диск или ещё что-то в этом роде, провели эксперименты, освоились с библиотекой и забыли про них. Это мусорные тесты, которые по своей сути ничего не проверяют, а значит, что хранить их не нужно.</a:t>
             </a:r>
             <a:endParaRPr lang="ru-RU" dirty="0"/>
           </a:p>
           <a:p>
-            <a:r>
-              <a:rPr lang="ru-RU" dirty="0" smtClean="0"/>
-              <a:t>	История:</a:t>
-            </a:r>
-            <a:r>
-              <a:rPr lang="ru-RU" baseline="0" dirty="0" smtClean="0"/>
-              <a:t> Вы решили ознакомиться с работой какой-то библиотеки, накидали тестов, которые что-то выводят в консоль, что-то пишут на диск или ещё что-то в этом роде, провели эксперименты, освоились с библиотекой и забыли про них. Это мусорные тесты, которые по своей сути ничего не проверяют, а значит, что хранить их не нужно.</a:t>
-            </a:r>
-            <a:endParaRPr lang="ru-RU" dirty="0" smtClean="0"/>
-          </a:p>
-          <a:p>
-            <a:endParaRPr lang="ru-RU" dirty="0" smtClean="0"/>
-          </a:p>
-          <a:p>
-            <a:r>
-              <a:rPr lang="en-US" dirty="0" smtClean="0"/>
-              <a:t>Free </a:t>
-            </a:r>
+            <a:endParaRPr lang="ru-RU" dirty="0"/>
+          </a:p>
+          <a:p>
             <a:r>
               <a:rPr lang="en-US" dirty="0"/>
-              <a:t>Ride – </a:t>
+              <a:t>Free Ride – </a:t>
             </a:r>
             <a:r>
               <a:rPr lang="ru-RU" dirty="0"/>
@@ -12628,13 +12500,8 @@
           <a:p>
             <a:r>
               <a:rPr lang="ru-RU" baseline="0" dirty="0"/>
-              <a:t>Только хорошо написанные тесты могут служить спецификацией</a:t>
-            </a:r>
-            <a:r>
-              <a:rPr lang="ru-RU" baseline="0" dirty="0" smtClean="0"/>
-              <a:t>.</a:t>
-            </a:r>
-            <a:endParaRPr lang="ru-RU" baseline="0" dirty="0"/>
+              <a:t>Только хорошо написанные тесты могут служить спецификацией.</a:t>
+            </a:r>
           </a:p>
           <a:p>
             <a:endParaRPr lang="en-US" baseline="0" dirty="0"/>
@@ -12661,7 +12528,7 @@
           <a:p>
             <a:fld id="{3BAECB10-9972-4830-A584-02C41DAFD45B}" type="slidenum">
               <a:rPr lang="ru-RU" smtClean="0"/>
-              <a:t>9</a:t>
+              <a:t>10</a:t>
             </a:fld>
             <a:endParaRPr lang="ru-RU"/>
           </a:p>
@@ -16779,30 +16646,6 @@
           </a:p>
         </p:txBody>
       </p:sp>
-      <p:sp>
-        <p:nvSpPr>
-          <p:cNvPr id="3" name="Текст 2"/>
-          <p:cNvSpPr>
-            <a:spLocks noGrp="1"/>
-          </p:cNvSpPr>
-          <p:nvPr>
-            <p:ph type="body" sz="quarter" idx="11"/>
-          </p:nvPr>
-        </p:nvSpPr>
-        <p:spPr>
-          <a:xfrm>
-            <a:off x="4367213" y="5229225"/>
-            <a:ext cx="6529387" cy="439738"/>
-          </a:xfrm>
-        </p:spPr>
-        <p:txBody>
-          <a:bodyPr/>
-          <a:lstStyle/>
-          <a:p>
-            <a:endParaRPr lang="en-US" dirty="0"/>
-          </a:p>
-        </p:txBody>
-      </p:sp>
       <p:pic>
         <p:nvPicPr>
           <p:cNvPr id="5" name="Рисунок 4"/>
@@ -16846,17 +16689,510 @@
   <p:clrMapOvr>
     <a:masterClrMapping/>
   </p:clrMapOvr>
+</p:sld>
+</file>
+
+<file path=ppt/slides/slide10.xml><?xml version="1.0" encoding="utf-8"?>
+<p:sld xmlns:a="http://schemas.openxmlformats.org/drawingml/2006/main" xmlns:r="http://schemas.openxmlformats.org/officeDocument/2006/relationships" xmlns:p="http://schemas.openxmlformats.org/presentationml/2006/main">
+  <p:cSld>
+    <p:spTree>
+      <p:nvGrpSpPr>
+        <p:cNvPr id="1" name=""/>
+        <p:cNvGrpSpPr/>
+        <p:nvPr/>
+      </p:nvGrpSpPr>
+      <p:grpSpPr>
+        <a:xfrm>
+          <a:off x="0" y="0"/>
+          <a:ext cx="0" cy="0"/>
+          <a:chOff x="0" y="0"/>
+          <a:chExt cx="0" cy="0"/>
+        </a:xfrm>
+      </p:grpSpPr>
+      <p:sp>
+        <p:nvSpPr>
+          <p:cNvPr id="3" name="Объект 2"/>
+          <p:cNvSpPr>
+            <a:spLocks noGrp="1"/>
+          </p:cNvSpPr>
+          <p:nvPr>
+            <p:ph sz="quarter" idx="13"/>
+          </p:nvPr>
+        </p:nvSpPr>
+        <p:spPr>
+          <a:xfrm>
+            <a:off x="1295400" y="2852019"/>
+            <a:ext cx="9601133" cy="3456711"/>
+          </a:xfrm>
+        </p:spPr>
+        <p:txBody>
+          <a:bodyPr/>
+          <a:lstStyle/>
+          <a:p>
+            <a:r>
+              <a:rPr lang="en-US" dirty="0"/>
+              <a:t>Local Hero</a:t>
+            </a:r>
+            <a:endParaRPr lang="ru-RU" dirty="0"/>
+          </a:p>
+          <a:p>
+            <a:r>
+              <a:rPr lang="en-US" dirty="0"/>
+              <a:t>Loudmouth</a:t>
+            </a:r>
+            <a:endParaRPr lang="ru-RU" dirty="0"/>
+          </a:p>
+          <a:p>
+            <a:r>
+              <a:rPr lang="en-US" dirty="0"/>
+              <a:t>Free Ride</a:t>
+            </a:r>
+            <a:endParaRPr lang="ru-RU" dirty="0"/>
+          </a:p>
+          <a:p>
+            <a:r>
+              <a:rPr lang="en-US" dirty="0"/>
+              <a:t>Over</a:t>
+            </a:r>
+            <a:r>
+              <a:rPr lang="ru-RU" dirty="0"/>
+              <a:t> </a:t>
+            </a:r>
+            <a:r>
+              <a:rPr lang="en-US" dirty="0"/>
+              <a:t>specification</a:t>
+            </a:r>
+          </a:p>
+          <a:p>
+            <a:endParaRPr lang="en-US" dirty="0"/>
+          </a:p>
+          <a:p>
+            <a:r>
+              <a:rPr lang="en-US" sz="2800" dirty="0">
+                <a:hlinkClick r:id="rId3"/>
+              </a:rPr>
+              <a:t>http://blog.james-carr.org/2006/11/03/tdd-anti-patterns/</a:t>
+            </a:r>
+            <a:r>
+              <a:rPr lang="en-US" sz="2800" dirty="0"/>
+              <a:t> </a:t>
+            </a:r>
+            <a:endParaRPr lang="ru-RU" dirty="0"/>
+          </a:p>
+        </p:txBody>
+      </p:sp>
+      <p:sp>
+        <p:nvSpPr>
+          <p:cNvPr id="2" name="Заголовок 1"/>
+          <p:cNvSpPr>
+            <a:spLocks noGrp="1"/>
+          </p:cNvSpPr>
+          <p:nvPr>
+            <p:ph type="title"/>
+          </p:nvPr>
+        </p:nvSpPr>
+        <p:spPr/>
+        <p:txBody>
+          <a:bodyPr/>
+          <a:lstStyle/>
+          <a:p>
+            <a:r>
+              <a:rPr lang="ru-RU" dirty="0" err="1"/>
+              <a:t>Антипаттерны</a:t>
+            </a:r>
+            <a:endParaRPr lang="ru-RU" dirty="0"/>
+          </a:p>
+        </p:txBody>
+      </p:sp>
+      <p:grpSp>
+        <p:nvGrpSpPr>
+          <p:cNvPr id="10" name="Группа 9"/>
+          <p:cNvGrpSpPr/>
+          <p:nvPr/>
+        </p:nvGrpSpPr>
+        <p:grpSpPr>
+          <a:xfrm>
+            <a:off x="1295400" y="1628775"/>
+            <a:ext cx="4859089" cy="791842"/>
+            <a:chOff x="6243139" y="2461370"/>
+            <a:chExt cx="4859089" cy="791842"/>
+          </a:xfrm>
+        </p:grpSpPr>
+        <p:sp>
+          <p:nvSpPr>
+            <p:cNvPr id="8" name="TextBox 7"/>
+            <p:cNvSpPr txBox="1"/>
+            <p:nvPr/>
+          </p:nvSpPr>
+          <p:spPr>
+            <a:xfrm>
+              <a:off x="6891139" y="2595681"/>
+              <a:ext cx="4211089" cy="523220"/>
+            </a:xfrm>
+            <a:prstGeom prst="rect">
+              <a:avLst/>
+            </a:prstGeom>
+            <a:noFill/>
+          </p:spPr>
+          <p:txBody>
+            <a:bodyPr wrap="none" rtlCol="0">
+              <a:spAutoFit/>
+            </a:bodyPr>
+            <a:lstStyle/>
+            <a:p>
+              <a:r>
+                <a:rPr lang="en-US" sz="2800" dirty="0">
+                  <a:solidFill>
+                    <a:schemeClr val="accent1"/>
+                  </a:solidFill>
+                  <a:latin typeface="+mj-lt"/>
+                </a:rPr>
+                <a:t>SAMPLES / ANTIPATTERNS</a:t>
+              </a:r>
+            </a:p>
+          </p:txBody>
+        </p:sp>
+        <p:pic>
+          <p:nvPicPr>
+            <p:cNvPr id="9" name="Picture 22" descr="C:\Users\sapogoff\Documents\sapogoff_work\SKB Kontur\01_presentation_templates\03_final\wmf_icons\документ.wmf"/>
+            <p:cNvPicPr>
+              <a:picLocks noChangeAspect="1" noChangeArrowheads="1"/>
+            </p:cNvPicPr>
+            <p:nvPr/>
+          </p:nvPicPr>
+          <p:blipFill>
+            <a:blip r:embed="rId4" cstate="print">
+              <a:duotone>
+                <a:schemeClr val="accent1">
+                  <a:shade val="45000"/>
+                  <a:satMod val="135000"/>
+                </a:schemeClr>
+                <a:prstClr val="white"/>
+              </a:duotone>
+              <a:extLst>
+                <a:ext uri="{28A0092B-C50C-407E-A947-70E740481C1C}">
+                  <a14:useLocalDpi xmlns:a14="http://schemas.microsoft.com/office/drawing/2010/main" val="0"/>
+                </a:ext>
+              </a:extLst>
+            </a:blip>
+            <a:srcRect/>
+            <a:stretch>
+              <a:fillRect/>
+            </a:stretch>
+          </p:blipFill>
+          <p:spPr bwMode="auto">
+            <a:xfrm>
+              <a:off x="6243139" y="2461370"/>
+              <a:ext cx="648000" cy="791842"/>
+            </a:xfrm>
+            <a:prstGeom prst="rect">
+              <a:avLst/>
+            </a:prstGeom>
+            <a:noFill/>
+            <a:extLst>
+              <a:ext uri="{909E8E84-426E-40DD-AFC4-6F175D3DCCD1}">
+                <a14:hiddenFill xmlns:a14="http://schemas.microsoft.com/office/drawing/2010/main">
+                  <a:solidFill>
+                    <a:srgbClr val="FFFFFF"/>
+                  </a:solidFill>
+                </a14:hiddenFill>
+              </a:ext>
+            </a:extLst>
+          </p:spPr>
+        </p:pic>
+      </p:grpSp>
+    </p:spTree>
+    <p:extLst>
+      <p:ext uri="{BB962C8B-B14F-4D97-AF65-F5344CB8AC3E}">
+        <p14:creationId xmlns:p14="http://schemas.microsoft.com/office/powerpoint/2010/main" val="4191729357"/>
+      </p:ext>
+    </p:extLst>
+  </p:cSld>
+  <p:clrMapOvr>
+    <a:masterClrMapping/>
+  </p:clrMapOvr>
   <p:timing>
     <p:tnLst>
       <p:par>
-        <p:cTn id="1" dur="indefinite" restart="never" nodeType="tmRoot"/>
+        <p:cTn id="1" dur="indefinite" restart="never" nodeType="tmRoot">
+          <p:childTnLst>
+            <p:seq concurrent="1" nextAc="seek">
+              <p:cTn id="2" dur="indefinite" nodeType="mainSeq">
+                <p:childTnLst>
+                  <p:par>
+                    <p:cTn id="3" fill="hold">
+                      <p:stCondLst>
+                        <p:cond delay="indefinite"/>
+                      </p:stCondLst>
+                      <p:childTnLst>
+                        <p:par>
+                          <p:cTn id="4" fill="hold">
+                            <p:stCondLst>
+                              <p:cond delay="0"/>
+                            </p:stCondLst>
+                            <p:childTnLst>
+                              <p:par>
+                                <p:cTn id="5" presetID="1" presetClass="entr" presetSubtype="0" fill="hold" grpId="0" nodeType="clickEffect">
+                                  <p:stCondLst>
+                                    <p:cond delay="0"/>
+                                  </p:stCondLst>
+                                  <p:childTnLst>
+                                    <p:set>
+                                      <p:cBhvr>
+                                        <p:cTn id="6" dur="1" fill="hold">
+                                          <p:stCondLst>
+                                            <p:cond delay="0"/>
+                                          </p:stCondLst>
+                                        </p:cTn>
+                                        <p:tgtEl>
+                                          <p:spTgt spid="3">
+                                            <p:txEl>
+                                              <p:pRg st="0" end="0"/>
+                                            </p:txEl>
+                                          </p:spTgt>
+                                        </p:tgtEl>
+                                        <p:attrNameLst>
+                                          <p:attrName>style.visibility</p:attrName>
+                                        </p:attrNameLst>
+                                      </p:cBhvr>
+                                      <p:to>
+                                        <p:strVal val="visible"/>
+                                      </p:to>
+                                    </p:set>
+                                  </p:childTnLst>
+                                </p:cTn>
+                              </p:par>
+                            </p:childTnLst>
+                          </p:cTn>
+                        </p:par>
+                      </p:childTnLst>
+                    </p:cTn>
+                  </p:par>
+                  <p:par>
+                    <p:cTn id="7" fill="hold">
+                      <p:stCondLst>
+                        <p:cond delay="indefinite"/>
+                      </p:stCondLst>
+                      <p:childTnLst>
+                        <p:par>
+                          <p:cTn id="8" fill="hold">
+                            <p:stCondLst>
+                              <p:cond delay="0"/>
+                            </p:stCondLst>
+                            <p:childTnLst>
+                              <p:par>
+                                <p:cTn id="9" presetID="1" presetClass="entr" presetSubtype="0" fill="hold" grpId="0" nodeType="clickEffect">
+                                  <p:stCondLst>
+                                    <p:cond delay="0"/>
+                                  </p:stCondLst>
+                                  <p:childTnLst>
+                                    <p:set>
+                                      <p:cBhvr>
+                                        <p:cTn id="10" dur="1" fill="hold">
+                                          <p:stCondLst>
+                                            <p:cond delay="0"/>
+                                          </p:stCondLst>
+                                        </p:cTn>
+                                        <p:tgtEl>
+                                          <p:spTgt spid="3">
+                                            <p:txEl>
+                                              <p:pRg st="1" end="1"/>
+                                            </p:txEl>
+                                          </p:spTgt>
+                                        </p:tgtEl>
+                                        <p:attrNameLst>
+                                          <p:attrName>style.visibility</p:attrName>
+                                        </p:attrNameLst>
+                                      </p:cBhvr>
+                                      <p:to>
+                                        <p:strVal val="visible"/>
+                                      </p:to>
+                                    </p:set>
+                                  </p:childTnLst>
+                                </p:cTn>
+                              </p:par>
+                            </p:childTnLst>
+                          </p:cTn>
+                        </p:par>
+                      </p:childTnLst>
+                    </p:cTn>
+                  </p:par>
+                  <p:par>
+                    <p:cTn id="11" fill="hold">
+                      <p:stCondLst>
+                        <p:cond delay="indefinite"/>
+                      </p:stCondLst>
+                      <p:childTnLst>
+                        <p:par>
+                          <p:cTn id="12" fill="hold">
+                            <p:stCondLst>
+                              <p:cond delay="0"/>
+                            </p:stCondLst>
+                            <p:childTnLst>
+                              <p:par>
+                                <p:cTn id="13" presetID="1" presetClass="entr" presetSubtype="0" fill="hold" grpId="0" nodeType="clickEffect">
+                                  <p:stCondLst>
+                                    <p:cond delay="0"/>
+                                  </p:stCondLst>
+                                  <p:childTnLst>
+                                    <p:set>
+                                      <p:cBhvr>
+                                        <p:cTn id="14" dur="1" fill="hold">
+                                          <p:stCondLst>
+                                            <p:cond delay="0"/>
+                                          </p:stCondLst>
+                                        </p:cTn>
+                                        <p:tgtEl>
+                                          <p:spTgt spid="3">
+                                            <p:txEl>
+                                              <p:pRg st="2" end="2"/>
+                                            </p:txEl>
+                                          </p:spTgt>
+                                        </p:tgtEl>
+                                        <p:attrNameLst>
+                                          <p:attrName>style.visibility</p:attrName>
+                                        </p:attrNameLst>
+                                      </p:cBhvr>
+                                      <p:to>
+                                        <p:strVal val="visible"/>
+                                      </p:to>
+                                    </p:set>
+                                  </p:childTnLst>
+                                </p:cTn>
+                              </p:par>
+                            </p:childTnLst>
+                          </p:cTn>
+                        </p:par>
+                      </p:childTnLst>
+                    </p:cTn>
+                  </p:par>
+                  <p:par>
+                    <p:cTn id="15" fill="hold">
+                      <p:stCondLst>
+                        <p:cond delay="indefinite"/>
+                      </p:stCondLst>
+                      <p:childTnLst>
+                        <p:par>
+                          <p:cTn id="16" fill="hold">
+                            <p:stCondLst>
+                              <p:cond delay="0"/>
+                            </p:stCondLst>
+                            <p:childTnLst>
+                              <p:par>
+                                <p:cTn id="17" presetID="1" presetClass="entr" presetSubtype="0" fill="hold" grpId="0" nodeType="clickEffect">
+                                  <p:stCondLst>
+                                    <p:cond delay="0"/>
+                                  </p:stCondLst>
+                                  <p:childTnLst>
+                                    <p:set>
+                                      <p:cBhvr>
+                                        <p:cTn id="18" dur="1" fill="hold">
+                                          <p:stCondLst>
+                                            <p:cond delay="0"/>
+                                          </p:stCondLst>
+                                        </p:cTn>
+                                        <p:tgtEl>
+                                          <p:spTgt spid="3">
+                                            <p:txEl>
+                                              <p:pRg st="3" end="3"/>
+                                            </p:txEl>
+                                          </p:spTgt>
+                                        </p:tgtEl>
+                                        <p:attrNameLst>
+                                          <p:attrName>style.visibility</p:attrName>
+                                        </p:attrNameLst>
+                                      </p:cBhvr>
+                                      <p:to>
+                                        <p:strVal val="visible"/>
+                                      </p:to>
+                                    </p:set>
+                                  </p:childTnLst>
+                                </p:cTn>
+                              </p:par>
+                            </p:childTnLst>
+                          </p:cTn>
+                        </p:par>
+                      </p:childTnLst>
+                    </p:cTn>
+                  </p:par>
+                  <p:par>
+                    <p:cTn id="19" fill="hold">
+                      <p:stCondLst>
+                        <p:cond delay="indefinite"/>
+                      </p:stCondLst>
+                      <p:childTnLst>
+                        <p:par>
+                          <p:cTn id="20" fill="hold">
+                            <p:stCondLst>
+                              <p:cond delay="0"/>
+                            </p:stCondLst>
+                            <p:childTnLst>
+                              <p:par>
+                                <p:cTn id="21" presetID="1" presetClass="entr" presetSubtype="0" fill="hold" grpId="0" nodeType="clickEffect">
+                                  <p:stCondLst>
+                                    <p:cond delay="0"/>
+                                  </p:stCondLst>
+                                  <p:childTnLst>
+                                    <p:set>
+                                      <p:cBhvr>
+                                        <p:cTn id="22" dur="1" fill="hold">
+                                          <p:stCondLst>
+                                            <p:cond delay="0"/>
+                                          </p:stCondLst>
+                                        </p:cTn>
+                                        <p:tgtEl>
+                                          <p:spTgt spid="3">
+                                            <p:txEl>
+                                              <p:pRg st="5" end="5"/>
+                                            </p:txEl>
+                                          </p:spTgt>
+                                        </p:tgtEl>
+                                        <p:attrNameLst>
+                                          <p:attrName>style.visibility</p:attrName>
+                                        </p:attrNameLst>
+                                      </p:cBhvr>
+                                      <p:to>
+                                        <p:strVal val="visible"/>
+                                      </p:to>
+                                    </p:set>
+                                  </p:childTnLst>
+                                </p:cTn>
+                              </p:par>
+                            </p:childTnLst>
+                          </p:cTn>
+                        </p:par>
+                      </p:childTnLst>
+                    </p:cTn>
+                  </p:par>
+                </p:childTnLst>
+              </p:cTn>
+              <p:prevCondLst>
+                <p:cond evt="onPrev" delay="0">
+                  <p:tgtEl>
+                    <p:sldTgt/>
+                  </p:tgtEl>
+                </p:cond>
+              </p:prevCondLst>
+              <p:nextCondLst>
+                <p:cond evt="onNext" delay="0">
+                  <p:tgtEl>
+                    <p:sldTgt/>
+                  </p:tgtEl>
+                </p:cond>
+              </p:nextCondLst>
+            </p:seq>
+          </p:childTnLst>
+        </p:cTn>
       </p:par>
     </p:tnLst>
+    <p:bldLst>
+      <p:bldP spid="3" grpId="0" build="p"/>
+    </p:bldLst>
   </p:timing>
 </p:sld>
 </file>
 
-<file path=ppt/slides/slide10.xml><?xml version="1.0" encoding="utf-8"?>
+<file path=ppt/slides/slide11.xml><?xml version="1.0" encoding="utf-8"?>
 <p:sld xmlns:a="http://schemas.openxmlformats.org/drawingml/2006/main" xmlns:r="http://schemas.openxmlformats.org/officeDocument/2006/relationships" xmlns:p="http://schemas.openxmlformats.org/presentationml/2006/main">
   <p:cSld>
     <p:spTree>
@@ -16964,17 +17300,10 @@
   <p:clrMapOvr>
     <a:masterClrMapping/>
   </p:clrMapOvr>
-  <p:timing>
-    <p:tnLst>
-      <p:par>
-        <p:cTn id="1" dur="indefinite" restart="never" nodeType="tmRoot"/>
-      </p:par>
-    </p:tnLst>
-  </p:timing>
 </p:sld>
 </file>
 
-<file path=ppt/slides/slide11.xml><?xml version="1.0" encoding="utf-8"?>
+<file path=ppt/slides/slide12.xml><?xml version="1.0" encoding="utf-8"?>
 <p:sld xmlns:a="http://schemas.openxmlformats.org/drawingml/2006/main" xmlns:r="http://schemas.openxmlformats.org/officeDocument/2006/relationships" xmlns:p="http://schemas.openxmlformats.org/presentationml/2006/main">
   <p:cSld>
     <p:spTree>
@@ -17011,18 +17340,10 @@
               <a:buChar char="•"/>
             </a:pPr>
             <a:r>
-              <a:rPr lang="en-US" dirty="0" err="1"/>
-              <a:t>SetUp</a:t>
-            </a:r>
-            <a:r>
-              <a:rPr lang="en-US" dirty="0"/>
-              <a:t>, </a:t>
-            </a:r>
-            <a:r>
-              <a:rPr lang="en-US" dirty="0" err="1" smtClean="0"/>
-              <a:t>TearDown</a:t>
-            </a:r>
-            <a:endParaRPr lang="en-US" dirty="0" smtClean="0"/>
+              <a:rPr lang="ru-RU" dirty="0"/>
+              <a:t>Сборка и разборка окружения</a:t>
+            </a:r>
+            <a:endParaRPr lang="en-US" dirty="0"/>
           </a:p>
           <a:p>
             <a:pPr marL="457200" indent="-457200">
@@ -17030,16 +17351,8 @@
               <a:buChar char="•"/>
             </a:pPr>
             <a:r>
-              <a:rPr lang="en-US" dirty="0" err="1" smtClean="0"/>
+              <a:rPr lang="en-US" dirty="0" err="1"/>
               <a:t>ObjectMother</a:t>
-            </a:r>
-            <a:r>
-              <a:rPr lang="en-US" dirty="0" smtClean="0"/>
-              <a:t>, </a:t>
-            </a:r>
-            <a:r>
-              <a:rPr lang="en-US" dirty="0" err="1" smtClean="0"/>
-              <a:t>TestDataBuilder</a:t>
             </a:r>
             <a:endParaRPr lang="en-US" dirty="0"/>
           </a:p>
@@ -17049,7 +17362,17 @@
               <a:buChar char="•"/>
             </a:pPr>
             <a:r>
-              <a:rPr lang="ru-RU" dirty="0" smtClean="0"/>
+              <a:rPr lang="en-US" dirty="0"/>
+              <a:t>Parametrized Tests</a:t>
+            </a:r>
+          </a:p>
+          <a:p>
+            <a:pPr marL="457200" indent="-457200">
+              <a:buFont typeface="Arial" panose="020B0604020202020204" pitchFamily="34" charset="0"/>
+              <a:buChar char="•"/>
+            </a:pPr>
+            <a:r>
+              <a:rPr lang="ru-RU" dirty="0"/>
               <a:t>Собственные </a:t>
             </a:r>
             <a:r>
@@ -17057,12 +17380,10 @@
               <a:t>Assert</a:t>
             </a:r>
             <a:r>
-              <a:rPr lang="ru-RU" dirty="0" smtClean="0"/>
+              <a:rPr lang="ru-RU" dirty="0"/>
               <a:t>-ы</a:t>
             </a:r>
-          </a:p>
-          <a:p>
-            <a:endParaRPr lang="en-US" dirty="0" smtClean="0"/>
+            <a:endParaRPr lang="en-US" dirty="0"/>
           </a:p>
           <a:p>
             <a:pPr marL="457200" indent="-457200">
@@ -17105,25 +17426,285 @@
   <p:clrMapOvr>
     <a:masterClrMapping/>
   </p:clrMapOvr>
-  <mc:AlternateContent xmlns:mc="http://schemas.openxmlformats.org/markup-compatibility/2006" xmlns:p14="http://schemas.microsoft.com/office/powerpoint/2010/main">
-    <mc:Choice Requires="p14">
-      <p:transition spd="slow" p14:dur="2000"/>
-    </mc:Choice>
-    <mc:Fallback xmlns="">
-      <p:transition spd="slow"/>
-    </mc:Fallback>
-  </mc:AlternateContent>
-  <p:timing>
-    <p:tnLst>
-      <p:par>
-        <p:cTn id="1" dur="indefinite" restart="never" nodeType="tmRoot"/>
-      </p:par>
-    </p:tnLst>
-  </p:timing>
 </p:sld>
 </file>
 
-<file path=ppt/slides/slide12.xml><?xml version="1.0" encoding="utf-8"?>
+<file path=ppt/slides/slide13.xml><?xml version="1.0" encoding="utf-8"?>
+<p:sld xmlns:a="http://schemas.openxmlformats.org/drawingml/2006/main" xmlns:r="http://schemas.openxmlformats.org/officeDocument/2006/relationships" xmlns:p="http://schemas.openxmlformats.org/presentationml/2006/main">
+  <p:cSld>
+    <p:spTree>
+      <p:nvGrpSpPr>
+        <p:cNvPr id="1" name=""/>
+        <p:cNvGrpSpPr/>
+        <p:nvPr/>
+      </p:nvGrpSpPr>
+      <p:grpSpPr>
+        <a:xfrm>
+          <a:off x="0" y="0"/>
+          <a:ext cx="0" cy="0"/>
+          <a:chOff x="0" y="0"/>
+          <a:chExt cx="0" cy="0"/>
+        </a:xfrm>
+      </p:grpSpPr>
+      <p:sp>
+        <p:nvSpPr>
+          <p:cNvPr id="2" name="Заголовок 1">
+            <a:extLst>
+              <a:ext uri="{FF2B5EF4-FFF2-40B4-BE49-F238E27FC236}">
+                <a16:creationId xmlns:a16="http://schemas.microsoft.com/office/drawing/2014/main" id="{1475436B-56D0-47D7-8D37-57F76AE66CA7}"/>
+              </a:ext>
+            </a:extLst>
+          </p:cNvPr>
+          <p:cNvSpPr>
+            <a:spLocks noGrp="1"/>
+          </p:cNvSpPr>
+          <p:nvPr>
+            <p:ph type="title"/>
+          </p:nvPr>
+        </p:nvSpPr>
+        <p:spPr/>
+        <p:txBody>
+          <a:bodyPr/>
+          <a:lstStyle/>
+          <a:p>
+            <a:r>
+              <a:rPr lang="ru-RU" dirty="0"/>
+              <a:t>Сборка и разборка окружения</a:t>
+            </a:r>
+            <a:endParaRPr lang="en-US" dirty="0"/>
+          </a:p>
+        </p:txBody>
+      </p:sp>
+      <p:sp>
+        <p:nvSpPr>
+          <p:cNvPr id="3" name="Объект 2">
+            <a:extLst>
+              <a:ext uri="{FF2B5EF4-FFF2-40B4-BE49-F238E27FC236}">
+                <a16:creationId xmlns:a16="http://schemas.microsoft.com/office/drawing/2014/main" id="{CC0359ED-3020-466D-A200-7430A5173840}"/>
+              </a:ext>
+            </a:extLst>
+          </p:cNvPr>
+          <p:cNvSpPr>
+            <a:spLocks noGrp="1"/>
+          </p:cNvSpPr>
+          <p:nvPr>
+            <p:ph sz="quarter" idx="11"/>
+          </p:nvPr>
+        </p:nvSpPr>
+        <p:spPr/>
+        <p:txBody>
+          <a:bodyPr/>
+          <a:lstStyle/>
+          <a:p>
+            <a:r>
+              <a:rPr lang="en-US" dirty="0" err="1"/>
+              <a:t>OneTimeSetUp</a:t>
+            </a:r>
+            <a:endParaRPr lang="en-US" dirty="0"/>
+          </a:p>
+          <a:p>
+            <a:r>
+              <a:rPr lang="ru-RU" dirty="0"/>
+              <a:t>	</a:t>
+            </a:r>
+            <a:r>
+              <a:rPr lang="en-US" dirty="0" err="1"/>
+              <a:t>SetUp</a:t>
+            </a:r>
+            <a:endParaRPr lang="en-US" dirty="0"/>
+          </a:p>
+          <a:p>
+            <a:r>
+              <a:rPr lang="ru-RU" dirty="0"/>
+              <a:t>		</a:t>
+            </a:r>
+            <a:r>
+              <a:rPr lang="en-US" dirty="0">
+                <a:solidFill>
+                  <a:schemeClr val="accent1"/>
+                </a:solidFill>
+              </a:rPr>
+              <a:t>Test 1</a:t>
+            </a:r>
+          </a:p>
+          <a:p>
+            <a:r>
+              <a:rPr lang="ru-RU" dirty="0"/>
+              <a:t>	</a:t>
+            </a:r>
+            <a:r>
+              <a:rPr lang="en-US" dirty="0" err="1"/>
+              <a:t>TearDown</a:t>
+            </a:r>
+            <a:endParaRPr lang="en-US" dirty="0"/>
+          </a:p>
+          <a:p>
+            <a:r>
+              <a:rPr lang="ru-RU" dirty="0"/>
+              <a:t>	</a:t>
+            </a:r>
+            <a:r>
+              <a:rPr lang="en-US" dirty="0" err="1"/>
+              <a:t>SetUp</a:t>
+            </a:r>
+            <a:endParaRPr lang="en-US" dirty="0"/>
+          </a:p>
+          <a:p>
+            <a:r>
+              <a:rPr lang="ru-RU" dirty="0"/>
+              <a:t>		</a:t>
+            </a:r>
+            <a:r>
+              <a:rPr lang="en-US" dirty="0">
+                <a:solidFill>
+                  <a:schemeClr val="accent1"/>
+                </a:solidFill>
+              </a:rPr>
+              <a:t>Test 2</a:t>
+            </a:r>
+          </a:p>
+          <a:p>
+            <a:r>
+              <a:rPr lang="ru-RU" dirty="0"/>
+              <a:t>	</a:t>
+            </a:r>
+            <a:r>
+              <a:rPr lang="en-US" dirty="0" err="1"/>
+              <a:t>TearDown</a:t>
+            </a:r>
+            <a:endParaRPr lang="en-US" dirty="0"/>
+          </a:p>
+          <a:p>
+            <a:r>
+              <a:rPr lang="en-US" dirty="0" err="1"/>
+              <a:t>OneTimeTearDown</a:t>
+            </a:r>
+            <a:endParaRPr lang="en-US" dirty="0"/>
+          </a:p>
+        </p:txBody>
+      </p:sp>
+      <p:sp>
+        <p:nvSpPr>
+          <p:cNvPr id="4" name="Объект 3">
+            <a:extLst>
+              <a:ext uri="{FF2B5EF4-FFF2-40B4-BE49-F238E27FC236}">
+                <a16:creationId xmlns:a16="http://schemas.microsoft.com/office/drawing/2014/main" id="{A67AEDCC-6215-46A1-BFDB-E979C3C69C38}"/>
+              </a:ext>
+            </a:extLst>
+          </p:cNvPr>
+          <p:cNvSpPr>
+            <a:spLocks noGrp="1"/>
+          </p:cNvSpPr>
+          <p:nvPr>
+            <p:ph sz="quarter" idx="12"/>
+          </p:nvPr>
+        </p:nvSpPr>
+        <p:spPr/>
+        <p:txBody>
+          <a:bodyPr>
+            <a:normAutofit/>
+          </a:bodyPr>
+          <a:lstStyle/>
+          <a:p>
+            <a:r>
+              <a:rPr lang="en-US" dirty="0"/>
+              <a:t>before</a:t>
+            </a:r>
+          </a:p>
+          <a:p>
+            <a:r>
+              <a:rPr lang="en-US" dirty="0"/>
+              <a:t>	</a:t>
+            </a:r>
+            <a:r>
+              <a:rPr lang="en-US" dirty="0" err="1"/>
+              <a:t>beforeEach</a:t>
+            </a:r>
+            <a:endParaRPr lang="en-US" dirty="0"/>
+          </a:p>
+          <a:p>
+            <a:r>
+              <a:rPr lang="en-US" dirty="0"/>
+              <a:t>		</a:t>
+            </a:r>
+            <a:r>
+              <a:rPr lang="en-US" dirty="0">
+                <a:solidFill>
+                  <a:schemeClr val="accent1"/>
+                </a:solidFill>
+              </a:rPr>
+              <a:t>test 1</a:t>
+            </a:r>
+          </a:p>
+          <a:p>
+            <a:r>
+              <a:rPr lang="en-US" dirty="0"/>
+              <a:t>	</a:t>
+            </a:r>
+            <a:r>
+              <a:rPr lang="en-US" dirty="0" err="1"/>
+              <a:t>afterEach</a:t>
+            </a:r>
+            <a:endParaRPr lang="en-US" dirty="0"/>
+          </a:p>
+          <a:p>
+            <a:r>
+              <a:rPr lang="en-US" dirty="0"/>
+              <a:t>	</a:t>
+            </a:r>
+            <a:r>
+              <a:rPr lang="en-US" dirty="0" err="1"/>
+              <a:t>beforeEach</a:t>
+            </a:r>
+            <a:endParaRPr lang="en-US" dirty="0"/>
+          </a:p>
+          <a:p>
+            <a:r>
+              <a:rPr lang="en-US" dirty="0"/>
+              <a:t>		</a:t>
+            </a:r>
+            <a:r>
+              <a:rPr lang="en-US" dirty="0">
+                <a:solidFill>
+                  <a:schemeClr val="accent1"/>
+                </a:solidFill>
+              </a:rPr>
+              <a:t>test 2</a:t>
+            </a:r>
+          </a:p>
+          <a:p>
+            <a:r>
+              <a:rPr lang="en-US" dirty="0"/>
+              <a:t>	</a:t>
+            </a:r>
+            <a:r>
+              <a:rPr lang="en-US" dirty="0" err="1"/>
+              <a:t>afterEach</a:t>
+            </a:r>
+            <a:endParaRPr lang="en-US" dirty="0"/>
+          </a:p>
+          <a:p>
+            <a:r>
+              <a:rPr lang="en-US" dirty="0"/>
+              <a:t>after</a:t>
+            </a:r>
+          </a:p>
+        </p:txBody>
+      </p:sp>
+    </p:spTree>
+    <p:extLst>
+      <p:ext uri="{BB962C8B-B14F-4D97-AF65-F5344CB8AC3E}">
+        <p14:creationId xmlns:p14="http://schemas.microsoft.com/office/powerpoint/2010/main" val="2082403041"/>
+      </p:ext>
+    </p:extLst>
+  </p:cSld>
+  <p:clrMapOvr>
+    <a:masterClrMapping/>
+  </p:clrMapOvr>
+</p:sld>
+</file>
+
+<file path=ppt/slides/slide14.xml><?xml version="1.0" encoding="utf-8"?>
 <p:sld xmlns:a="http://schemas.openxmlformats.org/drawingml/2006/main" xmlns:r="http://schemas.openxmlformats.org/officeDocument/2006/relationships" xmlns:p="http://schemas.openxmlformats.org/presentationml/2006/main">
   <p:cSld>
     <p:spTree>
@@ -17156,8 +17737,12 @@
           <a:lstStyle/>
           <a:p>
             <a:r>
-              <a:rPr lang="en-US" dirty="0" smtClean="0"/>
-              <a:t>Setup</a:t>
+              <a:rPr lang="ru-RU" dirty="0"/>
+              <a:t>Пример </a:t>
+            </a:r>
+            <a:r>
+              <a:rPr lang="en-US" dirty="0" err="1"/>
+              <a:t>SetUp</a:t>
             </a:r>
             <a:endParaRPr lang="ru-RU" dirty="0"/>
           </a:p>
@@ -17199,7 +17784,7 @@
 </p:sld>
 </file>
 
-<file path=ppt/slides/slide13.xml><?xml version="1.0" encoding="utf-8"?>
+<file path=ppt/slides/slide15.xml><?xml version="1.0" encoding="utf-8"?>
 <p:sld xmlns:a="http://schemas.openxmlformats.org/drawingml/2006/main" xmlns:r="http://schemas.openxmlformats.org/officeDocument/2006/relationships" xmlns:p="http://schemas.openxmlformats.org/presentationml/2006/main">
   <p:cSld>
     <p:spTree>
@@ -17258,6 +17843,10 @@
           <a:lstStyle/>
           <a:p>
             <a:r>
+              <a:rPr lang="ru-RU" dirty="0"/>
+              <a:t>Пример </a:t>
+            </a:r>
+            <a:r>
               <a:rPr lang="en-US" dirty="0" err="1"/>
               <a:t>TearDown</a:t>
             </a:r>
@@ -17278,7 +17867,7 @@
 </p:sld>
 </file>
 
-<file path=ppt/slides/slide14.xml><?xml version="1.0" encoding="utf-8"?>
+<file path=ppt/slides/slide16.xml><?xml version="1.0" encoding="utf-8"?>
 <p:sld xmlns:a="http://schemas.openxmlformats.org/drawingml/2006/main" xmlns:r="http://schemas.openxmlformats.org/officeDocument/2006/relationships" xmlns:p="http://schemas.openxmlformats.org/presentationml/2006/main">
   <p:cSld>
     <p:spTree>
@@ -17335,7 +17924,7 @@
           <a:lstStyle/>
           <a:p>
             <a:r>
-              <a:rPr lang="en-US" dirty="0" smtClean="0"/>
+              <a:rPr lang="en-US" dirty="0"/>
               <a:t>Object Mother</a:t>
             </a:r>
             <a:endParaRPr lang="ru-RU" dirty="0"/>
@@ -17355,7 +17944,229 @@
 </p:sld>
 </file>
 
-<file path=ppt/slides/slide15.xml><?xml version="1.0" encoding="utf-8"?>
+<file path=ppt/slides/slide17.xml><?xml version="1.0" encoding="utf-8"?>
+<p:sld xmlns:a="http://schemas.openxmlformats.org/drawingml/2006/main" xmlns:r="http://schemas.openxmlformats.org/officeDocument/2006/relationships" xmlns:p="http://schemas.openxmlformats.org/presentationml/2006/main">
+  <p:cSld>
+    <p:spTree>
+      <p:nvGrpSpPr>
+        <p:cNvPr id="1" name=""/>
+        <p:cNvGrpSpPr/>
+        <p:nvPr/>
+      </p:nvGrpSpPr>
+      <p:grpSpPr>
+        <a:xfrm>
+          <a:off x="0" y="0"/>
+          <a:ext cx="0" cy="0"/>
+          <a:chOff x="0" y="0"/>
+          <a:chExt cx="0" cy="0"/>
+        </a:xfrm>
+      </p:grpSpPr>
+      <p:sp>
+        <p:nvSpPr>
+          <p:cNvPr id="2" name="Объект 1">
+            <a:extLst>
+              <a:ext uri="{FF2B5EF4-FFF2-40B4-BE49-F238E27FC236}">
+                <a16:creationId xmlns:a16="http://schemas.microsoft.com/office/drawing/2014/main" id="{1E8C27C7-4AA9-4046-A17C-1AB401F665FF}"/>
+              </a:ext>
+            </a:extLst>
+          </p:cNvPr>
+          <p:cNvSpPr>
+            <a:spLocks noGrp="1"/>
+          </p:cNvSpPr>
+          <p:nvPr>
+            <p:ph sz="quarter" idx="13"/>
+          </p:nvPr>
+        </p:nvSpPr>
+        <p:spPr/>
+        <p:txBody>
+          <a:bodyPr/>
+          <a:lstStyle/>
+          <a:p>
+            <a:endParaRPr lang="en-US"/>
+          </a:p>
+        </p:txBody>
+      </p:sp>
+      <p:sp>
+        <p:nvSpPr>
+          <p:cNvPr id="3" name="Заголовок 2">
+            <a:extLst>
+              <a:ext uri="{FF2B5EF4-FFF2-40B4-BE49-F238E27FC236}">
+                <a16:creationId xmlns:a16="http://schemas.microsoft.com/office/drawing/2014/main" id="{16C55716-696B-451C-93B7-4498533647E6}"/>
+              </a:ext>
+            </a:extLst>
+          </p:cNvPr>
+          <p:cNvSpPr>
+            <a:spLocks noGrp="1"/>
+          </p:cNvSpPr>
+          <p:nvPr>
+            <p:ph type="title"/>
+          </p:nvPr>
+        </p:nvSpPr>
+        <p:spPr/>
+        <p:txBody>
+          <a:bodyPr/>
+          <a:lstStyle/>
+          <a:p>
+            <a:r>
+              <a:rPr lang="en-US" dirty="0"/>
+              <a:t>Test Data Builder</a:t>
+            </a:r>
+          </a:p>
+        </p:txBody>
+      </p:sp>
+      <p:grpSp>
+        <p:nvGrpSpPr>
+          <p:cNvPr id="4" name="Группа 3">
+            <a:extLst>
+              <a:ext uri="{FF2B5EF4-FFF2-40B4-BE49-F238E27FC236}">
+                <a16:creationId xmlns:a16="http://schemas.microsoft.com/office/drawing/2014/main" id="{9D9A93BA-5620-4E97-B00C-626042DD3FC2}"/>
+              </a:ext>
+            </a:extLst>
+          </p:cNvPr>
+          <p:cNvGrpSpPr/>
+          <p:nvPr/>
+        </p:nvGrpSpPr>
+        <p:grpSpPr>
+          <a:xfrm>
+            <a:off x="1263824" y="5516888"/>
+            <a:ext cx="9012021" cy="791842"/>
+            <a:chOff x="6243139" y="2461370"/>
+            <a:chExt cx="9012021" cy="791842"/>
+          </a:xfrm>
+        </p:grpSpPr>
+        <p:sp>
+          <p:nvSpPr>
+            <p:cNvPr id="5" name="TextBox 4">
+              <a:extLst>
+                <a:ext uri="{FF2B5EF4-FFF2-40B4-BE49-F238E27FC236}">
+                  <a16:creationId xmlns:a16="http://schemas.microsoft.com/office/drawing/2014/main" id="{9C5D15B1-6444-4B4F-945C-B7CDE831EB60}"/>
+                </a:ext>
+              </a:extLst>
+            </p:cNvPr>
+            <p:cNvSpPr txBox="1"/>
+            <p:nvPr/>
+          </p:nvSpPr>
+          <p:spPr>
+            <a:xfrm>
+              <a:off x="6891139" y="2595681"/>
+              <a:ext cx="8364021" cy="523220"/>
+            </a:xfrm>
+            <a:prstGeom prst="rect">
+              <a:avLst/>
+            </a:prstGeom>
+            <a:noFill/>
+          </p:spPr>
+          <p:txBody>
+            <a:bodyPr wrap="none" rtlCol="0">
+              <a:spAutoFit/>
+            </a:bodyPr>
+            <a:lstStyle/>
+            <a:p>
+              <a:r>
+                <a:rPr lang="en-US" sz="2800" dirty="0">
+                  <a:solidFill>
+                    <a:schemeClr val="accent1"/>
+                  </a:solidFill>
+                  <a:latin typeface="+mj-lt"/>
+                </a:rPr>
+                <a:t>SAMPLES / TESTDATABUILDER </a:t>
+              </a:r>
+              <a:r>
+                <a:rPr lang="en-US" sz="2800">
+                  <a:solidFill>
+                    <a:schemeClr val="accent1"/>
+                  </a:solidFill>
+                  <a:latin typeface="+mj-lt"/>
+                </a:rPr>
+                <a:t>/ TESTDATABUILDER.</a:t>
+              </a:r>
+              <a:r>
+                <a:rPr lang="en-US" sz="2800" dirty="0">
+                  <a:solidFill>
+                    <a:schemeClr val="accent1"/>
+                  </a:solidFill>
+                  <a:latin typeface="+mj-lt"/>
+                </a:rPr>
+                <a:t>CS</a:t>
+              </a:r>
+              <a:endParaRPr lang="en-US" sz="3200" dirty="0">
+                <a:solidFill>
+                  <a:schemeClr val="accent1"/>
+                </a:solidFill>
+                <a:latin typeface="+mj-lt"/>
+              </a:endParaRPr>
+            </a:p>
+          </p:txBody>
+        </p:sp>
+        <p:pic>
+          <p:nvPicPr>
+            <p:cNvPr id="6" name="Picture 22" descr="C:\Users\sapogoff\Documents\sapogoff_work\SKB Kontur\01_presentation_templates\03_final\wmf_icons\документ.wmf">
+              <a:extLst>
+                <a:ext uri="{FF2B5EF4-FFF2-40B4-BE49-F238E27FC236}">
+                  <a16:creationId xmlns:a16="http://schemas.microsoft.com/office/drawing/2014/main" id="{3456F161-6C9D-402E-99AC-2730EDD5305B}"/>
+                </a:ext>
+              </a:extLst>
+            </p:cNvPr>
+            <p:cNvPicPr>
+              <a:picLocks noChangeAspect="1" noChangeArrowheads="1"/>
+            </p:cNvPicPr>
+            <p:nvPr/>
+          </p:nvPicPr>
+          <p:blipFill>
+            <a:blip r:embed="rId2" cstate="print">
+              <a:duotone>
+                <a:schemeClr val="accent1">
+                  <a:shade val="45000"/>
+                  <a:satMod val="135000"/>
+                </a:schemeClr>
+                <a:prstClr val="white"/>
+              </a:duotone>
+              <a:extLst>
+                <a:ext uri="{28A0092B-C50C-407E-A947-70E740481C1C}">
+                  <a14:useLocalDpi xmlns:a14="http://schemas.microsoft.com/office/drawing/2010/main" val="0"/>
+                </a:ext>
+              </a:extLst>
+            </a:blip>
+            <a:srcRect/>
+            <a:stretch>
+              <a:fillRect/>
+            </a:stretch>
+          </p:blipFill>
+          <p:spPr bwMode="auto">
+            <a:xfrm>
+              <a:off x="6243139" y="2461370"/>
+              <a:ext cx="648000" cy="791842"/>
+            </a:xfrm>
+            <a:prstGeom prst="rect">
+              <a:avLst/>
+            </a:prstGeom>
+            <a:noFill/>
+            <a:extLst>
+              <a:ext uri="{909E8E84-426E-40DD-AFC4-6F175D3DCCD1}">
+                <a14:hiddenFill xmlns:a14="http://schemas.microsoft.com/office/drawing/2010/main">
+                  <a:solidFill>
+                    <a:srgbClr val="FFFFFF"/>
+                  </a:solidFill>
+                </a14:hiddenFill>
+              </a:ext>
+            </a:extLst>
+          </p:spPr>
+        </p:pic>
+      </p:grpSp>
+    </p:spTree>
+    <p:extLst>
+      <p:ext uri="{BB962C8B-B14F-4D97-AF65-F5344CB8AC3E}">
+        <p14:creationId xmlns:p14="http://schemas.microsoft.com/office/powerpoint/2010/main" val="2617345443"/>
+      </p:ext>
+    </p:extLst>
+  </p:cSld>
+  <p:clrMapOvr>
+    <a:masterClrMapping/>
+  </p:clrMapOvr>
+</p:sld>
+</file>
+
+<file path=ppt/slides/slide18.xml><?xml version="1.0" encoding="utf-8"?>
 <p:sld xmlns:a="http://schemas.openxmlformats.org/drawingml/2006/main" xmlns:r="http://schemas.openxmlformats.org/officeDocument/2006/relationships" xmlns:p="http://schemas.openxmlformats.org/presentationml/2006/main">
   <p:cSld>
     <p:spTree>
@@ -17414,7 +18225,7 @@
           <a:lstStyle/>
           <a:p>
             <a:r>
-              <a:rPr lang="en-US"/>
+              <a:rPr lang="en-US" dirty="0"/>
               <a:t>Parametrized tests</a:t>
             </a:r>
             <a:endParaRPr lang="ru-RU" dirty="0"/>
@@ -17429,10 +18240,10 @@
         </p:nvGrpSpPr>
         <p:grpSpPr>
           <a:xfrm>
-            <a:off x="1295400" y="5516883"/>
-            <a:ext cx="9552682" cy="791842"/>
+            <a:off x="1263824" y="5516888"/>
+            <a:ext cx="8729379" cy="791842"/>
             <a:chOff x="6243139" y="2461370"/>
-            <a:chExt cx="9552682" cy="791842"/>
+            <a:chExt cx="8729379" cy="791842"/>
           </a:xfrm>
         </p:grpSpPr>
         <p:sp>
@@ -17444,7 +18255,7 @@
           <p:spPr>
             <a:xfrm>
               <a:off x="6891139" y="2595681"/>
-              <a:ext cx="8904682" cy="523220"/>
+              <a:ext cx="8081379" cy="523220"/>
             </a:xfrm>
             <a:prstGeom prst="rect">
               <a:avLst/>
@@ -17464,7 +18275,7 @@
                   </a:solidFill>
                   <a:latin typeface="+mj-lt"/>
                 </a:rPr>
-                <a:t>SAMPLES / SPECIFICATIONS / DOUBLEPARSE_SHOULD.CS</a:t>
+                <a:t>SAMPLES / PARAMETRIZED / INTEGER_SHOULD.CS</a:t>
               </a:r>
               <a:endParaRPr lang="en-US" sz="3200" dirty="0">
                 <a:solidFill>
@@ -17524,6 +18335,127 @@
           </p:spPr>
         </p:pic>
       </p:grpSp>
+      <p:grpSp>
+        <p:nvGrpSpPr>
+          <p:cNvPr id="10" name="Группа 9">
+            <a:extLst>
+              <a:ext uri="{FF2B5EF4-FFF2-40B4-BE49-F238E27FC236}">
+                <a16:creationId xmlns:a16="http://schemas.microsoft.com/office/drawing/2014/main" id="{1A2D6CC2-661A-48BB-A42E-7652074E19F6}"/>
+              </a:ext>
+            </a:extLst>
+          </p:cNvPr>
+          <p:cNvGrpSpPr/>
+          <p:nvPr/>
+        </p:nvGrpSpPr>
+        <p:grpSpPr>
+          <a:xfrm>
+            <a:off x="1263824" y="4437383"/>
+            <a:ext cx="9439125" cy="791842"/>
+            <a:chOff x="6243139" y="2461370"/>
+            <a:chExt cx="9439125" cy="791842"/>
+          </a:xfrm>
+        </p:grpSpPr>
+        <p:sp>
+          <p:nvSpPr>
+            <p:cNvPr id="11" name="TextBox 10">
+              <a:extLst>
+                <a:ext uri="{FF2B5EF4-FFF2-40B4-BE49-F238E27FC236}">
+                  <a16:creationId xmlns:a16="http://schemas.microsoft.com/office/drawing/2014/main" id="{9E895756-850E-4351-9CB9-96E1A048DDB3}"/>
+                </a:ext>
+              </a:extLst>
+            </p:cNvPr>
+            <p:cNvSpPr txBox="1"/>
+            <p:nvPr/>
+          </p:nvSpPr>
+          <p:spPr>
+            <a:xfrm>
+              <a:off x="6891139" y="2595681"/>
+              <a:ext cx="8791125" cy="523220"/>
+            </a:xfrm>
+            <a:prstGeom prst="rect">
+              <a:avLst/>
+            </a:prstGeom>
+            <a:noFill/>
+          </p:spPr>
+          <p:txBody>
+            <a:bodyPr wrap="none" rtlCol="0">
+              <a:spAutoFit/>
+            </a:bodyPr>
+            <a:lstStyle/>
+            <a:p>
+              <a:r>
+                <a:rPr lang="en-US" sz="2800" dirty="0">
+                  <a:solidFill>
+                    <a:schemeClr val="accent1"/>
+                  </a:solidFill>
+                  <a:latin typeface="+mj-lt"/>
+                </a:rPr>
+                <a:t>SAMPLES / PARAMETRIZED / DOUBLEPARSE_SHOULD.CS</a:t>
+              </a:r>
+              <a:endParaRPr lang="en-US" sz="3200" dirty="0">
+                <a:solidFill>
+                  <a:schemeClr val="accent1"/>
+                </a:solidFill>
+                <a:latin typeface="+mj-lt"/>
+              </a:endParaRPr>
+            </a:p>
+          </p:txBody>
+        </p:sp>
+        <p:pic>
+          <p:nvPicPr>
+            <p:cNvPr id="12" name="Picture 22" descr="C:\Users\sapogoff\Documents\sapogoff_work\SKB Kontur\01_presentation_templates\03_final\wmf_icons\документ.wmf">
+              <a:extLst>
+                <a:ext uri="{FF2B5EF4-FFF2-40B4-BE49-F238E27FC236}">
+                  <a16:creationId xmlns:a16="http://schemas.microsoft.com/office/drawing/2014/main" id="{A56E10B4-5144-4947-908D-086C8835DCE5}"/>
+                </a:ext>
+              </a:extLst>
+            </p:cNvPr>
+            <p:cNvPicPr>
+              <a:picLocks noChangeAspect="1" noChangeArrowheads="1"/>
+            </p:cNvPicPr>
+            <p:nvPr/>
+          </p:nvPicPr>
+          <p:blipFill>
+            <a:blip r:embed="rId3" cstate="print">
+              <a:duotone>
+                <a:schemeClr val="accent1">
+                  <a:shade val="45000"/>
+                  <a:satMod val="135000"/>
+                </a:schemeClr>
+                <a:prstClr val="white"/>
+              </a:duotone>
+              <a:extLst>
+                <a:ext uri="{28A0092B-C50C-407E-A947-70E740481C1C}">
+                  <a14:useLocalDpi xmlns:a14="http://schemas.microsoft.com/office/drawing/2010/main" val="0"/>
+                </a:ext>
+              </a:extLst>
+            </a:blip>
+            <a:srcRect/>
+            <a:stretch>
+              <a:fillRect/>
+            </a:stretch>
+          </p:blipFill>
+          <p:spPr bwMode="auto">
+            <a:xfrm>
+              <a:off x="6243139" y="2461370"/>
+              <a:ext cx="648000" cy="791842"/>
+            </a:xfrm>
+            <a:prstGeom prst="rect">
+              <a:avLst/>
+            </a:prstGeom>
+            <a:noFill/>
+            <a:extLst>
+              <a:ext uri="{909E8E84-426E-40DD-AFC4-6F175D3DCCD1}">
+                <a14:hiddenFill xmlns:a14="http://schemas.microsoft.com/office/drawing/2010/main">
+                  <a:solidFill>
+                    <a:srgbClr val="FFFFFF"/>
+                  </a:solidFill>
+                </a14:hiddenFill>
+              </a:ext>
+            </a:extLst>
+          </p:spPr>
+        </p:pic>
+      </p:grpSp>
     </p:spTree>
     <p:extLst>
       <p:ext uri="{BB962C8B-B14F-4D97-AF65-F5344CB8AC3E}">
@@ -17534,170 +18466,11 @@
   <p:clrMapOvr>
     <a:masterClrMapping/>
   </p:clrMapOvr>
-  <p:timing>
-    <p:tnLst>
-      <p:par>
-        <p:cTn id="1" dur="indefinite" restart="never" nodeType="tmRoot">
-          <p:childTnLst>
-            <p:seq concurrent="1" nextAc="seek">
-              <p:cTn id="2" dur="indefinite" nodeType="mainSeq">
-                <p:childTnLst>
-                  <p:par>
-                    <p:cTn id="3" fill="hold">
-                      <p:stCondLst>
-                        <p:cond delay="indefinite"/>
-                      </p:stCondLst>
-                      <p:childTnLst>
-                        <p:par>
-                          <p:cTn id="4" fill="hold">
-                            <p:stCondLst>
-                              <p:cond delay="0"/>
-                            </p:stCondLst>
-                            <p:childTnLst>
-                              <p:par>
-                                <p:cTn id="5" presetID="1" presetClass="entr" presetSubtype="0" fill="hold" nodeType="clickEffect">
-                                  <p:stCondLst>
-                                    <p:cond delay="0"/>
-                                  </p:stCondLst>
-                                  <p:childTnLst>
-                                    <p:set>
-                                      <p:cBhvr>
-                                        <p:cTn id="6" dur="1" fill="hold">
-                                          <p:stCondLst>
-                                            <p:cond delay="0"/>
-                                          </p:stCondLst>
-                                        </p:cTn>
-                                        <p:tgtEl>
-                                          <p:spTgt spid="7"/>
-                                        </p:tgtEl>
-                                        <p:attrNameLst>
-                                          <p:attrName>style.visibility</p:attrName>
-                                        </p:attrNameLst>
-                                      </p:cBhvr>
-                                      <p:to>
-                                        <p:strVal val="visible"/>
-                                      </p:to>
-                                    </p:set>
-                                  </p:childTnLst>
-                                </p:cTn>
-                              </p:par>
-                            </p:childTnLst>
-                          </p:cTn>
-                        </p:par>
-                      </p:childTnLst>
-                    </p:cTn>
-                  </p:par>
-                </p:childTnLst>
-              </p:cTn>
-              <p:prevCondLst>
-                <p:cond evt="onPrev" delay="0">
-                  <p:tgtEl>
-                    <p:sldTgt/>
-                  </p:tgtEl>
-                </p:cond>
-              </p:prevCondLst>
-              <p:nextCondLst>
-                <p:cond evt="onNext" delay="0">
-                  <p:tgtEl>
-                    <p:sldTgt/>
-                  </p:tgtEl>
-                </p:cond>
-              </p:nextCondLst>
-            </p:seq>
-          </p:childTnLst>
-        </p:cTn>
-      </p:par>
-    </p:tnLst>
-  </p:timing>
 </p:sld>
 </file>
 
-<file path=ppt/slides/slide16.xml><?xml version="1.0" encoding="utf-8"?>
-<p:sld xmlns:a="http://schemas.openxmlformats.org/drawingml/2006/main" xmlns:r="http://schemas.openxmlformats.org/officeDocument/2006/relationships" xmlns:p="http://schemas.openxmlformats.org/presentationml/2006/main">
-  <p:cSld>
-    <p:spTree>
-      <p:nvGrpSpPr>
-        <p:cNvPr id="1" name=""/>
-        <p:cNvGrpSpPr/>
-        <p:nvPr/>
-      </p:nvGrpSpPr>
-      <p:grpSpPr>
-        <a:xfrm>
-          <a:off x="0" y="0"/>
-          <a:ext cx="0" cy="0"/>
-          <a:chOff x="0" y="0"/>
-          <a:chExt cx="0" cy="0"/>
-        </a:xfrm>
-      </p:grpSpPr>
-      <p:sp>
-        <p:nvSpPr>
-          <p:cNvPr id="2" name="Заголовок 1"/>
-          <p:cNvSpPr>
-            <a:spLocks noGrp="1"/>
-          </p:cNvSpPr>
-          <p:nvPr>
-            <p:ph type="title"/>
-          </p:nvPr>
-        </p:nvSpPr>
-        <p:spPr/>
-        <p:txBody>
-          <a:bodyPr/>
-          <a:lstStyle/>
-          <a:p>
-            <a:pPr algn="ctr"/>
-            <a:r>
-              <a:rPr lang="ru-RU" dirty="0"/>
-              <a:t>Пример спецификации тестами</a:t>
-            </a:r>
-            <a:endParaRPr lang="en-US" dirty="0"/>
-          </a:p>
-        </p:txBody>
-      </p:sp>
-      <p:pic>
-        <p:nvPicPr>
-          <p:cNvPr id="5" name="Рисунок 4"/>
-          <p:cNvPicPr>
-            <a:picLocks noGrp="1" noChangeAspect="1"/>
-          </p:cNvPicPr>
-          <p:nvPr>
-            <p:ph type="pic" sz="quarter" idx="10"/>
-          </p:nvPr>
-        </p:nvPicPr>
-        <p:blipFill rotWithShape="1">
-          <a:blip r:embed="rId2">
-            <a:extLst>
-              <a:ext uri="{28A0092B-C50C-407E-A947-70E740481C1C}">
-                <a14:useLocalDpi xmlns:a14="http://schemas.microsoft.com/office/drawing/2010/main" val="0"/>
-              </a:ext>
-            </a:extLst>
-          </a:blip>
-          <a:srcRect l="-19597" r="-19597"/>
-          <a:stretch/>
-        </p:blipFill>
-        <p:spPr/>
-      </p:pic>
-    </p:spTree>
-    <p:extLst>
-      <p:ext uri="{BB962C8B-B14F-4D97-AF65-F5344CB8AC3E}">
-        <p14:creationId xmlns:p14="http://schemas.microsoft.com/office/powerpoint/2010/main" val="768219975"/>
-      </p:ext>
-    </p:extLst>
-  </p:cSld>
-  <p:clrMapOvr>
-    <a:masterClrMapping/>
-  </p:clrMapOvr>
-  <p:timing>
-    <p:tnLst>
-      <p:par>
-        <p:cTn id="1" dur="indefinite" restart="never" nodeType="tmRoot"/>
-      </p:par>
-    </p:tnLst>
-  </p:timing>
-</p:sld>
-</file>
-
-<file path=ppt/slides/slide17.xml><?xml version="1.0" encoding="utf-8"?>
-<p:sld xmlns:a="http://schemas.openxmlformats.org/drawingml/2006/main" xmlns:r="http://schemas.openxmlformats.org/officeDocument/2006/relationships" xmlns:p="http://schemas.openxmlformats.org/presentationml/2006/main">
+<file path=ppt/slides/slide19.xml><?xml version="1.0" encoding="utf-8"?>
+<p:sld xmlns:a="http://schemas.openxmlformats.org/drawingml/2006/main" xmlns:r="http://schemas.openxmlformats.org/officeDocument/2006/relationships" xmlns:p="http://schemas.openxmlformats.org/presentationml/2006/main" show="0">
   <p:cSld>
     <p:spTree>
       <p:nvGrpSpPr>
@@ -17755,14 +18528,13 @@
           <a:lstStyle/>
           <a:p>
             <a:r>
-              <a:rPr lang="ru-RU" dirty="0" err="1" smtClean="0"/>
+              <a:rPr lang="ru-RU" dirty="0" err="1"/>
               <a:t>Порефакторим</a:t>
             </a:r>
             <a:r>
-              <a:rPr lang="ru-RU" dirty="0" smtClean="0"/>
+              <a:rPr lang="ru-RU" dirty="0"/>
               <a:t>?</a:t>
             </a:r>
-            <a:endParaRPr lang="ru-RU" dirty="0"/>
           </a:p>
         </p:txBody>
       </p:sp>
@@ -17770,116 +18542,6 @@
     <p:extLst>
       <p:ext uri="{BB962C8B-B14F-4D97-AF65-F5344CB8AC3E}">
         <p14:creationId xmlns:p14="http://schemas.microsoft.com/office/powerpoint/2010/main" val="4165205784"/>
-      </p:ext>
-    </p:extLst>
-  </p:cSld>
-  <p:clrMapOvr>
-    <a:masterClrMapping/>
-  </p:clrMapOvr>
-</p:sld>
-</file>
-
-<file path=ppt/slides/slide18.xml><?xml version="1.0" encoding="utf-8"?>
-<p:sld xmlns:a="http://schemas.openxmlformats.org/drawingml/2006/main" xmlns:r="http://schemas.openxmlformats.org/officeDocument/2006/relationships" xmlns:p="http://schemas.openxmlformats.org/presentationml/2006/main">
-  <p:cSld>
-    <p:spTree>
-      <p:nvGrpSpPr>
-        <p:cNvPr id="1" name=""/>
-        <p:cNvGrpSpPr/>
-        <p:nvPr/>
-      </p:nvGrpSpPr>
-      <p:grpSpPr>
-        <a:xfrm>
-          <a:off x="0" y="0"/>
-          <a:ext cx="0" cy="0"/>
-          <a:chOff x="0" y="0"/>
-          <a:chExt cx="0" cy="0"/>
-        </a:xfrm>
-      </p:grpSpPr>
-      <p:pic>
-        <p:nvPicPr>
-          <p:cNvPr id="6" name="Рисунок 5"/>
-          <p:cNvPicPr>
-            <a:picLocks noChangeAspect="1"/>
-          </p:cNvPicPr>
-          <p:nvPr/>
-        </p:nvPicPr>
-        <p:blipFill>
-          <a:blip r:embed="rId3"/>
-          <a:stretch>
-            <a:fillRect/>
-          </a:stretch>
-        </p:blipFill>
-        <p:spPr>
-          <a:xfrm>
-            <a:off x="-1" y="0"/>
-            <a:ext cx="12017829" cy="6858000"/>
-          </a:xfrm>
-          <a:prstGeom prst="rect">
-            <a:avLst/>
-          </a:prstGeom>
-        </p:spPr>
-      </p:pic>
-    </p:spTree>
-    <p:extLst>
-      <p:ext uri="{BB962C8B-B14F-4D97-AF65-F5344CB8AC3E}">
-        <p14:creationId xmlns:p14="http://schemas.microsoft.com/office/powerpoint/2010/main" val="2296161812"/>
-      </p:ext>
-    </p:extLst>
-  </p:cSld>
-  <p:clrMapOvr>
-    <a:masterClrMapping/>
-  </p:clrMapOvr>
-</p:sld>
-</file>
-
-<file path=ppt/slides/slide19.xml><?xml version="1.0" encoding="utf-8"?>
-<p:sld xmlns:a="http://schemas.openxmlformats.org/drawingml/2006/main" xmlns:r="http://schemas.openxmlformats.org/officeDocument/2006/relationships" xmlns:p="http://schemas.openxmlformats.org/presentationml/2006/main">
-  <p:cSld>
-    <p:spTree>
-      <p:nvGrpSpPr>
-        <p:cNvPr id="1" name=""/>
-        <p:cNvGrpSpPr/>
-        <p:nvPr/>
-      </p:nvGrpSpPr>
-      <p:grpSpPr>
-        <a:xfrm>
-          <a:off x="0" y="0"/>
-          <a:ext cx="0" cy="0"/>
-          <a:chOff x="0" y="0"/>
-          <a:chExt cx="0" cy="0"/>
-        </a:xfrm>
-      </p:grpSpPr>
-      <p:pic>
-        <p:nvPicPr>
-          <p:cNvPr id="4" name="Объект 3"/>
-          <p:cNvPicPr>
-            <a:picLocks noGrp="1" noChangeAspect="1"/>
-          </p:cNvPicPr>
-          <p:nvPr>
-            <p:ph sz="quarter" idx="13"/>
-          </p:nvPr>
-        </p:nvPicPr>
-        <p:blipFill>
-          <a:blip r:embed="rId3"/>
-          <a:stretch>
-            <a:fillRect/>
-          </a:stretch>
-        </p:blipFill>
-        <p:spPr>
-          <a:xfrm>
-            <a:off x="0" y="908720"/>
-            <a:ext cx="12150232" cy="5157192"/>
-          </a:xfrm>
-          <a:prstGeom prst="rect">
-            <a:avLst/>
-          </a:prstGeom>
-        </p:spPr>
-      </p:pic>
-    </p:spTree>
-    <p:extLst>
-      <p:ext uri="{BB962C8B-B14F-4D97-AF65-F5344CB8AC3E}">
-        <p14:creationId xmlns:p14="http://schemas.microsoft.com/office/powerpoint/2010/main" val="1268449661"/>
       </p:ext>
     </p:extLst>
   </p:cSld>
@@ -17957,18 +18619,120 @@
   <p:clrMapOvr>
     <a:masterClrMapping/>
   </p:clrMapOvr>
-  <mc:AlternateContent xmlns:mc="http://schemas.openxmlformats.org/markup-compatibility/2006">
-    <mc:Choice xmlns:p14="http://schemas.microsoft.com/office/powerpoint/2010/main" Requires="p14">
-      <p:transition spd="slow" p14:dur="2000"/>
-    </mc:Choice>
-    <mc:Fallback>
-      <p:transition spd="slow"/>
-    </mc:Fallback>
-  </mc:AlternateContent>
 </p:sld>
 </file>
 
 <file path=ppt/slides/slide20.xml><?xml version="1.0" encoding="utf-8"?>
+<p:sld xmlns:a="http://schemas.openxmlformats.org/drawingml/2006/main" xmlns:r="http://schemas.openxmlformats.org/officeDocument/2006/relationships" xmlns:p="http://schemas.openxmlformats.org/presentationml/2006/main" show="0">
+  <p:cSld>
+    <p:spTree>
+      <p:nvGrpSpPr>
+        <p:cNvPr id="1" name=""/>
+        <p:cNvGrpSpPr/>
+        <p:nvPr/>
+      </p:nvGrpSpPr>
+      <p:grpSpPr>
+        <a:xfrm>
+          <a:off x="0" y="0"/>
+          <a:ext cx="0" cy="0"/>
+          <a:chOff x="0" y="0"/>
+          <a:chExt cx="0" cy="0"/>
+        </a:xfrm>
+      </p:grpSpPr>
+      <p:pic>
+        <p:nvPicPr>
+          <p:cNvPr id="6" name="Рисунок 5"/>
+          <p:cNvPicPr>
+            <a:picLocks noChangeAspect="1"/>
+          </p:cNvPicPr>
+          <p:nvPr/>
+        </p:nvPicPr>
+        <p:blipFill>
+          <a:blip r:embed="rId3"/>
+          <a:stretch>
+            <a:fillRect/>
+          </a:stretch>
+        </p:blipFill>
+        <p:spPr>
+          <a:xfrm>
+            <a:off x="-1" y="0"/>
+            <a:ext cx="12017829" cy="6858000"/>
+          </a:xfrm>
+          <a:prstGeom prst="rect">
+            <a:avLst/>
+          </a:prstGeom>
+        </p:spPr>
+      </p:pic>
+    </p:spTree>
+    <p:extLst>
+      <p:ext uri="{BB962C8B-B14F-4D97-AF65-F5344CB8AC3E}">
+        <p14:creationId xmlns:p14="http://schemas.microsoft.com/office/powerpoint/2010/main" val="2296161812"/>
+      </p:ext>
+    </p:extLst>
+  </p:cSld>
+  <p:clrMapOvr>
+    <a:masterClrMapping/>
+  </p:clrMapOvr>
+</p:sld>
+</file>
+
+<file path=ppt/slides/slide21.xml><?xml version="1.0" encoding="utf-8"?>
+<p:sld xmlns:a="http://schemas.openxmlformats.org/drawingml/2006/main" xmlns:r="http://schemas.openxmlformats.org/officeDocument/2006/relationships" xmlns:p="http://schemas.openxmlformats.org/presentationml/2006/main" show="0">
+  <p:cSld>
+    <p:spTree>
+      <p:nvGrpSpPr>
+        <p:cNvPr id="1" name=""/>
+        <p:cNvGrpSpPr/>
+        <p:nvPr/>
+      </p:nvGrpSpPr>
+      <p:grpSpPr>
+        <a:xfrm>
+          <a:off x="0" y="0"/>
+          <a:ext cx="0" cy="0"/>
+          <a:chOff x="0" y="0"/>
+          <a:chExt cx="0" cy="0"/>
+        </a:xfrm>
+      </p:grpSpPr>
+      <p:pic>
+        <p:nvPicPr>
+          <p:cNvPr id="4" name="Объект 3"/>
+          <p:cNvPicPr>
+            <a:picLocks noGrp="1" noChangeAspect="1"/>
+          </p:cNvPicPr>
+          <p:nvPr>
+            <p:ph sz="quarter" idx="13"/>
+          </p:nvPr>
+        </p:nvPicPr>
+        <p:blipFill>
+          <a:blip r:embed="rId3"/>
+          <a:stretch>
+            <a:fillRect/>
+          </a:stretch>
+        </p:blipFill>
+        <p:spPr>
+          <a:xfrm>
+            <a:off x="0" y="908720"/>
+            <a:ext cx="12150232" cy="5157192"/>
+          </a:xfrm>
+          <a:prstGeom prst="rect">
+            <a:avLst/>
+          </a:prstGeom>
+        </p:spPr>
+      </p:pic>
+    </p:spTree>
+    <p:extLst>
+      <p:ext uri="{BB962C8B-B14F-4D97-AF65-F5344CB8AC3E}">
+        <p14:creationId xmlns:p14="http://schemas.microsoft.com/office/powerpoint/2010/main" val="1268449661"/>
+      </p:ext>
+    </p:extLst>
+  </p:cSld>
+  <p:clrMapOvr>
+    <a:masterClrMapping/>
+  </p:clrMapOvr>
+</p:sld>
+</file>
+
+<file path=ppt/slides/slide22.xml><?xml version="1.0" encoding="utf-8"?>
 <p:sld xmlns:a="http://schemas.openxmlformats.org/drawingml/2006/main" xmlns:r="http://schemas.openxmlformats.org/officeDocument/2006/relationships" xmlns:p="http://schemas.openxmlformats.org/presentationml/2006/main">
   <p:cSld>
     <p:spTree>
@@ -17987,7 +18751,13 @@
       </p:grpSpPr>
       <p:sp>
         <p:nvSpPr>
-          <p:cNvPr id="6" name="Объект 5"/>
+          <p:cNvPr id="2" name="Объект 1">
+            <a:extLst>
+              <a:ext uri="{FF2B5EF4-FFF2-40B4-BE49-F238E27FC236}">
+                <a16:creationId xmlns:a16="http://schemas.microsoft.com/office/drawing/2014/main" id="{2AABB1F5-3381-41EE-A0BF-FD197C1D1196}"/>
+              </a:ext>
+            </a:extLst>
+          </p:cNvPr>
           <p:cNvSpPr>
             <a:spLocks noGrp="1"/>
           </p:cNvSpPr>
@@ -18000,119 +18770,55 @@
           <a:bodyPr/>
           <a:lstStyle/>
           <a:p>
-            <a:r>
-              <a:rPr lang="en-US" dirty="0">
-                <a:latin typeface="Consolas" panose="020B0609020204030204" pitchFamily="49" charset="0"/>
-              </a:rPr>
-              <a:t>[</a:t>
-            </a:r>
-            <a:r>
-              <a:rPr lang="en-US" dirty="0">
-                <a:solidFill>
-                  <a:srgbClr val="00007F"/>
-                </a:solidFill>
-                <a:latin typeface="Consolas" panose="020B0609020204030204" pitchFamily="49" charset="0"/>
-              </a:rPr>
-              <a:t>Test</a:t>
-            </a:r>
-            <a:r>
-              <a:rPr lang="en-US" dirty="0">
-                <a:latin typeface="Consolas" panose="020B0609020204030204" pitchFamily="49" charset="0"/>
-              </a:rPr>
-              <a:t>, </a:t>
-            </a:r>
-            <a:r>
-              <a:rPr lang="en-US" dirty="0">
-                <a:solidFill>
-                  <a:srgbClr val="00007F"/>
-                </a:solidFill>
-                <a:latin typeface="Consolas" panose="020B0609020204030204" pitchFamily="49" charset="0"/>
-              </a:rPr>
-              <a:t>Timeout</a:t>
-            </a:r>
-            <a:r>
-              <a:rPr lang="en-US" dirty="0">
-                <a:latin typeface="Consolas" panose="020B0609020204030204" pitchFamily="49" charset="0"/>
-              </a:rPr>
-              <a:t>(1000)]</a:t>
-            </a:r>
-          </a:p>
-          <a:p>
-            <a:r>
-              <a:rPr lang="en-US" dirty="0">
-                <a:solidFill>
-                  <a:srgbClr val="0000FF"/>
-                </a:solidFill>
-                <a:latin typeface="Consolas" panose="020B0609020204030204" pitchFamily="49" charset="0"/>
-              </a:rPr>
-              <a:t>public</a:t>
-            </a:r>
-            <a:r>
-              <a:rPr lang="en-US" dirty="0">
-                <a:latin typeface="Consolas" panose="020B0609020204030204" pitchFamily="49" charset="0"/>
-              </a:rPr>
-              <a:t> </a:t>
-            </a:r>
-            <a:r>
-              <a:rPr lang="en-US" dirty="0">
-                <a:solidFill>
-                  <a:srgbClr val="0000FF"/>
-                </a:solidFill>
-                <a:latin typeface="Consolas" panose="020B0609020204030204" pitchFamily="49" charset="0"/>
-              </a:rPr>
-              <a:t>void</a:t>
-            </a:r>
-            <a:r>
-              <a:rPr lang="en-US" dirty="0">
-                <a:latin typeface="Consolas" panose="020B0609020204030204" pitchFamily="49" charset="0"/>
-              </a:rPr>
-              <a:t> </a:t>
-            </a:r>
-            <a:r>
-              <a:rPr lang="en-US" dirty="0">
-                <a:solidFill>
-                  <a:srgbClr val="2B91AF"/>
-                </a:solidFill>
-                <a:latin typeface="Consolas" panose="020B0609020204030204" pitchFamily="49" charset="0"/>
-              </a:rPr>
-              <a:t>Test</a:t>
-            </a:r>
-            <a:r>
-              <a:rPr lang="en-US" dirty="0">
-                <a:latin typeface="Consolas" panose="020B0609020204030204" pitchFamily="49" charset="0"/>
-              </a:rPr>
-              <a:t>()</a:t>
-            </a:r>
-          </a:p>
-          <a:p>
-            <a:r>
-              <a:rPr lang="en-US" dirty="0">
-                <a:latin typeface="Consolas" panose="020B0609020204030204" pitchFamily="49" charset="0"/>
-              </a:rPr>
-              <a:t>{</a:t>
-            </a:r>
-          </a:p>
-          <a:p>
-            <a:r>
-              <a:rPr lang="en-US" dirty="0">
-                <a:latin typeface="Consolas" panose="020B0609020204030204" pitchFamily="49" charset="0"/>
-              </a:rPr>
-              <a:t>	…</a:t>
-            </a:r>
-          </a:p>
-          <a:p>
-            <a:r>
-              <a:rPr lang="en-US" dirty="0">
-                <a:latin typeface="Consolas" panose="020B0609020204030204" pitchFamily="49" charset="0"/>
-              </a:rPr>
-              <a:t>}</a:t>
+            <a:pPr marL="457200" indent="-457200">
+              <a:buFont typeface="Arial" panose="020B0604020202020204" pitchFamily="34" charset="0"/>
+              <a:buChar char="•"/>
+            </a:pPr>
+            <a:r>
+              <a:rPr lang="en-US" dirty="0"/>
+              <a:t>Should</a:t>
+            </a:r>
+            <a:r>
+              <a:rPr lang="ru-RU" dirty="0"/>
+              <a:t> вместо </a:t>
+            </a:r>
+            <a:r>
+              <a:rPr lang="en-US" dirty="0"/>
+              <a:t>Assert</a:t>
+            </a:r>
+            <a:endParaRPr lang="ru-RU" dirty="0"/>
+          </a:p>
+          <a:p>
+            <a:pPr marL="457200" indent="-457200">
+              <a:buFont typeface="Arial" panose="020B0604020202020204" pitchFamily="34" charset="0"/>
+              <a:buChar char="•"/>
+            </a:pPr>
+            <a:r>
+              <a:rPr lang="ru-RU" dirty="0"/>
+              <a:t>Ограничение по времени</a:t>
+            </a:r>
+          </a:p>
+          <a:p>
+            <a:pPr marL="457200" indent="-457200">
+              <a:buFont typeface="Arial" panose="020B0604020202020204" pitchFamily="34" charset="0"/>
+              <a:buChar char="•"/>
+            </a:pPr>
+            <a:r>
+              <a:rPr lang="en-US" dirty="0"/>
+              <a:t>Live templates &amp; Hotkeys</a:t>
             </a:r>
           </a:p>
         </p:txBody>
       </p:sp>
       <p:sp>
         <p:nvSpPr>
-          <p:cNvPr id="2" name="Заголовок 1"/>
+          <p:cNvPr id="3" name="Заголовок 2">
+            <a:extLst>
+              <a:ext uri="{FF2B5EF4-FFF2-40B4-BE49-F238E27FC236}">
+                <a16:creationId xmlns:a16="http://schemas.microsoft.com/office/drawing/2014/main" id="{4E255256-3025-43D9-A791-7CA83968F660}"/>
+              </a:ext>
+            </a:extLst>
+          </p:cNvPr>
           <p:cNvSpPr>
             <a:spLocks noGrp="1"/>
           </p:cNvSpPr>
@@ -18127,32 +18833,26 @@
           <a:p>
             <a:r>
               <a:rPr lang="ru-RU" dirty="0"/>
-              <a:t>Ограничение по времени</a:t>
-            </a:r>
+              <a:t>Дополнительные трюки</a:t>
+            </a:r>
+            <a:endParaRPr lang="en-US" dirty="0"/>
           </a:p>
         </p:txBody>
       </p:sp>
     </p:spTree>
     <p:extLst>
       <p:ext uri="{BB962C8B-B14F-4D97-AF65-F5344CB8AC3E}">
-        <p14:creationId xmlns:p14="http://schemas.microsoft.com/office/powerpoint/2010/main" val="2404560391"/>
+        <p14:creationId xmlns:p14="http://schemas.microsoft.com/office/powerpoint/2010/main" val="3822902291"/>
       </p:ext>
     </p:extLst>
   </p:cSld>
   <p:clrMapOvr>
     <a:masterClrMapping/>
   </p:clrMapOvr>
-  <p:timing>
-    <p:tnLst>
-      <p:par>
-        <p:cTn id="1" dur="indefinite" restart="never" nodeType="tmRoot"/>
-      </p:par>
-    </p:tnLst>
-  </p:timing>
 </p:sld>
 </file>
 
-<file path=ppt/slides/slide21.xml><?xml version="1.0" encoding="utf-8"?>
+<file path=ppt/slides/slide23.xml><?xml version="1.0" encoding="utf-8"?>
 <p:sld xmlns:a="http://schemas.openxmlformats.org/drawingml/2006/main" xmlns:r="http://schemas.openxmlformats.org/officeDocument/2006/relationships" xmlns:p="http://schemas.openxmlformats.org/presentationml/2006/main">
   <p:cSld>
     <p:spTree>
@@ -18272,10 +18972,6 @@
               <a:rPr lang="ru-RU" dirty="0"/>
               <a:t>— лучше</a:t>
             </a:r>
-            <a:r>
-              <a:rPr lang="en-US" dirty="0"/>
-              <a:t/>
-            </a:r>
             <a:br>
               <a:rPr lang="en-US" dirty="0"/>
             </a:br>
@@ -18307,20 +19003,16 @@
               <a:buAutoNum type="arabicPeriod"/>
             </a:pPr>
             <a:r>
-              <a:rPr lang="ru-RU" dirty="0" smtClean="0"/>
+              <a:rPr lang="ru-RU" dirty="0"/>
               <a:t>Неудачное </a:t>
             </a:r>
             <a:r>
-              <a:rPr lang="en-US" dirty="0" smtClean="0"/>
+              <a:rPr lang="en-US" dirty="0"/>
               <a:t>API</a:t>
             </a:r>
             <a:r>
-              <a:rPr lang="ru-RU" dirty="0" smtClean="0"/>
+              <a:rPr lang="ru-RU" dirty="0"/>
               <a:t>:</a:t>
-            </a:r>
-            <a:r>
-              <a:rPr lang="ru-RU" dirty="0"/>
-              <a:t/>
             </a:r>
             <a:br>
               <a:rPr lang="ru-RU" dirty="0"/>
@@ -18334,31 +19026,31 @@
               <a:t>(x, </a:t>
             </a:r>
             <a:r>
-              <a:rPr lang="en-US" b="1" dirty="0" err="1" smtClean="0"/>
+              <a:rPr lang="en-US" b="1" dirty="0" err="1"/>
               <a:t>IResolveConstraint</a:t>
             </a:r>
             <a:r>
-              <a:rPr lang="en-US" b="1" dirty="0" smtClean="0"/>
+              <a:rPr lang="en-US" b="1" dirty="0"/>
               <a:t> </a:t>
             </a:r>
             <a:r>
-              <a:rPr lang="ru-RU" b="1" dirty="0" smtClean="0"/>
+              <a:rPr lang="ru-RU" b="1" dirty="0"/>
               <a:t>?!?</a:t>
             </a:r>
             <a:r>
-              <a:rPr lang="en-US" dirty="0" smtClean="0"/>
+              <a:rPr lang="en-US" dirty="0"/>
               <a:t>)</a:t>
             </a:r>
             <a:r>
-              <a:rPr lang="ru-RU" dirty="0" smtClean="0"/>
+              <a:rPr lang="ru-RU" dirty="0"/>
               <a:t> </a:t>
             </a:r>
             <a:r>
-              <a:rPr lang="en-US" dirty="0" smtClean="0"/>
+              <a:rPr lang="en-US" dirty="0"/>
               <a:t>// </a:t>
             </a:r>
             <a:r>
-              <a:rPr lang="en-US" dirty="0" err="1" smtClean="0"/>
+              <a:rPr lang="en-US" dirty="0" err="1"/>
               <a:t>O_o</a:t>
             </a:r>
             <a:endParaRPr lang="ru-RU" dirty="0"/>
@@ -18408,15 +19100,15 @@
           <a:p>
             <a:r>
               <a:rPr lang="en-US" dirty="0"/>
-              <a:t>Fluent</a:t>
+              <a:t>Should </a:t>
             </a:r>
             <a:r>
               <a:rPr lang="ru-RU" dirty="0"/>
-              <a:t> </a:t>
+              <a:t>вместо </a:t>
             </a:r>
             <a:r>
               <a:rPr lang="en-US" dirty="0"/>
-              <a:t>Assertions</a:t>
+              <a:t>Assert</a:t>
             </a:r>
             <a:endParaRPr lang="ru-RU" dirty="0"/>
           </a:p>
@@ -18664,7 +19356,7 @@
 </p:sld>
 </file>
 
-<file path=ppt/slides/slide22.xml><?xml version="1.0" encoding="utf-8"?>
+<file path=ppt/slides/slide24.xml><?xml version="1.0" encoding="utf-8"?>
 <p:sld xmlns:a="http://schemas.openxmlformats.org/drawingml/2006/main" xmlns:r="http://schemas.openxmlformats.org/officeDocument/2006/relationships" xmlns:p="http://schemas.openxmlformats.org/presentationml/2006/main">
   <p:cSld>
     <p:spTree>
@@ -18719,16 +19411,12 @@
               <a:t>	.</a:t>
             </a:r>
             <a:r>
-              <a:rPr lang="en-US" dirty="0" err="1" smtClean="0"/>
+              <a:rPr lang="en-US" dirty="0" err="1"/>
               <a:t>ShouldAllBeEquivalentTo</a:t>
             </a:r>
             <a:r>
-              <a:rPr lang="en-US" dirty="0" smtClean="0"/>
-              <a:t>(new </a:t>
-            </a:r>
-            <a:r>
               <a:rPr lang="en-US" dirty="0"/>
-              <a:t>[] {3,2,1});</a:t>
+              <a:t>(new [] {3,2,1});</a:t>
             </a:r>
             <a:br>
               <a:rPr lang="en-US" dirty="0"/>
@@ -18759,34 +19447,22 @@
               <a:t>	.</a:t>
             </a:r>
             <a:r>
-              <a:rPr lang="en-US" dirty="0" err="1" smtClean="0"/>
+              <a:rPr lang="en-US" dirty="0" err="1"/>
               <a:t>ShouldAllBeEquivalentTo</a:t>
             </a:r>
             <a:r>
-              <a:rPr lang="en-US" dirty="0" smtClean="0"/>
-              <a:t>(new </a:t>
-            </a:r>
-            <a:r>
               <a:rPr lang="en-US" dirty="0"/>
-              <a:t>[] {1,2,3}, </a:t>
+              <a:t>(new [] {1,2,3}, </a:t>
             </a:r>
             <a:br>
               <a:rPr lang="en-US" dirty="0"/>
             </a:br>
             <a:r>
               <a:rPr lang="en-US" dirty="0"/>
-              <a:t>		</a:t>
-            </a:r>
-            <a:r>
-              <a:rPr lang="en-US" dirty="0" smtClean="0"/>
-              <a:t>options </a:t>
-            </a:r>
-            <a:r>
-              <a:rPr lang="en-US" dirty="0"/>
-              <a:t>=&gt; </a:t>
-            </a:r>
-            <a:r>
-              <a:rPr lang="en-US" dirty="0" err="1" smtClean="0"/>
+              <a:t>		options =&gt; </a:t>
+            </a:r>
+            <a:r>
+              <a:rPr lang="en-US" dirty="0" err="1"/>
               <a:t>options.WithStrictOrdering</a:t>
             </a:r>
             <a:r>
@@ -18817,15 +19493,7 @@
           <a:p>
             <a:r>
               <a:rPr lang="en-US" dirty="0"/>
-              <a:t>Fluent</a:t>
-            </a:r>
-            <a:r>
-              <a:rPr lang="ru-RU" dirty="0"/>
-              <a:t> </a:t>
-            </a:r>
-            <a:r>
-              <a:rPr lang="en-US" dirty="0"/>
-              <a:t>Assertions</a:t>
+              <a:t>Should</a:t>
             </a:r>
             <a:endParaRPr lang="ru-RU" dirty="0"/>
           </a:p>
@@ -18841,14 +19509,6 @@
   <p:clrMapOvr>
     <a:masterClrMapping/>
   </p:clrMapOvr>
-  <mc:AlternateContent xmlns:mc="http://schemas.openxmlformats.org/markup-compatibility/2006" xmlns:p14="http://schemas.microsoft.com/office/powerpoint/2010/main">
-    <mc:Choice Requires="p14">
-      <p:transition spd="slow" p14:dur="2000"/>
-    </mc:Choice>
-    <mc:Fallback xmlns="">
-      <p:transition spd="slow"/>
-    </mc:Fallback>
-  </mc:AlternateContent>
   <p:timing>
     <p:tnLst>
       <p:par>
@@ -18983,7 +19643,184 @@
 </p:sld>
 </file>
 
-<file path=ppt/slides/slide23.xml><?xml version="1.0" encoding="utf-8"?>
+<file path=ppt/slides/slide25.xml><?xml version="1.0" encoding="utf-8"?>
+<p:sld xmlns:a="http://schemas.openxmlformats.org/drawingml/2006/main" xmlns:r="http://schemas.openxmlformats.org/officeDocument/2006/relationships" xmlns:p="http://schemas.openxmlformats.org/presentationml/2006/main">
+  <p:cSld>
+    <p:spTree>
+      <p:nvGrpSpPr>
+        <p:cNvPr id="1" name=""/>
+        <p:cNvGrpSpPr/>
+        <p:nvPr/>
+      </p:nvGrpSpPr>
+      <p:grpSpPr>
+        <a:xfrm>
+          <a:off x="0" y="0"/>
+          <a:ext cx="0" cy="0"/>
+          <a:chOff x="0" y="0"/>
+          <a:chExt cx="0" cy="0"/>
+        </a:xfrm>
+      </p:grpSpPr>
+      <p:sp>
+        <p:nvSpPr>
+          <p:cNvPr id="6" name="Объект 5"/>
+          <p:cNvSpPr>
+            <a:spLocks noGrp="1"/>
+          </p:cNvSpPr>
+          <p:nvPr>
+            <p:ph sz="quarter" idx="13"/>
+          </p:nvPr>
+        </p:nvSpPr>
+        <p:spPr/>
+        <p:txBody>
+          <a:bodyPr/>
+          <a:lstStyle/>
+          <a:p>
+            <a:r>
+              <a:rPr lang="en-US" dirty="0">
+                <a:latin typeface="Consolas" panose="020B0609020204030204" pitchFamily="49" charset="0"/>
+              </a:rPr>
+              <a:t>[</a:t>
+            </a:r>
+            <a:r>
+              <a:rPr lang="en-US" dirty="0">
+                <a:solidFill>
+                  <a:srgbClr val="00007F"/>
+                </a:solidFill>
+                <a:latin typeface="Consolas" panose="020B0609020204030204" pitchFamily="49" charset="0"/>
+              </a:rPr>
+              <a:t>Test</a:t>
+            </a:r>
+            <a:r>
+              <a:rPr lang="en-US" dirty="0">
+                <a:latin typeface="Consolas" panose="020B0609020204030204" pitchFamily="49" charset="0"/>
+              </a:rPr>
+              <a:t>, </a:t>
+            </a:r>
+            <a:r>
+              <a:rPr lang="en-US" dirty="0">
+                <a:solidFill>
+                  <a:srgbClr val="00007F"/>
+                </a:solidFill>
+                <a:latin typeface="Consolas" panose="020B0609020204030204" pitchFamily="49" charset="0"/>
+              </a:rPr>
+              <a:t>Timeout</a:t>
+            </a:r>
+            <a:r>
+              <a:rPr lang="en-US" dirty="0">
+                <a:latin typeface="Consolas" panose="020B0609020204030204" pitchFamily="49" charset="0"/>
+              </a:rPr>
+              <a:t>(1000)]</a:t>
+            </a:r>
+          </a:p>
+          <a:p>
+            <a:r>
+              <a:rPr lang="en-US" dirty="0">
+                <a:solidFill>
+                  <a:srgbClr val="0000FF"/>
+                </a:solidFill>
+                <a:latin typeface="Consolas" panose="020B0609020204030204" pitchFamily="49" charset="0"/>
+              </a:rPr>
+              <a:t>public</a:t>
+            </a:r>
+            <a:r>
+              <a:rPr lang="en-US" dirty="0">
+                <a:latin typeface="Consolas" panose="020B0609020204030204" pitchFamily="49" charset="0"/>
+              </a:rPr>
+              <a:t> </a:t>
+            </a:r>
+            <a:r>
+              <a:rPr lang="en-US" dirty="0">
+                <a:solidFill>
+                  <a:srgbClr val="0000FF"/>
+                </a:solidFill>
+                <a:latin typeface="Consolas" panose="020B0609020204030204" pitchFamily="49" charset="0"/>
+              </a:rPr>
+              <a:t>void</a:t>
+            </a:r>
+            <a:r>
+              <a:rPr lang="en-US" dirty="0">
+                <a:latin typeface="Consolas" panose="020B0609020204030204" pitchFamily="49" charset="0"/>
+              </a:rPr>
+              <a:t> </a:t>
+            </a:r>
+            <a:r>
+              <a:rPr lang="en-US" dirty="0">
+                <a:solidFill>
+                  <a:srgbClr val="2B91AF"/>
+                </a:solidFill>
+                <a:latin typeface="Consolas" panose="020B0609020204030204" pitchFamily="49" charset="0"/>
+              </a:rPr>
+              <a:t>Test</a:t>
+            </a:r>
+            <a:r>
+              <a:rPr lang="en-US" dirty="0">
+                <a:latin typeface="Consolas" panose="020B0609020204030204" pitchFamily="49" charset="0"/>
+              </a:rPr>
+              <a:t>()</a:t>
+            </a:r>
+          </a:p>
+          <a:p>
+            <a:r>
+              <a:rPr lang="en-US" dirty="0">
+                <a:latin typeface="Consolas" panose="020B0609020204030204" pitchFamily="49" charset="0"/>
+              </a:rPr>
+              <a:t>{</a:t>
+            </a:r>
+          </a:p>
+          <a:p>
+            <a:r>
+              <a:rPr lang="en-US" dirty="0">
+                <a:latin typeface="Consolas" panose="020B0609020204030204" pitchFamily="49" charset="0"/>
+              </a:rPr>
+              <a:t>	…</a:t>
+            </a:r>
+          </a:p>
+          <a:p>
+            <a:r>
+              <a:rPr lang="en-US" dirty="0">
+                <a:latin typeface="Consolas" panose="020B0609020204030204" pitchFamily="49" charset="0"/>
+              </a:rPr>
+              <a:t>}</a:t>
+            </a:r>
+          </a:p>
+        </p:txBody>
+      </p:sp>
+      <p:sp>
+        <p:nvSpPr>
+          <p:cNvPr id="2" name="Заголовок 1"/>
+          <p:cNvSpPr>
+            <a:spLocks noGrp="1"/>
+          </p:cNvSpPr>
+          <p:nvPr>
+            <p:ph type="title"/>
+          </p:nvPr>
+        </p:nvSpPr>
+        <p:spPr/>
+        <p:txBody>
+          <a:bodyPr/>
+          <a:lstStyle/>
+          <a:p>
+            <a:r>
+              <a:rPr lang="ru-RU" dirty="0"/>
+              <a:t>Ограничение по времени</a:t>
+            </a:r>
+          </a:p>
+        </p:txBody>
+      </p:sp>
+    </p:spTree>
+    <p:extLst>
+      <p:ext uri="{BB962C8B-B14F-4D97-AF65-F5344CB8AC3E}">
+        <p14:creationId xmlns:p14="http://schemas.microsoft.com/office/powerpoint/2010/main" val="2404560391"/>
+      </p:ext>
+    </p:extLst>
+  </p:cSld>
+  <p:clrMapOvr>
+    <a:masterClrMapping/>
+  </p:clrMapOvr>
+</p:sld>
+</file>
+
+<file path=ppt/slides/slide26.xml><?xml version="1.0" encoding="utf-8"?>
 <p:sld xmlns:a="http://schemas.openxmlformats.org/drawingml/2006/main" xmlns:r="http://schemas.openxmlformats.org/officeDocument/2006/relationships" xmlns:p="http://schemas.openxmlformats.org/presentationml/2006/main">
   <p:cSld>
     <p:spTree>
@@ -19038,10 +19875,6 @@
               <a:rPr lang="en-US" dirty="0"/>
               <a:t>→</a:t>
             </a:r>
-            <a:r>
-              <a:rPr lang="ru-RU" dirty="0"/>
-              <a:t/>
-            </a:r>
             <a:br>
               <a:rPr lang="ru-RU" dirty="0"/>
             </a:br>
@@ -19182,17 +20015,10 @@
   <p:clrMapOvr>
     <a:masterClrMapping/>
   </p:clrMapOvr>
-  <p:timing>
-    <p:tnLst>
-      <p:par>
-        <p:cTn id="1" dur="indefinite" restart="never" nodeType="tmRoot"/>
-      </p:par>
-    </p:tnLst>
-  </p:timing>
 </p:sld>
 </file>
 
-<file path=ppt/slides/slide24.xml><?xml version="1.0" encoding="utf-8"?>
+<file path=ppt/slides/slide27.xml><?xml version="1.0" encoding="utf-8"?>
 <p:sld xmlns:a="http://schemas.openxmlformats.org/drawingml/2006/main" xmlns:r="http://schemas.openxmlformats.org/officeDocument/2006/relationships" xmlns:p="http://schemas.openxmlformats.org/presentationml/2006/main">
   <p:cSld>
     <p:spTree>
@@ -19277,17 +20103,10 @@
   <p:clrMapOvr>
     <a:masterClrMapping/>
   </p:clrMapOvr>
-  <p:timing>
-    <p:tnLst>
-      <p:par>
-        <p:cTn id="1" dur="indefinite" restart="never" nodeType="tmRoot"/>
-      </p:par>
-    </p:tnLst>
-  </p:timing>
 </p:sld>
 </file>
 
-<file path=ppt/slides/slide25.xml><?xml version="1.0" encoding="utf-8"?>
+<file path=ppt/slides/slide28.xml><?xml version="1.0" encoding="utf-8"?>
 <p:sld xmlns:a="http://schemas.openxmlformats.org/drawingml/2006/main" xmlns:r="http://schemas.openxmlformats.org/officeDocument/2006/relationships" xmlns:p="http://schemas.openxmlformats.org/presentationml/2006/main">
   <p:cSld>
     <p:spTree>
@@ -19460,17 +20279,10 @@
   <p:clrMapOvr>
     <a:masterClrMapping/>
   </p:clrMapOvr>
-  <p:timing>
-    <p:tnLst>
-      <p:par>
-        <p:cTn id="1" dur="indefinite" restart="never" nodeType="tmRoot"/>
-      </p:par>
-    </p:tnLst>
-  </p:timing>
 </p:sld>
 </file>
 
-<file path=ppt/slides/slide26.xml><?xml version="1.0" encoding="utf-8"?>
+<file path=ppt/slides/slide29.xml><?xml version="1.0" encoding="utf-8"?>
 <p:sld xmlns:a="http://schemas.openxmlformats.org/drawingml/2006/main" xmlns:r="http://schemas.openxmlformats.org/officeDocument/2006/relationships" xmlns:p="http://schemas.openxmlformats.org/presentationml/2006/main">
   <p:cSld>
     <p:spTree>
@@ -19563,17 +20375,106 @@
   <p:clrMapOvr>
     <a:masterClrMapping/>
   </p:clrMapOvr>
-  <p:timing>
-    <p:tnLst>
-      <p:par>
-        <p:cTn id="1" dur="indefinite" restart="never" nodeType="tmRoot"/>
-      </p:par>
-    </p:tnLst>
-  </p:timing>
 </p:sld>
 </file>
 
-<file path=ppt/slides/slide27.xml><?xml version="1.0" encoding="utf-8"?>
+<file path=ppt/slides/slide3.xml><?xml version="1.0" encoding="utf-8"?>
+<p:sld xmlns:a="http://schemas.openxmlformats.org/drawingml/2006/main" xmlns:r="http://schemas.openxmlformats.org/officeDocument/2006/relationships" xmlns:p="http://schemas.openxmlformats.org/presentationml/2006/main">
+  <p:cSld>
+    <p:spTree>
+      <p:nvGrpSpPr>
+        <p:cNvPr id="1" name=""/>
+        <p:cNvGrpSpPr/>
+        <p:nvPr/>
+      </p:nvGrpSpPr>
+      <p:grpSpPr>
+        <a:xfrm>
+          <a:off x="0" y="0"/>
+          <a:ext cx="0" cy="0"/>
+          <a:chOff x="0" y="0"/>
+          <a:chExt cx="0" cy="0"/>
+        </a:xfrm>
+      </p:grpSpPr>
+      <p:sp>
+        <p:nvSpPr>
+          <p:cNvPr id="3" name="Объект 2"/>
+          <p:cNvSpPr>
+            <a:spLocks noGrp="1"/>
+          </p:cNvSpPr>
+          <p:nvPr>
+            <p:ph sz="quarter" idx="13"/>
+          </p:nvPr>
+        </p:nvSpPr>
+        <p:spPr/>
+        <p:txBody>
+          <a:bodyPr/>
+          <a:lstStyle/>
+          <a:p>
+            <a:r>
+              <a:rPr lang="ru-RU" dirty="0"/>
+              <a:t>Будет ли тест понятен </a:t>
+            </a:r>
+            <a:r>
+              <a:rPr lang="ru-RU" dirty="0" err="1"/>
+              <a:t>ревьюеру</a:t>
+            </a:r>
+            <a:r>
+              <a:rPr lang="ru-RU" dirty="0"/>
+              <a:t>?</a:t>
+            </a:r>
+          </a:p>
+          <a:p>
+            <a:r>
+              <a:rPr lang="ru-RU" dirty="0"/>
+              <a:t>Сможет ли </a:t>
+            </a:r>
+            <a:r>
+              <a:rPr lang="ru-RU" dirty="0" err="1"/>
+              <a:t>ревьюер</a:t>
+            </a:r>
+            <a:r>
+              <a:rPr lang="ru-RU" dirty="0"/>
+              <a:t> быстро убедиться в корректности теста?</a:t>
+            </a:r>
+          </a:p>
+        </p:txBody>
+      </p:sp>
+      <p:sp>
+        <p:nvSpPr>
+          <p:cNvPr id="2" name="Заголовок 1"/>
+          <p:cNvSpPr>
+            <a:spLocks noGrp="1"/>
+          </p:cNvSpPr>
+          <p:nvPr>
+            <p:ph type="title"/>
+          </p:nvPr>
+        </p:nvSpPr>
+        <p:spPr/>
+        <p:txBody>
+          <a:bodyPr/>
+          <a:lstStyle/>
+          <a:p>
+            <a:r>
+              <a:rPr lang="ru-RU" dirty="0"/>
+              <a:t>Доверие тестам</a:t>
+            </a:r>
+          </a:p>
+        </p:txBody>
+      </p:sp>
+    </p:spTree>
+    <p:extLst>
+      <p:ext uri="{BB962C8B-B14F-4D97-AF65-F5344CB8AC3E}">
+        <p14:creationId xmlns:p14="http://schemas.microsoft.com/office/powerpoint/2010/main" val="3622594535"/>
+      </p:ext>
+    </p:extLst>
+  </p:cSld>
+  <p:clrMapOvr>
+    <a:masterClrMapping/>
+  </p:clrMapOvr>
+</p:sld>
+</file>
+
+<file path=ppt/slides/slide30.xml><?xml version="1.0" encoding="utf-8"?>
 <p:sld xmlns:a="http://schemas.openxmlformats.org/drawingml/2006/main" xmlns:r="http://schemas.openxmlformats.org/officeDocument/2006/relationships" xmlns:p="http://schemas.openxmlformats.org/presentationml/2006/main">
   <p:cSld>
     <p:spTree>
@@ -20091,109 +20992,6 @@
 </p:sld>
 </file>
 
-<file path=ppt/slides/slide3.xml><?xml version="1.0" encoding="utf-8"?>
-<p:sld xmlns:a="http://schemas.openxmlformats.org/drawingml/2006/main" xmlns:r="http://schemas.openxmlformats.org/officeDocument/2006/relationships" xmlns:p="http://schemas.openxmlformats.org/presentationml/2006/main">
-  <p:cSld>
-    <p:spTree>
-      <p:nvGrpSpPr>
-        <p:cNvPr id="1" name=""/>
-        <p:cNvGrpSpPr/>
-        <p:nvPr/>
-      </p:nvGrpSpPr>
-      <p:grpSpPr>
-        <a:xfrm>
-          <a:off x="0" y="0"/>
-          <a:ext cx="0" cy="0"/>
-          <a:chOff x="0" y="0"/>
-          <a:chExt cx="0" cy="0"/>
-        </a:xfrm>
-      </p:grpSpPr>
-      <p:sp>
-        <p:nvSpPr>
-          <p:cNvPr id="3" name="Объект 2"/>
-          <p:cNvSpPr>
-            <a:spLocks noGrp="1"/>
-          </p:cNvSpPr>
-          <p:nvPr>
-            <p:ph sz="quarter" idx="13"/>
-          </p:nvPr>
-        </p:nvSpPr>
-        <p:spPr/>
-        <p:txBody>
-          <a:bodyPr/>
-          <a:lstStyle/>
-          <a:p>
-            <a:r>
-              <a:rPr lang="ru-RU" dirty="0"/>
-              <a:t>Будет ли тест понятен </a:t>
-            </a:r>
-            <a:r>
-              <a:rPr lang="ru-RU" dirty="0" err="1"/>
-              <a:t>ревьюеру</a:t>
-            </a:r>
-            <a:r>
-              <a:rPr lang="ru-RU" dirty="0"/>
-              <a:t>?</a:t>
-            </a:r>
-          </a:p>
-          <a:p>
-            <a:r>
-              <a:rPr lang="ru-RU" dirty="0"/>
-              <a:t>Сможет ли </a:t>
-            </a:r>
-            <a:r>
-              <a:rPr lang="ru-RU" dirty="0" err="1"/>
-              <a:t>ревьюер</a:t>
-            </a:r>
-            <a:r>
-              <a:rPr lang="ru-RU" dirty="0"/>
-              <a:t> быстро убедиться в корректности теста?</a:t>
-            </a:r>
-          </a:p>
-        </p:txBody>
-      </p:sp>
-      <p:sp>
-        <p:nvSpPr>
-          <p:cNvPr id="2" name="Заголовок 1"/>
-          <p:cNvSpPr>
-            <a:spLocks noGrp="1"/>
-          </p:cNvSpPr>
-          <p:nvPr>
-            <p:ph type="title"/>
-          </p:nvPr>
-        </p:nvSpPr>
-        <p:spPr/>
-        <p:txBody>
-          <a:bodyPr/>
-          <a:lstStyle/>
-          <a:p>
-            <a:r>
-              <a:rPr lang="ru-RU" dirty="0"/>
-              <a:t>Доверие тестам</a:t>
-            </a:r>
-          </a:p>
-        </p:txBody>
-      </p:sp>
-    </p:spTree>
-    <p:extLst>
-      <p:ext uri="{BB962C8B-B14F-4D97-AF65-F5344CB8AC3E}">
-        <p14:creationId xmlns:p14="http://schemas.microsoft.com/office/powerpoint/2010/main" val="3622594535"/>
-      </p:ext>
-    </p:extLst>
-  </p:cSld>
-  <p:clrMapOvr>
-    <a:masterClrMapping/>
-  </p:clrMapOvr>
-  <p:timing>
-    <p:tnLst>
-      <p:par>
-        <p:cTn id="1" dur="indefinite" restart="never" nodeType="tmRoot"/>
-      </p:par>
-    </p:tnLst>
-  </p:timing>
-</p:sld>
-</file>
-
 <file path=ppt/slides/slide4.xml><?xml version="1.0" encoding="utf-8"?>
 <p:sld xmlns:a="http://schemas.openxmlformats.org/drawingml/2006/main" xmlns:r="http://schemas.openxmlformats.org/officeDocument/2006/relationships" xmlns:p="http://schemas.openxmlformats.org/presentationml/2006/main">
   <p:cSld>
@@ -20229,7 +21027,7 @@
           <a:lstStyle/>
           <a:p>
             <a:r>
-              <a:rPr lang="en-US" dirty="0" smtClean="0">
+              <a:rPr lang="en-US" dirty="0">
                 <a:solidFill>
                   <a:srgbClr val="0000FF"/>
                 </a:solidFill>
@@ -20238,13 +21036,13 @@
               <a:t>public class</a:t>
             </a:r>
             <a:r>
-              <a:rPr lang="en-US" dirty="0" smtClean="0">
+              <a:rPr lang="en-US" dirty="0">
                 <a:latin typeface="Consolas" panose="020B0609020204030204" pitchFamily="49" charset="0"/>
               </a:rPr>
               <a:t> </a:t>
             </a:r>
             <a:r>
-              <a:rPr lang="en-US" b="1" dirty="0" err="1" smtClean="0">
+              <a:rPr lang="en-US" b="1" dirty="0" err="1">
                 <a:solidFill>
                   <a:srgbClr val="00007F"/>
                 </a:solidFill>
@@ -20253,16 +21051,10 @@
               <a:t>Superman_Should</a:t>
             </a:r>
             <a:r>
-              <a:rPr lang="en-US" dirty="0" smtClean="0">
-                <a:latin typeface="Consolas" panose="020B0609020204030204" pitchFamily="49" charset="0"/>
-              </a:rPr>
-              <a:t> </a:t>
-            </a:r>
-            <a:r>
               <a:rPr lang="en-US" dirty="0">
                 <a:latin typeface="Consolas" panose="020B0609020204030204" pitchFamily="49" charset="0"/>
               </a:rPr>
-              <a:t>{</a:t>
+              <a:t> {</a:t>
             </a:r>
           </a:p>
           <a:p>
@@ -20326,7 +21118,7 @@
               <a:t> </a:t>
             </a:r>
             <a:r>
-              <a:rPr lang="en-US" dirty="0" err="1" smtClean="0">
+              <a:rPr lang="en-US" dirty="0" err="1">
                 <a:solidFill>
                   <a:srgbClr val="2B91AF"/>
                 </a:solidFill>
@@ -20509,7 +21301,7 @@
               <a:t> </a:t>
             </a:r>
             <a:r>
-              <a:rPr lang="en-US" dirty="0" err="1" smtClean="0">
+              <a:rPr lang="en-US" dirty="0" err="1">
                 <a:solidFill>
                   <a:srgbClr val="2B91AF"/>
                 </a:solidFill>
@@ -20518,14 +21310,11 @@
               <a:t>WearRedBlueSuit_WhenAtWork</a:t>
             </a:r>
             <a:r>
-              <a:rPr lang="en-US" dirty="0" smtClean="0">
+              <a:rPr lang="en-US" dirty="0">
                 <a:latin typeface="Consolas" panose="020B0609020204030204" pitchFamily="49" charset="0"/>
               </a:rPr>
               <a:t>(){</a:t>
             </a:r>
-            <a:endParaRPr lang="en-US" dirty="0">
-              <a:latin typeface="Consolas" panose="020B0609020204030204" pitchFamily="49" charset="0"/>
-            </a:endParaRPr>
           </a:p>
           <a:p>
             <a:r>
@@ -20600,13 +21389,6 @@
   <p:clrMapOvr>
     <a:masterClrMapping/>
   </p:clrMapOvr>
-  <p:timing>
-    <p:tnLst>
-      <p:par>
-        <p:cTn id="1" dur="indefinite" restart="never" nodeType="tmRoot"/>
-      </p:par>
-    </p:tnLst>
-  </p:timing>
 </p:sld>
 </file>
 
@@ -20757,23 +21539,8 @@
                   </a:solidFill>
                   <a:latin typeface="+mj-lt"/>
                 </a:rPr>
-                <a:t>SAMPLES / AAA / </a:t>
+                <a:t>SAMPLES / AAA / ZIP_SHOULD.CS</a:t>
               </a:r>
-              <a:r>
-                <a:rPr lang="en-US" sz="2800" dirty="0" smtClean="0">
-                  <a:solidFill>
-                    <a:schemeClr val="accent1"/>
-                  </a:solidFill>
-                  <a:latin typeface="+mj-lt"/>
-                </a:rPr>
-                <a:t>ZIP_SHOULD.CS</a:t>
-              </a:r>
-              <a:endParaRPr lang="en-US" sz="2800" dirty="0">
-                <a:solidFill>
-                  <a:schemeClr val="accent1"/>
-                </a:solidFill>
-                <a:latin typeface="+mj-lt"/>
-              </a:endParaRPr>
             </a:p>
           </p:txBody>
         </p:sp>
@@ -22188,11 +22955,7 @@
           <a:p>
             <a:r>
               <a:rPr lang="en-US" sz="2400" dirty="0"/>
-              <a:t>I</a:t>
-            </a:r>
-            <a:r>
-              <a:rPr lang="en-US" sz="2400" dirty="0" smtClean="0"/>
-              <a:t>sAdult_AgeLessThan18_False</a:t>
+              <a:t>IsAdult_AgeLessThan18_False</a:t>
             </a:r>
             <a:endParaRPr lang="ru-RU" sz="2400" dirty="0"/>
           </a:p>
@@ -22201,7 +22964,7 @@
           </a:p>
           <a:p>
             <a:r>
-              <a:rPr lang="en-US" sz="2400" dirty="0" err="1" smtClean="0"/>
+              <a:rPr lang="en-US" sz="2400" dirty="0" err="1"/>
               <a:t>ParseInt_Should.Fail_OnNonNumber</a:t>
             </a:r>
             <a:endParaRPr lang="ru-RU" sz="2400" dirty="0"/>
@@ -22211,7 +22974,7 @@
           </a:p>
           <a:p>
             <a:r>
-              <a:rPr lang="en-US" sz="2400" dirty="0" err="1" smtClean="0"/>
+              <a:rPr lang="en-US" sz="2400" dirty="0" err="1"/>
               <a:t>Stack_Should.BeEmpty_AfterCreation</a:t>
             </a:r>
             <a:endParaRPr lang="en-US" sz="2400" dirty="0"/>
@@ -22663,78 +23426,6 @@
       </p:grpSpPr>
       <p:sp>
         <p:nvSpPr>
-          <p:cNvPr id="3" name="Объект 2"/>
-          <p:cNvSpPr>
-            <a:spLocks noGrp="1"/>
-          </p:cNvSpPr>
-          <p:nvPr>
-            <p:ph sz="quarter" idx="13"/>
-          </p:nvPr>
-        </p:nvSpPr>
-        <p:spPr>
-          <a:xfrm>
-            <a:off x="1295400" y="2852019"/>
-            <a:ext cx="9601133" cy="3456711"/>
-          </a:xfrm>
-        </p:spPr>
-        <p:txBody>
-          <a:bodyPr/>
-          <a:lstStyle/>
-          <a:p>
-            <a:r>
-              <a:rPr lang="en-US" dirty="0"/>
-              <a:t>Local Hero</a:t>
-            </a:r>
-            <a:endParaRPr lang="ru-RU" dirty="0"/>
-          </a:p>
-          <a:p>
-            <a:r>
-              <a:rPr lang="en-US" dirty="0"/>
-              <a:t>Loudmouth</a:t>
-            </a:r>
-            <a:endParaRPr lang="ru-RU" dirty="0"/>
-          </a:p>
-          <a:p>
-            <a:r>
-              <a:rPr lang="en-US" dirty="0"/>
-              <a:t>Free Ride</a:t>
-            </a:r>
-            <a:endParaRPr lang="ru-RU" dirty="0"/>
-          </a:p>
-          <a:p>
-            <a:r>
-              <a:rPr lang="en-US" dirty="0"/>
-              <a:t>Over</a:t>
-            </a:r>
-            <a:r>
-              <a:rPr lang="ru-RU" dirty="0"/>
-              <a:t> </a:t>
-            </a:r>
-            <a:r>
-              <a:rPr lang="en-US" dirty="0"/>
-              <a:t>specification</a:t>
-            </a:r>
-          </a:p>
-          <a:p>
-            <a:endParaRPr lang="en-US" dirty="0"/>
-          </a:p>
-          <a:p>
-            <a:r>
-              <a:rPr lang="en-US" sz="2800" dirty="0" smtClean="0">
-                <a:hlinkClick r:id="rId3"/>
-              </a:rPr>
-              <a:t>http://blog.james-carr.org/2006/11/03/tdd-anti-patterns/</a:t>
-            </a:r>
-            <a:r>
-              <a:rPr lang="en-US" sz="2800" dirty="0" smtClean="0"/>
-              <a:t> </a:t>
-            </a:r>
-            <a:endParaRPr lang="ru-RU" dirty="0"/>
-          </a:p>
-        </p:txBody>
-      </p:sp>
-      <p:sp>
-        <p:nvSpPr>
           <p:cNvPr id="2" name="Заголовок 1"/>
           <p:cNvSpPr>
             <a:spLocks noGrp="1"/>
@@ -22748,399 +23439,48 @@
           <a:bodyPr/>
           <a:lstStyle/>
           <a:p>
-            <a:r>
-              <a:rPr lang="ru-RU" dirty="0" err="1"/>
-              <a:t>Антипаттерны</a:t>
-            </a:r>
-            <a:endParaRPr lang="ru-RU" dirty="0"/>
+            <a:pPr algn="ctr"/>
+            <a:r>
+              <a:rPr lang="ru-RU" dirty="0"/>
+              <a:t>Пример спецификации тестами</a:t>
+            </a:r>
+            <a:endParaRPr lang="en-US" dirty="0"/>
           </a:p>
         </p:txBody>
       </p:sp>
-      <p:grpSp>
-        <p:nvGrpSpPr>
-          <p:cNvPr id="10" name="Группа 9"/>
-          <p:cNvGrpSpPr/>
-          <p:nvPr/>
-        </p:nvGrpSpPr>
-        <p:grpSpPr>
-          <a:xfrm>
-            <a:off x="1295400" y="1628775"/>
-            <a:ext cx="4859089" cy="791842"/>
-            <a:chOff x="6243139" y="2461370"/>
-            <a:chExt cx="4859089" cy="791842"/>
-          </a:xfrm>
-        </p:grpSpPr>
-        <p:sp>
-          <p:nvSpPr>
-            <p:cNvPr id="8" name="TextBox 7"/>
-            <p:cNvSpPr txBox="1"/>
-            <p:nvPr/>
-          </p:nvSpPr>
-          <p:spPr>
-            <a:xfrm>
-              <a:off x="6891139" y="2595681"/>
-              <a:ext cx="4211089" cy="523220"/>
-            </a:xfrm>
-            <a:prstGeom prst="rect">
-              <a:avLst/>
-            </a:prstGeom>
-            <a:noFill/>
-          </p:spPr>
-          <p:txBody>
-            <a:bodyPr wrap="none" rtlCol="0">
-              <a:spAutoFit/>
-            </a:bodyPr>
-            <a:lstStyle/>
-            <a:p>
-              <a:r>
-                <a:rPr lang="en-US" sz="2800" dirty="0">
-                  <a:solidFill>
-                    <a:schemeClr val="accent1"/>
-                  </a:solidFill>
-                  <a:latin typeface="+mj-lt"/>
-                </a:rPr>
-                <a:t>SAMPLES / ANTIPATTERNS</a:t>
-              </a:r>
-            </a:p>
-          </p:txBody>
-        </p:sp>
-        <p:pic>
-          <p:nvPicPr>
-            <p:cNvPr id="9" name="Picture 22" descr="C:\Users\sapogoff\Documents\sapogoff_work\SKB Kontur\01_presentation_templates\03_final\wmf_icons\документ.wmf"/>
-            <p:cNvPicPr>
-              <a:picLocks noChangeAspect="1" noChangeArrowheads="1"/>
-            </p:cNvPicPr>
-            <p:nvPr/>
-          </p:nvPicPr>
-          <p:blipFill>
-            <a:blip r:embed="rId4" cstate="print">
-              <a:duotone>
-                <a:schemeClr val="accent1">
-                  <a:shade val="45000"/>
-                  <a:satMod val="135000"/>
-                </a:schemeClr>
-                <a:prstClr val="white"/>
-              </a:duotone>
-              <a:extLst>
-                <a:ext uri="{28A0092B-C50C-407E-A947-70E740481C1C}">
-                  <a14:useLocalDpi xmlns:a14="http://schemas.microsoft.com/office/drawing/2010/main" val="0"/>
-                </a:ext>
-              </a:extLst>
-            </a:blip>
-            <a:srcRect/>
-            <a:stretch>
-              <a:fillRect/>
-            </a:stretch>
-          </p:blipFill>
-          <p:spPr bwMode="auto">
-            <a:xfrm>
-              <a:off x="6243139" y="2461370"/>
-              <a:ext cx="648000" cy="791842"/>
-            </a:xfrm>
-            <a:prstGeom prst="rect">
-              <a:avLst/>
-            </a:prstGeom>
-            <a:noFill/>
+      <p:pic>
+        <p:nvPicPr>
+          <p:cNvPr id="5" name="Рисунок 4"/>
+          <p:cNvPicPr>
+            <a:picLocks noGrp="1" noChangeAspect="1"/>
+          </p:cNvPicPr>
+          <p:nvPr>
+            <p:ph type="pic" sz="quarter" idx="10"/>
+          </p:nvPr>
+        </p:nvPicPr>
+        <p:blipFill rotWithShape="1">
+          <a:blip r:embed="rId2">
             <a:extLst>
-              <a:ext uri="{909E8E84-426E-40DD-AFC4-6F175D3DCCD1}">
-                <a14:hiddenFill xmlns:a14="http://schemas.microsoft.com/office/drawing/2010/main">
-                  <a:solidFill>
-                    <a:srgbClr val="FFFFFF"/>
-                  </a:solidFill>
-                </a14:hiddenFill>
+              <a:ext uri="{28A0092B-C50C-407E-A947-70E740481C1C}">
+                <a14:useLocalDpi xmlns:a14="http://schemas.microsoft.com/office/drawing/2010/main" val="0"/>
               </a:ext>
             </a:extLst>
-          </p:spPr>
-        </p:pic>
-      </p:grpSp>
+          </a:blip>
+          <a:srcRect l="-19597" r="-19597"/>
+          <a:stretch/>
+        </p:blipFill>
+        <p:spPr/>
+      </p:pic>
     </p:spTree>
     <p:extLst>
       <p:ext uri="{BB962C8B-B14F-4D97-AF65-F5344CB8AC3E}">
-        <p14:creationId xmlns:p14="http://schemas.microsoft.com/office/powerpoint/2010/main" val="4191729357"/>
+        <p14:creationId xmlns:p14="http://schemas.microsoft.com/office/powerpoint/2010/main" val="768219975"/>
       </p:ext>
     </p:extLst>
   </p:cSld>
   <p:clrMapOvr>
     <a:masterClrMapping/>
   </p:clrMapOvr>
-  <p:timing>
-    <p:tnLst>
-      <p:par>
-        <p:cTn id="1" dur="indefinite" restart="never" nodeType="tmRoot">
-          <p:childTnLst>
-            <p:seq concurrent="1" nextAc="seek">
-              <p:cTn id="2" dur="indefinite" nodeType="mainSeq">
-                <p:childTnLst>
-                  <p:par>
-                    <p:cTn id="3" fill="hold">
-                      <p:stCondLst>
-                        <p:cond delay="indefinite"/>
-                      </p:stCondLst>
-                      <p:childTnLst>
-                        <p:par>
-                          <p:cTn id="4" fill="hold">
-                            <p:stCondLst>
-                              <p:cond delay="0"/>
-                            </p:stCondLst>
-                            <p:childTnLst>
-                              <p:par>
-                                <p:cTn id="5" presetID="1" presetClass="entr" presetSubtype="0" fill="hold" grpId="0" nodeType="clickEffect">
-                                  <p:stCondLst>
-                                    <p:cond delay="0"/>
-                                  </p:stCondLst>
-                                  <p:childTnLst>
-                                    <p:set>
-                                      <p:cBhvr>
-                                        <p:cTn id="6" dur="1" fill="hold">
-                                          <p:stCondLst>
-                                            <p:cond delay="0"/>
-                                          </p:stCondLst>
-                                        </p:cTn>
-                                        <p:tgtEl>
-                                          <p:spTgt spid="3">
-                                            <p:txEl>
-                                              <p:pRg st="0" end="0"/>
-                                            </p:txEl>
-                                          </p:spTgt>
-                                        </p:tgtEl>
-                                        <p:attrNameLst>
-                                          <p:attrName>style.visibility</p:attrName>
-                                        </p:attrNameLst>
-                                      </p:cBhvr>
-                                      <p:to>
-                                        <p:strVal val="visible"/>
-                                      </p:to>
-                                    </p:set>
-                                  </p:childTnLst>
-                                </p:cTn>
-                              </p:par>
-                            </p:childTnLst>
-                          </p:cTn>
-                        </p:par>
-                      </p:childTnLst>
-                    </p:cTn>
-                  </p:par>
-                  <p:par>
-                    <p:cTn id="7" fill="hold">
-                      <p:stCondLst>
-                        <p:cond delay="indefinite"/>
-                      </p:stCondLst>
-                      <p:childTnLst>
-                        <p:par>
-                          <p:cTn id="8" fill="hold">
-                            <p:stCondLst>
-                              <p:cond delay="0"/>
-                            </p:stCondLst>
-                            <p:childTnLst>
-                              <p:par>
-                                <p:cTn id="9" presetID="1" presetClass="entr" presetSubtype="0" fill="hold" grpId="0" nodeType="clickEffect">
-                                  <p:stCondLst>
-                                    <p:cond delay="0"/>
-                                  </p:stCondLst>
-                                  <p:childTnLst>
-                                    <p:set>
-                                      <p:cBhvr>
-                                        <p:cTn id="10" dur="1" fill="hold">
-                                          <p:stCondLst>
-                                            <p:cond delay="0"/>
-                                          </p:stCondLst>
-                                        </p:cTn>
-                                        <p:tgtEl>
-                                          <p:spTgt spid="3">
-                                            <p:txEl>
-                                              <p:pRg st="1" end="1"/>
-                                            </p:txEl>
-                                          </p:spTgt>
-                                        </p:tgtEl>
-                                        <p:attrNameLst>
-                                          <p:attrName>style.visibility</p:attrName>
-                                        </p:attrNameLst>
-                                      </p:cBhvr>
-                                      <p:to>
-                                        <p:strVal val="visible"/>
-                                      </p:to>
-                                    </p:set>
-                                  </p:childTnLst>
-                                </p:cTn>
-                              </p:par>
-                            </p:childTnLst>
-                          </p:cTn>
-                        </p:par>
-                      </p:childTnLst>
-                    </p:cTn>
-                  </p:par>
-                  <p:par>
-                    <p:cTn id="11" fill="hold">
-                      <p:stCondLst>
-                        <p:cond delay="indefinite"/>
-                      </p:stCondLst>
-                      <p:childTnLst>
-                        <p:par>
-                          <p:cTn id="12" fill="hold">
-                            <p:stCondLst>
-                              <p:cond delay="0"/>
-                            </p:stCondLst>
-                            <p:childTnLst>
-                              <p:par>
-                                <p:cTn id="13" presetID="1" presetClass="entr" presetSubtype="0" fill="hold" grpId="0" nodeType="clickEffect">
-                                  <p:stCondLst>
-                                    <p:cond delay="0"/>
-                                  </p:stCondLst>
-                                  <p:childTnLst>
-                                    <p:set>
-                                      <p:cBhvr>
-                                        <p:cTn id="14" dur="1" fill="hold">
-                                          <p:stCondLst>
-                                            <p:cond delay="0"/>
-                                          </p:stCondLst>
-                                        </p:cTn>
-                                        <p:tgtEl>
-                                          <p:spTgt spid="3">
-                                            <p:txEl>
-                                              <p:pRg st="2" end="2"/>
-                                            </p:txEl>
-                                          </p:spTgt>
-                                        </p:tgtEl>
-                                        <p:attrNameLst>
-                                          <p:attrName>style.visibility</p:attrName>
-                                        </p:attrNameLst>
-                                      </p:cBhvr>
-                                      <p:to>
-                                        <p:strVal val="visible"/>
-                                      </p:to>
-                                    </p:set>
-                                  </p:childTnLst>
-                                </p:cTn>
-                              </p:par>
-                            </p:childTnLst>
-                          </p:cTn>
-                        </p:par>
-                      </p:childTnLst>
-                    </p:cTn>
-                  </p:par>
-                  <p:par>
-                    <p:cTn id="15" fill="hold">
-                      <p:stCondLst>
-                        <p:cond delay="indefinite"/>
-                      </p:stCondLst>
-                      <p:childTnLst>
-                        <p:par>
-                          <p:cTn id="16" fill="hold">
-                            <p:stCondLst>
-                              <p:cond delay="0"/>
-                            </p:stCondLst>
-                            <p:childTnLst>
-                              <p:par>
-                                <p:cTn id="17" presetID="1" presetClass="entr" presetSubtype="0" fill="hold" grpId="0" nodeType="clickEffect">
-                                  <p:stCondLst>
-                                    <p:cond delay="0"/>
-                                  </p:stCondLst>
-                                  <p:childTnLst>
-                                    <p:set>
-                                      <p:cBhvr>
-                                        <p:cTn id="18" dur="1" fill="hold">
-                                          <p:stCondLst>
-                                            <p:cond delay="0"/>
-                                          </p:stCondLst>
-                                        </p:cTn>
-                                        <p:tgtEl>
-                                          <p:spTgt spid="3">
-                                            <p:txEl>
-                                              <p:pRg st="3" end="3"/>
-                                            </p:txEl>
-                                          </p:spTgt>
-                                        </p:tgtEl>
-                                        <p:attrNameLst>
-                                          <p:attrName>style.visibility</p:attrName>
-                                        </p:attrNameLst>
-                                      </p:cBhvr>
-                                      <p:to>
-                                        <p:strVal val="visible"/>
-                                      </p:to>
-                                    </p:set>
-                                  </p:childTnLst>
-                                </p:cTn>
-                              </p:par>
-                            </p:childTnLst>
-                          </p:cTn>
-                        </p:par>
-                      </p:childTnLst>
-                    </p:cTn>
-                  </p:par>
-                  <p:par>
-                    <p:cTn id="19" fill="hold">
-                      <p:stCondLst>
-                        <p:cond delay="indefinite"/>
-                      </p:stCondLst>
-                      <p:childTnLst>
-                        <p:par>
-                          <p:cTn id="20" fill="hold">
-                            <p:stCondLst>
-                              <p:cond delay="0"/>
-                            </p:stCondLst>
-                            <p:childTnLst>
-                              <p:par>
-                                <p:cTn id="21" presetID="1" presetClass="entr" presetSubtype="0" fill="hold" grpId="0" nodeType="clickEffect">
-                                  <p:stCondLst>
-                                    <p:cond delay="0"/>
-                                  </p:stCondLst>
-                                  <p:childTnLst>
-                                    <p:set>
-                                      <p:cBhvr>
-                                        <p:cTn id="22" dur="1" fill="hold">
-                                          <p:stCondLst>
-                                            <p:cond delay="0"/>
-                                          </p:stCondLst>
-                                        </p:cTn>
-                                        <p:tgtEl>
-                                          <p:spTgt spid="3">
-                                            <p:txEl>
-                                              <p:pRg st="5" end="5"/>
-                                            </p:txEl>
-                                          </p:spTgt>
-                                        </p:tgtEl>
-                                        <p:attrNameLst>
-                                          <p:attrName>style.visibility</p:attrName>
-                                        </p:attrNameLst>
-                                      </p:cBhvr>
-                                      <p:to>
-                                        <p:strVal val="visible"/>
-                                      </p:to>
-                                    </p:set>
-                                  </p:childTnLst>
-                                </p:cTn>
-                              </p:par>
-                            </p:childTnLst>
-                          </p:cTn>
-                        </p:par>
-                      </p:childTnLst>
-                    </p:cTn>
-                  </p:par>
-                </p:childTnLst>
-              </p:cTn>
-              <p:prevCondLst>
-                <p:cond evt="onPrev" delay="0">
-                  <p:tgtEl>
-                    <p:sldTgt/>
-                  </p:tgtEl>
-                </p:cond>
-              </p:prevCondLst>
-              <p:nextCondLst>
-                <p:cond evt="onNext" delay="0">
-                  <p:tgtEl>
-                    <p:sldTgt/>
-                  </p:tgtEl>
-                </p:cond>
-              </p:nextCondLst>
-            </p:seq>
-          </p:childTnLst>
-        </p:cTn>
-      </p:par>
-    </p:tnLst>
-    <p:bldLst>
-      <p:bldP spid="3" grpId="0" build="p"/>
-    </p:bldLst>
-  </p:timing>
 </p:sld>
 </file>
 

--- a/testing.pptx
+++ b/testing.pptx
@@ -6,40 +6,42 @@
     <p:sldMasterId id="2147483811" r:id="rId2"/>
   </p:sldMasterIdLst>
   <p:notesMasterIdLst>
-    <p:notesMasterId r:id="rId34"/>
+    <p:notesMasterId r:id="rId36"/>
   </p:notesMasterIdLst>
   <p:sldIdLst>
     <p:sldId id="373" r:id="rId3"/>
     <p:sldId id="385" r:id="rId4"/>
     <p:sldId id="366" r:id="rId5"/>
     <p:sldId id="367" r:id="rId6"/>
-    <p:sldId id="396" r:id="rId7"/>
+    <p:sldId id="405" r:id="rId7"/>
     <p:sldId id="368" r:id="rId8"/>
     <p:sldId id="369" r:id="rId9"/>
     <p:sldId id="370" r:id="rId10"/>
     <p:sldId id="371" r:id="rId11"/>
-    <p:sldId id="376" r:id="rId12"/>
-    <p:sldId id="307" r:id="rId13"/>
-    <p:sldId id="374" r:id="rId14"/>
-    <p:sldId id="339" r:id="rId15"/>
-    <p:sldId id="394" r:id="rId16"/>
-    <p:sldId id="403" r:id="rId17"/>
-    <p:sldId id="404" r:id="rId18"/>
-    <p:sldId id="395" r:id="rId19"/>
-    <p:sldId id="338" r:id="rId20"/>
-    <p:sldId id="393" r:id="rId21"/>
-    <p:sldId id="378" r:id="rId22"/>
-    <p:sldId id="384" r:id="rId23"/>
-    <p:sldId id="398" r:id="rId24"/>
-    <p:sldId id="399" r:id="rId25"/>
-    <p:sldId id="383" r:id="rId26"/>
-    <p:sldId id="397" r:id="rId27"/>
-    <p:sldId id="401" r:id="rId28"/>
-    <p:sldId id="402" r:id="rId29"/>
-    <p:sldId id="382" r:id="rId30"/>
-    <p:sldId id="379" r:id="rId31"/>
-    <p:sldId id="380" r:id="rId32"/>
-    <p:sldId id="381" r:id="rId33"/>
+    <p:sldId id="396" r:id="rId12"/>
+    <p:sldId id="406" r:id="rId13"/>
+    <p:sldId id="376" r:id="rId14"/>
+    <p:sldId id="307" r:id="rId15"/>
+    <p:sldId id="374" r:id="rId16"/>
+    <p:sldId id="339" r:id="rId17"/>
+    <p:sldId id="394" r:id="rId18"/>
+    <p:sldId id="403" r:id="rId19"/>
+    <p:sldId id="404" r:id="rId20"/>
+    <p:sldId id="395" r:id="rId21"/>
+    <p:sldId id="338" r:id="rId22"/>
+    <p:sldId id="393" r:id="rId23"/>
+    <p:sldId id="378" r:id="rId24"/>
+    <p:sldId id="384" r:id="rId25"/>
+    <p:sldId id="398" r:id="rId26"/>
+    <p:sldId id="399" r:id="rId27"/>
+    <p:sldId id="383" r:id="rId28"/>
+    <p:sldId id="397" r:id="rId29"/>
+    <p:sldId id="401" r:id="rId30"/>
+    <p:sldId id="402" r:id="rId31"/>
+    <p:sldId id="382" r:id="rId32"/>
+    <p:sldId id="379" r:id="rId33"/>
+    <p:sldId id="380" r:id="rId34"/>
+    <p:sldId id="381" r:id="rId35"/>
   </p:sldIdLst>
   <p:sldSz cx="12192000" cy="6858000"/>
   <p:notesSz cx="6858000" cy="9144000"/>
@@ -151,11 +153,13 @@
           <p14:sldIdLst>
             <p14:sldId id="366"/>
             <p14:sldId id="367"/>
-            <p14:sldId id="396"/>
+            <p14:sldId id="405"/>
             <p14:sldId id="368"/>
             <p14:sldId id="369"/>
             <p14:sldId id="370"/>
             <p14:sldId id="371"/>
+            <p14:sldId id="396"/>
+            <p14:sldId id="406"/>
             <p14:sldId id="376"/>
             <p14:sldId id="307"/>
           </p14:sldIdLst>
@@ -7173,7 +7177,7 @@
           <a:p>
             <a:fld id="{16E5F246-0B7D-44DF-8C1B-EDFCA5DA626A}" type="datetimeFigureOut">
               <a:rPr lang="ru-RU" smtClean="0"/>
-              <a:t>10.11.2017</a:t>
+              <a:t>20.11.2017</a:t>
             </a:fld>
             <a:endParaRPr lang="ru-RU"/>
           </a:p>
@@ -7631,169 +7635,172 @@
           <a:p>
             <a:r>
               <a:rPr lang="ru-RU" dirty="0"/>
-              <a:t>Существует большое</a:t>
-            </a:r>
-            <a:r>
-              <a:rPr lang="ru-RU" baseline="0" dirty="0"/>
-              <a:t> количество </a:t>
-            </a:r>
-            <a:r>
-              <a:rPr lang="ru-RU" baseline="0" dirty="0" err="1"/>
-              <a:t>антипаттернов</a:t>
-            </a:r>
-            <a:r>
-              <a:rPr lang="ru-RU" baseline="0" dirty="0"/>
-              <a:t> (см. по ссылке), здесь приведены лишь 4 из самых злостных и часто встречающихся.</a:t>
-            </a:r>
-          </a:p>
-          <a:p>
+              <a:t>В </a:t>
+            </a:r>
+            <a:r>
+              <a:rPr lang="en-US" dirty="0"/>
+              <a:t>Mocha</a:t>
+            </a:r>
+            <a:r>
+              <a:rPr lang="ru-RU" dirty="0"/>
+              <a:t> в </a:t>
+            </a:r>
+            <a:r>
+              <a:rPr lang="en-US" dirty="0"/>
+              <a:t>JS </a:t>
+            </a:r>
+            <a:r>
+              <a:rPr lang="ru-RU" dirty="0"/>
+              <a:t>можно использовать другие слова для описания тестов – </a:t>
+            </a:r>
+            <a:r>
+              <a:rPr lang="en-US" dirty="0"/>
+              <a:t>describe </a:t>
+            </a:r>
+            <a:r>
+              <a:rPr lang="ru-RU" dirty="0"/>
+              <a:t>вместо </a:t>
+            </a:r>
+            <a:r>
+              <a:rPr lang="en-US" dirty="0"/>
+              <a:t>suite</a:t>
+            </a:r>
+            <a:r>
+              <a:rPr lang="ru-RU" dirty="0"/>
+              <a:t> и </a:t>
+            </a:r>
+            <a:r>
+              <a:rPr lang="en-US" dirty="0"/>
+              <a:t>it </a:t>
+            </a:r>
+            <a:r>
+              <a:rPr lang="ru-RU" dirty="0"/>
+              <a:t>вместо </a:t>
+            </a:r>
+            <a:r>
+              <a:rPr lang="en-US" dirty="0"/>
+              <a:t>test.</a:t>
+            </a:r>
+          </a:p>
+          <a:p>
+            <a:r>
+              <a:rPr lang="ru-RU" dirty="0"/>
+              <a:t>Для описания условий предусмотрено слово </a:t>
+            </a:r>
+            <a:r>
+              <a:rPr lang="en-US" dirty="0"/>
+              <a:t>context</a:t>
+            </a:r>
+            <a:r>
+              <a:rPr lang="ru-RU" dirty="0"/>
+              <a:t>, которое функционально является синонимом </a:t>
+            </a:r>
+            <a:r>
+              <a:rPr lang="en-US" dirty="0"/>
+              <a:t>describe</a:t>
+            </a:r>
+            <a:r>
+              <a:rPr lang="ru-RU" dirty="0"/>
+              <a:t>, но несет другой смысл при чтении тестов.</a:t>
+            </a:r>
+          </a:p>
+          <a:p>
+            <a:r>
+              <a:rPr lang="ru-RU" dirty="0"/>
+              <a:t>Такой стиль написания тестов</a:t>
+            </a:r>
+            <a:r>
+              <a:rPr lang="en-US" dirty="0"/>
+              <a:t> </a:t>
+            </a:r>
+            <a:r>
+              <a:rPr lang="ru-RU" dirty="0"/>
+              <a:t>в </a:t>
+            </a:r>
+            <a:r>
+              <a:rPr lang="en-US" dirty="0"/>
+              <a:t>Mocha </a:t>
+            </a:r>
+            <a:r>
+              <a:rPr lang="ru-RU" dirty="0"/>
+              <a:t>называется </a:t>
+            </a:r>
+            <a:r>
+              <a:rPr lang="en-US" dirty="0"/>
+              <a:t>BDD.</a:t>
+            </a:r>
+            <a:r>
+              <a:rPr lang="ru-RU" dirty="0"/>
+              <a:t> А предыдущий – стиль </a:t>
+            </a:r>
+            <a:r>
+              <a:rPr lang="en-US" dirty="0"/>
+              <a:t>TDD.</a:t>
+            </a:r>
+            <a:r>
+              <a:rPr lang="ru-RU" dirty="0"/>
+              <a:t> Можно выбрать любой.</a:t>
+            </a:r>
+          </a:p>
+          <a:p>
+            <a:endParaRPr lang="en-US" dirty="0"/>
+          </a:p>
+          <a:p>
+            <a:r>
+              <a:rPr lang="en-US" dirty="0" err="1"/>
+              <a:t>Behaviour</a:t>
+            </a:r>
+            <a:r>
+              <a:rPr lang="en-US" dirty="0"/>
+              <a:t> Driven Development </a:t>
+            </a:r>
+            <a:r>
+              <a:rPr lang="ru-RU" dirty="0"/>
+              <a:t>– это идея о том, что тесты должны быть максимально похожи на спецификацию.</a:t>
+            </a:r>
+            <a:endParaRPr lang="en-US" dirty="0"/>
+          </a:p>
+          <a:p>
+            <a:r>
+              <a:rPr lang="ru-RU" dirty="0"/>
+              <a:t>Этот стиль более читабелен и мы именно его и обсуждаем.</a:t>
+            </a:r>
+          </a:p>
+          <a:p>
+            <a:r>
+              <a:rPr lang="ru-RU" dirty="0"/>
+              <a:t>Чтобы ему следовать не обязательно нужна дополнительная поддержка в языке или библиотеках.</a:t>
+            </a:r>
+          </a:p>
+          <a:p>
+            <a:r>
+              <a:rPr lang="ru-RU" dirty="0"/>
+              <a:t>Но раз уж она есть в </a:t>
+            </a:r>
+            <a:r>
+              <a:rPr lang="en-US" dirty="0"/>
+              <a:t>Mocha</a:t>
+            </a:r>
+            <a:r>
+              <a:rPr lang="ru-RU" dirty="0"/>
+              <a:t>, то все последующие примеры на </a:t>
+            </a:r>
+            <a:r>
+              <a:rPr lang="en-US" dirty="0"/>
+              <a:t>JS </a:t>
+            </a:r>
+            <a:r>
+              <a:rPr lang="ru-RU" dirty="0"/>
+              <a:t>будут написаны именно в стиле </a:t>
+            </a:r>
+            <a:r>
+              <a:rPr lang="en-US" dirty="0"/>
+              <a:t>BDD.</a:t>
+            </a:r>
             <a:endParaRPr lang="ru-RU" dirty="0"/>
           </a:p>
           <a:p>
-            <a:r>
-              <a:rPr lang="ru-RU" b="1" dirty="0"/>
-              <a:t>Открой</a:t>
-            </a:r>
-            <a:r>
-              <a:rPr lang="ru-RU" b="1" baseline="0" dirty="0"/>
-              <a:t> файл с примерами</a:t>
-            </a:r>
-            <a:r>
-              <a:rPr lang="en-US" b="1" baseline="0" dirty="0"/>
-              <a:t>.</a:t>
-            </a:r>
-            <a:endParaRPr lang="ru-RU" b="1" dirty="0"/>
-          </a:p>
-          <a:p>
-            <a:r>
-              <a:rPr lang="ru-RU" dirty="0"/>
-              <a:t>Сначала спроси,</a:t>
-            </a:r>
-            <a:r>
-              <a:rPr lang="ru-RU" baseline="0" dirty="0"/>
-              <a:t> что лишнего видят слушатели, потом объясни, если не сказали всего.</a:t>
-            </a:r>
-          </a:p>
-          <a:p>
             <a:endParaRPr lang="ru-RU" dirty="0"/>
-          </a:p>
-          <a:p>
-            <a:r>
-              <a:rPr lang="en-US" dirty="0"/>
-              <a:t>Local</a:t>
-            </a:r>
-            <a:r>
-              <a:rPr lang="en-US" baseline="0" dirty="0"/>
-              <a:t> Hero – </a:t>
-            </a:r>
-            <a:r>
-              <a:rPr lang="ru-RU" baseline="0" dirty="0"/>
-              <a:t>не будет работать на других машинах.</a:t>
-            </a:r>
-          </a:p>
-          <a:p>
-            <a:endParaRPr lang="ru-RU" dirty="0"/>
-          </a:p>
-          <a:p>
-            <a:r>
-              <a:rPr lang="en-US" dirty="0"/>
-              <a:t>Loudmouth </a:t>
-            </a:r>
-            <a:r>
-              <a:rPr lang="ru-RU" dirty="0"/>
-              <a:t>(крикун) – тест не является автоматическим: что-то выводит, но </a:t>
-            </a:r>
-            <a:r>
-              <a:rPr lang="en-US" dirty="0"/>
-              <a:t>exception</a:t>
-            </a:r>
-            <a:r>
-              <a:rPr lang="ru-RU" dirty="0"/>
-              <a:t> не кидает.</a:t>
-            </a:r>
-          </a:p>
-          <a:p>
-            <a:r>
-              <a:rPr lang="ru-RU" dirty="0"/>
-              <a:t>	История:</a:t>
-            </a:r>
-            <a:r>
-              <a:rPr lang="ru-RU" baseline="0" dirty="0"/>
-              <a:t> Вы решили ознакомиться с работой какой-то библиотеки, накидали тестов, которые что-то выводят в консоль, что-то пишут на диск или ещё что-то в этом роде, провели эксперименты, освоились с библиотекой и забыли про них. Это мусорные тесты, которые по своей сути ничего не проверяют, а значит, что хранить их не нужно.</a:t>
-            </a:r>
-            <a:endParaRPr lang="ru-RU" dirty="0"/>
-          </a:p>
-          <a:p>
-            <a:endParaRPr lang="ru-RU" dirty="0"/>
-          </a:p>
-          <a:p>
-            <a:r>
-              <a:rPr lang="en-US" dirty="0"/>
-              <a:t>Free Ride – </a:t>
-            </a:r>
-            <a:r>
-              <a:rPr lang="ru-RU" dirty="0"/>
-              <a:t>тестируется все подряд (много</a:t>
-            </a:r>
-            <a:r>
-              <a:rPr lang="ru-RU" baseline="0" dirty="0"/>
-              <a:t> </a:t>
-            </a:r>
-            <a:r>
-              <a:rPr lang="en-US" baseline="0" dirty="0"/>
-              <a:t>act, </a:t>
-            </a:r>
-            <a:r>
-              <a:rPr lang="ru-RU" baseline="0" dirty="0"/>
-              <a:t>много </a:t>
-            </a:r>
-            <a:r>
-              <a:rPr lang="en-US" baseline="0" dirty="0"/>
-              <a:t>assert)</a:t>
-            </a:r>
-            <a:endParaRPr lang="ru-RU" dirty="0"/>
-          </a:p>
-          <a:p>
-            <a:r>
-              <a:rPr lang="en-US" dirty="0"/>
-              <a:t>Over</a:t>
-            </a:r>
-            <a:r>
-              <a:rPr lang="en-US" baseline="0" dirty="0"/>
-              <a:t> specification – </a:t>
-            </a:r>
-            <a:r>
-              <a:rPr lang="ru-RU" baseline="0" dirty="0"/>
-              <a:t>создается одна ситуация, но в ней тестируется все (один </a:t>
-            </a:r>
-            <a:r>
-              <a:rPr lang="en-US" baseline="0" dirty="0"/>
-              <a:t>act, </a:t>
-            </a:r>
-            <a:r>
-              <a:rPr lang="ru-RU" baseline="0" dirty="0"/>
-              <a:t>много </a:t>
-            </a:r>
-            <a:r>
-              <a:rPr lang="en-US" baseline="0" dirty="0"/>
-              <a:t>assert)</a:t>
-            </a:r>
-            <a:endParaRPr lang="ru-RU" baseline="0" dirty="0"/>
-          </a:p>
-          <a:p>
-            <a:endParaRPr lang="ru-RU" baseline="0" dirty="0"/>
-          </a:p>
-          <a:p>
-            <a:r>
-              <a:rPr lang="ru-RU" baseline="0" dirty="0"/>
-              <a:t>Только хорошо написанные тесты могут служить спецификацией.</a:t>
-            </a:r>
-          </a:p>
-          <a:p>
-            <a:endParaRPr lang="en-US" baseline="0" dirty="0"/>
-          </a:p>
-          <a:p>
-            <a:endParaRPr lang="en-US" dirty="0"/>
           </a:p>
         </p:txBody>
       </p:sp>
@@ -7814,7 +7821,7 @@
           <a:p>
             <a:fld id="{3BAECB10-9972-4830-A584-02C41DAFD45B}" type="slidenum">
               <a:rPr lang="ru-RU" smtClean="0"/>
-              <a:t>11</a:t>
+              <a:t>10</a:t>
             </a:fld>
             <a:endParaRPr lang="ru-RU"/>
           </a:p>
@@ -7823,7 +7830,7 @@
     </p:spTree>
     <p:extLst>
       <p:ext uri="{BB962C8B-B14F-4D97-AF65-F5344CB8AC3E}">
-        <p14:creationId xmlns:p14="http://schemas.microsoft.com/office/powerpoint/2010/main" val="150544368"/>
+        <p14:creationId xmlns:p14="http://schemas.microsoft.com/office/powerpoint/2010/main" val="2986884583"/>
       </p:ext>
     </p:extLst>
   </p:cSld>
@@ -7879,89 +7886,169 @@
           <a:p>
             <a:r>
               <a:rPr lang="ru-RU" dirty="0"/>
-              <a:t>Почему не пишем тесты сразу?</a:t>
-            </a:r>
-          </a:p>
-          <a:p>
-            <a:r>
-              <a:rPr lang="ru-RU" dirty="0" err="1"/>
-              <a:t>Спойлер</a:t>
+              <a:t>Существует большое</a:t>
             </a:r>
             <a:r>
               <a:rPr lang="ru-RU" baseline="0" dirty="0"/>
-              <a:t> для </a:t>
+              <a:t> количество </a:t>
+            </a:r>
+            <a:r>
+              <a:rPr lang="ru-RU" baseline="0" dirty="0" err="1"/>
+              <a:t>антипаттернов</a:t>
+            </a:r>
+            <a:r>
+              <a:rPr lang="ru-RU" baseline="0" dirty="0"/>
+              <a:t> (см. по ссылке), здесь приведены лишь 4 из самых злостных и часто встречающихся.</a:t>
+            </a:r>
+          </a:p>
+          <a:p>
+            <a:endParaRPr lang="ru-RU" dirty="0"/>
+          </a:p>
+          <a:p>
+            <a:r>
+              <a:rPr lang="ru-RU" b="1" dirty="0"/>
+              <a:t>Открой</a:t>
+            </a:r>
+            <a:r>
+              <a:rPr lang="ru-RU" b="1" baseline="0" dirty="0"/>
+              <a:t> файл с примерами</a:t>
+            </a:r>
+            <a:r>
+              <a:rPr lang="en-US" b="1" baseline="0" dirty="0"/>
+              <a:t>.</a:t>
+            </a:r>
+            <a:endParaRPr lang="ru-RU" b="1" dirty="0"/>
+          </a:p>
+          <a:p>
+            <a:r>
+              <a:rPr lang="ru-RU" dirty="0"/>
+              <a:t>Сначала спроси,</a:t>
+            </a:r>
+            <a:r>
+              <a:rPr lang="ru-RU" baseline="0" dirty="0"/>
+              <a:t> что лишнего видят слушатели, потом объясни, если не сказали всего.</a:t>
+            </a:r>
+          </a:p>
+          <a:p>
+            <a:endParaRPr lang="ru-RU" dirty="0"/>
+          </a:p>
+          <a:p>
+            <a:r>
+              <a:rPr lang="en-US" dirty="0"/>
+              <a:t>Local</a:t>
             </a:r>
             <a:r>
               <a:rPr lang="en-US" baseline="0" dirty="0"/>
-              <a:t>TDD</a:t>
-            </a:r>
+              <a:t> Hero – </a:t>
+            </a:r>
+            <a:r>
+              <a:rPr lang="ru-RU" baseline="0" dirty="0"/>
+              <a:t>не будет работать на других машинах.</a:t>
+            </a:r>
+          </a:p>
+          <a:p>
             <a:endParaRPr lang="ru-RU" dirty="0"/>
           </a:p>
           <a:p>
             <a:r>
+              <a:rPr lang="en-US" dirty="0"/>
+              <a:t>Loudmouth </a:t>
+            </a:r>
+            <a:r>
+              <a:rPr lang="ru-RU" dirty="0"/>
+              <a:t>(крикун) – тест не является автоматическим: что-то выводит, но </a:t>
+            </a:r>
+            <a:r>
+              <a:rPr lang="en-US" dirty="0"/>
+              <a:t>exception</a:t>
+            </a:r>
+            <a:r>
+              <a:rPr lang="ru-RU" dirty="0"/>
+              <a:t> не кидает.</a:t>
+            </a:r>
+          </a:p>
+          <a:p>
+            <a:r>
+              <a:rPr lang="ru-RU" dirty="0"/>
+              <a:t>	История:</a:t>
+            </a:r>
+            <a:r>
               <a:rPr lang="ru-RU" baseline="0" dirty="0"/>
-              <a:t>Первое, что в голову приходит:</a:t>
-            </a:r>
-          </a:p>
-          <a:p>
-            <a:pPr marL="171450" indent="-171450">
-              <a:buFontTx/>
-              <a:buChar char="-"/>
-            </a:pPr>
+              <a:t> Вы решили ознакомиться с работой какой-то библиотеки, накидали тестов, которые что-то выводят в консоль, что-то пишут на диск или ещё что-то в этом роде, провели эксперименты, освоились с библиотекой и забыли про них. Это мусорные тесты, которые по своей сути ничего не проверяют, а значит, что хранить их не нужно.</a:t>
+            </a:r>
+            <a:endParaRPr lang="ru-RU" dirty="0"/>
+          </a:p>
+          <a:p>
+            <a:endParaRPr lang="ru-RU" dirty="0"/>
+          </a:p>
+          <a:p>
+            <a:r>
+              <a:rPr lang="en-US" dirty="0"/>
+              <a:t>Free Ride – </a:t>
+            </a:r>
+            <a:r>
+              <a:rPr lang="ru-RU" dirty="0"/>
+              <a:t>тестируется все подряд (много</a:t>
+            </a:r>
             <a:r>
               <a:rPr lang="ru-RU" baseline="0" dirty="0"/>
-              <a:t>Дольше разработка: писать ведь больше, больше кнопок нажимать</a:t>
-            </a:r>
-          </a:p>
-          <a:p>
-            <a:pPr marL="171450" indent="-171450">
-              <a:buFontTx/>
-              <a:buChar char="-"/>
-            </a:pPr>
+              <a:t> </a:t>
+            </a:r>
+            <a:r>
+              <a:rPr lang="en-US" baseline="0" dirty="0"/>
+              <a:t>act, </a:t>
+            </a:r>
             <a:r>
               <a:rPr lang="ru-RU" baseline="0" dirty="0"/>
-              <a:t>Есть повторяющиеся сценарии, разные параметры и соответственно очень похожие тесты</a:t>
-            </a:r>
-          </a:p>
-          <a:p>
-            <a:pPr marL="171450" indent="-171450">
-              <a:buFontTx/>
-              <a:buChar char="-"/>
-            </a:pPr>
+              <a:t>много </a:t>
+            </a:r>
+            <a:r>
+              <a:rPr lang="en-US" baseline="0" dirty="0"/>
+              <a:t>assert)</a:t>
+            </a:r>
+            <a:endParaRPr lang="ru-RU" dirty="0"/>
+          </a:p>
+          <a:p>
+            <a:r>
+              <a:rPr lang="en-US" dirty="0"/>
+              <a:t>Over</a:t>
+            </a:r>
+            <a:r>
+              <a:rPr lang="en-US" baseline="0" dirty="0"/>
+              <a:t> specification – </a:t>
+            </a:r>
             <a:r>
               <a:rPr lang="ru-RU" baseline="0" dirty="0"/>
-              <a:t>Непонятное </a:t>
+              <a:t>создается одна ситуация, но в ней тестируется все (один </a:t>
             </a:r>
             <a:r>
               <a:rPr lang="en-US" baseline="0" dirty="0"/>
-              <a:t>API </a:t>
+              <a:t>act, </a:t>
             </a:r>
             <a:r>
               <a:rPr lang="ru-RU" baseline="0" dirty="0"/>
-              <a:t>у тестового </a:t>
-            </a:r>
-            <a:r>
-              <a:rPr lang="ru-RU" baseline="0" dirty="0" err="1"/>
-              <a:t>фреймворка</a:t>
+              <a:t>много </a:t>
+            </a:r>
+            <a:r>
+              <a:rPr lang="en-US" baseline="0" dirty="0"/>
+              <a:t>assert)</a:t>
             </a:r>
             <a:endParaRPr lang="ru-RU" baseline="0" dirty="0"/>
           </a:p>
           <a:p>
-            <a:pPr marL="0" indent="0">
-              <a:buFontTx/>
-              <a:buNone/>
-            </a:pPr>
             <a:endParaRPr lang="ru-RU" baseline="0" dirty="0"/>
           </a:p>
           <a:p>
-            <a:pPr marL="0" indent="0">
-              <a:buFontTx/>
-              <a:buNone/>
-            </a:pPr>
             <a:r>
               <a:rPr lang="ru-RU" baseline="0" dirty="0"/>
-              <a:t>Нужно настроить окружение таким образом, чтобы тесты писались как можно легче.</a:t>
-            </a:r>
+              <a:t>Только хорошо написанные тесты могут служить спецификацией.</a:t>
+            </a:r>
+          </a:p>
+          <a:p>
+            <a:endParaRPr lang="en-US" baseline="0" dirty="0"/>
+          </a:p>
+          <a:p>
+            <a:endParaRPr lang="en-US" dirty="0"/>
           </a:p>
         </p:txBody>
       </p:sp>
@@ -7982,7 +8069,7 @@
           <a:p>
             <a:fld id="{3BAECB10-9972-4830-A584-02C41DAFD45B}" type="slidenum">
               <a:rPr lang="ru-RU" smtClean="0"/>
-              <a:t>12</a:t>
+              <a:t>13</a:t>
             </a:fld>
             <a:endParaRPr lang="ru-RU"/>
           </a:p>
@@ -7991,7 +8078,7 @@
     </p:spTree>
     <p:extLst>
       <p:ext uri="{BB962C8B-B14F-4D97-AF65-F5344CB8AC3E}">
-        <p14:creationId xmlns:p14="http://schemas.microsoft.com/office/powerpoint/2010/main" val="196875330"/>
+        <p14:creationId xmlns:p14="http://schemas.microsoft.com/office/powerpoint/2010/main" val="150544368"/>
       </p:ext>
     </p:extLst>
   </p:cSld>
@@ -8045,7 +8132,91 @@
           <a:bodyPr/>
           <a:lstStyle/>
           <a:p>
+            <a:r>
+              <a:rPr lang="ru-RU" dirty="0"/>
+              <a:t>Почему не пишем тесты сразу?</a:t>
+            </a:r>
+          </a:p>
+          <a:p>
+            <a:r>
+              <a:rPr lang="ru-RU" dirty="0" err="1"/>
+              <a:t>Спойлер</a:t>
+            </a:r>
+            <a:r>
+              <a:rPr lang="ru-RU" baseline="0" dirty="0"/>
+              <a:t> для </a:t>
+            </a:r>
+            <a:r>
+              <a:rPr lang="en-US" baseline="0" dirty="0"/>
+              <a:t>TDD</a:t>
+            </a:r>
             <a:endParaRPr lang="ru-RU" dirty="0"/>
+          </a:p>
+          <a:p>
+            <a:r>
+              <a:rPr lang="ru-RU" baseline="0" dirty="0"/>
+              <a:t>Первое, что в голову приходит:</a:t>
+            </a:r>
+          </a:p>
+          <a:p>
+            <a:pPr marL="171450" indent="-171450">
+              <a:buFontTx/>
+              <a:buChar char="-"/>
+            </a:pPr>
+            <a:r>
+              <a:rPr lang="ru-RU" baseline="0" dirty="0"/>
+              <a:t>Дольше разработка: писать ведь больше, больше кнопок нажимать</a:t>
+            </a:r>
+          </a:p>
+          <a:p>
+            <a:pPr marL="171450" indent="-171450">
+              <a:buFontTx/>
+              <a:buChar char="-"/>
+            </a:pPr>
+            <a:r>
+              <a:rPr lang="ru-RU" baseline="0" dirty="0"/>
+              <a:t>Есть повторяющиеся сценарии, разные параметры и соответственно очень похожие тесты</a:t>
+            </a:r>
+          </a:p>
+          <a:p>
+            <a:pPr marL="171450" indent="-171450">
+              <a:buFontTx/>
+              <a:buChar char="-"/>
+            </a:pPr>
+            <a:r>
+              <a:rPr lang="ru-RU" baseline="0" dirty="0"/>
+              <a:t>Непонятное </a:t>
+            </a:r>
+            <a:r>
+              <a:rPr lang="en-US" baseline="0" dirty="0"/>
+              <a:t>API </a:t>
+            </a:r>
+            <a:r>
+              <a:rPr lang="ru-RU" baseline="0" dirty="0"/>
+              <a:t>у тестового </a:t>
+            </a:r>
+            <a:r>
+              <a:rPr lang="ru-RU" baseline="0" dirty="0" err="1"/>
+              <a:t>фреймворка</a:t>
+            </a:r>
+            <a:endParaRPr lang="ru-RU" baseline="0" dirty="0"/>
+          </a:p>
+          <a:p>
+            <a:pPr marL="0" indent="0">
+              <a:buFontTx/>
+              <a:buNone/>
+            </a:pPr>
+            <a:endParaRPr lang="ru-RU" baseline="0" dirty="0"/>
+          </a:p>
+          <a:p>
+            <a:pPr marL="0" indent="0">
+              <a:buFontTx/>
+              <a:buNone/>
+            </a:pPr>
+            <a:r>
+              <a:rPr lang="ru-RU" baseline="0" dirty="0"/>
+              <a:t>Нужно настроить окружение таким образом, чтобы тесты писались как можно легче.</a:t>
+            </a:r>
           </a:p>
         </p:txBody>
       </p:sp>
@@ -8066,7 +8237,7 @@
           <a:p>
             <a:fld id="{3BAECB10-9972-4830-A584-02C41DAFD45B}" type="slidenum">
               <a:rPr lang="ru-RU" smtClean="0"/>
-              <a:t>13</a:t>
+              <a:t>14</a:t>
             </a:fld>
             <a:endParaRPr lang="ru-RU"/>
           </a:p>
@@ -8075,7 +8246,7 @@
     </p:spTree>
     <p:extLst>
       <p:ext uri="{BB962C8B-B14F-4D97-AF65-F5344CB8AC3E}">
-        <p14:creationId xmlns:p14="http://schemas.microsoft.com/office/powerpoint/2010/main" val="1538534830"/>
+        <p14:creationId xmlns:p14="http://schemas.microsoft.com/office/powerpoint/2010/main" val="196875330"/>
       </p:ext>
     </p:extLst>
   </p:cSld>
@@ -8129,522 +8300,7 @@
           <a:bodyPr/>
           <a:lstStyle/>
           <a:p>
-            <a:pPr marL="0" marR="0" lvl="0" indent="0" algn="l" defTabSz="914400" rtl="0" eaLnBrk="1" fontAlgn="auto" latinLnBrk="0" hangingPunct="1">
-              <a:lnSpc>
-                <a:spcPct val="100000"/>
-              </a:lnSpc>
-              <a:spcBef>
-                <a:spcPts val="0"/>
-              </a:spcBef>
-              <a:spcAft>
-                <a:spcPts val="0"/>
-              </a:spcAft>
-              <a:buClrTx/>
-              <a:buSzTx/>
-              <a:buFontTx/>
-              <a:buNone/>
-              <a:tabLst/>
-              <a:defRPr/>
-            </a:pPr>
             <a:endParaRPr lang="ru-RU" dirty="0"/>
-          </a:p>
-          <a:p>
-            <a:pPr marL="0" marR="0" lvl="0" indent="0" algn="l" defTabSz="914400" rtl="0" eaLnBrk="1" fontAlgn="auto" latinLnBrk="0" hangingPunct="1">
-              <a:lnSpc>
-                <a:spcPct val="100000"/>
-              </a:lnSpc>
-              <a:spcBef>
-                <a:spcPts val="0"/>
-              </a:spcBef>
-              <a:spcAft>
-                <a:spcPts val="0"/>
-              </a:spcAft>
-              <a:buClrTx/>
-              <a:buSzTx/>
-              <a:buFontTx/>
-              <a:buNone/>
-              <a:tabLst/>
-              <a:defRPr/>
-            </a:pPr>
-            <a:r>
-              <a:rPr lang="ru-RU" dirty="0" err="1"/>
-              <a:t>Аттрибуты</a:t>
-            </a:r>
-            <a:r>
-              <a:rPr lang="ru-RU" dirty="0"/>
-              <a:t> </a:t>
-            </a:r>
-            <a:r>
-              <a:rPr lang="en-US" dirty="0" err="1"/>
-              <a:t>TestCase</a:t>
-            </a:r>
-            <a:r>
-              <a:rPr lang="ru-RU" dirty="0"/>
-              <a:t> и</a:t>
-            </a:r>
-            <a:r>
-              <a:rPr lang="en-US" dirty="0"/>
-              <a:t> </a:t>
-            </a:r>
-            <a:r>
-              <a:rPr lang="en-US" dirty="0" err="1"/>
-              <a:t>TestCaseSource</a:t>
-            </a:r>
-            <a:r>
-              <a:rPr lang="ru-RU" dirty="0"/>
-              <a:t> в </a:t>
-            </a:r>
-            <a:r>
-              <a:rPr lang="en-US" dirty="0" err="1"/>
-              <a:t>nUnit</a:t>
-            </a:r>
-            <a:endParaRPr lang="en-US" dirty="0"/>
-          </a:p>
-          <a:p>
-            <a:pPr marL="0" marR="0" lvl="0" indent="0" algn="l" defTabSz="914400" rtl="0" eaLnBrk="1" fontAlgn="auto" latinLnBrk="0" hangingPunct="1">
-              <a:lnSpc>
-                <a:spcPct val="100000"/>
-              </a:lnSpc>
-              <a:spcBef>
-                <a:spcPts val="0"/>
-              </a:spcBef>
-              <a:spcAft>
-                <a:spcPts val="0"/>
-              </a:spcAft>
-              <a:buClrTx/>
-              <a:buSzTx/>
-              <a:buFontTx/>
-              <a:buNone/>
-              <a:tabLst/>
-              <a:defRPr/>
-            </a:pPr>
-            <a:endParaRPr lang="ru-RU" dirty="0"/>
-          </a:p>
-          <a:p>
-            <a:pPr marL="0" marR="0" lvl="0" indent="0" algn="l" defTabSz="914400" rtl="0" eaLnBrk="1" fontAlgn="auto" latinLnBrk="0" hangingPunct="1">
-              <a:lnSpc>
-                <a:spcPct val="100000"/>
-              </a:lnSpc>
-              <a:spcBef>
-                <a:spcPts val="0"/>
-              </a:spcBef>
-              <a:spcAft>
-                <a:spcPts val="0"/>
-              </a:spcAft>
-              <a:buClrTx/>
-              <a:buSzTx/>
-              <a:buFontTx/>
-              <a:buNone/>
-              <a:tabLst/>
-              <a:defRPr/>
-            </a:pPr>
-            <a:r>
-              <a:rPr lang="ru-RU" dirty="0"/>
-              <a:t>Ещё</a:t>
-            </a:r>
-            <a:r>
-              <a:rPr lang="ru-RU" baseline="0" dirty="0"/>
-              <a:t> </a:t>
-            </a:r>
-            <a:r>
-              <a:rPr lang="en-US" baseline="0" dirty="0" err="1"/>
-              <a:t>nUnit</a:t>
-            </a:r>
-            <a:r>
-              <a:rPr lang="en-US" baseline="0" dirty="0"/>
-              <a:t> </a:t>
-            </a:r>
-            <a:r>
-              <a:rPr lang="ru-RU" baseline="0" dirty="0"/>
-              <a:t>умеет такие классные штуки, которые не умеют другие </a:t>
-            </a:r>
-            <a:r>
-              <a:rPr lang="ru-RU" baseline="0" dirty="0" err="1"/>
-              <a:t>фреймворки</a:t>
-            </a:r>
-            <a:r>
-              <a:rPr lang="ru-RU" baseline="0" dirty="0"/>
-              <a:t> =</a:t>
-            </a:r>
-            <a:r>
-              <a:rPr lang="en-US" baseline="0" dirty="0"/>
-              <a:t>&gt; </a:t>
-            </a:r>
-            <a:r>
-              <a:rPr lang="en-US" baseline="0" dirty="0" err="1"/>
-              <a:t>TestCase</a:t>
-            </a:r>
-            <a:r>
-              <a:rPr lang="en-US" baseline="0" dirty="0"/>
-              <a:t> </a:t>
-            </a:r>
-            <a:r>
-              <a:rPr lang="ru-RU" baseline="0" dirty="0"/>
-              <a:t>и </a:t>
-            </a:r>
-            <a:r>
-              <a:rPr lang="en-US" baseline="0" dirty="0" err="1"/>
-              <a:t>TestCaseSourse</a:t>
-            </a:r>
-            <a:r>
-              <a:rPr lang="ru-RU" baseline="0" dirty="0"/>
-              <a:t>.</a:t>
-            </a:r>
-          </a:p>
-          <a:p>
-            <a:pPr marL="0" marR="0" lvl="0" indent="0" algn="l" defTabSz="914400" rtl="0" eaLnBrk="1" fontAlgn="auto" latinLnBrk="0" hangingPunct="1">
-              <a:lnSpc>
-                <a:spcPct val="100000"/>
-              </a:lnSpc>
-              <a:spcBef>
-                <a:spcPts val="0"/>
-              </a:spcBef>
-              <a:spcAft>
-                <a:spcPts val="0"/>
-              </a:spcAft>
-              <a:buClrTx/>
-              <a:buSzTx/>
-              <a:buFontTx/>
-              <a:buNone/>
-              <a:tabLst/>
-              <a:defRPr/>
-            </a:pPr>
-            <a:endParaRPr lang="ru-RU" dirty="0"/>
-          </a:p>
-          <a:p>
-            <a:pPr marL="0" marR="0" lvl="0" indent="0" algn="l" defTabSz="914400" rtl="0" eaLnBrk="1" fontAlgn="auto" latinLnBrk="0" hangingPunct="1">
-              <a:lnSpc>
-                <a:spcPct val="100000"/>
-              </a:lnSpc>
-              <a:spcBef>
-                <a:spcPts val="0"/>
-              </a:spcBef>
-              <a:spcAft>
-                <a:spcPts val="0"/>
-              </a:spcAft>
-              <a:buClrTx/>
-              <a:buSzTx/>
-              <a:buFontTx/>
-              <a:buNone/>
-              <a:tabLst/>
-              <a:defRPr/>
-            </a:pPr>
-            <a:r>
-              <a:rPr lang="ru-RU" dirty="0"/>
-              <a:t>С</a:t>
-            </a:r>
-            <a:r>
-              <a:rPr lang="ru-RU" baseline="0" dirty="0"/>
-              <a:t> ними можно:</a:t>
-            </a:r>
-          </a:p>
-          <a:p>
-            <a:pPr marL="171450" marR="0" lvl="0" indent="-171450" algn="l" defTabSz="914400" rtl="0" eaLnBrk="1" fontAlgn="auto" latinLnBrk="0" hangingPunct="1">
-              <a:lnSpc>
-                <a:spcPct val="100000"/>
-              </a:lnSpc>
-              <a:spcBef>
-                <a:spcPts val="0"/>
-              </a:spcBef>
-              <a:spcAft>
-                <a:spcPts val="0"/>
-              </a:spcAft>
-              <a:buClrTx/>
-              <a:buSzTx/>
-              <a:buFont typeface="Arial" panose="020B0604020202020204" pitchFamily="34" charset="0"/>
-              <a:buChar char="•"/>
-              <a:tabLst/>
-              <a:defRPr/>
-            </a:pPr>
-            <a:r>
-              <a:rPr lang="ru-RU" baseline="0" dirty="0"/>
-              <a:t>Красиво называть тесты</a:t>
-            </a:r>
-          </a:p>
-          <a:p>
-            <a:pPr marL="171450" marR="0" lvl="0" indent="-171450" algn="l" defTabSz="914400" rtl="0" eaLnBrk="1" fontAlgn="auto" latinLnBrk="0" hangingPunct="1">
-              <a:lnSpc>
-                <a:spcPct val="100000"/>
-              </a:lnSpc>
-              <a:spcBef>
-                <a:spcPts val="0"/>
-              </a:spcBef>
-              <a:spcAft>
-                <a:spcPts val="0"/>
-              </a:spcAft>
-              <a:buClrTx/>
-              <a:buSzTx/>
-              <a:buFont typeface="Arial" panose="020B0604020202020204" pitchFamily="34" charset="0"/>
-              <a:buChar char="•"/>
-              <a:tabLst/>
-              <a:defRPr/>
-            </a:pPr>
-            <a:r>
-              <a:rPr lang="ru-RU" baseline="0" dirty="0"/>
-              <a:t>Указать ожидаемый результат и получать его из теста. (</a:t>
-            </a:r>
-            <a:r>
-              <a:rPr lang="en-US" sz="1200" b="0" i="0" kern="1200" dirty="0" err="1">
-                <a:solidFill>
-                  <a:schemeClr val="tx1"/>
-                </a:solidFill>
-                <a:effectLst/>
-                <a:latin typeface="+mn-lt"/>
-                <a:ea typeface="+mn-ea"/>
-                <a:cs typeface="+mn-cs"/>
-              </a:rPr>
-              <a:t>withInvariantCulture_parse</a:t>
-            </a:r>
-            <a:r>
-              <a:rPr lang="en-US" sz="1200" b="0" i="0" kern="1200" dirty="0">
-                <a:solidFill>
-                  <a:schemeClr val="tx1"/>
-                </a:solidFill>
-                <a:effectLst/>
-                <a:latin typeface="+mn-lt"/>
-                <a:ea typeface="+mn-ea"/>
-                <a:cs typeface="+mn-cs"/>
-              </a:rPr>
-              <a:t>(string input)</a:t>
-            </a:r>
-            <a:r>
-              <a:rPr lang="ru-RU" sz="1200" b="0" i="0" kern="1200" dirty="0">
-                <a:solidFill>
-                  <a:schemeClr val="tx1"/>
-                </a:solidFill>
-                <a:effectLst/>
-                <a:latin typeface="+mn-lt"/>
-                <a:ea typeface="+mn-ea"/>
-                <a:cs typeface="+mn-cs"/>
-              </a:rPr>
-              <a:t> возвращает </a:t>
-            </a:r>
-            <a:r>
-              <a:rPr lang="en-US" sz="1200" b="0" i="0" kern="1200" dirty="0">
-                <a:solidFill>
-                  <a:schemeClr val="tx1"/>
-                </a:solidFill>
-                <a:effectLst/>
-                <a:latin typeface="+mn-lt"/>
-                <a:ea typeface="+mn-ea"/>
-                <a:cs typeface="+mn-cs"/>
-              </a:rPr>
-              <a:t>double</a:t>
-            </a:r>
-            <a:r>
-              <a:rPr lang="ru-RU" sz="1200" b="0" i="0" kern="1200" dirty="0">
-                <a:solidFill>
-                  <a:schemeClr val="tx1"/>
-                </a:solidFill>
-                <a:effectLst/>
-                <a:latin typeface="+mn-lt"/>
-                <a:ea typeface="+mn-ea"/>
-                <a:cs typeface="+mn-cs"/>
-              </a:rPr>
-              <a:t>,</a:t>
-            </a:r>
-            <a:r>
-              <a:rPr lang="ru-RU" sz="1200" b="0" i="0" kern="1200" baseline="0" dirty="0">
-                <a:solidFill>
-                  <a:schemeClr val="tx1"/>
-                </a:solidFill>
-                <a:effectLst/>
-                <a:latin typeface="+mn-lt"/>
-                <a:ea typeface="+mn-ea"/>
-                <a:cs typeface="+mn-cs"/>
-              </a:rPr>
-              <a:t> а не </a:t>
-            </a:r>
-            <a:r>
-              <a:rPr lang="en-US" sz="1200" b="0" i="0" kern="1200" baseline="0" dirty="0">
-                <a:solidFill>
-                  <a:schemeClr val="tx1"/>
-                </a:solidFill>
-                <a:effectLst/>
-                <a:latin typeface="+mn-lt"/>
-                <a:ea typeface="+mn-ea"/>
-                <a:cs typeface="+mn-cs"/>
-              </a:rPr>
-              <a:t>void)</a:t>
-            </a:r>
-            <a:endParaRPr lang="ru-RU" sz="1200" b="0" i="0" kern="1200" baseline="0" dirty="0">
-              <a:solidFill>
-                <a:schemeClr val="tx1"/>
-              </a:solidFill>
-              <a:effectLst/>
-              <a:latin typeface="+mn-lt"/>
-              <a:ea typeface="+mn-ea"/>
-              <a:cs typeface="+mn-cs"/>
-            </a:endParaRPr>
-          </a:p>
-          <a:p>
-            <a:pPr marL="171450" marR="0" lvl="0" indent="-171450" algn="l" defTabSz="914400" rtl="0" eaLnBrk="1" fontAlgn="auto" latinLnBrk="0" hangingPunct="1">
-              <a:lnSpc>
-                <a:spcPct val="100000"/>
-              </a:lnSpc>
-              <a:spcBef>
-                <a:spcPts val="0"/>
-              </a:spcBef>
-              <a:spcAft>
-                <a:spcPts val="0"/>
-              </a:spcAft>
-              <a:buClrTx/>
-              <a:buSzTx/>
-              <a:buFont typeface="Arial" panose="020B0604020202020204" pitchFamily="34" charset="0"/>
-              <a:buChar char="•"/>
-              <a:tabLst/>
-              <a:defRPr/>
-            </a:pPr>
-            <a:endParaRPr lang="ru-RU" sz="1200" b="0" i="0" kern="1200" baseline="0" dirty="0">
-              <a:solidFill>
-                <a:schemeClr val="tx1"/>
-              </a:solidFill>
-              <a:effectLst/>
-              <a:latin typeface="+mn-lt"/>
-              <a:ea typeface="+mn-ea"/>
-              <a:cs typeface="+mn-cs"/>
-            </a:endParaRPr>
-          </a:p>
-          <a:p>
-            <a:pPr marL="0" marR="0" lvl="0" indent="0" algn="l" defTabSz="914400" rtl="0" eaLnBrk="1" fontAlgn="auto" latinLnBrk="0" hangingPunct="1">
-              <a:lnSpc>
-                <a:spcPct val="100000"/>
-              </a:lnSpc>
-              <a:spcBef>
-                <a:spcPts val="0"/>
-              </a:spcBef>
-              <a:spcAft>
-                <a:spcPts val="0"/>
-              </a:spcAft>
-              <a:buClrTx/>
-              <a:buSzTx/>
-              <a:buFont typeface="Arial" panose="020B0604020202020204" pitchFamily="34" charset="0"/>
-              <a:buNone/>
-              <a:tabLst/>
-              <a:defRPr/>
-            </a:pPr>
-            <a:r>
-              <a:rPr lang="ru-RU" baseline="0" dirty="0"/>
-              <a:t>В </a:t>
-            </a:r>
-            <a:r>
-              <a:rPr lang="en-US" baseline="0" dirty="0" err="1"/>
-              <a:t>TestaCase</a:t>
-            </a:r>
-            <a:r>
-              <a:rPr lang="en-US" baseline="0" dirty="0"/>
-              <a:t> </a:t>
-            </a:r>
-            <a:r>
-              <a:rPr lang="ru-RU" baseline="0" dirty="0"/>
-              <a:t>в качестве параметров можно указать</a:t>
-            </a:r>
-            <a:r>
-              <a:rPr lang="en-US" baseline="0" dirty="0"/>
-              <a:t> </a:t>
-            </a:r>
-            <a:r>
-              <a:rPr lang="ru-RU" baseline="0" dirty="0"/>
-              <a:t>только типы, поддерживаемые </a:t>
-            </a:r>
-            <a:r>
-              <a:rPr lang="en-US" baseline="0" dirty="0"/>
-              <a:t>CLR:</a:t>
-            </a:r>
-          </a:p>
-          <a:p>
-            <a:pPr marL="171450" marR="0" lvl="0" indent="-171450" algn="l" defTabSz="914400" rtl="0" eaLnBrk="1" fontAlgn="auto" latinLnBrk="0" hangingPunct="1">
-              <a:lnSpc>
-                <a:spcPct val="100000"/>
-              </a:lnSpc>
-              <a:spcBef>
-                <a:spcPts val="0"/>
-              </a:spcBef>
-              <a:spcAft>
-                <a:spcPts val="0"/>
-              </a:spcAft>
-              <a:buClrTx/>
-              <a:buSzTx/>
-              <a:buFontTx/>
-              <a:buChar char="-"/>
-              <a:tabLst/>
-              <a:defRPr/>
-            </a:pPr>
-            <a:r>
-              <a:rPr lang="ru-RU" baseline="0" dirty="0"/>
-              <a:t>константы,</a:t>
-            </a:r>
-          </a:p>
-          <a:p>
-            <a:pPr marL="171450" marR="0" lvl="0" indent="-171450" algn="l" defTabSz="914400" rtl="0" eaLnBrk="1" fontAlgn="auto" latinLnBrk="0" hangingPunct="1">
-              <a:lnSpc>
-                <a:spcPct val="100000"/>
-              </a:lnSpc>
-              <a:spcBef>
-                <a:spcPts val="0"/>
-              </a:spcBef>
-              <a:spcAft>
-                <a:spcPts val="0"/>
-              </a:spcAft>
-              <a:buClrTx/>
-              <a:buSzTx/>
-              <a:buFontTx/>
-              <a:buChar char="-"/>
-              <a:tabLst/>
-              <a:defRPr/>
-            </a:pPr>
-            <a:r>
-              <a:rPr lang="ru-RU" dirty="0"/>
-              <a:t>системные</a:t>
-            </a:r>
-            <a:r>
-              <a:rPr lang="ru-RU" baseline="0" dirty="0"/>
-              <a:t> типы,</a:t>
-            </a:r>
-          </a:p>
-          <a:p>
-            <a:pPr marL="171450" marR="0" lvl="0" indent="-171450" algn="l" defTabSz="914400" rtl="0" eaLnBrk="1" fontAlgn="auto" latinLnBrk="0" hangingPunct="1">
-              <a:lnSpc>
-                <a:spcPct val="100000"/>
-              </a:lnSpc>
-              <a:spcBef>
-                <a:spcPts val="0"/>
-              </a:spcBef>
-              <a:spcAft>
-                <a:spcPts val="0"/>
-              </a:spcAft>
-              <a:buClrTx/>
-              <a:buSzTx/>
-              <a:buFontTx/>
-              <a:buChar char="-"/>
-              <a:tabLst/>
-              <a:defRPr/>
-            </a:pPr>
-            <a:r>
-              <a:rPr lang="ru-RU" baseline="0" dirty="0"/>
-              <a:t>одноразмерный массив, содержащий константы и системные типы</a:t>
-            </a:r>
-            <a:endParaRPr lang="en-US" dirty="0"/>
-          </a:p>
-          <a:p>
-            <a:pPr marL="0" marR="0" lvl="0" indent="0" algn="l" defTabSz="914400" rtl="0" eaLnBrk="1" fontAlgn="auto" latinLnBrk="0" hangingPunct="1">
-              <a:lnSpc>
-                <a:spcPct val="100000"/>
-              </a:lnSpc>
-              <a:spcBef>
-                <a:spcPts val="0"/>
-              </a:spcBef>
-              <a:spcAft>
-                <a:spcPts val="0"/>
-              </a:spcAft>
-              <a:buClrTx/>
-              <a:buSzTx/>
-              <a:buFont typeface="Arial" panose="020B0604020202020204" pitchFamily="34" charset="0"/>
-              <a:buNone/>
-              <a:tabLst/>
-              <a:defRPr/>
-            </a:pPr>
-            <a:endParaRPr lang="ru-RU" baseline="0" dirty="0"/>
           </a:p>
         </p:txBody>
       </p:sp>
@@ -8665,7 +8321,7 @@
           <a:p>
             <a:fld id="{3BAECB10-9972-4830-A584-02C41DAFD45B}" type="slidenum">
               <a:rPr lang="ru-RU" smtClean="0"/>
-              <a:t>18</a:t>
+              <a:t>15</a:t>
             </a:fld>
             <a:endParaRPr lang="ru-RU"/>
           </a:p>
@@ -8674,7 +8330,7 @@
     </p:spTree>
     <p:extLst>
       <p:ext uri="{BB962C8B-B14F-4D97-AF65-F5344CB8AC3E}">
-        <p14:creationId xmlns:p14="http://schemas.microsoft.com/office/powerpoint/2010/main" val="3407484980"/>
+        <p14:creationId xmlns:p14="http://schemas.microsoft.com/office/powerpoint/2010/main" val="1538534830"/>
       </p:ext>
     </p:extLst>
   </p:cSld>
@@ -8728,17 +8384,162 @@
           <a:bodyPr/>
           <a:lstStyle/>
           <a:p>
+            <a:pPr marL="0" marR="0" lvl="0" indent="0" algn="l" defTabSz="914400" rtl="0" eaLnBrk="1" fontAlgn="auto" latinLnBrk="0" hangingPunct="1">
+              <a:lnSpc>
+                <a:spcPct val="100000"/>
+              </a:lnSpc>
+              <a:spcBef>
+                <a:spcPts val="0"/>
+              </a:spcBef>
+              <a:spcAft>
+                <a:spcPts val="0"/>
+              </a:spcAft>
+              <a:buClrTx/>
+              <a:buSzTx/>
+              <a:buFontTx/>
+              <a:buNone/>
+              <a:tabLst/>
+              <a:defRPr/>
+            </a:pPr>
+            <a:endParaRPr lang="ru-RU" dirty="0"/>
+          </a:p>
+          <a:p>
+            <a:pPr marL="0" marR="0" lvl="0" indent="0" algn="l" defTabSz="914400" rtl="0" eaLnBrk="1" fontAlgn="auto" latinLnBrk="0" hangingPunct="1">
+              <a:lnSpc>
+                <a:spcPct val="100000"/>
+              </a:lnSpc>
+              <a:spcBef>
+                <a:spcPts val="0"/>
+              </a:spcBef>
+              <a:spcAft>
+                <a:spcPts val="0"/>
+              </a:spcAft>
+              <a:buClrTx/>
+              <a:buSzTx/>
+              <a:buFontTx/>
+              <a:buNone/>
+              <a:tabLst/>
+              <a:defRPr/>
+            </a:pPr>
+            <a:r>
+              <a:rPr lang="ru-RU" dirty="0" err="1"/>
+              <a:t>Аттрибуты</a:t>
+            </a:r>
             <a:r>
               <a:rPr lang="ru-RU" dirty="0"/>
-              <a:t>Неочевидный</a:t>
+              <a:t> </a:t>
+            </a:r>
+            <a:r>
+              <a:rPr lang="en-US" dirty="0" err="1"/>
+              <a:t>TestCase</a:t>
+            </a:r>
+            <a:r>
+              <a:rPr lang="ru-RU" dirty="0"/>
+              <a:t> и</a:t>
+            </a:r>
+            <a:r>
+              <a:rPr lang="en-US" dirty="0"/>
+              <a:t> </a:t>
+            </a:r>
+            <a:r>
+              <a:rPr lang="en-US" dirty="0" err="1"/>
+              <a:t>TestCaseSource</a:t>
+            </a:r>
+            <a:r>
+              <a:rPr lang="ru-RU" dirty="0"/>
+              <a:t> в </a:t>
+            </a:r>
+            <a:r>
+              <a:rPr lang="en-US" dirty="0" err="1"/>
+              <a:t>nUnit</a:t>
+            </a:r>
+            <a:endParaRPr lang="en-US" dirty="0"/>
+          </a:p>
+          <a:p>
+            <a:pPr marL="0" marR="0" lvl="0" indent="0" algn="l" defTabSz="914400" rtl="0" eaLnBrk="1" fontAlgn="auto" latinLnBrk="0" hangingPunct="1">
+              <a:lnSpc>
+                <a:spcPct val="100000"/>
+              </a:lnSpc>
+              <a:spcBef>
+                <a:spcPts val="0"/>
+              </a:spcBef>
+              <a:spcAft>
+                <a:spcPts val="0"/>
+              </a:spcAft>
+              <a:buClrTx/>
+              <a:buSzTx/>
+              <a:buFontTx/>
+              <a:buNone/>
+              <a:tabLst/>
+              <a:defRPr/>
+            </a:pPr>
+            <a:endParaRPr lang="ru-RU" dirty="0"/>
+          </a:p>
+          <a:p>
+            <a:pPr marL="0" marR="0" lvl="0" indent="0" algn="l" defTabSz="914400" rtl="0" eaLnBrk="1" fontAlgn="auto" latinLnBrk="0" hangingPunct="1">
+              <a:lnSpc>
+                <a:spcPct val="100000"/>
+              </a:lnSpc>
+              <a:spcBef>
+                <a:spcPts val="0"/>
+              </a:spcBef>
+              <a:spcAft>
+                <a:spcPts val="0"/>
+              </a:spcAft>
+              <a:buClrTx/>
+              <a:buSzTx/>
+              <a:buFontTx/>
+              <a:buNone/>
+              <a:tabLst/>
+              <a:defRPr/>
+            </a:pPr>
+            <a:r>
+              <a:rPr lang="ru-RU" dirty="0"/>
+              <a:t>Ещё</a:t>
             </a:r>
             <a:r>
               <a:rPr lang="ru-RU" baseline="0" dirty="0"/>
-              <a:t> синтаксис у </a:t>
+              <a:t> </a:t>
+            </a:r>
+            <a:r>
+              <a:rPr lang="en-US" baseline="0" dirty="0" err="1"/>
+              <a:t>nUnit</a:t>
             </a:r>
             <a:r>
               <a:rPr lang="en-US" baseline="0" dirty="0"/>
-              <a:t>Assert</a:t>
+              <a:t> </a:t>
+            </a:r>
+            <a:r>
+              <a:rPr lang="ru-RU" baseline="0" dirty="0"/>
+              <a:t>умеет такие классные штуки, которые не умеют другие </a:t>
+            </a:r>
+            <a:r>
+              <a:rPr lang="ru-RU" baseline="0" dirty="0" err="1"/>
+              <a:t>фреймворки</a:t>
+            </a:r>
+            <a:r>
+              <a:rPr lang="ru-RU" baseline="0" dirty="0"/>
+              <a:t> =</a:t>
+            </a:r>
+            <a:r>
+              <a:rPr lang="en-US" baseline="0" dirty="0"/>
+              <a:t>&gt; </a:t>
+            </a:r>
+            <a:r>
+              <a:rPr lang="en-US" baseline="0" dirty="0" err="1"/>
+              <a:t>TestCase</a:t>
+            </a:r>
+            <a:r>
+              <a:rPr lang="en-US" baseline="0" dirty="0"/>
+              <a:t> </a:t>
+            </a:r>
+            <a:r>
+              <a:rPr lang="ru-RU" baseline="0" dirty="0"/>
+              <a:t>и </a:t>
+            </a:r>
+            <a:r>
+              <a:rPr lang="en-US" baseline="0" dirty="0" err="1"/>
+              <a:t>TestCaseSourse</a:t>
             </a:r>
             <a:r>
               <a:rPr lang="ru-RU" baseline="0" dirty="0"/>
@@ -8746,57 +8547,359 @@
             </a:r>
           </a:p>
           <a:p>
+            <a:pPr marL="0" marR="0" lvl="0" indent="0" algn="l" defTabSz="914400" rtl="0" eaLnBrk="1" fontAlgn="auto" latinLnBrk="0" hangingPunct="1">
+              <a:lnSpc>
+                <a:spcPct val="100000"/>
+              </a:lnSpc>
+              <a:spcBef>
+                <a:spcPts val="0"/>
+              </a:spcBef>
+              <a:spcAft>
+                <a:spcPts val="0"/>
+              </a:spcAft>
+              <a:buClrTx/>
+              <a:buSzTx/>
+              <a:buFontTx/>
+              <a:buNone/>
+              <a:tabLst/>
+              <a:defRPr/>
+            </a:pPr>
+            <a:endParaRPr lang="ru-RU" dirty="0"/>
+          </a:p>
+          <a:p>
+            <a:pPr marL="0" marR="0" lvl="0" indent="0" algn="l" defTabSz="914400" rtl="0" eaLnBrk="1" fontAlgn="auto" latinLnBrk="0" hangingPunct="1">
+              <a:lnSpc>
+                <a:spcPct val="100000"/>
+              </a:lnSpc>
+              <a:spcBef>
+                <a:spcPts val="0"/>
+              </a:spcBef>
+              <a:spcAft>
+                <a:spcPts val="0"/>
+              </a:spcAft>
+              <a:buClrTx/>
+              <a:buSzTx/>
+              <a:buFontTx/>
+              <a:buNone/>
+              <a:tabLst/>
+              <a:defRPr/>
+            </a:pPr>
+            <a:r>
+              <a:rPr lang="ru-RU" dirty="0"/>
+              <a:t>С</a:t>
+            </a:r>
             <a:r>
               <a:rPr lang="ru-RU" baseline="0" dirty="0"/>
-              <a:t>Что должно быть сначала, а что в конце?</a:t>
-            </a:r>
-          </a:p>
-          <a:p>
+              <a:t> ними можно:</a:t>
+            </a:r>
+          </a:p>
+          <a:p>
+            <a:pPr marL="171450" marR="0" lvl="0" indent="-171450" algn="l" defTabSz="914400" rtl="0" eaLnBrk="1" fontAlgn="auto" latinLnBrk="0" hangingPunct="1">
+              <a:lnSpc>
+                <a:spcPct val="100000"/>
+              </a:lnSpc>
+              <a:spcBef>
+                <a:spcPts val="0"/>
+              </a:spcBef>
+              <a:spcAft>
+                <a:spcPts val="0"/>
+              </a:spcAft>
+              <a:buClrTx/>
+              <a:buSzTx/>
+              <a:buFont typeface="Arial" panose="020B0604020202020204" pitchFamily="34" charset="0"/>
+              <a:buChar char="•"/>
+              <a:tabLst/>
+              <a:defRPr/>
+            </a:pPr>
+            <a:r>
+              <a:rPr lang="ru-RU" baseline="0" dirty="0"/>
+              <a:t>Красиво называть тесты</a:t>
+            </a:r>
+          </a:p>
+          <a:p>
+            <a:pPr marL="171450" marR="0" lvl="0" indent="-171450" algn="l" defTabSz="914400" rtl="0" eaLnBrk="1" fontAlgn="auto" latinLnBrk="0" hangingPunct="1">
+              <a:lnSpc>
+                <a:spcPct val="100000"/>
+              </a:lnSpc>
+              <a:spcBef>
+                <a:spcPts val="0"/>
+              </a:spcBef>
+              <a:spcAft>
+                <a:spcPts val="0"/>
+              </a:spcAft>
+              <a:buClrTx/>
+              <a:buSzTx/>
+              <a:buFont typeface="Arial" panose="020B0604020202020204" pitchFamily="34" charset="0"/>
+              <a:buChar char="•"/>
+              <a:tabLst/>
+              <a:defRPr/>
+            </a:pPr>
+            <a:r>
+              <a:rPr lang="ru-RU" baseline="0" dirty="0"/>
+              <a:t>Указать ожидаемый результат и получать его из теста. (</a:t>
+            </a:r>
+            <a:r>
+              <a:rPr lang="en-US" sz="1200" b="0" i="0" kern="1200" dirty="0" err="1">
+                <a:solidFill>
+                  <a:schemeClr val="tx1"/>
+                </a:solidFill>
+                <a:effectLst/>
+                <a:latin typeface="+mn-lt"/>
+                <a:ea typeface="+mn-ea"/>
+                <a:cs typeface="+mn-cs"/>
+              </a:rPr>
+              <a:t>withInvariantCulture_parse</a:t>
+            </a:r>
+            <a:r>
+              <a:rPr lang="en-US" sz="1200" b="0" i="0" kern="1200" dirty="0">
+                <a:solidFill>
+                  <a:schemeClr val="tx1"/>
+                </a:solidFill>
+                <a:effectLst/>
+                <a:latin typeface="+mn-lt"/>
+                <a:ea typeface="+mn-ea"/>
+                <a:cs typeface="+mn-cs"/>
+              </a:rPr>
+              <a:t>(string input)</a:t>
+            </a:r>
+            <a:r>
+              <a:rPr lang="ru-RU" sz="1200" b="0" i="0" kern="1200" dirty="0">
+                <a:solidFill>
+                  <a:schemeClr val="tx1"/>
+                </a:solidFill>
+                <a:effectLst/>
+                <a:latin typeface="+mn-lt"/>
+                <a:ea typeface="+mn-ea"/>
+                <a:cs typeface="+mn-cs"/>
+              </a:rPr>
+              <a:t> возвращает </a:t>
+            </a:r>
+            <a:r>
+              <a:rPr lang="en-US" sz="1200" b="0" i="0" kern="1200" dirty="0">
+                <a:solidFill>
+                  <a:schemeClr val="tx1"/>
+                </a:solidFill>
+                <a:effectLst/>
+                <a:latin typeface="+mn-lt"/>
+                <a:ea typeface="+mn-ea"/>
+                <a:cs typeface="+mn-cs"/>
+              </a:rPr>
+              <a:t>double</a:t>
+            </a:r>
+            <a:r>
+              <a:rPr lang="ru-RU" sz="1200" b="0" i="0" kern="1200" dirty="0">
+                <a:solidFill>
+                  <a:schemeClr val="tx1"/>
+                </a:solidFill>
+                <a:effectLst/>
+                <a:latin typeface="+mn-lt"/>
+                <a:ea typeface="+mn-ea"/>
+                <a:cs typeface="+mn-cs"/>
+              </a:rPr>
+              <a:t>,</a:t>
+            </a:r>
+            <a:r>
+              <a:rPr lang="ru-RU" sz="1200" b="0" i="0" kern="1200" baseline="0" dirty="0">
+                <a:solidFill>
+                  <a:schemeClr val="tx1"/>
+                </a:solidFill>
+                <a:effectLst/>
+                <a:latin typeface="+mn-lt"/>
+                <a:ea typeface="+mn-ea"/>
+                <a:cs typeface="+mn-cs"/>
+              </a:rPr>
+              <a:t> а не </a:t>
+            </a:r>
+            <a:r>
+              <a:rPr lang="en-US" sz="1200" b="0" i="0" kern="1200" baseline="0" dirty="0">
+                <a:solidFill>
+                  <a:schemeClr val="tx1"/>
+                </a:solidFill>
+                <a:effectLst/>
+                <a:latin typeface="+mn-lt"/>
+                <a:ea typeface="+mn-ea"/>
+                <a:cs typeface="+mn-cs"/>
+              </a:rPr>
+              <a:t>void)</a:t>
+            </a:r>
+            <a:endParaRPr lang="ru-RU" sz="1200" b="0" i="0" kern="1200" baseline="0" dirty="0">
+              <a:solidFill>
+                <a:schemeClr val="tx1"/>
+              </a:solidFill>
+              <a:effectLst/>
+              <a:latin typeface="+mn-lt"/>
+              <a:ea typeface="+mn-ea"/>
+              <a:cs typeface="+mn-cs"/>
+            </a:endParaRPr>
+          </a:p>
+          <a:p>
+            <a:pPr marL="171450" marR="0" lvl="0" indent="-171450" algn="l" defTabSz="914400" rtl="0" eaLnBrk="1" fontAlgn="auto" latinLnBrk="0" hangingPunct="1">
+              <a:lnSpc>
+                <a:spcPct val="100000"/>
+              </a:lnSpc>
+              <a:spcBef>
+                <a:spcPts val="0"/>
+              </a:spcBef>
+              <a:spcAft>
+                <a:spcPts val="0"/>
+              </a:spcAft>
+              <a:buClrTx/>
+              <a:buSzTx/>
+              <a:buFont typeface="Arial" panose="020B0604020202020204" pitchFamily="34" charset="0"/>
+              <a:buChar char="•"/>
+              <a:tabLst/>
+              <a:defRPr/>
+            </a:pPr>
+            <a:endParaRPr lang="ru-RU" sz="1200" b="0" i="0" kern="1200" baseline="0" dirty="0">
+              <a:solidFill>
+                <a:schemeClr val="tx1"/>
+              </a:solidFill>
+              <a:effectLst/>
+              <a:latin typeface="+mn-lt"/>
+              <a:ea typeface="+mn-ea"/>
+              <a:cs typeface="+mn-cs"/>
+            </a:endParaRPr>
+          </a:p>
+          <a:p>
+            <a:pPr marL="0" marR="0" lvl="0" indent="0" algn="l" defTabSz="914400" rtl="0" eaLnBrk="1" fontAlgn="auto" latinLnBrk="0" hangingPunct="1">
+              <a:lnSpc>
+                <a:spcPct val="100000"/>
+              </a:lnSpc>
+              <a:spcBef>
+                <a:spcPts val="0"/>
+              </a:spcBef>
+              <a:spcAft>
+                <a:spcPts val="0"/>
+              </a:spcAft>
+              <a:buClrTx/>
+              <a:buSzTx/>
+              <a:buFont typeface="Arial" panose="020B0604020202020204" pitchFamily="34" charset="0"/>
+              <a:buNone/>
+              <a:tabLst/>
+              <a:defRPr/>
+            </a:pPr>
+            <a:r>
+              <a:rPr lang="ru-RU" baseline="0" dirty="0"/>
+              <a:t>В </a:t>
+            </a:r>
+            <a:r>
+              <a:rPr lang="en-US" baseline="0" dirty="0" err="1"/>
+              <a:t>TestaCase</a:t>
+            </a:r>
+            <a:r>
+              <a:rPr lang="en-US" baseline="0" dirty="0"/>
+              <a:t> </a:t>
+            </a:r>
+            <a:r>
+              <a:rPr lang="ru-RU" baseline="0" dirty="0"/>
+              <a:t>в качестве параметров можно указать</a:t>
+            </a:r>
+            <a:r>
+              <a:rPr lang="en-US" baseline="0" dirty="0"/>
+              <a:t> </a:t>
+            </a:r>
+            <a:r>
+              <a:rPr lang="ru-RU" baseline="0" dirty="0"/>
+              <a:t>только типы, поддерживаемые </a:t>
+            </a:r>
+            <a:r>
+              <a:rPr lang="en-US" baseline="0" dirty="0"/>
+              <a:t>CLR:</a:t>
+            </a:r>
+          </a:p>
+          <a:p>
+            <a:pPr marL="171450" marR="0" lvl="0" indent="-171450" algn="l" defTabSz="914400" rtl="0" eaLnBrk="1" fontAlgn="auto" latinLnBrk="0" hangingPunct="1">
+              <a:lnSpc>
+                <a:spcPct val="100000"/>
+              </a:lnSpc>
+              <a:spcBef>
+                <a:spcPts val="0"/>
+              </a:spcBef>
+              <a:spcAft>
+                <a:spcPts val="0"/>
+              </a:spcAft>
+              <a:buClrTx/>
+              <a:buSzTx/>
+              <a:buFontTx/>
+              <a:buChar char="-"/>
+              <a:tabLst/>
+              <a:defRPr/>
+            </a:pPr>
+            <a:r>
+              <a:rPr lang="ru-RU" baseline="0" dirty="0"/>
+              <a:t>константы,</a:t>
+            </a:r>
+          </a:p>
+          <a:p>
+            <a:pPr marL="171450" marR="0" lvl="0" indent="-171450" algn="l" defTabSz="914400" rtl="0" eaLnBrk="1" fontAlgn="auto" latinLnBrk="0" hangingPunct="1">
+              <a:lnSpc>
+                <a:spcPct val="100000"/>
+              </a:lnSpc>
+              <a:spcBef>
+                <a:spcPts val="0"/>
+              </a:spcBef>
+              <a:spcAft>
+                <a:spcPts val="0"/>
+              </a:spcAft>
+              <a:buClrTx/>
+              <a:buSzTx/>
+              <a:buFontTx/>
+              <a:buChar char="-"/>
+              <a:tabLst/>
+              <a:defRPr/>
+            </a:pPr>
+            <a:r>
+              <a:rPr lang="ru-RU" dirty="0"/>
+              <a:t>системные</a:t>
+            </a:r>
+            <a:r>
+              <a:rPr lang="ru-RU" baseline="0" dirty="0"/>
+              <a:t> типы,</a:t>
+            </a:r>
+          </a:p>
+          <a:p>
+            <a:pPr marL="171450" marR="0" lvl="0" indent="-171450" algn="l" defTabSz="914400" rtl="0" eaLnBrk="1" fontAlgn="auto" latinLnBrk="0" hangingPunct="1">
+              <a:lnSpc>
+                <a:spcPct val="100000"/>
+              </a:lnSpc>
+              <a:spcBef>
+                <a:spcPts val="0"/>
+              </a:spcBef>
+              <a:spcAft>
+                <a:spcPts val="0"/>
+              </a:spcAft>
+              <a:buClrTx/>
+              <a:buSzTx/>
+              <a:buFontTx/>
+              <a:buChar char="-"/>
+              <a:tabLst/>
+              <a:defRPr/>
+            </a:pPr>
+            <a:r>
+              <a:rPr lang="ru-RU" baseline="0" dirty="0"/>
+              <a:t>одноразмерный массив, содержащий константы и системные типы</a:t>
+            </a:r>
+            <a:endParaRPr lang="en-US" dirty="0"/>
+          </a:p>
+          <a:p>
+            <a:pPr marL="0" marR="0" lvl="0" indent="0" algn="l" defTabSz="914400" rtl="0" eaLnBrk="1" fontAlgn="auto" latinLnBrk="0" hangingPunct="1">
+              <a:lnSpc>
+                <a:spcPct val="100000"/>
+              </a:lnSpc>
+              <a:spcBef>
+                <a:spcPts val="0"/>
+              </a:spcBef>
+              <a:spcAft>
+                <a:spcPts val="0"/>
+              </a:spcAft>
+              <a:buClrTx/>
+              <a:buSzTx/>
+              <a:buFont typeface="Arial" panose="020B0604020202020204" pitchFamily="34" charset="0"/>
+              <a:buNone/>
+              <a:tabLst/>
+              <a:defRPr/>
+            </a:pPr>
             <a:endParaRPr lang="ru-RU" baseline="0" dirty="0"/>
-          </a:p>
-          <a:p>
-            <a:r>
-              <a:rPr lang="ru-RU" baseline="0" dirty="0"/>
-              <a:t>Если перепутать местами </a:t>
-            </a:r>
-            <a:r>
-              <a:rPr lang="en-US" baseline="0" dirty="0"/>
-              <a:t>actual </a:t>
-            </a:r>
-            <a:r>
-              <a:rPr lang="ru-RU" baseline="0" dirty="0"/>
-              <a:t>и </a:t>
-            </a:r>
-            <a:r>
-              <a:rPr lang="en-US" baseline="0" dirty="0"/>
-              <a:t>expected, </a:t>
-            </a:r>
-            <a:r>
-              <a:rPr lang="ru-RU" baseline="0" dirty="0"/>
-              <a:t>то при срабатывании теста </a:t>
-            </a:r>
-            <a:r>
-              <a:rPr lang="en-US" baseline="0" dirty="0"/>
-              <a:t>output </a:t>
-            </a:r>
-            <a:r>
-              <a:rPr lang="ru-RU" baseline="0" dirty="0"/>
-              <a:t>будет не ясен.</a:t>
-            </a:r>
-          </a:p>
-          <a:p>
-            <a:r>
-              <a:rPr lang="ru-RU" baseline="0" dirty="0"/>
-              <a:t>«</a:t>
-            </a:r>
-            <a:r>
-              <a:rPr lang="ru-RU" baseline="0" dirty="0" err="1"/>
-              <a:t>эээээ</a:t>
-            </a:r>
-            <a:r>
-              <a:rPr lang="ru-RU" baseline="0" dirty="0"/>
-              <a:t>…Я же так и написал, чего он ругается?»</a:t>
-            </a:r>
           </a:p>
         </p:txBody>
       </p:sp>
@@ -8826,7 +8929,7 @@
     </p:spTree>
     <p:extLst>
       <p:ext uri="{BB962C8B-B14F-4D97-AF65-F5344CB8AC3E}">
-        <p14:creationId xmlns:p14="http://schemas.microsoft.com/office/powerpoint/2010/main" val="2355226439"/>
+        <p14:creationId xmlns:p14="http://schemas.microsoft.com/office/powerpoint/2010/main" val="3407484980"/>
       </p:ext>
     </p:extLst>
   </p:cSld>
@@ -8881,92 +8984,74 @@
           <a:lstStyle/>
           <a:p>
             <a:r>
-              <a:rPr lang="en-US" dirty="0"/>
-              <a:t>Options</a:t>
+              <a:rPr lang="ru-RU" dirty="0"/>
+              <a:t>Неочевидный</a:t>
+            </a:r>
+            <a:r>
+              <a:rPr lang="ru-RU" baseline="0" dirty="0"/>
+              <a:t> синтаксис у </a:t>
             </a:r>
             <a:r>
               <a:rPr lang="en-US" baseline="0" dirty="0"/>
-              <a:t> </a:t>
+              <a:t>Assert</a:t>
             </a:r>
             <a:r>
               <a:rPr lang="ru-RU" baseline="0" dirty="0"/>
-              <a:t>лучше читается, но можно и просто </a:t>
+              <a:t>.</a:t>
+            </a:r>
+          </a:p>
+          <a:p>
+            <a:r>
+              <a:rPr lang="ru-RU" baseline="0" dirty="0"/>
+              <a:t>Что должно быть сначала, а что в конце?</a:t>
+            </a:r>
+          </a:p>
+          <a:p>
+            <a:endParaRPr lang="ru-RU" baseline="0" dirty="0"/>
+          </a:p>
+          <a:p>
+            <a:r>
+              <a:rPr lang="ru-RU" baseline="0" dirty="0"/>
+              <a:t>Если перепутать местами </a:t>
             </a:r>
             <a:r>
               <a:rPr lang="en-US" baseline="0" dirty="0"/>
-              <a:t>o =&gt; o….</a:t>
-            </a:r>
-          </a:p>
-          <a:p>
-            <a:endParaRPr lang="en-US" baseline="0" dirty="0"/>
-          </a:p>
-          <a:p>
-            <a:r>
-              <a:rPr lang="en-US" baseline="0" dirty="0" err="1"/>
-              <a:t>currentSyntax</a:t>
+              <a:t>actual </a:t>
+            </a:r>
+            <a:r>
+              <a:rPr lang="ru-RU" baseline="0" dirty="0"/>
+              <a:t>и </a:t>
             </a:r>
             <a:r>
               <a:rPr lang="en-US" baseline="0" dirty="0"/>
-              <a:t> =&gt; </a:t>
-            </a:r>
-          </a:p>
-          <a:p>
-            <a:endParaRPr lang="en-US" baseline="0" dirty="0"/>
-          </a:p>
-          <a:p>
-            <a:pPr marL="171450" indent="-171450">
-              <a:buFont typeface="Arial" panose="020B0604020202020204" pitchFamily="34" charset="0"/>
-              <a:buChar char="•"/>
-            </a:pPr>
-            <a:r>
-              <a:rPr lang="en-US" dirty="0"/>
-              <a:t>new[] {1,2,3}.</a:t>
-            </a:r>
-            <a:r>
-              <a:rPr lang="en-US" dirty="0" err="1"/>
-              <a:t>ShouldBeEquivalentTo</a:t>
-            </a:r>
-            <a:r>
-              <a:rPr lang="en-US" dirty="0"/>
-              <a:t>(new [] {3,2,1});</a:t>
-            </a:r>
-          </a:p>
-          <a:p>
-            <a:pPr marL="171450" indent="-171450">
-              <a:buFont typeface="Arial" panose="020B0604020202020204" pitchFamily="34" charset="0"/>
-              <a:buChar char="•"/>
-            </a:pPr>
-            <a:r>
-              <a:rPr lang="en-US" dirty="0"/>
-              <a:t>new[] {1,2,3}.</a:t>
-            </a:r>
-            <a:r>
-              <a:rPr lang="en-US" dirty="0" err="1"/>
-              <a:t>ShouldAllBeEquivalentTo</a:t>
-            </a:r>
-            <a:r>
-              <a:rPr lang="en-US" dirty="0"/>
-              <a:t>(new [] {1,2,3}, options =&gt; options</a:t>
-            </a:r>
-          </a:p>
-          <a:p>
-            <a:pPr marL="457200" lvl="1" indent="0">
-              <a:buFont typeface="Arial" panose="020B0604020202020204" pitchFamily="34" charset="0"/>
-              <a:buNone/>
-            </a:pPr>
-            <a:r>
-              <a:rPr lang="en-US" dirty="0"/>
-              <a:t>.</a:t>
-            </a:r>
-            <a:r>
-              <a:rPr lang="en-US" dirty="0" err="1"/>
-              <a:t>WithStrictOrdering</a:t>
-            </a:r>
-            <a:r>
-              <a:rPr lang="en-US" dirty="0"/>
-              <a:t>());</a:t>
-            </a:r>
-            <a:endParaRPr lang="ru-RU" baseline="0" dirty="0"/>
+              <a:t>expected, </a:t>
+            </a:r>
+            <a:r>
+              <a:rPr lang="ru-RU" baseline="0" dirty="0"/>
+              <a:t>то при срабатывании теста </a:t>
+            </a:r>
+            <a:r>
+              <a:rPr lang="en-US" baseline="0" dirty="0"/>
+              <a:t>output </a:t>
+            </a:r>
+            <a:r>
+              <a:rPr lang="ru-RU" baseline="0" dirty="0"/>
+              <a:t>будет не ясен.</a:t>
+            </a:r>
+          </a:p>
+          <a:p>
+            <a:r>
+              <a:rPr lang="ru-RU" baseline="0" dirty="0"/>
+              <a:t>«</a:t>
+            </a:r>
+            <a:r>
+              <a:rPr lang="ru-RU" baseline="0" dirty="0" err="1"/>
+              <a:t>эээээ</a:t>
+            </a:r>
+            <a:r>
+              <a:rPr lang="ru-RU" baseline="0" dirty="0"/>
+              <a:t>…Я же так и написал, чего он ругается?»</a:t>
+            </a:r>
           </a:p>
         </p:txBody>
       </p:sp>
@@ -8987,7 +9072,7 @@
           <a:p>
             <a:fld id="{3BAECB10-9972-4830-A584-02C41DAFD45B}" type="slidenum">
               <a:rPr lang="ru-RU" smtClean="0"/>
-              <a:t>21</a:t>
+              <a:t>22</a:t>
             </a:fld>
             <a:endParaRPr lang="ru-RU"/>
           </a:p>
@@ -8996,7 +9081,7 @@
     </p:spTree>
     <p:extLst>
       <p:ext uri="{BB962C8B-B14F-4D97-AF65-F5344CB8AC3E}">
-        <p14:creationId xmlns:p14="http://schemas.microsoft.com/office/powerpoint/2010/main" val="308928937"/>
+        <p14:creationId xmlns:p14="http://schemas.microsoft.com/office/powerpoint/2010/main" val="2355226439"/>
       </p:ext>
     </p:extLst>
   </p:cSld>
@@ -9051,18 +9136,92 @@
           <a:lstStyle/>
           <a:p>
             <a:r>
-              <a:rPr lang="ru-RU" dirty="0"/>
-              <a:t>Можем ожидать исключения только от функции.</a:t>
-            </a:r>
-          </a:p>
-          <a:p>
-            <a:r>
-              <a:rPr lang="ru-RU" dirty="0"/>
-              <a:t>Проверяющая система ее вызовет сама, поймает исключение и возможно кинет свое.</a:t>
-            </a:r>
-          </a:p>
-          <a:p>
-            <a:endParaRPr lang="en-US" dirty="0"/>
+              <a:rPr lang="en-US" dirty="0"/>
+              <a:t>Options</a:t>
+            </a:r>
+            <a:r>
+              <a:rPr lang="en-US" baseline="0" dirty="0"/>
+              <a:t> </a:t>
+            </a:r>
+            <a:r>
+              <a:rPr lang="ru-RU" baseline="0" dirty="0"/>
+              <a:t>лучше читается, но можно и просто </a:t>
+            </a:r>
+            <a:r>
+              <a:rPr lang="en-US" baseline="0" dirty="0"/>
+              <a:t>o =&gt; o….</a:t>
+            </a:r>
+          </a:p>
+          <a:p>
+            <a:endParaRPr lang="en-US" baseline="0" dirty="0"/>
+          </a:p>
+          <a:p>
+            <a:r>
+              <a:rPr lang="en-US" baseline="0" dirty="0" err="1"/>
+              <a:t>currentSyntax</a:t>
+            </a:r>
+            <a:r>
+              <a:rPr lang="en-US" baseline="0" dirty="0"/>
+              <a:t> =&gt; </a:t>
+            </a:r>
+          </a:p>
+          <a:p>
+            <a:endParaRPr lang="en-US" baseline="0" dirty="0"/>
+          </a:p>
+          <a:p>
+            <a:pPr marL="171450" indent="-171450">
+              <a:buFont typeface="Arial" panose="020B0604020202020204" pitchFamily="34" charset="0"/>
+              <a:buChar char="•"/>
+            </a:pPr>
+            <a:r>
+              <a:rPr lang="en-US" dirty="0"/>
+              <a:t>new[] {1,2,3}.</a:t>
+            </a:r>
+            <a:r>
+              <a:rPr lang="en-US" dirty="0" err="1"/>
+              <a:t>ShouldBeEquivalentTo</a:t>
+            </a:r>
+            <a:r>
+              <a:rPr lang="en-US" dirty="0"/>
+              <a:t>(new [] {3,2,1});</a:t>
+            </a:r>
+          </a:p>
+          <a:p>
+            <a:pPr marL="171450" indent="-171450">
+              <a:buFont typeface="Arial" panose="020B0604020202020204" pitchFamily="34" charset="0"/>
+              <a:buChar char="•"/>
+            </a:pPr>
+            <a:r>
+              <a:rPr lang="en-US" dirty="0"/>
+              <a:t>new[] {1,2,3}.</a:t>
+            </a:r>
+            <a:r>
+              <a:rPr lang="en-US" dirty="0" err="1"/>
+              <a:t>ShouldAllBeEquivalentTo</a:t>
+            </a:r>
+            <a:r>
+              <a:rPr lang="en-US" dirty="0"/>
+              <a:t>(new [] {1,2,3}, options =&gt; options</a:t>
+            </a:r>
+          </a:p>
+          <a:p>
+            <a:pPr marL="457200" lvl="1" indent="0">
+              <a:buFont typeface="Arial" panose="020B0604020202020204" pitchFamily="34" charset="0"/>
+              <a:buNone/>
+            </a:pPr>
+            <a:r>
+              <a:rPr lang="en-US" dirty="0"/>
+              <a:t>.</a:t>
+            </a:r>
+            <a:r>
+              <a:rPr lang="en-US" dirty="0" err="1"/>
+              <a:t>WithStrictOrdering</a:t>
+            </a:r>
+            <a:r>
+              <a:rPr lang="en-US" dirty="0"/>
+              <a:t>());</a:t>
+            </a:r>
+            <a:endParaRPr lang="ru-RU" baseline="0" dirty="0"/>
           </a:p>
         </p:txBody>
       </p:sp>
@@ -9092,7 +9251,7 @@
     </p:spTree>
     <p:extLst>
       <p:ext uri="{BB962C8B-B14F-4D97-AF65-F5344CB8AC3E}">
-        <p14:creationId xmlns:p14="http://schemas.microsoft.com/office/powerpoint/2010/main" val="3609417355"/>
+        <p14:creationId xmlns:p14="http://schemas.microsoft.com/office/powerpoint/2010/main" val="308928937"/>
       </p:ext>
     </p:extLst>
   </p:cSld>
@@ -9146,128 +9305,19 @@
           <a:bodyPr/>
           <a:lstStyle/>
           <a:p>
-            <a:pPr marL="0" marR="0" lvl="0" indent="0" algn="l" defTabSz="914400" rtl="0" eaLnBrk="1" fontAlgn="auto" latinLnBrk="0" hangingPunct="1">
-              <a:lnSpc>
-                <a:spcPct val="100000"/>
-              </a:lnSpc>
-              <a:spcBef>
-                <a:spcPts val="0"/>
-              </a:spcBef>
-              <a:spcAft>
-                <a:spcPts val="0"/>
-              </a:spcAft>
-              <a:buClrTx/>
-              <a:buSzTx/>
-              <a:buFontTx/>
-              <a:buNone/>
-              <a:tabLst/>
-              <a:defRPr/>
-            </a:pPr>
-            <a:r>
-              <a:rPr lang="en-US" dirty="0" err="1"/>
-              <a:t>NUnit</a:t>
-            </a:r>
-            <a:r>
-              <a:rPr lang="ru-RU" baseline="0" dirty="0"/>
-              <a:t> умеет много всего интересного. Просмотрите хотя бы один раз его документацию на </a:t>
-            </a:r>
-            <a:r>
-              <a:rPr lang="en-US" baseline="0" dirty="0"/>
-              <a:t>nunit.org</a:t>
-            </a:r>
-            <a:r>
-              <a:rPr lang="ru-RU" baseline="0" dirty="0"/>
-              <a:t>.</a:t>
-            </a:r>
-            <a:r>
-              <a:rPr lang="en-US" baseline="0" dirty="0"/>
-              <a:t> </a:t>
-            </a:r>
-            <a:r>
-              <a:rPr lang="ru-RU" baseline="0" dirty="0"/>
-              <a:t>Вот пример того, что можно там найти.</a:t>
-            </a:r>
-            <a:endParaRPr lang="ru-RU" dirty="0"/>
-          </a:p>
-          <a:p>
-            <a:endParaRPr lang="ru-RU" dirty="0"/>
-          </a:p>
-          <a:p>
-            <a:r>
-              <a:rPr lang="en-US" dirty="0"/>
-              <a:t>[Timeout]</a:t>
-            </a:r>
-            <a:endParaRPr lang="ru-RU" dirty="0"/>
-          </a:p>
-          <a:p>
             <a:r>
               <a:rPr lang="ru-RU" dirty="0"/>
-              <a:t>- : Достаточно</a:t>
-            </a:r>
-            <a:r>
-              <a:rPr lang="ru-RU" baseline="0" dirty="0"/>
-              <a:t> грубая проверка производительности. Полноценная проверка производительности – это большая отдельная тема.</a:t>
-            </a:r>
-          </a:p>
-          <a:p>
-            <a:r>
-              <a:rPr lang="ru-RU" baseline="0" dirty="0"/>
-              <a:t>+ : Помогает обнаружить изъяны в реализации.</a:t>
-            </a:r>
-          </a:p>
-          <a:p>
-            <a:endParaRPr lang="ru-RU" baseline="0" dirty="0"/>
-          </a:p>
-          <a:p>
-            <a:r>
-              <a:rPr lang="ru-RU" baseline="0" dirty="0"/>
-              <a:t>Как пользоваться </a:t>
-            </a:r>
-            <a:r>
-              <a:rPr lang="en-US" baseline="0" dirty="0"/>
-              <a:t>Timeout’</a:t>
-            </a:r>
-            <a:r>
-              <a:rPr lang="ru-RU" baseline="0" dirty="0"/>
-              <a:t>ом? Какое значение в </a:t>
-            </a:r>
-            <a:r>
-              <a:rPr lang="ru-RU" baseline="0" dirty="0" err="1"/>
-              <a:t>мс</a:t>
-            </a:r>
-            <a:r>
-              <a:rPr lang="ru-RU" baseline="0" dirty="0"/>
-              <a:t> адекватное?</a:t>
-            </a:r>
-          </a:p>
-          <a:p>
-            <a:r>
-              <a:rPr lang="ru-RU" baseline="0" dirty="0"/>
-              <a:t>Что он должен ловить?</a:t>
-            </a:r>
-          </a:p>
-          <a:p>
-            <a:r>
-              <a:rPr lang="en-US" baseline="0" dirty="0"/>
-              <a:t>O(n)</a:t>
-            </a:r>
-          </a:p>
-          <a:p>
-            <a:r>
-              <a:rPr lang="en-US" baseline="0" dirty="0"/>
-              <a:t>O(n^2)</a:t>
-            </a:r>
-            <a:r>
-              <a:rPr lang="ru-RU" baseline="0" dirty="0"/>
-              <a:t> и прочее.</a:t>
-            </a:r>
-            <a:endParaRPr lang="en-US" baseline="0" dirty="0"/>
-          </a:p>
-          <a:p>
-            <a:endParaRPr lang="ru-RU" baseline="0" dirty="0"/>
-          </a:p>
-          <a:p>
-            <a:endParaRPr lang="ru-RU" dirty="0"/>
+              <a:t>Можем ожидать исключения только от функции.</a:t>
+            </a:r>
+          </a:p>
+          <a:p>
+            <a:r>
+              <a:rPr lang="ru-RU" dirty="0"/>
+              <a:t>Проверяющая система ее вызовет сама, поймает исключение и возможно кинет свое.</a:t>
+            </a:r>
+          </a:p>
+          <a:p>
+            <a:endParaRPr lang="en-US" dirty="0"/>
           </a:p>
         </p:txBody>
       </p:sp>
@@ -9288,7 +9338,7 @@
           <a:p>
             <a:fld id="{3BAECB10-9972-4830-A584-02C41DAFD45B}" type="slidenum">
               <a:rPr lang="ru-RU" smtClean="0"/>
-              <a:t>24</a:t>
+              <a:t>25</a:t>
             </a:fld>
             <a:endParaRPr lang="ru-RU"/>
           </a:p>
@@ -9297,7 +9347,7 @@
     </p:spTree>
     <p:extLst>
       <p:ext uri="{BB962C8B-B14F-4D97-AF65-F5344CB8AC3E}">
-        <p14:creationId xmlns:p14="http://schemas.microsoft.com/office/powerpoint/2010/main" val="2929866659"/>
+        <p14:creationId xmlns:p14="http://schemas.microsoft.com/office/powerpoint/2010/main" val="3609417355"/>
       </p:ext>
     </p:extLst>
   </p:cSld>
@@ -9351,34 +9401,128 @@
           <a:bodyPr/>
           <a:lstStyle/>
           <a:p>
-            <a:r>
-              <a:rPr lang="ru-RU" dirty="0"/>
-              <a:t>Мартовский</a:t>
+            <a:pPr marL="0" marR="0" lvl="0" indent="0" algn="l" defTabSz="914400" rtl="0" eaLnBrk="1" fontAlgn="auto" latinLnBrk="0" hangingPunct="1">
+              <a:lnSpc>
+                <a:spcPct val="100000"/>
+              </a:lnSpc>
+              <a:spcBef>
+                <a:spcPts val="0"/>
+              </a:spcBef>
+              <a:spcAft>
+                <a:spcPts val="0"/>
+              </a:spcAft>
+              <a:buClrTx/>
+              <a:buSzTx/>
+              <a:buFontTx/>
+              <a:buNone/>
+              <a:tabLst/>
+              <a:defRPr/>
+            </a:pPr>
+            <a:r>
+              <a:rPr lang="en-US" dirty="0" err="1"/>
+              <a:t>NUnit</a:t>
             </a:r>
             <a:r>
               <a:rPr lang="ru-RU" baseline="0" dirty="0"/>
-              <a:t> кролик написал кучу реализаций, но не успел написать тесты…</a:t>
-            </a:r>
-          </a:p>
-          <a:p>
-            <a:r>
-              <a:rPr lang="ru-RU" baseline="0" dirty="0"/>
-              <a:t>Итак, на первую часть даётся час, потому полчаса на </a:t>
+              <a:t> умеет много всего интересного. Просмотрите хотя бы один раз его документацию на </a:t>
             </a:r>
             <a:r>
               <a:rPr lang="en-US" baseline="0" dirty="0"/>
-              <a:t>do not open</a:t>
+              <a:t>nunit.org</a:t>
             </a:r>
             <a:r>
               <a:rPr lang="ru-RU" baseline="0" dirty="0"/>
               <a:t>.</a:t>
             </a:r>
-          </a:p>
-          <a:p>
+            <a:r>
+              <a:rPr lang="en-US" baseline="0" dirty="0"/>
+              <a:t> </a:t>
+            </a:r>
             <a:r>
               <a:rPr lang="ru-RU" baseline="0" dirty="0"/>
-              <a:t>И ещё полчаса на разбор и решение.</a:t>
-            </a:r>
+              <a:t>Вот пример того, что можно там найти.</a:t>
+            </a:r>
+            <a:endParaRPr lang="ru-RU" dirty="0"/>
+          </a:p>
+          <a:p>
+            <a:endParaRPr lang="ru-RU" dirty="0"/>
+          </a:p>
+          <a:p>
+            <a:r>
+              <a:rPr lang="en-US" dirty="0"/>
+              <a:t>[Timeout]</a:t>
+            </a:r>
+            <a:endParaRPr lang="ru-RU" dirty="0"/>
+          </a:p>
+          <a:p>
+            <a:r>
+              <a:rPr lang="ru-RU" dirty="0"/>
+              <a:t>- : Достаточно</a:t>
+            </a:r>
+            <a:r>
+              <a:rPr lang="ru-RU" baseline="0" dirty="0"/>
+              <a:t> грубая проверка производительности. Полноценная проверка производительности – это большая отдельная тема.</a:t>
+            </a:r>
+          </a:p>
+          <a:p>
+            <a:r>
+              <a:rPr lang="ru-RU" baseline="0" dirty="0"/>
+              <a:t>+ : Помогает обнаружить изъяны в реализации.</a:t>
+            </a:r>
+          </a:p>
+          <a:p>
+            <a:endParaRPr lang="ru-RU" baseline="0" dirty="0"/>
+          </a:p>
+          <a:p>
+            <a:r>
+              <a:rPr lang="ru-RU" baseline="0" dirty="0"/>
+              <a:t>Как пользоваться </a:t>
+            </a:r>
+            <a:r>
+              <a:rPr lang="en-US" baseline="0" dirty="0"/>
+              <a:t>Timeout’</a:t>
+            </a:r>
+            <a:r>
+              <a:rPr lang="ru-RU" baseline="0" dirty="0"/>
+              <a:t>ом? Какое значение в </a:t>
+            </a:r>
+            <a:r>
+              <a:rPr lang="ru-RU" baseline="0" dirty="0" err="1"/>
+              <a:t>мс</a:t>
+            </a:r>
+            <a:r>
+              <a:rPr lang="ru-RU" baseline="0" dirty="0"/>
+              <a:t> адекватное?</a:t>
+            </a:r>
+          </a:p>
+          <a:p>
+            <a:r>
+              <a:rPr lang="ru-RU" baseline="0" dirty="0"/>
+              <a:t>Что он должен ловить?</a:t>
+            </a:r>
+          </a:p>
+          <a:p>
+            <a:r>
+              <a:rPr lang="en-US" baseline="0" dirty="0"/>
+              <a:t>O(n)</a:t>
+            </a:r>
+          </a:p>
+          <a:p>
+            <a:r>
+              <a:rPr lang="en-US" baseline="0" dirty="0"/>
+              <a:t>O(n^2)</a:t>
+            </a:r>
+            <a:r>
+              <a:rPr lang="ru-RU" baseline="0" dirty="0"/>
+              <a:t> и прочее.</a:t>
+            </a:r>
+            <a:endParaRPr lang="en-US" baseline="0" dirty="0"/>
+          </a:p>
+          <a:p>
+            <a:endParaRPr lang="ru-RU" baseline="0" dirty="0"/>
+          </a:p>
+          <a:p>
+            <a:endParaRPr lang="ru-RU" dirty="0"/>
           </a:p>
         </p:txBody>
       </p:sp>
@@ -9399,7 +9543,7 @@
           <a:p>
             <a:fld id="{3BAECB10-9972-4830-A584-02C41DAFD45B}" type="slidenum">
               <a:rPr lang="ru-RU" smtClean="0"/>
-              <a:t>28</a:t>
+              <a:t>26</a:t>
             </a:fld>
             <a:endParaRPr lang="ru-RU"/>
           </a:p>
@@ -9408,7 +9552,7 @@
     </p:spTree>
     <p:extLst>
       <p:ext uri="{BB962C8B-B14F-4D97-AF65-F5344CB8AC3E}">
-        <p14:creationId xmlns:p14="http://schemas.microsoft.com/office/powerpoint/2010/main" val="2782064311"/>
+        <p14:creationId xmlns:p14="http://schemas.microsoft.com/office/powerpoint/2010/main" val="2929866659"/>
       </p:ext>
     </p:extLst>
   </p:cSld>
@@ -9462,7 +9606,34 @@
           <a:bodyPr/>
           <a:lstStyle/>
           <a:p>
-            <a:endParaRPr lang="ru-RU" dirty="0"/>
+            <a:r>
+              <a:rPr lang="ru-RU" dirty="0"/>
+              <a:t>Мартовский</a:t>
+            </a:r>
+            <a:r>
+              <a:rPr lang="ru-RU" baseline="0" dirty="0"/>
+              <a:t> кролик написал кучу реализаций, но не успел написать тесты…</a:t>
+            </a:r>
+          </a:p>
+          <a:p>
+            <a:r>
+              <a:rPr lang="ru-RU" baseline="0" dirty="0"/>
+              <a:t>Итак, на первую часть даётся час, потому полчаса на </a:t>
+            </a:r>
+            <a:r>
+              <a:rPr lang="en-US" baseline="0" dirty="0"/>
+              <a:t>do not open</a:t>
+            </a:r>
+            <a:r>
+              <a:rPr lang="ru-RU" baseline="0" dirty="0"/>
+              <a:t>.</a:t>
+            </a:r>
+          </a:p>
+          <a:p>
+            <a:r>
+              <a:rPr lang="ru-RU" baseline="0" dirty="0"/>
+              <a:t>И ещё полчаса на разбор и решение.</a:t>
+            </a:r>
           </a:p>
         </p:txBody>
       </p:sp>
@@ -9483,7 +9654,7 @@
           <a:p>
             <a:fld id="{3BAECB10-9972-4830-A584-02C41DAFD45B}" type="slidenum">
               <a:rPr lang="ru-RU" smtClean="0"/>
-              <a:t>29</a:t>
+              <a:t>30</a:t>
             </a:fld>
             <a:endParaRPr lang="ru-RU"/>
           </a:p>
@@ -9492,7 +9663,7 @@
     </p:spTree>
     <p:extLst>
       <p:ext uri="{BB962C8B-B14F-4D97-AF65-F5344CB8AC3E}">
-        <p14:creationId xmlns:p14="http://schemas.microsoft.com/office/powerpoint/2010/main" val="3454826708"/>
+        <p14:creationId xmlns:p14="http://schemas.microsoft.com/office/powerpoint/2010/main" val="2782064311"/>
       </p:ext>
     </p:extLst>
   </p:cSld>
@@ -9633,1363 +9804,7 @@
           <a:bodyPr/>
           <a:lstStyle/>
           <a:p>
-            <a:r>
-              <a:rPr lang="ru-RU" dirty="0"/>
-              <a:t>1. По явно</a:t>
-            </a:r>
-            <a:r>
-              <a:rPr lang="ru-RU" baseline="0" dirty="0"/>
-              <a:t> написанным требованиям легко писать тесты. Другими словами, что самое простое – это взять спеку и по ней написать тесты, либо взять проверенный рабочий код и по нему написать тесты.</a:t>
-            </a:r>
-          </a:p>
-          <a:p>
-            <a:r>
-              <a:rPr lang="ru-RU" baseline="0" dirty="0"/>
-              <a:t>2. Е3: 10 пробелов и символ. Что должно произойти? Не всегда очевидно, как взаимодействуют отдельные требования.</a:t>
-            </a:r>
-          </a:p>
-          <a:p>
-            <a:r>
-              <a:rPr lang="ru-RU" dirty="0"/>
-              <a:t>3. 998, 999 -</a:t>
-            </a:r>
-            <a:r>
-              <a:rPr lang="en-US" dirty="0"/>
-              <a:t>&gt;</a:t>
-            </a:r>
-            <a:r>
-              <a:rPr lang="en-US" baseline="0" dirty="0"/>
-              <a:t> </a:t>
-            </a:r>
-            <a:r>
-              <a:rPr lang="ru-RU" baseline="0" dirty="0"/>
-              <a:t>Вот где спасёт таймаут. Ну и код </a:t>
-            </a:r>
-            <a:r>
-              <a:rPr lang="ru-RU" baseline="0" dirty="0" err="1"/>
-              <a:t>ревью</a:t>
-            </a:r>
-            <a:r>
-              <a:rPr lang="ru-RU" baseline="0" dirty="0"/>
-              <a:t>. Опытный инженер сразу увидит дорогие операции для </a:t>
-            </a:r>
-            <a:r>
-              <a:rPr lang="en-US" baseline="0" dirty="0"/>
-              <a:t>List’</a:t>
-            </a:r>
-            <a:r>
-              <a:rPr lang="ru-RU" baseline="0" dirty="0"/>
-              <a:t>а.</a:t>
-            </a:r>
-          </a:p>
-          <a:p>
-            <a:r>
-              <a:rPr lang="ru-RU" baseline="0" dirty="0"/>
-              <a:t>Нужно создать цикл 10_000 повторений.</a:t>
-            </a:r>
-          </a:p>
-          <a:p>
-            <a:r>
-              <a:rPr lang="ru-RU" sz="1200" b="0" i="0" kern="1200" dirty="0">
-                <a:solidFill>
-                  <a:schemeClr val="tx1"/>
-                </a:solidFill>
-                <a:effectLst/>
-                <a:latin typeface="+mn-lt"/>
-                <a:ea typeface="+mn-ea"/>
-                <a:cs typeface="+mn-cs"/>
-              </a:rPr>
-              <a:t>4. </a:t>
-            </a:r>
-            <a:r>
-              <a:rPr lang="en-US" sz="1200" b="0" i="0" kern="1200" dirty="0" err="1">
-                <a:solidFill>
-                  <a:schemeClr val="tx1"/>
-                </a:solidFill>
-                <a:effectLst/>
-                <a:latin typeface="+mn-lt"/>
-                <a:ea typeface="+mn-ea"/>
-                <a:cs typeface="+mn-cs"/>
-              </a:rPr>
-              <a:t>string.</a:t>
-            </a:r>
-            <a:r>
-              <a:rPr lang="en-US" sz="1200" b="1" i="0" kern="1200" dirty="0" err="1">
-                <a:solidFill>
-                  <a:schemeClr val="tx1"/>
-                </a:solidFill>
-                <a:effectLst/>
-                <a:latin typeface="+mn-lt"/>
-                <a:ea typeface="+mn-ea"/>
-                <a:cs typeface="+mn-cs"/>
-              </a:rPr>
-              <a:t>IsNullOrEmpty</a:t>
-            </a:r>
-            <a:r>
-              <a:rPr lang="en-US" sz="1200" b="0" i="0" kern="1200" dirty="0">
-                <a:solidFill>
-                  <a:schemeClr val="tx1"/>
-                </a:solidFill>
-                <a:effectLst/>
-                <a:latin typeface="+mn-lt"/>
-                <a:ea typeface="+mn-ea"/>
-                <a:cs typeface="+mn-cs"/>
-              </a:rPr>
-              <a:t>(word)</a:t>
-            </a:r>
-            <a:r>
-              <a:rPr lang="ru-RU" sz="1200" b="0" i="0" kern="1200" dirty="0">
-                <a:solidFill>
-                  <a:schemeClr val="tx1"/>
-                </a:solidFill>
-                <a:effectLst/>
-                <a:latin typeface="+mn-lt"/>
-                <a:ea typeface="+mn-ea"/>
-                <a:cs typeface="+mn-cs"/>
-              </a:rPr>
-              <a:t>: при</a:t>
-            </a:r>
-            <a:r>
-              <a:rPr lang="ru-RU" sz="1200" b="0" i="0" kern="1200" baseline="0" dirty="0">
-                <a:solidFill>
-                  <a:schemeClr val="tx1"/>
-                </a:solidFill>
-                <a:effectLst/>
-                <a:latin typeface="+mn-lt"/>
-                <a:ea typeface="+mn-ea"/>
-                <a:cs typeface="+mn-cs"/>
-              </a:rPr>
-              <a:t> </a:t>
-            </a:r>
-            <a:r>
-              <a:rPr lang="ru-RU" sz="1200" b="0" i="0" kern="1200" baseline="0" dirty="0" err="1">
-                <a:solidFill>
-                  <a:schemeClr val="tx1"/>
-                </a:solidFill>
-                <a:effectLst/>
-                <a:latin typeface="+mn-lt"/>
-                <a:ea typeface="+mn-ea"/>
-                <a:cs typeface="+mn-cs"/>
-              </a:rPr>
-              <a:t>ревью</a:t>
-            </a:r>
-            <a:r>
-              <a:rPr lang="ru-RU" sz="1200" b="0" i="0" kern="1200" baseline="0" dirty="0">
-                <a:solidFill>
-                  <a:schemeClr val="tx1"/>
-                </a:solidFill>
-                <a:effectLst/>
-                <a:latin typeface="+mn-lt"/>
-                <a:ea typeface="+mn-ea"/>
-                <a:cs typeface="+mn-cs"/>
-              </a:rPr>
-              <a:t> возможно, что на это не обратят внимания. Потому что «</a:t>
-            </a:r>
-            <a:r>
-              <a:rPr lang="ru-RU" sz="1200" b="1" i="0" kern="1200" dirty="0">
-                <a:solidFill>
-                  <a:schemeClr val="tx1"/>
-                </a:solidFill>
-                <a:effectLst/>
-                <a:latin typeface="+mn-lt"/>
-                <a:ea typeface="+mn-ea"/>
-                <a:cs typeface="+mn-cs"/>
-              </a:rPr>
-              <a:t>По </a:t>
-            </a:r>
-            <a:r>
-              <a:rPr lang="ru-RU" sz="1200" b="1" i="0" kern="1200" dirty="0" err="1">
-                <a:solidFill>
-                  <a:schemeClr val="tx1"/>
-                </a:solidFill>
-                <a:effectLst/>
-                <a:latin typeface="+mn-lt"/>
-                <a:ea typeface="+mn-ea"/>
-                <a:cs typeface="+mn-cs"/>
-              </a:rPr>
-              <a:t>рзеузльаттам</a:t>
-            </a:r>
-            <a:r>
-              <a:rPr lang="ru-RU" sz="1200" b="1" i="0" kern="1200" dirty="0">
-                <a:solidFill>
-                  <a:schemeClr val="tx1"/>
-                </a:solidFill>
-                <a:effectLst/>
-                <a:latin typeface="+mn-lt"/>
-                <a:ea typeface="+mn-ea"/>
-                <a:cs typeface="+mn-cs"/>
-              </a:rPr>
-              <a:t> </a:t>
-            </a:r>
-            <a:r>
-              <a:rPr lang="ru-RU" sz="1200" b="1" i="0" kern="1200" dirty="0" err="1">
-                <a:solidFill>
-                  <a:schemeClr val="tx1"/>
-                </a:solidFill>
-                <a:effectLst/>
-                <a:latin typeface="+mn-lt"/>
-                <a:ea typeface="+mn-ea"/>
-                <a:cs typeface="+mn-cs"/>
-              </a:rPr>
-              <a:t>илссоевадний</a:t>
-            </a:r>
-            <a:r>
-              <a:rPr lang="ru-RU" sz="1200" b="1" i="0" kern="1200" dirty="0">
-                <a:solidFill>
-                  <a:schemeClr val="tx1"/>
-                </a:solidFill>
-                <a:effectLst/>
-                <a:latin typeface="+mn-lt"/>
-                <a:ea typeface="+mn-ea"/>
-                <a:cs typeface="+mn-cs"/>
-              </a:rPr>
-              <a:t> </a:t>
-            </a:r>
-            <a:r>
-              <a:rPr lang="ru-RU" sz="1200" b="1" i="0" kern="1200" dirty="0" err="1">
-                <a:solidFill>
-                  <a:schemeClr val="tx1"/>
-                </a:solidFill>
-                <a:effectLst/>
-                <a:latin typeface="+mn-lt"/>
-                <a:ea typeface="+mn-ea"/>
-                <a:cs typeface="+mn-cs"/>
-              </a:rPr>
-              <a:t>одонго</a:t>
-            </a:r>
-            <a:r>
-              <a:rPr lang="ru-RU" sz="1200" b="1" i="0" kern="1200" dirty="0">
-                <a:solidFill>
-                  <a:schemeClr val="tx1"/>
-                </a:solidFill>
-                <a:effectLst/>
-                <a:latin typeface="+mn-lt"/>
-                <a:ea typeface="+mn-ea"/>
-                <a:cs typeface="+mn-cs"/>
-              </a:rPr>
-              <a:t> </a:t>
-            </a:r>
-            <a:r>
-              <a:rPr lang="ru-RU" sz="1200" b="1" i="0" kern="1200" dirty="0" err="1">
-                <a:solidFill>
-                  <a:schemeClr val="tx1"/>
-                </a:solidFill>
-                <a:effectLst/>
-                <a:latin typeface="+mn-lt"/>
-                <a:ea typeface="+mn-ea"/>
-                <a:cs typeface="+mn-cs"/>
-              </a:rPr>
-              <a:t>анлигсйокго</a:t>
-            </a:r>
-            <a:r>
-              <a:rPr lang="ru-RU" sz="1200" b="1" i="0" kern="1200" dirty="0">
-                <a:solidFill>
-                  <a:schemeClr val="tx1"/>
-                </a:solidFill>
-                <a:effectLst/>
-                <a:latin typeface="+mn-lt"/>
-                <a:ea typeface="+mn-ea"/>
-                <a:cs typeface="+mn-cs"/>
-              </a:rPr>
-              <a:t> </a:t>
-            </a:r>
-            <a:r>
-              <a:rPr lang="ru-RU" sz="1200" b="1" i="0" kern="1200" dirty="0" err="1">
-                <a:solidFill>
-                  <a:schemeClr val="tx1"/>
-                </a:solidFill>
-                <a:effectLst/>
-                <a:latin typeface="+mn-lt"/>
-                <a:ea typeface="+mn-ea"/>
-                <a:cs typeface="+mn-cs"/>
-              </a:rPr>
-              <a:t>унвиертисета</a:t>
-            </a:r>
-            <a:r>
-              <a:rPr lang="ru-RU" sz="1200" b="1" i="0" kern="1200" dirty="0">
-                <a:solidFill>
-                  <a:schemeClr val="tx1"/>
-                </a:solidFill>
-                <a:effectLst/>
-                <a:latin typeface="+mn-lt"/>
-                <a:ea typeface="+mn-ea"/>
-                <a:cs typeface="+mn-cs"/>
-              </a:rPr>
-              <a:t>, не </a:t>
-            </a:r>
-            <a:r>
-              <a:rPr lang="ru-RU" sz="1200" b="1" i="0" kern="1200" dirty="0" err="1">
-                <a:solidFill>
-                  <a:schemeClr val="tx1"/>
-                </a:solidFill>
-                <a:effectLst/>
-                <a:latin typeface="+mn-lt"/>
-                <a:ea typeface="+mn-ea"/>
-                <a:cs typeface="+mn-cs"/>
-              </a:rPr>
-              <a:t>иеемт</a:t>
-            </a:r>
-            <a:r>
-              <a:rPr lang="ru-RU" sz="1200" b="1" i="0" kern="1200" dirty="0">
-                <a:solidFill>
-                  <a:schemeClr val="tx1"/>
-                </a:solidFill>
-                <a:effectLst/>
-                <a:latin typeface="+mn-lt"/>
-                <a:ea typeface="+mn-ea"/>
-                <a:cs typeface="+mn-cs"/>
-              </a:rPr>
-              <a:t> </a:t>
-            </a:r>
-            <a:r>
-              <a:rPr lang="ru-RU" sz="1200" b="1" i="0" kern="1200" dirty="0" err="1">
-                <a:solidFill>
-                  <a:schemeClr val="tx1"/>
-                </a:solidFill>
-                <a:effectLst/>
-                <a:latin typeface="+mn-lt"/>
-                <a:ea typeface="+mn-ea"/>
-                <a:cs typeface="+mn-cs"/>
-              </a:rPr>
-              <a:t>занчнеия</a:t>
-            </a:r>
-            <a:r>
-              <a:rPr lang="ru-RU" sz="1200" b="1" i="0" kern="1200" dirty="0">
-                <a:solidFill>
-                  <a:schemeClr val="tx1"/>
-                </a:solidFill>
-                <a:effectLst/>
-                <a:latin typeface="+mn-lt"/>
-                <a:ea typeface="+mn-ea"/>
-                <a:cs typeface="+mn-cs"/>
-              </a:rPr>
-              <a:t>, в </a:t>
-            </a:r>
-            <a:r>
-              <a:rPr lang="ru-RU" sz="1200" b="1" i="0" kern="1200" dirty="0" err="1">
-                <a:solidFill>
-                  <a:schemeClr val="tx1"/>
-                </a:solidFill>
-                <a:effectLst/>
-                <a:latin typeface="+mn-lt"/>
-                <a:ea typeface="+mn-ea"/>
-                <a:cs typeface="+mn-cs"/>
-              </a:rPr>
-              <a:t>каокм</a:t>
-            </a:r>
-            <a:r>
-              <a:rPr lang="ru-RU" sz="1200" b="1" i="0" kern="1200" dirty="0">
-                <a:solidFill>
-                  <a:schemeClr val="tx1"/>
-                </a:solidFill>
-                <a:effectLst/>
-                <a:latin typeface="+mn-lt"/>
-                <a:ea typeface="+mn-ea"/>
-                <a:cs typeface="+mn-cs"/>
-              </a:rPr>
-              <a:t> </a:t>
-            </a:r>
-            <a:r>
-              <a:rPr lang="ru-RU" sz="1200" b="1" i="0" kern="1200" dirty="0" err="1">
-                <a:solidFill>
-                  <a:schemeClr val="tx1"/>
-                </a:solidFill>
-                <a:effectLst/>
-                <a:latin typeface="+mn-lt"/>
-                <a:ea typeface="+mn-ea"/>
-                <a:cs typeface="+mn-cs"/>
-              </a:rPr>
-              <a:t>проякде</a:t>
-            </a:r>
-            <a:r>
-              <a:rPr lang="ru-RU" sz="1200" b="1" i="0" kern="1200" dirty="0">
-                <a:solidFill>
-                  <a:schemeClr val="tx1"/>
-                </a:solidFill>
-                <a:effectLst/>
-                <a:latin typeface="+mn-lt"/>
-                <a:ea typeface="+mn-ea"/>
-                <a:cs typeface="+mn-cs"/>
-              </a:rPr>
-              <a:t> </a:t>
-            </a:r>
-            <a:r>
-              <a:rPr lang="ru-RU" sz="1200" b="1" i="0" kern="1200" dirty="0" err="1">
-                <a:solidFill>
-                  <a:schemeClr val="tx1"/>
-                </a:solidFill>
-                <a:effectLst/>
-                <a:latin typeface="+mn-lt"/>
-                <a:ea typeface="+mn-ea"/>
-                <a:cs typeface="+mn-cs"/>
-              </a:rPr>
-              <a:t>рсапжоолены</a:t>
-            </a:r>
-            <a:r>
-              <a:rPr lang="ru-RU" sz="1200" b="1" i="0" kern="1200" dirty="0">
-                <a:solidFill>
-                  <a:schemeClr val="tx1"/>
-                </a:solidFill>
-                <a:effectLst/>
-                <a:latin typeface="+mn-lt"/>
-                <a:ea typeface="+mn-ea"/>
-                <a:cs typeface="+mn-cs"/>
-              </a:rPr>
-              <a:t> </a:t>
-            </a:r>
-            <a:r>
-              <a:rPr lang="ru-RU" sz="1200" b="1" i="0" kern="1200" dirty="0" err="1">
-                <a:solidFill>
-                  <a:schemeClr val="tx1"/>
-                </a:solidFill>
-                <a:effectLst/>
-                <a:latin typeface="+mn-lt"/>
-                <a:ea typeface="+mn-ea"/>
-                <a:cs typeface="+mn-cs"/>
-              </a:rPr>
-              <a:t>бкувы</a:t>
-            </a:r>
-            <a:r>
-              <a:rPr lang="ru-RU" sz="1200" b="1" i="0" kern="1200" dirty="0">
-                <a:solidFill>
-                  <a:schemeClr val="tx1"/>
-                </a:solidFill>
-                <a:effectLst/>
-                <a:latin typeface="+mn-lt"/>
-                <a:ea typeface="+mn-ea"/>
-                <a:cs typeface="+mn-cs"/>
-              </a:rPr>
-              <a:t> в </a:t>
-            </a:r>
-            <a:r>
-              <a:rPr lang="ru-RU" sz="1200" b="1" i="0" kern="1200" dirty="0" err="1">
-                <a:solidFill>
-                  <a:schemeClr val="tx1"/>
-                </a:solidFill>
-                <a:effectLst/>
-                <a:latin typeface="+mn-lt"/>
-                <a:ea typeface="+mn-ea"/>
-                <a:cs typeface="+mn-cs"/>
-              </a:rPr>
-              <a:t>солве</a:t>
-            </a:r>
-            <a:r>
-              <a:rPr lang="ru-RU" sz="1200" b="1" i="0" kern="1200" dirty="0">
-                <a:solidFill>
-                  <a:schemeClr val="tx1"/>
-                </a:solidFill>
-                <a:effectLst/>
-                <a:latin typeface="+mn-lt"/>
-                <a:ea typeface="+mn-ea"/>
-                <a:cs typeface="+mn-cs"/>
-              </a:rPr>
-              <a:t>. </a:t>
-            </a:r>
-            <a:r>
-              <a:rPr lang="ru-RU" sz="1200" b="1" i="0" kern="1200" dirty="0" err="1">
-                <a:solidFill>
-                  <a:schemeClr val="tx1"/>
-                </a:solidFill>
-                <a:effectLst/>
-                <a:latin typeface="+mn-lt"/>
-                <a:ea typeface="+mn-ea"/>
-                <a:cs typeface="+mn-cs"/>
-              </a:rPr>
-              <a:t>Галовне</a:t>
-            </a:r>
-            <a:r>
-              <a:rPr lang="ru-RU" sz="1200" b="1" i="0" kern="1200" dirty="0">
-                <a:solidFill>
-                  <a:schemeClr val="tx1"/>
-                </a:solidFill>
-                <a:effectLst/>
-                <a:latin typeface="+mn-lt"/>
-                <a:ea typeface="+mn-ea"/>
-                <a:cs typeface="+mn-cs"/>
-              </a:rPr>
-              <a:t>, </a:t>
-            </a:r>
-            <a:r>
-              <a:rPr lang="ru-RU" sz="1200" b="1" i="0" kern="1200" dirty="0" err="1">
-                <a:solidFill>
-                  <a:schemeClr val="tx1"/>
-                </a:solidFill>
-                <a:effectLst/>
-                <a:latin typeface="+mn-lt"/>
-                <a:ea typeface="+mn-ea"/>
-                <a:cs typeface="+mn-cs"/>
-              </a:rPr>
-              <a:t>чотбы</a:t>
-            </a:r>
-            <a:r>
-              <a:rPr lang="ru-RU" sz="1200" b="1" i="0" kern="1200" dirty="0">
-                <a:solidFill>
-                  <a:schemeClr val="tx1"/>
-                </a:solidFill>
-                <a:effectLst/>
-                <a:latin typeface="+mn-lt"/>
-                <a:ea typeface="+mn-ea"/>
-                <a:cs typeface="+mn-cs"/>
-              </a:rPr>
-              <a:t> </a:t>
-            </a:r>
-            <a:r>
-              <a:rPr lang="ru-RU" sz="1200" b="1" i="0" kern="1200" dirty="0" err="1">
-                <a:solidFill>
-                  <a:schemeClr val="tx1"/>
-                </a:solidFill>
-                <a:effectLst/>
-                <a:latin typeface="+mn-lt"/>
-                <a:ea typeface="+mn-ea"/>
-                <a:cs typeface="+mn-cs"/>
-              </a:rPr>
-              <a:t>преавя</a:t>
-            </a:r>
-            <a:r>
-              <a:rPr lang="ru-RU" sz="1200" b="1" i="0" kern="1200" dirty="0">
-                <a:solidFill>
-                  <a:schemeClr val="tx1"/>
-                </a:solidFill>
-                <a:effectLst/>
-                <a:latin typeface="+mn-lt"/>
-                <a:ea typeface="+mn-ea"/>
-                <a:cs typeface="+mn-cs"/>
-              </a:rPr>
-              <a:t> и </a:t>
-            </a:r>
-            <a:r>
-              <a:rPr lang="ru-RU" sz="1200" b="1" i="0" kern="1200" dirty="0" err="1">
-                <a:solidFill>
-                  <a:schemeClr val="tx1"/>
-                </a:solidFill>
-                <a:effectLst/>
-                <a:latin typeface="+mn-lt"/>
-                <a:ea typeface="+mn-ea"/>
-                <a:cs typeface="+mn-cs"/>
-              </a:rPr>
-              <a:t>пслонедяя</a:t>
-            </a:r>
-            <a:r>
-              <a:rPr lang="ru-RU" sz="1200" b="1" i="0" kern="1200" dirty="0">
-                <a:solidFill>
-                  <a:schemeClr val="tx1"/>
-                </a:solidFill>
-                <a:effectLst/>
-                <a:latin typeface="+mn-lt"/>
-                <a:ea typeface="+mn-ea"/>
-                <a:cs typeface="+mn-cs"/>
-              </a:rPr>
-              <a:t> </a:t>
-            </a:r>
-            <a:r>
-              <a:rPr lang="ru-RU" sz="1200" b="1" i="0" kern="1200" dirty="0" err="1">
-                <a:solidFill>
-                  <a:schemeClr val="tx1"/>
-                </a:solidFill>
-                <a:effectLst/>
-                <a:latin typeface="+mn-lt"/>
-                <a:ea typeface="+mn-ea"/>
-                <a:cs typeface="+mn-cs"/>
-              </a:rPr>
-              <a:t>бквуы</a:t>
-            </a:r>
-            <a:r>
-              <a:rPr lang="ru-RU" sz="1200" b="1" i="0" kern="1200" dirty="0">
-                <a:solidFill>
-                  <a:schemeClr val="tx1"/>
-                </a:solidFill>
-                <a:effectLst/>
-                <a:latin typeface="+mn-lt"/>
-                <a:ea typeface="+mn-ea"/>
-                <a:cs typeface="+mn-cs"/>
-              </a:rPr>
-              <a:t> </a:t>
-            </a:r>
-            <a:r>
-              <a:rPr lang="ru-RU" sz="1200" b="1" i="0" kern="1200" dirty="0" err="1">
-                <a:solidFill>
-                  <a:schemeClr val="tx1"/>
-                </a:solidFill>
-                <a:effectLst/>
-                <a:latin typeface="+mn-lt"/>
-                <a:ea typeface="+mn-ea"/>
-                <a:cs typeface="+mn-cs"/>
-              </a:rPr>
-              <a:t>блыи</a:t>
-            </a:r>
-            <a:r>
-              <a:rPr lang="ru-RU" sz="1200" b="1" i="0" kern="1200" dirty="0">
-                <a:solidFill>
-                  <a:schemeClr val="tx1"/>
-                </a:solidFill>
-                <a:effectLst/>
-                <a:latin typeface="+mn-lt"/>
-                <a:ea typeface="+mn-ea"/>
-                <a:cs typeface="+mn-cs"/>
-              </a:rPr>
-              <a:t> на </a:t>
-            </a:r>
-            <a:r>
-              <a:rPr lang="ru-RU" sz="1200" b="1" i="0" kern="1200" dirty="0" err="1">
-                <a:solidFill>
-                  <a:schemeClr val="tx1"/>
-                </a:solidFill>
-                <a:effectLst/>
-                <a:latin typeface="+mn-lt"/>
-                <a:ea typeface="+mn-ea"/>
-                <a:cs typeface="+mn-cs"/>
-              </a:rPr>
-              <a:t>мсете</a:t>
-            </a:r>
-            <a:r>
-              <a:rPr lang="ru-RU" sz="1200" b="1" i="0" kern="1200" dirty="0">
-                <a:solidFill>
-                  <a:schemeClr val="tx1"/>
-                </a:solidFill>
-                <a:effectLst/>
-                <a:latin typeface="+mn-lt"/>
-                <a:ea typeface="+mn-ea"/>
-                <a:cs typeface="+mn-cs"/>
-              </a:rPr>
-              <a:t>. </a:t>
-            </a:r>
-            <a:r>
-              <a:rPr lang="ru-RU" sz="1200" b="1" i="0" kern="1200" dirty="0" err="1">
-                <a:solidFill>
-                  <a:schemeClr val="tx1"/>
-                </a:solidFill>
-                <a:effectLst/>
-                <a:latin typeface="+mn-lt"/>
-                <a:ea typeface="+mn-ea"/>
-                <a:cs typeface="+mn-cs"/>
-              </a:rPr>
-              <a:t>осатьлыне</a:t>
-            </a:r>
-            <a:r>
-              <a:rPr lang="ru-RU" sz="1200" b="1" i="0" kern="1200" dirty="0">
-                <a:solidFill>
-                  <a:schemeClr val="tx1"/>
-                </a:solidFill>
-                <a:effectLst/>
-                <a:latin typeface="+mn-lt"/>
-                <a:ea typeface="+mn-ea"/>
-                <a:cs typeface="+mn-cs"/>
-              </a:rPr>
-              <a:t> </a:t>
-            </a:r>
-            <a:r>
-              <a:rPr lang="ru-RU" sz="1200" b="1" i="0" kern="1200" dirty="0" err="1">
-                <a:solidFill>
-                  <a:schemeClr val="tx1"/>
-                </a:solidFill>
-                <a:effectLst/>
-                <a:latin typeface="+mn-lt"/>
-                <a:ea typeface="+mn-ea"/>
-                <a:cs typeface="+mn-cs"/>
-              </a:rPr>
-              <a:t>бкувы</a:t>
-            </a:r>
-            <a:r>
-              <a:rPr lang="ru-RU" sz="1200" b="1" i="0" kern="1200" dirty="0">
-                <a:solidFill>
-                  <a:schemeClr val="tx1"/>
-                </a:solidFill>
-                <a:effectLst/>
-                <a:latin typeface="+mn-lt"/>
-                <a:ea typeface="+mn-ea"/>
-                <a:cs typeface="+mn-cs"/>
-              </a:rPr>
-              <a:t> </a:t>
-            </a:r>
-            <a:r>
-              <a:rPr lang="ru-RU" sz="1200" b="1" i="0" kern="1200" dirty="0" err="1">
-                <a:solidFill>
-                  <a:schemeClr val="tx1"/>
-                </a:solidFill>
-                <a:effectLst/>
-                <a:latin typeface="+mn-lt"/>
-                <a:ea typeface="+mn-ea"/>
-                <a:cs typeface="+mn-cs"/>
-              </a:rPr>
-              <a:t>мгоут</a:t>
-            </a:r>
-            <a:r>
-              <a:rPr lang="ru-RU" sz="1200" b="1" i="0" kern="1200" dirty="0">
-                <a:solidFill>
-                  <a:schemeClr val="tx1"/>
-                </a:solidFill>
-                <a:effectLst/>
-                <a:latin typeface="+mn-lt"/>
-                <a:ea typeface="+mn-ea"/>
-                <a:cs typeface="+mn-cs"/>
-              </a:rPr>
-              <a:t> </a:t>
-            </a:r>
-            <a:r>
-              <a:rPr lang="ru-RU" sz="1200" b="1" i="0" kern="1200" dirty="0" err="1">
-                <a:solidFill>
-                  <a:schemeClr val="tx1"/>
-                </a:solidFill>
-                <a:effectLst/>
-                <a:latin typeface="+mn-lt"/>
-                <a:ea typeface="+mn-ea"/>
-                <a:cs typeface="+mn-cs"/>
-              </a:rPr>
-              <a:t>селдовтаь</a:t>
-            </a:r>
-            <a:r>
-              <a:rPr lang="ru-RU" sz="1200" b="1" i="0" kern="1200" dirty="0">
-                <a:solidFill>
-                  <a:schemeClr val="tx1"/>
-                </a:solidFill>
-                <a:effectLst/>
-                <a:latin typeface="+mn-lt"/>
-                <a:ea typeface="+mn-ea"/>
-                <a:cs typeface="+mn-cs"/>
-              </a:rPr>
-              <a:t> в </a:t>
-            </a:r>
-            <a:r>
-              <a:rPr lang="ru-RU" sz="1200" b="1" i="0" kern="1200" dirty="0" err="1">
-                <a:solidFill>
-                  <a:schemeClr val="tx1"/>
-                </a:solidFill>
-                <a:effectLst/>
-                <a:latin typeface="+mn-lt"/>
-                <a:ea typeface="+mn-ea"/>
-                <a:cs typeface="+mn-cs"/>
-              </a:rPr>
-              <a:t>плоонм</a:t>
-            </a:r>
-            <a:r>
-              <a:rPr lang="ru-RU" sz="1200" b="1" i="0" kern="1200" dirty="0">
-                <a:solidFill>
-                  <a:schemeClr val="tx1"/>
-                </a:solidFill>
-                <a:effectLst/>
-                <a:latin typeface="+mn-lt"/>
-                <a:ea typeface="+mn-ea"/>
-                <a:cs typeface="+mn-cs"/>
-              </a:rPr>
-              <a:t> </a:t>
-            </a:r>
-            <a:r>
-              <a:rPr lang="ru-RU" sz="1200" b="1" i="0" kern="1200" dirty="0" err="1">
-                <a:solidFill>
-                  <a:schemeClr val="tx1"/>
-                </a:solidFill>
-                <a:effectLst/>
-                <a:latin typeface="+mn-lt"/>
-                <a:ea typeface="+mn-ea"/>
-                <a:cs typeface="+mn-cs"/>
-              </a:rPr>
-              <a:t>бсепордяке</a:t>
-            </a:r>
-            <a:r>
-              <a:rPr lang="ru-RU" sz="1200" b="1" i="0" kern="1200" dirty="0">
-                <a:solidFill>
-                  <a:schemeClr val="tx1"/>
-                </a:solidFill>
-                <a:effectLst/>
-                <a:latin typeface="+mn-lt"/>
-                <a:ea typeface="+mn-ea"/>
-                <a:cs typeface="+mn-cs"/>
-              </a:rPr>
-              <a:t>, все-рвано </a:t>
-            </a:r>
-            <a:r>
-              <a:rPr lang="ru-RU" sz="1200" b="1" i="0" kern="1200" dirty="0" err="1">
-                <a:solidFill>
-                  <a:schemeClr val="tx1"/>
-                </a:solidFill>
-                <a:effectLst/>
-                <a:latin typeface="+mn-lt"/>
-                <a:ea typeface="+mn-ea"/>
-                <a:cs typeface="+mn-cs"/>
-              </a:rPr>
-              <a:t>ткест</a:t>
-            </a:r>
-            <a:r>
-              <a:rPr lang="ru-RU" sz="1200" b="1" i="0" kern="1200" dirty="0">
-                <a:solidFill>
-                  <a:schemeClr val="tx1"/>
-                </a:solidFill>
-                <a:effectLst/>
-                <a:latin typeface="+mn-lt"/>
-                <a:ea typeface="+mn-ea"/>
-                <a:cs typeface="+mn-cs"/>
-              </a:rPr>
-              <a:t> </a:t>
-            </a:r>
-            <a:r>
-              <a:rPr lang="ru-RU" sz="1200" b="1" i="0" kern="1200" dirty="0" err="1">
-                <a:solidFill>
-                  <a:schemeClr val="tx1"/>
-                </a:solidFill>
-                <a:effectLst/>
-                <a:latin typeface="+mn-lt"/>
-                <a:ea typeface="+mn-ea"/>
-                <a:cs typeface="+mn-cs"/>
-              </a:rPr>
-              <a:t>чтаитсея</a:t>
-            </a:r>
-            <a:r>
-              <a:rPr lang="ru-RU" sz="1200" b="1" i="0" kern="1200" dirty="0">
-                <a:solidFill>
-                  <a:schemeClr val="tx1"/>
-                </a:solidFill>
-                <a:effectLst/>
-                <a:latin typeface="+mn-lt"/>
-                <a:ea typeface="+mn-ea"/>
-                <a:cs typeface="+mn-cs"/>
-              </a:rPr>
-              <a:t> без </a:t>
-            </a:r>
-            <a:r>
-              <a:rPr lang="ru-RU" sz="1200" b="1" i="0" kern="1200" dirty="0" err="1">
-                <a:solidFill>
-                  <a:schemeClr val="tx1"/>
-                </a:solidFill>
-                <a:effectLst/>
-                <a:latin typeface="+mn-lt"/>
-                <a:ea typeface="+mn-ea"/>
-                <a:cs typeface="+mn-cs"/>
-              </a:rPr>
-              <a:t>побрелм</a:t>
-            </a:r>
-            <a:r>
-              <a:rPr lang="ru-RU" sz="1200" b="1" i="0" kern="1200" dirty="0">
-                <a:solidFill>
-                  <a:schemeClr val="tx1"/>
-                </a:solidFill>
-                <a:effectLst/>
-                <a:latin typeface="+mn-lt"/>
-                <a:ea typeface="+mn-ea"/>
-                <a:cs typeface="+mn-cs"/>
-              </a:rPr>
-              <a:t>. </a:t>
-            </a:r>
-            <a:r>
-              <a:rPr lang="ru-RU" sz="1200" b="1" i="0" kern="1200" dirty="0" err="1">
-                <a:solidFill>
-                  <a:schemeClr val="tx1"/>
-                </a:solidFill>
-                <a:effectLst/>
-                <a:latin typeface="+mn-lt"/>
-                <a:ea typeface="+mn-ea"/>
-                <a:cs typeface="+mn-cs"/>
-              </a:rPr>
-              <a:t>Пичрионй</a:t>
-            </a:r>
-            <a:r>
-              <a:rPr lang="ru-RU" sz="1200" b="1" i="0" kern="1200" dirty="0">
-                <a:solidFill>
-                  <a:schemeClr val="tx1"/>
-                </a:solidFill>
-                <a:effectLst/>
-                <a:latin typeface="+mn-lt"/>
-                <a:ea typeface="+mn-ea"/>
-                <a:cs typeface="+mn-cs"/>
-              </a:rPr>
-              <a:t> </a:t>
-            </a:r>
-            <a:r>
-              <a:rPr lang="ru-RU" sz="1200" b="1" i="0" kern="1200" dirty="0" err="1">
-                <a:solidFill>
-                  <a:schemeClr val="tx1"/>
-                </a:solidFill>
-                <a:effectLst/>
-                <a:latin typeface="+mn-lt"/>
-                <a:ea typeface="+mn-ea"/>
-                <a:cs typeface="+mn-cs"/>
-              </a:rPr>
-              <a:t>эгото</a:t>
-            </a:r>
-            <a:r>
-              <a:rPr lang="ru-RU" sz="1200" b="1" i="0" kern="1200" dirty="0">
-                <a:solidFill>
-                  <a:schemeClr val="tx1"/>
-                </a:solidFill>
-                <a:effectLst/>
-                <a:latin typeface="+mn-lt"/>
-                <a:ea typeface="+mn-ea"/>
-                <a:cs typeface="+mn-cs"/>
-              </a:rPr>
-              <a:t> </a:t>
-            </a:r>
-            <a:r>
-              <a:rPr lang="ru-RU" sz="1200" b="1" i="0" kern="1200" dirty="0" err="1">
-                <a:solidFill>
-                  <a:schemeClr val="tx1"/>
-                </a:solidFill>
-                <a:effectLst/>
-                <a:latin typeface="+mn-lt"/>
-                <a:ea typeface="+mn-ea"/>
-                <a:cs typeface="+mn-cs"/>
-              </a:rPr>
-              <a:t>ялвятеся</a:t>
-            </a:r>
-            <a:r>
-              <a:rPr lang="ru-RU" sz="1200" b="1" i="0" kern="1200" dirty="0">
-                <a:solidFill>
-                  <a:schemeClr val="tx1"/>
-                </a:solidFill>
-                <a:effectLst/>
-                <a:latin typeface="+mn-lt"/>
-                <a:ea typeface="+mn-ea"/>
-                <a:cs typeface="+mn-cs"/>
-              </a:rPr>
-              <a:t> то, что мы не </a:t>
-            </a:r>
-            <a:r>
-              <a:rPr lang="ru-RU" sz="1200" b="1" i="0" kern="1200" dirty="0" err="1">
-                <a:solidFill>
-                  <a:schemeClr val="tx1"/>
-                </a:solidFill>
-                <a:effectLst/>
-                <a:latin typeface="+mn-lt"/>
-                <a:ea typeface="+mn-ea"/>
-                <a:cs typeface="+mn-cs"/>
-              </a:rPr>
-              <a:t>чиаетм</a:t>
-            </a:r>
-            <a:r>
-              <a:rPr lang="ru-RU" sz="1200" b="1" i="0" kern="1200" dirty="0">
-                <a:solidFill>
-                  <a:schemeClr val="tx1"/>
-                </a:solidFill>
-                <a:effectLst/>
-                <a:latin typeface="+mn-lt"/>
-                <a:ea typeface="+mn-ea"/>
-                <a:cs typeface="+mn-cs"/>
-              </a:rPr>
-              <a:t> </a:t>
-            </a:r>
-            <a:r>
-              <a:rPr lang="ru-RU" sz="1200" b="1" i="0" kern="1200" dirty="0" err="1">
-                <a:solidFill>
-                  <a:schemeClr val="tx1"/>
-                </a:solidFill>
-                <a:effectLst/>
-                <a:latin typeface="+mn-lt"/>
-                <a:ea typeface="+mn-ea"/>
-                <a:cs typeface="+mn-cs"/>
-              </a:rPr>
-              <a:t>кдаужю</a:t>
-            </a:r>
-            <a:r>
-              <a:rPr lang="ru-RU" sz="1200" b="1" i="0" kern="1200" dirty="0">
-                <a:solidFill>
-                  <a:schemeClr val="tx1"/>
-                </a:solidFill>
-                <a:effectLst/>
-                <a:latin typeface="+mn-lt"/>
-                <a:ea typeface="+mn-ea"/>
-                <a:cs typeface="+mn-cs"/>
-              </a:rPr>
-              <a:t> </a:t>
-            </a:r>
-            <a:r>
-              <a:rPr lang="ru-RU" sz="1200" b="1" i="0" kern="1200" dirty="0" err="1">
-                <a:solidFill>
-                  <a:schemeClr val="tx1"/>
-                </a:solidFill>
-                <a:effectLst/>
-                <a:latin typeface="+mn-lt"/>
-                <a:ea typeface="+mn-ea"/>
-                <a:cs typeface="+mn-cs"/>
-              </a:rPr>
-              <a:t>бкуву</a:t>
-            </a:r>
-            <a:r>
-              <a:rPr lang="ru-RU" sz="1200" b="1" i="0" kern="1200" dirty="0">
-                <a:solidFill>
-                  <a:schemeClr val="tx1"/>
-                </a:solidFill>
-                <a:effectLst/>
-                <a:latin typeface="+mn-lt"/>
-                <a:ea typeface="+mn-ea"/>
-                <a:cs typeface="+mn-cs"/>
-              </a:rPr>
-              <a:t> по </a:t>
-            </a:r>
-            <a:r>
-              <a:rPr lang="ru-RU" sz="1200" b="1" i="0" kern="1200" dirty="0" err="1">
-                <a:solidFill>
-                  <a:schemeClr val="tx1"/>
-                </a:solidFill>
-                <a:effectLst/>
-                <a:latin typeface="+mn-lt"/>
-                <a:ea typeface="+mn-ea"/>
-                <a:cs typeface="+mn-cs"/>
-              </a:rPr>
-              <a:t>отдльенотси</a:t>
-            </a:r>
-            <a:r>
-              <a:rPr lang="ru-RU" sz="1200" b="1" i="0" kern="1200" dirty="0">
-                <a:solidFill>
-                  <a:schemeClr val="tx1"/>
-                </a:solidFill>
-                <a:effectLst/>
-                <a:latin typeface="+mn-lt"/>
-                <a:ea typeface="+mn-ea"/>
-                <a:cs typeface="+mn-cs"/>
-              </a:rPr>
-              <a:t>, а все </a:t>
-            </a:r>
-            <a:r>
-              <a:rPr lang="ru-RU" sz="1200" b="1" i="0" kern="1200" dirty="0" err="1">
-                <a:solidFill>
-                  <a:schemeClr val="tx1"/>
-                </a:solidFill>
-                <a:effectLst/>
-                <a:latin typeface="+mn-lt"/>
-                <a:ea typeface="+mn-ea"/>
-                <a:cs typeface="+mn-cs"/>
-              </a:rPr>
-              <a:t>солво</a:t>
-            </a:r>
-            <a:r>
-              <a:rPr lang="ru-RU" sz="1200" b="1" i="0" kern="1200" dirty="0">
-                <a:solidFill>
-                  <a:schemeClr val="tx1"/>
-                </a:solidFill>
-                <a:effectLst/>
-                <a:latin typeface="+mn-lt"/>
-                <a:ea typeface="+mn-ea"/>
-                <a:cs typeface="+mn-cs"/>
-              </a:rPr>
-              <a:t> </a:t>
-            </a:r>
-            <a:r>
-              <a:rPr lang="ru-RU" sz="1200" b="1" i="0" kern="1200" dirty="0" err="1">
-                <a:solidFill>
-                  <a:schemeClr val="tx1"/>
-                </a:solidFill>
-                <a:effectLst/>
-                <a:latin typeface="+mn-lt"/>
-                <a:ea typeface="+mn-ea"/>
-                <a:cs typeface="+mn-cs"/>
-              </a:rPr>
-              <a:t>цлиеком</a:t>
-            </a:r>
-            <a:r>
-              <a:rPr lang="ru-RU" sz="1200" b="1" i="0" kern="1200" dirty="0">
-                <a:solidFill>
-                  <a:schemeClr val="tx1"/>
-                </a:solidFill>
-                <a:effectLst/>
-                <a:latin typeface="+mn-lt"/>
-                <a:ea typeface="+mn-ea"/>
-                <a:cs typeface="+mn-cs"/>
-              </a:rPr>
-              <a:t>.</a:t>
-            </a:r>
-            <a:r>
-              <a:rPr lang="ru-RU" sz="1200" b="0" i="0" kern="1200" baseline="0" dirty="0">
-                <a:solidFill>
-                  <a:schemeClr val="tx1"/>
-                </a:solidFill>
-                <a:effectLst/>
-                <a:latin typeface="+mn-lt"/>
-                <a:ea typeface="+mn-ea"/>
-                <a:cs typeface="+mn-cs"/>
-              </a:rPr>
-              <a:t>»</a:t>
-            </a:r>
             <a:endParaRPr lang="ru-RU" dirty="0"/>
-          </a:p>
-          <a:p>
-            <a:r>
-              <a:rPr lang="ru-RU" dirty="0"/>
-              <a:t>5. </a:t>
-            </a:r>
-            <a:r>
-              <a:rPr lang="en-US" sz="1200" b="0" i="0" kern="1200" dirty="0">
-                <a:solidFill>
-                  <a:schemeClr val="tx1"/>
-                </a:solidFill>
-                <a:effectLst/>
-                <a:latin typeface="+mn-lt"/>
-                <a:ea typeface="+mn-ea"/>
-                <a:cs typeface="+mn-cs"/>
-              </a:rPr>
-              <a:t>private </a:t>
-            </a:r>
-            <a:r>
-              <a:rPr lang="en-US" sz="1200" b="1" i="0" kern="1200" dirty="0">
-                <a:solidFill>
-                  <a:schemeClr val="tx1"/>
-                </a:solidFill>
-                <a:effectLst/>
-                <a:latin typeface="+mn-lt"/>
-                <a:ea typeface="+mn-ea"/>
-                <a:cs typeface="+mn-cs"/>
-              </a:rPr>
-              <a:t>static</a:t>
-            </a:r>
-            <a:r>
-              <a:rPr lang="en-US" sz="1200" b="0" i="0" kern="1200" dirty="0">
-                <a:solidFill>
-                  <a:schemeClr val="tx1"/>
-                </a:solidFill>
-                <a:effectLst/>
-                <a:latin typeface="+mn-lt"/>
-                <a:ea typeface="+mn-ea"/>
-                <a:cs typeface="+mn-cs"/>
-              </a:rPr>
-              <a:t> </a:t>
-            </a:r>
-            <a:r>
-              <a:rPr lang="en-US" sz="1200" b="0" i="0" kern="1200" dirty="0" err="1">
-                <a:solidFill>
-                  <a:schemeClr val="tx1"/>
-                </a:solidFill>
-                <a:effectLst/>
-                <a:latin typeface="+mn-lt"/>
-                <a:ea typeface="+mn-ea"/>
-                <a:cs typeface="+mn-cs"/>
-              </a:rPr>
-              <a:t>readonly</a:t>
-            </a:r>
-            <a:r>
-              <a:rPr lang="en-US" sz="1200" b="0" i="0" kern="1200" dirty="0">
-                <a:solidFill>
-                  <a:schemeClr val="tx1"/>
-                </a:solidFill>
-                <a:effectLst/>
-                <a:latin typeface="+mn-lt"/>
-                <a:ea typeface="+mn-ea"/>
-                <a:cs typeface="+mn-cs"/>
-              </a:rPr>
-              <a:t> </a:t>
-            </a:r>
-            <a:r>
-              <a:rPr lang="en-US" sz="1200" b="0" i="0" kern="1200" dirty="0" err="1">
-                <a:solidFill>
-                  <a:schemeClr val="tx1"/>
-                </a:solidFill>
-                <a:effectLst/>
-                <a:latin typeface="+mn-lt"/>
-                <a:ea typeface="+mn-ea"/>
-                <a:cs typeface="+mn-cs"/>
-              </a:rPr>
-              <a:t>IDictionary</a:t>
-            </a:r>
-            <a:r>
-              <a:rPr lang="en-US" sz="1200" b="0" i="0" kern="1200" dirty="0">
-                <a:solidFill>
-                  <a:schemeClr val="tx1"/>
-                </a:solidFill>
-                <a:effectLst/>
-                <a:latin typeface="+mn-lt"/>
-                <a:ea typeface="+mn-ea"/>
-                <a:cs typeface="+mn-cs"/>
-              </a:rPr>
-              <a:t>&lt;string, </a:t>
-            </a:r>
-            <a:r>
-              <a:rPr lang="en-US" sz="1200" b="0" i="0" kern="1200" dirty="0" err="1">
-                <a:solidFill>
-                  <a:schemeClr val="tx1"/>
-                </a:solidFill>
-                <a:effectLst/>
-                <a:latin typeface="+mn-lt"/>
-                <a:ea typeface="+mn-ea"/>
-                <a:cs typeface="+mn-cs"/>
-              </a:rPr>
-              <a:t>int</a:t>
-            </a:r>
-            <a:r>
-              <a:rPr lang="en-US" sz="1200" b="0" i="0" kern="1200" dirty="0">
-                <a:solidFill>
-                  <a:schemeClr val="tx1"/>
-                </a:solidFill>
-                <a:effectLst/>
-                <a:latin typeface="+mn-lt"/>
-                <a:ea typeface="+mn-ea"/>
-                <a:cs typeface="+mn-cs"/>
-              </a:rPr>
-              <a:t>&gt; stats = new Dictionary&lt;string, </a:t>
-            </a:r>
-            <a:r>
-              <a:rPr lang="en-US" sz="1200" b="0" i="0" kern="1200" dirty="0" err="1">
-                <a:solidFill>
-                  <a:schemeClr val="tx1"/>
-                </a:solidFill>
-                <a:effectLst/>
-                <a:latin typeface="+mn-lt"/>
-                <a:ea typeface="+mn-ea"/>
-                <a:cs typeface="+mn-cs"/>
-              </a:rPr>
-              <a:t>int</a:t>
-            </a:r>
-            <a:r>
-              <a:rPr lang="en-US" sz="1200" b="0" i="0" kern="1200" dirty="0">
-                <a:solidFill>
-                  <a:schemeClr val="tx1"/>
-                </a:solidFill>
-                <a:effectLst/>
-                <a:latin typeface="+mn-lt"/>
-                <a:ea typeface="+mn-ea"/>
-                <a:cs typeface="+mn-cs"/>
-              </a:rPr>
-              <a:t>&gt;();</a:t>
-            </a:r>
-            <a:endParaRPr lang="ru-RU" sz="1200" b="0" i="0" kern="1200" dirty="0">
-              <a:solidFill>
-                <a:schemeClr val="tx1"/>
-              </a:solidFill>
-              <a:effectLst/>
-              <a:latin typeface="+mn-lt"/>
-              <a:ea typeface="+mn-ea"/>
-              <a:cs typeface="+mn-cs"/>
-            </a:endParaRPr>
-          </a:p>
-          <a:p>
-            <a:r>
-              <a:rPr lang="ru-RU" sz="1200" b="0" i="0" kern="1200" dirty="0">
-                <a:solidFill>
-                  <a:schemeClr val="tx1"/>
-                </a:solidFill>
-                <a:effectLst/>
-                <a:latin typeface="+mn-lt"/>
-                <a:ea typeface="+mn-ea"/>
-                <a:cs typeface="+mn-cs"/>
-              </a:rPr>
-              <a:t>Как это отловить?</a:t>
-            </a:r>
-          </a:p>
-          <a:p>
-            <a:br>
-              <a:rPr lang="ru-RU" dirty="0"/>
-            </a:br>
-            <a:r>
-              <a:rPr lang="ru-RU" dirty="0"/>
-              <a:t>6. Много тестов, проверяющих</a:t>
-            </a:r>
-            <a:r>
-              <a:rPr lang="ru-RU" baseline="0" dirty="0"/>
-              <a:t> одно и то же – это признак </a:t>
-            </a:r>
-            <a:r>
-              <a:rPr lang="en-US" baseline="0" dirty="0" err="1"/>
-              <a:t>Overspecification</a:t>
-            </a:r>
-            <a:r>
-              <a:rPr lang="en-US" baseline="0" dirty="0"/>
-              <a:t> </a:t>
-            </a:r>
-            <a:r>
-              <a:rPr lang="ru-RU" baseline="0" dirty="0"/>
-              <a:t>из </a:t>
-            </a:r>
-            <a:r>
-              <a:rPr lang="ru-RU" baseline="0" dirty="0" err="1"/>
-              <a:t>Антипаттернов</a:t>
-            </a:r>
-            <a:r>
-              <a:rPr lang="ru-RU" baseline="0" dirty="0"/>
-              <a:t>, что не есть хорошо.</a:t>
-            </a:r>
-          </a:p>
-          <a:p>
-            <a:r>
-              <a:rPr lang="ru-RU" baseline="0" dirty="0"/>
-              <a:t>Почему?</a:t>
-            </a:r>
-          </a:p>
-          <a:p>
-            <a:pPr marL="171450" indent="-171450">
-              <a:buFont typeface="Arial" panose="020B0604020202020204" pitchFamily="34" charset="0"/>
-              <a:buChar char="•"/>
-            </a:pPr>
-            <a:r>
-              <a:rPr lang="ru-RU" baseline="0" dirty="0"/>
-              <a:t>Каждую колонку можно рассматривать как требование из спецификации. Мы живём в изменяющемся мире, условия меняются, требования меняются, соответственно тесты и реализация тоже должны меняться. Но когда у тебя 12 тестов, проверяющих одно и то же требование. То при изменении этого требования, придётся поменять 12 тестов. А если этих тестов 20? 100?..</a:t>
-            </a:r>
-          </a:p>
-          <a:p>
-            <a:pPr marL="171450" indent="-171450">
-              <a:buFont typeface="Arial" panose="020B0604020202020204" pitchFamily="34" charset="0"/>
-              <a:buChar char="•"/>
-            </a:pPr>
-            <a:endParaRPr lang="ru-RU" baseline="0" dirty="0"/>
-          </a:p>
-          <a:p>
-            <a:pPr marL="0" indent="0">
-              <a:buFont typeface="Arial" panose="020B0604020202020204" pitchFamily="34" charset="0"/>
-              <a:buNone/>
-            </a:pPr>
-            <a:r>
-              <a:rPr lang="ru-RU" baseline="0" dirty="0"/>
-              <a:t>Подытожим:</a:t>
-            </a:r>
-          </a:p>
-          <a:p>
-            <a:pPr marL="171450" indent="-171450">
-              <a:buFont typeface="Arial" panose="020B0604020202020204" pitchFamily="34" charset="0"/>
-              <a:buChar char="•"/>
-            </a:pPr>
-            <a:r>
-              <a:rPr lang="ru-RU" baseline="0" dirty="0"/>
-              <a:t>Легко писать тесты по существующему проверенному коду и/или спецификации</a:t>
-            </a:r>
-            <a:endParaRPr lang="en-US" baseline="0" dirty="0"/>
-          </a:p>
-          <a:p>
-            <a:pPr marL="171450" indent="-171450">
-              <a:buFont typeface="Arial" panose="020B0604020202020204" pitchFamily="34" charset="0"/>
-              <a:buChar char="•"/>
-            </a:pPr>
-            <a:r>
-              <a:rPr lang="ru-RU" baseline="0" dirty="0"/>
-              <a:t>Не всегда очевидно взаимодействие требований.</a:t>
-            </a:r>
-          </a:p>
-          <a:p>
-            <a:pPr marL="171450" indent="-171450">
-              <a:buFont typeface="Arial" panose="020B0604020202020204" pitchFamily="34" charset="0"/>
-              <a:buChar char="•"/>
-            </a:pPr>
-            <a:r>
-              <a:rPr lang="ru-RU" baseline="0" dirty="0"/>
-              <a:t>Тесты не заменяют </a:t>
-            </a:r>
-            <a:r>
-              <a:rPr lang="en-US" baseline="0" dirty="0"/>
-              <a:t>CR</a:t>
-            </a:r>
-            <a:endParaRPr lang="ru-RU" baseline="0" dirty="0"/>
-          </a:p>
-          <a:p>
-            <a:pPr marL="171450" indent="-171450">
-              <a:buFont typeface="Arial" panose="020B0604020202020204" pitchFamily="34" charset="0"/>
-              <a:buChar char="•"/>
-            </a:pPr>
-            <a:r>
-              <a:rPr lang="en-US" baseline="0" dirty="0"/>
-              <a:t>CR </a:t>
-            </a:r>
-            <a:r>
-              <a:rPr lang="ru-RU" baseline="0" dirty="0"/>
-              <a:t>не заменяет тестов. И то, и другое – инструменты, которыми можно предотвратить </a:t>
-            </a:r>
-            <a:r>
-              <a:rPr lang="ru-RU" b="1" baseline="0" dirty="0"/>
-              <a:t>почти</a:t>
-            </a:r>
-            <a:r>
-              <a:rPr lang="ru-RU" baseline="0" dirty="0"/>
-              <a:t> все проблемы при использовании их вместе.</a:t>
-            </a:r>
-          </a:p>
-          <a:p>
-            <a:pPr marL="171450" indent="-171450">
-              <a:buFont typeface="Arial" panose="020B0604020202020204" pitchFamily="34" charset="0"/>
-              <a:buChar char="•"/>
-            </a:pPr>
-            <a:endParaRPr lang="ru-RU" baseline="0" dirty="0"/>
           </a:p>
         </p:txBody>
       </p:sp>
@@ -11011,6 +9826,1446 @@
             <a:fld id="{3BAECB10-9972-4830-A584-02C41DAFD45B}" type="slidenum">
               <a:rPr lang="ru-RU" smtClean="0"/>
               <a:t>31</a:t>
+            </a:fld>
+            <a:endParaRPr lang="ru-RU"/>
+          </a:p>
+        </p:txBody>
+      </p:sp>
+    </p:spTree>
+    <p:extLst>
+      <p:ext uri="{BB962C8B-B14F-4D97-AF65-F5344CB8AC3E}">
+        <p14:creationId xmlns:p14="http://schemas.microsoft.com/office/powerpoint/2010/main" val="3454826708"/>
+      </p:ext>
+    </p:extLst>
+  </p:cSld>
+  <p:clrMapOvr>
+    <a:masterClrMapping/>
+  </p:clrMapOvr>
+</p:notes>
+</file>
+
+<file path=ppt/notesSlides/notesSlide21.xml><?xml version="1.0" encoding="utf-8"?>
+<p:notes xmlns:a="http://schemas.openxmlformats.org/drawingml/2006/main" xmlns:r="http://schemas.openxmlformats.org/officeDocument/2006/relationships" xmlns:p="http://schemas.openxmlformats.org/presentationml/2006/main">
+  <p:cSld>
+    <p:spTree>
+      <p:nvGrpSpPr>
+        <p:cNvPr id="1" name=""/>
+        <p:cNvGrpSpPr/>
+        <p:nvPr/>
+      </p:nvGrpSpPr>
+      <p:grpSpPr>
+        <a:xfrm>
+          <a:off x="0" y="0"/>
+          <a:ext cx="0" cy="0"/>
+          <a:chOff x="0" y="0"/>
+          <a:chExt cx="0" cy="0"/>
+        </a:xfrm>
+      </p:grpSpPr>
+      <p:sp>
+        <p:nvSpPr>
+          <p:cNvPr id="2" name="Образ слайда 1"/>
+          <p:cNvSpPr>
+            <a:spLocks noGrp="1" noRot="1" noChangeAspect="1"/>
+          </p:cNvSpPr>
+          <p:nvPr>
+            <p:ph type="sldImg"/>
+          </p:nvPr>
+        </p:nvSpPr>
+        <p:spPr/>
+      </p:sp>
+      <p:sp>
+        <p:nvSpPr>
+          <p:cNvPr id="3" name="Заметки 2"/>
+          <p:cNvSpPr>
+            <a:spLocks noGrp="1"/>
+          </p:cNvSpPr>
+          <p:nvPr>
+            <p:ph type="body" idx="1"/>
+          </p:nvPr>
+        </p:nvSpPr>
+        <p:spPr/>
+        <p:txBody>
+          <a:bodyPr/>
+          <a:lstStyle/>
+          <a:p>
+            <a:r>
+              <a:rPr lang="ru-RU" dirty="0"/>
+              <a:t>1. По явно</a:t>
+            </a:r>
+            <a:r>
+              <a:rPr lang="ru-RU" baseline="0" dirty="0"/>
+              <a:t> написанным требованиям легко писать тесты. Другими словами, что самое простое – это взять спеку и по ней написать тесты, либо взять проверенный рабочий код и по нему написать тесты.</a:t>
+            </a:r>
+          </a:p>
+          <a:p>
+            <a:r>
+              <a:rPr lang="ru-RU" baseline="0" dirty="0"/>
+              <a:t>2. Е3: 10 пробелов и символ. Что должно произойти? Не всегда очевидно, как взаимодействуют отдельные требования.</a:t>
+            </a:r>
+          </a:p>
+          <a:p>
+            <a:r>
+              <a:rPr lang="ru-RU" dirty="0"/>
+              <a:t>3. 998, 999 -</a:t>
+            </a:r>
+            <a:r>
+              <a:rPr lang="en-US" dirty="0"/>
+              <a:t>&gt;</a:t>
+            </a:r>
+            <a:r>
+              <a:rPr lang="en-US" baseline="0" dirty="0"/>
+              <a:t> </a:t>
+            </a:r>
+            <a:r>
+              <a:rPr lang="ru-RU" baseline="0" dirty="0"/>
+              <a:t>Вот где спасёт таймаут. Ну и код </a:t>
+            </a:r>
+            <a:r>
+              <a:rPr lang="ru-RU" baseline="0" dirty="0" err="1"/>
+              <a:t>ревью</a:t>
+            </a:r>
+            <a:r>
+              <a:rPr lang="ru-RU" baseline="0" dirty="0"/>
+              <a:t>. Опытный инженер сразу увидит дорогие операции для </a:t>
+            </a:r>
+            <a:r>
+              <a:rPr lang="en-US" baseline="0" dirty="0"/>
+              <a:t>List’</a:t>
+            </a:r>
+            <a:r>
+              <a:rPr lang="ru-RU" baseline="0" dirty="0"/>
+              <a:t>а.</a:t>
+            </a:r>
+          </a:p>
+          <a:p>
+            <a:r>
+              <a:rPr lang="ru-RU" baseline="0" dirty="0"/>
+              <a:t>Нужно создать цикл 10_000 повторений.</a:t>
+            </a:r>
+          </a:p>
+          <a:p>
+            <a:r>
+              <a:rPr lang="ru-RU" sz="1200" b="0" i="0" kern="1200" dirty="0">
+                <a:solidFill>
+                  <a:schemeClr val="tx1"/>
+                </a:solidFill>
+                <a:effectLst/>
+                <a:latin typeface="+mn-lt"/>
+                <a:ea typeface="+mn-ea"/>
+                <a:cs typeface="+mn-cs"/>
+              </a:rPr>
+              <a:t>4. </a:t>
+            </a:r>
+            <a:r>
+              <a:rPr lang="en-US" sz="1200" b="0" i="0" kern="1200" dirty="0" err="1">
+                <a:solidFill>
+                  <a:schemeClr val="tx1"/>
+                </a:solidFill>
+                <a:effectLst/>
+                <a:latin typeface="+mn-lt"/>
+                <a:ea typeface="+mn-ea"/>
+                <a:cs typeface="+mn-cs"/>
+              </a:rPr>
+              <a:t>string.</a:t>
+            </a:r>
+            <a:r>
+              <a:rPr lang="en-US" sz="1200" b="1" i="0" kern="1200" dirty="0" err="1">
+                <a:solidFill>
+                  <a:schemeClr val="tx1"/>
+                </a:solidFill>
+                <a:effectLst/>
+                <a:latin typeface="+mn-lt"/>
+                <a:ea typeface="+mn-ea"/>
+                <a:cs typeface="+mn-cs"/>
+              </a:rPr>
+              <a:t>IsNullOrEmpty</a:t>
+            </a:r>
+            <a:r>
+              <a:rPr lang="en-US" sz="1200" b="0" i="0" kern="1200" dirty="0">
+                <a:solidFill>
+                  <a:schemeClr val="tx1"/>
+                </a:solidFill>
+                <a:effectLst/>
+                <a:latin typeface="+mn-lt"/>
+                <a:ea typeface="+mn-ea"/>
+                <a:cs typeface="+mn-cs"/>
+              </a:rPr>
+              <a:t>(word)</a:t>
+            </a:r>
+            <a:r>
+              <a:rPr lang="ru-RU" sz="1200" b="0" i="0" kern="1200" dirty="0">
+                <a:solidFill>
+                  <a:schemeClr val="tx1"/>
+                </a:solidFill>
+                <a:effectLst/>
+                <a:latin typeface="+mn-lt"/>
+                <a:ea typeface="+mn-ea"/>
+                <a:cs typeface="+mn-cs"/>
+              </a:rPr>
+              <a:t>: при</a:t>
+            </a:r>
+            <a:r>
+              <a:rPr lang="ru-RU" sz="1200" b="0" i="0" kern="1200" baseline="0" dirty="0">
+                <a:solidFill>
+                  <a:schemeClr val="tx1"/>
+                </a:solidFill>
+                <a:effectLst/>
+                <a:latin typeface="+mn-lt"/>
+                <a:ea typeface="+mn-ea"/>
+                <a:cs typeface="+mn-cs"/>
+              </a:rPr>
+              <a:t> </a:t>
+            </a:r>
+            <a:r>
+              <a:rPr lang="ru-RU" sz="1200" b="0" i="0" kern="1200" baseline="0" dirty="0" err="1">
+                <a:solidFill>
+                  <a:schemeClr val="tx1"/>
+                </a:solidFill>
+                <a:effectLst/>
+                <a:latin typeface="+mn-lt"/>
+                <a:ea typeface="+mn-ea"/>
+                <a:cs typeface="+mn-cs"/>
+              </a:rPr>
+              <a:t>ревью</a:t>
+            </a:r>
+            <a:r>
+              <a:rPr lang="ru-RU" sz="1200" b="0" i="0" kern="1200" baseline="0" dirty="0">
+                <a:solidFill>
+                  <a:schemeClr val="tx1"/>
+                </a:solidFill>
+                <a:effectLst/>
+                <a:latin typeface="+mn-lt"/>
+                <a:ea typeface="+mn-ea"/>
+                <a:cs typeface="+mn-cs"/>
+              </a:rPr>
+              <a:t> возможно, что на это не обратят внимания. Потому что «</a:t>
+            </a:r>
+            <a:r>
+              <a:rPr lang="ru-RU" sz="1200" b="1" i="0" kern="1200" dirty="0">
+                <a:solidFill>
+                  <a:schemeClr val="tx1"/>
+                </a:solidFill>
+                <a:effectLst/>
+                <a:latin typeface="+mn-lt"/>
+                <a:ea typeface="+mn-ea"/>
+                <a:cs typeface="+mn-cs"/>
+              </a:rPr>
+              <a:t>По </a:t>
+            </a:r>
+            <a:r>
+              <a:rPr lang="ru-RU" sz="1200" b="1" i="0" kern="1200" dirty="0" err="1">
+                <a:solidFill>
+                  <a:schemeClr val="tx1"/>
+                </a:solidFill>
+                <a:effectLst/>
+                <a:latin typeface="+mn-lt"/>
+                <a:ea typeface="+mn-ea"/>
+                <a:cs typeface="+mn-cs"/>
+              </a:rPr>
+              <a:t>рзеузльаттам</a:t>
+            </a:r>
+            <a:r>
+              <a:rPr lang="ru-RU" sz="1200" b="1" i="0" kern="1200" dirty="0">
+                <a:solidFill>
+                  <a:schemeClr val="tx1"/>
+                </a:solidFill>
+                <a:effectLst/>
+                <a:latin typeface="+mn-lt"/>
+                <a:ea typeface="+mn-ea"/>
+                <a:cs typeface="+mn-cs"/>
+              </a:rPr>
+              <a:t> </a:t>
+            </a:r>
+            <a:r>
+              <a:rPr lang="ru-RU" sz="1200" b="1" i="0" kern="1200" dirty="0" err="1">
+                <a:solidFill>
+                  <a:schemeClr val="tx1"/>
+                </a:solidFill>
+                <a:effectLst/>
+                <a:latin typeface="+mn-lt"/>
+                <a:ea typeface="+mn-ea"/>
+                <a:cs typeface="+mn-cs"/>
+              </a:rPr>
+              <a:t>илссоевадний</a:t>
+            </a:r>
+            <a:r>
+              <a:rPr lang="ru-RU" sz="1200" b="1" i="0" kern="1200" dirty="0">
+                <a:solidFill>
+                  <a:schemeClr val="tx1"/>
+                </a:solidFill>
+                <a:effectLst/>
+                <a:latin typeface="+mn-lt"/>
+                <a:ea typeface="+mn-ea"/>
+                <a:cs typeface="+mn-cs"/>
+              </a:rPr>
+              <a:t> </a:t>
+            </a:r>
+            <a:r>
+              <a:rPr lang="ru-RU" sz="1200" b="1" i="0" kern="1200" dirty="0" err="1">
+                <a:solidFill>
+                  <a:schemeClr val="tx1"/>
+                </a:solidFill>
+                <a:effectLst/>
+                <a:latin typeface="+mn-lt"/>
+                <a:ea typeface="+mn-ea"/>
+                <a:cs typeface="+mn-cs"/>
+              </a:rPr>
+              <a:t>одонго</a:t>
+            </a:r>
+            <a:r>
+              <a:rPr lang="ru-RU" sz="1200" b="1" i="0" kern="1200" dirty="0">
+                <a:solidFill>
+                  <a:schemeClr val="tx1"/>
+                </a:solidFill>
+                <a:effectLst/>
+                <a:latin typeface="+mn-lt"/>
+                <a:ea typeface="+mn-ea"/>
+                <a:cs typeface="+mn-cs"/>
+              </a:rPr>
+              <a:t> </a:t>
+            </a:r>
+            <a:r>
+              <a:rPr lang="ru-RU" sz="1200" b="1" i="0" kern="1200" dirty="0" err="1">
+                <a:solidFill>
+                  <a:schemeClr val="tx1"/>
+                </a:solidFill>
+                <a:effectLst/>
+                <a:latin typeface="+mn-lt"/>
+                <a:ea typeface="+mn-ea"/>
+                <a:cs typeface="+mn-cs"/>
+              </a:rPr>
+              <a:t>анлигсйокго</a:t>
+            </a:r>
+            <a:r>
+              <a:rPr lang="ru-RU" sz="1200" b="1" i="0" kern="1200" dirty="0">
+                <a:solidFill>
+                  <a:schemeClr val="tx1"/>
+                </a:solidFill>
+                <a:effectLst/>
+                <a:latin typeface="+mn-lt"/>
+                <a:ea typeface="+mn-ea"/>
+                <a:cs typeface="+mn-cs"/>
+              </a:rPr>
+              <a:t> </a:t>
+            </a:r>
+            <a:r>
+              <a:rPr lang="ru-RU" sz="1200" b="1" i="0" kern="1200" dirty="0" err="1">
+                <a:solidFill>
+                  <a:schemeClr val="tx1"/>
+                </a:solidFill>
+                <a:effectLst/>
+                <a:latin typeface="+mn-lt"/>
+                <a:ea typeface="+mn-ea"/>
+                <a:cs typeface="+mn-cs"/>
+              </a:rPr>
+              <a:t>унвиертисета</a:t>
+            </a:r>
+            <a:r>
+              <a:rPr lang="ru-RU" sz="1200" b="1" i="0" kern="1200" dirty="0">
+                <a:solidFill>
+                  <a:schemeClr val="tx1"/>
+                </a:solidFill>
+                <a:effectLst/>
+                <a:latin typeface="+mn-lt"/>
+                <a:ea typeface="+mn-ea"/>
+                <a:cs typeface="+mn-cs"/>
+              </a:rPr>
+              <a:t>, не </a:t>
+            </a:r>
+            <a:r>
+              <a:rPr lang="ru-RU" sz="1200" b="1" i="0" kern="1200" dirty="0" err="1">
+                <a:solidFill>
+                  <a:schemeClr val="tx1"/>
+                </a:solidFill>
+                <a:effectLst/>
+                <a:latin typeface="+mn-lt"/>
+                <a:ea typeface="+mn-ea"/>
+                <a:cs typeface="+mn-cs"/>
+              </a:rPr>
+              <a:t>иеемт</a:t>
+            </a:r>
+            <a:r>
+              <a:rPr lang="ru-RU" sz="1200" b="1" i="0" kern="1200" dirty="0">
+                <a:solidFill>
+                  <a:schemeClr val="tx1"/>
+                </a:solidFill>
+                <a:effectLst/>
+                <a:latin typeface="+mn-lt"/>
+                <a:ea typeface="+mn-ea"/>
+                <a:cs typeface="+mn-cs"/>
+              </a:rPr>
+              <a:t> </a:t>
+            </a:r>
+            <a:r>
+              <a:rPr lang="ru-RU" sz="1200" b="1" i="0" kern="1200" dirty="0" err="1">
+                <a:solidFill>
+                  <a:schemeClr val="tx1"/>
+                </a:solidFill>
+                <a:effectLst/>
+                <a:latin typeface="+mn-lt"/>
+                <a:ea typeface="+mn-ea"/>
+                <a:cs typeface="+mn-cs"/>
+              </a:rPr>
+              <a:t>занчнеия</a:t>
+            </a:r>
+            <a:r>
+              <a:rPr lang="ru-RU" sz="1200" b="1" i="0" kern="1200" dirty="0">
+                <a:solidFill>
+                  <a:schemeClr val="tx1"/>
+                </a:solidFill>
+                <a:effectLst/>
+                <a:latin typeface="+mn-lt"/>
+                <a:ea typeface="+mn-ea"/>
+                <a:cs typeface="+mn-cs"/>
+              </a:rPr>
+              <a:t>, в </a:t>
+            </a:r>
+            <a:r>
+              <a:rPr lang="ru-RU" sz="1200" b="1" i="0" kern="1200" dirty="0" err="1">
+                <a:solidFill>
+                  <a:schemeClr val="tx1"/>
+                </a:solidFill>
+                <a:effectLst/>
+                <a:latin typeface="+mn-lt"/>
+                <a:ea typeface="+mn-ea"/>
+                <a:cs typeface="+mn-cs"/>
+              </a:rPr>
+              <a:t>каокм</a:t>
+            </a:r>
+            <a:r>
+              <a:rPr lang="ru-RU" sz="1200" b="1" i="0" kern="1200" dirty="0">
+                <a:solidFill>
+                  <a:schemeClr val="tx1"/>
+                </a:solidFill>
+                <a:effectLst/>
+                <a:latin typeface="+mn-lt"/>
+                <a:ea typeface="+mn-ea"/>
+                <a:cs typeface="+mn-cs"/>
+              </a:rPr>
+              <a:t> </a:t>
+            </a:r>
+            <a:r>
+              <a:rPr lang="ru-RU" sz="1200" b="1" i="0" kern="1200" dirty="0" err="1">
+                <a:solidFill>
+                  <a:schemeClr val="tx1"/>
+                </a:solidFill>
+                <a:effectLst/>
+                <a:latin typeface="+mn-lt"/>
+                <a:ea typeface="+mn-ea"/>
+                <a:cs typeface="+mn-cs"/>
+              </a:rPr>
+              <a:t>проякде</a:t>
+            </a:r>
+            <a:r>
+              <a:rPr lang="ru-RU" sz="1200" b="1" i="0" kern="1200" dirty="0">
+                <a:solidFill>
+                  <a:schemeClr val="tx1"/>
+                </a:solidFill>
+                <a:effectLst/>
+                <a:latin typeface="+mn-lt"/>
+                <a:ea typeface="+mn-ea"/>
+                <a:cs typeface="+mn-cs"/>
+              </a:rPr>
+              <a:t> </a:t>
+            </a:r>
+            <a:r>
+              <a:rPr lang="ru-RU" sz="1200" b="1" i="0" kern="1200" dirty="0" err="1">
+                <a:solidFill>
+                  <a:schemeClr val="tx1"/>
+                </a:solidFill>
+                <a:effectLst/>
+                <a:latin typeface="+mn-lt"/>
+                <a:ea typeface="+mn-ea"/>
+                <a:cs typeface="+mn-cs"/>
+              </a:rPr>
+              <a:t>рсапжоолены</a:t>
+            </a:r>
+            <a:r>
+              <a:rPr lang="ru-RU" sz="1200" b="1" i="0" kern="1200" dirty="0">
+                <a:solidFill>
+                  <a:schemeClr val="tx1"/>
+                </a:solidFill>
+                <a:effectLst/>
+                <a:latin typeface="+mn-lt"/>
+                <a:ea typeface="+mn-ea"/>
+                <a:cs typeface="+mn-cs"/>
+              </a:rPr>
+              <a:t> </a:t>
+            </a:r>
+            <a:r>
+              <a:rPr lang="ru-RU" sz="1200" b="1" i="0" kern="1200" dirty="0" err="1">
+                <a:solidFill>
+                  <a:schemeClr val="tx1"/>
+                </a:solidFill>
+                <a:effectLst/>
+                <a:latin typeface="+mn-lt"/>
+                <a:ea typeface="+mn-ea"/>
+                <a:cs typeface="+mn-cs"/>
+              </a:rPr>
+              <a:t>бкувы</a:t>
+            </a:r>
+            <a:r>
+              <a:rPr lang="ru-RU" sz="1200" b="1" i="0" kern="1200" dirty="0">
+                <a:solidFill>
+                  <a:schemeClr val="tx1"/>
+                </a:solidFill>
+                <a:effectLst/>
+                <a:latin typeface="+mn-lt"/>
+                <a:ea typeface="+mn-ea"/>
+                <a:cs typeface="+mn-cs"/>
+              </a:rPr>
+              <a:t> в </a:t>
+            </a:r>
+            <a:r>
+              <a:rPr lang="ru-RU" sz="1200" b="1" i="0" kern="1200" dirty="0" err="1">
+                <a:solidFill>
+                  <a:schemeClr val="tx1"/>
+                </a:solidFill>
+                <a:effectLst/>
+                <a:latin typeface="+mn-lt"/>
+                <a:ea typeface="+mn-ea"/>
+                <a:cs typeface="+mn-cs"/>
+              </a:rPr>
+              <a:t>солве</a:t>
+            </a:r>
+            <a:r>
+              <a:rPr lang="ru-RU" sz="1200" b="1" i="0" kern="1200" dirty="0">
+                <a:solidFill>
+                  <a:schemeClr val="tx1"/>
+                </a:solidFill>
+                <a:effectLst/>
+                <a:latin typeface="+mn-lt"/>
+                <a:ea typeface="+mn-ea"/>
+                <a:cs typeface="+mn-cs"/>
+              </a:rPr>
+              <a:t>. </a:t>
+            </a:r>
+            <a:r>
+              <a:rPr lang="ru-RU" sz="1200" b="1" i="0" kern="1200" dirty="0" err="1">
+                <a:solidFill>
+                  <a:schemeClr val="tx1"/>
+                </a:solidFill>
+                <a:effectLst/>
+                <a:latin typeface="+mn-lt"/>
+                <a:ea typeface="+mn-ea"/>
+                <a:cs typeface="+mn-cs"/>
+              </a:rPr>
+              <a:t>Галовне</a:t>
+            </a:r>
+            <a:r>
+              <a:rPr lang="ru-RU" sz="1200" b="1" i="0" kern="1200" dirty="0">
+                <a:solidFill>
+                  <a:schemeClr val="tx1"/>
+                </a:solidFill>
+                <a:effectLst/>
+                <a:latin typeface="+mn-lt"/>
+                <a:ea typeface="+mn-ea"/>
+                <a:cs typeface="+mn-cs"/>
+              </a:rPr>
+              <a:t>, </a:t>
+            </a:r>
+            <a:r>
+              <a:rPr lang="ru-RU" sz="1200" b="1" i="0" kern="1200" dirty="0" err="1">
+                <a:solidFill>
+                  <a:schemeClr val="tx1"/>
+                </a:solidFill>
+                <a:effectLst/>
+                <a:latin typeface="+mn-lt"/>
+                <a:ea typeface="+mn-ea"/>
+                <a:cs typeface="+mn-cs"/>
+              </a:rPr>
+              <a:t>чотбы</a:t>
+            </a:r>
+            <a:r>
+              <a:rPr lang="ru-RU" sz="1200" b="1" i="0" kern="1200" dirty="0">
+                <a:solidFill>
+                  <a:schemeClr val="tx1"/>
+                </a:solidFill>
+                <a:effectLst/>
+                <a:latin typeface="+mn-lt"/>
+                <a:ea typeface="+mn-ea"/>
+                <a:cs typeface="+mn-cs"/>
+              </a:rPr>
+              <a:t> </a:t>
+            </a:r>
+            <a:r>
+              <a:rPr lang="ru-RU" sz="1200" b="1" i="0" kern="1200" dirty="0" err="1">
+                <a:solidFill>
+                  <a:schemeClr val="tx1"/>
+                </a:solidFill>
+                <a:effectLst/>
+                <a:latin typeface="+mn-lt"/>
+                <a:ea typeface="+mn-ea"/>
+                <a:cs typeface="+mn-cs"/>
+              </a:rPr>
+              <a:t>преавя</a:t>
+            </a:r>
+            <a:r>
+              <a:rPr lang="ru-RU" sz="1200" b="1" i="0" kern="1200" dirty="0">
+                <a:solidFill>
+                  <a:schemeClr val="tx1"/>
+                </a:solidFill>
+                <a:effectLst/>
+                <a:latin typeface="+mn-lt"/>
+                <a:ea typeface="+mn-ea"/>
+                <a:cs typeface="+mn-cs"/>
+              </a:rPr>
+              <a:t> и </a:t>
+            </a:r>
+            <a:r>
+              <a:rPr lang="ru-RU" sz="1200" b="1" i="0" kern="1200" dirty="0" err="1">
+                <a:solidFill>
+                  <a:schemeClr val="tx1"/>
+                </a:solidFill>
+                <a:effectLst/>
+                <a:latin typeface="+mn-lt"/>
+                <a:ea typeface="+mn-ea"/>
+                <a:cs typeface="+mn-cs"/>
+              </a:rPr>
+              <a:t>пслонедяя</a:t>
+            </a:r>
+            <a:r>
+              <a:rPr lang="ru-RU" sz="1200" b="1" i="0" kern="1200" dirty="0">
+                <a:solidFill>
+                  <a:schemeClr val="tx1"/>
+                </a:solidFill>
+                <a:effectLst/>
+                <a:latin typeface="+mn-lt"/>
+                <a:ea typeface="+mn-ea"/>
+                <a:cs typeface="+mn-cs"/>
+              </a:rPr>
+              <a:t> </a:t>
+            </a:r>
+            <a:r>
+              <a:rPr lang="ru-RU" sz="1200" b="1" i="0" kern="1200" dirty="0" err="1">
+                <a:solidFill>
+                  <a:schemeClr val="tx1"/>
+                </a:solidFill>
+                <a:effectLst/>
+                <a:latin typeface="+mn-lt"/>
+                <a:ea typeface="+mn-ea"/>
+                <a:cs typeface="+mn-cs"/>
+              </a:rPr>
+              <a:t>бквуы</a:t>
+            </a:r>
+            <a:r>
+              <a:rPr lang="ru-RU" sz="1200" b="1" i="0" kern="1200" dirty="0">
+                <a:solidFill>
+                  <a:schemeClr val="tx1"/>
+                </a:solidFill>
+                <a:effectLst/>
+                <a:latin typeface="+mn-lt"/>
+                <a:ea typeface="+mn-ea"/>
+                <a:cs typeface="+mn-cs"/>
+              </a:rPr>
+              <a:t> </a:t>
+            </a:r>
+            <a:r>
+              <a:rPr lang="ru-RU" sz="1200" b="1" i="0" kern="1200" dirty="0" err="1">
+                <a:solidFill>
+                  <a:schemeClr val="tx1"/>
+                </a:solidFill>
+                <a:effectLst/>
+                <a:latin typeface="+mn-lt"/>
+                <a:ea typeface="+mn-ea"/>
+                <a:cs typeface="+mn-cs"/>
+              </a:rPr>
+              <a:t>блыи</a:t>
+            </a:r>
+            <a:r>
+              <a:rPr lang="ru-RU" sz="1200" b="1" i="0" kern="1200" dirty="0">
+                <a:solidFill>
+                  <a:schemeClr val="tx1"/>
+                </a:solidFill>
+                <a:effectLst/>
+                <a:latin typeface="+mn-lt"/>
+                <a:ea typeface="+mn-ea"/>
+                <a:cs typeface="+mn-cs"/>
+              </a:rPr>
+              <a:t> на </a:t>
+            </a:r>
+            <a:r>
+              <a:rPr lang="ru-RU" sz="1200" b="1" i="0" kern="1200" dirty="0" err="1">
+                <a:solidFill>
+                  <a:schemeClr val="tx1"/>
+                </a:solidFill>
+                <a:effectLst/>
+                <a:latin typeface="+mn-lt"/>
+                <a:ea typeface="+mn-ea"/>
+                <a:cs typeface="+mn-cs"/>
+              </a:rPr>
+              <a:t>мсете</a:t>
+            </a:r>
+            <a:r>
+              <a:rPr lang="ru-RU" sz="1200" b="1" i="0" kern="1200" dirty="0">
+                <a:solidFill>
+                  <a:schemeClr val="tx1"/>
+                </a:solidFill>
+                <a:effectLst/>
+                <a:latin typeface="+mn-lt"/>
+                <a:ea typeface="+mn-ea"/>
+                <a:cs typeface="+mn-cs"/>
+              </a:rPr>
+              <a:t>. </a:t>
+            </a:r>
+            <a:r>
+              <a:rPr lang="ru-RU" sz="1200" b="1" i="0" kern="1200" dirty="0" err="1">
+                <a:solidFill>
+                  <a:schemeClr val="tx1"/>
+                </a:solidFill>
+                <a:effectLst/>
+                <a:latin typeface="+mn-lt"/>
+                <a:ea typeface="+mn-ea"/>
+                <a:cs typeface="+mn-cs"/>
+              </a:rPr>
+              <a:t>осатьлыне</a:t>
+            </a:r>
+            <a:r>
+              <a:rPr lang="ru-RU" sz="1200" b="1" i="0" kern="1200" dirty="0">
+                <a:solidFill>
+                  <a:schemeClr val="tx1"/>
+                </a:solidFill>
+                <a:effectLst/>
+                <a:latin typeface="+mn-lt"/>
+                <a:ea typeface="+mn-ea"/>
+                <a:cs typeface="+mn-cs"/>
+              </a:rPr>
+              <a:t> </a:t>
+            </a:r>
+            <a:r>
+              <a:rPr lang="ru-RU" sz="1200" b="1" i="0" kern="1200" dirty="0" err="1">
+                <a:solidFill>
+                  <a:schemeClr val="tx1"/>
+                </a:solidFill>
+                <a:effectLst/>
+                <a:latin typeface="+mn-lt"/>
+                <a:ea typeface="+mn-ea"/>
+                <a:cs typeface="+mn-cs"/>
+              </a:rPr>
+              <a:t>бкувы</a:t>
+            </a:r>
+            <a:r>
+              <a:rPr lang="ru-RU" sz="1200" b="1" i="0" kern="1200" dirty="0">
+                <a:solidFill>
+                  <a:schemeClr val="tx1"/>
+                </a:solidFill>
+                <a:effectLst/>
+                <a:latin typeface="+mn-lt"/>
+                <a:ea typeface="+mn-ea"/>
+                <a:cs typeface="+mn-cs"/>
+              </a:rPr>
+              <a:t> </a:t>
+            </a:r>
+            <a:r>
+              <a:rPr lang="ru-RU" sz="1200" b="1" i="0" kern="1200" dirty="0" err="1">
+                <a:solidFill>
+                  <a:schemeClr val="tx1"/>
+                </a:solidFill>
+                <a:effectLst/>
+                <a:latin typeface="+mn-lt"/>
+                <a:ea typeface="+mn-ea"/>
+                <a:cs typeface="+mn-cs"/>
+              </a:rPr>
+              <a:t>мгоут</a:t>
+            </a:r>
+            <a:r>
+              <a:rPr lang="ru-RU" sz="1200" b="1" i="0" kern="1200" dirty="0">
+                <a:solidFill>
+                  <a:schemeClr val="tx1"/>
+                </a:solidFill>
+                <a:effectLst/>
+                <a:latin typeface="+mn-lt"/>
+                <a:ea typeface="+mn-ea"/>
+                <a:cs typeface="+mn-cs"/>
+              </a:rPr>
+              <a:t> </a:t>
+            </a:r>
+            <a:r>
+              <a:rPr lang="ru-RU" sz="1200" b="1" i="0" kern="1200" dirty="0" err="1">
+                <a:solidFill>
+                  <a:schemeClr val="tx1"/>
+                </a:solidFill>
+                <a:effectLst/>
+                <a:latin typeface="+mn-lt"/>
+                <a:ea typeface="+mn-ea"/>
+                <a:cs typeface="+mn-cs"/>
+              </a:rPr>
+              <a:t>селдовтаь</a:t>
+            </a:r>
+            <a:r>
+              <a:rPr lang="ru-RU" sz="1200" b="1" i="0" kern="1200" dirty="0">
+                <a:solidFill>
+                  <a:schemeClr val="tx1"/>
+                </a:solidFill>
+                <a:effectLst/>
+                <a:latin typeface="+mn-lt"/>
+                <a:ea typeface="+mn-ea"/>
+                <a:cs typeface="+mn-cs"/>
+              </a:rPr>
+              <a:t> в </a:t>
+            </a:r>
+            <a:r>
+              <a:rPr lang="ru-RU" sz="1200" b="1" i="0" kern="1200" dirty="0" err="1">
+                <a:solidFill>
+                  <a:schemeClr val="tx1"/>
+                </a:solidFill>
+                <a:effectLst/>
+                <a:latin typeface="+mn-lt"/>
+                <a:ea typeface="+mn-ea"/>
+                <a:cs typeface="+mn-cs"/>
+              </a:rPr>
+              <a:t>плоонм</a:t>
+            </a:r>
+            <a:r>
+              <a:rPr lang="ru-RU" sz="1200" b="1" i="0" kern="1200" dirty="0">
+                <a:solidFill>
+                  <a:schemeClr val="tx1"/>
+                </a:solidFill>
+                <a:effectLst/>
+                <a:latin typeface="+mn-lt"/>
+                <a:ea typeface="+mn-ea"/>
+                <a:cs typeface="+mn-cs"/>
+              </a:rPr>
+              <a:t> </a:t>
+            </a:r>
+            <a:r>
+              <a:rPr lang="ru-RU" sz="1200" b="1" i="0" kern="1200" dirty="0" err="1">
+                <a:solidFill>
+                  <a:schemeClr val="tx1"/>
+                </a:solidFill>
+                <a:effectLst/>
+                <a:latin typeface="+mn-lt"/>
+                <a:ea typeface="+mn-ea"/>
+                <a:cs typeface="+mn-cs"/>
+              </a:rPr>
+              <a:t>бсепордяке</a:t>
+            </a:r>
+            <a:r>
+              <a:rPr lang="ru-RU" sz="1200" b="1" i="0" kern="1200" dirty="0">
+                <a:solidFill>
+                  <a:schemeClr val="tx1"/>
+                </a:solidFill>
+                <a:effectLst/>
+                <a:latin typeface="+mn-lt"/>
+                <a:ea typeface="+mn-ea"/>
+                <a:cs typeface="+mn-cs"/>
+              </a:rPr>
+              <a:t>, все-рвано </a:t>
+            </a:r>
+            <a:r>
+              <a:rPr lang="ru-RU" sz="1200" b="1" i="0" kern="1200" dirty="0" err="1">
+                <a:solidFill>
+                  <a:schemeClr val="tx1"/>
+                </a:solidFill>
+                <a:effectLst/>
+                <a:latin typeface="+mn-lt"/>
+                <a:ea typeface="+mn-ea"/>
+                <a:cs typeface="+mn-cs"/>
+              </a:rPr>
+              <a:t>ткест</a:t>
+            </a:r>
+            <a:r>
+              <a:rPr lang="ru-RU" sz="1200" b="1" i="0" kern="1200" dirty="0">
+                <a:solidFill>
+                  <a:schemeClr val="tx1"/>
+                </a:solidFill>
+                <a:effectLst/>
+                <a:latin typeface="+mn-lt"/>
+                <a:ea typeface="+mn-ea"/>
+                <a:cs typeface="+mn-cs"/>
+              </a:rPr>
+              <a:t> </a:t>
+            </a:r>
+            <a:r>
+              <a:rPr lang="ru-RU" sz="1200" b="1" i="0" kern="1200" dirty="0" err="1">
+                <a:solidFill>
+                  <a:schemeClr val="tx1"/>
+                </a:solidFill>
+                <a:effectLst/>
+                <a:latin typeface="+mn-lt"/>
+                <a:ea typeface="+mn-ea"/>
+                <a:cs typeface="+mn-cs"/>
+              </a:rPr>
+              <a:t>чтаитсея</a:t>
+            </a:r>
+            <a:r>
+              <a:rPr lang="ru-RU" sz="1200" b="1" i="0" kern="1200" dirty="0">
+                <a:solidFill>
+                  <a:schemeClr val="tx1"/>
+                </a:solidFill>
+                <a:effectLst/>
+                <a:latin typeface="+mn-lt"/>
+                <a:ea typeface="+mn-ea"/>
+                <a:cs typeface="+mn-cs"/>
+              </a:rPr>
+              <a:t> без </a:t>
+            </a:r>
+            <a:r>
+              <a:rPr lang="ru-RU" sz="1200" b="1" i="0" kern="1200" dirty="0" err="1">
+                <a:solidFill>
+                  <a:schemeClr val="tx1"/>
+                </a:solidFill>
+                <a:effectLst/>
+                <a:latin typeface="+mn-lt"/>
+                <a:ea typeface="+mn-ea"/>
+                <a:cs typeface="+mn-cs"/>
+              </a:rPr>
+              <a:t>побрелм</a:t>
+            </a:r>
+            <a:r>
+              <a:rPr lang="ru-RU" sz="1200" b="1" i="0" kern="1200" dirty="0">
+                <a:solidFill>
+                  <a:schemeClr val="tx1"/>
+                </a:solidFill>
+                <a:effectLst/>
+                <a:latin typeface="+mn-lt"/>
+                <a:ea typeface="+mn-ea"/>
+                <a:cs typeface="+mn-cs"/>
+              </a:rPr>
+              <a:t>. </a:t>
+            </a:r>
+            <a:r>
+              <a:rPr lang="ru-RU" sz="1200" b="1" i="0" kern="1200" dirty="0" err="1">
+                <a:solidFill>
+                  <a:schemeClr val="tx1"/>
+                </a:solidFill>
+                <a:effectLst/>
+                <a:latin typeface="+mn-lt"/>
+                <a:ea typeface="+mn-ea"/>
+                <a:cs typeface="+mn-cs"/>
+              </a:rPr>
+              <a:t>Пичрионй</a:t>
+            </a:r>
+            <a:r>
+              <a:rPr lang="ru-RU" sz="1200" b="1" i="0" kern="1200" dirty="0">
+                <a:solidFill>
+                  <a:schemeClr val="tx1"/>
+                </a:solidFill>
+                <a:effectLst/>
+                <a:latin typeface="+mn-lt"/>
+                <a:ea typeface="+mn-ea"/>
+                <a:cs typeface="+mn-cs"/>
+              </a:rPr>
+              <a:t> </a:t>
+            </a:r>
+            <a:r>
+              <a:rPr lang="ru-RU" sz="1200" b="1" i="0" kern="1200" dirty="0" err="1">
+                <a:solidFill>
+                  <a:schemeClr val="tx1"/>
+                </a:solidFill>
+                <a:effectLst/>
+                <a:latin typeface="+mn-lt"/>
+                <a:ea typeface="+mn-ea"/>
+                <a:cs typeface="+mn-cs"/>
+              </a:rPr>
+              <a:t>эгото</a:t>
+            </a:r>
+            <a:r>
+              <a:rPr lang="ru-RU" sz="1200" b="1" i="0" kern="1200" dirty="0">
+                <a:solidFill>
+                  <a:schemeClr val="tx1"/>
+                </a:solidFill>
+                <a:effectLst/>
+                <a:latin typeface="+mn-lt"/>
+                <a:ea typeface="+mn-ea"/>
+                <a:cs typeface="+mn-cs"/>
+              </a:rPr>
+              <a:t> </a:t>
+            </a:r>
+            <a:r>
+              <a:rPr lang="ru-RU" sz="1200" b="1" i="0" kern="1200" dirty="0" err="1">
+                <a:solidFill>
+                  <a:schemeClr val="tx1"/>
+                </a:solidFill>
+                <a:effectLst/>
+                <a:latin typeface="+mn-lt"/>
+                <a:ea typeface="+mn-ea"/>
+                <a:cs typeface="+mn-cs"/>
+              </a:rPr>
+              <a:t>ялвятеся</a:t>
+            </a:r>
+            <a:r>
+              <a:rPr lang="ru-RU" sz="1200" b="1" i="0" kern="1200" dirty="0">
+                <a:solidFill>
+                  <a:schemeClr val="tx1"/>
+                </a:solidFill>
+                <a:effectLst/>
+                <a:latin typeface="+mn-lt"/>
+                <a:ea typeface="+mn-ea"/>
+                <a:cs typeface="+mn-cs"/>
+              </a:rPr>
+              <a:t> то, что мы не </a:t>
+            </a:r>
+            <a:r>
+              <a:rPr lang="ru-RU" sz="1200" b="1" i="0" kern="1200" dirty="0" err="1">
+                <a:solidFill>
+                  <a:schemeClr val="tx1"/>
+                </a:solidFill>
+                <a:effectLst/>
+                <a:latin typeface="+mn-lt"/>
+                <a:ea typeface="+mn-ea"/>
+                <a:cs typeface="+mn-cs"/>
+              </a:rPr>
+              <a:t>чиаетм</a:t>
+            </a:r>
+            <a:r>
+              <a:rPr lang="ru-RU" sz="1200" b="1" i="0" kern="1200" dirty="0">
+                <a:solidFill>
+                  <a:schemeClr val="tx1"/>
+                </a:solidFill>
+                <a:effectLst/>
+                <a:latin typeface="+mn-lt"/>
+                <a:ea typeface="+mn-ea"/>
+                <a:cs typeface="+mn-cs"/>
+              </a:rPr>
+              <a:t> </a:t>
+            </a:r>
+            <a:r>
+              <a:rPr lang="ru-RU" sz="1200" b="1" i="0" kern="1200" dirty="0" err="1">
+                <a:solidFill>
+                  <a:schemeClr val="tx1"/>
+                </a:solidFill>
+                <a:effectLst/>
+                <a:latin typeface="+mn-lt"/>
+                <a:ea typeface="+mn-ea"/>
+                <a:cs typeface="+mn-cs"/>
+              </a:rPr>
+              <a:t>кдаужю</a:t>
+            </a:r>
+            <a:r>
+              <a:rPr lang="ru-RU" sz="1200" b="1" i="0" kern="1200" dirty="0">
+                <a:solidFill>
+                  <a:schemeClr val="tx1"/>
+                </a:solidFill>
+                <a:effectLst/>
+                <a:latin typeface="+mn-lt"/>
+                <a:ea typeface="+mn-ea"/>
+                <a:cs typeface="+mn-cs"/>
+              </a:rPr>
+              <a:t> </a:t>
+            </a:r>
+            <a:r>
+              <a:rPr lang="ru-RU" sz="1200" b="1" i="0" kern="1200" dirty="0" err="1">
+                <a:solidFill>
+                  <a:schemeClr val="tx1"/>
+                </a:solidFill>
+                <a:effectLst/>
+                <a:latin typeface="+mn-lt"/>
+                <a:ea typeface="+mn-ea"/>
+                <a:cs typeface="+mn-cs"/>
+              </a:rPr>
+              <a:t>бкуву</a:t>
+            </a:r>
+            <a:r>
+              <a:rPr lang="ru-RU" sz="1200" b="1" i="0" kern="1200" dirty="0">
+                <a:solidFill>
+                  <a:schemeClr val="tx1"/>
+                </a:solidFill>
+                <a:effectLst/>
+                <a:latin typeface="+mn-lt"/>
+                <a:ea typeface="+mn-ea"/>
+                <a:cs typeface="+mn-cs"/>
+              </a:rPr>
+              <a:t> по </a:t>
+            </a:r>
+            <a:r>
+              <a:rPr lang="ru-RU" sz="1200" b="1" i="0" kern="1200" dirty="0" err="1">
+                <a:solidFill>
+                  <a:schemeClr val="tx1"/>
+                </a:solidFill>
+                <a:effectLst/>
+                <a:latin typeface="+mn-lt"/>
+                <a:ea typeface="+mn-ea"/>
+                <a:cs typeface="+mn-cs"/>
+              </a:rPr>
+              <a:t>отдльенотси</a:t>
+            </a:r>
+            <a:r>
+              <a:rPr lang="ru-RU" sz="1200" b="1" i="0" kern="1200" dirty="0">
+                <a:solidFill>
+                  <a:schemeClr val="tx1"/>
+                </a:solidFill>
+                <a:effectLst/>
+                <a:latin typeface="+mn-lt"/>
+                <a:ea typeface="+mn-ea"/>
+                <a:cs typeface="+mn-cs"/>
+              </a:rPr>
+              <a:t>, а все </a:t>
+            </a:r>
+            <a:r>
+              <a:rPr lang="ru-RU" sz="1200" b="1" i="0" kern="1200" dirty="0" err="1">
+                <a:solidFill>
+                  <a:schemeClr val="tx1"/>
+                </a:solidFill>
+                <a:effectLst/>
+                <a:latin typeface="+mn-lt"/>
+                <a:ea typeface="+mn-ea"/>
+                <a:cs typeface="+mn-cs"/>
+              </a:rPr>
+              <a:t>солво</a:t>
+            </a:r>
+            <a:r>
+              <a:rPr lang="ru-RU" sz="1200" b="1" i="0" kern="1200" dirty="0">
+                <a:solidFill>
+                  <a:schemeClr val="tx1"/>
+                </a:solidFill>
+                <a:effectLst/>
+                <a:latin typeface="+mn-lt"/>
+                <a:ea typeface="+mn-ea"/>
+                <a:cs typeface="+mn-cs"/>
+              </a:rPr>
+              <a:t> </a:t>
+            </a:r>
+            <a:r>
+              <a:rPr lang="ru-RU" sz="1200" b="1" i="0" kern="1200" dirty="0" err="1">
+                <a:solidFill>
+                  <a:schemeClr val="tx1"/>
+                </a:solidFill>
+                <a:effectLst/>
+                <a:latin typeface="+mn-lt"/>
+                <a:ea typeface="+mn-ea"/>
+                <a:cs typeface="+mn-cs"/>
+              </a:rPr>
+              <a:t>цлиеком</a:t>
+            </a:r>
+            <a:r>
+              <a:rPr lang="ru-RU" sz="1200" b="1" i="0" kern="1200" dirty="0">
+                <a:solidFill>
+                  <a:schemeClr val="tx1"/>
+                </a:solidFill>
+                <a:effectLst/>
+                <a:latin typeface="+mn-lt"/>
+                <a:ea typeface="+mn-ea"/>
+                <a:cs typeface="+mn-cs"/>
+              </a:rPr>
+              <a:t>.</a:t>
+            </a:r>
+            <a:r>
+              <a:rPr lang="ru-RU" sz="1200" b="0" i="0" kern="1200" baseline="0" dirty="0">
+                <a:solidFill>
+                  <a:schemeClr val="tx1"/>
+                </a:solidFill>
+                <a:effectLst/>
+                <a:latin typeface="+mn-lt"/>
+                <a:ea typeface="+mn-ea"/>
+                <a:cs typeface="+mn-cs"/>
+              </a:rPr>
+              <a:t>»</a:t>
+            </a:r>
+            <a:endParaRPr lang="ru-RU" dirty="0"/>
+          </a:p>
+          <a:p>
+            <a:r>
+              <a:rPr lang="ru-RU" dirty="0"/>
+              <a:t>5. </a:t>
+            </a:r>
+            <a:r>
+              <a:rPr lang="en-US" sz="1200" b="0" i="0" kern="1200" dirty="0">
+                <a:solidFill>
+                  <a:schemeClr val="tx1"/>
+                </a:solidFill>
+                <a:effectLst/>
+                <a:latin typeface="+mn-lt"/>
+                <a:ea typeface="+mn-ea"/>
+                <a:cs typeface="+mn-cs"/>
+              </a:rPr>
+              <a:t>private </a:t>
+            </a:r>
+            <a:r>
+              <a:rPr lang="en-US" sz="1200" b="1" i="0" kern="1200" dirty="0">
+                <a:solidFill>
+                  <a:schemeClr val="tx1"/>
+                </a:solidFill>
+                <a:effectLst/>
+                <a:latin typeface="+mn-lt"/>
+                <a:ea typeface="+mn-ea"/>
+                <a:cs typeface="+mn-cs"/>
+              </a:rPr>
+              <a:t>static</a:t>
+            </a:r>
+            <a:r>
+              <a:rPr lang="en-US" sz="1200" b="0" i="0" kern="1200" dirty="0">
+                <a:solidFill>
+                  <a:schemeClr val="tx1"/>
+                </a:solidFill>
+                <a:effectLst/>
+                <a:latin typeface="+mn-lt"/>
+                <a:ea typeface="+mn-ea"/>
+                <a:cs typeface="+mn-cs"/>
+              </a:rPr>
+              <a:t> </a:t>
+            </a:r>
+            <a:r>
+              <a:rPr lang="en-US" sz="1200" b="0" i="0" kern="1200" dirty="0" err="1">
+                <a:solidFill>
+                  <a:schemeClr val="tx1"/>
+                </a:solidFill>
+                <a:effectLst/>
+                <a:latin typeface="+mn-lt"/>
+                <a:ea typeface="+mn-ea"/>
+                <a:cs typeface="+mn-cs"/>
+              </a:rPr>
+              <a:t>readonly</a:t>
+            </a:r>
+            <a:r>
+              <a:rPr lang="en-US" sz="1200" b="0" i="0" kern="1200" dirty="0">
+                <a:solidFill>
+                  <a:schemeClr val="tx1"/>
+                </a:solidFill>
+                <a:effectLst/>
+                <a:latin typeface="+mn-lt"/>
+                <a:ea typeface="+mn-ea"/>
+                <a:cs typeface="+mn-cs"/>
+              </a:rPr>
+              <a:t> </a:t>
+            </a:r>
+            <a:r>
+              <a:rPr lang="en-US" sz="1200" b="0" i="0" kern="1200" dirty="0" err="1">
+                <a:solidFill>
+                  <a:schemeClr val="tx1"/>
+                </a:solidFill>
+                <a:effectLst/>
+                <a:latin typeface="+mn-lt"/>
+                <a:ea typeface="+mn-ea"/>
+                <a:cs typeface="+mn-cs"/>
+              </a:rPr>
+              <a:t>IDictionary</a:t>
+            </a:r>
+            <a:r>
+              <a:rPr lang="en-US" sz="1200" b="0" i="0" kern="1200" dirty="0">
+                <a:solidFill>
+                  <a:schemeClr val="tx1"/>
+                </a:solidFill>
+                <a:effectLst/>
+                <a:latin typeface="+mn-lt"/>
+                <a:ea typeface="+mn-ea"/>
+                <a:cs typeface="+mn-cs"/>
+              </a:rPr>
+              <a:t>&lt;string, </a:t>
+            </a:r>
+            <a:r>
+              <a:rPr lang="en-US" sz="1200" b="0" i="0" kern="1200" dirty="0" err="1">
+                <a:solidFill>
+                  <a:schemeClr val="tx1"/>
+                </a:solidFill>
+                <a:effectLst/>
+                <a:latin typeface="+mn-lt"/>
+                <a:ea typeface="+mn-ea"/>
+                <a:cs typeface="+mn-cs"/>
+              </a:rPr>
+              <a:t>int</a:t>
+            </a:r>
+            <a:r>
+              <a:rPr lang="en-US" sz="1200" b="0" i="0" kern="1200" dirty="0">
+                <a:solidFill>
+                  <a:schemeClr val="tx1"/>
+                </a:solidFill>
+                <a:effectLst/>
+                <a:latin typeface="+mn-lt"/>
+                <a:ea typeface="+mn-ea"/>
+                <a:cs typeface="+mn-cs"/>
+              </a:rPr>
+              <a:t>&gt; stats = new Dictionary&lt;string, </a:t>
+            </a:r>
+            <a:r>
+              <a:rPr lang="en-US" sz="1200" b="0" i="0" kern="1200" dirty="0" err="1">
+                <a:solidFill>
+                  <a:schemeClr val="tx1"/>
+                </a:solidFill>
+                <a:effectLst/>
+                <a:latin typeface="+mn-lt"/>
+                <a:ea typeface="+mn-ea"/>
+                <a:cs typeface="+mn-cs"/>
+              </a:rPr>
+              <a:t>int</a:t>
+            </a:r>
+            <a:r>
+              <a:rPr lang="en-US" sz="1200" b="0" i="0" kern="1200" dirty="0">
+                <a:solidFill>
+                  <a:schemeClr val="tx1"/>
+                </a:solidFill>
+                <a:effectLst/>
+                <a:latin typeface="+mn-lt"/>
+                <a:ea typeface="+mn-ea"/>
+                <a:cs typeface="+mn-cs"/>
+              </a:rPr>
+              <a:t>&gt;();</a:t>
+            </a:r>
+            <a:endParaRPr lang="ru-RU" sz="1200" b="0" i="0" kern="1200" dirty="0">
+              <a:solidFill>
+                <a:schemeClr val="tx1"/>
+              </a:solidFill>
+              <a:effectLst/>
+              <a:latin typeface="+mn-lt"/>
+              <a:ea typeface="+mn-ea"/>
+              <a:cs typeface="+mn-cs"/>
+            </a:endParaRPr>
+          </a:p>
+          <a:p>
+            <a:r>
+              <a:rPr lang="ru-RU" sz="1200" b="0" i="0" kern="1200" dirty="0">
+                <a:solidFill>
+                  <a:schemeClr val="tx1"/>
+                </a:solidFill>
+                <a:effectLst/>
+                <a:latin typeface="+mn-lt"/>
+                <a:ea typeface="+mn-ea"/>
+                <a:cs typeface="+mn-cs"/>
+              </a:rPr>
+              <a:t>Как это отловить?</a:t>
+            </a:r>
+          </a:p>
+          <a:p>
+            <a:br>
+              <a:rPr lang="ru-RU" dirty="0"/>
+            </a:br>
+            <a:r>
+              <a:rPr lang="ru-RU" dirty="0"/>
+              <a:t>6. Много тестов, проверяющих</a:t>
+            </a:r>
+            <a:r>
+              <a:rPr lang="ru-RU" baseline="0" dirty="0"/>
+              <a:t> одно и то же – это признак </a:t>
+            </a:r>
+            <a:r>
+              <a:rPr lang="en-US" baseline="0" dirty="0" err="1"/>
+              <a:t>Overspecification</a:t>
+            </a:r>
+            <a:r>
+              <a:rPr lang="en-US" baseline="0" dirty="0"/>
+              <a:t> </a:t>
+            </a:r>
+            <a:r>
+              <a:rPr lang="ru-RU" baseline="0" dirty="0"/>
+              <a:t>из </a:t>
+            </a:r>
+            <a:r>
+              <a:rPr lang="ru-RU" baseline="0" dirty="0" err="1"/>
+              <a:t>Антипаттернов</a:t>
+            </a:r>
+            <a:r>
+              <a:rPr lang="ru-RU" baseline="0" dirty="0"/>
+              <a:t>, что не есть хорошо.</a:t>
+            </a:r>
+          </a:p>
+          <a:p>
+            <a:r>
+              <a:rPr lang="ru-RU" baseline="0" dirty="0"/>
+              <a:t>Почему?</a:t>
+            </a:r>
+          </a:p>
+          <a:p>
+            <a:pPr marL="171450" indent="-171450">
+              <a:buFont typeface="Arial" panose="020B0604020202020204" pitchFamily="34" charset="0"/>
+              <a:buChar char="•"/>
+            </a:pPr>
+            <a:r>
+              <a:rPr lang="ru-RU" baseline="0" dirty="0"/>
+              <a:t>Каждую колонку можно рассматривать как требование из спецификации. Мы живём в изменяющемся мире, условия меняются, требования меняются, соответственно тесты и реализация тоже должны меняться. Но когда у тебя 12 тестов, проверяющих одно и то же требование. То при изменении этого требования, придётся поменять 12 тестов. А если этих тестов 20? 100?..</a:t>
+            </a:r>
+          </a:p>
+          <a:p>
+            <a:pPr marL="171450" indent="-171450">
+              <a:buFont typeface="Arial" panose="020B0604020202020204" pitchFamily="34" charset="0"/>
+              <a:buChar char="•"/>
+            </a:pPr>
+            <a:endParaRPr lang="ru-RU" baseline="0" dirty="0"/>
+          </a:p>
+          <a:p>
+            <a:pPr marL="0" indent="0">
+              <a:buFont typeface="Arial" panose="020B0604020202020204" pitchFamily="34" charset="0"/>
+              <a:buNone/>
+            </a:pPr>
+            <a:r>
+              <a:rPr lang="ru-RU" baseline="0" dirty="0"/>
+              <a:t>Подытожим:</a:t>
+            </a:r>
+          </a:p>
+          <a:p>
+            <a:pPr marL="171450" indent="-171450">
+              <a:buFont typeface="Arial" panose="020B0604020202020204" pitchFamily="34" charset="0"/>
+              <a:buChar char="•"/>
+            </a:pPr>
+            <a:r>
+              <a:rPr lang="ru-RU" baseline="0" dirty="0"/>
+              <a:t>Легко писать тесты по существующему проверенному коду и/или спецификации</a:t>
+            </a:r>
+            <a:endParaRPr lang="en-US" baseline="0" dirty="0"/>
+          </a:p>
+          <a:p>
+            <a:pPr marL="171450" indent="-171450">
+              <a:buFont typeface="Arial" panose="020B0604020202020204" pitchFamily="34" charset="0"/>
+              <a:buChar char="•"/>
+            </a:pPr>
+            <a:r>
+              <a:rPr lang="ru-RU" baseline="0" dirty="0"/>
+              <a:t>Не всегда очевидно взаимодействие требований.</a:t>
+            </a:r>
+          </a:p>
+          <a:p>
+            <a:pPr marL="171450" indent="-171450">
+              <a:buFont typeface="Arial" panose="020B0604020202020204" pitchFamily="34" charset="0"/>
+              <a:buChar char="•"/>
+            </a:pPr>
+            <a:r>
+              <a:rPr lang="ru-RU" baseline="0" dirty="0"/>
+              <a:t>Тесты не заменяют </a:t>
+            </a:r>
+            <a:r>
+              <a:rPr lang="en-US" baseline="0" dirty="0"/>
+              <a:t>CR</a:t>
+            </a:r>
+            <a:endParaRPr lang="ru-RU" baseline="0" dirty="0"/>
+          </a:p>
+          <a:p>
+            <a:pPr marL="171450" indent="-171450">
+              <a:buFont typeface="Arial" panose="020B0604020202020204" pitchFamily="34" charset="0"/>
+              <a:buChar char="•"/>
+            </a:pPr>
+            <a:r>
+              <a:rPr lang="en-US" baseline="0" dirty="0"/>
+              <a:t>CR </a:t>
+            </a:r>
+            <a:r>
+              <a:rPr lang="ru-RU" baseline="0" dirty="0"/>
+              <a:t>не заменяет тестов. И то, и другое – инструменты, которыми можно предотвратить </a:t>
+            </a:r>
+            <a:r>
+              <a:rPr lang="ru-RU" b="1" baseline="0" dirty="0"/>
+              <a:t>почти</a:t>
+            </a:r>
+            <a:r>
+              <a:rPr lang="ru-RU" baseline="0" dirty="0"/>
+              <a:t> все проблемы при использовании их вместе.</a:t>
+            </a:r>
+          </a:p>
+          <a:p>
+            <a:pPr marL="171450" indent="-171450">
+              <a:buFont typeface="Arial" panose="020B0604020202020204" pitchFamily="34" charset="0"/>
+              <a:buChar char="•"/>
+            </a:pPr>
+            <a:endParaRPr lang="ru-RU" baseline="0" dirty="0"/>
+          </a:p>
+        </p:txBody>
+      </p:sp>
+      <p:sp>
+        <p:nvSpPr>
+          <p:cNvPr id="4" name="Номер слайда 3"/>
+          <p:cNvSpPr>
+            <a:spLocks noGrp="1"/>
+          </p:cNvSpPr>
+          <p:nvPr>
+            <p:ph type="sldNum" sz="quarter" idx="10"/>
+          </p:nvPr>
+        </p:nvSpPr>
+        <p:spPr/>
+        <p:txBody>
+          <a:bodyPr/>
+          <a:lstStyle/>
+          <a:p>
+            <a:fld id="{3BAECB10-9972-4830-A584-02C41DAFD45B}" type="slidenum">
+              <a:rPr lang="ru-RU" smtClean="0"/>
+              <a:t>33</a:t>
             </a:fld>
             <a:endParaRPr lang="ru-RU"/>
           </a:p>
@@ -11349,7 +11604,7 @@
             </a:r>
             <a:r>
               <a:rPr lang="en-US" dirty="0"/>
-              <a:t>describe</a:t>
+              <a:t>suite</a:t>
             </a:r>
             <a:r>
               <a:rPr lang="ru-RU" dirty="0"/>
@@ -11365,7 +11620,7 @@
             </a:r>
             <a:r>
               <a:rPr lang="en-US" dirty="0"/>
-              <a:t>it</a:t>
+              <a:t>test</a:t>
             </a:r>
             <a:r>
               <a:rPr lang="ru-RU" dirty="0"/>
@@ -11406,7 +11661,7 @@
     </p:spTree>
     <p:extLst>
       <p:ext uri="{BB962C8B-B14F-4D97-AF65-F5344CB8AC3E}">
-        <p14:creationId xmlns:p14="http://schemas.microsoft.com/office/powerpoint/2010/main" val="2986884583"/>
+        <p14:creationId xmlns:p14="http://schemas.microsoft.com/office/powerpoint/2010/main" val="4259422788"/>
       </p:ext>
     </p:extLst>
   </p:cSld>
@@ -16089,6 +16344,1118 @@
       </p:grpSpPr>
       <p:sp>
         <p:nvSpPr>
+          <p:cNvPr id="4" name="Rectangle 1">
+            <a:extLst>
+              <a:ext uri="{FF2B5EF4-FFF2-40B4-BE49-F238E27FC236}">
+                <a16:creationId xmlns:a16="http://schemas.microsoft.com/office/drawing/2014/main" id="{AE6011FD-8E15-4720-9EEA-75686F00626C}"/>
+              </a:ext>
+            </a:extLst>
+          </p:cNvPr>
+          <p:cNvSpPr>
+            <a:spLocks noGrp="1" noChangeArrowheads="1"/>
+          </p:cNvSpPr>
+          <p:nvPr>
+            <p:ph sz="quarter" idx="13"/>
+          </p:nvPr>
+        </p:nvSpPr>
+        <p:spPr bwMode="auto">
+          <a:xfrm>
+            <a:off x="1295400" y="1690363"/>
+            <a:ext cx="9601200" cy="4401205"/>
+          </a:xfrm>
+          <a:prstGeom prst="rect">
+            <a:avLst/>
+          </a:prstGeom>
+          <a:solidFill>
+            <a:srgbClr val="FFFFFF"/>
+          </a:solidFill>
+          <a:ln>
+            <a:noFill/>
+          </a:ln>
+          <a:effectLst/>
+          <a:extLst>
+            <a:ext uri="{91240B29-F687-4F45-9708-019B960494DF}">
+              <a14:hiddenLine xmlns:a14="http://schemas.microsoft.com/office/drawing/2010/main" w="9525">
+                <a:solidFill>
+                  <a:schemeClr val="tx1"/>
+                </a:solidFill>
+                <a:miter lim="800000"/>
+                <a:headEnd/>
+                <a:tailEnd/>
+              </a14:hiddenLine>
+            </a:ext>
+            <a:ext uri="{AF507438-7753-43E0-B8FC-AC1667EBCBE1}">
+              <a14:hiddenEffects xmlns:a14="http://schemas.microsoft.com/office/drawing/2010/main">
+                <a:effectLst>
+                  <a:outerShdw dist="35921" dir="2700000" algn="ctr" rotWithShape="0">
+                    <a:schemeClr val="bg2"/>
+                  </a:outerShdw>
+                </a:effectLst>
+              </a14:hiddenEffects>
+            </a:ext>
+          </a:extLst>
+        </p:spPr>
+        <p:txBody>
+          <a:bodyPr vert="horz" wrap="square" lIns="91440" tIns="45720" rIns="91440" bIns="45720" numCol="1" anchor="ctr" anchorCtr="0" compatLnSpc="1">
+            <a:prstTxWarp prst="textNoShape">
+              <a:avLst/>
+            </a:prstTxWarp>
+            <a:spAutoFit/>
+          </a:bodyPr>
+          <a:lstStyle/>
+          <a:p>
+            <a:pPr marL="0" marR="0" lvl="0" indent="0" algn="l" defTabSz="914400" rtl="0" eaLnBrk="0" fontAlgn="base" latinLnBrk="0" hangingPunct="0">
+              <a:lnSpc>
+                <a:spcPct val="100000"/>
+              </a:lnSpc>
+              <a:spcBef>
+                <a:spcPct val="0"/>
+              </a:spcBef>
+              <a:spcAft>
+                <a:spcPct val="0"/>
+              </a:spcAft>
+              <a:buClrTx/>
+              <a:buSzTx/>
+              <a:buFontTx/>
+              <a:buNone/>
+              <a:tabLst/>
+            </a:pPr>
+            <a:r>
+              <a:rPr kumimoji="0" lang="en-US" altLang="en-US" sz="2000" b="0" i="0" u="none" strike="noStrike" cap="none" normalizeH="0" baseline="0" dirty="0">
+                <a:ln>
+                  <a:noFill/>
+                </a:ln>
+                <a:solidFill>
+                  <a:srgbClr val="7A7A43"/>
+                </a:solidFill>
+                <a:effectLst/>
+                <a:latin typeface="Courier New" panose="02070309020205020404" pitchFamily="49" charset="0"/>
+                <a:cs typeface="Courier New" panose="02070309020205020404" pitchFamily="49" charset="0"/>
+              </a:rPr>
+              <a:t>describe</a:t>
+            </a:r>
+            <a:r>
+              <a:rPr kumimoji="0" lang="en-US" altLang="en-US" sz="2000" b="0" i="0" u="none" strike="noStrike" cap="none" normalizeH="0" baseline="0" dirty="0">
+                <a:ln>
+                  <a:noFill/>
+                </a:ln>
+                <a:solidFill>
+                  <a:srgbClr val="000000"/>
+                </a:solidFill>
+                <a:effectLst/>
+                <a:latin typeface="Courier New" panose="02070309020205020404" pitchFamily="49" charset="0"/>
+                <a:cs typeface="Courier New" panose="02070309020205020404" pitchFamily="49" charset="0"/>
+              </a:rPr>
+              <a:t>(</a:t>
+            </a:r>
+            <a:r>
+              <a:rPr kumimoji="0" lang="en-US" altLang="en-US" sz="2000" b="1" i="0" u="none" strike="noStrike" cap="none" normalizeH="0" baseline="0" dirty="0">
+                <a:ln>
+                  <a:noFill/>
+                </a:ln>
+                <a:solidFill>
+                  <a:srgbClr val="008000"/>
+                </a:solidFill>
+                <a:effectLst/>
+                <a:latin typeface="Courier New" panose="02070309020205020404" pitchFamily="49" charset="0"/>
+                <a:cs typeface="Courier New" panose="02070309020205020404" pitchFamily="49" charset="0"/>
+              </a:rPr>
+              <a:t>"Superman"</a:t>
+            </a:r>
+            <a:r>
+              <a:rPr kumimoji="0" lang="en-US" altLang="en-US" sz="2000" b="0" i="0" u="none" strike="noStrike" cap="none" normalizeH="0" baseline="0" dirty="0">
+                <a:ln>
+                  <a:noFill/>
+                </a:ln>
+                <a:solidFill>
+                  <a:srgbClr val="000000"/>
+                </a:solidFill>
+                <a:effectLst/>
+                <a:latin typeface="Courier New" panose="02070309020205020404" pitchFamily="49" charset="0"/>
+                <a:cs typeface="Courier New" panose="02070309020205020404" pitchFamily="49" charset="0"/>
+              </a:rPr>
+              <a:t>, () =&gt; {</a:t>
+            </a:r>
+            <a:br>
+              <a:rPr kumimoji="0" lang="en-US" altLang="en-US" sz="2000" b="0" i="0" u="none" strike="noStrike" cap="none" normalizeH="0" baseline="0" dirty="0">
+                <a:ln>
+                  <a:noFill/>
+                </a:ln>
+                <a:solidFill>
+                  <a:srgbClr val="000000"/>
+                </a:solidFill>
+                <a:effectLst/>
+                <a:latin typeface="Courier New" panose="02070309020205020404" pitchFamily="49" charset="0"/>
+                <a:cs typeface="Courier New" panose="02070309020205020404" pitchFamily="49" charset="0"/>
+              </a:rPr>
+            </a:br>
+            <a:r>
+              <a:rPr kumimoji="0" lang="en-US" altLang="en-US" sz="2000" b="0" i="0" u="none" strike="noStrike" cap="none" normalizeH="0" baseline="0" dirty="0">
+                <a:ln>
+                  <a:noFill/>
+                </a:ln>
+                <a:solidFill>
+                  <a:srgbClr val="000000"/>
+                </a:solidFill>
+                <a:effectLst/>
+                <a:latin typeface="Courier New" panose="02070309020205020404" pitchFamily="49" charset="0"/>
+                <a:cs typeface="Courier New" panose="02070309020205020404" pitchFamily="49" charset="0"/>
+              </a:rPr>
+              <a:t>    </a:t>
+            </a:r>
+            <a:r>
+              <a:rPr kumimoji="0" lang="en-US" altLang="en-US" sz="2000" b="0" i="0" u="none" strike="noStrike" cap="none" normalizeH="0" baseline="0" dirty="0">
+                <a:ln>
+                  <a:noFill/>
+                </a:ln>
+                <a:solidFill>
+                  <a:srgbClr val="7A7A43"/>
+                </a:solidFill>
+                <a:effectLst/>
+                <a:latin typeface="Courier New" panose="02070309020205020404" pitchFamily="49" charset="0"/>
+                <a:cs typeface="Courier New" panose="02070309020205020404" pitchFamily="49" charset="0"/>
+              </a:rPr>
+              <a:t>it</a:t>
+            </a:r>
+            <a:r>
+              <a:rPr kumimoji="0" lang="en-US" altLang="en-US" sz="2000" b="0" i="0" u="none" strike="noStrike" cap="none" normalizeH="0" baseline="0" dirty="0">
+                <a:ln>
+                  <a:noFill/>
+                </a:ln>
+                <a:solidFill>
+                  <a:srgbClr val="000000"/>
+                </a:solidFill>
+                <a:effectLst/>
+                <a:latin typeface="Courier New" panose="02070309020205020404" pitchFamily="49" charset="0"/>
+                <a:cs typeface="Courier New" panose="02070309020205020404" pitchFamily="49" charset="0"/>
+              </a:rPr>
+              <a:t>(</a:t>
+            </a:r>
+            <a:r>
+              <a:rPr kumimoji="0" lang="en-US" altLang="en-US" sz="2000" b="1" i="0" u="none" strike="noStrike" cap="none" normalizeH="0" baseline="0" dirty="0">
+                <a:ln>
+                  <a:noFill/>
+                </a:ln>
+                <a:solidFill>
+                  <a:srgbClr val="008000"/>
+                </a:solidFill>
+                <a:effectLst/>
+                <a:latin typeface="Courier New" panose="02070309020205020404" pitchFamily="49" charset="0"/>
+                <a:cs typeface="Courier New" panose="02070309020205020404" pitchFamily="49" charset="0"/>
+              </a:rPr>
+              <a:t>"should save kitten from tree"</a:t>
+            </a:r>
+            <a:r>
+              <a:rPr kumimoji="0" lang="en-US" altLang="en-US" sz="2000" b="0" i="0" u="none" strike="noStrike" cap="none" normalizeH="0" baseline="0" dirty="0">
+                <a:ln>
+                  <a:noFill/>
+                </a:ln>
+                <a:solidFill>
+                  <a:srgbClr val="000000"/>
+                </a:solidFill>
+                <a:effectLst/>
+                <a:latin typeface="Courier New" panose="02070309020205020404" pitchFamily="49" charset="0"/>
+                <a:cs typeface="Courier New" panose="02070309020205020404" pitchFamily="49" charset="0"/>
+              </a:rPr>
+              <a:t>, () =&gt; {</a:t>
+            </a:r>
+            <a:br>
+              <a:rPr kumimoji="0" lang="en-US" altLang="en-US" sz="2000" b="0" i="0" u="none" strike="noStrike" cap="none" normalizeH="0" baseline="0" dirty="0">
+                <a:ln>
+                  <a:noFill/>
+                </a:ln>
+                <a:solidFill>
+                  <a:srgbClr val="000000"/>
+                </a:solidFill>
+                <a:effectLst/>
+                <a:latin typeface="Courier New" panose="02070309020205020404" pitchFamily="49" charset="0"/>
+                <a:cs typeface="Courier New" panose="02070309020205020404" pitchFamily="49" charset="0"/>
+              </a:rPr>
+            </a:br>
+            <a:r>
+              <a:rPr kumimoji="0" lang="en-US" altLang="en-US" sz="2000" b="0" i="0" u="none" strike="noStrike" cap="none" normalizeH="0" baseline="0" dirty="0">
+                <a:ln>
+                  <a:noFill/>
+                </a:ln>
+                <a:solidFill>
+                  <a:srgbClr val="000000"/>
+                </a:solidFill>
+                <a:effectLst/>
+                <a:latin typeface="Courier New" panose="02070309020205020404" pitchFamily="49" charset="0"/>
+                <a:cs typeface="Courier New" panose="02070309020205020404" pitchFamily="49" charset="0"/>
+              </a:rPr>
+              <a:t>        ...</a:t>
+            </a:r>
+            <a:br>
+              <a:rPr kumimoji="0" lang="en-US" altLang="en-US" sz="2000" b="0" i="0" u="none" strike="noStrike" cap="none" normalizeH="0" baseline="0" dirty="0">
+                <a:ln>
+                  <a:noFill/>
+                </a:ln>
+                <a:solidFill>
+                  <a:srgbClr val="000000"/>
+                </a:solidFill>
+                <a:effectLst/>
+                <a:latin typeface="Courier New" panose="02070309020205020404" pitchFamily="49" charset="0"/>
+                <a:cs typeface="Courier New" panose="02070309020205020404" pitchFamily="49" charset="0"/>
+              </a:rPr>
+            </a:br>
+            <a:r>
+              <a:rPr kumimoji="0" lang="en-US" altLang="en-US" sz="2000" b="0" i="0" u="none" strike="noStrike" cap="none" normalizeH="0" baseline="0" dirty="0">
+                <a:ln>
+                  <a:noFill/>
+                </a:ln>
+                <a:solidFill>
+                  <a:srgbClr val="000000"/>
+                </a:solidFill>
+                <a:effectLst/>
+                <a:latin typeface="Courier New" panose="02070309020205020404" pitchFamily="49" charset="0"/>
+                <a:cs typeface="Courier New" panose="02070309020205020404" pitchFamily="49" charset="0"/>
+              </a:rPr>
+              <a:t>        </a:t>
+            </a:r>
+            <a:r>
+              <a:rPr kumimoji="0" lang="en-US" altLang="en-US" sz="2000" b="0" i="0" u="none" strike="noStrike" cap="none" normalizeH="0" baseline="0" dirty="0" err="1">
+                <a:ln>
+                  <a:noFill/>
+                </a:ln>
+                <a:solidFill>
+                  <a:srgbClr val="000000"/>
+                </a:solidFill>
+                <a:effectLst/>
+                <a:latin typeface="Courier New" panose="02070309020205020404" pitchFamily="49" charset="0"/>
+                <a:cs typeface="Courier New" panose="02070309020205020404" pitchFamily="49" charset="0"/>
+              </a:rPr>
+              <a:t>superman.act</a:t>
+            </a:r>
+            <a:r>
+              <a:rPr kumimoji="0" lang="en-US" altLang="en-US" sz="2000" b="0" i="0" u="none" strike="noStrike" cap="none" normalizeH="0" baseline="0" dirty="0">
+                <a:ln>
+                  <a:noFill/>
+                </a:ln>
+                <a:solidFill>
+                  <a:srgbClr val="000000"/>
+                </a:solidFill>
+                <a:effectLst/>
+                <a:latin typeface="Courier New" panose="02070309020205020404" pitchFamily="49" charset="0"/>
+                <a:cs typeface="Courier New" panose="02070309020205020404" pitchFamily="49" charset="0"/>
+              </a:rPr>
+              <a:t>();</a:t>
+            </a:r>
+            <a:br>
+              <a:rPr kumimoji="0" lang="en-US" altLang="en-US" sz="2000" b="0" i="0" u="none" strike="noStrike" cap="none" normalizeH="0" baseline="0" dirty="0">
+                <a:ln>
+                  <a:noFill/>
+                </a:ln>
+                <a:solidFill>
+                  <a:srgbClr val="000000"/>
+                </a:solidFill>
+                <a:effectLst/>
+                <a:latin typeface="Courier New" panose="02070309020205020404" pitchFamily="49" charset="0"/>
+                <a:cs typeface="Courier New" panose="02070309020205020404" pitchFamily="49" charset="0"/>
+              </a:rPr>
+            </a:br>
+            <a:r>
+              <a:rPr kumimoji="0" lang="en-US" altLang="en-US" sz="2000" b="0" i="0" u="none" strike="noStrike" cap="none" normalizeH="0" baseline="0" dirty="0">
+                <a:ln>
+                  <a:noFill/>
+                </a:ln>
+                <a:solidFill>
+                  <a:srgbClr val="000000"/>
+                </a:solidFill>
+                <a:effectLst/>
+                <a:latin typeface="Courier New" panose="02070309020205020404" pitchFamily="49" charset="0"/>
+                <a:cs typeface="Courier New" panose="02070309020205020404" pitchFamily="49" charset="0"/>
+              </a:rPr>
+              <a:t>        </a:t>
+            </a:r>
+            <a:r>
+              <a:rPr kumimoji="0" lang="en-US" altLang="en-US" sz="2000" b="0" i="0" u="none" strike="noStrike" cap="none" normalizeH="0" baseline="0" dirty="0" err="1">
+                <a:ln>
+                  <a:noFill/>
+                </a:ln>
+                <a:solidFill>
+                  <a:srgbClr val="000000"/>
+                </a:solidFill>
+                <a:effectLst/>
+                <a:latin typeface="Courier New" panose="02070309020205020404" pitchFamily="49" charset="0"/>
+                <a:cs typeface="Courier New" panose="02070309020205020404" pitchFamily="49" charset="0"/>
+              </a:rPr>
+              <a:t>assert.isTrue</a:t>
+            </a:r>
+            <a:r>
+              <a:rPr kumimoji="0" lang="en-US" altLang="en-US" sz="2000" b="0" i="0" u="none" strike="noStrike" cap="none" normalizeH="0" baseline="0" dirty="0">
+                <a:ln>
+                  <a:noFill/>
+                </a:ln>
+                <a:solidFill>
+                  <a:srgbClr val="000000"/>
+                </a:solidFill>
+                <a:effectLst/>
+                <a:latin typeface="Courier New" panose="02070309020205020404" pitchFamily="49" charset="0"/>
+                <a:cs typeface="Courier New" panose="02070309020205020404" pitchFamily="49" charset="0"/>
+              </a:rPr>
+              <a:t>(</a:t>
+            </a:r>
+            <a:r>
+              <a:rPr kumimoji="0" lang="en-US" altLang="en-US" sz="2000" b="0" i="0" u="none" strike="noStrike" cap="none" normalizeH="0" baseline="0" dirty="0" err="1">
+                <a:ln>
+                  <a:noFill/>
+                </a:ln>
+                <a:solidFill>
+                  <a:srgbClr val="000000"/>
+                </a:solidFill>
+                <a:effectLst/>
+                <a:latin typeface="Courier New" panose="02070309020205020404" pitchFamily="49" charset="0"/>
+                <a:cs typeface="Courier New" panose="02070309020205020404" pitchFamily="49" charset="0"/>
+              </a:rPr>
+              <a:t>kitten.isSaved</a:t>
+            </a:r>
+            <a:r>
+              <a:rPr kumimoji="0" lang="en-US" altLang="en-US" sz="2000" b="0" i="0" u="none" strike="noStrike" cap="none" normalizeH="0" baseline="0" dirty="0">
+                <a:ln>
+                  <a:noFill/>
+                </a:ln>
+                <a:solidFill>
+                  <a:srgbClr val="000000"/>
+                </a:solidFill>
+                <a:effectLst/>
+                <a:latin typeface="Courier New" panose="02070309020205020404" pitchFamily="49" charset="0"/>
+                <a:cs typeface="Courier New" panose="02070309020205020404" pitchFamily="49" charset="0"/>
+              </a:rPr>
+              <a:t>());</a:t>
+            </a:r>
+            <a:br>
+              <a:rPr kumimoji="0" lang="en-US" altLang="en-US" sz="2000" b="0" i="0" u="none" strike="noStrike" cap="none" normalizeH="0" baseline="0" dirty="0">
+                <a:ln>
+                  <a:noFill/>
+                </a:ln>
+                <a:solidFill>
+                  <a:srgbClr val="000000"/>
+                </a:solidFill>
+                <a:effectLst/>
+                <a:latin typeface="Courier New" panose="02070309020205020404" pitchFamily="49" charset="0"/>
+                <a:cs typeface="Courier New" panose="02070309020205020404" pitchFamily="49" charset="0"/>
+              </a:rPr>
+            </a:br>
+            <a:r>
+              <a:rPr kumimoji="0" lang="en-US" altLang="en-US" sz="2000" b="0" i="0" u="none" strike="noStrike" cap="none" normalizeH="0" baseline="0" dirty="0">
+                <a:ln>
+                  <a:noFill/>
+                </a:ln>
+                <a:solidFill>
+                  <a:srgbClr val="000000"/>
+                </a:solidFill>
+                <a:effectLst/>
+                <a:latin typeface="Courier New" panose="02070309020205020404" pitchFamily="49" charset="0"/>
+                <a:cs typeface="Courier New" panose="02070309020205020404" pitchFamily="49" charset="0"/>
+              </a:rPr>
+              <a:t>    });</a:t>
+            </a:r>
+            <a:br>
+              <a:rPr kumimoji="0" lang="en-US" altLang="en-US" sz="2000" b="0" i="0" u="none" strike="noStrike" cap="none" normalizeH="0" baseline="0" dirty="0">
+                <a:ln>
+                  <a:noFill/>
+                </a:ln>
+                <a:solidFill>
+                  <a:srgbClr val="000000"/>
+                </a:solidFill>
+                <a:effectLst/>
+                <a:latin typeface="Courier New" panose="02070309020205020404" pitchFamily="49" charset="0"/>
+                <a:cs typeface="Courier New" panose="02070309020205020404" pitchFamily="49" charset="0"/>
+              </a:rPr>
+            </a:br>
+            <a:br>
+              <a:rPr kumimoji="0" lang="en-US" altLang="en-US" sz="2000" b="0" i="0" u="none" strike="noStrike" cap="none" normalizeH="0" baseline="0" dirty="0">
+                <a:ln>
+                  <a:noFill/>
+                </a:ln>
+                <a:solidFill>
+                  <a:srgbClr val="000000"/>
+                </a:solidFill>
+                <a:effectLst/>
+                <a:latin typeface="Courier New" panose="02070309020205020404" pitchFamily="49" charset="0"/>
+                <a:cs typeface="Courier New" panose="02070309020205020404" pitchFamily="49" charset="0"/>
+              </a:rPr>
+            </a:br>
+            <a:r>
+              <a:rPr kumimoji="0" lang="en-US" altLang="en-US" sz="2000" b="0" i="0" u="none" strike="noStrike" cap="none" normalizeH="0" baseline="0" dirty="0">
+                <a:ln>
+                  <a:noFill/>
+                </a:ln>
+                <a:solidFill>
+                  <a:srgbClr val="000000"/>
+                </a:solidFill>
+                <a:effectLst/>
+                <a:latin typeface="Courier New" panose="02070309020205020404" pitchFamily="49" charset="0"/>
+                <a:cs typeface="Courier New" panose="02070309020205020404" pitchFamily="49" charset="0"/>
+              </a:rPr>
+              <a:t>    </a:t>
+            </a:r>
+            <a:r>
+              <a:rPr kumimoji="0" lang="en-US" altLang="en-US" sz="2000" b="0" i="0" u="none" strike="noStrike" cap="none" normalizeH="0" baseline="0" dirty="0">
+                <a:ln>
+                  <a:noFill/>
+                </a:ln>
+                <a:solidFill>
+                  <a:srgbClr val="7A7A43"/>
+                </a:solidFill>
+                <a:effectLst/>
+                <a:latin typeface="Courier New" panose="02070309020205020404" pitchFamily="49" charset="0"/>
+                <a:cs typeface="Courier New" panose="02070309020205020404" pitchFamily="49" charset="0"/>
+              </a:rPr>
+              <a:t>context</a:t>
+            </a:r>
+            <a:r>
+              <a:rPr kumimoji="0" lang="en-US" altLang="en-US" sz="2000" b="0" i="0" u="none" strike="noStrike" cap="none" normalizeH="0" baseline="0" dirty="0">
+                <a:ln>
+                  <a:noFill/>
+                </a:ln>
+                <a:solidFill>
+                  <a:srgbClr val="000000"/>
+                </a:solidFill>
+                <a:effectLst/>
+                <a:latin typeface="Courier New" panose="02070309020205020404" pitchFamily="49" charset="0"/>
+                <a:cs typeface="Courier New" panose="02070309020205020404" pitchFamily="49" charset="0"/>
+              </a:rPr>
+              <a:t>(</a:t>
+            </a:r>
+            <a:r>
+              <a:rPr kumimoji="0" lang="en-US" altLang="en-US" sz="2000" b="1" i="0" u="none" strike="noStrike" cap="none" normalizeH="0" baseline="0" dirty="0">
+                <a:ln>
+                  <a:noFill/>
+                </a:ln>
+                <a:solidFill>
+                  <a:srgbClr val="008000"/>
+                </a:solidFill>
+                <a:effectLst/>
+                <a:latin typeface="Courier New" panose="02070309020205020404" pitchFamily="49" charset="0"/>
+                <a:cs typeface="Courier New" panose="02070309020205020404" pitchFamily="49" charset="0"/>
+              </a:rPr>
+              <a:t>"when at work"</a:t>
+            </a:r>
+            <a:r>
+              <a:rPr kumimoji="0" lang="en-US" altLang="en-US" sz="2000" b="0" i="0" u="none" strike="noStrike" cap="none" normalizeH="0" baseline="0" dirty="0">
+                <a:ln>
+                  <a:noFill/>
+                </a:ln>
+                <a:solidFill>
+                  <a:srgbClr val="000000"/>
+                </a:solidFill>
+                <a:effectLst/>
+                <a:latin typeface="Courier New" panose="02070309020205020404" pitchFamily="49" charset="0"/>
+                <a:cs typeface="Courier New" panose="02070309020205020404" pitchFamily="49" charset="0"/>
+              </a:rPr>
+              <a:t>, () =&gt; {</a:t>
+            </a:r>
+            <a:br>
+              <a:rPr kumimoji="0" lang="en-US" altLang="en-US" sz="2000" b="0" i="0" u="none" strike="noStrike" cap="none" normalizeH="0" baseline="0" dirty="0">
+                <a:ln>
+                  <a:noFill/>
+                </a:ln>
+                <a:solidFill>
+                  <a:srgbClr val="000000"/>
+                </a:solidFill>
+                <a:effectLst/>
+                <a:latin typeface="Courier New" panose="02070309020205020404" pitchFamily="49" charset="0"/>
+                <a:cs typeface="Courier New" panose="02070309020205020404" pitchFamily="49" charset="0"/>
+              </a:rPr>
+            </a:br>
+            <a:r>
+              <a:rPr kumimoji="0" lang="en-US" altLang="en-US" sz="2000" b="0" i="0" u="none" strike="noStrike" cap="none" normalizeH="0" baseline="0" dirty="0">
+                <a:ln>
+                  <a:noFill/>
+                </a:ln>
+                <a:solidFill>
+                  <a:srgbClr val="000000"/>
+                </a:solidFill>
+                <a:effectLst/>
+                <a:latin typeface="Courier New" panose="02070309020205020404" pitchFamily="49" charset="0"/>
+                <a:cs typeface="Courier New" panose="02070309020205020404" pitchFamily="49" charset="0"/>
+              </a:rPr>
+              <a:t>        </a:t>
+            </a:r>
+            <a:r>
+              <a:rPr kumimoji="0" lang="en-US" altLang="en-US" sz="2000" b="0" i="0" u="none" strike="noStrike" cap="none" normalizeH="0" baseline="0" dirty="0">
+                <a:ln>
+                  <a:noFill/>
+                </a:ln>
+                <a:solidFill>
+                  <a:srgbClr val="7A7A43"/>
+                </a:solidFill>
+                <a:effectLst/>
+                <a:latin typeface="Courier New" panose="02070309020205020404" pitchFamily="49" charset="0"/>
+                <a:cs typeface="Courier New" panose="02070309020205020404" pitchFamily="49" charset="0"/>
+              </a:rPr>
+              <a:t>it </a:t>
+            </a:r>
+            <a:r>
+              <a:rPr kumimoji="0" lang="en-US" altLang="en-US" sz="2000" b="0" i="0" u="none" strike="noStrike" cap="none" normalizeH="0" baseline="0" dirty="0">
+                <a:ln>
+                  <a:noFill/>
+                </a:ln>
+                <a:solidFill>
+                  <a:srgbClr val="000000"/>
+                </a:solidFill>
+                <a:effectLst/>
+                <a:latin typeface="Courier New" panose="02070309020205020404" pitchFamily="49" charset="0"/>
+                <a:cs typeface="Courier New" panose="02070309020205020404" pitchFamily="49" charset="0"/>
+              </a:rPr>
+              <a:t>(</a:t>
+            </a:r>
+            <a:r>
+              <a:rPr kumimoji="0" lang="en-US" altLang="en-US" sz="2000" b="1" i="0" u="none" strike="noStrike" cap="none" normalizeH="0" baseline="0" dirty="0">
+                <a:ln>
+                  <a:noFill/>
+                </a:ln>
+                <a:solidFill>
+                  <a:srgbClr val="008000"/>
+                </a:solidFill>
+                <a:effectLst/>
+                <a:latin typeface="Courier New" panose="02070309020205020404" pitchFamily="49" charset="0"/>
+                <a:cs typeface="Courier New" panose="02070309020205020404" pitchFamily="49" charset="0"/>
+              </a:rPr>
+              <a:t>"wears red blue suit"</a:t>
+            </a:r>
+            <a:r>
+              <a:rPr kumimoji="0" lang="en-US" altLang="en-US" sz="2000" b="0" i="0" u="none" strike="noStrike" cap="none" normalizeH="0" baseline="0" dirty="0">
+                <a:ln>
+                  <a:noFill/>
+                </a:ln>
+                <a:solidFill>
+                  <a:srgbClr val="000000"/>
+                </a:solidFill>
+                <a:effectLst/>
+                <a:latin typeface="Courier New" panose="02070309020205020404" pitchFamily="49" charset="0"/>
+                <a:cs typeface="Courier New" panose="02070309020205020404" pitchFamily="49" charset="0"/>
+              </a:rPr>
+              <a:t>, () =&gt; {</a:t>
+            </a:r>
+            <a:br>
+              <a:rPr kumimoji="0" lang="en-US" altLang="en-US" sz="2000" b="0" i="0" u="none" strike="noStrike" cap="none" normalizeH="0" baseline="0" dirty="0">
+                <a:ln>
+                  <a:noFill/>
+                </a:ln>
+                <a:solidFill>
+                  <a:srgbClr val="000000"/>
+                </a:solidFill>
+                <a:effectLst/>
+                <a:latin typeface="Courier New" panose="02070309020205020404" pitchFamily="49" charset="0"/>
+                <a:cs typeface="Courier New" panose="02070309020205020404" pitchFamily="49" charset="0"/>
+              </a:rPr>
+            </a:br>
+            <a:r>
+              <a:rPr kumimoji="0" lang="en-US" altLang="en-US" sz="2000" b="0" i="0" u="none" strike="noStrike" cap="none" normalizeH="0" baseline="0" dirty="0">
+                <a:ln>
+                  <a:noFill/>
+                </a:ln>
+                <a:solidFill>
+                  <a:srgbClr val="000000"/>
+                </a:solidFill>
+                <a:effectLst/>
+                <a:latin typeface="Courier New" panose="02070309020205020404" pitchFamily="49" charset="0"/>
+                <a:cs typeface="Courier New" panose="02070309020205020404" pitchFamily="49" charset="0"/>
+              </a:rPr>
+              <a:t>            ...</a:t>
+            </a:r>
+            <a:br>
+              <a:rPr kumimoji="0" lang="en-US" altLang="en-US" sz="2000" b="0" i="0" u="none" strike="noStrike" cap="none" normalizeH="0" baseline="0" dirty="0">
+                <a:ln>
+                  <a:noFill/>
+                </a:ln>
+                <a:solidFill>
+                  <a:srgbClr val="000000"/>
+                </a:solidFill>
+                <a:effectLst/>
+                <a:latin typeface="Courier New" panose="02070309020205020404" pitchFamily="49" charset="0"/>
+                <a:cs typeface="Courier New" panose="02070309020205020404" pitchFamily="49" charset="0"/>
+              </a:rPr>
+            </a:br>
+            <a:r>
+              <a:rPr kumimoji="0" lang="en-US" altLang="en-US" sz="2000" b="0" i="0" u="none" strike="noStrike" cap="none" normalizeH="0" baseline="0" dirty="0">
+                <a:ln>
+                  <a:noFill/>
+                </a:ln>
+                <a:solidFill>
+                  <a:srgbClr val="000000"/>
+                </a:solidFill>
+                <a:effectLst/>
+                <a:latin typeface="Courier New" panose="02070309020205020404" pitchFamily="49" charset="0"/>
+                <a:cs typeface="Courier New" panose="02070309020205020404" pitchFamily="49" charset="0"/>
+              </a:rPr>
+              <a:t>        });</a:t>
+            </a:r>
+            <a:br>
+              <a:rPr kumimoji="0" lang="en-US" altLang="en-US" sz="2000" b="0" i="0" u="none" strike="noStrike" cap="none" normalizeH="0" baseline="0" dirty="0">
+                <a:ln>
+                  <a:noFill/>
+                </a:ln>
+                <a:solidFill>
+                  <a:srgbClr val="000000"/>
+                </a:solidFill>
+                <a:effectLst/>
+                <a:latin typeface="Courier New" panose="02070309020205020404" pitchFamily="49" charset="0"/>
+                <a:cs typeface="Courier New" panose="02070309020205020404" pitchFamily="49" charset="0"/>
+              </a:rPr>
+            </a:br>
+            <a:r>
+              <a:rPr kumimoji="0" lang="en-US" altLang="en-US" sz="2000" b="0" i="0" u="none" strike="noStrike" cap="none" normalizeH="0" baseline="0" dirty="0">
+                <a:ln>
+                  <a:noFill/>
+                </a:ln>
+                <a:solidFill>
+                  <a:srgbClr val="000000"/>
+                </a:solidFill>
+                <a:effectLst/>
+                <a:latin typeface="Courier New" panose="02070309020205020404" pitchFamily="49" charset="0"/>
+                <a:cs typeface="Courier New" panose="02070309020205020404" pitchFamily="49" charset="0"/>
+              </a:rPr>
+              <a:t>    });</a:t>
+            </a:r>
+            <a:br>
+              <a:rPr kumimoji="0" lang="en-US" altLang="en-US" sz="2000" b="0" i="0" u="none" strike="noStrike" cap="none" normalizeH="0" baseline="0" dirty="0">
+                <a:ln>
+                  <a:noFill/>
+                </a:ln>
+                <a:solidFill>
+                  <a:srgbClr val="000000"/>
+                </a:solidFill>
+                <a:effectLst/>
+                <a:latin typeface="Courier New" panose="02070309020205020404" pitchFamily="49" charset="0"/>
+                <a:cs typeface="Courier New" panose="02070309020205020404" pitchFamily="49" charset="0"/>
+              </a:rPr>
+            </a:br>
+            <a:r>
+              <a:rPr kumimoji="0" lang="en-US" altLang="en-US" sz="2000" b="0" i="0" u="none" strike="noStrike" cap="none" normalizeH="0" baseline="0" dirty="0">
+                <a:ln>
+                  <a:noFill/>
+                </a:ln>
+                <a:solidFill>
+                  <a:srgbClr val="000000"/>
+                </a:solidFill>
+                <a:effectLst/>
+                <a:latin typeface="Courier New" panose="02070309020205020404" pitchFamily="49" charset="0"/>
+                <a:cs typeface="Courier New" panose="02070309020205020404" pitchFamily="49" charset="0"/>
+              </a:rPr>
+              <a:t>    ...</a:t>
+            </a:r>
+            <a:br>
+              <a:rPr kumimoji="0" lang="en-US" altLang="en-US" sz="2000" b="0" i="0" u="none" strike="noStrike" cap="none" normalizeH="0" baseline="0" dirty="0">
+                <a:ln>
+                  <a:noFill/>
+                </a:ln>
+                <a:solidFill>
+                  <a:srgbClr val="000000"/>
+                </a:solidFill>
+                <a:effectLst/>
+                <a:latin typeface="Courier New" panose="02070309020205020404" pitchFamily="49" charset="0"/>
+                <a:cs typeface="Courier New" panose="02070309020205020404" pitchFamily="49" charset="0"/>
+              </a:rPr>
+            </a:br>
+            <a:r>
+              <a:rPr kumimoji="0" lang="en-US" altLang="en-US" sz="2000" b="0" i="0" u="none" strike="noStrike" cap="none" normalizeH="0" baseline="0" dirty="0">
+                <a:ln>
+                  <a:noFill/>
+                </a:ln>
+                <a:solidFill>
+                  <a:srgbClr val="000000"/>
+                </a:solidFill>
+                <a:effectLst/>
+                <a:latin typeface="Courier New" panose="02070309020205020404" pitchFamily="49" charset="0"/>
+                <a:cs typeface="Courier New" panose="02070309020205020404" pitchFamily="49" charset="0"/>
+              </a:rPr>
+              <a:t>});</a:t>
+            </a:r>
+            <a:endParaRPr kumimoji="0" lang="en-US" altLang="en-US" sz="4400" b="0" i="0" u="none" strike="noStrike" cap="none" normalizeH="0" baseline="0" dirty="0">
+              <a:ln>
+                <a:noFill/>
+              </a:ln>
+              <a:solidFill>
+                <a:schemeClr val="tx1"/>
+              </a:solidFill>
+              <a:effectLst/>
+              <a:latin typeface="Arial" panose="020B0604020202020204" pitchFamily="34" charset="0"/>
+            </a:endParaRPr>
+          </a:p>
+        </p:txBody>
+      </p:sp>
+      <p:sp>
+        <p:nvSpPr>
+          <p:cNvPr id="3" name="Заголовок 2">
+            <a:extLst>
+              <a:ext uri="{FF2B5EF4-FFF2-40B4-BE49-F238E27FC236}">
+                <a16:creationId xmlns:a16="http://schemas.microsoft.com/office/drawing/2014/main" id="{287BF579-0B7E-4D1B-A733-582ECEA350C1}"/>
+              </a:ext>
+            </a:extLst>
+          </p:cNvPr>
+          <p:cNvSpPr>
+            <a:spLocks noGrp="1"/>
+          </p:cNvSpPr>
+          <p:nvPr>
+            <p:ph type="title"/>
+          </p:nvPr>
+        </p:nvSpPr>
+        <p:spPr/>
+        <p:txBody>
+          <a:bodyPr/>
+          <a:lstStyle/>
+          <a:p>
+            <a:r>
+              <a:rPr lang="en-US" dirty="0" err="1"/>
+              <a:t>Behaviour</a:t>
+            </a:r>
+            <a:r>
+              <a:rPr lang="en-US" dirty="0"/>
+              <a:t> Driven Development</a:t>
+            </a:r>
+          </a:p>
+        </p:txBody>
+      </p:sp>
+      <p:sp>
+        <p:nvSpPr>
+          <p:cNvPr id="8" name="Прямоугольник 7">
+            <a:extLst>
+              <a:ext uri="{FF2B5EF4-FFF2-40B4-BE49-F238E27FC236}">
+                <a16:creationId xmlns:a16="http://schemas.microsoft.com/office/drawing/2014/main" id="{D4B9A7FA-1F1B-423D-81C7-B548A1FD443F}"/>
+              </a:ext>
+            </a:extLst>
+          </p:cNvPr>
+          <p:cNvSpPr/>
+          <p:nvPr/>
+        </p:nvSpPr>
+        <p:spPr>
+          <a:xfrm>
+            <a:off x="9816600" y="5229225"/>
+            <a:ext cx="1080000" cy="1079505"/>
+          </a:xfrm>
+          <a:prstGeom prst="rect">
+            <a:avLst/>
+          </a:prstGeom>
+          <a:solidFill>
+            <a:srgbClr val="F9DD3E"/>
+          </a:solidFill>
+          <a:ln>
+            <a:noFill/>
+          </a:ln>
+        </p:spPr>
+        <p:style>
+          <a:lnRef idx="2">
+            <a:schemeClr val="accent1">
+              <a:shade val="50000"/>
+            </a:schemeClr>
+          </a:lnRef>
+          <a:fillRef idx="1">
+            <a:schemeClr val="accent1"/>
+          </a:fillRef>
+          <a:effectRef idx="0">
+            <a:schemeClr val="accent1"/>
+          </a:effectRef>
+          <a:fontRef idx="minor">
+            <a:schemeClr val="lt1"/>
+          </a:fontRef>
+        </p:style>
+        <p:txBody>
+          <a:bodyPr rtlCol="0" anchor="ctr"/>
+          <a:lstStyle/>
+          <a:p>
+            <a:pPr algn="ctr"/>
+            <a:r>
+              <a:rPr lang="en-US" sz="4000" b="1" dirty="0">
+                <a:solidFill>
+                  <a:schemeClr val="tx1"/>
+                </a:solidFill>
+              </a:rPr>
+              <a:t>JS</a:t>
+            </a:r>
+          </a:p>
+        </p:txBody>
+      </p:sp>
+    </p:spTree>
+    <p:extLst>
+      <p:ext uri="{BB962C8B-B14F-4D97-AF65-F5344CB8AC3E}">
+        <p14:creationId xmlns:p14="http://schemas.microsoft.com/office/powerpoint/2010/main" val="4290585945"/>
+      </p:ext>
+    </p:extLst>
+  </p:cSld>
+  <p:clrMapOvr>
+    <a:masterClrMapping/>
+  </p:clrMapOvr>
+</p:sld>
+</file>
+
+<file path=ppt/slides/slide11.xml><?xml version="1.0" encoding="utf-8"?>
+<p:sld xmlns:a="http://schemas.openxmlformats.org/drawingml/2006/main" xmlns:r="http://schemas.openxmlformats.org/officeDocument/2006/relationships" xmlns:p="http://schemas.openxmlformats.org/presentationml/2006/main">
+  <p:cSld>
+    <p:spTree>
+      <p:nvGrpSpPr>
+        <p:cNvPr id="1" name=""/>
+        <p:cNvGrpSpPr/>
+        <p:nvPr/>
+      </p:nvGrpSpPr>
+      <p:grpSpPr>
+        <a:xfrm>
+          <a:off x="0" y="0"/>
+          <a:ext cx="0" cy="0"/>
+          <a:chOff x="0" y="0"/>
+          <a:chExt cx="0" cy="0"/>
+        </a:xfrm>
+      </p:grpSpPr>
+      <p:sp>
+        <p:nvSpPr>
+          <p:cNvPr id="3" name="Заголовок 2">
+            <a:extLst>
+              <a:ext uri="{FF2B5EF4-FFF2-40B4-BE49-F238E27FC236}">
+                <a16:creationId xmlns:a16="http://schemas.microsoft.com/office/drawing/2014/main" id="{16C55716-696B-451C-93B7-4498533647E6}"/>
+              </a:ext>
+            </a:extLst>
+          </p:cNvPr>
+          <p:cNvSpPr>
+            <a:spLocks noGrp="1"/>
+          </p:cNvSpPr>
+          <p:nvPr>
+            <p:ph type="title"/>
+          </p:nvPr>
+        </p:nvSpPr>
+        <p:spPr/>
+        <p:txBody>
+          <a:bodyPr/>
+          <a:lstStyle/>
+          <a:p>
+            <a:r>
+              <a:rPr lang="ru-RU" dirty="0"/>
+              <a:t>Имя теста как спецификация</a:t>
+            </a:r>
+            <a:endParaRPr lang="en-US" dirty="0"/>
+          </a:p>
+        </p:txBody>
+      </p:sp>
+      <p:grpSp>
+        <p:nvGrpSpPr>
+          <p:cNvPr id="7" name="Группа 6">
+            <a:extLst>
+              <a:ext uri="{FF2B5EF4-FFF2-40B4-BE49-F238E27FC236}">
+                <a16:creationId xmlns:a16="http://schemas.microsoft.com/office/drawing/2014/main" id="{840CF6B1-3DC9-4D55-8E1C-ABD8027A4E52}"/>
+              </a:ext>
+            </a:extLst>
+          </p:cNvPr>
+          <p:cNvGrpSpPr/>
+          <p:nvPr/>
+        </p:nvGrpSpPr>
+        <p:grpSpPr>
+          <a:xfrm>
+            <a:off x="1295400" y="5516883"/>
+            <a:ext cx="9290494" cy="791842"/>
+            <a:chOff x="6243139" y="2461370"/>
+            <a:chExt cx="9290494" cy="791842"/>
+          </a:xfrm>
+        </p:grpSpPr>
+        <p:sp>
+          <p:nvSpPr>
+            <p:cNvPr id="8" name="TextBox 7">
+              <a:extLst>
+                <a:ext uri="{FF2B5EF4-FFF2-40B4-BE49-F238E27FC236}">
+                  <a16:creationId xmlns:a16="http://schemas.microsoft.com/office/drawing/2014/main" id="{25E4EDB7-EEED-4739-AC6E-5B7DB2B5D3D3}"/>
+                </a:ext>
+              </a:extLst>
+            </p:cNvPr>
+            <p:cNvSpPr txBox="1"/>
+            <p:nvPr/>
+          </p:nvSpPr>
+          <p:spPr>
+            <a:xfrm>
+              <a:off x="6891139" y="2595681"/>
+              <a:ext cx="8642494" cy="523220"/>
+            </a:xfrm>
+            <a:prstGeom prst="rect">
+              <a:avLst/>
+            </a:prstGeom>
+            <a:noFill/>
+          </p:spPr>
+          <p:txBody>
+            <a:bodyPr wrap="none" rtlCol="0">
+              <a:spAutoFit/>
+            </a:bodyPr>
+            <a:lstStyle/>
+            <a:p>
+              <a:r>
+                <a:rPr lang="en-US" sz="2800" dirty="0">
+                  <a:solidFill>
+                    <a:schemeClr val="accent1"/>
+                  </a:solidFill>
+                  <a:latin typeface="+mj-lt"/>
+                </a:rPr>
+                <a:t>SAMPLES / SPECIFICATIONS / STACK_SPECIFICATION.CS</a:t>
+              </a:r>
+              <a:endParaRPr lang="en-US" sz="3200" dirty="0">
+                <a:solidFill>
+                  <a:schemeClr val="accent1"/>
+                </a:solidFill>
+                <a:latin typeface="+mj-lt"/>
+              </a:endParaRPr>
+            </a:p>
+          </p:txBody>
+        </p:sp>
+        <p:pic>
+          <p:nvPicPr>
+            <p:cNvPr id="9" name="Picture 22" descr="C:\Users\sapogoff\Documents\sapogoff_work\SKB Kontur\01_presentation_templates\03_final\wmf_icons\документ.wmf">
+              <a:extLst>
+                <a:ext uri="{FF2B5EF4-FFF2-40B4-BE49-F238E27FC236}">
+                  <a16:creationId xmlns:a16="http://schemas.microsoft.com/office/drawing/2014/main" id="{FBF7150B-5094-4235-B187-FA15945EEC54}"/>
+                </a:ext>
+              </a:extLst>
+            </p:cNvPr>
+            <p:cNvPicPr>
+              <a:picLocks noChangeAspect="1" noChangeArrowheads="1"/>
+            </p:cNvPicPr>
+            <p:nvPr/>
+          </p:nvPicPr>
+          <p:blipFill>
+            <a:blip r:embed="rId2" cstate="print">
+              <a:duotone>
+                <a:schemeClr val="accent1">
+                  <a:shade val="45000"/>
+                  <a:satMod val="135000"/>
+                </a:schemeClr>
+                <a:prstClr val="white"/>
+              </a:duotone>
+              <a:extLst>
+                <a:ext uri="{28A0092B-C50C-407E-A947-70E740481C1C}">
+                  <a14:useLocalDpi xmlns:a14="http://schemas.microsoft.com/office/drawing/2010/main" val="0"/>
+                </a:ext>
+              </a:extLst>
+            </a:blip>
+            <a:srcRect/>
+            <a:stretch>
+              <a:fillRect/>
+            </a:stretch>
+          </p:blipFill>
+          <p:spPr bwMode="auto">
+            <a:xfrm>
+              <a:off x="6243139" y="2461370"/>
+              <a:ext cx="648000" cy="791842"/>
+            </a:xfrm>
+            <a:prstGeom prst="rect">
+              <a:avLst/>
+            </a:prstGeom>
+            <a:noFill/>
+            <a:extLst>
+              <a:ext uri="{909E8E84-426E-40DD-AFC4-6F175D3DCCD1}">
+                <a14:hiddenFill xmlns:a14="http://schemas.microsoft.com/office/drawing/2010/main">
+                  <a:solidFill>
+                    <a:srgbClr val="FFFFFF"/>
+                  </a:solidFill>
+                </a14:hiddenFill>
+              </a:ext>
+            </a:extLst>
+          </p:spPr>
+        </p:pic>
+      </p:grpSp>
+    </p:spTree>
+    <p:extLst>
+      <p:ext uri="{BB962C8B-B14F-4D97-AF65-F5344CB8AC3E}">
+        <p14:creationId xmlns:p14="http://schemas.microsoft.com/office/powerpoint/2010/main" val="1759826449"/>
+      </p:ext>
+    </p:extLst>
+  </p:cSld>
+  <p:clrMapOvr>
+    <a:masterClrMapping/>
+  </p:clrMapOvr>
+  <p:timing>
+    <p:tnLst>
+      <p:par>
+        <p:cTn id="1" dur="indefinite" restart="never" nodeType="tmRoot">
+          <p:childTnLst>
+            <p:seq concurrent="1" nextAc="seek">
+              <p:cTn id="2" dur="indefinite" nodeType="mainSeq">
+                <p:childTnLst>
+                  <p:par>
+                    <p:cTn id="3" fill="hold">
+                      <p:stCondLst>
+                        <p:cond delay="indefinite"/>
+                      </p:stCondLst>
+                      <p:childTnLst>
+                        <p:par>
+                          <p:cTn id="4" fill="hold">
+                            <p:stCondLst>
+                              <p:cond delay="0"/>
+                            </p:stCondLst>
+                            <p:childTnLst>
+                              <p:par>
+                                <p:cTn id="5" presetID="1" presetClass="entr" presetSubtype="0" fill="hold" nodeType="clickEffect">
+                                  <p:stCondLst>
+                                    <p:cond delay="0"/>
+                                  </p:stCondLst>
+                                  <p:childTnLst>
+                                    <p:set>
+                                      <p:cBhvr>
+                                        <p:cTn id="6" dur="1" fill="hold">
+                                          <p:stCondLst>
+                                            <p:cond delay="0"/>
+                                          </p:stCondLst>
+                                        </p:cTn>
+                                        <p:tgtEl>
+                                          <p:spTgt spid="7"/>
+                                        </p:tgtEl>
+                                        <p:attrNameLst>
+                                          <p:attrName>style.visibility</p:attrName>
+                                        </p:attrNameLst>
+                                      </p:cBhvr>
+                                      <p:to>
+                                        <p:strVal val="visible"/>
+                                      </p:to>
+                                    </p:set>
+                                  </p:childTnLst>
+                                </p:cTn>
+                              </p:par>
+                            </p:childTnLst>
+                          </p:cTn>
+                        </p:par>
+                      </p:childTnLst>
+                    </p:cTn>
+                  </p:par>
+                </p:childTnLst>
+              </p:cTn>
+              <p:prevCondLst>
+                <p:cond evt="onPrev" delay="0">
+                  <p:tgtEl>
+                    <p:sldTgt/>
+                  </p:tgtEl>
+                </p:cond>
+              </p:prevCondLst>
+              <p:nextCondLst>
+                <p:cond evt="onNext" delay="0">
+                  <p:tgtEl>
+                    <p:sldTgt/>
+                  </p:tgtEl>
+                </p:cond>
+              </p:nextCondLst>
+            </p:seq>
+          </p:childTnLst>
+        </p:cTn>
+      </p:par>
+    </p:tnLst>
+  </p:timing>
+</p:sld>
+</file>
+
+<file path=ppt/slides/slide12.xml><?xml version="1.0" encoding="utf-8"?>
+<p:sld xmlns:a="http://schemas.openxmlformats.org/drawingml/2006/main" xmlns:r="http://schemas.openxmlformats.org/officeDocument/2006/relationships" xmlns:p="http://schemas.openxmlformats.org/presentationml/2006/main">
+  <p:cSld>
+    <p:spTree>
+      <p:nvGrpSpPr>
+        <p:cNvPr id="1" name=""/>
+        <p:cNvGrpSpPr/>
+        <p:nvPr/>
+      </p:nvGrpSpPr>
+      <p:grpSpPr>
+        <a:xfrm>
+          <a:off x="0" y="0"/>
+          <a:ext cx="0" cy="0"/>
+          <a:chOff x="0" y="0"/>
+          <a:chExt cx="0" cy="0"/>
+        </a:xfrm>
+      </p:grpSpPr>
+      <p:sp>
+        <p:nvSpPr>
           <p:cNvPr id="2" name="Заголовок 1"/>
           <p:cNvSpPr>
             <a:spLocks noGrp="1"/>
@@ -16113,7 +17480,13 @@
       </p:sp>
       <p:pic>
         <p:nvPicPr>
-          <p:cNvPr id="5" name="Рисунок 4"/>
+          <p:cNvPr id="8" name="Рисунок 7">
+            <a:extLst>
+              <a:ext uri="{FF2B5EF4-FFF2-40B4-BE49-F238E27FC236}">
+                <a16:creationId xmlns:a16="http://schemas.microsoft.com/office/drawing/2014/main" id="{2D1EEE8E-A1DB-4999-82DA-F0DC169D6909}"/>
+              </a:ext>
+            </a:extLst>
+          </p:cNvPr>
           <p:cNvPicPr>
             <a:picLocks noGrp="1" noChangeAspect="1"/>
           </p:cNvPicPr>
@@ -16129,7 +17502,7 @@
               </a:ext>
             </a:extLst>
           </a:blip>
-          <a:srcRect l="-19597" r="-19597"/>
+          <a:srcRect l="-28698" r="-28698"/>
           <a:stretch/>
         </p:blipFill>
         <p:spPr/>
@@ -16147,7 +17520,7 @@
 </p:sld>
 </file>
 
-<file path=ppt/slides/slide11.xml><?xml version="1.0" encoding="utf-8"?>
+<file path=ppt/slides/slide13.xml><?xml version="1.0" encoding="utf-8"?>
 <p:sld xmlns:a="http://schemas.openxmlformats.org/drawingml/2006/main" xmlns:r="http://schemas.openxmlformats.org/officeDocument/2006/relationships" xmlns:p="http://schemas.openxmlformats.org/presentationml/2006/main">
   <p:cSld>
     <p:spTree>
@@ -16647,7 +18020,7 @@
 </p:sld>
 </file>
 
-<file path=ppt/slides/slide12.xml><?xml version="1.0" encoding="utf-8"?>
+<file path=ppt/slides/slide14.xml><?xml version="1.0" encoding="utf-8"?>
 <p:sld xmlns:a="http://schemas.openxmlformats.org/drawingml/2006/main" xmlns:r="http://schemas.openxmlformats.org/officeDocument/2006/relationships" xmlns:p="http://schemas.openxmlformats.org/presentationml/2006/main">
   <p:cSld>
     <p:spTree>
@@ -16758,7 +18131,7 @@
 </p:sld>
 </file>
 
-<file path=ppt/slides/slide13.xml><?xml version="1.0" encoding="utf-8"?>
+<file path=ppt/slides/slide15.xml><?xml version="1.0" encoding="utf-8"?>
 <p:sld xmlns:a="http://schemas.openxmlformats.org/drawingml/2006/main" xmlns:r="http://schemas.openxmlformats.org/officeDocument/2006/relationships" xmlns:p="http://schemas.openxmlformats.org/presentationml/2006/main">
   <p:cSld>
     <p:spTree>
@@ -16896,7 +18269,7 @@
 </p:sld>
 </file>
 
-<file path=ppt/slides/slide14.xml><?xml version="1.0" encoding="utf-8"?>
+<file path=ppt/slides/slide16.xml><?xml version="1.0" encoding="utf-8"?>
 <p:sld xmlns:a="http://schemas.openxmlformats.org/drawingml/2006/main" xmlns:r="http://schemas.openxmlformats.org/officeDocument/2006/relationships" xmlns:p="http://schemas.openxmlformats.org/presentationml/2006/main">
   <p:cSld>
     <p:spTree>
@@ -17299,7 +18672,7 @@
 </p:sld>
 </file>
 
-<file path=ppt/slides/slide15.xml><?xml version="1.0" encoding="utf-8"?>
+<file path=ppt/slides/slide17.xml><?xml version="1.0" encoding="utf-8"?>
 <p:sld xmlns:a="http://schemas.openxmlformats.org/drawingml/2006/main" xmlns:r="http://schemas.openxmlformats.org/officeDocument/2006/relationships" xmlns:p="http://schemas.openxmlformats.org/presentationml/2006/main">
   <p:cSld>
     <p:spTree>
@@ -18036,7 +19409,7 @@
 </p:sld>
 </file>
 
-<file path=ppt/slides/slide16.xml><?xml version="1.0" encoding="utf-8"?>
+<file path=ppt/slides/slide18.xml><?xml version="1.0" encoding="utf-8"?>
 <p:sld xmlns:a="http://schemas.openxmlformats.org/drawingml/2006/main" xmlns:r="http://schemas.openxmlformats.org/officeDocument/2006/relationships" xmlns:p="http://schemas.openxmlformats.org/presentationml/2006/main">
   <p:cSld>
     <p:spTree>
@@ -18159,7 +19532,7 @@
         <p:spPr bwMode="auto">
           <a:xfrm>
             <a:off x="1295400" y="1628775"/>
-            <a:ext cx="7487947" cy="4401205"/>
+            <a:ext cx="7058343" cy="4401205"/>
           </a:xfrm>
           <a:prstGeom prst="rect">
             <a:avLst/>
@@ -18258,7 +19631,7 @@
                 <a:latin typeface="Courier New" panose="02070309020205020404" pitchFamily="49" charset="0"/>
                 <a:cs typeface="Courier New" panose="02070309020205020404" pitchFamily="49" charset="0"/>
               </a:rPr>
-              <a:t>"Mailbox should"</a:t>
+              <a:t>"Mailbox"</a:t>
             </a:r>
             <a:r>
               <a:rPr kumimoji="0" lang="en-US" altLang="en-US" sz="2800" b="0" i="0" u="none" strike="noStrike" cap="none" normalizeH="0" baseline="0" dirty="0">
@@ -18739,7 +20112,7 @@
 </p:sld>
 </file>
 
-<file path=ppt/slides/slide17.xml><?xml version="1.0" encoding="utf-8"?>
+<file path=ppt/slides/slide19.xml><?xml version="1.0" encoding="utf-8"?>
 <p:sld xmlns:a="http://schemas.openxmlformats.org/drawingml/2006/main" xmlns:r="http://schemas.openxmlformats.org/officeDocument/2006/relationships" xmlns:p="http://schemas.openxmlformats.org/presentationml/2006/main">
   <p:cSld>
     <p:spTree>
@@ -18936,7 +20309,78 @@
 </p:sld>
 </file>
 
-<file path=ppt/slides/slide18.xml><?xml version="1.0" encoding="utf-8"?>
+<file path=ppt/slides/slide2.xml><?xml version="1.0" encoding="utf-8"?>
+<p:sld xmlns:a="http://schemas.openxmlformats.org/drawingml/2006/main" xmlns:r="http://schemas.openxmlformats.org/officeDocument/2006/relationships" xmlns:p="http://schemas.openxmlformats.org/presentationml/2006/main">
+  <p:cSld>
+    <p:spTree>
+      <p:nvGrpSpPr>
+        <p:cNvPr id="1" name=""/>
+        <p:cNvGrpSpPr/>
+        <p:nvPr/>
+      </p:nvGrpSpPr>
+      <p:grpSpPr>
+        <a:xfrm>
+          <a:off x="0" y="0"/>
+          <a:ext cx="0" cy="0"/>
+          <a:chOff x="0" y="0"/>
+          <a:chExt cx="0" cy="0"/>
+        </a:xfrm>
+      </p:grpSpPr>
+      <p:pic>
+        <p:nvPicPr>
+          <p:cNvPr id="1032" name="Picture 8" descr="http://brauzergid.ru/wp-content/uploads/2016/10/rezhim-inkognito-v-opera5.jpg"/>
+          <p:cNvPicPr>
+            <a:picLocks noChangeAspect="1" noChangeArrowheads="1"/>
+          </p:cNvPicPr>
+          <p:nvPr/>
+        </p:nvPicPr>
+        <p:blipFill>
+          <a:blip r:embed="rId3">
+            <a:extLst>
+              <a:ext uri="{28A0092B-C50C-407E-A947-70E740481C1C}">
+                <a14:useLocalDpi xmlns:a14="http://schemas.microsoft.com/office/drawing/2010/main" val="0"/>
+              </a:ext>
+            </a:extLst>
+          </a:blip>
+          <a:srcRect/>
+          <a:stretch>
+            <a:fillRect/>
+          </a:stretch>
+        </p:blipFill>
+        <p:spPr bwMode="auto">
+          <a:xfrm>
+            <a:off x="3647728" y="620688"/>
+            <a:ext cx="5143500" cy="5905501"/>
+          </a:xfrm>
+          <a:prstGeom prst="rect">
+            <a:avLst/>
+          </a:prstGeom>
+          <a:noFill/>
+          <a:extLst>
+            <a:ext uri="{909E8E84-426E-40DD-AFC4-6F175D3DCCD1}">
+              <a14:hiddenFill xmlns:a14="http://schemas.microsoft.com/office/drawing/2010/main">
+                <a:solidFill>
+                  <a:srgbClr val="FFFFFF"/>
+                </a:solidFill>
+              </a14:hiddenFill>
+            </a:ext>
+          </a:extLst>
+        </p:spPr>
+      </p:pic>
+    </p:spTree>
+    <p:extLst>
+      <p:ext uri="{BB962C8B-B14F-4D97-AF65-F5344CB8AC3E}">
+        <p14:creationId xmlns:p14="http://schemas.microsoft.com/office/powerpoint/2010/main" val="3730291395"/>
+      </p:ext>
+    </p:extLst>
+  </p:cSld>
+  <p:clrMapOvr>
+    <a:masterClrMapping/>
+  </p:clrMapOvr>
+</p:sld>
+</file>
+
+<file path=ppt/slides/slide20.xml><?xml version="1.0" encoding="utf-8"?>
 <p:sld xmlns:a="http://schemas.openxmlformats.org/drawingml/2006/main" xmlns:r="http://schemas.openxmlformats.org/officeDocument/2006/relationships" xmlns:p="http://schemas.openxmlformats.org/presentationml/2006/main">
   <p:cSld>
     <p:spTree>
@@ -19774,7 +21218,7 @@
 </p:sld>
 </file>
 
-<file path=ppt/slides/slide19.xml><?xml version="1.0" encoding="utf-8"?>
+<file path=ppt/slides/slide21.xml><?xml version="1.0" encoding="utf-8"?>
 <p:sld xmlns:a="http://schemas.openxmlformats.org/drawingml/2006/main" xmlns:r="http://schemas.openxmlformats.org/officeDocument/2006/relationships" xmlns:p="http://schemas.openxmlformats.org/presentationml/2006/main">
   <p:cSld>
     <p:spTree>
@@ -19916,78 +21360,7 @@
 </p:sld>
 </file>
 
-<file path=ppt/slides/slide2.xml><?xml version="1.0" encoding="utf-8"?>
-<p:sld xmlns:a="http://schemas.openxmlformats.org/drawingml/2006/main" xmlns:r="http://schemas.openxmlformats.org/officeDocument/2006/relationships" xmlns:p="http://schemas.openxmlformats.org/presentationml/2006/main" show="0">
-  <p:cSld>
-    <p:spTree>
-      <p:nvGrpSpPr>
-        <p:cNvPr id="1" name=""/>
-        <p:cNvGrpSpPr/>
-        <p:nvPr/>
-      </p:nvGrpSpPr>
-      <p:grpSpPr>
-        <a:xfrm>
-          <a:off x="0" y="0"/>
-          <a:ext cx="0" cy="0"/>
-          <a:chOff x="0" y="0"/>
-          <a:chExt cx="0" cy="0"/>
-        </a:xfrm>
-      </p:grpSpPr>
-      <p:pic>
-        <p:nvPicPr>
-          <p:cNvPr id="1032" name="Picture 8" descr="http://brauzergid.ru/wp-content/uploads/2016/10/rezhim-inkognito-v-opera5.jpg"/>
-          <p:cNvPicPr>
-            <a:picLocks noChangeAspect="1" noChangeArrowheads="1"/>
-          </p:cNvPicPr>
-          <p:nvPr/>
-        </p:nvPicPr>
-        <p:blipFill>
-          <a:blip r:embed="rId3">
-            <a:extLst>
-              <a:ext uri="{28A0092B-C50C-407E-A947-70E740481C1C}">
-                <a14:useLocalDpi xmlns:a14="http://schemas.microsoft.com/office/drawing/2010/main" val="0"/>
-              </a:ext>
-            </a:extLst>
-          </a:blip>
-          <a:srcRect/>
-          <a:stretch>
-            <a:fillRect/>
-          </a:stretch>
-        </p:blipFill>
-        <p:spPr bwMode="auto">
-          <a:xfrm>
-            <a:off x="3647728" y="620688"/>
-            <a:ext cx="5143500" cy="5905501"/>
-          </a:xfrm>
-          <a:prstGeom prst="rect">
-            <a:avLst/>
-          </a:prstGeom>
-          <a:noFill/>
-          <a:extLst>
-            <a:ext uri="{909E8E84-426E-40DD-AFC4-6F175D3DCCD1}">
-              <a14:hiddenFill xmlns:a14="http://schemas.microsoft.com/office/drawing/2010/main">
-                <a:solidFill>
-                  <a:srgbClr val="FFFFFF"/>
-                </a:solidFill>
-              </a14:hiddenFill>
-            </a:ext>
-          </a:extLst>
-        </p:spPr>
-      </p:pic>
-    </p:spTree>
-    <p:extLst>
-      <p:ext uri="{BB962C8B-B14F-4D97-AF65-F5344CB8AC3E}">
-        <p14:creationId xmlns:p14="http://schemas.microsoft.com/office/powerpoint/2010/main" val="3730291395"/>
-      </p:ext>
-    </p:extLst>
-  </p:cSld>
-  <p:clrMapOvr>
-    <a:masterClrMapping/>
-  </p:clrMapOvr>
-</p:sld>
-</file>
-
-<file path=ppt/slides/slide20.xml><?xml version="1.0" encoding="utf-8"?>
+<file path=ppt/slides/slide22.xml><?xml version="1.0" encoding="utf-8"?>
 <p:sld xmlns:a="http://schemas.openxmlformats.org/drawingml/2006/main" xmlns:r="http://schemas.openxmlformats.org/officeDocument/2006/relationships" xmlns:p="http://schemas.openxmlformats.org/presentationml/2006/main">
   <p:cSld>
     <p:spTree>
@@ -20450,7 +21823,7 @@
 </p:sld>
 </file>
 
-<file path=ppt/slides/slide21.xml><?xml version="1.0" encoding="utf-8"?>
+<file path=ppt/slides/slide23.xml><?xml version="1.0" encoding="utf-8"?>
 <p:sld xmlns:a="http://schemas.openxmlformats.org/drawingml/2006/main" xmlns:r="http://schemas.openxmlformats.org/officeDocument/2006/relationships" xmlns:p="http://schemas.openxmlformats.org/presentationml/2006/main">
   <p:cSld>
     <p:spTree>
@@ -20769,7 +22142,7 @@
 </p:sld>
 </file>
 
-<file path=ppt/slides/slide22.xml><?xml version="1.0" encoding="utf-8"?>
+<file path=ppt/slides/slide24.xml><?xml version="1.0" encoding="utf-8"?>
 <p:sld xmlns:a="http://schemas.openxmlformats.org/drawingml/2006/main" xmlns:r="http://schemas.openxmlformats.org/officeDocument/2006/relationships" xmlns:p="http://schemas.openxmlformats.org/presentationml/2006/main">
   <p:cSld>
     <p:spTree>
@@ -22182,7 +23555,7 @@
 </p:sld>
 </file>
 
-<file path=ppt/slides/slide23.xml><?xml version="1.0" encoding="utf-8"?>
+<file path=ppt/slides/slide25.xml><?xml version="1.0" encoding="utf-8"?>
 <p:sld xmlns:a="http://schemas.openxmlformats.org/drawingml/2006/main" xmlns:r="http://schemas.openxmlformats.org/officeDocument/2006/relationships" xmlns:p="http://schemas.openxmlformats.org/presentationml/2006/main">
   <p:cSld>
     <p:spTree>
@@ -22865,7 +24238,7 @@
 </p:sld>
 </file>
 
-<file path=ppt/slides/slide24.xml><?xml version="1.0" encoding="utf-8"?>
+<file path=ppt/slides/slide26.xml><?xml version="1.0" encoding="utf-8"?>
 <p:sld xmlns:a="http://schemas.openxmlformats.org/drawingml/2006/main" xmlns:r="http://schemas.openxmlformats.org/officeDocument/2006/relationships" xmlns:p="http://schemas.openxmlformats.org/presentationml/2006/main">
   <p:cSld>
     <p:spTree>
@@ -22979,7 +24352,7 @@
                 </a:solidFill>
                 <a:latin typeface="Consolas" panose="020B0609020204030204" pitchFamily="49" charset="0"/>
               </a:rPr>
-              <a:t>DoInTimeout</a:t>
+              <a:t>ShouldDoInTimeout</a:t>
             </a:r>
             <a:r>
               <a:rPr lang="en-US" sz="2400" dirty="0">
@@ -23053,7 +24426,7 @@
         <p:spPr bwMode="auto">
           <a:xfrm>
             <a:off x="2495550" y="4075110"/>
-            <a:ext cx="5984331" cy="1384995"/>
+            <a:ext cx="7487947" cy="1384995"/>
           </a:xfrm>
           <a:prstGeom prst="rect">
             <a:avLst/>
@@ -23274,7 +24647,7 @@
                 <a:latin typeface="Courier New" panose="02070309020205020404" pitchFamily="49" charset="0"/>
                 <a:cs typeface="Courier New" panose="02070309020205020404" pitchFamily="49" charset="0"/>
               </a:rPr>
-              <a:t>"do in timeout"</a:t>
+              <a:t>"should do in timeout"</a:t>
             </a:r>
             <a:r>
               <a:rPr lang="en-US" altLang="en-US" sz="2800" dirty="0">
@@ -23481,7 +24854,7 @@
 </p:sld>
 </file>
 
-<file path=ppt/slides/slide25.xml><?xml version="1.0" encoding="utf-8"?>
+<file path=ppt/slides/slide27.xml><?xml version="1.0" encoding="utf-8"?>
 <p:sld xmlns:a="http://schemas.openxmlformats.org/drawingml/2006/main" xmlns:r="http://schemas.openxmlformats.org/officeDocument/2006/relationships" xmlns:p="http://schemas.openxmlformats.org/presentationml/2006/main">
   <p:cSld>
     <p:spTree>
@@ -24135,7 +25508,7 @@
 </p:sld>
 </file>
 
-<file path=ppt/slides/slide26.xml><?xml version="1.0" encoding="utf-8"?>
+<file path=ppt/slides/slide28.xml><?xml version="1.0" encoding="utf-8"?>
 <p:sld xmlns:a="http://schemas.openxmlformats.org/drawingml/2006/main" xmlns:r="http://schemas.openxmlformats.org/officeDocument/2006/relationships" xmlns:p="http://schemas.openxmlformats.org/presentationml/2006/main">
   <p:cSld>
     <p:spTree>
@@ -24517,7 +25890,7 @@
 </p:sld>
 </file>
 
-<file path=ppt/slides/slide27.xml><?xml version="1.0" encoding="utf-8"?>
+<file path=ppt/slides/slide29.xml><?xml version="1.0" encoding="utf-8"?>
 <p:sld xmlns:a="http://schemas.openxmlformats.org/drawingml/2006/main" xmlns:r="http://schemas.openxmlformats.org/officeDocument/2006/relationships" xmlns:p="http://schemas.openxmlformats.org/presentationml/2006/main">
   <p:cSld>
     <p:spTree>
@@ -24793,7 +26166,103 @@
 </p:sld>
 </file>
 
-<file path=ppt/slides/slide28.xml><?xml version="1.0" encoding="utf-8"?>
+<file path=ppt/slides/slide3.xml><?xml version="1.0" encoding="utf-8"?>
+<p:sld xmlns:a="http://schemas.openxmlformats.org/drawingml/2006/main" xmlns:r="http://schemas.openxmlformats.org/officeDocument/2006/relationships" xmlns:p="http://schemas.openxmlformats.org/presentationml/2006/main">
+  <p:cSld>
+    <p:spTree>
+      <p:nvGrpSpPr>
+        <p:cNvPr id="1" name=""/>
+        <p:cNvGrpSpPr/>
+        <p:nvPr/>
+      </p:nvGrpSpPr>
+      <p:grpSpPr>
+        <a:xfrm>
+          <a:off x="0" y="0"/>
+          <a:ext cx="0" cy="0"/>
+          <a:chOff x="0" y="0"/>
+          <a:chExt cx="0" cy="0"/>
+        </a:xfrm>
+      </p:grpSpPr>
+      <p:sp>
+        <p:nvSpPr>
+          <p:cNvPr id="3" name="Объект 2"/>
+          <p:cNvSpPr>
+            <a:spLocks noGrp="1"/>
+          </p:cNvSpPr>
+          <p:nvPr>
+            <p:ph sz="quarter" idx="13"/>
+          </p:nvPr>
+        </p:nvSpPr>
+        <p:spPr/>
+        <p:txBody>
+          <a:bodyPr/>
+          <a:lstStyle/>
+          <a:p>
+            <a:r>
+              <a:rPr lang="ru-RU" dirty="0"/>
+              <a:t>Будет ли тест понятен </a:t>
+            </a:r>
+            <a:r>
+              <a:rPr lang="ru-RU" dirty="0" err="1"/>
+              <a:t>ревьюеру</a:t>
+            </a:r>
+            <a:r>
+              <a:rPr lang="ru-RU" dirty="0"/>
+              <a:t>?</a:t>
+            </a:r>
+          </a:p>
+          <a:p>
+            <a:r>
+              <a:rPr lang="ru-RU" dirty="0"/>
+              <a:t>Сможет ли </a:t>
+            </a:r>
+            <a:r>
+              <a:rPr lang="ru-RU" dirty="0" err="1"/>
+              <a:t>ревьюер</a:t>
+            </a:r>
+            <a:r>
+              <a:rPr lang="ru-RU" dirty="0"/>
+              <a:t> быстро убедиться в корректности теста?</a:t>
+            </a:r>
+          </a:p>
+        </p:txBody>
+      </p:sp>
+      <p:sp>
+        <p:nvSpPr>
+          <p:cNvPr id="2" name="Заголовок 1"/>
+          <p:cNvSpPr>
+            <a:spLocks noGrp="1"/>
+          </p:cNvSpPr>
+          <p:nvPr>
+            <p:ph type="title"/>
+          </p:nvPr>
+        </p:nvSpPr>
+        <p:spPr/>
+        <p:txBody>
+          <a:bodyPr/>
+          <a:lstStyle/>
+          <a:p>
+            <a:r>
+              <a:rPr lang="ru-RU" dirty="0"/>
+              <a:t>Доверие тестам</a:t>
+            </a:r>
+          </a:p>
+        </p:txBody>
+      </p:sp>
+    </p:spTree>
+    <p:extLst>
+      <p:ext uri="{BB962C8B-B14F-4D97-AF65-F5344CB8AC3E}">
+        <p14:creationId xmlns:p14="http://schemas.microsoft.com/office/powerpoint/2010/main" val="3622594535"/>
+      </p:ext>
+    </p:extLst>
+  </p:cSld>
+  <p:clrMapOvr>
+    <a:masterClrMapping/>
+  </p:clrMapOvr>
+</p:sld>
+</file>
+
+<file path=ppt/slides/slide30.xml><?xml version="1.0" encoding="utf-8"?>
 <p:sld xmlns:a="http://schemas.openxmlformats.org/drawingml/2006/main" xmlns:r="http://schemas.openxmlformats.org/officeDocument/2006/relationships" xmlns:p="http://schemas.openxmlformats.org/presentationml/2006/main">
   <p:cSld>
     <p:spTree>
@@ -24881,7 +26350,7 @@
 </p:sld>
 </file>
 
-<file path=ppt/slides/slide29.xml><?xml version="1.0" encoding="utf-8"?>
+<file path=ppt/slides/slide31.xml><?xml version="1.0" encoding="utf-8"?>
 <p:sld xmlns:a="http://schemas.openxmlformats.org/drawingml/2006/main" xmlns:r="http://schemas.openxmlformats.org/officeDocument/2006/relationships" xmlns:p="http://schemas.openxmlformats.org/presentationml/2006/main">
   <p:cSld>
     <p:spTree>
@@ -25057,103 +26526,7 @@
 </p:sld>
 </file>
 
-<file path=ppt/slides/slide3.xml><?xml version="1.0" encoding="utf-8"?>
-<p:sld xmlns:a="http://schemas.openxmlformats.org/drawingml/2006/main" xmlns:r="http://schemas.openxmlformats.org/officeDocument/2006/relationships" xmlns:p="http://schemas.openxmlformats.org/presentationml/2006/main">
-  <p:cSld>
-    <p:spTree>
-      <p:nvGrpSpPr>
-        <p:cNvPr id="1" name=""/>
-        <p:cNvGrpSpPr/>
-        <p:nvPr/>
-      </p:nvGrpSpPr>
-      <p:grpSpPr>
-        <a:xfrm>
-          <a:off x="0" y="0"/>
-          <a:ext cx="0" cy="0"/>
-          <a:chOff x="0" y="0"/>
-          <a:chExt cx="0" cy="0"/>
-        </a:xfrm>
-      </p:grpSpPr>
-      <p:sp>
-        <p:nvSpPr>
-          <p:cNvPr id="3" name="Объект 2"/>
-          <p:cNvSpPr>
-            <a:spLocks noGrp="1"/>
-          </p:cNvSpPr>
-          <p:nvPr>
-            <p:ph sz="quarter" idx="13"/>
-          </p:nvPr>
-        </p:nvSpPr>
-        <p:spPr/>
-        <p:txBody>
-          <a:bodyPr/>
-          <a:lstStyle/>
-          <a:p>
-            <a:r>
-              <a:rPr lang="ru-RU" dirty="0"/>
-              <a:t>Будет ли тест понятен </a:t>
-            </a:r>
-            <a:r>
-              <a:rPr lang="ru-RU" dirty="0" err="1"/>
-              <a:t>ревьюеру</a:t>
-            </a:r>
-            <a:r>
-              <a:rPr lang="ru-RU" dirty="0"/>
-              <a:t>?</a:t>
-            </a:r>
-          </a:p>
-          <a:p>
-            <a:r>
-              <a:rPr lang="ru-RU" dirty="0"/>
-              <a:t>Сможет ли </a:t>
-            </a:r>
-            <a:r>
-              <a:rPr lang="ru-RU" dirty="0" err="1"/>
-              <a:t>ревьюер</a:t>
-            </a:r>
-            <a:r>
-              <a:rPr lang="ru-RU" dirty="0"/>
-              <a:t> быстро убедиться в корректности теста?</a:t>
-            </a:r>
-          </a:p>
-        </p:txBody>
-      </p:sp>
-      <p:sp>
-        <p:nvSpPr>
-          <p:cNvPr id="2" name="Заголовок 1"/>
-          <p:cNvSpPr>
-            <a:spLocks noGrp="1"/>
-          </p:cNvSpPr>
-          <p:nvPr>
-            <p:ph type="title"/>
-          </p:nvPr>
-        </p:nvSpPr>
-        <p:spPr/>
-        <p:txBody>
-          <a:bodyPr/>
-          <a:lstStyle/>
-          <a:p>
-            <a:r>
-              <a:rPr lang="ru-RU" dirty="0"/>
-              <a:t>Доверие тестам</a:t>
-            </a:r>
-          </a:p>
-        </p:txBody>
-      </p:sp>
-    </p:spTree>
-    <p:extLst>
-      <p:ext uri="{BB962C8B-B14F-4D97-AF65-F5344CB8AC3E}">
-        <p14:creationId xmlns:p14="http://schemas.microsoft.com/office/powerpoint/2010/main" val="3622594535"/>
-      </p:ext>
-    </p:extLst>
-  </p:cSld>
-  <p:clrMapOvr>
-    <a:masterClrMapping/>
-  </p:clrMapOvr>
-</p:sld>
-</file>
-
-<file path=ppt/slides/slide30.xml><?xml version="1.0" encoding="utf-8"?>
+<file path=ppt/slides/slide32.xml><?xml version="1.0" encoding="utf-8"?>
 <p:sld xmlns:a="http://schemas.openxmlformats.org/drawingml/2006/main" xmlns:r="http://schemas.openxmlformats.org/officeDocument/2006/relationships" xmlns:p="http://schemas.openxmlformats.org/presentationml/2006/main">
   <p:cSld>
     <p:spTree>
@@ -25249,7 +26622,7 @@
 </p:sld>
 </file>
 
-<file path=ppt/slides/slide31.xml><?xml version="1.0" encoding="utf-8"?>
+<file path=ppt/slides/slide33.xml><?xml version="1.0" encoding="utf-8"?>
 <p:sld xmlns:a="http://schemas.openxmlformats.org/drawingml/2006/main" xmlns:r="http://schemas.openxmlformats.org/officeDocument/2006/relationships" xmlns:p="http://schemas.openxmlformats.org/presentationml/2006/main">
   <p:cSld>
     <p:spTree>
@@ -26333,10 +27706,7 @@
           </a:bodyPr>
           <a:lstStyle/>
           <a:p>
-            <a:pPr marL="0" marR="0" lvl="0" indent="0" algn="l" defTabSz="914400" rtl="0" eaLnBrk="0" fontAlgn="base" latinLnBrk="0" hangingPunct="0">
-              <a:lnSpc>
-                <a:spcPct val="100000"/>
-              </a:lnSpc>
+            <a:pPr lvl="0" defTabSz="914400" eaLnBrk="0" fontAlgn="base" hangingPunct="0">
               <a:spcBef>
                 <a:spcPct val="0"/>
               </a:spcBef>
@@ -26344,10 +27714,6 @@
                 <a:spcPct val="0"/>
               </a:spcAft>
               <a:buClrTx/>
-              <a:buSzTx/>
-              <a:buFontTx/>
-              <a:buNone/>
-              <a:tabLst/>
             </a:pPr>
             <a:r>
               <a:rPr kumimoji="0" lang="en-US" altLang="en-US" sz="2400" b="0" i="0" u="none" strike="noStrike" cap="none" normalizeH="0" baseline="0" dirty="0">
@@ -26361,7 +27727,7 @@
                 <a:latin typeface="Courier New" panose="02070309020205020404" pitchFamily="49" charset="0"/>
                 <a:cs typeface="Courier New" panose="02070309020205020404" pitchFamily="49" charset="0"/>
               </a:rPr>
-              <a:t>describe</a:t>
+              <a:t>suite</a:t>
             </a:r>
             <a:r>
               <a:rPr kumimoji="0" lang="en-US" altLang="en-US" sz="2400" b="0" i="0" u="none" strike="noStrike" cap="none" normalizeH="0" baseline="0" dirty="0">
@@ -26433,32 +27799,38 @@
               <a:t>    </a:t>
             </a:r>
             <a:r>
+              <a:rPr lang="en-US" altLang="en-US" sz="2400" dirty="0">
+                <a:solidFill>
+                  <a:srgbClr val="7A7A43"/>
+                </a:solidFill>
+                <a:latin typeface="Courier New" panose="02070309020205020404" pitchFamily="49" charset="0"/>
+                <a:cs typeface="Courier New" panose="02070309020205020404" pitchFamily="49" charset="0"/>
+              </a:rPr>
+              <a:t>test</a:t>
+            </a:r>
+            <a:r>
               <a:rPr kumimoji="0" lang="en-US" altLang="en-US" sz="2400" b="0" i="0" u="none" strike="noStrike" cap="none" normalizeH="0" baseline="0" dirty="0">
                 <a:ln>
                   <a:noFill/>
                 </a:ln>
                 <a:solidFill>
-                  <a:srgbClr val="7A7A43"/>
+                  <a:srgbClr val="000000"/>
                 </a:solidFill>
                 <a:effectLst/>
                 <a:latin typeface="Courier New" panose="02070309020205020404" pitchFamily="49" charset="0"/>
                 <a:cs typeface="Courier New" panose="02070309020205020404" pitchFamily="49" charset="0"/>
               </a:rPr>
-              <a:t>it</a:t>
-            </a:r>
-            <a:r>
-              <a:rPr kumimoji="0" lang="en-US" altLang="en-US" sz="2400" b="0" i="0" u="none" strike="noStrike" cap="none" normalizeH="0" baseline="0" dirty="0">
-                <a:ln>
-                  <a:noFill/>
-                </a:ln>
-                <a:solidFill>
-                  <a:srgbClr val="000000"/>
-                </a:solidFill>
-                <a:effectLst/>
+              <a:t>(</a:t>
+            </a:r>
+            <a:r>
+              <a:rPr lang="en-US" altLang="en-US" sz="2400" b="1" dirty="0">
+                <a:solidFill>
+                  <a:srgbClr val="008000"/>
+                </a:solidFill>
                 <a:latin typeface="Courier New" panose="02070309020205020404" pitchFamily="49" charset="0"/>
                 <a:cs typeface="Courier New" panose="02070309020205020404" pitchFamily="49" charset="0"/>
               </a:rPr>
-              <a:t>(</a:t>
+              <a:t>"save kitten </a:t>
             </a:r>
             <a:r>
               <a:rPr kumimoji="0" lang="en-US" altLang="en-US" sz="2400" b="1" i="0" u="none" strike="noStrike" cap="none" normalizeH="0" baseline="0" dirty="0">
@@ -26472,7 +27844,7 @@
                 <a:latin typeface="Courier New" panose="02070309020205020404" pitchFamily="49" charset="0"/>
                 <a:cs typeface="Courier New" panose="02070309020205020404" pitchFamily="49" charset="0"/>
               </a:rPr>
-              <a:t>"save kitten from tree"</a:t>
+              <a:t>from tree"</a:t>
             </a:r>
             <a:r>
               <a:rPr kumimoji="0" lang="en-US" altLang="en-US" sz="2400" b="0" i="0" u="none" strike="noStrike" cap="none" normalizeH="0" baseline="0" dirty="0">
@@ -26554,7 +27926,7 @@
                 <a:latin typeface="Courier New" panose="02070309020205020404" pitchFamily="49" charset="0"/>
                 <a:cs typeface="Courier New" panose="02070309020205020404" pitchFamily="49" charset="0"/>
               </a:rPr>
-              <a:t>superman.Act</a:t>
+              <a:t>superman.act</a:t>
             </a:r>
             <a:r>
               <a:rPr kumimoji="0" lang="en-US" altLang="en-US" sz="2400" b="0" i="0" u="none" strike="noStrike" cap="none" normalizeH="0" baseline="0" dirty="0">
@@ -26721,18 +28093,14 @@
               <a:t>    </a:t>
             </a:r>
             <a:r>
-              <a:rPr kumimoji="0" lang="en-US" altLang="en-US" sz="2400" b="0" i="0" u="none" strike="noStrike" cap="none" normalizeH="0" baseline="0" dirty="0">
-                <a:ln>
-                  <a:noFill/>
-                </a:ln>
+              <a:rPr lang="en-US" altLang="en-US" sz="2400" dirty="0">
                 <a:solidFill>
                   <a:srgbClr val="7A7A43"/>
                 </a:solidFill>
-                <a:effectLst/>
                 <a:latin typeface="Courier New" panose="02070309020205020404" pitchFamily="49" charset="0"/>
                 <a:cs typeface="Courier New" panose="02070309020205020404" pitchFamily="49" charset="0"/>
               </a:rPr>
-              <a:t>it </a:t>
+              <a:t>test</a:t>
             </a:r>
             <a:r>
               <a:rPr kumimoji="0" lang="en-US" altLang="en-US" sz="2400" b="0" i="0" u="none" strike="noStrike" cap="none" normalizeH="0" baseline="0" dirty="0">
@@ -26959,7 +28327,7 @@
     </p:spTree>
     <p:extLst>
       <p:ext uri="{BB962C8B-B14F-4D97-AF65-F5344CB8AC3E}">
-        <p14:creationId xmlns:p14="http://schemas.microsoft.com/office/powerpoint/2010/main" val="4290585945"/>
+        <p14:creationId xmlns:p14="http://schemas.microsoft.com/office/powerpoint/2010/main" val="1531452310"/>
       </p:ext>
     </p:extLst>
   </p:cSld>
@@ -28587,116 +29955,12 @@
           <a:lstStyle/>
           <a:p>
             <a:r>
-              <a:rPr lang="ru-RU"/>
+              <a:rPr lang="ru-RU" dirty="0"/>
               <a:t>Имя теста как спецификация</a:t>
             </a:r>
-            <a:endParaRPr lang="ru-RU" dirty="0"/>
           </a:p>
         </p:txBody>
       </p:sp>
-      <p:grpSp>
-        <p:nvGrpSpPr>
-          <p:cNvPr id="6" name="Группа 5"/>
-          <p:cNvGrpSpPr/>
-          <p:nvPr/>
-        </p:nvGrpSpPr>
-        <p:grpSpPr>
-          <a:xfrm>
-            <a:off x="1295400" y="5516883"/>
-            <a:ext cx="9290494" cy="791842"/>
-            <a:chOff x="6243139" y="2461370"/>
-            <a:chExt cx="9290494" cy="791842"/>
-          </a:xfrm>
-        </p:grpSpPr>
-        <p:sp>
-          <p:nvSpPr>
-            <p:cNvPr id="7" name="TextBox 6"/>
-            <p:cNvSpPr txBox="1"/>
-            <p:nvPr/>
-          </p:nvSpPr>
-          <p:spPr>
-            <a:xfrm>
-              <a:off x="6891139" y="2595681"/>
-              <a:ext cx="8642494" cy="523220"/>
-            </a:xfrm>
-            <a:prstGeom prst="rect">
-              <a:avLst/>
-            </a:prstGeom>
-            <a:noFill/>
-          </p:spPr>
-          <p:txBody>
-            <a:bodyPr wrap="none" rtlCol="0">
-              <a:spAutoFit/>
-            </a:bodyPr>
-            <a:lstStyle/>
-            <a:p>
-              <a:r>
-                <a:rPr lang="en-US" sz="2800" dirty="0">
-                  <a:solidFill>
-                    <a:schemeClr val="accent1"/>
-                  </a:solidFill>
-                  <a:latin typeface="+mj-lt"/>
-                </a:rPr>
-                <a:t>SAMPLES / SPECIFICATIONS / STACK_SPECIFICATION.CS</a:t>
-              </a:r>
-              <a:endParaRPr lang="en-US" sz="3200" dirty="0">
-                <a:solidFill>
-                  <a:schemeClr val="accent1"/>
-                </a:solidFill>
-                <a:latin typeface="+mj-lt"/>
-              </a:endParaRPr>
-            </a:p>
-          </p:txBody>
-        </p:sp>
-        <p:pic>
-          <p:nvPicPr>
-            <p:cNvPr id="8" name="Picture 22" descr="C:\Users\sapogoff\Documents\sapogoff_work\SKB Kontur\01_presentation_templates\03_final\wmf_icons\документ.wmf"/>
-            <p:cNvPicPr>
-              <a:picLocks noChangeAspect="1" noChangeArrowheads="1"/>
-            </p:cNvPicPr>
-            <p:nvPr/>
-          </p:nvPicPr>
-          <p:blipFill>
-            <a:blip r:embed="rId3" cstate="print">
-              <a:duotone>
-                <a:schemeClr val="accent1">
-                  <a:shade val="45000"/>
-                  <a:satMod val="135000"/>
-                </a:schemeClr>
-                <a:prstClr val="white"/>
-              </a:duotone>
-              <a:extLst>
-                <a:ext uri="{28A0092B-C50C-407E-A947-70E740481C1C}">
-                  <a14:useLocalDpi xmlns:a14="http://schemas.microsoft.com/office/drawing/2010/main" val="0"/>
-                </a:ext>
-              </a:extLst>
-            </a:blip>
-            <a:srcRect/>
-            <a:stretch>
-              <a:fillRect/>
-            </a:stretch>
-          </p:blipFill>
-          <p:spPr bwMode="auto">
-            <a:xfrm>
-              <a:off x="6243139" y="2461370"/>
-              <a:ext cx="648000" cy="791842"/>
-            </a:xfrm>
-            <a:prstGeom prst="rect">
-              <a:avLst/>
-            </a:prstGeom>
-            <a:noFill/>
-            <a:extLst>
-              <a:ext uri="{909E8E84-426E-40DD-AFC4-6F175D3DCCD1}">
-                <a14:hiddenFill xmlns:a14="http://schemas.microsoft.com/office/drawing/2010/main">
-                  <a:solidFill>
-                    <a:srgbClr val="FFFFFF"/>
-                  </a:solidFill>
-                </a14:hiddenFill>
-              </a:ext>
-            </a:extLst>
-          </p:spPr>
-        </p:pic>
-      </p:grpSp>
     </p:spTree>
     <p:extLst>
       <p:ext uri="{BB962C8B-B14F-4D97-AF65-F5344CB8AC3E}">
@@ -28893,51 +30157,6 @@
                                               <p:pRg st="6" end="6"/>
                                             </p:txEl>
                                           </p:spTgt>
-                                        </p:tgtEl>
-                                        <p:attrNameLst>
-                                          <p:attrName>style.visibility</p:attrName>
-                                        </p:attrNameLst>
-                                      </p:cBhvr>
-                                      <p:to>
-                                        <p:strVal val="visible"/>
-                                      </p:to>
-                                    </p:set>
-                                  </p:childTnLst>
-                                </p:cTn>
-                              </p:par>
-                            </p:childTnLst>
-                          </p:cTn>
-                        </p:par>
-                      </p:childTnLst>
-                    </p:cTn>
-                  </p:par>
-                  <p:par>
-                    <p:cTn id="19" fill="hold">
-                      <p:stCondLst>
-                        <p:cond delay="indefinite"/>
-                      </p:stCondLst>
-                      <p:childTnLst>
-                        <p:par>
-                          <p:cTn id="20" fill="hold">
-                            <p:stCondLst>
-                              <p:cond delay="0"/>
-                            </p:stCondLst>
-                            <p:childTnLst>
-                              <p:par>
-                                <p:cTn id="21" presetID="1" presetClass="entr" presetSubtype="0" fill="hold" nodeType="clickEffect">
-                                  <p:stCondLst>
-                                    <p:cond delay="0"/>
-                                  </p:stCondLst>
-                                  <p:childTnLst>
-                                    <p:set>
-                                      <p:cBhvr>
-                                        <p:cTn id="22" dur="1" fill="hold">
-                                          <p:stCondLst>
-                                            <p:cond delay="0"/>
-                                          </p:stCondLst>
-                                        </p:cTn>
-                                        <p:tgtEl>
-                                          <p:spTgt spid="6"/>
                                         </p:tgtEl>
                                         <p:attrNameLst>
                                           <p:attrName>style.visibility</p:attrName>

--- a/testing.pptx
+++ b/testing.pptx
@@ -2524,6 +2524,13 @@
         </dgm:presLayoutVars>
       </dgm:prSet>
       <dgm:spPr/>
+      <dgm:t>
+        <a:bodyPr/>
+        <a:lstStyle/>
+        <a:p>
+          <a:endParaRPr lang="ru-RU"/>
+        </a:p>
+      </dgm:t>
     </dgm:pt>
     <dgm:pt modelId="{CF6D50B3-578A-4EA0-A5A0-492FA729F6ED}" type="pres">
       <dgm:prSet presAssocID="{B75F6A3A-9A51-4DF3-8A57-9AEB0739425C}" presName="composite" presStyleCnt="0"/>
@@ -2536,6 +2543,13 @@
         </dgm:presLayoutVars>
       </dgm:prSet>
       <dgm:spPr/>
+      <dgm:t>
+        <a:bodyPr/>
+        <a:lstStyle/>
+        <a:p>
+          <a:endParaRPr lang="ru-RU"/>
+        </a:p>
+      </dgm:t>
     </dgm:pt>
     <dgm:pt modelId="{61EB78D8-69FF-471D-8FEB-71388C442F55}" type="pres">
       <dgm:prSet presAssocID="{B75F6A3A-9A51-4DF3-8A57-9AEB0739425C}" presName="rect1" presStyleLbl="alignImgPlace1" presStyleIdx="0" presStyleCnt="1" custScaleX="596594" custScaleY="114980" custLinFactX="-64576" custLinFactNeighborX="-100000" custLinFactNeighborY="-13065"/>
@@ -2557,9 +2571,9 @@
     </dgm:pt>
   </dgm:ptLst>
   <dgm:cxnLst>
+    <dgm:cxn modelId="{017518C9-1619-4B19-AA03-86BA999BA287}" srcId="{EAB81984-5B84-4970-8447-2B456B8C58DF}" destId="{B75F6A3A-9A51-4DF3-8A57-9AEB0739425C}" srcOrd="0" destOrd="0" parTransId="{203596AF-4F49-40BA-B1E1-11BDD34B512E}" sibTransId="{A056157B-3867-49A4-9195-F3A4F3FBBA8E}"/>
     <dgm:cxn modelId="{1CEAA455-5BF4-4666-95B8-390900AB8124}" type="presOf" srcId="{EAB81984-5B84-4970-8447-2B456B8C58DF}" destId="{3A252E36-3D7E-49E5-B812-EE4CACF0D5CF}" srcOrd="0" destOrd="0" presId="urn:microsoft.com/office/officeart/2008/layout/PictureGrid"/>
     <dgm:cxn modelId="{147A14B3-96E8-4139-969B-9DB1BCB4D95E}" type="presOf" srcId="{B75F6A3A-9A51-4DF3-8A57-9AEB0739425C}" destId="{B29ABF60-EC0F-45AD-A90E-9C76D15C2F14}" srcOrd="0" destOrd="0" presId="urn:microsoft.com/office/officeart/2008/layout/PictureGrid"/>
-    <dgm:cxn modelId="{017518C9-1619-4B19-AA03-86BA999BA287}" srcId="{EAB81984-5B84-4970-8447-2B456B8C58DF}" destId="{B75F6A3A-9A51-4DF3-8A57-9AEB0739425C}" srcOrd="0" destOrd="0" parTransId="{203596AF-4F49-40BA-B1E1-11BDD34B512E}" sibTransId="{A056157B-3867-49A4-9195-F3A4F3FBBA8E}"/>
     <dgm:cxn modelId="{D3458AFA-605E-43EE-8C8A-0E0C1E3CD931}" type="presParOf" srcId="{3A252E36-3D7E-49E5-B812-EE4CACF0D5CF}" destId="{CF6D50B3-578A-4EA0-A5A0-492FA729F6ED}" srcOrd="0" destOrd="0" presId="urn:microsoft.com/office/officeart/2008/layout/PictureGrid"/>
     <dgm:cxn modelId="{9835F3F3-3E30-4AC4-AD89-BC095FA9A878}" type="presParOf" srcId="{CF6D50B3-578A-4EA0-A5A0-492FA729F6ED}" destId="{B29ABF60-EC0F-45AD-A90E-9C76D15C2F14}" srcOrd="0" destOrd="0" presId="urn:microsoft.com/office/officeart/2008/layout/PictureGrid"/>
     <dgm:cxn modelId="{70FA379F-7827-49B9-806E-1FD72CAE8F89}" type="presParOf" srcId="{CF6D50B3-578A-4EA0-A5A0-492FA729F6ED}" destId="{61EB78D8-69FF-471D-8FEB-71388C442F55}" srcOrd="1" destOrd="0" presId="urn:microsoft.com/office/officeart/2008/layout/PictureGrid"/>
@@ -2631,6 +2645,13 @@
         </dgm:presLayoutVars>
       </dgm:prSet>
       <dgm:spPr/>
+      <dgm:t>
+        <a:bodyPr/>
+        <a:lstStyle/>
+        <a:p>
+          <a:endParaRPr lang="ru-RU"/>
+        </a:p>
+      </dgm:t>
     </dgm:pt>
     <dgm:pt modelId="{CF6D50B3-578A-4EA0-A5A0-492FA729F6ED}" type="pres">
       <dgm:prSet presAssocID="{B75F6A3A-9A51-4DF3-8A57-9AEB0739425C}" presName="composite" presStyleCnt="0"/>
@@ -2643,6 +2664,13 @@
         </dgm:presLayoutVars>
       </dgm:prSet>
       <dgm:spPr/>
+      <dgm:t>
+        <a:bodyPr/>
+        <a:lstStyle/>
+        <a:p>
+          <a:endParaRPr lang="ru-RU"/>
+        </a:p>
+      </dgm:t>
     </dgm:pt>
     <dgm:pt modelId="{61EB78D8-69FF-471D-8FEB-71388C442F55}" type="pres">
       <dgm:prSet presAssocID="{B75F6A3A-9A51-4DF3-8A57-9AEB0739425C}" presName="rect1" presStyleLbl="alignImgPlace1" presStyleIdx="0" presStyleCnt="1" custScaleX="596594" custScaleY="114980" custLinFactX="-64576" custLinFactNeighborX="-100000" custLinFactNeighborY="-13065"/>
@@ -2664,9 +2692,9 @@
     </dgm:pt>
   </dgm:ptLst>
   <dgm:cxnLst>
+    <dgm:cxn modelId="{017518C9-1619-4B19-AA03-86BA999BA287}" srcId="{EAB81984-5B84-4970-8447-2B456B8C58DF}" destId="{B75F6A3A-9A51-4DF3-8A57-9AEB0739425C}" srcOrd="0" destOrd="0" parTransId="{203596AF-4F49-40BA-B1E1-11BDD34B512E}" sibTransId="{A056157B-3867-49A4-9195-F3A4F3FBBA8E}"/>
     <dgm:cxn modelId="{1CEAA455-5BF4-4666-95B8-390900AB8124}" type="presOf" srcId="{EAB81984-5B84-4970-8447-2B456B8C58DF}" destId="{3A252E36-3D7E-49E5-B812-EE4CACF0D5CF}" srcOrd="0" destOrd="0" presId="urn:microsoft.com/office/officeart/2008/layout/PictureGrid"/>
     <dgm:cxn modelId="{147A14B3-96E8-4139-969B-9DB1BCB4D95E}" type="presOf" srcId="{B75F6A3A-9A51-4DF3-8A57-9AEB0739425C}" destId="{B29ABF60-EC0F-45AD-A90E-9C76D15C2F14}" srcOrd="0" destOrd="0" presId="urn:microsoft.com/office/officeart/2008/layout/PictureGrid"/>
-    <dgm:cxn modelId="{017518C9-1619-4B19-AA03-86BA999BA287}" srcId="{EAB81984-5B84-4970-8447-2B456B8C58DF}" destId="{B75F6A3A-9A51-4DF3-8A57-9AEB0739425C}" srcOrd="0" destOrd="0" parTransId="{203596AF-4F49-40BA-B1E1-11BDD34B512E}" sibTransId="{A056157B-3867-49A4-9195-F3A4F3FBBA8E}"/>
     <dgm:cxn modelId="{D3458AFA-605E-43EE-8C8A-0E0C1E3CD931}" type="presParOf" srcId="{3A252E36-3D7E-49E5-B812-EE4CACF0D5CF}" destId="{CF6D50B3-578A-4EA0-A5A0-492FA729F6ED}" srcOrd="0" destOrd="0" presId="urn:microsoft.com/office/officeart/2008/layout/PictureGrid"/>
     <dgm:cxn modelId="{9835F3F3-3E30-4AC4-AD89-BC095FA9A878}" type="presParOf" srcId="{CF6D50B3-578A-4EA0-A5A0-492FA729F6ED}" destId="{B29ABF60-EC0F-45AD-A90E-9C76D15C2F14}" srcOrd="0" destOrd="0" presId="urn:microsoft.com/office/officeart/2008/layout/PictureGrid"/>
     <dgm:cxn modelId="{70FA379F-7827-49B9-806E-1FD72CAE8F89}" type="presParOf" srcId="{CF6D50B3-578A-4EA0-A5A0-492FA729F6ED}" destId="{61EB78D8-69FF-471D-8FEB-71388C442F55}" srcOrd="1" destOrd="0" presId="urn:microsoft.com/office/officeart/2008/layout/PictureGrid"/>
@@ -2756,6 +2784,13 @@
         </dgm:presLayoutVars>
       </dgm:prSet>
       <dgm:spPr/>
+      <dgm:t>
+        <a:bodyPr/>
+        <a:lstStyle/>
+        <a:p>
+          <a:endParaRPr lang="ru-RU"/>
+        </a:p>
+      </dgm:t>
     </dgm:pt>
     <dgm:pt modelId="{65D73C51-61AB-436D-8191-975603FC9C68}" type="pres">
       <dgm:prSet presAssocID="{9C9C0585-42CE-4F34-A2BB-F1377DA03788}" presName="composite" presStyleCnt="0"/>
@@ -2768,6 +2803,13 @@
         </dgm:presLayoutVars>
       </dgm:prSet>
       <dgm:spPr/>
+      <dgm:t>
+        <a:bodyPr/>
+        <a:lstStyle/>
+        <a:p>
+          <a:endParaRPr lang="ru-RU"/>
+        </a:p>
+      </dgm:t>
     </dgm:pt>
     <dgm:pt modelId="{DFDA3CA3-5C68-4A2F-A4A8-285063A35D87}" type="pres">
       <dgm:prSet presAssocID="{9C9C0585-42CE-4F34-A2BB-F1377DA03788}" presName="rect1" presStyleLbl="alignImgPlace1" presStyleIdx="0" presStyleCnt="1" custScaleX="62421" custScaleY="62421" custLinFactNeighborX="1076" custLinFactNeighborY="-52209"/>
@@ -2792,8 +2834,8 @@
     </dgm:pt>
   </dgm:ptLst>
   <dgm:cxnLst>
+    <dgm:cxn modelId="{A177C822-7566-4410-A889-706A6CE15148}" srcId="{8F66C165-B39F-46D3-B19F-623799541DD3}" destId="{9C9C0585-42CE-4F34-A2BB-F1377DA03788}" srcOrd="0" destOrd="0" parTransId="{4E5DCF2B-AAE7-41E2-837F-518128C03597}" sibTransId="{56F70C7F-1925-4DBA-9BD6-AF5E91799A59}"/>
     <dgm:cxn modelId="{A9E27516-E8E4-42A7-A155-024D48E79559}" type="presOf" srcId="{8F66C165-B39F-46D3-B19F-623799541DD3}" destId="{B6F028CB-F170-4FEF-BC3A-25F0E90D434A}" srcOrd="0" destOrd="0" presId="urn:microsoft.com/office/officeart/2008/layout/PictureGrid"/>
-    <dgm:cxn modelId="{A177C822-7566-4410-A889-706A6CE15148}" srcId="{8F66C165-B39F-46D3-B19F-623799541DD3}" destId="{9C9C0585-42CE-4F34-A2BB-F1377DA03788}" srcOrd="0" destOrd="0" parTransId="{4E5DCF2B-AAE7-41E2-837F-518128C03597}" sibTransId="{56F70C7F-1925-4DBA-9BD6-AF5E91799A59}"/>
     <dgm:cxn modelId="{ACD53F50-5BA1-48C9-B5DF-09BF6DA4DE65}" type="presOf" srcId="{9C9C0585-42CE-4F34-A2BB-F1377DA03788}" destId="{A30F2283-C0A4-4A69-BCBE-833D967155A2}" srcOrd="0" destOrd="0" presId="urn:microsoft.com/office/officeart/2008/layout/PictureGrid"/>
     <dgm:cxn modelId="{CC189C1C-06A1-4F03-B886-67BF46A53703}" type="presParOf" srcId="{B6F028CB-F170-4FEF-BC3A-25F0E90D434A}" destId="{65D73C51-61AB-436D-8191-975603FC9C68}" srcOrd="0" destOrd="0" presId="urn:microsoft.com/office/officeart/2008/layout/PictureGrid"/>
     <dgm:cxn modelId="{CD7DB92E-B84F-43A0-AC2D-FBBFB40722EE}" type="presParOf" srcId="{65D73C51-61AB-436D-8191-975603FC9C68}" destId="{A30F2283-C0A4-4A69-BCBE-833D967155A2}" srcOrd="0" destOrd="0" presId="urn:microsoft.com/office/officeart/2008/layout/PictureGrid"/>
@@ -2854,7 +2896,7 @@
         </a:bodyPr>
         <a:lstStyle/>
         <a:p>
-          <a:pPr marL="0" lvl="0" indent="0" algn="l" defTabSz="222250">
+          <a:pPr lvl="0" algn="l" defTabSz="222250">
             <a:lnSpc>
               <a:spcPct val="90000"/>
             </a:lnSpc>
@@ -2864,7 +2906,6 @@
             <a:spcAft>
               <a:spcPct val="35000"/>
             </a:spcAft>
-            <a:buNone/>
           </a:pPr>
           <a:r>
             <a:rPr lang="ru-RU" sz="500" kern="1200" dirty="0"/>
@@ -2978,7 +3019,7 @@
         </a:bodyPr>
         <a:lstStyle/>
         <a:p>
-          <a:pPr marL="0" lvl="0" indent="0" algn="l" defTabSz="222250">
+          <a:pPr lvl="0" algn="l" defTabSz="222250">
             <a:lnSpc>
               <a:spcPct val="90000"/>
             </a:lnSpc>
@@ -2988,7 +3029,6 @@
             <a:spcAft>
               <a:spcPct val="35000"/>
             </a:spcAft>
-            <a:buNone/>
           </a:pPr>
           <a:r>
             <a:rPr lang="ru-RU" sz="500" kern="1200" dirty="0"/>
@@ -3102,7 +3142,7 @@
         </a:bodyPr>
         <a:lstStyle/>
         <a:p>
-          <a:pPr marL="0" lvl="0" indent="0" algn="ctr" defTabSz="1778000">
+          <a:pPr lvl="0" algn="ctr" defTabSz="1778000">
             <a:lnSpc>
               <a:spcPct val="90000"/>
             </a:lnSpc>
@@ -3112,7 +3152,6 @@
             <a:spcAft>
               <a:spcPct val="35000"/>
             </a:spcAft>
-            <a:buNone/>
           </a:pPr>
           <a:r>
             <a:rPr lang="ru-RU" sz="4000" kern="1200" dirty="0">
@@ -7173,7 +7212,7 @@
           <a:p>
             <a:fld id="{16E5F246-0B7D-44DF-8C1B-EDFCA5DA626A}" type="datetimeFigureOut">
               <a:rPr lang="ru-RU" smtClean="0"/>
-              <a:t>16.04.2018</a:t>
+              <a:t>14.05.2020</a:t>
             </a:fld>
             <a:endParaRPr lang="ru-RU"/>
           </a:p>
@@ -10885,6 +10924,10 @@
             </a:r>
           </a:p>
           <a:p>
+            <a:r>
+              <a:rPr lang="ru-RU" dirty="0"/>
+              <a:t/>
+            </a:r>
             <a:br>
               <a:rPr lang="ru-RU" dirty="0"/>
             </a:br>
@@ -16243,6 +16286,13 @@
   <p:clrMapOvr>
     <a:masterClrMapping/>
   </p:clrMapOvr>
+  <p:timing>
+    <p:tnLst>
+      <p:par>
+        <p:cTn id="1" dur="indefinite" restart="never" nodeType="tmRoot"/>
+      </p:par>
+    </p:tnLst>
+  </p:timing>
 </p:sld>
 </file>
 
@@ -16581,6 +16631,13 @@
   <p:clrMapOvr>
     <a:masterClrMapping/>
   </p:clrMapOvr>
+  <p:timing>
+    <p:tnLst>
+      <p:par>
+        <p:cTn id="1" dur="indefinite" restart="never" nodeType="tmRoot"/>
+      </p:par>
+    </p:tnLst>
+  </p:timing>
 </p:sld>
 </file>
 
@@ -16618,7 +16675,9 @@
           </a:xfrm>
         </p:spPr>
         <p:txBody>
-          <a:bodyPr/>
+          <a:bodyPr>
+            <a:normAutofit/>
+          </a:bodyPr>
           <a:lstStyle/>
           <a:p>
             <a:r>
@@ -16663,11 +16722,7 @@
               <a:rPr lang="en-US" sz="2800" dirty="0">
                 <a:hlinkClick r:id="rId3"/>
               </a:rPr>
-              <a:t>http://blog.james-carr.org/2006/11/03/tdd-anti-patterns/</a:t>
-            </a:r>
-            <a:r>
-              <a:rPr lang="en-US" sz="2800" dirty="0"/>
-              <a:t> </a:t>
+              <a:t>https://habr.com/ru/post/43761/</a:t>
             </a:r>
             <a:endParaRPr lang="ru-RU" dirty="0"/>
           </a:p>
@@ -17007,55 +17062,6 @@
                       </p:childTnLst>
                     </p:cTn>
                   </p:par>
-                  <p:par>
-                    <p:cTn id="19" fill="hold">
-                      <p:stCondLst>
-                        <p:cond delay="indefinite"/>
-                      </p:stCondLst>
-                      <p:childTnLst>
-                        <p:par>
-                          <p:cTn id="20" fill="hold">
-                            <p:stCondLst>
-                              <p:cond delay="0"/>
-                            </p:stCondLst>
-                            <p:childTnLst>
-                              <p:par>
-                                <p:cTn id="21" presetID="1" presetClass="entr" presetSubtype="0" fill="hold" grpId="0" nodeType="clickEffect">
-                                  <p:stCondLst>
-                                    <p:cond delay="0"/>
-                                  </p:stCondLst>
-                                  <p:childTnLst>
-                                    <p:set>
-                                      <p:cBhvr>
-                                        <p:cTn id="22" dur="1" fill="hold">
-                                          <p:stCondLst>
-                                            <p:cond delay="0"/>
-                                          </p:stCondLst>
-                                        </p:cTn>
-                                        <p:tgtEl>
-                                          <p:spTgt spid="3">
-                                            <p:txEl>
-                                              <p:pRg st="5" end="5"/>
-                                            </p:txEl>
-                                          </p:spTgt>
-                                        </p:tgtEl>
-                                        <p:attrNameLst>
-                                          <p:attrName>style.visibility</p:attrName>
-                                        </p:attrNameLst>
-                                      </p:cBhvr>
-                                      <p:to>
-                                        <p:strVal val="visible"/>
-                                      </p:to>
-                                    </p:set>
-                                  </p:childTnLst>
-                                </p:cTn>
-                              </p:par>
-                            </p:childTnLst>
-                          </p:cTn>
-                        </p:par>
-                      </p:childTnLst>
-                    </p:cTn>
-                  </p:par>
                 </p:childTnLst>
               </p:cTn>
               <p:prevCondLst>
@@ -20551,6 +20557,10 @@
             <a:r>
               <a:rPr lang="ru-RU" dirty="0"/>
               <a:t>корявая семантика</a:t>
+            </a:r>
+            <a:r>
+              <a:rPr lang="en-US" dirty="0"/>
+              <a:t/>
             </a:r>
             <a:br>
               <a:rPr lang="en-US" dirty="0"/>
@@ -21682,6 +21692,20 @@
                 <a:cs typeface="Courier New" panose="02070309020205020404" pitchFamily="49" charset="0"/>
               </a:rPr>
             </a:br>
+            <a:r>
+              <a:rPr kumimoji="0" lang="en-US" altLang="en-US" sz="2400" b="0" i="0" u="none" strike="noStrike" cap="none" normalizeH="0" baseline="0" dirty="0">
+                <a:ln>
+                  <a:noFill/>
+                </a:ln>
+                <a:solidFill>
+                  <a:srgbClr val="000000"/>
+                </a:solidFill>
+                <a:effectLst/>
+                <a:latin typeface="Courier New" panose="02070309020205020404" pitchFamily="49" charset="0"/>
+                <a:cs typeface="Courier New" panose="02070309020205020404" pitchFamily="49" charset="0"/>
+              </a:rPr>
+              <a:t/>
+            </a:r>
             <a:br>
               <a:rPr kumimoji="0" lang="en-US" altLang="en-US" sz="2400" b="0" i="0" u="none" strike="noStrike" cap="none" normalizeH="0" baseline="0" dirty="0">
                 <a:ln>
@@ -21944,6 +21968,20 @@
                 <a:cs typeface="Courier New" panose="02070309020205020404" pitchFamily="49" charset="0"/>
               </a:rPr>
             </a:br>
+            <a:r>
+              <a:rPr kumimoji="0" lang="en-US" altLang="en-US" sz="2400" b="0" i="0" u="none" strike="noStrike" cap="none" normalizeH="0" baseline="0" dirty="0">
+                <a:ln>
+                  <a:noFill/>
+                </a:ln>
+                <a:solidFill>
+                  <a:srgbClr val="000000"/>
+                </a:solidFill>
+                <a:effectLst/>
+                <a:latin typeface="Courier New" panose="02070309020205020404" pitchFamily="49" charset="0"/>
+                <a:cs typeface="Courier New" panose="02070309020205020404" pitchFamily="49" charset="0"/>
+              </a:rPr>
+              <a:t/>
+            </a:r>
             <a:br>
               <a:rPr kumimoji="0" lang="en-US" altLang="en-US" sz="2400" b="0" i="0" u="none" strike="noStrike" cap="none" normalizeH="0" baseline="0" dirty="0">
                 <a:ln>
@@ -24384,6 +24422,20 @@
                 <a:cs typeface="Courier New" panose="02070309020205020404" pitchFamily="49" charset="0"/>
               </a:rPr>
             </a:br>
+            <a:r>
+              <a:rPr kumimoji="0" lang="en-US" altLang="en-US" sz="2400" b="0" i="0" u="none" strike="noStrike" cap="none" normalizeH="0" baseline="0" dirty="0">
+                <a:ln>
+                  <a:noFill/>
+                </a:ln>
+                <a:solidFill>
+                  <a:srgbClr val="000000"/>
+                </a:solidFill>
+                <a:effectLst/>
+                <a:latin typeface="Courier New" panose="02070309020205020404" pitchFamily="49" charset="0"/>
+                <a:cs typeface="Courier New" panose="02070309020205020404" pitchFamily="49" charset="0"/>
+              </a:rPr>
+              <a:t/>
+            </a:r>
             <a:br>
               <a:rPr kumimoji="0" lang="en-US" altLang="en-US" sz="2400" b="0" i="0" u="none" strike="noStrike" cap="none" normalizeH="0" baseline="0" dirty="0">
                 <a:ln>
@@ -26755,7 +26807,7 @@
                 <a14:useLocalDpi xmlns:a14="http://schemas.microsoft.com/office/drawing/2010/main" val="0"/>
               </a:ext>
               <a:ext uri="{96DAC541-7B7A-43D3-8B79-37D633B846F1}">
-                <asvg:svgBlip xmlns:asvg="http://schemas.microsoft.com/office/drawing/2016/SVG/main" r:embed="rId4"/>
+                <asvg:svgBlip xmlns:asvg="http://schemas.microsoft.com/office/drawing/2016/SVG/main" xmlns="" r:embed="rId4"/>
               </a:ext>
             </a:extLst>
           </a:blip>
@@ -27253,6 +27305,20 @@
                 <a:cs typeface="Courier New" panose="02070309020205020404" pitchFamily="49" charset="0"/>
               </a:rPr>
             </a:br>
+            <a:r>
+              <a:rPr kumimoji="0" lang="en-US" altLang="en-US" sz="2400" b="0" i="0" u="none" strike="noStrike" cap="none" normalizeH="0" baseline="0" dirty="0">
+                <a:ln>
+                  <a:noFill/>
+                </a:ln>
+                <a:solidFill>
+                  <a:srgbClr val="000000"/>
+                </a:solidFill>
+                <a:effectLst/>
+                <a:latin typeface="Courier New" panose="02070309020205020404" pitchFamily="49" charset="0"/>
+                <a:cs typeface="Courier New" panose="02070309020205020404" pitchFamily="49" charset="0"/>
+              </a:rPr>
+              <a:t/>
+            </a:r>
             <a:br>
               <a:rPr kumimoji="0" lang="en-US" altLang="en-US" sz="2400" b="0" i="0" u="none" strike="noStrike" cap="none" normalizeH="0" baseline="0" dirty="0">
                 <a:ln>
@@ -28308,7 +28374,7 @@
               <a:rPr lang="en-US" sz="2800" dirty="0">
                 <a:hlinkClick r:id="rId3"/>
               </a:rPr>
-              <a:t>http://java.dzone.com/articles/7-popular-unit-test-naming</a:t>
+              <a:t>https://dzone.com/articles/7-popular-unit-test-naming</a:t>
             </a:r>
             <a:endParaRPr lang="en-US" sz="2800" dirty="0"/>
           </a:p>
@@ -28531,55 +28597,6 @@
                                           <p:spTgt spid="3">
                                             <p:txEl>
                                               <p:pRg st="3" end="3"/>
-                                            </p:txEl>
-                                          </p:spTgt>
-                                        </p:tgtEl>
-                                        <p:attrNameLst>
-                                          <p:attrName>style.visibility</p:attrName>
-                                        </p:attrNameLst>
-                                      </p:cBhvr>
-                                      <p:to>
-                                        <p:strVal val="visible"/>
-                                      </p:to>
-                                    </p:set>
-                                  </p:childTnLst>
-                                </p:cTn>
-                              </p:par>
-                            </p:childTnLst>
-                          </p:cTn>
-                        </p:par>
-                      </p:childTnLst>
-                    </p:cTn>
-                  </p:par>
-                  <p:par>
-                    <p:cTn id="19" fill="hold">
-                      <p:stCondLst>
-                        <p:cond delay="indefinite"/>
-                      </p:stCondLst>
-                      <p:childTnLst>
-                        <p:par>
-                          <p:cTn id="20" fill="hold">
-                            <p:stCondLst>
-                              <p:cond delay="0"/>
-                            </p:stCondLst>
-                            <p:childTnLst>
-                              <p:par>
-                                <p:cTn id="21" presetID="1" presetClass="entr" presetSubtype="0" fill="hold" grpId="0" nodeType="clickEffect">
-                                  <p:stCondLst>
-                                    <p:cond delay="0"/>
-                                  </p:stCondLst>
-                                  <p:childTnLst>
-                                    <p:set>
-                                      <p:cBhvr>
-                                        <p:cTn id="22" dur="1" fill="hold">
-                                          <p:stCondLst>
-                                            <p:cond delay="0"/>
-                                          </p:stCondLst>
-                                        </p:cTn>
-                                        <p:tgtEl>
-                                          <p:spTgt spid="3">
-                                            <p:txEl>
-                                              <p:pRg st="5" end="5"/>
                                             </p:txEl>
                                           </p:spTgt>
                                         </p:tgtEl>
@@ -29830,6 +29847,20 @@
                 <a:cs typeface="Courier New" panose="02070309020205020404" pitchFamily="49" charset="0"/>
               </a:rPr>
             </a:br>
+            <a:r>
+              <a:rPr kumimoji="0" lang="en-US" altLang="en-US" sz="2000" b="0" i="0" u="none" strike="noStrike" cap="none" normalizeH="0" baseline="0" dirty="0">
+                <a:ln>
+                  <a:noFill/>
+                </a:ln>
+                <a:solidFill>
+                  <a:srgbClr val="000000"/>
+                </a:solidFill>
+                <a:effectLst/>
+                <a:latin typeface="Courier New" panose="02070309020205020404" pitchFamily="49" charset="0"/>
+                <a:cs typeface="Courier New" panose="02070309020205020404" pitchFamily="49" charset="0"/>
+              </a:rPr>
+              <a:t/>
+            </a:r>
             <a:br>
               <a:rPr kumimoji="0" lang="en-US" altLang="en-US" sz="2000" b="0" i="0" u="none" strike="noStrike" cap="none" normalizeH="0" baseline="0" dirty="0">
                 <a:ln>
